--- a/courses/apcsp/lect2.pptx
+++ b/courses/apcsp/lect2.pptx
@@ -7,18 +7,22 @@
   <p:sldIdLst>
     <p:sldId id="289" r:id="rId2"/>
     <p:sldId id="257" r:id="rId3"/>
-    <p:sldId id="274" r:id="rId4"/>
-    <p:sldId id="275" r:id="rId5"/>
-    <p:sldId id="291" r:id="rId6"/>
-    <p:sldId id="276" r:id="rId7"/>
-    <p:sldId id="278" r:id="rId8"/>
-    <p:sldId id="279" r:id="rId9"/>
-    <p:sldId id="292" r:id="rId10"/>
-    <p:sldId id="294" r:id="rId11"/>
-    <p:sldId id="280" r:id="rId12"/>
-    <p:sldId id="295" r:id="rId13"/>
-    <p:sldId id="281" r:id="rId14"/>
-    <p:sldId id="284" r:id="rId15"/>
+    <p:sldId id="277" r:id="rId4"/>
+    <p:sldId id="291" r:id="rId5"/>
+    <p:sldId id="292" r:id="rId6"/>
+    <p:sldId id="293" r:id="rId7"/>
+    <p:sldId id="294" r:id="rId8"/>
+    <p:sldId id="295" r:id="rId9"/>
+    <p:sldId id="296" r:id="rId10"/>
+    <p:sldId id="282" r:id="rId11"/>
+    <p:sldId id="297" r:id="rId12"/>
+    <p:sldId id="283" r:id="rId13"/>
+    <p:sldId id="298" r:id="rId14"/>
+    <p:sldId id="299" r:id="rId15"/>
+    <p:sldId id="300" r:id="rId16"/>
+    <p:sldId id="301" r:id="rId17"/>
+    <p:sldId id="302" r:id="rId18"/>
+    <p:sldId id="290" r:id="rId19"/>
   </p:sldIdLst>
   <p:sldSz cx="9144000" cy="5715000" type="screen16x10"/>
   <p:notesSz cx="6858000" cy="9144000"/>
@@ -128,7 +132,7 @@
 <file path=ppt/revisionInfo.xml><?xml version="1.0" encoding="utf-8"?>
 <p1510:revInfo xmlns:a="http://schemas.openxmlformats.org/drawingml/2006/main" xmlns:r="http://schemas.openxmlformats.org/officeDocument/2006/relationships" xmlns:p1510="http://schemas.microsoft.com/office/powerpoint/2015/10/main">
   <p1510:revLst>
-    <p1510:client id="{5BA4ED75-8AB8-EF4B-B40C-CAAFEBD8F6A0}" v="2" dt="2019-08-25T11:36:43.749"/>
+    <p1510:client id="{3F616429-CA07-8145-BE07-B7552942C56D}" v="68" dt="2019-09-07T19:18:44.709"/>
   </p1510:revLst>
 </p1510:revInfo>
 </file>
@@ -136,12 +140,474 @@
 <file path=ppt/changesInfos/changesInfo1.xml><?xml version="1.0" encoding="utf-8"?>
 <pc:chgInfo xmlns:a="http://schemas.openxmlformats.org/drawingml/2006/main" xmlns:r="http://schemas.openxmlformats.org/officeDocument/2006/relationships" xmlns:ac="http://schemas.microsoft.com/office/drawing/2013/main/command" xmlns:pc="http://schemas.microsoft.com/office/powerpoint/2013/main/command">
   <pc:docChgLst>
+    <pc:chgData name="Long B Nguyen" userId="f59fb8f3-a021-417a-8bc1-65c8d471c621" providerId="ADAL" clId="{3F616429-CA07-8145-BE07-B7552942C56D}"/>
+    <pc:docChg chg="custSel addSld delSld modSld">
+      <pc:chgData name="Long B Nguyen" userId="f59fb8f3-a021-417a-8bc1-65c8d471c621" providerId="ADAL" clId="{3F616429-CA07-8145-BE07-B7552942C56D}" dt="2019-09-08T01:00:46.195" v="3084" actId="14100"/>
+      <pc:docMkLst>
+        <pc:docMk/>
+      </pc:docMkLst>
+      <pc:sldChg chg="modSp">
+        <pc:chgData name="Long B Nguyen" userId="f59fb8f3-a021-417a-8bc1-65c8d471c621" providerId="ADAL" clId="{3F616429-CA07-8145-BE07-B7552942C56D}" dt="2019-09-07T19:20:15.681" v="3039" actId="20577"/>
+        <pc:sldMkLst>
+          <pc:docMk/>
+          <pc:sldMk cId="2207246265" sldId="257"/>
+        </pc:sldMkLst>
+        <pc:spChg chg="mod">
+          <ac:chgData name="Long B Nguyen" userId="f59fb8f3-a021-417a-8bc1-65c8d471c621" providerId="ADAL" clId="{3F616429-CA07-8145-BE07-B7552942C56D}" dt="2019-09-07T19:20:15.681" v="3039" actId="20577"/>
+          <ac:spMkLst>
+            <pc:docMk/>
+            <pc:sldMk cId="2207246265" sldId="257"/>
+            <ac:spMk id="9" creationId="{E3B2E017-30B2-884B-A113-B419A2ED51AD}"/>
+          </ac:spMkLst>
+        </pc:spChg>
+      </pc:sldChg>
+      <pc:sldChg chg="addSp modSp">
+        <pc:chgData name="Long B Nguyen" userId="f59fb8f3-a021-417a-8bc1-65c8d471c621" providerId="ADAL" clId="{3F616429-CA07-8145-BE07-B7552942C56D}" dt="2019-09-07T18:09:22.512" v="2159" actId="207"/>
+        <pc:sldMkLst>
+          <pc:docMk/>
+          <pc:sldMk cId="3692685984" sldId="282"/>
+        </pc:sldMkLst>
+        <pc:spChg chg="add mod">
+          <ac:chgData name="Long B Nguyen" userId="f59fb8f3-a021-417a-8bc1-65c8d471c621" providerId="ADAL" clId="{3F616429-CA07-8145-BE07-B7552942C56D}" dt="2019-09-07T18:09:22.512" v="2159" actId="207"/>
+          <ac:spMkLst>
+            <pc:docMk/>
+            <pc:sldMk cId="3692685984" sldId="282"/>
+            <ac:spMk id="3" creationId="{9E8B8AB9-E120-6C4A-9B5F-9F1D3643B835}"/>
+          </ac:spMkLst>
+        </pc:spChg>
+      </pc:sldChg>
+      <pc:sldChg chg="addSp delSp modSp">
+        <pc:chgData name="Long B Nguyen" userId="f59fb8f3-a021-417a-8bc1-65c8d471c621" providerId="ADAL" clId="{3F616429-CA07-8145-BE07-B7552942C56D}" dt="2019-09-07T18:10:50.103" v="2182" actId="14100"/>
+        <pc:sldMkLst>
+          <pc:docMk/>
+          <pc:sldMk cId="1520265794" sldId="283"/>
+        </pc:sldMkLst>
+        <pc:spChg chg="mod">
+          <ac:chgData name="Long B Nguyen" userId="f59fb8f3-a021-417a-8bc1-65c8d471c621" providerId="ADAL" clId="{3F616429-CA07-8145-BE07-B7552942C56D}" dt="2019-09-07T18:10:50.103" v="2182" actId="14100"/>
+          <ac:spMkLst>
+            <pc:docMk/>
+            <pc:sldMk cId="1520265794" sldId="283"/>
+            <ac:spMk id="9" creationId="{E3B2E017-30B2-884B-A113-B419A2ED51AD}"/>
+          </ac:spMkLst>
+        </pc:spChg>
+        <pc:graphicFrameChg chg="add mod modGraphic">
+          <ac:chgData name="Long B Nguyen" userId="f59fb8f3-a021-417a-8bc1-65c8d471c621" providerId="ADAL" clId="{3F616429-CA07-8145-BE07-B7552942C56D}" dt="2019-09-07T18:10:42.006" v="2180" actId="1035"/>
+          <ac:graphicFrameMkLst>
+            <pc:docMk/>
+            <pc:sldMk cId="1520265794" sldId="283"/>
+            <ac:graphicFrameMk id="3" creationId="{D1A8B361-4859-D745-85D5-8B7414EF4CC9}"/>
+          </ac:graphicFrameMkLst>
+        </pc:graphicFrameChg>
+        <pc:graphicFrameChg chg="add mod modGraphic">
+          <ac:chgData name="Long B Nguyen" userId="f59fb8f3-a021-417a-8bc1-65c8d471c621" providerId="ADAL" clId="{3F616429-CA07-8145-BE07-B7552942C56D}" dt="2019-09-07T18:10:42.006" v="2180" actId="1035"/>
+          <ac:graphicFrameMkLst>
+            <pc:docMk/>
+            <pc:sldMk cId="1520265794" sldId="283"/>
+            <ac:graphicFrameMk id="5" creationId="{6B28EE87-25E5-6843-B881-8A5CBDEB8778}"/>
+          </ac:graphicFrameMkLst>
+        </pc:graphicFrameChg>
+        <pc:graphicFrameChg chg="add del mod modGraphic">
+          <ac:chgData name="Long B Nguyen" userId="f59fb8f3-a021-417a-8bc1-65c8d471c621" providerId="ADAL" clId="{3F616429-CA07-8145-BE07-B7552942C56D}" dt="2019-09-07T17:24:18.231" v="1942" actId="478"/>
+          <ac:graphicFrameMkLst>
+            <pc:docMk/>
+            <pc:sldMk cId="1520265794" sldId="283"/>
+            <ac:graphicFrameMk id="6" creationId="{6EE21635-F4F7-7548-B5DD-E4573284DCEF}"/>
+          </ac:graphicFrameMkLst>
+        </pc:graphicFrameChg>
+        <pc:graphicFrameChg chg="add del mod">
+          <ac:chgData name="Long B Nguyen" userId="f59fb8f3-a021-417a-8bc1-65c8d471c621" providerId="ADAL" clId="{3F616429-CA07-8145-BE07-B7552942C56D}" dt="2019-09-07T17:24:14.702" v="1940" actId="478"/>
+          <ac:graphicFrameMkLst>
+            <pc:docMk/>
+            <pc:sldMk cId="1520265794" sldId="283"/>
+            <ac:graphicFrameMk id="7" creationId="{8A09AA29-C0FE-8749-883C-2266C866F30A}"/>
+          </ac:graphicFrameMkLst>
+        </pc:graphicFrameChg>
+        <pc:graphicFrameChg chg="add mod modGraphic">
+          <ac:chgData name="Long B Nguyen" userId="f59fb8f3-a021-417a-8bc1-65c8d471c621" providerId="ADAL" clId="{3F616429-CA07-8145-BE07-B7552942C56D}" dt="2019-09-07T18:10:42.006" v="2180" actId="1035"/>
+          <ac:graphicFrameMkLst>
+            <pc:docMk/>
+            <pc:sldMk cId="1520265794" sldId="283"/>
+            <ac:graphicFrameMk id="8" creationId="{77EBC987-A315-0D4B-9537-E689EC60B366}"/>
+          </ac:graphicFrameMkLst>
+        </pc:graphicFrameChg>
+      </pc:sldChg>
+      <pc:sldChg chg="modSp">
+        <pc:chgData name="Long B Nguyen" userId="f59fb8f3-a021-417a-8bc1-65c8d471c621" providerId="ADAL" clId="{3F616429-CA07-8145-BE07-B7552942C56D}" dt="2019-09-08T01:00:46.195" v="3084" actId="14100"/>
+        <pc:sldMkLst>
+          <pc:docMk/>
+          <pc:sldMk cId="3974060782" sldId="289"/>
+        </pc:sldMkLst>
+        <pc:spChg chg="mod">
+          <ac:chgData name="Long B Nguyen" userId="f59fb8f3-a021-417a-8bc1-65c8d471c621" providerId="ADAL" clId="{3F616429-CA07-8145-BE07-B7552942C56D}" dt="2019-09-08T01:00:46.195" v="3084" actId="14100"/>
+          <ac:spMkLst>
+            <pc:docMk/>
+            <pc:sldMk cId="3974060782" sldId="289"/>
+            <ac:spMk id="3" creationId="{1BDC47C8-6776-7B44-9CD4-95FC91452D62}"/>
+          </ac:spMkLst>
+        </pc:spChg>
+      </pc:sldChg>
+      <pc:sldChg chg="add">
+        <pc:chgData name="Long B Nguyen" userId="f59fb8f3-a021-417a-8bc1-65c8d471c621" providerId="ADAL" clId="{3F616429-CA07-8145-BE07-B7552942C56D}" dt="2019-08-25T12:50:04.549" v="66"/>
+        <pc:sldMkLst>
+          <pc:docMk/>
+          <pc:sldMk cId="1728628262" sldId="290"/>
+        </pc:sldMkLst>
+      </pc:sldChg>
+      <pc:sldChg chg="modSp add">
+        <pc:chgData name="Long B Nguyen" userId="f59fb8f3-a021-417a-8bc1-65c8d471c621" providerId="ADAL" clId="{3F616429-CA07-8145-BE07-B7552942C56D}" dt="2019-09-07T13:11:52.536" v="201" actId="20577"/>
+        <pc:sldMkLst>
+          <pc:docMk/>
+          <pc:sldMk cId="2050346815" sldId="291"/>
+        </pc:sldMkLst>
+        <pc:spChg chg="mod">
+          <ac:chgData name="Long B Nguyen" userId="f59fb8f3-a021-417a-8bc1-65c8d471c621" providerId="ADAL" clId="{3F616429-CA07-8145-BE07-B7552942C56D}" dt="2019-09-07T13:08:42.801" v="90" actId="20577"/>
+          <ac:spMkLst>
+            <pc:docMk/>
+            <pc:sldMk cId="2050346815" sldId="291"/>
+            <ac:spMk id="2" creationId="{AA3A228F-61D0-D949-A5E7-F83756230BF8}"/>
+          </ac:spMkLst>
+        </pc:spChg>
+        <pc:spChg chg="mod">
+          <ac:chgData name="Long B Nguyen" userId="f59fb8f3-a021-417a-8bc1-65c8d471c621" providerId="ADAL" clId="{3F616429-CA07-8145-BE07-B7552942C56D}" dt="2019-09-07T13:11:52.536" v="201" actId="20577"/>
+          <ac:spMkLst>
+            <pc:docMk/>
+            <pc:sldMk cId="2050346815" sldId="291"/>
+            <ac:spMk id="9" creationId="{E3B2E017-30B2-884B-A113-B419A2ED51AD}"/>
+          </ac:spMkLst>
+        </pc:spChg>
+      </pc:sldChg>
+      <pc:sldChg chg="modSp add">
+        <pc:chgData name="Long B Nguyen" userId="f59fb8f3-a021-417a-8bc1-65c8d471c621" providerId="ADAL" clId="{3F616429-CA07-8145-BE07-B7552942C56D}" dt="2019-09-07T13:23:59.777" v="672" actId="20577"/>
+        <pc:sldMkLst>
+          <pc:docMk/>
+          <pc:sldMk cId="4114225628" sldId="292"/>
+        </pc:sldMkLst>
+        <pc:spChg chg="mod">
+          <ac:chgData name="Long B Nguyen" userId="f59fb8f3-a021-417a-8bc1-65c8d471c621" providerId="ADAL" clId="{3F616429-CA07-8145-BE07-B7552942C56D}" dt="2019-09-07T13:23:59.777" v="672" actId="20577"/>
+          <ac:spMkLst>
+            <pc:docMk/>
+            <pc:sldMk cId="4114225628" sldId="292"/>
+            <ac:spMk id="2" creationId="{AA3A228F-61D0-D949-A5E7-F83756230BF8}"/>
+          </ac:spMkLst>
+        </pc:spChg>
+        <pc:spChg chg="mod">
+          <ac:chgData name="Long B Nguyen" userId="f59fb8f3-a021-417a-8bc1-65c8d471c621" providerId="ADAL" clId="{3F616429-CA07-8145-BE07-B7552942C56D}" dt="2019-09-07T13:23:09.966" v="623" actId="20577"/>
+          <ac:spMkLst>
+            <pc:docMk/>
+            <pc:sldMk cId="4114225628" sldId="292"/>
+            <ac:spMk id="9" creationId="{E3B2E017-30B2-884B-A113-B419A2ED51AD}"/>
+          </ac:spMkLst>
+        </pc:spChg>
+      </pc:sldChg>
+      <pc:sldChg chg="modSp add">
+        <pc:chgData name="Long B Nguyen" userId="f59fb8f3-a021-417a-8bc1-65c8d471c621" providerId="ADAL" clId="{3F616429-CA07-8145-BE07-B7552942C56D}" dt="2019-09-07T13:26:41.723" v="866" actId="20577"/>
+        <pc:sldMkLst>
+          <pc:docMk/>
+          <pc:sldMk cId="3662168313" sldId="293"/>
+        </pc:sldMkLst>
+        <pc:spChg chg="mod">
+          <ac:chgData name="Long B Nguyen" userId="f59fb8f3-a021-417a-8bc1-65c8d471c621" providerId="ADAL" clId="{3F616429-CA07-8145-BE07-B7552942C56D}" dt="2019-09-07T13:24:04.522" v="674" actId="20577"/>
+          <ac:spMkLst>
+            <pc:docMk/>
+            <pc:sldMk cId="3662168313" sldId="293"/>
+            <ac:spMk id="2" creationId="{AA3A228F-61D0-D949-A5E7-F83756230BF8}"/>
+          </ac:spMkLst>
+        </pc:spChg>
+        <pc:spChg chg="mod">
+          <ac:chgData name="Long B Nguyen" userId="f59fb8f3-a021-417a-8bc1-65c8d471c621" providerId="ADAL" clId="{3F616429-CA07-8145-BE07-B7552942C56D}" dt="2019-09-07T13:26:41.723" v="866" actId="20577"/>
+          <ac:spMkLst>
+            <pc:docMk/>
+            <pc:sldMk cId="3662168313" sldId="293"/>
+            <ac:spMk id="9" creationId="{E3B2E017-30B2-884B-A113-B419A2ED51AD}"/>
+          </ac:spMkLst>
+        </pc:spChg>
+      </pc:sldChg>
+      <pc:sldChg chg="modSp add">
+        <pc:chgData name="Long B Nguyen" userId="f59fb8f3-a021-417a-8bc1-65c8d471c621" providerId="ADAL" clId="{3F616429-CA07-8145-BE07-B7552942C56D}" dt="2019-09-07T17:17:08.091" v="1789" actId="113"/>
+        <pc:sldMkLst>
+          <pc:docMk/>
+          <pc:sldMk cId="1486217497" sldId="294"/>
+        </pc:sldMkLst>
+        <pc:spChg chg="mod">
+          <ac:chgData name="Long B Nguyen" userId="f59fb8f3-a021-417a-8bc1-65c8d471c621" providerId="ADAL" clId="{3F616429-CA07-8145-BE07-B7552942C56D}" dt="2019-09-07T13:44:00.619" v="894" actId="20577"/>
+          <ac:spMkLst>
+            <pc:docMk/>
+            <pc:sldMk cId="1486217497" sldId="294"/>
+            <ac:spMk id="2" creationId="{AA3A228F-61D0-D949-A5E7-F83756230BF8}"/>
+          </ac:spMkLst>
+        </pc:spChg>
+        <pc:spChg chg="mod">
+          <ac:chgData name="Long B Nguyen" userId="f59fb8f3-a021-417a-8bc1-65c8d471c621" providerId="ADAL" clId="{3F616429-CA07-8145-BE07-B7552942C56D}" dt="2019-09-07T17:17:08.091" v="1789" actId="113"/>
+          <ac:spMkLst>
+            <pc:docMk/>
+            <pc:sldMk cId="1486217497" sldId="294"/>
+            <ac:spMk id="9" creationId="{E3B2E017-30B2-884B-A113-B419A2ED51AD}"/>
+          </ac:spMkLst>
+        </pc:spChg>
+      </pc:sldChg>
+      <pc:sldChg chg="addSp delSp modSp add">
+        <pc:chgData name="Long B Nguyen" userId="f59fb8f3-a021-417a-8bc1-65c8d471c621" providerId="ADAL" clId="{3F616429-CA07-8145-BE07-B7552942C56D}" dt="2019-09-07T17:18:14.924" v="1802" actId="1076"/>
+        <pc:sldMkLst>
+          <pc:docMk/>
+          <pc:sldMk cId="4260969557" sldId="295"/>
+        </pc:sldMkLst>
+        <pc:spChg chg="mod">
+          <ac:chgData name="Long B Nguyen" userId="f59fb8f3-a021-417a-8bc1-65c8d471c621" providerId="ADAL" clId="{3F616429-CA07-8145-BE07-B7552942C56D}" dt="2019-09-07T13:54:07.597" v="964" actId="20577"/>
+          <ac:spMkLst>
+            <pc:docMk/>
+            <pc:sldMk cId="4260969557" sldId="295"/>
+            <ac:spMk id="2" creationId="{AA3A228F-61D0-D949-A5E7-F83756230BF8}"/>
+          </ac:spMkLst>
+        </pc:spChg>
+        <pc:spChg chg="add del mod">
+          <ac:chgData name="Long B Nguyen" userId="f59fb8f3-a021-417a-8bc1-65c8d471c621" providerId="ADAL" clId="{3F616429-CA07-8145-BE07-B7552942C56D}" dt="2019-09-07T14:17:18.630" v="1253"/>
+          <ac:spMkLst>
+            <pc:docMk/>
+            <pc:sldMk cId="4260969557" sldId="295"/>
+            <ac:spMk id="4" creationId="{C2072D18-5BF0-C442-B603-2676A17601C8}"/>
+          </ac:spMkLst>
+        </pc:spChg>
+        <pc:spChg chg="add mod">
+          <ac:chgData name="Long B Nguyen" userId="f59fb8f3-a021-417a-8bc1-65c8d471c621" providerId="ADAL" clId="{3F616429-CA07-8145-BE07-B7552942C56D}" dt="2019-09-07T17:18:14.924" v="1802" actId="1076"/>
+          <ac:spMkLst>
+            <pc:docMk/>
+            <pc:sldMk cId="4260969557" sldId="295"/>
+            <ac:spMk id="5" creationId="{F46FDA34-E2B9-0847-B9D0-D4D6C167AC45}"/>
+          </ac:spMkLst>
+        </pc:spChg>
+        <pc:spChg chg="del mod">
+          <ac:chgData name="Long B Nguyen" userId="f59fb8f3-a021-417a-8bc1-65c8d471c621" providerId="ADAL" clId="{3F616429-CA07-8145-BE07-B7552942C56D}" dt="2019-09-07T14:01:01.018" v="966" actId="3680"/>
+          <ac:spMkLst>
+            <pc:docMk/>
+            <pc:sldMk cId="4260969557" sldId="295"/>
+            <ac:spMk id="9" creationId="{E3B2E017-30B2-884B-A113-B419A2ED51AD}"/>
+          </ac:spMkLst>
+        </pc:spChg>
+        <pc:graphicFrameChg chg="add mod modGraphic">
+          <ac:chgData name="Long B Nguyen" userId="f59fb8f3-a021-417a-8bc1-65c8d471c621" providerId="ADAL" clId="{3F616429-CA07-8145-BE07-B7552942C56D}" dt="2019-09-07T17:18:07.866" v="1801" actId="255"/>
+          <ac:graphicFrameMkLst>
+            <pc:docMk/>
+            <pc:sldMk cId="4260969557" sldId="295"/>
+            <ac:graphicFrameMk id="3" creationId="{391B73BC-5A44-AA4B-8594-7E55B590EF7F}"/>
+          </ac:graphicFrameMkLst>
+        </pc:graphicFrameChg>
+      </pc:sldChg>
+      <pc:sldChg chg="modSp add">
+        <pc:chgData name="Long B Nguyen" userId="f59fb8f3-a021-417a-8bc1-65c8d471c621" providerId="ADAL" clId="{3F616429-CA07-8145-BE07-B7552942C56D}" dt="2019-09-07T17:13:20.111" v="1607" actId="207"/>
+        <pc:sldMkLst>
+          <pc:docMk/>
+          <pc:sldMk cId="1049843196" sldId="296"/>
+        </pc:sldMkLst>
+        <pc:spChg chg="mod">
+          <ac:chgData name="Long B Nguyen" userId="f59fb8f3-a021-417a-8bc1-65c8d471c621" providerId="ADAL" clId="{3F616429-CA07-8145-BE07-B7552942C56D}" dt="2019-09-07T14:22:07.106" v="1487" actId="20577"/>
+          <ac:spMkLst>
+            <pc:docMk/>
+            <pc:sldMk cId="1049843196" sldId="296"/>
+            <ac:spMk id="2" creationId="{AA3A228F-61D0-D949-A5E7-F83756230BF8}"/>
+          </ac:spMkLst>
+        </pc:spChg>
+        <pc:spChg chg="mod">
+          <ac:chgData name="Long B Nguyen" userId="f59fb8f3-a021-417a-8bc1-65c8d471c621" providerId="ADAL" clId="{3F616429-CA07-8145-BE07-B7552942C56D}" dt="2019-09-07T17:13:20.111" v="1607" actId="207"/>
+          <ac:spMkLst>
+            <pc:docMk/>
+            <pc:sldMk cId="1049843196" sldId="296"/>
+            <ac:spMk id="9" creationId="{E3B2E017-30B2-884B-A113-B419A2ED51AD}"/>
+          </ac:spMkLst>
+        </pc:spChg>
+      </pc:sldChg>
+      <pc:sldChg chg="modSp add">
+        <pc:chgData name="Long B Nguyen" userId="f59fb8f3-a021-417a-8bc1-65c8d471c621" providerId="ADAL" clId="{3F616429-CA07-8145-BE07-B7552942C56D}" dt="2019-09-07T14:30:49.968" v="1595" actId="20577"/>
+        <pc:sldMkLst>
+          <pc:docMk/>
+          <pc:sldMk cId="226264442" sldId="297"/>
+        </pc:sldMkLst>
+        <pc:spChg chg="mod">
+          <ac:chgData name="Long B Nguyen" userId="f59fb8f3-a021-417a-8bc1-65c8d471c621" providerId="ADAL" clId="{3F616429-CA07-8145-BE07-B7552942C56D}" dt="2019-09-07T14:23:52.239" v="1508" actId="20577"/>
+          <ac:spMkLst>
+            <pc:docMk/>
+            <pc:sldMk cId="226264442" sldId="297"/>
+            <ac:spMk id="2" creationId="{AA3A228F-61D0-D949-A5E7-F83756230BF8}"/>
+          </ac:spMkLst>
+        </pc:spChg>
+        <pc:spChg chg="mod">
+          <ac:chgData name="Long B Nguyen" userId="f59fb8f3-a021-417a-8bc1-65c8d471c621" providerId="ADAL" clId="{3F616429-CA07-8145-BE07-B7552942C56D}" dt="2019-09-07T14:30:49.968" v="1595" actId="20577"/>
+          <ac:spMkLst>
+            <pc:docMk/>
+            <pc:sldMk cId="226264442" sldId="297"/>
+            <ac:spMk id="9" creationId="{E3B2E017-30B2-884B-A113-B419A2ED51AD}"/>
+          </ac:spMkLst>
+        </pc:spChg>
+      </pc:sldChg>
+      <pc:sldChg chg="modSp add">
+        <pc:chgData name="Long B Nguyen" userId="f59fb8f3-a021-417a-8bc1-65c8d471c621" providerId="ADAL" clId="{3F616429-CA07-8145-BE07-B7552942C56D}" dt="2019-09-07T17:30:19.419" v="2024" actId="20577"/>
+        <pc:sldMkLst>
+          <pc:docMk/>
+          <pc:sldMk cId="1851907297" sldId="298"/>
+        </pc:sldMkLst>
+        <pc:spChg chg="mod">
+          <ac:chgData name="Long B Nguyen" userId="f59fb8f3-a021-417a-8bc1-65c8d471c621" providerId="ADAL" clId="{3F616429-CA07-8145-BE07-B7552942C56D}" dt="2019-09-07T17:30:19.419" v="2024" actId="20577"/>
+          <ac:spMkLst>
+            <pc:docMk/>
+            <pc:sldMk cId="1851907297" sldId="298"/>
+            <ac:spMk id="9" creationId="{E3B2E017-30B2-884B-A113-B419A2ED51AD}"/>
+          </ac:spMkLst>
+        </pc:spChg>
+      </pc:sldChg>
+      <pc:sldChg chg="modSp add">
+        <pc:chgData name="Long B Nguyen" userId="f59fb8f3-a021-417a-8bc1-65c8d471c621" providerId="ADAL" clId="{3F616429-CA07-8145-BE07-B7552942C56D}" dt="2019-09-07T19:00:34.418" v="2433" actId="20577"/>
+        <pc:sldMkLst>
+          <pc:docMk/>
+          <pc:sldMk cId="4186435068" sldId="299"/>
+        </pc:sldMkLst>
+        <pc:spChg chg="mod">
+          <ac:chgData name="Long B Nguyen" userId="f59fb8f3-a021-417a-8bc1-65c8d471c621" providerId="ADAL" clId="{3F616429-CA07-8145-BE07-B7552942C56D}" dt="2019-09-07T18:56:58.451" v="2192" actId="20577"/>
+          <ac:spMkLst>
+            <pc:docMk/>
+            <pc:sldMk cId="4186435068" sldId="299"/>
+            <ac:spMk id="2" creationId="{AA3A228F-61D0-D949-A5E7-F83756230BF8}"/>
+          </ac:spMkLst>
+        </pc:spChg>
+        <pc:spChg chg="mod">
+          <ac:chgData name="Long B Nguyen" userId="f59fb8f3-a021-417a-8bc1-65c8d471c621" providerId="ADAL" clId="{3F616429-CA07-8145-BE07-B7552942C56D}" dt="2019-09-07T19:00:34.418" v="2433" actId="20577"/>
+          <ac:spMkLst>
+            <pc:docMk/>
+            <pc:sldMk cId="4186435068" sldId="299"/>
+            <ac:spMk id="9" creationId="{E3B2E017-30B2-884B-A113-B419A2ED51AD}"/>
+          </ac:spMkLst>
+        </pc:spChg>
+      </pc:sldChg>
+      <pc:sldChg chg="addSp modSp add">
+        <pc:chgData name="Long B Nguyen" userId="f59fb8f3-a021-417a-8bc1-65c8d471c621" providerId="ADAL" clId="{3F616429-CA07-8145-BE07-B7552942C56D}" dt="2019-09-07T19:13:56.458" v="2807"/>
+        <pc:sldMkLst>
+          <pc:docMk/>
+          <pc:sldMk cId="862557025" sldId="300"/>
+        </pc:sldMkLst>
+        <pc:spChg chg="mod">
+          <ac:chgData name="Long B Nguyen" userId="f59fb8f3-a021-417a-8bc1-65c8d471c621" providerId="ADAL" clId="{3F616429-CA07-8145-BE07-B7552942C56D}" dt="2019-09-07T19:02:02.556" v="2461" actId="20577"/>
+          <ac:spMkLst>
+            <pc:docMk/>
+            <pc:sldMk cId="862557025" sldId="300"/>
+            <ac:spMk id="2" creationId="{AA3A228F-61D0-D949-A5E7-F83756230BF8}"/>
+          </ac:spMkLst>
+        </pc:spChg>
+        <pc:spChg chg="add">
+          <ac:chgData name="Long B Nguyen" userId="f59fb8f3-a021-417a-8bc1-65c8d471c621" providerId="ADAL" clId="{3F616429-CA07-8145-BE07-B7552942C56D}" dt="2019-09-07T19:13:56.458" v="2807"/>
+          <ac:spMkLst>
+            <pc:docMk/>
+            <pc:sldMk cId="862557025" sldId="300"/>
+            <ac:spMk id="3" creationId="{89FC81C6-5951-4C46-A412-23C1C61FDBAF}"/>
+          </ac:spMkLst>
+        </pc:spChg>
+        <pc:spChg chg="mod">
+          <ac:chgData name="Long B Nguyen" userId="f59fb8f3-a021-417a-8bc1-65c8d471c621" providerId="ADAL" clId="{3F616429-CA07-8145-BE07-B7552942C56D}" dt="2019-09-07T19:07:05.595" v="2806" actId="20577"/>
+          <ac:spMkLst>
+            <pc:docMk/>
+            <pc:sldMk cId="862557025" sldId="300"/>
+            <ac:spMk id="9" creationId="{E3B2E017-30B2-884B-A113-B419A2ED51AD}"/>
+          </ac:spMkLst>
+        </pc:spChg>
+      </pc:sldChg>
+      <pc:sldChg chg="delSp modSp add">
+        <pc:chgData name="Long B Nguyen" userId="f59fb8f3-a021-417a-8bc1-65c8d471c621" providerId="ADAL" clId="{3F616429-CA07-8145-BE07-B7552942C56D}" dt="2019-09-07T19:17:25.031" v="2923" actId="20577"/>
+        <pc:sldMkLst>
+          <pc:docMk/>
+          <pc:sldMk cId="170290661" sldId="301"/>
+        </pc:sldMkLst>
+        <pc:spChg chg="mod">
+          <ac:chgData name="Long B Nguyen" userId="f59fb8f3-a021-417a-8bc1-65c8d471c621" providerId="ADAL" clId="{3F616429-CA07-8145-BE07-B7552942C56D}" dt="2019-09-07T19:14:08.061" v="2834" actId="20577"/>
+          <ac:spMkLst>
+            <pc:docMk/>
+            <pc:sldMk cId="170290661" sldId="301"/>
+            <ac:spMk id="2" creationId="{AA3A228F-61D0-D949-A5E7-F83756230BF8}"/>
+          </ac:spMkLst>
+        </pc:spChg>
+        <pc:spChg chg="del mod">
+          <ac:chgData name="Long B Nguyen" userId="f59fb8f3-a021-417a-8bc1-65c8d471c621" providerId="ADAL" clId="{3F616429-CA07-8145-BE07-B7552942C56D}" dt="2019-09-07T19:15:13.645" v="2842" actId="478"/>
+          <ac:spMkLst>
+            <pc:docMk/>
+            <pc:sldMk cId="170290661" sldId="301"/>
+            <ac:spMk id="3" creationId="{89FC81C6-5951-4C46-A412-23C1C61FDBAF}"/>
+          </ac:spMkLst>
+        </pc:spChg>
+        <pc:spChg chg="mod">
+          <ac:chgData name="Long B Nguyen" userId="f59fb8f3-a021-417a-8bc1-65c8d471c621" providerId="ADAL" clId="{3F616429-CA07-8145-BE07-B7552942C56D}" dt="2019-09-07T19:17:25.031" v="2923" actId="20577"/>
+          <ac:spMkLst>
+            <pc:docMk/>
+            <pc:sldMk cId="170290661" sldId="301"/>
+            <ac:spMk id="9" creationId="{E3B2E017-30B2-884B-A113-B419A2ED51AD}"/>
+          </ac:spMkLst>
+        </pc:spChg>
+      </pc:sldChg>
+      <pc:sldChg chg="delSp modSp add">
+        <pc:chgData name="Long B Nguyen" userId="f59fb8f3-a021-417a-8bc1-65c8d471c621" providerId="ADAL" clId="{3F616429-CA07-8145-BE07-B7552942C56D}" dt="2019-09-07T19:20:42.687" v="3045" actId="20577"/>
+        <pc:sldMkLst>
+          <pc:docMk/>
+          <pc:sldMk cId="2207534797" sldId="302"/>
+        </pc:sldMkLst>
+        <pc:spChg chg="mod">
+          <ac:chgData name="Long B Nguyen" userId="f59fb8f3-a021-417a-8bc1-65c8d471c621" providerId="ADAL" clId="{3F616429-CA07-8145-BE07-B7552942C56D}" dt="2019-09-07T19:17:49.110" v="2945" actId="20577"/>
+          <ac:spMkLst>
+            <pc:docMk/>
+            <pc:sldMk cId="2207534797" sldId="302"/>
+            <ac:spMk id="2" creationId="{AA3A228F-61D0-D949-A5E7-F83756230BF8}"/>
+          </ac:spMkLst>
+        </pc:spChg>
+        <pc:spChg chg="del">
+          <ac:chgData name="Long B Nguyen" userId="f59fb8f3-a021-417a-8bc1-65c8d471c621" providerId="ADAL" clId="{3F616429-CA07-8145-BE07-B7552942C56D}" dt="2019-09-07T19:18:53.904" v="2975" actId="478"/>
+          <ac:spMkLst>
+            <pc:docMk/>
+            <pc:sldMk cId="2207534797" sldId="302"/>
+            <ac:spMk id="3" creationId="{89FC81C6-5951-4C46-A412-23C1C61FDBAF}"/>
+          </ac:spMkLst>
+        </pc:spChg>
+        <pc:spChg chg="mod">
+          <ac:chgData name="Long B Nguyen" userId="f59fb8f3-a021-417a-8bc1-65c8d471c621" providerId="ADAL" clId="{3F616429-CA07-8145-BE07-B7552942C56D}" dt="2019-09-07T19:20:42.687" v="3045" actId="20577"/>
+          <ac:spMkLst>
+            <pc:docMk/>
+            <pc:sldMk cId="2207534797" sldId="302"/>
+            <ac:spMk id="9" creationId="{E3B2E017-30B2-884B-A113-B419A2ED51AD}"/>
+          </ac:spMkLst>
+        </pc:spChg>
+      </pc:sldChg>
+    </pc:docChg>
+  </pc:docChgLst>
+  <pc:docChgLst>
     <pc:chgData name="Long B Nguyen" userId="f59fb8f3-a021-417a-8bc1-65c8d471c621" providerId="ADAL" clId="{05A1C5B8-6AA9-824C-B77D-182A36FCC0A3}"/>
     <pc:docChg chg="custSel addSld delSld modSld">
       <pc:chgData name="Long B Nguyen" userId="f59fb8f3-a021-417a-8bc1-65c8d471c621" providerId="ADAL" clId="{05A1C5B8-6AA9-824C-B77D-182A36FCC0A3}" dt="2019-06-14T11:56:44.727" v="163" actId="1036"/>
       <pc:docMkLst>
         <pc:docMk/>
       </pc:docMkLst>
+      <pc:sldChg chg="modSp">
+        <pc:chgData name="Long B Nguyen" userId="f59fb8f3-a021-417a-8bc1-65c8d471c621" providerId="ADAL" clId="{05A1C5B8-6AA9-824C-B77D-182A36FCC0A3}" dt="2019-06-14T11:56:24.872" v="157" actId="1036"/>
+        <pc:sldMkLst>
+          <pc:docMk/>
+          <pc:sldMk cId="3692685984" sldId="282"/>
+        </pc:sldMkLst>
+        <pc:picChg chg="mod">
+          <ac:chgData name="Long B Nguyen" userId="f59fb8f3-a021-417a-8bc1-65c8d471c621" providerId="ADAL" clId="{05A1C5B8-6AA9-824C-B77D-182A36FCC0A3}" dt="2019-06-14T11:56:24.872" v="157" actId="1036"/>
+          <ac:picMkLst>
+            <pc:docMk/>
+            <pc:sldMk cId="3692685984" sldId="282"/>
+            <ac:picMk id="5" creationId="{A9EDB93F-76CE-6747-9589-BC88C1222D45}"/>
+          </ac:picMkLst>
+        </pc:picChg>
+      </pc:sldChg>
+      <pc:sldChg chg="modSp">
+        <pc:chgData name="Long B Nguyen" userId="f59fb8f3-a021-417a-8bc1-65c8d471c621" providerId="ADAL" clId="{05A1C5B8-6AA9-824C-B77D-182A36FCC0A3}" dt="2019-06-14T11:56:31.155" v="159" actId="20577"/>
+        <pc:sldMkLst>
+          <pc:docMk/>
+          <pc:sldMk cId="1520265794" sldId="283"/>
+        </pc:sldMkLst>
+        <pc:spChg chg="mod">
+          <ac:chgData name="Long B Nguyen" userId="f59fb8f3-a021-417a-8bc1-65c8d471c621" providerId="ADAL" clId="{05A1C5B8-6AA9-824C-B77D-182A36FCC0A3}" dt="2019-06-14T11:56:31.155" v="159" actId="20577"/>
+          <ac:spMkLst>
+            <pc:docMk/>
+            <pc:sldMk cId="1520265794" sldId="283"/>
+            <ac:spMk id="9" creationId="{E3B2E017-30B2-884B-A113-B419A2ED51AD}"/>
+          </ac:spMkLst>
+        </pc:spChg>
+      </pc:sldChg>
       <pc:sldChg chg="modSp">
         <pc:chgData name="Long B Nguyen" userId="f59fb8f3-a021-417a-8bc1-65c8d471c621" providerId="ADAL" clId="{05A1C5B8-6AA9-824C-B77D-182A36FCC0A3}" dt="2019-06-14T02:15:45.959" v="28" actId="20577"/>
         <pc:sldMkLst>
@@ -164,13 +630,6 @@
             <ac:spMk id="3" creationId="{1BDC47C8-6776-7B44-9CD4-95FC91452D62}"/>
           </ac:spMkLst>
         </pc:spChg>
-      </pc:sldChg>
-      <pc:sldChg chg="add">
-        <pc:chgData name="Long B Nguyen" userId="f59fb8f3-a021-417a-8bc1-65c8d471c621" providerId="ADAL" clId="{05A1C5B8-6AA9-824C-B77D-182A36FCC0A3}" dt="2019-06-14T01:15:02.964" v="2"/>
-        <pc:sldMkLst>
-          <pc:docMk/>
-          <pc:sldMk cId="3060343526" sldId="294"/>
-        </pc:sldMkLst>
       </pc:sldChg>
     </pc:docChg>
   </pc:docChgLst>
@@ -200,226 +659,18 @@
   </pc:docChgLst>
   <pc:docChgLst>
     <pc:chgData name="Long B Nguyen" userId="f59fb8f3-a021-417a-8bc1-65c8d471c621" providerId="ADAL" clId="{5BA4ED75-8AB8-EF4B-B40C-CAAFEBD8F6A0}"/>
-    <pc:docChg chg="custSel addSld delSld modSld">
-      <pc:chgData name="Long B Nguyen" userId="f59fb8f3-a021-417a-8bc1-65c8d471c621" providerId="ADAL" clId="{5BA4ED75-8AB8-EF4B-B40C-CAAFEBD8F6A0}" dt="2019-08-25T11:36:43.747" v="163"/>
+    <pc:docChg chg="delSld">
+      <pc:chgData name="Long B Nguyen" userId="f59fb8f3-a021-417a-8bc1-65c8d471c621" providerId="ADAL" clId="{5BA4ED75-8AB8-EF4B-B40C-CAAFEBD8F6A0}" dt="2019-08-17T12:25:36.924" v="13" actId="2696"/>
       <pc:docMkLst>
         <pc:docMk/>
       </pc:docMkLst>
-      <pc:sldChg chg="modSp">
-        <pc:chgData name="Long B Nguyen" userId="f59fb8f3-a021-417a-8bc1-65c8d471c621" providerId="ADAL" clId="{5BA4ED75-8AB8-EF4B-B40C-CAAFEBD8F6A0}" dt="2019-08-25T11:29:06.457" v="160" actId="20577"/>
-        <pc:sldMkLst>
-          <pc:docMk/>
-          <pc:sldMk cId="2207246265" sldId="257"/>
-        </pc:sldMkLst>
-        <pc:spChg chg="mod">
-          <ac:chgData name="Long B Nguyen" userId="f59fb8f3-a021-417a-8bc1-65c8d471c621" providerId="ADAL" clId="{5BA4ED75-8AB8-EF4B-B40C-CAAFEBD8F6A0}" dt="2019-08-25T11:29:06.457" v="160" actId="20577"/>
-          <ac:spMkLst>
-            <pc:docMk/>
-            <pc:sldMk cId="2207246265" sldId="257"/>
-            <ac:spMk id="9" creationId="{E3B2E017-30B2-884B-A113-B419A2ED51AD}"/>
-          </ac:spMkLst>
-        </pc:spChg>
-      </pc:sldChg>
-      <pc:sldChg chg="modSp">
-        <pc:chgData name="Long B Nguyen" userId="f59fb8f3-a021-417a-8bc1-65c8d471c621" providerId="ADAL" clId="{5BA4ED75-8AB8-EF4B-B40C-CAAFEBD8F6A0}" dt="2019-08-18T20:08:42.191" v="115" actId="313"/>
-        <pc:sldMkLst>
-          <pc:docMk/>
-          <pc:sldMk cId="4018759955" sldId="274"/>
-        </pc:sldMkLst>
-        <pc:spChg chg="mod">
-          <ac:chgData name="Long B Nguyen" userId="f59fb8f3-a021-417a-8bc1-65c8d471c621" providerId="ADAL" clId="{5BA4ED75-8AB8-EF4B-B40C-CAAFEBD8F6A0}" dt="2019-08-18T20:08:42.191" v="115" actId="313"/>
-          <ac:spMkLst>
-            <pc:docMk/>
-            <pc:sldMk cId="4018759955" sldId="274"/>
-            <ac:spMk id="9" creationId="{E3B2E017-30B2-884B-A113-B419A2ED51AD}"/>
-          </ac:spMkLst>
-        </pc:spChg>
-      </pc:sldChg>
-      <pc:sldChg chg="modSp">
-        <pc:chgData name="Long B Nguyen" userId="f59fb8f3-a021-417a-8bc1-65c8d471c621" providerId="ADAL" clId="{5BA4ED75-8AB8-EF4B-B40C-CAAFEBD8F6A0}" dt="2019-08-18T20:09:14.054" v="121" actId="313"/>
-        <pc:sldMkLst>
-          <pc:docMk/>
-          <pc:sldMk cId="3908189275" sldId="275"/>
-        </pc:sldMkLst>
-        <pc:spChg chg="mod">
-          <ac:chgData name="Long B Nguyen" userId="f59fb8f3-a021-417a-8bc1-65c8d471c621" providerId="ADAL" clId="{5BA4ED75-8AB8-EF4B-B40C-CAAFEBD8F6A0}" dt="2019-08-18T20:09:14.054" v="121" actId="313"/>
-          <ac:spMkLst>
-            <pc:docMk/>
-            <pc:sldMk cId="3908189275" sldId="275"/>
-            <ac:spMk id="9" creationId="{E3B2E017-30B2-884B-A113-B419A2ED51AD}"/>
-          </ac:spMkLst>
-        </pc:spChg>
-      </pc:sldChg>
-      <pc:sldChg chg="modSp">
-        <pc:chgData name="Long B Nguyen" userId="f59fb8f3-a021-417a-8bc1-65c8d471c621" providerId="ADAL" clId="{5BA4ED75-8AB8-EF4B-B40C-CAAFEBD8F6A0}" dt="2019-08-18T20:09:30.839" v="124" actId="313"/>
-        <pc:sldMkLst>
-          <pc:docMk/>
-          <pc:sldMk cId="1114720448" sldId="276"/>
-        </pc:sldMkLst>
-        <pc:spChg chg="mod">
-          <ac:chgData name="Long B Nguyen" userId="f59fb8f3-a021-417a-8bc1-65c8d471c621" providerId="ADAL" clId="{5BA4ED75-8AB8-EF4B-B40C-CAAFEBD8F6A0}" dt="2019-08-18T20:09:30.839" v="124" actId="313"/>
-          <ac:spMkLst>
-            <pc:docMk/>
-            <pc:sldMk cId="1114720448" sldId="276"/>
-            <ac:spMk id="9" creationId="{E3B2E017-30B2-884B-A113-B419A2ED51AD}"/>
-          </ac:spMkLst>
-        </pc:spChg>
-      </pc:sldChg>
-      <pc:sldChg chg="del">
-        <pc:chgData name="Long B Nguyen" userId="f59fb8f3-a021-417a-8bc1-65c8d471c621" providerId="ADAL" clId="{5BA4ED75-8AB8-EF4B-B40C-CAAFEBD8F6A0}" dt="2019-08-25T11:29:37.560" v="161" actId="2696"/>
-        <pc:sldMkLst>
-          <pc:docMk/>
-          <pc:sldMk cId="1520265794" sldId="283"/>
-        </pc:sldMkLst>
-      </pc:sldChg>
-      <pc:sldChg chg="del">
-        <pc:chgData name="Long B Nguyen" userId="f59fb8f3-a021-417a-8bc1-65c8d471c621" providerId="ADAL" clId="{5BA4ED75-8AB8-EF4B-B40C-CAAFEBD8F6A0}" dt="2019-08-25T11:36:42.830" v="162" actId="2696"/>
-        <pc:sldMkLst>
-          <pc:docMk/>
-          <pc:sldMk cId="1438711869" sldId="284"/>
-        </pc:sldMkLst>
-      </pc:sldChg>
-      <pc:sldChg chg="add">
-        <pc:chgData name="Long B Nguyen" userId="f59fb8f3-a021-417a-8bc1-65c8d471c621" providerId="ADAL" clId="{5BA4ED75-8AB8-EF4B-B40C-CAAFEBD8F6A0}" dt="2019-08-25T11:36:43.747" v="163"/>
-        <pc:sldMkLst>
-          <pc:docMk/>
-          <pc:sldMk cId="2783383753" sldId="284"/>
-        </pc:sldMkLst>
-      </pc:sldChg>
-      <pc:sldChg chg="modSp">
-        <pc:chgData name="Long B Nguyen" userId="f59fb8f3-a021-417a-8bc1-65c8d471c621" providerId="ADAL" clId="{5BA4ED75-8AB8-EF4B-B40C-CAAFEBD8F6A0}" dt="2019-08-25T11:28:37.709" v="159" actId="20577"/>
-        <pc:sldMkLst>
-          <pc:docMk/>
-          <pc:sldMk cId="3974060782" sldId="289"/>
-        </pc:sldMkLst>
-        <pc:spChg chg="mod">
-          <ac:chgData name="Long B Nguyen" userId="f59fb8f3-a021-417a-8bc1-65c8d471c621" providerId="ADAL" clId="{5BA4ED75-8AB8-EF4B-B40C-CAAFEBD8F6A0}" dt="2019-08-25T11:28:37.709" v="159" actId="20577"/>
-          <ac:spMkLst>
-            <pc:docMk/>
-            <pc:sldMk cId="3974060782" sldId="289"/>
-            <ac:spMk id="3" creationId="{1BDC47C8-6776-7B44-9CD4-95FC91452D62}"/>
-          </ac:spMkLst>
-        </pc:spChg>
-      </pc:sldChg>
-      <pc:sldChg chg="modSp add">
-        <pc:chgData name="Long B Nguyen" userId="f59fb8f3-a021-417a-8bc1-65c8d471c621" providerId="ADAL" clId="{5BA4ED75-8AB8-EF4B-B40C-CAAFEBD8F6A0}" dt="2019-08-18T20:10:24.321" v="127" actId="20577"/>
-        <pc:sldMkLst>
-          <pc:docMk/>
-          <pc:sldMk cId="1714696104" sldId="295"/>
-        </pc:sldMkLst>
-        <pc:spChg chg="mod">
-          <ac:chgData name="Long B Nguyen" userId="f59fb8f3-a021-417a-8bc1-65c8d471c621" providerId="ADAL" clId="{5BA4ED75-8AB8-EF4B-B40C-CAAFEBD8F6A0}" dt="2019-08-18T20:10:24.321" v="127" actId="20577"/>
-          <ac:spMkLst>
-            <pc:docMk/>
-            <pc:sldMk cId="1714696104" sldId="295"/>
-            <ac:spMk id="9" creationId="{E3B2E017-30B2-884B-A113-B419A2ED51AD}"/>
-          </ac:spMkLst>
-        </pc:spChg>
-      </pc:sldChg>
     </pc:docChg>
   </pc:docChgLst>
   <pc:docChgLst>
     <pc:chgData name="Long B Nguyen" userId="f59fb8f3-a021-417a-8bc1-65c8d471c621" providerId="ADAL" clId="{6CD83B71-C243-244B-B302-DE2E82069201}"/>
-    <pc:docChg chg="undo custSel addSld delSld modSld modMainMaster">
-      <pc:chgData name="Long B Nguyen" userId="f59fb8f3-a021-417a-8bc1-65c8d471c621" providerId="ADAL" clId="{6CD83B71-C243-244B-B302-DE2E82069201}" dt="2019-05-31T17:21:53.328" v="4147" actId="2711"/>
-      <pc:docMkLst>
-        <pc:docMk/>
-      </pc:docMkLst>
-      <pc:sldChg chg="modSp add">
-        <pc:chgData name="Long B Nguyen" userId="f59fb8f3-a021-417a-8bc1-65c8d471c621" providerId="ADAL" clId="{6CD83B71-C243-244B-B302-DE2E82069201}" dt="2019-05-31T14:23:05.031" v="3634" actId="20577"/>
-        <pc:sldMkLst>
-          <pc:docMk/>
-          <pc:sldMk cId="3974060782" sldId="289"/>
-        </pc:sldMkLst>
-        <pc:spChg chg="mod">
-          <ac:chgData name="Long B Nguyen" userId="f59fb8f3-a021-417a-8bc1-65c8d471c621" providerId="ADAL" clId="{6CD83B71-C243-244B-B302-DE2E82069201}" dt="2019-05-31T14:23:05.031" v="3634" actId="20577"/>
-          <ac:spMkLst>
-            <pc:docMk/>
-            <pc:sldMk cId="3974060782" sldId="289"/>
-            <ac:spMk id="3" creationId="{1BDC47C8-6776-7B44-9CD4-95FC91452D62}"/>
-          </ac:spMkLst>
-        </pc:spChg>
-      </pc:sldChg>
-    </pc:docChg>
   </pc:docChgLst>
   <pc:docChgLst>
     <pc:chgData name="Long B Nguyen" userId="f59fb8f3-a021-417a-8bc1-65c8d471c621" providerId="ADAL" clId="{A2B9980D-0FF0-CA43-9CAC-D70036623538}"/>
-    <pc:docChg chg="custSel addSld delSld modSld">
-      <pc:chgData name="Long B Nguyen" userId="f59fb8f3-a021-417a-8bc1-65c8d471c621" providerId="ADAL" clId="{A2B9980D-0FF0-CA43-9CAC-D70036623538}" dt="2019-06-03T12:17:44.069" v="34" actId="2696"/>
-      <pc:docMkLst>
-        <pc:docMk/>
-      </pc:docMkLst>
-      <pc:sldChg chg="add">
-        <pc:chgData name="Long B Nguyen" userId="f59fb8f3-a021-417a-8bc1-65c8d471c621" providerId="ADAL" clId="{A2B9980D-0FF0-CA43-9CAC-D70036623538}" dt="2019-06-03T12:17:05.033" v="28"/>
-        <pc:sldMkLst>
-          <pc:docMk/>
-          <pc:sldMk cId="2207246265" sldId="257"/>
-        </pc:sldMkLst>
-      </pc:sldChg>
-      <pc:sldChg chg="add">
-        <pc:chgData name="Long B Nguyen" userId="f59fb8f3-a021-417a-8bc1-65c8d471c621" providerId="ADAL" clId="{A2B9980D-0FF0-CA43-9CAC-D70036623538}" dt="2019-06-03T12:17:05.033" v="28"/>
-        <pc:sldMkLst>
-          <pc:docMk/>
-          <pc:sldMk cId="4018759955" sldId="274"/>
-        </pc:sldMkLst>
-      </pc:sldChg>
-      <pc:sldChg chg="add">
-        <pc:chgData name="Long B Nguyen" userId="f59fb8f3-a021-417a-8bc1-65c8d471c621" providerId="ADAL" clId="{A2B9980D-0FF0-CA43-9CAC-D70036623538}" dt="2019-06-03T12:17:05.033" v="28"/>
-        <pc:sldMkLst>
-          <pc:docMk/>
-          <pc:sldMk cId="3908189275" sldId="275"/>
-        </pc:sldMkLst>
-      </pc:sldChg>
-      <pc:sldChg chg="add">
-        <pc:chgData name="Long B Nguyen" userId="f59fb8f3-a021-417a-8bc1-65c8d471c621" providerId="ADAL" clId="{A2B9980D-0FF0-CA43-9CAC-D70036623538}" dt="2019-06-03T12:17:35.162" v="33"/>
-        <pc:sldMkLst>
-          <pc:docMk/>
-          <pc:sldMk cId="1114720448" sldId="276"/>
-        </pc:sldMkLst>
-      </pc:sldChg>
-      <pc:sldChg chg="add">
-        <pc:chgData name="Long B Nguyen" userId="f59fb8f3-a021-417a-8bc1-65c8d471c621" providerId="ADAL" clId="{A2B9980D-0FF0-CA43-9CAC-D70036623538}" dt="2019-06-03T12:17:35.162" v="33"/>
-        <pc:sldMkLst>
-          <pc:docMk/>
-          <pc:sldMk cId="3369363658" sldId="278"/>
-        </pc:sldMkLst>
-      </pc:sldChg>
-      <pc:sldChg chg="add">
-        <pc:chgData name="Long B Nguyen" userId="f59fb8f3-a021-417a-8bc1-65c8d471c621" providerId="ADAL" clId="{A2B9980D-0FF0-CA43-9CAC-D70036623538}" dt="2019-06-03T12:17:35.162" v="33"/>
-        <pc:sldMkLst>
-          <pc:docMk/>
-          <pc:sldMk cId="2479426709" sldId="279"/>
-        </pc:sldMkLst>
-      </pc:sldChg>
-      <pc:sldChg chg="add">
-        <pc:chgData name="Long B Nguyen" userId="f59fb8f3-a021-417a-8bc1-65c8d471c621" providerId="ADAL" clId="{A2B9980D-0FF0-CA43-9CAC-D70036623538}" dt="2019-06-03T12:17:05.033" v="28"/>
-        <pc:sldMkLst>
-          <pc:docMk/>
-          <pc:sldMk cId="1096082918" sldId="280"/>
-        </pc:sldMkLst>
-      </pc:sldChg>
-      <pc:sldChg chg="add">
-        <pc:chgData name="Long B Nguyen" userId="f59fb8f3-a021-417a-8bc1-65c8d471c621" providerId="ADAL" clId="{A2B9980D-0FF0-CA43-9CAC-D70036623538}" dt="2019-06-03T12:17:05.033" v="28"/>
-        <pc:sldMkLst>
-          <pc:docMk/>
-          <pc:sldMk cId="2702355806" sldId="281"/>
-        </pc:sldMkLst>
-      </pc:sldChg>
-      <pc:sldChg chg="add">
-        <pc:chgData name="Long B Nguyen" userId="f59fb8f3-a021-417a-8bc1-65c8d471c621" providerId="ADAL" clId="{A2B9980D-0FF0-CA43-9CAC-D70036623538}" dt="2019-06-03T12:17:05.033" v="28"/>
-        <pc:sldMkLst>
-          <pc:docMk/>
-          <pc:sldMk cId="99755680" sldId="291"/>
-        </pc:sldMkLst>
-      </pc:sldChg>
-      <pc:sldChg chg="add">
-        <pc:chgData name="Long B Nguyen" userId="f59fb8f3-a021-417a-8bc1-65c8d471c621" providerId="ADAL" clId="{A2B9980D-0FF0-CA43-9CAC-D70036623538}" dt="2019-06-03T12:17:05.033" v="28"/>
-        <pc:sldMkLst>
-          <pc:docMk/>
-          <pc:sldMk cId="847072393" sldId="292"/>
-        </pc:sldMkLst>
-      </pc:sldChg>
-    </pc:docChg>
   </pc:docChgLst>
 </pc:chgInfo>
 </file>
@@ -555,7 +806,7 @@
           <a:p>
             <a:fld id="{4AAD347D-5ACD-4C99-B74B-A9C85AD731AF}" type="datetimeFigureOut">
               <a:rPr lang="en-US" smtClean="0"/>
-              <a:t>8/25/19</a:t>
+              <a:t>9/7/19</a:t>
             </a:fld>
             <a:endParaRPr lang="en-US" dirty="0"/>
           </a:p>
@@ -725,7 +976,7 @@
           <a:p>
             <a:fld id="{4509A250-FF31-4206-8172-F9D3106AACB1}" type="datetimeFigureOut">
               <a:rPr lang="en-US" smtClean="0"/>
-              <a:t>8/25/19</a:t>
+              <a:t>9/7/19</a:t>
             </a:fld>
             <a:endParaRPr lang="en-US" dirty="0"/>
           </a:p>
@@ -905,7 +1156,7 @@
           <a:p>
             <a:fld id="{4509A250-FF31-4206-8172-F9D3106AACB1}" type="datetimeFigureOut">
               <a:rPr lang="en-US" smtClean="0"/>
-              <a:t>8/25/19</a:t>
+              <a:t>9/7/19</a:t>
             </a:fld>
             <a:endParaRPr lang="en-US" dirty="0"/>
           </a:p>
@@ -1075,7 +1326,7 @@
           <a:p>
             <a:fld id="{4509A250-FF31-4206-8172-F9D3106AACB1}" type="datetimeFigureOut">
               <a:rPr lang="en-US" smtClean="0"/>
-              <a:t>8/25/19</a:t>
+              <a:t>9/7/19</a:t>
             </a:fld>
             <a:endParaRPr lang="en-US" dirty="0"/>
           </a:p>
@@ -1321,7 +1572,7 @@
           <a:p>
             <a:fld id="{9796027F-7875-4030-9381-8BD8C4F21935}" type="datetimeFigureOut">
               <a:rPr lang="en-US" smtClean="0"/>
-              <a:t>8/25/19</a:t>
+              <a:t>9/7/19</a:t>
             </a:fld>
             <a:endParaRPr lang="en-US" dirty="0"/>
           </a:p>
@@ -1553,7 +1804,7 @@
           <a:p>
             <a:fld id="{9796027F-7875-4030-9381-8BD8C4F21935}" type="datetimeFigureOut">
               <a:rPr lang="en-US" smtClean="0"/>
-              <a:t>8/25/19</a:t>
+              <a:t>9/7/19</a:t>
             </a:fld>
             <a:endParaRPr lang="en-US" dirty="0"/>
           </a:p>
@@ -1920,7 +2171,7 @@
           <a:p>
             <a:fld id="{9796027F-7875-4030-9381-8BD8C4F21935}" type="datetimeFigureOut">
               <a:rPr lang="en-US" smtClean="0"/>
-              <a:t>8/25/19</a:t>
+              <a:t>9/7/19</a:t>
             </a:fld>
             <a:endParaRPr lang="en-US" dirty="0"/>
           </a:p>
@@ -2038,7 +2289,7 @@
           <a:p>
             <a:fld id="{4509A250-FF31-4206-8172-F9D3106AACB1}" type="datetimeFigureOut">
               <a:rPr lang="en-US" smtClean="0"/>
-              <a:t>8/25/19</a:t>
+              <a:t>9/7/19</a:t>
             </a:fld>
             <a:endParaRPr lang="en-US" dirty="0"/>
           </a:p>
@@ -2133,7 +2384,7 @@
           <a:p>
             <a:fld id="{4509A250-FF31-4206-8172-F9D3106AACB1}" type="datetimeFigureOut">
               <a:rPr lang="en-US" smtClean="0"/>
-              <a:t>8/25/19</a:t>
+              <a:t>9/7/19</a:t>
             </a:fld>
             <a:endParaRPr lang="en-US" dirty="0"/>
           </a:p>
@@ -2410,7 +2661,7 @@
           <a:p>
             <a:fld id="{4509A250-FF31-4206-8172-F9D3106AACB1}" type="datetimeFigureOut">
               <a:rPr lang="en-US" smtClean="0"/>
-              <a:t>8/25/19</a:t>
+              <a:t>9/7/19</a:t>
             </a:fld>
             <a:endParaRPr lang="en-US" dirty="0"/>
           </a:p>
@@ -2667,7 +2918,7 @@
           <a:p>
             <a:fld id="{4509A250-FF31-4206-8172-F9D3106AACB1}" type="datetimeFigureOut">
               <a:rPr lang="en-US" smtClean="0"/>
-              <a:t>8/25/19</a:t>
+              <a:t>9/7/19</a:t>
             </a:fld>
             <a:endParaRPr lang="en-US" dirty="0"/>
           </a:p>
@@ -2880,7 +3131,7 @@
           <a:p>
             <a:fld id="{4AAD347D-5ACD-4C99-B74B-A9C85AD731AF}" type="datetimeFigureOut">
               <a:rPr lang="en-US" smtClean="0"/>
-              <a:t>8/25/19</a:t>
+              <a:t>9/7/19</a:t>
             </a:fld>
             <a:endParaRPr lang="en-US" dirty="0"/>
           </a:p>
@@ -3339,7 +3590,7 @@
         <p:spPr>
           <a:xfrm>
             <a:off x="1849821" y="2550187"/>
-            <a:ext cx="6200317" cy="1277135"/>
+            <a:ext cx="5055475" cy="979226"/>
           </a:xfrm>
         </p:spPr>
         <p:txBody>
@@ -3358,13 +3609,8 @@
             <a:pPr algn="l"/>
             <a:r>
               <a:rPr lang="en-US" sz="2400" b="1" dirty="0"/>
-              <a:t>Datatypes II: Strings, Booleans, </a:t>
-            </a:r>
-            <a:r>
-              <a:rPr lang="en-US" sz="2400" b="1" dirty="0" err="1"/>
-              <a:t>NoneType</a:t>
-            </a:r>
-            <a:endParaRPr lang="en-US" sz="2400" b="1" dirty="0"/>
+              <a:t>Variables and Operations</a:t>
+            </a:r>
           </a:p>
         </p:txBody>
       </p:sp>
@@ -3623,7 +3869,7 @@
           <a:p>
             <a:r>
               <a:rPr lang="en-US" dirty="0"/>
-              <a:t>f-Strings Precision</a:t>
+              <a:t>Comparison Operators</a:t>
             </a:r>
           </a:p>
         </p:txBody>
@@ -3660,289 +3906,120 @@
               <a:buNone/>
             </a:pPr>
             <a:endParaRPr lang="en-US" sz="1900" b="1" dirty="0">
-              <a:solidFill>
-                <a:srgbClr val="000087"/>
-              </a:solidFill>
               <a:latin typeface="Inconsolata Medium" panose="020B0609030003000000" pitchFamily="49" charset="77"/>
             </a:endParaRPr>
           </a:p>
-          <a:p>
-            <a:pPr marL="0" indent="0">
-              <a:buNone/>
-            </a:pPr>
-            <a:r>
-              <a:rPr lang="en-US" b="1" dirty="0">
-                <a:solidFill>
-                  <a:srgbClr val="000087"/>
-                </a:solidFill>
-                <a:latin typeface="Inconsolata Medium" panose="020B0609030003000000" pitchFamily="49" charset="77"/>
-              </a:rPr>
-              <a:t>In </a:t>
-            </a:r>
-            <a:r>
-              <a:rPr lang="en-US" b="1" dirty="0">
-                <a:latin typeface="Inconsolata Medium" panose="020B0609030003000000" pitchFamily="49" charset="77"/>
-              </a:rPr>
-              <a:t>[</a:t>
-            </a:r>
-            <a:r>
-              <a:rPr lang="en-US" b="1" dirty="0">
-                <a:solidFill>
-                  <a:srgbClr val="FF6600"/>
-                </a:solidFill>
-                <a:latin typeface="Inconsolata Medium" panose="020B0609030003000000" pitchFamily="49" charset="77"/>
-              </a:rPr>
-              <a:t>26</a:t>
-            </a:r>
-            <a:r>
-              <a:rPr lang="en-US" b="1" dirty="0">
-                <a:latin typeface="Inconsolata Medium" panose="020B0609030003000000" pitchFamily="49" charset="77"/>
-              </a:rPr>
-              <a:t>]: import math</a:t>
-            </a:r>
-            <a:r>
-              <a:rPr lang="en-US" b="1" dirty="0">
-                <a:solidFill>
-                  <a:srgbClr val="CC3300"/>
-                </a:solidFill>
-                <a:latin typeface="Inconsolata Medium" panose="020B0609030003000000" pitchFamily="49" charset="77"/>
-              </a:rPr>
-              <a:t> </a:t>
-            </a:r>
-          </a:p>
-          <a:p>
-            <a:pPr marL="0" indent="0">
-              <a:buNone/>
-            </a:pPr>
-            <a:r>
-              <a:rPr lang="en-US" b="1" dirty="0">
-                <a:solidFill>
-                  <a:srgbClr val="CC3300"/>
-                </a:solidFill>
-                <a:latin typeface="Inconsolata Medium" panose="020B0609030003000000" pitchFamily="49" charset="77"/>
-              </a:rPr>
-              <a:t>	    </a:t>
-            </a:r>
-            <a:r>
-              <a:rPr lang="en-US" b="1" dirty="0">
-                <a:solidFill>
-                  <a:srgbClr val="000087"/>
-                </a:solidFill>
-                <a:latin typeface="Inconsolata Medium" panose="020B0609030003000000" pitchFamily="49" charset="77"/>
-              </a:rPr>
-              <a:t>x = </a:t>
-            </a:r>
-            <a:r>
-              <a:rPr lang="en-US" b="1" dirty="0" err="1">
-                <a:solidFill>
-                  <a:srgbClr val="CC3300"/>
-                </a:solidFill>
-                <a:latin typeface="Inconsolata Medium" panose="020B0609030003000000" pitchFamily="49" charset="77"/>
-              </a:rPr>
-              <a:t>math.pi</a:t>
-            </a:r>
-            <a:r>
-              <a:rPr lang="en-US" b="1" dirty="0">
-                <a:solidFill>
-                  <a:srgbClr val="CC3300"/>
-                </a:solidFill>
-                <a:latin typeface="Inconsolata Medium" panose="020B0609030003000000" pitchFamily="49" charset="77"/>
-              </a:rPr>
-              <a:t> </a:t>
-            </a:r>
-          </a:p>
-          <a:p>
-            <a:pPr marL="0" indent="0">
-              <a:buNone/>
-            </a:pPr>
-            <a:r>
-              <a:rPr lang="en-US" b="1" dirty="0">
-                <a:solidFill>
-                  <a:srgbClr val="CC3300"/>
-                </a:solidFill>
-                <a:latin typeface="Inconsolata Medium" panose="020B0609030003000000" pitchFamily="49" charset="77"/>
-              </a:rPr>
-              <a:t>         </a:t>
-            </a:r>
-            <a:r>
-              <a:rPr lang="en-US" b="1" dirty="0">
-                <a:solidFill>
-                  <a:srgbClr val="000087"/>
-                </a:solidFill>
-                <a:latin typeface="Inconsolata Medium" panose="020B0609030003000000" pitchFamily="49" charset="77"/>
-              </a:rPr>
-              <a:t>print(f</a:t>
-            </a:r>
-            <a:r>
-              <a:rPr lang="en-US" b="1" dirty="0">
-                <a:solidFill>
-                  <a:srgbClr val="CC3300"/>
-                </a:solidFill>
-                <a:latin typeface="Inconsolata Medium" panose="020B0609030003000000" pitchFamily="49" charset="77"/>
-              </a:rPr>
-              <a:t>“{x}”</a:t>
-            </a:r>
-            <a:r>
-              <a:rPr lang="en-US" b="1" dirty="0">
-                <a:solidFill>
-                  <a:srgbClr val="000087"/>
-                </a:solidFill>
-                <a:latin typeface="Inconsolata Medium" panose="020B0609030003000000" pitchFamily="49" charset="77"/>
-              </a:rPr>
-              <a:t>)</a:t>
-            </a:r>
-            <a:r>
-              <a:rPr lang="en-US" b="1" dirty="0">
-                <a:solidFill>
-                  <a:srgbClr val="CC3300"/>
-                </a:solidFill>
-                <a:latin typeface="Inconsolata Medium" panose="020B0609030003000000" pitchFamily="49" charset="77"/>
-              </a:rPr>
-              <a:t> 	</a:t>
-            </a:r>
-          </a:p>
-          <a:p>
-            <a:pPr marL="0" indent="0">
-              <a:buNone/>
-            </a:pPr>
-            <a:r>
-              <a:rPr lang="en-US" b="1" dirty="0">
-                <a:solidFill>
-                  <a:srgbClr val="CC3300"/>
-                </a:solidFill>
-                <a:latin typeface="Inconsolata Medium" panose="020B0609030003000000" pitchFamily="49" charset="77"/>
-              </a:rPr>
-              <a:t>         </a:t>
-            </a:r>
-            <a:r>
-              <a:rPr lang="en-US" b="1" dirty="0">
-                <a:solidFill>
-                  <a:srgbClr val="000087"/>
-                </a:solidFill>
-                <a:latin typeface="Inconsolata Medium" panose="020B0609030003000000" pitchFamily="49" charset="77"/>
-              </a:rPr>
-              <a:t>print(f</a:t>
-            </a:r>
-            <a:r>
-              <a:rPr lang="en-US" b="1" dirty="0">
-                <a:solidFill>
-                  <a:srgbClr val="CC3300"/>
-                </a:solidFill>
-                <a:latin typeface="Inconsolata Medium" panose="020B0609030003000000" pitchFamily="49" charset="77"/>
-              </a:rPr>
-              <a:t>“{x:.2f}”</a:t>
-            </a:r>
-            <a:r>
-              <a:rPr lang="en-US" b="1" dirty="0">
-                <a:solidFill>
-                  <a:srgbClr val="000087"/>
-                </a:solidFill>
-                <a:latin typeface="Inconsolata Medium" panose="020B0609030003000000" pitchFamily="49" charset="77"/>
-              </a:rPr>
-              <a:t>)</a:t>
-            </a:r>
-            <a:r>
-              <a:rPr lang="en-US" b="1" dirty="0">
-                <a:solidFill>
-                  <a:srgbClr val="CC3300"/>
-                </a:solidFill>
-                <a:latin typeface="Inconsolata Medium" panose="020B0609030003000000" pitchFamily="49" charset="77"/>
-              </a:rPr>
-              <a:t> </a:t>
-            </a:r>
-          </a:p>
-          <a:p>
-            <a:pPr marL="0" indent="0">
-              <a:buNone/>
-            </a:pPr>
-            <a:r>
-              <a:rPr lang="en-US" b="1" dirty="0">
-                <a:solidFill>
-                  <a:srgbClr val="CC3300"/>
-                </a:solidFill>
-                <a:latin typeface="Inconsolata Medium" panose="020B0609030003000000" pitchFamily="49" charset="77"/>
-              </a:rPr>
-              <a:t>         </a:t>
-            </a:r>
-            <a:r>
-              <a:rPr lang="en-US" b="1" dirty="0">
-                <a:solidFill>
-                  <a:srgbClr val="000087"/>
-                </a:solidFill>
-                <a:latin typeface="Inconsolata Medium" panose="020B0609030003000000" pitchFamily="49" charset="77"/>
-              </a:rPr>
-              <a:t>print(f</a:t>
-            </a:r>
-            <a:r>
-              <a:rPr lang="en-US" b="1" dirty="0">
-                <a:solidFill>
-                  <a:srgbClr val="CC3300"/>
-                </a:solidFill>
-                <a:latin typeface="Inconsolata Medium" panose="020B0609030003000000" pitchFamily="49" charset="77"/>
-              </a:rPr>
-              <a:t>“{x:.3f}”</a:t>
-            </a:r>
-            <a:r>
-              <a:rPr lang="en-US" b="1" dirty="0">
-                <a:solidFill>
-                  <a:srgbClr val="000087"/>
-                </a:solidFill>
-                <a:latin typeface="Inconsolata Medium" panose="020B0609030003000000" pitchFamily="49" charset="77"/>
-              </a:rPr>
-              <a:t>)</a:t>
-            </a:r>
-            <a:r>
-              <a:rPr lang="en-US" b="1" dirty="0">
-                <a:solidFill>
-                  <a:srgbClr val="CC3300"/>
-                </a:solidFill>
-                <a:latin typeface="Inconsolata Medium" panose="020B0609030003000000" pitchFamily="49" charset="77"/>
-              </a:rPr>
-              <a:t> </a:t>
-            </a:r>
-          </a:p>
-          <a:p>
-            <a:pPr marL="0" indent="0">
-              <a:buNone/>
-            </a:pPr>
-            <a:endParaRPr lang="en-US" b="1" dirty="0">
-              <a:latin typeface="Inconsolata Medium" panose="020B0609030003000000" pitchFamily="49" charset="77"/>
+        </p:txBody>
+      </p:sp>
+      <p:pic>
+        <p:nvPicPr>
+          <p:cNvPr id="5" name="Picture 4">
+            <a:extLst>
+              <a:ext uri="{FF2B5EF4-FFF2-40B4-BE49-F238E27FC236}">
+                <a16:creationId xmlns:a16="http://schemas.microsoft.com/office/drawing/2014/main" id="{A9EDB93F-76CE-6747-9589-BC88C1222D45}"/>
+              </a:ext>
+            </a:extLst>
+          </p:cNvPr>
+          <p:cNvPicPr>
+            <a:picLocks noChangeAspect="1"/>
+          </p:cNvPicPr>
+          <p:nvPr/>
+        </p:nvPicPr>
+        <p:blipFill>
+          <a:blip r:embed="rId2"/>
+          <a:stretch>
+            <a:fillRect/>
+          </a:stretch>
+        </p:blipFill>
+        <p:spPr>
+          <a:xfrm>
+            <a:off x="483848" y="1492746"/>
+            <a:ext cx="4604085" cy="3661728"/>
+          </a:xfrm>
+          <a:prstGeom prst="rect">
+            <a:avLst/>
+          </a:prstGeom>
+        </p:spPr>
+      </p:pic>
+      <p:sp>
+        <p:nvSpPr>
+          <p:cNvPr id="3" name="TextBox 2">
+            <a:extLst>
+              <a:ext uri="{FF2B5EF4-FFF2-40B4-BE49-F238E27FC236}">
+                <a16:creationId xmlns:a16="http://schemas.microsoft.com/office/drawing/2014/main" id="{9E8B8AB9-E120-6C4A-9B5F-9F1D3643B835}"/>
+              </a:ext>
+            </a:extLst>
+          </p:cNvPr>
+          <p:cNvSpPr txBox="1"/>
+          <p:nvPr/>
+        </p:nvSpPr>
+        <p:spPr>
+          <a:xfrm>
+            <a:off x="4509710" y="2446447"/>
+            <a:ext cx="3828484" cy="1754326"/>
+          </a:xfrm>
+          <a:prstGeom prst="rect">
+            <a:avLst/>
+          </a:prstGeom>
+          <a:noFill/>
+        </p:spPr>
+        <p:txBody>
+          <a:bodyPr wrap="none" rtlCol="0">
+            <a:spAutoFit/>
+          </a:bodyPr>
+          <a:lstStyle/>
+          <a:p>
+            <a:r>
+              <a:rPr lang="en-US" sz="1800" dirty="0">
+                <a:solidFill>
+                  <a:srgbClr val="FF0000"/>
+                </a:solidFill>
+              </a:rPr>
+              <a:t>Note that = is for assignment and</a:t>
+            </a:r>
+          </a:p>
+          <a:p>
+            <a:r>
+              <a:rPr lang="en-US" sz="1800" dirty="0">
+                <a:solidFill>
+                  <a:srgbClr val="FF0000"/>
+                </a:solidFill>
+              </a:rPr>
+              <a:t>== is for comparison.</a:t>
+            </a:r>
+          </a:p>
+          <a:p>
+            <a:endParaRPr lang="en-US" sz="1800" dirty="0">
+              <a:solidFill>
+                <a:srgbClr val="FF0000"/>
+              </a:solidFill>
             </a:endParaRPr>
           </a:p>
           <a:p>
-            <a:pPr marL="0" indent="0">
-              <a:buNone/>
-            </a:pPr>
-            <a:r>
-              <a:rPr lang="en-US" b="1" dirty="0">
-                <a:latin typeface="Inconsolata Medium" panose="020B0609030003000000" pitchFamily="49" charset="77"/>
-              </a:rPr>
-              <a:t>3.141592653589793</a:t>
-            </a:r>
-          </a:p>
-          <a:p>
-            <a:pPr marL="0" indent="0">
-              <a:buNone/>
-            </a:pPr>
-            <a:r>
-              <a:rPr lang="en-US" sz="2000" b="1" dirty="0">
-                <a:latin typeface="Inconsolata Medium" panose="020B0609030003000000" pitchFamily="49" charset="77"/>
-              </a:rPr>
-              <a:t>3.14</a:t>
-            </a:r>
-          </a:p>
-          <a:p>
-            <a:pPr marL="0" indent="0">
-              <a:buNone/>
-            </a:pPr>
-            <a:r>
-              <a:rPr lang="en-US" sz="2000" b="1" dirty="0">
-                <a:latin typeface="Inconsolata Medium" panose="020B0609030003000000" pitchFamily="49" charset="77"/>
-              </a:rPr>
-              <a:t>3.142</a:t>
-            </a:r>
-            <a:endParaRPr lang="en-US" sz="1900" b="1" dirty="0">
-              <a:latin typeface="Inconsolata Medium" panose="020B0609030003000000" pitchFamily="49" charset="77"/>
+            <a:r>
+              <a:rPr lang="en-US" sz="1800" dirty="0">
+                <a:solidFill>
+                  <a:srgbClr val="FF0000"/>
+                </a:solidFill>
+              </a:rPr>
+              <a:t>These operators return either True or </a:t>
+            </a:r>
+          </a:p>
+          <a:p>
+            <a:r>
+              <a:rPr lang="en-US" sz="1800" dirty="0">
+                <a:solidFill>
+                  <a:srgbClr val="FF0000"/>
+                </a:solidFill>
+              </a:rPr>
+              <a:t>False.</a:t>
+            </a:r>
+          </a:p>
+          <a:p>
+            <a:endParaRPr lang="en-US" sz="1800" dirty="0">
+              <a:solidFill>
+                <a:srgbClr val="FF0000"/>
+              </a:solidFill>
             </a:endParaRPr>
           </a:p>
         </p:txBody>
@@ -3950,7 +4027,7 @@
     </p:spTree>
     <p:extLst>
       <p:ext uri="{BB962C8B-B14F-4D97-AF65-F5344CB8AC3E}">
-        <p14:creationId xmlns:p14="http://schemas.microsoft.com/office/powerpoint/2010/main" val="3060343526"/>
+        <p14:creationId xmlns:p14="http://schemas.microsoft.com/office/powerpoint/2010/main" val="3692685984"/>
       </p:ext>
     </p:extLst>
   </p:cSld>
@@ -4004,10 +4081,9 @@
           <a:lstStyle/>
           <a:p>
             <a:r>
-              <a:rPr lang="en-US" dirty="0" err="1"/>
-              <a:t>NoneType</a:t>
-            </a:r>
-            <a:endParaRPr lang="en-US" dirty="0"/>
+              <a:rPr lang="en-US" dirty="0"/>
+              <a:t>Comparison Operators</a:t>
+            </a:r>
           </a:p>
         </p:txBody>
       </p:sp>
@@ -4029,8 +4105,8 @@
         </p:nvSpPr>
         <p:spPr>
           <a:xfrm>
-            <a:off x="483848" y="1150913"/>
-            <a:ext cx="8051725" cy="4440590"/>
+            <a:off x="483848" y="1150912"/>
+            <a:ext cx="8051725" cy="4564087"/>
           </a:xfrm>
         </p:spPr>
         <p:txBody>
@@ -4042,248 +4118,10 @@
             <a:pPr marL="0" indent="0">
               <a:buNone/>
             </a:pPr>
-            <a:r>
-              <a:rPr lang="en-US" dirty="0"/>
-              <a:t>Python includes a special type, the </a:t>
-            </a:r>
-            <a:r>
-              <a:rPr lang="en-US" dirty="0" err="1"/>
-              <a:t>NoneType</a:t>
-            </a:r>
-            <a:r>
-              <a:rPr lang="en-US" dirty="0"/>
-              <a:t>, which has only a single possible value: None. </a:t>
-            </a:r>
-          </a:p>
-          <a:p>
-            <a:pPr marL="0" indent="0">
-              <a:buNone/>
-            </a:pPr>
-            <a:r>
-              <a:rPr lang="en-US" b="1" dirty="0">
-                <a:solidFill>
-                  <a:srgbClr val="000087"/>
-                </a:solidFill>
-                <a:latin typeface="Inconsolata Medium" panose="020B0609030003000000" pitchFamily="49" charset="77"/>
-              </a:rPr>
-              <a:t>In </a:t>
-            </a:r>
-            <a:r>
-              <a:rPr lang="en-US" b="1" dirty="0">
-                <a:latin typeface="Inconsolata Medium" panose="020B0609030003000000" pitchFamily="49" charset="77"/>
-              </a:rPr>
-              <a:t>[</a:t>
-            </a:r>
-            <a:r>
-              <a:rPr lang="en-US" b="1" dirty="0">
-                <a:solidFill>
-                  <a:srgbClr val="FF6600"/>
-                </a:solidFill>
-                <a:latin typeface="Inconsolata Medium" panose="020B0609030003000000" pitchFamily="49" charset="77"/>
-              </a:rPr>
-              <a:t>24</a:t>
-            </a:r>
-            <a:r>
-              <a:rPr lang="en-US" b="1" dirty="0">
-                <a:latin typeface="Inconsolata Medium" panose="020B0609030003000000" pitchFamily="49" charset="77"/>
-              </a:rPr>
-              <a:t>]: </a:t>
-            </a:r>
-            <a:r>
-              <a:rPr lang="en-US" b="1" dirty="0">
-                <a:solidFill>
-                  <a:srgbClr val="336666"/>
-                </a:solidFill>
-                <a:latin typeface="Inconsolata Medium" panose="020B0609030003000000" pitchFamily="49" charset="77"/>
-              </a:rPr>
-              <a:t>type</a:t>
-            </a:r>
-            <a:r>
-              <a:rPr lang="en-US" b="1" dirty="0">
-                <a:latin typeface="Inconsolata Medium" panose="020B0609030003000000" pitchFamily="49" charset="77"/>
-              </a:rPr>
-              <a:t>(</a:t>
-            </a:r>
-            <a:r>
-              <a:rPr lang="en-US" b="1" dirty="0">
-                <a:solidFill>
-                  <a:srgbClr val="336666"/>
-                </a:solidFill>
-                <a:latin typeface="Inconsolata Medium" panose="020B0609030003000000" pitchFamily="49" charset="77"/>
-              </a:rPr>
-              <a:t>None</a:t>
-            </a:r>
-            <a:r>
-              <a:rPr lang="en-US" b="1" dirty="0">
-                <a:latin typeface="Inconsolata Medium" panose="020B0609030003000000" pitchFamily="49" charset="77"/>
-              </a:rPr>
-              <a:t>) </a:t>
-            </a:r>
-          </a:p>
-          <a:p>
-            <a:pPr marL="0" indent="0">
-              <a:buNone/>
-            </a:pPr>
-            <a:r>
-              <a:rPr lang="en-US" b="1" dirty="0">
-                <a:latin typeface="Inconsolata Medium" panose="020B0609030003000000" pitchFamily="49" charset="77"/>
-              </a:rPr>
-              <a:t>Out [24]: </a:t>
-            </a:r>
-            <a:r>
-              <a:rPr lang="en-US" b="1" dirty="0" err="1">
-                <a:latin typeface="Inconsolata Medium" panose="020B0609030003000000" pitchFamily="49" charset="77"/>
-              </a:rPr>
-              <a:t>NoneType</a:t>
-            </a:r>
-            <a:r>
-              <a:rPr lang="en-US" b="1" dirty="0">
-                <a:latin typeface="Inconsolata Medium" panose="020B0609030003000000" pitchFamily="49" charset="77"/>
-              </a:rPr>
-              <a:t> </a:t>
-            </a:r>
-          </a:p>
-          <a:p>
-            <a:pPr marL="0" indent="0">
-              <a:buNone/>
-            </a:pPr>
-            <a:endParaRPr lang="en-US" dirty="0"/>
-          </a:p>
-          <a:p>
-            <a:pPr marL="0" indent="0">
-              <a:buNone/>
-            </a:pPr>
-            <a:r>
-              <a:rPr lang="en-US" dirty="0"/>
-              <a:t>You’ll see None used in many places, but perhaps most commonly it is used as the default return value of a function. </a:t>
-            </a:r>
-          </a:p>
-          <a:p>
-            <a:pPr marL="0" indent="0">
-              <a:buNone/>
-            </a:pPr>
-            <a:r>
-              <a:rPr lang="en-US" b="1" dirty="0">
-                <a:solidFill>
-                  <a:srgbClr val="000087"/>
-                </a:solidFill>
-                <a:latin typeface="Inconsolata Medium" panose="020B0609030003000000" pitchFamily="49" charset="77"/>
-              </a:rPr>
-              <a:t>In </a:t>
-            </a:r>
-            <a:r>
-              <a:rPr lang="en-US" b="1" dirty="0">
-                <a:latin typeface="Inconsolata Medium" panose="020B0609030003000000" pitchFamily="49" charset="77"/>
-              </a:rPr>
-              <a:t>[</a:t>
-            </a:r>
-            <a:r>
-              <a:rPr lang="en-US" b="1" dirty="0">
-                <a:solidFill>
-                  <a:srgbClr val="FF6600"/>
-                </a:solidFill>
-                <a:latin typeface="Inconsolata Medium" panose="020B0609030003000000" pitchFamily="49" charset="77"/>
-              </a:rPr>
-              <a:t>25</a:t>
-            </a:r>
-            <a:r>
-              <a:rPr lang="en-US" b="1" dirty="0">
-                <a:latin typeface="Inconsolata Medium" panose="020B0609030003000000" pitchFamily="49" charset="77"/>
-              </a:rPr>
-              <a:t>]: </a:t>
-            </a:r>
-            <a:r>
-              <a:rPr lang="en-US" b="1" dirty="0" err="1">
-                <a:solidFill>
-                  <a:srgbClr val="000087"/>
-                </a:solidFill>
-                <a:latin typeface="Inconsolata Medium" panose="020B0609030003000000" pitchFamily="49" charset="77"/>
-              </a:rPr>
-              <a:t>return_value</a:t>
-            </a:r>
-            <a:r>
-              <a:rPr lang="en-US" b="1" dirty="0">
-                <a:solidFill>
-                  <a:srgbClr val="000087"/>
-                </a:solidFill>
-                <a:latin typeface="Inconsolata Medium" panose="020B0609030003000000" pitchFamily="49" charset="77"/>
-              </a:rPr>
-              <a:t> </a:t>
-            </a:r>
-            <a:r>
-              <a:rPr lang="en-US" b="1" dirty="0">
-                <a:solidFill>
-                  <a:srgbClr val="545454"/>
-                </a:solidFill>
-                <a:latin typeface="Inconsolata Medium" panose="020B0609030003000000" pitchFamily="49" charset="77"/>
-              </a:rPr>
-              <a:t>= </a:t>
-            </a:r>
-            <a:r>
-              <a:rPr lang="en-US" b="1" dirty="0">
-                <a:solidFill>
-                  <a:srgbClr val="006699"/>
-                </a:solidFill>
-                <a:latin typeface="Inconsolata Medium" panose="020B0609030003000000" pitchFamily="49" charset="77"/>
-              </a:rPr>
-              <a:t>print</a:t>
-            </a:r>
-            <a:r>
-              <a:rPr lang="en-US" b="1" dirty="0">
-                <a:latin typeface="Inconsolata Medium" panose="020B0609030003000000" pitchFamily="49" charset="77"/>
-              </a:rPr>
-              <a:t>(</a:t>
-            </a:r>
-            <a:r>
-              <a:rPr lang="en-US" b="1" dirty="0">
-                <a:solidFill>
-                  <a:srgbClr val="CC3300"/>
-                </a:solidFill>
-                <a:latin typeface="Inconsolata Medium" panose="020B0609030003000000" pitchFamily="49" charset="77"/>
-              </a:rPr>
-              <a:t>'</a:t>
-            </a:r>
-            <a:r>
-              <a:rPr lang="en-US" b="1" dirty="0" err="1">
-                <a:solidFill>
-                  <a:srgbClr val="CC3300"/>
-                </a:solidFill>
-                <a:latin typeface="Inconsolata Medium" panose="020B0609030003000000" pitchFamily="49" charset="77"/>
-              </a:rPr>
-              <a:t>abc</a:t>
-            </a:r>
-            <a:r>
-              <a:rPr lang="en-US" b="1" dirty="0">
-                <a:solidFill>
-                  <a:srgbClr val="CC3300"/>
-                </a:solidFill>
-                <a:latin typeface="Inconsolata Medium" panose="020B0609030003000000" pitchFamily="49" charset="77"/>
-              </a:rPr>
-              <a:t>’</a:t>
-            </a:r>
-            <a:r>
-              <a:rPr lang="en-US" b="1" dirty="0">
-                <a:latin typeface="Inconsolata Medium" panose="020B0609030003000000" pitchFamily="49" charset="77"/>
-              </a:rPr>
-              <a:t>) </a:t>
-            </a:r>
-          </a:p>
-          <a:p>
-            <a:pPr marL="0" indent="0">
-              <a:buNone/>
-            </a:pPr>
-            <a:r>
-              <a:rPr lang="en-US" b="1" dirty="0" err="1">
-                <a:latin typeface="Inconsolata Medium" panose="020B0609030003000000" pitchFamily="49" charset="77"/>
-              </a:rPr>
-              <a:t>abc</a:t>
-            </a:r>
-            <a:br>
-              <a:rPr lang="en-US" b="1" dirty="0">
-                <a:latin typeface="Inconsolata Medium" panose="020B0609030003000000" pitchFamily="49" charset="77"/>
-              </a:rPr>
-            </a:br>
-            <a:endParaRPr lang="en-US" b="1" dirty="0">
+            <a:endParaRPr lang="en-US" sz="2000" b="1" dirty="0">
+              <a:solidFill>
+                <a:srgbClr val="000087"/>
+              </a:solidFill>
               <a:latin typeface="Inconsolata Medium" panose="020B0609030003000000" pitchFamily="49" charset="77"/>
             </a:endParaRPr>
           </a:p>
@@ -4292,95 +4130,218 @@
               <a:buNone/>
             </a:pPr>
             <a:r>
-              <a:rPr lang="en-US" b="1" dirty="0">
+              <a:rPr lang="en-US" sz="1800" b="1" dirty="0">
                 <a:solidFill>
                   <a:srgbClr val="000087"/>
                 </a:solidFill>
                 <a:latin typeface="Inconsolata Medium" panose="020B0609030003000000" pitchFamily="49" charset="77"/>
               </a:rPr>
-              <a:t>In </a:t>
-            </a:r>
-            <a:r>
-              <a:rPr lang="en-US" b="1" dirty="0">
+              <a:t>In</a:t>
+            </a:r>
+            <a:r>
+              <a:rPr lang="en-US" sz="1800" b="1" dirty="0">
                 <a:latin typeface="Inconsolata Medium" panose="020B0609030003000000" pitchFamily="49" charset="77"/>
               </a:rPr>
               <a:t>[</a:t>
             </a:r>
             <a:r>
-              <a:rPr lang="en-US" b="1" dirty="0">
+              <a:rPr lang="en-US" sz="1800" b="1" dirty="0">
                 <a:solidFill>
                   <a:srgbClr val="FF6600"/>
                 </a:solidFill>
                 <a:latin typeface="Inconsolata Medium" panose="020B0609030003000000" pitchFamily="49" charset="77"/>
               </a:rPr>
-              <a:t>26</a:t>
-            </a:r>
-            <a:r>
-              <a:rPr lang="en-US" b="1" dirty="0">
-                <a:latin typeface="Inconsolata Medium" panose="020B0609030003000000" pitchFamily="49" charset="77"/>
-              </a:rPr>
-              <a:t>]: </a:t>
-            </a:r>
-            <a:r>
-              <a:rPr lang="en-US" b="1" dirty="0">
-                <a:solidFill>
-                  <a:srgbClr val="006699"/>
-                </a:solidFill>
-                <a:latin typeface="Inconsolata Medium" panose="020B0609030003000000" pitchFamily="49" charset="77"/>
-              </a:rPr>
-              <a:t>print</a:t>
-            </a:r>
-            <a:r>
-              <a:rPr lang="en-US" b="1" dirty="0">
-                <a:latin typeface="Inconsolata Medium" panose="020B0609030003000000" pitchFamily="49" charset="77"/>
-              </a:rPr>
-              <a:t>(</a:t>
-            </a:r>
-            <a:r>
-              <a:rPr lang="en-US" b="1" dirty="0" err="1">
+              <a:t>1</a:t>
+            </a:r>
+            <a:r>
+              <a:rPr lang="en-US" sz="1800" b="1" dirty="0">
+                <a:latin typeface="Inconsolata Medium" panose="020B0609030003000000" pitchFamily="49" charset="77"/>
+              </a:rPr>
+              <a:t>]: 10 == 5</a:t>
+            </a:r>
+            <a:r>
+              <a:rPr lang="en-US" sz="1800" b="1" dirty="0">
+                <a:solidFill>
+                  <a:srgbClr val="FF6600"/>
+                </a:solidFill>
+                <a:latin typeface="Inconsolata Medium" panose="020B0609030003000000" pitchFamily="49" charset="77"/>
+              </a:rPr>
+              <a:t> </a:t>
+            </a:r>
+          </a:p>
+          <a:p>
+            <a:pPr marL="0" indent="0">
+              <a:buNone/>
+            </a:pPr>
+            <a:r>
+              <a:rPr lang="en-US" sz="1800" b="1" dirty="0">
+                <a:latin typeface="Inconsolata Medium" panose="020B0609030003000000" pitchFamily="49" charset="77"/>
+              </a:rPr>
+              <a:t>Out[1]: False</a:t>
+            </a:r>
+          </a:p>
+          <a:p>
+            <a:pPr marL="0" indent="0">
+              <a:buNone/>
+            </a:pPr>
+            <a:endParaRPr lang="en-US" sz="1900" dirty="0">
+              <a:latin typeface="Gill Sans MT" panose="020B0502020104020203" pitchFamily="34" charset="77"/>
+            </a:endParaRPr>
+          </a:p>
+          <a:p>
+            <a:pPr marL="0" indent="0">
+              <a:buNone/>
+            </a:pPr>
+            <a:r>
+              <a:rPr lang="en-US" sz="1800" b="1" dirty="0">
                 <a:solidFill>
                   <a:srgbClr val="000087"/>
                 </a:solidFill>
                 <a:latin typeface="Inconsolata Medium" panose="020B0609030003000000" pitchFamily="49" charset="77"/>
               </a:rPr>
-              <a:t>return_value</a:t>
-            </a:r>
-            <a:r>
-              <a:rPr lang="en-US" b="1" dirty="0">
-                <a:latin typeface="Inconsolata Medium" panose="020B0609030003000000" pitchFamily="49" charset="77"/>
-              </a:rPr>
-              <a:t>)</a:t>
-            </a:r>
-            <a:br>
-              <a:rPr lang="en-US" b="1" dirty="0">
-                <a:latin typeface="Inconsolata Medium" panose="020B0609030003000000" pitchFamily="49" charset="77"/>
-              </a:rPr>
-            </a:br>
-            <a:r>
-              <a:rPr lang="en-US" b="1" dirty="0">
-                <a:latin typeface="Inconsolata Medium" panose="020B0609030003000000" pitchFamily="49" charset="77"/>
-              </a:rPr>
-              <a:t>None </a:t>
-            </a:r>
-          </a:p>
-          <a:p>
-            <a:pPr marL="0" indent="0">
-              <a:buNone/>
-            </a:pPr>
-            <a:endParaRPr lang="en-US" dirty="0"/>
-          </a:p>
-          <a:p>
-            <a:pPr marL="0" indent="0">
-              <a:buNone/>
-            </a:pPr>
-            <a:endParaRPr lang="en-US" dirty="0"/>
-          </a:p>
-          <a:p>
-            <a:pPr marL="0" indent="0">
-              <a:buNone/>
-            </a:pPr>
-            <a:endParaRPr lang="en-US" sz="1900" b="1" dirty="0">
-              <a:latin typeface="Inconsolata Medium" panose="020B0609030003000000" pitchFamily="49" charset="77"/>
+              <a:t>In</a:t>
+            </a:r>
+            <a:r>
+              <a:rPr lang="en-US" sz="1800" b="1" dirty="0">
+                <a:latin typeface="Inconsolata Medium" panose="020B0609030003000000" pitchFamily="49" charset="77"/>
+              </a:rPr>
+              <a:t>[</a:t>
+            </a:r>
+            <a:r>
+              <a:rPr lang="en-US" sz="1800" b="1" dirty="0">
+                <a:solidFill>
+                  <a:srgbClr val="FF6600"/>
+                </a:solidFill>
+                <a:latin typeface="Inconsolata Medium" panose="020B0609030003000000" pitchFamily="49" charset="77"/>
+              </a:rPr>
+              <a:t>2</a:t>
+            </a:r>
+            <a:r>
+              <a:rPr lang="en-US" sz="1800" b="1" dirty="0">
+                <a:latin typeface="Inconsolata Medium" panose="020B0609030003000000" pitchFamily="49" charset="77"/>
+              </a:rPr>
+              <a:t>]: 3 &lt;= 7</a:t>
+            </a:r>
+            <a:r>
+              <a:rPr lang="en-US" sz="1800" b="1" dirty="0">
+                <a:solidFill>
+                  <a:srgbClr val="FF6600"/>
+                </a:solidFill>
+                <a:latin typeface="Inconsolata Medium" panose="020B0609030003000000" pitchFamily="49" charset="77"/>
+              </a:rPr>
+              <a:t> </a:t>
+            </a:r>
+          </a:p>
+          <a:p>
+            <a:pPr marL="0" indent="0">
+              <a:buNone/>
+            </a:pPr>
+            <a:r>
+              <a:rPr lang="en-US" sz="1800" b="1" dirty="0">
+                <a:latin typeface="Inconsolata Medium" panose="020B0609030003000000" pitchFamily="49" charset="77"/>
+              </a:rPr>
+              <a:t>Out[2]: True</a:t>
+            </a:r>
+          </a:p>
+          <a:p>
+            <a:pPr marL="0" indent="0">
+              <a:buNone/>
+            </a:pPr>
+            <a:endParaRPr lang="en-US" sz="1900" dirty="0">
+              <a:latin typeface="Gill Sans MT" panose="020B0502020104020203" pitchFamily="34" charset="77"/>
+            </a:endParaRPr>
+          </a:p>
+          <a:p>
+            <a:pPr marL="0" indent="0">
+              <a:buNone/>
+            </a:pPr>
+            <a:r>
+              <a:rPr lang="en-US" sz="1800" b="1" dirty="0">
+                <a:solidFill>
+                  <a:srgbClr val="000087"/>
+                </a:solidFill>
+                <a:latin typeface="Inconsolata Medium" panose="020B0609030003000000" pitchFamily="49" charset="77"/>
+              </a:rPr>
+              <a:t>In</a:t>
+            </a:r>
+            <a:r>
+              <a:rPr lang="en-US" sz="1800" b="1" dirty="0">
+                <a:latin typeface="Inconsolata Medium" panose="020B0609030003000000" pitchFamily="49" charset="77"/>
+              </a:rPr>
+              <a:t>[</a:t>
+            </a:r>
+            <a:r>
+              <a:rPr lang="en-US" sz="1800" b="1" dirty="0">
+                <a:solidFill>
+                  <a:srgbClr val="FF6600"/>
+                </a:solidFill>
+                <a:latin typeface="Inconsolata Medium" panose="020B0609030003000000" pitchFamily="49" charset="77"/>
+              </a:rPr>
+              <a:t>3</a:t>
+            </a:r>
+            <a:r>
+              <a:rPr lang="en-US" sz="1800" b="1" dirty="0">
+                <a:latin typeface="Inconsolata Medium" panose="020B0609030003000000" pitchFamily="49" charset="77"/>
+              </a:rPr>
+              <a:t>]: 3 != 7</a:t>
+            </a:r>
+            <a:r>
+              <a:rPr lang="en-US" sz="1800" b="1" dirty="0">
+                <a:solidFill>
+                  <a:srgbClr val="FF6600"/>
+                </a:solidFill>
+                <a:latin typeface="Inconsolata Medium" panose="020B0609030003000000" pitchFamily="49" charset="77"/>
+              </a:rPr>
+              <a:t> </a:t>
+            </a:r>
+          </a:p>
+          <a:p>
+            <a:pPr marL="0" indent="0">
+              <a:buNone/>
+            </a:pPr>
+            <a:r>
+              <a:rPr lang="en-US" sz="1800" b="1" dirty="0">
+                <a:latin typeface="Inconsolata Medium" panose="020B0609030003000000" pitchFamily="49" charset="77"/>
+              </a:rPr>
+              <a:t>Out[3]: True</a:t>
+            </a:r>
+          </a:p>
+          <a:p>
+            <a:pPr marL="0" indent="0">
+              <a:buNone/>
+            </a:pPr>
+            <a:endParaRPr lang="en-US" sz="1900" dirty="0">
+              <a:latin typeface="Gill Sans MT" panose="020B0502020104020203" pitchFamily="34" charset="77"/>
+            </a:endParaRPr>
+          </a:p>
+          <a:p>
+            <a:pPr marL="0" indent="0">
+              <a:buNone/>
+            </a:pPr>
+            <a:r>
+              <a:rPr lang="en-US" sz="1800" b="1" dirty="0">
+                <a:solidFill>
+                  <a:srgbClr val="FF6600"/>
+                </a:solidFill>
+                <a:latin typeface="Inconsolata Medium" panose="020B0609030003000000" pitchFamily="49" charset="77"/>
+              </a:rPr>
+              <a:t>	  </a:t>
+            </a:r>
+          </a:p>
+          <a:p>
+            <a:pPr marL="0" indent="0">
+              <a:buNone/>
+            </a:pPr>
+            <a:endParaRPr lang="en-US" sz="1900" dirty="0">
+              <a:latin typeface="Gill Sans MT" panose="020B0502020104020203" pitchFamily="34" charset="77"/>
+            </a:endParaRPr>
+          </a:p>
+          <a:p>
+            <a:pPr marL="0" indent="0">
+              <a:buNone/>
+            </a:pPr>
+            <a:endParaRPr lang="en-US" sz="1900" dirty="0">
+              <a:latin typeface="Gill Sans MT" panose="020B0502020104020203" pitchFamily="34" charset="77"/>
             </a:endParaRPr>
           </a:p>
         </p:txBody>
@@ -4388,7 +4349,7 @@
     </p:spTree>
     <p:extLst>
       <p:ext uri="{BB962C8B-B14F-4D97-AF65-F5344CB8AC3E}">
-        <p14:creationId xmlns:p14="http://schemas.microsoft.com/office/powerpoint/2010/main" val="1096082918"/>
+        <p14:creationId xmlns:p14="http://schemas.microsoft.com/office/powerpoint/2010/main" val="226264442"/>
       </p:ext>
     </p:extLst>
   </p:cSld>
@@ -4442,10 +4403,9 @@
           <a:lstStyle/>
           <a:p>
             <a:r>
-              <a:rPr lang="en-US" dirty="0" err="1"/>
-              <a:t>NoneType</a:t>
-            </a:r>
-            <a:endParaRPr lang="en-US" dirty="0"/>
+              <a:rPr lang="en-US" dirty="0"/>
+              <a:t>Boolean Operations</a:t>
+            </a:r>
           </a:p>
         </p:txBody>
       </p:sp>
@@ -4467,8 +4427,8 @@
         </p:nvSpPr>
         <p:spPr>
           <a:xfrm>
-            <a:off x="483848" y="1150913"/>
-            <a:ext cx="8051725" cy="4440590"/>
+            <a:off x="483848" y="1224702"/>
+            <a:ext cx="8051725" cy="4490298"/>
           </a:xfrm>
         </p:spPr>
         <p:txBody>
@@ -4480,225 +4440,55 @@
             <a:pPr marL="0" indent="0">
               <a:buNone/>
             </a:pPr>
-            <a:endParaRPr lang="en-US"/>
-          </a:p>
-          <a:p>
-            <a:pPr marL="0" indent="0">
-              <a:buNone/>
-            </a:pPr>
-            <a:r>
-              <a:rPr lang="en-US"/>
-              <a:t>You’ll </a:t>
-            </a:r>
             <a:r>
               <a:rPr lang="en-US" dirty="0"/>
-              <a:t>see None used in many places, but perhaps most commonly it is used as the default return value of a function. </a:t>
-            </a:r>
-          </a:p>
-          <a:p>
-            <a:pPr marL="0" indent="0">
-              <a:buNone/>
-            </a:pPr>
-            <a:r>
-              <a:rPr lang="en-US" b="1" dirty="0">
-                <a:solidFill>
-                  <a:srgbClr val="000087"/>
-                </a:solidFill>
-                <a:latin typeface="Inconsolata Medium" panose="020B0609030003000000" pitchFamily="49" charset="77"/>
-              </a:rPr>
-              <a:t>In </a:t>
-            </a:r>
-            <a:r>
-              <a:rPr lang="en-US" b="1" dirty="0">
-                <a:latin typeface="Inconsolata Medium" panose="020B0609030003000000" pitchFamily="49" charset="77"/>
-              </a:rPr>
-              <a:t>[</a:t>
-            </a:r>
-            <a:r>
-              <a:rPr lang="en-US" b="1" dirty="0">
-                <a:solidFill>
-                  <a:srgbClr val="FF6600"/>
-                </a:solidFill>
-                <a:latin typeface="Inconsolata Medium" panose="020B0609030003000000" pitchFamily="49" charset="77"/>
-              </a:rPr>
-              <a:t>25</a:t>
-            </a:r>
-            <a:r>
-              <a:rPr lang="en-US" b="1" dirty="0">
-                <a:latin typeface="Inconsolata Medium" panose="020B0609030003000000" pitchFamily="49" charset="77"/>
-              </a:rPr>
-              <a:t>]: </a:t>
-            </a:r>
-            <a:r>
-              <a:rPr lang="en-US" b="1" dirty="0" err="1">
-                <a:solidFill>
-                  <a:srgbClr val="000087"/>
-                </a:solidFill>
-                <a:latin typeface="Inconsolata Medium" panose="020B0609030003000000" pitchFamily="49" charset="77"/>
-              </a:rPr>
-              <a:t>return_value</a:t>
-            </a:r>
-            <a:r>
-              <a:rPr lang="en-US" b="1" dirty="0">
-                <a:solidFill>
-                  <a:srgbClr val="000087"/>
-                </a:solidFill>
-                <a:latin typeface="Inconsolata Medium" panose="020B0609030003000000" pitchFamily="49" charset="77"/>
-              </a:rPr>
-              <a:t> </a:t>
-            </a:r>
-            <a:r>
-              <a:rPr lang="en-US" b="1" dirty="0">
-                <a:solidFill>
-                  <a:srgbClr val="545454"/>
-                </a:solidFill>
-                <a:latin typeface="Inconsolata Medium" panose="020B0609030003000000" pitchFamily="49" charset="77"/>
-              </a:rPr>
-              <a:t>= </a:t>
-            </a:r>
-            <a:r>
-              <a:rPr lang="en-US" b="1" dirty="0">
-                <a:solidFill>
-                  <a:srgbClr val="006699"/>
-                </a:solidFill>
-                <a:latin typeface="Inconsolata Medium" panose="020B0609030003000000" pitchFamily="49" charset="77"/>
-              </a:rPr>
-              <a:t>print</a:t>
-            </a:r>
-            <a:r>
-              <a:rPr lang="en-US" b="1" dirty="0">
-                <a:latin typeface="Inconsolata Medium" panose="020B0609030003000000" pitchFamily="49" charset="77"/>
-              </a:rPr>
-              <a:t>(</a:t>
-            </a:r>
-            <a:r>
-              <a:rPr lang="en-US" b="1" dirty="0">
-                <a:solidFill>
-                  <a:srgbClr val="CC3300"/>
-                </a:solidFill>
-                <a:latin typeface="Inconsolata Medium" panose="020B0609030003000000" pitchFamily="49" charset="77"/>
-              </a:rPr>
-              <a:t>'</a:t>
-            </a:r>
-            <a:r>
-              <a:rPr lang="en-US" b="1" dirty="0" err="1">
-                <a:solidFill>
-                  <a:srgbClr val="CC3300"/>
-                </a:solidFill>
-                <a:latin typeface="Inconsolata Medium" panose="020B0609030003000000" pitchFamily="49" charset="77"/>
-              </a:rPr>
-              <a:t>abc</a:t>
-            </a:r>
-            <a:r>
-              <a:rPr lang="en-US" b="1" dirty="0">
-                <a:solidFill>
-                  <a:srgbClr val="CC3300"/>
-                </a:solidFill>
-                <a:latin typeface="Inconsolata Medium" panose="020B0609030003000000" pitchFamily="49" charset="77"/>
-              </a:rPr>
-              <a:t>’</a:t>
-            </a:r>
-            <a:r>
-              <a:rPr lang="en-US" b="1" dirty="0">
-                <a:latin typeface="Inconsolata Medium" panose="020B0609030003000000" pitchFamily="49" charset="77"/>
-              </a:rPr>
-              <a:t>) </a:t>
-            </a:r>
-          </a:p>
-          <a:p>
-            <a:pPr marL="0" indent="0">
-              <a:buNone/>
-            </a:pPr>
-            <a:r>
-              <a:rPr lang="en-US" b="1" dirty="0" err="1">
-                <a:latin typeface="Inconsolata Medium" panose="020B0609030003000000" pitchFamily="49" charset="77"/>
-              </a:rPr>
-              <a:t>abc</a:t>
-            </a:r>
-            <a:br>
-              <a:rPr lang="en-US" b="1" dirty="0">
-                <a:latin typeface="Inconsolata Medium" panose="020B0609030003000000" pitchFamily="49" charset="77"/>
-              </a:rPr>
-            </a:br>
-            <a:endParaRPr lang="en-US" b="1" dirty="0">
-              <a:latin typeface="Inconsolata Medium" panose="020B0609030003000000" pitchFamily="49" charset="77"/>
-            </a:endParaRPr>
-          </a:p>
-          <a:p>
-            <a:pPr marL="0" indent="0">
-              <a:buNone/>
-            </a:pPr>
-            <a:r>
-              <a:rPr lang="en-US" b="1" dirty="0">
-                <a:solidFill>
-                  <a:srgbClr val="000087"/>
-                </a:solidFill>
-                <a:latin typeface="Inconsolata Medium" panose="020B0609030003000000" pitchFamily="49" charset="77"/>
-              </a:rPr>
-              <a:t>In </a:t>
-            </a:r>
-            <a:r>
-              <a:rPr lang="en-US" b="1" dirty="0">
-                <a:latin typeface="Inconsolata Medium" panose="020B0609030003000000" pitchFamily="49" charset="77"/>
-              </a:rPr>
-              <a:t>[</a:t>
-            </a:r>
-            <a:r>
-              <a:rPr lang="en-US" b="1" dirty="0">
-                <a:solidFill>
-                  <a:srgbClr val="FF6600"/>
-                </a:solidFill>
-                <a:latin typeface="Inconsolata Medium" panose="020B0609030003000000" pitchFamily="49" charset="77"/>
-              </a:rPr>
-              <a:t>26</a:t>
-            </a:r>
-            <a:r>
-              <a:rPr lang="en-US" b="1" dirty="0">
-                <a:latin typeface="Inconsolata Medium" panose="020B0609030003000000" pitchFamily="49" charset="77"/>
-              </a:rPr>
-              <a:t>]: </a:t>
-            </a:r>
-            <a:r>
-              <a:rPr lang="en-US" b="1" dirty="0">
-                <a:solidFill>
-                  <a:srgbClr val="006699"/>
-                </a:solidFill>
-                <a:latin typeface="Inconsolata Medium" panose="020B0609030003000000" pitchFamily="49" charset="77"/>
-              </a:rPr>
-              <a:t>print</a:t>
-            </a:r>
-            <a:r>
-              <a:rPr lang="en-US" b="1" dirty="0">
-                <a:latin typeface="Inconsolata Medium" panose="020B0609030003000000" pitchFamily="49" charset="77"/>
-              </a:rPr>
-              <a:t>(</a:t>
-            </a:r>
-            <a:r>
-              <a:rPr lang="en-US" b="1" dirty="0" err="1">
-                <a:solidFill>
-                  <a:srgbClr val="000087"/>
-                </a:solidFill>
-                <a:latin typeface="Inconsolata Medium" panose="020B0609030003000000" pitchFamily="49" charset="77"/>
-              </a:rPr>
-              <a:t>return_value</a:t>
-            </a:r>
-            <a:r>
-              <a:rPr lang="en-US" b="1" dirty="0">
-                <a:latin typeface="Inconsolata Medium" panose="020B0609030003000000" pitchFamily="49" charset="77"/>
-              </a:rPr>
-              <a:t>)</a:t>
-            </a:r>
-            <a:br>
-              <a:rPr lang="en-US" b="1" dirty="0">
-                <a:latin typeface="Inconsolata Medium" panose="020B0609030003000000" pitchFamily="49" charset="77"/>
-              </a:rPr>
-            </a:br>
-            <a:r>
-              <a:rPr lang="en-US" b="1" dirty="0">
-                <a:latin typeface="Inconsolata Medium" panose="020B0609030003000000" pitchFamily="49" charset="77"/>
-              </a:rPr>
-              <a:t>None </a:t>
-            </a:r>
+              <a:t>Python provides operators to combine the values using the standard concepts of “and”, “or”, and “not”. </a:t>
+            </a:r>
+          </a:p>
+          <a:p>
+            <a:pPr marL="0" indent="0">
+              <a:buNone/>
+            </a:pPr>
+            <a:endParaRPr lang="en-US" dirty="0"/>
+          </a:p>
+          <a:p>
+            <a:pPr marL="0" indent="0">
+              <a:buNone/>
+            </a:pPr>
+            <a:r>
+              <a:rPr lang="en-US" dirty="0"/>
+              <a:t>These operators are expressed using the words and, or,  and not: </a:t>
+            </a:r>
+          </a:p>
+          <a:p>
+            <a:pPr marL="0" indent="0">
+              <a:buNone/>
+            </a:pPr>
+            <a:endParaRPr lang="en-US" dirty="0"/>
+          </a:p>
+          <a:p>
+            <a:pPr marL="0" indent="0">
+              <a:buNone/>
+            </a:pPr>
+            <a:endParaRPr lang="en-US" dirty="0"/>
+          </a:p>
+          <a:p>
+            <a:pPr marL="0" indent="0">
+              <a:buNone/>
+            </a:pPr>
+            <a:endParaRPr lang="en-US" dirty="0"/>
+          </a:p>
+          <a:p>
+            <a:pPr marL="0" indent="0">
+              <a:buNone/>
+            </a:pPr>
+            <a:endParaRPr lang="en-US" dirty="0"/>
+          </a:p>
+          <a:p>
+            <a:pPr marL="0" indent="0">
+              <a:buNone/>
+            </a:pPr>
+            <a:endParaRPr lang="en-US" dirty="0"/>
           </a:p>
           <a:p>
             <a:pPr marL="0" indent="0">
@@ -4722,10 +4512,769 @@
           </a:p>
         </p:txBody>
       </p:sp>
+      <p:graphicFrame>
+        <p:nvGraphicFramePr>
+          <p:cNvPr id="3" name="Table 2">
+            <a:extLst>
+              <a:ext uri="{FF2B5EF4-FFF2-40B4-BE49-F238E27FC236}">
+                <a16:creationId xmlns:a16="http://schemas.microsoft.com/office/drawing/2014/main" id="{D1A8B361-4859-D745-85D5-8B7414EF4CC9}"/>
+              </a:ext>
+            </a:extLst>
+          </p:cNvPr>
+          <p:cNvGraphicFramePr>
+            <a:graphicFrameLocks noGrp="1"/>
+          </p:cNvGraphicFramePr>
+          <p:nvPr>
+            <p:extLst>
+              <p:ext uri="{D42A27DB-BD31-4B8C-83A1-F6EECF244321}">
+                <p14:modId xmlns:p14="http://schemas.microsoft.com/office/powerpoint/2010/main" val="853747464"/>
+              </p:ext>
+            </p:extLst>
+          </p:nvPr>
+        </p:nvGraphicFramePr>
+        <p:xfrm>
+          <a:off x="608427" y="2950239"/>
+          <a:ext cx="1874378" cy="1854200"/>
+        </p:xfrm>
+        <a:graphic>
+          <a:graphicData uri="http://schemas.openxmlformats.org/drawingml/2006/table">
+            <a:tbl>
+              <a:tblPr firstRow="1" bandRow="1">
+                <a:tableStyleId>{5940675A-B579-460E-94D1-54222C63F5DA}</a:tableStyleId>
+              </a:tblPr>
+              <a:tblGrid>
+                <a:gridCol w="579438">
+                  <a:extLst>
+                    <a:ext uri="{9D8B030D-6E8A-4147-A177-3AD203B41FA5}">
+                      <a16:colId xmlns:a16="http://schemas.microsoft.com/office/drawing/2014/main" val="906320275"/>
+                    </a:ext>
+                  </a:extLst>
+                </a:gridCol>
+                <a:gridCol w="572569">
+                  <a:extLst>
+                    <a:ext uri="{9D8B030D-6E8A-4147-A177-3AD203B41FA5}">
+                      <a16:colId xmlns:a16="http://schemas.microsoft.com/office/drawing/2014/main" val="4096772832"/>
+                    </a:ext>
+                  </a:extLst>
+                </a:gridCol>
+                <a:gridCol w="722371">
+                  <a:extLst>
+                    <a:ext uri="{9D8B030D-6E8A-4147-A177-3AD203B41FA5}">
+                      <a16:colId xmlns:a16="http://schemas.microsoft.com/office/drawing/2014/main" val="4136145070"/>
+                    </a:ext>
+                  </a:extLst>
+                </a:gridCol>
+              </a:tblGrid>
+              <a:tr h="370840">
+                <a:tc>
+                  <a:txBody>
+                    <a:bodyPr/>
+                    <a:lstStyle/>
+                    <a:p>
+                      <a:pPr algn="ctr"/>
+                      <a:r>
+                        <a:rPr lang="en-US" dirty="0"/>
+                        <a:t>X</a:t>
+                      </a:r>
+                    </a:p>
+                  </a:txBody>
+                  <a:tcPr/>
+                </a:tc>
+                <a:tc>
+                  <a:txBody>
+                    <a:bodyPr/>
+                    <a:lstStyle/>
+                    <a:p>
+                      <a:pPr algn="ctr"/>
+                      <a:r>
+                        <a:rPr lang="en-US" dirty="0"/>
+                        <a:t>Y</a:t>
+                      </a:r>
+                    </a:p>
+                  </a:txBody>
+                  <a:tcPr/>
+                </a:tc>
+                <a:tc>
+                  <a:txBody>
+                    <a:bodyPr/>
+                    <a:lstStyle/>
+                    <a:p>
+                      <a:pPr algn="ctr"/>
+                      <a:r>
+                        <a:rPr lang="en-US" dirty="0"/>
+                        <a:t>X or Y</a:t>
+                      </a:r>
+                    </a:p>
+                  </a:txBody>
+                  <a:tcPr/>
+                </a:tc>
+                <a:extLst>
+                  <a:ext uri="{0D108BD9-81ED-4DB2-BD59-A6C34878D82A}">
+                    <a16:rowId xmlns:a16="http://schemas.microsoft.com/office/drawing/2014/main" val="736100678"/>
+                  </a:ext>
+                </a:extLst>
+              </a:tr>
+              <a:tr h="370840">
+                <a:tc>
+                  <a:txBody>
+                    <a:bodyPr/>
+                    <a:lstStyle/>
+                    <a:p>
+                      <a:pPr algn="ctr"/>
+                      <a:r>
+                        <a:rPr lang="en-US" dirty="0"/>
+                        <a:t>True</a:t>
+                      </a:r>
+                    </a:p>
+                  </a:txBody>
+                  <a:tcPr/>
+                </a:tc>
+                <a:tc>
+                  <a:txBody>
+                    <a:bodyPr/>
+                    <a:lstStyle/>
+                    <a:p>
+                      <a:pPr algn="ctr"/>
+                      <a:r>
+                        <a:rPr lang="en-US" dirty="0"/>
+                        <a:t>True</a:t>
+                      </a:r>
+                    </a:p>
+                  </a:txBody>
+                  <a:tcPr/>
+                </a:tc>
+                <a:tc>
+                  <a:txBody>
+                    <a:bodyPr/>
+                    <a:lstStyle/>
+                    <a:p>
+                      <a:pPr algn="ctr"/>
+                      <a:r>
+                        <a:rPr lang="en-US" dirty="0"/>
+                        <a:t>True</a:t>
+                      </a:r>
+                    </a:p>
+                  </a:txBody>
+                  <a:tcPr/>
+                </a:tc>
+                <a:extLst>
+                  <a:ext uri="{0D108BD9-81ED-4DB2-BD59-A6C34878D82A}">
+                    <a16:rowId xmlns:a16="http://schemas.microsoft.com/office/drawing/2014/main" val="1292777070"/>
+                  </a:ext>
+                </a:extLst>
+              </a:tr>
+              <a:tr h="370840">
+                <a:tc>
+                  <a:txBody>
+                    <a:bodyPr/>
+                    <a:lstStyle/>
+                    <a:p>
+                      <a:pPr algn="ctr"/>
+                      <a:r>
+                        <a:rPr lang="en-US" dirty="0"/>
+                        <a:t>True</a:t>
+                      </a:r>
+                    </a:p>
+                  </a:txBody>
+                  <a:tcPr/>
+                </a:tc>
+                <a:tc>
+                  <a:txBody>
+                    <a:bodyPr/>
+                    <a:lstStyle/>
+                    <a:p>
+                      <a:pPr algn="ctr"/>
+                      <a:r>
+                        <a:rPr lang="en-US" dirty="0"/>
+                        <a:t>False</a:t>
+                      </a:r>
+                    </a:p>
+                  </a:txBody>
+                  <a:tcPr/>
+                </a:tc>
+                <a:tc>
+                  <a:txBody>
+                    <a:bodyPr/>
+                    <a:lstStyle/>
+                    <a:p>
+                      <a:pPr algn="ctr"/>
+                      <a:r>
+                        <a:rPr lang="en-US" dirty="0"/>
+                        <a:t>True</a:t>
+                      </a:r>
+                    </a:p>
+                  </a:txBody>
+                  <a:tcPr/>
+                </a:tc>
+                <a:extLst>
+                  <a:ext uri="{0D108BD9-81ED-4DB2-BD59-A6C34878D82A}">
+                    <a16:rowId xmlns:a16="http://schemas.microsoft.com/office/drawing/2014/main" val="1873611134"/>
+                  </a:ext>
+                </a:extLst>
+              </a:tr>
+              <a:tr h="370840">
+                <a:tc>
+                  <a:txBody>
+                    <a:bodyPr/>
+                    <a:lstStyle/>
+                    <a:p>
+                      <a:pPr algn="ctr"/>
+                      <a:r>
+                        <a:rPr lang="en-US" dirty="0"/>
+                        <a:t>False</a:t>
+                      </a:r>
+                    </a:p>
+                  </a:txBody>
+                  <a:tcPr/>
+                </a:tc>
+                <a:tc>
+                  <a:txBody>
+                    <a:bodyPr/>
+                    <a:lstStyle/>
+                    <a:p>
+                      <a:pPr algn="ctr"/>
+                      <a:r>
+                        <a:rPr lang="en-US" dirty="0"/>
+                        <a:t>True</a:t>
+                      </a:r>
+                    </a:p>
+                  </a:txBody>
+                  <a:tcPr/>
+                </a:tc>
+                <a:tc>
+                  <a:txBody>
+                    <a:bodyPr/>
+                    <a:lstStyle/>
+                    <a:p>
+                      <a:pPr algn="ctr"/>
+                      <a:r>
+                        <a:rPr lang="en-US" dirty="0"/>
+                        <a:t>True</a:t>
+                      </a:r>
+                    </a:p>
+                  </a:txBody>
+                  <a:tcPr/>
+                </a:tc>
+                <a:extLst>
+                  <a:ext uri="{0D108BD9-81ED-4DB2-BD59-A6C34878D82A}">
+                    <a16:rowId xmlns:a16="http://schemas.microsoft.com/office/drawing/2014/main" val="4229225531"/>
+                  </a:ext>
+                </a:extLst>
+              </a:tr>
+              <a:tr h="370840">
+                <a:tc>
+                  <a:txBody>
+                    <a:bodyPr/>
+                    <a:lstStyle/>
+                    <a:p>
+                      <a:pPr algn="ctr"/>
+                      <a:r>
+                        <a:rPr lang="en-US" dirty="0"/>
+                        <a:t>False</a:t>
+                      </a:r>
+                    </a:p>
+                  </a:txBody>
+                  <a:tcPr/>
+                </a:tc>
+                <a:tc>
+                  <a:txBody>
+                    <a:bodyPr/>
+                    <a:lstStyle/>
+                    <a:p>
+                      <a:pPr algn="ctr"/>
+                      <a:r>
+                        <a:rPr lang="en-US" dirty="0"/>
+                        <a:t>False</a:t>
+                      </a:r>
+                    </a:p>
+                  </a:txBody>
+                  <a:tcPr/>
+                </a:tc>
+                <a:tc>
+                  <a:txBody>
+                    <a:bodyPr/>
+                    <a:lstStyle/>
+                    <a:p>
+                      <a:pPr algn="ctr"/>
+                      <a:r>
+                        <a:rPr lang="en-US" dirty="0"/>
+                        <a:t>False</a:t>
+                      </a:r>
+                    </a:p>
+                  </a:txBody>
+                  <a:tcPr/>
+                </a:tc>
+                <a:extLst>
+                  <a:ext uri="{0D108BD9-81ED-4DB2-BD59-A6C34878D82A}">
+                    <a16:rowId xmlns:a16="http://schemas.microsoft.com/office/drawing/2014/main" val="1586723865"/>
+                  </a:ext>
+                </a:extLst>
+              </a:tr>
+            </a:tbl>
+          </a:graphicData>
+        </a:graphic>
+      </p:graphicFrame>
+      <p:graphicFrame>
+        <p:nvGraphicFramePr>
+          <p:cNvPr id="5" name="Table 4">
+            <a:extLst>
+              <a:ext uri="{FF2B5EF4-FFF2-40B4-BE49-F238E27FC236}">
+                <a16:creationId xmlns:a16="http://schemas.microsoft.com/office/drawing/2014/main" id="{6B28EE87-25E5-6843-B881-8A5CBDEB8778}"/>
+              </a:ext>
+            </a:extLst>
+          </p:cNvPr>
+          <p:cNvGraphicFramePr>
+            <a:graphicFrameLocks noGrp="1"/>
+          </p:cNvGraphicFramePr>
+          <p:nvPr>
+            <p:extLst>
+              <p:ext uri="{D42A27DB-BD31-4B8C-83A1-F6EECF244321}">
+                <p14:modId xmlns:p14="http://schemas.microsoft.com/office/powerpoint/2010/main" val="3304210203"/>
+              </p:ext>
+            </p:extLst>
+          </p:nvPr>
+        </p:nvGraphicFramePr>
+        <p:xfrm>
+          <a:off x="3162356" y="2950239"/>
+          <a:ext cx="1956574" cy="1854200"/>
+        </p:xfrm>
+        <a:graphic>
+          <a:graphicData uri="http://schemas.openxmlformats.org/drawingml/2006/table">
+            <a:tbl>
+              <a:tblPr firstRow="1" bandRow="1">
+                <a:tableStyleId>{5940675A-B579-460E-94D1-54222C63F5DA}</a:tableStyleId>
+              </a:tblPr>
+              <a:tblGrid>
+                <a:gridCol w="579438">
+                  <a:extLst>
+                    <a:ext uri="{9D8B030D-6E8A-4147-A177-3AD203B41FA5}">
+                      <a16:colId xmlns:a16="http://schemas.microsoft.com/office/drawing/2014/main" val="906320275"/>
+                    </a:ext>
+                  </a:extLst>
+                </a:gridCol>
+                <a:gridCol w="572569">
+                  <a:extLst>
+                    <a:ext uri="{9D8B030D-6E8A-4147-A177-3AD203B41FA5}">
+                      <a16:colId xmlns:a16="http://schemas.microsoft.com/office/drawing/2014/main" val="4096772832"/>
+                    </a:ext>
+                  </a:extLst>
+                </a:gridCol>
+                <a:gridCol w="804567">
+                  <a:extLst>
+                    <a:ext uri="{9D8B030D-6E8A-4147-A177-3AD203B41FA5}">
+                      <a16:colId xmlns:a16="http://schemas.microsoft.com/office/drawing/2014/main" val="4136145070"/>
+                    </a:ext>
+                  </a:extLst>
+                </a:gridCol>
+              </a:tblGrid>
+              <a:tr h="370840">
+                <a:tc>
+                  <a:txBody>
+                    <a:bodyPr/>
+                    <a:lstStyle/>
+                    <a:p>
+                      <a:pPr algn="ctr"/>
+                      <a:r>
+                        <a:rPr lang="en-US" dirty="0"/>
+                        <a:t>X</a:t>
+                      </a:r>
+                    </a:p>
+                  </a:txBody>
+                  <a:tcPr/>
+                </a:tc>
+                <a:tc>
+                  <a:txBody>
+                    <a:bodyPr/>
+                    <a:lstStyle/>
+                    <a:p>
+                      <a:pPr algn="ctr"/>
+                      <a:r>
+                        <a:rPr lang="en-US" dirty="0"/>
+                        <a:t>Y</a:t>
+                      </a:r>
+                    </a:p>
+                  </a:txBody>
+                  <a:tcPr/>
+                </a:tc>
+                <a:tc>
+                  <a:txBody>
+                    <a:bodyPr/>
+                    <a:lstStyle/>
+                    <a:p>
+                      <a:pPr algn="ctr"/>
+                      <a:r>
+                        <a:rPr lang="en-US" dirty="0"/>
+                        <a:t>X and Y</a:t>
+                      </a:r>
+                    </a:p>
+                  </a:txBody>
+                  <a:tcPr/>
+                </a:tc>
+                <a:extLst>
+                  <a:ext uri="{0D108BD9-81ED-4DB2-BD59-A6C34878D82A}">
+                    <a16:rowId xmlns:a16="http://schemas.microsoft.com/office/drawing/2014/main" val="736100678"/>
+                  </a:ext>
+                </a:extLst>
+              </a:tr>
+              <a:tr h="370840">
+                <a:tc>
+                  <a:txBody>
+                    <a:bodyPr/>
+                    <a:lstStyle/>
+                    <a:p>
+                      <a:pPr algn="ctr"/>
+                      <a:r>
+                        <a:rPr lang="en-US" dirty="0"/>
+                        <a:t>True</a:t>
+                      </a:r>
+                    </a:p>
+                  </a:txBody>
+                  <a:tcPr/>
+                </a:tc>
+                <a:tc>
+                  <a:txBody>
+                    <a:bodyPr/>
+                    <a:lstStyle/>
+                    <a:p>
+                      <a:pPr algn="ctr"/>
+                      <a:r>
+                        <a:rPr lang="en-US" dirty="0"/>
+                        <a:t>True</a:t>
+                      </a:r>
+                    </a:p>
+                  </a:txBody>
+                  <a:tcPr/>
+                </a:tc>
+                <a:tc>
+                  <a:txBody>
+                    <a:bodyPr/>
+                    <a:lstStyle/>
+                    <a:p>
+                      <a:pPr algn="ctr"/>
+                      <a:r>
+                        <a:rPr lang="en-US" dirty="0"/>
+                        <a:t>True</a:t>
+                      </a:r>
+                    </a:p>
+                  </a:txBody>
+                  <a:tcPr/>
+                </a:tc>
+                <a:extLst>
+                  <a:ext uri="{0D108BD9-81ED-4DB2-BD59-A6C34878D82A}">
+                    <a16:rowId xmlns:a16="http://schemas.microsoft.com/office/drawing/2014/main" val="1292777070"/>
+                  </a:ext>
+                </a:extLst>
+              </a:tr>
+              <a:tr h="370840">
+                <a:tc>
+                  <a:txBody>
+                    <a:bodyPr/>
+                    <a:lstStyle/>
+                    <a:p>
+                      <a:pPr algn="ctr"/>
+                      <a:r>
+                        <a:rPr lang="en-US" dirty="0"/>
+                        <a:t>True</a:t>
+                      </a:r>
+                    </a:p>
+                  </a:txBody>
+                  <a:tcPr/>
+                </a:tc>
+                <a:tc>
+                  <a:txBody>
+                    <a:bodyPr/>
+                    <a:lstStyle/>
+                    <a:p>
+                      <a:pPr algn="ctr"/>
+                      <a:r>
+                        <a:rPr lang="en-US" dirty="0"/>
+                        <a:t>False</a:t>
+                      </a:r>
+                    </a:p>
+                  </a:txBody>
+                  <a:tcPr/>
+                </a:tc>
+                <a:tc>
+                  <a:txBody>
+                    <a:bodyPr/>
+                    <a:lstStyle/>
+                    <a:p>
+                      <a:pPr algn="ctr"/>
+                      <a:r>
+                        <a:rPr lang="en-US" dirty="0"/>
+                        <a:t>False</a:t>
+                      </a:r>
+                    </a:p>
+                  </a:txBody>
+                  <a:tcPr/>
+                </a:tc>
+                <a:extLst>
+                  <a:ext uri="{0D108BD9-81ED-4DB2-BD59-A6C34878D82A}">
+                    <a16:rowId xmlns:a16="http://schemas.microsoft.com/office/drawing/2014/main" val="1873611134"/>
+                  </a:ext>
+                </a:extLst>
+              </a:tr>
+              <a:tr h="370840">
+                <a:tc>
+                  <a:txBody>
+                    <a:bodyPr/>
+                    <a:lstStyle/>
+                    <a:p>
+                      <a:pPr algn="ctr"/>
+                      <a:r>
+                        <a:rPr lang="en-US" dirty="0"/>
+                        <a:t>False</a:t>
+                      </a:r>
+                    </a:p>
+                  </a:txBody>
+                  <a:tcPr/>
+                </a:tc>
+                <a:tc>
+                  <a:txBody>
+                    <a:bodyPr/>
+                    <a:lstStyle/>
+                    <a:p>
+                      <a:pPr algn="ctr"/>
+                      <a:r>
+                        <a:rPr lang="en-US" dirty="0"/>
+                        <a:t>True</a:t>
+                      </a:r>
+                    </a:p>
+                  </a:txBody>
+                  <a:tcPr/>
+                </a:tc>
+                <a:tc>
+                  <a:txBody>
+                    <a:bodyPr/>
+                    <a:lstStyle/>
+                    <a:p>
+                      <a:pPr algn="ctr"/>
+                      <a:r>
+                        <a:rPr lang="en-US" dirty="0"/>
+                        <a:t>False</a:t>
+                      </a:r>
+                    </a:p>
+                  </a:txBody>
+                  <a:tcPr/>
+                </a:tc>
+                <a:extLst>
+                  <a:ext uri="{0D108BD9-81ED-4DB2-BD59-A6C34878D82A}">
+                    <a16:rowId xmlns:a16="http://schemas.microsoft.com/office/drawing/2014/main" val="4229225531"/>
+                  </a:ext>
+                </a:extLst>
+              </a:tr>
+              <a:tr h="370840">
+                <a:tc>
+                  <a:txBody>
+                    <a:bodyPr/>
+                    <a:lstStyle/>
+                    <a:p>
+                      <a:pPr algn="ctr"/>
+                      <a:r>
+                        <a:rPr lang="en-US" dirty="0"/>
+                        <a:t>False</a:t>
+                      </a:r>
+                    </a:p>
+                  </a:txBody>
+                  <a:tcPr/>
+                </a:tc>
+                <a:tc>
+                  <a:txBody>
+                    <a:bodyPr/>
+                    <a:lstStyle/>
+                    <a:p>
+                      <a:pPr algn="ctr"/>
+                      <a:r>
+                        <a:rPr lang="en-US" dirty="0"/>
+                        <a:t>False</a:t>
+                      </a:r>
+                    </a:p>
+                  </a:txBody>
+                  <a:tcPr/>
+                </a:tc>
+                <a:tc>
+                  <a:txBody>
+                    <a:bodyPr/>
+                    <a:lstStyle/>
+                    <a:p>
+                      <a:pPr algn="ctr"/>
+                      <a:r>
+                        <a:rPr lang="en-US" dirty="0"/>
+                        <a:t>False</a:t>
+                      </a:r>
+                    </a:p>
+                  </a:txBody>
+                  <a:tcPr/>
+                </a:tc>
+                <a:extLst>
+                  <a:ext uri="{0D108BD9-81ED-4DB2-BD59-A6C34878D82A}">
+                    <a16:rowId xmlns:a16="http://schemas.microsoft.com/office/drawing/2014/main" val="1586723865"/>
+                  </a:ext>
+                </a:extLst>
+              </a:tr>
+            </a:tbl>
+          </a:graphicData>
+        </a:graphic>
+      </p:graphicFrame>
+      <p:graphicFrame>
+        <p:nvGraphicFramePr>
+          <p:cNvPr id="8" name="Table 7">
+            <a:extLst>
+              <a:ext uri="{FF2B5EF4-FFF2-40B4-BE49-F238E27FC236}">
+                <a16:creationId xmlns:a16="http://schemas.microsoft.com/office/drawing/2014/main" id="{77EBC987-A315-0D4B-9537-E689EC60B366}"/>
+              </a:ext>
+            </a:extLst>
+          </p:cNvPr>
+          <p:cNvGraphicFramePr>
+            <a:graphicFrameLocks noGrp="1"/>
+          </p:cNvGraphicFramePr>
+          <p:nvPr>
+            <p:extLst>
+              <p:ext uri="{D42A27DB-BD31-4B8C-83A1-F6EECF244321}">
+                <p14:modId xmlns:p14="http://schemas.microsoft.com/office/powerpoint/2010/main" val="1788031249"/>
+              </p:ext>
+            </p:extLst>
+          </p:nvPr>
+        </p:nvGraphicFramePr>
+        <p:xfrm>
+          <a:off x="5815573" y="3315656"/>
+          <a:ext cx="1321544" cy="1174642"/>
+        </p:xfrm>
+        <a:graphic>
+          <a:graphicData uri="http://schemas.openxmlformats.org/drawingml/2006/table">
+            <a:tbl>
+              <a:tblPr firstRow="1" bandRow="1">
+                <a:tableStyleId>{5940675A-B579-460E-94D1-54222C63F5DA}</a:tableStyleId>
+              </a:tblPr>
+              <a:tblGrid>
+                <a:gridCol w="579438">
+                  <a:extLst>
+                    <a:ext uri="{9D8B030D-6E8A-4147-A177-3AD203B41FA5}">
+                      <a16:colId xmlns:a16="http://schemas.microsoft.com/office/drawing/2014/main" val="906320275"/>
+                    </a:ext>
+                  </a:extLst>
+                </a:gridCol>
+                <a:gridCol w="742106">
+                  <a:extLst>
+                    <a:ext uri="{9D8B030D-6E8A-4147-A177-3AD203B41FA5}">
+                      <a16:colId xmlns:a16="http://schemas.microsoft.com/office/drawing/2014/main" val="4096772832"/>
+                    </a:ext>
+                  </a:extLst>
+                </a:gridCol>
+              </a:tblGrid>
+              <a:tr h="432962">
+                <a:tc>
+                  <a:txBody>
+                    <a:bodyPr/>
+                    <a:lstStyle/>
+                    <a:p>
+                      <a:pPr algn="ctr"/>
+                      <a:r>
+                        <a:rPr lang="en-US" dirty="0"/>
+                        <a:t>X</a:t>
+                      </a:r>
+                    </a:p>
+                  </a:txBody>
+                  <a:tcPr/>
+                </a:tc>
+                <a:tc>
+                  <a:txBody>
+                    <a:bodyPr/>
+                    <a:lstStyle/>
+                    <a:p>
+                      <a:pPr algn="ctr"/>
+                      <a:r>
+                        <a:rPr lang="en-US" dirty="0"/>
+                        <a:t>not X</a:t>
+                      </a:r>
+                    </a:p>
+                  </a:txBody>
+                  <a:tcPr/>
+                </a:tc>
+                <a:extLst>
+                  <a:ext uri="{0D108BD9-81ED-4DB2-BD59-A6C34878D82A}">
+                    <a16:rowId xmlns:a16="http://schemas.microsoft.com/office/drawing/2014/main" val="736100678"/>
+                  </a:ext>
+                </a:extLst>
+              </a:tr>
+              <a:tr h="370840">
+                <a:tc>
+                  <a:txBody>
+                    <a:bodyPr/>
+                    <a:lstStyle/>
+                    <a:p>
+                      <a:pPr algn="ctr"/>
+                      <a:r>
+                        <a:rPr lang="en-US" dirty="0"/>
+                        <a:t>True</a:t>
+                      </a:r>
+                    </a:p>
+                  </a:txBody>
+                  <a:tcPr/>
+                </a:tc>
+                <a:tc>
+                  <a:txBody>
+                    <a:bodyPr/>
+                    <a:lstStyle/>
+                    <a:p>
+                      <a:pPr algn="ctr"/>
+                      <a:r>
+                        <a:rPr lang="en-US" dirty="0"/>
+                        <a:t>False</a:t>
+                      </a:r>
+                    </a:p>
+                  </a:txBody>
+                  <a:tcPr/>
+                </a:tc>
+                <a:extLst>
+                  <a:ext uri="{0D108BD9-81ED-4DB2-BD59-A6C34878D82A}">
+                    <a16:rowId xmlns:a16="http://schemas.microsoft.com/office/drawing/2014/main" val="1292777070"/>
+                  </a:ext>
+                </a:extLst>
+              </a:tr>
+              <a:tr h="370840">
+                <a:tc>
+                  <a:txBody>
+                    <a:bodyPr/>
+                    <a:lstStyle/>
+                    <a:p>
+                      <a:pPr algn="ctr"/>
+                      <a:r>
+                        <a:rPr lang="en-US" dirty="0"/>
+                        <a:t>False</a:t>
+                      </a:r>
+                    </a:p>
+                  </a:txBody>
+                  <a:tcPr/>
+                </a:tc>
+                <a:tc>
+                  <a:txBody>
+                    <a:bodyPr/>
+                    <a:lstStyle/>
+                    <a:p>
+                      <a:pPr algn="ctr"/>
+                      <a:r>
+                        <a:rPr lang="en-US" dirty="0"/>
+                        <a:t>True</a:t>
+                      </a:r>
+                    </a:p>
+                  </a:txBody>
+                  <a:tcPr/>
+                </a:tc>
+                <a:extLst>
+                  <a:ext uri="{0D108BD9-81ED-4DB2-BD59-A6C34878D82A}">
+                    <a16:rowId xmlns:a16="http://schemas.microsoft.com/office/drawing/2014/main" val="1873611134"/>
+                  </a:ext>
+                </a:extLst>
+              </a:tr>
+            </a:tbl>
+          </a:graphicData>
+        </a:graphic>
+      </p:graphicFrame>
     </p:spTree>
     <p:extLst>
       <p:ext uri="{BB962C8B-B14F-4D97-AF65-F5344CB8AC3E}">
-        <p14:creationId xmlns:p14="http://schemas.microsoft.com/office/powerpoint/2010/main" val="1714696104"/>
+        <p14:creationId xmlns:p14="http://schemas.microsoft.com/office/powerpoint/2010/main" val="1520265794"/>
       </p:ext>
     </p:extLst>
   </p:cSld>
@@ -4780,7 +5329,7 @@
           <a:p>
             <a:r>
               <a:rPr lang="en-US" dirty="0"/>
-              <a:t>Boolean Type</a:t>
+              <a:t>Boolean Operations</a:t>
             </a:r>
           </a:p>
         </p:txBody>
@@ -4803,8 +5352,8 @@
         </p:nvSpPr>
         <p:spPr>
           <a:xfrm>
-            <a:off x="483848" y="1150913"/>
-            <a:ext cx="8051725" cy="4440590"/>
+            <a:off x="483848" y="1003610"/>
+            <a:ext cx="8051725" cy="4711390"/>
           </a:xfrm>
         </p:spPr>
         <p:txBody>
@@ -4816,24 +5365,6 @@
             <a:pPr marL="0" indent="0">
               <a:buNone/>
             </a:pPr>
-            <a:r>
-              <a:rPr lang="en-US" dirty="0"/>
-              <a:t>The Boolean type is a simple type with two possible values: True and False.</a:t>
-            </a:r>
-          </a:p>
-          <a:p>
-            <a:pPr marL="0" indent="0">
-              <a:buNone/>
-            </a:pPr>
-            <a:r>
-              <a:rPr lang="en-US" dirty="0"/>
-              <a:t>Boolean values are case-sensitive: unlike some other languages, True and False must be capitalized! </a:t>
-            </a:r>
-          </a:p>
-          <a:p>
-            <a:pPr marL="0" indent="0">
-              <a:buNone/>
-            </a:pPr>
             <a:endParaRPr lang="en-US" dirty="0"/>
           </a:p>
           <a:p>
@@ -4841,274 +5372,417 @@
               <a:buNone/>
             </a:pPr>
             <a:r>
-              <a:rPr lang="en-US" dirty="0"/>
-              <a:t>Comparison operators return </a:t>
-            </a:r>
-          </a:p>
-          <a:p>
-            <a:pPr marL="0" indent="0">
-              <a:buNone/>
-            </a:pPr>
-            <a:r>
-              <a:rPr lang="en-US" dirty="0"/>
-              <a:t>True or False values. </a:t>
-            </a:r>
-          </a:p>
-          <a:p>
-            <a:pPr marL="0" indent="0">
-              <a:buNone/>
-            </a:pPr>
-            <a:endParaRPr lang="en-US" dirty="0"/>
-          </a:p>
-          <a:p>
-            <a:pPr marL="0" indent="0">
-              <a:buNone/>
-            </a:pPr>
-            <a:endParaRPr lang="en-US" dirty="0"/>
-          </a:p>
-          <a:p>
-            <a:pPr marL="0" indent="0">
-              <a:buNone/>
-            </a:pPr>
-            <a:endParaRPr lang="en-US" dirty="0"/>
-          </a:p>
-          <a:p>
-            <a:pPr marL="0" indent="0">
-              <a:buNone/>
-            </a:pPr>
-            <a:endParaRPr lang="en-US" dirty="0"/>
-          </a:p>
-          <a:p>
-            <a:pPr marL="0" indent="0">
-              <a:buNone/>
-            </a:pPr>
-            <a:endParaRPr lang="en-US" dirty="0"/>
-          </a:p>
-          <a:p>
-            <a:pPr marL="0" indent="0">
-              <a:buNone/>
-            </a:pPr>
-            <a:endParaRPr lang="en-US" sz="1900" b="1" dirty="0">
+              <a:rPr lang="en-US" b="1" dirty="0">
+                <a:solidFill>
+                  <a:srgbClr val="000087"/>
+                </a:solidFill>
+                <a:latin typeface="Inconsolata Medium" panose="020B0609030003000000" pitchFamily="49" charset="77"/>
+              </a:rPr>
+              <a:t>In</a:t>
+            </a:r>
+            <a:r>
+              <a:rPr lang="en-US" b="1" dirty="0">
+                <a:latin typeface="Inconsolata Medium" panose="020B0609030003000000" pitchFamily="49" charset="77"/>
+              </a:rPr>
+              <a:t>[</a:t>
+            </a:r>
+            <a:r>
+              <a:rPr lang="en-US" b="1" dirty="0">
+                <a:solidFill>
+                  <a:srgbClr val="FF6600"/>
+                </a:solidFill>
+                <a:latin typeface="Inconsolata Medium" panose="020B0609030003000000" pitchFamily="49" charset="77"/>
+              </a:rPr>
+              <a:t>1</a:t>
+            </a:r>
+            <a:r>
+              <a:rPr lang="en-US" b="1" dirty="0">
+                <a:latin typeface="Inconsolata Medium" panose="020B0609030003000000" pitchFamily="49" charset="77"/>
+              </a:rPr>
+              <a:t>]: </a:t>
+            </a:r>
+            <a:r>
+              <a:rPr lang="en-US" b="1" dirty="0">
+                <a:solidFill>
+                  <a:srgbClr val="000087"/>
+                </a:solidFill>
+                <a:latin typeface="Inconsolata Medium" panose="020B0609030003000000" pitchFamily="49" charset="77"/>
+              </a:rPr>
+              <a:t>x </a:t>
+            </a:r>
+            <a:r>
+              <a:rPr lang="en-US" b="1" dirty="0">
+                <a:solidFill>
+                  <a:srgbClr val="545454"/>
+                </a:solidFill>
+                <a:latin typeface="Inconsolata Medium" panose="020B0609030003000000" pitchFamily="49" charset="77"/>
+              </a:rPr>
+              <a:t>= </a:t>
+            </a:r>
+            <a:r>
+              <a:rPr lang="en-US" b="1" dirty="0">
+                <a:solidFill>
+                  <a:srgbClr val="FF6600"/>
+                </a:solidFill>
+                <a:latin typeface="Inconsolata Medium" panose="020B0609030003000000" pitchFamily="49" charset="77"/>
+              </a:rPr>
+              <a:t>4 </a:t>
+            </a:r>
+          </a:p>
+          <a:p>
+            <a:pPr marL="0" indent="0">
+              <a:buNone/>
+            </a:pPr>
+            <a:r>
+              <a:rPr lang="en-US" b="1" dirty="0">
+                <a:solidFill>
+                  <a:srgbClr val="FF6600"/>
+                </a:solidFill>
+                <a:latin typeface="Inconsolata Medium" panose="020B0609030003000000" pitchFamily="49" charset="77"/>
+              </a:rPr>
+              <a:t>	   </a:t>
+            </a:r>
+            <a:r>
+              <a:rPr lang="en-US" b="1" dirty="0">
+                <a:latin typeface="Inconsolata Medium" panose="020B0609030003000000" pitchFamily="49" charset="77"/>
+              </a:rPr>
+              <a:t>(</a:t>
+            </a:r>
+            <a:r>
+              <a:rPr lang="en-US" b="1" dirty="0">
+                <a:solidFill>
+                  <a:srgbClr val="000087"/>
+                </a:solidFill>
+                <a:latin typeface="Inconsolata Medium" panose="020B0609030003000000" pitchFamily="49" charset="77"/>
+              </a:rPr>
+              <a:t>x </a:t>
+            </a:r>
+            <a:r>
+              <a:rPr lang="en-US" b="1" dirty="0">
+                <a:solidFill>
+                  <a:srgbClr val="545454"/>
+                </a:solidFill>
+                <a:latin typeface="Inconsolata Medium" panose="020B0609030003000000" pitchFamily="49" charset="77"/>
+              </a:rPr>
+              <a:t>&lt; </a:t>
+            </a:r>
+            <a:r>
+              <a:rPr lang="en-US" b="1" dirty="0">
+                <a:solidFill>
+                  <a:srgbClr val="FF6600"/>
+                </a:solidFill>
+                <a:latin typeface="Inconsolata Medium" panose="020B0609030003000000" pitchFamily="49" charset="77"/>
+              </a:rPr>
+              <a:t>6</a:t>
+            </a:r>
+            <a:r>
+              <a:rPr lang="en-US" b="1" dirty="0">
+                <a:latin typeface="Inconsolata Medium" panose="020B0609030003000000" pitchFamily="49" charset="77"/>
+              </a:rPr>
+              <a:t>) and (</a:t>
+            </a:r>
+            <a:r>
+              <a:rPr lang="en-US" b="1" dirty="0">
+                <a:solidFill>
+                  <a:srgbClr val="000087"/>
+                </a:solidFill>
+                <a:latin typeface="Inconsolata Medium" panose="020B0609030003000000" pitchFamily="49" charset="77"/>
+              </a:rPr>
+              <a:t>x </a:t>
+            </a:r>
+            <a:r>
+              <a:rPr lang="en-US" b="1" dirty="0">
+                <a:solidFill>
+                  <a:srgbClr val="545454"/>
+                </a:solidFill>
+                <a:latin typeface="Inconsolata Medium" panose="020B0609030003000000" pitchFamily="49" charset="77"/>
+              </a:rPr>
+              <a:t>&gt; </a:t>
+            </a:r>
+            <a:r>
+              <a:rPr lang="en-US" b="1" dirty="0">
+                <a:solidFill>
+                  <a:srgbClr val="FF6600"/>
+                </a:solidFill>
+                <a:latin typeface="Inconsolata Medium" panose="020B0609030003000000" pitchFamily="49" charset="77"/>
+              </a:rPr>
+              <a:t>2</a:t>
+            </a:r>
+            <a:r>
+              <a:rPr lang="en-US" b="1" dirty="0">
+                <a:latin typeface="Inconsolata Medium" panose="020B0609030003000000" pitchFamily="49" charset="77"/>
+              </a:rPr>
+              <a:t>) </a:t>
+            </a:r>
+          </a:p>
+          <a:p>
+            <a:pPr marL="0" indent="0">
+              <a:buNone/>
+            </a:pPr>
+            <a:r>
+              <a:rPr lang="en-US" b="1" dirty="0">
+                <a:latin typeface="Inconsolata Medium" panose="020B0609030003000000" pitchFamily="49" charset="77"/>
+              </a:rPr>
+              <a:t>Out[1]: True </a:t>
+            </a:r>
+          </a:p>
+          <a:p>
+            <a:pPr marL="0" indent="0">
+              <a:buNone/>
+            </a:pPr>
+            <a:endParaRPr lang="en-US" b="1" dirty="0">
               <a:latin typeface="Inconsolata Medium" panose="020B0609030003000000" pitchFamily="49" charset="77"/>
             </a:endParaRPr>
           </a:p>
-        </p:txBody>
-      </p:sp>
-      <p:sp>
-        <p:nvSpPr>
-          <p:cNvPr id="3" name="TextBox 2">
-            <a:extLst>
-              <a:ext uri="{FF2B5EF4-FFF2-40B4-BE49-F238E27FC236}">
-                <a16:creationId xmlns:a16="http://schemas.microsoft.com/office/drawing/2014/main" id="{899F54E7-5FE4-EF45-9CE3-B2C76F14DE7B}"/>
-              </a:ext>
-            </a:extLst>
-          </p:cNvPr>
-          <p:cNvSpPr txBox="1"/>
-          <p:nvPr/>
-        </p:nvSpPr>
-        <p:spPr>
-          <a:xfrm>
-            <a:off x="4201123" y="2970778"/>
-            <a:ext cx="4686397" cy="2354491"/>
-          </a:xfrm>
-          <a:prstGeom prst="rect">
-            <a:avLst/>
-          </a:prstGeom>
-          <a:noFill/>
-        </p:spPr>
-        <p:txBody>
-          <a:bodyPr wrap="square" rtlCol="0">
-            <a:spAutoFit/>
-          </a:bodyPr>
-          <a:lstStyle/>
-          <a:p>
-            <a:r>
-              <a:rPr lang="en-US" sz="2100" b="1" dirty="0">
+          <a:p>
+            <a:pPr marL="0" indent="0">
+              <a:buNone/>
+            </a:pPr>
+            <a:r>
+              <a:rPr lang="en-US" b="1" dirty="0">
                 <a:solidFill>
                   <a:srgbClr val="000087"/>
                 </a:solidFill>
                 <a:latin typeface="Inconsolata Medium" panose="020B0609030003000000" pitchFamily="49" charset="77"/>
               </a:rPr>
-              <a:t>In </a:t>
-            </a:r>
-            <a:r>
-              <a:rPr lang="en-US" sz="2100" b="1" dirty="0">
+              <a:t>In</a:t>
+            </a:r>
+            <a:r>
+              <a:rPr lang="en-US" b="1" dirty="0">
                 <a:latin typeface="Inconsolata Medium" panose="020B0609030003000000" pitchFamily="49" charset="77"/>
               </a:rPr>
               <a:t>[</a:t>
             </a:r>
             <a:r>
-              <a:rPr lang="en-US" sz="2100" b="1" dirty="0">
+              <a:rPr lang="en-US" b="1" dirty="0">
                 <a:solidFill>
                   <a:srgbClr val="FF6600"/>
                 </a:solidFill>
                 <a:latin typeface="Inconsolata Medium" panose="020B0609030003000000" pitchFamily="49" charset="77"/>
               </a:rPr>
-              <a:t>27</a:t>
-            </a:r>
-            <a:r>
-              <a:rPr lang="en-US" sz="2100" b="1" dirty="0">
-                <a:latin typeface="Inconsolata Medium" panose="020B0609030003000000" pitchFamily="49" charset="77"/>
-              </a:rPr>
-              <a:t>]: </a:t>
-            </a:r>
-            <a:r>
-              <a:rPr lang="en-US" sz="2100" b="1" dirty="0">
+              <a:t>2</a:t>
+            </a:r>
+            <a:r>
+              <a:rPr lang="en-US" b="1" dirty="0">
+                <a:latin typeface="Inconsolata Medium" panose="020B0609030003000000" pitchFamily="49" charset="77"/>
+              </a:rPr>
+              <a:t>]: (</a:t>
+            </a:r>
+            <a:r>
+              <a:rPr lang="en-US" b="1" dirty="0">
                 <a:solidFill>
                   <a:srgbClr val="000087"/>
                 </a:solidFill>
                 <a:latin typeface="Inconsolata Medium" panose="020B0609030003000000" pitchFamily="49" charset="77"/>
               </a:rPr>
-              <a:t>result </a:t>
-            </a:r>
-            <a:r>
-              <a:rPr lang="en-US" sz="2100" b="1" dirty="0">
+              <a:t>x </a:t>
+            </a:r>
+            <a:r>
+              <a:rPr lang="en-US" b="1" dirty="0">
                 <a:solidFill>
                   <a:srgbClr val="545454"/>
                 </a:solidFill>
                 <a:latin typeface="Inconsolata Medium" panose="020B0609030003000000" pitchFamily="49" charset="77"/>
               </a:rPr>
-              <a:t>= </a:t>
-            </a:r>
-            <a:r>
-              <a:rPr lang="en-US" sz="2100" b="1" dirty="0">
-                <a:latin typeface="Inconsolata Medium" panose="020B0609030003000000" pitchFamily="49" charset="77"/>
-              </a:rPr>
-              <a:t>(</a:t>
-            </a:r>
-            <a:r>
-              <a:rPr lang="en-US" sz="2100" b="1" dirty="0">
+              <a:t>&gt; </a:t>
+            </a:r>
+            <a:r>
+              <a:rPr lang="en-US" b="1" dirty="0">
                 <a:solidFill>
                   <a:srgbClr val="FF6600"/>
                 </a:solidFill>
                 <a:latin typeface="Inconsolata Medium" panose="020B0609030003000000" pitchFamily="49" charset="77"/>
               </a:rPr>
-              <a:t>4 </a:t>
-            </a:r>
-            <a:r>
-              <a:rPr lang="en-US" sz="2100" b="1" dirty="0">
+              <a:t>10</a:t>
+            </a:r>
+            <a:r>
+              <a:rPr lang="en-US" b="1" dirty="0">
+                <a:latin typeface="Inconsolata Medium" panose="020B0609030003000000" pitchFamily="49" charset="77"/>
+              </a:rPr>
+              <a:t>) or (</a:t>
+            </a:r>
+            <a:r>
+              <a:rPr lang="en-US" b="1" dirty="0">
+                <a:solidFill>
+                  <a:srgbClr val="000087"/>
+                </a:solidFill>
+                <a:latin typeface="Inconsolata Medium" panose="020B0609030003000000" pitchFamily="49" charset="77"/>
+              </a:rPr>
+              <a:t>x </a:t>
+            </a:r>
+            <a:r>
+              <a:rPr lang="en-US" b="1" dirty="0">
                 <a:solidFill>
                   <a:srgbClr val="545454"/>
                 </a:solidFill>
                 <a:latin typeface="Inconsolata Medium" panose="020B0609030003000000" pitchFamily="49" charset="77"/>
               </a:rPr>
+              <a:t>% </a:t>
+            </a:r>
+            <a:r>
+              <a:rPr lang="en-US" b="1" dirty="0">
+                <a:solidFill>
+                  <a:srgbClr val="FF6600"/>
+                </a:solidFill>
+                <a:latin typeface="Inconsolata Medium" panose="020B0609030003000000" pitchFamily="49" charset="77"/>
+              </a:rPr>
+              <a:t>2 </a:t>
+            </a:r>
+            <a:r>
+              <a:rPr lang="en-US" b="1" dirty="0">
+                <a:solidFill>
+                  <a:srgbClr val="545454"/>
+                </a:solidFill>
+                <a:latin typeface="Inconsolata Medium" panose="020B0609030003000000" pitchFamily="49" charset="77"/>
+              </a:rPr>
+              <a:t>== </a:t>
+            </a:r>
+            <a:r>
+              <a:rPr lang="en-US" b="1" dirty="0">
+                <a:solidFill>
+                  <a:srgbClr val="FF6600"/>
+                </a:solidFill>
+                <a:latin typeface="Inconsolata Medium" panose="020B0609030003000000" pitchFamily="49" charset="77"/>
+              </a:rPr>
+              <a:t>0</a:t>
+            </a:r>
+            <a:r>
+              <a:rPr lang="en-US" b="1" dirty="0">
+                <a:latin typeface="Inconsolata Medium" panose="020B0609030003000000" pitchFamily="49" charset="77"/>
+              </a:rPr>
+              <a:t>) </a:t>
+            </a:r>
+          </a:p>
+          <a:p>
+            <a:pPr marL="0" indent="0">
+              <a:buNone/>
+            </a:pPr>
+            <a:r>
+              <a:rPr lang="en-US" b="1" dirty="0">
+                <a:latin typeface="Inconsolata Medium" panose="020B0609030003000000" pitchFamily="49" charset="77"/>
+              </a:rPr>
+              <a:t>Out[2]: True</a:t>
+            </a:r>
+          </a:p>
+          <a:p>
+            <a:pPr marL="0" indent="0">
+              <a:buNone/>
+            </a:pPr>
+            <a:br>
+              <a:rPr lang="en-US" b="1" dirty="0">
+                <a:latin typeface="Inconsolata Medium" panose="020B0609030003000000" pitchFamily="49" charset="77"/>
+              </a:rPr>
+            </a:br>
+            <a:r>
+              <a:rPr lang="en-US" b="1" dirty="0">
+                <a:solidFill>
+                  <a:srgbClr val="000087"/>
+                </a:solidFill>
+                <a:latin typeface="Inconsolata Medium" panose="020B0609030003000000" pitchFamily="49" charset="77"/>
+              </a:rPr>
+              <a:t>In</a:t>
+            </a:r>
+            <a:r>
+              <a:rPr lang="en-US" b="1" dirty="0">
+                <a:latin typeface="Inconsolata Medium" panose="020B0609030003000000" pitchFamily="49" charset="77"/>
+              </a:rPr>
+              <a:t>[</a:t>
+            </a:r>
+            <a:r>
+              <a:rPr lang="en-US" b="1" dirty="0">
+                <a:solidFill>
+                  <a:srgbClr val="FF6600"/>
+                </a:solidFill>
+                <a:latin typeface="Inconsolata Medium" panose="020B0609030003000000" pitchFamily="49" charset="77"/>
+              </a:rPr>
+              <a:t>3</a:t>
+            </a:r>
+            <a:r>
+              <a:rPr lang="en-US" b="1" dirty="0">
+                <a:latin typeface="Inconsolata Medium" panose="020B0609030003000000" pitchFamily="49" charset="77"/>
+              </a:rPr>
+              <a:t>]: not (</a:t>
+            </a:r>
+            <a:r>
+              <a:rPr lang="en-US" b="1" dirty="0">
+                <a:solidFill>
+                  <a:srgbClr val="000087"/>
+                </a:solidFill>
+                <a:latin typeface="Inconsolata Medium" panose="020B0609030003000000" pitchFamily="49" charset="77"/>
+              </a:rPr>
+              <a:t>x </a:t>
+            </a:r>
+            <a:r>
+              <a:rPr lang="en-US" b="1" dirty="0">
+                <a:solidFill>
+                  <a:srgbClr val="545454"/>
+                </a:solidFill>
+                <a:latin typeface="Inconsolata Medium" panose="020B0609030003000000" pitchFamily="49" charset="77"/>
+              </a:rPr>
               <a:t>&lt; </a:t>
             </a:r>
             <a:r>
-              <a:rPr lang="en-US" sz="2100" b="1" dirty="0">
+              <a:rPr lang="en-US" b="1" dirty="0">
                 <a:solidFill>
                   <a:srgbClr val="FF6600"/>
                 </a:solidFill>
                 <a:latin typeface="Inconsolata Medium" panose="020B0609030003000000" pitchFamily="49" charset="77"/>
               </a:rPr>
-              <a:t>5</a:t>
-            </a:r>
-            <a:r>
-              <a:rPr lang="en-US" sz="2100" b="1" dirty="0">
-                <a:latin typeface="Inconsolata Medium" panose="020B0609030003000000" pitchFamily="49" charset="77"/>
-              </a:rPr>
-              <a:t>) </a:t>
-            </a:r>
-          </a:p>
-          <a:p>
-            <a:r>
-              <a:rPr lang="en-US" sz="2100" b="1" dirty="0">
-                <a:solidFill>
-                  <a:srgbClr val="000087"/>
-                </a:solidFill>
-                <a:latin typeface="Inconsolata Medium" panose="020B0609030003000000" pitchFamily="49" charset="77"/>
-              </a:rPr>
-              <a:t>			 result </a:t>
-            </a:r>
-          </a:p>
-          <a:p>
-            <a:r>
-              <a:rPr lang="en-US" sz="2100" b="1" dirty="0">
-                <a:latin typeface="Inconsolata Medium" panose="020B0609030003000000" pitchFamily="49" charset="77"/>
-              </a:rPr>
-              <a:t>Out [27]: True </a:t>
-            </a:r>
-          </a:p>
-          <a:p>
-            <a:endParaRPr lang="en-US" sz="2100" b="1" dirty="0">
-              <a:solidFill>
-                <a:srgbClr val="000087"/>
-              </a:solidFill>
-              <a:latin typeface="Inconsolata Medium" panose="020B0609030003000000" pitchFamily="49" charset="77"/>
-            </a:endParaRPr>
-          </a:p>
-          <a:p>
-            <a:r>
-              <a:rPr lang="en-US" sz="2100" b="1" dirty="0">
-                <a:solidFill>
-                  <a:srgbClr val="000087"/>
-                </a:solidFill>
-                <a:latin typeface="Inconsolata Medium" panose="020B0609030003000000" pitchFamily="49" charset="77"/>
-              </a:rPr>
-              <a:t>In </a:t>
-            </a:r>
-            <a:r>
-              <a:rPr lang="en-US" sz="2100" b="1" dirty="0">
-                <a:latin typeface="Inconsolata Medium" panose="020B0609030003000000" pitchFamily="49" charset="77"/>
-              </a:rPr>
-              <a:t>[</a:t>
-            </a:r>
-            <a:r>
-              <a:rPr lang="en-US" sz="2100" b="1" dirty="0">
-                <a:solidFill>
-                  <a:srgbClr val="FF6600"/>
-                </a:solidFill>
-                <a:latin typeface="Inconsolata Medium" panose="020B0609030003000000" pitchFamily="49" charset="77"/>
-              </a:rPr>
-              <a:t>28</a:t>
-            </a:r>
-            <a:r>
-              <a:rPr lang="en-US" sz="2100" b="1" dirty="0">
-                <a:latin typeface="Inconsolata Medium" panose="020B0609030003000000" pitchFamily="49" charset="77"/>
-              </a:rPr>
-              <a:t>]: </a:t>
-            </a:r>
-            <a:r>
-              <a:rPr lang="en-US" sz="2100" b="1" dirty="0">
-                <a:solidFill>
-                  <a:srgbClr val="336666"/>
-                </a:solidFill>
-                <a:latin typeface="Inconsolata Medium" panose="020B0609030003000000" pitchFamily="49" charset="77"/>
-              </a:rPr>
-              <a:t>type</a:t>
-            </a:r>
-            <a:r>
-              <a:rPr lang="en-US" sz="2100" b="1" dirty="0">
-                <a:latin typeface="Inconsolata Medium" panose="020B0609030003000000" pitchFamily="49" charset="77"/>
-              </a:rPr>
-              <a:t>(</a:t>
-            </a:r>
-            <a:r>
-              <a:rPr lang="en-US" sz="2100" b="1" dirty="0">
-                <a:solidFill>
-                  <a:srgbClr val="000087"/>
-                </a:solidFill>
-                <a:latin typeface="Inconsolata Medium" panose="020B0609030003000000" pitchFamily="49" charset="77"/>
-              </a:rPr>
-              <a:t>result</a:t>
-            </a:r>
-            <a:r>
-              <a:rPr lang="en-US" sz="2100" b="1" dirty="0">
-                <a:latin typeface="Inconsolata Medium" panose="020B0609030003000000" pitchFamily="49" charset="77"/>
-              </a:rPr>
-              <a:t>) </a:t>
-            </a:r>
-          </a:p>
-          <a:p>
-            <a:r>
-              <a:rPr lang="en-US" sz="2100" b="1" dirty="0">
-                <a:latin typeface="Inconsolata Medium" panose="020B0609030003000000" pitchFamily="49" charset="77"/>
-              </a:rPr>
-              <a:t>Out [28]: bool </a:t>
-            </a:r>
-          </a:p>
-          <a:p>
-            <a:endParaRPr lang="en-US" sz="2100" b="1" dirty="0">
+              <a:t>6</a:t>
+            </a:r>
+            <a:r>
+              <a:rPr lang="en-US" b="1" dirty="0">
+                <a:latin typeface="Inconsolata Medium" panose="020B0609030003000000" pitchFamily="49" charset="77"/>
+              </a:rPr>
+              <a:t>)</a:t>
+            </a:r>
+            <a:br>
+              <a:rPr lang="en-US" b="1" dirty="0">
+                <a:latin typeface="Inconsolata Medium" panose="020B0609030003000000" pitchFamily="49" charset="77"/>
+              </a:rPr>
+            </a:br>
+            <a:r>
+              <a:rPr lang="en-US" b="1" dirty="0">
+                <a:latin typeface="Inconsolata Medium" panose="020B0609030003000000" pitchFamily="49" charset="77"/>
+              </a:rPr>
+              <a:t>Out[3]: False </a:t>
+            </a:r>
+          </a:p>
+          <a:p>
+            <a:pPr marL="0" indent="0">
+              <a:buNone/>
+            </a:pPr>
+            <a:endParaRPr lang="en-US" dirty="0"/>
+          </a:p>
+          <a:p>
+            <a:pPr marL="0" indent="0">
+              <a:buNone/>
+            </a:pPr>
+            <a:endParaRPr lang="en-US" dirty="0"/>
+          </a:p>
+          <a:p>
+            <a:pPr marL="0" indent="0">
+              <a:buNone/>
+            </a:pPr>
+            <a:endParaRPr lang="en-US" dirty="0"/>
+          </a:p>
+          <a:p>
+            <a:pPr marL="0" indent="0">
+              <a:buNone/>
+            </a:pPr>
+            <a:endParaRPr lang="en-US" dirty="0"/>
+          </a:p>
+          <a:p>
+            <a:pPr marL="0" indent="0">
+              <a:buNone/>
+            </a:pPr>
+            <a:endParaRPr lang="en-US" dirty="0"/>
+          </a:p>
+          <a:p>
+            <a:pPr marL="0" indent="0">
+              <a:buNone/>
+            </a:pPr>
+            <a:endParaRPr lang="en-US" sz="1900" b="1" dirty="0">
               <a:latin typeface="Inconsolata Medium" panose="020B0609030003000000" pitchFamily="49" charset="77"/>
             </a:endParaRPr>
           </a:p>
@@ -5117,7 +5791,7 @@
     </p:spTree>
     <p:extLst>
       <p:ext uri="{BB962C8B-B14F-4D97-AF65-F5344CB8AC3E}">
-        <p14:creationId xmlns:p14="http://schemas.microsoft.com/office/powerpoint/2010/main" val="2702355806"/>
+        <p14:creationId xmlns:p14="http://schemas.microsoft.com/office/powerpoint/2010/main" val="1851907297"/>
       </p:ext>
     </p:extLst>
   </p:cSld>
@@ -5172,6 +5846,1780 @@
           <a:p>
             <a:r>
               <a:rPr lang="en-US" dirty="0"/>
+              <a:t>Variables</a:t>
+            </a:r>
+          </a:p>
+        </p:txBody>
+      </p:sp>
+      <p:sp>
+        <p:nvSpPr>
+          <p:cNvPr id="9" name="Content Placeholder 8">
+            <a:extLst>
+              <a:ext uri="{FF2B5EF4-FFF2-40B4-BE49-F238E27FC236}">
+                <a16:creationId xmlns:a16="http://schemas.microsoft.com/office/drawing/2014/main" id="{E3B2E017-30B2-884B-A113-B419A2ED51AD}"/>
+              </a:ext>
+            </a:extLst>
+          </p:cNvPr>
+          <p:cNvSpPr>
+            <a:spLocks noGrp="1"/>
+          </p:cNvSpPr>
+          <p:nvPr>
+            <p:ph idx="1"/>
+          </p:nvPr>
+        </p:nvSpPr>
+        <p:spPr>
+          <a:xfrm>
+            <a:off x="483848" y="1003610"/>
+            <a:ext cx="8051725" cy="4711390"/>
+          </a:xfrm>
+        </p:spPr>
+        <p:txBody>
+          <a:bodyPr>
+            <a:noAutofit/>
+          </a:bodyPr>
+          <a:lstStyle/>
+          <a:p>
+            <a:pPr marL="0" indent="0">
+              <a:buNone/>
+            </a:pPr>
+            <a:r>
+              <a:rPr lang="en-US" sz="1900" b="1" dirty="0">
+                <a:latin typeface="Inconsolata Medium" panose="020B0609030003000000" pitchFamily="49" charset="77"/>
+              </a:rPr>
+              <a:t>We can use variables to refer to values that can be used later. </a:t>
+            </a:r>
+          </a:p>
+          <a:p>
+            <a:pPr marL="0" indent="0">
+              <a:buNone/>
+            </a:pPr>
+            <a:endParaRPr lang="en-US" sz="1900" b="1" dirty="0">
+              <a:latin typeface="Inconsolata Medium" panose="020B0609030003000000" pitchFamily="49" charset="77"/>
+            </a:endParaRPr>
+          </a:p>
+          <a:p>
+            <a:pPr marL="0" indent="0">
+              <a:buNone/>
+            </a:pPr>
+            <a:r>
+              <a:rPr lang="en-US" sz="1900" b="1" dirty="0">
+                <a:latin typeface="Inconsolata Medium" panose="020B0609030003000000" pitchFamily="49" charset="77"/>
+              </a:rPr>
+              <a:t>You can create a new variable by given it a value. </a:t>
+            </a:r>
+          </a:p>
+          <a:p>
+            <a:pPr marL="0" indent="0">
+              <a:buNone/>
+            </a:pPr>
+            <a:endParaRPr lang="en-US" sz="1900" b="1" dirty="0">
+              <a:latin typeface="Inconsolata Medium" panose="020B0609030003000000" pitchFamily="49" charset="77"/>
+            </a:endParaRPr>
+          </a:p>
+          <a:p>
+            <a:pPr marL="0" indent="0">
+              <a:buNone/>
+            </a:pPr>
+            <a:r>
+              <a:rPr lang="en-US" sz="2000" b="1" dirty="0">
+                <a:solidFill>
+                  <a:srgbClr val="000087"/>
+                </a:solidFill>
+                <a:latin typeface="Inconsolata Medium" panose="020B0609030003000000" pitchFamily="49" charset="77"/>
+              </a:rPr>
+              <a:t>In</a:t>
+            </a:r>
+            <a:r>
+              <a:rPr lang="en-US" sz="2000" b="1" dirty="0">
+                <a:latin typeface="Inconsolata Medium" panose="020B0609030003000000" pitchFamily="49" charset="77"/>
+              </a:rPr>
+              <a:t>[</a:t>
+            </a:r>
+            <a:r>
+              <a:rPr lang="en-US" sz="2000" b="1" dirty="0">
+                <a:solidFill>
+                  <a:srgbClr val="FF6600"/>
+                </a:solidFill>
+                <a:latin typeface="Inconsolata Medium" panose="020B0609030003000000" pitchFamily="49" charset="77"/>
+              </a:rPr>
+              <a:t>1</a:t>
+            </a:r>
+            <a:r>
+              <a:rPr lang="en-US" sz="2000" b="1" dirty="0">
+                <a:latin typeface="Inconsolata Medium" panose="020B0609030003000000" pitchFamily="49" charset="77"/>
+              </a:rPr>
+              <a:t>]: </a:t>
+            </a:r>
+            <a:r>
+              <a:rPr lang="en-US" sz="2000" b="1" dirty="0">
+                <a:solidFill>
+                  <a:srgbClr val="000087"/>
+                </a:solidFill>
+                <a:latin typeface="Inconsolata Medium" panose="020B0609030003000000" pitchFamily="49" charset="77"/>
+              </a:rPr>
+              <a:t>x </a:t>
+            </a:r>
+            <a:r>
+              <a:rPr lang="en-US" sz="2000" b="1" dirty="0">
+                <a:solidFill>
+                  <a:srgbClr val="545454"/>
+                </a:solidFill>
+                <a:latin typeface="Inconsolata Medium" panose="020B0609030003000000" pitchFamily="49" charset="77"/>
+              </a:rPr>
+              <a:t>= </a:t>
+            </a:r>
+            <a:r>
+              <a:rPr lang="en-US" sz="2000" b="1" dirty="0">
+                <a:solidFill>
+                  <a:srgbClr val="FF6600"/>
+                </a:solidFill>
+                <a:latin typeface="Inconsolata Medium" panose="020B0609030003000000" pitchFamily="49" charset="77"/>
+              </a:rPr>
+              <a:t>4 </a:t>
+            </a:r>
+          </a:p>
+          <a:p>
+            <a:pPr marL="0" indent="0">
+              <a:buNone/>
+            </a:pPr>
+            <a:r>
+              <a:rPr lang="en-US" sz="2000" b="1" dirty="0">
+                <a:solidFill>
+                  <a:srgbClr val="FF6600"/>
+                </a:solidFill>
+                <a:latin typeface="Inconsolata Medium" panose="020B0609030003000000" pitchFamily="49" charset="77"/>
+              </a:rPr>
+              <a:t>       </a:t>
+            </a:r>
+            <a:r>
+              <a:rPr lang="en-US" sz="2000" b="1" dirty="0">
+                <a:solidFill>
+                  <a:srgbClr val="000087"/>
+                </a:solidFill>
+                <a:latin typeface="Inconsolata Medium" panose="020B0609030003000000" pitchFamily="49" charset="77"/>
+              </a:rPr>
+              <a:t>x</a:t>
+            </a:r>
+            <a:r>
+              <a:rPr lang="en-US" sz="2000" b="1" dirty="0">
+                <a:solidFill>
+                  <a:srgbClr val="FF6600"/>
+                </a:solidFill>
+                <a:latin typeface="Inconsolata Medium" panose="020B0609030003000000" pitchFamily="49" charset="77"/>
+              </a:rPr>
+              <a:t>   </a:t>
+            </a:r>
+            <a:endParaRPr lang="en-US" sz="2000" b="1" dirty="0">
+              <a:latin typeface="Inconsolata Medium" panose="020B0609030003000000" pitchFamily="49" charset="77"/>
+            </a:endParaRPr>
+          </a:p>
+          <a:p>
+            <a:pPr marL="0" indent="0">
+              <a:buNone/>
+            </a:pPr>
+            <a:r>
+              <a:rPr lang="en-US" sz="2000" b="1" dirty="0">
+                <a:latin typeface="Inconsolata Medium" panose="020B0609030003000000" pitchFamily="49" charset="77"/>
+              </a:rPr>
+              <a:t>Out[1]: 4</a:t>
+            </a:r>
+          </a:p>
+          <a:p>
+            <a:pPr marL="0" indent="0">
+              <a:buNone/>
+            </a:pPr>
+            <a:endParaRPr lang="en-US" sz="2000" b="1" dirty="0">
+              <a:latin typeface="Inconsolata Medium" panose="020B0609030003000000" pitchFamily="49" charset="77"/>
+            </a:endParaRPr>
+          </a:p>
+          <a:p>
+            <a:pPr marL="0" indent="0">
+              <a:buNone/>
+            </a:pPr>
+            <a:r>
+              <a:rPr lang="en-US" sz="2000" dirty="0"/>
+              <a:t>Variable names can use letters, digits, and the underscore symbol (but they can’t start with a digit).</a:t>
+            </a:r>
+            <a:endParaRPr lang="en-US" sz="2000" b="1" dirty="0">
+              <a:latin typeface="Inconsolata Medium" panose="020B0609030003000000" pitchFamily="49" charset="77"/>
+            </a:endParaRPr>
+          </a:p>
+          <a:p>
+            <a:pPr marL="0" indent="0">
+              <a:buNone/>
+            </a:pPr>
+            <a:endParaRPr lang="en-US" sz="1900" b="1" dirty="0">
+              <a:latin typeface="Inconsolata Medium" panose="020B0609030003000000" pitchFamily="49" charset="77"/>
+            </a:endParaRPr>
+          </a:p>
+          <a:p>
+            <a:pPr marL="0" indent="0">
+              <a:buNone/>
+            </a:pPr>
+            <a:endParaRPr lang="en-US" sz="1900" b="1" dirty="0">
+              <a:latin typeface="Inconsolata Medium" panose="020B0609030003000000" pitchFamily="49" charset="77"/>
+            </a:endParaRPr>
+          </a:p>
+          <a:p>
+            <a:pPr marL="0" indent="0">
+              <a:buNone/>
+            </a:pPr>
+            <a:endParaRPr lang="en-US" sz="1900" b="1" dirty="0">
+              <a:latin typeface="Inconsolata Medium" panose="020B0609030003000000" pitchFamily="49" charset="77"/>
+            </a:endParaRPr>
+          </a:p>
+        </p:txBody>
+      </p:sp>
+    </p:spTree>
+    <p:extLst>
+      <p:ext uri="{BB962C8B-B14F-4D97-AF65-F5344CB8AC3E}">
+        <p14:creationId xmlns:p14="http://schemas.microsoft.com/office/powerpoint/2010/main" val="4186435068"/>
+      </p:ext>
+    </p:extLst>
+  </p:cSld>
+  <p:clrMapOvr>
+    <a:masterClrMapping/>
+  </p:clrMapOvr>
+</p:sld>
+</file>
+
+<file path=ppt/slides/slide15.xml><?xml version="1.0" encoding="utf-8"?>
+<p:sld xmlns:a="http://schemas.openxmlformats.org/drawingml/2006/main" xmlns:r="http://schemas.openxmlformats.org/officeDocument/2006/relationships" xmlns:p="http://schemas.openxmlformats.org/presentationml/2006/main">
+  <p:cSld>
+    <p:spTree>
+      <p:nvGrpSpPr>
+        <p:cNvPr id="1" name=""/>
+        <p:cNvGrpSpPr/>
+        <p:nvPr/>
+      </p:nvGrpSpPr>
+      <p:grpSpPr>
+        <a:xfrm>
+          <a:off x="0" y="0"/>
+          <a:ext cx="0" cy="0"/>
+          <a:chOff x="0" y="0"/>
+          <a:chExt cx="0" cy="0"/>
+        </a:xfrm>
+      </p:grpSpPr>
+      <p:sp>
+        <p:nvSpPr>
+          <p:cNvPr id="2" name="Title 1">
+            <a:extLst>
+              <a:ext uri="{FF2B5EF4-FFF2-40B4-BE49-F238E27FC236}">
+                <a16:creationId xmlns:a16="http://schemas.microsoft.com/office/drawing/2014/main" id="{AA3A228F-61D0-D949-A5E7-F83756230BF8}"/>
+              </a:ext>
+            </a:extLst>
+          </p:cNvPr>
+          <p:cNvSpPr>
+            <a:spLocks noGrp="1"/>
+          </p:cNvSpPr>
+          <p:nvPr>
+            <p:ph type="title"/>
+          </p:nvPr>
+        </p:nvSpPr>
+        <p:spPr>
+          <a:xfrm>
+            <a:off x="483848" y="467027"/>
+            <a:ext cx="7053542" cy="683886"/>
+          </a:xfrm>
+        </p:spPr>
+        <p:txBody>
+          <a:bodyPr/>
+          <a:lstStyle/>
+          <a:p>
+            <a:r>
+              <a:rPr lang="en-US" dirty="0"/>
+              <a:t>= is not equality</a:t>
+            </a:r>
+          </a:p>
+        </p:txBody>
+      </p:sp>
+      <p:sp>
+        <p:nvSpPr>
+          <p:cNvPr id="9" name="Content Placeholder 8">
+            <a:extLst>
+              <a:ext uri="{FF2B5EF4-FFF2-40B4-BE49-F238E27FC236}">
+                <a16:creationId xmlns:a16="http://schemas.microsoft.com/office/drawing/2014/main" id="{E3B2E017-30B2-884B-A113-B419A2ED51AD}"/>
+              </a:ext>
+            </a:extLst>
+          </p:cNvPr>
+          <p:cNvSpPr>
+            <a:spLocks noGrp="1"/>
+          </p:cNvSpPr>
+          <p:nvPr>
+            <p:ph idx="1"/>
+          </p:nvPr>
+        </p:nvSpPr>
+        <p:spPr>
+          <a:xfrm>
+            <a:off x="483848" y="1003610"/>
+            <a:ext cx="8051725" cy="4711390"/>
+          </a:xfrm>
+        </p:spPr>
+        <p:txBody>
+          <a:bodyPr>
+            <a:noAutofit/>
+          </a:bodyPr>
+          <a:lstStyle/>
+          <a:p>
+            <a:pPr marL="0" indent="0">
+              <a:buNone/>
+            </a:pPr>
+            <a:r>
+              <a:rPr lang="en-US" sz="1900" dirty="0">
+                <a:latin typeface="Gill Sans MT" panose="020B0502020104020203" pitchFamily="34" charset="77"/>
+              </a:rPr>
+              <a:t>Unlike in math, = is not equality in Python. It is an assignment: assign the expression on the right side of = to the variable on the left. </a:t>
+            </a:r>
+          </a:p>
+          <a:p>
+            <a:pPr marL="0" indent="0">
+              <a:buNone/>
+            </a:pPr>
+            <a:endParaRPr lang="en-US" sz="1900" b="1" dirty="0">
+              <a:latin typeface="Inconsolata Medium" panose="020B0609030003000000" pitchFamily="49" charset="77"/>
+            </a:endParaRPr>
+          </a:p>
+          <a:p>
+            <a:pPr marL="0" indent="0">
+              <a:buNone/>
+            </a:pPr>
+            <a:r>
+              <a:rPr lang="en-US" sz="2000" b="1" dirty="0">
+                <a:solidFill>
+                  <a:srgbClr val="000087"/>
+                </a:solidFill>
+                <a:latin typeface="Inconsolata Medium" panose="020B0609030003000000" pitchFamily="49" charset="77"/>
+              </a:rPr>
+              <a:t>In</a:t>
+            </a:r>
+            <a:r>
+              <a:rPr lang="en-US" sz="2000" b="1" dirty="0">
+                <a:latin typeface="Inconsolata Medium" panose="020B0609030003000000" pitchFamily="49" charset="77"/>
+              </a:rPr>
+              <a:t>[</a:t>
+            </a:r>
+            <a:r>
+              <a:rPr lang="en-US" sz="2000" b="1" dirty="0">
+                <a:solidFill>
+                  <a:srgbClr val="FF6600"/>
+                </a:solidFill>
+                <a:latin typeface="Inconsolata Medium" panose="020B0609030003000000" pitchFamily="49" charset="77"/>
+              </a:rPr>
+              <a:t>1</a:t>
+            </a:r>
+            <a:r>
+              <a:rPr lang="en-US" sz="2000" b="1" dirty="0">
+                <a:latin typeface="Inconsolata Medium" panose="020B0609030003000000" pitchFamily="49" charset="77"/>
+              </a:rPr>
+              <a:t>]: </a:t>
+            </a:r>
+            <a:r>
+              <a:rPr lang="en-US" sz="2000" b="1" dirty="0">
+                <a:solidFill>
+                  <a:srgbClr val="000087"/>
+                </a:solidFill>
+                <a:latin typeface="Inconsolata Medium" panose="020B0609030003000000" pitchFamily="49" charset="77"/>
+              </a:rPr>
+              <a:t>x </a:t>
+            </a:r>
+            <a:r>
+              <a:rPr lang="en-US" sz="2000" b="1" dirty="0">
+                <a:solidFill>
+                  <a:srgbClr val="545454"/>
+                </a:solidFill>
+                <a:latin typeface="Inconsolata Medium" panose="020B0609030003000000" pitchFamily="49" charset="77"/>
+              </a:rPr>
+              <a:t>= </a:t>
+            </a:r>
+            <a:r>
+              <a:rPr lang="en-US" sz="2000" b="1" dirty="0">
+                <a:solidFill>
+                  <a:srgbClr val="FF6600"/>
+                </a:solidFill>
+                <a:latin typeface="Inconsolata Medium" panose="020B0609030003000000" pitchFamily="49" charset="77"/>
+              </a:rPr>
+              <a:t>4 </a:t>
+            </a:r>
+          </a:p>
+          <a:p>
+            <a:pPr marL="0" indent="0">
+              <a:buNone/>
+            </a:pPr>
+            <a:r>
+              <a:rPr lang="en-US" sz="2000" b="1" dirty="0">
+                <a:solidFill>
+                  <a:srgbClr val="FF6600"/>
+                </a:solidFill>
+                <a:latin typeface="Inconsolata Medium" panose="020B0609030003000000" pitchFamily="49" charset="77"/>
+              </a:rPr>
+              <a:t>       </a:t>
+            </a:r>
+            <a:r>
+              <a:rPr lang="en-US" sz="2000" b="1" dirty="0">
+                <a:solidFill>
+                  <a:srgbClr val="000087"/>
+                </a:solidFill>
+                <a:latin typeface="Inconsolata Medium" panose="020B0609030003000000" pitchFamily="49" charset="77"/>
+              </a:rPr>
+              <a:t>x = x + 1 </a:t>
+            </a:r>
+            <a:r>
+              <a:rPr lang="en-US" sz="2000" b="1" dirty="0">
+                <a:solidFill>
+                  <a:srgbClr val="FF6600"/>
+                </a:solidFill>
+                <a:latin typeface="Inconsolata Medium" panose="020B0609030003000000" pitchFamily="49" charset="77"/>
+              </a:rPr>
+              <a:t>  </a:t>
+            </a:r>
+            <a:r>
+              <a:rPr lang="en-US" sz="2000" b="1" dirty="0">
+                <a:solidFill>
+                  <a:srgbClr val="00B050"/>
+                </a:solidFill>
+                <a:latin typeface="Inconsolata Medium" panose="020B0609030003000000" pitchFamily="49" charset="77"/>
+              </a:rPr>
+              <a:t># in math, this has no solutions! </a:t>
+            </a:r>
+          </a:p>
+          <a:p>
+            <a:pPr marL="0" indent="0">
+              <a:buNone/>
+            </a:pPr>
+            <a:r>
+              <a:rPr lang="en-US" sz="2000" b="1" dirty="0">
+                <a:solidFill>
+                  <a:srgbClr val="00B050"/>
+                </a:solidFill>
+                <a:latin typeface="Inconsolata Medium" panose="020B0609030003000000" pitchFamily="49" charset="77"/>
+              </a:rPr>
+              <a:t>       </a:t>
+            </a:r>
+            <a:r>
+              <a:rPr lang="en-US" sz="2000" b="1" dirty="0">
+                <a:solidFill>
+                  <a:srgbClr val="000087"/>
+                </a:solidFill>
+                <a:latin typeface="Inconsolata Medium" panose="020B0609030003000000" pitchFamily="49" charset="77"/>
+              </a:rPr>
+              <a:t>x</a:t>
+            </a:r>
+            <a:endParaRPr lang="en-US" sz="2000" b="1" dirty="0">
+              <a:solidFill>
+                <a:srgbClr val="00B050"/>
+              </a:solidFill>
+              <a:latin typeface="Inconsolata Medium" panose="020B0609030003000000" pitchFamily="49" charset="77"/>
+            </a:endParaRPr>
+          </a:p>
+          <a:p>
+            <a:pPr marL="0" indent="0">
+              <a:buNone/>
+            </a:pPr>
+            <a:r>
+              <a:rPr lang="en-US" sz="2000" b="1" dirty="0">
+                <a:latin typeface="Inconsolata Medium" panose="020B0609030003000000" pitchFamily="49" charset="77"/>
+              </a:rPr>
+              <a:t>Out[1]: 5</a:t>
+            </a:r>
+          </a:p>
+          <a:p>
+            <a:pPr marL="0" indent="0">
+              <a:buNone/>
+            </a:pPr>
+            <a:endParaRPr lang="en-US" sz="2000" b="1" dirty="0">
+              <a:latin typeface="Inconsolata Medium" panose="020B0609030003000000" pitchFamily="49" charset="77"/>
+            </a:endParaRPr>
+          </a:p>
+          <a:p>
+            <a:pPr marL="0" indent="0">
+              <a:buNone/>
+            </a:pPr>
+            <a:r>
+              <a:rPr lang="en-US" sz="2000" b="1" dirty="0">
+                <a:latin typeface="Inconsolata Medium" panose="020B0609030003000000" pitchFamily="49" charset="77"/>
+              </a:rPr>
+              <a:t>Assignment is not symmetric. </a:t>
+            </a:r>
+          </a:p>
+          <a:p>
+            <a:pPr marL="0" indent="0">
+              <a:buNone/>
+            </a:pPr>
+            <a:r>
+              <a:rPr lang="en-US" sz="2000" b="1" dirty="0">
+                <a:solidFill>
+                  <a:srgbClr val="000087"/>
+                </a:solidFill>
+                <a:latin typeface="Inconsolata Medium" panose="020B0609030003000000" pitchFamily="49" charset="77"/>
+              </a:rPr>
+              <a:t>In</a:t>
+            </a:r>
+            <a:r>
+              <a:rPr lang="en-US" sz="2000" b="1" dirty="0">
+                <a:latin typeface="Inconsolata Medium" panose="020B0609030003000000" pitchFamily="49" charset="77"/>
+              </a:rPr>
+              <a:t>[</a:t>
+            </a:r>
+            <a:r>
+              <a:rPr lang="en-US" sz="2000" b="1" dirty="0">
+                <a:solidFill>
+                  <a:srgbClr val="FF6600"/>
+                </a:solidFill>
+                <a:latin typeface="Inconsolata Medium" panose="020B0609030003000000" pitchFamily="49" charset="77"/>
+              </a:rPr>
+              <a:t>1</a:t>
+            </a:r>
+            <a:r>
+              <a:rPr lang="en-US" sz="2000" b="1" dirty="0">
+                <a:latin typeface="Inconsolata Medium" panose="020B0609030003000000" pitchFamily="49" charset="77"/>
+              </a:rPr>
+              <a:t>]: </a:t>
+            </a:r>
+            <a:r>
+              <a:rPr lang="en-US" sz="2000" b="1" dirty="0">
+                <a:solidFill>
+                  <a:srgbClr val="000087"/>
+                </a:solidFill>
+                <a:latin typeface="Inconsolata Medium" panose="020B0609030003000000" pitchFamily="49" charset="77"/>
+              </a:rPr>
+              <a:t>x </a:t>
+            </a:r>
+            <a:r>
+              <a:rPr lang="en-US" sz="2000" b="1" dirty="0">
+                <a:solidFill>
+                  <a:srgbClr val="545454"/>
+                </a:solidFill>
+                <a:latin typeface="Inconsolata Medium" panose="020B0609030003000000" pitchFamily="49" charset="77"/>
+              </a:rPr>
+              <a:t>= </a:t>
+            </a:r>
+            <a:r>
+              <a:rPr lang="en-US" sz="2000" b="1" dirty="0">
+                <a:solidFill>
+                  <a:srgbClr val="FF6600"/>
+                </a:solidFill>
+                <a:latin typeface="Inconsolata Medium" panose="020B0609030003000000" pitchFamily="49" charset="77"/>
+              </a:rPr>
+              <a:t>4    </a:t>
+            </a:r>
+            <a:r>
+              <a:rPr lang="en-US" sz="2000" b="1" dirty="0">
+                <a:solidFill>
+                  <a:srgbClr val="00B050"/>
+                </a:solidFill>
+                <a:latin typeface="Inconsolata Medium" panose="020B0609030003000000" pitchFamily="49" charset="77"/>
+              </a:rPr>
+              <a:t># correct!</a:t>
+            </a:r>
+            <a:endParaRPr lang="en-US" sz="2000" b="1" dirty="0">
+              <a:solidFill>
+                <a:srgbClr val="FF6600"/>
+              </a:solidFill>
+              <a:latin typeface="Inconsolata Medium" panose="020B0609030003000000" pitchFamily="49" charset="77"/>
+            </a:endParaRPr>
+          </a:p>
+          <a:p>
+            <a:pPr marL="0" indent="0">
+              <a:buNone/>
+            </a:pPr>
+            <a:r>
+              <a:rPr lang="en-US" sz="2000" b="1" dirty="0">
+                <a:solidFill>
+                  <a:srgbClr val="FF6600"/>
+                </a:solidFill>
+                <a:latin typeface="Inconsolata Medium" panose="020B0609030003000000" pitchFamily="49" charset="77"/>
+              </a:rPr>
+              <a:t>       </a:t>
+            </a:r>
+            <a:r>
+              <a:rPr lang="en-US" sz="2000" b="1" dirty="0">
+                <a:solidFill>
+                  <a:srgbClr val="000087"/>
+                </a:solidFill>
+                <a:latin typeface="Inconsolata Medium" panose="020B0609030003000000" pitchFamily="49" charset="77"/>
+              </a:rPr>
+              <a:t>10 = y </a:t>
+            </a:r>
+            <a:r>
+              <a:rPr lang="en-US" sz="2000" b="1" dirty="0">
+                <a:solidFill>
+                  <a:srgbClr val="FF6600"/>
+                </a:solidFill>
+                <a:latin typeface="Inconsolata Medium" panose="020B0609030003000000" pitchFamily="49" charset="77"/>
+              </a:rPr>
+              <a:t>  </a:t>
+            </a:r>
+            <a:r>
+              <a:rPr lang="en-US" sz="2000" b="1" dirty="0">
+                <a:solidFill>
+                  <a:srgbClr val="00B050"/>
+                </a:solidFill>
+                <a:latin typeface="Inconsolata Medium" panose="020B0609030003000000" pitchFamily="49" charset="77"/>
+              </a:rPr>
+              <a:t># error!</a:t>
+            </a:r>
+          </a:p>
+          <a:p>
+            <a:pPr marL="0" indent="0">
+              <a:buNone/>
+            </a:pPr>
+            <a:endParaRPr lang="en-US" sz="2000" b="1" dirty="0">
+              <a:latin typeface="Inconsolata Medium" panose="020B0609030003000000" pitchFamily="49" charset="77"/>
+            </a:endParaRPr>
+          </a:p>
+          <a:p>
+            <a:pPr marL="0" indent="0">
+              <a:buNone/>
+            </a:pPr>
+            <a:endParaRPr lang="en-US" sz="2000" b="1" dirty="0">
+              <a:latin typeface="Inconsolata Medium" panose="020B0609030003000000" pitchFamily="49" charset="77"/>
+            </a:endParaRPr>
+          </a:p>
+          <a:p>
+            <a:pPr marL="0" indent="0">
+              <a:buNone/>
+            </a:pPr>
+            <a:endParaRPr lang="en-US" sz="1900" b="1" dirty="0">
+              <a:latin typeface="Inconsolata Medium" panose="020B0609030003000000" pitchFamily="49" charset="77"/>
+            </a:endParaRPr>
+          </a:p>
+          <a:p>
+            <a:pPr marL="0" indent="0">
+              <a:buNone/>
+            </a:pPr>
+            <a:endParaRPr lang="en-US" sz="1900" b="1" dirty="0">
+              <a:latin typeface="Inconsolata Medium" panose="020B0609030003000000" pitchFamily="49" charset="77"/>
+            </a:endParaRPr>
+          </a:p>
+          <a:p>
+            <a:pPr marL="0" indent="0">
+              <a:buNone/>
+            </a:pPr>
+            <a:endParaRPr lang="en-US" sz="1900" b="1" dirty="0">
+              <a:latin typeface="Inconsolata Medium" panose="020B0609030003000000" pitchFamily="49" charset="77"/>
+            </a:endParaRPr>
+          </a:p>
+        </p:txBody>
+      </p:sp>
+      <p:sp>
+        <p:nvSpPr>
+          <p:cNvPr id="3" name="Rectangle 2">
+            <a:extLst>
+              <a:ext uri="{FF2B5EF4-FFF2-40B4-BE49-F238E27FC236}">
+                <a16:creationId xmlns:a16="http://schemas.microsoft.com/office/drawing/2014/main" id="{89FC81C6-5951-4C46-A412-23C1C61FDBAF}"/>
+              </a:ext>
+            </a:extLst>
+          </p:cNvPr>
+          <p:cNvSpPr/>
+          <p:nvPr/>
+        </p:nvSpPr>
+        <p:spPr>
+          <a:xfrm>
+            <a:off x="4425966" y="2688223"/>
+            <a:ext cx="292068" cy="338554"/>
+          </a:xfrm>
+          <a:prstGeom prst="rect">
+            <a:avLst/>
+          </a:prstGeom>
+        </p:spPr>
+        <p:txBody>
+          <a:bodyPr wrap="none">
+            <a:spAutoFit/>
+          </a:bodyPr>
+          <a:lstStyle/>
+          <a:p>
+            <a:r>
+              <a:rPr lang="en-US" sz="1600" b="1" dirty="0">
+                <a:solidFill>
+                  <a:srgbClr val="00B050"/>
+                </a:solidFill>
+                <a:latin typeface="Inconsolata Medium" panose="020B0609030003000000" pitchFamily="49" charset="77"/>
+              </a:rPr>
+              <a:t>#</a:t>
+            </a:r>
+            <a:endParaRPr lang="en-US" dirty="0"/>
+          </a:p>
+        </p:txBody>
+      </p:sp>
+    </p:spTree>
+    <p:extLst>
+      <p:ext uri="{BB962C8B-B14F-4D97-AF65-F5344CB8AC3E}">
+        <p14:creationId xmlns:p14="http://schemas.microsoft.com/office/powerpoint/2010/main" val="862557025"/>
+      </p:ext>
+    </p:extLst>
+  </p:cSld>
+  <p:clrMapOvr>
+    <a:masterClrMapping/>
+  </p:clrMapOvr>
+</p:sld>
+</file>
+
+<file path=ppt/slides/slide16.xml><?xml version="1.0" encoding="utf-8"?>
+<p:sld xmlns:a="http://schemas.openxmlformats.org/drawingml/2006/main" xmlns:r="http://schemas.openxmlformats.org/officeDocument/2006/relationships" xmlns:p="http://schemas.openxmlformats.org/presentationml/2006/main">
+  <p:cSld>
+    <p:spTree>
+      <p:nvGrpSpPr>
+        <p:cNvPr id="1" name=""/>
+        <p:cNvGrpSpPr/>
+        <p:nvPr/>
+      </p:nvGrpSpPr>
+      <p:grpSpPr>
+        <a:xfrm>
+          <a:off x="0" y="0"/>
+          <a:ext cx="0" cy="0"/>
+          <a:chOff x="0" y="0"/>
+          <a:chExt cx="0" cy="0"/>
+        </a:xfrm>
+      </p:grpSpPr>
+      <p:sp>
+        <p:nvSpPr>
+          <p:cNvPr id="2" name="Title 1">
+            <a:extLst>
+              <a:ext uri="{FF2B5EF4-FFF2-40B4-BE49-F238E27FC236}">
+                <a16:creationId xmlns:a16="http://schemas.microsoft.com/office/drawing/2014/main" id="{AA3A228F-61D0-D949-A5E7-F83756230BF8}"/>
+              </a:ext>
+            </a:extLst>
+          </p:cNvPr>
+          <p:cNvSpPr>
+            <a:spLocks noGrp="1"/>
+          </p:cNvSpPr>
+          <p:nvPr>
+            <p:ph type="title"/>
+          </p:nvPr>
+        </p:nvSpPr>
+        <p:spPr>
+          <a:xfrm>
+            <a:off x="483848" y="467027"/>
+            <a:ext cx="7053542" cy="683886"/>
+          </a:xfrm>
+        </p:spPr>
+        <p:txBody>
+          <a:bodyPr/>
+          <a:lstStyle/>
+          <a:p>
+            <a:r>
+              <a:rPr lang="en-US" dirty="0"/>
+              <a:t>Augmented Assignment</a:t>
+            </a:r>
+          </a:p>
+        </p:txBody>
+      </p:sp>
+      <p:sp>
+        <p:nvSpPr>
+          <p:cNvPr id="9" name="Content Placeholder 8">
+            <a:extLst>
+              <a:ext uri="{FF2B5EF4-FFF2-40B4-BE49-F238E27FC236}">
+                <a16:creationId xmlns:a16="http://schemas.microsoft.com/office/drawing/2014/main" id="{E3B2E017-30B2-884B-A113-B419A2ED51AD}"/>
+              </a:ext>
+            </a:extLst>
+          </p:cNvPr>
+          <p:cNvSpPr>
+            <a:spLocks noGrp="1"/>
+          </p:cNvSpPr>
+          <p:nvPr>
+            <p:ph idx="1"/>
+          </p:nvPr>
+        </p:nvSpPr>
+        <p:spPr>
+          <a:xfrm>
+            <a:off x="483848" y="1264778"/>
+            <a:ext cx="8051725" cy="4450222"/>
+          </a:xfrm>
+        </p:spPr>
+        <p:txBody>
+          <a:bodyPr>
+            <a:noAutofit/>
+          </a:bodyPr>
+          <a:lstStyle/>
+          <a:p>
+            <a:pPr marL="0" indent="0">
+              <a:buNone/>
+            </a:pPr>
+            <a:r>
+              <a:rPr lang="en-US" sz="2000" dirty="0"/>
+              <a:t>An </a:t>
+            </a:r>
+            <a:r>
+              <a:rPr lang="en-US" sz="2000" b="1" dirty="0"/>
+              <a:t>augmented assignment </a:t>
+            </a:r>
+            <a:r>
+              <a:rPr lang="en-US" sz="2000" dirty="0"/>
+              <a:t>combines an assignment statement with an operator to make the statement more concise. </a:t>
+            </a:r>
+          </a:p>
+          <a:p>
+            <a:pPr marL="0" indent="0">
+              <a:buNone/>
+            </a:pPr>
+            <a:r>
+              <a:rPr lang="en-US" sz="1900" b="1" dirty="0">
+                <a:solidFill>
+                  <a:srgbClr val="FF0000"/>
+                </a:solidFill>
+                <a:latin typeface="Inconsolata Medium" panose="020B0609030003000000" pitchFamily="49" charset="77"/>
+              </a:rPr>
+              <a:t>    Shorthand				Equivalent version</a:t>
+            </a:r>
+            <a:endParaRPr lang="en-US" b="1" dirty="0"/>
+          </a:p>
+          <a:p>
+            <a:pPr marL="742950" lvl="1" indent="-285750">
+              <a:buNone/>
+              <a:tabLst>
+                <a:tab pos="4113213" algn="l"/>
+              </a:tabLst>
+              <a:defRPr/>
+            </a:pPr>
+            <a:r>
+              <a:rPr lang="en-US" b="1" dirty="0"/>
+              <a:t>variable</a:t>
+            </a:r>
+            <a:r>
+              <a:rPr lang="en-US" dirty="0">
+                <a:latin typeface="Courier New" charset="0"/>
+              </a:rPr>
+              <a:t> += </a:t>
+            </a:r>
+            <a:r>
+              <a:rPr lang="en-US" b="1" dirty="0"/>
+              <a:t>value</a:t>
+            </a:r>
+            <a:r>
+              <a:rPr lang="en-US" dirty="0">
+                <a:latin typeface="Courier New" charset="0"/>
+              </a:rPr>
+              <a:t>;	</a:t>
+            </a:r>
+            <a:r>
+              <a:rPr lang="en-US" b="1" dirty="0"/>
+              <a:t>variable</a:t>
+            </a:r>
+            <a:r>
+              <a:rPr lang="en-US" dirty="0">
+                <a:latin typeface="Courier New" charset="0"/>
+              </a:rPr>
+              <a:t> = </a:t>
+            </a:r>
+            <a:r>
+              <a:rPr lang="en-US" b="1" dirty="0"/>
+              <a:t>variable</a:t>
+            </a:r>
+            <a:r>
+              <a:rPr lang="en-US" dirty="0">
+                <a:latin typeface="Courier New" charset="0"/>
+              </a:rPr>
+              <a:t> + </a:t>
+            </a:r>
+            <a:r>
+              <a:rPr lang="en-US" b="1" dirty="0"/>
+              <a:t>value</a:t>
+            </a:r>
+            <a:r>
+              <a:rPr lang="en-US" dirty="0">
+                <a:latin typeface="Courier New" charset="0"/>
+              </a:rPr>
+              <a:t>;</a:t>
+            </a:r>
+          </a:p>
+          <a:p>
+            <a:pPr marL="742950" lvl="1" indent="-285750">
+              <a:buNone/>
+              <a:tabLst>
+                <a:tab pos="4113213" algn="l"/>
+              </a:tabLst>
+              <a:defRPr/>
+            </a:pPr>
+            <a:r>
+              <a:rPr lang="en-US" b="1" dirty="0"/>
+              <a:t>variable</a:t>
+            </a:r>
+            <a:r>
+              <a:rPr lang="en-US" dirty="0">
+                <a:latin typeface="Courier New" charset="0"/>
+              </a:rPr>
+              <a:t> -= </a:t>
+            </a:r>
+            <a:r>
+              <a:rPr lang="en-US" b="1" dirty="0"/>
+              <a:t>value</a:t>
+            </a:r>
+            <a:r>
+              <a:rPr lang="en-US" dirty="0">
+                <a:latin typeface="Courier New" charset="0"/>
+              </a:rPr>
+              <a:t>;	</a:t>
+            </a:r>
+            <a:r>
+              <a:rPr lang="en-US" b="1" dirty="0"/>
+              <a:t>variable</a:t>
+            </a:r>
+            <a:r>
+              <a:rPr lang="en-US" dirty="0">
+                <a:latin typeface="Courier New" charset="0"/>
+              </a:rPr>
+              <a:t> = </a:t>
+            </a:r>
+            <a:r>
+              <a:rPr lang="en-US" b="1" dirty="0"/>
+              <a:t>variable</a:t>
+            </a:r>
+            <a:r>
+              <a:rPr lang="en-US" dirty="0">
+                <a:latin typeface="Courier New" charset="0"/>
+              </a:rPr>
+              <a:t> - </a:t>
+            </a:r>
+            <a:r>
+              <a:rPr lang="en-US" b="1" dirty="0"/>
+              <a:t>value</a:t>
+            </a:r>
+            <a:r>
+              <a:rPr lang="en-US" dirty="0">
+                <a:latin typeface="Courier New" charset="0"/>
+              </a:rPr>
+              <a:t>;</a:t>
+            </a:r>
+          </a:p>
+          <a:p>
+            <a:pPr marL="742950" lvl="1" indent="-285750">
+              <a:buNone/>
+              <a:tabLst>
+                <a:tab pos="4113213" algn="l"/>
+              </a:tabLst>
+              <a:defRPr/>
+            </a:pPr>
+            <a:r>
+              <a:rPr lang="en-US" b="1" dirty="0"/>
+              <a:t>variable</a:t>
+            </a:r>
+            <a:r>
+              <a:rPr lang="en-US" dirty="0">
+                <a:latin typeface="Courier New" charset="0"/>
+              </a:rPr>
+              <a:t> *= </a:t>
+            </a:r>
+            <a:r>
+              <a:rPr lang="en-US" b="1" dirty="0"/>
+              <a:t>value</a:t>
+            </a:r>
+            <a:r>
+              <a:rPr lang="en-US" dirty="0">
+                <a:latin typeface="Courier New" charset="0"/>
+              </a:rPr>
+              <a:t>;	</a:t>
+            </a:r>
+            <a:r>
+              <a:rPr lang="en-US" b="1" dirty="0"/>
+              <a:t>variable</a:t>
+            </a:r>
+            <a:r>
+              <a:rPr lang="en-US" dirty="0">
+                <a:latin typeface="Courier New" charset="0"/>
+              </a:rPr>
+              <a:t> = </a:t>
+            </a:r>
+            <a:r>
+              <a:rPr lang="en-US" b="1" dirty="0"/>
+              <a:t>variable</a:t>
+            </a:r>
+            <a:r>
+              <a:rPr lang="en-US" dirty="0">
+                <a:latin typeface="Courier New" charset="0"/>
+              </a:rPr>
+              <a:t> * </a:t>
+            </a:r>
+            <a:r>
+              <a:rPr lang="en-US" b="1" dirty="0"/>
+              <a:t>value</a:t>
+            </a:r>
+            <a:r>
+              <a:rPr lang="en-US" dirty="0">
+                <a:latin typeface="Courier New" charset="0"/>
+              </a:rPr>
+              <a:t>;</a:t>
+            </a:r>
+          </a:p>
+          <a:p>
+            <a:pPr marL="742950" lvl="1" indent="-285750">
+              <a:buNone/>
+              <a:tabLst>
+                <a:tab pos="4113213" algn="l"/>
+              </a:tabLst>
+              <a:defRPr/>
+            </a:pPr>
+            <a:r>
+              <a:rPr lang="en-US" b="1" dirty="0"/>
+              <a:t>variable</a:t>
+            </a:r>
+            <a:r>
+              <a:rPr lang="en-US" dirty="0">
+                <a:latin typeface="Courier New" charset="0"/>
+              </a:rPr>
+              <a:t> /= </a:t>
+            </a:r>
+            <a:r>
+              <a:rPr lang="en-US" b="1" dirty="0"/>
+              <a:t>value</a:t>
+            </a:r>
+            <a:r>
+              <a:rPr lang="en-US" dirty="0">
+                <a:latin typeface="Courier New" charset="0"/>
+              </a:rPr>
+              <a:t>;	</a:t>
+            </a:r>
+            <a:r>
+              <a:rPr lang="en-US" b="1" dirty="0"/>
+              <a:t>variable</a:t>
+            </a:r>
+            <a:r>
+              <a:rPr lang="en-US" dirty="0">
+                <a:latin typeface="Courier New" charset="0"/>
+              </a:rPr>
+              <a:t> = </a:t>
+            </a:r>
+            <a:r>
+              <a:rPr lang="en-US" b="1" dirty="0"/>
+              <a:t>variable</a:t>
+            </a:r>
+            <a:r>
+              <a:rPr lang="en-US" dirty="0">
+                <a:latin typeface="Courier New" charset="0"/>
+              </a:rPr>
+              <a:t> / </a:t>
+            </a:r>
+            <a:r>
+              <a:rPr lang="en-US" b="1" dirty="0"/>
+              <a:t>value</a:t>
+            </a:r>
+            <a:r>
+              <a:rPr lang="en-US" dirty="0">
+                <a:latin typeface="Courier New" charset="0"/>
+              </a:rPr>
+              <a:t>;</a:t>
+            </a:r>
+          </a:p>
+          <a:p>
+            <a:pPr marL="742950" lvl="1" indent="-285750">
+              <a:buNone/>
+              <a:tabLst>
+                <a:tab pos="4113213" algn="l"/>
+              </a:tabLst>
+              <a:defRPr/>
+            </a:pPr>
+            <a:r>
+              <a:rPr lang="en-US" b="1" dirty="0"/>
+              <a:t>variable</a:t>
+            </a:r>
+            <a:r>
+              <a:rPr lang="en-US" dirty="0">
+                <a:latin typeface="Courier New" charset="0"/>
+              </a:rPr>
+              <a:t> %= </a:t>
+            </a:r>
+            <a:r>
+              <a:rPr lang="en-US" b="1" dirty="0"/>
+              <a:t>value</a:t>
+            </a:r>
+            <a:r>
+              <a:rPr lang="en-US" dirty="0">
+                <a:latin typeface="Courier New" charset="0"/>
+              </a:rPr>
+              <a:t>;	</a:t>
+            </a:r>
+            <a:r>
+              <a:rPr lang="en-US" b="1" dirty="0"/>
+              <a:t>variable</a:t>
+            </a:r>
+            <a:r>
+              <a:rPr lang="en-US" dirty="0">
+                <a:latin typeface="Courier New" charset="0"/>
+              </a:rPr>
+              <a:t> = </a:t>
+            </a:r>
+            <a:r>
+              <a:rPr lang="en-US" b="1" dirty="0"/>
+              <a:t>variable</a:t>
+            </a:r>
+            <a:r>
+              <a:rPr lang="en-US" dirty="0">
+                <a:latin typeface="Courier New" charset="0"/>
+              </a:rPr>
+              <a:t> % </a:t>
+            </a:r>
+            <a:r>
+              <a:rPr lang="en-US" b="1" dirty="0"/>
+              <a:t>value</a:t>
+            </a:r>
+            <a:r>
+              <a:rPr lang="en-US" dirty="0">
+                <a:latin typeface="Courier New" charset="0"/>
+              </a:rPr>
+              <a:t>;</a:t>
+            </a:r>
+          </a:p>
+          <a:p>
+            <a:pPr marL="742950" lvl="1" indent="-285750">
+              <a:lnSpc>
+                <a:spcPct val="60000"/>
+              </a:lnSpc>
+              <a:buNone/>
+              <a:tabLst>
+                <a:tab pos="4113213" algn="l"/>
+              </a:tabLst>
+              <a:defRPr/>
+            </a:pPr>
+            <a:endParaRPr lang="en-US" dirty="0">
+              <a:latin typeface="Courier New" charset="0"/>
+            </a:endParaRPr>
+          </a:p>
+          <a:p>
+            <a:pPr marL="0" indent="0">
+              <a:buNone/>
+            </a:pPr>
+            <a:r>
+              <a:rPr lang="en-US" sz="1800" b="1" dirty="0">
+                <a:solidFill>
+                  <a:srgbClr val="000087"/>
+                </a:solidFill>
+                <a:latin typeface="Inconsolata Medium" panose="020B0609030003000000" pitchFamily="49" charset="77"/>
+              </a:rPr>
+              <a:t>In</a:t>
+            </a:r>
+            <a:r>
+              <a:rPr lang="en-US" sz="1800" b="1" dirty="0">
+                <a:latin typeface="Inconsolata Medium" panose="020B0609030003000000" pitchFamily="49" charset="77"/>
+              </a:rPr>
+              <a:t>[</a:t>
+            </a:r>
+            <a:r>
+              <a:rPr lang="en-US" sz="1800" b="1" dirty="0">
+                <a:solidFill>
+                  <a:srgbClr val="FF6600"/>
+                </a:solidFill>
+                <a:latin typeface="Inconsolata Medium" panose="020B0609030003000000" pitchFamily="49" charset="77"/>
+              </a:rPr>
+              <a:t>1</a:t>
+            </a:r>
+            <a:r>
+              <a:rPr lang="en-US" sz="1800" b="1" dirty="0">
+                <a:latin typeface="Inconsolata Medium" panose="020B0609030003000000" pitchFamily="49" charset="77"/>
+              </a:rPr>
+              <a:t>]: </a:t>
+            </a:r>
+            <a:r>
+              <a:rPr lang="en-US" sz="1800" b="1" dirty="0">
+                <a:solidFill>
+                  <a:srgbClr val="000087"/>
+                </a:solidFill>
+                <a:latin typeface="Inconsolata Medium" panose="020B0609030003000000" pitchFamily="49" charset="77"/>
+              </a:rPr>
+              <a:t>x </a:t>
+            </a:r>
+            <a:r>
+              <a:rPr lang="en-US" sz="1800" b="1" dirty="0">
+                <a:solidFill>
+                  <a:srgbClr val="545454"/>
+                </a:solidFill>
+                <a:latin typeface="Inconsolata Medium" panose="020B0609030003000000" pitchFamily="49" charset="77"/>
+              </a:rPr>
+              <a:t>= </a:t>
+            </a:r>
+            <a:r>
+              <a:rPr lang="en-US" sz="1800" b="1" dirty="0">
+                <a:solidFill>
+                  <a:srgbClr val="FF6600"/>
+                </a:solidFill>
+                <a:latin typeface="Inconsolata Medium" panose="020B0609030003000000" pitchFamily="49" charset="77"/>
+              </a:rPr>
+              <a:t>4 </a:t>
+            </a:r>
+          </a:p>
+          <a:p>
+            <a:pPr marL="0" indent="0">
+              <a:buNone/>
+            </a:pPr>
+            <a:r>
+              <a:rPr lang="en-US" sz="1800" b="1" dirty="0">
+                <a:solidFill>
+                  <a:srgbClr val="FF6600"/>
+                </a:solidFill>
+                <a:latin typeface="Inconsolata Medium" panose="020B0609030003000000" pitchFamily="49" charset="77"/>
+              </a:rPr>
+              <a:t>       </a:t>
+            </a:r>
+            <a:r>
+              <a:rPr lang="en-US" sz="1800" b="1" dirty="0">
+                <a:solidFill>
+                  <a:srgbClr val="000087"/>
+                </a:solidFill>
+                <a:latin typeface="Inconsolata Medium" panose="020B0609030003000000" pitchFamily="49" charset="77"/>
+              </a:rPr>
+              <a:t>x += 1 </a:t>
+            </a:r>
+            <a:r>
+              <a:rPr lang="en-US" sz="1800" b="1" dirty="0">
+                <a:solidFill>
+                  <a:srgbClr val="FF6600"/>
+                </a:solidFill>
+                <a:latin typeface="Inconsolata Medium" panose="020B0609030003000000" pitchFamily="49" charset="77"/>
+              </a:rPr>
+              <a:t>  </a:t>
+            </a:r>
+            <a:r>
+              <a:rPr lang="en-US" sz="1800" b="1" dirty="0">
+                <a:solidFill>
+                  <a:srgbClr val="00B050"/>
+                </a:solidFill>
+                <a:latin typeface="Inconsolata Medium" panose="020B0609030003000000" pitchFamily="49" charset="77"/>
+              </a:rPr>
+              <a:t># equivalent to x = x + 1</a:t>
+            </a:r>
+          </a:p>
+          <a:p>
+            <a:pPr marL="0" indent="0">
+              <a:buNone/>
+            </a:pPr>
+            <a:r>
+              <a:rPr lang="en-US" sz="1800" b="1" dirty="0">
+                <a:solidFill>
+                  <a:srgbClr val="00B050"/>
+                </a:solidFill>
+                <a:latin typeface="Inconsolata Medium" panose="020B0609030003000000" pitchFamily="49" charset="77"/>
+              </a:rPr>
+              <a:t>       </a:t>
+            </a:r>
+            <a:r>
+              <a:rPr lang="en-US" sz="1800" b="1" dirty="0">
+                <a:solidFill>
+                  <a:srgbClr val="000087"/>
+                </a:solidFill>
+                <a:latin typeface="Inconsolata Medium" panose="020B0609030003000000" pitchFamily="49" charset="77"/>
+              </a:rPr>
+              <a:t>x</a:t>
+            </a:r>
+            <a:endParaRPr lang="en-US" sz="1800" b="1" dirty="0">
+              <a:solidFill>
+                <a:srgbClr val="00B050"/>
+              </a:solidFill>
+              <a:latin typeface="Inconsolata Medium" panose="020B0609030003000000" pitchFamily="49" charset="77"/>
+            </a:endParaRPr>
+          </a:p>
+          <a:p>
+            <a:pPr marL="0" indent="0">
+              <a:buNone/>
+            </a:pPr>
+            <a:r>
+              <a:rPr lang="en-US" sz="1800" b="1" dirty="0">
+                <a:latin typeface="Inconsolata Medium" panose="020B0609030003000000" pitchFamily="49" charset="77"/>
+              </a:rPr>
+              <a:t>Out[1]: 5</a:t>
+            </a:r>
+          </a:p>
+          <a:p>
+            <a:pPr marL="0" indent="0">
+              <a:buNone/>
+            </a:pPr>
+            <a:endParaRPr lang="en-US" sz="1900" b="1" dirty="0">
+              <a:latin typeface="Inconsolata Medium" panose="020B0609030003000000" pitchFamily="49" charset="77"/>
+            </a:endParaRPr>
+          </a:p>
+          <a:p>
+            <a:pPr marL="0" indent="0">
+              <a:buNone/>
+            </a:pPr>
+            <a:endParaRPr lang="en-US" sz="1900" b="1" dirty="0">
+              <a:latin typeface="Inconsolata Medium" panose="020B0609030003000000" pitchFamily="49" charset="77"/>
+            </a:endParaRPr>
+          </a:p>
+        </p:txBody>
+      </p:sp>
+    </p:spTree>
+    <p:extLst>
+      <p:ext uri="{BB962C8B-B14F-4D97-AF65-F5344CB8AC3E}">
+        <p14:creationId xmlns:p14="http://schemas.microsoft.com/office/powerpoint/2010/main" val="170290661"/>
+      </p:ext>
+    </p:extLst>
+  </p:cSld>
+  <p:clrMapOvr>
+    <a:masterClrMapping/>
+  </p:clrMapOvr>
+</p:sld>
+</file>
+
+<file path=ppt/slides/slide17.xml><?xml version="1.0" encoding="utf-8"?>
+<p:sld xmlns:a="http://schemas.openxmlformats.org/drawingml/2006/main" xmlns:r="http://schemas.openxmlformats.org/officeDocument/2006/relationships" xmlns:p="http://schemas.openxmlformats.org/presentationml/2006/main">
+  <p:cSld>
+    <p:spTree>
+      <p:nvGrpSpPr>
+        <p:cNvPr id="1" name=""/>
+        <p:cNvGrpSpPr/>
+        <p:nvPr/>
+      </p:nvGrpSpPr>
+      <p:grpSpPr>
+        <a:xfrm>
+          <a:off x="0" y="0"/>
+          <a:ext cx="0" cy="0"/>
+          <a:chOff x="0" y="0"/>
+          <a:chExt cx="0" cy="0"/>
+        </a:xfrm>
+      </p:grpSpPr>
+      <p:sp>
+        <p:nvSpPr>
+          <p:cNvPr id="2" name="Title 1">
+            <a:extLst>
+              <a:ext uri="{FF2B5EF4-FFF2-40B4-BE49-F238E27FC236}">
+                <a16:creationId xmlns:a16="http://schemas.microsoft.com/office/drawing/2014/main" id="{AA3A228F-61D0-D949-A5E7-F83756230BF8}"/>
+              </a:ext>
+            </a:extLst>
+          </p:cNvPr>
+          <p:cNvSpPr>
+            <a:spLocks noGrp="1"/>
+          </p:cNvSpPr>
+          <p:nvPr>
+            <p:ph type="title"/>
+          </p:nvPr>
+        </p:nvSpPr>
+        <p:spPr>
+          <a:xfrm>
+            <a:off x="483848" y="467027"/>
+            <a:ext cx="7053542" cy="683886"/>
+          </a:xfrm>
+        </p:spPr>
+        <p:txBody>
+          <a:bodyPr/>
+          <a:lstStyle/>
+          <a:p>
+            <a:r>
+              <a:rPr lang="en-US" dirty="0"/>
+              <a:t>Augmented Assignment</a:t>
+            </a:r>
+          </a:p>
+        </p:txBody>
+      </p:sp>
+      <p:sp>
+        <p:nvSpPr>
+          <p:cNvPr id="9" name="Content Placeholder 8">
+            <a:extLst>
+              <a:ext uri="{FF2B5EF4-FFF2-40B4-BE49-F238E27FC236}">
+                <a16:creationId xmlns:a16="http://schemas.microsoft.com/office/drawing/2014/main" id="{E3B2E017-30B2-884B-A113-B419A2ED51AD}"/>
+              </a:ext>
+            </a:extLst>
+          </p:cNvPr>
+          <p:cNvSpPr>
+            <a:spLocks noGrp="1"/>
+          </p:cNvSpPr>
+          <p:nvPr>
+            <p:ph idx="1"/>
+          </p:nvPr>
+        </p:nvSpPr>
+        <p:spPr>
+          <a:xfrm>
+            <a:off x="483848" y="1003610"/>
+            <a:ext cx="8051725" cy="4711390"/>
+          </a:xfrm>
+        </p:spPr>
+        <p:txBody>
+          <a:bodyPr>
+            <a:noAutofit/>
+          </a:bodyPr>
+          <a:lstStyle/>
+          <a:p>
+            <a:pPr marL="0" indent="0">
+              <a:buNone/>
+            </a:pPr>
+            <a:endParaRPr lang="en-US" sz="1900" b="1" dirty="0">
+              <a:latin typeface="Inconsolata Medium" panose="020B0609030003000000" pitchFamily="49" charset="77"/>
+            </a:endParaRPr>
+          </a:p>
+          <a:p>
+            <a:pPr marL="0" indent="0">
+              <a:buNone/>
+            </a:pPr>
+            <a:r>
+              <a:rPr lang="en-US" sz="2000" b="1" dirty="0">
+                <a:solidFill>
+                  <a:srgbClr val="000087"/>
+                </a:solidFill>
+                <a:latin typeface="Inconsolata Medium" panose="020B0609030003000000" pitchFamily="49" charset="77"/>
+              </a:rPr>
+              <a:t>In</a:t>
+            </a:r>
+            <a:r>
+              <a:rPr lang="en-US" sz="2000" b="1" dirty="0">
+                <a:latin typeface="Inconsolata Medium" panose="020B0609030003000000" pitchFamily="49" charset="77"/>
+              </a:rPr>
+              <a:t>[</a:t>
+            </a:r>
+            <a:r>
+              <a:rPr lang="en-US" sz="2000" b="1" dirty="0">
+                <a:solidFill>
+                  <a:srgbClr val="FF6600"/>
+                </a:solidFill>
+                <a:latin typeface="Inconsolata Medium" panose="020B0609030003000000" pitchFamily="49" charset="77"/>
+              </a:rPr>
+              <a:t>1</a:t>
+            </a:r>
+            <a:r>
+              <a:rPr lang="en-US" sz="2000" b="1" dirty="0">
+                <a:latin typeface="Inconsolata Medium" panose="020B0609030003000000" pitchFamily="49" charset="77"/>
+              </a:rPr>
+              <a:t>]: </a:t>
+            </a:r>
+            <a:r>
+              <a:rPr lang="en-US" sz="2000" b="1" dirty="0">
+                <a:solidFill>
+                  <a:srgbClr val="000087"/>
+                </a:solidFill>
+                <a:latin typeface="Inconsolata Medium" panose="020B0609030003000000" pitchFamily="49" charset="77"/>
+              </a:rPr>
+              <a:t>x </a:t>
+            </a:r>
+            <a:r>
+              <a:rPr lang="en-US" sz="2000" b="1" dirty="0">
+                <a:solidFill>
+                  <a:srgbClr val="545454"/>
+                </a:solidFill>
+                <a:latin typeface="Inconsolata Medium" panose="020B0609030003000000" pitchFamily="49" charset="77"/>
+              </a:rPr>
+              <a:t>= </a:t>
+            </a:r>
+            <a:r>
+              <a:rPr lang="en-US" sz="2000" b="1" dirty="0">
+                <a:solidFill>
+                  <a:srgbClr val="FF6600"/>
+                </a:solidFill>
+                <a:latin typeface="Inconsolata Medium" panose="020B0609030003000000" pitchFamily="49" charset="77"/>
+              </a:rPr>
+              <a:t>3 </a:t>
+            </a:r>
+          </a:p>
+          <a:p>
+            <a:pPr marL="0" indent="0">
+              <a:buNone/>
+            </a:pPr>
+            <a:r>
+              <a:rPr lang="en-US" sz="2000" b="1" dirty="0">
+                <a:solidFill>
+                  <a:srgbClr val="FF6600"/>
+                </a:solidFill>
+                <a:latin typeface="Inconsolata Medium" panose="020B0609030003000000" pitchFamily="49" charset="77"/>
+              </a:rPr>
+              <a:t>       </a:t>
+            </a:r>
+            <a:r>
+              <a:rPr lang="en-US" sz="2000" b="1" dirty="0">
+                <a:solidFill>
+                  <a:srgbClr val="000087"/>
+                </a:solidFill>
+                <a:latin typeface="Inconsolata Medium" panose="020B0609030003000000" pitchFamily="49" charset="77"/>
+              </a:rPr>
+              <a:t>x *= 2 + 5 </a:t>
+            </a:r>
+            <a:r>
+              <a:rPr lang="en-US" sz="2000" b="1" dirty="0">
+                <a:solidFill>
+                  <a:srgbClr val="FF6600"/>
+                </a:solidFill>
+                <a:latin typeface="Inconsolata Medium" panose="020B0609030003000000" pitchFamily="49" charset="77"/>
+              </a:rPr>
+              <a:t>  </a:t>
+            </a:r>
+            <a:endParaRPr lang="en-US" sz="2000" b="1" dirty="0">
+              <a:solidFill>
+                <a:srgbClr val="00B050"/>
+              </a:solidFill>
+              <a:latin typeface="Inconsolata Medium" panose="020B0609030003000000" pitchFamily="49" charset="77"/>
+            </a:endParaRPr>
+          </a:p>
+          <a:p>
+            <a:pPr marL="0" indent="0">
+              <a:buNone/>
+            </a:pPr>
+            <a:r>
+              <a:rPr lang="en-US" sz="2000" b="1" dirty="0">
+                <a:solidFill>
+                  <a:srgbClr val="00B050"/>
+                </a:solidFill>
+                <a:latin typeface="Inconsolata Medium" panose="020B0609030003000000" pitchFamily="49" charset="77"/>
+              </a:rPr>
+              <a:t>       </a:t>
+            </a:r>
+            <a:r>
+              <a:rPr lang="en-US" sz="2000" b="1" dirty="0">
+                <a:solidFill>
+                  <a:srgbClr val="000087"/>
+                </a:solidFill>
+                <a:latin typeface="Inconsolata Medium" panose="020B0609030003000000" pitchFamily="49" charset="77"/>
+              </a:rPr>
+              <a:t>x</a:t>
+            </a:r>
+            <a:endParaRPr lang="en-US" sz="2000" b="1" dirty="0">
+              <a:solidFill>
+                <a:srgbClr val="00B050"/>
+              </a:solidFill>
+              <a:latin typeface="Inconsolata Medium" panose="020B0609030003000000" pitchFamily="49" charset="77"/>
+            </a:endParaRPr>
+          </a:p>
+          <a:p>
+            <a:pPr marL="0" indent="0">
+              <a:buNone/>
+            </a:pPr>
+            <a:r>
+              <a:rPr lang="en-US" sz="2000" b="1" dirty="0">
+                <a:latin typeface="Inconsolata Medium" panose="020B0609030003000000" pitchFamily="49" charset="77"/>
+              </a:rPr>
+              <a:t>Out[1]: 21</a:t>
+            </a:r>
+          </a:p>
+          <a:p>
+            <a:pPr marL="0" indent="0">
+              <a:buNone/>
+            </a:pPr>
+            <a:endParaRPr lang="en-US" sz="2000" b="1" dirty="0">
+              <a:latin typeface="Inconsolata Medium" panose="020B0609030003000000" pitchFamily="49" charset="77"/>
+            </a:endParaRPr>
+          </a:p>
+          <a:p>
+            <a:pPr marL="0" indent="0">
+              <a:buNone/>
+            </a:pPr>
+            <a:r>
+              <a:rPr lang="en-US" sz="2000" b="1" dirty="0">
+                <a:solidFill>
+                  <a:srgbClr val="000087"/>
+                </a:solidFill>
+                <a:latin typeface="Inconsolata Medium" panose="020B0609030003000000" pitchFamily="49" charset="77"/>
+              </a:rPr>
+              <a:t>In</a:t>
+            </a:r>
+            <a:r>
+              <a:rPr lang="en-US" sz="2000" b="1" dirty="0">
+                <a:latin typeface="Inconsolata Medium" panose="020B0609030003000000" pitchFamily="49" charset="77"/>
+              </a:rPr>
+              <a:t>[</a:t>
+            </a:r>
+            <a:r>
+              <a:rPr lang="en-US" sz="2000" b="1" dirty="0">
+                <a:solidFill>
+                  <a:srgbClr val="FF6600"/>
+                </a:solidFill>
+                <a:latin typeface="Inconsolata Medium" panose="020B0609030003000000" pitchFamily="49" charset="77"/>
+              </a:rPr>
+              <a:t>1</a:t>
+            </a:r>
+            <a:r>
+              <a:rPr lang="en-US" sz="2000" b="1" dirty="0">
+                <a:latin typeface="Inconsolata Medium" panose="020B0609030003000000" pitchFamily="49" charset="77"/>
+              </a:rPr>
+              <a:t>]: </a:t>
+            </a:r>
+            <a:r>
+              <a:rPr lang="en-US" sz="2000" b="1" dirty="0">
+                <a:solidFill>
+                  <a:srgbClr val="000087"/>
+                </a:solidFill>
+                <a:latin typeface="Inconsolata Medium" panose="020B0609030003000000" pitchFamily="49" charset="77"/>
+              </a:rPr>
+              <a:t>number </a:t>
+            </a:r>
+            <a:r>
+              <a:rPr lang="en-US" sz="2000" b="1" dirty="0">
+                <a:solidFill>
+                  <a:srgbClr val="545454"/>
+                </a:solidFill>
+                <a:latin typeface="Inconsolata Medium" panose="020B0609030003000000" pitchFamily="49" charset="77"/>
+              </a:rPr>
+              <a:t>= </a:t>
+            </a:r>
+            <a:r>
+              <a:rPr lang="en-US" sz="2000" b="1" dirty="0">
+                <a:solidFill>
+                  <a:srgbClr val="FF6600"/>
+                </a:solidFill>
+                <a:latin typeface="Inconsolata Medium" panose="020B0609030003000000" pitchFamily="49" charset="77"/>
+              </a:rPr>
+              <a:t>5 </a:t>
+            </a:r>
+          </a:p>
+          <a:p>
+            <a:pPr marL="0" indent="0">
+              <a:buNone/>
+            </a:pPr>
+            <a:r>
+              <a:rPr lang="en-US" sz="2000" b="1" dirty="0">
+                <a:solidFill>
+                  <a:srgbClr val="FF6600"/>
+                </a:solidFill>
+                <a:latin typeface="Inconsolata Medium" panose="020B0609030003000000" pitchFamily="49" charset="77"/>
+              </a:rPr>
+              <a:t>       </a:t>
+            </a:r>
+            <a:r>
+              <a:rPr lang="en-US" sz="2000" b="1" dirty="0">
+                <a:solidFill>
+                  <a:srgbClr val="000087"/>
+                </a:solidFill>
+                <a:latin typeface="Inconsolata Medium" panose="020B0609030003000000" pitchFamily="49" charset="77"/>
+              </a:rPr>
+              <a:t>number *= number </a:t>
+            </a:r>
+            <a:r>
+              <a:rPr lang="en-US" sz="2000" b="1" dirty="0">
+                <a:solidFill>
+                  <a:srgbClr val="FF6600"/>
+                </a:solidFill>
+                <a:latin typeface="Inconsolata Medium" panose="020B0609030003000000" pitchFamily="49" charset="77"/>
+              </a:rPr>
+              <a:t>  </a:t>
+            </a:r>
+            <a:endParaRPr lang="en-US" sz="2000" b="1" dirty="0">
+              <a:solidFill>
+                <a:srgbClr val="00B050"/>
+              </a:solidFill>
+              <a:latin typeface="Inconsolata Medium" panose="020B0609030003000000" pitchFamily="49" charset="77"/>
+            </a:endParaRPr>
+          </a:p>
+          <a:p>
+            <a:pPr marL="0" indent="0">
+              <a:buNone/>
+            </a:pPr>
+            <a:r>
+              <a:rPr lang="en-US" sz="2000" b="1" dirty="0">
+                <a:solidFill>
+                  <a:srgbClr val="00B050"/>
+                </a:solidFill>
+                <a:latin typeface="Inconsolata Medium" panose="020B0609030003000000" pitchFamily="49" charset="77"/>
+              </a:rPr>
+              <a:t>       </a:t>
+            </a:r>
+            <a:r>
+              <a:rPr lang="en-US" sz="2000" b="1" dirty="0">
+                <a:solidFill>
+                  <a:srgbClr val="000087"/>
+                </a:solidFill>
+                <a:latin typeface="Inconsolata Medium" panose="020B0609030003000000" pitchFamily="49" charset="77"/>
+              </a:rPr>
+              <a:t>number</a:t>
+            </a:r>
+            <a:endParaRPr lang="en-US" sz="2000" b="1" dirty="0">
+              <a:solidFill>
+                <a:srgbClr val="00B050"/>
+              </a:solidFill>
+              <a:latin typeface="Inconsolata Medium" panose="020B0609030003000000" pitchFamily="49" charset="77"/>
+            </a:endParaRPr>
+          </a:p>
+          <a:p>
+            <a:pPr marL="0" indent="0">
+              <a:buNone/>
+            </a:pPr>
+            <a:r>
+              <a:rPr lang="en-US" sz="2000" b="1" dirty="0">
+                <a:latin typeface="Inconsolata Medium" panose="020B0609030003000000" pitchFamily="49" charset="77"/>
+              </a:rPr>
+              <a:t>Out[1]: 25</a:t>
+            </a:r>
+          </a:p>
+          <a:p>
+            <a:pPr marL="0" indent="0">
+              <a:buNone/>
+            </a:pPr>
+            <a:endParaRPr lang="en-US" sz="2000" b="1" dirty="0">
+              <a:latin typeface="Inconsolata Medium" panose="020B0609030003000000" pitchFamily="49" charset="77"/>
+            </a:endParaRPr>
+          </a:p>
+          <a:p>
+            <a:pPr marL="0" indent="0">
+              <a:buNone/>
+            </a:pPr>
+            <a:endParaRPr lang="en-US" sz="2000" b="1" dirty="0">
+              <a:latin typeface="Inconsolata Medium" panose="020B0609030003000000" pitchFamily="49" charset="77"/>
+            </a:endParaRPr>
+          </a:p>
+          <a:p>
+            <a:pPr marL="0" indent="0">
+              <a:buNone/>
+            </a:pPr>
+            <a:endParaRPr lang="en-US" sz="1900" b="1" dirty="0">
+              <a:latin typeface="Inconsolata Medium" panose="020B0609030003000000" pitchFamily="49" charset="77"/>
+            </a:endParaRPr>
+          </a:p>
+          <a:p>
+            <a:pPr marL="0" indent="0">
+              <a:buNone/>
+            </a:pPr>
+            <a:endParaRPr lang="en-US" sz="1900" b="1" dirty="0">
+              <a:latin typeface="Inconsolata Medium" panose="020B0609030003000000" pitchFamily="49" charset="77"/>
+            </a:endParaRPr>
+          </a:p>
+          <a:p>
+            <a:pPr marL="0" indent="0">
+              <a:buNone/>
+            </a:pPr>
+            <a:endParaRPr lang="en-US" sz="1900" b="1" dirty="0">
+              <a:latin typeface="Inconsolata Medium" panose="020B0609030003000000" pitchFamily="49" charset="77"/>
+            </a:endParaRPr>
+          </a:p>
+        </p:txBody>
+      </p:sp>
+    </p:spTree>
+    <p:extLst>
+      <p:ext uri="{BB962C8B-B14F-4D97-AF65-F5344CB8AC3E}">
+        <p14:creationId xmlns:p14="http://schemas.microsoft.com/office/powerpoint/2010/main" val="2207534797"/>
+      </p:ext>
+    </p:extLst>
+  </p:cSld>
+  <p:clrMapOvr>
+    <a:masterClrMapping/>
+  </p:clrMapOvr>
+</p:sld>
+</file>
+
+<file path=ppt/slides/slide18.xml><?xml version="1.0" encoding="utf-8"?>
+<p:sld xmlns:a="http://schemas.openxmlformats.org/drawingml/2006/main" xmlns:r="http://schemas.openxmlformats.org/officeDocument/2006/relationships" xmlns:p="http://schemas.openxmlformats.org/presentationml/2006/main">
+  <p:cSld>
+    <p:spTree>
+      <p:nvGrpSpPr>
+        <p:cNvPr id="1" name=""/>
+        <p:cNvGrpSpPr/>
+        <p:nvPr/>
+      </p:nvGrpSpPr>
+      <p:grpSpPr>
+        <a:xfrm>
+          <a:off x="0" y="0"/>
+          <a:ext cx="0" cy="0"/>
+          <a:chOff x="0" y="0"/>
+          <a:chExt cx="0" cy="0"/>
+        </a:xfrm>
+      </p:grpSpPr>
+      <p:sp>
+        <p:nvSpPr>
+          <p:cNvPr id="2" name="Title 1">
+            <a:extLst>
+              <a:ext uri="{FF2B5EF4-FFF2-40B4-BE49-F238E27FC236}">
+                <a16:creationId xmlns:a16="http://schemas.microsoft.com/office/drawing/2014/main" id="{AA3A228F-61D0-D949-A5E7-F83756230BF8}"/>
+              </a:ext>
+            </a:extLst>
+          </p:cNvPr>
+          <p:cNvSpPr>
+            <a:spLocks noGrp="1"/>
+          </p:cNvSpPr>
+          <p:nvPr>
+            <p:ph type="title"/>
+          </p:nvPr>
+        </p:nvSpPr>
+        <p:spPr>
+          <a:xfrm>
+            <a:off x="483848" y="467027"/>
+            <a:ext cx="7053542" cy="683886"/>
+          </a:xfrm>
+        </p:spPr>
+        <p:txBody>
+          <a:bodyPr/>
+          <a:lstStyle/>
+          <a:p>
+            <a:r>
+              <a:rPr lang="en-US" dirty="0"/>
               <a:t>References</a:t>
             </a:r>
           </a:p>
@@ -5271,7 +7719,7 @@
     </p:spTree>
     <p:extLst>
       <p:ext uri="{BB962C8B-B14F-4D97-AF65-F5344CB8AC3E}">
-        <p14:creationId xmlns:p14="http://schemas.microsoft.com/office/powerpoint/2010/main" val="2783383753"/>
+        <p14:creationId xmlns:p14="http://schemas.microsoft.com/office/powerpoint/2010/main" val="1728628262"/>
       </p:ext>
     </p:extLst>
   </p:cSld>
@@ -5366,51 +7814,83 @@
           </a:p>
           <a:p>
             <a:pPr marL="457200" indent="-457200">
+              <a:buFont typeface="+mj-lt"/>
               <a:buAutoNum type="arabicParenR"/>
             </a:pPr>
             <a:r>
               <a:rPr lang="en-US" dirty="0">
                 <a:latin typeface="Gill Sans MT" panose="020B0502020104020203" pitchFamily="34" charset="77"/>
               </a:rPr>
-              <a:t>Booleans</a:t>
+              <a:t>Operations</a:t>
+            </a:r>
+          </a:p>
+          <a:p>
+            <a:pPr marL="800100" lvl="1" indent="-457200">
+              <a:buFont typeface="+mj-lt"/>
+              <a:buAutoNum type="alphaLcParenR"/>
+            </a:pPr>
+            <a:r>
+              <a:rPr lang="en-US" dirty="0">
+                <a:latin typeface="Gill Sans MT" panose="020B0502020104020203" pitchFamily="34" charset="77"/>
+              </a:rPr>
+              <a:t>Arithmetic</a:t>
+            </a:r>
+          </a:p>
+          <a:p>
+            <a:pPr marL="800100" lvl="1" indent="-457200">
+              <a:buFont typeface="+mj-lt"/>
+              <a:buAutoNum type="alphaLcParenR"/>
+            </a:pPr>
+            <a:r>
+              <a:rPr lang="en-US" dirty="0">
+                <a:latin typeface="Gill Sans MT" panose="020B0502020104020203" pitchFamily="34" charset="77"/>
+              </a:rPr>
+              <a:t>Comparison</a:t>
+            </a:r>
+          </a:p>
+          <a:p>
+            <a:pPr marL="800100" lvl="1" indent="-457200">
+              <a:buFont typeface="+mj-lt"/>
+              <a:buAutoNum type="alphaLcParenR"/>
+            </a:pPr>
+            <a:r>
+              <a:rPr lang="en-US" dirty="0">
+                <a:latin typeface="Gill Sans MT" panose="020B0502020104020203" pitchFamily="34" charset="77"/>
+              </a:rPr>
+              <a:t>Boolean</a:t>
             </a:r>
           </a:p>
           <a:p>
             <a:pPr marL="457200" indent="-457200">
+              <a:buFont typeface="+mj-lt"/>
               <a:buAutoNum type="arabicParenR"/>
             </a:pPr>
             <a:r>
-              <a:rPr lang="en-US" dirty="0" err="1">
+              <a:rPr lang="en-US" dirty="0">
                 <a:latin typeface="Gill Sans MT" panose="020B0502020104020203" pitchFamily="34" charset="77"/>
               </a:rPr>
-              <a:t>NoneType</a:t>
-            </a:r>
+              <a:t>Variables</a:t>
+            </a:r>
+          </a:p>
+          <a:p>
+            <a:pPr marL="457200" indent="-457200">
+              <a:buFont typeface="+mj-lt"/>
+              <a:buAutoNum type="arabicParenR"/>
+            </a:pPr>
+            <a:r>
+              <a:rPr lang="en-US" dirty="0">
+                <a:latin typeface="Gill Sans MT" panose="020B0502020104020203" pitchFamily="34" charset="77"/>
+              </a:rPr>
+              <a:t>Assignments and Augmented Assignments</a:t>
+            </a:r>
+          </a:p>
+          <a:p>
+            <a:pPr marL="0" indent="0">
+              <a:buNone/>
+            </a:pPr>
             <a:endParaRPr lang="en-US" dirty="0">
               <a:latin typeface="Gill Sans MT" panose="020B0502020104020203" pitchFamily="34" charset="77"/>
             </a:endParaRPr>
-          </a:p>
-          <a:p>
-            <a:pPr marL="457200" indent="-457200">
-              <a:buAutoNum type="arabicParenR"/>
-            </a:pPr>
-            <a:r>
-              <a:rPr lang="en-US" dirty="0">
-                <a:latin typeface="Gill Sans MT" panose="020B0502020104020203" pitchFamily="34" charset="77"/>
-              </a:rPr>
-              <a:t>Strings (indexing, slicing)</a:t>
-            </a:r>
-          </a:p>
-          <a:p>
-            <a:pPr marL="457200" indent="-457200">
-              <a:buFont typeface="+mj-lt"/>
-              <a:buAutoNum type="arabicParenR"/>
-            </a:pPr>
-            <a:r>
-              <a:rPr lang="en-US" dirty="0">
-                <a:latin typeface="Gill Sans MT" panose="020B0502020104020203" pitchFamily="34" charset="77"/>
-              </a:rPr>
-              <a:t>Variables</a:t>
-            </a:r>
           </a:p>
           <a:p>
             <a:pPr marL="342900" lvl="1" indent="0">
@@ -5521,7 +8001,7 @@
           <a:p>
             <a:r>
               <a:rPr lang="en-US" dirty="0"/>
-              <a:t>String</a:t>
+              <a:t>Arithmetic Operations</a:t>
             </a:r>
           </a:p>
         </p:txBody>
@@ -5557,357 +8037,52 @@
             <a:pPr marL="0" indent="0">
               <a:buNone/>
             </a:pPr>
-            <a:r>
-              <a:rPr lang="en-US" dirty="0"/>
-              <a:t>Strings in Python are created with single or double quotes. </a:t>
-            </a:r>
-          </a:p>
-          <a:p>
-            <a:pPr marL="0" indent="0">
-              <a:buNone/>
-            </a:pPr>
-            <a:endParaRPr lang="en-US" dirty="0"/>
-          </a:p>
-          <a:p>
-            <a:pPr marL="0" indent="0">
-              <a:buNone/>
-            </a:pPr>
-            <a:r>
-              <a:rPr lang="en-US" b="1" dirty="0">
-                <a:solidFill>
-                  <a:srgbClr val="000087"/>
-                </a:solidFill>
-                <a:latin typeface="Inconsolata Medium" panose="020B0609030003000000" pitchFamily="49" charset="77"/>
-              </a:rPr>
-              <a:t>In </a:t>
-            </a:r>
-            <a:r>
-              <a:rPr lang="en-US" b="1" dirty="0">
-                <a:latin typeface="Inconsolata Medium" panose="020B0609030003000000" pitchFamily="49" charset="77"/>
-              </a:rPr>
-              <a:t>[</a:t>
-            </a:r>
-            <a:r>
-              <a:rPr lang="en-US" b="1" dirty="0">
-                <a:solidFill>
-                  <a:srgbClr val="FF6600"/>
-                </a:solidFill>
-                <a:latin typeface="Inconsolata Medium" panose="020B0609030003000000" pitchFamily="49" charset="77"/>
-              </a:rPr>
-              <a:t>17</a:t>
-            </a:r>
-            <a:r>
-              <a:rPr lang="en-US" b="1" dirty="0">
-                <a:latin typeface="Inconsolata Medium" panose="020B0609030003000000" pitchFamily="49" charset="77"/>
-              </a:rPr>
-              <a:t>]: </a:t>
-            </a:r>
-            <a:r>
-              <a:rPr lang="en-US" b="1" dirty="0">
-                <a:solidFill>
-                  <a:srgbClr val="000087"/>
-                </a:solidFill>
-                <a:latin typeface="Inconsolata Medium" panose="020B0609030003000000" pitchFamily="49" charset="77"/>
-              </a:rPr>
-              <a:t>message </a:t>
-            </a:r>
-            <a:r>
-              <a:rPr lang="en-US" b="1" dirty="0">
-                <a:solidFill>
-                  <a:srgbClr val="545454"/>
-                </a:solidFill>
-                <a:latin typeface="Inconsolata Medium" panose="020B0609030003000000" pitchFamily="49" charset="77"/>
-              </a:rPr>
-              <a:t>= </a:t>
-            </a:r>
-            <a:r>
-              <a:rPr lang="en-US" b="1" dirty="0">
-                <a:solidFill>
-                  <a:srgbClr val="CC3300"/>
-                </a:solidFill>
-                <a:latin typeface="Inconsolata Medium" panose="020B0609030003000000" pitchFamily="49" charset="77"/>
-              </a:rPr>
-              <a:t>‘what do you like?’ </a:t>
-            </a:r>
-          </a:p>
-          <a:p>
-            <a:pPr marL="0" indent="0">
-              <a:buNone/>
-            </a:pPr>
-            <a:r>
-              <a:rPr lang="en-US" b="1" dirty="0">
-                <a:solidFill>
-                  <a:srgbClr val="CC3300"/>
-                </a:solidFill>
-                <a:latin typeface="Inconsolata Medium" panose="020B0609030003000000" pitchFamily="49" charset="77"/>
-              </a:rPr>
-              <a:t>	    </a:t>
-            </a:r>
-            <a:r>
-              <a:rPr lang="en-US" b="1" dirty="0">
-                <a:solidFill>
-                  <a:srgbClr val="000087"/>
-                </a:solidFill>
-                <a:latin typeface="Inconsolata Medium" panose="020B0609030003000000" pitchFamily="49" charset="77"/>
-              </a:rPr>
-              <a:t>response </a:t>
-            </a:r>
-            <a:r>
-              <a:rPr lang="en-US" b="1" dirty="0">
-                <a:solidFill>
-                  <a:srgbClr val="545454"/>
-                </a:solidFill>
-                <a:latin typeface="Inconsolata Medium" panose="020B0609030003000000" pitchFamily="49" charset="77"/>
-              </a:rPr>
-              <a:t>= </a:t>
-            </a:r>
-            <a:r>
-              <a:rPr lang="en-US" b="1" dirty="0">
-                <a:solidFill>
-                  <a:srgbClr val="CC3300"/>
-                </a:solidFill>
-                <a:latin typeface="Inconsolata Medium" panose="020B0609030003000000" pitchFamily="49" charset="77"/>
-              </a:rPr>
-              <a:t>‘spam' </a:t>
-            </a:r>
-            <a:endParaRPr lang="en-US" b="1" dirty="0">
+            <a:endParaRPr lang="en-US" sz="2000" dirty="0"/>
+          </a:p>
+          <a:p>
+            <a:pPr marL="0" indent="0">
+              <a:buNone/>
+            </a:pPr>
+            <a:endParaRPr lang="en-US" sz="2000" b="1" dirty="0">
               <a:latin typeface="Inconsolata Medium" panose="020B0609030003000000" pitchFamily="49" charset="77"/>
             </a:endParaRPr>
           </a:p>
-          <a:p>
-            <a:pPr marL="0" indent="0">
-              <a:buNone/>
-            </a:pPr>
-            <a:r>
-              <a:rPr lang="en-US" b="1" dirty="0">
-                <a:solidFill>
-                  <a:srgbClr val="000087"/>
-                </a:solidFill>
-                <a:latin typeface="Inconsolata Medium" panose="020B0609030003000000" pitchFamily="49" charset="77"/>
-              </a:rPr>
-              <a:t>In </a:t>
-            </a:r>
-            <a:r>
-              <a:rPr lang="en-US" b="1" dirty="0">
-                <a:latin typeface="Inconsolata Medium" panose="020B0609030003000000" pitchFamily="49" charset="77"/>
-              </a:rPr>
-              <a:t>[</a:t>
-            </a:r>
-            <a:r>
-              <a:rPr lang="en-US" b="1" dirty="0">
-                <a:solidFill>
-                  <a:srgbClr val="FF6600"/>
-                </a:solidFill>
-                <a:latin typeface="Inconsolata Medium" panose="020B0609030003000000" pitchFamily="49" charset="77"/>
-              </a:rPr>
-              <a:t>18</a:t>
-            </a:r>
-            <a:r>
-              <a:rPr lang="en-US" b="1" dirty="0">
-                <a:latin typeface="Inconsolata Medium" panose="020B0609030003000000" pitchFamily="49" charset="77"/>
-              </a:rPr>
-              <a:t>]: </a:t>
-            </a:r>
-            <a:r>
-              <a:rPr lang="en-US" b="1" dirty="0" err="1">
-                <a:solidFill>
-                  <a:srgbClr val="336666"/>
-                </a:solidFill>
-                <a:latin typeface="Inconsolata Medium" panose="020B0609030003000000" pitchFamily="49" charset="77"/>
-              </a:rPr>
-              <a:t>len</a:t>
-            </a:r>
-            <a:r>
-              <a:rPr lang="en-US" b="1" dirty="0">
-                <a:latin typeface="Inconsolata Medium" panose="020B0609030003000000" pitchFamily="49" charset="77"/>
-              </a:rPr>
-              <a:t>(</a:t>
-            </a:r>
-            <a:r>
-              <a:rPr lang="en-US" b="1" dirty="0">
-                <a:solidFill>
-                  <a:srgbClr val="000087"/>
-                </a:solidFill>
-                <a:latin typeface="Inconsolata Medium" panose="020B0609030003000000" pitchFamily="49" charset="77"/>
-              </a:rPr>
-              <a:t>response</a:t>
-            </a:r>
-            <a:r>
-              <a:rPr lang="en-US" b="1" dirty="0">
-                <a:latin typeface="Inconsolata Medium" panose="020B0609030003000000" pitchFamily="49" charset="77"/>
-              </a:rPr>
-              <a:t>) </a:t>
-            </a:r>
-          </a:p>
-          <a:p>
-            <a:pPr marL="0" indent="0">
-              <a:buNone/>
-            </a:pPr>
-            <a:r>
-              <a:rPr lang="en-US" b="1" dirty="0">
-                <a:latin typeface="Inconsolata Medium" panose="020B0609030003000000" pitchFamily="49" charset="77"/>
-              </a:rPr>
-              <a:t>Out [18]: 4 </a:t>
-            </a:r>
-          </a:p>
-          <a:p>
-            <a:pPr marL="0" indent="0">
-              <a:buNone/>
-            </a:pPr>
-            <a:endParaRPr lang="en-US" b="1" dirty="0">
-              <a:solidFill>
-                <a:srgbClr val="000087"/>
-              </a:solidFill>
-              <a:latin typeface="Inconsolata Medium" panose="020B0609030003000000" pitchFamily="49" charset="77"/>
-            </a:endParaRPr>
-          </a:p>
-          <a:p>
-            <a:pPr marL="0" indent="0">
-              <a:buNone/>
-            </a:pPr>
-            <a:r>
-              <a:rPr lang="en-US" b="1" dirty="0">
-                <a:solidFill>
-                  <a:srgbClr val="000087"/>
-                </a:solidFill>
-                <a:latin typeface="Inconsolata Medium" panose="020B0609030003000000" pitchFamily="49" charset="77"/>
-              </a:rPr>
-              <a:t>In </a:t>
-            </a:r>
-            <a:r>
-              <a:rPr lang="en-US" b="1" dirty="0">
-                <a:latin typeface="Inconsolata Medium" panose="020B0609030003000000" pitchFamily="49" charset="77"/>
-              </a:rPr>
-              <a:t>[</a:t>
-            </a:r>
-            <a:r>
-              <a:rPr lang="en-US" b="1" dirty="0">
-                <a:solidFill>
-                  <a:srgbClr val="FF6600"/>
-                </a:solidFill>
-                <a:latin typeface="Inconsolata Medium" panose="020B0609030003000000" pitchFamily="49" charset="77"/>
-              </a:rPr>
-              <a:t>19</a:t>
-            </a:r>
-            <a:r>
-              <a:rPr lang="en-US" b="1" dirty="0">
-                <a:latin typeface="Inconsolata Medium" panose="020B0609030003000000" pitchFamily="49" charset="77"/>
-              </a:rPr>
-              <a:t>]: </a:t>
-            </a:r>
-            <a:r>
-              <a:rPr lang="en-US" b="1" i="1" dirty="0">
-                <a:solidFill>
-                  <a:srgbClr val="33566B"/>
-                </a:solidFill>
-                <a:latin typeface="Inconsolata Medium" panose="020B0609030003000000" pitchFamily="49" charset="77"/>
-              </a:rPr>
-              <a:t># Make uppercase. See also </a:t>
-            </a:r>
-            <a:r>
-              <a:rPr lang="en-US" b="1" i="1" dirty="0" err="1">
-                <a:solidFill>
-                  <a:srgbClr val="33566B"/>
-                </a:solidFill>
-                <a:latin typeface="Inconsolata Medium" panose="020B0609030003000000" pitchFamily="49" charset="77"/>
-              </a:rPr>
-              <a:t>str.lower</a:t>
-            </a:r>
-            <a:r>
-              <a:rPr lang="en-US" b="1" i="1" dirty="0">
-                <a:solidFill>
-                  <a:srgbClr val="33566B"/>
-                </a:solidFill>
-                <a:latin typeface="Inconsolata Medium" panose="020B0609030003000000" pitchFamily="49" charset="77"/>
-              </a:rPr>
-              <a:t>() 	   	  	    </a:t>
-            </a:r>
-            <a:r>
-              <a:rPr lang="en-US" b="1" dirty="0" err="1">
-                <a:solidFill>
-                  <a:srgbClr val="000087"/>
-                </a:solidFill>
-                <a:latin typeface="Inconsolata Medium" panose="020B0609030003000000" pitchFamily="49" charset="77"/>
-              </a:rPr>
-              <a:t>response</a:t>
-            </a:r>
-            <a:r>
-              <a:rPr lang="en-US" b="1" dirty="0" err="1">
-                <a:solidFill>
-                  <a:srgbClr val="545454"/>
-                </a:solidFill>
-                <a:latin typeface="Inconsolata Medium" panose="020B0609030003000000" pitchFamily="49" charset="77"/>
-              </a:rPr>
-              <a:t>.</a:t>
-            </a:r>
-            <a:r>
-              <a:rPr lang="en-US" b="1" dirty="0" err="1">
-                <a:solidFill>
-                  <a:srgbClr val="000087"/>
-                </a:solidFill>
-                <a:latin typeface="Inconsolata Medium" panose="020B0609030003000000" pitchFamily="49" charset="77"/>
-              </a:rPr>
-              <a:t>upper</a:t>
-            </a:r>
-            <a:r>
-              <a:rPr lang="en-US" b="1" dirty="0">
-                <a:latin typeface="Inconsolata Medium" panose="020B0609030003000000" pitchFamily="49" charset="77"/>
-              </a:rPr>
-              <a:t>() </a:t>
-            </a:r>
-          </a:p>
-          <a:p>
-            <a:pPr marL="0" indent="0">
-              <a:buNone/>
-            </a:pPr>
-            <a:r>
-              <a:rPr lang="en-US" b="1" dirty="0">
-                <a:latin typeface="Inconsolata Medium" panose="020B0609030003000000" pitchFamily="49" charset="77"/>
-              </a:rPr>
-              <a:t>Out [19]: 'SPAM’ </a:t>
-            </a:r>
-          </a:p>
-          <a:p>
-            <a:pPr marL="0" indent="0">
-              <a:buNone/>
-            </a:pPr>
-            <a:endParaRPr lang="en-US" b="1" dirty="0">
-              <a:latin typeface="Inconsolata Medium" panose="020B0609030003000000" pitchFamily="49" charset="77"/>
-            </a:endParaRPr>
-          </a:p>
-          <a:p>
-            <a:pPr marL="0" indent="0">
-              <a:buNone/>
-            </a:pPr>
-            <a:endParaRPr lang="en-US" dirty="0"/>
-          </a:p>
-          <a:p>
-            <a:pPr marL="0" indent="0">
-              <a:buNone/>
-            </a:pPr>
-            <a:r>
-              <a:rPr lang="en-US" dirty="0"/>
-              <a:t> </a:t>
-            </a:r>
-          </a:p>
-          <a:p>
-            <a:pPr marL="0" indent="0">
-              <a:buNone/>
-            </a:pPr>
-            <a:endParaRPr lang="en-US" dirty="0"/>
-          </a:p>
-          <a:p>
-            <a:pPr marL="0" indent="0">
-              <a:buNone/>
-            </a:pPr>
-            <a:endParaRPr lang="en-US" dirty="0"/>
-          </a:p>
         </p:txBody>
       </p:sp>
+      <p:pic>
+        <p:nvPicPr>
+          <p:cNvPr id="5" name="Picture 4">
+            <a:extLst>
+              <a:ext uri="{FF2B5EF4-FFF2-40B4-BE49-F238E27FC236}">
+                <a16:creationId xmlns:a16="http://schemas.microsoft.com/office/drawing/2014/main" id="{95A91F39-ED3A-DF40-A679-CCDEC730876D}"/>
+              </a:ext>
+            </a:extLst>
+          </p:cNvPr>
+          <p:cNvPicPr>
+            <a:picLocks noChangeAspect="1"/>
+          </p:cNvPicPr>
+          <p:nvPr/>
+        </p:nvPicPr>
+        <p:blipFill>
+          <a:blip r:embed="rId2"/>
+          <a:stretch>
+            <a:fillRect/>
+          </a:stretch>
+        </p:blipFill>
+        <p:spPr>
+          <a:xfrm>
+            <a:off x="370918" y="1027416"/>
+            <a:ext cx="6917576" cy="4564087"/>
+          </a:xfrm>
+          <a:prstGeom prst="rect">
+            <a:avLst/>
+          </a:prstGeom>
+        </p:spPr>
+      </p:pic>
     </p:spTree>
     <p:extLst>
       <p:ext uri="{BB962C8B-B14F-4D97-AF65-F5344CB8AC3E}">
-        <p14:creationId xmlns:p14="http://schemas.microsoft.com/office/powerpoint/2010/main" val="4018759955"/>
+        <p14:creationId xmlns:p14="http://schemas.microsoft.com/office/powerpoint/2010/main" val="3043984240"/>
       </p:ext>
     </p:extLst>
   </p:cSld>
@@ -5962,7 +8137,7 @@
           <a:p>
             <a:r>
               <a:rPr lang="en-US" dirty="0"/>
-              <a:t>String Concatenation</a:t>
+              <a:t>Mixing Types</a:t>
             </a:r>
           </a:p>
         </p:txBody>
@@ -5985,8 +8160,8 @@
         </p:nvSpPr>
         <p:spPr>
           <a:xfrm>
-            <a:off x="483848" y="1150913"/>
-            <a:ext cx="8051725" cy="4440590"/>
+            <a:off x="483848" y="1150912"/>
+            <a:ext cx="8051725" cy="4564087"/>
           </a:xfrm>
         </p:spPr>
         <p:txBody>
@@ -5995,273 +8170,251 @@
           </a:bodyPr>
           <a:lstStyle/>
           <a:p>
-            <a:pPr marL="0" lvl="0" indent="0">
-              <a:buNone/>
-            </a:pPr>
-            <a:r>
-              <a:rPr lang="en-US" b="1" dirty="0">
-                <a:solidFill>
-                  <a:srgbClr val="000087"/>
-                </a:solidFill>
-                <a:latin typeface="Inconsolata Medium" panose="020B0609030003000000" pitchFamily="49" charset="77"/>
-              </a:rPr>
-              <a:t>In </a:t>
-            </a:r>
-            <a:r>
-              <a:rPr lang="en-US" b="1" dirty="0">
-                <a:solidFill>
-                  <a:prstClr val="black"/>
-                </a:solidFill>
-                <a:latin typeface="Inconsolata Medium" panose="020B0609030003000000" pitchFamily="49" charset="77"/>
-              </a:rPr>
-              <a:t>[</a:t>
-            </a:r>
-            <a:r>
-              <a:rPr lang="en-US" b="1" dirty="0">
-                <a:solidFill>
-                  <a:srgbClr val="FF6600"/>
-                </a:solidFill>
-                <a:latin typeface="Inconsolata Medium" panose="020B0609030003000000" pitchFamily="49" charset="77"/>
-              </a:rPr>
-              <a:t>21</a:t>
-            </a:r>
-            <a:r>
-              <a:rPr lang="en-US" b="1" dirty="0">
-                <a:solidFill>
-                  <a:prstClr val="black"/>
-                </a:solidFill>
-                <a:latin typeface="Inconsolata Medium" panose="020B0609030003000000" pitchFamily="49" charset="77"/>
-              </a:rPr>
-              <a:t>]: </a:t>
-            </a:r>
-            <a:r>
-              <a:rPr lang="en-US" b="1" i="1" dirty="0">
-                <a:solidFill>
-                  <a:srgbClr val="33566B"/>
-                </a:solidFill>
-                <a:latin typeface="Inconsolata Medium" panose="020B0609030003000000" pitchFamily="49" charset="77"/>
-              </a:rPr>
-              <a:t># concatenation with + </a:t>
-            </a:r>
-          </a:p>
-          <a:p>
-            <a:pPr marL="0" lvl="0" indent="0">
-              <a:buNone/>
-            </a:pPr>
-            <a:r>
-              <a:rPr lang="en-US" b="1" dirty="0">
-                <a:solidFill>
-                  <a:srgbClr val="000087"/>
-                </a:solidFill>
-                <a:latin typeface="Inconsolata Medium" panose="020B0609030003000000" pitchFamily="49" charset="77"/>
-              </a:rPr>
-              <a:t>	    message </a:t>
-            </a:r>
-            <a:r>
-              <a:rPr lang="en-US" b="1" dirty="0">
-                <a:solidFill>
-                  <a:srgbClr val="545454"/>
-                </a:solidFill>
-                <a:latin typeface="Inconsolata Medium" panose="020B0609030003000000" pitchFamily="49" charset="77"/>
-              </a:rPr>
-              <a:t>+ </a:t>
-            </a:r>
-            <a:r>
-              <a:rPr lang="en-US" b="1" dirty="0">
-                <a:solidFill>
-                  <a:srgbClr val="000087"/>
-                </a:solidFill>
-                <a:latin typeface="Inconsolata Medium" panose="020B0609030003000000" pitchFamily="49" charset="77"/>
-              </a:rPr>
-              <a:t>response </a:t>
-            </a:r>
-            <a:endParaRPr lang="en-US" b="1" dirty="0">
-              <a:solidFill>
-                <a:prstClr val="black"/>
-              </a:solidFill>
+            <a:pPr marL="0" indent="0">
+              <a:buNone/>
+            </a:pPr>
+            <a:r>
+              <a:rPr lang="en-US" sz="1900" dirty="0">
+                <a:latin typeface="Gill Sans MT" panose="020B0502020104020203" pitchFamily="34" charset="77"/>
+              </a:rPr>
+              <a:t>Any expression that two floats produce a float. </a:t>
+            </a:r>
+            <a:endParaRPr lang="en-US" sz="1900" b="1" dirty="0">
               <a:latin typeface="Inconsolata Medium" panose="020B0609030003000000" pitchFamily="49" charset="77"/>
             </a:endParaRPr>
           </a:p>
           <a:p>
-            <a:pPr marL="0" lvl="0" indent="0">
-              <a:buNone/>
-            </a:pPr>
-            <a:r>
-              <a:rPr lang="en-US" b="1" dirty="0">
-                <a:solidFill>
-                  <a:prstClr val="black"/>
-                </a:solidFill>
-                <a:latin typeface="Inconsolata Medium" panose="020B0609030003000000" pitchFamily="49" charset="77"/>
-              </a:rPr>
-              <a:t>Out [21]: ‘what do you </a:t>
-            </a:r>
-            <a:r>
-              <a:rPr lang="en-US" b="1" dirty="0" err="1">
-                <a:solidFill>
-                  <a:prstClr val="black"/>
-                </a:solidFill>
-                <a:latin typeface="Inconsolata Medium" panose="020B0609030003000000" pitchFamily="49" charset="77"/>
-              </a:rPr>
-              <a:t>like?spam</a:t>
-            </a:r>
-            <a:r>
-              <a:rPr lang="en-US" b="1" dirty="0">
-                <a:solidFill>
-                  <a:prstClr val="black"/>
-                </a:solidFill>
-                <a:latin typeface="Inconsolata Medium" panose="020B0609030003000000" pitchFamily="49" charset="77"/>
-              </a:rPr>
-              <a:t>’ </a:t>
-            </a:r>
-          </a:p>
-          <a:p>
-            <a:pPr marL="0" lvl="0" indent="0">
-              <a:buNone/>
-            </a:pPr>
-            <a:endParaRPr lang="en-US" b="1" dirty="0">
-              <a:solidFill>
-                <a:srgbClr val="000087"/>
-              </a:solidFill>
+            <a:pPr marL="0" indent="0">
+              <a:buNone/>
+            </a:pPr>
+            <a:r>
+              <a:rPr lang="en-US" sz="2000" b="1" dirty="0">
+                <a:solidFill>
+                  <a:srgbClr val="000087"/>
+                </a:solidFill>
+                <a:latin typeface="Inconsolata Medium" panose="020B0609030003000000" pitchFamily="49" charset="77"/>
+              </a:rPr>
+              <a:t>In</a:t>
+            </a:r>
+            <a:r>
+              <a:rPr lang="en-US" sz="2000" b="1" dirty="0">
+                <a:latin typeface="Inconsolata Medium" panose="020B0609030003000000" pitchFamily="49" charset="77"/>
+              </a:rPr>
+              <a:t>[</a:t>
+            </a:r>
+            <a:r>
+              <a:rPr lang="en-US" sz="2000" b="1" dirty="0">
+                <a:solidFill>
+                  <a:srgbClr val="FF6600"/>
+                </a:solidFill>
+                <a:latin typeface="Inconsolata Medium" panose="020B0609030003000000" pitchFamily="49" charset="77"/>
+              </a:rPr>
+              <a:t>1</a:t>
+            </a:r>
+            <a:r>
+              <a:rPr lang="en-US" sz="2000" b="1" dirty="0">
+                <a:latin typeface="Inconsolata Medium" panose="020B0609030003000000" pitchFamily="49" charset="77"/>
+              </a:rPr>
+              <a:t>]: </a:t>
+            </a:r>
+            <a:r>
+              <a:rPr lang="en-US" sz="2000" b="1" dirty="0">
+                <a:solidFill>
+                  <a:srgbClr val="000087"/>
+                </a:solidFill>
+                <a:latin typeface="Inconsolata Medium" panose="020B0609030003000000" pitchFamily="49" charset="77"/>
+              </a:rPr>
+              <a:t>17.0 – 10.0</a:t>
+            </a:r>
+            <a:r>
+              <a:rPr lang="en-US" sz="2000" b="1" dirty="0">
+                <a:solidFill>
+                  <a:srgbClr val="FF6600"/>
+                </a:solidFill>
+                <a:latin typeface="Inconsolata Medium" panose="020B0609030003000000" pitchFamily="49" charset="77"/>
+              </a:rPr>
+              <a:t> </a:t>
+            </a:r>
+          </a:p>
+          <a:p>
+            <a:pPr marL="0" indent="0">
+              <a:buNone/>
+            </a:pPr>
+            <a:r>
+              <a:rPr lang="en-US" sz="2000" b="1" dirty="0">
+                <a:latin typeface="Inconsolata Medium" panose="020B0609030003000000" pitchFamily="49" charset="77"/>
+              </a:rPr>
+              <a:t>Out [1]: 7.0</a:t>
+            </a:r>
+          </a:p>
+          <a:p>
+            <a:pPr marL="0" indent="0">
+              <a:buNone/>
+            </a:pPr>
+            <a:endParaRPr lang="en-US" sz="2000" dirty="0"/>
+          </a:p>
+          <a:p>
+            <a:pPr marL="0" indent="0">
+              <a:buNone/>
+            </a:pPr>
+            <a:r>
+              <a:rPr lang="en-US" sz="2000" dirty="0"/>
+              <a:t>When an expression’s operands are an int and a float, Python automatically converts the int to a float. </a:t>
+            </a:r>
+            <a:endParaRPr lang="en-US" sz="1900" b="1" dirty="0">
               <a:latin typeface="Inconsolata Medium" panose="020B0609030003000000" pitchFamily="49" charset="77"/>
             </a:endParaRPr>
           </a:p>
           <a:p>
-            <a:pPr marL="0" lvl="0" indent="0">
-              <a:buNone/>
-            </a:pPr>
-            <a:r>
-              <a:rPr lang="en-US" b="1" dirty="0">
+            <a:pPr marL="0" indent="0">
+              <a:buNone/>
+            </a:pPr>
+            <a:r>
+              <a:rPr lang="en-US" sz="2000" b="1" dirty="0">
                 <a:solidFill>
                   <a:srgbClr val="000087"/>
                 </a:solidFill>
                 <a:latin typeface="Inconsolata Medium" panose="020B0609030003000000" pitchFamily="49" charset="77"/>
               </a:rPr>
-              <a:t>In </a:t>
-            </a:r>
-            <a:r>
-              <a:rPr lang="en-US" b="1" dirty="0">
-                <a:solidFill>
-                  <a:prstClr val="black"/>
-                </a:solidFill>
+              <a:t>In</a:t>
+            </a:r>
+            <a:r>
+              <a:rPr lang="en-US" sz="2000" b="1" dirty="0">
                 <a:latin typeface="Inconsolata Medium" panose="020B0609030003000000" pitchFamily="49" charset="77"/>
               </a:rPr>
               <a:t>[</a:t>
             </a:r>
             <a:r>
-              <a:rPr lang="en-US" b="1" dirty="0">
+              <a:rPr lang="en-US" sz="2000" b="1" dirty="0">
                 <a:solidFill>
                   <a:srgbClr val="FF6600"/>
                 </a:solidFill>
                 <a:latin typeface="Inconsolata Medium" panose="020B0609030003000000" pitchFamily="49" charset="77"/>
               </a:rPr>
-              <a:t>22</a:t>
-            </a:r>
-            <a:r>
-              <a:rPr lang="en-US" b="1" dirty="0">
-                <a:solidFill>
-                  <a:prstClr val="black"/>
-                </a:solidFill>
+              <a:t>2</a:t>
+            </a:r>
+            <a:r>
+              <a:rPr lang="en-US" sz="2000" b="1" dirty="0">
                 <a:latin typeface="Inconsolata Medium" panose="020B0609030003000000" pitchFamily="49" charset="77"/>
               </a:rPr>
               <a:t>]: </a:t>
             </a:r>
             <a:r>
-              <a:rPr lang="en-US" b="1" i="1" dirty="0">
-                <a:solidFill>
-                  <a:srgbClr val="33566B"/>
-                </a:solidFill>
-                <a:latin typeface="Inconsolata Medium" panose="020B0609030003000000" pitchFamily="49" charset="77"/>
-              </a:rPr>
-              <a:t># multiplication is multiple concatenation </a:t>
-            </a:r>
-          </a:p>
-          <a:p>
-            <a:pPr marL="0" lvl="0" indent="0">
-              <a:buNone/>
-            </a:pPr>
-            <a:r>
-              <a:rPr lang="en-US" b="1" i="1" dirty="0">
-                <a:solidFill>
-                  <a:srgbClr val="33566B"/>
-                </a:solidFill>
-                <a:latin typeface="Inconsolata Medium" panose="020B0609030003000000" pitchFamily="49" charset="77"/>
-              </a:rPr>
-              <a:t>	    </a:t>
-            </a:r>
-            <a:r>
-              <a:rPr lang="en-US" b="1" dirty="0">
+              <a:rPr lang="en-US" sz="2000" b="1" dirty="0">
+                <a:solidFill>
+                  <a:srgbClr val="000087"/>
+                </a:solidFill>
+                <a:latin typeface="Inconsolata Medium" panose="020B0609030003000000" pitchFamily="49" charset="77"/>
+              </a:rPr>
+              <a:t>17.0 – 10</a:t>
+            </a:r>
+            <a:r>
+              <a:rPr lang="en-US" sz="2000" b="1" dirty="0">
                 <a:solidFill>
                   <a:srgbClr val="FF6600"/>
                 </a:solidFill>
                 <a:latin typeface="Inconsolata Medium" panose="020B0609030003000000" pitchFamily="49" charset="77"/>
               </a:rPr>
-              <a:t>5 </a:t>
-            </a:r>
-            <a:r>
-              <a:rPr lang="en-US" b="1" dirty="0">
-                <a:solidFill>
-                  <a:srgbClr val="545454"/>
-                </a:solidFill>
-                <a:latin typeface="Inconsolata Medium" panose="020B0609030003000000" pitchFamily="49" charset="77"/>
-              </a:rPr>
-              <a:t>* </a:t>
-            </a:r>
-            <a:r>
-              <a:rPr lang="en-US" b="1" dirty="0">
-                <a:solidFill>
-                  <a:srgbClr val="000087"/>
-                </a:solidFill>
-                <a:latin typeface="Inconsolata Medium" panose="020B0609030003000000" pitchFamily="49" charset="77"/>
-              </a:rPr>
-              <a:t>response </a:t>
-            </a:r>
-            <a:endParaRPr lang="en-US" b="1" dirty="0">
-              <a:solidFill>
-                <a:prstClr val="black"/>
-              </a:solidFill>
+              <a:t> </a:t>
+            </a:r>
+          </a:p>
+          <a:p>
+            <a:pPr marL="0" indent="0">
+              <a:buNone/>
+            </a:pPr>
+            <a:r>
+              <a:rPr lang="en-US" sz="2000" b="1" dirty="0">
+                <a:latin typeface="Inconsolata Medium" panose="020B0609030003000000" pitchFamily="49" charset="77"/>
+              </a:rPr>
+              <a:t>Out [1]: 7.0</a:t>
+            </a:r>
+          </a:p>
+          <a:p>
+            <a:pPr marL="0" indent="0">
+              <a:buNone/>
+            </a:pPr>
+            <a:endParaRPr lang="en-US" sz="2000" b="1" dirty="0">
               <a:latin typeface="Inconsolata Medium" panose="020B0609030003000000" pitchFamily="49" charset="77"/>
             </a:endParaRPr>
           </a:p>
           <a:p>
-            <a:pPr marL="0" lvl="0" indent="0">
-              <a:buNone/>
-            </a:pPr>
-            <a:r>
-              <a:rPr lang="en-US" b="1" dirty="0">
-                <a:solidFill>
-                  <a:prstClr val="black"/>
-                </a:solidFill>
-                <a:latin typeface="Inconsolata Medium" panose="020B0609030003000000" pitchFamily="49" charset="77"/>
-              </a:rPr>
-              <a:t>Out [22]: ‘</a:t>
-            </a:r>
-            <a:r>
-              <a:rPr lang="en-US" b="1" dirty="0" err="1">
-                <a:solidFill>
-                  <a:prstClr val="black"/>
-                </a:solidFill>
-                <a:latin typeface="Inconsolata Medium" panose="020B0609030003000000" pitchFamily="49" charset="77"/>
-              </a:rPr>
-              <a:t>spamspamspamspamspam</a:t>
-            </a:r>
-            <a:r>
-              <a:rPr lang="en-US" b="1" dirty="0">
-                <a:solidFill>
-                  <a:prstClr val="black"/>
-                </a:solidFill>
-                <a:latin typeface="Inconsolata Medium" panose="020B0609030003000000" pitchFamily="49" charset="77"/>
-              </a:rPr>
-              <a:t>' </a:t>
-            </a:r>
-          </a:p>
-          <a:p>
-            <a:pPr marL="0" indent="0">
-              <a:buNone/>
-            </a:pPr>
-            <a:endParaRPr lang="en-US" dirty="0">
-              <a:solidFill>
-                <a:prstClr val="black"/>
-              </a:solidFill>
+            <a:pPr marL="0" indent="0">
+              <a:buNone/>
+            </a:pPr>
+            <a:r>
+              <a:rPr lang="en-US" sz="2000" b="1" dirty="0">
+                <a:solidFill>
+                  <a:srgbClr val="000087"/>
+                </a:solidFill>
+                <a:latin typeface="Inconsolata Medium" panose="020B0609030003000000" pitchFamily="49" charset="77"/>
+              </a:rPr>
+              <a:t>In</a:t>
+            </a:r>
+            <a:r>
+              <a:rPr lang="en-US" sz="2000" b="1" dirty="0">
+                <a:latin typeface="Inconsolata Medium" panose="020B0609030003000000" pitchFamily="49" charset="77"/>
+              </a:rPr>
+              <a:t>[</a:t>
+            </a:r>
+            <a:r>
+              <a:rPr lang="en-US" sz="2000" b="1" dirty="0">
+                <a:solidFill>
+                  <a:srgbClr val="FF6600"/>
+                </a:solidFill>
+                <a:latin typeface="Inconsolata Medium" panose="020B0609030003000000" pitchFamily="49" charset="77"/>
+              </a:rPr>
+              <a:t>3</a:t>
+            </a:r>
+            <a:r>
+              <a:rPr lang="en-US" sz="2000" b="1" dirty="0">
+                <a:latin typeface="Inconsolata Medium" panose="020B0609030003000000" pitchFamily="49" charset="77"/>
+              </a:rPr>
+              <a:t>]: </a:t>
+            </a:r>
+            <a:r>
+              <a:rPr lang="en-US" sz="2000" b="1" dirty="0">
+                <a:solidFill>
+                  <a:srgbClr val="000087"/>
+                </a:solidFill>
+                <a:latin typeface="Inconsolata Medium" panose="020B0609030003000000" pitchFamily="49" charset="77"/>
+              </a:rPr>
+              <a:t>17 – 10.0</a:t>
+            </a:r>
+            <a:r>
+              <a:rPr lang="en-US" sz="2000" b="1" dirty="0">
+                <a:solidFill>
+                  <a:srgbClr val="FF6600"/>
+                </a:solidFill>
+                <a:latin typeface="Inconsolata Medium" panose="020B0609030003000000" pitchFamily="49" charset="77"/>
+              </a:rPr>
+              <a:t> </a:t>
+            </a:r>
+          </a:p>
+          <a:p>
+            <a:pPr marL="0" indent="0">
+              <a:buNone/>
+            </a:pPr>
+            <a:r>
+              <a:rPr lang="en-US" sz="2000" b="1" dirty="0">
+                <a:latin typeface="Inconsolata Medium" panose="020B0609030003000000" pitchFamily="49" charset="77"/>
+              </a:rPr>
+              <a:t>Out [1]: 7.0</a:t>
+            </a:r>
+          </a:p>
+          <a:p>
+            <a:pPr marL="0" indent="0">
+              <a:buNone/>
+            </a:pPr>
+            <a:endParaRPr lang="en-US" sz="2000" b="1" dirty="0">
+              <a:latin typeface="Inconsolata Medium" panose="020B0609030003000000" pitchFamily="49" charset="77"/>
+            </a:endParaRPr>
+          </a:p>
+          <a:p>
+            <a:pPr marL="0" indent="0">
+              <a:buNone/>
+            </a:pPr>
+            <a:endParaRPr lang="en-US" sz="1900" b="1" dirty="0">
+              <a:latin typeface="Inconsolata Medium" panose="020B0609030003000000" pitchFamily="49" charset="77"/>
             </a:endParaRPr>
           </a:p>
         </p:txBody>
@@ -6269,7 +8422,7 @@
     </p:spTree>
     <p:extLst>
       <p:ext uri="{BB962C8B-B14F-4D97-AF65-F5344CB8AC3E}">
-        <p14:creationId xmlns:p14="http://schemas.microsoft.com/office/powerpoint/2010/main" val="3908189275"/>
+        <p14:creationId xmlns:p14="http://schemas.microsoft.com/office/powerpoint/2010/main" val="2050346815"/>
       </p:ext>
     </p:extLst>
   </p:cSld>
@@ -6324,7 +8477,7 @@
           <a:p>
             <a:r>
               <a:rPr lang="en-US" dirty="0"/>
-              <a:t>String Indexing </a:t>
+              <a:t>Why floor(integer) division is useful</a:t>
             </a:r>
           </a:p>
         </p:txBody>
@@ -6347,8 +8500,8 @@
         </p:nvSpPr>
         <p:spPr>
           <a:xfrm>
-            <a:off x="483848" y="1150913"/>
-            <a:ext cx="8051725" cy="4440590"/>
+            <a:off x="483848" y="1150912"/>
+            <a:ext cx="8051725" cy="4564087"/>
           </a:xfrm>
         </p:spPr>
         <p:txBody>
@@ -6361,63 +8514,19 @@
               <a:buNone/>
             </a:pPr>
             <a:r>
-              <a:rPr lang="en-US" b="1" dirty="0">
-                <a:solidFill>
-                  <a:srgbClr val="000087"/>
-                </a:solidFill>
-                <a:latin typeface="Inconsolata Medium" panose="020B0609030003000000" pitchFamily="49" charset="77"/>
-              </a:rPr>
-              <a:t>In </a:t>
-            </a:r>
-            <a:r>
-              <a:rPr lang="en-US" b="1" dirty="0">
-                <a:latin typeface="Inconsolata Medium" panose="020B0609030003000000" pitchFamily="49" charset="77"/>
-              </a:rPr>
-              <a:t>[</a:t>
-            </a:r>
-            <a:r>
-              <a:rPr lang="en-US" b="1" dirty="0">
-                <a:solidFill>
-                  <a:srgbClr val="FF6600"/>
-                </a:solidFill>
-                <a:latin typeface="Inconsolata Medium" panose="020B0609030003000000" pitchFamily="49" charset="77"/>
-              </a:rPr>
-              <a:t>23</a:t>
-            </a:r>
-            <a:r>
-              <a:rPr lang="en-US" b="1" dirty="0">
-                <a:latin typeface="Inconsolata Medium" panose="020B0609030003000000" pitchFamily="49" charset="77"/>
-              </a:rPr>
-              <a:t>]: </a:t>
-            </a:r>
-            <a:r>
-              <a:rPr lang="en-US" b="1" dirty="0">
-                <a:solidFill>
-                  <a:srgbClr val="000087"/>
-                </a:solidFill>
-                <a:latin typeface="Inconsolata Medium" panose="020B0609030003000000" pitchFamily="49" charset="77"/>
-              </a:rPr>
-              <a:t>message = </a:t>
-            </a:r>
-            <a:r>
-              <a:rPr lang="en-US" dirty="0">
-                <a:solidFill>
-                  <a:srgbClr val="CC3300"/>
-                </a:solidFill>
-                <a:latin typeface="UbuntuMono"/>
-              </a:rPr>
-              <a:t>"what do you like?" </a:t>
-            </a:r>
-            <a:endParaRPr lang="en-US" dirty="0"/>
-          </a:p>
-          <a:p>
-            <a:pPr marL="0" indent="0">
-              <a:buNone/>
-            </a:pPr>
-            <a:endParaRPr lang="en-US" b="1" dirty="0">
-              <a:solidFill>
-                <a:srgbClr val="000087"/>
-              </a:solidFill>
+              <a:rPr lang="en-US" sz="2000" dirty="0"/>
+              <a:t>Sometimes we only want the integer part of division. Consider the question:</a:t>
+            </a:r>
+          </a:p>
+          <a:p>
+            <a:pPr marL="0" indent="0">
+              <a:buNone/>
+            </a:pPr>
+            <a:r>
+              <a:rPr lang="en-US" sz="2000" dirty="0"/>
+              <a:t>How many weeks are there in 25 days? </a:t>
+            </a:r>
+            <a:endParaRPr lang="en-US" sz="2000" b="1" dirty="0">
               <a:latin typeface="Inconsolata Medium" panose="020B0609030003000000" pitchFamily="49" charset="77"/>
             </a:endParaRPr>
           </a:p>
@@ -6426,82 +8535,12 @@
               <a:buNone/>
             </a:pPr>
             <a:r>
-              <a:rPr lang="en-US" b="1" dirty="0">
-                <a:solidFill>
-                  <a:srgbClr val="000087"/>
-                </a:solidFill>
-                <a:latin typeface="Inconsolata Medium" panose="020B0609030003000000" pitchFamily="49" charset="77"/>
-              </a:rPr>
-              <a:t>In </a:t>
-            </a:r>
-            <a:r>
-              <a:rPr lang="en-US" b="1" dirty="0">
-                <a:latin typeface="Inconsolata Medium" panose="020B0609030003000000" pitchFamily="49" charset="77"/>
-              </a:rPr>
-              <a:t>[</a:t>
-            </a:r>
-            <a:r>
-              <a:rPr lang="en-US" b="1" dirty="0">
-                <a:solidFill>
-                  <a:srgbClr val="FF6600"/>
-                </a:solidFill>
-                <a:latin typeface="Inconsolata Medium" panose="020B0609030003000000" pitchFamily="49" charset="77"/>
-              </a:rPr>
-              <a:t>24</a:t>
-            </a:r>
-            <a:r>
-              <a:rPr lang="en-US" b="1" dirty="0">
-                <a:latin typeface="Inconsolata Medium" panose="020B0609030003000000" pitchFamily="49" charset="77"/>
-              </a:rPr>
-              <a:t>]: </a:t>
-            </a:r>
-            <a:r>
-              <a:rPr lang="en-US" b="1" dirty="0">
-                <a:solidFill>
-                  <a:srgbClr val="000087"/>
-                </a:solidFill>
-                <a:latin typeface="Inconsolata Medium" panose="020B0609030003000000" pitchFamily="49" charset="77"/>
-              </a:rPr>
-              <a:t>message</a:t>
-            </a:r>
-            <a:r>
-              <a:rPr lang="en-US" b="1" dirty="0">
-                <a:latin typeface="Inconsolata Medium" panose="020B0609030003000000" pitchFamily="49" charset="77"/>
-              </a:rPr>
-              <a:t>[</a:t>
-            </a:r>
-            <a:r>
-              <a:rPr lang="en-US" b="1" dirty="0">
-                <a:solidFill>
-                  <a:srgbClr val="FF6600"/>
-                </a:solidFill>
-                <a:latin typeface="Inconsolata Medium" panose="020B0609030003000000" pitchFamily="49" charset="77"/>
-              </a:rPr>
-              <a:t>0</a:t>
-            </a:r>
-            <a:r>
-              <a:rPr lang="en-US" b="1" dirty="0">
-                <a:latin typeface="Inconsolata Medium" panose="020B0609030003000000" pitchFamily="49" charset="77"/>
-              </a:rPr>
-              <a:t>] </a:t>
-            </a:r>
-          </a:p>
-          <a:p>
-            <a:pPr marL="0" indent="0">
-              <a:buNone/>
-            </a:pPr>
-            <a:r>
-              <a:rPr lang="en-US" b="1" dirty="0">
-                <a:latin typeface="Inconsolata Medium" panose="020B0609030003000000" pitchFamily="49" charset="77"/>
-              </a:rPr>
-              <a:t>Out [24]: 'w' </a:t>
-            </a:r>
-          </a:p>
-          <a:p>
-            <a:pPr marL="0" indent="0">
-              <a:buNone/>
-            </a:pPr>
-            <a:endParaRPr lang="en-US" b="1" dirty="0">
+              <a:rPr lang="en-US" sz="2000" dirty="0">
+                <a:latin typeface="Gill Sans MT" panose="020B0502020104020203" pitchFamily="34" charset="77"/>
+              </a:rPr>
+              <a:t>Answer: 3 weeks plus 4 days. </a:t>
+            </a:r>
+            <a:endParaRPr lang="en-US" sz="1900" b="1" dirty="0">
               <a:latin typeface="Inconsolata Medium" panose="020B0609030003000000" pitchFamily="49" charset="77"/>
             </a:endParaRPr>
           </a:p>
@@ -6510,150 +8549,134 @@
               <a:buNone/>
             </a:pPr>
             <a:r>
-              <a:rPr lang="en-US" b="1" dirty="0">
+              <a:rPr lang="en-US" sz="2000" b="1" dirty="0">
                 <a:solidFill>
                   <a:srgbClr val="000087"/>
                 </a:solidFill>
                 <a:latin typeface="Inconsolata Medium" panose="020B0609030003000000" pitchFamily="49" charset="77"/>
               </a:rPr>
-              <a:t>In </a:t>
-            </a:r>
-            <a:r>
-              <a:rPr lang="en-US" b="1" dirty="0">
+              <a:t>In</a:t>
+            </a:r>
+            <a:r>
+              <a:rPr lang="en-US" sz="2000" b="1" dirty="0">
                 <a:latin typeface="Inconsolata Medium" panose="020B0609030003000000" pitchFamily="49" charset="77"/>
               </a:rPr>
               <a:t>[</a:t>
             </a:r>
             <a:r>
-              <a:rPr lang="en-US" b="1" dirty="0">
+              <a:rPr lang="en-US" sz="2000" b="1" dirty="0">
                 <a:solidFill>
                   <a:srgbClr val="FF6600"/>
                 </a:solidFill>
                 <a:latin typeface="Inconsolata Medium" panose="020B0609030003000000" pitchFamily="49" charset="77"/>
               </a:rPr>
-              <a:t>24</a:t>
-            </a:r>
-            <a:r>
-              <a:rPr lang="en-US" b="1" dirty="0">
-                <a:latin typeface="Inconsolata Medium" panose="020B0609030003000000" pitchFamily="49" charset="77"/>
-              </a:rPr>
-              <a:t>]: </a:t>
-            </a:r>
-            <a:r>
-              <a:rPr lang="en-US" b="1" i="1" dirty="0">
-                <a:solidFill>
-                  <a:srgbClr val="33566B"/>
-                </a:solidFill>
-                <a:latin typeface="Inconsolata Medium" panose="020B0609030003000000" pitchFamily="49" charset="77"/>
-              </a:rPr>
-              <a:t># negative indices wraps around the end</a:t>
-            </a:r>
-          </a:p>
-          <a:p>
-            <a:pPr marL="0" indent="0">
-              <a:buNone/>
-            </a:pPr>
-            <a:r>
-              <a:rPr lang="en-US" b="1" i="1" dirty="0">
-                <a:solidFill>
-                  <a:srgbClr val="33566B"/>
-                </a:solidFill>
-                <a:latin typeface="Inconsolata Medium" panose="020B0609030003000000" pitchFamily="49" charset="77"/>
-              </a:rPr>
-              <a:t>	    </a:t>
-            </a:r>
-            <a:r>
-              <a:rPr lang="en-US" b="1" dirty="0">
+              <a:t>1</a:t>
+            </a:r>
+            <a:r>
+              <a:rPr lang="en-US" sz="2000" b="1" dirty="0">
+                <a:latin typeface="Inconsolata Medium" panose="020B0609030003000000" pitchFamily="49" charset="77"/>
+              </a:rPr>
+              <a:t>]: 25 // 7</a:t>
+            </a:r>
+            <a:r>
+              <a:rPr lang="en-US" sz="2000" b="1" dirty="0">
+                <a:solidFill>
+                  <a:srgbClr val="FF6600"/>
+                </a:solidFill>
+                <a:latin typeface="Inconsolata Medium" panose="020B0609030003000000" pitchFamily="49" charset="77"/>
+              </a:rPr>
+              <a:t> </a:t>
+            </a:r>
+          </a:p>
+          <a:p>
+            <a:pPr marL="0" indent="0">
+              <a:buNone/>
+            </a:pPr>
+            <a:r>
+              <a:rPr lang="en-US" sz="2000" b="1" dirty="0">
+                <a:latin typeface="Inconsolata Medium" panose="020B0609030003000000" pitchFamily="49" charset="77"/>
+              </a:rPr>
+              <a:t>Out [1]: 3</a:t>
+            </a:r>
+          </a:p>
+          <a:p>
+            <a:pPr marL="0" indent="0">
+              <a:buNone/>
+            </a:pPr>
+            <a:endParaRPr lang="en-US" sz="1900" dirty="0">
+              <a:latin typeface="Gill Sans MT" panose="020B0502020104020203" pitchFamily="34" charset="77"/>
+            </a:endParaRPr>
+          </a:p>
+          <a:p>
+            <a:pPr marL="0" indent="0">
+              <a:buNone/>
+            </a:pPr>
+            <a:r>
+              <a:rPr lang="en-US" sz="1900" dirty="0">
+                <a:latin typeface="Gill Sans MT" panose="020B0502020104020203" pitchFamily="34" charset="77"/>
+              </a:rPr>
+              <a:t>Note that we take the floor of the division which is rounding </a:t>
+            </a:r>
+            <a:r>
+              <a:rPr lang="en-US" sz="1900" b="1" dirty="0">
+                <a:latin typeface="Gill Sans MT" panose="020B0502020104020203" pitchFamily="34" charset="77"/>
+              </a:rPr>
+              <a:t>down</a:t>
+            </a:r>
+            <a:r>
+              <a:rPr lang="en-US" sz="1900" dirty="0">
+                <a:latin typeface="Gill Sans MT" panose="020B0502020104020203" pitchFamily="34" charset="77"/>
+              </a:rPr>
+              <a:t> to the nearest integer.  Be careful when the operands are negative:</a:t>
+            </a:r>
+          </a:p>
+          <a:p>
+            <a:pPr marL="0" indent="0">
+              <a:buNone/>
+            </a:pPr>
+            <a:endParaRPr lang="en-US" sz="1900" dirty="0">
+              <a:latin typeface="Gill Sans MT" panose="020B0502020104020203" pitchFamily="34" charset="77"/>
+            </a:endParaRPr>
+          </a:p>
+          <a:p>
+            <a:pPr marL="0" indent="0">
+              <a:buNone/>
+            </a:pPr>
+            <a:r>
+              <a:rPr lang="en-US" sz="1800" b="1" dirty="0">
                 <a:solidFill>
                   <a:srgbClr val="000087"/>
                 </a:solidFill>
                 <a:latin typeface="Inconsolata Medium" panose="020B0609030003000000" pitchFamily="49" charset="77"/>
               </a:rPr>
-              <a:t>message</a:t>
-            </a:r>
-            <a:r>
-              <a:rPr lang="en-US" b="1" dirty="0">
+              <a:t>In</a:t>
+            </a:r>
+            <a:r>
+              <a:rPr lang="en-US" sz="1800" b="1" dirty="0">
                 <a:latin typeface="Inconsolata Medium" panose="020B0609030003000000" pitchFamily="49" charset="77"/>
               </a:rPr>
               <a:t>[</a:t>
             </a:r>
             <a:r>
-              <a:rPr lang="en-US" b="1" dirty="0">
+              <a:rPr lang="en-US" sz="1800" b="1" dirty="0">
                 <a:solidFill>
                   <a:srgbClr val="FF6600"/>
                 </a:solidFill>
                 <a:latin typeface="Inconsolata Medium" panose="020B0609030003000000" pitchFamily="49" charset="77"/>
               </a:rPr>
-              <a:t>-1</a:t>
-            </a:r>
-            <a:r>
-              <a:rPr lang="en-US" b="1" dirty="0">
-                <a:latin typeface="Inconsolata Medium" panose="020B0609030003000000" pitchFamily="49" charset="77"/>
-              </a:rPr>
-              <a:t>]   </a:t>
-            </a:r>
-            <a:r>
-              <a:rPr lang="en-US" b="1" i="1" dirty="0">
-                <a:solidFill>
-                  <a:srgbClr val="33566B"/>
-                </a:solidFill>
-                <a:latin typeface="Inconsolata Medium" panose="020B0609030003000000" pitchFamily="49" charset="77"/>
-              </a:rPr>
-              <a:t># last character </a:t>
-            </a:r>
-            <a:endParaRPr lang="en-US" b="1" dirty="0">
-              <a:latin typeface="Inconsolata Medium" panose="020B0609030003000000" pitchFamily="49" charset="77"/>
-            </a:endParaRPr>
-          </a:p>
-          <a:p>
-            <a:pPr marL="0" indent="0">
-              <a:buNone/>
-            </a:pPr>
-            <a:r>
-              <a:rPr lang="en-US" b="1" dirty="0">
-                <a:latin typeface="Inconsolata Medium" panose="020B0609030003000000" pitchFamily="49" charset="77"/>
-              </a:rPr>
-              <a:t>Out [24]: ‘?' </a:t>
-            </a:r>
-          </a:p>
-          <a:p>
-            <a:pPr marL="0" indent="0">
-              <a:buNone/>
-            </a:pPr>
-            <a:endParaRPr lang="en-US" b="1" dirty="0">
-              <a:latin typeface="Inconsolata Medium" panose="020B0609030003000000" pitchFamily="49" charset="77"/>
-            </a:endParaRPr>
-          </a:p>
-          <a:p>
-            <a:pPr marL="0" indent="0">
-              <a:buNone/>
-            </a:pPr>
-            <a:endParaRPr lang="en-US" b="1" dirty="0">
-              <a:latin typeface="Inconsolata Medium" panose="020B0609030003000000" pitchFamily="49" charset="77"/>
-            </a:endParaRPr>
-          </a:p>
-          <a:p>
-            <a:pPr marL="0" indent="0">
-              <a:buNone/>
-            </a:pPr>
-            <a:endParaRPr lang="en-US" b="1" dirty="0">
-              <a:latin typeface="Inconsolata Medium" panose="020B0609030003000000" pitchFamily="49" charset="77"/>
-            </a:endParaRPr>
-          </a:p>
-          <a:p>
-            <a:pPr marL="0" indent="0">
-              <a:buNone/>
-            </a:pPr>
-            <a:endParaRPr lang="en-US" b="1" dirty="0">
-              <a:latin typeface="Inconsolata Medium" panose="020B0609030003000000" pitchFamily="49" charset="77"/>
-            </a:endParaRPr>
-          </a:p>
-          <a:p>
-            <a:pPr marL="0" indent="0">
-              <a:buNone/>
-            </a:pPr>
-            <a:r>
-              <a:rPr lang="en-US" b="1" dirty="0">
+              <a:t>2</a:t>
+            </a:r>
+            <a:r>
+              <a:rPr lang="en-US" sz="1800" b="1" dirty="0">
+                <a:latin typeface="Inconsolata Medium" panose="020B0609030003000000" pitchFamily="49" charset="77"/>
+              </a:rPr>
+              <a:t>]: -25 // 7</a:t>
+            </a:r>
+            <a:r>
+              <a:rPr lang="en-US" sz="1800" b="1" dirty="0">
+                <a:solidFill>
+                  <a:srgbClr val="FF6600"/>
+                </a:solidFill>
                 <a:latin typeface="Inconsolata Medium" panose="020B0609030003000000" pitchFamily="49" charset="77"/>
               </a:rPr>
               <a:t> </a:t>
@@ -6663,67 +8686,19 @@
             <a:pPr marL="0" indent="0">
               <a:buNone/>
             </a:pPr>
-            <a:endParaRPr lang="en-US" b="1" dirty="0">
-              <a:latin typeface="Inconsolata Medium" panose="020B0609030003000000" pitchFamily="49" charset="77"/>
-            </a:endParaRPr>
-          </a:p>
-          <a:p>
-            <a:pPr marL="0" indent="0">
-              <a:buNone/>
-            </a:pPr>
-            <a:endParaRPr lang="en-US" b="1" dirty="0">
-              <a:latin typeface="Inconsolata Medium" panose="020B0609030003000000" pitchFamily="49" charset="77"/>
-            </a:endParaRPr>
-          </a:p>
-          <a:p>
-            <a:pPr marL="0" indent="0">
-              <a:buNone/>
-            </a:pPr>
-            <a:endParaRPr lang="en-US" b="1" dirty="0">
-              <a:latin typeface="Inconsolata Medium" panose="020B0609030003000000" pitchFamily="49" charset="77"/>
-            </a:endParaRPr>
-          </a:p>
-          <a:p>
-            <a:pPr marL="0" indent="0">
-              <a:buNone/>
-            </a:pPr>
-            <a:endParaRPr lang="en-US" b="1" dirty="0">
-              <a:latin typeface="Inconsolata Medium" panose="020B0609030003000000" pitchFamily="49" charset="77"/>
-            </a:endParaRPr>
-          </a:p>
-          <a:p>
-            <a:pPr marL="0" indent="0">
-              <a:buNone/>
-            </a:pPr>
-            <a:endParaRPr lang="en-US" b="1" dirty="0">
-              <a:latin typeface="Inconsolata Medium" panose="020B0609030003000000" pitchFamily="49" charset="77"/>
-            </a:endParaRPr>
-          </a:p>
-          <a:p>
-            <a:pPr marL="0" indent="0">
-              <a:buNone/>
-            </a:pPr>
-            <a:r>
-              <a:rPr lang="en-US" b="1" dirty="0">
-                <a:latin typeface="Inconsolata Medium" panose="020B0609030003000000" pitchFamily="49" charset="77"/>
-              </a:rPr>
-              <a:t> </a:t>
-            </a:r>
-          </a:p>
-          <a:p>
-            <a:pPr marL="0" indent="0">
-              <a:buNone/>
-            </a:pPr>
-            <a:endParaRPr lang="en-US" b="1" dirty="0">
-              <a:latin typeface="Inconsolata Medium" panose="020B0609030003000000" pitchFamily="49" charset="77"/>
-            </a:endParaRPr>
-          </a:p>
-          <a:p>
-            <a:pPr marL="0" indent="0">
-              <a:buNone/>
-            </a:pPr>
-            <a:endParaRPr lang="en-US" b="1" dirty="0">
-              <a:latin typeface="Inconsolata Medium" panose="020B0609030003000000" pitchFamily="49" charset="77"/>
+            <a:r>
+              <a:rPr lang="en-US" sz="1800" b="1" dirty="0">
+                <a:latin typeface="Inconsolata Medium" panose="020B0609030003000000" pitchFamily="49" charset="77"/>
+              </a:rPr>
+              <a:t>Out [1]: -4</a:t>
+            </a:r>
+          </a:p>
+          <a:p>
+            <a:pPr marL="0" indent="0">
+              <a:buNone/>
+            </a:pPr>
+            <a:endParaRPr lang="en-US" sz="1900" dirty="0">
+              <a:latin typeface="Gill Sans MT" panose="020B0502020104020203" pitchFamily="34" charset="77"/>
             </a:endParaRPr>
           </a:p>
         </p:txBody>
@@ -6731,7 +8706,7 @@
     </p:spTree>
     <p:extLst>
       <p:ext uri="{BB962C8B-B14F-4D97-AF65-F5344CB8AC3E}">
-        <p14:creationId xmlns:p14="http://schemas.microsoft.com/office/powerpoint/2010/main" val="99755680"/>
+        <p14:creationId xmlns:p14="http://schemas.microsoft.com/office/powerpoint/2010/main" val="4114225628"/>
       </p:ext>
     </p:extLst>
   </p:cSld>
@@ -6786,7 +8761,7 @@
           <a:p>
             <a:r>
               <a:rPr lang="en-US" dirty="0"/>
-              <a:t>String Indexing and Slicing</a:t>
+              <a:t>Why the modulus operator is useful</a:t>
             </a:r>
           </a:p>
         </p:txBody>
@@ -6809,8 +8784,8 @@
         </p:nvSpPr>
         <p:spPr>
           <a:xfrm>
-            <a:off x="483848" y="1150913"/>
-            <a:ext cx="8051725" cy="4440590"/>
+            <a:off x="483848" y="1150912"/>
+            <a:ext cx="8051725" cy="4564087"/>
           </a:xfrm>
         </p:spPr>
         <p:txBody>
@@ -6823,60 +8798,47 @@
               <a:buNone/>
             </a:pPr>
             <a:r>
-              <a:rPr lang="en-US" sz="1900" b="1" dirty="0">
-                <a:solidFill>
-                  <a:srgbClr val="000087"/>
-                </a:solidFill>
-                <a:latin typeface="Inconsolata Medium" panose="020B0609030003000000" pitchFamily="49" charset="77"/>
-              </a:rPr>
-              <a:t>In </a:t>
-            </a:r>
-            <a:r>
-              <a:rPr lang="en-US" sz="1900" b="1" dirty="0">
-                <a:latin typeface="Inconsolata Medium" panose="020B0609030003000000" pitchFamily="49" charset="77"/>
-              </a:rPr>
-              <a:t>[</a:t>
-            </a:r>
-            <a:r>
-              <a:rPr lang="en-US" sz="1900" b="1" dirty="0">
-                <a:solidFill>
-                  <a:srgbClr val="FF6600"/>
-                </a:solidFill>
-                <a:latin typeface="Inconsolata Medium" panose="020B0609030003000000" pitchFamily="49" charset="77"/>
-              </a:rPr>
-              <a:t>23</a:t>
-            </a:r>
-            <a:r>
-              <a:rPr lang="en-US" sz="1900" b="1" dirty="0">
-                <a:latin typeface="Inconsolata Medium" panose="020B0609030003000000" pitchFamily="49" charset="77"/>
-              </a:rPr>
-              <a:t>]: </a:t>
-            </a:r>
-            <a:r>
-              <a:rPr lang="en-US" sz="1900" b="1" dirty="0">
-                <a:solidFill>
-                  <a:srgbClr val="000087"/>
-                </a:solidFill>
-                <a:latin typeface="Inconsolata Medium" panose="020B0609030003000000" pitchFamily="49" charset="77"/>
-              </a:rPr>
-              <a:t>message = </a:t>
-            </a:r>
+              <a:rPr lang="en-US" sz="2000" dirty="0"/>
+              <a:t>Sometimes we only want the remainder part of the division. Consider the question:</a:t>
+            </a:r>
+          </a:p>
+          <a:p>
+            <a:pPr marL="0" indent="0">
+              <a:buNone/>
+            </a:pPr>
+            <a:endParaRPr lang="en-US" sz="2000" dirty="0"/>
+          </a:p>
+          <a:p>
+            <a:pPr marL="0" indent="0">
+              <a:buNone/>
+            </a:pPr>
+            <a:r>
+              <a:rPr lang="en-US" sz="2000" dirty="0"/>
+              <a:t>If today is a Tuesday, which day is 59 days from today? </a:t>
+            </a:r>
+            <a:endParaRPr lang="en-US" sz="2000" b="1" dirty="0">
+              <a:latin typeface="Inconsolata Medium" panose="020B0609030003000000" pitchFamily="49" charset="77"/>
+            </a:endParaRPr>
+          </a:p>
+          <a:p>
+            <a:pPr marL="0" indent="0">
+              <a:buNone/>
+            </a:pPr>
             <a:r>
               <a:rPr lang="en-US" sz="2000" dirty="0">
-                <a:solidFill>
-                  <a:srgbClr val="CC3300"/>
-                </a:solidFill>
-                <a:latin typeface="UbuntuMono"/>
-              </a:rPr>
-              <a:t>"what do you like?" </a:t>
-            </a:r>
-            <a:endParaRPr lang="en-US" sz="2000" dirty="0"/>
-          </a:p>
-          <a:p>
-            <a:pPr marL="0" indent="0">
-              <a:buNone/>
-            </a:pPr>
+                <a:latin typeface="Gill Sans MT" panose="020B0502020104020203" pitchFamily="34" charset="77"/>
+              </a:rPr>
+              <a:t>Answer: 59 divided by 7 is 8 with a remainder of 3. Thus it will be Friday. </a:t>
+            </a:r>
             <a:endParaRPr lang="en-US" sz="1900" b="1" dirty="0">
+              <a:latin typeface="Inconsolata Medium" panose="020B0609030003000000" pitchFamily="49" charset="77"/>
+            </a:endParaRPr>
+          </a:p>
+          <a:p>
+            <a:pPr marL="0" indent="0">
+              <a:buNone/>
+            </a:pPr>
+            <a:endParaRPr lang="en-US" sz="2000" b="1" dirty="0">
               <a:solidFill>
                 <a:srgbClr val="000087"/>
               </a:solidFill>
@@ -6888,398 +8850,70 @@
               <a:buNone/>
             </a:pPr>
             <a:r>
-              <a:rPr lang="en-US" sz="1900" b="1" dirty="0">
+              <a:rPr lang="en-US" sz="2000" b="1" dirty="0">
                 <a:solidFill>
                   <a:srgbClr val="000087"/>
                 </a:solidFill>
                 <a:latin typeface="Inconsolata Medium" panose="020B0609030003000000" pitchFamily="49" charset="77"/>
               </a:rPr>
-              <a:t>In </a:t>
-            </a:r>
-            <a:r>
-              <a:rPr lang="en-US" sz="1900" b="1" dirty="0">
+              <a:t>In</a:t>
+            </a:r>
+            <a:r>
+              <a:rPr lang="en-US" sz="2000" b="1" dirty="0">
                 <a:latin typeface="Inconsolata Medium" panose="020B0609030003000000" pitchFamily="49" charset="77"/>
               </a:rPr>
               <a:t>[</a:t>
             </a:r>
             <a:r>
-              <a:rPr lang="en-US" sz="1900" b="1" dirty="0">
+              <a:rPr lang="en-US" sz="2000" b="1" dirty="0">
                 <a:solidFill>
                   <a:srgbClr val="FF6600"/>
                 </a:solidFill>
                 <a:latin typeface="Inconsolata Medium" panose="020B0609030003000000" pitchFamily="49" charset="77"/>
               </a:rPr>
-              <a:t>24</a:t>
-            </a:r>
-            <a:r>
-              <a:rPr lang="en-US" sz="1900" b="1" dirty="0">
-                <a:latin typeface="Inconsolata Medium" panose="020B0609030003000000" pitchFamily="49" charset="77"/>
-              </a:rPr>
-              <a:t>]: </a:t>
-            </a:r>
-            <a:r>
-              <a:rPr lang="en-US" sz="1900" b="1" i="1" dirty="0">
-                <a:solidFill>
-                  <a:srgbClr val="33566B"/>
-                </a:solidFill>
-                <a:latin typeface="Inconsolata Medium" panose="020B0609030003000000" pitchFamily="49" charset="77"/>
-              </a:rPr>
-              <a:t># Access individual characters (zero-based indexing) 	    </a:t>
-            </a:r>
-            <a:r>
-              <a:rPr lang="en-US" sz="1900" b="1" dirty="0">
-                <a:solidFill>
-                  <a:srgbClr val="000087"/>
-                </a:solidFill>
-                <a:latin typeface="Inconsolata Medium" panose="020B0609030003000000" pitchFamily="49" charset="77"/>
-              </a:rPr>
-              <a:t>message</a:t>
-            </a:r>
-            <a:r>
-              <a:rPr lang="en-US" sz="1900" b="1" dirty="0">
-                <a:latin typeface="Inconsolata Medium" panose="020B0609030003000000" pitchFamily="49" charset="77"/>
-              </a:rPr>
-              <a:t>[</a:t>
-            </a:r>
-            <a:r>
-              <a:rPr lang="en-US" sz="1900" b="1" dirty="0">
+              <a:t>1</a:t>
+            </a:r>
+            <a:r>
+              <a:rPr lang="en-US" sz="2000" b="1" dirty="0">
+                <a:latin typeface="Inconsolata Medium" panose="020B0609030003000000" pitchFamily="49" charset="77"/>
+              </a:rPr>
+              <a:t>]: 59 % 7</a:t>
+            </a:r>
+            <a:r>
+              <a:rPr lang="en-US" sz="2000" b="1" dirty="0">
                 <a:solidFill>
                   <a:srgbClr val="FF6600"/>
                 </a:solidFill>
                 <a:latin typeface="Inconsolata Medium" panose="020B0609030003000000" pitchFamily="49" charset="77"/>
               </a:rPr>
-              <a:t>0</a:t>
-            </a:r>
-            <a:r>
-              <a:rPr lang="en-US" sz="1900" b="1" dirty="0">
-                <a:latin typeface="Inconsolata Medium" panose="020B0609030003000000" pitchFamily="49" charset="77"/>
-              </a:rPr>
-              <a:t>] </a:t>
-            </a:r>
-          </a:p>
-          <a:p>
-            <a:pPr marL="0" indent="0">
-              <a:buNone/>
-            </a:pPr>
-            <a:r>
-              <a:rPr lang="en-US" sz="1900" b="1" dirty="0">
-                <a:latin typeface="Inconsolata Medium" panose="020B0609030003000000" pitchFamily="49" charset="77"/>
-              </a:rPr>
-              <a:t>Out [24]: ‘w' </a:t>
-            </a:r>
-          </a:p>
-          <a:p>
-            <a:pPr marL="0" indent="0">
-              <a:buNone/>
-            </a:pPr>
-            <a:endParaRPr lang="en-US" sz="1900" b="1" dirty="0">
-              <a:latin typeface="Inconsolata Medium" panose="020B0609030003000000" pitchFamily="49" charset="77"/>
+              <a:t> </a:t>
+            </a:r>
+          </a:p>
+          <a:p>
+            <a:pPr marL="0" indent="0">
+              <a:buNone/>
+            </a:pPr>
+            <a:r>
+              <a:rPr lang="en-US" sz="2000" b="1" dirty="0">
+                <a:latin typeface="Inconsolata Medium" panose="020B0609030003000000" pitchFamily="49" charset="77"/>
+              </a:rPr>
+              <a:t>Out [1]: 3</a:t>
+            </a:r>
+          </a:p>
+          <a:p>
+            <a:pPr marL="0" indent="0">
+              <a:buNone/>
+            </a:pPr>
+            <a:endParaRPr lang="en-US" sz="1900" dirty="0">
+              <a:latin typeface="Gill Sans MT" panose="020B0502020104020203" pitchFamily="34" charset="77"/>
             </a:endParaRPr>
           </a:p>
           <a:p>
             <a:pPr marL="0" indent="0">
               <a:buNone/>
             </a:pPr>
-            <a:r>
-              <a:rPr lang="en-US" sz="1900" b="1" dirty="0">
-                <a:solidFill>
-                  <a:srgbClr val="000087"/>
-                </a:solidFill>
-                <a:latin typeface="Inconsolata Medium" panose="020B0609030003000000" pitchFamily="49" charset="77"/>
-              </a:rPr>
-              <a:t>In </a:t>
-            </a:r>
-            <a:r>
-              <a:rPr lang="en-US" sz="1900" b="1" dirty="0">
-                <a:latin typeface="Inconsolata Medium" panose="020B0609030003000000" pitchFamily="49" charset="77"/>
-              </a:rPr>
-              <a:t>[</a:t>
-            </a:r>
-            <a:r>
-              <a:rPr lang="en-US" sz="1900" b="1" dirty="0">
-                <a:solidFill>
-                  <a:srgbClr val="FF6600"/>
-                </a:solidFill>
-                <a:latin typeface="Inconsolata Medium" panose="020B0609030003000000" pitchFamily="49" charset="77"/>
-              </a:rPr>
-              <a:t>25</a:t>
-            </a:r>
-            <a:r>
-              <a:rPr lang="en-US" sz="1900" b="1" dirty="0">
-                <a:latin typeface="Inconsolata Medium" panose="020B0609030003000000" pitchFamily="49" charset="77"/>
-              </a:rPr>
-              <a:t>]:  </a:t>
-            </a:r>
-            <a:r>
-              <a:rPr lang="en-US" sz="1900" b="1" dirty="0">
-                <a:solidFill>
-                  <a:srgbClr val="000087"/>
-                </a:solidFill>
-                <a:latin typeface="Inconsolata Medium" panose="020B0609030003000000" pitchFamily="49" charset="77"/>
-              </a:rPr>
-              <a:t>message</a:t>
-            </a:r>
-            <a:r>
-              <a:rPr lang="en-US" sz="1900" b="1" dirty="0">
-                <a:latin typeface="Inconsolata Medium" panose="020B0609030003000000" pitchFamily="49" charset="77"/>
-              </a:rPr>
-              <a:t>[</a:t>
-            </a:r>
-            <a:r>
-              <a:rPr lang="en-US" sz="1900" b="1" dirty="0">
-                <a:solidFill>
-                  <a:srgbClr val="FF6600"/>
-                </a:solidFill>
-                <a:latin typeface="Inconsolata Medium" panose="020B0609030003000000" pitchFamily="49" charset="77"/>
-              </a:rPr>
-              <a:t>0:4</a:t>
-            </a:r>
-            <a:r>
-              <a:rPr lang="en-US" sz="1900" b="1" dirty="0">
-                <a:latin typeface="Inconsolata Medium" panose="020B0609030003000000" pitchFamily="49" charset="77"/>
-              </a:rPr>
-              <a:t>] </a:t>
-            </a:r>
-            <a:r>
-              <a:rPr lang="en-US" sz="1900" b="1" i="1" dirty="0">
-                <a:solidFill>
-                  <a:srgbClr val="33566B"/>
-                </a:solidFill>
-                <a:latin typeface="Inconsolata Medium" panose="020B0609030003000000" pitchFamily="49" charset="77"/>
-              </a:rPr>
-              <a:t># up to but not including index 4</a:t>
-            </a:r>
-            <a:endParaRPr lang="en-US" sz="1900" b="1" dirty="0">
-              <a:latin typeface="Inconsolata Medium" panose="020B0609030003000000" pitchFamily="49" charset="77"/>
-            </a:endParaRPr>
-          </a:p>
-          <a:p>
-            <a:pPr marL="0" indent="0">
-              <a:buNone/>
-            </a:pPr>
-            <a:r>
-              <a:rPr lang="en-US" sz="1900" b="1" dirty="0">
-                <a:latin typeface="Inconsolata Medium" panose="020B0609030003000000" pitchFamily="49" charset="77"/>
-              </a:rPr>
-              <a:t>Out [25]: ‘what’ </a:t>
-            </a:r>
-          </a:p>
-          <a:p>
-            <a:pPr marL="0" indent="0">
-              <a:buNone/>
-            </a:pPr>
-            <a:endParaRPr lang="en-US" sz="1900" b="1" dirty="0">
-              <a:latin typeface="Inconsolata Medium" panose="020B0609030003000000" pitchFamily="49" charset="77"/>
-            </a:endParaRPr>
-          </a:p>
-          <a:p>
-            <a:pPr marL="0" indent="0">
-              <a:buNone/>
-            </a:pPr>
-            <a:r>
-              <a:rPr lang="en-US" sz="1900" b="1" dirty="0">
-                <a:solidFill>
-                  <a:srgbClr val="000087"/>
-                </a:solidFill>
-                <a:latin typeface="Inconsolata Medium" panose="020B0609030003000000" pitchFamily="49" charset="77"/>
-              </a:rPr>
-              <a:t>In </a:t>
-            </a:r>
-            <a:r>
-              <a:rPr lang="en-US" sz="1900" b="1" dirty="0">
-                <a:latin typeface="Inconsolata Medium" panose="020B0609030003000000" pitchFamily="49" charset="77"/>
-              </a:rPr>
-              <a:t>[</a:t>
-            </a:r>
-            <a:r>
-              <a:rPr lang="en-US" sz="1900" b="1" dirty="0">
-                <a:solidFill>
-                  <a:srgbClr val="FF6600"/>
-                </a:solidFill>
-                <a:latin typeface="Inconsolata Medium" panose="020B0609030003000000" pitchFamily="49" charset="77"/>
-              </a:rPr>
-              <a:t>25</a:t>
-            </a:r>
-            <a:r>
-              <a:rPr lang="en-US" sz="1900" b="1" dirty="0">
-                <a:latin typeface="Inconsolata Medium" panose="020B0609030003000000" pitchFamily="49" charset="77"/>
-              </a:rPr>
-              <a:t>]:  </a:t>
-            </a:r>
-            <a:r>
-              <a:rPr lang="en-US" sz="1900" b="1" dirty="0">
-                <a:solidFill>
-                  <a:srgbClr val="000087"/>
-                </a:solidFill>
-                <a:latin typeface="Inconsolata Medium" panose="020B0609030003000000" pitchFamily="49" charset="77"/>
-              </a:rPr>
-              <a:t>message</a:t>
-            </a:r>
-            <a:r>
-              <a:rPr lang="en-US" sz="1900" b="1" dirty="0">
-                <a:latin typeface="Inconsolata Medium" panose="020B0609030003000000" pitchFamily="49" charset="77"/>
-              </a:rPr>
-              <a:t>[</a:t>
-            </a:r>
-            <a:r>
-              <a:rPr lang="en-US" sz="1900" b="1" dirty="0">
-                <a:solidFill>
-                  <a:srgbClr val="FF6600"/>
-                </a:solidFill>
-                <a:latin typeface="Inconsolata Medium" panose="020B0609030003000000" pitchFamily="49" charset="77"/>
-              </a:rPr>
-              <a:t>0:7:2</a:t>
-            </a:r>
-            <a:r>
-              <a:rPr lang="en-US" sz="1900" b="1" dirty="0">
-                <a:latin typeface="Inconsolata Medium" panose="020B0609030003000000" pitchFamily="49" charset="77"/>
-              </a:rPr>
-              <a:t>] </a:t>
-            </a:r>
-            <a:r>
-              <a:rPr lang="en-US" sz="1900" b="1" i="1" dirty="0">
-                <a:solidFill>
-                  <a:srgbClr val="33566B"/>
-                </a:solidFill>
-                <a:latin typeface="Inconsolata Medium" panose="020B0609030003000000" pitchFamily="49" charset="77"/>
-              </a:rPr>
-              <a:t># step size of 2</a:t>
-            </a:r>
-            <a:endParaRPr lang="en-US" sz="1900" b="1" dirty="0">
-              <a:latin typeface="Inconsolata Medium" panose="020B0609030003000000" pitchFamily="49" charset="77"/>
-            </a:endParaRPr>
-          </a:p>
-          <a:p>
-            <a:pPr marL="0" indent="0">
-              <a:buNone/>
-            </a:pPr>
-            <a:r>
-              <a:rPr lang="en-US" sz="1900" b="1" dirty="0">
-                <a:latin typeface="Inconsolata Medium" panose="020B0609030003000000" pitchFamily="49" charset="77"/>
-              </a:rPr>
-              <a:t>Out [25]: ‘</a:t>
-            </a:r>
-            <a:r>
-              <a:rPr lang="en-US" sz="1900" b="1" dirty="0" err="1">
-                <a:latin typeface="Inconsolata Medium" panose="020B0609030003000000" pitchFamily="49" charset="77"/>
-              </a:rPr>
-              <a:t>wa</a:t>
-            </a:r>
-            <a:r>
-              <a:rPr lang="en-US" sz="1900" b="1" dirty="0">
-                <a:latin typeface="Inconsolata Medium" panose="020B0609030003000000" pitchFamily="49" charset="77"/>
-              </a:rPr>
-              <a:t> o' </a:t>
-            </a:r>
-          </a:p>
-          <a:p>
-            <a:pPr marL="0" indent="0">
-              <a:buNone/>
-            </a:pPr>
-            <a:endParaRPr lang="en-US" sz="1900" b="1" dirty="0">
-              <a:latin typeface="Inconsolata Medium" panose="020B0609030003000000" pitchFamily="49" charset="77"/>
-            </a:endParaRPr>
-          </a:p>
-          <a:p>
-            <a:pPr marL="0" indent="0">
-              <a:buNone/>
-            </a:pPr>
-            <a:endParaRPr lang="en-US" sz="1900" b="1" dirty="0">
-              <a:latin typeface="Inconsolata Medium" panose="020B0609030003000000" pitchFamily="49" charset="77"/>
-            </a:endParaRPr>
-          </a:p>
-          <a:p>
-            <a:pPr marL="0" indent="0">
-              <a:buNone/>
-            </a:pPr>
-            <a:endParaRPr lang="en-US" sz="1900" b="1" dirty="0">
-              <a:latin typeface="Inconsolata Medium" panose="020B0609030003000000" pitchFamily="49" charset="77"/>
-            </a:endParaRPr>
-          </a:p>
-          <a:p>
-            <a:pPr marL="0" indent="0">
-              <a:buNone/>
-            </a:pPr>
-            <a:endParaRPr lang="en-US" sz="1900" b="1" dirty="0">
-              <a:latin typeface="Inconsolata Medium" panose="020B0609030003000000" pitchFamily="49" charset="77"/>
-            </a:endParaRPr>
-          </a:p>
-          <a:p>
-            <a:pPr marL="0" indent="0">
-              <a:buNone/>
-            </a:pPr>
-            <a:r>
-              <a:rPr lang="en-US" sz="1900" b="1" dirty="0">
-                <a:latin typeface="Inconsolata Medium" panose="020B0609030003000000" pitchFamily="49" charset="77"/>
-              </a:rPr>
-              <a:t> </a:t>
-            </a:r>
-          </a:p>
-          <a:p>
-            <a:pPr marL="0" indent="0">
-              <a:buNone/>
-            </a:pPr>
-            <a:endParaRPr lang="en-US" sz="1900" b="1" dirty="0">
-              <a:latin typeface="Inconsolata Medium" panose="020B0609030003000000" pitchFamily="49" charset="77"/>
-            </a:endParaRPr>
-          </a:p>
-          <a:p>
-            <a:pPr marL="0" indent="0">
-              <a:buNone/>
-            </a:pPr>
-            <a:endParaRPr lang="en-US" sz="1900" b="1" dirty="0">
-              <a:latin typeface="Inconsolata Medium" panose="020B0609030003000000" pitchFamily="49" charset="77"/>
-            </a:endParaRPr>
-          </a:p>
-          <a:p>
-            <a:pPr marL="0" indent="0">
-              <a:buNone/>
-            </a:pPr>
-            <a:endParaRPr lang="en-US" sz="1900" b="1" dirty="0">
-              <a:latin typeface="Inconsolata Medium" panose="020B0609030003000000" pitchFamily="49" charset="77"/>
-            </a:endParaRPr>
-          </a:p>
-          <a:p>
-            <a:pPr marL="0" indent="0">
-              <a:buNone/>
-            </a:pPr>
-            <a:endParaRPr lang="en-US" sz="1900" b="1" dirty="0">
-              <a:latin typeface="Inconsolata Medium" panose="020B0609030003000000" pitchFamily="49" charset="77"/>
-            </a:endParaRPr>
-          </a:p>
-          <a:p>
-            <a:pPr marL="0" indent="0">
-              <a:buNone/>
-            </a:pPr>
-            <a:endParaRPr lang="en-US" sz="1900" b="1" dirty="0">
-              <a:latin typeface="Inconsolata Medium" panose="020B0609030003000000" pitchFamily="49" charset="77"/>
-            </a:endParaRPr>
-          </a:p>
-          <a:p>
-            <a:pPr marL="0" indent="0">
-              <a:buNone/>
-            </a:pPr>
-            <a:r>
-              <a:rPr lang="en-US" sz="1900" b="1" dirty="0">
-                <a:latin typeface="Inconsolata Medium" panose="020B0609030003000000" pitchFamily="49" charset="77"/>
-              </a:rPr>
-              <a:t> </a:t>
-            </a:r>
-          </a:p>
-          <a:p>
-            <a:pPr marL="0" indent="0">
-              <a:buNone/>
-            </a:pPr>
-            <a:endParaRPr lang="en-US" sz="1900" b="1" dirty="0">
-              <a:latin typeface="Inconsolata Medium" panose="020B0609030003000000" pitchFamily="49" charset="77"/>
-            </a:endParaRPr>
-          </a:p>
-          <a:p>
-            <a:pPr marL="0" indent="0">
-              <a:buNone/>
-            </a:pPr>
-            <a:endParaRPr lang="en-US" sz="1900" b="1" dirty="0">
-              <a:latin typeface="Inconsolata Medium" panose="020B0609030003000000" pitchFamily="49" charset="77"/>
+            <a:endParaRPr lang="en-US" sz="1900" dirty="0">
+              <a:latin typeface="Gill Sans MT" panose="020B0502020104020203" pitchFamily="34" charset="77"/>
             </a:endParaRPr>
           </a:p>
         </p:txBody>
@@ -7287,7 +8921,7 @@
     </p:spTree>
     <p:extLst>
       <p:ext uri="{BB962C8B-B14F-4D97-AF65-F5344CB8AC3E}">
-        <p14:creationId xmlns:p14="http://schemas.microsoft.com/office/powerpoint/2010/main" val="1114720448"/>
+        <p14:creationId xmlns:p14="http://schemas.microsoft.com/office/powerpoint/2010/main" val="3662168313"/>
       </p:ext>
     </p:extLst>
   </p:cSld>
@@ -7342,7 +8976,7 @@
           <a:p>
             <a:r>
               <a:rPr lang="en-US" dirty="0"/>
-              <a:t>String Indexing and Slicing</a:t>
+              <a:t>Exponentiation and Negation</a:t>
             </a:r>
           </a:p>
         </p:txBody>
@@ -7365,8 +8999,8 @@
         </p:nvSpPr>
         <p:spPr>
           <a:xfrm>
-            <a:off x="483848" y="1150913"/>
-            <a:ext cx="8051725" cy="4440590"/>
+            <a:off x="483848" y="1150912"/>
+            <a:ext cx="8051725" cy="4564087"/>
           </a:xfrm>
         </p:spPr>
         <p:txBody>
@@ -7378,55 +9012,7 @@
             <a:pPr marL="0" indent="0">
               <a:buNone/>
             </a:pPr>
-            <a:r>
-              <a:rPr lang="en-US" sz="1900" b="1" dirty="0">
-                <a:solidFill>
-                  <a:srgbClr val="000087"/>
-                </a:solidFill>
-                <a:latin typeface="Inconsolata Medium" panose="020B0609030003000000" pitchFamily="49" charset="77"/>
-              </a:rPr>
-              <a:t>In </a:t>
-            </a:r>
-            <a:r>
-              <a:rPr lang="en-US" sz="1900" b="1" dirty="0">
-                <a:latin typeface="Inconsolata Medium" panose="020B0609030003000000" pitchFamily="49" charset="77"/>
-              </a:rPr>
-              <a:t>[</a:t>
-            </a:r>
-            <a:r>
-              <a:rPr lang="en-US" sz="1900" b="1" dirty="0">
-                <a:solidFill>
-                  <a:srgbClr val="FF6600"/>
-                </a:solidFill>
-                <a:latin typeface="Inconsolata Medium" panose="020B0609030003000000" pitchFamily="49" charset="77"/>
-              </a:rPr>
-              <a:t>26</a:t>
-            </a:r>
-            <a:r>
-              <a:rPr lang="en-US" sz="1900" b="1" dirty="0">
-                <a:latin typeface="Inconsolata Medium" panose="020B0609030003000000" pitchFamily="49" charset="77"/>
-              </a:rPr>
-              <a:t>]: </a:t>
-            </a:r>
-            <a:r>
-              <a:rPr lang="en-US" sz="1900" b="1" dirty="0">
-                <a:solidFill>
-                  <a:srgbClr val="000087"/>
-                </a:solidFill>
-                <a:latin typeface="Inconsolata Medium" panose="020B0609030003000000" pitchFamily="49" charset="77"/>
-              </a:rPr>
-              <a:t>message = </a:t>
-            </a:r>
-            <a:r>
-              <a:rPr lang="en-US" sz="2000" dirty="0">
-                <a:solidFill>
-                  <a:srgbClr val="CC3300"/>
-                </a:solidFill>
-                <a:latin typeface="UbuntuMono"/>
-              </a:rPr>
-              <a:t>”python" </a:t>
-            </a:r>
-            <a:endParaRPr lang="en-US" sz="1900" b="1" dirty="0">
+            <a:endParaRPr lang="en-US" sz="2000" b="1" dirty="0">
               <a:solidFill>
                 <a:srgbClr val="000087"/>
               </a:solidFill>
@@ -7438,432 +9024,247 @@
               <a:buNone/>
             </a:pPr>
             <a:r>
+              <a:rPr lang="en-US" sz="2000" b="1" dirty="0">
+                <a:solidFill>
+                  <a:srgbClr val="000087"/>
+                </a:solidFill>
+                <a:latin typeface="Inconsolata Medium" panose="020B0609030003000000" pitchFamily="49" charset="77"/>
+              </a:rPr>
+              <a:t>In</a:t>
+            </a:r>
+            <a:r>
+              <a:rPr lang="en-US" sz="2000" b="1" dirty="0">
+                <a:latin typeface="Inconsolata Medium" panose="020B0609030003000000" pitchFamily="49" charset="77"/>
+              </a:rPr>
+              <a:t>[</a:t>
+            </a:r>
+            <a:r>
+              <a:rPr lang="en-US" sz="2000" b="1" dirty="0">
+                <a:solidFill>
+                  <a:srgbClr val="FF6600"/>
+                </a:solidFill>
+                <a:latin typeface="Inconsolata Medium" panose="020B0609030003000000" pitchFamily="49" charset="77"/>
+              </a:rPr>
+              <a:t>1</a:t>
+            </a:r>
+            <a:r>
+              <a:rPr lang="en-US" sz="2000" b="1" dirty="0">
+                <a:latin typeface="Inconsolata Medium" panose="020B0609030003000000" pitchFamily="49" charset="77"/>
+              </a:rPr>
+              <a:t>]: 2 ** 3</a:t>
+            </a:r>
+            <a:r>
+              <a:rPr lang="en-US" sz="2000" b="1" dirty="0">
+                <a:solidFill>
+                  <a:srgbClr val="FF6600"/>
+                </a:solidFill>
+                <a:latin typeface="Inconsolata Medium" panose="020B0609030003000000" pitchFamily="49" charset="77"/>
+              </a:rPr>
+              <a:t> </a:t>
+            </a:r>
+          </a:p>
+          <a:p>
+            <a:pPr marL="0" indent="0">
+              <a:buNone/>
+            </a:pPr>
+            <a:r>
+              <a:rPr lang="en-US" sz="2000" b="1" dirty="0">
+                <a:latin typeface="Inconsolata Medium" panose="020B0609030003000000" pitchFamily="49" charset="77"/>
+              </a:rPr>
+              <a:t>Out[3]: 8</a:t>
+            </a:r>
+          </a:p>
+          <a:p>
+            <a:pPr marL="0" indent="0">
+              <a:buNone/>
+            </a:pPr>
+            <a:endParaRPr lang="en-US" sz="1900" dirty="0">
+              <a:latin typeface="Gill Sans MT" panose="020B0502020104020203" pitchFamily="34" charset="77"/>
+            </a:endParaRPr>
+          </a:p>
+          <a:p>
+            <a:pPr marL="0" indent="0">
+              <a:buNone/>
+            </a:pPr>
+            <a:r>
+              <a:rPr lang="en-US" sz="1900" dirty="0">
+                <a:latin typeface="Gill Sans MT" panose="020B0502020104020203" pitchFamily="34" charset="77"/>
+              </a:rPr>
+              <a:t>Negation is a </a:t>
+            </a:r>
+            <a:r>
               <a:rPr lang="en-US" sz="1900" b="1" dirty="0">
+                <a:latin typeface="Gill Sans MT" panose="020B0502020104020203" pitchFamily="34" charset="77"/>
+              </a:rPr>
+              <a:t>unary operator</a:t>
+            </a:r>
+            <a:r>
+              <a:rPr lang="en-US" sz="1900" dirty="0">
+                <a:latin typeface="Gill Sans MT" panose="020B0502020104020203" pitchFamily="34" charset="77"/>
+              </a:rPr>
+              <a:t>. It applies to only one operand. Other operations such as +, -, *, /, //, % are </a:t>
+            </a:r>
+            <a:r>
+              <a:rPr lang="en-US" sz="1900" b="1" dirty="0">
+                <a:latin typeface="Gill Sans MT" panose="020B0502020104020203" pitchFamily="34" charset="77"/>
+              </a:rPr>
+              <a:t>binary operators</a:t>
+            </a:r>
+            <a:r>
+              <a:rPr lang="en-US" sz="1900" dirty="0">
+                <a:latin typeface="Gill Sans MT" panose="020B0502020104020203" pitchFamily="34" charset="77"/>
+              </a:rPr>
+              <a:t>, they apply to two operands. </a:t>
+            </a:r>
+          </a:p>
+          <a:p>
+            <a:pPr marL="0" indent="0">
+              <a:buNone/>
+            </a:pPr>
+            <a:endParaRPr lang="en-US" sz="1900" dirty="0">
+              <a:latin typeface="Gill Sans MT" panose="020B0502020104020203" pitchFamily="34" charset="77"/>
+            </a:endParaRPr>
+          </a:p>
+          <a:p>
+            <a:pPr marL="0" indent="0">
+              <a:buNone/>
+            </a:pPr>
+            <a:r>
+              <a:rPr lang="en-US" sz="1800" b="1" dirty="0">
                 <a:solidFill>
                   <a:srgbClr val="000087"/>
                 </a:solidFill>
                 <a:latin typeface="Inconsolata Medium" panose="020B0609030003000000" pitchFamily="49" charset="77"/>
               </a:rPr>
-              <a:t>In </a:t>
-            </a:r>
-            <a:r>
-              <a:rPr lang="en-US" sz="1900" b="1" dirty="0">
+              <a:t>In</a:t>
+            </a:r>
+            <a:r>
+              <a:rPr lang="en-US" sz="1800" b="1" dirty="0">
                 <a:latin typeface="Inconsolata Medium" panose="020B0609030003000000" pitchFamily="49" charset="77"/>
               </a:rPr>
               <a:t>[</a:t>
             </a:r>
             <a:r>
-              <a:rPr lang="en-US" sz="1900" b="1" dirty="0">
+              <a:rPr lang="en-US" sz="1800" b="1" dirty="0">
                 <a:solidFill>
                   <a:srgbClr val="FF6600"/>
                 </a:solidFill>
                 <a:latin typeface="Inconsolata Medium" panose="020B0609030003000000" pitchFamily="49" charset="77"/>
               </a:rPr>
-              <a:t>26</a:t>
-            </a:r>
-            <a:r>
-              <a:rPr lang="en-US" sz="1900" b="1" dirty="0">
-                <a:latin typeface="Inconsolata Medium" panose="020B0609030003000000" pitchFamily="49" charset="77"/>
-              </a:rPr>
-              <a:t>]: </a:t>
-            </a:r>
-            <a:r>
-              <a:rPr lang="en-US" sz="1900" b="1" i="1" dirty="0">
-                <a:solidFill>
-                  <a:srgbClr val="33566B"/>
-                </a:solidFill>
-                <a:latin typeface="Inconsolata Medium" panose="020B0609030003000000" pitchFamily="49" charset="77"/>
-              </a:rPr>
-              <a:t># default start index is 0</a:t>
-            </a:r>
-          </a:p>
-          <a:p>
-            <a:pPr marL="0" indent="0">
-              <a:buNone/>
-            </a:pPr>
-            <a:r>
-              <a:rPr lang="en-US" sz="1900" b="1" i="1" dirty="0">
-                <a:solidFill>
-                  <a:srgbClr val="33566B"/>
-                </a:solidFill>
-                <a:latin typeface="Inconsolata Medium" panose="020B0609030003000000" pitchFamily="49" charset="77"/>
-              </a:rPr>
-              <a:t>	    </a:t>
-            </a:r>
-            <a:r>
-              <a:rPr lang="en-US" sz="1900" b="1" dirty="0">
+              <a:t>2</a:t>
+            </a:r>
+            <a:r>
+              <a:rPr lang="en-US" sz="1800" b="1" dirty="0">
+                <a:latin typeface="Inconsolata Medium" panose="020B0609030003000000" pitchFamily="49" charset="77"/>
+              </a:rPr>
+              <a:t>]: -5</a:t>
+            </a:r>
+            <a:r>
+              <a:rPr lang="en-US" sz="1800" b="1" dirty="0">
+                <a:solidFill>
+                  <a:srgbClr val="FF6600"/>
+                </a:solidFill>
+                <a:latin typeface="Inconsolata Medium" panose="020B0609030003000000" pitchFamily="49" charset="77"/>
+              </a:rPr>
+              <a:t> </a:t>
+            </a:r>
+          </a:p>
+          <a:p>
+            <a:pPr marL="0" indent="0">
+              <a:buNone/>
+            </a:pPr>
+            <a:r>
+              <a:rPr lang="en-US" sz="1800" b="1" dirty="0">
+                <a:latin typeface="Inconsolata Medium" panose="020B0609030003000000" pitchFamily="49" charset="77"/>
+              </a:rPr>
+              <a:t>Out [3]: -5</a:t>
+            </a:r>
+          </a:p>
+          <a:p>
+            <a:pPr marL="0" indent="0">
+              <a:buNone/>
+            </a:pPr>
+            <a:endParaRPr lang="en-US" sz="1900" dirty="0">
+              <a:latin typeface="Gill Sans MT" panose="020B0502020104020203" pitchFamily="34" charset="77"/>
+            </a:endParaRPr>
+          </a:p>
+          <a:p>
+            <a:pPr marL="0" indent="0">
+              <a:buNone/>
+            </a:pPr>
+            <a:r>
+              <a:rPr lang="en-US" sz="1800" b="1" dirty="0">
                 <a:solidFill>
                   <a:srgbClr val="000087"/>
                 </a:solidFill>
                 <a:latin typeface="Inconsolata Medium" panose="020B0609030003000000" pitchFamily="49" charset="77"/>
               </a:rPr>
-              <a:t>message</a:t>
-            </a:r>
-            <a:r>
-              <a:rPr lang="en-US" sz="1900" b="1" dirty="0">
+              <a:t>In</a:t>
+            </a:r>
+            <a:r>
+              <a:rPr lang="en-US" sz="1800" b="1" dirty="0">
                 <a:latin typeface="Inconsolata Medium" panose="020B0609030003000000" pitchFamily="49" charset="77"/>
               </a:rPr>
               <a:t>[</a:t>
             </a:r>
             <a:r>
-              <a:rPr lang="en-US" sz="1900" b="1" dirty="0">
+              <a:rPr lang="en-US" sz="1800" b="1" dirty="0">
                 <a:solidFill>
                   <a:srgbClr val="FF6600"/>
                 </a:solidFill>
                 <a:latin typeface="Inconsolata Medium" panose="020B0609030003000000" pitchFamily="49" charset="77"/>
               </a:rPr>
-              <a:t>:4</a:t>
-            </a:r>
-            <a:r>
-              <a:rPr lang="en-US" sz="1900" b="1" dirty="0">
-                <a:latin typeface="Inconsolata Medium" panose="020B0609030003000000" pitchFamily="49" charset="77"/>
-              </a:rPr>
-              <a:t>] </a:t>
-            </a:r>
-          </a:p>
-          <a:p>
-            <a:pPr marL="0" indent="0">
-              <a:buNone/>
-            </a:pPr>
-            <a:r>
-              <a:rPr lang="en-US" sz="1900" b="1" dirty="0">
-                <a:latin typeface="Inconsolata Medium" panose="020B0609030003000000" pitchFamily="49" charset="77"/>
-              </a:rPr>
-              <a:t>Out [26]: ‘</a:t>
-            </a:r>
-            <a:r>
-              <a:rPr lang="en-US" sz="1900" b="1" dirty="0" err="1">
-                <a:latin typeface="Inconsolata Medium" panose="020B0609030003000000" pitchFamily="49" charset="77"/>
-              </a:rPr>
-              <a:t>pyth</a:t>
-            </a:r>
-            <a:r>
-              <a:rPr lang="en-US" sz="1900" b="1" dirty="0">
-                <a:latin typeface="Inconsolata Medium" panose="020B0609030003000000" pitchFamily="49" charset="77"/>
-              </a:rPr>
-              <a:t>' </a:t>
-            </a:r>
-          </a:p>
-          <a:p>
-            <a:pPr marL="0" indent="0">
-              <a:buNone/>
-            </a:pPr>
-            <a:endParaRPr lang="en-US" sz="1900" b="1" dirty="0">
-              <a:latin typeface="Inconsolata Medium" panose="020B0609030003000000" pitchFamily="49" charset="77"/>
+              <a:t>3</a:t>
+            </a:r>
+            <a:r>
+              <a:rPr lang="en-US" sz="1800" b="1" dirty="0">
+                <a:latin typeface="Inconsolata Medium" panose="020B0609030003000000" pitchFamily="49" charset="77"/>
+              </a:rPr>
+              <a:t>]: --5</a:t>
+            </a:r>
+            <a:r>
+              <a:rPr lang="en-US" sz="1800" b="1" dirty="0">
+                <a:solidFill>
+                  <a:srgbClr val="FF6600"/>
+                </a:solidFill>
+                <a:latin typeface="Inconsolata Medium" panose="020B0609030003000000" pitchFamily="49" charset="77"/>
+              </a:rPr>
+              <a:t> </a:t>
+            </a:r>
+          </a:p>
+          <a:p>
+            <a:pPr marL="0" indent="0">
+              <a:buNone/>
+            </a:pPr>
+            <a:r>
+              <a:rPr lang="en-US" sz="1800" b="1" dirty="0">
+                <a:latin typeface="Inconsolata Medium" panose="020B0609030003000000" pitchFamily="49" charset="77"/>
+              </a:rPr>
+              <a:t>Out[3]: 5</a:t>
+            </a:r>
+          </a:p>
+          <a:p>
+            <a:pPr marL="0" indent="0">
+              <a:buNone/>
+            </a:pPr>
+            <a:endParaRPr lang="en-US" sz="1900" dirty="0">
+              <a:latin typeface="Gill Sans MT" panose="020B0502020104020203" pitchFamily="34" charset="77"/>
             </a:endParaRPr>
           </a:p>
           <a:p>
             <a:pPr marL="0" indent="0">
               <a:buNone/>
             </a:pPr>
-            <a:r>
-              <a:rPr lang="en-US" sz="1900" b="1" dirty="0">
-                <a:solidFill>
-                  <a:srgbClr val="000087"/>
-                </a:solidFill>
-                <a:latin typeface="Inconsolata Medium" panose="020B0609030003000000" pitchFamily="49" charset="77"/>
-              </a:rPr>
-              <a:t>In </a:t>
-            </a:r>
-            <a:r>
-              <a:rPr lang="en-US" sz="1900" b="1" dirty="0">
-                <a:latin typeface="Inconsolata Medium" panose="020B0609030003000000" pitchFamily="49" charset="77"/>
-              </a:rPr>
-              <a:t>[</a:t>
-            </a:r>
-            <a:r>
-              <a:rPr lang="en-US" sz="1900" b="1" dirty="0">
-                <a:solidFill>
-                  <a:srgbClr val="FF6600"/>
-                </a:solidFill>
-                <a:latin typeface="Inconsolata Medium" panose="020B0609030003000000" pitchFamily="49" charset="77"/>
-              </a:rPr>
-              <a:t>27</a:t>
-            </a:r>
-            <a:r>
-              <a:rPr lang="en-US" sz="1900" b="1" dirty="0">
-                <a:latin typeface="Inconsolata Medium" panose="020B0609030003000000" pitchFamily="49" charset="77"/>
-              </a:rPr>
-              <a:t>]: </a:t>
-            </a:r>
-            <a:r>
-              <a:rPr lang="en-US" sz="1900" b="1" i="1" dirty="0">
-                <a:solidFill>
-                  <a:srgbClr val="33566B"/>
-                </a:solidFill>
-                <a:latin typeface="Inconsolata Medium" panose="020B0609030003000000" pitchFamily="49" charset="77"/>
-              </a:rPr>
-              <a:t># default end index is length of string</a:t>
-            </a:r>
-          </a:p>
-          <a:p>
-            <a:pPr marL="0" indent="0">
-              <a:buNone/>
-            </a:pPr>
-            <a:r>
-              <a:rPr lang="en-US" sz="1900" b="1" i="1" dirty="0">
-                <a:solidFill>
-                  <a:srgbClr val="33566B"/>
-                </a:solidFill>
-                <a:latin typeface="Inconsolata Medium" panose="020B0609030003000000" pitchFamily="49" charset="77"/>
-              </a:rPr>
-              <a:t>	    </a:t>
-            </a:r>
-            <a:r>
-              <a:rPr lang="en-US" sz="1900" b="1" dirty="0">
-                <a:solidFill>
-                  <a:srgbClr val="000087"/>
-                </a:solidFill>
-                <a:latin typeface="Inconsolata Medium" panose="020B0609030003000000" pitchFamily="49" charset="77"/>
-              </a:rPr>
-              <a:t>message</a:t>
-            </a:r>
-            <a:r>
-              <a:rPr lang="en-US" sz="1900" b="1" dirty="0">
-                <a:latin typeface="Inconsolata Medium" panose="020B0609030003000000" pitchFamily="49" charset="77"/>
-              </a:rPr>
-              <a:t>[</a:t>
-            </a:r>
-            <a:r>
-              <a:rPr lang="en-US" sz="1900" b="1" dirty="0">
-                <a:solidFill>
-                  <a:srgbClr val="FF6600"/>
-                </a:solidFill>
-                <a:latin typeface="Inconsolata Medium" panose="020B0609030003000000" pitchFamily="49" charset="77"/>
-              </a:rPr>
-              <a:t>4:</a:t>
-            </a:r>
-            <a:r>
-              <a:rPr lang="en-US" sz="1900" b="1" dirty="0">
-                <a:latin typeface="Inconsolata Medium" panose="020B0609030003000000" pitchFamily="49" charset="77"/>
-              </a:rPr>
-              <a:t>] </a:t>
-            </a:r>
-            <a:endParaRPr lang="en-US" sz="1900" b="1" i="1" dirty="0">
-              <a:solidFill>
-                <a:srgbClr val="33566B"/>
-              </a:solidFill>
-              <a:latin typeface="Inconsolata Medium" panose="020B0609030003000000" pitchFamily="49" charset="77"/>
+            <a:endParaRPr lang="en-US" sz="1900" dirty="0">
+              <a:latin typeface="Gill Sans MT" panose="020B0502020104020203" pitchFamily="34" charset="77"/>
             </a:endParaRPr>
           </a:p>
           <a:p>
             <a:pPr marL="0" indent="0">
               <a:buNone/>
             </a:pPr>
-            <a:r>
-              <a:rPr lang="en-US" sz="1900" b="1" dirty="0">
-                <a:latin typeface="Inconsolata Medium" panose="020B0609030003000000" pitchFamily="49" charset="77"/>
-              </a:rPr>
-              <a:t>Out [27]: ‘on’ </a:t>
-            </a:r>
-          </a:p>
-          <a:p>
-            <a:pPr marL="0" indent="0">
-              <a:buNone/>
-            </a:pPr>
-            <a:endParaRPr lang="en-US" sz="1900" b="1" dirty="0">
-              <a:latin typeface="Inconsolata Medium" panose="020B0609030003000000" pitchFamily="49" charset="77"/>
-            </a:endParaRPr>
-          </a:p>
-          <a:p>
-            <a:pPr marL="0" indent="0">
-              <a:buNone/>
-            </a:pPr>
-            <a:r>
-              <a:rPr lang="en-US" sz="1900" b="1" dirty="0">
-                <a:solidFill>
-                  <a:srgbClr val="000087"/>
-                </a:solidFill>
-                <a:latin typeface="Inconsolata Medium" panose="020B0609030003000000" pitchFamily="49" charset="77"/>
-              </a:rPr>
-              <a:t>In </a:t>
-            </a:r>
-            <a:r>
-              <a:rPr lang="en-US" sz="1900" b="1" dirty="0">
-                <a:latin typeface="Inconsolata Medium" panose="020B0609030003000000" pitchFamily="49" charset="77"/>
-              </a:rPr>
-              <a:t>[</a:t>
-            </a:r>
-            <a:r>
-              <a:rPr lang="en-US" sz="1900" b="1" dirty="0">
-                <a:solidFill>
-                  <a:srgbClr val="FF6600"/>
-                </a:solidFill>
-                <a:latin typeface="Inconsolata Medium" panose="020B0609030003000000" pitchFamily="49" charset="77"/>
-              </a:rPr>
-              <a:t>28</a:t>
-            </a:r>
-            <a:r>
-              <a:rPr lang="en-US" sz="1900" b="1" dirty="0">
-                <a:latin typeface="Inconsolata Medium" panose="020B0609030003000000" pitchFamily="49" charset="77"/>
-              </a:rPr>
-              <a:t>]: </a:t>
-            </a:r>
-            <a:r>
-              <a:rPr lang="en-US" sz="1900" b="1" i="1" dirty="0">
-                <a:solidFill>
-                  <a:srgbClr val="33566B"/>
-                </a:solidFill>
-                <a:latin typeface="Inconsolata Medium" panose="020B0609030003000000" pitchFamily="49" charset="77"/>
-              </a:rPr>
-              <a:t> </a:t>
-            </a:r>
-            <a:r>
-              <a:rPr lang="en-US" sz="1900" b="1" dirty="0">
-                <a:solidFill>
-                  <a:srgbClr val="000087"/>
-                </a:solidFill>
-                <a:latin typeface="Inconsolata Medium" panose="020B0609030003000000" pitchFamily="49" charset="77"/>
-              </a:rPr>
-              <a:t>message</a:t>
-            </a:r>
-            <a:r>
-              <a:rPr lang="en-US" sz="1900" b="1" dirty="0">
-                <a:latin typeface="Inconsolata Medium" panose="020B0609030003000000" pitchFamily="49" charset="77"/>
-              </a:rPr>
-              <a:t>[</a:t>
-            </a:r>
-            <a:r>
-              <a:rPr lang="en-US" sz="1900" b="1" dirty="0">
-                <a:solidFill>
-                  <a:srgbClr val="FF6600"/>
-                </a:solidFill>
-                <a:latin typeface="Inconsolata Medium" panose="020B0609030003000000" pitchFamily="49" charset="77"/>
-              </a:rPr>
-              <a:t>:</a:t>
-            </a:r>
-            <a:r>
-              <a:rPr lang="en-US" sz="1900" b="1" dirty="0">
-                <a:latin typeface="Inconsolata Medium" panose="020B0609030003000000" pitchFamily="49" charset="77"/>
-              </a:rPr>
-              <a:t>] </a:t>
-            </a:r>
-            <a:endParaRPr lang="en-US" sz="1900" b="1" i="1" dirty="0">
-              <a:solidFill>
-                <a:srgbClr val="33566B"/>
-              </a:solidFill>
-              <a:latin typeface="Inconsolata Medium" panose="020B0609030003000000" pitchFamily="49" charset="77"/>
-            </a:endParaRPr>
-          </a:p>
-          <a:p>
-            <a:pPr marL="0" indent="0">
-              <a:buNone/>
-            </a:pPr>
-            <a:r>
-              <a:rPr lang="en-US" sz="1900" b="1" dirty="0">
-                <a:latin typeface="Inconsolata Medium" panose="020B0609030003000000" pitchFamily="49" charset="77"/>
-              </a:rPr>
-              <a:t>Out [28]: ‘python’ </a:t>
-            </a:r>
-          </a:p>
-          <a:p>
-            <a:pPr marL="0" indent="0">
-              <a:buNone/>
-            </a:pPr>
-            <a:endParaRPr lang="en-US" sz="1900" b="1" dirty="0">
-              <a:latin typeface="Inconsolata Medium" panose="020B0609030003000000" pitchFamily="49" charset="77"/>
-            </a:endParaRPr>
-          </a:p>
-          <a:p>
-            <a:pPr marL="0" indent="0">
-              <a:buNone/>
-            </a:pPr>
-            <a:endParaRPr lang="en-US" sz="1900" b="1" dirty="0">
-              <a:latin typeface="Inconsolata Medium" panose="020B0609030003000000" pitchFamily="49" charset="77"/>
-            </a:endParaRPr>
-          </a:p>
-          <a:p>
-            <a:pPr marL="0" indent="0">
-              <a:buNone/>
-            </a:pPr>
-            <a:endParaRPr lang="en-US" sz="1900" b="1" dirty="0">
-              <a:latin typeface="Inconsolata Medium" panose="020B0609030003000000" pitchFamily="49" charset="77"/>
-            </a:endParaRPr>
-          </a:p>
-          <a:p>
-            <a:pPr marL="0" indent="0">
-              <a:buNone/>
-            </a:pPr>
-            <a:endParaRPr lang="en-US" sz="1900" b="1" dirty="0">
-              <a:latin typeface="Inconsolata Medium" panose="020B0609030003000000" pitchFamily="49" charset="77"/>
-            </a:endParaRPr>
-          </a:p>
-          <a:p>
-            <a:pPr marL="0" indent="0">
-              <a:buNone/>
-            </a:pPr>
-            <a:r>
-              <a:rPr lang="en-US" sz="1900" b="1" dirty="0">
-                <a:latin typeface="Inconsolata Medium" panose="020B0609030003000000" pitchFamily="49" charset="77"/>
-              </a:rPr>
-              <a:t> </a:t>
-            </a:r>
-          </a:p>
-          <a:p>
-            <a:pPr marL="0" indent="0">
-              <a:buNone/>
-            </a:pPr>
-            <a:endParaRPr lang="en-US" sz="1900" b="1" dirty="0">
-              <a:latin typeface="Inconsolata Medium" panose="020B0609030003000000" pitchFamily="49" charset="77"/>
-            </a:endParaRPr>
-          </a:p>
-          <a:p>
-            <a:pPr marL="0" indent="0">
-              <a:buNone/>
-            </a:pPr>
-            <a:endParaRPr lang="en-US" sz="1900" b="1" dirty="0">
-              <a:latin typeface="Inconsolata Medium" panose="020B0609030003000000" pitchFamily="49" charset="77"/>
-            </a:endParaRPr>
-          </a:p>
-          <a:p>
-            <a:pPr marL="0" indent="0">
-              <a:buNone/>
-            </a:pPr>
-            <a:endParaRPr lang="en-US" sz="1900" b="1" dirty="0">
-              <a:latin typeface="Inconsolata Medium" panose="020B0609030003000000" pitchFamily="49" charset="77"/>
-            </a:endParaRPr>
-          </a:p>
-          <a:p>
-            <a:pPr marL="0" indent="0">
-              <a:buNone/>
-            </a:pPr>
-            <a:endParaRPr lang="en-US" sz="1900" b="1" dirty="0">
-              <a:latin typeface="Inconsolata Medium" panose="020B0609030003000000" pitchFamily="49" charset="77"/>
-            </a:endParaRPr>
-          </a:p>
-          <a:p>
-            <a:pPr marL="0" indent="0">
-              <a:buNone/>
-            </a:pPr>
-            <a:endParaRPr lang="en-US" sz="1900" b="1" dirty="0">
-              <a:latin typeface="Inconsolata Medium" panose="020B0609030003000000" pitchFamily="49" charset="77"/>
-            </a:endParaRPr>
-          </a:p>
-          <a:p>
-            <a:pPr marL="0" indent="0">
-              <a:buNone/>
-            </a:pPr>
-            <a:r>
-              <a:rPr lang="en-US" sz="1900" b="1" dirty="0">
-                <a:latin typeface="Inconsolata Medium" panose="020B0609030003000000" pitchFamily="49" charset="77"/>
-              </a:rPr>
-              <a:t> </a:t>
-            </a:r>
-          </a:p>
-          <a:p>
-            <a:pPr marL="0" indent="0">
-              <a:buNone/>
-            </a:pPr>
-            <a:endParaRPr lang="en-US" sz="1900" b="1" dirty="0">
-              <a:latin typeface="Inconsolata Medium" panose="020B0609030003000000" pitchFamily="49" charset="77"/>
-            </a:endParaRPr>
-          </a:p>
-          <a:p>
-            <a:pPr marL="0" indent="0">
-              <a:buNone/>
-            </a:pPr>
-            <a:endParaRPr lang="en-US" sz="1900" b="1" dirty="0">
-              <a:latin typeface="Inconsolata Medium" panose="020B0609030003000000" pitchFamily="49" charset="77"/>
+            <a:endParaRPr lang="en-US" sz="1900" dirty="0">
+              <a:latin typeface="Gill Sans MT" panose="020B0502020104020203" pitchFamily="34" charset="77"/>
             </a:endParaRPr>
           </a:p>
         </p:txBody>
@@ -7871,7 +9272,7 @@
     </p:spTree>
     <p:extLst>
       <p:ext uri="{BB962C8B-B14F-4D97-AF65-F5344CB8AC3E}">
-        <p14:creationId xmlns:p14="http://schemas.microsoft.com/office/powerpoint/2010/main" val="3369363658"/>
+        <p14:creationId xmlns:p14="http://schemas.microsoft.com/office/powerpoint/2010/main" val="1486217497"/>
       </p:ext>
     </p:extLst>
   </p:cSld>
@@ -7898,6 +9299,288 @@
           <a:chExt cx="0" cy="0"/>
         </a:xfrm>
       </p:grpSpPr>
+      <p:graphicFrame>
+        <p:nvGraphicFramePr>
+          <p:cNvPr id="3" name="Content Placeholder 2">
+            <a:extLst>
+              <a:ext uri="{FF2B5EF4-FFF2-40B4-BE49-F238E27FC236}">
+                <a16:creationId xmlns:a16="http://schemas.microsoft.com/office/drawing/2014/main" id="{391B73BC-5A44-AA4B-8594-7E55B590EF7F}"/>
+              </a:ext>
+            </a:extLst>
+          </p:cNvPr>
+          <p:cNvGraphicFramePr>
+            <a:graphicFrameLocks noGrp="1"/>
+          </p:cNvGraphicFramePr>
+          <p:nvPr>
+            <p:ph idx="1"/>
+            <p:extLst>
+              <p:ext uri="{D42A27DB-BD31-4B8C-83A1-F6EECF244321}">
+                <p14:modId xmlns:p14="http://schemas.microsoft.com/office/powerpoint/2010/main" val="1408855709"/>
+              </p:ext>
+            </p:extLst>
+          </p:nvPr>
+        </p:nvGraphicFramePr>
+        <p:xfrm>
+          <a:off x="1290415" y="1430574"/>
+          <a:ext cx="5862414" cy="1988820"/>
+        </p:xfrm>
+        <a:graphic>
+          <a:graphicData uri="http://schemas.openxmlformats.org/drawingml/2006/table">
+            <a:tbl>
+              <a:tblPr firstRow="1" bandRow="1">
+                <a:tableStyleId>{5940675A-B579-460E-94D1-54222C63F5DA}</a:tableStyleId>
+              </a:tblPr>
+              <a:tblGrid>
+                <a:gridCol w="1148059">
+                  <a:extLst>
+                    <a:ext uri="{9D8B030D-6E8A-4147-A177-3AD203B41FA5}">
+                      <a16:colId xmlns:a16="http://schemas.microsoft.com/office/drawing/2014/main" val="2797331459"/>
+                    </a:ext>
+                  </a:extLst>
+                </a:gridCol>
+                <a:gridCol w="1247686">
+                  <a:extLst>
+                    <a:ext uri="{9D8B030D-6E8A-4147-A177-3AD203B41FA5}">
+                      <a16:colId xmlns:a16="http://schemas.microsoft.com/office/drawing/2014/main" val="643804973"/>
+                    </a:ext>
+                  </a:extLst>
+                </a:gridCol>
+                <a:gridCol w="3466669">
+                  <a:extLst>
+                    <a:ext uri="{9D8B030D-6E8A-4147-A177-3AD203B41FA5}">
+                      <a16:colId xmlns:a16="http://schemas.microsoft.com/office/drawing/2014/main" val="2390598104"/>
+                    </a:ext>
+                  </a:extLst>
+                </a:gridCol>
+              </a:tblGrid>
+              <a:tr h="0">
+                <a:tc>
+                  <a:txBody>
+                    <a:bodyPr/>
+                    <a:lstStyle/>
+                    <a:p>
+                      <a:r>
+                        <a:rPr lang="en-US" b="1" dirty="0"/>
+                        <a:t>Precedence</a:t>
+                      </a:r>
+                    </a:p>
+                  </a:txBody>
+                  <a:tcPr/>
+                </a:tc>
+                <a:tc>
+                  <a:txBody>
+                    <a:bodyPr/>
+                    <a:lstStyle/>
+                    <a:p>
+                      <a:r>
+                        <a:rPr lang="en-US" b="1" dirty="0"/>
+                        <a:t>Operator</a:t>
+                      </a:r>
+                    </a:p>
+                  </a:txBody>
+                  <a:tcPr/>
+                </a:tc>
+                <a:tc>
+                  <a:txBody>
+                    <a:bodyPr/>
+                    <a:lstStyle/>
+                    <a:p>
+                      <a:r>
+                        <a:rPr lang="en-US" b="1" dirty="0"/>
+                        <a:t>Operation</a:t>
+                      </a:r>
+                    </a:p>
+                  </a:txBody>
+                  <a:tcPr/>
+                </a:tc>
+                <a:extLst>
+                  <a:ext uri="{0D108BD9-81ED-4DB2-BD59-A6C34878D82A}">
+                    <a16:rowId xmlns:a16="http://schemas.microsoft.com/office/drawing/2014/main" val="1310382839"/>
+                  </a:ext>
+                </a:extLst>
+              </a:tr>
+              <a:tr h="370840">
+                <a:tc>
+                  <a:txBody>
+                    <a:bodyPr/>
+                    <a:lstStyle/>
+                    <a:p>
+                      <a:r>
+                        <a:rPr lang="en-US" sz="1600" dirty="0"/>
+                        <a:t>highest</a:t>
+                      </a:r>
+                    </a:p>
+                  </a:txBody>
+                  <a:tcPr/>
+                </a:tc>
+                <a:tc>
+                  <a:txBody>
+                    <a:bodyPr/>
+                    <a:lstStyle/>
+                    <a:p>
+                      <a:r>
+                        <a:rPr lang="en-US" sz="1600" dirty="0"/>
+                        <a:t>**</a:t>
+                      </a:r>
+                    </a:p>
+                  </a:txBody>
+                  <a:tcPr/>
+                </a:tc>
+                <a:tc>
+                  <a:txBody>
+                    <a:bodyPr/>
+                    <a:lstStyle/>
+                    <a:p>
+                      <a:r>
+                        <a:rPr lang="en-US" sz="1600" dirty="0"/>
+                        <a:t>exponentiation</a:t>
+                      </a:r>
+                    </a:p>
+                  </a:txBody>
+                  <a:tcPr/>
+                </a:tc>
+                <a:extLst>
+                  <a:ext uri="{0D108BD9-81ED-4DB2-BD59-A6C34878D82A}">
+                    <a16:rowId xmlns:a16="http://schemas.microsoft.com/office/drawing/2014/main" val="1996550485"/>
+                  </a:ext>
+                </a:extLst>
+              </a:tr>
+              <a:tr h="370840">
+                <a:tc>
+                  <a:txBody>
+                    <a:bodyPr/>
+                    <a:lstStyle/>
+                    <a:p>
+                      <a:endParaRPr lang="en-US" sz="1600" dirty="0"/>
+                    </a:p>
+                  </a:txBody>
+                  <a:tcPr/>
+                </a:tc>
+                <a:tc>
+                  <a:txBody>
+                    <a:bodyPr/>
+                    <a:lstStyle/>
+                    <a:p>
+                      <a:r>
+                        <a:rPr lang="en-US" sz="1600" dirty="0"/>
+                        <a:t>-</a:t>
+                      </a:r>
+                    </a:p>
+                  </a:txBody>
+                  <a:tcPr/>
+                </a:tc>
+                <a:tc>
+                  <a:txBody>
+                    <a:bodyPr/>
+                    <a:lstStyle/>
+                    <a:p>
+                      <a:r>
+                        <a:rPr lang="en-US" sz="1600" dirty="0"/>
+                        <a:t>negation</a:t>
+                      </a:r>
+                    </a:p>
+                  </a:txBody>
+                  <a:tcPr/>
+                </a:tc>
+                <a:extLst>
+                  <a:ext uri="{0D108BD9-81ED-4DB2-BD59-A6C34878D82A}">
+                    <a16:rowId xmlns:a16="http://schemas.microsoft.com/office/drawing/2014/main" val="3709973102"/>
+                  </a:ext>
+                </a:extLst>
+              </a:tr>
+              <a:tr h="370840">
+                <a:tc>
+                  <a:txBody>
+                    <a:bodyPr/>
+                    <a:lstStyle/>
+                    <a:p>
+                      <a:endParaRPr lang="en-US" sz="1600" dirty="0"/>
+                    </a:p>
+                  </a:txBody>
+                  <a:tcPr/>
+                </a:tc>
+                <a:tc>
+                  <a:txBody>
+                    <a:bodyPr/>
+                    <a:lstStyle/>
+                    <a:p>
+                      <a:r>
+                        <a:rPr lang="en-US" sz="1600" dirty="0"/>
+                        <a:t>*, /, //, %</a:t>
+                      </a:r>
+                    </a:p>
+                  </a:txBody>
+                  <a:tcPr/>
+                </a:tc>
+                <a:tc>
+                  <a:txBody>
+                    <a:bodyPr/>
+                    <a:lstStyle/>
+                    <a:p>
+                      <a:r>
+                        <a:rPr lang="en-US" sz="1600" dirty="0"/>
+                        <a:t>multiplication, division, floor division, modulus</a:t>
+                      </a:r>
+                    </a:p>
+                  </a:txBody>
+                  <a:tcPr/>
+                </a:tc>
+                <a:extLst>
+                  <a:ext uri="{0D108BD9-81ED-4DB2-BD59-A6C34878D82A}">
+                    <a16:rowId xmlns:a16="http://schemas.microsoft.com/office/drawing/2014/main" val="1095184765"/>
+                  </a:ext>
+                </a:extLst>
+              </a:tr>
+              <a:tr h="370840">
+                <a:tc>
+                  <a:txBody>
+                    <a:bodyPr/>
+                    <a:lstStyle/>
+                    <a:p>
+                      <a:r>
+                        <a:rPr lang="en-US" sz="1600" dirty="0"/>
+                        <a:t>lowest</a:t>
+                      </a:r>
+                    </a:p>
+                  </a:txBody>
+                  <a:tcPr/>
+                </a:tc>
+                <a:tc>
+                  <a:txBody>
+                    <a:bodyPr/>
+                    <a:lstStyle/>
+                    <a:p>
+                      <a:r>
+                        <a:rPr lang="en-US" sz="1600" dirty="0"/>
+                        <a:t>+, -</a:t>
+                      </a:r>
+                    </a:p>
+                  </a:txBody>
+                  <a:tcPr/>
+                </a:tc>
+                <a:tc>
+                  <a:txBody>
+                    <a:bodyPr/>
+                    <a:lstStyle/>
+                    <a:p>
+                      <a:r>
+                        <a:rPr lang="en-US" sz="1600" dirty="0"/>
+                        <a:t>adding, subtraction</a:t>
+                      </a:r>
+                    </a:p>
+                  </a:txBody>
+                  <a:tcPr/>
+                </a:tc>
+                <a:extLst>
+                  <a:ext uri="{0D108BD9-81ED-4DB2-BD59-A6C34878D82A}">
+                    <a16:rowId xmlns:a16="http://schemas.microsoft.com/office/drawing/2014/main" val="1499592130"/>
+                  </a:ext>
+                </a:extLst>
+              </a:tr>
+            </a:tbl>
+          </a:graphicData>
+        </a:graphic>
+      </p:graphicFrame>
       <p:sp>
         <p:nvSpPr>
           <p:cNvPr id="2" name="Title 1">
@@ -7926,574 +9609,56 @@
           <a:p>
             <a:r>
               <a:rPr lang="en-US" dirty="0"/>
-              <a:t>String Indexing and Slicing</a:t>
+              <a:t>Operator Precedence</a:t>
             </a:r>
           </a:p>
         </p:txBody>
       </p:sp>
       <p:sp>
         <p:nvSpPr>
-          <p:cNvPr id="9" name="Content Placeholder 8">
+          <p:cNvPr id="5" name="TextBox 4">
             <a:extLst>
               <a:ext uri="{FF2B5EF4-FFF2-40B4-BE49-F238E27FC236}">
-                <a16:creationId xmlns:a16="http://schemas.microsoft.com/office/drawing/2014/main" id="{E3B2E017-30B2-884B-A113-B419A2ED51AD}"/>
+                <a16:creationId xmlns:a16="http://schemas.microsoft.com/office/drawing/2014/main" id="{F46FDA34-E2B9-0847-B9D0-D4D6C167AC45}"/>
               </a:ext>
             </a:extLst>
           </p:cNvPr>
-          <p:cNvSpPr>
-            <a:spLocks noGrp="1"/>
-          </p:cNvSpPr>
-          <p:nvPr>
-            <p:ph idx="1"/>
-          </p:nvPr>
+          <p:cNvSpPr txBox="1"/>
+          <p:nvPr/>
         </p:nvSpPr>
         <p:spPr>
           <a:xfrm>
-            <a:off x="483848" y="1150913"/>
-            <a:ext cx="8051725" cy="4440590"/>
+            <a:off x="569306" y="3816284"/>
+            <a:ext cx="7707238" cy="646331"/>
           </a:xfrm>
+          <a:prstGeom prst="rect">
+            <a:avLst/>
+          </a:prstGeom>
+          <a:noFill/>
         </p:spPr>
         <p:txBody>
-          <a:bodyPr>
-            <a:noAutofit/>
+          <a:bodyPr wrap="none" rtlCol="0">
+            <a:spAutoFit/>
           </a:bodyPr>
           <a:lstStyle/>
           <a:p>
-            <a:pPr marL="0" indent="0">
-              <a:buNone/>
-            </a:pPr>
-            <a:r>
-              <a:rPr lang="en-US" sz="1900" b="1" dirty="0">
-                <a:solidFill>
-                  <a:srgbClr val="000087"/>
-                </a:solidFill>
-                <a:latin typeface="Inconsolata Medium" panose="020B0609030003000000" pitchFamily="49" charset="77"/>
-              </a:rPr>
-              <a:t>In </a:t>
-            </a:r>
-            <a:r>
-              <a:rPr lang="en-US" sz="1900" b="1" dirty="0">
-                <a:latin typeface="Inconsolata Medium" panose="020B0609030003000000" pitchFamily="49" charset="77"/>
-              </a:rPr>
-              <a:t>[</a:t>
-            </a:r>
-            <a:r>
-              <a:rPr lang="en-US" sz="1900" b="1" dirty="0">
-                <a:solidFill>
-                  <a:srgbClr val="FF6600"/>
-                </a:solidFill>
-                <a:latin typeface="Inconsolata Medium" panose="020B0609030003000000" pitchFamily="49" charset="77"/>
-              </a:rPr>
-              <a:t>26</a:t>
-            </a:r>
-            <a:r>
-              <a:rPr lang="en-US" sz="1900" b="1" dirty="0">
-                <a:latin typeface="Inconsolata Medium" panose="020B0609030003000000" pitchFamily="49" charset="77"/>
-              </a:rPr>
-              <a:t>]: </a:t>
-            </a:r>
-            <a:r>
-              <a:rPr lang="en-US" sz="1900" b="1" dirty="0">
-                <a:solidFill>
-                  <a:srgbClr val="000087"/>
-                </a:solidFill>
-                <a:latin typeface="Inconsolata Medium" panose="020B0609030003000000" pitchFamily="49" charset="77"/>
-              </a:rPr>
-              <a:t>message = </a:t>
-            </a:r>
-            <a:r>
-              <a:rPr lang="en-US" sz="2000" dirty="0">
-                <a:solidFill>
-                  <a:srgbClr val="CC3300"/>
-                </a:solidFill>
-                <a:latin typeface="UbuntuMono"/>
-              </a:rPr>
-              <a:t>”python" </a:t>
-            </a:r>
-            <a:endParaRPr lang="en-US" sz="1900" b="1" dirty="0">
-              <a:solidFill>
-                <a:srgbClr val="000087"/>
-              </a:solidFill>
-              <a:latin typeface="Inconsolata Medium" panose="020B0609030003000000" pitchFamily="49" charset="77"/>
-            </a:endParaRPr>
-          </a:p>
-          <a:p>
-            <a:pPr marL="0" indent="0">
-              <a:buNone/>
-            </a:pPr>
-            <a:r>
-              <a:rPr lang="en-US" sz="1900" b="1" dirty="0">
-                <a:solidFill>
-                  <a:srgbClr val="000087"/>
-                </a:solidFill>
-                <a:latin typeface="Inconsolata Medium" panose="020B0609030003000000" pitchFamily="49" charset="77"/>
-              </a:rPr>
-              <a:t>In </a:t>
-            </a:r>
-            <a:r>
-              <a:rPr lang="en-US" sz="1900" b="1" dirty="0">
-                <a:latin typeface="Inconsolata Medium" panose="020B0609030003000000" pitchFamily="49" charset="77"/>
-              </a:rPr>
-              <a:t>[</a:t>
-            </a:r>
-            <a:r>
-              <a:rPr lang="en-US" sz="1900" b="1" dirty="0">
-                <a:solidFill>
-                  <a:srgbClr val="FF6600"/>
-                </a:solidFill>
-                <a:latin typeface="Inconsolata Medium" panose="020B0609030003000000" pitchFamily="49" charset="77"/>
-              </a:rPr>
-              <a:t>24</a:t>
-            </a:r>
-            <a:r>
-              <a:rPr lang="en-US" sz="1900" b="1" dirty="0">
-                <a:latin typeface="Inconsolata Medium" panose="020B0609030003000000" pitchFamily="49" charset="77"/>
-              </a:rPr>
-              <a:t>]: </a:t>
-            </a:r>
-            <a:r>
-              <a:rPr lang="en-US" sz="1900" b="1" i="1" dirty="0">
-                <a:solidFill>
-                  <a:srgbClr val="33566B"/>
-                </a:solidFill>
-                <a:latin typeface="Inconsolata Medium" panose="020B0609030003000000" pitchFamily="49" charset="77"/>
-              </a:rPr>
-              <a:t># negative indices wraps around the end</a:t>
-            </a:r>
-          </a:p>
-          <a:p>
-            <a:pPr marL="0" indent="0">
-              <a:buNone/>
-            </a:pPr>
-            <a:r>
-              <a:rPr lang="en-US" sz="1900" b="1" i="1" dirty="0">
-                <a:solidFill>
-                  <a:srgbClr val="33566B"/>
-                </a:solidFill>
-                <a:latin typeface="Inconsolata Medium" panose="020B0609030003000000" pitchFamily="49" charset="77"/>
-              </a:rPr>
-              <a:t>	    </a:t>
-            </a:r>
-            <a:r>
-              <a:rPr lang="en-US" sz="1900" b="1" dirty="0">
-                <a:solidFill>
-                  <a:srgbClr val="000087"/>
-                </a:solidFill>
-                <a:latin typeface="Inconsolata Medium" panose="020B0609030003000000" pitchFamily="49" charset="77"/>
-              </a:rPr>
-              <a:t>message</a:t>
-            </a:r>
-            <a:r>
-              <a:rPr lang="en-US" sz="1900" b="1" dirty="0">
-                <a:latin typeface="Inconsolata Medium" panose="020B0609030003000000" pitchFamily="49" charset="77"/>
-              </a:rPr>
-              <a:t>[</a:t>
-            </a:r>
-            <a:r>
-              <a:rPr lang="en-US" sz="1900" b="1" dirty="0">
-                <a:solidFill>
-                  <a:srgbClr val="FF6600"/>
-                </a:solidFill>
-                <a:latin typeface="Inconsolata Medium" panose="020B0609030003000000" pitchFamily="49" charset="77"/>
-              </a:rPr>
-              <a:t>-1</a:t>
-            </a:r>
-            <a:r>
-              <a:rPr lang="en-US" sz="1900" b="1" dirty="0">
-                <a:latin typeface="Inconsolata Medium" panose="020B0609030003000000" pitchFamily="49" charset="77"/>
-              </a:rPr>
-              <a:t>]   </a:t>
-            </a:r>
-            <a:r>
-              <a:rPr lang="en-US" sz="1900" b="1" i="1" dirty="0">
-                <a:solidFill>
-                  <a:srgbClr val="33566B"/>
-                </a:solidFill>
-                <a:latin typeface="Inconsolata Medium" panose="020B0609030003000000" pitchFamily="49" charset="77"/>
-              </a:rPr>
-              <a:t># last character </a:t>
-            </a:r>
-            <a:endParaRPr lang="en-US" sz="1900" b="1" dirty="0">
-              <a:latin typeface="Inconsolata Medium" panose="020B0609030003000000" pitchFamily="49" charset="77"/>
-            </a:endParaRPr>
-          </a:p>
-          <a:p>
-            <a:pPr marL="0" indent="0">
-              <a:buNone/>
-            </a:pPr>
-            <a:r>
-              <a:rPr lang="en-US" sz="1900" b="1" dirty="0">
-                <a:latin typeface="Inconsolata Medium" panose="020B0609030003000000" pitchFamily="49" charset="77"/>
-              </a:rPr>
-              <a:t>Out [24]: ‘n' </a:t>
-            </a:r>
-          </a:p>
-          <a:p>
-            <a:pPr marL="0" indent="0">
-              <a:buNone/>
-            </a:pPr>
-            <a:endParaRPr lang="en-US" sz="1900" b="1" dirty="0">
-              <a:latin typeface="Inconsolata Medium" panose="020B0609030003000000" pitchFamily="49" charset="77"/>
-            </a:endParaRPr>
-          </a:p>
-          <a:p>
-            <a:pPr marL="0" indent="0">
-              <a:buNone/>
-            </a:pPr>
-            <a:r>
-              <a:rPr lang="en-US" sz="1900" b="1" dirty="0">
-                <a:solidFill>
-                  <a:srgbClr val="000087"/>
-                </a:solidFill>
-                <a:latin typeface="Inconsolata Medium" panose="020B0609030003000000" pitchFamily="49" charset="77"/>
-              </a:rPr>
-              <a:t>In </a:t>
-            </a:r>
-            <a:r>
-              <a:rPr lang="en-US" sz="1900" b="1" dirty="0">
-                <a:latin typeface="Inconsolata Medium" panose="020B0609030003000000" pitchFamily="49" charset="77"/>
-              </a:rPr>
-              <a:t>[</a:t>
-            </a:r>
-            <a:r>
-              <a:rPr lang="en-US" sz="1900" b="1" dirty="0">
-                <a:solidFill>
-                  <a:srgbClr val="FF6600"/>
-                </a:solidFill>
-                <a:latin typeface="Inconsolata Medium" panose="020B0609030003000000" pitchFamily="49" charset="77"/>
-              </a:rPr>
-              <a:t>25</a:t>
-            </a:r>
-            <a:r>
-              <a:rPr lang="en-US" sz="1900" b="1" dirty="0">
-                <a:latin typeface="Inconsolata Medium" panose="020B0609030003000000" pitchFamily="49" charset="77"/>
-              </a:rPr>
-              <a:t>]: </a:t>
-            </a:r>
-            <a:r>
-              <a:rPr lang="en-US" sz="1900" b="1" i="1" dirty="0">
-                <a:solidFill>
-                  <a:srgbClr val="33566B"/>
-                </a:solidFill>
-                <a:latin typeface="Inconsolata Medium" panose="020B0609030003000000" pitchFamily="49" charset="77"/>
-              </a:rPr>
-              <a:t># all except the last character</a:t>
-            </a:r>
-          </a:p>
-          <a:p>
-            <a:pPr marL="0" indent="0">
-              <a:buNone/>
-            </a:pPr>
-            <a:r>
-              <a:rPr lang="en-US" sz="1900" b="1" i="1" dirty="0">
-                <a:solidFill>
-                  <a:srgbClr val="33566B"/>
-                </a:solidFill>
-                <a:latin typeface="Inconsolata Medium" panose="020B0609030003000000" pitchFamily="49" charset="77"/>
-              </a:rPr>
-              <a:t>	    </a:t>
-            </a:r>
-            <a:r>
-              <a:rPr lang="en-US" sz="1900" b="1" dirty="0">
-                <a:solidFill>
-                  <a:srgbClr val="000087"/>
-                </a:solidFill>
-                <a:latin typeface="Inconsolata Medium" panose="020B0609030003000000" pitchFamily="49" charset="77"/>
-              </a:rPr>
-              <a:t>message</a:t>
-            </a:r>
-            <a:r>
-              <a:rPr lang="en-US" sz="1900" b="1" dirty="0">
-                <a:latin typeface="Inconsolata Medium" panose="020B0609030003000000" pitchFamily="49" charset="77"/>
-              </a:rPr>
-              <a:t>[</a:t>
-            </a:r>
-            <a:r>
-              <a:rPr lang="en-US" sz="1900" b="1" dirty="0">
-                <a:solidFill>
-                  <a:srgbClr val="FF6600"/>
-                </a:solidFill>
-                <a:latin typeface="Inconsolata Medium" panose="020B0609030003000000" pitchFamily="49" charset="77"/>
-              </a:rPr>
-              <a:t>:-1</a:t>
-            </a:r>
-            <a:r>
-              <a:rPr lang="en-US" sz="1900" b="1" dirty="0">
-                <a:latin typeface="Inconsolata Medium" panose="020B0609030003000000" pitchFamily="49" charset="77"/>
-              </a:rPr>
-              <a:t>] </a:t>
-            </a:r>
-            <a:endParaRPr lang="en-US" sz="1900" b="1" i="1" dirty="0">
-              <a:solidFill>
-                <a:srgbClr val="33566B"/>
-              </a:solidFill>
-              <a:latin typeface="Inconsolata Medium" panose="020B0609030003000000" pitchFamily="49" charset="77"/>
-            </a:endParaRPr>
-          </a:p>
-          <a:p>
-            <a:pPr marL="0" indent="0">
-              <a:buNone/>
-            </a:pPr>
-            <a:r>
-              <a:rPr lang="en-US" sz="1900" b="1" dirty="0">
-                <a:latin typeface="Inconsolata Medium" panose="020B0609030003000000" pitchFamily="49" charset="77"/>
-              </a:rPr>
-              <a:t>Out [25]: ‘</a:t>
-            </a:r>
-            <a:r>
-              <a:rPr lang="en-US" sz="1900" b="1" dirty="0" err="1">
-                <a:latin typeface="Inconsolata Medium" panose="020B0609030003000000" pitchFamily="49" charset="77"/>
-              </a:rPr>
-              <a:t>pytho</a:t>
-            </a:r>
-            <a:r>
-              <a:rPr lang="en-US" sz="1900" b="1" dirty="0">
-                <a:latin typeface="Inconsolata Medium" panose="020B0609030003000000" pitchFamily="49" charset="77"/>
-              </a:rPr>
-              <a:t>’ </a:t>
-            </a:r>
-          </a:p>
-          <a:p>
-            <a:pPr marL="0" indent="0">
-              <a:buNone/>
-            </a:pPr>
-            <a:endParaRPr lang="en-US" sz="1900" b="1" dirty="0">
-              <a:latin typeface="Inconsolata Medium" panose="020B0609030003000000" pitchFamily="49" charset="77"/>
-            </a:endParaRPr>
-          </a:p>
-          <a:p>
-            <a:pPr marL="0" indent="0">
-              <a:buNone/>
-            </a:pPr>
-            <a:r>
-              <a:rPr lang="en-US" sz="1900" b="1" dirty="0">
-                <a:solidFill>
-                  <a:srgbClr val="000087"/>
-                </a:solidFill>
-                <a:latin typeface="Inconsolata Medium" panose="020B0609030003000000" pitchFamily="49" charset="77"/>
-              </a:rPr>
-              <a:t>In </a:t>
-            </a:r>
-            <a:r>
-              <a:rPr lang="en-US" sz="1900" b="1" dirty="0">
-                <a:latin typeface="Inconsolata Medium" panose="020B0609030003000000" pitchFamily="49" charset="77"/>
-              </a:rPr>
-              <a:t>[</a:t>
-            </a:r>
-            <a:r>
-              <a:rPr lang="en-US" sz="1900" b="1" dirty="0">
-                <a:solidFill>
-                  <a:srgbClr val="FF6600"/>
-                </a:solidFill>
-                <a:latin typeface="Inconsolata Medium" panose="020B0609030003000000" pitchFamily="49" charset="77"/>
-              </a:rPr>
-              <a:t>25</a:t>
-            </a:r>
-            <a:r>
-              <a:rPr lang="en-US" sz="1900" b="1" dirty="0">
-                <a:latin typeface="Inconsolata Medium" panose="020B0609030003000000" pitchFamily="49" charset="77"/>
-              </a:rPr>
-              <a:t>]: </a:t>
-            </a:r>
-            <a:r>
-              <a:rPr lang="en-US" sz="1900" b="1" i="1" dirty="0">
-                <a:solidFill>
-                  <a:srgbClr val="33566B"/>
-                </a:solidFill>
-                <a:latin typeface="Inconsolata Medium" panose="020B0609030003000000" pitchFamily="49" charset="77"/>
-              </a:rPr>
-              <a:t># negative step size traverses backwards</a:t>
-            </a:r>
-          </a:p>
-          <a:p>
-            <a:pPr marL="0" indent="0">
-              <a:buNone/>
-            </a:pPr>
-            <a:r>
-              <a:rPr lang="en-US" sz="1900" b="1" i="1" dirty="0">
-                <a:solidFill>
-                  <a:srgbClr val="33566B"/>
-                </a:solidFill>
-                <a:latin typeface="Inconsolata Medium" panose="020B0609030003000000" pitchFamily="49" charset="77"/>
-              </a:rPr>
-              <a:t>	    </a:t>
-            </a:r>
-            <a:r>
-              <a:rPr lang="en-US" sz="1900" b="1" dirty="0">
-                <a:solidFill>
-                  <a:srgbClr val="000087"/>
-                </a:solidFill>
-                <a:latin typeface="Inconsolata Medium" panose="020B0609030003000000" pitchFamily="49" charset="77"/>
-              </a:rPr>
-              <a:t>message</a:t>
-            </a:r>
-            <a:r>
-              <a:rPr lang="en-US" sz="1900" b="1" dirty="0">
-                <a:latin typeface="Inconsolata Medium" panose="020B0609030003000000" pitchFamily="49" charset="77"/>
-              </a:rPr>
-              <a:t>[</a:t>
-            </a:r>
-            <a:r>
-              <a:rPr lang="en-US" sz="1900" b="1" dirty="0">
-                <a:solidFill>
-                  <a:srgbClr val="FF6600"/>
-                </a:solidFill>
-                <a:latin typeface="Inconsolata Medium" panose="020B0609030003000000" pitchFamily="49" charset="77"/>
-              </a:rPr>
-              <a:t>::-1</a:t>
-            </a:r>
-            <a:r>
-              <a:rPr lang="en-US" sz="1900" b="1" dirty="0">
-                <a:latin typeface="Inconsolata Medium" panose="020B0609030003000000" pitchFamily="49" charset="77"/>
-              </a:rPr>
-              <a:t>] </a:t>
-            </a:r>
-            <a:endParaRPr lang="en-US" sz="1900" b="1" i="1" dirty="0">
-              <a:solidFill>
-                <a:srgbClr val="33566B"/>
-              </a:solidFill>
-              <a:latin typeface="Inconsolata Medium" panose="020B0609030003000000" pitchFamily="49" charset="77"/>
-            </a:endParaRPr>
-          </a:p>
-          <a:p>
-            <a:pPr marL="0" indent="0">
-              <a:buNone/>
-            </a:pPr>
-            <a:r>
-              <a:rPr lang="en-US" sz="1900" b="1" dirty="0">
-                <a:latin typeface="Inconsolata Medium" panose="020B0609030003000000" pitchFamily="49" charset="77"/>
-              </a:rPr>
-              <a:t>Out [25]: ‘</a:t>
-            </a:r>
-            <a:r>
-              <a:rPr lang="en-US" sz="1900" b="1" dirty="0" err="1">
-                <a:latin typeface="Inconsolata Medium" panose="020B0609030003000000" pitchFamily="49" charset="77"/>
-              </a:rPr>
-              <a:t>nohtyp</a:t>
-            </a:r>
-            <a:r>
-              <a:rPr lang="en-US" sz="1900" b="1" dirty="0">
-                <a:latin typeface="Inconsolata Medium" panose="020B0609030003000000" pitchFamily="49" charset="77"/>
-              </a:rPr>
-              <a:t>’ </a:t>
-            </a:r>
-          </a:p>
-          <a:p>
-            <a:pPr marL="0" indent="0">
-              <a:buNone/>
-            </a:pPr>
-            <a:endParaRPr lang="en-US" sz="1900" b="1" dirty="0">
-              <a:latin typeface="Inconsolata Medium" panose="020B0609030003000000" pitchFamily="49" charset="77"/>
-            </a:endParaRPr>
-          </a:p>
-          <a:p>
-            <a:pPr marL="0" indent="0">
-              <a:buNone/>
-            </a:pPr>
-            <a:endParaRPr lang="en-US" sz="1900" b="1" dirty="0">
-              <a:latin typeface="Inconsolata Medium" panose="020B0609030003000000" pitchFamily="49" charset="77"/>
-            </a:endParaRPr>
-          </a:p>
-          <a:p>
-            <a:pPr marL="0" indent="0">
-              <a:buNone/>
-            </a:pPr>
-            <a:endParaRPr lang="en-US" sz="1900" b="1" dirty="0">
-              <a:latin typeface="Inconsolata Medium" panose="020B0609030003000000" pitchFamily="49" charset="77"/>
-            </a:endParaRPr>
-          </a:p>
-          <a:p>
-            <a:pPr marL="0" indent="0">
-              <a:buNone/>
-            </a:pPr>
-            <a:endParaRPr lang="en-US" sz="1900" b="1" dirty="0">
-              <a:latin typeface="Inconsolata Medium" panose="020B0609030003000000" pitchFamily="49" charset="77"/>
-            </a:endParaRPr>
-          </a:p>
-          <a:p>
-            <a:pPr marL="0" indent="0">
-              <a:buNone/>
-            </a:pPr>
-            <a:r>
-              <a:rPr lang="en-US" sz="1900" b="1" dirty="0">
-                <a:latin typeface="Inconsolata Medium" panose="020B0609030003000000" pitchFamily="49" charset="77"/>
-              </a:rPr>
-              <a:t> </a:t>
-            </a:r>
-          </a:p>
-          <a:p>
-            <a:pPr marL="0" indent="0">
-              <a:buNone/>
-            </a:pPr>
-            <a:endParaRPr lang="en-US" sz="1900" b="1" dirty="0">
-              <a:latin typeface="Inconsolata Medium" panose="020B0609030003000000" pitchFamily="49" charset="77"/>
-            </a:endParaRPr>
-          </a:p>
-          <a:p>
-            <a:pPr marL="0" indent="0">
-              <a:buNone/>
-            </a:pPr>
-            <a:endParaRPr lang="en-US" sz="1900" b="1" dirty="0">
-              <a:latin typeface="Inconsolata Medium" panose="020B0609030003000000" pitchFamily="49" charset="77"/>
-            </a:endParaRPr>
-          </a:p>
-          <a:p>
-            <a:pPr marL="0" indent="0">
-              <a:buNone/>
-            </a:pPr>
-            <a:endParaRPr lang="en-US" sz="1900" b="1" dirty="0">
-              <a:latin typeface="Inconsolata Medium" panose="020B0609030003000000" pitchFamily="49" charset="77"/>
-            </a:endParaRPr>
-          </a:p>
-          <a:p>
-            <a:pPr marL="0" indent="0">
-              <a:buNone/>
-            </a:pPr>
-            <a:endParaRPr lang="en-US" sz="1900" b="1" dirty="0">
-              <a:latin typeface="Inconsolata Medium" panose="020B0609030003000000" pitchFamily="49" charset="77"/>
-            </a:endParaRPr>
-          </a:p>
-          <a:p>
-            <a:pPr marL="0" indent="0">
-              <a:buNone/>
-            </a:pPr>
-            <a:endParaRPr lang="en-US" sz="1900" b="1" dirty="0">
-              <a:latin typeface="Inconsolata Medium" panose="020B0609030003000000" pitchFamily="49" charset="77"/>
-            </a:endParaRPr>
-          </a:p>
-          <a:p>
-            <a:pPr marL="0" indent="0">
-              <a:buNone/>
-            </a:pPr>
-            <a:r>
-              <a:rPr lang="en-US" sz="1900" b="1" dirty="0">
-                <a:latin typeface="Inconsolata Medium" panose="020B0609030003000000" pitchFamily="49" charset="77"/>
-              </a:rPr>
-              <a:t> </a:t>
-            </a:r>
-          </a:p>
-          <a:p>
-            <a:pPr marL="0" indent="0">
-              <a:buNone/>
-            </a:pPr>
-            <a:endParaRPr lang="en-US" sz="1900" b="1" dirty="0">
-              <a:latin typeface="Inconsolata Medium" panose="020B0609030003000000" pitchFamily="49" charset="77"/>
-            </a:endParaRPr>
-          </a:p>
-          <a:p>
-            <a:pPr marL="0" indent="0">
-              <a:buNone/>
-            </a:pPr>
-            <a:endParaRPr lang="en-US" sz="1900" b="1" dirty="0">
-              <a:latin typeface="Inconsolata Medium" panose="020B0609030003000000" pitchFamily="49" charset="77"/>
-            </a:endParaRPr>
+            <a:r>
+              <a:rPr lang="en-US" sz="1800" dirty="0"/>
+              <a:t>Operators on the same row are applied left to right. Exponentiation, however, is </a:t>
+            </a:r>
+          </a:p>
+          <a:p>
+            <a:r>
+              <a:rPr lang="en-US" sz="1800" dirty="0"/>
+              <a:t>applied right to left. Expressions in parenthesis are evaluated first. </a:t>
+            </a:r>
           </a:p>
         </p:txBody>
       </p:sp>
     </p:spTree>
     <p:extLst>
       <p:ext uri="{BB962C8B-B14F-4D97-AF65-F5344CB8AC3E}">
-        <p14:creationId xmlns:p14="http://schemas.microsoft.com/office/powerpoint/2010/main" val="2479426709"/>
+        <p14:creationId xmlns:p14="http://schemas.microsoft.com/office/powerpoint/2010/main" val="4260969557"/>
       </p:ext>
     </p:extLst>
   </p:cSld>
@@ -8548,7 +9713,7 @@
           <a:p>
             <a:r>
               <a:rPr lang="en-US" dirty="0"/>
-              <a:t>f-Strings</a:t>
+              <a:t>Operator Precedence</a:t>
             </a:r>
           </a:p>
         </p:txBody>
@@ -8571,8 +9736,8 @@
         </p:nvSpPr>
         <p:spPr>
           <a:xfrm>
-            <a:off x="483848" y="1150913"/>
-            <a:ext cx="8051725" cy="4440590"/>
+            <a:off x="483848" y="1150912"/>
+            <a:ext cx="8051725" cy="4564087"/>
           </a:xfrm>
         </p:spPr>
         <p:txBody>
@@ -8584,18 +9749,7 @@
             <a:pPr marL="0" indent="0">
               <a:buNone/>
             </a:pPr>
-            <a:r>
-              <a:rPr lang="en-US" dirty="0">
-                <a:latin typeface="Gill Sans MT" panose="020B0502020104020203" pitchFamily="34" charset="77"/>
-              </a:rPr>
-              <a:t>f-Strings is the new way to format strings in Python. (v 3.6)</a:t>
-            </a:r>
-          </a:p>
-          <a:p>
-            <a:pPr marL="0" indent="0">
-              <a:buNone/>
-            </a:pPr>
-            <a:endParaRPr lang="en-US" sz="1900" b="1" dirty="0">
+            <a:endParaRPr lang="en-US" sz="2000" b="1" dirty="0">
               <a:solidFill>
                 <a:srgbClr val="000087"/>
               </a:solidFill>
@@ -8607,12 +9761,42 @@
               <a:buNone/>
             </a:pPr>
             <a:r>
-              <a:rPr lang="en-US" sz="1900" b="1" dirty="0">
+              <a:rPr lang="en-US" sz="2000" b="1" dirty="0">
                 <a:solidFill>
                   <a:srgbClr val="000087"/>
                 </a:solidFill>
                 <a:latin typeface="Inconsolata Medium" panose="020B0609030003000000" pitchFamily="49" charset="77"/>
               </a:rPr>
+              <a:t>In</a:t>
+            </a:r>
+            <a:r>
+              <a:rPr lang="en-US" sz="2000" b="1" dirty="0">
+                <a:latin typeface="Inconsolata Medium" panose="020B0609030003000000" pitchFamily="49" charset="77"/>
+              </a:rPr>
+              <a:t>[</a:t>
+            </a:r>
+            <a:r>
+              <a:rPr lang="en-US" sz="2000" b="1" dirty="0">
+                <a:solidFill>
+                  <a:srgbClr val="FF6600"/>
+                </a:solidFill>
+                <a:latin typeface="Inconsolata Medium" panose="020B0609030003000000" pitchFamily="49" charset="77"/>
+              </a:rPr>
+              <a:t>1</a:t>
+            </a:r>
+            <a:r>
+              <a:rPr lang="en-US" sz="2000" b="1" dirty="0">
+                <a:latin typeface="Inconsolata Medium" panose="020B0609030003000000" pitchFamily="49" charset="77"/>
+              </a:rPr>
+              <a:t>]: -2 ** 4</a:t>
+            </a:r>
+            <a:r>
+              <a:rPr lang="en-US" sz="2000" b="1" dirty="0">
+                <a:solidFill>
+                  <a:srgbClr val="FF6600"/>
+                </a:solidFill>
+                <a:latin typeface="Inconsolata Medium" panose="020B0609030003000000" pitchFamily="49" charset="77"/>
+              </a:rPr>
               <a:t> </a:t>
             </a:r>
           </a:p>
@@ -8621,192 +9805,57 @@
               <a:buNone/>
             </a:pPr>
             <a:r>
-              <a:rPr lang="en-US" b="1" dirty="0">
+              <a:rPr lang="en-US" sz="2000" b="1" dirty="0">
+                <a:latin typeface="Inconsolata Medium" panose="020B0609030003000000" pitchFamily="49" charset="77"/>
+              </a:rPr>
+              <a:t>Out[3]: -16</a:t>
+            </a:r>
+          </a:p>
+          <a:p>
+            <a:pPr marL="0" indent="0">
+              <a:buNone/>
+            </a:pPr>
+            <a:endParaRPr lang="en-US" sz="1900" dirty="0">
+              <a:latin typeface="Gill Sans MT" panose="020B0502020104020203" pitchFamily="34" charset="77"/>
+            </a:endParaRPr>
+          </a:p>
+          <a:p>
+            <a:pPr marL="0" indent="0">
+              <a:buNone/>
+            </a:pPr>
+            <a:r>
+              <a:rPr lang="en-US" sz="1800" b="1" dirty="0">
                 <a:solidFill>
                   <a:srgbClr val="000087"/>
                 </a:solidFill>
                 <a:latin typeface="Inconsolata Medium" panose="020B0609030003000000" pitchFamily="49" charset="77"/>
               </a:rPr>
-              <a:t>In </a:t>
-            </a:r>
-            <a:r>
-              <a:rPr lang="en-US" b="1" dirty="0">
+              <a:t>In</a:t>
+            </a:r>
+            <a:r>
+              <a:rPr lang="en-US" sz="1800" b="1" dirty="0">
                 <a:latin typeface="Inconsolata Medium" panose="020B0609030003000000" pitchFamily="49" charset="77"/>
               </a:rPr>
               <a:t>[</a:t>
             </a:r>
             <a:r>
-              <a:rPr lang="en-US" b="1" dirty="0">
+              <a:rPr lang="en-US" sz="1800" b="1" dirty="0">
                 <a:solidFill>
                   <a:srgbClr val="FF6600"/>
                 </a:solidFill>
                 <a:latin typeface="Inconsolata Medium" panose="020B0609030003000000" pitchFamily="49" charset="77"/>
               </a:rPr>
-              <a:t>26</a:t>
-            </a:r>
-            <a:r>
-              <a:rPr lang="en-US" b="1" dirty="0">
-                <a:latin typeface="Inconsolata Medium" panose="020B0609030003000000" pitchFamily="49" charset="77"/>
-              </a:rPr>
-              <a:t>]: </a:t>
-            </a:r>
-            <a:r>
-              <a:rPr lang="en-US" b="1" dirty="0">
-                <a:solidFill>
-                  <a:srgbClr val="000087"/>
-                </a:solidFill>
-                <a:latin typeface="Inconsolata Medium" panose="020B0609030003000000" pitchFamily="49" charset="77"/>
-              </a:rPr>
-              <a:t>name = </a:t>
-            </a:r>
-            <a:r>
-              <a:rPr lang="en-US" b="1" dirty="0">
-                <a:solidFill>
-                  <a:srgbClr val="CC3300"/>
-                </a:solidFill>
-                <a:latin typeface="Inconsolata Medium" panose="020B0609030003000000" pitchFamily="49" charset="77"/>
-              </a:rPr>
-              <a:t>“Mike” </a:t>
-            </a:r>
-          </a:p>
-          <a:p>
-            <a:pPr marL="0" indent="0">
-              <a:buNone/>
-            </a:pPr>
-            <a:r>
-              <a:rPr lang="en-US" b="1" dirty="0">
-                <a:solidFill>
-                  <a:srgbClr val="CC3300"/>
-                </a:solidFill>
-                <a:latin typeface="Inconsolata Medium" panose="020B0609030003000000" pitchFamily="49" charset="77"/>
-              </a:rPr>
-              <a:t>	    </a:t>
-            </a:r>
-            <a:r>
-              <a:rPr lang="en-US" b="1" dirty="0" err="1">
-                <a:solidFill>
-                  <a:srgbClr val="000087"/>
-                </a:solidFill>
-                <a:latin typeface="Inconsolata Medium" panose="020B0609030003000000" pitchFamily="49" charset="77"/>
-              </a:rPr>
-              <a:t>gpa</a:t>
-            </a:r>
-            <a:r>
-              <a:rPr lang="en-US" b="1" dirty="0">
-                <a:solidFill>
-                  <a:srgbClr val="000087"/>
-                </a:solidFill>
-                <a:latin typeface="Inconsolata Medium" panose="020B0609030003000000" pitchFamily="49" charset="77"/>
-              </a:rPr>
-              <a:t> = </a:t>
-            </a:r>
-            <a:r>
-              <a:rPr lang="en-US" b="1" dirty="0">
-                <a:solidFill>
-                  <a:srgbClr val="CC3300"/>
-                </a:solidFill>
-                <a:latin typeface="Inconsolata Medium" panose="020B0609030003000000" pitchFamily="49" charset="77"/>
-              </a:rPr>
-              <a:t>3.2 	</a:t>
-            </a:r>
-          </a:p>
-          <a:p>
-            <a:pPr marL="0" indent="0">
-              <a:buNone/>
-            </a:pPr>
-            <a:r>
-              <a:rPr lang="en-US" b="1" dirty="0">
-                <a:solidFill>
-                  <a:srgbClr val="CC3300"/>
-                </a:solidFill>
-                <a:latin typeface="Inconsolata Medium" panose="020B0609030003000000" pitchFamily="49" charset="77"/>
-              </a:rPr>
-              <a:t>         </a:t>
-            </a:r>
-            <a:r>
-              <a:rPr lang="en-US" b="1" dirty="0" err="1">
-                <a:solidFill>
-                  <a:srgbClr val="000087"/>
-                </a:solidFill>
-                <a:latin typeface="Inconsolata Medium" panose="020B0609030003000000" pitchFamily="49" charset="77"/>
-              </a:rPr>
-              <a:t>f_str</a:t>
-            </a:r>
-            <a:r>
-              <a:rPr lang="en-US" b="1" dirty="0">
-                <a:solidFill>
-                  <a:srgbClr val="000087"/>
-                </a:solidFill>
-                <a:latin typeface="Inconsolata Medium" panose="020B0609030003000000" pitchFamily="49" charset="77"/>
-              </a:rPr>
-              <a:t> = </a:t>
-            </a:r>
-            <a:r>
-              <a:rPr lang="en-US" b="1" dirty="0" err="1">
-                <a:solidFill>
-                  <a:srgbClr val="000087"/>
-                </a:solidFill>
-                <a:latin typeface="Inconsolata Medium" panose="020B0609030003000000" pitchFamily="49" charset="77"/>
-              </a:rPr>
-              <a:t>f</a:t>
-            </a:r>
-            <a:r>
-              <a:rPr lang="en-US" b="1" dirty="0" err="1">
-                <a:solidFill>
-                  <a:srgbClr val="CC3300"/>
-                </a:solidFill>
-                <a:latin typeface="Inconsolata Medium" panose="020B0609030003000000" pitchFamily="49" charset="77"/>
-              </a:rPr>
-              <a:t>“I</a:t>
-            </a:r>
-            <a:r>
-              <a:rPr lang="en-US" b="1" dirty="0">
-                <a:solidFill>
-                  <a:srgbClr val="CC3300"/>
-                </a:solidFill>
-                <a:latin typeface="Inconsolata Medium" panose="020B0609030003000000" pitchFamily="49" charset="77"/>
-              </a:rPr>
-              <a:t> am {name} with a {</a:t>
-            </a:r>
-            <a:r>
-              <a:rPr lang="en-US" b="1" dirty="0" err="1">
-                <a:solidFill>
-                  <a:srgbClr val="CC3300"/>
-                </a:solidFill>
-                <a:latin typeface="Inconsolata Medium" panose="020B0609030003000000" pitchFamily="49" charset="77"/>
-              </a:rPr>
-              <a:t>gpa</a:t>
-            </a:r>
-            <a:r>
-              <a:rPr lang="en-US" b="1" dirty="0">
-                <a:solidFill>
-                  <a:srgbClr val="CC3300"/>
-                </a:solidFill>
-                <a:latin typeface="Inconsolata Medium" panose="020B0609030003000000" pitchFamily="49" charset="77"/>
-              </a:rPr>
-              <a:t>} </a:t>
-            </a:r>
-            <a:r>
-              <a:rPr lang="en-US" b="1" dirty="0" err="1">
-                <a:solidFill>
-                  <a:srgbClr val="CC3300"/>
-                </a:solidFill>
-                <a:latin typeface="Inconsolata Medium" panose="020B0609030003000000" pitchFamily="49" charset="77"/>
-              </a:rPr>
-              <a:t>gpa</a:t>
-            </a:r>
-            <a:r>
-              <a:rPr lang="en-US" b="1" dirty="0">
-                <a:solidFill>
-                  <a:srgbClr val="CC3300"/>
-                </a:solidFill>
-                <a:latin typeface="Inconsolata Medium" panose="020B0609030003000000" pitchFamily="49" charset="77"/>
-              </a:rPr>
-              <a:t>.”  </a:t>
-            </a:r>
-            <a:endParaRPr lang="en-US" b="1" dirty="0">
+              <a:t>2</a:t>
+            </a:r>
+            <a:r>
+              <a:rPr lang="en-US" sz="1800" b="1" dirty="0">
+                <a:latin typeface="Inconsolata Medium" panose="020B0609030003000000" pitchFamily="49" charset="77"/>
+              </a:rPr>
+              <a:t>]: 7 – 4 * 5 % (1 + 2)</a:t>
+            </a:r>
+            <a:endParaRPr lang="en-US" sz="1800" b="1" dirty="0">
               <a:solidFill>
-                <a:srgbClr val="000087"/>
+                <a:srgbClr val="FF6600"/>
               </a:solidFill>
               <a:latin typeface="Inconsolata Medium" panose="020B0609030003000000" pitchFamily="49" charset="77"/>
             </a:endParaRPr>
@@ -8816,85 +9865,123 @@
               <a:buNone/>
             </a:pPr>
             <a:r>
-              <a:rPr lang="en-US" b="1" dirty="0">
-                <a:solidFill>
-                  <a:srgbClr val="33566B"/>
-                </a:solidFill>
-                <a:latin typeface="Inconsolata Medium" panose="020B0609030003000000" pitchFamily="49" charset="77"/>
-              </a:rPr>
-              <a:t>	    </a:t>
-            </a:r>
-            <a:r>
-              <a:rPr lang="en-US" b="1" dirty="0">
-                <a:solidFill>
-                  <a:srgbClr val="000087"/>
-                </a:solidFill>
-                <a:latin typeface="Inconsolata Medium" panose="020B0609030003000000" pitchFamily="49" charset="77"/>
-              </a:rPr>
-              <a:t>print(</a:t>
-            </a:r>
-            <a:r>
-              <a:rPr lang="en-US" b="1" dirty="0" err="1">
-                <a:solidFill>
-                  <a:srgbClr val="000087"/>
-                </a:solidFill>
-                <a:latin typeface="Inconsolata Medium" panose="020B0609030003000000" pitchFamily="49" charset="77"/>
-              </a:rPr>
-              <a:t>f_str</a:t>
-            </a:r>
-            <a:r>
-              <a:rPr lang="en-US" b="1" dirty="0">
-                <a:solidFill>
-                  <a:srgbClr val="000087"/>
-                </a:solidFill>
-                <a:latin typeface="Inconsolata Medium" panose="020B0609030003000000" pitchFamily="49" charset="77"/>
-              </a:rPr>
-              <a:t>)</a:t>
-            </a:r>
-            <a:r>
-              <a:rPr lang="en-US" b="1" dirty="0">
-                <a:latin typeface="Inconsolata Medium" panose="020B0609030003000000" pitchFamily="49" charset="77"/>
-              </a:rPr>
-              <a:t> </a:t>
-            </a:r>
-          </a:p>
-          <a:p>
-            <a:pPr marL="0" indent="0">
-              <a:buNone/>
-            </a:pPr>
-            <a:endParaRPr lang="en-US" b="1" dirty="0">
-              <a:latin typeface="Inconsolata Medium" panose="020B0609030003000000" pitchFamily="49" charset="77"/>
+              <a:rPr lang="en-US" sz="1800" b="1" dirty="0">
+                <a:latin typeface="Inconsolata Medium" panose="020B0609030003000000" pitchFamily="49" charset="77"/>
+              </a:rPr>
+              <a:t>Out [3]: 5 </a:t>
+            </a:r>
+          </a:p>
+          <a:p>
+            <a:pPr marL="0" indent="0" algn="ctr">
+              <a:buNone/>
+            </a:pPr>
+            <a:endParaRPr lang="en-US" sz="1900" dirty="0">
+              <a:latin typeface="Gill Sans MT" panose="020B0502020104020203" pitchFamily="34" charset="77"/>
             </a:endParaRPr>
           </a:p>
           <a:p>
-            <a:pPr marL="0" indent="0">
-              <a:buNone/>
-            </a:pPr>
-            <a:r>
-              <a:rPr lang="en-US" b="1" dirty="0">
-                <a:latin typeface="Inconsolata Medium" panose="020B0609030003000000" pitchFamily="49" charset="77"/>
-              </a:rPr>
-              <a:t>Out [26]: ‘I am Mike with a 3.2 </a:t>
-            </a:r>
-            <a:r>
-              <a:rPr lang="en-US" b="1" dirty="0" err="1">
-                <a:latin typeface="Inconsolata Medium" panose="020B0609030003000000" pitchFamily="49" charset="77"/>
-              </a:rPr>
-              <a:t>gpa</a:t>
-            </a:r>
-            <a:r>
-              <a:rPr lang="en-US" b="1" dirty="0">
-                <a:latin typeface="Inconsolata Medium" panose="020B0609030003000000" pitchFamily="49" charset="77"/>
-              </a:rPr>
-              <a:t>.' </a:t>
-            </a:r>
-          </a:p>
-          <a:p>
-            <a:pPr marL="0" indent="0">
-              <a:buNone/>
-            </a:pPr>
-            <a:endParaRPr lang="en-US" sz="1900" b="1" dirty="0">
-              <a:latin typeface="Inconsolata Medium" panose="020B0609030003000000" pitchFamily="49" charset="77"/>
+            <a:pPr marL="0" indent="0" algn="ctr">
+              <a:buNone/>
+            </a:pPr>
+            <a:r>
+              <a:rPr lang="en-US" sz="2000" b="1" dirty="0">
+                <a:latin typeface="Inconsolata Medium" panose="020B0609030003000000" pitchFamily="49" charset="77"/>
+              </a:rPr>
+              <a:t>7 - 4 * 5 % </a:t>
+            </a:r>
+            <a:r>
+              <a:rPr lang="en-US" sz="2000" b="1" dirty="0">
+                <a:solidFill>
+                  <a:srgbClr val="FF0000"/>
+                </a:solidFill>
+                <a:latin typeface="Inconsolata Medium" panose="020B0609030003000000" pitchFamily="49" charset="77"/>
+              </a:rPr>
+              <a:t>(1 + 2)</a:t>
+            </a:r>
+            <a:endParaRPr lang="en-US" sz="1900" dirty="0">
+              <a:solidFill>
+                <a:srgbClr val="FF0000"/>
+              </a:solidFill>
+              <a:latin typeface="Gill Sans MT" panose="020B0502020104020203" pitchFamily="34" charset="77"/>
+            </a:endParaRPr>
+          </a:p>
+          <a:p>
+            <a:pPr marL="0" indent="0" algn="ctr">
+              <a:buNone/>
+            </a:pPr>
+            <a:r>
+              <a:rPr lang="en-US" sz="1900" b="1" dirty="0">
+                <a:latin typeface="Inconsolata Medium" panose="020B0609030003000000" pitchFamily="49" charset="77"/>
+              </a:rPr>
+              <a:t>7 – </a:t>
+            </a:r>
+            <a:r>
+              <a:rPr lang="en-US" sz="1900" b="1" dirty="0">
+                <a:solidFill>
+                  <a:srgbClr val="00B050"/>
+                </a:solidFill>
+                <a:latin typeface="Inconsolata Medium" panose="020B0609030003000000" pitchFamily="49" charset="77"/>
+              </a:rPr>
+              <a:t>4 * 5 </a:t>
+            </a:r>
+            <a:r>
+              <a:rPr lang="en-US" sz="1900" b="1" dirty="0">
+                <a:latin typeface="Inconsolata Medium" panose="020B0609030003000000" pitchFamily="49" charset="77"/>
+              </a:rPr>
+              <a:t>% 3</a:t>
+            </a:r>
+          </a:p>
+          <a:p>
+            <a:pPr marL="0" indent="0" algn="ctr">
+              <a:buNone/>
+            </a:pPr>
+            <a:r>
+              <a:rPr lang="en-US" sz="1900" b="1" dirty="0">
+                <a:latin typeface="Inconsolata Medium" panose="020B0609030003000000" pitchFamily="49" charset="77"/>
+              </a:rPr>
+              <a:t>7 – </a:t>
+            </a:r>
+            <a:r>
+              <a:rPr lang="en-US" sz="1900" b="1" dirty="0">
+                <a:solidFill>
+                  <a:srgbClr val="FF0000"/>
+                </a:solidFill>
+                <a:latin typeface="Inconsolata Medium" panose="020B0609030003000000" pitchFamily="49" charset="77"/>
+              </a:rPr>
+              <a:t>20 % 3</a:t>
+            </a:r>
+          </a:p>
+          <a:p>
+            <a:pPr marL="0" indent="0" algn="ctr">
+              <a:buNone/>
+            </a:pPr>
+            <a:r>
+              <a:rPr lang="en-US" sz="1900" b="1" dirty="0">
+                <a:solidFill>
+                  <a:srgbClr val="00B050"/>
+                </a:solidFill>
+                <a:latin typeface="Inconsolata Medium" panose="020B0609030003000000" pitchFamily="49" charset="77"/>
+              </a:rPr>
+              <a:t>7 – 2</a:t>
+            </a:r>
+          </a:p>
+          <a:p>
+            <a:pPr marL="0" indent="0" algn="ctr">
+              <a:buNone/>
+            </a:pPr>
+            <a:r>
+              <a:rPr lang="en-US" sz="1900" b="1" dirty="0">
+                <a:latin typeface="Inconsolata Medium" panose="020B0609030003000000" pitchFamily="49" charset="77"/>
+              </a:rPr>
+              <a:t>5</a:t>
+            </a:r>
+          </a:p>
+          <a:p>
+            <a:pPr marL="0" indent="0">
+              <a:buNone/>
+            </a:pPr>
+            <a:endParaRPr lang="en-US" sz="1900" dirty="0">
+              <a:latin typeface="Gill Sans MT" panose="020B0502020104020203" pitchFamily="34" charset="77"/>
             </a:endParaRPr>
           </a:p>
         </p:txBody>
@@ -8902,7 +9989,7 @@
     </p:spTree>
     <p:extLst>
       <p:ext uri="{BB962C8B-B14F-4D97-AF65-F5344CB8AC3E}">
-        <p14:creationId xmlns:p14="http://schemas.microsoft.com/office/powerpoint/2010/main" val="847072393"/>
+        <p14:creationId xmlns:p14="http://schemas.microsoft.com/office/powerpoint/2010/main" val="1049843196"/>
       </p:ext>
     </p:extLst>
   </p:cSld>

--- a/courses/apcsp/lect2.pptx
+++ b/courses/apcsp/lect2.pptx
@@ -22,7 +22,10 @@
     <p:sldId id="300" r:id="rId16"/>
     <p:sldId id="301" r:id="rId17"/>
     <p:sldId id="302" r:id="rId18"/>
-    <p:sldId id="290" r:id="rId19"/>
+    <p:sldId id="303" r:id="rId19"/>
+    <p:sldId id="304" r:id="rId20"/>
+    <p:sldId id="305" r:id="rId21"/>
+    <p:sldId id="290" r:id="rId22"/>
   </p:sldIdLst>
   <p:sldSz cx="9144000" cy="5715000" type="screen16x10"/>
   <p:notesSz cx="6858000" cy="9144000"/>
@@ -132,7 +135,7 @@
 <file path=ppt/revisionInfo.xml><?xml version="1.0" encoding="utf-8"?>
 <p1510:revInfo xmlns:a="http://schemas.openxmlformats.org/drawingml/2006/main" xmlns:r="http://schemas.openxmlformats.org/officeDocument/2006/relationships" xmlns:p1510="http://schemas.microsoft.com/office/powerpoint/2015/10/main">
   <p1510:revLst>
-    <p1510:client id="{3F616429-CA07-8145-BE07-B7552942C56D}" v="68" dt="2019-09-07T19:18:44.709"/>
+    <p1510:client id="{3F616429-CA07-8145-BE07-B7552942C56D}" v="69" dt="2019-09-08T04:06:59.260"/>
   </p1510:revLst>
 </p1510:revInfo>
 </file>
@@ -142,18 +145,18 @@
   <pc:docChgLst>
     <pc:chgData name="Long B Nguyen" userId="f59fb8f3-a021-417a-8bc1-65c8d471c621" providerId="ADAL" clId="{3F616429-CA07-8145-BE07-B7552942C56D}"/>
     <pc:docChg chg="custSel addSld delSld modSld">
-      <pc:chgData name="Long B Nguyen" userId="f59fb8f3-a021-417a-8bc1-65c8d471c621" providerId="ADAL" clId="{3F616429-CA07-8145-BE07-B7552942C56D}" dt="2019-09-08T01:00:46.195" v="3084" actId="14100"/>
+      <pc:chgData name="Long B Nguyen" userId="f59fb8f3-a021-417a-8bc1-65c8d471c621" providerId="ADAL" clId="{3F616429-CA07-8145-BE07-B7552942C56D}" dt="2019-09-08T04:07:09.105" v="3100" actId="20577"/>
       <pc:docMkLst>
         <pc:docMk/>
       </pc:docMkLst>
       <pc:sldChg chg="modSp">
-        <pc:chgData name="Long B Nguyen" userId="f59fb8f3-a021-417a-8bc1-65c8d471c621" providerId="ADAL" clId="{3F616429-CA07-8145-BE07-B7552942C56D}" dt="2019-09-07T19:20:15.681" v="3039" actId="20577"/>
+        <pc:chgData name="Long B Nguyen" userId="f59fb8f3-a021-417a-8bc1-65c8d471c621" providerId="ADAL" clId="{3F616429-CA07-8145-BE07-B7552942C56D}" dt="2019-09-08T04:07:09.105" v="3100" actId="20577"/>
         <pc:sldMkLst>
           <pc:docMk/>
           <pc:sldMk cId="2207246265" sldId="257"/>
         </pc:sldMkLst>
         <pc:spChg chg="mod">
-          <ac:chgData name="Long B Nguyen" userId="f59fb8f3-a021-417a-8bc1-65c8d471c621" providerId="ADAL" clId="{3F616429-CA07-8145-BE07-B7552942C56D}" dt="2019-09-07T19:20:15.681" v="3039" actId="20577"/>
+          <ac:chgData name="Long B Nguyen" userId="f59fb8f3-a021-417a-8bc1-65c8d471c621" providerId="ADAL" clId="{3F616429-CA07-8145-BE07-B7552942C56D}" dt="2019-09-08T04:07:09.105" v="3100" actId="20577"/>
           <ac:spMkLst>
             <pc:docMk/>
             <pc:sldMk cId="2207246265" sldId="257"/>
@@ -569,6 +572,27 @@
           </ac:spMkLst>
         </pc:spChg>
       </pc:sldChg>
+      <pc:sldChg chg="add">
+        <pc:chgData name="Long B Nguyen" userId="f59fb8f3-a021-417a-8bc1-65c8d471c621" providerId="ADAL" clId="{3F616429-CA07-8145-BE07-B7552942C56D}" dt="2019-09-08T04:06:59.259" v="3085"/>
+        <pc:sldMkLst>
+          <pc:docMk/>
+          <pc:sldMk cId="2682965912" sldId="303"/>
+        </pc:sldMkLst>
+      </pc:sldChg>
+      <pc:sldChg chg="add">
+        <pc:chgData name="Long B Nguyen" userId="f59fb8f3-a021-417a-8bc1-65c8d471c621" providerId="ADAL" clId="{3F616429-CA07-8145-BE07-B7552942C56D}" dt="2019-09-08T04:06:59.259" v="3085"/>
+        <pc:sldMkLst>
+          <pc:docMk/>
+          <pc:sldMk cId="1668049367" sldId="304"/>
+        </pc:sldMkLst>
+      </pc:sldChg>
+      <pc:sldChg chg="add">
+        <pc:chgData name="Long B Nguyen" userId="f59fb8f3-a021-417a-8bc1-65c8d471c621" providerId="ADAL" clId="{3F616429-CA07-8145-BE07-B7552942C56D}" dt="2019-09-08T04:06:59.259" v="3085"/>
+        <pc:sldMkLst>
+          <pc:docMk/>
+          <pc:sldMk cId="3231133164" sldId="305"/>
+        </pc:sldMkLst>
+      </pc:sldChg>
     </pc:docChg>
   </pc:docChgLst>
   <pc:docChgLst>
@@ -806,7 +830,7 @@
           <a:p>
             <a:fld id="{4AAD347D-5ACD-4C99-B74B-A9C85AD731AF}" type="datetimeFigureOut">
               <a:rPr lang="en-US" smtClean="0"/>
-              <a:t>9/7/19</a:t>
+              <a:t>9/8/19</a:t>
             </a:fld>
             <a:endParaRPr lang="en-US" dirty="0"/>
           </a:p>
@@ -976,7 +1000,7 @@
           <a:p>
             <a:fld id="{4509A250-FF31-4206-8172-F9D3106AACB1}" type="datetimeFigureOut">
               <a:rPr lang="en-US" smtClean="0"/>
-              <a:t>9/7/19</a:t>
+              <a:t>9/8/19</a:t>
             </a:fld>
             <a:endParaRPr lang="en-US" dirty="0"/>
           </a:p>
@@ -1156,7 +1180,7 @@
           <a:p>
             <a:fld id="{4509A250-FF31-4206-8172-F9D3106AACB1}" type="datetimeFigureOut">
               <a:rPr lang="en-US" smtClean="0"/>
-              <a:t>9/7/19</a:t>
+              <a:t>9/8/19</a:t>
             </a:fld>
             <a:endParaRPr lang="en-US" dirty="0"/>
           </a:p>
@@ -1326,7 +1350,7 @@
           <a:p>
             <a:fld id="{4509A250-FF31-4206-8172-F9D3106AACB1}" type="datetimeFigureOut">
               <a:rPr lang="en-US" smtClean="0"/>
-              <a:t>9/7/19</a:t>
+              <a:t>9/8/19</a:t>
             </a:fld>
             <a:endParaRPr lang="en-US" dirty="0"/>
           </a:p>
@@ -1572,7 +1596,7 @@
           <a:p>
             <a:fld id="{9796027F-7875-4030-9381-8BD8C4F21935}" type="datetimeFigureOut">
               <a:rPr lang="en-US" smtClean="0"/>
-              <a:t>9/7/19</a:t>
+              <a:t>9/8/19</a:t>
             </a:fld>
             <a:endParaRPr lang="en-US" dirty="0"/>
           </a:p>
@@ -1804,7 +1828,7 @@
           <a:p>
             <a:fld id="{9796027F-7875-4030-9381-8BD8C4F21935}" type="datetimeFigureOut">
               <a:rPr lang="en-US" smtClean="0"/>
-              <a:t>9/7/19</a:t>
+              <a:t>9/8/19</a:t>
             </a:fld>
             <a:endParaRPr lang="en-US" dirty="0"/>
           </a:p>
@@ -2171,7 +2195,7 @@
           <a:p>
             <a:fld id="{9796027F-7875-4030-9381-8BD8C4F21935}" type="datetimeFigureOut">
               <a:rPr lang="en-US" smtClean="0"/>
-              <a:t>9/7/19</a:t>
+              <a:t>9/8/19</a:t>
             </a:fld>
             <a:endParaRPr lang="en-US" dirty="0"/>
           </a:p>
@@ -2289,7 +2313,7 @@
           <a:p>
             <a:fld id="{4509A250-FF31-4206-8172-F9D3106AACB1}" type="datetimeFigureOut">
               <a:rPr lang="en-US" smtClean="0"/>
-              <a:t>9/7/19</a:t>
+              <a:t>9/8/19</a:t>
             </a:fld>
             <a:endParaRPr lang="en-US" dirty="0"/>
           </a:p>
@@ -2384,7 +2408,7 @@
           <a:p>
             <a:fld id="{4509A250-FF31-4206-8172-F9D3106AACB1}" type="datetimeFigureOut">
               <a:rPr lang="en-US" smtClean="0"/>
-              <a:t>9/7/19</a:t>
+              <a:t>9/8/19</a:t>
             </a:fld>
             <a:endParaRPr lang="en-US" dirty="0"/>
           </a:p>
@@ -2661,7 +2685,7 @@
           <a:p>
             <a:fld id="{4509A250-FF31-4206-8172-F9D3106AACB1}" type="datetimeFigureOut">
               <a:rPr lang="en-US" smtClean="0"/>
-              <a:t>9/7/19</a:t>
+              <a:t>9/8/19</a:t>
             </a:fld>
             <a:endParaRPr lang="en-US" dirty="0"/>
           </a:p>
@@ -2918,7 +2942,7 @@
           <a:p>
             <a:fld id="{4509A250-FF31-4206-8172-F9D3106AACB1}" type="datetimeFigureOut">
               <a:rPr lang="en-US" smtClean="0"/>
-              <a:t>9/7/19</a:t>
+              <a:t>9/8/19</a:t>
             </a:fld>
             <a:endParaRPr lang="en-US" dirty="0"/>
           </a:p>
@@ -3131,7 +3155,7 @@
           <a:p>
             <a:fld id="{4AAD347D-5ACD-4C99-B74B-A9C85AD731AF}" type="datetimeFigureOut">
               <a:rPr lang="en-US" smtClean="0"/>
-              <a:t>9/7/19</a:t>
+              <a:t>9/8/19</a:t>
             </a:fld>
             <a:endParaRPr lang="en-US" dirty="0"/>
           </a:p>
@@ -7620,7 +7644,7 @@
           <a:p>
             <a:r>
               <a:rPr lang="en-US" dirty="0"/>
-              <a:t>References</a:t>
+              <a:t>Input</a:t>
             </a:r>
           </a:p>
         </p:txBody>
@@ -7643,83 +7667,949 @@
         </p:nvSpPr>
         <p:spPr>
           <a:xfrm>
-            <a:off x="483848" y="1150913"/>
-            <a:ext cx="8051725" cy="4440590"/>
+            <a:off x="483848" y="1288073"/>
+            <a:ext cx="8051725" cy="4292919"/>
           </a:xfrm>
         </p:spPr>
         <p:txBody>
           <a:bodyPr>
-            <a:noAutofit/>
+            <a:normAutofit/>
           </a:bodyPr>
           <a:lstStyle/>
           <a:p>
             <a:pPr marL="0" indent="0">
               <a:buNone/>
             </a:pPr>
-            <a:endParaRPr lang="en-US" dirty="0"/>
-          </a:p>
-          <a:p>
-            <a:pPr marL="0" indent="0">
-              <a:buNone/>
-            </a:pPr>
-            <a:endParaRPr lang="en-US"/>
-          </a:p>
-          <a:p>
-            <a:pPr marL="0" indent="0">
-              <a:buNone/>
-            </a:pPr>
-            <a:endParaRPr lang="en-US" dirty="0"/>
-          </a:p>
-          <a:p>
-            <a:pPr marL="457200" indent="-457200">
-              <a:buAutoNum type="arabicParenR"/>
-            </a:pPr>
-            <a:r>
-              <a:rPr lang="en-US" dirty="0" err="1"/>
-              <a:t>Vanderplas</a:t>
-            </a:r>
+            <a:r>
+              <a:rPr lang="en-US" sz="2000" dirty="0"/>
+              <a:t>Programs may use the input function to obtain information from the user. </a:t>
+            </a:r>
+          </a:p>
+          <a:p>
+            <a:pPr marL="0" indent="0">
+              <a:buNone/>
+            </a:pPr>
+            <a:endParaRPr lang="en-US" sz="2000" b="1" dirty="0">
+              <a:solidFill>
+                <a:srgbClr val="34A327"/>
+              </a:solidFill>
+              <a:latin typeface="Inconsolata Medium" panose="020B0609030003000000" pitchFamily="49" charset="77"/>
+            </a:endParaRPr>
+          </a:p>
+          <a:p>
+            <a:pPr marL="0" indent="0">
+              <a:buNone/>
+            </a:pPr>
+            <a:r>
+              <a:rPr lang="en-US" sz="2000" b="1" dirty="0">
+                <a:solidFill>
+                  <a:srgbClr val="34A327"/>
+                </a:solidFill>
+                <a:latin typeface="Inconsolata Medium" panose="020B0609030003000000" pitchFamily="49" charset="77"/>
+              </a:rPr>
+              <a:t>In [</a:t>
+            </a:r>
+            <a:r>
+              <a:rPr lang="en-US" sz="2000" b="1" dirty="0">
+                <a:solidFill>
+                  <a:srgbClr val="2EE721"/>
+                </a:solidFill>
+                <a:latin typeface="Inconsolata Medium" panose="020B0609030003000000" pitchFamily="49" charset="77"/>
+              </a:rPr>
+              <a:t>1</a:t>
+            </a:r>
+            <a:r>
+              <a:rPr lang="en-US" sz="2000" b="1" dirty="0">
+                <a:solidFill>
+                  <a:srgbClr val="34A327"/>
+                </a:solidFill>
+                <a:latin typeface="Inconsolata Medium" panose="020B0609030003000000" pitchFamily="49" charset="77"/>
+              </a:rPr>
+              <a:t>]: print</a:t>
+            </a:r>
+            <a:r>
+              <a:rPr lang="en-US" sz="2000" b="1" dirty="0">
+                <a:solidFill>
+                  <a:srgbClr val="000000"/>
+                </a:solidFill>
+                <a:latin typeface="Inconsolata Medium" panose="020B0609030003000000" pitchFamily="49" charset="77"/>
+              </a:rPr>
+              <a:t>(</a:t>
+            </a:r>
+            <a:r>
+              <a:rPr lang="en-US" sz="2000" b="1" dirty="0">
+                <a:solidFill>
+                  <a:srgbClr val="CD7923"/>
+                </a:solidFill>
+                <a:latin typeface="Inconsolata Medium" panose="020B0609030003000000" pitchFamily="49" charset="77"/>
+              </a:rPr>
+              <a:t>'Please enter some text:'</a:t>
+            </a:r>
+            <a:r>
+              <a:rPr lang="en-US" sz="2000" b="1" dirty="0">
+                <a:solidFill>
+                  <a:srgbClr val="000000"/>
+                </a:solidFill>
+                <a:latin typeface="Inconsolata Medium" panose="020B0609030003000000" pitchFamily="49" charset="77"/>
+              </a:rPr>
+              <a:t>) </a:t>
+            </a:r>
+            <a:endParaRPr lang="en-US" sz="2000" b="1" dirty="0">
+              <a:solidFill>
+                <a:srgbClr val="CD7923"/>
+              </a:solidFill>
+              <a:latin typeface="Inconsolata Medium" panose="020B0609030003000000" pitchFamily="49" charset="77"/>
+            </a:endParaRPr>
+          </a:p>
+          <a:p>
+            <a:pPr marL="0" indent="0">
+              <a:buNone/>
+            </a:pPr>
+            <a:r>
+              <a:rPr lang="en-US" sz="2000" b="1" dirty="0">
+                <a:solidFill>
+                  <a:srgbClr val="34A327"/>
+                </a:solidFill>
+                <a:latin typeface="Inconsolata Medium" panose="020B0609030003000000" pitchFamily="49" charset="77"/>
+              </a:rPr>
+              <a:t>        </a:t>
+            </a:r>
+            <a:r>
+              <a:rPr lang="en-US" sz="2000" b="1" dirty="0">
+                <a:solidFill>
+                  <a:srgbClr val="000000"/>
+                </a:solidFill>
+                <a:latin typeface="Inconsolata Medium" panose="020B0609030003000000" pitchFamily="49" charset="77"/>
+              </a:rPr>
+              <a:t>x = </a:t>
+            </a:r>
+            <a:r>
+              <a:rPr lang="en-US" sz="2000" b="1" dirty="0">
+                <a:solidFill>
+                  <a:srgbClr val="34A327"/>
+                </a:solidFill>
+                <a:latin typeface="Inconsolata Medium" panose="020B0609030003000000" pitchFamily="49" charset="77"/>
+              </a:rPr>
+              <a:t>input</a:t>
+            </a:r>
+            <a:r>
+              <a:rPr lang="en-US" sz="2000" b="1" dirty="0">
+                <a:solidFill>
+                  <a:srgbClr val="000000"/>
+                </a:solidFill>
+                <a:latin typeface="Inconsolata Medium" panose="020B0609030003000000" pitchFamily="49" charset="77"/>
+              </a:rPr>
+              <a:t>() </a:t>
+            </a:r>
+            <a:endParaRPr lang="en-US" sz="2000" b="1" dirty="0">
+              <a:solidFill>
+                <a:srgbClr val="34A327"/>
+              </a:solidFill>
+              <a:latin typeface="Inconsolata Medium" panose="020B0609030003000000" pitchFamily="49" charset="77"/>
+            </a:endParaRPr>
+          </a:p>
+          <a:p>
+            <a:pPr marL="0" indent="0">
+              <a:buNone/>
+            </a:pPr>
+            <a:r>
+              <a:rPr lang="en-US" sz="2000" b="1" dirty="0">
+                <a:solidFill>
+                  <a:srgbClr val="34A327"/>
+                </a:solidFill>
+                <a:latin typeface="Inconsolata Medium" panose="020B0609030003000000" pitchFamily="49" charset="77"/>
+              </a:rPr>
+              <a:t>        print</a:t>
+            </a:r>
+            <a:r>
+              <a:rPr lang="en-US" sz="2000" b="1" dirty="0">
+                <a:solidFill>
+                  <a:srgbClr val="000000"/>
+                </a:solidFill>
+                <a:latin typeface="Inconsolata Medium" panose="020B0609030003000000" pitchFamily="49" charset="77"/>
+              </a:rPr>
+              <a:t>(</a:t>
+            </a:r>
+            <a:r>
+              <a:rPr lang="en-US" sz="2000" b="1" dirty="0">
+                <a:solidFill>
+                  <a:srgbClr val="CD7923"/>
+                </a:solidFill>
+                <a:latin typeface="Inconsolata Medium" panose="020B0609030003000000" pitchFamily="49" charset="77"/>
+              </a:rPr>
+              <a:t>'Text entered:'</a:t>
+            </a:r>
+            <a:r>
+              <a:rPr lang="en-US" sz="2000" b="1" dirty="0">
+                <a:solidFill>
+                  <a:srgbClr val="000000"/>
+                </a:solidFill>
+                <a:latin typeface="Inconsolata Medium" panose="020B0609030003000000" pitchFamily="49" charset="77"/>
+              </a:rPr>
+              <a:t>, x) </a:t>
+            </a:r>
+            <a:endParaRPr lang="en-US" sz="2000" b="1" dirty="0">
+              <a:solidFill>
+                <a:srgbClr val="CD7923"/>
+              </a:solidFill>
+              <a:latin typeface="Inconsolata Medium" panose="020B0609030003000000" pitchFamily="49" charset="77"/>
+            </a:endParaRPr>
+          </a:p>
+          <a:p>
+            <a:pPr marL="0" indent="0">
+              <a:buNone/>
+            </a:pPr>
+            <a:r>
+              <a:rPr lang="en-US" sz="2000" b="1" dirty="0">
+                <a:solidFill>
+                  <a:srgbClr val="34A327"/>
+                </a:solidFill>
+                <a:latin typeface="Inconsolata Medium" panose="020B0609030003000000" pitchFamily="49" charset="77"/>
+              </a:rPr>
+              <a:t>        print</a:t>
+            </a:r>
+            <a:r>
+              <a:rPr lang="en-US" sz="2000" b="1" dirty="0">
+                <a:solidFill>
+                  <a:srgbClr val="000000"/>
+                </a:solidFill>
+                <a:latin typeface="Inconsolata Medium" panose="020B0609030003000000" pitchFamily="49" charset="77"/>
+              </a:rPr>
+              <a:t>(</a:t>
+            </a:r>
+            <a:r>
+              <a:rPr lang="en-US" sz="2000" b="1" dirty="0">
+                <a:solidFill>
+                  <a:srgbClr val="CD7923"/>
+                </a:solidFill>
+                <a:latin typeface="Inconsolata Medium" panose="020B0609030003000000" pitchFamily="49" charset="77"/>
+              </a:rPr>
+              <a:t>'Type:'</a:t>
+            </a:r>
+            <a:r>
+              <a:rPr lang="en-US" sz="2000" b="1" dirty="0">
+                <a:solidFill>
+                  <a:srgbClr val="000000"/>
+                </a:solidFill>
+                <a:latin typeface="Inconsolata Medium" panose="020B0609030003000000" pitchFamily="49" charset="77"/>
+              </a:rPr>
+              <a:t>, </a:t>
+            </a:r>
+            <a:r>
+              <a:rPr lang="en-US" sz="2000" b="1" dirty="0">
+                <a:solidFill>
+                  <a:srgbClr val="34A327"/>
+                </a:solidFill>
+                <a:latin typeface="Inconsolata Medium" panose="020B0609030003000000" pitchFamily="49" charset="77"/>
+              </a:rPr>
+              <a:t>type</a:t>
+            </a:r>
+            <a:r>
+              <a:rPr lang="en-US" sz="2000" b="1" dirty="0">
+                <a:solidFill>
+                  <a:srgbClr val="000000"/>
+                </a:solidFill>
+                <a:latin typeface="Inconsolata Medium" panose="020B0609030003000000" pitchFamily="49" charset="77"/>
+              </a:rPr>
+              <a:t>(x))  </a:t>
+            </a:r>
+            <a:endParaRPr lang="en-US" sz="2000" b="1" dirty="0">
+              <a:solidFill>
+                <a:srgbClr val="34A327"/>
+              </a:solidFill>
+              <a:latin typeface="Inconsolata Medium" panose="020B0609030003000000" pitchFamily="49" charset="77"/>
+            </a:endParaRPr>
+          </a:p>
+          <a:p>
+            <a:pPr marL="0" indent="0">
+              <a:buNone/>
+            </a:pPr>
+            <a:r>
+              <a:rPr lang="en-US" dirty="0">
+                <a:solidFill>
+                  <a:srgbClr val="000000"/>
+                </a:solidFill>
+                <a:latin typeface="Menlo" panose="020B0609030804020204" pitchFamily="49" charset="0"/>
+              </a:rPr>
+              <a:t>                                                 </a:t>
+            </a:r>
+            <a:r>
+              <a:rPr lang="en-US" dirty="0">
+                <a:solidFill>
+                  <a:srgbClr val="000000"/>
+                </a:solidFill>
+                <a:latin typeface="Gill Sans MT" panose="020B0502020104020203" pitchFamily="34" charset="77"/>
+              </a:rPr>
+              <a:t>Please enter some text:</a:t>
+            </a:r>
+          </a:p>
+          <a:p>
+            <a:pPr marL="0" indent="0">
+              <a:buNone/>
+            </a:pPr>
+            <a:r>
+              <a:rPr lang="en-US" u="sng" dirty="0">
+                <a:solidFill>
+                  <a:srgbClr val="000000"/>
+                </a:solidFill>
+                <a:latin typeface="Gill Sans MT" panose="020B0502020104020203" pitchFamily="34" charset="77"/>
+              </a:rPr>
+              <a:t>hello</a:t>
+            </a:r>
+          </a:p>
+          <a:p>
+            <a:pPr marL="0" indent="0">
+              <a:buNone/>
+            </a:pPr>
+            <a:r>
+              <a:rPr lang="en-US" dirty="0">
+                <a:solidFill>
+                  <a:srgbClr val="000000"/>
+                </a:solidFill>
+                <a:latin typeface="Gill Sans MT" panose="020B0502020104020203" pitchFamily="34" charset="77"/>
+              </a:rPr>
+              <a:t>Text entered: hello</a:t>
+            </a:r>
+          </a:p>
+          <a:p>
+            <a:pPr marL="0" indent="0">
+              <a:buNone/>
+            </a:pPr>
+            <a:r>
+              <a:rPr lang="en-US" dirty="0">
+                <a:solidFill>
+                  <a:srgbClr val="000000"/>
+                </a:solidFill>
+                <a:latin typeface="Gill Sans MT" panose="020B0502020104020203" pitchFamily="34" charset="77"/>
+              </a:rPr>
+              <a:t>Type: &lt;class 'str'&gt;</a:t>
+            </a:r>
+          </a:p>
+          <a:p>
+            <a:pPr marL="0" indent="0">
+              <a:buNone/>
+            </a:pPr>
+            <a:endParaRPr lang="en-US" dirty="0">
+              <a:latin typeface="Gill Sans MT" panose="020B0502020104020203" pitchFamily="34" charset="77"/>
+            </a:endParaRPr>
+          </a:p>
+          <a:p>
+            <a:pPr marL="342900" lvl="1" indent="0">
+              <a:buNone/>
+            </a:pPr>
+            <a:endParaRPr lang="en-US" sz="2100" dirty="0">
+              <a:latin typeface="Gill Sans MT" panose="020B0502020104020203" pitchFamily="34" charset="77"/>
+            </a:endParaRPr>
+          </a:p>
+          <a:p>
+            <a:pPr marL="342900" lvl="1" indent="0">
+              <a:buNone/>
+            </a:pPr>
+            <a:endParaRPr lang="en-US" sz="2100" dirty="0">
+              <a:latin typeface="Gill Sans MT" panose="020B0502020104020203" pitchFamily="34" charset="77"/>
+            </a:endParaRPr>
+          </a:p>
+          <a:p>
+            <a:pPr marL="342900" lvl="1" indent="0">
+              <a:buNone/>
+            </a:pPr>
+            <a:endParaRPr lang="en-US" sz="2100" dirty="0">
+              <a:solidFill>
+                <a:srgbClr val="000087"/>
+              </a:solidFill>
+              <a:latin typeface="Gill Sans MT" panose="020B0502020104020203" pitchFamily="34" charset="77"/>
+            </a:endParaRPr>
+          </a:p>
+        </p:txBody>
+      </p:sp>
+      <p:sp>
+        <p:nvSpPr>
+          <p:cNvPr id="3" name="TextBox 2">
+            <a:extLst>
+              <a:ext uri="{FF2B5EF4-FFF2-40B4-BE49-F238E27FC236}">
+                <a16:creationId xmlns:a16="http://schemas.microsoft.com/office/drawing/2014/main" id="{5FEBABCA-F4C8-1048-81D6-6BFA51446B1C}"/>
+              </a:ext>
+            </a:extLst>
+          </p:cNvPr>
+          <p:cNvSpPr txBox="1"/>
+          <p:nvPr/>
+        </p:nvSpPr>
+        <p:spPr>
+          <a:xfrm>
+            <a:off x="3472234" y="4128052"/>
+            <a:ext cx="4306692" cy="1015663"/>
+          </a:xfrm>
+          <a:prstGeom prst="rect">
+            <a:avLst/>
+          </a:prstGeom>
+          <a:noFill/>
+        </p:spPr>
+        <p:txBody>
+          <a:bodyPr wrap="none" rtlCol="0">
+            <a:spAutoFit/>
+          </a:bodyPr>
+          <a:lstStyle/>
+          <a:p>
+            <a:r>
+              <a:rPr lang="en-US" sz="2000" dirty="0">
+                <a:solidFill>
+                  <a:srgbClr val="FF0000"/>
+                </a:solidFill>
+              </a:rPr>
+              <a:t>The second line shown in the output is </a:t>
+            </a:r>
+          </a:p>
+          <a:p>
+            <a:r>
+              <a:rPr lang="en-US" sz="2000" dirty="0">
+                <a:solidFill>
+                  <a:srgbClr val="FF0000"/>
+                </a:solidFill>
+              </a:rPr>
+              <a:t>entered by the user, and the program </a:t>
+            </a:r>
+          </a:p>
+          <a:p>
+            <a:r>
+              <a:rPr lang="en-US" sz="2000" dirty="0">
+                <a:solidFill>
+                  <a:srgbClr val="FF0000"/>
+                </a:solidFill>
+              </a:rPr>
+              <a:t>prints the first, third, and fourth lines. </a:t>
+            </a:r>
+          </a:p>
+        </p:txBody>
+      </p:sp>
+      <p:cxnSp>
+        <p:nvCxnSpPr>
+          <p:cNvPr id="5" name="Straight Arrow Connector 4">
+            <a:extLst>
+              <a:ext uri="{FF2B5EF4-FFF2-40B4-BE49-F238E27FC236}">
+                <a16:creationId xmlns:a16="http://schemas.microsoft.com/office/drawing/2014/main" id="{FA2DFF0D-650A-334C-9422-0411CF348AB3}"/>
+              </a:ext>
+            </a:extLst>
+          </p:cNvPr>
+          <p:cNvCxnSpPr>
+            <a:cxnSpLocks/>
+          </p:cNvCxnSpPr>
+          <p:nvPr/>
+        </p:nvCxnSpPr>
+        <p:spPr>
+          <a:xfrm flipH="1">
+            <a:off x="1520841" y="4426927"/>
+            <a:ext cx="1854748" cy="0"/>
+          </a:xfrm>
+          <a:prstGeom prst="straightConnector1">
+            <a:avLst/>
+          </a:prstGeom>
+          <a:ln w="25400">
+            <a:solidFill>
+              <a:schemeClr val="tx1"/>
+            </a:solidFill>
+            <a:tailEnd type="triangle"/>
+          </a:ln>
+        </p:spPr>
+        <p:style>
+          <a:lnRef idx="1">
+            <a:schemeClr val="accent1"/>
+          </a:lnRef>
+          <a:fillRef idx="0">
+            <a:schemeClr val="accent1"/>
+          </a:fillRef>
+          <a:effectRef idx="0">
+            <a:schemeClr val="accent1"/>
+          </a:effectRef>
+          <a:fontRef idx="minor">
+            <a:schemeClr val="tx1"/>
+          </a:fontRef>
+        </p:style>
+      </p:cxnSp>
+    </p:spTree>
+    <p:extLst>
+      <p:ext uri="{BB962C8B-B14F-4D97-AF65-F5344CB8AC3E}">
+        <p14:creationId xmlns:p14="http://schemas.microsoft.com/office/powerpoint/2010/main" val="2682965912"/>
+      </p:ext>
+    </p:extLst>
+  </p:cSld>
+  <p:clrMapOvr>
+    <a:masterClrMapping/>
+  </p:clrMapOvr>
+</p:sld>
+</file>
+
+<file path=ppt/slides/slide19.xml><?xml version="1.0" encoding="utf-8"?>
+<p:sld xmlns:a="http://schemas.openxmlformats.org/drawingml/2006/main" xmlns:r="http://schemas.openxmlformats.org/officeDocument/2006/relationships" xmlns:p="http://schemas.openxmlformats.org/presentationml/2006/main">
+  <p:cSld>
+    <p:spTree>
+      <p:nvGrpSpPr>
+        <p:cNvPr id="1" name=""/>
+        <p:cNvGrpSpPr/>
+        <p:nvPr/>
+      </p:nvGrpSpPr>
+      <p:grpSpPr>
+        <a:xfrm>
+          <a:off x="0" y="0"/>
+          <a:ext cx="0" cy="0"/>
+          <a:chOff x="0" y="0"/>
+          <a:chExt cx="0" cy="0"/>
+        </a:xfrm>
+      </p:grpSpPr>
+      <p:sp>
+        <p:nvSpPr>
+          <p:cNvPr id="2" name="Title 1">
+            <a:extLst>
+              <a:ext uri="{FF2B5EF4-FFF2-40B4-BE49-F238E27FC236}">
+                <a16:creationId xmlns:a16="http://schemas.microsoft.com/office/drawing/2014/main" id="{AA3A228F-61D0-D949-A5E7-F83756230BF8}"/>
+              </a:ext>
+            </a:extLst>
+          </p:cNvPr>
+          <p:cNvSpPr>
+            <a:spLocks noGrp="1"/>
+          </p:cNvSpPr>
+          <p:nvPr>
+            <p:ph type="title"/>
+          </p:nvPr>
+        </p:nvSpPr>
+        <p:spPr>
+          <a:xfrm>
+            <a:off x="483848" y="467027"/>
+            <a:ext cx="7053542" cy="683886"/>
+          </a:xfrm>
+        </p:spPr>
+        <p:txBody>
+          <a:bodyPr/>
+          <a:lstStyle/>
+          <a:p>
             <a:r>
               <a:rPr lang="en-US" dirty="0"/>
-              <a:t>, Jake, A Whirlwind Tour of Python, </a:t>
-            </a:r>
-            <a:r>
-              <a:rPr lang="en-US" dirty="0" err="1"/>
-              <a:t>O’reilly</a:t>
-            </a:r>
-            <a:r>
-              <a:rPr lang="en-US" dirty="0"/>
-              <a:t> Media. </a:t>
-            </a:r>
-          </a:p>
-          <a:p>
-            <a:pPr marL="0" indent="0">
-              <a:buNone/>
-            </a:pPr>
-            <a:endParaRPr lang="en-US" dirty="0"/>
-          </a:p>
-          <a:p>
-            <a:pPr marL="0" indent="0">
-              <a:buNone/>
-            </a:pPr>
-            <a:r>
-              <a:rPr lang="en-US" dirty="0"/>
-              <a:t>This book is completely free and can be downloaded online at </a:t>
-            </a:r>
-            <a:r>
-              <a:rPr lang="en-US" dirty="0" err="1"/>
-              <a:t>O’reilly’s</a:t>
-            </a:r>
-            <a:r>
-              <a:rPr lang="en-US" dirty="0"/>
-              <a:t> site. </a:t>
-            </a:r>
+              <a:t>Input</a:t>
+            </a:r>
+          </a:p>
+        </p:txBody>
+      </p:sp>
+      <p:sp>
+        <p:nvSpPr>
+          <p:cNvPr id="9" name="Content Placeholder 8">
+            <a:extLst>
+              <a:ext uri="{FF2B5EF4-FFF2-40B4-BE49-F238E27FC236}">
+                <a16:creationId xmlns:a16="http://schemas.microsoft.com/office/drawing/2014/main" id="{E3B2E017-30B2-884B-A113-B419A2ED51AD}"/>
+              </a:ext>
+            </a:extLst>
+          </p:cNvPr>
+          <p:cNvSpPr>
+            <a:spLocks noGrp="1"/>
+          </p:cNvSpPr>
+          <p:nvPr>
+            <p:ph idx="1"/>
+          </p:nvPr>
+        </p:nvSpPr>
+        <p:spPr>
+          <a:xfrm>
+            <a:off x="483848" y="1288073"/>
+            <a:ext cx="8051725" cy="4292919"/>
+          </a:xfrm>
+        </p:spPr>
+        <p:txBody>
+          <a:bodyPr>
+            <a:normAutofit/>
+          </a:bodyPr>
+          <a:lstStyle/>
+          <a:p>
+            <a:pPr marL="0" indent="0">
+              <a:buNone/>
+            </a:pPr>
+            <a:r>
+              <a:rPr lang="en-US" sz="2000" dirty="0"/>
+              <a:t>Since user input almost always requires a message to the user about the expected input, the input function optionally accepts a string that it prints just before the program stops to wait for the user to respond. </a:t>
+            </a:r>
+          </a:p>
+          <a:p>
+            <a:pPr marL="0" indent="0">
+              <a:buNone/>
+            </a:pPr>
+            <a:r>
+              <a:rPr lang="en-US" sz="2000" b="1" dirty="0">
+                <a:solidFill>
+                  <a:srgbClr val="34A327"/>
+                </a:solidFill>
+                <a:latin typeface="Inconsolata Medium" panose="020B0609030003000000" pitchFamily="49" charset="77"/>
+              </a:rPr>
+              <a:t>In [</a:t>
+            </a:r>
+            <a:r>
+              <a:rPr lang="en-US" sz="2000" b="1" dirty="0">
+                <a:solidFill>
+                  <a:srgbClr val="2EE721"/>
+                </a:solidFill>
+                <a:latin typeface="Inconsolata Medium" panose="020B0609030003000000" pitchFamily="49" charset="77"/>
+              </a:rPr>
+              <a:t>1</a:t>
+            </a:r>
+            <a:r>
+              <a:rPr lang="en-US" sz="2000" b="1" dirty="0">
+                <a:solidFill>
+                  <a:srgbClr val="34A327"/>
+                </a:solidFill>
+                <a:latin typeface="Inconsolata Medium" panose="020B0609030003000000" pitchFamily="49" charset="77"/>
+              </a:rPr>
+              <a:t>]: </a:t>
+            </a:r>
+            <a:r>
+              <a:rPr lang="en-US" sz="2000" b="1" dirty="0">
+                <a:solidFill>
+                  <a:srgbClr val="000000"/>
+                </a:solidFill>
+                <a:latin typeface="Inconsolata Medium" panose="020B0609030003000000" pitchFamily="49" charset="77"/>
+              </a:rPr>
+              <a:t>x = </a:t>
+            </a:r>
+            <a:r>
+              <a:rPr lang="en-US" sz="2000" b="1" dirty="0">
+                <a:solidFill>
+                  <a:srgbClr val="34A327"/>
+                </a:solidFill>
+                <a:latin typeface="Inconsolata Medium" panose="020B0609030003000000" pitchFamily="49" charset="77"/>
+              </a:rPr>
+              <a:t>input</a:t>
+            </a:r>
+            <a:r>
+              <a:rPr lang="en-US" sz="2000" b="1" dirty="0">
+                <a:solidFill>
+                  <a:srgbClr val="000000"/>
+                </a:solidFill>
+                <a:latin typeface="Inconsolata Medium" panose="020B0609030003000000" pitchFamily="49" charset="77"/>
+              </a:rPr>
+              <a:t>(</a:t>
+            </a:r>
+            <a:r>
+              <a:rPr lang="en-US" sz="2000" b="1" dirty="0">
+                <a:solidFill>
+                  <a:srgbClr val="CD7923"/>
+                </a:solidFill>
+                <a:latin typeface="Inconsolata Medium" panose="020B0609030003000000" pitchFamily="49" charset="77"/>
+              </a:rPr>
+              <a:t>'Please enter an integer value: '</a:t>
+            </a:r>
+            <a:r>
+              <a:rPr lang="en-US" sz="2000" b="1" dirty="0">
+                <a:solidFill>
+                  <a:srgbClr val="000000"/>
+                </a:solidFill>
+                <a:latin typeface="Inconsolata Medium" panose="020B0609030003000000" pitchFamily="49" charset="77"/>
+              </a:rPr>
+              <a:t>) </a:t>
+            </a:r>
+            <a:endParaRPr lang="en-US" sz="2000" b="1" dirty="0">
+              <a:solidFill>
+                <a:srgbClr val="CD7923"/>
+              </a:solidFill>
+              <a:latin typeface="Inconsolata Medium" panose="020B0609030003000000" pitchFamily="49" charset="77"/>
+            </a:endParaRPr>
+          </a:p>
+          <a:p>
+            <a:pPr marL="0" indent="0">
+              <a:buNone/>
+            </a:pPr>
+            <a:r>
+              <a:rPr lang="en-US" sz="2000" b="1" dirty="0">
+                <a:solidFill>
+                  <a:srgbClr val="34A327"/>
+                </a:solidFill>
+                <a:latin typeface="Inconsolata Medium" panose="020B0609030003000000" pitchFamily="49" charset="77"/>
+              </a:rPr>
+              <a:t>        </a:t>
+            </a:r>
+            <a:r>
+              <a:rPr lang="en-US" sz="2000" b="1" dirty="0">
+                <a:solidFill>
+                  <a:srgbClr val="000000"/>
+                </a:solidFill>
+                <a:latin typeface="Inconsolata Medium" panose="020B0609030003000000" pitchFamily="49" charset="77"/>
+              </a:rPr>
+              <a:t>y = </a:t>
+            </a:r>
+            <a:r>
+              <a:rPr lang="en-US" sz="2000" b="1" dirty="0">
+                <a:solidFill>
+                  <a:srgbClr val="34A327"/>
+                </a:solidFill>
+                <a:latin typeface="Inconsolata Medium" panose="020B0609030003000000" pitchFamily="49" charset="77"/>
+              </a:rPr>
+              <a:t>input</a:t>
+            </a:r>
+            <a:r>
+              <a:rPr lang="en-US" sz="2000" b="1" dirty="0">
+                <a:solidFill>
+                  <a:srgbClr val="000000"/>
+                </a:solidFill>
+                <a:latin typeface="Inconsolata Medium" panose="020B0609030003000000" pitchFamily="49" charset="77"/>
+              </a:rPr>
+              <a:t>(</a:t>
+            </a:r>
+            <a:r>
+              <a:rPr lang="en-US" sz="2000" b="1" dirty="0">
+                <a:solidFill>
+                  <a:srgbClr val="CD7923"/>
+                </a:solidFill>
+                <a:latin typeface="Inconsolata Medium" panose="020B0609030003000000" pitchFamily="49" charset="77"/>
+              </a:rPr>
+              <a:t>'Please enter another integer value: '</a:t>
+            </a:r>
+            <a:r>
+              <a:rPr lang="en-US" sz="2000" b="1" dirty="0">
+                <a:solidFill>
+                  <a:srgbClr val="000000"/>
+                </a:solidFill>
+                <a:latin typeface="Inconsolata Medium" panose="020B0609030003000000" pitchFamily="49" charset="77"/>
+              </a:rPr>
+              <a:t>) </a:t>
+            </a:r>
+            <a:endParaRPr lang="en-US" sz="2000" b="1" dirty="0">
+              <a:solidFill>
+                <a:srgbClr val="CD7923"/>
+              </a:solidFill>
+              <a:latin typeface="Inconsolata Medium" panose="020B0609030003000000" pitchFamily="49" charset="77"/>
+            </a:endParaRPr>
+          </a:p>
+          <a:p>
+            <a:pPr marL="0" indent="0">
+              <a:buNone/>
+            </a:pPr>
+            <a:r>
+              <a:rPr lang="en-US" sz="2000" b="1" dirty="0">
+                <a:solidFill>
+                  <a:srgbClr val="34A327"/>
+                </a:solidFill>
+                <a:latin typeface="Inconsolata Medium" panose="020B0609030003000000" pitchFamily="49" charset="77"/>
+              </a:rPr>
+              <a:t>        </a:t>
+            </a:r>
+            <a:r>
+              <a:rPr lang="en-US" sz="2000" b="1" dirty="0">
+                <a:solidFill>
+                  <a:srgbClr val="000000"/>
+                </a:solidFill>
+                <a:latin typeface="Inconsolata Medium" panose="020B0609030003000000" pitchFamily="49" charset="77"/>
+              </a:rPr>
+              <a:t>num1 = </a:t>
+            </a:r>
+            <a:r>
+              <a:rPr lang="en-US" sz="2000" b="1" dirty="0">
+                <a:solidFill>
+                  <a:srgbClr val="34A327"/>
+                </a:solidFill>
+                <a:latin typeface="Inconsolata Medium" panose="020B0609030003000000" pitchFamily="49" charset="77"/>
+              </a:rPr>
+              <a:t>int</a:t>
+            </a:r>
+            <a:r>
+              <a:rPr lang="en-US" sz="2000" b="1" dirty="0">
+                <a:solidFill>
+                  <a:srgbClr val="000000"/>
+                </a:solidFill>
+                <a:latin typeface="Inconsolata Medium" panose="020B0609030003000000" pitchFamily="49" charset="77"/>
+              </a:rPr>
+              <a:t>(x) </a:t>
+            </a:r>
+          </a:p>
+          <a:p>
+            <a:pPr marL="0" indent="0">
+              <a:buNone/>
+            </a:pPr>
+            <a:r>
+              <a:rPr lang="en-US" sz="2000" b="1" dirty="0">
+                <a:solidFill>
+                  <a:srgbClr val="34A327"/>
+                </a:solidFill>
+                <a:latin typeface="Inconsolata Medium" panose="020B0609030003000000" pitchFamily="49" charset="77"/>
+              </a:rPr>
+              <a:t>        </a:t>
+            </a:r>
+            <a:r>
+              <a:rPr lang="en-US" sz="2000" b="1" dirty="0">
+                <a:solidFill>
+                  <a:srgbClr val="000000"/>
+                </a:solidFill>
+                <a:latin typeface="Inconsolata Medium" panose="020B0609030003000000" pitchFamily="49" charset="77"/>
+              </a:rPr>
+              <a:t>num2 = </a:t>
+            </a:r>
+            <a:r>
+              <a:rPr lang="en-US" sz="2000" b="1" dirty="0">
+                <a:solidFill>
+                  <a:srgbClr val="34A327"/>
+                </a:solidFill>
+                <a:latin typeface="Inconsolata Medium" panose="020B0609030003000000" pitchFamily="49" charset="77"/>
+              </a:rPr>
+              <a:t>int</a:t>
+            </a:r>
+            <a:r>
+              <a:rPr lang="en-US" sz="2000" b="1" dirty="0">
+                <a:solidFill>
+                  <a:srgbClr val="000000"/>
+                </a:solidFill>
+                <a:latin typeface="Inconsolata Medium" panose="020B0609030003000000" pitchFamily="49" charset="77"/>
+              </a:rPr>
+              <a:t>(y) </a:t>
+            </a:r>
+          </a:p>
+          <a:p>
+            <a:pPr marL="0" indent="0">
+              <a:buNone/>
+            </a:pPr>
+            <a:r>
+              <a:rPr lang="en-US" sz="2000" b="1" dirty="0">
+                <a:solidFill>
+                  <a:srgbClr val="34A327"/>
+                </a:solidFill>
+                <a:latin typeface="Inconsolata Medium" panose="020B0609030003000000" pitchFamily="49" charset="77"/>
+              </a:rPr>
+              <a:t>        print</a:t>
+            </a:r>
+            <a:r>
+              <a:rPr lang="en-US" sz="2000" b="1" dirty="0">
+                <a:solidFill>
+                  <a:srgbClr val="000000"/>
+                </a:solidFill>
+                <a:latin typeface="Inconsolata Medium" panose="020B0609030003000000" pitchFamily="49" charset="77"/>
+              </a:rPr>
+              <a:t>(num1, </a:t>
+            </a:r>
+            <a:r>
+              <a:rPr lang="en-US" sz="2000" b="1" dirty="0">
+                <a:solidFill>
+                  <a:srgbClr val="CD7923"/>
+                </a:solidFill>
+                <a:latin typeface="Inconsolata Medium" panose="020B0609030003000000" pitchFamily="49" charset="77"/>
+              </a:rPr>
+              <a:t>'+'</a:t>
+            </a:r>
+            <a:r>
+              <a:rPr lang="en-US" sz="2000" b="1" dirty="0">
+                <a:solidFill>
+                  <a:srgbClr val="000000"/>
+                </a:solidFill>
+                <a:latin typeface="Inconsolata Medium" panose="020B0609030003000000" pitchFamily="49" charset="77"/>
+              </a:rPr>
+              <a:t>, num2, </a:t>
+            </a:r>
+            <a:r>
+              <a:rPr lang="en-US" sz="2000" b="1" dirty="0">
+                <a:solidFill>
+                  <a:srgbClr val="CD7923"/>
+                </a:solidFill>
+                <a:latin typeface="Inconsolata Medium" panose="020B0609030003000000" pitchFamily="49" charset="77"/>
+              </a:rPr>
+              <a:t>'='</a:t>
+            </a:r>
+            <a:r>
+              <a:rPr lang="en-US" sz="2000" b="1" dirty="0">
+                <a:solidFill>
+                  <a:srgbClr val="000000"/>
+                </a:solidFill>
+                <a:latin typeface="Inconsolata Medium" panose="020B0609030003000000" pitchFamily="49" charset="77"/>
+              </a:rPr>
+              <a:t>, num1 + num2)  </a:t>
+            </a:r>
+          </a:p>
+          <a:p>
+            <a:pPr marL="0" indent="0">
+              <a:buNone/>
+            </a:pPr>
+            <a:r>
+              <a:rPr lang="en-US" sz="2000" dirty="0">
+                <a:solidFill>
+                  <a:srgbClr val="000000"/>
+                </a:solidFill>
+                <a:latin typeface="Inconsolata Medium" panose="020B0609030003000000" pitchFamily="49" charset="77"/>
+              </a:rPr>
+              <a:t>                                            </a:t>
+            </a:r>
+          </a:p>
+          <a:p>
+            <a:pPr marL="0" indent="0">
+              <a:buNone/>
+            </a:pPr>
+            <a:r>
+              <a:rPr lang="en-US" sz="2000" dirty="0">
+                <a:solidFill>
+                  <a:srgbClr val="000000"/>
+                </a:solidFill>
+                <a:latin typeface="Gill Sans MT" panose="020B0502020104020203" pitchFamily="34" charset="77"/>
+              </a:rPr>
+              <a:t>Please enter an integer value: 4</a:t>
+            </a:r>
+          </a:p>
+          <a:p>
+            <a:pPr marL="0" indent="0">
+              <a:buNone/>
+            </a:pPr>
+            <a:r>
+              <a:rPr lang="en-US" sz="2000" dirty="0">
+                <a:solidFill>
+                  <a:srgbClr val="000000"/>
+                </a:solidFill>
+                <a:latin typeface="Gill Sans MT" panose="020B0502020104020203" pitchFamily="34" charset="77"/>
+              </a:rPr>
+              <a:t>Please enter another integer value: 5</a:t>
+            </a:r>
+          </a:p>
+          <a:p>
+            <a:pPr marL="0" indent="0">
+              <a:buNone/>
+            </a:pPr>
+            <a:r>
+              <a:rPr lang="en-US" sz="2000" dirty="0">
+                <a:solidFill>
+                  <a:srgbClr val="000000"/>
+                </a:solidFill>
+                <a:latin typeface="Gill Sans MT" panose="020B0502020104020203" pitchFamily="34" charset="77"/>
+              </a:rPr>
+              <a:t>4 + 5 = 9</a:t>
+            </a:r>
+          </a:p>
+          <a:p>
+            <a:pPr marL="0" indent="0">
+              <a:buNone/>
+            </a:pPr>
+            <a:endParaRPr lang="en-US" dirty="0">
+              <a:latin typeface="Gill Sans MT" panose="020B0502020104020203" pitchFamily="34" charset="77"/>
+            </a:endParaRPr>
+          </a:p>
+          <a:p>
+            <a:pPr marL="342900" lvl="1" indent="0">
+              <a:buNone/>
+            </a:pPr>
+            <a:endParaRPr lang="en-US" sz="2100" dirty="0">
+              <a:latin typeface="Gill Sans MT" panose="020B0502020104020203" pitchFamily="34" charset="77"/>
+            </a:endParaRPr>
+          </a:p>
+          <a:p>
+            <a:pPr marL="342900" lvl="1" indent="0">
+              <a:buNone/>
+            </a:pPr>
+            <a:endParaRPr lang="en-US" sz="2100" dirty="0">
+              <a:latin typeface="Gill Sans MT" panose="020B0502020104020203" pitchFamily="34" charset="77"/>
+            </a:endParaRPr>
+          </a:p>
+          <a:p>
+            <a:pPr marL="342900" lvl="1" indent="0">
+              <a:buNone/>
+            </a:pPr>
+            <a:endParaRPr lang="en-US" sz="2100" dirty="0">
+              <a:solidFill>
+                <a:srgbClr val="000087"/>
+              </a:solidFill>
+              <a:latin typeface="Gill Sans MT" panose="020B0502020104020203" pitchFamily="34" charset="77"/>
+            </a:endParaRPr>
           </a:p>
         </p:txBody>
       </p:sp>
     </p:spTree>
     <p:extLst>
       <p:ext uri="{BB962C8B-B14F-4D97-AF65-F5344CB8AC3E}">
-        <p14:creationId xmlns:p14="http://schemas.microsoft.com/office/powerpoint/2010/main" val="1728628262"/>
+        <p14:creationId xmlns:p14="http://schemas.microsoft.com/office/powerpoint/2010/main" val="1668049367"/>
       </p:ext>
     </p:extLst>
   </p:cSld>
@@ -7885,6 +8775,21 @@
             </a:r>
           </a:p>
           <a:p>
+            <a:pPr marL="457200" indent="-457200">
+              <a:buFont typeface="+mj-lt"/>
+              <a:buAutoNum type="arabicParenR"/>
+            </a:pPr>
+            <a:r>
+              <a:rPr lang="en-US">
+                <a:latin typeface="Gill Sans MT" panose="020B0502020104020203" pitchFamily="34" charset="77"/>
+              </a:rPr>
+              <a:t>User input</a:t>
+            </a:r>
+            <a:endParaRPr lang="en-US" dirty="0">
+              <a:latin typeface="Gill Sans MT" panose="020B0502020104020203" pitchFamily="34" charset="77"/>
+            </a:endParaRPr>
+          </a:p>
+          <a:p>
             <a:pPr marL="0" indent="0">
               <a:buNone/>
             </a:pPr>
@@ -7947,6 +8852,570 @@
     <p:extLst>
       <p:ext uri="{BB962C8B-B14F-4D97-AF65-F5344CB8AC3E}">
         <p14:creationId xmlns:p14="http://schemas.microsoft.com/office/powerpoint/2010/main" val="2207246265"/>
+      </p:ext>
+    </p:extLst>
+  </p:cSld>
+  <p:clrMapOvr>
+    <a:masterClrMapping/>
+  </p:clrMapOvr>
+</p:sld>
+</file>
+
+<file path=ppt/slides/slide20.xml><?xml version="1.0" encoding="utf-8"?>
+<p:sld xmlns:a="http://schemas.openxmlformats.org/drawingml/2006/main" xmlns:r="http://schemas.openxmlformats.org/officeDocument/2006/relationships" xmlns:p="http://schemas.openxmlformats.org/presentationml/2006/main">
+  <p:cSld>
+    <p:spTree>
+      <p:nvGrpSpPr>
+        <p:cNvPr id="1" name=""/>
+        <p:cNvGrpSpPr/>
+        <p:nvPr/>
+      </p:nvGrpSpPr>
+      <p:grpSpPr>
+        <a:xfrm>
+          <a:off x="0" y="0"/>
+          <a:ext cx="0" cy="0"/>
+          <a:chOff x="0" y="0"/>
+          <a:chExt cx="0" cy="0"/>
+        </a:xfrm>
+      </p:grpSpPr>
+      <p:sp>
+        <p:nvSpPr>
+          <p:cNvPr id="2" name="Title 1">
+            <a:extLst>
+              <a:ext uri="{FF2B5EF4-FFF2-40B4-BE49-F238E27FC236}">
+                <a16:creationId xmlns:a16="http://schemas.microsoft.com/office/drawing/2014/main" id="{AA3A228F-61D0-D949-A5E7-F83756230BF8}"/>
+              </a:ext>
+            </a:extLst>
+          </p:cNvPr>
+          <p:cNvSpPr>
+            <a:spLocks noGrp="1"/>
+          </p:cNvSpPr>
+          <p:nvPr>
+            <p:ph type="title"/>
+          </p:nvPr>
+        </p:nvSpPr>
+        <p:spPr>
+          <a:xfrm>
+            <a:off x="483848" y="467027"/>
+            <a:ext cx="7053542" cy="683886"/>
+          </a:xfrm>
+        </p:spPr>
+        <p:txBody>
+          <a:bodyPr/>
+          <a:lstStyle/>
+          <a:p>
+            <a:r>
+              <a:rPr lang="en-US" dirty="0"/>
+              <a:t>Input</a:t>
+            </a:r>
+          </a:p>
+        </p:txBody>
+      </p:sp>
+      <p:sp>
+        <p:nvSpPr>
+          <p:cNvPr id="9" name="Content Placeholder 8">
+            <a:extLst>
+              <a:ext uri="{FF2B5EF4-FFF2-40B4-BE49-F238E27FC236}">
+                <a16:creationId xmlns:a16="http://schemas.microsoft.com/office/drawing/2014/main" id="{E3B2E017-30B2-884B-A113-B419A2ED51AD}"/>
+              </a:ext>
+            </a:extLst>
+          </p:cNvPr>
+          <p:cNvSpPr>
+            <a:spLocks noGrp="1"/>
+          </p:cNvSpPr>
+          <p:nvPr>
+            <p:ph idx="1"/>
+          </p:nvPr>
+        </p:nvSpPr>
+        <p:spPr>
+          <a:xfrm>
+            <a:off x="483848" y="1288073"/>
+            <a:ext cx="8051725" cy="4292919"/>
+          </a:xfrm>
+        </p:spPr>
+        <p:txBody>
+          <a:bodyPr>
+            <a:normAutofit/>
+          </a:bodyPr>
+          <a:lstStyle/>
+          <a:p>
+            <a:pPr marL="0" indent="0">
+              <a:buNone/>
+            </a:pPr>
+            <a:r>
+              <a:rPr lang="en-US" sz="2000" dirty="0"/>
+              <a:t>Or even more succinctly. </a:t>
+            </a:r>
+          </a:p>
+          <a:p>
+            <a:pPr marL="0" indent="0">
+              <a:buNone/>
+            </a:pPr>
+            <a:endParaRPr lang="en-US" sz="1800" b="1" dirty="0">
+              <a:solidFill>
+                <a:srgbClr val="34A327"/>
+              </a:solidFill>
+              <a:latin typeface="Inconsolata Medium" panose="020B0609030003000000" pitchFamily="49" charset="77"/>
+            </a:endParaRPr>
+          </a:p>
+          <a:p>
+            <a:pPr marL="0" indent="0">
+              <a:buNone/>
+            </a:pPr>
+            <a:r>
+              <a:rPr lang="en-US" sz="1800" b="1" dirty="0">
+                <a:solidFill>
+                  <a:srgbClr val="34A327"/>
+                </a:solidFill>
+                <a:latin typeface="Inconsolata Medium" panose="020B0609030003000000" pitchFamily="49" charset="77"/>
+              </a:rPr>
+              <a:t>In [</a:t>
+            </a:r>
+            <a:r>
+              <a:rPr lang="en-US" sz="1800" b="1" dirty="0">
+                <a:solidFill>
+                  <a:srgbClr val="2EE721"/>
+                </a:solidFill>
+                <a:latin typeface="Inconsolata Medium" panose="020B0609030003000000" pitchFamily="49" charset="77"/>
+              </a:rPr>
+              <a:t>1</a:t>
+            </a:r>
+            <a:r>
+              <a:rPr lang="en-US" sz="1800" b="1" dirty="0">
+                <a:solidFill>
+                  <a:srgbClr val="34A327"/>
+                </a:solidFill>
+                <a:latin typeface="Inconsolata Medium" panose="020B0609030003000000" pitchFamily="49" charset="77"/>
+              </a:rPr>
+              <a:t>]: </a:t>
+            </a:r>
+            <a:r>
+              <a:rPr lang="en-US" sz="1800" b="1" dirty="0">
+                <a:solidFill>
+                  <a:srgbClr val="000000"/>
+                </a:solidFill>
+                <a:latin typeface="Inconsolata Medium" panose="020B0609030003000000" pitchFamily="49" charset="77"/>
+              </a:rPr>
+              <a:t>num1 = </a:t>
+            </a:r>
+            <a:r>
+              <a:rPr lang="en-US" sz="1800" b="1" dirty="0">
+                <a:solidFill>
+                  <a:srgbClr val="34A327"/>
+                </a:solidFill>
+                <a:latin typeface="Inconsolata Medium" panose="020B0609030003000000" pitchFamily="49" charset="77"/>
+              </a:rPr>
+              <a:t>int(input(</a:t>
+            </a:r>
+            <a:r>
+              <a:rPr lang="en-US" sz="1800" b="1" dirty="0">
+                <a:solidFill>
+                  <a:srgbClr val="CD7923"/>
+                </a:solidFill>
+                <a:latin typeface="Inconsolata Medium" panose="020B0609030003000000" pitchFamily="49" charset="77"/>
+              </a:rPr>
+              <a:t>‘Please enter an integer value: ’</a:t>
+            </a:r>
+            <a:r>
+              <a:rPr lang="en-US" sz="1800" b="1" dirty="0">
+                <a:solidFill>
+                  <a:srgbClr val="34A327"/>
+                </a:solidFill>
+                <a:latin typeface="Inconsolata Medium" panose="020B0609030003000000" pitchFamily="49" charset="77"/>
+              </a:rPr>
+              <a:t>))</a:t>
+            </a:r>
+            <a:r>
+              <a:rPr lang="en-US" sz="1800" b="1" dirty="0">
+                <a:solidFill>
+                  <a:srgbClr val="000000"/>
+                </a:solidFill>
+                <a:latin typeface="Inconsolata Medium" panose="020B0609030003000000" pitchFamily="49" charset="77"/>
+              </a:rPr>
+              <a:t> </a:t>
+            </a:r>
+            <a:endParaRPr lang="en-US" sz="1800" b="1" dirty="0">
+              <a:solidFill>
+                <a:srgbClr val="CD7923"/>
+              </a:solidFill>
+              <a:latin typeface="Inconsolata Medium" panose="020B0609030003000000" pitchFamily="49" charset="77"/>
+            </a:endParaRPr>
+          </a:p>
+          <a:p>
+            <a:pPr marL="0" indent="0">
+              <a:buNone/>
+            </a:pPr>
+            <a:r>
+              <a:rPr lang="en-US" sz="1800" b="1" dirty="0">
+                <a:solidFill>
+                  <a:srgbClr val="34A327"/>
+                </a:solidFill>
+                <a:latin typeface="Inconsolata Medium" panose="020B0609030003000000" pitchFamily="49" charset="77"/>
+              </a:rPr>
+              <a:t>        </a:t>
+            </a:r>
+            <a:r>
+              <a:rPr lang="en-US" sz="1800" b="1" dirty="0">
+                <a:solidFill>
+                  <a:srgbClr val="000000"/>
+                </a:solidFill>
+                <a:latin typeface="Inconsolata Medium" panose="020B0609030003000000" pitchFamily="49" charset="77"/>
+              </a:rPr>
+              <a:t>num2 = </a:t>
+            </a:r>
+            <a:r>
+              <a:rPr lang="en-US" sz="1800" b="1" dirty="0">
+                <a:solidFill>
+                  <a:srgbClr val="34A327"/>
+                </a:solidFill>
+                <a:latin typeface="Inconsolata Medium" panose="020B0609030003000000" pitchFamily="49" charset="77"/>
+              </a:rPr>
+              <a:t>int(input(</a:t>
+            </a:r>
+            <a:r>
+              <a:rPr lang="en-US" sz="1800" b="1" dirty="0">
+                <a:solidFill>
+                  <a:srgbClr val="CD7923"/>
+                </a:solidFill>
+                <a:latin typeface="Inconsolata Medium" panose="020B0609030003000000" pitchFamily="49" charset="77"/>
+              </a:rPr>
+              <a:t>'Please enter another integer value: ‘</a:t>
+            </a:r>
+            <a:r>
+              <a:rPr lang="en-US" sz="1800" b="1" dirty="0">
+                <a:solidFill>
+                  <a:srgbClr val="34A327"/>
+                </a:solidFill>
+                <a:latin typeface="Inconsolata Medium" panose="020B0609030003000000" pitchFamily="49" charset="77"/>
+              </a:rPr>
+              <a:t>))</a:t>
+            </a:r>
+            <a:r>
+              <a:rPr lang="en-US" sz="1800" b="1" dirty="0">
+                <a:solidFill>
+                  <a:srgbClr val="000000"/>
+                </a:solidFill>
+                <a:latin typeface="Inconsolata Medium" panose="020B0609030003000000" pitchFamily="49" charset="77"/>
+              </a:rPr>
+              <a:t> </a:t>
+            </a:r>
+            <a:endParaRPr lang="en-US" sz="1800" b="1" dirty="0">
+              <a:solidFill>
+                <a:srgbClr val="CD7923"/>
+              </a:solidFill>
+              <a:latin typeface="Inconsolata Medium" panose="020B0609030003000000" pitchFamily="49" charset="77"/>
+            </a:endParaRPr>
+          </a:p>
+          <a:p>
+            <a:pPr marL="0" indent="0">
+              <a:buNone/>
+            </a:pPr>
+            <a:r>
+              <a:rPr lang="en-US" sz="1800" b="1" dirty="0">
+                <a:solidFill>
+                  <a:srgbClr val="34A327"/>
+                </a:solidFill>
+                <a:latin typeface="Inconsolata Medium" panose="020B0609030003000000" pitchFamily="49" charset="77"/>
+              </a:rPr>
+              <a:t>        print</a:t>
+            </a:r>
+            <a:r>
+              <a:rPr lang="en-US" sz="1800" b="1" dirty="0">
+                <a:solidFill>
+                  <a:srgbClr val="000000"/>
+                </a:solidFill>
+                <a:latin typeface="Inconsolata Medium" panose="020B0609030003000000" pitchFamily="49" charset="77"/>
+              </a:rPr>
+              <a:t>(num1, </a:t>
+            </a:r>
+            <a:r>
+              <a:rPr lang="en-US" sz="1800" b="1" dirty="0">
+                <a:solidFill>
+                  <a:srgbClr val="CD7923"/>
+                </a:solidFill>
+                <a:latin typeface="Inconsolata Medium" panose="020B0609030003000000" pitchFamily="49" charset="77"/>
+              </a:rPr>
+              <a:t>'+'</a:t>
+            </a:r>
+            <a:r>
+              <a:rPr lang="en-US" sz="1800" b="1" dirty="0">
+                <a:solidFill>
+                  <a:srgbClr val="000000"/>
+                </a:solidFill>
+                <a:latin typeface="Inconsolata Medium" panose="020B0609030003000000" pitchFamily="49" charset="77"/>
+              </a:rPr>
+              <a:t>, num2, </a:t>
+            </a:r>
+            <a:r>
+              <a:rPr lang="en-US" sz="1800" b="1" dirty="0">
+                <a:solidFill>
+                  <a:srgbClr val="CD7923"/>
+                </a:solidFill>
+                <a:latin typeface="Inconsolata Medium" panose="020B0609030003000000" pitchFamily="49" charset="77"/>
+              </a:rPr>
+              <a:t>'='</a:t>
+            </a:r>
+            <a:r>
+              <a:rPr lang="en-US" sz="1800" b="1" dirty="0">
+                <a:solidFill>
+                  <a:srgbClr val="000000"/>
+                </a:solidFill>
+                <a:latin typeface="Inconsolata Medium" panose="020B0609030003000000" pitchFamily="49" charset="77"/>
+              </a:rPr>
+              <a:t>, num1 + num2)  </a:t>
+            </a:r>
+          </a:p>
+          <a:p>
+            <a:pPr marL="0" indent="0">
+              <a:buNone/>
+            </a:pPr>
+            <a:r>
+              <a:rPr lang="en-US" sz="2000" dirty="0">
+                <a:solidFill>
+                  <a:srgbClr val="000000"/>
+                </a:solidFill>
+                <a:latin typeface="Inconsolata Medium" panose="020B0609030003000000" pitchFamily="49" charset="77"/>
+              </a:rPr>
+              <a:t>                                            </a:t>
+            </a:r>
+          </a:p>
+          <a:p>
+            <a:pPr marL="0" indent="0">
+              <a:buNone/>
+            </a:pPr>
+            <a:r>
+              <a:rPr lang="en-US" sz="2000" dirty="0">
+                <a:solidFill>
+                  <a:srgbClr val="000000"/>
+                </a:solidFill>
+                <a:latin typeface="Gill Sans MT" panose="020B0502020104020203" pitchFamily="34" charset="77"/>
+              </a:rPr>
+              <a:t>Please enter an integer value: 4</a:t>
+            </a:r>
+          </a:p>
+          <a:p>
+            <a:pPr marL="0" indent="0">
+              <a:buNone/>
+            </a:pPr>
+            <a:r>
+              <a:rPr lang="en-US" sz="2000" dirty="0">
+                <a:solidFill>
+                  <a:srgbClr val="000000"/>
+                </a:solidFill>
+                <a:latin typeface="Gill Sans MT" panose="020B0502020104020203" pitchFamily="34" charset="77"/>
+              </a:rPr>
+              <a:t>Please enter another integer value: 5</a:t>
+            </a:r>
+          </a:p>
+          <a:p>
+            <a:pPr marL="0" indent="0">
+              <a:buNone/>
+            </a:pPr>
+            <a:r>
+              <a:rPr lang="en-US" sz="2000" dirty="0">
+                <a:solidFill>
+                  <a:srgbClr val="000000"/>
+                </a:solidFill>
+                <a:latin typeface="Gill Sans MT" panose="020B0502020104020203" pitchFamily="34" charset="77"/>
+              </a:rPr>
+              <a:t>4 + 5 = 9</a:t>
+            </a:r>
+          </a:p>
+          <a:p>
+            <a:pPr marL="0" indent="0">
+              <a:buNone/>
+            </a:pPr>
+            <a:endParaRPr lang="en-US" dirty="0">
+              <a:latin typeface="Gill Sans MT" panose="020B0502020104020203" pitchFamily="34" charset="77"/>
+            </a:endParaRPr>
+          </a:p>
+          <a:p>
+            <a:pPr marL="342900" lvl="1" indent="0">
+              <a:buNone/>
+            </a:pPr>
+            <a:endParaRPr lang="en-US" sz="2100" dirty="0">
+              <a:latin typeface="Gill Sans MT" panose="020B0502020104020203" pitchFamily="34" charset="77"/>
+            </a:endParaRPr>
+          </a:p>
+          <a:p>
+            <a:pPr marL="342900" lvl="1" indent="0">
+              <a:buNone/>
+            </a:pPr>
+            <a:endParaRPr lang="en-US" sz="2100" dirty="0">
+              <a:latin typeface="Gill Sans MT" panose="020B0502020104020203" pitchFamily="34" charset="77"/>
+            </a:endParaRPr>
+          </a:p>
+          <a:p>
+            <a:pPr marL="342900" lvl="1" indent="0">
+              <a:buNone/>
+            </a:pPr>
+            <a:endParaRPr lang="en-US" sz="2100" dirty="0">
+              <a:solidFill>
+                <a:srgbClr val="000087"/>
+              </a:solidFill>
+              <a:latin typeface="Gill Sans MT" panose="020B0502020104020203" pitchFamily="34" charset="77"/>
+            </a:endParaRPr>
+          </a:p>
+        </p:txBody>
+      </p:sp>
+    </p:spTree>
+    <p:extLst>
+      <p:ext uri="{BB962C8B-B14F-4D97-AF65-F5344CB8AC3E}">
+        <p14:creationId xmlns:p14="http://schemas.microsoft.com/office/powerpoint/2010/main" val="3231133164"/>
+      </p:ext>
+    </p:extLst>
+  </p:cSld>
+  <p:clrMapOvr>
+    <a:masterClrMapping/>
+  </p:clrMapOvr>
+</p:sld>
+</file>
+
+<file path=ppt/slides/slide21.xml><?xml version="1.0" encoding="utf-8"?>
+<p:sld xmlns:a="http://schemas.openxmlformats.org/drawingml/2006/main" xmlns:r="http://schemas.openxmlformats.org/officeDocument/2006/relationships" xmlns:p="http://schemas.openxmlformats.org/presentationml/2006/main">
+  <p:cSld>
+    <p:spTree>
+      <p:nvGrpSpPr>
+        <p:cNvPr id="1" name=""/>
+        <p:cNvGrpSpPr/>
+        <p:nvPr/>
+      </p:nvGrpSpPr>
+      <p:grpSpPr>
+        <a:xfrm>
+          <a:off x="0" y="0"/>
+          <a:ext cx="0" cy="0"/>
+          <a:chOff x="0" y="0"/>
+          <a:chExt cx="0" cy="0"/>
+        </a:xfrm>
+      </p:grpSpPr>
+      <p:sp>
+        <p:nvSpPr>
+          <p:cNvPr id="2" name="Title 1">
+            <a:extLst>
+              <a:ext uri="{FF2B5EF4-FFF2-40B4-BE49-F238E27FC236}">
+                <a16:creationId xmlns:a16="http://schemas.microsoft.com/office/drawing/2014/main" id="{AA3A228F-61D0-D949-A5E7-F83756230BF8}"/>
+              </a:ext>
+            </a:extLst>
+          </p:cNvPr>
+          <p:cNvSpPr>
+            <a:spLocks noGrp="1"/>
+          </p:cNvSpPr>
+          <p:nvPr>
+            <p:ph type="title"/>
+          </p:nvPr>
+        </p:nvSpPr>
+        <p:spPr>
+          <a:xfrm>
+            <a:off x="483848" y="467027"/>
+            <a:ext cx="7053542" cy="683886"/>
+          </a:xfrm>
+        </p:spPr>
+        <p:txBody>
+          <a:bodyPr/>
+          <a:lstStyle/>
+          <a:p>
+            <a:r>
+              <a:rPr lang="en-US" dirty="0"/>
+              <a:t>References</a:t>
+            </a:r>
+          </a:p>
+        </p:txBody>
+      </p:sp>
+      <p:sp>
+        <p:nvSpPr>
+          <p:cNvPr id="9" name="Content Placeholder 8">
+            <a:extLst>
+              <a:ext uri="{FF2B5EF4-FFF2-40B4-BE49-F238E27FC236}">
+                <a16:creationId xmlns:a16="http://schemas.microsoft.com/office/drawing/2014/main" id="{E3B2E017-30B2-884B-A113-B419A2ED51AD}"/>
+              </a:ext>
+            </a:extLst>
+          </p:cNvPr>
+          <p:cNvSpPr>
+            <a:spLocks noGrp="1"/>
+          </p:cNvSpPr>
+          <p:nvPr>
+            <p:ph idx="1"/>
+          </p:nvPr>
+        </p:nvSpPr>
+        <p:spPr>
+          <a:xfrm>
+            <a:off x="483848" y="1150913"/>
+            <a:ext cx="8051725" cy="4440590"/>
+          </a:xfrm>
+        </p:spPr>
+        <p:txBody>
+          <a:bodyPr>
+            <a:noAutofit/>
+          </a:bodyPr>
+          <a:lstStyle/>
+          <a:p>
+            <a:pPr marL="0" indent="0">
+              <a:buNone/>
+            </a:pPr>
+            <a:endParaRPr lang="en-US" dirty="0"/>
+          </a:p>
+          <a:p>
+            <a:pPr marL="0" indent="0">
+              <a:buNone/>
+            </a:pPr>
+            <a:endParaRPr lang="en-US"/>
+          </a:p>
+          <a:p>
+            <a:pPr marL="0" indent="0">
+              <a:buNone/>
+            </a:pPr>
+            <a:endParaRPr lang="en-US" dirty="0"/>
+          </a:p>
+          <a:p>
+            <a:pPr marL="457200" indent="-457200">
+              <a:buAutoNum type="arabicParenR"/>
+            </a:pPr>
+            <a:r>
+              <a:rPr lang="en-US" dirty="0" err="1"/>
+              <a:t>Vanderplas</a:t>
+            </a:r>
+            <a:r>
+              <a:rPr lang="en-US" dirty="0"/>
+              <a:t>, Jake, A Whirlwind Tour of Python, </a:t>
+            </a:r>
+            <a:r>
+              <a:rPr lang="en-US" dirty="0" err="1"/>
+              <a:t>O’reilly</a:t>
+            </a:r>
+            <a:r>
+              <a:rPr lang="en-US" dirty="0"/>
+              <a:t> Media. </a:t>
+            </a:r>
+          </a:p>
+          <a:p>
+            <a:pPr marL="0" indent="0">
+              <a:buNone/>
+            </a:pPr>
+            <a:endParaRPr lang="en-US" dirty="0"/>
+          </a:p>
+          <a:p>
+            <a:pPr marL="0" indent="0">
+              <a:buNone/>
+            </a:pPr>
+            <a:r>
+              <a:rPr lang="en-US" dirty="0"/>
+              <a:t>This book is completely free and can be downloaded online at </a:t>
+            </a:r>
+            <a:r>
+              <a:rPr lang="en-US" dirty="0" err="1"/>
+              <a:t>O’reilly’s</a:t>
+            </a:r>
+            <a:r>
+              <a:rPr lang="en-US" dirty="0"/>
+              <a:t> site. </a:t>
+            </a:r>
+          </a:p>
+        </p:txBody>
+      </p:sp>
+    </p:spTree>
+    <p:extLst>
+      <p:ext uri="{BB962C8B-B14F-4D97-AF65-F5344CB8AC3E}">
+        <p14:creationId xmlns:p14="http://schemas.microsoft.com/office/powerpoint/2010/main" val="1728628262"/>
       </p:ext>
     </p:extLst>
   </p:cSld>

--- a/courses/apcsp/lect2.pptx
+++ b/courses/apcsp/lect2.pptx
@@ -145,7 +145,7 @@
   <pc:docChgLst>
     <pc:chgData name="Long B Nguyen" userId="f59fb8f3-a021-417a-8bc1-65c8d471c621" providerId="ADAL" clId="{3F616429-CA07-8145-BE07-B7552942C56D}"/>
     <pc:docChg chg="custSel addSld delSld modSld">
-      <pc:chgData name="Long B Nguyen" userId="f59fb8f3-a021-417a-8bc1-65c8d471c621" providerId="ADAL" clId="{3F616429-CA07-8145-BE07-B7552942C56D}" dt="2019-09-08T04:07:09.105" v="3100" actId="20577"/>
+      <pc:chgData name="Long B Nguyen" userId="f59fb8f3-a021-417a-8bc1-65c8d471c621" providerId="ADAL" clId="{3F616429-CA07-8145-BE07-B7552942C56D}" dt="2019-09-09T14:10:54.655" v="3137" actId="20577"/>
       <pc:docMkLst>
         <pc:docMk/>
       </pc:docMkLst>
@@ -180,13 +180,13 @@
         </pc:spChg>
       </pc:sldChg>
       <pc:sldChg chg="addSp delSp modSp">
-        <pc:chgData name="Long B Nguyen" userId="f59fb8f3-a021-417a-8bc1-65c8d471c621" providerId="ADAL" clId="{3F616429-CA07-8145-BE07-B7552942C56D}" dt="2019-09-07T18:10:50.103" v="2182" actId="14100"/>
+        <pc:chgData name="Long B Nguyen" userId="f59fb8f3-a021-417a-8bc1-65c8d471c621" providerId="ADAL" clId="{3F616429-CA07-8145-BE07-B7552942C56D}" dt="2019-09-09T14:09:53.501" v="3127" actId="113"/>
         <pc:sldMkLst>
           <pc:docMk/>
           <pc:sldMk cId="1520265794" sldId="283"/>
         </pc:sldMkLst>
         <pc:spChg chg="mod">
-          <ac:chgData name="Long B Nguyen" userId="f59fb8f3-a021-417a-8bc1-65c8d471c621" providerId="ADAL" clId="{3F616429-CA07-8145-BE07-B7552942C56D}" dt="2019-09-07T18:10:50.103" v="2182" actId="14100"/>
+          <ac:chgData name="Long B Nguyen" userId="f59fb8f3-a021-417a-8bc1-65c8d471c621" providerId="ADAL" clId="{3F616429-CA07-8145-BE07-B7552942C56D}" dt="2019-09-09T14:09:53.501" v="3127" actId="113"/>
           <ac:spMkLst>
             <pc:docMk/>
             <pc:sldMk cId="1520265794" sldId="283"/>
@@ -235,13 +235,13 @@
         </pc:graphicFrameChg>
       </pc:sldChg>
       <pc:sldChg chg="modSp">
-        <pc:chgData name="Long B Nguyen" userId="f59fb8f3-a021-417a-8bc1-65c8d471c621" providerId="ADAL" clId="{3F616429-CA07-8145-BE07-B7552942C56D}" dt="2019-09-08T01:00:46.195" v="3084" actId="14100"/>
+        <pc:chgData name="Long B Nguyen" userId="f59fb8f3-a021-417a-8bc1-65c8d471c621" providerId="ADAL" clId="{3F616429-CA07-8145-BE07-B7552942C56D}" dt="2019-09-09T14:09:15.201" v="3124" actId="20577"/>
         <pc:sldMkLst>
           <pc:docMk/>
           <pc:sldMk cId="3974060782" sldId="289"/>
         </pc:sldMkLst>
         <pc:spChg chg="mod">
-          <ac:chgData name="Long B Nguyen" userId="f59fb8f3-a021-417a-8bc1-65c8d471c621" providerId="ADAL" clId="{3F616429-CA07-8145-BE07-B7552942C56D}" dt="2019-09-08T01:00:46.195" v="3084" actId="14100"/>
+          <ac:chgData name="Long B Nguyen" userId="f59fb8f3-a021-417a-8bc1-65c8d471c621" providerId="ADAL" clId="{3F616429-CA07-8145-BE07-B7552942C56D}" dt="2019-09-09T14:09:15.201" v="3124" actId="20577"/>
           <ac:spMkLst>
             <pc:docMk/>
             <pc:sldMk cId="3974060782" sldId="289"/>
@@ -572,12 +572,20 @@
           </ac:spMkLst>
         </pc:spChg>
       </pc:sldChg>
-      <pc:sldChg chg="add">
-        <pc:chgData name="Long B Nguyen" userId="f59fb8f3-a021-417a-8bc1-65c8d471c621" providerId="ADAL" clId="{3F616429-CA07-8145-BE07-B7552942C56D}" dt="2019-09-08T04:06:59.259" v="3085"/>
+      <pc:sldChg chg="modSp add">
+        <pc:chgData name="Long B Nguyen" userId="f59fb8f3-a021-417a-8bc1-65c8d471c621" providerId="ADAL" clId="{3F616429-CA07-8145-BE07-B7552942C56D}" dt="2019-09-09T14:10:54.655" v="3137" actId="20577"/>
         <pc:sldMkLst>
           <pc:docMk/>
           <pc:sldMk cId="2682965912" sldId="303"/>
         </pc:sldMkLst>
+        <pc:spChg chg="mod">
+          <ac:chgData name="Long B Nguyen" userId="f59fb8f3-a021-417a-8bc1-65c8d471c621" providerId="ADAL" clId="{3F616429-CA07-8145-BE07-B7552942C56D}" dt="2019-09-09T14:10:54.655" v="3137" actId="20577"/>
+          <ac:spMkLst>
+            <pc:docMk/>
+            <pc:sldMk cId="2682965912" sldId="303"/>
+            <ac:spMk id="3" creationId="{5FEBABCA-F4C8-1048-81D6-6BFA51446B1C}"/>
+          </ac:spMkLst>
+        </pc:spChg>
       </pc:sldChg>
       <pc:sldChg chg="add">
         <pc:chgData name="Long B Nguyen" userId="f59fb8f3-a021-417a-8bc1-65c8d471c621" providerId="ADAL" clId="{3F616429-CA07-8145-BE07-B7552942C56D}" dt="2019-09-08T04:06:59.259" v="3085"/>
@@ -830,7 +838,7 @@
           <a:p>
             <a:fld id="{4AAD347D-5ACD-4C99-B74B-A9C85AD731AF}" type="datetimeFigureOut">
               <a:rPr lang="en-US" smtClean="0"/>
-              <a:t>9/8/19</a:t>
+              <a:t>9/9/19</a:t>
             </a:fld>
             <a:endParaRPr lang="en-US" dirty="0"/>
           </a:p>
@@ -1000,7 +1008,7 @@
           <a:p>
             <a:fld id="{4509A250-FF31-4206-8172-F9D3106AACB1}" type="datetimeFigureOut">
               <a:rPr lang="en-US" smtClean="0"/>
-              <a:t>9/8/19</a:t>
+              <a:t>9/9/19</a:t>
             </a:fld>
             <a:endParaRPr lang="en-US" dirty="0"/>
           </a:p>
@@ -1180,7 +1188,7 @@
           <a:p>
             <a:fld id="{4509A250-FF31-4206-8172-F9D3106AACB1}" type="datetimeFigureOut">
               <a:rPr lang="en-US" smtClean="0"/>
-              <a:t>9/8/19</a:t>
+              <a:t>9/9/19</a:t>
             </a:fld>
             <a:endParaRPr lang="en-US" dirty="0"/>
           </a:p>
@@ -1350,7 +1358,7 @@
           <a:p>
             <a:fld id="{4509A250-FF31-4206-8172-F9D3106AACB1}" type="datetimeFigureOut">
               <a:rPr lang="en-US" smtClean="0"/>
-              <a:t>9/8/19</a:t>
+              <a:t>9/9/19</a:t>
             </a:fld>
             <a:endParaRPr lang="en-US" dirty="0"/>
           </a:p>
@@ -1596,7 +1604,7 @@
           <a:p>
             <a:fld id="{9796027F-7875-4030-9381-8BD8C4F21935}" type="datetimeFigureOut">
               <a:rPr lang="en-US" smtClean="0"/>
-              <a:t>9/8/19</a:t>
+              <a:t>9/9/19</a:t>
             </a:fld>
             <a:endParaRPr lang="en-US" dirty="0"/>
           </a:p>
@@ -1828,7 +1836,7 @@
           <a:p>
             <a:fld id="{9796027F-7875-4030-9381-8BD8C4F21935}" type="datetimeFigureOut">
               <a:rPr lang="en-US" smtClean="0"/>
-              <a:t>9/8/19</a:t>
+              <a:t>9/9/19</a:t>
             </a:fld>
             <a:endParaRPr lang="en-US" dirty="0"/>
           </a:p>
@@ -2195,7 +2203,7 @@
           <a:p>
             <a:fld id="{9796027F-7875-4030-9381-8BD8C4F21935}" type="datetimeFigureOut">
               <a:rPr lang="en-US" smtClean="0"/>
-              <a:t>9/8/19</a:t>
+              <a:t>9/9/19</a:t>
             </a:fld>
             <a:endParaRPr lang="en-US" dirty="0"/>
           </a:p>
@@ -2313,7 +2321,7 @@
           <a:p>
             <a:fld id="{4509A250-FF31-4206-8172-F9D3106AACB1}" type="datetimeFigureOut">
               <a:rPr lang="en-US" smtClean="0"/>
-              <a:t>9/8/19</a:t>
+              <a:t>9/9/19</a:t>
             </a:fld>
             <a:endParaRPr lang="en-US" dirty="0"/>
           </a:p>
@@ -2408,7 +2416,7 @@
           <a:p>
             <a:fld id="{4509A250-FF31-4206-8172-F9D3106AACB1}" type="datetimeFigureOut">
               <a:rPr lang="en-US" smtClean="0"/>
-              <a:t>9/8/19</a:t>
+              <a:t>9/9/19</a:t>
             </a:fld>
             <a:endParaRPr lang="en-US" dirty="0"/>
           </a:p>
@@ -2685,7 +2693,7 @@
           <a:p>
             <a:fld id="{4509A250-FF31-4206-8172-F9D3106AACB1}" type="datetimeFigureOut">
               <a:rPr lang="en-US" smtClean="0"/>
-              <a:t>9/8/19</a:t>
+              <a:t>9/9/19</a:t>
             </a:fld>
             <a:endParaRPr lang="en-US" dirty="0"/>
           </a:p>
@@ -2942,7 +2950,7 @@
           <a:p>
             <a:fld id="{4509A250-FF31-4206-8172-F9D3106AACB1}" type="datetimeFigureOut">
               <a:rPr lang="en-US" smtClean="0"/>
-              <a:t>9/8/19</a:t>
+              <a:t>9/9/19</a:t>
             </a:fld>
             <a:endParaRPr lang="en-US" dirty="0"/>
           </a:p>
@@ -3155,7 +3163,7 @@
           <a:p>
             <a:fld id="{4AAD347D-5ACD-4C99-B74B-A9C85AD731AF}" type="datetimeFigureOut">
               <a:rPr lang="en-US" smtClean="0"/>
-              <a:t>9/8/19</a:t>
+              <a:t>9/9/19</a:t>
             </a:fld>
             <a:endParaRPr lang="en-US" dirty="0"/>
           </a:p>
@@ -3633,7 +3641,7 @@
             <a:pPr algn="l"/>
             <a:r>
               <a:rPr lang="en-US" sz="2400" b="1" dirty="0"/>
-              <a:t>Variables and Operations</a:t>
+              <a:t>Operations and Variables</a:t>
             </a:r>
           </a:p>
         </p:txBody>
@@ -4466,7 +4474,31 @@
             </a:pPr>
             <a:r>
               <a:rPr lang="en-US" dirty="0"/>
-              <a:t>Python provides operators to combine the values using the standard concepts of “and”, “or”, and “not”. </a:t>
+              <a:t>Python provides operators to combine the values using the standard concepts of “</a:t>
+            </a:r>
+            <a:r>
+              <a:rPr lang="en-US" b="1" dirty="0"/>
+              <a:t>and</a:t>
+            </a:r>
+            <a:r>
+              <a:rPr lang="en-US" dirty="0"/>
+              <a:t>”, “</a:t>
+            </a:r>
+            <a:r>
+              <a:rPr lang="en-US" b="1" dirty="0"/>
+              <a:t>or</a:t>
+            </a:r>
+            <a:r>
+              <a:rPr lang="en-US" dirty="0"/>
+              <a:t>”, and “</a:t>
+            </a:r>
+            <a:r>
+              <a:rPr lang="en-US" b="1" dirty="0"/>
+              <a:t>not</a:t>
+            </a:r>
+            <a:r>
+              <a:rPr lang="en-US" dirty="0"/>
+              <a:t>”. </a:t>
             </a:r>
           </a:p>
           <a:p>
@@ -8037,7 +8069,7 @@
         <p:spPr>
           <a:xfrm>
             <a:off x="3472234" y="4128052"/>
-            <a:ext cx="4306692" cy="1015663"/>
+            <a:ext cx="4923527" cy="1015663"/>
           </a:xfrm>
           <a:prstGeom prst="rect">
             <a:avLst/>
@@ -8067,6 +8099,22 @@
                 </a:solidFill>
               </a:rPr>
               <a:t>entered by the user, and the program </a:t>
+            </a:r>
+            <a:r>
+              <a:rPr lang="en-US" sz="2000" b="1" dirty="0">
+                <a:solidFill>
+                  <a:srgbClr val="FF0000"/>
+                </a:solidFill>
+              </a:rPr>
+              <a:t>ONLY</a:t>
+            </a:r>
+            <a:r>
+              <a:rPr lang="en-US" sz="2000" dirty="0">
+                <a:solidFill>
+                  <a:srgbClr val="FF0000"/>
+                </a:solidFill>
+              </a:rPr>
+              <a:t> </a:t>
             </a:r>
           </a:p>
           <a:p>

--- a/courses/apcsp/lect2.pptx
+++ b/courses/apcsp/lect2.pptx
@@ -17,15 +17,16 @@
     <p:sldId id="282" r:id="rId11"/>
     <p:sldId id="297" r:id="rId12"/>
     <p:sldId id="283" r:id="rId13"/>
-    <p:sldId id="298" r:id="rId14"/>
-    <p:sldId id="299" r:id="rId15"/>
-    <p:sldId id="300" r:id="rId16"/>
-    <p:sldId id="301" r:id="rId17"/>
-    <p:sldId id="302" r:id="rId18"/>
-    <p:sldId id="303" r:id="rId19"/>
-    <p:sldId id="304" r:id="rId20"/>
-    <p:sldId id="305" r:id="rId21"/>
-    <p:sldId id="290" r:id="rId22"/>
+    <p:sldId id="306" r:id="rId14"/>
+    <p:sldId id="298" r:id="rId15"/>
+    <p:sldId id="299" r:id="rId16"/>
+    <p:sldId id="300" r:id="rId17"/>
+    <p:sldId id="301" r:id="rId18"/>
+    <p:sldId id="302" r:id="rId19"/>
+    <p:sldId id="303" r:id="rId20"/>
+    <p:sldId id="304" r:id="rId21"/>
+    <p:sldId id="305" r:id="rId22"/>
+    <p:sldId id="290" r:id="rId23"/>
   </p:sldIdLst>
   <p:sldSz cx="9144000" cy="5715000" type="screen16x10"/>
   <p:notesSz cx="6858000" cy="9144000"/>
@@ -135,7 +136,7 @@
 <file path=ppt/revisionInfo.xml><?xml version="1.0" encoding="utf-8"?>
 <p1510:revInfo xmlns:a="http://schemas.openxmlformats.org/drawingml/2006/main" xmlns:r="http://schemas.openxmlformats.org/officeDocument/2006/relationships" xmlns:p1510="http://schemas.microsoft.com/office/powerpoint/2015/10/main">
   <p1510:revLst>
-    <p1510:client id="{3F616429-CA07-8145-BE07-B7552942C56D}" v="69" dt="2019-09-08T04:06:59.260"/>
+    <p1510:client id="{3F616429-CA07-8145-BE07-B7552942C56D}" v="70" dt="2019-09-09T17:28:56.323"/>
   </p1510:revLst>
 </p1510:revInfo>
 </file>
@@ -144,8 +145,8 @@
 <pc:chgInfo xmlns:a="http://schemas.openxmlformats.org/drawingml/2006/main" xmlns:r="http://schemas.openxmlformats.org/officeDocument/2006/relationships" xmlns:ac="http://schemas.microsoft.com/office/drawing/2013/main/command" xmlns:pc="http://schemas.microsoft.com/office/powerpoint/2013/main/command">
   <pc:docChgLst>
     <pc:chgData name="Long B Nguyen" userId="f59fb8f3-a021-417a-8bc1-65c8d471c621" providerId="ADAL" clId="{3F616429-CA07-8145-BE07-B7552942C56D}"/>
-    <pc:docChg chg="custSel addSld delSld modSld">
-      <pc:chgData name="Long B Nguyen" userId="f59fb8f3-a021-417a-8bc1-65c8d471c621" providerId="ADAL" clId="{3F616429-CA07-8145-BE07-B7552942C56D}" dt="2019-09-09T14:10:54.655" v="3137" actId="20577"/>
+    <pc:docChg chg="undo custSel addSld delSld modSld">
+      <pc:chgData name="Long B Nguyen" userId="f59fb8f3-a021-417a-8bc1-65c8d471c621" providerId="ADAL" clId="{3F616429-CA07-8145-BE07-B7552942C56D}" dt="2019-09-09T17:30:53.788" v="3300" actId="1076"/>
       <pc:docMkLst>
         <pc:docMk/>
       </pc:docMkLst>
@@ -600,6 +601,37 @@
           <pc:docMk/>
           <pc:sldMk cId="3231133164" sldId="305"/>
         </pc:sldMkLst>
+      </pc:sldChg>
+      <pc:sldChg chg="modSp add">
+        <pc:chgData name="Long B Nguyen" userId="f59fb8f3-a021-417a-8bc1-65c8d471c621" providerId="ADAL" clId="{3F616429-CA07-8145-BE07-B7552942C56D}" dt="2019-09-09T17:30:53.788" v="3300" actId="1076"/>
+        <pc:sldMkLst>
+          <pc:docMk/>
+          <pc:sldMk cId="545427862" sldId="306"/>
+        </pc:sldMkLst>
+        <pc:spChg chg="mod">
+          <ac:chgData name="Long B Nguyen" userId="f59fb8f3-a021-417a-8bc1-65c8d471c621" providerId="ADAL" clId="{3F616429-CA07-8145-BE07-B7552942C56D}" dt="2019-09-09T17:29:48.660" v="3169" actId="20577"/>
+          <ac:spMkLst>
+            <pc:docMk/>
+            <pc:sldMk cId="545427862" sldId="306"/>
+            <ac:spMk id="2" creationId="{AA3A228F-61D0-D949-A5E7-F83756230BF8}"/>
+          </ac:spMkLst>
+        </pc:spChg>
+        <pc:spChg chg="mod">
+          <ac:chgData name="Long B Nguyen" userId="f59fb8f3-a021-417a-8bc1-65c8d471c621" providerId="ADAL" clId="{3F616429-CA07-8145-BE07-B7552942C56D}" dt="2019-09-09T17:30:53.788" v="3300" actId="1076"/>
+          <ac:spMkLst>
+            <pc:docMk/>
+            <pc:sldMk cId="545427862" sldId="306"/>
+            <ac:spMk id="5" creationId="{F46FDA34-E2B9-0847-B9D0-D4D6C167AC45}"/>
+          </ac:spMkLst>
+        </pc:spChg>
+        <pc:graphicFrameChg chg="mod modGraphic">
+          <ac:chgData name="Long B Nguyen" userId="f59fb8f3-a021-417a-8bc1-65c8d471c621" providerId="ADAL" clId="{3F616429-CA07-8145-BE07-B7552942C56D}" dt="2019-09-09T17:29:40.663" v="3161" actId="1076"/>
+          <ac:graphicFrameMkLst>
+            <pc:docMk/>
+            <pc:sldMk cId="545427862" sldId="306"/>
+            <ac:graphicFrameMk id="3" creationId="{391B73BC-5A44-AA4B-8594-7E55B590EF7F}"/>
+          </ac:graphicFrameMkLst>
+        </pc:graphicFrameChg>
       </pc:sldChg>
     </pc:docChg>
   </pc:docChgLst>
@@ -5357,6 +5389,186 @@
           <a:chExt cx="0" cy="0"/>
         </a:xfrm>
       </p:grpSpPr>
+      <p:graphicFrame>
+        <p:nvGraphicFramePr>
+          <p:cNvPr id="3" name="Content Placeholder 2">
+            <a:extLst>
+              <a:ext uri="{FF2B5EF4-FFF2-40B4-BE49-F238E27FC236}">
+                <a16:creationId xmlns:a16="http://schemas.microsoft.com/office/drawing/2014/main" id="{391B73BC-5A44-AA4B-8594-7E55B590EF7F}"/>
+              </a:ext>
+            </a:extLst>
+          </p:cNvPr>
+          <p:cNvGraphicFramePr>
+            <a:graphicFrameLocks noGrp="1"/>
+          </p:cNvGraphicFramePr>
+          <p:nvPr>
+            <p:ph idx="1"/>
+            <p:extLst>
+              <p:ext uri="{D42A27DB-BD31-4B8C-83A1-F6EECF244321}">
+                <p14:modId xmlns:p14="http://schemas.microsoft.com/office/powerpoint/2010/main" val="1489257386"/>
+              </p:ext>
+            </p:extLst>
+          </p:nvPr>
+        </p:nvGraphicFramePr>
+        <p:xfrm>
+          <a:off x="3225052" y="1379299"/>
+          <a:ext cx="2395745" cy="1409700"/>
+        </p:xfrm>
+        <a:graphic>
+          <a:graphicData uri="http://schemas.openxmlformats.org/drawingml/2006/table">
+            <a:tbl>
+              <a:tblPr firstRow="1" bandRow="1">
+                <a:tableStyleId>{5940675A-B579-460E-94D1-54222C63F5DA}</a:tableStyleId>
+              </a:tblPr>
+              <a:tblGrid>
+                <a:gridCol w="1148059">
+                  <a:extLst>
+                    <a:ext uri="{9D8B030D-6E8A-4147-A177-3AD203B41FA5}">
+                      <a16:colId xmlns:a16="http://schemas.microsoft.com/office/drawing/2014/main" val="2797331459"/>
+                    </a:ext>
+                  </a:extLst>
+                </a:gridCol>
+                <a:gridCol w="1247686">
+                  <a:extLst>
+                    <a:ext uri="{9D8B030D-6E8A-4147-A177-3AD203B41FA5}">
+                      <a16:colId xmlns:a16="http://schemas.microsoft.com/office/drawing/2014/main" val="643804973"/>
+                    </a:ext>
+                  </a:extLst>
+                </a:gridCol>
+              </a:tblGrid>
+              <a:tr h="0">
+                <a:tc>
+                  <a:txBody>
+                    <a:bodyPr/>
+                    <a:lstStyle/>
+                    <a:p>
+                      <a:r>
+                        <a:rPr lang="en-US" b="1" dirty="0"/>
+                        <a:t>Precedence</a:t>
+                      </a:r>
+                    </a:p>
+                  </a:txBody>
+                  <a:tcPr/>
+                </a:tc>
+                <a:tc>
+                  <a:txBody>
+                    <a:bodyPr/>
+                    <a:lstStyle/>
+                    <a:p>
+                      <a:r>
+                        <a:rPr lang="en-US" b="1" dirty="0"/>
+                        <a:t>Operator</a:t>
+                      </a:r>
+                    </a:p>
+                  </a:txBody>
+                  <a:tcPr/>
+                </a:tc>
+                <a:extLst>
+                  <a:ext uri="{0D108BD9-81ED-4DB2-BD59-A6C34878D82A}">
+                    <a16:rowId xmlns:a16="http://schemas.microsoft.com/office/drawing/2014/main" val="1310382839"/>
+                  </a:ext>
+                </a:extLst>
+              </a:tr>
+              <a:tr h="370840">
+                <a:tc>
+                  <a:txBody>
+                    <a:bodyPr/>
+                    <a:lstStyle/>
+                    <a:p>
+                      <a:r>
+                        <a:rPr lang="en-US" sz="1600" dirty="0"/>
+                        <a:t>highest</a:t>
+                      </a:r>
+                    </a:p>
+                  </a:txBody>
+                  <a:tcPr/>
+                </a:tc>
+                <a:tc>
+                  <a:txBody>
+                    <a:bodyPr/>
+                    <a:lstStyle/>
+                    <a:p>
+                      <a:r>
+                        <a:rPr lang="en-US" sz="1600" dirty="0"/>
+                        <a:t>not</a:t>
+                      </a:r>
+                    </a:p>
+                  </a:txBody>
+                  <a:tcPr/>
+                </a:tc>
+                <a:extLst>
+                  <a:ext uri="{0D108BD9-81ED-4DB2-BD59-A6C34878D82A}">
+                    <a16:rowId xmlns:a16="http://schemas.microsoft.com/office/drawing/2014/main" val="1996550485"/>
+                  </a:ext>
+                </a:extLst>
+              </a:tr>
+              <a:tr h="370840">
+                <a:tc>
+                  <a:txBody>
+                    <a:bodyPr/>
+                    <a:lstStyle/>
+                    <a:p>
+                      <a:endParaRPr lang="en-US" sz="1600" dirty="0"/>
+                    </a:p>
+                  </a:txBody>
+                  <a:tcPr/>
+                </a:tc>
+                <a:tc>
+                  <a:txBody>
+                    <a:bodyPr/>
+                    <a:lstStyle/>
+                    <a:p>
+                      <a:r>
+                        <a:rPr lang="en-US" sz="1600" dirty="0"/>
+                        <a:t>and</a:t>
+                      </a:r>
+                    </a:p>
+                  </a:txBody>
+                  <a:tcPr/>
+                </a:tc>
+                <a:extLst>
+                  <a:ext uri="{0D108BD9-81ED-4DB2-BD59-A6C34878D82A}">
+                    <a16:rowId xmlns:a16="http://schemas.microsoft.com/office/drawing/2014/main" val="3709973102"/>
+                  </a:ext>
+                </a:extLst>
+              </a:tr>
+              <a:tr h="370840">
+                <a:tc>
+                  <a:txBody>
+                    <a:bodyPr/>
+                    <a:lstStyle/>
+                    <a:p>
+                      <a:r>
+                        <a:rPr lang="en-US" sz="1600" dirty="0"/>
+                        <a:t>lowest</a:t>
+                      </a:r>
+                    </a:p>
+                  </a:txBody>
+                  <a:tcPr/>
+                </a:tc>
+                <a:tc>
+                  <a:txBody>
+                    <a:bodyPr/>
+                    <a:lstStyle/>
+                    <a:p>
+                      <a:r>
+                        <a:rPr lang="en-US" sz="1600" dirty="0"/>
+                        <a:t>or</a:t>
+                      </a:r>
+                    </a:p>
+                  </a:txBody>
+                  <a:tcPr/>
+                </a:tc>
+                <a:extLst>
+                  <a:ext uri="{0D108BD9-81ED-4DB2-BD59-A6C34878D82A}">
+                    <a16:rowId xmlns:a16="http://schemas.microsoft.com/office/drawing/2014/main" val="1095184765"/>
+                  </a:ext>
+                </a:extLst>
+              </a:tr>
+            </a:tbl>
+          </a:graphicData>
+        </a:graphic>
+      </p:graphicFrame>
       <p:sp>
         <p:nvSpPr>
           <p:cNvPr id="2" name="Title 1">
@@ -5385,469 +5597,50 @@
           <a:p>
             <a:r>
               <a:rPr lang="en-US" dirty="0"/>
-              <a:t>Boolean Operations</a:t>
+              <a:t>Boolean Operator Precedence</a:t>
             </a:r>
           </a:p>
         </p:txBody>
       </p:sp>
       <p:sp>
         <p:nvSpPr>
-          <p:cNvPr id="9" name="Content Placeholder 8">
+          <p:cNvPr id="5" name="TextBox 4">
             <a:extLst>
               <a:ext uri="{FF2B5EF4-FFF2-40B4-BE49-F238E27FC236}">
-                <a16:creationId xmlns:a16="http://schemas.microsoft.com/office/drawing/2014/main" id="{E3B2E017-30B2-884B-A113-B419A2ED51AD}"/>
+                <a16:creationId xmlns:a16="http://schemas.microsoft.com/office/drawing/2014/main" id="{F46FDA34-E2B9-0847-B9D0-D4D6C167AC45}"/>
               </a:ext>
             </a:extLst>
           </p:cNvPr>
-          <p:cNvSpPr>
-            <a:spLocks noGrp="1"/>
-          </p:cNvSpPr>
-          <p:nvPr>
-            <p:ph idx="1"/>
-          </p:nvPr>
+          <p:cNvSpPr txBox="1"/>
+          <p:nvPr/>
         </p:nvSpPr>
         <p:spPr>
           <a:xfrm>
-            <a:off x="483848" y="1003610"/>
-            <a:ext cx="8051725" cy="4711390"/>
+            <a:off x="282399" y="3824830"/>
+            <a:ext cx="8281050" cy="369332"/>
           </a:xfrm>
+          <a:prstGeom prst="rect">
+            <a:avLst/>
+          </a:prstGeom>
+          <a:noFill/>
         </p:spPr>
         <p:txBody>
-          <a:bodyPr>
-            <a:noAutofit/>
+          <a:bodyPr wrap="none" rtlCol="0">
+            <a:spAutoFit/>
           </a:bodyPr>
           <a:lstStyle/>
           <a:p>
-            <a:pPr marL="0" indent="0">
-              <a:buNone/>
-            </a:pPr>
-            <a:endParaRPr lang="en-US" dirty="0"/>
-          </a:p>
-          <a:p>
-            <a:pPr marL="0" indent="0">
-              <a:buNone/>
-            </a:pPr>
-            <a:r>
-              <a:rPr lang="en-US" b="1" dirty="0">
-                <a:solidFill>
-                  <a:srgbClr val="000087"/>
-                </a:solidFill>
-                <a:latin typeface="Inconsolata Medium" panose="020B0609030003000000" pitchFamily="49" charset="77"/>
-              </a:rPr>
-              <a:t>In</a:t>
-            </a:r>
-            <a:r>
-              <a:rPr lang="en-US" b="1" dirty="0">
-                <a:latin typeface="Inconsolata Medium" panose="020B0609030003000000" pitchFamily="49" charset="77"/>
-              </a:rPr>
-              <a:t>[</a:t>
-            </a:r>
-            <a:r>
-              <a:rPr lang="en-US" b="1" dirty="0">
-                <a:solidFill>
-                  <a:srgbClr val="FF6600"/>
-                </a:solidFill>
-                <a:latin typeface="Inconsolata Medium" panose="020B0609030003000000" pitchFamily="49" charset="77"/>
-              </a:rPr>
-              <a:t>1</a:t>
-            </a:r>
-            <a:r>
-              <a:rPr lang="en-US" b="1" dirty="0">
-                <a:latin typeface="Inconsolata Medium" panose="020B0609030003000000" pitchFamily="49" charset="77"/>
-              </a:rPr>
-              <a:t>]: </a:t>
-            </a:r>
-            <a:r>
-              <a:rPr lang="en-US" b="1" dirty="0">
-                <a:solidFill>
-                  <a:srgbClr val="000087"/>
-                </a:solidFill>
-                <a:latin typeface="Inconsolata Medium" panose="020B0609030003000000" pitchFamily="49" charset="77"/>
-              </a:rPr>
-              <a:t>x </a:t>
-            </a:r>
-            <a:r>
-              <a:rPr lang="en-US" b="1" dirty="0">
-                <a:solidFill>
-                  <a:srgbClr val="545454"/>
-                </a:solidFill>
-                <a:latin typeface="Inconsolata Medium" panose="020B0609030003000000" pitchFamily="49" charset="77"/>
-              </a:rPr>
-              <a:t>= </a:t>
-            </a:r>
-            <a:r>
-              <a:rPr lang="en-US" b="1" dirty="0">
-                <a:solidFill>
-                  <a:srgbClr val="FF6600"/>
-                </a:solidFill>
-                <a:latin typeface="Inconsolata Medium" panose="020B0609030003000000" pitchFamily="49" charset="77"/>
-              </a:rPr>
-              <a:t>4 </a:t>
-            </a:r>
-          </a:p>
-          <a:p>
-            <a:pPr marL="0" indent="0">
-              <a:buNone/>
-            </a:pPr>
-            <a:r>
-              <a:rPr lang="en-US" b="1" dirty="0">
-                <a:solidFill>
-                  <a:srgbClr val="FF6600"/>
-                </a:solidFill>
-                <a:latin typeface="Inconsolata Medium" panose="020B0609030003000000" pitchFamily="49" charset="77"/>
-              </a:rPr>
-              <a:t>	   </a:t>
-            </a:r>
-            <a:r>
-              <a:rPr lang="en-US" b="1" dirty="0">
-                <a:latin typeface="Inconsolata Medium" panose="020B0609030003000000" pitchFamily="49" charset="77"/>
-              </a:rPr>
-              <a:t>(</a:t>
-            </a:r>
-            <a:r>
-              <a:rPr lang="en-US" b="1" dirty="0">
-                <a:solidFill>
-                  <a:srgbClr val="000087"/>
-                </a:solidFill>
-                <a:latin typeface="Inconsolata Medium" panose="020B0609030003000000" pitchFamily="49" charset="77"/>
-              </a:rPr>
-              <a:t>x </a:t>
-            </a:r>
-            <a:r>
-              <a:rPr lang="en-US" b="1" dirty="0">
-                <a:solidFill>
-                  <a:srgbClr val="545454"/>
-                </a:solidFill>
-                <a:latin typeface="Inconsolata Medium" panose="020B0609030003000000" pitchFamily="49" charset="77"/>
-              </a:rPr>
-              <a:t>&lt; </a:t>
-            </a:r>
-            <a:r>
-              <a:rPr lang="en-US" b="1" dirty="0">
-                <a:solidFill>
-                  <a:srgbClr val="FF6600"/>
-                </a:solidFill>
-                <a:latin typeface="Inconsolata Medium" panose="020B0609030003000000" pitchFamily="49" charset="77"/>
-              </a:rPr>
-              <a:t>6</a:t>
-            </a:r>
-            <a:r>
-              <a:rPr lang="en-US" b="1" dirty="0">
-                <a:latin typeface="Inconsolata Medium" panose="020B0609030003000000" pitchFamily="49" charset="77"/>
-              </a:rPr>
-              <a:t>) and (</a:t>
-            </a:r>
-            <a:r>
-              <a:rPr lang="en-US" b="1" dirty="0">
-                <a:solidFill>
-                  <a:srgbClr val="000087"/>
-                </a:solidFill>
-                <a:latin typeface="Inconsolata Medium" panose="020B0609030003000000" pitchFamily="49" charset="77"/>
-              </a:rPr>
-              <a:t>x </a:t>
-            </a:r>
-            <a:r>
-              <a:rPr lang="en-US" b="1" dirty="0">
-                <a:solidFill>
-                  <a:srgbClr val="545454"/>
-                </a:solidFill>
-                <a:latin typeface="Inconsolata Medium" panose="020B0609030003000000" pitchFamily="49" charset="77"/>
-              </a:rPr>
-              <a:t>&gt; </a:t>
-            </a:r>
-            <a:r>
-              <a:rPr lang="en-US" b="1" dirty="0">
-                <a:solidFill>
-                  <a:srgbClr val="FF6600"/>
-                </a:solidFill>
-                <a:latin typeface="Inconsolata Medium" panose="020B0609030003000000" pitchFamily="49" charset="77"/>
-              </a:rPr>
-              <a:t>2</a:t>
-            </a:r>
-            <a:r>
-              <a:rPr lang="en-US" b="1" dirty="0">
-                <a:latin typeface="Inconsolata Medium" panose="020B0609030003000000" pitchFamily="49" charset="77"/>
-              </a:rPr>
-              <a:t>) </a:t>
-            </a:r>
-          </a:p>
-          <a:p>
-            <a:pPr marL="0" indent="0">
-              <a:buNone/>
-            </a:pPr>
-            <a:r>
-              <a:rPr lang="en-US" b="1" dirty="0">
-                <a:latin typeface="Inconsolata Medium" panose="020B0609030003000000" pitchFamily="49" charset="77"/>
-              </a:rPr>
-              <a:t>Out[1]: True </a:t>
-            </a:r>
-          </a:p>
-          <a:p>
-            <a:pPr marL="0" indent="0">
-              <a:buNone/>
-            </a:pPr>
-            <a:endParaRPr lang="en-US" b="1" dirty="0">
-              <a:latin typeface="Inconsolata Medium" panose="020B0609030003000000" pitchFamily="49" charset="77"/>
-            </a:endParaRPr>
-          </a:p>
-          <a:p>
-            <a:pPr marL="0" indent="0">
-              <a:buNone/>
-            </a:pPr>
-            <a:r>
-              <a:rPr lang="en-US" b="1" dirty="0">
-                <a:solidFill>
-                  <a:srgbClr val="000087"/>
-                </a:solidFill>
-                <a:latin typeface="Inconsolata Medium" panose="020B0609030003000000" pitchFamily="49" charset="77"/>
-              </a:rPr>
-              <a:t>In</a:t>
-            </a:r>
-            <a:r>
-              <a:rPr lang="en-US" b="1" dirty="0">
-                <a:latin typeface="Inconsolata Medium" panose="020B0609030003000000" pitchFamily="49" charset="77"/>
-              </a:rPr>
-              <a:t>[</a:t>
-            </a:r>
-            <a:r>
-              <a:rPr lang="en-US" b="1" dirty="0">
-                <a:solidFill>
-                  <a:srgbClr val="FF6600"/>
-                </a:solidFill>
-                <a:latin typeface="Inconsolata Medium" panose="020B0609030003000000" pitchFamily="49" charset="77"/>
-              </a:rPr>
-              <a:t>2</a:t>
-            </a:r>
-            <a:r>
-              <a:rPr lang="en-US" b="1" dirty="0">
-                <a:latin typeface="Inconsolata Medium" panose="020B0609030003000000" pitchFamily="49" charset="77"/>
-              </a:rPr>
-              <a:t>]: (</a:t>
-            </a:r>
-            <a:r>
-              <a:rPr lang="en-US" b="1" dirty="0">
-                <a:solidFill>
-                  <a:srgbClr val="000087"/>
-                </a:solidFill>
-                <a:latin typeface="Inconsolata Medium" panose="020B0609030003000000" pitchFamily="49" charset="77"/>
-              </a:rPr>
-              <a:t>x </a:t>
-            </a:r>
-            <a:r>
-              <a:rPr lang="en-US" b="1" dirty="0">
-                <a:solidFill>
-                  <a:srgbClr val="545454"/>
-                </a:solidFill>
-                <a:latin typeface="Inconsolata Medium" panose="020B0609030003000000" pitchFamily="49" charset="77"/>
-              </a:rPr>
-              <a:t>&gt; </a:t>
-            </a:r>
-            <a:r>
-              <a:rPr lang="en-US" b="1" dirty="0">
-                <a:solidFill>
-                  <a:srgbClr val="FF6600"/>
-                </a:solidFill>
-                <a:latin typeface="Inconsolata Medium" panose="020B0609030003000000" pitchFamily="49" charset="77"/>
-              </a:rPr>
-              <a:t>10</a:t>
-            </a:r>
-            <a:r>
-              <a:rPr lang="en-US" b="1" dirty="0">
-                <a:latin typeface="Inconsolata Medium" panose="020B0609030003000000" pitchFamily="49" charset="77"/>
-              </a:rPr>
-              <a:t>) or (</a:t>
-            </a:r>
-            <a:r>
-              <a:rPr lang="en-US" b="1" dirty="0">
-                <a:solidFill>
-                  <a:srgbClr val="000087"/>
-                </a:solidFill>
-                <a:latin typeface="Inconsolata Medium" panose="020B0609030003000000" pitchFamily="49" charset="77"/>
-              </a:rPr>
-              <a:t>x </a:t>
-            </a:r>
-            <a:r>
-              <a:rPr lang="en-US" b="1" dirty="0">
-                <a:solidFill>
-                  <a:srgbClr val="545454"/>
-                </a:solidFill>
-                <a:latin typeface="Inconsolata Medium" panose="020B0609030003000000" pitchFamily="49" charset="77"/>
-              </a:rPr>
-              <a:t>% </a:t>
-            </a:r>
-            <a:r>
-              <a:rPr lang="en-US" b="1" dirty="0">
-                <a:solidFill>
-                  <a:srgbClr val="FF6600"/>
-                </a:solidFill>
-                <a:latin typeface="Inconsolata Medium" panose="020B0609030003000000" pitchFamily="49" charset="77"/>
-              </a:rPr>
-              <a:t>2 </a:t>
-            </a:r>
-            <a:r>
-              <a:rPr lang="en-US" b="1" dirty="0">
-                <a:solidFill>
-                  <a:srgbClr val="545454"/>
-                </a:solidFill>
-                <a:latin typeface="Inconsolata Medium" panose="020B0609030003000000" pitchFamily="49" charset="77"/>
-              </a:rPr>
-              <a:t>== </a:t>
-            </a:r>
-            <a:r>
-              <a:rPr lang="en-US" b="1" dirty="0">
-                <a:solidFill>
-                  <a:srgbClr val="FF6600"/>
-                </a:solidFill>
-                <a:latin typeface="Inconsolata Medium" panose="020B0609030003000000" pitchFamily="49" charset="77"/>
-              </a:rPr>
-              <a:t>0</a:t>
-            </a:r>
-            <a:r>
-              <a:rPr lang="en-US" b="1" dirty="0">
-                <a:latin typeface="Inconsolata Medium" panose="020B0609030003000000" pitchFamily="49" charset="77"/>
-              </a:rPr>
-              <a:t>) </a:t>
-            </a:r>
-          </a:p>
-          <a:p>
-            <a:pPr marL="0" indent="0">
-              <a:buNone/>
-            </a:pPr>
-            <a:r>
-              <a:rPr lang="en-US" b="1" dirty="0">
-                <a:latin typeface="Inconsolata Medium" panose="020B0609030003000000" pitchFamily="49" charset="77"/>
-              </a:rPr>
-              <a:t>Out[2]: True</a:t>
-            </a:r>
-          </a:p>
-          <a:p>
-            <a:pPr marL="0" indent="0">
-              <a:buNone/>
-            </a:pPr>
-            <a:br>
-              <a:rPr lang="en-US" b="1" dirty="0">
-                <a:latin typeface="Inconsolata Medium" panose="020B0609030003000000" pitchFamily="49" charset="77"/>
-              </a:rPr>
-            </a:br>
-            <a:r>
-              <a:rPr lang="en-US" b="1" dirty="0">
-                <a:solidFill>
-                  <a:srgbClr val="000087"/>
-                </a:solidFill>
-                <a:latin typeface="Inconsolata Medium" panose="020B0609030003000000" pitchFamily="49" charset="77"/>
-              </a:rPr>
-              <a:t>In</a:t>
-            </a:r>
-            <a:r>
-              <a:rPr lang="en-US" b="1" dirty="0">
-                <a:latin typeface="Inconsolata Medium" panose="020B0609030003000000" pitchFamily="49" charset="77"/>
-              </a:rPr>
-              <a:t>[</a:t>
-            </a:r>
-            <a:r>
-              <a:rPr lang="en-US" b="1" dirty="0">
-                <a:solidFill>
-                  <a:srgbClr val="FF6600"/>
-                </a:solidFill>
-                <a:latin typeface="Inconsolata Medium" panose="020B0609030003000000" pitchFamily="49" charset="77"/>
-              </a:rPr>
-              <a:t>3</a:t>
-            </a:r>
-            <a:r>
-              <a:rPr lang="en-US" b="1" dirty="0">
-                <a:latin typeface="Inconsolata Medium" panose="020B0609030003000000" pitchFamily="49" charset="77"/>
-              </a:rPr>
-              <a:t>]: not (</a:t>
-            </a:r>
-            <a:r>
-              <a:rPr lang="en-US" b="1" dirty="0">
-                <a:solidFill>
-                  <a:srgbClr val="000087"/>
-                </a:solidFill>
-                <a:latin typeface="Inconsolata Medium" panose="020B0609030003000000" pitchFamily="49" charset="77"/>
-              </a:rPr>
-              <a:t>x </a:t>
-            </a:r>
-            <a:r>
-              <a:rPr lang="en-US" b="1" dirty="0">
-                <a:solidFill>
-                  <a:srgbClr val="545454"/>
-                </a:solidFill>
-                <a:latin typeface="Inconsolata Medium" panose="020B0609030003000000" pitchFamily="49" charset="77"/>
-              </a:rPr>
-              <a:t>&lt; </a:t>
-            </a:r>
-            <a:r>
-              <a:rPr lang="en-US" b="1" dirty="0">
-                <a:solidFill>
-                  <a:srgbClr val="FF6600"/>
-                </a:solidFill>
-                <a:latin typeface="Inconsolata Medium" panose="020B0609030003000000" pitchFamily="49" charset="77"/>
-              </a:rPr>
-              <a:t>6</a:t>
-            </a:r>
-            <a:r>
-              <a:rPr lang="en-US" b="1" dirty="0">
-                <a:latin typeface="Inconsolata Medium" panose="020B0609030003000000" pitchFamily="49" charset="77"/>
-              </a:rPr>
-              <a:t>)</a:t>
-            </a:r>
-            <a:br>
-              <a:rPr lang="en-US" b="1" dirty="0">
-                <a:latin typeface="Inconsolata Medium" panose="020B0609030003000000" pitchFamily="49" charset="77"/>
-              </a:rPr>
-            </a:br>
-            <a:r>
-              <a:rPr lang="en-US" b="1" dirty="0">
-                <a:latin typeface="Inconsolata Medium" panose="020B0609030003000000" pitchFamily="49" charset="77"/>
-              </a:rPr>
-              <a:t>Out[3]: False </a:t>
-            </a:r>
-          </a:p>
-          <a:p>
-            <a:pPr marL="0" indent="0">
-              <a:buNone/>
-            </a:pPr>
-            <a:endParaRPr lang="en-US" dirty="0"/>
-          </a:p>
-          <a:p>
-            <a:pPr marL="0" indent="0">
-              <a:buNone/>
-            </a:pPr>
-            <a:endParaRPr lang="en-US" dirty="0"/>
-          </a:p>
-          <a:p>
-            <a:pPr marL="0" indent="0">
-              <a:buNone/>
-            </a:pPr>
-            <a:endParaRPr lang="en-US" dirty="0"/>
-          </a:p>
-          <a:p>
-            <a:pPr marL="0" indent="0">
-              <a:buNone/>
-            </a:pPr>
-            <a:endParaRPr lang="en-US" dirty="0"/>
-          </a:p>
-          <a:p>
-            <a:pPr marL="0" indent="0">
-              <a:buNone/>
-            </a:pPr>
-            <a:endParaRPr lang="en-US" dirty="0"/>
-          </a:p>
-          <a:p>
-            <a:pPr marL="0" indent="0">
-              <a:buNone/>
-            </a:pPr>
-            <a:endParaRPr lang="en-US" sz="1900" b="1" dirty="0">
-              <a:latin typeface="Inconsolata Medium" panose="020B0609030003000000" pitchFamily="49" charset="77"/>
-            </a:endParaRPr>
+            <a:r>
+              <a:rPr lang="en-US" sz="1800" dirty="0"/>
+              <a:t>The not operator has the highest precedence. The operator and is evaluated before or.</a:t>
+            </a:r>
           </a:p>
         </p:txBody>
       </p:sp>
     </p:spTree>
     <p:extLst>
       <p:ext uri="{BB962C8B-B14F-4D97-AF65-F5344CB8AC3E}">
-        <p14:creationId xmlns:p14="http://schemas.microsoft.com/office/powerpoint/2010/main" val="1851907297"/>
+        <p14:creationId xmlns:p14="http://schemas.microsoft.com/office/powerpoint/2010/main" val="545427862"/>
       </p:ext>
     </p:extLst>
   </p:cSld>
@@ -5902,7 +5695,7 @@
           <a:p>
             <a:r>
               <a:rPr lang="en-US" dirty="0"/>
-              <a:t>Variables</a:t>
+              <a:t>Boolean Operations</a:t>
             </a:r>
           </a:p>
         </p:txBody>
@@ -5938,18 +5731,172 @@
             <a:pPr marL="0" indent="0">
               <a:buNone/>
             </a:pPr>
-            <a:r>
-              <a:rPr lang="en-US" sz="1900" b="1" dirty="0">
-                <a:latin typeface="Inconsolata Medium" panose="020B0609030003000000" pitchFamily="49" charset="77"/>
-              </a:rPr>
-              <a:t>We can use variables to refer to values that can be used later. </a:t>
-            </a:r>
-          </a:p>
-          <a:p>
-            <a:pPr marL="0" indent="0">
-              <a:buNone/>
-            </a:pPr>
-            <a:endParaRPr lang="en-US" sz="1900" b="1" dirty="0">
+            <a:endParaRPr lang="en-US" dirty="0"/>
+          </a:p>
+          <a:p>
+            <a:pPr marL="0" indent="0">
+              <a:buNone/>
+            </a:pPr>
+            <a:r>
+              <a:rPr lang="en-US" b="1" dirty="0">
+                <a:solidFill>
+                  <a:srgbClr val="000087"/>
+                </a:solidFill>
+                <a:latin typeface="Inconsolata Medium" panose="020B0609030003000000" pitchFamily="49" charset="77"/>
+              </a:rPr>
+              <a:t>In</a:t>
+            </a:r>
+            <a:r>
+              <a:rPr lang="en-US" b="1" dirty="0">
+                <a:latin typeface="Inconsolata Medium" panose="020B0609030003000000" pitchFamily="49" charset="77"/>
+              </a:rPr>
+              <a:t>[</a:t>
+            </a:r>
+            <a:r>
+              <a:rPr lang="en-US" b="1" dirty="0">
+                <a:solidFill>
+                  <a:srgbClr val="FF6600"/>
+                </a:solidFill>
+                <a:latin typeface="Inconsolata Medium" panose="020B0609030003000000" pitchFamily="49" charset="77"/>
+              </a:rPr>
+              <a:t>1</a:t>
+            </a:r>
+            <a:r>
+              <a:rPr lang="en-US" b="1" dirty="0">
+                <a:latin typeface="Inconsolata Medium" panose="020B0609030003000000" pitchFamily="49" charset="77"/>
+              </a:rPr>
+              <a:t>]: </a:t>
+            </a:r>
+            <a:r>
+              <a:rPr lang="en-US" b="1" dirty="0">
+                <a:solidFill>
+                  <a:srgbClr val="000087"/>
+                </a:solidFill>
+                <a:latin typeface="Inconsolata Medium" panose="020B0609030003000000" pitchFamily="49" charset="77"/>
+              </a:rPr>
+              <a:t>x </a:t>
+            </a:r>
+            <a:r>
+              <a:rPr lang="en-US" b="1" dirty="0">
+                <a:solidFill>
+                  <a:srgbClr val="545454"/>
+                </a:solidFill>
+                <a:latin typeface="Inconsolata Medium" panose="020B0609030003000000" pitchFamily="49" charset="77"/>
+              </a:rPr>
+              <a:t>= </a:t>
+            </a:r>
+            <a:r>
+              <a:rPr lang="en-US" b="1" dirty="0">
+                <a:solidFill>
+                  <a:srgbClr val="FF6600"/>
+                </a:solidFill>
+                <a:latin typeface="Inconsolata Medium" panose="020B0609030003000000" pitchFamily="49" charset="77"/>
+              </a:rPr>
+              <a:t>4 </a:t>
+            </a:r>
+          </a:p>
+          <a:p>
+            <a:pPr marL="0" indent="0">
+              <a:buNone/>
+            </a:pPr>
+            <a:r>
+              <a:rPr lang="en-US" b="1" dirty="0">
+                <a:solidFill>
+                  <a:srgbClr val="FF6600"/>
+                </a:solidFill>
+                <a:latin typeface="Inconsolata Medium" panose="020B0609030003000000" pitchFamily="49" charset="77"/>
+              </a:rPr>
+              <a:t>	   </a:t>
+            </a:r>
+            <a:r>
+              <a:rPr lang="en-US" b="1" dirty="0">
+                <a:latin typeface="Inconsolata Medium" panose="020B0609030003000000" pitchFamily="49" charset="77"/>
+              </a:rPr>
+              <a:t>(</a:t>
+            </a:r>
+            <a:r>
+              <a:rPr lang="en-US" b="1" dirty="0">
+                <a:solidFill>
+                  <a:srgbClr val="000087"/>
+                </a:solidFill>
+                <a:latin typeface="Inconsolata Medium" panose="020B0609030003000000" pitchFamily="49" charset="77"/>
+              </a:rPr>
+              <a:t>x </a:t>
+            </a:r>
+            <a:r>
+              <a:rPr lang="en-US" b="1" dirty="0">
+                <a:solidFill>
+                  <a:srgbClr val="545454"/>
+                </a:solidFill>
+                <a:latin typeface="Inconsolata Medium" panose="020B0609030003000000" pitchFamily="49" charset="77"/>
+              </a:rPr>
+              <a:t>&lt; </a:t>
+            </a:r>
+            <a:r>
+              <a:rPr lang="en-US" b="1" dirty="0">
+                <a:solidFill>
+                  <a:srgbClr val="FF6600"/>
+                </a:solidFill>
+                <a:latin typeface="Inconsolata Medium" panose="020B0609030003000000" pitchFamily="49" charset="77"/>
+              </a:rPr>
+              <a:t>6</a:t>
+            </a:r>
+            <a:r>
+              <a:rPr lang="en-US" b="1" dirty="0">
+                <a:latin typeface="Inconsolata Medium" panose="020B0609030003000000" pitchFamily="49" charset="77"/>
+              </a:rPr>
+              <a:t>) and (</a:t>
+            </a:r>
+            <a:r>
+              <a:rPr lang="en-US" b="1" dirty="0">
+                <a:solidFill>
+                  <a:srgbClr val="000087"/>
+                </a:solidFill>
+                <a:latin typeface="Inconsolata Medium" panose="020B0609030003000000" pitchFamily="49" charset="77"/>
+              </a:rPr>
+              <a:t>x </a:t>
+            </a:r>
+            <a:r>
+              <a:rPr lang="en-US" b="1" dirty="0">
+                <a:solidFill>
+                  <a:srgbClr val="545454"/>
+                </a:solidFill>
+                <a:latin typeface="Inconsolata Medium" panose="020B0609030003000000" pitchFamily="49" charset="77"/>
+              </a:rPr>
+              <a:t>&gt; </a:t>
+            </a:r>
+            <a:r>
+              <a:rPr lang="en-US" b="1" dirty="0">
+                <a:solidFill>
+                  <a:srgbClr val="FF6600"/>
+                </a:solidFill>
+                <a:latin typeface="Inconsolata Medium" panose="020B0609030003000000" pitchFamily="49" charset="77"/>
+              </a:rPr>
+              <a:t>2</a:t>
+            </a:r>
+            <a:r>
+              <a:rPr lang="en-US" b="1" dirty="0">
+                <a:latin typeface="Inconsolata Medium" panose="020B0609030003000000" pitchFamily="49" charset="77"/>
+              </a:rPr>
+              <a:t>) </a:t>
+            </a:r>
+          </a:p>
+          <a:p>
+            <a:pPr marL="0" indent="0">
+              <a:buNone/>
+            </a:pPr>
+            <a:r>
+              <a:rPr lang="en-US" b="1" dirty="0">
+                <a:latin typeface="Inconsolata Medium" panose="020B0609030003000000" pitchFamily="49" charset="77"/>
+              </a:rPr>
+              <a:t>Out[1]: True </a:t>
+            </a:r>
+          </a:p>
+          <a:p>
+            <a:pPr marL="0" indent="0">
+              <a:buNone/>
+            </a:pPr>
+            <a:endParaRPr lang="en-US" b="1" dirty="0">
               <a:latin typeface="Inconsolata Medium" panose="020B0609030003000000" pitchFamily="49" charset="77"/>
             </a:endParaRPr>
           </a:p>
@@ -5958,26 +5905,7 @@
               <a:buNone/>
             </a:pPr>
             <a:r>
-              <a:rPr lang="en-US" sz="1900" b="1" dirty="0">
-                <a:latin typeface="Inconsolata Medium" panose="020B0609030003000000" pitchFamily="49" charset="77"/>
-              </a:rPr>
-              <a:t>You can create a new variable by given it a value. </a:t>
-            </a:r>
-          </a:p>
-          <a:p>
-            <a:pPr marL="0" indent="0">
-              <a:buNone/>
-            </a:pPr>
-            <a:endParaRPr lang="en-US" sz="1900" b="1" dirty="0">
-              <a:latin typeface="Inconsolata Medium" panose="020B0609030003000000" pitchFamily="49" charset="77"/>
-            </a:endParaRPr>
-          </a:p>
-          <a:p>
-            <a:pPr marL="0" indent="0">
-              <a:buNone/>
-            </a:pPr>
-            <a:r>
-              <a:rPr lang="en-US" sz="2000" b="1" dirty="0">
+              <a:rPr lang="en-US" b="1" dirty="0">
                 <a:solidFill>
                   <a:srgbClr val="000087"/>
                 </a:solidFill>
@@ -5986,28 +5914,28 @@
               <a:t>In</a:t>
             </a:r>
             <a:r>
-              <a:rPr lang="en-US" sz="2000" b="1" dirty="0">
+              <a:rPr lang="en-US" b="1" dirty="0">
                 <a:latin typeface="Inconsolata Medium" panose="020B0609030003000000" pitchFamily="49" charset="77"/>
               </a:rPr>
               <a:t>[</a:t>
             </a:r>
             <a:r>
-              <a:rPr lang="en-US" sz="2000" b="1" dirty="0">
+              <a:rPr lang="en-US" b="1" dirty="0">
                 <a:solidFill>
                   <a:srgbClr val="FF6600"/>
                 </a:solidFill>
                 <a:latin typeface="Inconsolata Medium" panose="020B0609030003000000" pitchFamily="49" charset="77"/>
               </a:rPr>
-              <a:t>1</a:t>
-            </a:r>
-            <a:r>
-              <a:rPr lang="en-US" sz="2000" b="1" dirty="0">
-                <a:latin typeface="Inconsolata Medium" panose="020B0609030003000000" pitchFamily="49" charset="77"/>
-              </a:rPr>
-              <a:t>]: </a:t>
-            </a:r>
-            <a:r>
-              <a:rPr lang="en-US" sz="2000" b="1" dirty="0">
+              <a:t>2</a:t>
+            </a:r>
+            <a:r>
+              <a:rPr lang="en-US" b="1" dirty="0">
+                <a:latin typeface="Inconsolata Medium" panose="020B0609030003000000" pitchFamily="49" charset="77"/>
+              </a:rPr>
+              <a:t>]: (</a:t>
+            </a:r>
+            <a:r>
+              <a:rPr lang="en-US" b="1" dirty="0">
                 <a:solidFill>
                   <a:srgbClr val="000087"/>
                 </a:solidFill>
@@ -6016,105 +5944,205 @@
               <a:t>x </a:t>
             </a:r>
             <a:r>
-              <a:rPr lang="en-US" sz="2000" b="1" dirty="0">
+              <a:rPr lang="en-US" b="1" dirty="0">
                 <a:solidFill>
                   <a:srgbClr val="545454"/>
                 </a:solidFill>
                 <a:latin typeface="Inconsolata Medium" panose="020B0609030003000000" pitchFamily="49" charset="77"/>
               </a:rPr>
-              <a:t>= </a:t>
-            </a:r>
-            <a:r>
-              <a:rPr lang="en-US" sz="2000" b="1" dirty="0">
+              <a:t>&gt; </a:t>
+            </a:r>
+            <a:r>
+              <a:rPr lang="en-US" b="1" dirty="0">
                 <a:solidFill>
                   <a:srgbClr val="FF6600"/>
                 </a:solidFill>
                 <a:latin typeface="Inconsolata Medium" panose="020B0609030003000000" pitchFamily="49" charset="77"/>
               </a:rPr>
-              <a:t>4 </a:t>
-            </a:r>
-          </a:p>
-          <a:p>
-            <a:pPr marL="0" indent="0">
-              <a:buNone/>
-            </a:pPr>
-            <a:r>
-              <a:rPr lang="en-US" sz="2000" b="1" dirty="0">
+              <a:t>10</a:t>
+            </a:r>
+            <a:r>
+              <a:rPr lang="en-US" b="1" dirty="0">
+                <a:latin typeface="Inconsolata Medium" panose="020B0609030003000000" pitchFamily="49" charset="77"/>
+              </a:rPr>
+              <a:t>) or (</a:t>
+            </a:r>
+            <a:r>
+              <a:rPr lang="en-US" b="1" dirty="0">
+                <a:solidFill>
+                  <a:srgbClr val="000087"/>
+                </a:solidFill>
+                <a:latin typeface="Inconsolata Medium" panose="020B0609030003000000" pitchFamily="49" charset="77"/>
+              </a:rPr>
+              <a:t>x </a:t>
+            </a:r>
+            <a:r>
+              <a:rPr lang="en-US" b="1" dirty="0">
+                <a:solidFill>
+                  <a:srgbClr val="545454"/>
+                </a:solidFill>
+                <a:latin typeface="Inconsolata Medium" panose="020B0609030003000000" pitchFamily="49" charset="77"/>
+              </a:rPr>
+              <a:t>% </a:t>
+            </a:r>
+            <a:r>
+              <a:rPr lang="en-US" b="1" dirty="0">
                 <a:solidFill>
                   <a:srgbClr val="FF6600"/>
                 </a:solidFill>
                 <a:latin typeface="Inconsolata Medium" panose="020B0609030003000000" pitchFamily="49" charset="77"/>
               </a:rPr>
-              <a:t>       </a:t>
-            </a:r>
-            <a:r>
-              <a:rPr lang="en-US" sz="2000" b="1" dirty="0">
+              <a:t>2 </a:t>
+            </a:r>
+            <a:r>
+              <a:rPr lang="en-US" b="1" dirty="0">
+                <a:solidFill>
+                  <a:srgbClr val="545454"/>
+                </a:solidFill>
+                <a:latin typeface="Inconsolata Medium" panose="020B0609030003000000" pitchFamily="49" charset="77"/>
+              </a:rPr>
+              <a:t>== </a:t>
+            </a:r>
+            <a:r>
+              <a:rPr lang="en-US" b="1" dirty="0">
+                <a:solidFill>
+                  <a:srgbClr val="FF6600"/>
+                </a:solidFill>
+                <a:latin typeface="Inconsolata Medium" panose="020B0609030003000000" pitchFamily="49" charset="77"/>
+              </a:rPr>
+              <a:t>0</a:t>
+            </a:r>
+            <a:r>
+              <a:rPr lang="en-US" b="1" dirty="0">
+                <a:latin typeface="Inconsolata Medium" panose="020B0609030003000000" pitchFamily="49" charset="77"/>
+              </a:rPr>
+              <a:t>) </a:t>
+            </a:r>
+          </a:p>
+          <a:p>
+            <a:pPr marL="0" indent="0">
+              <a:buNone/>
+            </a:pPr>
+            <a:r>
+              <a:rPr lang="en-US" b="1" dirty="0">
+                <a:latin typeface="Inconsolata Medium" panose="020B0609030003000000" pitchFamily="49" charset="77"/>
+              </a:rPr>
+              <a:t>Out[2]: True</a:t>
+            </a:r>
+          </a:p>
+          <a:p>
+            <a:pPr marL="0" indent="0">
+              <a:buNone/>
+            </a:pPr>
+            <a:br>
+              <a:rPr lang="en-US" b="1" dirty="0">
+                <a:latin typeface="Inconsolata Medium" panose="020B0609030003000000" pitchFamily="49" charset="77"/>
+              </a:rPr>
+            </a:br>
+            <a:r>
+              <a:rPr lang="en-US" b="1" dirty="0">
                 <a:solidFill>
                   <a:srgbClr val="000087"/>
                 </a:solidFill>
                 <a:latin typeface="Inconsolata Medium" panose="020B0609030003000000" pitchFamily="49" charset="77"/>
               </a:rPr>
-              <a:t>x</a:t>
-            </a:r>
-            <a:r>
-              <a:rPr lang="en-US" sz="2000" b="1" dirty="0">
+              <a:t>In</a:t>
+            </a:r>
+            <a:r>
+              <a:rPr lang="en-US" b="1" dirty="0">
+                <a:latin typeface="Inconsolata Medium" panose="020B0609030003000000" pitchFamily="49" charset="77"/>
+              </a:rPr>
+              <a:t>[</a:t>
+            </a:r>
+            <a:r>
+              <a:rPr lang="en-US" b="1" dirty="0">
                 <a:solidFill>
                   <a:srgbClr val="FF6600"/>
                 </a:solidFill>
                 <a:latin typeface="Inconsolata Medium" panose="020B0609030003000000" pitchFamily="49" charset="77"/>
               </a:rPr>
-              <a:t>   </a:t>
-            </a:r>
-            <a:endParaRPr lang="en-US" sz="2000" b="1" dirty="0">
-              <a:latin typeface="Inconsolata Medium" panose="020B0609030003000000" pitchFamily="49" charset="77"/>
-            </a:endParaRPr>
-          </a:p>
-          <a:p>
-            <a:pPr marL="0" indent="0">
-              <a:buNone/>
-            </a:pPr>
-            <a:r>
-              <a:rPr lang="en-US" sz="2000" b="1" dirty="0">
-                <a:latin typeface="Inconsolata Medium" panose="020B0609030003000000" pitchFamily="49" charset="77"/>
-              </a:rPr>
-              <a:t>Out[1]: 4</a:t>
-            </a:r>
-          </a:p>
-          <a:p>
-            <a:pPr marL="0" indent="0">
-              <a:buNone/>
-            </a:pPr>
-            <a:endParaRPr lang="en-US" sz="2000" b="1" dirty="0">
-              <a:latin typeface="Inconsolata Medium" panose="020B0609030003000000" pitchFamily="49" charset="77"/>
-            </a:endParaRPr>
-          </a:p>
-          <a:p>
-            <a:pPr marL="0" indent="0">
-              <a:buNone/>
-            </a:pPr>
-            <a:r>
-              <a:rPr lang="en-US" sz="2000" dirty="0"/>
-              <a:t>Variable names can use letters, digits, and the underscore symbol (but they can’t start with a digit).</a:t>
-            </a:r>
-            <a:endParaRPr lang="en-US" sz="2000" b="1" dirty="0">
-              <a:latin typeface="Inconsolata Medium" panose="020B0609030003000000" pitchFamily="49" charset="77"/>
-            </a:endParaRPr>
-          </a:p>
-          <a:p>
-            <a:pPr marL="0" indent="0">
-              <a:buNone/>
-            </a:pPr>
-            <a:endParaRPr lang="en-US" sz="1900" b="1" dirty="0">
-              <a:latin typeface="Inconsolata Medium" panose="020B0609030003000000" pitchFamily="49" charset="77"/>
-            </a:endParaRPr>
-          </a:p>
-          <a:p>
-            <a:pPr marL="0" indent="0">
-              <a:buNone/>
-            </a:pPr>
-            <a:endParaRPr lang="en-US" sz="1900" b="1" dirty="0">
-              <a:latin typeface="Inconsolata Medium" panose="020B0609030003000000" pitchFamily="49" charset="77"/>
-            </a:endParaRPr>
+              <a:t>3</a:t>
+            </a:r>
+            <a:r>
+              <a:rPr lang="en-US" b="1" dirty="0">
+                <a:latin typeface="Inconsolata Medium" panose="020B0609030003000000" pitchFamily="49" charset="77"/>
+              </a:rPr>
+              <a:t>]: not (</a:t>
+            </a:r>
+            <a:r>
+              <a:rPr lang="en-US" b="1" dirty="0">
+                <a:solidFill>
+                  <a:srgbClr val="000087"/>
+                </a:solidFill>
+                <a:latin typeface="Inconsolata Medium" panose="020B0609030003000000" pitchFamily="49" charset="77"/>
+              </a:rPr>
+              <a:t>x </a:t>
+            </a:r>
+            <a:r>
+              <a:rPr lang="en-US" b="1" dirty="0">
+                <a:solidFill>
+                  <a:srgbClr val="545454"/>
+                </a:solidFill>
+                <a:latin typeface="Inconsolata Medium" panose="020B0609030003000000" pitchFamily="49" charset="77"/>
+              </a:rPr>
+              <a:t>&lt; </a:t>
+            </a:r>
+            <a:r>
+              <a:rPr lang="en-US" b="1" dirty="0">
+                <a:solidFill>
+                  <a:srgbClr val="FF6600"/>
+                </a:solidFill>
+                <a:latin typeface="Inconsolata Medium" panose="020B0609030003000000" pitchFamily="49" charset="77"/>
+              </a:rPr>
+              <a:t>6</a:t>
+            </a:r>
+            <a:r>
+              <a:rPr lang="en-US" b="1" dirty="0">
+                <a:latin typeface="Inconsolata Medium" panose="020B0609030003000000" pitchFamily="49" charset="77"/>
+              </a:rPr>
+              <a:t>)</a:t>
+            </a:r>
+            <a:br>
+              <a:rPr lang="en-US" b="1" dirty="0">
+                <a:latin typeface="Inconsolata Medium" panose="020B0609030003000000" pitchFamily="49" charset="77"/>
+              </a:rPr>
+            </a:br>
+            <a:r>
+              <a:rPr lang="en-US" b="1" dirty="0">
+                <a:latin typeface="Inconsolata Medium" panose="020B0609030003000000" pitchFamily="49" charset="77"/>
+              </a:rPr>
+              <a:t>Out[3]: False </a:t>
+            </a:r>
+          </a:p>
+          <a:p>
+            <a:pPr marL="0" indent="0">
+              <a:buNone/>
+            </a:pPr>
+            <a:endParaRPr lang="en-US" dirty="0"/>
+          </a:p>
+          <a:p>
+            <a:pPr marL="0" indent="0">
+              <a:buNone/>
+            </a:pPr>
+            <a:endParaRPr lang="en-US" dirty="0"/>
+          </a:p>
+          <a:p>
+            <a:pPr marL="0" indent="0">
+              <a:buNone/>
+            </a:pPr>
+            <a:endParaRPr lang="en-US" dirty="0"/>
+          </a:p>
+          <a:p>
+            <a:pPr marL="0" indent="0">
+              <a:buNone/>
+            </a:pPr>
+            <a:endParaRPr lang="en-US" dirty="0"/>
+          </a:p>
+          <a:p>
+            <a:pPr marL="0" indent="0">
+              <a:buNone/>
+            </a:pPr>
+            <a:endParaRPr lang="en-US" dirty="0"/>
           </a:p>
           <a:p>
             <a:pPr marL="0" indent="0">
@@ -6129,7 +6157,7 @@
     </p:spTree>
     <p:extLst>
       <p:ext uri="{BB962C8B-B14F-4D97-AF65-F5344CB8AC3E}">
-        <p14:creationId xmlns:p14="http://schemas.microsoft.com/office/powerpoint/2010/main" val="4186435068"/>
+        <p14:creationId xmlns:p14="http://schemas.microsoft.com/office/powerpoint/2010/main" val="1851907297"/>
       </p:ext>
     </p:extLst>
   </p:cSld>
@@ -6184,7 +6212,7 @@
           <a:p>
             <a:r>
               <a:rPr lang="en-US" dirty="0"/>
-              <a:t>= is not equality</a:t>
+              <a:t>Variables</a:t>
             </a:r>
           </a:p>
         </p:txBody>
@@ -6221,10 +6249,10 @@
               <a:buNone/>
             </a:pPr>
             <a:r>
-              <a:rPr lang="en-US" sz="1900" dirty="0">
-                <a:latin typeface="Gill Sans MT" panose="020B0502020104020203" pitchFamily="34" charset="77"/>
-              </a:rPr>
-              <a:t>Unlike in math, = is not equality in Python. It is an assignment: assign the expression on the right side of = to the variable on the left. </a:t>
+              <a:rPr lang="en-US" sz="1900" b="1" dirty="0">
+                <a:latin typeface="Inconsolata Medium" panose="020B0609030003000000" pitchFamily="49" charset="77"/>
+              </a:rPr>
+              <a:t>We can use variables to refer to values that can be used later. </a:t>
             </a:r>
           </a:p>
           <a:p>
@@ -6240,130 +6268,17 @@
               <a:buNone/>
             </a:pPr>
             <a:r>
-              <a:rPr lang="en-US" sz="2000" b="1" dirty="0">
-                <a:solidFill>
-                  <a:srgbClr val="000087"/>
-                </a:solidFill>
-                <a:latin typeface="Inconsolata Medium" panose="020B0609030003000000" pitchFamily="49" charset="77"/>
-              </a:rPr>
-              <a:t>In</a:t>
-            </a:r>
-            <a:r>
-              <a:rPr lang="en-US" sz="2000" b="1" dirty="0">
-                <a:latin typeface="Inconsolata Medium" panose="020B0609030003000000" pitchFamily="49" charset="77"/>
-              </a:rPr>
-              <a:t>[</a:t>
-            </a:r>
-            <a:r>
-              <a:rPr lang="en-US" sz="2000" b="1" dirty="0">
-                <a:solidFill>
-                  <a:srgbClr val="FF6600"/>
-                </a:solidFill>
-                <a:latin typeface="Inconsolata Medium" panose="020B0609030003000000" pitchFamily="49" charset="77"/>
-              </a:rPr>
-              <a:t>1</a:t>
-            </a:r>
-            <a:r>
-              <a:rPr lang="en-US" sz="2000" b="1" dirty="0">
-                <a:latin typeface="Inconsolata Medium" panose="020B0609030003000000" pitchFamily="49" charset="77"/>
-              </a:rPr>
-              <a:t>]: </a:t>
-            </a:r>
-            <a:r>
-              <a:rPr lang="en-US" sz="2000" b="1" dirty="0">
-                <a:solidFill>
-                  <a:srgbClr val="000087"/>
-                </a:solidFill>
-                <a:latin typeface="Inconsolata Medium" panose="020B0609030003000000" pitchFamily="49" charset="77"/>
-              </a:rPr>
-              <a:t>x </a:t>
-            </a:r>
-            <a:r>
-              <a:rPr lang="en-US" sz="2000" b="1" dirty="0">
-                <a:solidFill>
-                  <a:srgbClr val="545454"/>
-                </a:solidFill>
-                <a:latin typeface="Inconsolata Medium" panose="020B0609030003000000" pitchFamily="49" charset="77"/>
-              </a:rPr>
-              <a:t>= </a:t>
-            </a:r>
-            <a:r>
-              <a:rPr lang="en-US" sz="2000" b="1" dirty="0">
-                <a:solidFill>
-                  <a:srgbClr val="FF6600"/>
-                </a:solidFill>
-                <a:latin typeface="Inconsolata Medium" panose="020B0609030003000000" pitchFamily="49" charset="77"/>
-              </a:rPr>
-              <a:t>4 </a:t>
-            </a:r>
-          </a:p>
-          <a:p>
-            <a:pPr marL="0" indent="0">
-              <a:buNone/>
-            </a:pPr>
-            <a:r>
-              <a:rPr lang="en-US" sz="2000" b="1" dirty="0">
-                <a:solidFill>
-                  <a:srgbClr val="FF6600"/>
-                </a:solidFill>
-                <a:latin typeface="Inconsolata Medium" panose="020B0609030003000000" pitchFamily="49" charset="77"/>
-              </a:rPr>
-              <a:t>       </a:t>
-            </a:r>
-            <a:r>
-              <a:rPr lang="en-US" sz="2000" b="1" dirty="0">
-                <a:solidFill>
-                  <a:srgbClr val="000087"/>
-                </a:solidFill>
-                <a:latin typeface="Inconsolata Medium" panose="020B0609030003000000" pitchFamily="49" charset="77"/>
-              </a:rPr>
-              <a:t>x = x + 1 </a:t>
-            </a:r>
-            <a:r>
-              <a:rPr lang="en-US" sz="2000" b="1" dirty="0">
-                <a:solidFill>
-                  <a:srgbClr val="FF6600"/>
-                </a:solidFill>
-                <a:latin typeface="Inconsolata Medium" panose="020B0609030003000000" pitchFamily="49" charset="77"/>
-              </a:rPr>
-              <a:t>  </a:t>
-            </a:r>
-            <a:r>
-              <a:rPr lang="en-US" sz="2000" b="1" dirty="0">
-                <a:solidFill>
-                  <a:srgbClr val="00B050"/>
-                </a:solidFill>
-                <a:latin typeface="Inconsolata Medium" panose="020B0609030003000000" pitchFamily="49" charset="77"/>
-              </a:rPr>
-              <a:t># in math, this has no solutions! </a:t>
-            </a:r>
-          </a:p>
-          <a:p>
-            <a:pPr marL="0" indent="0">
-              <a:buNone/>
-            </a:pPr>
-            <a:r>
-              <a:rPr lang="en-US" sz="2000" b="1" dirty="0">
-                <a:solidFill>
-                  <a:srgbClr val="00B050"/>
-                </a:solidFill>
-                <a:latin typeface="Inconsolata Medium" panose="020B0609030003000000" pitchFamily="49" charset="77"/>
-              </a:rPr>
-              <a:t>       </a:t>
-            </a:r>
-            <a:r>
-              <a:rPr lang="en-US" sz="2000" b="1" dirty="0">
-                <a:solidFill>
-                  <a:srgbClr val="000087"/>
-                </a:solidFill>
-                <a:latin typeface="Inconsolata Medium" panose="020B0609030003000000" pitchFamily="49" charset="77"/>
-              </a:rPr>
-              <a:t>x</a:t>
-            </a:r>
-            <a:endParaRPr lang="en-US" sz="2000" b="1" dirty="0">
-              <a:solidFill>
-                <a:srgbClr val="00B050"/>
-              </a:solidFill>
+              <a:rPr lang="en-US" sz="1900" b="1" dirty="0">
+                <a:latin typeface="Inconsolata Medium" panose="020B0609030003000000" pitchFamily="49" charset="77"/>
+              </a:rPr>
+              <a:t>You can create a new variable by given it a value. </a:t>
+            </a:r>
+          </a:p>
+          <a:p>
+            <a:pPr marL="0" indent="0">
+              <a:buNone/>
+            </a:pPr>
+            <a:endParaRPr lang="en-US" sz="1900" b="1" dirty="0">
               <a:latin typeface="Inconsolata Medium" panose="020B0609030003000000" pitchFamily="49" charset="77"/>
             </a:endParaRPr>
           </a:p>
@@ -6373,15 +6288,93 @@
             </a:pPr>
             <a:r>
               <a:rPr lang="en-US" sz="2000" b="1" dirty="0">
-                <a:latin typeface="Inconsolata Medium" panose="020B0609030003000000" pitchFamily="49" charset="77"/>
-              </a:rPr>
-              <a:t>Out[1]: 5</a:t>
-            </a:r>
-          </a:p>
-          <a:p>
-            <a:pPr marL="0" indent="0">
-              <a:buNone/>
-            </a:pPr>
+                <a:solidFill>
+                  <a:srgbClr val="000087"/>
+                </a:solidFill>
+                <a:latin typeface="Inconsolata Medium" panose="020B0609030003000000" pitchFamily="49" charset="77"/>
+              </a:rPr>
+              <a:t>In</a:t>
+            </a:r>
+            <a:r>
+              <a:rPr lang="en-US" sz="2000" b="1" dirty="0">
+                <a:latin typeface="Inconsolata Medium" panose="020B0609030003000000" pitchFamily="49" charset="77"/>
+              </a:rPr>
+              <a:t>[</a:t>
+            </a:r>
+            <a:r>
+              <a:rPr lang="en-US" sz="2000" b="1" dirty="0">
+                <a:solidFill>
+                  <a:srgbClr val="FF6600"/>
+                </a:solidFill>
+                <a:latin typeface="Inconsolata Medium" panose="020B0609030003000000" pitchFamily="49" charset="77"/>
+              </a:rPr>
+              <a:t>1</a:t>
+            </a:r>
+            <a:r>
+              <a:rPr lang="en-US" sz="2000" b="1" dirty="0">
+                <a:latin typeface="Inconsolata Medium" panose="020B0609030003000000" pitchFamily="49" charset="77"/>
+              </a:rPr>
+              <a:t>]: </a:t>
+            </a:r>
+            <a:r>
+              <a:rPr lang="en-US" sz="2000" b="1" dirty="0">
+                <a:solidFill>
+                  <a:srgbClr val="000087"/>
+                </a:solidFill>
+                <a:latin typeface="Inconsolata Medium" panose="020B0609030003000000" pitchFamily="49" charset="77"/>
+              </a:rPr>
+              <a:t>x </a:t>
+            </a:r>
+            <a:r>
+              <a:rPr lang="en-US" sz="2000" b="1" dirty="0">
+                <a:solidFill>
+                  <a:srgbClr val="545454"/>
+                </a:solidFill>
+                <a:latin typeface="Inconsolata Medium" panose="020B0609030003000000" pitchFamily="49" charset="77"/>
+              </a:rPr>
+              <a:t>= </a:t>
+            </a:r>
+            <a:r>
+              <a:rPr lang="en-US" sz="2000" b="1" dirty="0">
+                <a:solidFill>
+                  <a:srgbClr val="FF6600"/>
+                </a:solidFill>
+                <a:latin typeface="Inconsolata Medium" panose="020B0609030003000000" pitchFamily="49" charset="77"/>
+              </a:rPr>
+              <a:t>4 </a:t>
+            </a:r>
+          </a:p>
+          <a:p>
+            <a:pPr marL="0" indent="0">
+              <a:buNone/>
+            </a:pPr>
+            <a:r>
+              <a:rPr lang="en-US" sz="2000" b="1" dirty="0">
+                <a:solidFill>
+                  <a:srgbClr val="FF6600"/>
+                </a:solidFill>
+                <a:latin typeface="Inconsolata Medium" panose="020B0609030003000000" pitchFamily="49" charset="77"/>
+              </a:rPr>
+              <a:t>       </a:t>
+            </a:r>
+            <a:r>
+              <a:rPr lang="en-US" sz="2000" b="1" dirty="0">
+                <a:solidFill>
+                  <a:srgbClr val="000087"/>
+                </a:solidFill>
+                <a:latin typeface="Inconsolata Medium" panose="020B0609030003000000" pitchFamily="49" charset="77"/>
+              </a:rPr>
+              <a:t>x</a:t>
+            </a:r>
+            <a:r>
+              <a:rPr lang="en-US" sz="2000" b="1" dirty="0">
+                <a:solidFill>
+                  <a:srgbClr val="FF6600"/>
+                </a:solidFill>
+                <a:latin typeface="Inconsolata Medium" panose="020B0609030003000000" pitchFamily="49" charset="77"/>
+              </a:rPr>
+              <a:t>   </a:t>
+            </a:r>
             <a:endParaRPr lang="en-US" sz="2000" b="1" dirty="0">
               <a:latin typeface="Inconsolata Medium" panose="020B0609030003000000" pitchFamily="49" charset="77"/>
             </a:endParaRPr>
@@ -6394,125 +6387,7 @@
               <a:rPr lang="en-US" sz="2000" b="1" dirty="0">
                 <a:latin typeface="Inconsolata Medium" panose="020B0609030003000000" pitchFamily="49" charset="77"/>
               </a:rPr>
-              <a:t>Assignment is not symmetric. </a:t>
-            </a:r>
-          </a:p>
-          <a:p>
-            <a:pPr marL="0" indent="0">
-              <a:buNone/>
-            </a:pPr>
-            <a:r>
-              <a:rPr lang="en-US" sz="2000" b="1" dirty="0">
-                <a:solidFill>
-                  <a:srgbClr val="000087"/>
-                </a:solidFill>
-                <a:latin typeface="Inconsolata Medium" panose="020B0609030003000000" pitchFamily="49" charset="77"/>
-              </a:rPr>
-              <a:t>In</a:t>
-            </a:r>
-            <a:r>
-              <a:rPr lang="en-US" sz="2000" b="1" dirty="0">
-                <a:latin typeface="Inconsolata Medium" panose="020B0609030003000000" pitchFamily="49" charset="77"/>
-              </a:rPr>
-              <a:t>[</a:t>
-            </a:r>
-            <a:r>
-              <a:rPr lang="en-US" sz="2000" b="1" dirty="0">
-                <a:solidFill>
-                  <a:srgbClr val="FF6600"/>
-                </a:solidFill>
-                <a:latin typeface="Inconsolata Medium" panose="020B0609030003000000" pitchFamily="49" charset="77"/>
-              </a:rPr>
-              <a:t>1</a:t>
-            </a:r>
-            <a:r>
-              <a:rPr lang="en-US" sz="2000" b="1" dirty="0">
-                <a:latin typeface="Inconsolata Medium" panose="020B0609030003000000" pitchFamily="49" charset="77"/>
-              </a:rPr>
-              <a:t>]: </a:t>
-            </a:r>
-            <a:r>
-              <a:rPr lang="en-US" sz="2000" b="1" dirty="0">
-                <a:solidFill>
-                  <a:srgbClr val="000087"/>
-                </a:solidFill>
-                <a:latin typeface="Inconsolata Medium" panose="020B0609030003000000" pitchFamily="49" charset="77"/>
-              </a:rPr>
-              <a:t>x </a:t>
-            </a:r>
-            <a:r>
-              <a:rPr lang="en-US" sz="2000" b="1" dirty="0">
-                <a:solidFill>
-                  <a:srgbClr val="545454"/>
-                </a:solidFill>
-                <a:latin typeface="Inconsolata Medium" panose="020B0609030003000000" pitchFamily="49" charset="77"/>
-              </a:rPr>
-              <a:t>= </a:t>
-            </a:r>
-            <a:r>
-              <a:rPr lang="en-US" sz="2000" b="1" dirty="0">
-                <a:solidFill>
-                  <a:srgbClr val="FF6600"/>
-                </a:solidFill>
-                <a:latin typeface="Inconsolata Medium" panose="020B0609030003000000" pitchFamily="49" charset="77"/>
-              </a:rPr>
-              <a:t>4    </a:t>
-            </a:r>
-            <a:r>
-              <a:rPr lang="en-US" sz="2000" b="1" dirty="0">
-                <a:solidFill>
-                  <a:srgbClr val="00B050"/>
-                </a:solidFill>
-                <a:latin typeface="Inconsolata Medium" panose="020B0609030003000000" pitchFamily="49" charset="77"/>
-              </a:rPr>
-              <a:t># correct!</a:t>
-            </a:r>
-            <a:endParaRPr lang="en-US" sz="2000" b="1" dirty="0">
-              <a:solidFill>
-                <a:srgbClr val="FF6600"/>
-              </a:solidFill>
-              <a:latin typeface="Inconsolata Medium" panose="020B0609030003000000" pitchFamily="49" charset="77"/>
-            </a:endParaRPr>
-          </a:p>
-          <a:p>
-            <a:pPr marL="0" indent="0">
-              <a:buNone/>
-            </a:pPr>
-            <a:r>
-              <a:rPr lang="en-US" sz="2000" b="1" dirty="0">
-                <a:solidFill>
-                  <a:srgbClr val="FF6600"/>
-                </a:solidFill>
-                <a:latin typeface="Inconsolata Medium" panose="020B0609030003000000" pitchFamily="49" charset="77"/>
-              </a:rPr>
-              <a:t>       </a:t>
-            </a:r>
-            <a:r>
-              <a:rPr lang="en-US" sz="2000" b="1" dirty="0">
-                <a:solidFill>
-                  <a:srgbClr val="000087"/>
-                </a:solidFill>
-                <a:latin typeface="Inconsolata Medium" panose="020B0609030003000000" pitchFamily="49" charset="77"/>
-              </a:rPr>
-              <a:t>10 = y </a:t>
-            </a:r>
-            <a:r>
-              <a:rPr lang="en-US" sz="2000" b="1" dirty="0">
-                <a:solidFill>
-                  <a:srgbClr val="FF6600"/>
-                </a:solidFill>
-                <a:latin typeface="Inconsolata Medium" panose="020B0609030003000000" pitchFamily="49" charset="77"/>
-              </a:rPr>
-              <a:t>  </a:t>
-            </a:r>
-            <a:r>
-              <a:rPr lang="en-US" sz="2000" b="1" dirty="0">
-                <a:solidFill>
-                  <a:srgbClr val="00B050"/>
-                </a:solidFill>
-                <a:latin typeface="Inconsolata Medium" panose="020B0609030003000000" pitchFamily="49" charset="77"/>
-              </a:rPr>
-              <a:t># error!</a:t>
+              <a:t>Out[1]: 4</a:t>
             </a:r>
           </a:p>
           <a:p>
@@ -6527,6 +6402,10 @@
             <a:pPr marL="0" indent="0">
               <a:buNone/>
             </a:pPr>
+            <a:r>
+              <a:rPr lang="en-US" sz="2000" dirty="0"/>
+              <a:t>Variable names can use letters, digits, and the underscore symbol (but they can’t start with a digit).</a:t>
+            </a:r>
             <a:endParaRPr lang="en-US" sz="2000" b="1" dirty="0">
               <a:latin typeface="Inconsolata Medium" panose="020B0609030003000000" pitchFamily="49" charset="77"/>
             </a:endParaRPr>
@@ -6554,53 +6433,13 @@
             <a:endParaRPr lang="en-US" sz="1900" b="1" dirty="0">
               <a:latin typeface="Inconsolata Medium" panose="020B0609030003000000" pitchFamily="49" charset="77"/>
             </a:endParaRPr>
-          </a:p>
-        </p:txBody>
-      </p:sp>
-      <p:sp>
-        <p:nvSpPr>
-          <p:cNvPr id="3" name="Rectangle 2">
-            <a:extLst>
-              <a:ext uri="{FF2B5EF4-FFF2-40B4-BE49-F238E27FC236}">
-                <a16:creationId xmlns:a16="http://schemas.microsoft.com/office/drawing/2014/main" id="{89FC81C6-5951-4C46-A412-23C1C61FDBAF}"/>
-              </a:ext>
-            </a:extLst>
-          </p:cNvPr>
-          <p:cNvSpPr/>
-          <p:nvPr/>
-        </p:nvSpPr>
-        <p:spPr>
-          <a:xfrm>
-            <a:off x="4425966" y="2688223"/>
-            <a:ext cx="292068" cy="338554"/>
-          </a:xfrm>
-          <a:prstGeom prst="rect">
-            <a:avLst/>
-          </a:prstGeom>
-        </p:spPr>
-        <p:txBody>
-          <a:bodyPr wrap="none">
-            <a:spAutoFit/>
-          </a:bodyPr>
-          <a:lstStyle/>
-          <a:p>
-            <a:r>
-              <a:rPr lang="en-US" sz="1600" b="1" dirty="0">
-                <a:solidFill>
-                  <a:srgbClr val="00B050"/>
-                </a:solidFill>
-                <a:latin typeface="Inconsolata Medium" panose="020B0609030003000000" pitchFamily="49" charset="77"/>
-              </a:rPr>
-              <a:t>#</a:t>
-            </a:r>
-            <a:endParaRPr lang="en-US" dirty="0"/>
           </a:p>
         </p:txBody>
       </p:sp>
     </p:spTree>
     <p:extLst>
       <p:ext uri="{BB962C8B-B14F-4D97-AF65-F5344CB8AC3E}">
-        <p14:creationId xmlns:p14="http://schemas.microsoft.com/office/powerpoint/2010/main" val="862557025"/>
+        <p14:creationId xmlns:p14="http://schemas.microsoft.com/office/powerpoint/2010/main" val="4186435068"/>
       </p:ext>
     </p:extLst>
   </p:cSld>
@@ -6655,7 +6494,7 @@
           <a:p>
             <a:r>
               <a:rPr lang="en-US" dirty="0"/>
-              <a:t>Augmented Assignment</a:t>
+              <a:t>= is not equality</a:t>
             </a:r>
           </a:p>
         </p:txBody>
@@ -6678,8 +6517,8 @@
         </p:nvSpPr>
         <p:spPr>
           <a:xfrm>
-            <a:off x="483848" y="1264778"/>
-            <a:ext cx="8051725" cy="4450222"/>
+            <a:off x="483848" y="1003610"/>
+            <a:ext cx="8051725" cy="4711390"/>
           </a:xfrm>
         </p:spPr>
         <p:txBody>
@@ -6692,341 +6531,18 @@
               <a:buNone/>
             </a:pPr>
             <a:r>
-              <a:rPr lang="en-US" sz="2000" dirty="0"/>
-              <a:t>An </a:t>
-            </a:r>
-            <a:r>
-              <a:rPr lang="en-US" sz="2000" b="1" dirty="0"/>
-              <a:t>augmented assignment </a:t>
-            </a:r>
-            <a:r>
-              <a:rPr lang="en-US" sz="2000" dirty="0"/>
-              <a:t>combines an assignment statement with an operator to make the statement more concise. </a:t>
-            </a:r>
-          </a:p>
-          <a:p>
-            <a:pPr marL="0" indent="0">
-              <a:buNone/>
-            </a:pPr>
-            <a:r>
-              <a:rPr lang="en-US" sz="1900" b="1" dirty="0">
-                <a:solidFill>
-                  <a:srgbClr val="FF0000"/>
-                </a:solidFill>
-                <a:latin typeface="Inconsolata Medium" panose="020B0609030003000000" pitchFamily="49" charset="77"/>
-              </a:rPr>
-              <a:t>    Shorthand				Equivalent version</a:t>
-            </a:r>
-            <a:endParaRPr lang="en-US" b="1" dirty="0"/>
-          </a:p>
-          <a:p>
-            <a:pPr marL="742950" lvl="1" indent="-285750">
-              <a:buNone/>
-              <a:tabLst>
-                <a:tab pos="4113213" algn="l"/>
-              </a:tabLst>
-              <a:defRPr/>
-            </a:pPr>
-            <a:r>
-              <a:rPr lang="en-US" b="1" dirty="0"/>
-              <a:t>variable</a:t>
-            </a:r>
-            <a:r>
-              <a:rPr lang="en-US" dirty="0">
-                <a:latin typeface="Courier New" charset="0"/>
-              </a:rPr>
-              <a:t> += </a:t>
-            </a:r>
-            <a:r>
-              <a:rPr lang="en-US" b="1" dirty="0"/>
-              <a:t>value</a:t>
-            </a:r>
-            <a:r>
-              <a:rPr lang="en-US" dirty="0">
-                <a:latin typeface="Courier New" charset="0"/>
-              </a:rPr>
-              <a:t>;	</a:t>
-            </a:r>
-            <a:r>
-              <a:rPr lang="en-US" b="1" dirty="0"/>
-              <a:t>variable</a:t>
-            </a:r>
-            <a:r>
-              <a:rPr lang="en-US" dirty="0">
-                <a:latin typeface="Courier New" charset="0"/>
-              </a:rPr>
-              <a:t> = </a:t>
-            </a:r>
-            <a:r>
-              <a:rPr lang="en-US" b="1" dirty="0"/>
-              <a:t>variable</a:t>
-            </a:r>
-            <a:r>
-              <a:rPr lang="en-US" dirty="0">
-                <a:latin typeface="Courier New" charset="0"/>
-              </a:rPr>
-              <a:t> + </a:t>
-            </a:r>
-            <a:r>
-              <a:rPr lang="en-US" b="1" dirty="0"/>
-              <a:t>value</a:t>
-            </a:r>
-            <a:r>
-              <a:rPr lang="en-US" dirty="0">
-                <a:latin typeface="Courier New" charset="0"/>
-              </a:rPr>
-              <a:t>;</a:t>
-            </a:r>
-          </a:p>
-          <a:p>
-            <a:pPr marL="742950" lvl="1" indent="-285750">
-              <a:buNone/>
-              <a:tabLst>
-                <a:tab pos="4113213" algn="l"/>
-              </a:tabLst>
-              <a:defRPr/>
-            </a:pPr>
-            <a:r>
-              <a:rPr lang="en-US" b="1" dirty="0"/>
-              <a:t>variable</a:t>
-            </a:r>
-            <a:r>
-              <a:rPr lang="en-US" dirty="0">
-                <a:latin typeface="Courier New" charset="0"/>
-              </a:rPr>
-              <a:t> -= </a:t>
-            </a:r>
-            <a:r>
-              <a:rPr lang="en-US" b="1" dirty="0"/>
-              <a:t>value</a:t>
-            </a:r>
-            <a:r>
-              <a:rPr lang="en-US" dirty="0">
-                <a:latin typeface="Courier New" charset="0"/>
-              </a:rPr>
-              <a:t>;	</a:t>
-            </a:r>
-            <a:r>
-              <a:rPr lang="en-US" b="1" dirty="0"/>
-              <a:t>variable</a:t>
-            </a:r>
-            <a:r>
-              <a:rPr lang="en-US" dirty="0">
-                <a:latin typeface="Courier New" charset="0"/>
-              </a:rPr>
-              <a:t> = </a:t>
-            </a:r>
-            <a:r>
-              <a:rPr lang="en-US" b="1" dirty="0"/>
-              <a:t>variable</a:t>
-            </a:r>
-            <a:r>
-              <a:rPr lang="en-US" dirty="0">
-                <a:latin typeface="Courier New" charset="0"/>
-              </a:rPr>
-              <a:t> - </a:t>
-            </a:r>
-            <a:r>
-              <a:rPr lang="en-US" b="1" dirty="0"/>
-              <a:t>value</a:t>
-            </a:r>
-            <a:r>
-              <a:rPr lang="en-US" dirty="0">
-                <a:latin typeface="Courier New" charset="0"/>
-              </a:rPr>
-              <a:t>;</a:t>
-            </a:r>
-          </a:p>
-          <a:p>
-            <a:pPr marL="742950" lvl="1" indent="-285750">
-              <a:buNone/>
-              <a:tabLst>
-                <a:tab pos="4113213" algn="l"/>
-              </a:tabLst>
-              <a:defRPr/>
-            </a:pPr>
-            <a:r>
-              <a:rPr lang="en-US" b="1" dirty="0"/>
-              <a:t>variable</a:t>
-            </a:r>
-            <a:r>
-              <a:rPr lang="en-US" dirty="0">
-                <a:latin typeface="Courier New" charset="0"/>
-              </a:rPr>
-              <a:t> *= </a:t>
-            </a:r>
-            <a:r>
-              <a:rPr lang="en-US" b="1" dirty="0"/>
-              <a:t>value</a:t>
-            </a:r>
-            <a:r>
-              <a:rPr lang="en-US" dirty="0">
-                <a:latin typeface="Courier New" charset="0"/>
-              </a:rPr>
-              <a:t>;	</a:t>
-            </a:r>
-            <a:r>
-              <a:rPr lang="en-US" b="1" dirty="0"/>
-              <a:t>variable</a:t>
-            </a:r>
-            <a:r>
-              <a:rPr lang="en-US" dirty="0">
-                <a:latin typeface="Courier New" charset="0"/>
-              </a:rPr>
-              <a:t> = </a:t>
-            </a:r>
-            <a:r>
-              <a:rPr lang="en-US" b="1" dirty="0"/>
-              <a:t>variable</a:t>
-            </a:r>
-            <a:r>
-              <a:rPr lang="en-US" dirty="0">
-                <a:latin typeface="Courier New" charset="0"/>
-              </a:rPr>
-              <a:t> * </a:t>
-            </a:r>
-            <a:r>
-              <a:rPr lang="en-US" b="1" dirty="0"/>
-              <a:t>value</a:t>
-            </a:r>
-            <a:r>
-              <a:rPr lang="en-US" dirty="0">
-                <a:latin typeface="Courier New" charset="0"/>
-              </a:rPr>
-              <a:t>;</a:t>
-            </a:r>
-          </a:p>
-          <a:p>
-            <a:pPr marL="742950" lvl="1" indent="-285750">
-              <a:buNone/>
-              <a:tabLst>
-                <a:tab pos="4113213" algn="l"/>
-              </a:tabLst>
-              <a:defRPr/>
-            </a:pPr>
-            <a:r>
-              <a:rPr lang="en-US" b="1" dirty="0"/>
-              <a:t>variable</a:t>
-            </a:r>
-            <a:r>
-              <a:rPr lang="en-US" dirty="0">
-                <a:latin typeface="Courier New" charset="0"/>
-              </a:rPr>
-              <a:t> /= </a:t>
-            </a:r>
-            <a:r>
-              <a:rPr lang="en-US" b="1" dirty="0"/>
-              <a:t>value</a:t>
-            </a:r>
-            <a:r>
-              <a:rPr lang="en-US" dirty="0">
-                <a:latin typeface="Courier New" charset="0"/>
-              </a:rPr>
-              <a:t>;	</a:t>
-            </a:r>
-            <a:r>
-              <a:rPr lang="en-US" b="1" dirty="0"/>
-              <a:t>variable</a:t>
-            </a:r>
-            <a:r>
-              <a:rPr lang="en-US" dirty="0">
-                <a:latin typeface="Courier New" charset="0"/>
-              </a:rPr>
-              <a:t> = </a:t>
-            </a:r>
-            <a:r>
-              <a:rPr lang="en-US" b="1" dirty="0"/>
-              <a:t>variable</a:t>
-            </a:r>
-            <a:r>
-              <a:rPr lang="en-US" dirty="0">
-                <a:latin typeface="Courier New" charset="0"/>
-              </a:rPr>
-              <a:t> / </a:t>
-            </a:r>
-            <a:r>
-              <a:rPr lang="en-US" b="1" dirty="0"/>
-              <a:t>value</a:t>
-            </a:r>
-            <a:r>
-              <a:rPr lang="en-US" dirty="0">
-                <a:latin typeface="Courier New" charset="0"/>
-              </a:rPr>
-              <a:t>;</a:t>
-            </a:r>
-          </a:p>
-          <a:p>
-            <a:pPr marL="742950" lvl="1" indent="-285750">
-              <a:buNone/>
-              <a:tabLst>
-                <a:tab pos="4113213" algn="l"/>
-              </a:tabLst>
-              <a:defRPr/>
-            </a:pPr>
-            <a:r>
-              <a:rPr lang="en-US" b="1" dirty="0"/>
-              <a:t>variable</a:t>
-            </a:r>
-            <a:r>
-              <a:rPr lang="en-US" dirty="0">
-                <a:latin typeface="Courier New" charset="0"/>
-              </a:rPr>
-              <a:t> %= </a:t>
-            </a:r>
-            <a:r>
-              <a:rPr lang="en-US" b="1" dirty="0"/>
-              <a:t>value</a:t>
-            </a:r>
-            <a:r>
-              <a:rPr lang="en-US" dirty="0">
-                <a:latin typeface="Courier New" charset="0"/>
-              </a:rPr>
-              <a:t>;	</a:t>
-            </a:r>
-            <a:r>
-              <a:rPr lang="en-US" b="1" dirty="0"/>
-              <a:t>variable</a:t>
-            </a:r>
-            <a:r>
-              <a:rPr lang="en-US" dirty="0">
-                <a:latin typeface="Courier New" charset="0"/>
-              </a:rPr>
-              <a:t> = </a:t>
-            </a:r>
-            <a:r>
-              <a:rPr lang="en-US" b="1" dirty="0"/>
-              <a:t>variable</a:t>
-            </a:r>
-            <a:r>
-              <a:rPr lang="en-US" dirty="0">
-                <a:latin typeface="Courier New" charset="0"/>
-              </a:rPr>
-              <a:t> % </a:t>
-            </a:r>
-            <a:r>
-              <a:rPr lang="en-US" b="1" dirty="0"/>
-              <a:t>value</a:t>
-            </a:r>
-            <a:r>
-              <a:rPr lang="en-US" dirty="0">
-                <a:latin typeface="Courier New" charset="0"/>
-              </a:rPr>
-              <a:t>;</a:t>
-            </a:r>
-          </a:p>
-          <a:p>
-            <a:pPr marL="742950" lvl="1" indent="-285750">
-              <a:lnSpc>
-                <a:spcPct val="60000"/>
-              </a:lnSpc>
-              <a:buNone/>
-              <a:tabLst>
-                <a:tab pos="4113213" algn="l"/>
-              </a:tabLst>
-              <a:defRPr/>
-            </a:pPr>
-            <a:endParaRPr lang="en-US" dirty="0">
-              <a:latin typeface="Courier New" charset="0"/>
+              <a:rPr lang="en-US" sz="1900" dirty="0">
+                <a:latin typeface="Gill Sans MT" panose="020B0502020104020203" pitchFamily="34" charset="77"/>
+              </a:rPr>
+              <a:t>Unlike in math, = is not equality in Python. It is an assignment: assign the expression on the right side of = to the variable on the left. </a:t>
+            </a:r>
+          </a:p>
+          <a:p>
+            <a:pPr marL="0" indent="0">
+              <a:buNone/>
+            </a:pPr>
+            <a:endParaRPr lang="en-US" sz="1900" b="1" dirty="0">
+              <a:latin typeface="Inconsolata Medium" panose="020B0609030003000000" pitchFamily="49" charset="77"/>
             </a:endParaRPr>
           </a:p>
           <a:p>
@@ -7034,7 +6550,7 @@
               <a:buNone/>
             </a:pPr>
             <a:r>
-              <a:rPr lang="en-US" sz="1800" b="1" dirty="0">
+              <a:rPr lang="en-US" sz="2000" b="1" dirty="0">
                 <a:solidFill>
                   <a:srgbClr val="000087"/>
                 </a:solidFill>
@@ -7043,13 +6559,13 @@
               <a:t>In</a:t>
             </a:r>
             <a:r>
-              <a:rPr lang="en-US" sz="1800" b="1" dirty="0">
+              <a:rPr lang="en-US" sz="2000" b="1" dirty="0">
                 <a:latin typeface="Inconsolata Medium" panose="020B0609030003000000" pitchFamily="49" charset="77"/>
               </a:rPr>
               <a:t>[</a:t>
             </a:r>
             <a:r>
-              <a:rPr lang="en-US" sz="1800" b="1" dirty="0">
+              <a:rPr lang="en-US" sz="2000" b="1" dirty="0">
                 <a:solidFill>
                   <a:srgbClr val="FF6600"/>
                 </a:solidFill>
@@ -7058,13 +6574,13 @@
               <a:t>1</a:t>
             </a:r>
             <a:r>
-              <a:rPr lang="en-US" sz="1800" b="1" dirty="0">
+              <a:rPr lang="en-US" sz="2000" b="1" dirty="0">
                 <a:latin typeface="Inconsolata Medium" panose="020B0609030003000000" pitchFamily="49" charset="77"/>
               </a:rPr>
               <a:t>]: </a:t>
             </a:r>
             <a:r>
-              <a:rPr lang="en-US" sz="1800" b="1" dirty="0">
+              <a:rPr lang="en-US" sz="2000" b="1" dirty="0">
                 <a:solidFill>
                   <a:srgbClr val="000087"/>
                 </a:solidFill>
@@ -7073,7 +6589,7 @@
               <a:t>x </a:t>
             </a:r>
             <a:r>
-              <a:rPr lang="en-US" sz="1800" b="1" dirty="0">
+              <a:rPr lang="en-US" sz="2000" b="1" dirty="0">
                 <a:solidFill>
                   <a:srgbClr val="545454"/>
                 </a:solidFill>
@@ -7082,7 +6598,7 @@
               <a:t>= </a:t>
             </a:r>
             <a:r>
-              <a:rPr lang="en-US" sz="1800" b="1" dirty="0">
+              <a:rPr lang="en-US" sz="2000" b="1" dirty="0">
                 <a:solidFill>
                   <a:srgbClr val="FF6600"/>
                 </a:solidFill>
@@ -7096,7 +6612,7 @@
               <a:buNone/>
             </a:pPr>
             <a:r>
-              <a:rPr lang="en-US" sz="1800" b="1" dirty="0">
+              <a:rPr lang="en-US" sz="2000" b="1" dirty="0">
                 <a:solidFill>
                   <a:srgbClr val="FF6600"/>
                 </a:solidFill>
@@ -7105,16 +6621,16 @@
               <a:t>       </a:t>
             </a:r>
             <a:r>
-              <a:rPr lang="en-US" sz="1800" b="1" dirty="0">
+              <a:rPr lang="en-US" sz="2000" b="1" dirty="0">
                 <a:solidFill>
                   <a:srgbClr val="000087"/>
                 </a:solidFill>
                 <a:latin typeface="Inconsolata Medium" panose="020B0609030003000000" pitchFamily="49" charset="77"/>
               </a:rPr>
-              <a:t>x += 1 </a:t>
-            </a:r>
-            <a:r>
-              <a:rPr lang="en-US" sz="1800" b="1" dirty="0">
+              <a:t>x = x + 1 </a:t>
+            </a:r>
+            <a:r>
+              <a:rPr lang="en-US" sz="2000" b="1" dirty="0">
                 <a:solidFill>
                   <a:srgbClr val="FF6600"/>
                 </a:solidFill>
@@ -7123,21 +6639,21 @@
               <a:t>  </a:t>
             </a:r>
             <a:r>
-              <a:rPr lang="en-US" sz="1800" b="1" dirty="0">
+              <a:rPr lang="en-US" sz="2000" b="1" dirty="0">
                 <a:solidFill>
                   <a:srgbClr val="00B050"/>
                 </a:solidFill>
                 <a:latin typeface="Inconsolata Medium" panose="020B0609030003000000" pitchFamily="49" charset="77"/>
               </a:rPr>
-              <a:t># equivalent to x = x + 1</a:t>
-            </a:r>
-          </a:p>
-          <a:p>
-            <a:pPr marL="0" indent="0">
-              <a:buNone/>
-            </a:pPr>
-            <a:r>
-              <a:rPr lang="en-US" sz="1800" b="1" dirty="0">
+              <a:t># in math, this has no solutions! </a:t>
+            </a:r>
+          </a:p>
+          <a:p>
+            <a:pPr marL="0" indent="0">
+              <a:buNone/>
+            </a:pPr>
+            <a:r>
+              <a:rPr lang="en-US" sz="2000" b="1" dirty="0">
                 <a:solidFill>
                   <a:srgbClr val="00B050"/>
                 </a:solidFill>
@@ -7146,7 +6662,7 @@
               <a:t>       </a:t>
             </a:r>
             <a:r>
-              <a:rPr lang="en-US" sz="1800" b="1" dirty="0">
+              <a:rPr lang="en-US" sz="2000" b="1" dirty="0">
                 <a:solidFill>
                   <a:srgbClr val="000087"/>
                 </a:solidFill>
@@ -7154,7 +6670,7 @@
               </a:rPr>
               <a:t>x</a:t>
             </a:r>
-            <a:endParaRPr lang="en-US" sz="1800" b="1" dirty="0">
+            <a:endParaRPr lang="en-US" sz="2000" b="1" dirty="0">
               <a:solidFill>
                 <a:srgbClr val="00B050"/>
               </a:solidFill>
@@ -7166,11 +6682,164 @@
               <a:buNone/>
             </a:pPr>
             <a:r>
-              <a:rPr lang="en-US" sz="1800" b="1" dirty="0">
+              <a:rPr lang="en-US" sz="2000" b="1" dirty="0">
                 <a:latin typeface="Inconsolata Medium" panose="020B0609030003000000" pitchFamily="49" charset="77"/>
               </a:rPr>
               <a:t>Out[1]: 5</a:t>
             </a:r>
+          </a:p>
+          <a:p>
+            <a:pPr marL="0" indent="0">
+              <a:buNone/>
+            </a:pPr>
+            <a:endParaRPr lang="en-US" sz="2000" b="1" dirty="0">
+              <a:latin typeface="Inconsolata Medium" panose="020B0609030003000000" pitchFamily="49" charset="77"/>
+            </a:endParaRPr>
+          </a:p>
+          <a:p>
+            <a:pPr marL="0" indent="0">
+              <a:buNone/>
+            </a:pPr>
+            <a:r>
+              <a:rPr lang="en-US" sz="2000" b="1" dirty="0">
+                <a:latin typeface="Inconsolata Medium" panose="020B0609030003000000" pitchFamily="49" charset="77"/>
+              </a:rPr>
+              <a:t>Assignment is not symmetric. </a:t>
+            </a:r>
+          </a:p>
+          <a:p>
+            <a:pPr marL="0" indent="0">
+              <a:buNone/>
+            </a:pPr>
+            <a:r>
+              <a:rPr lang="en-US" sz="2000" b="1" dirty="0">
+                <a:solidFill>
+                  <a:srgbClr val="000087"/>
+                </a:solidFill>
+                <a:latin typeface="Inconsolata Medium" panose="020B0609030003000000" pitchFamily="49" charset="77"/>
+              </a:rPr>
+              <a:t>In</a:t>
+            </a:r>
+            <a:r>
+              <a:rPr lang="en-US" sz="2000" b="1" dirty="0">
+                <a:latin typeface="Inconsolata Medium" panose="020B0609030003000000" pitchFamily="49" charset="77"/>
+              </a:rPr>
+              <a:t>[</a:t>
+            </a:r>
+            <a:r>
+              <a:rPr lang="en-US" sz="2000" b="1" dirty="0">
+                <a:solidFill>
+                  <a:srgbClr val="FF6600"/>
+                </a:solidFill>
+                <a:latin typeface="Inconsolata Medium" panose="020B0609030003000000" pitchFamily="49" charset="77"/>
+              </a:rPr>
+              <a:t>1</a:t>
+            </a:r>
+            <a:r>
+              <a:rPr lang="en-US" sz="2000" b="1" dirty="0">
+                <a:latin typeface="Inconsolata Medium" panose="020B0609030003000000" pitchFamily="49" charset="77"/>
+              </a:rPr>
+              <a:t>]: </a:t>
+            </a:r>
+            <a:r>
+              <a:rPr lang="en-US" sz="2000" b="1" dirty="0">
+                <a:solidFill>
+                  <a:srgbClr val="000087"/>
+                </a:solidFill>
+                <a:latin typeface="Inconsolata Medium" panose="020B0609030003000000" pitchFamily="49" charset="77"/>
+              </a:rPr>
+              <a:t>x </a:t>
+            </a:r>
+            <a:r>
+              <a:rPr lang="en-US" sz="2000" b="1" dirty="0">
+                <a:solidFill>
+                  <a:srgbClr val="545454"/>
+                </a:solidFill>
+                <a:latin typeface="Inconsolata Medium" panose="020B0609030003000000" pitchFamily="49" charset="77"/>
+              </a:rPr>
+              <a:t>= </a:t>
+            </a:r>
+            <a:r>
+              <a:rPr lang="en-US" sz="2000" b="1" dirty="0">
+                <a:solidFill>
+                  <a:srgbClr val="FF6600"/>
+                </a:solidFill>
+                <a:latin typeface="Inconsolata Medium" panose="020B0609030003000000" pitchFamily="49" charset="77"/>
+              </a:rPr>
+              <a:t>4    </a:t>
+            </a:r>
+            <a:r>
+              <a:rPr lang="en-US" sz="2000" b="1" dirty="0">
+                <a:solidFill>
+                  <a:srgbClr val="00B050"/>
+                </a:solidFill>
+                <a:latin typeface="Inconsolata Medium" panose="020B0609030003000000" pitchFamily="49" charset="77"/>
+              </a:rPr>
+              <a:t># correct!</a:t>
+            </a:r>
+            <a:endParaRPr lang="en-US" sz="2000" b="1" dirty="0">
+              <a:solidFill>
+                <a:srgbClr val="FF6600"/>
+              </a:solidFill>
+              <a:latin typeface="Inconsolata Medium" panose="020B0609030003000000" pitchFamily="49" charset="77"/>
+            </a:endParaRPr>
+          </a:p>
+          <a:p>
+            <a:pPr marL="0" indent="0">
+              <a:buNone/>
+            </a:pPr>
+            <a:r>
+              <a:rPr lang="en-US" sz="2000" b="1" dirty="0">
+                <a:solidFill>
+                  <a:srgbClr val="FF6600"/>
+                </a:solidFill>
+                <a:latin typeface="Inconsolata Medium" panose="020B0609030003000000" pitchFamily="49" charset="77"/>
+              </a:rPr>
+              <a:t>       </a:t>
+            </a:r>
+            <a:r>
+              <a:rPr lang="en-US" sz="2000" b="1" dirty="0">
+                <a:solidFill>
+                  <a:srgbClr val="000087"/>
+                </a:solidFill>
+                <a:latin typeface="Inconsolata Medium" panose="020B0609030003000000" pitchFamily="49" charset="77"/>
+              </a:rPr>
+              <a:t>10 = y </a:t>
+            </a:r>
+            <a:r>
+              <a:rPr lang="en-US" sz="2000" b="1" dirty="0">
+                <a:solidFill>
+                  <a:srgbClr val="FF6600"/>
+                </a:solidFill>
+                <a:latin typeface="Inconsolata Medium" panose="020B0609030003000000" pitchFamily="49" charset="77"/>
+              </a:rPr>
+              <a:t>  </a:t>
+            </a:r>
+            <a:r>
+              <a:rPr lang="en-US" sz="2000" b="1" dirty="0">
+                <a:solidFill>
+                  <a:srgbClr val="00B050"/>
+                </a:solidFill>
+                <a:latin typeface="Inconsolata Medium" panose="020B0609030003000000" pitchFamily="49" charset="77"/>
+              </a:rPr>
+              <a:t># error!</a:t>
+            </a:r>
+          </a:p>
+          <a:p>
+            <a:pPr marL="0" indent="0">
+              <a:buNone/>
+            </a:pPr>
+            <a:endParaRPr lang="en-US" sz="2000" b="1" dirty="0">
+              <a:latin typeface="Inconsolata Medium" panose="020B0609030003000000" pitchFamily="49" charset="77"/>
+            </a:endParaRPr>
+          </a:p>
+          <a:p>
+            <a:pPr marL="0" indent="0">
+              <a:buNone/>
+            </a:pPr>
+            <a:endParaRPr lang="en-US" sz="2000" b="1" dirty="0">
+              <a:latin typeface="Inconsolata Medium" panose="020B0609030003000000" pitchFamily="49" charset="77"/>
+            </a:endParaRPr>
           </a:p>
           <a:p>
             <a:pPr marL="0" indent="0">
@@ -7187,13 +6856,61 @@
             <a:endParaRPr lang="en-US" sz="1900" b="1" dirty="0">
               <a:latin typeface="Inconsolata Medium" panose="020B0609030003000000" pitchFamily="49" charset="77"/>
             </a:endParaRPr>
+          </a:p>
+          <a:p>
+            <a:pPr marL="0" indent="0">
+              <a:buNone/>
+            </a:pPr>
+            <a:endParaRPr lang="en-US" sz="1900" b="1" dirty="0">
+              <a:latin typeface="Inconsolata Medium" panose="020B0609030003000000" pitchFamily="49" charset="77"/>
+            </a:endParaRPr>
+          </a:p>
+        </p:txBody>
+      </p:sp>
+      <p:sp>
+        <p:nvSpPr>
+          <p:cNvPr id="3" name="Rectangle 2">
+            <a:extLst>
+              <a:ext uri="{FF2B5EF4-FFF2-40B4-BE49-F238E27FC236}">
+                <a16:creationId xmlns:a16="http://schemas.microsoft.com/office/drawing/2014/main" id="{89FC81C6-5951-4C46-A412-23C1C61FDBAF}"/>
+              </a:ext>
+            </a:extLst>
+          </p:cNvPr>
+          <p:cNvSpPr/>
+          <p:nvPr/>
+        </p:nvSpPr>
+        <p:spPr>
+          <a:xfrm>
+            <a:off x="4425966" y="2688223"/>
+            <a:ext cx="292068" cy="338554"/>
+          </a:xfrm>
+          <a:prstGeom prst="rect">
+            <a:avLst/>
+          </a:prstGeom>
+        </p:spPr>
+        <p:txBody>
+          <a:bodyPr wrap="none">
+            <a:spAutoFit/>
+          </a:bodyPr>
+          <a:lstStyle/>
+          <a:p>
+            <a:r>
+              <a:rPr lang="en-US" sz="1600" b="1" dirty="0">
+                <a:solidFill>
+                  <a:srgbClr val="00B050"/>
+                </a:solidFill>
+                <a:latin typeface="Inconsolata Medium" panose="020B0609030003000000" pitchFamily="49" charset="77"/>
+              </a:rPr>
+              <a:t>#</a:t>
+            </a:r>
+            <a:endParaRPr lang="en-US" dirty="0"/>
           </a:p>
         </p:txBody>
       </p:sp>
     </p:spTree>
     <p:extLst>
       <p:ext uri="{BB962C8B-B14F-4D97-AF65-F5344CB8AC3E}">
-        <p14:creationId xmlns:p14="http://schemas.microsoft.com/office/powerpoint/2010/main" val="170290661"/>
+        <p14:creationId xmlns:p14="http://schemas.microsoft.com/office/powerpoint/2010/main" val="862557025"/>
       </p:ext>
     </p:extLst>
   </p:cSld>
@@ -7271,6 +6988,599 @@
         </p:nvSpPr>
         <p:spPr>
           <a:xfrm>
+            <a:off x="483848" y="1264778"/>
+            <a:ext cx="8051725" cy="4450222"/>
+          </a:xfrm>
+        </p:spPr>
+        <p:txBody>
+          <a:bodyPr>
+            <a:noAutofit/>
+          </a:bodyPr>
+          <a:lstStyle/>
+          <a:p>
+            <a:pPr marL="0" indent="0">
+              <a:buNone/>
+            </a:pPr>
+            <a:r>
+              <a:rPr lang="en-US" sz="2000" dirty="0"/>
+              <a:t>An </a:t>
+            </a:r>
+            <a:r>
+              <a:rPr lang="en-US" sz="2000" b="1" dirty="0"/>
+              <a:t>augmented assignment </a:t>
+            </a:r>
+            <a:r>
+              <a:rPr lang="en-US" sz="2000" dirty="0"/>
+              <a:t>combines an assignment statement with an operator to make the statement more concise. </a:t>
+            </a:r>
+          </a:p>
+          <a:p>
+            <a:pPr marL="0" indent="0">
+              <a:buNone/>
+            </a:pPr>
+            <a:r>
+              <a:rPr lang="en-US" sz="1900" b="1" dirty="0">
+                <a:solidFill>
+                  <a:srgbClr val="FF0000"/>
+                </a:solidFill>
+                <a:latin typeface="Inconsolata Medium" panose="020B0609030003000000" pitchFamily="49" charset="77"/>
+              </a:rPr>
+              <a:t>    Shorthand				Equivalent version</a:t>
+            </a:r>
+            <a:endParaRPr lang="en-US" b="1" dirty="0"/>
+          </a:p>
+          <a:p>
+            <a:pPr marL="742950" lvl="1" indent="-285750">
+              <a:buNone/>
+              <a:tabLst>
+                <a:tab pos="4113213" algn="l"/>
+              </a:tabLst>
+              <a:defRPr/>
+            </a:pPr>
+            <a:r>
+              <a:rPr lang="en-US" b="1" dirty="0"/>
+              <a:t>variable</a:t>
+            </a:r>
+            <a:r>
+              <a:rPr lang="en-US" dirty="0">
+                <a:latin typeface="Courier New" charset="0"/>
+              </a:rPr>
+              <a:t> += </a:t>
+            </a:r>
+            <a:r>
+              <a:rPr lang="en-US" b="1" dirty="0"/>
+              <a:t>value</a:t>
+            </a:r>
+            <a:r>
+              <a:rPr lang="en-US" dirty="0">
+                <a:latin typeface="Courier New" charset="0"/>
+              </a:rPr>
+              <a:t>;	</a:t>
+            </a:r>
+            <a:r>
+              <a:rPr lang="en-US" b="1" dirty="0"/>
+              <a:t>variable</a:t>
+            </a:r>
+            <a:r>
+              <a:rPr lang="en-US" dirty="0">
+                <a:latin typeface="Courier New" charset="0"/>
+              </a:rPr>
+              <a:t> = </a:t>
+            </a:r>
+            <a:r>
+              <a:rPr lang="en-US" b="1" dirty="0"/>
+              <a:t>variable</a:t>
+            </a:r>
+            <a:r>
+              <a:rPr lang="en-US" dirty="0">
+                <a:latin typeface="Courier New" charset="0"/>
+              </a:rPr>
+              <a:t> + </a:t>
+            </a:r>
+            <a:r>
+              <a:rPr lang="en-US" b="1" dirty="0"/>
+              <a:t>value</a:t>
+            </a:r>
+            <a:r>
+              <a:rPr lang="en-US" dirty="0">
+                <a:latin typeface="Courier New" charset="0"/>
+              </a:rPr>
+              <a:t>;</a:t>
+            </a:r>
+          </a:p>
+          <a:p>
+            <a:pPr marL="742950" lvl="1" indent="-285750">
+              <a:buNone/>
+              <a:tabLst>
+                <a:tab pos="4113213" algn="l"/>
+              </a:tabLst>
+              <a:defRPr/>
+            </a:pPr>
+            <a:r>
+              <a:rPr lang="en-US" b="1" dirty="0"/>
+              <a:t>variable</a:t>
+            </a:r>
+            <a:r>
+              <a:rPr lang="en-US" dirty="0">
+                <a:latin typeface="Courier New" charset="0"/>
+              </a:rPr>
+              <a:t> -= </a:t>
+            </a:r>
+            <a:r>
+              <a:rPr lang="en-US" b="1" dirty="0"/>
+              <a:t>value</a:t>
+            </a:r>
+            <a:r>
+              <a:rPr lang="en-US" dirty="0">
+                <a:latin typeface="Courier New" charset="0"/>
+              </a:rPr>
+              <a:t>;	</a:t>
+            </a:r>
+            <a:r>
+              <a:rPr lang="en-US" b="1" dirty="0"/>
+              <a:t>variable</a:t>
+            </a:r>
+            <a:r>
+              <a:rPr lang="en-US" dirty="0">
+                <a:latin typeface="Courier New" charset="0"/>
+              </a:rPr>
+              <a:t> = </a:t>
+            </a:r>
+            <a:r>
+              <a:rPr lang="en-US" b="1" dirty="0"/>
+              <a:t>variable</a:t>
+            </a:r>
+            <a:r>
+              <a:rPr lang="en-US" dirty="0">
+                <a:latin typeface="Courier New" charset="0"/>
+              </a:rPr>
+              <a:t> - </a:t>
+            </a:r>
+            <a:r>
+              <a:rPr lang="en-US" b="1" dirty="0"/>
+              <a:t>value</a:t>
+            </a:r>
+            <a:r>
+              <a:rPr lang="en-US" dirty="0">
+                <a:latin typeface="Courier New" charset="0"/>
+              </a:rPr>
+              <a:t>;</a:t>
+            </a:r>
+          </a:p>
+          <a:p>
+            <a:pPr marL="742950" lvl="1" indent="-285750">
+              <a:buNone/>
+              <a:tabLst>
+                <a:tab pos="4113213" algn="l"/>
+              </a:tabLst>
+              <a:defRPr/>
+            </a:pPr>
+            <a:r>
+              <a:rPr lang="en-US" b="1" dirty="0"/>
+              <a:t>variable</a:t>
+            </a:r>
+            <a:r>
+              <a:rPr lang="en-US" dirty="0">
+                <a:latin typeface="Courier New" charset="0"/>
+              </a:rPr>
+              <a:t> *= </a:t>
+            </a:r>
+            <a:r>
+              <a:rPr lang="en-US" b="1" dirty="0"/>
+              <a:t>value</a:t>
+            </a:r>
+            <a:r>
+              <a:rPr lang="en-US" dirty="0">
+                <a:latin typeface="Courier New" charset="0"/>
+              </a:rPr>
+              <a:t>;	</a:t>
+            </a:r>
+            <a:r>
+              <a:rPr lang="en-US" b="1" dirty="0"/>
+              <a:t>variable</a:t>
+            </a:r>
+            <a:r>
+              <a:rPr lang="en-US" dirty="0">
+                <a:latin typeface="Courier New" charset="0"/>
+              </a:rPr>
+              <a:t> = </a:t>
+            </a:r>
+            <a:r>
+              <a:rPr lang="en-US" b="1" dirty="0"/>
+              <a:t>variable</a:t>
+            </a:r>
+            <a:r>
+              <a:rPr lang="en-US" dirty="0">
+                <a:latin typeface="Courier New" charset="0"/>
+              </a:rPr>
+              <a:t> * </a:t>
+            </a:r>
+            <a:r>
+              <a:rPr lang="en-US" b="1" dirty="0"/>
+              <a:t>value</a:t>
+            </a:r>
+            <a:r>
+              <a:rPr lang="en-US" dirty="0">
+                <a:latin typeface="Courier New" charset="0"/>
+              </a:rPr>
+              <a:t>;</a:t>
+            </a:r>
+          </a:p>
+          <a:p>
+            <a:pPr marL="742950" lvl="1" indent="-285750">
+              <a:buNone/>
+              <a:tabLst>
+                <a:tab pos="4113213" algn="l"/>
+              </a:tabLst>
+              <a:defRPr/>
+            </a:pPr>
+            <a:r>
+              <a:rPr lang="en-US" b="1" dirty="0"/>
+              <a:t>variable</a:t>
+            </a:r>
+            <a:r>
+              <a:rPr lang="en-US" dirty="0">
+                <a:latin typeface="Courier New" charset="0"/>
+              </a:rPr>
+              <a:t> /= </a:t>
+            </a:r>
+            <a:r>
+              <a:rPr lang="en-US" b="1" dirty="0"/>
+              <a:t>value</a:t>
+            </a:r>
+            <a:r>
+              <a:rPr lang="en-US" dirty="0">
+                <a:latin typeface="Courier New" charset="0"/>
+              </a:rPr>
+              <a:t>;	</a:t>
+            </a:r>
+            <a:r>
+              <a:rPr lang="en-US" b="1" dirty="0"/>
+              <a:t>variable</a:t>
+            </a:r>
+            <a:r>
+              <a:rPr lang="en-US" dirty="0">
+                <a:latin typeface="Courier New" charset="0"/>
+              </a:rPr>
+              <a:t> = </a:t>
+            </a:r>
+            <a:r>
+              <a:rPr lang="en-US" b="1" dirty="0"/>
+              <a:t>variable</a:t>
+            </a:r>
+            <a:r>
+              <a:rPr lang="en-US" dirty="0">
+                <a:latin typeface="Courier New" charset="0"/>
+              </a:rPr>
+              <a:t> / </a:t>
+            </a:r>
+            <a:r>
+              <a:rPr lang="en-US" b="1" dirty="0"/>
+              <a:t>value</a:t>
+            </a:r>
+            <a:r>
+              <a:rPr lang="en-US" dirty="0">
+                <a:latin typeface="Courier New" charset="0"/>
+              </a:rPr>
+              <a:t>;</a:t>
+            </a:r>
+          </a:p>
+          <a:p>
+            <a:pPr marL="742950" lvl="1" indent="-285750">
+              <a:buNone/>
+              <a:tabLst>
+                <a:tab pos="4113213" algn="l"/>
+              </a:tabLst>
+              <a:defRPr/>
+            </a:pPr>
+            <a:r>
+              <a:rPr lang="en-US" b="1" dirty="0"/>
+              <a:t>variable</a:t>
+            </a:r>
+            <a:r>
+              <a:rPr lang="en-US" dirty="0">
+                <a:latin typeface="Courier New" charset="0"/>
+              </a:rPr>
+              <a:t> %= </a:t>
+            </a:r>
+            <a:r>
+              <a:rPr lang="en-US" b="1" dirty="0"/>
+              <a:t>value</a:t>
+            </a:r>
+            <a:r>
+              <a:rPr lang="en-US" dirty="0">
+                <a:latin typeface="Courier New" charset="0"/>
+              </a:rPr>
+              <a:t>;	</a:t>
+            </a:r>
+            <a:r>
+              <a:rPr lang="en-US" b="1" dirty="0"/>
+              <a:t>variable</a:t>
+            </a:r>
+            <a:r>
+              <a:rPr lang="en-US" dirty="0">
+                <a:latin typeface="Courier New" charset="0"/>
+              </a:rPr>
+              <a:t> = </a:t>
+            </a:r>
+            <a:r>
+              <a:rPr lang="en-US" b="1" dirty="0"/>
+              <a:t>variable</a:t>
+            </a:r>
+            <a:r>
+              <a:rPr lang="en-US" dirty="0">
+                <a:latin typeface="Courier New" charset="0"/>
+              </a:rPr>
+              <a:t> % </a:t>
+            </a:r>
+            <a:r>
+              <a:rPr lang="en-US" b="1" dirty="0"/>
+              <a:t>value</a:t>
+            </a:r>
+            <a:r>
+              <a:rPr lang="en-US" dirty="0">
+                <a:latin typeface="Courier New" charset="0"/>
+              </a:rPr>
+              <a:t>;</a:t>
+            </a:r>
+          </a:p>
+          <a:p>
+            <a:pPr marL="742950" lvl="1" indent="-285750">
+              <a:lnSpc>
+                <a:spcPct val="60000"/>
+              </a:lnSpc>
+              <a:buNone/>
+              <a:tabLst>
+                <a:tab pos="4113213" algn="l"/>
+              </a:tabLst>
+              <a:defRPr/>
+            </a:pPr>
+            <a:endParaRPr lang="en-US" dirty="0">
+              <a:latin typeface="Courier New" charset="0"/>
+            </a:endParaRPr>
+          </a:p>
+          <a:p>
+            <a:pPr marL="0" indent="0">
+              <a:buNone/>
+            </a:pPr>
+            <a:r>
+              <a:rPr lang="en-US" sz="1800" b="1" dirty="0">
+                <a:solidFill>
+                  <a:srgbClr val="000087"/>
+                </a:solidFill>
+                <a:latin typeface="Inconsolata Medium" panose="020B0609030003000000" pitchFamily="49" charset="77"/>
+              </a:rPr>
+              <a:t>In</a:t>
+            </a:r>
+            <a:r>
+              <a:rPr lang="en-US" sz="1800" b="1" dirty="0">
+                <a:latin typeface="Inconsolata Medium" panose="020B0609030003000000" pitchFamily="49" charset="77"/>
+              </a:rPr>
+              <a:t>[</a:t>
+            </a:r>
+            <a:r>
+              <a:rPr lang="en-US" sz="1800" b="1" dirty="0">
+                <a:solidFill>
+                  <a:srgbClr val="FF6600"/>
+                </a:solidFill>
+                <a:latin typeface="Inconsolata Medium" panose="020B0609030003000000" pitchFamily="49" charset="77"/>
+              </a:rPr>
+              <a:t>1</a:t>
+            </a:r>
+            <a:r>
+              <a:rPr lang="en-US" sz="1800" b="1" dirty="0">
+                <a:latin typeface="Inconsolata Medium" panose="020B0609030003000000" pitchFamily="49" charset="77"/>
+              </a:rPr>
+              <a:t>]: </a:t>
+            </a:r>
+            <a:r>
+              <a:rPr lang="en-US" sz="1800" b="1" dirty="0">
+                <a:solidFill>
+                  <a:srgbClr val="000087"/>
+                </a:solidFill>
+                <a:latin typeface="Inconsolata Medium" panose="020B0609030003000000" pitchFamily="49" charset="77"/>
+              </a:rPr>
+              <a:t>x </a:t>
+            </a:r>
+            <a:r>
+              <a:rPr lang="en-US" sz="1800" b="1" dirty="0">
+                <a:solidFill>
+                  <a:srgbClr val="545454"/>
+                </a:solidFill>
+                <a:latin typeface="Inconsolata Medium" panose="020B0609030003000000" pitchFamily="49" charset="77"/>
+              </a:rPr>
+              <a:t>= </a:t>
+            </a:r>
+            <a:r>
+              <a:rPr lang="en-US" sz="1800" b="1" dirty="0">
+                <a:solidFill>
+                  <a:srgbClr val="FF6600"/>
+                </a:solidFill>
+                <a:latin typeface="Inconsolata Medium" panose="020B0609030003000000" pitchFamily="49" charset="77"/>
+              </a:rPr>
+              <a:t>4 </a:t>
+            </a:r>
+          </a:p>
+          <a:p>
+            <a:pPr marL="0" indent="0">
+              <a:buNone/>
+            </a:pPr>
+            <a:r>
+              <a:rPr lang="en-US" sz="1800" b="1" dirty="0">
+                <a:solidFill>
+                  <a:srgbClr val="FF6600"/>
+                </a:solidFill>
+                <a:latin typeface="Inconsolata Medium" panose="020B0609030003000000" pitchFamily="49" charset="77"/>
+              </a:rPr>
+              <a:t>       </a:t>
+            </a:r>
+            <a:r>
+              <a:rPr lang="en-US" sz="1800" b="1" dirty="0">
+                <a:solidFill>
+                  <a:srgbClr val="000087"/>
+                </a:solidFill>
+                <a:latin typeface="Inconsolata Medium" panose="020B0609030003000000" pitchFamily="49" charset="77"/>
+              </a:rPr>
+              <a:t>x += 1 </a:t>
+            </a:r>
+            <a:r>
+              <a:rPr lang="en-US" sz="1800" b="1" dirty="0">
+                <a:solidFill>
+                  <a:srgbClr val="FF6600"/>
+                </a:solidFill>
+                <a:latin typeface="Inconsolata Medium" panose="020B0609030003000000" pitchFamily="49" charset="77"/>
+              </a:rPr>
+              <a:t>  </a:t>
+            </a:r>
+            <a:r>
+              <a:rPr lang="en-US" sz="1800" b="1" dirty="0">
+                <a:solidFill>
+                  <a:srgbClr val="00B050"/>
+                </a:solidFill>
+                <a:latin typeface="Inconsolata Medium" panose="020B0609030003000000" pitchFamily="49" charset="77"/>
+              </a:rPr>
+              <a:t># equivalent to x = x + 1</a:t>
+            </a:r>
+          </a:p>
+          <a:p>
+            <a:pPr marL="0" indent="0">
+              <a:buNone/>
+            </a:pPr>
+            <a:r>
+              <a:rPr lang="en-US" sz="1800" b="1" dirty="0">
+                <a:solidFill>
+                  <a:srgbClr val="00B050"/>
+                </a:solidFill>
+                <a:latin typeface="Inconsolata Medium" panose="020B0609030003000000" pitchFamily="49" charset="77"/>
+              </a:rPr>
+              <a:t>       </a:t>
+            </a:r>
+            <a:r>
+              <a:rPr lang="en-US" sz="1800" b="1" dirty="0">
+                <a:solidFill>
+                  <a:srgbClr val="000087"/>
+                </a:solidFill>
+                <a:latin typeface="Inconsolata Medium" panose="020B0609030003000000" pitchFamily="49" charset="77"/>
+              </a:rPr>
+              <a:t>x</a:t>
+            </a:r>
+            <a:endParaRPr lang="en-US" sz="1800" b="1" dirty="0">
+              <a:solidFill>
+                <a:srgbClr val="00B050"/>
+              </a:solidFill>
+              <a:latin typeface="Inconsolata Medium" panose="020B0609030003000000" pitchFamily="49" charset="77"/>
+            </a:endParaRPr>
+          </a:p>
+          <a:p>
+            <a:pPr marL="0" indent="0">
+              <a:buNone/>
+            </a:pPr>
+            <a:r>
+              <a:rPr lang="en-US" sz="1800" b="1" dirty="0">
+                <a:latin typeface="Inconsolata Medium" panose="020B0609030003000000" pitchFamily="49" charset="77"/>
+              </a:rPr>
+              <a:t>Out[1]: 5</a:t>
+            </a:r>
+          </a:p>
+          <a:p>
+            <a:pPr marL="0" indent="0">
+              <a:buNone/>
+            </a:pPr>
+            <a:endParaRPr lang="en-US" sz="1900" b="1" dirty="0">
+              <a:latin typeface="Inconsolata Medium" panose="020B0609030003000000" pitchFamily="49" charset="77"/>
+            </a:endParaRPr>
+          </a:p>
+          <a:p>
+            <a:pPr marL="0" indent="0">
+              <a:buNone/>
+            </a:pPr>
+            <a:endParaRPr lang="en-US" sz="1900" b="1" dirty="0">
+              <a:latin typeface="Inconsolata Medium" panose="020B0609030003000000" pitchFamily="49" charset="77"/>
+            </a:endParaRPr>
+          </a:p>
+        </p:txBody>
+      </p:sp>
+    </p:spTree>
+    <p:extLst>
+      <p:ext uri="{BB962C8B-B14F-4D97-AF65-F5344CB8AC3E}">
+        <p14:creationId xmlns:p14="http://schemas.microsoft.com/office/powerpoint/2010/main" val="170290661"/>
+      </p:ext>
+    </p:extLst>
+  </p:cSld>
+  <p:clrMapOvr>
+    <a:masterClrMapping/>
+  </p:clrMapOvr>
+</p:sld>
+</file>
+
+<file path=ppt/slides/slide18.xml><?xml version="1.0" encoding="utf-8"?>
+<p:sld xmlns:a="http://schemas.openxmlformats.org/drawingml/2006/main" xmlns:r="http://schemas.openxmlformats.org/officeDocument/2006/relationships" xmlns:p="http://schemas.openxmlformats.org/presentationml/2006/main">
+  <p:cSld>
+    <p:spTree>
+      <p:nvGrpSpPr>
+        <p:cNvPr id="1" name=""/>
+        <p:cNvGrpSpPr/>
+        <p:nvPr/>
+      </p:nvGrpSpPr>
+      <p:grpSpPr>
+        <a:xfrm>
+          <a:off x="0" y="0"/>
+          <a:ext cx="0" cy="0"/>
+          <a:chOff x="0" y="0"/>
+          <a:chExt cx="0" cy="0"/>
+        </a:xfrm>
+      </p:grpSpPr>
+      <p:sp>
+        <p:nvSpPr>
+          <p:cNvPr id="2" name="Title 1">
+            <a:extLst>
+              <a:ext uri="{FF2B5EF4-FFF2-40B4-BE49-F238E27FC236}">
+                <a16:creationId xmlns:a16="http://schemas.microsoft.com/office/drawing/2014/main" id="{AA3A228F-61D0-D949-A5E7-F83756230BF8}"/>
+              </a:ext>
+            </a:extLst>
+          </p:cNvPr>
+          <p:cNvSpPr>
+            <a:spLocks noGrp="1"/>
+          </p:cNvSpPr>
+          <p:nvPr>
+            <p:ph type="title"/>
+          </p:nvPr>
+        </p:nvSpPr>
+        <p:spPr>
+          <a:xfrm>
+            <a:off x="483848" y="467027"/>
+            <a:ext cx="7053542" cy="683886"/>
+          </a:xfrm>
+        </p:spPr>
+        <p:txBody>
+          <a:bodyPr/>
+          <a:lstStyle/>
+          <a:p>
+            <a:r>
+              <a:rPr lang="en-US" dirty="0"/>
+              <a:t>Augmented Assignment</a:t>
+            </a:r>
+          </a:p>
+        </p:txBody>
+      </p:sp>
+      <p:sp>
+        <p:nvSpPr>
+          <p:cNvPr id="9" name="Content Placeholder 8">
+            <a:extLst>
+              <a:ext uri="{FF2B5EF4-FFF2-40B4-BE49-F238E27FC236}">
+                <a16:creationId xmlns:a16="http://schemas.microsoft.com/office/drawing/2014/main" id="{E3B2E017-30B2-884B-A113-B419A2ED51AD}"/>
+              </a:ext>
+            </a:extLst>
+          </p:cNvPr>
+          <p:cNvSpPr>
+            <a:spLocks noGrp="1"/>
+          </p:cNvSpPr>
+          <p:nvPr>
+            <p:ph idx="1"/>
+          </p:nvPr>
+        </p:nvSpPr>
+        <p:spPr>
+          <a:xfrm>
             <a:off x="483848" y="1003610"/>
             <a:ext cx="8051725" cy="4711390"/>
           </a:xfrm>
@@ -7631,7 +7941,7 @@
 </p:sld>
 </file>
 
-<file path=ppt/slides/slide18.xml><?xml version="1.0" encoding="utf-8"?>
+<file path=ppt/slides/slide19.xml><?xml version="1.0" encoding="utf-8"?>
 <p:sld xmlns:a="http://schemas.openxmlformats.org/drawingml/2006/main" xmlns:r="http://schemas.openxmlformats.org/officeDocument/2006/relationships" xmlns:p="http://schemas.openxmlformats.org/presentationml/2006/main">
   <p:cSld>
     <p:spTree>
@@ -8186,487 +8496,6 @@
 </p:sld>
 </file>
 
-<file path=ppt/slides/slide19.xml><?xml version="1.0" encoding="utf-8"?>
-<p:sld xmlns:a="http://schemas.openxmlformats.org/drawingml/2006/main" xmlns:r="http://schemas.openxmlformats.org/officeDocument/2006/relationships" xmlns:p="http://schemas.openxmlformats.org/presentationml/2006/main">
-  <p:cSld>
-    <p:spTree>
-      <p:nvGrpSpPr>
-        <p:cNvPr id="1" name=""/>
-        <p:cNvGrpSpPr/>
-        <p:nvPr/>
-      </p:nvGrpSpPr>
-      <p:grpSpPr>
-        <a:xfrm>
-          <a:off x="0" y="0"/>
-          <a:ext cx="0" cy="0"/>
-          <a:chOff x="0" y="0"/>
-          <a:chExt cx="0" cy="0"/>
-        </a:xfrm>
-      </p:grpSpPr>
-      <p:sp>
-        <p:nvSpPr>
-          <p:cNvPr id="2" name="Title 1">
-            <a:extLst>
-              <a:ext uri="{FF2B5EF4-FFF2-40B4-BE49-F238E27FC236}">
-                <a16:creationId xmlns:a16="http://schemas.microsoft.com/office/drawing/2014/main" id="{AA3A228F-61D0-D949-A5E7-F83756230BF8}"/>
-              </a:ext>
-            </a:extLst>
-          </p:cNvPr>
-          <p:cNvSpPr>
-            <a:spLocks noGrp="1"/>
-          </p:cNvSpPr>
-          <p:nvPr>
-            <p:ph type="title"/>
-          </p:nvPr>
-        </p:nvSpPr>
-        <p:spPr>
-          <a:xfrm>
-            <a:off x="483848" y="467027"/>
-            <a:ext cx="7053542" cy="683886"/>
-          </a:xfrm>
-        </p:spPr>
-        <p:txBody>
-          <a:bodyPr/>
-          <a:lstStyle/>
-          <a:p>
-            <a:r>
-              <a:rPr lang="en-US" dirty="0"/>
-              <a:t>Input</a:t>
-            </a:r>
-          </a:p>
-        </p:txBody>
-      </p:sp>
-      <p:sp>
-        <p:nvSpPr>
-          <p:cNvPr id="9" name="Content Placeholder 8">
-            <a:extLst>
-              <a:ext uri="{FF2B5EF4-FFF2-40B4-BE49-F238E27FC236}">
-                <a16:creationId xmlns:a16="http://schemas.microsoft.com/office/drawing/2014/main" id="{E3B2E017-30B2-884B-A113-B419A2ED51AD}"/>
-              </a:ext>
-            </a:extLst>
-          </p:cNvPr>
-          <p:cNvSpPr>
-            <a:spLocks noGrp="1"/>
-          </p:cNvSpPr>
-          <p:nvPr>
-            <p:ph idx="1"/>
-          </p:nvPr>
-        </p:nvSpPr>
-        <p:spPr>
-          <a:xfrm>
-            <a:off x="483848" y="1288073"/>
-            <a:ext cx="8051725" cy="4292919"/>
-          </a:xfrm>
-        </p:spPr>
-        <p:txBody>
-          <a:bodyPr>
-            <a:normAutofit/>
-          </a:bodyPr>
-          <a:lstStyle/>
-          <a:p>
-            <a:pPr marL="0" indent="0">
-              <a:buNone/>
-            </a:pPr>
-            <a:r>
-              <a:rPr lang="en-US" sz="2000" dirty="0"/>
-              <a:t>Since user input almost always requires a message to the user about the expected input, the input function optionally accepts a string that it prints just before the program stops to wait for the user to respond. </a:t>
-            </a:r>
-          </a:p>
-          <a:p>
-            <a:pPr marL="0" indent="0">
-              <a:buNone/>
-            </a:pPr>
-            <a:r>
-              <a:rPr lang="en-US" sz="2000" b="1" dirty="0">
-                <a:solidFill>
-                  <a:srgbClr val="34A327"/>
-                </a:solidFill>
-                <a:latin typeface="Inconsolata Medium" panose="020B0609030003000000" pitchFamily="49" charset="77"/>
-              </a:rPr>
-              <a:t>In [</a:t>
-            </a:r>
-            <a:r>
-              <a:rPr lang="en-US" sz="2000" b="1" dirty="0">
-                <a:solidFill>
-                  <a:srgbClr val="2EE721"/>
-                </a:solidFill>
-                <a:latin typeface="Inconsolata Medium" panose="020B0609030003000000" pitchFamily="49" charset="77"/>
-              </a:rPr>
-              <a:t>1</a:t>
-            </a:r>
-            <a:r>
-              <a:rPr lang="en-US" sz="2000" b="1" dirty="0">
-                <a:solidFill>
-                  <a:srgbClr val="34A327"/>
-                </a:solidFill>
-                <a:latin typeface="Inconsolata Medium" panose="020B0609030003000000" pitchFamily="49" charset="77"/>
-              </a:rPr>
-              <a:t>]: </a:t>
-            </a:r>
-            <a:r>
-              <a:rPr lang="en-US" sz="2000" b="1" dirty="0">
-                <a:solidFill>
-                  <a:srgbClr val="000000"/>
-                </a:solidFill>
-                <a:latin typeface="Inconsolata Medium" panose="020B0609030003000000" pitchFamily="49" charset="77"/>
-              </a:rPr>
-              <a:t>x = </a:t>
-            </a:r>
-            <a:r>
-              <a:rPr lang="en-US" sz="2000" b="1" dirty="0">
-                <a:solidFill>
-                  <a:srgbClr val="34A327"/>
-                </a:solidFill>
-                <a:latin typeface="Inconsolata Medium" panose="020B0609030003000000" pitchFamily="49" charset="77"/>
-              </a:rPr>
-              <a:t>input</a:t>
-            </a:r>
-            <a:r>
-              <a:rPr lang="en-US" sz="2000" b="1" dirty="0">
-                <a:solidFill>
-                  <a:srgbClr val="000000"/>
-                </a:solidFill>
-                <a:latin typeface="Inconsolata Medium" panose="020B0609030003000000" pitchFamily="49" charset="77"/>
-              </a:rPr>
-              <a:t>(</a:t>
-            </a:r>
-            <a:r>
-              <a:rPr lang="en-US" sz="2000" b="1" dirty="0">
-                <a:solidFill>
-                  <a:srgbClr val="CD7923"/>
-                </a:solidFill>
-                <a:latin typeface="Inconsolata Medium" panose="020B0609030003000000" pitchFamily="49" charset="77"/>
-              </a:rPr>
-              <a:t>'Please enter an integer value: '</a:t>
-            </a:r>
-            <a:r>
-              <a:rPr lang="en-US" sz="2000" b="1" dirty="0">
-                <a:solidFill>
-                  <a:srgbClr val="000000"/>
-                </a:solidFill>
-                <a:latin typeface="Inconsolata Medium" panose="020B0609030003000000" pitchFamily="49" charset="77"/>
-              </a:rPr>
-              <a:t>) </a:t>
-            </a:r>
-            <a:endParaRPr lang="en-US" sz="2000" b="1" dirty="0">
-              <a:solidFill>
-                <a:srgbClr val="CD7923"/>
-              </a:solidFill>
-              <a:latin typeface="Inconsolata Medium" panose="020B0609030003000000" pitchFamily="49" charset="77"/>
-            </a:endParaRPr>
-          </a:p>
-          <a:p>
-            <a:pPr marL="0" indent="0">
-              <a:buNone/>
-            </a:pPr>
-            <a:r>
-              <a:rPr lang="en-US" sz="2000" b="1" dirty="0">
-                <a:solidFill>
-                  <a:srgbClr val="34A327"/>
-                </a:solidFill>
-                <a:latin typeface="Inconsolata Medium" panose="020B0609030003000000" pitchFamily="49" charset="77"/>
-              </a:rPr>
-              <a:t>        </a:t>
-            </a:r>
-            <a:r>
-              <a:rPr lang="en-US" sz="2000" b="1" dirty="0">
-                <a:solidFill>
-                  <a:srgbClr val="000000"/>
-                </a:solidFill>
-                <a:latin typeface="Inconsolata Medium" panose="020B0609030003000000" pitchFamily="49" charset="77"/>
-              </a:rPr>
-              <a:t>y = </a:t>
-            </a:r>
-            <a:r>
-              <a:rPr lang="en-US" sz="2000" b="1" dirty="0">
-                <a:solidFill>
-                  <a:srgbClr val="34A327"/>
-                </a:solidFill>
-                <a:latin typeface="Inconsolata Medium" panose="020B0609030003000000" pitchFamily="49" charset="77"/>
-              </a:rPr>
-              <a:t>input</a:t>
-            </a:r>
-            <a:r>
-              <a:rPr lang="en-US" sz="2000" b="1" dirty="0">
-                <a:solidFill>
-                  <a:srgbClr val="000000"/>
-                </a:solidFill>
-                <a:latin typeface="Inconsolata Medium" panose="020B0609030003000000" pitchFamily="49" charset="77"/>
-              </a:rPr>
-              <a:t>(</a:t>
-            </a:r>
-            <a:r>
-              <a:rPr lang="en-US" sz="2000" b="1" dirty="0">
-                <a:solidFill>
-                  <a:srgbClr val="CD7923"/>
-                </a:solidFill>
-                <a:latin typeface="Inconsolata Medium" panose="020B0609030003000000" pitchFamily="49" charset="77"/>
-              </a:rPr>
-              <a:t>'Please enter another integer value: '</a:t>
-            </a:r>
-            <a:r>
-              <a:rPr lang="en-US" sz="2000" b="1" dirty="0">
-                <a:solidFill>
-                  <a:srgbClr val="000000"/>
-                </a:solidFill>
-                <a:latin typeface="Inconsolata Medium" panose="020B0609030003000000" pitchFamily="49" charset="77"/>
-              </a:rPr>
-              <a:t>) </a:t>
-            </a:r>
-            <a:endParaRPr lang="en-US" sz="2000" b="1" dirty="0">
-              <a:solidFill>
-                <a:srgbClr val="CD7923"/>
-              </a:solidFill>
-              <a:latin typeface="Inconsolata Medium" panose="020B0609030003000000" pitchFamily="49" charset="77"/>
-            </a:endParaRPr>
-          </a:p>
-          <a:p>
-            <a:pPr marL="0" indent="0">
-              <a:buNone/>
-            </a:pPr>
-            <a:r>
-              <a:rPr lang="en-US" sz="2000" b="1" dirty="0">
-                <a:solidFill>
-                  <a:srgbClr val="34A327"/>
-                </a:solidFill>
-                <a:latin typeface="Inconsolata Medium" panose="020B0609030003000000" pitchFamily="49" charset="77"/>
-              </a:rPr>
-              <a:t>        </a:t>
-            </a:r>
-            <a:r>
-              <a:rPr lang="en-US" sz="2000" b="1" dirty="0">
-                <a:solidFill>
-                  <a:srgbClr val="000000"/>
-                </a:solidFill>
-                <a:latin typeface="Inconsolata Medium" panose="020B0609030003000000" pitchFamily="49" charset="77"/>
-              </a:rPr>
-              <a:t>num1 = </a:t>
-            </a:r>
-            <a:r>
-              <a:rPr lang="en-US" sz="2000" b="1" dirty="0">
-                <a:solidFill>
-                  <a:srgbClr val="34A327"/>
-                </a:solidFill>
-                <a:latin typeface="Inconsolata Medium" panose="020B0609030003000000" pitchFamily="49" charset="77"/>
-              </a:rPr>
-              <a:t>int</a:t>
-            </a:r>
-            <a:r>
-              <a:rPr lang="en-US" sz="2000" b="1" dirty="0">
-                <a:solidFill>
-                  <a:srgbClr val="000000"/>
-                </a:solidFill>
-                <a:latin typeface="Inconsolata Medium" panose="020B0609030003000000" pitchFamily="49" charset="77"/>
-              </a:rPr>
-              <a:t>(x) </a:t>
-            </a:r>
-          </a:p>
-          <a:p>
-            <a:pPr marL="0" indent="0">
-              <a:buNone/>
-            </a:pPr>
-            <a:r>
-              <a:rPr lang="en-US" sz="2000" b="1" dirty="0">
-                <a:solidFill>
-                  <a:srgbClr val="34A327"/>
-                </a:solidFill>
-                <a:latin typeface="Inconsolata Medium" panose="020B0609030003000000" pitchFamily="49" charset="77"/>
-              </a:rPr>
-              <a:t>        </a:t>
-            </a:r>
-            <a:r>
-              <a:rPr lang="en-US" sz="2000" b="1" dirty="0">
-                <a:solidFill>
-                  <a:srgbClr val="000000"/>
-                </a:solidFill>
-                <a:latin typeface="Inconsolata Medium" panose="020B0609030003000000" pitchFamily="49" charset="77"/>
-              </a:rPr>
-              <a:t>num2 = </a:t>
-            </a:r>
-            <a:r>
-              <a:rPr lang="en-US" sz="2000" b="1" dirty="0">
-                <a:solidFill>
-                  <a:srgbClr val="34A327"/>
-                </a:solidFill>
-                <a:latin typeface="Inconsolata Medium" panose="020B0609030003000000" pitchFamily="49" charset="77"/>
-              </a:rPr>
-              <a:t>int</a:t>
-            </a:r>
-            <a:r>
-              <a:rPr lang="en-US" sz="2000" b="1" dirty="0">
-                <a:solidFill>
-                  <a:srgbClr val="000000"/>
-                </a:solidFill>
-                <a:latin typeface="Inconsolata Medium" panose="020B0609030003000000" pitchFamily="49" charset="77"/>
-              </a:rPr>
-              <a:t>(y) </a:t>
-            </a:r>
-          </a:p>
-          <a:p>
-            <a:pPr marL="0" indent="0">
-              <a:buNone/>
-            </a:pPr>
-            <a:r>
-              <a:rPr lang="en-US" sz="2000" b="1" dirty="0">
-                <a:solidFill>
-                  <a:srgbClr val="34A327"/>
-                </a:solidFill>
-                <a:latin typeface="Inconsolata Medium" panose="020B0609030003000000" pitchFamily="49" charset="77"/>
-              </a:rPr>
-              <a:t>        print</a:t>
-            </a:r>
-            <a:r>
-              <a:rPr lang="en-US" sz="2000" b="1" dirty="0">
-                <a:solidFill>
-                  <a:srgbClr val="000000"/>
-                </a:solidFill>
-                <a:latin typeface="Inconsolata Medium" panose="020B0609030003000000" pitchFamily="49" charset="77"/>
-              </a:rPr>
-              <a:t>(num1, </a:t>
-            </a:r>
-            <a:r>
-              <a:rPr lang="en-US" sz="2000" b="1" dirty="0">
-                <a:solidFill>
-                  <a:srgbClr val="CD7923"/>
-                </a:solidFill>
-                <a:latin typeface="Inconsolata Medium" panose="020B0609030003000000" pitchFamily="49" charset="77"/>
-              </a:rPr>
-              <a:t>'+'</a:t>
-            </a:r>
-            <a:r>
-              <a:rPr lang="en-US" sz="2000" b="1" dirty="0">
-                <a:solidFill>
-                  <a:srgbClr val="000000"/>
-                </a:solidFill>
-                <a:latin typeface="Inconsolata Medium" panose="020B0609030003000000" pitchFamily="49" charset="77"/>
-              </a:rPr>
-              <a:t>, num2, </a:t>
-            </a:r>
-            <a:r>
-              <a:rPr lang="en-US" sz="2000" b="1" dirty="0">
-                <a:solidFill>
-                  <a:srgbClr val="CD7923"/>
-                </a:solidFill>
-                <a:latin typeface="Inconsolata Medium" panose="020B0609030003000000" pitchFamily="49" charset="77"/>
-              </a:rPr>
-              <a:t>'='</a:t>
-            </a:r>
-            <a:r>
-              <a:rPr lang="en-US" sz="2000" b="1" dirty="0">
-                <a:solidFill>
-                  <a:srgbClr val="000000"/>
-                </a:solidFill>
-                <a:latin typeface="Inconsolata Medium" panose="020B0609030003000000" pitchFamily="49" charset="77"/>
-              </a:rPr>
-              <a:t>, num1 + num2)  </a:t>
-            </a:r>
-          </a:p>
-          <a:p>
-            <a:pPr marL="0" indent="0">
-              <a:buNone/>
-            </a:pPr>
-            <a:r>
-              <a:rPr lang="en-US" sz="2000" dirty="0">
-                <a:solidFill>
-                  <a:srgbClr val="000000"/>
-                </a:solidFill>
-                <a:latin typeface="Inconsolata Medium" panose="020B0609030003000000" pitchFamily="49" charset="77"/>
-              </a:rPr>
-              <a:t>                                            </a:t>
-            </a:r>
-          </a:p>
-          <a:p>
-            <a:pPr marL="0" indent="0">
-              <a:buNone/>
-            </a:pPr>
-            <a:r>
-              <a:rPr lang="en-US" sz="2000" dirty="0">
-                <a:solidFill>
-                  <a:srgbClr val="000000"/>
-                </a:solidFill>
-                <a:latin typeface="Gill Sans MT" panose="020B0502020104020203" pitchFamily="34" charset="77"/>
-              </a:rPr>
-              <a:t>Please enter an integer value: 4</a:t>
-            </a:r>
-          </a:p>
-          <a:p>
-            <a:pPr marL="0" indent="0">
-              <a:buNone/>
-            </a:pPr>
-            <a:r>
-              <a:rPr lang="en-US" sz="2000" dirty="0">
-                <a:solidFill>
-                  <a:srgbClr val="000000"/>
-                </a:solidFill>
-                <a:latin typeface="Gill Sans MT" panose="020B0502020104020203" pitchFamily="34" charset="77"/>
-              </a:rPr>
-              <a:t>Please enter another integer value: 5</a:t>
-            </a:r>
-          </a:p>
-          <a:p>
-            <a:pPr marL="0" indent="0">
-              <a:buNone/>
-            </a:pPr>
-            <a:r>
-              <a:rPr lang="en-US" sz="2000" dirty="0">
-                <a:solidFill>
-                  <a:srgbClr val="000000"/>
-                </a:solidFill>
-                <a:latin typeface="Gill Sans MT" panose="020B0502020104020203" pitchFamily="34" charset="77"/>
-              </a:rPr>
-              <a:t>4 + 5 = 9</a:t>
-            </a:r>
-          </a:p>
-          <a:p>
-            <a:pPr marL="0" indent="0">
-              <a:buNone/>
-            </a:pPr>
-            <a:endParaRPr lang="en-US" dirty="0">
-              <a:latin typeface="Gill Sans MT" panose="020B0502020104020203" pitchFamily="34" charset="77"/>
-            </a:endParaRPr>
-          </a:p>
-          <a:p>
-            <a:pPr marL="342900" lvl="1" indent="0">
-              <a:buNone/>
-            </a:pPr>
-            <a:endParaRPr lang="en-US" sz="2100" dirty="0">
-              <a:latin typeface="Gill Sans MT" panose="020B0502020104020203" pitchFamily="34" charset="77"/>
-            </a:endParaRPr>
-          </a:p>
-          <a:p>
-            <a:pPr marL="342900" lvl="1" indent="0">
-              <a:buNone/>
-            </a:pPr>
-            <a:endParaRPr lang="en-US" sz="2100" dirty="0">
-              <a:latin typeface="Gill Sans MT" panose="020B0502020104020203" pitchFamily="34" charset="77"/>
-            </a:endParaRPr>
-          </a:p>
-          <a:p>
-            <a:pPr marL="342900" lvl="1" indent="0">
-              <a:buNone/>
-            </a:pPr>
-            <a:endParaRPr lang="en-US" sz="2100" dirty="0">
-              <a:solidFill>
-                <a:srgbClr val="000087"/>
-              </a:solidFill>
-              <a:latin typeface="Gill Sans MT" panose="020B0502020104020203" pitchFamily="34" charset="77"/>
-            </a:endParaRPr>
-          </a:p>
-        </p:txBody>
-      </p:sp>
-    </p:spTree>
-    <p:extLst>
-      <p:ext uri="{BB962C8B-B14F-4D97-AF65-F5344CB8AC3E}">
-        <p14:creationId xmlns:p14="http://schemas.microsoft.com/office/powerpoint/2010/main" val="1668049367"/>
-      </p:ext>
-    </p:extLst>
-  </p:cSld>
-  <p:clrMapOvr>
-    <a:masterClrMapping/>
-  </p:clrMapOvr>
-</p:sld>
-</file>
-
 <file path=ppt/slides/slide2.xml><?xml version="1.0" encoding="utf-8"?>
 <p:sld xmlns:a="http://schemas.openxmlformats.org/drawingml/2006/main" xmlns:r="http://schemas.openxmlformats.org/officeDocument/2006/relationships" xmlns:p="http://schemas.openxmlformats.org/presentationml/2006/main">
   <p:cSld>
@@ -8992,6 +8821,487 @@
             </a:pPr>
             <a:r>
               <a:rPr lang="en-US" sz="2000" dirty="0"/>
+              <a:t>Since user input almost always requires a message to the user about the expected input, the input function optionally accepts a string that it prints just before the program stops to wait for the user to respond. </a:t>
+            </a:r>
+          </a:p>
+          <a:p>
+            <a:pPr marL="0" indent="0">
+              <a:buNone/>
+            </a:pPr>
+            <a:r>
+              <a:rPr lang="en-US" sz="2000" b="1" dirty="0">
+                <a:solidFill>
+                  <a:srgbClr val="34A327"/>
+                </a:solidFill>
+                <a:latin typeface="Inconsolata Medium" panose="020B0609030003000000" pitchFamily="49" charset="77"/>
+              </a:rPr>
+              <a:t>In [</a:t>
+            </a:r>
+            <a:r>
+              <a:rPr lang="en-US" sz="2000" b="1" dirty="0">
+                <a:solidFill>
+                  <a:srgbClr val="2EE721"/>
+                </a:solidFill>
+                <a:latin typeface="Inconsolata Medium" panose="020B0609030003000000" pitchFamily="49" charset="77"/>
+              </a:rPr>
+              <a:t>1</a:t>
+            </a:r>
+            <a:r>
+              <a:rPr lang="en-US" sz="2000" b="1" dirty="0">
+                <a:solidFill>
+                  <a:srgbClr val="34A327"/>
+                </a:solidFill>
+                <a:latin typeface="Inconsolata Medium" panose="020B0609030003000000" pitchFamily="49" charset="77"/>
+              </a:rPr>
+              <a:t>]: </a:t>
+            </a:r>
+            <a:r>
+              <a:rPr lang="en-US" sz="2000" b="1" dirty="0">
+                <a:solidFill>
+                  <a:srgbClr val="000000"/>
+                </a:solidFill>
+                <a:latin typeface="Inconsolata Medium" panose="020B0609030003000000" pitchFamily="49" charset="77"/>
+              </a:rPr>
+              <a:t>x = </a:t>
+            </a:r>
+            <a:r>
+              <a:rPr lang="en-US" sz="2000" b="1" dirty="0">
+                <a:solidFill>
+                  <a:srgbClr val="34A327"/>
+                </a:solidFill>
+                <a:latin typeface="Inconsolata Medium" panose="020B0609030003000000" pitchFamily="49" charset="77"/>
+              </a:rPr>
+              <a:t>input</a:t>
+            </a:r>
+            <a:r>
+              <a:rPr lang="en-US" sz="2000" b="1" dirty="0">
+                <a:solidFill>
+                  <a:srgbClr val="000000"/>
+                </a:solidFill>
+                <a:latin typeface="Inconsolata Medium" panose="020B0609030003000000" pitchFamily="49" charset="77"/>
+              </a:rPr>
+              <a:t>(</a:t>
+            </a:r>
+            <a:r>
+              <a:rPr lang="en-US" sz="2000" b="1" dirty="0">
+                <a:solidFill>
+                  <a:srgbClr val="CD7923"/>
+                </a:solidFill>
+                <a:latin typeface="Inconsolata Medium" panose="020B0609030003000000" pitchFamily="49" charset="77"/>
+              </a:rPr>
+              <a:t>'Please enter an integer value: '</a:t>
+            </a:r>
+            <a:r>
+              <a:rPr lang="en-US" sz="2000" b="1" dirty="0">
+                <a:solidFill>
+                  <a:srgbClr val="000000"/>
+                </a:solidFill>
+                <a:latin typeface="Inconsolata Medium" panose="020B0609030003000000" pitchFamily="49" charset="77"/>
+              </a:rPr>
+              <a:t>) </a:t>
+            </a:r>
+            <a:endParaRPr lang="en-US" sz="2000" b="1" dirty="0">
+              <a:solidFill>
+                <a:srgbClr val="CD7923"/>
+              </a:solidFill>
+              <a:latin typeface="Inconsolata Medium" panose="020B0609030003000000" pitchFamily="49" charset="77"/>
+            </a:endParaRPr>
+          </a:p>
+          <a:p>
+            <a:pPr marL="0" indent="0">
+              <a:buNone/>
+            </a:pPr>
+            <a:r>
+              <a:rPr lang="en-US" sz="2000" b="1" dirty="0">
+                <a:solidFill>
+                  <a:srgbClr val="34A327"/>
+                </a:solidFill>
+                <a:latin typeface="Inconsolata Medium" panose="020B0609030003000000" pitchFamily="49" charset="77"/>
+              </a:rPr>
+              <a:t>        </a:t>
+            </a:r>
+            <a:r>
+              <a:rPr lang="en-US" sz="2000" b="1" dirty="0">
+                <a:solidFill>
+                  <a:srgbClr val="000000"/>
+                </a:solidFill>
+                <a:latin typeface="Inconsolata Medium" panose="020B0609030003000000" pitchFamily="49" charset="77"/>
+              </a:rPr>
+              <a:t>y = </a:t>
+            </a:r>
+            <a:r>
+              <a:rPr lang="en-US" sz="2000" b="1" dirty="0">
+                <a:solidFill>
+                  <a:srgbClr val="34A327"/>
+                </a:solidFill>
+                <a:latin typeface="Inconsolata Medium" panose="020B0609030003000000" pitchFamily="49" charset="77"/>
+              </a:rPr>
+              <a:t>input</a:t>
+            </a:r>
+            <a:r>
+              <a:rPr lang="en-US" sz="2000" b="1" dirty="0">
+                <a:solidFill>
+                  <a:srgbClr val="000000"/>
+                </a:solidFill>
+                <a:latin typeface="Inconsolata Medium" panose="020B0609030003000000" pitchFamily="49" charset="77"/>
+              </a:rPr>
+              <a:t>(</a:t>
+            </a:r>
+            <a:r>
+              <a:rPr lang="en-US" sz="2000" b="1" dirty="0">
+                <a:solidFill>
+                  <a:srgbClr val="CD7923"/>
+                </a:solidFill>
+                <a:latin typeface="Inconsolata Medium" panose="020B0609030003000000" pitchFamily="49" charset="77"/>
+              </a:rPr>
+              <a:t>'Please enter another integer value: '</a:t>
+            </a:r>
+            <a:r>
+              <a:rPr lang="en-US" sz="2000" b="1" dirty="0">
+                <a:solidFill>
+                  <a:srgbClr val="000000"/>
+                </a:solidFill>
+                <a:latin typeface="Inconsolata Medium" panose="020B0609030003000000" pitchFamily="49" charset="77"/>
+              </a:rPr>
+              <a:t>) </a:t>
+            </a:r>
+            <a:endParaRPr lang="en-US" sz="2000" b="1" dirty="0">
+              <a:solidFill>
+                <a:srgbClr val="CD7923"/>
+              </a:solidFill>
+              <a:latin typeface="Inconsolata Medium" panose="020B0609030003000000" pitchFamily="49" charset="77"/>
+            </a:endParaRPr>
+          </a:p>
+          <a:p>
+            <a:pPr marL="0" indent="0">
+              <a:buNone/>
+            </a:pPr>
+            <a:r>
+              <a:rPr lang="en-US" sz="2000" b="1" dirty="0">
+                <a:solidFill>
+                  <a:srgbClr val="34A327"/>
+                </a:solidFill>
+                <a:latin typeface="Inconsolata Medium" panose="020B0609030003000000" pitchFamily="49" charset="77"/>
+              </a:rPr>
+              <a:t>        </a:t>
+            </a:r>
+            <a:r>
+              <a:rPr lang="en-US" sz="2000" b="1" dirty="0">
+                <a:solidFill>
+                  <a:srgbClr val="000000"/>
+                </a:solidFill>
+                <a:latin typeface="Inconsolata Medium" panose="020B0609030003000000" pitchFamily="49" charset="77"/>
+              </a:rPr>
+              <a:t>num1 = </a:t>
+            </a:r>
+            <a:r>
+              <a:rPr lang="en-US" sz="2000" b="1" dirty="0">
+                <a:solidFill>
+                  <a:srgbClr val="34A327"/>
+                </a:solidFill>
+                <a:latin typeface="Inconsolata Medium" panose="020B0609030003000000" pitchFamily="49" charset="77"/>
+              </a:rPr>
+              <a:t>int</a:t>
+            </a:r>
+            <a:r>
+              <a:rPr lang="en-US" sz="2000" b="1" dirty="0">
+                <a:solidFill>
+                  <a:srgbClr val="000000"/>
+                </a:solidFill>
+                <a:latin typeface="Inconsolata Medium" panose="020B0609030003000000" pitchFamily="49" charset="77"/>
+              </a:rPr>
+              <a:t>(x) </a:t>
+            </a:r>
+          </a:p>
+          <a:p>
+            <a:pPr marL="0" indent="0">
+              <a:buNone/>
+            </a:pPr>
+            <a:r>
+              <a:rPr lang="en-US" sz="2000" b="1" dirty="0">
+                <a:solidFill>
+                  <a:srgbClr val="34A327"/>
+                </a:solidFill>
+                <a:latin typeface="Inconsolata Medium" panose="020B0609030003000000" pitchFamily="49" charset="77"/>
+              </a:rPr>
+              <a:t>        </a:t>
+            </a:r>
+            <a:r>
+              <a:rPr lang="en-US" sz="2000" b="1" dirty="0">
+                <a:solidFill>
+                  <a:srgbClr val="000000"/>
+                </a:solidFill>
+                <a:latin typeface="Inconsolata Medium" panose="020B0609030003000000" pitchFamily="49" charset="77"/>
+              </a:rPr>
+              <a:t>num2 = </a:t>
+            </a:r>
+            <a:r>
+              <a:rPr lang="en-US" sz="2000" b="1" dirty="0">
+                <a:solidFill>
+                  <a:srgbClr val="34A327"/>
+                </a:solidFill>
+                <a:latin typeface="Inconsolata Medium" panose="020B0609030003000000" pitchFamily="49" charset="77"/>
+              </a:rPr>
+              <a:t>int</a:t>
+            </a:r>
+            <a:r>
+              <a:rPr lang="en-US" sz="2000" b="1" dirty="0">
+                <a:solidFill>
+                  <a:srgbClr val="000000"/>
+                </a:solidFill>
+                <a:latin typeface="Inconsolata Medium" panose="020B0609030003000000" pitchFamily="49" charset="77"/>
+              </a:rPr>
+              <a:t>(y) </a:t>
+            </a:r>
+          </a:p>
+          <a:p>
+            <a:pPr marL="0" indent="0">
+              <a:buNone/>
+            </a:pPr>
+            <a:r>
+              <a:rPr lang="en-US" sz="2000" b="1" dirty="0">
+                <a:solidFill>
+                  <a:srgbClr val="34A327"/>
+                </a:solidFill>
+                <a:latin typeface="Inconsolata Medium" panose="020B0609030003000000" pitchFamily="49" charset="77"/>
+              </a:rPr>
+              <a:t>        print</a:t>
+            </a:r>
+            <a:r>
+              <a:rPr lang="en-US" sz="2000" b="1" dirty="0">
+                <a:solidFill>
+                  <a:srgbClr val="000000"/>
+                </a:solidFill>
+                <a:latin typeface="Inconsolata Medium" panose="020B0609030003000000" pitchFamily="49" charset="77"/>
+              </a:rPr>
+              <a:t>(num1, </a:t>
+            </a:r>
+            <a:r>
+              <a:rPr lang="en-US" sz="2000" b="1" dirty="0">
+                <a:solidFill>
+                  <a:srgbClr val="CD7923"/>
+                </a:solidFill>
+                <a:latin typeface="Inconsolata Medium" panose="020B0609030003000000" pitchFamily="49" charset="77"/>
+              </a:rPr>
+              <a:t>'+'</a:t>
+            </a:r>
+            <a:r>
+              <a:rPr lang="en-US" sz="2000" b="1" dirty="0">
+                <a:solidFill>
+                  <a:srgbClr val="000000"/>
+                </a:solidFill>
+                <a:latin typeface="Inconsolata Medium" panose="020B0609030003000000" pitchFamily="49" charset="77"/>
+              </a:rPr>
+              <a:t>, num2, </a:t>
+            </a:r>
+            <a:r>
+              <a:rPr lang="en-US" sz="2000" b="1" dirty="0">
+                <a:solidFill>
+                  <a:srgbClr val="CD7923"/>
+                </a:solidFill>
+                <a:latin typeface="Inconsolata Medium" panose="020B0609030003000000" pitchFamily="49" charset="77"/>
+              </a:rPr>
+              <a:t>'='</a:t>
+            </a:r>
+            <a:r>
+              <a:rPr lang="en-US" sz="2000" b="1" dirty="0">
+                <a:solidFill>
+                  <a:srgbClr val="000000"/>
+                </a:solidFill>
+                <a:latin typeface="Inconsolata Medium" panose="020B0609030003000000" pitchFamily="49" charset="77"/>
+              </a:rPr>
+              <a:t>, num1 + num2)  </a:t>
+            </a:r>
+          </a:p>
+          <a:p>
+            <a:pPr marL="0" indent="0">
+              <a:buNone/>
+            </a:pPr>
+            <a:r>
+              <a:rPr lang="en-US" sz="2000" dirty="0">
+                <a:solidFill>
+                  <a:srgbClr val="000000"/>
+                </a:solidFill>
+                <a:latin typeface="Inconsolata Medium" panose="020B0609030003000000" pitchFamily="49" charset="77"/>
+              </a:rPr>
+              <a:t>                                            </a:t>
+            </a:r>
+          </a:p>
+          <a:p>
+            <a:pPr marL="0" indent="0">
+              <a:buNone/>
+            </a:pPr>
+            <a:r>
+              <a:rPr lang="en-US" sz="2000" dirty="0">
+                <a:solidFill>
+                  <a:srgbClr val="000000"/>
+                </a:solidFill>
+                <a:latin typeface="Gill Sans MT" panose="020B0502020104020203" pitchFamily="34" charset="77"/>
+              </a:rPr>
+              <a:t>Please enter an integer value: 4</a:t>
+            </a:r>
+          </a:p>
+          <a:p>
+            <a:pPr marL="0" indent="0">
+              <a:buNone/>
+            </a:pPr>
+            <a:r>
+              <a:rPr lang="en-US" sz="2000" dirty="0">
+                <a:solidFill>
+                  <a:srgbClr val="000000"/>
+                </a:solidFill>
+                <a:latin typeface="Gill Sans MT" panose="020B0502020104020203" pitchFamily="34" charset="77"/>
+              </a:rPr>
+              <a:t>Please enter another integer value: 5</a:t>
+            </a:r>
+          </a:p>
+          <a:p>
+            <a:pPr marL="0" indent="0">
+              <a:buNone/>
+            </a:pPr>
+            <a:r>
+              <a:rPr lang="en-US" sz="2000" dirty="0">
+                <a:solidFill>
+                  <a:srgbClr val="000000"/>
+                </a:solidFill>
+                <a:latin typeface="Gill Sans MT" panose="020B0502020104020203" pitchFamily="34" charset="77"/>
+              </a:rPr>
+              <a:t>4 + 5 = 9</a:t>
+            </a:r>
+          </a:p>
+          <a:p>
+            <a:pPr marL="0" indent="0">
+              <a:buNone/>
+            </a:pPr>
+            <a:endParaRPr lang="en-US" dirty="0">
+              <a:latin typeface="Gill Sans MT" panose="020B0502020104020203" pitchFamily="34" charset="77"/>
+            </a:endParaRPr>
+          </a:p>
+          <a:p>
+            <a:pPr marL="342900" lvl="1" indent="0">
+              <a:buNone/>
+            </a:pPr>
+            <a:endParaRPr lang="en-US" sz="2100" dirty="0">
+              <a:latin typeface="Gill Sans MT" panose="020B0502020104020203" pitchFamily="34" charset="77"/>
+            </a:endParaRPr>
+          </a:p>
+          <a:p>
+            <a:pPr marL="342900" lvl="1" indent="0">
+              <a:buNone/>
+            </a:pPr>
+            <a:endParaRPr lang="en-US" sz="2100" dirty="0">
+              <a:latin typeface="Gill Sans MT" panose="020B0502020104020203" pitchFamily="34" charset="77"/>
+            </a:endParaRPr>
+          </a:p>
+          <a:p>
+            <a:pPr marL="342900" lvl="1" indent="0">
+              <a:buNone/>
+            </a:pPr>
+            <a:endParaRPr lang="en-US" sz="2100" dirty="0">
+              <a:solidFill>
+                <a:srgbClr val="000087"/>
+              </a:solidFill>
+              <a:latin typeface="Gill Sans MT" panose="020B0502020104020203" pitchFamily="34" charset="77"/>
+            </a:endParaRPr>
+          </a:p>
+        </p:txBody>
+      </p:sp>
+    </p:spTree>
+    <p:extLst>
+      <p:ext uri="{BB962C8B-B14F-4D97-AF65-F5344CB8AC3E}">
+        <p14:creationId xmlns:p14="http://schemas.microsoft.com/office/powerpoint/2010/main" val="1668049367"/>
+      </p:ext>
+    </p:extLst>
+  </p:cSld>
+  <p:clrMapOvr>
+    <a:masterClrMapping/>
+  </p:clrMapOvr>
+</p:sld>
+</file>
+
+<file path=ppt/slides/slide21.xml><?xml version="1.0" encoding="utf-8"?>
+<p:sld xmlns:a="http://schemas.openxmlformats.org/drawingml/2006/main" xmlns:r="http://schemas.openxmlformats.org/officeDocument/2006/relationships" xmlns:p="http://schemas.openxmlformats.org/presentationml/2006/main">
+  <p:cSld>
+    <p:spTree>
+      <p:nvGrpSpPr>
+        <p:cNvPr id="1" name=""/>
+        <p:cNvGrpSpPr/>
+        <p:nvPr/>
+      </p:nvGrpSpPr>
+      <p:grpSpPr>
+        <a:xfrm>
+          <a:off x="0" y="0"/>
+          <a:ext cx="0" cy="0"/>
+          <a:chOff x="0" y="0"/>
+          <a:chExt cx="0" cy="0"/>
+        </a:xfrm>
+      </p:grpSpPr>
+      <p:sp>
+        <p:nvSpPr>
+          <p:cNvPr id="2" name="Title 1">
+            <a:extLst>
+              <a:ext uri="{FF2B5EF4-FFF2-40B4-BE49-F238E27FC236}">
+                <a16:creationId xmlns:a16="http://schemas.microsoft.com/office/drawing/2014/main" id="{AA3A228F-61D0-D949-A5E7-F83756230BF8}"/>
+              </a:ext>
+            </a:extLst>
+          </p:cNvPr>
+          <p:cNvSpPr>
+            <a:spLocks noGrp="1"/>
+          </p:cNvSpPr>
+          <p:nvPr>
+            <p:ph type="title"/>
+          </p:nvPr>
+        </p:nvSpPr>
+        <p:spPr>
+          <a:xfrm>
+            <a:off x="483848" y="467027"/>
+            <a:ext cx="7053542" cy="683886"/>
+          </a:xfrm>
+        </p:spPr>
+        <p:txBody>
+          <a:bodyPr/>
+          <a:lstStyle/>
+          <a:p>
+            <a:r>
+              <a:rPr lang="en-US" dirty="0"/>
+              <a:t>Input</a:t>
+            </a:r>
+          </a:p>
+        </p:txBody>
+      </p:sp>
+      <p:sp>
+        <p:nvSpPr>
+          <p:cNvPr id="9" name="Content Placeholder 8">
+            <a:extLst>
+              <a:ext uri="{FF2B5EF4-FFF2-40B4-BE49-F238E27FC236}">
+                <a16:creationId xmlns:a16="http://schemas.microsoft.com/office/drawing/2014/main" id="{E3B2E017-30B2-884B-A113-B419A2ED51AD}"/>
+              </a:ext>
+            </a:extLst>
+          </p:cNvPr>
+          <p:cNvSpPr>
+            <a:spLocks noGrp="1"/>
+          </p:cNvSpPr>
+          <p:nvPr>
+            <p:ph idx="1"/>
+          </p:nvPr>
+        </p:nvSpPr>
+        <p:spPr>
+          <a:xfrm>
+            <a:off x="483848" y="1288073"/>
+            <a:ext cx="8051725" cy="4292919"/>
+          </a:xfrm>
+        </p:spPr>
+        <p:txBody>
+          <a:bodyPr>
+            <a:normAutofit/>
+          </a:bodyPr>
+          <a:lstStyle/>
+          <a:p>
+            <a:pPr marL="0" indent="0">
+              <a:buNone/>
+            </a:pPr>
+            <a:r>
+              <a:rPr lang="en-US" sz="2000" dirty="0"/>
               <a:t>Or even more succinctly. </a:t>
             </a:r>
           </a:p>
@@ -9319,7 +9629,7 @@
 </p:sld>
 </file>
 
-<file path=ppt/slides/slide21.xml><?xml version="1.0" encoding="utf-8"?>
+<file path=ppt/slides/slide22.xml><?xml version="1.0" encoding="utf-8"?>
 <p:sld xmlns:a="http://schemas.openxmlformats.org/drawingml/2006/main" xmlns:r="http://schemas.openxmlformats.org/officeDocument/2006/relationships" xmlns:p="http://schemas.openxmlformats.org/presentationml/2006/main">
   <p:cSld>
     <p:spTree>

--- a/courses/apcsp/lect2.pptx
+++ b/courses/apcsp/lect2.pptx
@@ -17,16 +17,17 @@
     <p:sldId id="282" r:id="rId11"/>
     <p:sldId id="297" r:id="rId12"/>
     <p:sldId id="283" r:id="rId13"/>
-    <p:sldId id="306" r:id="rId14"/>
-    <p:sldId id="298" r:id="rId15"/>
-    <p:sldId id="299" r:id="rId16"/>
-    <p:sldId id="300" r:id="rId17"/>
-    <p:sldId id="301" r:id="rId18"/>
-    <p:sldId id="302" r:id="rId19"/>
-    <p:sldId id="303" r:id="rId20"/>
-    <p:sldId id="304" r:id="rId21"/>
-    <p:sldId id="305" r:id="rId22"/>
-    <p:sldId id="290" r:id="rId23"/>
+    <p:sldId id="298" r:id="rId14"/>
+    <p:sldId id="306" r:id="rId15"/>
+    <p:sldId id="307" r:id="rId16"/>
+    <p:sldId id="299" r:id="rId17"/>
+    <p:sldId id="300" r:id="rId18"/>
+    <p:sldId id="301" r:id="rId19"/>
+    <p:sldId id="302" r:id="rId20"/>
+    <p:sldId id="303" r:id="rId21"/>
+    <p:sldId id="304" r:id="rId22"/>
+    <p:sldId id="305" r:id="rId23"/>
+    <p:sldId id="290" r:id="rId24"/>
   </p:sldIdLst>
   <p:sldSz cx="9144000" cy="5715000" type="screen16x10"/>
   <p:notesSz cx="6858000" cy="9144000"/>
@@ -136,7 +137,7 @@
 <file path=ppt/revisionInfo.xml><?xml version="1.0" encoding="utf-8"?>
 <p1510:revInfo xmlns:a="http://schemas.openxmlformats.org/drawingml/2006/main" xmlns:r="http://schemas.openxmlformats.org/officeDocument/2006/relationships" xmlns:p1510="http://schemas.microsoft.com/office/powerpoint/2015/10/main">
   <p1510:revLst>
-    <p1510:client id="{3F616429-CA07-8145-BE07-B7552942C56D}" v="70" dt="2019-09-09T17:28:56.323"/>
+    <p1510:client id="{3F616429-CA07-8145-BE07-B7552942C56D}" v="76" dt="2019-09-10T02:37:28.518"/>
   </p1510:revLst>
 </p1510:revInfo>
 </file>
@@ -146,7 +147,7 @@
   <pc:docChgLst>
     <pc:chgData name="Long B Nguyen" userId="f59fb8f3-a021-417a-8bc1-65c8d471c621" providerId="ADAL" clId="{3F616429-CA07-8145-BE07-B7552942C56D}"/>
     <pc:docChg chg="undo custSel addSld delSld modSld">
-      <pc:chgData name="Long B Nguyen" userId="f59fb8f3-a021-417a-8bc1-65c8d471c621" providerId="ADAL" clId="{3F616429-CA07-8145-BE07-B7552942C56D}" dt="2019-09-09T17:30:53.788" v="3300" actId="1076"/>
+      <pc:chgData name="Long B Nguyen" userId="f59fb8f3-a021-417a-8bc1-65c8d471c621" providerId="ADAL" clId="{3F616429-CA07-8145-BE07-B7552942C56D}" dt="2019-09-10T02:37:28.517" v="3921"/>
       <pc:docMkLst>
         <pc:docMk/>
       </pc:docMkLst>
@@ -166,13 +167,13 @@
         </pc:spChg>
       </pc:sldChg>
       <pc:sldChg chg="addSp modSp">
-        <pc:chgData name="Long B Nguyen" userId="f59fb8f3-a021-417a-8bc1-65c8d471c621" providerId="ADAL" clId="{3F616429-CA07-8145-BE07-B7552942C56D}" dt="2019-09-07T18:09:22.512" v="2159" actId="207"/>
+        <pc:chgData name="Long B Nguyen" userId="f59fb8f3-a021-417a-8bc1-65c8d471c621" providerId="ADAL" clId="{3F616429-CA07-8145-BE07-B7552942C56D}" dt="2019-09-10T02:29:35.930" v="3800" actId="20577"/>
         <pc:sldMkLst>
           <pc:docMk/>
           <pc:sldMk cId="3692685984" sldId="282"/>
         </pc:sldMkLst>
         <pc:spChg chg="add mod">
-          <ac:chgData name="Long B Nguyen" userId="f59fb8f3-a021-417a-8bc1-65c8d471c621" providerId="ADAL" clId="{3F616429-CA07-8145-BE07-B7552942C56D}" dt="2019-09-07T18:09:22.512" v="2159" actId="207"/>
+          <ac:chgData name="Long B Nguyen" userId="f59fb8f3-a021-417a-8bc1-65c8d471c621" providerId="ADAL" clId="{3F616429-CA07-8145-BE07-B7552942C56D}" dt="2019-09-10T02:29:35.930" v="3800" actId="20577"/>
           <ac:spMkLst>
             <pc:docMk/>
             <pc:sldMk cId="3692685984" sldId="282"/>
@@ -443,13 +444,13 @@
         </pc:spChg>
       </pc:sldChg>
       <pc:sldChg chg="modSp add">
-        <pc:chgData name="Long B Nguyen" userId="f59fb8f3-a021-417a-8bc1-65c8d471c621" providerId="ADAL" clId="{3F616429-CA07-8145-BE07-B7552942C56D}" dt="2019-09-07T17:30:19.419" v="2024" actId="20577"/>
+        <pc:chgData name="Long B Nguyen" userId="f59fb8f3-a021-417a-8bc1-65c8d471c621" providerId="ADAL" clId="{3F616429-CA07-8145-BE07-B7552942C56D}" dt="2019-09-10T02:06:05.363" v="3311" actId="20577"/>
         <pc:sldMkLst>
           <pc:docMk/>
           <pc:sldMk cId="1851907297" sldId="298"/>
         </pc:sldMkLst>
         <pc:spChg chg="mod">
-          <ac:chgData name="Long B Nguyen" userId="f59fb8f3-a021-417a-8bc1-65c8d471c621" providerId="ADAL" clId="{3F616429-CA07-8145-BE07-B7552942C56D}" dt="2019-09-07T17:30:19.419" v="2024" actId="20577"/>
+          <ac:chgData name="Long B Nguyen" userId="f59fb8f3-a021-417a-8bc1-65c8d471c621" providerId="ADAL" clId="{3F616429-CA07-8145-BE07-B7552942C56D}" dt="2019-09-10T02:06:05.363" v="3311" actId="20577"/>
           <ac:spMkLst>
             <pc:docMk/>
             <pc:sldMk cId="1851907297" sldId="298"/>
@@ -458,7 +459,7 @@
         </pc:spChg>
       </pc:sldChg>
       <pc:sldChg chg="modSp add">
-        <pc:chgData name="Long B Nguyen" userId="f59fb8f3-a021-417a-8bc1-65c8d471c621" providerId="ADAL" clId="{3F616429-CA07-8145-BE07-B7552942C56D}" dt="2019-09-07T19:00:34.418" v="2433" actId="20577"/>
+        <pc:chgData name="Long B Nguyen" userId="f59fb8f3-a021-417a-8bc1-65c8d471c621" providerId="ADAL" clId="{3F616429-CA07-8145-BE07-B7552942C56D}" dt="2019-09-10T02:17:31.651" v="3784" actId="113"/>
         <pc:sldMkLst>
           <pc:docMk/>
           <pc:sldMk cId="4186435068" sldId="299"/>
@@ -472,7 +473,7 @@
           </ac:spMkLst>
         </pc:spChg>
         <pc:spChg chg="mod">
-          <ac:chgData name="Long B Nguyen" userId="f59fb8f3-a021-417a-8bc1-65c8d471c621" providerId="ADAL" clId="{3F616429-CA07-8145-BE07-B7552942C56D}" dt="2019-09-07T19:00:34.418" v="2433" actId="20577"/>
+          <ac:chgData name="Long B Nguyen" userId="f59fb8f3-a021-417a-8bc1-65c8d471c621" providerId="ADAL" clId="{3F616429-CA07-8145-BE07-B7552942C56D}" dt="2019-09-10T02:17:31.651" v="3784" actId="113"/>
           <ac:spMkLst>
             <pc:docMk/>
             <pc:sldMk cId="4186435068" sldId="299"/>
@@ -602,36 +603,74 @@
           <pc:sldMk cId="3231133164" sldId="305"/>
         </pc:sldMkLst>
       </pc:sldChg>
-      <pc:sldChg chg="modSp add">
-        <pc:chgData name="Long B Nguyen" userId="f59fb8f3-a021-417a-8bc1-65c8d471c621" providerId="ADAL" clId="{3F616429-CA07-8145-BE07-B7552942C56D}" dt="2019-09-09T17:30:53.788" v="3300" actId="1076"/>
+      <pc:sldChg chg="addSp delSp modSp add del">
+        <pc:chgData name="Long B Nguyen" userId="f59fb8f3-a021-417a-8bc1-65c8d471c621" providerId="ADAL" clId="{3F616429-CA07-8145-BE07-B7552942C56D}" dt="2019-09-10T02:37:26.647" v="3920" actId="2696"/>
         <pc:sldMkLst>
           <pc:docMk/>
           <pc:sldMk cId="545427862" sldId="306"/>
         </pc:sldMkLst>
         <pc:spChg chg="mod">
-          <ac:chgData name="Long B Nguyen" userId="f59fb8f3-a021-417a-8bc1-65c8d471c621" providerId="ADAL" clId="{3F616429-CA07-8145-BE07-B7552942C56D}" dt="2019-09-09T17:29:48.660" v="3169" actId="20577"/>
+          <ac:chgData name="Long B Nguyen" userId="f59fb8f3-a021-417a-8bc1-65c8d471c621" providerId="ADAL" clId="{3F616429-CA07-8145-BE07-B7552942C56D}" dt="2019-09-10T02:37:02.843" v="3919" actId="20577"/>
           <ac:spMkLst>
             <pc:docMk/>
             <pc:sldMk cId="545427862" sldId="306"/>
             <ac:spMk id="2" creationId="{AA3A228F-61D0-D949-A5E7-F83756230BF8}"/>
           </ac:spMkLst>
         </pc:spChg>
-        <pc:spChg chg="mod">
-          <ac:chgData name="Long B Nguyen" userId="f59fb8f3-a021-417a-8bc1-65c8d471c621" providerId="ADAL" clId="{3F616429-CA07-8145-BE07-B7552942C56D}" dt="2019-09-09T17:30:53.788" v="3300" actId="1076"/>
+        <pc:spChg chg="del mod">
+          <ac:chgData name="Long B Nguyen" userId="f59fb8f3-a021-417a-8bc1-65c8d471c621" providerId="ADAL" clId="{3F616429-CA07-8145-BE07-B7552942C56D}" dt="2019-09-10T02:36:13.516" v="3861" actId="478"/>
           <ac:spMkLst>
             <pc:docMk/>
             <pc:sldMk cId="545427862" sldId="306"/>
             <ac:spMk id="5" creationId="{F46FDA34-E2B9-0847-B9D0-D4D6C167AC45}"/>
           </ac:spMkLst>
         </pc:spChg>
-        <pc:graphicFrameChg chg="mod modGraphic">
-          <ac:chgData name="Long B Nguyen" userId="f59fb8f3-a021-417a-8bc1-65c8d471c621" providerId="ADAL" clId="{3F616429-CA07-8145-BE07-B7552942C56D}" dt="2019-09-09T17:29:40.663" v="3161" actId="1076"/>
+        <pc:spChg chg="add mod">
+          <ac:chgData name="Long B Nguyen" userId="f59fb8f3-a021-417a-8bc1-65c8d471c621" providerId="ADAL" clId="{3F616429-CA07-8145-BE07-B7552942C56D}" dt="2019-09-10T02:34:35.256" v="3831"/>
+          <ac:spMkLst>
+            <pc:docMk/>
+            <pc:sldMk cId="545427862" sldId="306"/>
+            <ac:spMk id="7" creationId="{54065222-B30B-7641-B102-F7E79C5B1711}"/>
+          </ac:spMkLst>
+        </pc:spChg>
+        <pc:graphicFrameChg chg="del mod modGraphic">
+          <ac:chgData name="Long B Nguyen" userId="f59fb8f3-a021-417a-8bc1-65c8d471c621" providerId="ADAL" clId="{3F616429-CA07-8145-BE07-B7552942C56D}" dt="2019-09-10T02:34:12.160" v="3828" actId="478"/>
           <ac:graphicFrameMkLst>
             <pc:docMk/>
             <pc:sldMk cId="545427862" sldId="306"/>
             <ac:graphicFrameMk id="3" creationId="{391B73BC-5A44-AA4B-8594-7E55B590EF7F}"/>
           </ac:graphicFrameMkLst>
         </pc:graphicFrameChg>
+        <pc:graphicFrameChg chg="add mod modGraphic">
+          <ac:chgData name="Long B Nguyen" userId="f59fb8f3-a021-417a-8bc1-65c8d471c621" providerId="ADAL" clId="{3F616429-CA07-8145-BE07-B7552942C56D}" dt="2019-09-10T02:36:58.504" v="3911" actId="20577"/>
+          <ac:graphicFrameMkLst>
+            <pc:docMk/>
+            <pc:sldMk cId="545427862" sldId="306"/>
+            <ac:graphicFrameMk id="6" creationId="{8100E267-8A7A-3A4C-B842-FAFBF7A81F27}"/>
+          </ac:graphicFrameMkLst>
+        </pc:graphicFrameChg>
+      </pc:sldChg>
+      <pc:sldChg chg="add">
+        <pc:chgData name="Long B Nguyen" userId="f59fb8f3-a021-417a-8bc1-65c8d471c621" providerId="ADAL" clId="{3F616429-CA07-8145-BE07-B7552942C56D}" dt="2019-09-10T02:37:28.517" v="3921"/>
+        <pc:sldMkLst>
+          <pc:docMk/>
+          <pc:sldMk cId="1160708038" sldId="306"/>
+        </pc:sldMkLst>
+      </pc:sldChg>
+      <pc:sldChg chg="modSp add">
+        <pc:chgData name="Long B Nguyen" userId="f59fb8f3-a021-417a-8bc1-65c8d471c621" providerId="ADAL" clId="{3F616429-CA07-8145-BE07-B7552942C56D}" dt="2019-09-10T02:17:16.041" v="3782" actId="20577"/>
+        <pc:sldMkLst>
+          <pc:docMk/>
+          <pc:sldMk cId="2364609597" sldId="307"/>
+        </pc:sldMkLst>
+        <pc:spChg chg="mod">
+          <ac:chgData name="Long B Nguyen" userId="f59fb8f3-a021-417a-8bc1-65c8d471c621" providerId="ADAL" clId="{3F616429-CA07-8145-BE07-B7552942C56D}" dt="2019-09-10T02:17:16.041" v="3782" actId="20577"/>
+          <ac:spMkLst>
+            <pc:docMk/>
+            <pc:sldMk cId="2364609597" sldId="307"/>
+            <ac:spMk id="9" creationId="{E3B2E017-30B2-884B-A113-B419A2ED51AD}"/>
+          </ac:spMkLst>
+        </pc:spChg>
       </pc:sldChg>
     </pc:docChg>
   </pc:docChgLst>
@@ -4049,7 +4088,7 @@
                   <a:srgbClr val="FF0000"/>
                 </a:solidFill>
               </a:rPr>
-              <a:t>== is for comparison.</a:t>
+              <a:t>== is for equals.</a:t>
             </a:r>
           </a:p>
           <a:p>
@@ -5389,186 +5428,6 @@
           <a:chExt cx="0" cy="0"/>
         </a:xfrm>
       </p:grpSpPr>
-      <p:graphicFrame>
-        <p:nvGraphicFramePr>
-          <p:cNvPr id="3" name="Content Placeholder 2">
-            <a:extLst>
-              <a:ext uri="{FF2B5EF4-FFF2-40B4-BE49-F238E27FC236}">
-                <a16:creationId xmlns:a16="http://schemas.microsoft.com/office/drawing/2014/main" id="{391B73BC-5A44-AA4B-8594-7E55B590EF7F}"/>
-              </a:ext>
-            </a:extLst>
-          </p:cNvPr>
-          <p:cNvGraphicFramePr>
-            <a:graphicFrameLocks noGrp="1"/>
-          </p:cNvGraphicFramePr>
-          <p:nvPr>
-            <p:ph idx="1"/>
-            <p:extLst>
-              <p:ext uri="{D42A27DB-BD31-4B8C-83A1-F6EECF244321}">
-                <p14:modId xmlns:p14="http://schemas.microsoft.com/office/powerpoint/2010/main" val="1489257386"/>
-              </p:ext>
-            </p:extLst>
-          </p:nvPr>
-        </p:nvGraphicFramePr>
-        <p:xfrm>
-          <a:off x="3225052" y="1379299"/>
-          <a:ext cx="2395745" cy="1409700"/>
-        </p:xfrm>
-        <a:graphic>
-          <a:graphicData uri="http://schemas.openxmlformats.org/drawingml/2006/table">
-            <a:tbl>
-              <a:tblPr firstRow="1" bandRow="1">
-                <a:tableStyleId>{5940675A-B579-460E-94D1-54222C63F5DA}</a:tableStyleId>
-              </a:tblPr>
-              <a:tblGrid>
-                <a:gridCol w="1148059">
-                  <a:extLst>
-                    <a:ext uri="{9D8B030D-6E8A-4147-A177-3AD203B41FA5}">
-                      <a16:colId xmlns:a16="http://schemas.microsoft.com/office/drawing/2014/main" val="2797331459"/>
-                    </a:ext>
-                  </a:extLst>
-                </a:gridCol>
-                <a:gridCol w="1247686">
-                  <a:extLst>
-                    <a:ext uri="{9D8B030D-6E8A-4147-A177-3AD203B41FA5}">
-                      <a16:colId xmlns:a16="http://schemas.microsoft.com/office/drawing/2014/main" val="643804973"/>
-                    </a:ext>
-                  </a:extLst>
-                </a:gridCol>
-              </a:tblGrid>
-              <a:tr h="0">
-                <a:tc>
-                  <a:txBody>
-                    <a:bodyPr/>
-                    <a:lstStyle/>
-                    <a:p>
-                      <a:r>
-                        <a:rPr lang="en-US" b="1" dirty="0"/>
-                        <a:t>Precedence</a:t>
-                      </a:r>
-                    </a:p>
-                  </a:txBody>
-                  <a:tcPr/>
-                </a:tc>
-                <a:tc>
-                  <a:txBody>
-                    <a:bodyPr/>
-                    <a:lstStyle/>
-                    <a:p>
-                      <a:r>
-                        <a:rPr lang="en-US" b="1" dirty="0"/>
-                        <a:t>Operator</a:t>
-                      </a:r>
-                    </a:p>
-                  </a:txBody>
-                  <a:tcPr/>
-                </a:tc>
-                <a:extLst>
-                  <a:ext uri="{0D108BD9-81ED-4DB2-BD59-A6C34878D82A}">
-                    <a16:rowId xmlns:a16="http://schemas.microsoft.com/office/drawing/2014/main" val="1310382839"/>
-                  </a:ext>
-                </a:extLst>
-              </a:tr>
-              <a:tr h="370840">
-                <a:tc>
-                  <a:txBody>
-                    <a:bodyPr/>
-                    <a:lstStyle/>
-                    <a:p>
-                      <a:r>
-                        <a:rPr lang="en-US" sz="1600" dirty="0"/>
-                        <a:t>highest</a:t>
-                      </a:r>
-                    </a:p>
-                  </a:txBody>
-                  <a:tcPr/>
-                </a:tc>
-                <a:tc>
-                  <a:txBody>
-                    <a:bodyPr/>
-                    <a:lstStyle/>
-                    <a:p>
-                      <a:r>
-                        <a:rPr lang="en-US" sz="1600" dirty="0"/>
-                        <a:t>not</a:t>
-                      </a:r>
-                    </a:p>
-                  </a:txBody>
-                  <a:tcPr/>
-                </a:tc>
-                <a:extLst>
-                  <a:ext uri="{0D108BD9-81ED-4DB2-BD59-A6C34878D82A}">
-                    <a16:rowId xmlns:a16="http://schemas.microsoft.com/office/drawing/2014/main" val="1996550485"/>
-                  </a:ext>
-                </a:extLst>
-              </a:tr>
-              <a:tr h="370840">
-                <a:tc>
-                  <a:txBody>
-                    <a:bodyPr/>
-                    <a:lstStyle/>
-                    <a:p>
-                      <a:endParaRPr lang="en-US" sz="1600" dirty="0"/>
-                    </a:p>
-                  </a:txBody>
-                  <a:tcPr/>
-                </a:tc>
-                <a:tc>
-                  <a:txBody>
-                    <a:bodyPr/>
-                    <a:lstStyle/>
-                    <a:p>
-                      <a:r>
-                        <a:rPr lang="en-US" sz="1600" dirty="0"/>
-                        <a:t>and</a:t>
-                      </a:r>
-                    </a:p>
-                  </a:txBody>
-                  <a:tcPr/>
-                </a:tc>
-                <a:extLst>
-                  <a:ext uri="{0D108BD9-81ED-4DB2-BD59-A6C34878D82A}">
-                    <a16:rowId xmlns:a16="http://schemas.microsoft.com/office/drawing/2014/main" val="3709973102"/>
-                  </a:ext>
-                </a:extLst>
-              </a:tr>
-              <a:tr h="370840">
-                <a:tc>
-                  <a:txBody>
-                    <a:bodyPr/>
-                    <a:lstStyle/>
-                    <a:p>
-                      <a:r>
-                        <a:rPr lang="en-US" sz="1600" dirty="0"/>
-                        <a:t>lowest</a:t>
-                      </a:r>
-                    </a:p>
-                  </a:txBody>
-                  <a:tcPr/>
-                </a:tc>
-                <a:tc>
-                  <a:txBody>
-                    <a:bodyPr/>
-                    <a:lstStyle/>
-                    <a:p>
-                      <a:r>
-                        <a:rPr lang="en-US" sz="1600" dirty="0"/>
-                        <a:t>or</a:t>
-                      </a:r>
-                    </a:p>
-                  </a:txBody>
-                  <a:tcPr/>
-                </a:tc>
-                <a:extLst>
-                  <a:ext uri="{0D108BD9-81ED-4DB2-BD59-A6C34878D82A}">
-                    <a16:rowId xmlns:a16="http://schemas.microsoft.com/office/drawing/2014/main" val="1095184765"/>
-                  </a:ext>
-                </a:extLst>
-              </a:tr>
-            </a:tbl>
-          </a:graphicData>
-        </a:graphic>
-      </p:graphicFrame>
       <p:sp>
         <p:nvSpPr>
           <p:cNvPr id="2" name="Title 1">
@@ -5597,50 +5456,469 @@
           <a:p>
             <a:r>
               <a:rPr lang="en-US" dirty="0"/>
-              <a:t>Boolean Operator Precedence</a:t>
+              <a:t>Boolean Operations</a:t>
             </a:r>
           </a:p>
         </p:txBody>
       </p:sp>
       <p:sp>
         <p:nvSpPr>
-          <p:cNvPr id="5" name="TextBox 4">
+          <p:cNvPr id="9" name="Content Placeholder 8">
             <a:extLst>
               <a:ext uri="{FF2B5EF4-FFF2-40B4-BE49-F238E27FC236}">
-                <a16:creationId xmlns:a16="http://schemas.microsoft.com/office/drawing/2014/main" id="{F46FDA34-E2B9-0847-B9D0-D4D6C167AC45}"/>
+                <a16:creationId xmlns:a16="http://schemas.microsoft.com/office/drawing/2014/main" id="{E3B2E017-30B2-884B-A113-B419A2ED51AD}"/>
               </a:ext>
             </a:extLst>
           </p:cNvPr>
-          <p:cNvSpPr txBox="1"/>
-          <p:nvPr/>
+          <p:cNvSpPr>
+            <a:spLocks noGrp="1"/>
+          </p:cNvSpPr>
+          <p:nvPr>
+            <p:ph idx="1"/>
+          </p:nvPr>
         </p:nvSpPr>
         <p:spPr>
           <a:xfrm>
-            <a:off x="282399" y="3824830"/>
-            <a:ext cx="8281050" cy="369332"/>
+            <a:off x="483848" y="1003610"/>
+            <a:ext cx="8051725" cy="4711390"/>
           </a:xfrm>
-          <a:prstGeom prst="rect">
-            <a:avLst/>
-          </a:prstGeom>
-          <a:noFill/>
         </p:spPr>
         <p:txBody>
-          <a:bodyPr wrap="none" rtlCol="0">
-            <a:spAutoFit/>
+          <a:bodyPr>
+            <a:noAutofit/>
           </a:bodyPr>
           <a:lstStyle/>
           <a:p>
-            <a:r>
-              <a:rPr lang="en-US" sz="1800" dirty="0"/>
-              <a:t>The not operator has the highest precedence. The operator and is evaluated before or.</a:t>
-            </a:r>
+            <a:pPr marL="0" indent="0">
+              <a:buNone/>
+            </a:pPr>
+            <a:endParaRPr lang="en-US" dirty="0"/>
+          </a:p>
+          <a:p>
+            <a:pPr marL="0" indent="0">
+              <a:buNone/>
+            </a:pPr>
+            <a:r>
+              <a:rPr lang="en-US" b="1" dirty="0">
+                <a:solidFill>
+                  <a:srgbClr val="000087"/>
+                </a:solidFill>
+                <a:latin typeface="Inconsolata Medium" panose="020B0609030003000000" pitchFamily="49" charset="77"/>
+              </a:rPr>
+              <a:t>In</a:t>
+            </a:r>
+            <a:r>
+              <a:rPr lang="en-US" b="1" dirty="0">
+                <a:latin typeface="Inconsolata Medium" panose="020B0609030003000000" pitchFamily="49" charset="77"/>
+              </a:rPr>
+              <a:t>[</a:t>
+            </a:r>
+            <a:r>
+              <a:rPr lang="en-US" b="1" dirty="0">
+                <a:solidFill>
+                  <a:srgbClr val="FF6600"/>
+                </a:solidFill>
+                <a:latin typeface="Inconsolata Medium" panose="020B0609030003000000" pitchFamily="49" charset="77"/>
+              </a:rPr>
+              <a:t>1</a:t>
+            </a:r>
+            <a:r>
+              <a:rPr lang="en-US" b="1" dirty="0">
+                <a:latin typeface="Inconsolata Medium" panose="020B0609030003000000" pitchFamily="49" charset="77"/>
+              </a:rPr>
+              <a:t>]: </a:t>
+            </a:r>
+            <a:r>
+              <a:rPr lang="en-US" b="1" dirty="0">
+                <a:solidFill>
+                  <a:srgbClr val="000087"/>
+                </a:solidFill>
+                <a:latin typeface="Inconsolata Medium" panose="020B0609030003000000" pitchFamily="49" charset="77"/>
+              </a:rPr>
+              <a:t>x </a:t>
+            </a:r>
+            <a:r>
+              <a:rPr lang="en-US" b="1" dirty="0">
+                <a:solidFill>
+                  <a:srgbClr val="545454"/>
+                </a:solidFill>
+                <a:latin typeface="Inconsolata Medium" panose="020B0609030003000000" pitchFamily="49" charset="77"/>
+              </a:rPr>
+              <a:t>= </a:t>
+            </a:r>
+            <a:r>
+              <a:rPr lang="en-US" b="1" dirty="0">
+                <a:solidFill>
+                  <a:srgbClr val="FF6600"/>
+                </a:solidFill>
+                <a:latin typeface="Inconsolata Medium" panose="020B0609030003000000" pitchFamily="49" charset="77"/>
+              </a:rPr>
+              <a:t>4 </a:t>
+            </a:r>
+          </a:p>
+          <a:p>
+            <a:pPr marL="0" indent="0">
+              <a:buNone/>
+            </a:pPr>
+            <a:r>
+              <a:rPr lang="en-US" b="1" dirty="0">
+                <a:solidFill>
+                  <a:srgbClr val="FF6600"/>
+                </a:solidFill>
+                <a:latin typeface="Inconsolata Medium" panose="020B0609030003000000" pitchFamily="49" charset="77"/>
+              </a:rPr>
+              <a:t>	  </a:t>
+            </a:r>
+            <a:r>
+              <a:rPr lang="en-US" b="1" dirty="0">
+                <a:latin typeface="Inconsolata Medium" panose="020B0609030003000000" pitchFamily="49" charset="77"/>
+              </a:rPr>
+              <a:t>(</a:t>
+            </a:r>
+            <a:r>
+              <a:rPr lang="en-US" b="1" dirty="0">
+                <a:solidFill>
+                  <a:srgbClr val="000087"/>
+                </a:solidFill>
+                <a:latin typeface="Inconsolata Medium" panose="020B0609030003000000" pitchFamily="49" charset="77"/>
+              </a:rPr>
+              <a:t>x </a:t>
+            </a:r>
+            <a:r>
+              <a:rPr lang="en-US" b="1" dirty="0">
+                <a:solidFill>
+                  <a:srgbClr val="545454"/>
+                </a:solidFill>
+                <a:latin typeface="Inconsolata Medium" panose="020B0609030003000000" pitchFamily="49" charset="77"/>
+              </a:rPr>
+              <a:t>&lt; </a:t>
+            </a:r>
+            <a:r>
+              <a:rPr lang="en-US" b="1" dirty="0">
+                <a:solidFill>
+                  <a:srgbClr val="FF6600"/>
+                </a:solidFill>
+                <a:latin typeface="Inconsolata Medium" panose="020B0609030003000000" pitchFamily="49" charset="77"/>
+              </a:rPr>
+              <a:t>6</a:t>
+            </a:r>
+            <a:r>
+              <a:rPr lang="en-US" b="1" dirty="0">
+                <a:latin typeface="Inconsolata Medium" panose="020B0609030003000000" pitchFamily="49" charset="77"/>
+              </a:rPr>
+              <a:t>) and (</a:t>
+            </a:r>
+            <a:r>
+              <a:rPr lang="en-US" b="1" dirty="0">
+                <a:solidFill>
+                  <a:srgbClr val="000087"/>
+                </a:solidFill>
+                <a:latin typeface="Inconsolata Medium" panose="020B0609030003000000" pitchFamily="49" charset="77"/>
+              </a:rPr>
+              <a:t>x </a:t>
+            </a:r>
+            <a:r>
+              <a:rPr lang="en-US" b="1" dirty="0">
+                <a:solidFill>
+                  <a:srgbClr val="545454"/>
+                </a:solidFill>
+                <a:latin typeface="Inconsolata Medium" panose="020B0609030003000000" pitchFamily="49" charset="77"/>
+              </a:rPr>
+              <a:t>&gt; </a:t>
+            </a:r>
+            <a:r>
+              <a:rPr lang="en-US" b="1" dirty="0">
+                <a:solidFill>
+                  <a:srgbClr val="FF6600"/>
+                </a:solidFill>
+                <a:latin typeface="Inconsolata Medium" panose="020B0609030003000000" pitchFamily="49" charset="77"/>
+              </a:rPr>
+              <a:t>2</a:t>
+            </a:r>
+            <a:r>
+              <a:rPr lang="en-US" b="1" dirty="0">
+                <a:latin typeface="Inconsolata Medium" panose="020B0609030003000000" pitchFamily="49" charset="77"/>
+              </a:rPr>
+              <a:t>) </a:t>
+            </a:r>
+          </a:p>
+          <a:p>
+            <a:pPr marL="0" indent="0">
+              <a:buNone/>
+            </a:pPr>
+            <a:r>
+              <a:rPr lang="en-US" b="1" dirty="0">
+                <a:latin typeface="Inconsolata Medium" panose="020B0609030003000000" pitchFamily="49" charset="77"/>
+              </a:rPr>
+              <a:t>Out[1]: True </a:t>
+            </a:r>
+          </a:p>
+          <a:p>
+            <a:pPr marL="0" indent="0">
+              <a:buNone/>
+            </a:pPr>
+            <a:endParaRPr lang="en-US" b="1" dirty="0">
+              <a:latin typeface="Inconsolata Medium" panose="020B0609030003000000" pitchFamily="49" charset="77"/>
+            </a:endParaRPr>
+          </a:p>
+          <a:p>
+            <a:pPr marL="0" indent="0">
+              <a:buNone/>
+            </a:pPr>
+            <a:r>
+              <a:rPr lang="en-US" b="1" dirty="0">
+                <a:solidFill>
+                  <a:srgbClr val="000087"/>
+                </a:solidFill>
+                <a:latin typeface="Inconsolata Medium" panose="020B0609030003000000" pitchFamily="49" charset="77"/>
+              </a:rPr>
+              <a:t>In</a:t>
+            </a:r>
+            <a:r>
+              <a:rPr lang="en-US" b="1" dirty="0">
+                <a:latin typeface="Inconsolata Medium" panose="020B0609030003000000" pitchFamily="49" charset="77"/>
+              </a:rPr>
+              <a:t>[</a:t>
+            </a:r>
+            <a:r>
+              <a:rPr lang="en-US" b="1" dirty="0">
+                <a:solidFill>
+                  <a:srgbClr val="FF6600"/>
+                </a:solidFill>
+                <a:latin typeface="Inconsolata Medium" panose="020B0609030003000000" pitchFamily="49" charset="77"/>
+              </a:rPr>
+              <a:t>2</a:t>
+            </a:r>
+            <a:r>
+              <a:rPr lang="en-US" b="1" dirty="0">
+                <a:latin typeface="Inconsolata Medium" panose="020B0609030003000000" pitchFamily="49" charset="77"/>
+              </a:rPr>
+              <a:t>]: (</a:t>
+            </a:r>
+            <a:r>
+              <a:rPr lang="en-US" b="1" dirty="0">
+                <a:solidFill>
+                  <a:srgbClr val="000087"/>
+                </a:solidFill>
+                <a:latin typeface="Inconsolata Medium" panose="020B0609030003000000" pitchFamily="49" charset="77"/>
+              </a:rPr>
+              <a:t>x </a:t>
+            </a:r>
+            <a:r>
+              <a:rPr lang="en-US" b="1" dirty="0">
+                <a:solidFill>
+                  <a:srgbClr val="545454"/>
+                </a:solidFill>
+                <a:latin typeface="Inconsolata Medium" panose="020B0609030003000000" pitchFamily="49" charset="77"/>
+              </a:rPr>
+              <a:t>&gt; </a:t>
+            </a:r>
+            <a:r>
+              <a:rPr lang="en-US" b="1" dirty="0">
+                <a:solidFill>
+                  <a:srgbClr val="FF6600"/>
+                </a:solidFill>
+                <a:latin typeface="Inconsolata Medium" panose="020B0609030003000000" pitchFamily="49" charset="77"/>
+              </a:rPr>
+              <a:t>10</a:t>
+            </a:r>
+            <a:r>
+              <a:rPr lang="en-US" b="1" dirty="0">
+                <a:latin typeface="Inconsolata Medium" panose="020B0609030003000000" pitchFamily="49" charset="77"/>
+              </a:rPr>
+              <a:t>) or (</a:t>
+            </a:r>
+            <a:r>
+              <a:rPr lang="en-US" b="1" dirty="0">
+                <a:solidFill>
+                  <a:srgbClr val="000087"/>
+                </a:solidFill>
+                <a:latin typeface="Inconsolata Medium" panose="020B0609030003000000" pitchFamily="49" charset="77"/>
+              </a:rPr>
+              <a:t>x </a:t>
+            </a:r>
+            <a:r>
+              <a:rPr lang="en-US" b="1" dirty="0">
+                <a:solidFill>
+                  <a:srgbClr val="545454"/>
+                </a:solidFill>
+                <a:latin typeface="Inconsolata Medium" panose="020B0609030003000000" pitchFamily="49" charset="77"/>
+              </a:rPr>
+              <a:t>% </a:t>
+            </a:r>
+            <a:r>
+              <a:rPr lang="en-US" b="1" dirty="0">
+                <a:solidFill>
+                  <a:srgbClr val="FF6600"/>
+                </a:solidFill>
+                <a:latin typeface="Inconsolata Medium" panose="020B0609030003000000" pitchFamily="49" charset="77"/>
+              </a:rPr>
+              <a:t>2 </a:t>
+            </a:r>
+            <a:r>
+              <a:rPr lang="en-US" b="1" dirty="0">
+                <a:solidFill>
+                  <a:srgbClr val="545454"/>
+                </a:solidFill>
+                <a:latin typeface="Inconsolata Medium" panose="020B0609030003000000" pitchFamily="49" charset="77"/>
+              </a:rPr>
+              <a:t>== </a:t>
+            </a:r>
+            <a:r>
+              <a:rPr lang="en-US" b="1" dirty="0">
+                <a:solidFill>
+                  <a:srgbClr val="FF6600"/>
+                </a:solidFill>
+                <a:latin typeface="Inconsolata Medium" panose="020B0609030003000000" pitchFamily="49" charset="77"/>
+              </a:rPr>
+              <a:t>0</a:t>
+            </a:r>
+            <a:r>
+              <a:rPr lang="en-US" b="1" dirty="0">
+                <a:latin typeface="Inconsolata Medium" panose="020B0609030003000000" pitchFamily="49" charset="77"/>
+              </a:rPr>
+              <a:t>) </a:t>
+            </a:r>
+          </a:p>
+          <a:p>
+            <a:pPr marL="0" indent="0">
+              <a:buNone/>
+            </a:pPr>
+            <a:r>
+              <a:rPr lang="en-US" b="1" dirty="0">
+                <a:latin typeface="Inconsolata Medium" panose="020B0609030003000000" pitchFamily="49" charset="77"/>
+              </a:rPr>
+              <a:t>Out[2]: True</a:t>
+            </a:r>
+          </a:p>
+          <a:p>
+            <a:pPr marL="0" indent="0">
+              <a:buNone/>
+            </a:pPr>
+            <a:br>
+              <a:rPr lang="en-US" b="1" dirty="0">
+                <a:latin typeface="Inconsolata Medium" panose="020B0609030003000000" pitchFamily="49" charset="77"/>
+              </a:rPr>
+            </a:br>
+            <a:r>
+              <a:rPr lang="en-US" b="1" dirty="0">
+                <a:solidFill>
+                  <a:srgbClr val="000087"/>
+                </a:solidFill>
+                <a:latin typeface="Inconsolata Medium" panose="020B0609030003000000" pitchFamily="49" charset="77"/>
+              </a:rPr>
+              <a:t>In</a:t>
+            </a:r>
+            <a:r>
+              <a:rPr lang="en-US" b="1" dirty="0">
+                <a:latin typeface="Inconsolata Medium" panose="020B0609030003000000" pitchFamily="49" charset="77"/>
+              </a:rPr>
+              <a:t>[</a:t>
+            </a:r>
+            <a:r>
+              <a:rPr lang="en-US" b="1" dirty="0">
+                <a:solidFill>
+                  <a:srgbClr val="FF6600"/>
+                </a:solidFill>
+                <a:latin typeface="Inconsolata Medium" panose="020B0609030003000000" pitchFamily="49" charset="77"/>
+              </a:rPr>
+              <a:t>3</a:t>
+            </a:r>
+            <a:r>
+              <a:rPr lang="en-US" b="1" dirty="0">
+                <a:latin typeface="Inconsolata Medium" panose="020B0609030003000000" pitchFamily="49" charset="77"/>
+              </a:rPr>
+              <a:t>]: not (</a:t>
+            </a:r>
+            <a:r>
+              <a:rPr lang="en-US" b="1" dirty="0">
+                <a:solidFill>
+                  <a:srgbClr val="000087"/>
+                </a:solidFill>
+                <a:latin typeface="Inconsolata Medium" panose="020B0609030003000000" pitchFamily="49" charset="77"/>
+              </a:rPr>
+              <a:t>x </a:t>
+            </a:r>
+            <a:r>
+              <a:rPr lang="en-US" b="1" dirty="0">
+                <a:solidFill>
+                  <a:srgbClr val="545454"/>
+                </a:solidFill>
+                <a:latin typeface="Inconsolata Medium" panose="020B0609030003000000" pitchFamily="49" charset="77"/>
+              </a:rPr>
+              <a:t>&lt; </a:t>
+            </a:r>
+            <a:r>
+              <a:rPr lang="en-US" b="1" dirty="0">
+                <a:solidFill>
+                  <a:srgbClr val="FF6600"/>
+                </a:solidFill>
+                <a:latin typeface="Inconsolata Medium" panose="020B0609030003000000" pitchFamily="49" charset="77"/>
+              </a:rPr>
+              <a:t>6</a:t>
+            </a:r>
+            <a:r>
+              <a:rPr lang="en-US" b="1" dirty="0">
+                <a:latin typeface="Inconsolata Medium" panose="020B0609030003000000" pitchFamily="49" charset="77"/>
+              </a:rPr>
+              <a:t>)</a:t>
+            </a:r>
+            <a:br>
+              <a:rPr lang="en-US" b="1" dirty="0">
+                <a:latin typeface="Inconsolata Medium" panose="020B0609030003000000" pitchFamily="49" charset="77"/>
+              </a:rPr>
+            </a:br>
+            <a:r>
+              <a:rPr lang="en-US" b="1" dirty="0">
+                <a:latin typeface="Inconsolata Medium" panose="020B0609030003000000" pitchFamily="49" charset="77"/>
+              </a:rPr>
+              <a:t>Out[3]: False </a:t>
+            </a:r>
+          </a:p>
+          <a:p>
+            <a:pPr marL="0" indent="0">
+              <a:buNone/>
+            </a:pPr>
+            <a:endParaRPr lang="en-US" dirty="0"/>
+          </a:p>
+          <a:p>
+            <a:pPr marL="0" indent="0">
+              <a:buNone/>
+            </a:pPr>
+            <a:endParaRPr lang="en-US" dirty="0"/>
+          </a:p>
+          <a:p>
+            <a:pPr marL="0" indent="0">
+              <a:buNone/>
+            </a:pPr>
+            <a:endParaRPr lang="en-US" dirty="0"/>
+          </a:p>
+          <a:p>
+            <a:pPr marL="0" indent="0">
+              <a:buNone/>
+            </a:pPr>
+            <a:endParaRPr lang="en-US" dirty="0"/>
+          </a:p>
+          <a:p>
+            <a:pPr marL="0" indent="0">
+              <a:buNone/>
+            </a:pPr>
+            <a:endParaRPr lang="en-US" dirty="0"/>
+          </a:p>
+          <a:p>
+            <a:pPr marL="0" indent="0">
+              <a:buNone/>
+            </a:pPr>
+            <a:endParaRPr lang="en-US" sz="1900" b="1" dirty="0">
+              <a:latin typeface="Inconsolata Medium" panose="020B0609030003000000" pitchFamily="49" charset="77"/>
+            </a:endParaRPr>
           </a:p>
         </p:txBody>
       </p:sp>
     </p:spTree>
     <p:extLst>
       <p:ext uri="{BB962C8B-B14F-4D97-AF65-F5344CB8AC3E}">
-        <p14:creationId xmlns:p14="http://schemas.microsoft.com/office/powerpoint/2010/main" val="545427862"/>
+        <p14:creationId xmlns:p14="http://schemas.microsoft.com/office/powerpoint/2010/main" val="1851907297"/>
       </p:ext>
     </p:extLst>
   </p:cSld>
@@ -5695,17 +5973,17 @@
           <a:p>
             <a:r>
               <a:rPr lang="en-US" dirty="0"/>
-              <a:t>Boolean Operations</a:t>
+              <a:t>Operator Precedence</a:t>
             </a:r>
           </a:p>
         </p:txBody>
       </p:sp>
       <p:sp>
         <p:nvSpPr>
-          <p:cNvPr id="9" name="Content Placeholder 8">
+          <p:cNvPr id="7" name="Content Placeholder 6">
             <a:extLst>
               <a:ext uri="{FF2B5EF4-FFF2-40B4-BE49-F238E27FC236}">
-                <a16:creationId xmlns:a16="http://schemas.microsoft.com/office/drawing/2014/main" id="{E3B2E017-30B2-884B-A113-B419A2ED51AD}"/>
+                <a16:creationId xmlns:a16="http://schemas.microsoft.com/office/drawing/2014/main" id="{54065222-B30B-7641-B102-F7E79C5B1711}"/>
               </a:ext>
             </a:extLst>
           </p:cNvPr>
@@ -5718,446 +5996,512 @@
         </p:nvSpPr>
         <p:spPr>
           <a:xfrm>
-            <a:off x="483848" y="1003610"/>
-            <a:ext cx="8051725" cy="4711390"/>
+            <a:off x="628650" y="1150914"/>
+            <a:ext cx="7886700" cy="3996556"/>
           </a:xfrm>
         </p:spPr>
         <p:txBody>
-          <a:bodyPr>
-            <a:noAutofit/>
-          </a:bodyPr>
+          <a:bodyPr/>
           <a:lstStyle/>
           <a:p>
-            <a:pPr marL="0" indent="0">
-              <a:buNone/>
-            </a:pPr>
             <a:endParaRPr lang="en-US" dirty="0"/>
-          </a:p>
-          <a:p>
-            <a:pPr marL="0" indent="0">
-              <a:buNone/>
-            </a:pPr>
-            <a:r>
-              <a:rPr lang="en-US" b="1" dirty="0">
-                <a:solidFill>
-                  <a:srgbClr val="000087"/>
-                </a:solidFill>
-                <a:latin typeface="Inconsolata Medium" panose="020B0609030003000000" pitchFamily="49" charset="77"/>
-              </a:rPr>
-              <a:t>In</a:t>
-            </a:r>
-            <a:r>
-              <a:rPr lang="en-US" b="1" dirty="0">
-                <a:latin typeface="Inconsolata Medium" panose="020B0609030003000000" pitchFamily="49" charset="77"/>
-              </a:rPr>
-              <a:t>[</a:t>
-            </a:r>
-            <a:r>
-              <a:rPr lang="en-US" b="1" dirty="0">
-                <a:solidFill>
-                  <a:srgbClr val="FF6600"/>
-                </a:solidFill>
-                <a:latin typeface="Inconsolata Medium" panose="020B0609030003000000" pitchFamily="49" charset="77"/>
-              </a:rPr>
-              <a:t>1</a:t>
-            </a:r>
-            <a:r>
-              <a:rPr lang="en-US" b="1" dirty="0">
-                <a:latin typeface="Inconsolata Medium" panose="020B0609030003000000" pitchFamily="49" charset="77"/>
-              </a:rPr>
-              <a:t>]: </a:t>
-            </a:r>
-            <a:r>
-              <a:rPr lang="en-US" b="1" dirty="0">
-                <a:solidFill>
-                  <a:srgbClr val="000087"/>
-                </a:solidFill>
-                <a:latin typeface="Inconsolata Medium" panose="020B0609030003000000" pitchFamily="49" charset="77"/>
-              </a:rPr>
-              <a:t>x </a:t>
-            </a:r>
-            <a:r>
-              <a:rPr lang="en-US" b="1" dirty="0">
-                <a:solidFill>
-                  <a:srgbClr val="545454"/>
-                </a:solidFill>
-                <a:latin typeface="Inconsolata Medium" panose="020B0609030003000000" pitchFamily="49" charset="77"/>
-              </a:rPr>
-              <a:t>= </a:t>
-            </a:r>
-            <a:r>
-              <a:rPr lang="en-US" b="1" dirty="0">
-                <a:solidFill>
-                  <a:srgbClr val="FF6600"/>
-                </a:solidFill>
-                <a:latin typeface="Inconsolata Medium" panose="020B0609030003000000" pitchFamily="49" charset="77"/>
-              </a:rPr>
-              <a:t>4 </a:t>
-            </a:r>
-          </a:p>
-          <a:p>
-            <a:pPr marL="0" indent="0">
-              <a:buNone/>
-            </a:pPr>
-            <a:r>
-              <a:rPr lang="en-US" b="1" dirty="0">
-                <a:solidFill>
-                  <a:srgbClr val="FF6600"/>
-                </a:solidFill>
-                <a:latin typeface="Inconsolata Medium" panose="020B0609030003000000" pitchFamily="49" charset="77"/>
-              </a:rPr>
-              <a:t>	   </a:t>
-            </a:r>
-            <a:r>
-              <a:rPr lang="en-US" b="1" dirty="0">
-                <a:latin typeface="Inconsolata Medium" panose="020B0609030003000000" pitchFamily="49" charset="77"/>
-              </a:rPr>
-              <a:t>(</a:t>
-            </a:r>
-            <a:r>
-              <a:rPr lang="en-US" b="1" dirty="0">
-                <a:solidFill>
-                  <a:srgbClr val="000087"/>
-                </a:solidFill>
-                <a:latin typeface="Inconsolata Medium" panose="020B0609030003000000" pitchFamily="49" charset="77"/>
-              </a:rPr>
-              <a:t>x </a:t>
-            </a:r>
-            <a:r>
-              <a:rPr lang="en-US" b="1" dirty="0">
-                <a:solidFill>
-                  <a:srgbClr val="545454"/>
-                </a:solidFill>
-                <a:latin typeface="Inconsolata Medium" panose="020B0609030003000000" pitchFamily="49" charset="77"/>
-              </a:rPr>
-              <a:t>&lt; </a:t>
-            </a:r>
-            <a:r>
-              <a:rPr lang="en-US" b="1" dirty="0">
-                <a:solidFill>
-                  <a:srgbClr val="FF6600"/>
-                </a:solidFill>
-                <a:latin typeface="Inconsolata Medium" panose="020B0609030003000000" pitchFamily="49" charset="77"/>
-              </a:rPr>
-              <a:t>6</a:t>
-            </a:r>
-            <a:r>
-              <a:rPr lang="en-US" b="1" dirty="0">
-                <a:latin typeface="Inconsolata Medium" panose="020B0609030003000000" pitchFamily="49" charset="77"/>
-              </a:rPr>
-              <a:t>) and (</a:t>
-            </a:r>
-            <a:r>
-              <a:rPr lang="en-US" b="1" dirty="0">
-                <a:solidFill>
-                  <a:srgbClr val="000087"/>
-                </a:solidFill>
-                <a:latin typeface="Inconsolata Medium" panose="020B0609030003000000" pitchFamily="49" charset="77"/>
-              </a:rPr>
-              <a:t>x </a:t>
-            </a:r>
-            <a:r>
-              <a:rPr lang="en-US" b="1" dirty="0">
-                <a:solidFill>
-                  <a:srgbClr val="545454"/>
-                </a:solidFill>
-                <a:latin typeface="Inconsolata Medium" panose="020B0609030003000000" pitchFamily="49" charset="77"/>
-              </a:rPr>
-              <a:t>&gt; </a:t>
-            </a:r>
-            <a:r>
-              <a:rPr lang="en-US" b="1" dirty="0">
-                <a:solidFill>
-                  <a:srgbClr val="FF6600"/>
-                </a:solidFill>
-                <a:latin typeface="Inconsolata Medium" panose="020B0609030003000000" pitchFamily="49" charset="77"/>
-              </a:rPr>
-              <a:t>2</a:t>
-            </a:r>
-            <a:r>
-              <a:rPr lang="en-US" b="1" dirty="0">
-                <a:latin typeface="Inconsolata Medium" panose="020B0609030003000000" pitchFamily="49" charset="77"/>
-              </a:rPr>
-              <a:t>) </a:t>
-            </a:r>
-          </a:p>
-          <a:p>
-            <a:pPr marL="0" indent="0">
-              <a:buNone/>
-            </a:pPr>
-            <a:r>
-              <a:rPr lang="en-US" b="1" dirty="0">
-                <a:latin typeface="Inconsolata Medium" panose="020B0609030003000000" pitchFamily="49" charset="77"/>
-              </a:rPr>
-              <a:t>Out[1]: True </a:t>
-            </a:r>
-          </a:p>
-          <a:p>
-            <a:pPr marL="0" indent="0">
-              <a:buNone/>
-            </a:pPr>
-            <a:endParaRPr lang="en-US" b="1" dirty="0">
-              <a:latin typeface="Inconsolata Medium" panose="020B0609030003000000" pitchFamily="49" charset="77"/>
-            </a:endParaRPr>
-          </a:p>
-          <a:p>
-            <a:pPr marL="0" indent="0">
-              <a:buNone/>
-            </a:pPr>
-            <a:r>
-              <a:rPr lang="en-US" b="1" dirty="0">
-                <a:solidFill>
-                  <a:srgbClr val="000087"/>
-                </a:solidFill>
-                <a:latin typeface="Inconsolata Medium" panose="020B0609030003000000" pitchFamily="49" charset="77"/>
-              </a:rPr>
-              <a:t>In</a:t>
-            </a:r>
-            <a:r>
-              <a:rPr lang="en-US" b="1" dirty="0">
-                <a:latin typeface="Inconsolata Medium" panose="020B0609030003000000" pitchFamily="49" charset="77"/>
-              </a:rPr>
-              <a:t>[</a:t>
-            </a:r>
-            <a:r>
-              <a:rPr lang="en-US" b="1" dirty="0">
-                <a:solidFill>
-                  <a:srgbClr val="FF6600"/>
-                </a:solidFill>
-                <a:latin typeface="Inconsolata Medium" panose="020B0609030003000000" pitchFamily="49" charset="77"/>
-              </a:rPr>
-              <a:t>2</a:t>
-            </a:r>
-            <a:r>
-              <a:rPr lang="en-US" b="1" dirty="0">
-                <a:latin typeface="Inconsolata Medium" panose="020B0609030003000000" pitchFamily="49" charset="77"/>
-              </a:rPr>
-              <a:t>]: (</a:t>
-            </a:r>
-            <a:r>
-              <a:rPr lang="en-US" b="1" dirty="0">
-                <a:solidFill>
-                  <a:srgbClr val="000087"/>
-                </a:solidFill>
-                <a:latin typeface="Inconsolata Medium" panose="020B0609030003000000" pitchFamily="49" charset="77"/>
-              </a:rPr>
-              <a:t>x </a:t>
-            </a:r>
-            <a:r>
-              <a:rPr lang="en-US" b="1" dirty="0">
-                <a:solidFill>
-                  <a:srgbClr val="545454"/>
-                </a:solidFill>
-                <a:latin typeface="Inconsolata Medium" panose="020B0609030003000000" pitchFamily="49" charset="77"/>
-              </a:rPr>
-              <a:t>&gt; </a:t>
-            </a:r>
-            <a:r>
-              <a:rPr lang="en-US" b="1" dirty="0">
-                <a:solidFill>
-                  <a:srgbClr val="FF6600"/>
-                </a:solidFill>
-                <a:latin typeface="Inconsolata Medium" panose="020B0609030003000000" pitchFamily="49" charset="77"/>
-              </a:rPr>
-              <a:t>10</a:t>
-            </a:r>
-            <a:r>
-              <a:rPr lang="en-US" b="1" dirty="0">
-                <a:latin typeface="Inconsolata Medium" panose="020B0609030003000000" pitchFamily="49" charset="77"/>
-              </a:rPr>
-              <a:t>) or (</a:t>
-            </a:r>
-            <a:r>
-              <a:rPr lang="en-US" b="1" dirty="0">
-                <a:solidFill>
-                  <a:srgbClr val="000087"/>
-                </a:solidFill>
-                <a:latin typeface="Inconsolata Medium" panose="020B0609030003000000" pitchFamily="49" charset="77"/>
-              </a:rPr>
-              <a:t>x </a:t>
-            </a:r>
-            <a:r>
-              <a:rPr lang="en-US" b="1" dirty="0">
-                <a:solidFill>
-                  <a:srgbClr val="545454"/>
-                </a:solidFill>
-                <a:latin typeface="Inconsolata Medium" panose="020B0609030003000000" pitchFamily="49" charset="77"/>
-              </a:rPr>
-              <a:t>% </a:t>
-            </a:r>
-            <a:r>
-              <a:rPr lang="en-US" b="1" dirty="0">
-                <a:solidFill>
-                  <a:srgbClr val="FF6600"/>
-                </a:solidFill>
-                <a:latin typeface="Inconsolata Medium" panose="020B0609030003000000" pitchFamily="49" charset="77"/>
-              </a:rPr>
-              <a:t>2 </a:t>
-            </a:r>
-            <a:r>
-              <a:rPr lang="en-US" b="1" dirty="0">
-                <a:solidFill>
-                  <a:srgbClr val="545454"/>
-                </a:solidFill>
-                <a:latin typeface="Inconsolata Medium" panose="020B0609030003000000" pitchFamily="49" charset="77"/>
-              </a:rPr>
-              <a:t>== </a:t>
-            </a:r>
-            <a:r>
-              <a:rPr lang="en-US" b="1" dirty="0">
-                <a:solidFill>
-                  <a:srgbClr val="FF6600"/>
-                </a:solidFill>
-                <a:latin typeface="Inconsolata Medium" panose="020B0609030003000000" pitchFamily="49" charset="77"/>
-              </a:rPr>
-              <a:t>0</a:t>
-            </a:r>
-            <a:r>
-              <a:rPr lang="en-US" b="1" dirty="0">
-                <a:latin typeface="Inconsolata Medium" panose="020B0609030003000000" pitchFamily="49" charset="77"/>
-              </a:rPr>
-              <a:t>) </a:t>
-            </a:r>
-          </a:p>
-          <a:p>
-            <a:pPr marL="0" indent="0">
-              <a:buNone/>
-            </a:pPr>
-            <a:r>
-              <a:rPr lang="en-US" b="1" dirty="0">
-                <a:latin typeface="Inconsolata Medium" panose="020B0609030003000000" pitchFamily="49" charset="77"/>
-              </a:rPr>
-              <a:t>Out[2]: True</a:t>
-            </a:r>
-          </a:p>
-          <a:p>
-            <a:pPr marL="0" indent="0">
-              <a:buNone/>
-            </a:pPr>
-            <a:br>
-              <a:rPr lang="en-US" b="1" dirty="0">
-                <a:latin typeface="Inconsolata Medium" panose="020B0609030003000000" pitchFamily="49" charset="77"/>
-              </a:rPr>
-            </a:br>
-            <a:r>
-              <a:rPr lang="en-US" b="1" dirty="0">
-                <a:solidFill>
-                  <a:srgbClr val="000087"/>
-                </a:solidFill>
-                <a:latin typeface="Inconsolata Medium" panose="020B0609030003000000" pitchFamily="49" charset="77"/>
-              </a:rPr>
-              <a:t>In</a:t>
-            </a:r>
-            <a:r>
-              <a:rPr lang="en-US" b="1" dirty="0">
-                <a:latin typeface="Inconsolata Medium" panose="020B0609030003000000" pitchFamily="49" charset="77"/>
-              </a:rPr>
-              <a:t>[</a:t>
-            </a:r>
-            <a:r>
-              <a:rPr lang="en-US" b="1" dirty="0">
-                <a:solidFill>
-                  <a:srgbClr val="FF6600"/>
-                </a:solidFill>
-                <a:latin typeface="Inconsolata Medium" panose="020B0609030003000000" pitchFamily="49" charset="77"/>
-              </a:rPr>
-              <a:t>3</a:t>
-            </a:r>
-            <a:r>
-              <a:rPr lang="en-US" b="1" dirty="0">
-                <a:latin typeface="Inconsolata Medium" panose="020B0609030003000000" pitchFamily="49" charset="77"/>
-              </a:rPr>
-              <a:t>]: not (</a:t>
-            </a:r>
-            <a:r>
-              <a:rPr lang="en-US" b="1" dirty="0">
-                <a:solidFill>
-                  <a:srgbClr val="000087"/>
-                </a:solidFill>
-                <a:latin typeface="Inconsolata Medium" panose="020B0609030003000000" pitchFamily="49" charset="77"/>
-              </a:rPr>
-              <a:t>x </a:t>
-            </a:r>
-            <a:r>
-              <a:rPr lang="en-US" b="1" dirty="0">
-                <a:solidFill>
-                  <a:srgbClr val="545454"/>
-                </a:solidFill>
-                <a:latin typeface="Inconsolata Medium" panose="020B0609030003000000" pitchFamily="49" charset="77"/>
-              </a:rPr>
-              <a:t>&lt; </a:t>
-            </a:r>
-            <a:r>
-              <a:rPr lang="en-US" b="1" dirty="0">
-                <a:solidFill>
-                  <a:srgbClr val="FF6600"/>
-                </a:solidFill>
-                <a:latin typeface="Inconsolata Medium" panose="020B0609030003000000" pitchFamily="49" charset="77"/>
-              </a:rPr>
-              <a:t>6</a:t>
-            </a:r>
-            <a:r>
-              <a:rPr lang="en-US" b="1" dirty="0">
-                <a:latin typeface="Inconsolata Medium" panose="020B0609030003000000" pitchFamily="49" charset="77"/>
-              </a:rPr>
-              <a:t>)</a:t>
-            </a:r>
-            <a:br>
-              <a:rPr lang="en-US" b="1" dirty="0">
-                <a:latin typeface="Inconsolata Medium" panose="020B0609030003000000" pitchFamily="49" charset="77"/>
-              </a:rPr>
-            </a:br>
-            <a:r>
-              <a:rPr lang="en-US" b="1" dirty="0">
-                <a:latin typeface="Inconsolata Medium" panose="020B0609030003000000" pitchFamily="49" charset="77"/>
-              </a:rPr>
-              <a:t>Out[3]: False </a:t>
-            </a:r>
-          </a:p>
-          <a:p>
-            <a:pPr marL="0" indent="0">
-              <a:buNone/>
-            </a:pPr>
-            <a:endParaRPr lang="en-US" dirty="0"/>
-          </a:p>
-          <a:p>
-            <a:pPr marL="0" indent="0">
-              <a:buNone/>
-            </a:pPr>
-            <a:endParaRPr lang="en-US" dirty="0"/>
-          </a:p>
-          <a:p>
-            <a:pPr marL="0" indent="0">
-              <a:buNone/>
-            </a:pPr>
-            <a:endParaRPr lang="en-US" dirty="0"/>
-          </a:p>
-          <a:p>
-            <a:pPr marL="0" indent="0">
-              <a:buNone/>
-            </a:pPr>
-            <a:endParaRPr lang="en-US" dirty="0"/>
-          </a:p>
-          <a:p>
-            <a:pPr marL="0" indent="0">
-              <a:buNone/>
-            </a:pPr>
-            <a:endParaRPr lang="en-US" dirty="0"/>
-          </a:p>
-          <a:p>
-            <a:pPr marL="0" indent="0">
-              <a:buNone/>
-            </a:pPr>
-            <a:endParaRPr lang="en-US" sz="1900" b="1" dirty="0">
-              <a:latin typeface="Inconsolata Medium" panose="020B0609030003000000" pitchFamily="49" charset="77"/>
-            </a:endParaRPr>
           </a:p>
         </p:txBody>
       </p:sp>
+      <p:graphicFrame>
+        <p:nvGraphicFramePr>
+          <p:cNvPr id="6" name="Content Placeholder 2">
+            <a:extLst>
+              <a:ext uri="{FF2B5EF4-FFF2-40B4-BE49-F238E27FC236}">
+                <a16:creationId xmlns:a16="http://schemas.microsoft.com/office/drawing/2014/main" id="{8100E267-8A7A-3A4C-B842-FAFBF7A81F27}"/>
+              </a:ext>
+            </a:extLst>
+          </p:cNvPr>
+          <p:cNvGraphicFramePr>
+            <a:graphicFrameLocks/>
+          </p:cNvGraphicFramePr>
+          <p:nvPr/>
+        </p:nvGraphicFramePr>
+        <p:xfrm>
+          <a:off x="1768980" y="1281295"/>
+          <a:ext cx="5862414" cy="3843020"/>
+        </p:xfrm>
+        <a:graphic>
+          <a:graphicData uri="http://schemas.openxmlformats.org/drawingml/2006/table">
+            <a:tbl>
+              <a:tblPr firstRow="1" bandRow="1">
+                <a:tableStyleId>{5940675A-B579-460E-94D1-54222C63F5DA}</a:tableStyleId>
+              </a:tblPr>
+              <a:tblGrid>
+                <a:gridCol w="1148059">
+                  <a:extLst>
+                    <a:ext uri="{9D8B030D-6E8A-4147-A177-3AD203B41FA5}">
+                      <a16:colId xmlns:a16="http://schemas.microsoft.com/office/drawing/2014/main" val="2797331459"/>
+                    </a:ext>
+                  </a:extLst>
+                </a:gridCol>
+                <a:gridCol w="1808785">
+                  <a:extLst>
+                    <a:ext uri="{9D8B030D-6E8A-4147-A177-3AD203B41FA5}">
+                      <a16:colId xmlns:a16="http://schemas.microsoft.com/office/drawing/2014/main" val="643804973"/>
+                    </a:ext>
+                  </a:extLst>
+                </a:gridCol>
+                <a:gridCol w="2905570">
+                  <a:extLst>
+                    <a:ext uri="{9D8B030D-6E8A-4147-A177-3AD203B41FA5}">
+                      <a16:colId xmlns:a16="http://schemas.microsoft.com/office/drawing/2014/main" val="2390598104"/>
+                    </a:ext>
+                  </a:extLst>
+                </a:gridCol>
+              </a:tblGrid>
+              <a:tr h="0">
+                <a:tc>
+                  <a:txBody>
+                    <a:bodyPr/>
+                    <a:lstStyle/>
+                    <a:p>
+                      <a:r>
+                        <a:rPr lang="en-US" b="1" dirty="0"/>
+                        <a:t>Precedence</a:t>
+                      </a:r>
+                    </a:p>
+                  </a:txBody>
+                  <a:tcPr/>
+                </a:tc>
+                <a:tc>
+                  <a:txBody>
+                    <a:bodyPr/>
+                    <a:lstStyle/>
+                    <a:p>
+                      <a:r>
+                        <a:rPr lang="en-US" b="1" dirty="0"/>
+                        <a:t>Operator</a:t>
+                      </a:r>
+                    </a:p>
+                  </a:txBody>
+                  <a:tcPr/>
+                </a:tc>
+                <a:tc>
+                  <a:txBody>
+                    <a:bodyPr/>
+                    <a:lstStyle/>
+                    <a:p>
+                      <a:r>
+                        <a:rPr lang="en-US" b="1" dirty="0"/>
+                        <a:t>Operation</a:t>
+                      </a:r>
+                    </a:p>
+                  </a:txBody>
+                  <a:tcPr/>
+                </a:tc>
+                <a:extLst>
+                  <a:ext uri="{0D108BD9-81ED-4DB2-BD59-A6C34878D82A}">
+                    <a16:rowId xmlns:a16="http://schemas.microsoft.com/office/drawing/2014/main" val="1310382839"/>
+                  </a:ext>
+                </a:extLst>
+              </a:tr>
+              <a:tr h="370840">
+                <a:tc>
+                  <a:txBody>
+                    <a:bodyPr/>
+                    <a:lstStyle/>
+                    <a:p>
+                      <a:r>
+                        <a:rPr lang="en-US" sz="1600" dirty="0"/>
+                        <a:t>highest</a:t>
+                      </a:r>
+                    </a:p>
+                  </a:txBody>
+                  <a:tcPr/>
+                </a:tc>
+                <a:tc>
+                  <a:txBody>
+                    <a:bodyPr/>
+                    <a:lstStyle/>
+                    <a:p>
+                      <a:r>
+                        <a:rPr lang="en-US" sz="1600" dirty="0"/>
+                        <a:t>**</a:t>
+                      </a:r>
+                    </a:p>
+                  </a:txBody>
+                  <a:tcPr/>
+                </a:tc>
+                <a:tc>
+                  <a:txBody>
+                    <a:bodyPr/>
+                    <a:lstStyle/>
+                    <a:p>
+                      <a:r>
+                        <a:rPr lang="en-US" sz="1600" dirty="0"/>
+                        <a:t>exponentiation</a:t>
+                      </a:r>
+                    </a:p>
+                  </a:txBody>
+                  <a:tcPr/>
+                </a:tc>
+                <a:extLst>
+                  <a:ext uri="{0D108BD9-81ED-4DB2-BD59-A6C34878D82A}">
+                    <a16:rowId xmlns:a16="http://schemas.microsoft.com/office/drawing/2014/main" val="1996550485"/>
+                  </a:ext>
+                </a:extLst>
+              </a:tr>
+              <a:tr h="370840">
+                <a:tc>
+                  <a:txBody>
+                    <a:bodyPr/>
+                    <a:lstStyle/>
+                    <a:p>
+                      <a:endParaRPr lang="en-US" sz="1600" dirty="0"/>
+                    </a:p>
+                  </a:txBody>
+                  <a:tcPr/>
+                </a:tc>
+                <a:tc>
+                  <a:txBody>
+                    <a:bodyPr/>
+                    <a:lstStyle/>
+                    <a:p>
+                      <a:r>
+                        <a:rPr lang="en-US" sz="1600" dirty="0"/>
+                        <a:t>-</a:t>
+                      </a:r>
+                    </a:p>
+                  </a:txBody>
+                  <a:tcPr/>
+                </a:tc>
+                <a:tc>
+                  <a:txBody>
+                    <a:bodyPr/>
+                    <a:lstStyle/>
+                    <a:p>
+                      <a:r>
+                        <a:rPr lang="en-US" sz="1600" dirty="0"/>
+                        <a:t>negation</a:t>
+                      </a:r>
+                    </a:p>
+                  </a:txBody>
+                  <a:tcPr/>
+                </a:tc>
+                <a:extLst>
+                  <a:ext uri="{0D108BD9-81ED-4DB2-BD59-A6C34878D82A}">
+                    <a16:rowId xmlns:a16="http://schemas.microsoft.com/office/drawing/2014/main" val="3709973102"/>
+                  </a:ext>
+                </a:extLst>
+              </a:tr>
+              <a:tr h="370840">
+                <a:tc>
+                  <a:txBody>
+                    <a:bodyPr/>
+                    <a:lstStyle/>
+                    <a:p>
+                      <a:endParaRPr lang="en-US" sz="1600" dirty="0"/>
+                    </a:p>
+                  </a:txBody>
+                  <a:tcPr/>
+                </a:tc>
+                <a:tc>
+                  <a:txBody>
+                    <a:bodyPr/>
+                    <a:lstStyle/>
+                    <a:p>
+                      <a:r>
+                        <a:rPr lang="en-US" sz="1600" dirty="0"/>
+                        <a:t>*, /, //, %</a:t>
+                      </a:r>
+                    </a:p>
+                  </a:txBody>
+                  <a:tcPr/>
+                </a:tc>
+                <a:tc>
+                  <a:txBody>
+                    <a:bodyPr/>
+                    <a:lstStyle/>
+                    <a:p>
+                      <a:r>
+                        <a:rPr lang="en-US" sz="1600" dirty="0"/>
+                        <a:t>multiplication, division, floor division, modulus</a:t>
+                      </a:r>
+                    </a:p>
+                  </a:txBody>
+                  <a:tcPr/>
+                </a:tc>
+                <a:extLst>
+                  <a:ext uri="{0D108BD9-81ED-4DB2-BD59-A6C34878D82A}">
+                    <a16:rowId xmlns:a16="http://schemas.microsoft.com/office/drawing/2014/main" val="1095184765"/>
+                  </a:ext>
+                </a:extLst>
+              </a:tr>
+              <a:tr h="370840">
+                <a:tc>
+                  <a:txBody>
+                    <a:bodyPr/>
+                    <a:lstStyle/>
+                    <a:p>
+                      <a:endParaRPr lang="en-US" sz="1600" dirty="0"/>
+                    </a:p>
+                  </a:txBody>
+                  <a:tcPr/>
+                </a:tc>
+                <a:tc>
+                  <a:txBody>
+                    <a:bodyPr/>
+                    <a:lstStyle/>
+                    <a:p>
+                      <a:r>
+                        <a:rPr lang="en-US" sz="1600" dirty="0"/>
+                        <a:t>+, -</a:t>
+                      </a:r>
+                    </a:p>
+                  </a:txBody>
+                  <a:tcPr/>
+                </a:tc>
+                <a:tc>
+                  <a:txBody>
+                    <a:bodyPr/>
+                    <a:lstStyle/>
+                    <a:p>
+                      <a:r>
+                        <a:rPr lang="en-US" sz="1600" dirty="0"/>
+                        <a:t>adding, subtraction</a:t>
+                      </a:r>
+                    </a:p>
+                  </a:txBody>
+                  <a:tcPr/>
+                </a:tc>
+                <a:extLst>
+                  <a:ext uri="{0D108BD9-81ED-4DB2-BD59-A6C34878D82A}">
+                    <a16:rowId xmlns:a16="http://schemas.microsoft.com/office/drawing/2014/main" val="1499592130"/>
+                  </a:ext>
+                </a:extLst>
+              </a:tr>
+              <a:tr h="370840">
+                <a:tc>
+                  <a:txBody>
+                    <a:bodyPr/>
+                    <a:lstStyle/>
+                    <a:p>
+                      <a:endParaRPr lang="en-US" sz="1600" dirty="0"/>
+                    </a:p>
+                  </a:txBody>
+                  <a:tcPr/>
+                </a:tc>
+                <a:tc>
+                  <a:txBody>
+                    <a:bodyPr/>
+                    <a:lstStyle/>
+                    <a:p>
+                      <a:r>
+                        <a:rPr lang="en-US" sz="1600" dirty="0"/>
+                        <a:t>==,!=,&lt;,&gt;,&lt;=,&gt;=</a:t>
+                      </a:r>
+                    </a:p>
+                  </a:txBody>
+                  <a:tcPr/>
+                </a:tc>
+                <a:tc>
+                  <a:txBody>
+                    <a:bodyPr/>
+                    <a:lstStyle/>
+                    <a:p>
+                      <a:r>
+                        <a:rPr lang="en-US" sz="1600" dirty="0"/>
+                        <a:t>comparisons</a:t>
+                      </a:r>
+                    </a:p>
+                  </a:txBody>
+                  <a:tcPr/>
+                </a:tc>
+                <a:extLst>
+                  <a:ext uri="{0D108BD9-81ED-4DB2-BD59-A6C34878D82A}">
+                    <a16:rowId xmlns:a16="http://schemas.microsoft.com/office/drawing/2014/main" val="3660002079"/>
+                  </a:ext>
+                </a:extLst>
+              </a:tr>
+              <a:tr h="370840">
+                <a:tc>
+                  <a:txBody>
+                    <a:bodyPr/>
+                    <a:lstStyle/>
+                    <a:p>
+                      <a:endParaRPr lang="en-US" sz="1600" dirty="0"/>
+                    </a:p>
+                  </a:txBody>
+                  <a:tcPr/>
+                </a:tc>
+                <a:tc>
+                  <a:txBody>
+                    <a:bodyPr/>
+                    <a:lstStyle/>
+                    <a:p>
+                      <a:r>
+                        <a:rPr lang="en-US" sz="1600" dirty="0"/>
+                        <a:t>not</a:t>
+                      </a:r>
+                    </a:p>
+                  </a:txBody>
+                  <a:tcPr/>
+                </a:tc>
+                <a:tc>
+                  <a:txBody>
+                    <a:bodyPr/>
+                    <a:lstStyle/>
+                    <a:p>
+                      <a:r>
+                        <a:rPr lang="en-US" sz="1600" dirty="0"/>
+                        <a:t>logical not</a:t>
+                      </a:r>
+                    </a:p>
+                  </a:txBody>
+                  <a:tcPr/>
+                </a:tc>
+                <a:extLst>
+                  <a:ext uri="{0D108BD9-81ED-4DB2-BD59-A6C34878D82A}">
+                    <a16:rowId xmlns:a16="http://schemas.microsoft.com/office/drawing/2014/main" val="3189303188"/>
+                  </a:ext>
+                </a:extLst>
+              </a:tr>
+              <a:tr h="370840">
+                <a:tc>
+                  <a:txBody>
+                    <a:bodyPr/>
+                    <a:lstStyle/>
+                    <a:p>
+                      <a:endParaRPr lang="en-US" sz="1600" dirty="0"/>
+                    </a:p>
+                  </a:txBody>
+                  <a:tcPr/>
+                </a:tc>
+                <a:tc>
+                  <a:txBody>
+                    <a:bodyPr/>
+                    <a:lstStyle/>
+                    <a:p>
+                      <a:r>
+                        <a:rPr lang="en-US" sz="1600" dirty="0"/>
+                        <a:t>and</a:t>
+                      </a:r>
+                    </a:p>
+                  </a:txBody>
+                  <a:tcPr/>
+                </a:tc>
+                <a:tc>
+                  <a:txBody>
+                    <a:bodyPr/>
+                    <a:lstStyle/>
+                    <a:p>
+                      <a:r>
+                        <a:rPr lang="en-US" sz="1600" dirty="0"/>
+                        <a:t>logical and</a:t>
+                      </a:r>
+                    </a:p>
+                  </a:txBody>
+                  <a:tcPr/>
+                </a:tc>
+                <a:extLst>
+                  <a:ext uri="{0D108BD9-81ED-4DB2-BD59-A6C34878D82A}">
+                    <a16:rowId xmlns:a16="http://schemas.microsoft.com/office/drawing/2014/main" val="291758672"/>
+                  </a:ext>
+                </a:extLst>
+              </a:tr>
+              <a:tr h="370840">
+                <a:tc>
+                  <a:txBody>
+                    <a:bodyPr/>
+                    <a:lstStyle/>
+                    <a:p>
+                      <a:endParaRPr lang="en-US" sz="1600" dirty="0"/>
+                    </a:p>
+                  </a:txBody>
+                  <a:tcPr/>
+                </a:tc>
+                <a:tc>
+                  <a:txBody>
+                    <a:bodyPr/>
+                    <a:lstStyle/>
+                    <a:p>
+                      <a:r>
+                        <a:rPr lang="en-US" sz="1600" dirty="0"/>
+                        <a:t>or</a:t>
+                      </a:r>
+                    </a:p>
+                  </a:txBody>
+                  <a:tcPr/>
+                </a:tc>
+                <a:tc>
+                  <a:txBody>
+                    <a:bodyPr/>
+                    <a:lstStyle/>
+                    <a:p>
+                      <a:r>
+                        <a:rPr lang="en-US" sz="1600" dirty="0"/>
+                        <a:t>logical or</a:t>
+                      </a:r>
+                    </a:p>
+                  </a:txBody>
+                  <a:tcPr/>
+                </a:tc>
+                <a:extLst>
+                  <a:ext uri="{0D108BD9-81ED-4DB2-BD59-A6C34878D82A}">
+                    <a16:rowId xmlns:a16="http://schemas.microsoft.com/office/drawing/2014/main" val="1975315703"/>
+                  </a:ext>
+                </a:extLst>
+              </a:tr>
+              <a:tr h="370840">
+                <a:tc>
+                  <a:txBody>
+                    <a:bodyPr/>
+                    <a:lstStyle/>
+                    <a:p>
+                      <a:r>
+                        <a:rPr lang="en-US" sz="1600" dirty="0"/>
+                        <a:t>lowest</a:t>
+                      </a:r>
+                    </a:p>
+                  </a:txBody>
+                  <a:tcPr/>
+                </a:tc>
+                <a:tc>
+                  <a:txBody>
+                    <a:bodyPr/>
+                    <a:lstStyle/>
+                    <a:p>
+                      <a:r>
+                        <a:rPr lang="en-US" sz="1600" dirty="0"/>
+                        <a:t>=</a:t>
+                      </a:r>
+                    </a:p>
+                  </a:txBody>
+                  <a:tcPr/>
+                </a:tc>
+                <a:tc>
+                  <a:txBody>
+                    <a:bodyPr/>
+                    <a:lstStyle/>
+                    <a:p>
+                      <a:r>
+                        <a:rPr lang="en-US" sz="1600" dirty="0"/>
+                        <a:t>assignment</a:t>
+                      </a:r>
+                    </a:p>
+                  </a:txBody>
+                  <a:tcPr/>
+                </a:tc>
+                <a:extLst>
+                  <a:ext uri="{0D108BD9-81ED-4DB2-BD59-A6C34878D82A}">
+                    <a16:rowId xmlns:a16="http://schemas.microsoft.com/office/drawing/2014/main" val="3553776229"/>
+                  </a:ext>
+                </a:extLst>
+              </a:tr>
+            </a:tbl>
+          </a:graphicData>
+        </a:graphic>
+      </p:graphicFrame>
     </p:spTree>
     <p:extLst>
       <p:ext uri="{BB962C8B-B14F-4D97-AF65-F5344CB8AC3E}">
-        <p14:creationId xmlns:p14="http://schemas.microsoft.com/office/powerpoint/2010/main" val="1851907297"/>
+        <p14:creationId xmlns:p14="http://schemas.microsoft.com/office/powerpoint/2010/main" val="1160708038"/>
       </p:ext>
     </p:extLst>
   </p:cSld>
@@ -6212,7 +6556,7 @@
           <a:p>
             <a:r>
               <a:rPr lang="en-US" dirty="0"/>
-              <a:t>Variables</a:t>
+              <a:t>Boolean Operations</a:t>
             </a:r>
           </a:p>
         </p:txBody>
@@ -6248,18 +6592,25 @@
             <a:pPr marL="0" indent="0">
               <a:buNone/>
             </a:pPr>
-            <a:r>
-              <a:rPr lang="en-US" sz="1900" b="1" dirty="0">
-                <a:latin typeface="Inconsolata Medium" panose="020B0609030003000000" pitchFamily="49" charset="77"/>
-              </a:rPr>
-              <a:t>We can use variables to refer to values that can be used later. </a:t>
-            </a:r>
-          </a:p>
-          <a:p>
-            <a:pPr marL="0" indent="0">
-              <a:buNone/>
-            </a:pPr>
-            <a:endParaRPr lang="en-US" sz="1900" b="1" dirty="0">
+            <a:endParaRPr lang="en-US" dirty="0"/>
+          </a:p>
+          <a:p>
+            <a:pPr marL="0" indent="0">
+              <a:buNone/>
+            </a:pPr>
+            <a:r>
+              <a:rPr lang="en-US" dirty="0"/>
+              <a:t>Math operators have the highest precedence. Then comparison operators are followed by logical operators. The assignment operator is evaluated last. </a:t>
+            </a:r>
+          </a:p>
+          <a:p>
+            <a:pPr marL="0" indent="0">
+              <a:buNone/>
+            </a:pPr>
+            <a:endParaRPr lang="en-US" b="1" dirty="0">
+              <a:solidFill>
+                <a:srgbClr val="000087"/>
+              </a:solidFill>
               <a:latin typeface="Inconsolata Medium" panose="020B0609030003000000" pitchFamily="49" charset="77"/>
             </a:endParaRPr>
           </a:p>
@@ -6268,26 +6619,7 @@
               <a:buNone/>
             </a:pPr>
             <a:r>
-              <a:rPr lang="en-US" sz="1900" b="1" dirty="0">
-                <a:latin typeface="Inconsolata Medium" panose="020B0609030003000000" pitchFamily="49" charset="77"/>
-              </a:rPr>
-              <a:t>You can create a new variable by given it a value. </a:t>
-            </a:r>
-          </a:p>
-          <a:p>
-            <a:pPr marL="0" indent="0">
-              <a:buNone/>
-            </a:pPr>
-            <a:endParaRPr lang="en-US" sz="1900" b="1" dirty="0">
-              <a:latin typeface="Inconsolata Medium" panose="020B0609030003000000" pitchFamily="49" charset="77"/>
-            </a:endParaRPr>
-          </a:p>
-          <a:p>
-            <a:pPr marL="0" indent="0">
-              <a:buNone/>
-            </a:pPr>
-            <a:r>
-              <a:rPr lang="en-US" sz="2000" b="1" dirty="0">
+              <a:rPr lang="en-US" b="1" dirty="0">
                 <a:solidFill>
                   <a:srgbClr val="000087"/>
                 </a:solidFill>
@@ -6296,13 +6628,13 @@
               <a:t>In</a:t>
             </a:r>
             <a:r>
-              <a:rPr lang="en-US" sz="2000" b="1" dirty="0">
+              <a:rPr lang="en-US" b="1" dirty="0">
                 <a:latin typeface="Inconsolata Medium" panose="020B0609030003000000" pitchFamily="49" charset="77"/>
               </a:rPr>
               <a:t>[</a:t>
             </a:r>
             <a:r>
-              <a:rPr lang="en-US" sz="2000" b="1" dirty="0">
+              <a:rPr lang="en-US" b="1" dirty="0">
                 <a:solidFill>
                   <a:srgbClr val="FF6600"/>
                 </a:solidFill>
@@ -6311,22 +6643,22 @@
               <a:t>1</a:t>
             </a:r>
             <a:r>
-              <a:rPr lang="en-US" sz="2000" b="1" dirty="0">
+              <a:rPr lang="en-US" b="1" dirty="0">
                 <a:latin typeface="Inconsolata Medium" panose="020B0609030003000000" pitchFamily="49" charset="77"/>
               </a:rPr>
               <a:t>]: </a:t>
             </a:r>
             <a:r>
-              <a:rPr lang="en-US" sz="2000" b="1" dirty="0">
+              <a:rPr lang="en-US" b="1" dirty="0">
                 <a:solidFill>
                   <a:srgbClr val="000087"/>
                 </a:solidFill>
                 <a:latin typeface="Inconsolata Medium" panose="020B0609030003000000" pitchFamily="49" charset="77"/>
               </a:rPr>
-              <a:t>x </a:t>
-            </a:r>
-            <a:r>
-              <a:rPr lang="en-US" sz="2000" b="1" dirty="0">
+              <a:t>result </a:t>
+            </a:r>
+            <a:r>
+              <a:rPr lang="en-US" b="1" dirty="0">
                 <a:solidFill>
                   <a:srgbClr val="545454"/>
                 </a:solidFill>
@@ -6335,96 +6667,72 @@
               <a:t>= </a:t>
             </a:r>
             <a:r>
-              <a:rPr lang="en-US" sz="2000" b="1" dirty="0">
+              <a:rPr lang="en-US" b="1" dirty="0">
                 <a:solidFill>
                   <a:srgbClr val="FF6600"/>
                 </a:solidFill>
                 <a:latin typeface="Inconsolata Medium" panose="020B0609030003000000" pitchFamily="49" charset="77"/>
               </a:rPr>
-              <a:t>4 </a:t>
-            </a:r>
-          </a:p>
-          <a:p>
-            <a:pPr marL="0" indent="0">
-              <a:buNone/>
-            </a:pPr>
-            <a:r>
-              <a:rPr lang="en-US" sz="2000" b="1" dirty="0">
+              <a:t>3 + 2 * 4 &lt; 14 or 3 == 5</a:t>
+            </a:r>
+          </a:p>
+          <a:p>
+            <a:pPr marL="0" indent="0">
+              <a:buNone/>
+            </a:pPr>
+            <a:r>
+              <a:rPr lang="en-US" b="1" dirty="0">
                 <a:solidFill>
                   <a:srgbClr val="FF6600"/>
                 </a:solidFill>
                 <a:latin typeface="Inconsolata Medium" panose="020B0609030003000000" pitchFamily="49" charset="77"/>
               </a:rPr>
-              <a:t>       </a:t>
-            </a:r>
-            <a:r>
-              <a:rPr lang="en-US" sz="2000" b="1" dirty="0">
+              <a:t>	  </a:t>
+            </a:r>
+            <a:r>
+              <a:rPr lang="en-US" b="1" dirty="0">
                 <a:solidFill>
                   <a:srgbClr val="000087"/>
                 </a:solidFill>
                 <a:latin typeface="Inconsolata Medium" panose="020B0609030003000000" pitchFamily="49" charset="77"/>
               </a:rPr>
-              <a:t>x</a:t>
-            </a:r>
-            <a:r>
-              <a:rPr lang="en-US" sz="2000" b="1" dirty="0">
-                <a:solidFill>
-                  <a:srgbClr val="FF6600"/>
-                </a:solidFill>
-                <a:latin typeface="Inconsolata Medium" panose="020B0609030003000000" pitchFamily="49" charset="77"/>
-              </a:rPr>
-              <a:t>   </a:t>
-            </a:r>
-            <a:endParaRPr lang="en-US" sz="2000" b="1" dirty="0">
-              <a:latin typeface="Inconsolata Medium" panose="020B0609030003000000" pitchFamily="49" charset="77"/>
-            </a:endParaRPr>
-          </a:p>
-          <a:p>
-            <a:pPr marL="0" indent="0">
-              <a:buNone/>
-            </a:pPr>
-            <a:r>
-              <a:rPr lang="en-US" sz="2000" b="1" dirty="0">
-                <a:latin typeface="Inconsolata Medium" panose="020B0609030003000000" pitchFamily="49" charset="77"/>
-              </a:rPr>
-              <a:t>Out[1]: 4</a:t>
-            </a:r>
-          </a:p>
-          <a:p>
-            <a:pPr marL="0" indent="0">
-              <a:buNone/>
-            </a:pPr>
-            <a:endParaRPr lang="en-US" sz="2000" b="1" dirty="0">
-              <a:latin typeface="Inconsolata Medium" panose="020B0609030003000000" pitchFamily="49" charset="77"/>
-            </a:endParaRPr>
-          </a:p>
-          <a:p>
-            <a:pPr marL="0" indent="0">
-              <a:buNone/>
-            </a:pPr>
-            <a:r>
-              <a:rPr lang="en-US" sz="2000" dirty="0"/>
-              <a:t>Variable names can use letters, digits, and the underscore symbol (but they can’t start with a digit).</a:t>
-            </a:r>
-            <a:endParaRPr lang="en-US" sz="2000" b="1" dirty="0">
-              <a:latin typeface="Inconsolata Medium" panose="020B0609030003000000" pitchFamily="49" charset="77"/>
-            </a:endParaRPr>
-          </a:p>
-          <a:p>
-            <a:pPr marL="0" indent="0">
-              <a:buNone/>
-            </a:pPr>
-            <a:endParaRPr lang="en-US" sz="1900" b="1" dirty="0">
-              <a:latin typeface="Inconsolata Medium" panose="020B0609030003000000" pitchFamily="49" charset="77"/>
-            </a:endParaRPr>
-          </a:p>
-          <a:p>
-            <a:pPr marL="0" indent="0">
-              <a:buNone/>
-            </a:pPr>
-            <a:endParaRPr lang="en-US" sz="1900" b="1" dirty="0">
-              <a:latin typeface="Inconsolata Medium" panose="020B0609030003000000" pitchFamily="49" charset="77"/>
-            </a:endParaRPr>
+              <a:t>result</a:t>
+            </a:r>
+            <a:r>
+              <a:rPr lang="en-US" b="1" dirty="0">
+                <a:latin typeface="Inconsolata Medium" panose="020B0609030003000000" pitchFamily="49" charset="77"/>
+              </a:rPr>
+              <a:t> </a:t>
+            </a:r>
+          </a:p>
+          <a:p>
+            <a:pPr marL="0" indent="0">
+              <a:buNone/>
+            </a:pPr>
+            <a:r>
+              <a:rPr lang="en-US" b="1" dirty="0">
+                <a:latin typeface="Inconsolata Medium" panose="020B0609030003000000" pitchFamily="49" charset="77"/>
+              </a:rPr>
+              <a:t>Out[1]: True </a:t>
+            </a:r>
+          </a:p>
+          <a:p>
+            <a:pPr marL="0" indent="0">
+              <a:buNone/>
+            </a:pPr>
+            <a:endParaRPr lang="en-US" dirty="0"/>
+          </a:p>
+          <a:p>
+            <a:pPr marL="0" indent="0">
+              <a:buNone/>
+            </a:pPr>
+            <a:endParaRPr lang="en-US" dirty="0"/>
+          </a:p>
+          <a:p>
+            <a:pPr marL="0" indent="0">
+              <a:buNone/>
+            </a:pPr>
+            <a:endParaRPr lang="en-US" dirty="0"/>
           </a:p>
           <a:p>
             <a:pPr marL="0" indent="0">
@@ -6439,7 +6747,7 @@
     </p:spTree>
     <p:extLst>
       <p:ext uri="{BB962C8B-B14F-4D97-AF65-F5344CB8AC3E}">
-        <p14:creationId xmlns:p14="http://schemas.microsoft.com/office/powerpoint/2010/main" val="4186435068"/>
+        <p14:creationId xmlns:p14="http://schemas.microsoft.com/office/powerpoint/2010/main" val="2364609597"/>
       </p:ext>
     </p:extLst>
   </p:cSld>
@@ -6494,7 +6802,7 @@
           <a:p>
             <a:r>
               <a:rPr lang="en-US" dirty="0"/>
-              <a:t>= is not equality</a:t>
+              <a:t>Variables</a:t>
             </a:r>
           </a:p>
         </p:txBody>
@@ -6534,7 +6842,26 @@
               <a:rPr lang="en-US" sz="1900" dirty="0">
                 <a:latin typeface="Gill Sans MT" panose="020B0502020104020203" pitchFamily="34" charset="77"/>
               </a:rPr>
-              <a:t>Unlike in math, = is not equality in Python. It is an assignment: assign the expression on the right side of = to the variable on the left. </a:t>
+              <a:t>We can use variables to refer to values that can be used later. </a:t>
+            </a:r>
+          </a:p>
+          <a:p>
+            <a:pPr marL="0" indent="0">
+              <a:buNone/>
+            </a:pPr>
+            <a:endParaRPr lang="en-US" sz="1900" dirty="0">
+              <a:latin typeface="Gill Sans MT" panose="020B0502020104020203" pitchFamily="34" charset="77"/>
+            </a:endParaRPr>
+          </a:p>
+          <a:p>
+            <a:pPr marL="0" indent="0">
+              <a:buNone/>
+            </a:pPr>
+            <a:r>
+              <a:rPr lang="en-US" sz="1900" dirty="0">
+                <a:latin typeface="Gill Sans MT" panose="020B0502020104020203" pitchFamily="34" charset="77"/>
+              </a:rPr>
+              <a:t>You can create a new variable by given it a value. </a:t>
             </a:r>
           </a:p>
           <a:p>
@@ -6627,7 +6954,7 @@
                 </a:solidFill>
                 <a:latin typeface="Inconsolata Medium" panose="020B0609030003000000" pitchFamily="49" charset="77"/>
               </a:rPr>
-              <a:t>x = x + 1 </a:t>
+              <a:t>x</a:t>
             </a:r>
             <a:r>
               <a:rPr lang="en-US" sz="2000" b="1" dirty="0">
@@ -6636,62 +6963,8 @@
                 </a:solidFill>
                 <a:latin typeface="Inconsolata Medium" panose="020B0609030003000000" pitchFamily="49" charset="77"/>
               </a:rPr>
-              <a:t>  </a:t>
-            </a:r>
-            <a:r>
-              <a:rPr lang="en-US" sz="2000" b="1" dirty="0">
-                <a:solidFill>
-                  <a:srgbClr val="00B050"/>
-                </a:solidFill>
-                <a:latin typeface="Inconsolata Medium" panose="020B0609030003000000" pitchFamily="49" charset="77"/>
-              </a:rPr>
-              <a:t># in math, this has no solutions! </a:t>
-            </a:r>
-          </a:p>
-          <a:p>
-            <a:pPr marL="0" indent="0">
-              <a:buNone/>
-            </a:pPr>
-            <a:r>
-              <a:rPr lang="en-US" sz="2000" b="1" dirty="0">
-                <a:solidFill>
-                  <a:srgbClr val="00B050"/>
-                </a:solidFill>
-                <a:latin typeface="Inconsolata Medium" panose="020B0609030003000000" pitchFamily="49" charset="77"/>
-              </a:rPr>
-              <a:t>       </a:t>
-            </a:r>
-            <a:r>
-              <a:rPr lang="en-US" sz="2000" b="1" dirty="0">
-                <a:solidFill>
-                  <a:srgbClr val="000087"/>
-                </a:solidFill>
-                <a:latin typeface="Inconsolata Medium" panose="020B0609030003000000" pitchFamily="49" charset="77"/>
-              </a:rPr>
-              <a:t>x</a:t>
-            </a:r>
-            <a:endParaRPr lang="en-US" sz="2000" b="1" dirty="0">
-              <a:solidFill>
-                <a:srgbClr val="00B050"/>
-              </a:solidFill>
-              <a:latin typeface="Inconsolata Medium" panose="020B0609030003000000" pitchFamily="49" charset="77"/>
-            </a:endParaRPr>
-          </a:p>
-          <a:p>
-            <a:pPr marL="0" indent="0">
-              <a:buNone/>
-            </a:pPr>
-            <a:r>
-              <a:rPr lang="en-US" sz="2000" b="1" dirty="0">
-                <a:latin typeface="Inconsolata Medium" panose="020B0609030003000000" pitchFamily="49" charset="77"/>
-              </a:rPr>
-              <a:t>Out[1]: 5</a:t>
-            </a:r>
-          </a:p>
-          <a:p>
-            <a:pPr marL="0" indent="0">
-              <a:buNone/>
-            </a:pPr>
+              <a:t>   </a:t>
+            </a:r>
             <a:endParaRPr lang="en-US" sz="2000" b="1" dirty="0">
               <a:latin typeface="Inconsolata Medium" panose="020B0609030003000000" pitchFamily="49" charset="77"/>
             </a:endParaRPr>
@@ -6704,125 +6977,7 @@
               <a:rPr lang="en-US" sz="2000" b="1" dirty="0">
                 <a:latin typeface="Inconsolata Medium" panose="020B0609030003000000" pitchFamily="49" charset="77"/>
               </a:rPr>
-              <a:t>Assignment is not symmetric. </a:t>
-            </a:r>
-          </a:p>
-          <a:p>
-            <a:pPr marL="0" indent="0">
-              <a:buNone/>
-            </a:pPr>
-            <a:r>
-              <a:rPr lang="en-US" sz="2000" b="1" dirty="0">
-                <a:solidFill>
-                  <a:srgbClr val="000087"/>
-                </a:solidFill>
-                <a:latin typeface="Inconsolata Medium" panose="020B0609030003000000" pitchFamily="49" charset="77"/>
-              </a:rPr>
-              <a:t>In</a:t>
-            </a:r>
-            <a:r>
-              <a:rPr lang="en-US" sz="2000" b="1" dirty="0">
-                <a:latin typeface="Inconsolata Medium" panose="020B0609030003000000" pitchFamily="49" charset="77"/>
-              </a:rPr>
-              <a:t>[</a:t>
-            </a:r>
-            <a:r>
-              <a:rPr lang="en-US" sz="2000" b="1" dirty="0">
-                <a:solidFill>
-                  <a:srgbClr val="FF6600"/>
-                </a:solidFill>
-                <a:latin typeface="Inconsolata Medium" panose="020B0609030003000000" pitchFamily="49" charset="77"/>
-              </a:rPr>
-              <a:t>1</a:t>
-            </a:r>
-            <a:r>
-              <a:rPr lang="en-US" sz="2000" b="1" dirty="0">
-                <a:latin typeface="Inconsolata Medium" panose="020B0609030003000000" pitchFamily="49" charset="77"/>
-              </a:rPr>
-              <a:t>]: </a:t>
-            </a:r>
-            <a:r>
-              <a:rPr lang="en-US" sz="2000" b="1" dirty="0">
-                <a:solidFill>
-                  <a:srgbClr val="000087"/>
-                </a:solidFill>
-                <a:latin typeface="Inconsolata Medium" panose="020B0609030003000000" pitchFamily="49" charset="77"/>
-              </a:rPr>
-              <a:t>x </a:t>
-            </a:r>
-            <a:r>
-              <a:rPr lang="en-US" sz="2000" b="1" dirty="0">
-                <a:solidFill>
-                  <a:srgbClr val="545454"/>
-                </a:solidFill>
-                <a:latin typeface="Inconsolata Medium" panose="020B0609030003000000" pitchFamily="49" charset="77"/>
-              </a:rPr>
-              <a:t>= </a:t>
-            </a:r>
-            <a:r>
-              <a:rPr lang="en-US" sz="2000" b="1" dirty="0">
-                <a:solidFill>
-                  <a:srgbClr val="FF6600"/>
-                </a:solidFill>
-                <a:latin typeface="Inconsolata Medium" panose="020B0609030003000000" pitchFamily="49" charset="77"/>
-              </a:rPr>
-              <a:t>4    </a:t>
-            </a:r>
-            <a:r>
-              <a:rPr lang="en-US" sz="2000" b="1" dirty="0">
-                <a:solidFill>
-                  <a:srgbClr val="00B050"/>
-                </a:solidFill>
-                <a:latin typeface="Inconsolata Medium" panose="020B0609030003000000" pitchFamily="49" charset="77"/>
-              </a:rPr>
-              <a:t># correct!</a:t>
-            </a:r>
-            <a:endParaRPr lang="en-US" sz="2000" b="1" dirty="0">
-              <a:solidFill>
-                <a:srgbClr val="FF6600"/>
-              </a:solidFill>
-              <a:latin typeface="Inconsolata Medium" panose="020B0609030003000000" pitchFamily="49" charset="77"/>
-            </a:endParaRPr>
-          </a:p>
-          <a:p>
-            <a:pPr marL="0" indent="0">
-              <a:buNone/>
-            </a:pPr>
-            <a:r>
-              <a:rPr lang="en-US" sz="2000" b="1" dirty="0">
-                <a:solidFill>
-                  <a:srgbClr val="FF6600"/>
-                </a:solidFill>
-                <a:latin typeface="Inconsolata Medium" panose="020B0609030003000000" pitchFamily="49" charset="77"/>
-              </a:rPr>
-              <a:t>       </a:t>
-            </a:r>
-            <a:r>
-              <a:rPr lang="en-US" sz="2000" b="1" dirty="0">
-                <a:solidFill>
-                  <a:srgbClr val="000087"/>
-                </a:solidFill>
-                <a:latin typeface="Inconsolata Medium" panose="020B0609030003000000" pitchFamily="49" charset="77"/>
-              </a:rPr>
-              <a:t>10 = y </a:t>
-            </a:r>
-            <a:r>
-              <a:rPr lang="en-US" sz="2000" b="1" dirty="0">
-                <a:solidFill>
-                  <a:srgbClr val="FF6600"/>
-                </a:solidFill>
-                <a:latin typeface="Inconsolata Medium" panose="020B0609030003000000" pitchFamily="49" charset="77"/>
-              </a:rPr>
-              <a:t>  </a:t>
-            </a:r>
-            <a:r>
-              <a:rPr lang="en-US" sz="2000" b="1" dirty="0">
-                <a:solidFill>
-                  <a:srgbClr val="00B050"/>
-                </a:solidFill>
-                <a:latin typeface="Inconsolata Medium" panose="020B0609030003000000" pitchFamily="49" charset="77"/>
-              </a:rPr>
-              <a:t># error!</a:t>
+              <a:t>Out[1]: 4</a:t>
             </a:r>
           </a:p>
           <a:p>
@@ -6837,6 +6992,10 @@
             <a:pPr marL="0" indent="0">
               <a:buNone/>
             </a:pPr>
+            <a:r>
+              <a:rPr lang="en-US" sz="2000" dirty="0"/>
+              <a:t>Variable names can use letters, digits, and the underscore symbol (but they can’t start with a digit).</a:t>
+            </a:r>
             <a:endParaRPr lang="en-US" sz="2000" b="1" dirty="0">
               <a:latin typeface="Inconsolata Medium" panose="020B0609030003000000" pitchFamily="49" charset="77"/>
             </a:endParaRPr>
@@ -6864,53 +7023,13 @@
             <a:endParaRPr lang="en-US" sz="1900" b="1" dirty="0">
               <a:latin typeface="Inconsolata Medium" panose="020B0609030003000000" pitchFamily="49" charset="77"/>
             </a:endParaRPr>
-          </a:p>
-        </p:txBody>
-      </p:sp>
-      <p:sp>
-        <p:nvSpPr>
-          <p:cNvPr id="3" name="Rectangle 2">
-            <a:extLst>
-              <a:ext uri="{FF2B5EF4-FFF2-40B4-BE49-F238E27FC236}">
-                <a16:creationId xmlns:a16="http://schemas.microsoft.com/office/drawing/2014/main" id="{89FC81C6-5951-4C46-A412-23C1C61FDBAF}"/>
-              </a:ext>
-            </a:extLst>
-          </p:cNvPr>
-          <p:cNvSpPr/>
-          <p:nvPr/>
-        </p:nvSpPr>
-        <p:spPr>
-          <a:xfrm>
-            <a:off x="4425966" y="2688223"/>
-            <a:ext cx="292068" cy="338554"/>
-          </a:xfrm>
-          <a:prstGeom prst="rect">
-            <a:avLst/>
-          </a:prstGeom>
-        </p:spPr>
-        <p:txBody>
-          <a:bodyPr wrap="none">
-            <a:spAutoFit/>
-          </a:bodyPr>
-          <a:lstStyle/>
-          <a:p>
-            <a:r>
-              <a:rPr lang="en-US" sz="1600" b="1" dirty="0">
-                <a:solidFill>
-                  <a:srgbClr val="00B050"/>
-                </a:solidFill>
-                <a:latin typeface="Inconsolata Medium" panose="020B0609030003000000" pitchFamily="49" charset="77"/>
-              </a:rPr>
-              <a:t>#</a:t>
-            </a:r>
-            <a:endParaRPr lang="en-US" dirty="0"/>
           </a:p>
         </p:txBody>
       </p:sp>
     </p:spTree>
     <p:extLst>
       <p:ext uri="{BB962C8B-B14F-4D97-AF65-F5344CB8AC3E}">
-        <p14:creationId xmlns:p14="http://schemas.microsoft.com/office/powerpoint/2010/main" val="862557025"/>
+        <p14:creationId xmlns:p14="http://schemas.microsoft.com/office/powerpoint/2010/main" val="4186435068"/>
       </p:ext>
     </p:extLst>
   </p:cSld>
@@ -6965,7 +7084,7 @@
           <a:p>
             <a:r>
               <a:rPr lang="en-US" dirty="0"/>
-              <a:t>Augmented Assignment</a:t>
+              <a:t>= is not equality</a:t>
             </a:r>
           </a:p>
         </p:txBody>
@@ -6988,8 +7107,8 @@
         </p:nvSpPr>
         <p:spPr>
           <a:xfrm>
-            <a:off x="483848" y="1264778"/>
-            <a:ext cx="8051725" cy="4450222"/>
+            <a:off x="483848" y="1003610"/>
+            <a:ext cx="8051725" cy="4711390"/>
           </a:xfrm>
         </p:spPr>
         <p:txBody>
@@ -7002,341 +7121,18 @@
               <a:buNone/>
             </a:pPr>
             <a:r>
-              <a:rPr lang="en-US" sz="2000" dirty="0"/>
-              <a:t>An </a:t>
-            </a:r>
-            <a:r>
-              <a:rPr lang="en-US" sz="2000" b="1" dirty="0"/>
-              <a:t>augmented assignment </a:t>
-            </a:r>
-            <a:r>
-              <a:rPr lang="en-US" sz="2000" dirty="0"/>
-              <a:t>combines an assignment statement with an operator to make the statement more concise. </a:t>
-            </a:r>
-          </a:p>
-          <a:p>
-            <a:pPr marL="0" indent="0">
-              <a:buNone/>
-            </a:pPr>
-            <a:r>
-              <a:rPr lang="en-US" sz="1900" b="1" dirty="0">
-                <a:solidFill>
-                  <a:srgbClr val="FF0000"/>
-                </a:solidFill>
-                <a:latin typeface="Inconsolata Medium" panose="020B0609030003000000" pitchFamily="49" charset="77"/>
-              </a:rPr>
-              <a:t>    Shorthand				Equivalent version</a:t>
-            </a:r>
-            <a:endParaRPr lang="en-US" b="1" dirty="0"/>
-          </a:p>
-          <a:p>
-            <a:pPr marL="742950" lvl="1" indent="-285750">
-              <a:buNone/>
-              <a:tabLst>
-                <a:tab pos="4113213" algn="l"/>
-              </a:tabLst>
-              <a:defRPr/>
-            </a:pPr>
-            <a:r>
-              <a:rPr lang="en-US" b="1" dirty="0"/>
-              <a:t>variable</a:t>
-            </a:r>
-            <a:r>
-              <a:rPr lang="en-US" dirty="0">
-                <a:latin typeface="Courier New" charset="0"/>
-              </a:rPr>
-              <a:t> += </a:t>
-            </a:r>
-            <a:r>
-              <a:rPr lang="en-US" b="1" dirty="0"/>
-              <a:t>value</a:t>
-            </a:r>
-            <a:r>
-              <a:rPr lang="en-US" dirty="0">
-                <a:latin typeface="Courier New" charset="0"/>
-              </a:rPr>
-              <a:t>;	</a:t>
-            </a:r>
-            <a:r>
-              <a:rPr lang="en-US" b="1" dirty="0"/>
-              <a:t>variable</a:t>
-            </a:r>
-            <a:r>
-              <a:rPr lang="en-US" dirty="0">
-                <a:latin typeface="Courier New" charset="0"/>
-              </a:rPr>
-              <a:t> = </a:t>
-            </a:r>
-            <a:r>
-              <a:rPr lang="en-US" b="1" dirty="0"/>
-              <a:t>variable</a:t>
-            </a:r>
-            <a:r>
-              <a:rPr lang="en-US" dirty="0">
-                <a:latin typeface="Courier New" charset="0"/>
-              </a:rPr>
-              <a:t> + </a:t>
-            </a:r>
-            <a:r>
-              <a:rPr lang="en-US" b="1" dirty="0"/>
-              <a:t>value</a:t>
-            </a:r>
-            <a:r>
-              <a:rPr lang="en-US" dirty="0">
-                <a:latin typeface="Courier New" charset="0"/>
-              </a:rPr>
-              <a:t>;</a:t>
-            </a:r>
-          </a:p>
-          <a:p>
-            <a:pPr marL="742950" lvl="1" indent="-285750">
-              <a:buNone/>
-              <a:tabLst>
-                <a:tab pos="4113213" algn="l"/>
-              </a:tabLst>
-              <a:defRPr/>
-            </a:pPr>
-            <a:r>
-              <a:rPr lang="en-US" b="1" dirty="0"/>
-              <a:t>variable</a:t>
-            </a:r>
-            <a:r>
-              <a:rPr lang="en-US" dirty="0">
-                <a:latin typeface="Courier New" charset="0"/>
-              </a:rPr>
-              <a:t> -= </a:t>
-            </a:r>
-            <a:r>
-              <a:rPr lang="en-US" b="1" dirty="0"/>
-              <a:t>value</a:t>
-            </a:r>
-            <a:r>
-              <a:rPr lang="en-US" dirty="0">
-                <a:latin typeface="Courier New" charset="0"/>
-              </a:rPr>
-              <a:t>;	</a:t>
-            </a:r>
-            <a:r>
-              <a:rPr lang="en-US" b="1" dirty="0"/>
-              <a:t>variable</a:t>
-            </a:r>
-            <a:r>
-              <a:rPr lang="en-US" dirty="0">
-                <a:latin typeface="Courier New" charset="0"/>
-              </a:rPr>
-              <a:t> = </a:t>
-            </a:r>
-            <a:r>
-              <a:rPr lang="en-US" b="1" dirty="0"/>
-              <a:t>variable</a:t>
-            </a:r>
-            <a:r>
-              <a:rPr lang="en-US" dirty="0">
-                <a:latin typeface="Courier New" charset="0"/>
-              </a:rPr>
-              <a:t> - </a:t>
-            </a:r>
-            <a:r>
-              <a:rPr lang="en-US" b="1" dirty="0"/>
-              <a:t>value</a:t>
-            </a:r>
-            <a:r>
-              <a:rPr lang="en-US" dirty="0">
-                <a:latin typeface="Courier New" charset="0"/>
-              </a:rPr>
-              <a:t>;</a:t>
-            </a:r>
-          </a:p>
-          <a:p>
-            <a:pPr marL="742950" lvl="1" indent="-285750">
-              <a:buNone/>
-              <a:tabLst>
-                <a:tab pos="4113213" algn="l"/>
-              </a:tabLst>
-              <a:defRPr/>
-            </a:pPr>
-            <a:r>
-              <a:rPr lang="en-US" b="1" dirty="0"/>
-              <a:t>variable</a:t>
-            </a:r>
-            <a:r>
-              <a:rPr lang="en-US" dirty="0">
-                <a:latin typeface="Courier New" charset="0"/>
-              </a:rPr>
-              <a:t> *= </a:t>
-            </a:r>
-            <a:r>
-              <a:rPr lang="en-US" b="1" dirty="0"/>
-              <a:t>value</a:t>
-            </a:r>
-            <a:r>
-              <a:rPr lang="en-US" dirty="0">
-                <a:latin typeface="Courier New" charset="0"/>
-              </a:rPr>
-              <a:t>;	</a:t>
-            </a:r>
-            <a:r>
-              <a:rPr lang="en-US" b="1" dirty="0"/>
-              <a:t>variable</a:t>
-            </a:r>
-            <a:r>
-              <a:rPr lang="en-US" dirty="0">
-                <a:latin typeface="Courier New" charset="0"/>
-              </a:rPr>
-              <a:t> = </a:t>
-            </a:r>
-            <a:r>
-              <a:rPr lang="en-US" b="1" dirty="0"/>
-              <a:t>variable</a:t>
-            </a:r>
-            <a:r>
-              <a:rPr lang="en-US" dirty="0">
-                <a:latin typeface="Courier New" charset="0"/>
-              </a:rPr>
-              <a:t> * </a:t>
-            </a:r>
-            <a:r>
-              <a:rPr lang="en-US" b="1" dirty="0"/>
-              <a:t>value</a:t>
-            </a:r>
-            <a:r>
-              <a:rPr lang="en-US" dirty="0">
-                <a:latin typeface="Courier New" charset="0"/>
-              </a:rPr>
-              <a:t>;</a:t>
-            </a:r>
-          </a:p>
-          <a:p>
-            <a:pPr marL="742950" lvl="1" indent="-285750">
-              <a:buNone/>
-              <a:tabLst>
-                <a:tab pos="4113213" algn="l"/>
-              </a:tabLst>
-              <a:defRPr/>
-            </a:pPr>
-            <a:r>
-              <a:rPr lang="en-US" b="1" dirty="0"/>
-              <a:t>variable</a:t>
-            </a:r>
-            <a:r>
-              <a:rPr lang="en-US" dirty="0">
-                <a:latin typeface="Courier New" charset="0"/>
-              </a:rPr>
-              <a:t> /= </a:t>
-            </a:r>
-            <a:r>
-              <a:rPr lang="en-US" b="1" dirty="0"/>
-              <a:t>value</a:t>
-            </a:r>
-            <a:r>
-              <a:rPr lang="en-US" dirty="0">
-                <a:latin typeface="Courier New" charset="0"/>
-              </a:rPr>
-              <a:t>;	</a:t>
-            </a:r>
-            <a:r>
-              <a:rPr lang="en-US" b="1" dirty="0"/>
-              <a:t>variable</a:t>
-            </a:r>
-            <a:r>
-              <a:rPr lang="en-US" dirty="0">
-                <a:latin typeface="Courier New" charset="0"/>
-              </a:rPr>
-              <a:t> = </a:t>
-            </a:r>
-            <a:r>
-              <a:rPr lang="en-US" b="1" dirty="0"/>
-              <a:t>variable</a:t>
-            </a:r>
-            <a:r>
-              <a:rPr lang="en-US" dirty="0">
-                <a:latin typeface="Courier New" charset="0"/>
-              </a:rPr>
-              <a:t> / </a:t>
-            </a:r>
-            <a:r>
-              <a:rPr lang="en-US" b="1" dirty="0"/>
-              <a:t>value</a:t>
-            </a:r>
-            <a:r>
-              <a:rPr lang="en-US" dirty="0">
-                <a:latin typeface="Courier New" charset="0"/>
-              </a:rPr>
-              <a:t>;</a:t>
-            </a:r>
-          </a:p>
-          <a:p>
-            <a:pPr marL="742950" lvl="1" indent="-285750">
-              <a:buNone/>
-              <a:tabLst>
-                <a:tab pos="4113213" algn="l"/>
-              </a:tabLst>
-              <a:defRPr/>
-            </a:pPr>
-            <a:r>
-              <a:rPr lang="en-US" b="1" dirty="0"/>
-              <a:t>variable</a:t>
-            </a:r>
-            <a:r>
-              <a:rPr lang="en-US" dirty="0">
-                <a:latin typeface="Courier New" charset="0"/>
-              </a:rPr>
-              <a:t> %= </a:t>
-            </a:r>
-            <a:r>
-              <a:rPr lang="en-US" b="1" dirty="0"/>
-              <a:t>value</a:t>
-            </a:r>
-            <a:r>
-              <a:rPr lang="en-US" dirty="0">
-                <a:latin typeface="Courier New" charset="0"/>
-              </a:rPr>
-              <a:t>;	</a:t>
-            </a:r>
-            <a:r>
-              <a:rPr lang="en-US" b="1" dirty="0"/>
-              <a:t>variable</a:t>
-            </a:r>
-            <a:r>
-              <a:rPr lang="en-US" dirty="0">
-                <a:latin typeface="Courier New" charset="0"/>
-              </a:rPr>
-              <a:t> = </a:t>
-            </a:r>
-            <a:r>
-              <a:rPr lang="en-US" b="1" dirty="0"/>
-              <a:t>variable</a:t>
-            </a:r>
-            <a:r>
-              <a:rPr lang="en-US" dirty="0">
-                <a:latin typeface="Courier New" charset="0"/>
-              </a:rPr>
-              <a:t> % </a:t>
-            </a:r>
-            <a:r>
-              <a:rPr lang="en-US" b="1" dirty="0"/>
-              <a:t>value</a:t>
-            </a:r>
-            <a:r>
-              <a:rPr lang="en-US" dirty="0">
-                <a:latin typeface="Courier New" charset="0"/>
-              </a:rPr>
-              <a:t>;</a:t>
-            </a:r>
-          </a:p>
-          <a:p>
-            <a:pPr marL="742950" lvl="1" indent="-285750">
-              <a:lnSpc>
-                <a:spcPct val="60000"/>
-              </a:lnSpc>
-              <a:buNone/>
-              <a:tabLst>
-                <a:tab pos="4113213" algn="l"/>
-              </a:tabLst>
-              <a:defRPr/>
-            </a:pPr>
-            <a:endParaRPr lang="en-US" dirty="0">
-              <a:latin typeface="Courier New" charset="0"/>
+              <a:rPr lang="en-US" sz="1900" dirty="0">
+                <a:latin typeface="Gill Sans MT" panose="020B0502020104020203" pitchFamily="34" charset="77"/>
+              </a:rPr>
+              <a:t>Unlike in math, = is not equality in Python. It is an assignment: assign the expression on the right side of = to the variable on the left. </a:t>
+            </a:r>
+          </a:p>
+          <a:p>
+            <a:pPr marL="0" indent="0">
+              <a:buNone/>
+            </a:pPr>
+            <a:endParaRPr lang="en-US" sz="1900" b="1" dirty="0">
+              <a:latin typeface="Inconsolata Medium" panose="020B0609030003000000" pitchFamily="49" charset="77"/>
             </a:endParaRPr>
           </a:p>
           <a:p>
@@ -7344,7 +7140,7 @@
               <a:buNone/>
             </a:pPr>
             <a:r>
-              <a:rPr lang="en-US" sz="1800" b="1" dirty="0">
+              <a:rPr lang="en-US" sz="2000" b="1" dirty="0">
                 <a:solidFill>
                   <a:srgbClr val="000087"/>
                 </a:solidFill>
@@ -7353,13 +7149,13 @@
               <a:t>In</a:t>
             </a:r>
             <a:r>
-              <a:rPr lang="en-US" sz="1800" b="1" dirty="0">
+              <a:rPr lang="en-US" sz="2000" b="1" dirty="0">
                 <a:latin typeface="Inconsolata Medium" panose="020B0609030003000000" pitchFamily="49" charset="77"/>
               </a:rPr>
               <a:t>[</a:t>
             </a:r>
             <a:r>
-              <a:rPr lang="en-US" sz="1800" b="1" dirty="0">
+              <a:rPr lang="en-US" sz="2000" b="1" dirty="0">
                 <a:solidFill>
                   <a:srgbClr val="FF6600"/>
                 </a:solidFill>
@@ -7368,13 +7164,13 @@
               <a:t>1</a:t>
             </a:r>
             <a:r>
-              <a:rPr lang="en-US" sz="1800" b="1" dirty="0">
+              <a:rPr lang="en-US" sz="2000" b="1" dirty="0">
                 <a:latin typeface="Inconsolata Medium" panose="020B0609030003000000" pitchFamily="49" charset="77"/>
               </a:rPr>
               <a:t>]: </a:t>
             </a:r>
             <a:r>
-              <a:rPr lang="en-US" sz="1800" b="1" dirty="0">
+              <a:rPr lang="en-US" sz="2000" b="1" dirty="0">
                 <a:solidFill>
                   <a:srgbClr val="000087"/>
                 </a:solidFill>
@@ -7383,7 +7179,7 @@
               <a:t>x </a:t>
             </a:r>
             <a:r>
-              <a:rPr lang="en-US" sz="1800" b="1" dirty="0">
+              <a:rPr lang="en-US" sz="2000" b="1" dirty="0">
                 <a:solidFill>
                   <a:srgbClr val="545454"/>
                 </a:solidFill>
@@ -7392,7 +7188,7 @@
               <a:t>= </a:t>
             </a:r>
             <a:r>
-              <a:rPr lang="en-US" sz="1800" b="1" dirty="0">
+              <a:rPr lang="en-US" sz="2000" b="1" dirty="0">
                 <a:solidFill>
                   <a:srgbClr val="FF6600"/>
                 </a:solidFill>
@@ -7406,7 +7202,7 @@
               <a:buNone/>
             </a:pPr>
             <a:r>
-              <a:rPr lang="en-US" sz="1800" b="1" dirty="0">
+              <a:rPr lang="en-US" sz="2000" b="1" dirty="0">
                 <a:solidFill>
                   <a:srgbClr val="FF6600"/>
                 </a:solidFill>
@@ -7415,16 +7211,16 @@
               <a:t>       </a:t>
             </a:r>
             <a:r>
-              <a:rPr lang="en-US" sz="1800" b="1" dirty="0">
+              <a:rPr lang="en-US" sz="2000" b="1" dirty="0">
                 <a:solidFill>
                   <a:srgbClr val="000087"/>
                 </a:solidFill>
                 <a:latin typeface="Inconsolata Medium" panose="020B0609030003000000" pitchFamily="49" charset="77"/>
               </a:rPr>
-              <a:t>x += 1 </a:t>
-            </a:r>
-            <a:r>
-              <a:rPr lang="en-US" sz="1800" b="1" dirty="0">
+              <a:t>x = x + 1 </a:t>
+            </a:r>
+            <a:r>
+              <a:rPr lang="en-US" sz="2000" b="1" dirty="0">
                 <a:solidFill>
                   <a:srgbClr val="FF6600"/>
                 </a:solidFill>
@@ -7433,21 +7229,21 @@
               <a:t>  </a:t>
             </a:r>
             <a:r>
-              <a:rPr lang="en-US" sz="1800" b="1" dirty="0">
+              <a:rPr lang="en-US" sz="2000" b="1" dirty="0">
                 <a:solidFill>
                   <a:srgbClr val="00B050"/>
                 </a:solidFill>
                 <a:latin typeface="Inconsolata Medium" panose="020B0609030003000000" pitchFamily="49" charset="77"/>
               </a:rPr>
-              <a:t># equivalent to x = x + 1</a:t>
-            </a:r>
-          </a:p>
-          <a:p>
-            <a:pPr marL="0" indent="0">
-              <a:buNone/>
-            </a:pPr>
-            <a:r>
-              <a:rPr lang="en-US" sz="1800" b="1" dirty="0">
+              <a:t># in math, this has no solutions! </a:t>
+            </a:r>
+          </a:p>
+          <a:p>
+            <a:pPr marL="0" indent="0">
+              <a:buNone/>
+            </a:pPr>
+            <a:r>
+              <a:rPr lang="en-US" sz="2000" b="1" dirty="0">
                 <a:solidFill>
                   <a:srgbClr val="00B050"/>
                 </a:solidFill>
@@ -7456,7 +7252,7 @@
               <a:t>       </a:t>
             </a:r>
             <a:r>
-              <a:rPr lang="en-US" sz="1800" b="1" dirty="0">
+              <a:rPr lang="en-US" sz="2000" b="1" dirty="0">
                 <a:solidFill>
                   <a:srgbClr val="000087"/>
                 </a:solidFill>
@@ -7464,7 +7260,7 @@
               </a:rPr>
               <a:t>x</a:t>
             </a:r>
-            <a:endParaRPr lang="en-US" sz="1800" b="1" dirty="0">
+            <a:endParaRPr lang="en-US" sz="2000" b="1" dirty="0">
               <a:solidFill>
                 <a:srgbClr val="00B050"/>
               </a:solidFill>
@@ -7476,11 +7272,164 @@
               <a:buNone/>
             </a:pPr>
             <a:r>
-              <a:rPr lang="en-US" sz="1800" b="1" dirty="0">
+              <a:rPr lang="en-US" sz="2000" b="1" dirty="0">
                 <a:latin typeface="Inconsolata Medium" panose="020B0609030003000000" pitchFamily="49" charset="77"/>
               </a:rPr>
               <a:t>Out[1]: 5</a:t>
             </a:r>
+          </a:p>
+          <a:p>
+            <a:pPr marL="0" indent="0">
+              <a:buNone/>
+            </a:pPr>
+            <a:endParaRPr lang="en-US" sz="2000" b="1" dirty="0">
+              <a:latin typeface="Inconsolata Medium" panose="020B0609030003000000" pitchFamily="49" charset="77"/>
+            </a:endParaRPr>
+          </a:p>
+          <a:p>
+            <a:pPr marL="0" indent="0">
+              <a:buNone/>
+            </a:pPr>
+            <a:r>
+              <a:rPr lang="en-US" sz="2000" b="1" dirty="0">
+                <a:latin typeface="Inconsolata Medium" panose="020B0609030003000000" pitchFamily="49" charset="77"/>
+              </a:rPr>
+              <a:t>Assignment is not symmetric. </a:t>
+            </a:r>
+          </a:p>
+          <a:p>
+            <a:pPr marL="0" indent="0">
+              <a:buNone/>
+            </a:pPr>
+            <a:r>
+              <a:rPr lang="en-US" sz="2000" b="1" dirty="0">
+                <a:solidFill>
+                  <a:srgbClr val="000087"/>
+                </a:solidFill>
+                <a:latin typeface="Inconsolata Medium" panose="020B0609030003000000" pitchFamily="49" charset="77"/>
+              </a:rPr>
+              <a:t>In</a:t>
+            </a:r>
+            <a:r>
+              <a:rPr lang="en-US" sz="2000" b="1" dirty="0">
+                <a:latin typeface="Inconsolata Medium" panose="020B0609030003000000" pitchFamily="49" charset="77"/>
+              </a:rPr>
+              <a:t>[</a:t>
+            </a:r>
+            <a:r>
+              <a:rPr lang="en-US" sz="2000" b="1" dirty="0">
+                <a:solidFill>
+                  <a:srgbClr val="FF6600"/>
+                </a:solidFill>
+                <a:latin typeface="Inconsolata Medium" panose="020B0609030003000000" pitchFamily="49" charset="77"/>
+              </a:rPr>
+              <a:t>1</a:t>
+            </a:r>
+            <a:r>
+              <a:rPr lang="en-US" sz="2000" b="1" dirty="0">
+                <a:latin typeface="Inconsolata Medium" panose="020B0609030003000000" pitchFamily="49" charset="77"/>
+              </a:rPr>
+              <a:t>]: </a:t>
+            </a:r>
+            <a:r>
+              <a:rPr lang="en-US" sz="2000" b="1" dirty="0">
+                <a:solidFill>
+                  <a:srgbClr val="000087"/>
+                </a:solidFill>
+                <a:latin typeface="Inconsolata Medium" panose="020B0609030003000000" pitchFamily="49" charset="77"/>
+              </a:rPr>
+              <a:t>x </a:t>
+            </a:r>
+            <a:r>
+              <a:rPr lang="en-US" sz="2000" b="1" dirty="0">
+                <a:solidFill>
+                  <a:srgbClr val="545454"/>
+                </a:solidFill>
+                <a:latin typeface="Inconsolata Medium" panose="020B0609030003000000" pitchFamily="49" charset="77"/>
+              </a:rPr>
+              <a:t>= </a:t>
+            </a:r>
+            <a:r>
+              <a:rPr lang="en-US" sz="2000" b="1" dirty="0">
+                <a:solidFill>
+                  <a:srgbClr val="FF6600"/>
+                </a:solidFill>
+                <a:latin typeface="Inconsolata Medium" panose="020B0609030003000000" pitchFamily="49" charset="77"/>
+              </a:rPr>
+              <a:t>4    </a:t>
+            </a:r>
+            <a:r>
+              <a:rPr lang="en-US" sz="2000" b="1" dirty="0">
+                <a:solidFill>
+                  <a:srgbClr val="00B050"/>
+                </a:solidFill>
+                <a:latin typeface="Inconsolata Medium" panose="020B0609030003000000" pitchFamily="49" charset="77"/>
+              </a:rPr>
+              <a:t># correct!</a:t>
+            </a:r>
+            <a:endParaRPr lang="en-US" sz="2000" b="1" dirty="0">
+              <a:solidFill>
+                <a:srgbClr val="FF6600"/>
+              </a:solidFill>
+              <a:latin typeface="Inconsolata Medium" panose="020B0609030003000000" pitchFamily="49" charset="77"/>
+            </a:endParaRPr>
+          </a:p>
+          <a:p>
+            <a:pPr marL="0" indent="0">
+              <a:buNone/>
+            </a:pPr>
+            <a:r>
+              <a:rPr lang="en-US" sz="2000" b="1" dirty="0">
+                <a:solidFill>
+                  <a:srgbClr val="FF6600"/>
+                </a:solidFill>
+                <a:latin typeface="Inconsolata Medium" panose="020B0609030003000000" pitchFamily="49" charset="77"/>
+              </a:rPr>
+              <a:t>       </a:t>
+            </a:r>
+            <a:r>
+              <a:rPr lang="en-US" sz="2000" b="1" dirty="0">
+                <a:solidFill>
+                  <a:srgbClr val="000087"/>
+                </a:solidFill>
+                <a:latin typeface="Inconsolata Medium" panose="020B0609030003000000" pitchFamily="49" charset="77"/>
+              </a:rPr>
+              <a:t>10 = y </a:t>
+            </a:r>
+            <a:r>
+              <a:rPr lang="en-US" sz="2000" b="1" dirty="0">
+                <a:solidFill>
+                  <a:srgbClr val="FF6600"/>
+                </a:solidFill>
+                <a:latin typeface="Inconsolata Medium" panose="020B0609030003000000" pitchFamily="49" charset="77"/>
+              </a:rPr>
+              <a:t>  </a:t>
+            </a:r>
+            <a:r>
+              <a:rPr lang="en-US" sz="2000" b="1" dirty="0">
+                <a:solidFill>
+                  <a:srgbClr val="00B050"/>
+                </a:solidFill>
+                <a:latin typeface="Inconsolata Medium" panose="020B0609030003000000" pitchFamily="49" charset="77"/>
+              </a:rPr>
+              <a:t># error!</a:t>
+            </a:r>
+          </a:p>
+          <a:p>
+            <a:pPr marL="0" indent="0">
+              <a:buNone/>
+            </a:pPr>
+            <a:endParaRPr lang="en-US" sz="2000" b="1" dirty="0">
+              <a:latin typeface="Inconsolata Medium" panose="020B0609030003000000" pitchFamily="49" charset="77"/>
+            </a:endParaRPr>
+          </a:p>
+          <a:p>
+            <a:pPr marL="0" indent="0">
+              <a:buNone/>
+            </a:pPr>
+            <a:endParaRPr lang="en-US" sz="2000" b="1" dirty="0">
+              <a:latin typeface="Inconsolata Medium" panose="020B0609030003000000" pitchFamily="49" charset="77"/>
+            </a:endParaRPr>
           </a:p>
           <a:p>
             <a:pPr marL="0" indent="0">
@@ -7497,13 +7446,61 @@
             <a:endParaRPr lang="en-US" sz="1900" b="1" dirty="0">
               <a:latin typeface="Inconsolata Medium" panose="020B0609030003000000" pitchFamily="49" charset="77"/>
             </a:endParaRPr>
+          </a:p>
+          <a:p>
+            <a:pPr marL="0" indent="0">
+              <a:buNone/>
+            </a:pPr>
+            <a:endParaRPr lang="en-US" sz="1900" b="1" dirty="0">
+              <a:latin typeface="Inconsolata Medium" panose="020B0609030003000000" pitchFamily="49" charset="77"/>
+            </a:endParaRPr>
+          </a:p>
+        </p:txBody>
+      </p:sp>
+      <p:sp>
+        <p:nvSpPr>
+          <p:cNvPr id="3" name="Rectangle 2">
+            <a:extLst>
+              <a:ext uri="{FF2B5EF4-FFF2-40B4-BE49-F238E27FC236}">
+                <a16:creationId xmlns:a16="http://schemas.microsoft.com/office/drawing/2014/main" id="{89FC81C6-5951-4C46-A412-23C1C61FDBAF}"/>
+              </a:ext>
+            </a:extLst>
+          </p:cNvPr>
+          <p:cNvSpPr/>
+          <p:nvPr/>
+        </p:nvSpPr>
+        <p:spPr>
+          <a:xfrm>
+            <a:off x="4425966" y="2688223"/>
+            <a:ext cx="292068" cy="338554"/>
+          </a:xfrm>
+          <a:prstGeom prst="rect">
+            <a:avLst/>
+          </a:prstGeom>
+        </p:spPr>
+        <p:txBody>
+          <a:bodyPr wrap="none">
+            <a:spAutoFit/>
+          </a:bodyPr>
+          <a:lstStyle/>
+          <a:p>
+            <a:r>
+              <a:rPr lang="en-US" sz="1600" b="1" dirty="0">
+                <a:solidFill>
+                  <a:srgbClr val="00B050"/>
+                </a:solidFill>
+                <a:latin typeface="Inconsolata Medium" panose="020B0609030003000000" pitchFamily="49" charset="77"/>
+              </a:rPr>
+              <a:t>#</a:t>
+            </a:r>
+            <a:endParaRPr lang="en-US" dirty="0"/>
           </a:p>
         </p:txBody>
       </p:sp>
     </p:spTree>
     <p:extLst>
       <p:ext uri="{BB962C8B-B14F-4D97-AF65-F5344CB8AC3E}">
-        <p14:creationId xmlns:p14="http://schemas.microsoft.com/office/powerpoint/2010/main" val="170290661"/>
+        <p14:creationId xmlns:p14="http://schemas.microsoft.com/office/powerpoint/2010/main" val="862557025"/>
       </p:ext>
     </p:extLst>
   </p:cSld>
@@ -7581,6 +7578,599 @@
         </p:nvSpPr>
         <p:spPr>
           <a:xfrm>
+            <a:off x="483848" y="1264778"/>
+            <a:ext cx="8051725" cy="4450222"/>
+          </a:xfrm>
+        </p:spPr>
+        <p:txBody>
+          <a:bodyPr>
+            <a:noAutofit/>
+          </a:bodyPr>
+          <a:lstStyle/>
+          <a:p>
+            <a:pPr marL="0" indent="0">
+              <a:buNone/>
+            </a:pPr>
+            <a:r>
+              <a:rPr lang="en-US" sz="2000" dirty="0"/>
+              <a:t>An </a:t>
+            </a:r>
+            <a:r>
+              <a:rPr lang="en-US" sz="2000" b="1" dirty="0"/>
+              <a:t>augmented assignment </a:t>
+            </a:r>
+            <a:r>
+              <a:rPr lang="en-US" sz="2000" dirty="0"/>
+              <a:t>combines an assignment statement with an operator to make the statement more concise. </a:t>
+            </a:r>
+          </a:p>
+          <a:p>
+            <a:pPr marL="0" indent="0">
+              <a:buNone/>
+            </a:pPr>
+            <a:r>
+              <a:rPr lang="en-US" sz="1900" b="1" dirty="0">
+                <a:solidFill>
+                  <a:srgbClr val="FF0000"/>
+                </a:solidFill>
+                <a:latin typeface="Inconsolata Medium" panose="020B0609030003000000" pitchFamily="49" charset="77"/>
+              </a:rPr>
+              <a:t>    Shorthand				Equivalent version</a:t>
+            </a:r>
+            <a:endParaRPr lang="en-US" b="1" dirty="0"/>
+          </a:p>
+          <a:p>
+            <a:pPr marL="742950" lvl="1" indent="-285750">
+              <a:buNone/>
+              <a:tabLst>
+                <a:tab pos="4113213" algn="l"/>
+              </a:tabLst>
+              <a:defRPr/>
+            </a:pPr>
+            <a:r>
+              <a:rPr lang="en-US" b="1" dirty="0"/>
+              <a:t>variable</a:t>
+            </a:r>
+            <a:r>
+              <a:rPr lang="en-US" dirty="0">
+                <a:latin typeface="Courier New" charset="0"/>
+              </a:rPr>
+              <a:t> += </a:t>
+            </a:r>
+            <a:r>
+              <a:rPr lang="en-US" b="1" dirty="0"/>
+              <a:t>value</a:t>
+            </a:r>
+            <a:r>
+              <a:rPr lang="en-US" dirty="0">
+                <a:latin typeface="Courier New" charset="0"/>
+              </a:rPr>
+              <a:t>;	</a:t>
+            </a:r>
+            <a:r>
+              <a:rPr lang="en-US" b="1" dirty="0"/>
+              <a:t>variable</a:t>
+            </a:r>
+            <a:r>
+              <a:rPr lang="en-US" dirty="0">
+                <a:latin typeface="Courier New" charset="0"/>
+              </a:rPr>
+              <a:t> = </a:t>
+            </a:r>
+            <a:r>
+              <a:rPr lang="en-US" b="1" dirty="0"/>
+              <a:t>variable</a:t>
+            </a:r>
+            <a:r>
+              <a:rPr lang="en-US" dirty="0">
+                <a:latin typeface="Courier New" charset="0"/>
+              </a:rPr>
+              <a:t> + </a:t>
+            </a:r>
+            <a:r>
+              <a:rPr lang="en-US" b="1" dirty="0"/>
+              <a:t>value</a:t>
+            </a:r>
+            <a:r>
+              <a:rPr lang="en-US" dirty="0">
+                <a:latin typeface="Courier New" charset="0"/>
+              </a:rPr>
+              <a:t>;</a:t>
+            </a:r>
+          </a:p>
+          <a:p>
+            <a:pPr marL="742950" lvl="1" indent="-285750">
+              <a:buNone/>
+              <a:tabLst>
+                <a:tab pos="4113213" algn="l"/>
+              </a:tabLst>
+              <a:defRPr/>
+            </a:pPr>
+            <a:r>
+              <a:rPr lang="en-US" b="1" dirty="0"/>
+              <a:t>variable</a:t>
+            </a:r>
+            <a:r>
+              <a:rPr lang="en-US" dirty="0">
+                <a:latin typeface="Courier New" charset="0"/>
+              </a:rPr>
+              <a:t> -= </a:t>
+            </a:r>
+            <a:r>
+              <a:rPr lang="en-US" b="1" dirty="0"/>
+              <a:t>value</a:t>
+            </a:r>
+            <a:r>
+              <a:rPr lang="en-US" dirty="0">
+                <a:latin typeface="Courier New" charset="0"/>
+              </a:rPr>
+              <a:t>;	</a:t>
+            </a:r>
+            <a:r>
+              <a:rPr lang="en-US" b="1" dirty="0"/>
+              <a:t>variable</a:t>
+            </a:r>
+            <a:r>
+              <a:rPr lang="en-US" dirty="0">
+                <a:latin typeface="Courier New" charset="0"/>
+              </a:rPr>
+              <a:t> = </a:t>
+            </a:r>
+            <a:r>
+              <a:rPr lang="en-US" b="1" dirty="0"/>
+              <a:t>variable</a:t>
+            </a:r>
+            <a:r>
+              <a:rPr lang="en-US" dirty="0">
+                <a:latin typeface="Courier New" charset="0"/>
+              </a:rPr>
+              <a:t> - </a:t>
+            </a:r>
+            <a:r>
+              <a:rPr lang="en-US" b="1" dirty="0"/>
+              <a:t>value</a:t>
+            </a:r>
+            <a:r>
+              <a:rPr lang="en-US" dirty="0">
+                <a:latin typeface="Courier New" charset="0"/>
+              </a:rPr>
+              <a:t>;</a:t>
+            </a:r>
+          </a:p>
+          <a:p>
+            <a:pPr marL="742950" lvl="1" indent="-285750">
+              <a:buNone/>
+              <a:tabLst>
+                <a:tab pos="4113213" algn="l"/>
+              </a:tabLst>
+              <a:defRPr/>
+            </a:pPr>
+            <a:r>
+              <a:rPr lang="en-US" b="1" dirty="0"/>
+              <a:t>variable</a:t>
+            </a:r>
+            <a:r>
+              <a:rPr lang="en-US" dirty="0">
+                <a:latin typeface="Courier New" charset="0"/>
+              </a:rPr>
+              <a:t> *= </a:t>
+            </a:r>
+            <a:r>
+              <a:rPr lang="en-US" b="1" dirty="0"/>
+              <a:t>value</a:t>
+            </a:r>
+            <a:r>
+              <a:rPr lang="en-US" dirty="0">
+                <a:latin typeface="Courier New" charset="0"/>
+              </a:rPr>
+              <a:t>;	</a:t>
+            </a:r>
+            <a:r>
+              <a:rPr lang="en-US" b="1" dirty="0"/>
+              <a:t>variable</a:t>
+            </a:r>
+            <a:r>
+              <a:rPr lang="en-US" dirty="0">
+                <a:latin typeface="Courier New" charset="0"/>
+              </a:rPr>
+              <a:t> = </a:t>
+            </a:r>
+            <a:r>
+              <a:rPr lang="en-US" b="1" dirty="0"/>
+              <a:t>variable</a:t>
+            </a:r>
+            <a:r>
+              <a:rPr lang="en-US" dirty="0">
+                <a:latin typeface="Courier New" charset="0"/>
+              </a:rPr>
+              <a:t> * </a:t>
+            </a:r>
+            <a:r>
+              <a:rPr lang="en-US" b="1" dirty="0"/>
+              <a:t>value</a:t>
+            </a:r>
+            <a:r>
+              <a:rPr lang="en-US" dirty="0">
+                <a:latin typeface="Courier New" charset="0"/>
+              </a:rPr>
+              <a:t>;</a:t>
+            </a:r>
+          </a:p>
+          <a:p>
+            <a:pPr marL="742950" lvl="1" indent="-285750">
+              <a:buNone/>
+              <a:tabLst>
+                <a:tab pos="4113213" algn="l"/>
+              </a:tabLst>
+              <a:defRPr/>
+            </a:pPr>
+            <a:r>
+              <a:rPr lang="en-US" b="1" dirty="0"/>
+              <a:t>variable</a:t>
+            </a:r>
+            <a:r>
+              <a:rPr lang="en-US" dirty="0">
+                <a:latin typeface="Courier New" charset="0"/>
+              </a:rPr>
+              <a:t> /= </a:t>
+            </a:r>
+            <a:r>
+              <a:rPr lang="en-US" b="1" dirty="0"/>
+              <a:t>value</a:t>
+            </a:r>
+            <a:r>
+              <a:rPr lang="en-US" dirty="0">
+                <a:latin typeface="Courier New" charset="0"/>
+              </a:rPr>
+              <a:t>;	</a:t>
+            </a:r>
+            <a:r>
+              <a:rPr lang="en-US" b="1" dirty="0"/>
+              <a:t>variable</a:t>
+            </a:r>
+            <a:r>
+              <a:rPr lang="en-US" dirty="0">
+                <a:latin typeface="Courier New" charset="0"/>
+              </a:rPr>
+              <a:t> = </a:t>
+            </a:r>
+            <a:r>
+              <a:rPr lang="en-US" b="1" dirty="0"/>
+              <a:t>variable</a:t>
+            </a:r>
+            <a:r>
+              <a:rPr lang="en-US" dirty="0">
+                <a:latin typeface="Courier New" charset="0"/>
+              </a:rPr>
+              <a:t> / </a:t>
+            </a:r>
+            <a:r>
+              <a:rPr lang="en-US" b="1" dirty="0"/>
+              <a:t>value</a:t>
+            </a:r>
+            <a:r>
+              <a:rPr lang="en-US" dirty="0">
+                <a:latin typeface="Courier New" charset="0"/>
+              </a:rPr>
+              <a:t>;</a:t>
+            </a:r>
+          </a:p>
+          <a:p>
+            <a:pPr marL="742950" lvl="1" indent="-285750">
+              <a:buNone/>
+              <a:tabLst>
+                <a:tab pos="4113213" algn="l"/>
+              </a:tabLst>
+              <a:defRPr/>
+            </a:pPr>
+            <a:r>
+              <a:rPr lang="en-US" b="1" dirty="0"/>
+              <a:t>variable</a:t>
+            </a:r>
+            <a:r>
+              <a:rPr lang="en-US" dirty="0">
+                <a:latin typeface="Courier New" charset="0"/>
+              </a:rPr>
+              <a:t> %= </a:t>
+            </a:r>
+            <a:r>
+              <a:rPr lang="en-US" b="1" dirty="0"/>
+              <a:t>value</a:t>
+            </a:r>
+            <a:r>
+              <a:rPr lang="en-US" dirty="0">
+                <a:latin typeface="Courier New" charset="0"/>
+              </a:rPr>
+              <a:t>;	</a:t>
+            </a:r>
+            <a:r>
+              <a:rPr lang="en-US" b="1" dirty="0"/>
+              <a:t>variable</a:t>
+            </a:r>
+            <a:r>
+              <a:rPr lang="en-US" dirty="0">
+                <a:latin typeface="Courier New" charset="0"/>
+              </a:rPr>
+              <a:t> = </a:t>
+            </a:r>
+            <a:r>
+              <a:rPr lang="en-US" b="1" dirty="0"/>
+              <a:t>variable</a:t>
+            </a:r>
+            <a:r>
+              <a:rPr lang="en-US" dirty="0">
+                <a:latin typeface="Courier New" charset="0"/>
+              </a:rPr>
+              <a:t> % </a:t>
+            </a:r>
+            <a:r>
+              <a:rPr lang="en-US" b="1" dirty="0"/>
+              <a:t>value</a:t>
+            </a:r>
+            <a:r>
+              <a:rPr lang="en-US" dirty="0">
+                <a:latin typeface="Courier New" charset="0"/>
+              </a:rPr>
+              <a:t>;</a:t>
+            </a:r>
+          </a:p>
+          <a:p>
+            <a:pPr marL="742950" lvl="1" indent="-285750">
+              <a:lnSpc>
+                <a:spcPct val="60000"/>
+              </a:lnSpc>
+              <a:buNone/>
+              <a:tabLst>
+                <a:tab pos="4113213" algn="l"/>
+              </a:tabLst>
+              <a:defRPr/>
+            </a:pPr>
+            <a:endParaRPr lang="en-US" dirty="0">
+              <a:latin typeface="Courier New" charset="0"/>
+            </a:endParaRPr>
+          </a:p>
+          <a:p>
+            <a:pPr marL="0" indent="0">
+              <a:buNone/>
+            </a:pPr>
+            <a:r>
+              <a:rPr lang="en-US" sz="1800" b="1" dirty="0">
+                <a:solidFill>
+                  <a:srgbClr val="000087"/>
+                </a:solidFill>
+                <a:latin typeface="Inconsolata Medium" panose="020B0609030003000000" pitchFamily="49" charset="77"/>
+              </a:rPr>
+              <a:t>In</a:t>
+            </a:r>
+            <a:r>
+              <a:rPr lang="en-US" sz="1800" b="1" dirty="0">
+                <a:latin typeface="Inconsolata Medium" panose="020B0609030003000000" pitchFamily="49" charset="77"/>
+              </a:rPr>
+              <a:t>[</a:t>
+            </a:r>
+            <a:r>
+              <a:rPr lang="en-US" sz="1800" b="1" dirty="0">
+                <a:solidFill>
+                  <a:srgbClr val="FF6600"/>
+                </a:solidFill>
+                <a:latin typeface="Inconsolata Medium" panose="020B0609030003000000" pitchFamily="49" charset="77"/>
+              </a:rPr>
+              <a:t>1</a:t>
+            </a:r>
+            <a:r>
+              <a:rPr lang="en-US" sz="1800" b="1" dirty="0">
+                <a:latin typeface="Inconsolata Medium" panose="020B0609030003000000" pitchFamily="49" charset="77"/>
+              </a:rPr>
+              <a:t>]: </a:t>
+            </a:r>
+            <a:r>
+              <a:rPr lang="en-US" sz="1800" b="1" dirty="0">
+                <a:solidFill>
+                  <a:srgbClr val="000087"/>
+                </a:solidFill>
+                <a:latin typeface="Inconsolata Medium" panose="020B0609030003000000" pitchFamily="49" charset="77"/>
+              </a:rPr>
+              <a:t>x </a:t>
+            </a:r>
+            <a:r>
+              <a:rPr lang="en-US" sz="1800" b="1" dirty="0">
+                <a:solidFill>
+                  <a:srgbClr val="545454"/>
+                </a:solidFill>
+                <a:latin typeface="Inconsolata Medium" panose="020B0609030003000000" pitchFamily="49" charset="77"/>
+              </a:rPr>
+              <a:t>= </a:t>
+            </a:r>
+            <a:r>
+              <a:rPr lang="en-US" sz="1800" b="1" dirty="0">
+                <a:solidFill>
+                  <a:srgbClr val="FF6600"/>
+                </a:solidFill>
+                <a:latin typeface="Inconsolata Medium" panose="020B0609030003000000" pitchFamily="49" charset="77"/>
+              </a:rPr>
+              <a:t>4 </a:t>
+            </a:r>
+          </a:p>
+          <a:p>
+            <a:pPr marL="0" indent="0">
+              <a:buNone/>
+            </a:pPr>
+            <a:r>
+              <a:rPr lang="en-US" sz="1800" b="1" dirty="0">
+                <a:solidFill>
+                  <a:srgbClr val="FF6600"/>
+                </a:solidFill>
+                <a:latin typeface="Inconsolata Medium" panose="020B0609030003000000" pitchFamily="49" charset="77"/>
+              </a:rPr>
+              <a:t>       </a:t>
+            </a:r>
+            <a:r>
+              <a:rPr lang="en-US" sz="1800" b="1" dirty="0">
+                <a:solidFill>
+                  <a:srgbClr val="000087"/>
+                </a:solidFill>
+                <a:latin typeface="Inconsolata Medium" panose="020B0609030003000000" pitchFamily="49" charset="77"/>
+              </a:rPr>
+              <a:t>x += 1 </a:t>
+            </a:r>
+            <a:r>
+              <a:rPr lang="en-US" sz="1800" b="1" dirty="0">
+                <a:solidFill>
+                  <a:srgbClr val="FF6600"/>
+                </a:solidFill>
+                <a:latin typeface="Inconsolata Medium" panose="020B0609030003000000" pitchFamily="49" charset="77"/>
+              </a:rPr>
+              <a:t>  </a:t>
+            </a:r>
+            <a:r>
+              <a:rPr lang="en-US" sz="1800" b="1" dirty="0">
+                <a:solidFill>
+                  <a:srgbClr val="00B050"/>
+                </a:solidFill>
+                <a:latin typeface="Inconsolata Medium" panose="020B0609030003000000" pitchFamily="49" charset="77"/>
+              </a:rPr>
+              <a:t># equivalent to x = x + 1</a:t>
+            </a:r>
+          </a:p>
+          <a:p>
+            <a:pPr marL="0" indent="0">
+              <a:buNone/>
+            </a:pPr>
+            <a:r>
+              <a:rPr lang="en-US" sz="1800" b="1" dirty="0">
+                <a:solidFill>
+                  <a:srgbClr val="00B050"/>
+                </a:solidFill>
+                <a:latin typeface="Inconsolata Medium" panose="020B0609030003000000" pitchFamily="49" charset="77"/>
+              </a:rPr>
+              <a:t>       </a:t>
+            </a:r>
+            <a:r>
+              <a:rPr lang="en-US" sz="1800" b="1" dirty="0">
+                <a:solidFill>
+                  <a:srgbClr val="000087"/>
+                </a:solidFill>
+                <a:latin typeface="Inconsolata Medium" panose="020B0609030003000000" pitchFamily="49" charset="77"/>
+              </a:rPr>
+              <a:t>x</a:t>
+            </a:r>
+            <a:endParaRPr lang="en-US" sz="1800" b="1" dirty="0">
+              <a:solidFill>
+                <a:srgbClr val="00B050"/>
+              </a:solidFill>
+              <a:latin typeface="Inconsolata Medium" panose="020B0609030003000000" pitchFamily="49" charset="77"/>
+            </a:endParaRPr>
+          </a:p>
+          <a:p>
+            <a:pPr marL="0" indent="0">
+              <a:buNone/>
+            </a:pPr>
+            <a:r>
+              <a:rPr lang="en-US" sz="1800" b="1" dirty="0">
+                <a:latin typeface="Inconsolata Medium" panose="020B0609030003000000" pitchFamily="49" charset="77"/>
+              </a:rPr>
+              <a:t>Out[1]: 5</a:t>
+            </a:r>
+          </a:p>
+          <a:p>
+            <a:pPr marL="0" indent="0">
+              <a:buNone/>
+            </a:pPr>
+            <a:endParaRPr lang="en-US" sz="1900" b="1" dirty="0">
+              <a:latin typeface="Inconsolata Medium" panose="020B0609030003000000" pitchFamily="49" charset="77"/>
+            </a:endParaRPr>
+          </a:p>
+          <a:p>
+            <a:pPr marL="0" indent="0">
+              <a:buNone/>
+            </a:pPr>
+            <a:endParaRPr lang="en-US" sz="1900" b="1" dirty="0">
+              <a:latin typeface="Inconsolata Medium" panose="020B0609030003000000" pitchFamily="49" charset="77"/>
+            </a:endParaRPr>
+          </a:p>
+        </p:txBody>
+      </p:sp>
+    </p:spTree>
+    <p:extLst>
+      <p:ext uri="{BB962C8B-B14F-4D97-AF65-F5344CB8AC3E}">
+        <p14:creationId xmlns:p14="http://schemas.microsoft.com/office/powerpoint/2010/main" val="170290661"/>
+      </p:ext>
+    </p:extLst>
+  </p:cSld>
+  <p:clrMapOvr>
+    <a:masterClrMapping/>
+  </p:clrMapOvr>
+</p:sld>
+</file>
+
+<file path=ppt/slides/slide19.xml><?xml version="1.0" encoding="utf-8"?>
+<p:sld xmlns:a="http://schemas.openxmlformats.org/drawingml/2006/main" xmlns:r="http://schemas.openxmlformats.org/officeDocument/2006/relationships" xmlns:p="http://schemas.openxmlformats.org/presentationml/2006/main">
+  <p:cSld>
+    <p:spTree>
+      <p:nvGrpSpPr>
+        <p:cNvPr id="1" name=""/>
+        <p:cNvGrpSpPr/>
+        <p:nvPr/>
+      </p:nvGrpSpPr>
+      <p:grpSpPr>
+        <a:xfrm>
+          <a:off x="0" y="0"/>
+          <a:ext cx="0" cy="0"/>
+          <a:chOff x="0" y="0"/>
+          <a:chExt cx="0" cy="0"/>
+        </a:xfrm>
+      </p:grpSpPr>
+      <p:sp>
+        <p:nvSpPr>
+          <p:cNvPr id="2" name="Title 1">
+            <a:extLst>
+              <a:ext uri="{FF2B5EF4-FFF2-40B4-BE49-F238E27FC236}">
+                <a16:creationId xmlns:a16="http://schemas.microsoft.com/office/drawing/2014/main" id="{AA3A228F-61D0-D949-A5E7-F83756230BF8}"/>
+              </a:ext>
+            </a:extLst>
+          </p:cNvPr>
+          <p:cNvSpPr>
+            <a:spLocks noGrp="1"/>
+          </p:cNvSpPr>
+          <p:nvPr>
+            <p:ph type="title"/>
+          </p:nvPr>
+        </p:nvSpPr>
+        <p:spPr>
+          <a:xfrm>
+            <a:off x="483848" y="467027"/>
+            <a:ext cx="7053542" cy="683886"/>
+          </a:xfrm>
+        </p:spPr>
+        <p:txBody>
+          <a:bodyPr/>
+          <a:lstStyle/>
+          <a:p>
+            <a:r>
+              <a:rPr lang="en-US" dirty="0"/>
+              <a:t>Augmented Assignment</a:t>
+            </a:r>
+          </a:p>
+        </p:txBody>
+      </p:sp>
+      <p:sp>
+        <p:nvSpPr>
+          <p:cNvPr id="9" name="Content Placeholder 8">
+            <a:extLst>
+              <a:ext uri="{FF2B5EF4-FFF2-40B4-BE49-F238E27FC236}">
+                <a16:creationId xmlns:a16="http://schemas.microsoft.com/office/drawing/2014/main" id="{E3B2E017-30B2-884B-A113-B419A2ED51AD}"/>
+              </a:ext>
+            </a:extLst>
+          </p:cNvPr>
+          <p:cNvSpPr>
+            <a:spLocks noGrp="1"/>
+          </p:cNvSpPr>
+          <p:nvPr>
+            <p:ph idx="1"/>
+          </p:nvPr>
+        </p:nvSpPr>
+        <p:spPr>
+          <a:xfrm>
             <a:off x="483848" y="1003610"/>
             <a:ext cx="8051725" cy="4711390"/>
           </a:xfrm>
@@ -7941,7 +8531,249 @@
 </p:sld>
 </file>
 
-<file path=ppt/slides/slide19.xml><?xml version="1.0" encoding="utf-8"?>
+<file path=ppt/slides/slide2.xml><?xml version="1.0" encoding="utf-8"?>
+<p:sld xmlns:a="http://schemas.openxmlformats.org/drawingml/2006/main" xmlns:r="http://schemas.openxmlformats.org/officeDocument/2006/relationships" xmlns:p="http://schemas.openxmlformats.org/presentationml/2006/main">
+  <p:cSld>
+    <p:spTree>
+      <p:nvGrpSpPr>
+        <p:cNvPr id="1" name=""/>
+        <p:cNvGrpSpPr/>
+        <p:nvPr/>
+      </p:nvGrpSpPr>
+      <p:grpSpPr>
+        <a:xfrm>
+          <a:off x="0" y="0"/>
+          <a:ext cx="0" cy="0"/>
+          <a:chOff x="0" y="0"/>
+          <a:chExt cx="0" cy="0"/>
+        </a:xfrm>
+      </p:grpSpPr>
+      <p:sp>
+        <p:nvSpPr>
+          <p:cNvPr id="2" name="Title 1">
+            <a:extLst>
+              <a:ext uri="{FF2B5EF4-FFF2-40B4-BE49-F238E27FC236}">
+                <a16:creationId xmlns:a16="http://schemas.microsoft.com/office/drawing/2014/main" id="{AA3A228F-61D0-D949-A5E7-F83756230BF8}"/>
+              </a:ext>
+            </a:extLst>
+          </p:cNvPr>
+          <p:cNvSpPr>
+            <a:spLocks noGrp="1"/>
+          </p:cNvSpPr>
+          <p:nvPr>
+            <p:ph type="title"/>
+          </p:nvPr>
+        </p:nvSpPr>
+        <p:spPr>
+          <a:xfrm>
+            <a:off x="483848" y="467027"/>
+            <a:ext cx="7053542" cy="683886"/>
+          </a:xfrm>
+        </p:spPr>
+        <p:txBody>
+          <a:bodyPr/>
+          <a:lstStyle/>
+          <a:p>
+            <a:r>
+              <a:rPr lang="en-US" dirty="0"/>
+              <a:t>Topics</a:t>
+            </a:r>
+          </a:p>
+        </p:txBody>
+      </p:sp>
+      <p:sp>
+        <p:nvSpPr>
+          <p:cNvPr id="9" name="Content Placeholder 8">
+            <a:extLst>
+              <a:ext uri="{FF2B5EF4-FFF2-40B4-BE49-F238E27FC236}">
+                <a16:creationId xmlns:a16="http://schemas.microsoft.com/office/drawing/2014/main" id="{E3B2E017-30B2-884B-A113-B419A2ED51AD}"/>
+              </a:ext>
+            </a:extLst>
+          </p:cNvPr>
+          <p:cNvSpPr>
+            <a:spLocks noGrp="1"/>
+          </p:cNvSpPr>
+          <p:nvPr>
+            <p:ph idx="1"/>
+          </p:nvPr>
+        </p:nvSpPr>
+        <p:spPr>
+          <a:xfrm>
+            <a:off x="483848" y="1019503"/>
+            <a:ext cx="8051725" cy="4571999"/>
+          </a:xfrm>
+        </p:spPr>
+        <p:txBody>
+          <a:bodyPr/>
+          <a:lstStyle/>
+          <a:p>
+            <a:pPr marL="0" indent="0">
+              <a:buNone/>
+            </a:pPr>
+            <a:endParaRPr lang="en-US" dirty="0">
+              <a:latin typeface="Gill Sans MT" panose="020B0502020104020203" pitchFamily="34" charset="77"/>
+            </a:endParaRPr>
+          </a:p>
+          <a:p>
+            <a:pPr marL="457200" indent="-457200">
+              <a:buFont typeface="+mj-lt"/>
+              <a:buAutoNum type="arabicParenR"/>
+            </a:pPr>
+            <a:r>
+              <a:rPr lang="en-US" dirty="0">
+                <a:latin typeface="Gill Sans MT" panose="020B0502020104020203" pitchFamily="34" charset="77"/>
+              </a:rPr>
+              <a:t>Operations</a:t>
+            </a:r>
+          </a:p>
+          <a:p>
+            <a:pPr marL="800100" lvl="1" indent="-457200">
+              <a:buFont typeface="+mj-lt"/>
+              <a:buAutoNum type="alphaLcParenR"/>
+            </a:pPr>
+            <a:r>
+              <a:rPr lang="en-US" dirty="0">
+                <a:latin typeface="Gill Sans MT" panose="020B0502020104020203" pitchFamily="34" charset="77"/>
+              </a:rPr>
+              <a:t>Arithmetic</a:t>
+            </a:r>
+          </a:p>
+          <a:p>
+            <a:pPr marL="800100" lvl="1" indent="-457200">
+              <a:buFont typeface="+mj-lt"/>
+              <a:buAutoNum type="alphaLcParenR"/>
+            </a:pPr>
+            <a:r>
+              <a:rPr lang="en-US" dirty="0">
+                <a:latin typeface="Gill Sans MT" panose="020B0502020104020203" pitchFamily="34" charset="77"/>
+              </a:rPr>
+              <a:t>Comparison</a:t>
+            </a:r>
+          </a:p>
+          <a:p>
+            <a:pPr marL="800100" lvl="1" indent="-457200">
+              <a:buFont typeface="+mj-lt"/>
+              <a:buAutoNum type="alphaLcParenR"/>
+            </a:pPr>
+            <a:r>
+              <a:rPr lang="en-US" dirty="0">
+                <a:latin typeface="Gill Sans MT" panose="020B0502020104020203" pitchFamily="34" charset="77"/>
+              </a:rPr>
+              <a:t>Boolean</a:t>
+            </a:r>
+          </a:p>
+          <a:p>
+            <a:pPr marL="457200" indent="-457200">
+              <a:buFont typeface="+mj-lt"/>
+              <a:buAutoNum type="arabicParenR"/>
+            </a:pPr>
+            <a:r>
+              <a:rPr lang="en-US" dirty="0">
+                <a:latin typeface="Gill Sans MT" panose="020B0502020104020203" pitchFamily="34" charset="77"/>
+              </a:rPr>
+              <a:t>Variables</a:t>
+            </a:r>
+          </a:p>
+          <a:p>
+            <a:pPr marL="457200" indent="-457200">
+              <a:buFont typeface="+mj-lt"/>
+              <a:buAutoNum type="arabicParenR"/>
+            </a:pPr>
+            <a:r>
+              <a:rPr lang="en-US" dirty="0">
+                <a:latin typeface="Gill Sans MT" panose="020B0502020104020203" pitchFamily="34" charset="77"/>
+              </a:rPr>
+              <a:t>Assignments and Augmented Assignments</a:t>
+            </a:r>
+          </a:p>
+          <a:p>
+            <a:pPr marL="457200" indent="-457200">
+              <a:buFont typeface="+mj-lt"/>
+              <a:buAutoNum type="arabicParenR"/>
+            </a:pPr>
+            <a:r>
+              <a:rPr lang="en-US">
+                <a:latin typeface="Gill Sans MT" panose="020B0502020104020203" pitchFamily="34" charset="77"/>
+              </a:rPr>
+              <a:t>User input</a:t>
+            </a:r>
+            <a:endParaRPr lang="en-US" dirty="0">
+              <a:latin typeface="Gill Sans MT" panose="020B0502020104020203" pitchFamily="34" charset="77"/>
+            </a:endParaRPr>
+          </a:p>
+          <a:p>
+            <a:pPr marL="0" indent="0">
+              <a:buNone/>
+            </a:pPr>
+            <a:endParaRPr lang="en-US" dirty="0">
+              <a:latin typeface="Gill Sans MT" panose="020B0502020104020203" pitchFamily="34" charset="77"/>
+            </a:endParaRPr>
+          </a:p>
+          <a:p>
+            <a:pPr marL="342900" lvl="1" indent="0">
+              <a:buNone/>
+            </a:pPr>
+            <a:endParaRPr lang="en-US" dirty="0">
+              <a:latin typeface="Gill Sans MT" panose="020B0502020104020203" pitchFamily="34" charset="77"/>
+            </a:endParaRPr>
+          </a:p>
+          <a:p>
+            <a:pPr marL="457200" indent="-457200">
+              <a:buFont typeface="+mj-lt"/>
+              <a:buAutoNum type="arabicParenR"/>
+            </a:pPr>
+            <a:endParaRPr lang="en-US" dirty="0">
+              <a:latin typeface="Gill Sans MT" panose="020B0502020104020203" pitchFamily="34" charset="77"/>
+            </a:endParaRPr>
+          </a:p>
+          <a:p>
+            <a:pPr marL="457200" indent="-457200">
+              <a:buAutoNum type="arabicParenR"/>
+            </a:pPr>
+            <a:endParaRPr lang="en-US" dirty="0">
+              <a:latin typeface="Gill Sans MT" panose="020B0502020104020203" pitchFamily="34" charset="77"/>
+            </a:endParaRPr>
+          </a:p>
+          <a:p>
+            <a:pPr marL="457200" indent="-457200">
+              <a:buAutoNum type="arabicParenR"/>
+            </a:pPr>
+            <a:endParaRPr lang="en-US" dirty="0">
+              <a:latin typeface="Gill Sans MT" panose="020B0502020104020203" pitchFamily="34" charset="77"/>
+            </a:endParaRPr>
+          </a:p>
+          <a:p>
+            <a:pPr marL="0" indent="0">
+              <a:buNone/>
+            </a:pPr>
+            <a:endParaRPr lang="en-US" dirty="0">
+              <a:latin typeface="Gill Sans MT" panose="020B0502020104020203" pitchFamily="34" charset="77"/>
+            </a:endParaRPr>
+          </a:p>
+          <a:p>
+            <a:pPr marL="0" indent="0">
+              <a:buNone/>
+            </a:pPr>
+            <a:endParaRPr lang="en-US" b="1" dirty="0">
+              <a:latin typeface="Gill Sans MT" panose="020B0502020104020203" pitchFamily="34" charset="77"/>
+            </a:endParaRPr>
+          </a:p>
+        </p:txBody>
+      </p:sp>
+    </p:spTree>
+    <p:extLst>
+      <p:ext uri="{BB962C8B-B14F-4D97-AF65-F5344CB8AC3E}">
+        <p14:creationId xmlns:p14="http://schemas.microsoft.com/office/powerpoint/2010/main" val="2207246265"/>
+      </p:ext>
+    </p:extLst>
+  </p:cSld>
+  <p:clrMapOvr>
+    <a:masterClrMapping/>
+  </p:clrMapOvr>
+</p:sld>
+</file>
+
+<file path=ppt/slides/slide20.xml><?xml version="1.0" encoding="utf-8"?>
 <p:sld xmlns:a="http://schemas.openxmlformats.org/drawingml/2006/main" xmlns:r="http://schemas.openxmlformats.org/officeDocument/2006/relationships" xmlns:p="http://schemas.openxmlformats.org/presentationml/2006/main">
   <p:cSld>
     <p:spTree>
@@ -8496,729 +9328,6 @@
 </p:sld>
 </file>
 
-<file path=ppt/slides/slide2.xml><?xml version="1.0" encoding="utf-8"?>
-<p:sld xmlns:a="http://schemas.openxmlformats.org/drawingml/2006/main" xmlns:r="http://schemas.openxmlformats.org/officeDocument/2006/relationships" xmlns:p="http://schemas.openxmlformats.org/presentationml/2006/main">
-  <p:cSld>
-    <p:spTree>
-      <p:nvGrpSpPr>
-        <p:cNvPr id="1" name=""/>
-        <p:cNvGrpSpPr/>
-        <p:nvPr/>
-      </p:nvGrpSpPr>
-      <p:grpSpPr>
-        <a:xfrm>
-          <a:off x="0" y="0"/>
-          <a:ext cx="0" cy="0"/>
-          <a:chOff x="0" y="0"/>
-          <a:chExt cx="0" cy="0"/>
-        </a:xfrm>
-      </p:grpSpPr>
-      <p:sp>
-        <p:nvSpPr>
-          <p:cNvPr id="2" name="Title 1">
-            <a:extLst>
-              <a:ext uri="{FF2B5EF4-FFF2-40B4-BE49-F238E27FC236}">
-                <a16:creationId xmlns:a16="http://schemas.microsoft.com/office/drawing/2014/main" id="{AA3A228F-61D0-D949-A5E7-F83756230BF8}"/>
-              </a:ext>
-            </a:extLst>
-          </p:cNvPr>
-          <p:cNvSpPr>
-            <a:spLocks noGrp="1"/>
-          </p:cNvSpPr>
-          <p:nvPr>
-            <p:ph type="title"/>
-          </p:nvPr>
-        </p:nvSpPr>
-        <p:spPr>
-          <a:xfrm>
-            <a:off x="483848" y="467027"/>
-            <a:ext cx="7053542" cy="683886"/>
-          </a:xfrm>
-        </p:spPr>
-        <p:txBody>
-          <a:bodyPr/>
-          <a:lstStyle/>
-          <a:p>
-            <a:r>
-              <a:rPr lang="en-US" dirty="0"/>
-              <a:t>Topics</a:t>
-            </a:r>
-          </a:p>
-        </p:txBody>
-      </p:sp>
-      <p:sp>
-        <p:nvSpPr>
-          <p:cNvPr id="9" name="Content Placeholder 8">
-            <a:extLst>
-              <a:ext uri="{FF2B5EF4-FFF2-40B4-BE49-F238E27FC236}">
-                <a16:creationId xmlns:a16="http://schemas.microsoft.com/office/drawing/2014/main" id="{E3B2E017-30B2-884B-A113-B419A2ED51AD}"/>
-              </a:ext>
-            </a:extLst>
-          </p:cNvPr>
-          <p:cNvSpPr>
-            <a:spLocks noGrp="1"/>
-          </p:cNvSpPr>
-          <p:nvPr>
-            <p:ph idx="1"/>
-          </p:nvPr>
-        </p:nvSpPr>
-        <p:spPr>
-          <a:xfrm>
-            <a:off x="483848" y="1019503"/>
-            <a:ext cx="8051725" cy="4571999"/>
-          </a:xfrm>
-        </p:spPr>
-        <p:txBody>
-          <a:bodyPr/>
-          <a:lstStyle/>
-          <a:p>
-            <a:pPr marL="0" indent="0">
-              <a:buNone/>
-            </a:pPr>
-            <a:endParaRPr lang="en-US" dirty="0">
-              <a:latin typeface="Gill Sans MT" panose="020B0502020104020203" pitchFamily="34" charset="77"/>
-            </a:endParaRPr>
-          </a:p>
-          <a:p>
-            <a:pPr marL="457200" indent="-457200">
-              <a:buFont typeface="+mj-lt"/>
-              <a:buAutoNum type="arabicParenR"/>
-            </a:pPr>
-            <a:r>
-              <a:rPr lang="en-US" dirty="0">
-                <a:latin typeface="Gill Sans MT" panose="020B0502020104020203" pitchFamily="34" charset="77"/>
-              </a:rPr>
-              <a:t>Operations</a:t>
-            </a:r>
-          </a:p>
-          <a:p>
-            <a:pPr marL="800100" lvl="1" indent="-457200">
-              <a:buFont typeface="+mj-lt"/>
-              <a:buAutoNum type="alphaLcParenR"/>
-            </a:pPr>
-            <a:r>
-              <a:rPr lang="en-US" dirty="0">
-                <a:latin typeface="Gill Sans MT" panose="020B0502020104020203" pitchFamily="34" charset="77"/>
-              </a:rPr>
-              <a:t>Arithmetic</a:t>
-            </a:r>
-          </a:p>
-          <a:p>
-            <a:pPr marL="800100" lvl="1" indent="-457200">
-              <a:buFont typeface="+mj-lt"/>
-              <a:buAutoNum type="alphaLcParenR"/>
-            </a:pPr>
-            <a:r>
-              <a:rPr lang="en-US" dirty="0">
-                <a:latin typeface="Gill Sans MT" panose="020B0502020104020203" pitchFamily="34" charset="77"/>
-              </a:rPr>
-              <a:t>Comparison</a:t>
-            </a:r>
-          </a:p>
-          <a:p>
-            <a:pPr marL="800100" lvl="1" indent="-457200">
-              <a:buFont typeface="+mj-lt"/>
-              <a:buAutoNum type="alphaLcParenR"/>
-            </a:pPr>
-            <a:r>
-              <a:rPr lang="en-US" dirty="0">
-                <a:latin typeface="Gill Sans MT" panose="020B0502020104020203" pitchFamily="34" charset="77"/>
-              </a:rPr>
-              <a:t>Boolean</a:t>
-            </a:r>
-          </a:p>
-          <a:p>
-            <a:pPr marL="457200" indent="-457200">
-              <a:buFont typeface="+mj-lt"/>
-              <a:buAutoNum type="arabicParenR"/>
-            </a:pPr>
-            <a:r>
-              <a:rPr lang="en-US" dirty="0">
-                <a:latin typeface="Gill Sans MT" panose="020B0502020104020203" pitchFamily="34" charset="77"/>
-              </a:rPr>
-              <a:t>Variables</a:t>
-            </a:r>
-          </a:p>
-          <a:p>
-            <a:pPr marL="457200" indent="-457200">
-              <a:buFont typeface="+mj-lt"/>
-              <a:buAutoNum type="arabicParenR"/>
-            </a:pPr>
-            <a:r>
-              <a:rPr lang="en-US" dirty="0">
-                <a:latin typeface="Gill Sans MT" panose="020B0502020104020203" pitchFamily="34" charset="77"/>
-              </a:rPr>
-              <a:t>Assignments and Augmented Assignments</a:t>
-            </a:r>
-          </a:p>
-          <a:p>
-            <a:pPr marL="457200" indent="-457200">
-              <a:buFont typeface="+mj-lt"/>
-              <a:buAutoNum type="arabicParenR"/>
-            </a:pPr>
-            <a:r>
-              <a:rPr lang="en-US">
-                <a:latin typeface="Gill Sans MT" panose="020B0502020104020203" pitchFamily="34" charset="77"/>
-              </a:rPr>
-              <a:t>User input</a:t>
-            </a:r>
-            <a:endParaRPr lang="en-US" dirty="0">
-              <a:latin typeface="Gill Sans MT" panose="020B0502020104020203" pitchFamily="34" charset="77"/>
-            </a:endParaRPr>
-          </a:p>
-          <a:p>
-            <a:pPr marL="0" indent="0">
-              <a:buNone/>
-            </a:pPr>
-            <a:endParaRPr lang="en-US" dirty="0">
-              <a:latin typeface="Gill Sans MT" panose="020B0502020104020203" pitchFamily="34" charset="77"/>
-            </a:endParaRPr>
-          </a:p>
-          <a:p>
-            <a:pPr marL="342900" lvl="1" indent="0">
-              <a:buNone/>
-            </a:pPr>
-            <a:endParaRPr lang="en-US" dirty="0">
-              <a:latin typeface="Gill Sans MT" panose="020B0502020104020203" pitchFamily="34" charset="77"/>
-            </a:endParaRPr>
-          </a:p>
-          <a:p>
-            <a:pPr marL="457200" indent="-457200">
-              <a:buFont typeface="+mj-lt"/>
-              <a:buAutoNum type="arabicParenR"/>
-            </a:pPr>
-            <a:endParaRPr lang="en-US" dirty="0">
-              <a:latin typeface="Gill Sans MT" panose="020B0502020104020203" pitchFamily="34" charset="77"/>
-            </a:endParaRPr>
-          </a:p>
-          <a:p>
-            <a:pPr marL="457200" indent="-457200">
-              <a:buAutoNum type="arabicParenR"/>
-            </a:pPr>
-            <a:endParaRPr lang="en-US" dirty="0">
-              <a:latin typeface="Gill Sans MT" panose="020B0502020104020203" pitchFamily="34" charset="77"/>
-            </a:endParaRPr>
-          </a:p>
-          <a:p>
-            <a:pPr marL="457200" indent="-457200">
-              <a:buAutoNum type="arabicParenR"/>
-            </a:pPr>
-            <a:endParaRPr lang="en-US" dirty="0">
-              <a:latin typeface="Gill Sans MT" panose="020B0502020104020203" pitchFamily="34" charset="77"/>
-            </a:endParaRPr>
-          </a:p>
-          <a:p>
-            <a:pPr marL="0" indent="0">
-              <a:buNone/>
-            </a:pPr>
-            <a:endParaRPr lang="en-US" dirty="0">
-              <a:latin typeface="Gill Sans MT" panose="020B0502020104020203" pitchFamily="34" charset="77"/>
-            </a:endParaRPr>
-          </a:p>
-          <a:p>
-            <a:pPr marL="0" indent="0">
-              <a:buNone/>
-            </a:pPr>
-            <a:endParaRPr lang="en-US" b="1" dirty="0">
-              <a:latin typeface="Gill Sans MT" panose="020B0502020104020203" pitchFamily="34" charset="77"/>
-            </a:endParaRPr>
-          </a:p>
-        </p:txBody>
-      </p:sp>
-    </p:spTree>
-    <p:extLst>
-      <p:ext uri="{BB962C8B-B14F-4D97-AF65-F5344CB8AC3E}">
-        <p14:creationId xmlns:p14="http://schemas.microsoft.com/office/powerpoint/2010/main" val="2207246265"/>
-      </p:ext>
-    </p:extLst>
-  </p:cSld>
-  <p:clrMapOvr>
-    <a:masterClrMapping/>
-  </p:clrMapOvr>
-</p:sld>
-</file>
-
-<file path=ppt/slides/slide20.xml><?xml version="1.0" encoding="utf-8"?>
-<p:sld xmlns:a="http://schemas.openxmlformats.org/drawingml/2006/main" xmlns:r="http://schemas.openxmlformats.org/officeDocument/2006/relationships" xmlns:p="http://schemas.openxmlformats.org/presentationml/2006/main">
-  <p:cSld>
-    <p:spTree>
-      <p:nvGrpSpPr>
-        <p:cNvPr id="1" name=""/>
-        <p:cNvGrpSpPr/>
-        <p:nvPr/>
-      </p:nvGrpSpPr>
-      <p:grpSpPr>
-        <a:xfrm>
-          <a:off x="0" y="0"/>
-          <a:ext cx="0" cy="0"/>
-          <a:chOff x="0" y="0"/>
-          <a:chExt cx="0" cy="0"/>
-        </a:xfrm>
-      </p:grpSpPr>
-      <p:sp>
-        <p:nvSpPr>
-          <p:cNvPr id="2" name="Title 1">
-            <a:extLst>
-              <a:ext uri="{FF2B5EF4-FFF2-40B4-BE49-F238E27FC236}">
-                <a16:creationId xmlns:a16="http://schemas.microsoft.com/office/drawing/2014/main" id="{AA3A228F-61D0-D949-A5E7-F83756230BF8}"/>
-              </a:ext>
-            </a:extLst>
-          </p:cNvPr>
-          <p:cNvSpPr>
-            <a:spLocks noGrp="1"/>
-          </p:cNvSpPr>
-          <p:nvPr>
-            <p:ph type="title"/>
-          </p:nvPr>
-        </p:nvSpPr>
-        <p:spPr>
-          <a:xfrm>
-            <a:off x="483848" y="467027"/>
-            <a:ext cx="7053542" cy="683886"/>
-          </a:xfrm>
-        </p:spPr>
-        <p:txBody>
-          <a:bodyPr/>
-          <a:lstStyle/>
-          <a:p>
-            <a:r>
-              <a:rPr lang="en-US" dirty="0"/>
-              <a:t>Input</a:t>
-            </a:r>
-          </a:p>
-        </p:txBody>
-      </p:sp>
-      <p:sp>
-        <p:nvSpPr>
-          <p:cNvPr id="9" name="Content Placeholder 8">
-            <a:extLst>
-              <a:ext uri="{FF2B5EF4-FFF2-40B4-BE49-F238E27FC236}">
-                <a16:creationId xmlns:a16="http://schemas.microsoft.com/office/drawing/2014/main" id="{E3B2E017-30B2-884B-A113-B419A2ED51AD}"/>
-              </a:ext>
-            </a:extLst>
-          </p:cNvPr>
-          <p:cNvSpPr>
-            <a:spLocks noGrp="1"/>
-          </p:cNvSpPr>
-          <p:nvPr>
-            <p:ph idx="1"/>
-          </p:nvPr>
-        </p:nvSpPr>
-        <p:spPr>
-          <a:xfrm>
-            <a:off x="483848" y="1288073"/>
-            <a:ext cx="8051725" cy="4292919"/>
-          </a:xfrm>
-        </p:spPr>
-        <p:txBody>
-          <a:bodyPr>
-            <a:normAutofit/>
-          </a:bodyPr>
-          <a:lstStyle/>
-          <a:p>
-            <a:pPr marL="0" indent="0">
-              <a:buNone/>
-            </a:pPr>
-            <a:r>
-              <a:rPr lang="en-US" sz="2000" dirty="0"/>
-              <a:t>Since user input almost always requires a message to the user about the expected input, the input function optionally accepts a string that it prints just before the program stops to wait for the user to respond. </a:t>
-            </a:r>
-          </a:p>
-          <a:p>
-            <a:pPr marL="0" indent="0">
-              <a:buNone/>
-            </a:pPr>
-            <a:r>
-              <a:rPr lang="en-US" sz="2000" b="1" dirty="0">
-                <a:solidFill>
-                  <a:srgbClr val="34A327"/>
-                </a:solidFill>
-                <a:latin typeface="Inconsolata Medium" panose="020B0609030003000000" pitchFamily="49" charset="77"/>
-              </a:rPr>
-              <a:t>In [</a:t>
-            </a:r>
-            <a:r>
-              <a:rPr lang="en-US" sz="2000" b="1" dirty="0">
-                <a:solidFill>
-                  <a:srgbClr val="2EE721"/>
-                </a:solidFill>
-                <a:latin typeface="Inconsolata Medium" panose="020B0609030003000000" pitchFamily="49" charset="77"/>
-              </a:rPr>
-              <a:t>1</a:t>
-            </a:r>
-            <a:r>
-              <a:rPr lang="en-US" sz="2000" b="1" dirty="0">
-                <a:solidFill>
-                  <a:srgbClr val="34A327"/>
-                </a:solidFill>
-                <a:latin typeface="Inconsolata Medium" panose="020B0609030003000000" pitchFamily="49" charset="77"/>
-              </a:rPr>
-              <a:t>]: </a:t>
-            </a:r>
-            <a:r>
-              <a:rPr lang="en-US" sz="2000" b="1" dirty="0">
-                <a:solidFill>
-                  <a:srgbClr val="000000"/>
-                </a:solidFill>
-                <a:latin typeface="Inconsolata Medium" panose="020B0609030003000000" pitchFamily="49" charset="77"/>
-              </a:rPr>
-              <a:t>x = </a:t>
-            </a:r>
-            <a:r>
-              <a:rPr lang="en-US" sz="2000" b="1" dirty="0">
-                <a:solidFill>
-                  <a:srgbClr val="34A327"/>
-                </a:solidFill>
-                <a:latin typeface="Inconsolata Medium" panose="020B0609030003000000" pitchFamily="49" charset="77"/>
-              </a:rPr>
-              <a:t>input</a:t>
-            </a:r>
-            <a:r>
-              <a:rPr lang="en-US" sz="2000" b="1" dirty="0">
-                <a:solidFill>
-                  <a:srgbClr val="000000"/>
-                </a:solidFill>
-                <a:latin typeface="Inconsolata Medium" panose="020B0609030003000000" pitchFamily="49" charset="77"/>
-              </a:rPr>
-              <a:t>(</a:t>
-            </a:r>
-            <a:r>
-              <a:rPr lang="en-US" sz="2000" b="1" dirty="0">
-                <a:solidFill>
-                  <a:srgbClr val="CD7923"/>
-                </a:solidFill>
-                <a:latin typeface="Inconsolata Medium" panose="020B0609030003000000" pitchFamily="49" charset="77"/>
-              </a:rPr>
-              <a:t>'Please enter an integer value: '</a:t>
-            </a:r>
-            <a:r>
-              <a:rPr lang="en-US" sz="2000" b="1" dirty="0">
-                <a:solidFill>
-                  <a:srgbClr val="000000"/>
-                </a:solidFill>
-                <a:latin typeface="Inconsolata Medium" panose="020B0609030003000000" pitchFamily="49" charset="77"/>
-              </a:rPr>
-              <a:t>) </a:t>
-            </a:r>
-            <a:endParaRPr lang="en-US" sz="2000" b="1" dirty="0">
-              <a:solidFill>
-                <a:srgbClr val="CD7923"/>
-              </a:solidFill>
-              <a:latin typeface="Inconsolata Medium" panose="020B0609030003000000" pitchFamily="49" charset="77"/>
-            </a:endParaRPr>
-          </a:p>
-          <a:p>
-            <a:pPr marL="0" indent="0">
-              <a:buNone/>
-            </a:pPr>
-            <a:r>
-              <a:rPr lang="en-US" sz="2000" b="1" dirty="0">
-                <a:solidFill>
-                  <a:srgbClr val="34A327"/>
-                </a:solidFill>
-                <a:latin typeface="Inconsolata Medium" panose="020B0609030003000000" pitchFamily="49" charset="77"/>
-              </a:rPr>
-              <a:t>        </a:t>
-            </a:r>
-            <a:r>
-              <a:rPr lang="en-US" sz="2000" b="1" dirty="0">
-                <a:solidFill>
-                  <a:srgbClr val="000000"/>
-                </a:solidFill>
-                <a:latin typeface="Inconsolata Medium" panose="020B0609030003000000" pitchFamily="49" charset="77"/>
-              </a:rPr>
-              <a:t>y = </a:t>
-            </a:r>
-            <a:r>
-              <a:rPr lang="en-US" sz="2000" b="1" dirty="0">
-                <a:solidFill>
-                  <a:srgbClr val="34A327"/>
-                </a:solidFill>
-                <a:latin typeface="Inconsolata Medium" panose="020B0609030003000000" pitchFamily="49" charset="77"/>
-              </a:rPr>
-              <a:t>input</a:t>
-            </a:r>
-            <a:r>
-              <a:rPr lang="en-US" sz="2000" b="1" dirty="0">
-                <a:solidFill>
-                  <a:srgbClr val="000000"/>
-                </a:solidFill>
-                <a:latin typeface="Inconsolata Medium" panose="020B0609030003000000" pitchFamily="49" charset="77"/>
-              </a:rPr>
-              <a:t>(</a:t>
-            </a:r>
-            <a:r>
-              <a:rPr lang="en-US" sz="2000" b="1" dirty="0">
-                <a:solidFill>
-                  <a:srgbClr val="CD7923"/>
-                </a:solidFill>
-                <a:latin typeface="Inconsolata Medium" panose="020B0609030003000000" pitchFamily="49" charset="77"/>
-              </a:rPr>
-              <a:t>'Please enter another integer value: '</a:t>
-            </a:r>
-            <a:r>
-              <a:rPr lang="en-US" sz="2000" b="1" dirty="0">
-                <a:solidFill>
-                  <a:srgbClr val="000000"/>
-                </a:solidFill>
-                <a:latin typeface="Inconsolata Medium" panose="020B0609030003000000" pitchFamily="49" charset="77"/>
-              </a:rPr>
-              <a:t>) </a:t>
-            </a:r>
-            <a:endParaRPr lang="en-US" sz="2000" b="1" dirty="0">
-              <a:solidFill>
-                <a:srgbClr val="CD7923"/>
-              </a:solidFill>
-              <a:latin typeface="Inconsolata Medium" panose="020B0609030003000000" pitchFamily="49" charset="77"/>
-            </a:endParaRPr>
-          </a:p>
-          <a:p>
-            <a:pPr marL="0" indent="0">
-              <a:buNone/>
-            </a:pPr>
-            <a:r>
-              <a:rPr lang="en-US" sz="2000" b="1" dirty="0">
-                <a:solidFill>
-                  <a:srgbClr val="34A327"/>
-                </a:solidFill>
-                <a:latin typeface="Inconsolata Medium" panose="020B0609030003000000" pitchFamily="49" charset="77"/>
-              </a:rPr>
-              <a:t>        </a:t>
-            </a:r>
-            <a:r>
-              <a:rPr lang="en-US" sz="2000" b="1" dirty="0">
-                <a:solidFill>
-                  <a:srgbClr val="000000"/>
-                </a:solidFill>
-                <a:latin typeface="Inconsolata Medium" panose="020B0609030003000000" pitchFamily="49" charset="77"/>
-              </a:rPr>
-              <a:t>num1 = </a:t>
-            </a:r>
-            <a:r>
-              <a:rPr lang="en-US" sz="2000" b="1" dirty="0">
-                <a:solidFill>
-                  <a:srgbClr val="34A327"/>
-                </a:solidFill>
-                <a:latin typeface="Inconsolata Medium" panose="020B0609030003000000" pitchFamily="49" charset="77"/>
-              </a:rPr>
-              <a:t>int</a:t>
-            </a:r>
-            <a:r>
-              <a:rPr lang="en-US" sz="2000" b="1" dirty="0">
-                <a:solidFill>
-                  <a:srgbClr val="000000"/>
-                </a:solidFill>
-                <a:latin typeface="Inconsolata Medium" panose="020B0609030003000000" pitchFamily="49" charset="77"/>
-              </a:rPr>
-              <a:t>(x) </a:t>
-            </a:r>
-          </a:p>
-          <a:p>
-            <a:pPr marL="0" indent="0">
-              <a:buNone/>
-            </a:pPr>
-            <a:r>
-              <a:rPr lang="en-US" sz="2000" b="1" dirty="0">
-                <a:solidFill>
-                  <a:srgbClr val="34A327"/>
-                </a:solidFill>
-                <a:latin typeface="Inconsolata Medium" panose="020B0609030003000000" pitchFamily="49" charset="77"/>
-              </a:rPr>
-              <a:t>        </a:t>
-            </a:r>
-            <a:r>
-              <a:rPr lang="en-US" sz="2000" b="1" dirty="0">
-                <a:solidFill>
-                  <a:srgbClr val="000000"/>
-                </a:solidFill>
-                <a:latin typeface="Inconsolata Medium" panose="020B0609030003000000" pitchFamily="49" charset="77"/>
-              </a:rPr>
-              <a:t>num2 = </a:t>
-            </a:r>
-            <a:r>
-              <a:rPr lang="en-US" sz="2000" b="1" dirty="0">
-                <a:solidFill>
-                  <a:srgbClr val="34A327"/>
-                </a:solidFill>
-                <a:latin typeface="Inconsolata Medium" panose="020B0609030003000000" pitchFamily="49" charset="77"/>
-              </a:rPr>
-              <a:t>int</a:t>
-            </a:r>
-            <a:r>
-              <a:rPr lang="en-US" sz="2000" b="1" dirty="0">
-                <a:solidFill>
-                  <a:srgbClr val="000000"/>
-                </a:solidFill>
-                <a:latin typeface="Inconsolata Medium" panose="020B0609030003000000" pitchFamily="49" charset="77"/>
-              </a:rPr>
-              <a:t>(y) </a:t>
-            </a:r>
-          </a:p>
-          <a:p>
-            <a:pPr marL="0" indent="0">
-              <a:buNone/>
-            </a:pPr>
-            <a:r>
-              <a:rPr lang="en-US" sz="2000" b="1" dirty="0">
-                <a:solidFill>
-                  <a:srgbClr val="34A327"/>
-                </a:solidFill>
-                <a:latin typeface="Inconsolata Medium" panose="020B0609030003000000" pitchFamily="49" charset="77"/>
-              </a:rPr>
-              <a:t>        print</a:t>
-            </a:r>
-            <a:r>
-              <a:rPr lang="en-US" sz="2000" b="1" dirty="0">
-                <a:solidFill>
-                  <a:srgbClr val="000000"/>
-                </a:solidFill>
-                <a:latin typeface="Inconsolata Medium" panose="020B0609030003000000" pitchFamily="49" charset="77"/>
-              </a:rPr>
-              <a:t>(num1, </a:t>
-            </a:r>
-            <a:r>
-              <a:rPr lang="en-US" sz="2000" b="1" dirty="0">
-                <a:solidFill>
-                  <a:srgbClr val="CD7923"/>
-                </a:solidFill>
-                <a:latin typeface="Inconsolata Medium" panose="020B0609030003000000" pitchFamily="49" charset="77"/>
-              </a:rPr>
-              <a:t>'+'</a:t>
-            </a:r>
-            <a:r>
-              <a:rPr lang="en-US" sz="2000" b="1" dirty="0">
-                <a:solidFill>
-                  <a:srgbClr val="000000"/>
-                </a:solidFill>
-                <a:latin typeface="Inconsolata Medium" panose="020B0609030003000000" pitchFamily="49" charset="77"/>
-              </a:rPr>
-              <a:t>, num2, </a:t>
-            </a:r>
-            <a:r>
-              <a:rPr lang="en-US" sz="2000" b="1" dirty="0">
-                <a:solidFill>
-                  <a:srgbClr val="CD7923"/>
-                </a:solidFill>
-                <a:latin typeface="Inconsolata Medium" panose="020B0609030003000000" pitchFamily="49" charset="77"/>
-              </a:rPr>
-              <a:t>'='</a:t>
-            </a:r>
-            <a:r>
-              <a:rPr lang="en-US" sz="2000" b="1" dirty="0">
-                <a:solidFill>
-                  <a:srgbClr val="000000"/>
-                </a:solidFill>
-                <a:latin typeface="Inconsolata Medium" panose="020B0609030003000000" pitchFamily="49" charset="77"/>
-              </a:rPr>
-              <a:t>, num1 + num2)  </a:t>
-            </a:r>
-          </a:p>
-          <a:p>
-            <a:pPr marL="0" indent="0">
-              <a:buNone/>
-            </a:pPr>
-            <a:r>
-              <a:rPr lang="en-US" sz="2000" dirty="0">
-                <a:solidFill>
-                  <a:srgbClr val="000000"/>
-                </a:solidFill>
-                <a:latin typeface="Inconsolata Medium" panose="020B0609030003000000" pitchFamily="49" charset="77"/>
-              </a:rPr>
-              <a:t>                                            </a:t>
-            </a:r>
-          </a:p>
-          <a:p>
-            <a:pPr marL="0" indent="0">
-              <a:buNone/>
-            </a:pPr>
-            <a:r>
-              <a:rPr lang="en-US" sz="2000" dirty="0">
-                <a:solidFill>
-                  <a:srgbClr val="000000"/>
-                </a:solidFill>
-                <a:latin typeface="Gill Sans MT" panose="020B0502020104020203" pitchFamily="34" charset="77"/>
-              </a:rPr>
-              <a:t>Please enter an integer value: 4</a:t>
-            </a:r>
-          </a:p>
-          <a:p>
-            <a:pPr marL="0" indent="0">
-              <a:buNone/>
-            </a:pPr>
-            <a:r>
-              <a:rPr lang="en-US" sz="2000" dirty="0">
-                <a:solidFill>
-                  <a:srgbClr val="000000"/>
-                </a:solidFill>
-                <a:latin typeface="Gill Sans MT" panose="020B0502020104020203" pitchFamily="34" charset="77"/>
-              </a:rPr>
-              <a:t>Please enter another integer value: 5</a:t>
-            </a:r>
-          </a:p>
-          <a:p>
-            <a:pPr marL="0" indent="0">
-              <a:buNone/>
-            </a:pPr>
-            <a:r>
-              <a:rPr lang="en-US" sz="2000" dirty="0">
-                <a:solidFill>
-                  <a:srgbClr val="000000"/>
-                </a:solidFill>
-                <a:latin typeface="Gill Sans MT" panose="020B0502020104020203" pitchFamily="34" charset="77"/>
-              </a:rPr>
-              <a:t>4 + 5 = 9</a:t>
-            </a:r>
-          </a:p>
-          <a:p>
-            <a:pPr marL="0" indent="0">
-              <a:buNone/>
-            </a:pPr>
-            <a:endParaRPr lang="en-US" dirty="0">
-              <a:latin typeface="Gill Sans MT" panose="020B0502020104020203" pitchFamily="34" charset="77"/>
-            </a:endParaRPr>
-          </a:p>
-          <a:p>
-            <a:pPr marL="342900" lvl="1" indent="0">
-              <a:buNone/>
-            </a:pPr>
-            <a:endParaRPr lang="en-US" sz="2100" dirty="0">
-              <a:latin typeface="Gill Sans MT" panose="020B0502020104020203" pitchFamily="34" charset="77"/>
-            </a:endParaRPr>
-          </a:p>
-          <a:p>
-            <a:pPr marL="342900" lvl="1" indent="0">
-              <a:buNone/>
-            </a:pPr>
-            <a:endParaRPr lang="en-US" sz="2100" dirty="0">
-              <a:latin typeface="Gill Sans MT" panose="020B0502020104020203" pitchFamily="34" charset="77"/>
-            </a:endParaRPr>
-          </a:p>
-          <a:p>
-            <a:pPr marL="342900" lvl="1" indent="0">
-              <a:buNone/>
-            </a:pPr>
-            <a:endParaRPr lang="en-US" sz="2100" dirty="0">
-              <a:solidFill>
-                <a:srgbClr val="000087"/>
-              </a:solidFill>
-              <a:latin typeface="Gill Sans MT" panose="020B0502020104020203" pitchFamily="34" charset="77"/>
-            </a:endParaRPr>
-          </a:p>
-        </p:txBody>
-      </p:sp>
-    </p:spTree>
-    <p:extLst>
-      <p:ext uri="{BB962C8B-B14F-4D97-AF65-F5344CB8AC3E}">
-        <p14:creationId xmlns:p14="http://schemas.microsoft.com/office/powerpoint/2010/main" val="1668049367"/>
-      </p:ext>
-    </p:extLst>
-  </p:cSld>
-  <p:clrMapOvr>
-    <a:masterClrMapping/>
-  </p:clrMapOvr>
-</p:sld>
-</file>
-
 <file path=ppt/slides/slide21.xml><?xml version="1.0" encoding="utf-8"?>
 <p:sld xmlns:a="http://schemas.openxmlformats.org/drawingml/2006/main" xmlns:r="http://schemas.openxmlformats.org/officeDocument/2006/relationships" xmlns:p="http://schemas.openxmlformats.org/presentationml/2006/main">
   <p:cSld>
@@ -9302,6 +9411,487 @@
             </a:pPr>
             <a:r>
               <a:rPr lang="en-US" sz="2000" dirty="0"/>
+              <a:t>Since user input almost always requires a message to the user about the expected input, the input function optionally accepts a string that it prints just before the program stops to wait for the user to respond. </a:t>
+            </a:r>
+          </a:p>
+          <a:p>
+            <a:pPr marL="0" indent="0">
+              <a:buNone/>
+            </a:pPr>
+            <a:r>
+              <a:rPr lang="en-US" sz="2000" b="1" dirty="0">
+                <a:solidFill>
+                  <a:srgbClr val="34A327"/>
+                </a:solidFill>
+                <a:latin typeface="Inconsolata Medium" panose="020B0609030003000000" pitchFamily="49" charset="77"/>
+              </a:rPr>
+              <a:t>In [</a:t>
+            </a:r>
+            <a:r>
+              <a:rPr lang="en-US" sz="2000" b="1" dirty="0">
+                <a:solidFill>
+                  <a:srgbClr val="2EE721"/>
+                </a:solidFill>
+                <a:latin typeface="Inconsolata Medium" panose="020B0609030003000000" pitchFamily="49" charset="77"/>
+              </a:rPr>
+              <a:t>1</a:t>
+            </a:r>
+            <a:r>
+              <a:rPr lang="en-US" sz="2000" b="1" dirty="0">
+                <a:solidFill>
+                  <a:srgbClr val="34A327"/>
+                </a:solidFill>
+                <a:latin typeface="Inconsolata Medium" panose="020B0609030003000000" pitchFamily="49" charset="77"/>
+              </a:rPr>
+              <a:t>]: </a:t>
+            </a:r>
+            <a:r>
+              <a:rPr lang="en-US" sz="2000" b="1" dirty="0">
+                <a:solidFill>
+                  <a:srgbClr val="000000"/>
+                </a:solidFill>
+                <a:latin typeface="Inconsolata Medium" panose="020B0609030003000000" pitchFamily="49" charset="77"/>
+              </a:rPr>
+              <a:t>x = </a:t>
+            </a:r>
+            <a:r>
+              <a:rPr lang="en-US" sz="2000" b="1" dirty="0">
+                <a:solidFill>
+                  <a:srgbClr val="34A327"/>
+                </a:solidFill>
+                <a:latin typeface="Inconsolata Medium" panose="020B0609030003000000" pitchFamily="49" charset="77"/>
+              </a:rPr>
+              <a:t>input</a:t>
+            </a:r>
+            <a:r>
+              <a:rPr lang="en-US" sz="2000" b="1" dirty="0">
+                <a:solidFill>
+                  <a:srgbClr val="000000"/>
+                </a:solidFill>
+                <a:latin typeface="Inconsolata Medium" panose="020B0609030003000000" pitchFamily="49" charset="77"/>
+              </a:rPr>
+              <a:t>(</a:t>
+            </a:r>
+            <a:r>
+              <a:rPr lang="en-US" sz="2000" b="1" dirty="0">
+                <a:solidFill>
+                  <a:srgbClr val="CD7923"/>
+                </a:solidFill>
+                <a:latin typeface="Inconsolata Medium" panose="020B0609030003000000" pitchFamily="49" charset="77"/>
+              </a:rPr>
+              <a:t>'Please enter an integer value: '</a:t>
+            </a:r>
+            <a:r>
+              <a:rPr lang="en-US" sz="2000" b="1" dirty="0">
+                <a:solidFill>
+                  <a:srgbClr val="000000"/>
+                </a:solidFill>
+                <a:latin typeface="Inconsolata Medium" panose="020B0609030003000000" pitchFamily="49" charset="77"/>
+              </a:rPr>
+              <a:t>) </a:t>
+            </a:r>
+            <a:endParaRPr lang="en-US" sz="2000" b="1" dirty="0">
+              <a:solidFill>
+                <a:srgbClr val="CD7923"/>
+              </a:solidFill>
+              <a:latin typeface="Inconsolata Medium" panose="020B0609030003000000" pitchFamily="49" charset="77"/>
+            </a:endParaRPr>
+          </a:p>
+          <a:p>
+            <a:pPr marL="0" indent="0">
+              <a:buNone/>
+            </a:pPr>
+            <a:r>
+              <a:rPr lang="en-US" sz="2000" b="1" dirty="0">
+                <a:solidFill>
+                  <a:srgbClr val="34A327"/>
+                </a:solidFill>
+                <a:latin typeface="Inconsolata Medium" panose="020B0609030003000000" pitchFamily="49" charset="77"/>
+              </a:rPr>
+              <a:t>        </a:t>
+            </a:r>
+            <a:r>
+              <a:rPr lang="en-US" sz="2000" b="1" dirty="0">
+                <a:solidFill>
+                  <a:srgbClr val="000000"/>
+                </a:solidFill>
+                <a:latin typeface="Inconsolata Medium" panose="020B0609030003000000" pitchFamily="49" charset="77"/>
+              </a:rPr>
+              <a:t>y = </a:t>
+            </a:r>
+            <a:r>
+              <a:rPr lang="en-US" sz="2000" b="1" dirty="0">
+                <a:solidFill>
+                  <a:srgbClr val="34A327"/>
+                </a:solidFill>
+                <a:latin typeface="Inconsolata Medium" panose="020B0609030003000000" pitchFamily="49" charset="77"/>
+              </a:rPr>
+              <a:t>input</a:t>
+            </a:r>
+            <a:r>
+              <a:rPr lang="en-US" sz="2000" b="1" dirty="0">
+                <a:solidFill>
+                  <a:srgbClr val="000000"/>
+                </a:solidFill>
+                <a:latin typeface="Inconsolata Medium" panose="020B0609030003000000" pitchFamily="49" charset="77"/>
+              </a:rPr>
+              <a:t>(</a:t>
+            </a:r>
+            <a:r>
+              <a:rPr lang="en-US" sz="2000" b="1" dirty="0">
+                <a:solidFill>
+                  <a:srgbClr val="CD7923"/>
+                </a:solidFill>
+                <a:latin typeface="Inconsolata Medium" panose="020B0609030003000000" pitchFamily="49" charset="77"/>
+              </a:rPr>
+              <a:t>'Please enter another integer value: '</a:t>
+            </a:r>
+            <a:r>
+              <a:rPr lang="en-US" sz="2000" b="1" dirty="0">
+                <a:solidFill>
+                  <a:srgbClr val="000000"/>
+                </a:solidFill>
+                <a:latin typeface="Inconsolata Medium" panose="020B0609030003000000" pitchFamily="49" charset="77"/>
+              </a:rPr>
+              <a:t>) </a:t>
+            </a:r>
+            <a:endParaRPr lang="en-US" sz="2000" b="1" dirty="0">
+              <a:solidFill>
+                <a:srgbClr val="CD7923"/>
+              </a:solidFill>
+              <a:latin typeface="Inconsolata Medium" panose="020B0609030003000000" pitchFamily="49" charset="77"/>
+            </a:endParaRPr>
+          </a:p>
+          <a:p>
+            <a:pPr marL="0" indent="0">
+              <a:buNone/>
+            </a:pPr>
+            <a:r>
+              <a:rPr lang="en-US" sz="2000" b="1" dirty="0">
+                <a:solidFill>
+                  <a:srgbClr val="34A327"/>
+                </a:solidFill>
+                <a:latin typeface="Inconsolata Medium" panose="020B0609030003000000" pitchFamily="49" charset="77"/>
+              </a:rPr>
+              <a:t>        </a:t>
+            </a:r>
+            <a:r>
+              <a:rPr lang="en-US" sz="2000" b="1" dirty="0">
+                <a:solidFill>
+                  <a:srgbClr val="000000"/>
+                </a:solidFill>
+                <a:latin typeface="Inconsolata Medium" panose="020B0609030003000000" pitchFamily="49" charset="77"/>
+              </a:rPr>
+              <a:t>num1 = </a:t>
+            </a:r>
+            <a:r>
+              <a:rPr lang="en-US" sz="2000" b="1" dirty="0">
+                <a:solidFill>
+                  <a:srgbClr val="34A327"/>
+                </a:solidFill>
+                <a:latin typeface="Inconsolata Medium" panose="020B0609030003000000" pitchFamily="49" charset="77"/>
+              </a:rPr>
+              <a:t>int</a:t>
+            </a:r>
+            <a:r>
+              <a:rPr lang="en-US" sz="2000" b="1" dirty="0">
+                <a:solidFill>
+                  <a:srgbClr val="000000"/>
+                </a:solidFill>
+                <a:latin typeface="Inconsolata Medium" panose="020B0609030003000000" pitchFamily="49" charset="77"/>
+              </a:rPr>
+              <a:t>(x) </a:t>
+            </a:r>
+          </a:p>
+          <a:p>
+            <a:pPr marL="0" indent="0">
+              <a:buNone/>
+            </a:pPr>
+            <a:r>
+              <a:rPr lang="en-US" sz="2000" b="1" dirty="0">
+                <a:solidFill>
+                  <a:srgbClr val="34A327"/>
+                </a:solidFill>
+                <a:latin typeface="Inconsolata Medium" panose="020B0609030003000000" pitchFamily="49" charset="77"/>
+              </a:rPr>
+              <a:t>        </a:t>
+            </a:r>
+            <a:r>
+              <a:rPr lang="en-US" sz="2000" b="1" dirty="0">
+                <a:solidFill>
+                  <a:srgbClr val="000000"/>
+                </a:solidFill>
+                <a:latin typeface="Inconsolata Medium" panose="020B0609030003000000" pitchFamily="49" charset="77"/>
+              </a:rPr>
+              <a:t>num2 = </a:t>
+            </a:r>
+            <a:r>
+              <a:rPr lang="en-US" sz="2000" b="1" dirty="0">
+                <a:solidFill>
+                  <a:srgbClr val="34A327"/>
+                </a:solidFill>
+                <a:latin typeface="Inconsolata Medium" panose="020B0609030003000000" pitchFamily="49" charset="77"/>
+              </a:rPr>
+              <a:t>int</a:t>
+            </a:r>
+            <a:r>
+              <a:rPr lang="en-US" sz="2000" b="1" dirty="0">
+                <a:solidFill>
+                  <a:srgbClr val="000000"/>
+                </a:solidFill>
+                <a:latin typeface="Inconsolata Medium" panose="020B0609030003000000" pitchFamily="49" charset="77"/>
+              </a:rPr>
+              <a:t>(y) </a:t>
+            </a:r>
+          </a:p>
+          <a:p>
+            <a:pPr marL="0" indent="0">
+              <a:buNone/>
+            </a:pPr>
+            <a:r>
+              <a:rPr lang="en-US" sz="2000" b="1" dirty="0">
+                <a:solidFill>
+                  <a:srgbClr val="34A327"/>
+                </a:solidFill>
+                <a:latin typeface="Inconsolata Medium" panose="020B0609030003000000" pitchFamily="49" charset="77"/>
+              </a:rPr>
+              <a:t>        print</a:t>
+            </a:r>
+            <a:r>
+              <a:rPr lang="en-US" sz="2000" b="1" dirty="0">
+                <a:solidFill>
+                  <a:srgbClr val="000000"/>
+                </a:solidFill>
+                <a:latin typeface="Inconsolata Medium" panose="020B0609030003000000" pitchFamily="49" charset="77"/>
+              </a:rPr>
+              <a:t>(num1, </a:t>
+            </a:r>
+            <a:r>
+              <a:rPr lang="en-US" sz="2000" b="1" dirty="0">
+                <a:solidFill>
+                  <a:srgbClr val="CD7923"/>
+                </a:solidFill>
+                <a:latin typeface="Inconsolata Medium" panose="020B0609030003000000" pitchFamily="49" charset="77"/>
+              </a:rPr>
+              <a:t>'+'</a:t>
+            </a:r>
+            <a:r>
+              <a:rPr lang="en-US" sz="2000" b="1" dirty="0">
+                <a:solidFill>
+                  <a:srgbClr val="000000"/>
+                </a:solidFill>
+                <a:latin typeface="Inconsolata Medium" panose="020B0609030003000000" pitchFamily="49" charset="77"/>
+              </a:rPr>
+              <a:t>, num2, </a:t>
+            </a:r>
+            <a:r>
+              <a:rPr lang="en-US" sz="2000" b="1" dirty="0">
+                <a:solidFill>
+                  <a:srgbClr val="CD7923"/>
+                </a:solidFill>
+                <a:latin typeface="Inconsolata Medium" panose="020B0609030003000000" pitchFamily="49" charset="77"/>
+              </a:rPr>
+              <a:t>'='</a:t>
+            </a:r>
+            <a:r>
+              <a:rPr lang="en-US" sz="2000" b="1" dirty="0">
+                <a:solidFill>
+                  <a:srgbClr val="000000"/>
+                </a:solidFill>
+                <a:latin typeface="Inconsolata Medium" panose="020B0609030003000000" pitchFamily="49" charset="77"/>
+              </a:rPr>
+              <a:t>, num1 + num2)  </a:t>
+            </a:r>
+          </a:p>
+          <a:p>
+            <a:pPr marL="0" indent="0">
+              <a:buNone/>
+            </a:pPr>
+            <a:r>
+              <a:rPr lang="en-US" sz="2000" dirty="0">
+                <a:solidFill>
+                  <a:srgbClr val="000000"/>
+                </a:solidFill>
+                <a:latin typeface="Inconsolata Medium" panose="020B0609030003000000" pitchFamily="49" charset="77"/>
+              </a:rPr>
+              <a:t>                                            </a:t>
+            </a:r>
+          </a:p>
+          <a:p>
+            <a:pPr marL="0" indent="0">
+              <a:buNone/>
+            </a:pPr>
+            <a:r>
+              <a:rPr lang="en-US" sz="2000" dirty="0">
+                <a:solidFill>
+                  <a:srgbClr val="000000"/>
+                </a:solidFill>
+                <a:latin typeface="Gill Sans MT" panose="020B0502020104020203" pitchFamily="34" charset="77"/>
+              </a:rPr>
+              <a:t>Please enter an integer value: 4</a:t>
+            </a:r>
+          </a:p>
+          <a:p>
+            <a:pPr marL="0" indent="0">
+              <a:buNone/>
+            </a:pPr>
+            <a:r>
+              <a:rPr lang="en-US" sz="2000" dirty="0">
+                <a:solidFill>
+                  <a:srgbClr val="000000"/>
+                </a:solidFill>
+                <a:latin typeface="Gill Sans MT" panose="020B0502020104020203" pitchFamily="34" charset="77"/>
+              </a:rPr>
+              <a:t>Please enter another integer value: 5</a:t>
+            </a:r>
+          </a:p>
+          <a:p>
+            <a:pPr marL="0" indent="0">
+              <a:buNone/>
+            </a:pPr>
+            <a:r>
+              <a:rPr lang="en-US" sz="2000" dirty="0">
+                <a:solidFill>
+                  <a:srgbClr val="000000"/>
+                </a:solidFill>
+                <a:latin typeface="Gill Sans MT" panose="020B0502020104020203" pitchFamily="34" charset="77"/>
+              </a:rPr>
+              <a:t>4 + 5 = 9</a:t>
+            </a:r>
+          </a:p>
+          <a:p>
+            <a:pPr marL="0" indent="0">
+              <a:buNone/>
+            </a:pPr>
+            <a:endParaRPr lang="en-US" dirty="0">
+              <a:latin typeface="Gill Sans MT" panose="020B0502020104020203" pitchFamily="34" charset="77"/>
+            </a:endParaRPr>
+          </a:p>
+          <a:p>
+            <a:pPr marL="342900" lvl="1" indent="0">
+              <a:buNone/>
+            </a:pPr>
+            <a:endParaRPr lang="en-US" sz="2100" dirty="0">
+              <a:latin typeface="Gill Sans MT" panose="020B0502020104020203" pitchFamily="34" charset="77"/>
+            </a:endParaRPr>
+          </a:p>
+          <a:p>
+            <a:pPr marL="342900" lvl="1" indent="0">
+              <a:buNone/>
+            </a:pPr>
+            <a:endParaRPr lang="en-US" sz="2100" dirty="0">
+              <a:latin typeface="Gill Sans MT" panose="020B0502020104020203" pitchFamily="34" charset="77"/>
+            </a:endParaRPr>
+          </a:p>
+          <a:p>
+            <a:pPr marL="342900" lvl="1" indent="0">
+              <a:buNone/>
+            </a:pPr>
+            <a:endParaRPr lang="en-US" sz="2100" dirty="0">
+              <a:solidFill>
+                <a:srgbClr val="000087"/>
+              </a:solidFill>
+              <a:latin typeface="Gill Sans MT" panose="020B0502020104020203" pitchFamily="34" charset="77"/>
+            </a:endParaRPr>
+          </a:p>
+        </p:txBody>
+      </p:sp>
+    </p:spTree>
+    <p:extLst>
+      <p:ext uri="{BB962C8B-B14F-4D97-AF65-F5344CB8AC3E}">
+        <p14:creationId xmlns:p14="http://schemas.microsoft.com/office/powerpoint/2010/main" val="1668049367"/>
+      </p:ext>
+    </p:extLst>
+  </p:cSld>
+  <p:clrMapOvr>
+    <a:masterClrMapping/>
+  </p:clrMapOvr>
+</p:sld>
+</file>
+
+<file path=ppt/slides/slide22.xml><?xml version="1.0" encoding="utf-8"?>
+<p:sld xmlns:a="http://schemas.openxmlformats.org/drawingml/2006/main" xmlns:r="http://schemas.openxmlformats.org/officeDocument/2006/relationships" xmlns:p="http://schemas.openxmlformats.org/presentationml/2006/main">
+  <p:cSld>
+    <p:spTree>
+      <p:nvGrpSpPr>
+        <p:cNvPr id="1" name=""/>
+        <p:cNvGrpSpPr/>
+        <p:nvPr/>
+      </p:nvGrpSpPr>
+      <p:grpSpPr>
+        <a:xfrm>
+          <a:off x="0" y="0"/>
+          <a:ext cx="0" cy="0"/>
+          <a:chOff x="0" y="0"/>
+          <a:chExt cx="0" cy="0"/>
+        </a:xfrm>
+      </p:grpSpPr>
+      <p:sp>
+        <p:nvSpPr>
+          <p:cNvPr id="2" name="Title 1">
+            <a:extLst>
+              <a:ext uri="{FF2B5EF4-FFF2-40B4-BE49-F238E27FC236}">
+                <a16:creationId xmlns:a16="http://schemas.microsoft.com/office/drawing/2014/main" id="{AA3A228F-61D0-D949-A5E7-F83756230BF8}"/>
+              </a:ext>
+            </a:extLst>
+          </p:cNvPr>
+          <p:cNvSpPr>
+            <a:spLocks noGrp="1"/>
+          </p:cNvSpPr>
+          <p:nvPr>
+            <p:ph type="title"/>
+          </p:nvPr>
+        </p:nvSpPr>
+        <p:spPr>
+          <a:xfrm>
+            <a:off x="483848" y="467027"/>
+            <a:ext cx="7053542" cy="683886"/>
+          </a:xfrm>
+        </p:spPr>
+        <p:txBody>
+          <a:bodyPr/>
+          <a:lstStyle/>
+          <a:p>
+            <a:r>
+              <a:rPr lang="en-US" dirty="0"/>
+              <a:t>Input</a:t>
+            </a:r>
+          </a:p>
+        </p:txBody>
+      </p:sp>
+      <p:sp>
+        <p:nvSpPr>
+          <p:cNvPr id="9" name="Content Placeholder 8">
+            <a:extLst>
+              <a:ext uri="{FF2B5EF4-FFF2-40B4-BE49-F238E27FC236}">
+                <a16:creationId xmlns:a16="http://schemas.microsoft.com/office/drawing/2014/main" id="{E3B2E017-30B2-884B-A113-B419A2ED51AD}"/>
+              </a:ext>
+            </a:extLst>
+          </p:cNvPr>
+          <p:cNvSpPr>
+            <a:spLocks noGrp="1"/>
+          </p:cNvSpPr>
+          <p:nvPr>
+            <p:ph idx="1"/>
+          </p:nvPr>
+        </p:nvSpPr>
+        <p:spPr>
+          <a:xfrm>
+            <a:off x="483848" y="1288073"/>
+            <a:ext cx="8051725" cy="4292919"/>
+          </a:xfrm>
+        </p:spPr>
+        <p:txBody>
+          <a:bodyPr>
+            <a:normAutofit/>
+          </a:bodyPr>
+          <a:lstStyle/>
+          <a:p>
+            <a:pPr marL="0" indent="0">
+              <a:buNone/>
+            </a:pPr>
+            <a:r>
+              <a:rPr lang="en-US" sz="2000" dirty="0"/>
               <a:t>Or even more succinctly. </a:t>
             </a:r>
           </a:p>
@@ -9629,7 +10219,7 @@
 </p:sld>
 </file>
 
-<file path=ppt/slides/slide22.xml><?xml version="1.0" encoding="utf-8"?>
+<file path=ppt/slides/slide23.xml><?xml version="1.0" encoding="utf-8"?>
 <p:sld xmlns:a="http://schemas.openxmlformats.org/drawingml/2006/main" xmlns:r="http://schemas.openxmlformats.org/officeDocument/2006/relationships" xmlns:p="http://schemas.openxmlformats.org/presentationml/2006/main">
   <p:cSld>
     <p:spTree>

--- a/courses/apcsp/lect2.pptx
+++ b/courses/apcsp/lect2.pptx
@@ -9,25 +9,27 @@
     <p:sldId id="257" r:id="rId3"/>
     <p:sldId id="277" r:id="rId4"/>
     <p:sldId id="291" r:id="rId5"/>
-    <p:sldId id="292" r:id="rId6"/>
-    <p:sldId id="293" r:id="rId7"/>
-    <p:sldId id="294" r:id="rId8"/>
-    <p:sldId id="295" r:id="rId9"/>
-    <p:sldId id="296" r:id="rId10"/>
-    <p:sldId id="282" r:id="rId11"/>
-    <p:sldId id="297" r:id="rId12"/>
-    <p:sldId id="283" r:id="rId13"/>
-    <p:sldId id="298" r:id="rId14"/>
-    <p:sldId id="306" r:id="rId15"/>
-    <p:sldId id="307" r:id="rId16"/>
-    <p:sldId id="299" r:id="rId17"/>
-    <p:sldId id="300" r:id="rId18"/>
-    <p:sldId id="301" r:id="rId19"/>
-    <p:sldId id="302" r:id="rId20"/>
-    <p:sldId id="303" r:id="rId21"/>
-    <p:sldId id="304" r:id="rId22"/>
-    <p:sldId id="305" r:id="rId23"/>
-    <p:sldId id="290" r:id="rId24"/>
+    <p:sldId id="309" r:id="rId6"/>
+    <p:sldId id="308" r:id="rId7"/>
+    <p:sldId id="292" r:id="rId8"/>
+    <p:sldId id="293" r:id="rId9"/>
+    <p:sldId id="294" r:id="rId10"/>
+    <p:sldId id="295" r:id="rId11"/>
+    <p:sldId id="296" r:id="rId12"/>
+    <p:sldId id="282" r:id="rId13"/>
+    <p:sldId id="297" r:id="rId14"/>
+    <p:sldId id="283" r:id="rId15"/>
+    <p:sldId id="298" r:id="rId16"/>
+    <p:sldId id="306" r:id="rId17"/>
+    <p:sldId id="307" r:id="rId18"/>
+    <p:sldId id="299" r:id="rId19"/>
+    <p:sldId id="300" r:id="rId20"/>
+    <p:sldId id="301" r:id="rId21"/>
+    <p:sldId id="302" r:id="rId22"/>
+    <p:sldId id="303" r:id="rId23"/>
+    <p:sldId id="304" r:id="rId24"/>
+    <p:sldId id="305" r:id="rId25"/>
+    <p:sldId id="290" r:id="rId26"/>
   </p:sldIdLst>
   <p:sldSz cx="9144000" cy="5715000" type="screen16x10"/>
   <p:notesSz cx="6858000" cy="9144000"/>
@@ -137,7 +139,7 @@
 <file path=ppt/revisionInfo.xml><?xml version="1.0" encoding="utf-8"?>
 <p1510:revInfo xmlns:a="http://schemas.openxmlformats.org/drawingml/2006/main" xmlns:r="http://schemas.openxmlformats.org/officeDocument/2006/relationships" xmlns:p1510="http://schemas.microsoft.com/office/powerpoint/2015/10/main">
   <p1510:revLst>
-    <p1510:client id="{3F616429-CA07-8145-BE07-B7552942C56D}" v="76" dt="2019-09-10T02:37:28.518"/>
+    <p1510:client id="{3F616429-CA07-8145-BE07-B7552942C56D}" v="85" dt="2019-09-11T13:43:44.012"/>
   </p1510:revLst>
 </p1510:revInfo>
 </file>
@@ -147,7 +149,7 @@
   <pc:docChgLst>
     <pc:chgData name="Long B Nguyen" userId="f59fb8f3-a021-417a-8bc1-65c8d471c621" providerId="ADAL" clId="{3F616429-CA07-8145-BE07-B7552942C56D}"/>
     <pc:docChg chg="undo custSel addSld delSld modSld">
-      <pc:chgData name="Long B Nguyen" userId="f59fb8f3-a021-417a-8bc1-65c8d471c621" providerId="ADAL" clId="{3F616429-CA07-8145-BE07-B7552942C56D}" dt="2019-09-10T02:37:28.517" v="3921"/>
+      <pc:chgData name="Long B Nguyen" userId="f59fb8f3-a021-417a-8bc1-65c8d471c621" providerId="ADAL" clId="{3F616429-CA07-8145-BE07-B7552942C56D}" dt="2019-09-11T13:45:08.633" v="4616" actId="20577"/>
       <pc:docMkLst>
         <pc:docMk/>
       </pc:docMkLst>
@@ -282,13 +284,13 @@
         </pc:spChg>
       </pc:sldChg>
       <pc:sldChg chg="modSp add">
-        <pc:chgData name="Long B Nguyen" userId="f59fb8f3-a021-417a-8bc1-65c8d471c621" providerId="ADAL" clId="{3F616429-CA07-8145-BE07-B7552942C56D}" dt="2019-09-07T13:23:59.777" v="672" actId="20577"/>
+        <pc:chgData name="Long B Nguyen" userId="f59fb8f3-a021-417a-8bc1-65c8d471c621" providerId="ADAL" clId="{3F616429-CA07-8145-BE07-B7552942C56D}" dt="2019-09-11T13:45:08.633" v="4616" actId="20577"/>
         <pc:sldMkLst>
           <pc:docMk/>
           <pc:sldMk cId="4114225628" sldId="292"/>
         </pc:sldMkLst>
         <pc:spChg chg="mod">
-          <ac:chgData name="Long B Nguyen" userId="f59fb8f3-a021-417a-8bc1-65c8d471c621" providerId="ADAL" clId="{3F616429-CA07-8145-BE07-B7552942C56D}" dt="2019-09-07T13:23:59.777" v="672" actId="20577"/>
+          <ac:chgData name="Long B Nguyen" userId="f59fb8f3-a021-417a-8bc1-65c8d471c621" providerId="ADAL" clId="{3F616429-CA07-8145-BE07-B7552942C56D}" dt="2019-09-11T13:44:35.504" v="4612" actId="20577"/>
           <ac:spMkLst>
             <pc:docMk/>
             <pc:sldMk cId="4114225628" sldId="292"/>
@@ -296,7 +298,7 @@
           </ac:spMkLst>
         </pc:spChg>
         <pc:spChg chg="mod">
-          <ac:chgData name="Long B Nguyen" userId="f59fb8f3-a021-417a-8bc1-65c8d471c621" providerId="ADAL" clId="{3F616429-CA07-8145-BE07-B7552942C56D}" dt="2019-09-07T13:23:09.966" v="623" actId="20577"/>
+          <ac:chgData name="Long B Nguyen" userId="f59fb8f3-a021-417a-8bc1-65c8d471c621" providerId="ADAL" clId="{3F616429-CA07-8145-BE07-B7552942C56D}" dt="2019-09-11T13:45:08.633" v="4616" actId="20577"/>
           <ac:spMkLst>
             <pc:docMk/>
             <pc:sldMk cId="4114225628" sldId="292"/>
@@ -305,13 +307,13 @@
         </pc:spChg>
       </pc:sldChg>
       <pc:sldChg chg="modSp add">
-        <pc:chgData name="Long B Nguyen" userId="f59fb8f3-a021-417a-8bc1-65c8d471c621" providerId="ADAL" clId="{3F616429-CA07-8145-BE07-B7552942C56D}" dt="2019-09-07T13:26:41.723" v="866" actId="20577"/>
+        <pc:chgData name="Long B Nguyen" userId="f59fb8f3-a021-417a-8bc1-65c8d471c621" providerId="ADAL" clId="{3F616429-CA07-8145-BE07-B7552942C56D}" dt="2019-09-11T13:31:57.237" v="3924" actId="20577"/>
         <pc:sldMkLst>
           <pc:docMk/>
           <pc:sldMk cId="3662168313" sldId="293"/>
         </pc:sldMkLst>
         <pc:spChg chg="mod">
-          <ac:chgData name="Long B Nguyen" userId="f59fb8f3-a021-417a-8bc1-65c8d471c621" providerId="ADAL" clId="{3F616429-CA07-8145-BE07-B7552942C56D}" dt="2019-09-07T13:24:04.522" v="674" actId="20577"/>
+          <ac:chgData name="Long B Nguyen" userId="f59fb8f3-a021-417a-8bc1-65c8d471c621" providerId="ADAL" clId="{3F616429-CA07-8145-BE07-B7552942C56D}" dt="2019-09-11T13:31:57.237" v="3924" actId="20577"/>
           <ac:spMkLst>
             <pc:docMk/>
             <pc:sldMk cId="3662168313" sldId="293"/>
@@ -672,6 +674,67 @@
           </ac:spMkLst>
         </pc:spChg>
       </pc:sldChg>
+      <pc:sldChg chg="modSp add">
+        <pc:chgData name="Long B Nguyen" userId="f59fb8f3-a021-417a-8bc1-65c8d471c621" providerId="ADAL" clId="{3F616429-CA07-8145-BE07-B7552942C56D}" dt="2019-09-11T13:42:50.109" v="4435" actId="20577"/>
+        <pc:sldMkLst>
+          <pc:docMk/>
+          <pc:sldMk cId="1755375274" sldId="308"/>
+        </pc:sldMkLst>
+        <pc:spChg chg="mod">
+          <ac:chgData name="Long B Nguyen" userId="f59fb8f3-a021-417a-8bc1-65c8d471c621" providerId="ADAL" clId="{3F616429-CA07-8145-BE07-B7552942C56D}" dt="2019-09-11T13:38:51.567" v="4076" actId="20577"/>
+          <ac:spMkLst>
+            <pc:docMk/>
+            <pc:sldMk cId="1755375274" sldId="308"/>
+            <ac:spMk id="2" creationId="{AA3A228F-61D0-D949-A5E7-F83756230BF8}"/>
+          </ac:spMkLst>
+        </pc:spChg>
+        <pc:spChg chg="mod">
+          <ac:chgData name="Long B Nguyen" userId="f59fb8f3-a021-417a-8bc1-65c8d471c621" providerId="ADAL" clId="{3F616429-CA07-8145-BE07-B7552942C56D}" dt="2019-09-11T13:42:50.109" v="4435" actId="20577"/>
+          <ac:spMkLst>
+            <pc:docMk/>
+            <pc:sldMk cId="1755375274" sldId="308"/>
+            <ac:spMk id="9" creationId="{E3B2E017-30B2-884B-A113-B419A2ED51AD}"/>
+          </ac:spMkLst>
+        </pc:spChg>
+      </pc:sldChg>
+      <pc:sldChg chg="modSp add">
+        <pc:chgData name="Long B Nguyen" userId="f59fb8f3-a021-417a-8bc1-65c8d471c621" providerId="ADAL" clId="{3F616429-CA07-8145-BE07-B7552942C56D}" dt="2019-09-11T13:44:20.200" v="4603" actId="20577"/>
+        <pc:sldMkLst>
+          <pc:docMk/>
+          <pc:sldMk cId="1962761824" sldId="309"/>
+        </pc:sldMkLst>
+        <pc:spChg chg="mod">
+          <ac:chgData name="Long B Nguyen" userId="f59fb8f3-a021-417a-8bc1-65c8d471c621" providerId="ADAL" clId="{3F616429-CA07-8145-BE07-B7552942C56D}" dt="2019-09-11T13:43:21.936" v="4473" actId="20577"/>
+          <ac:spMkLst>
+            <pc:docMk/>
+            <pc:sldMk cId="1962761824" sldId="309"/>
+            <ac:spMk id="2" creationId="{AA3A228F-61D0-D949-A5E7-F83756230BF8}"/>
+          </ac:spMkLst>
+        </pc:spChg>
+        <pc:spChg chg="mod">
+          <ac:chgData name="Long B Nguyen" userId="f59fb8f3-a021-417a-8bc1-65c8d471c621" providerId="ADAL" clId="{3F616429-CA07-8145-BE07-B7552942C56D}" dt="2019-09-11T13:44:20.200" v="4603" actId="20577"/>
+          <ac:spMkLst>
+            <pc:docMk/>
+            <pc:sldMk cId="1962761824" sldId="309"/>
+            <ac:spMk id="9" creationId="{E3B2E017-30B2-884B-A113-B419A2ED51AD}"/>
+          </ac:spMkLst>
+        </pc:spChg>
+      </pc:sldChg>
+      <pc:sldChg chg="modSp add del">
+        <pc:chgData name="Long B Nguyen" userId="f59fb8f3-a021-417a-8bc1-65c8d471c621" providerId="ADAL" clId="{3F616429-CA07-8145-BE07-B7552942C56D}" dt="2019-09-11T13:43:10.665" v="4436" actId="2696"/>
+        <pc:sldMkLst>
+          <pc:docMk/>
+          <pc:sldMk cId="3843837990" sldId="309"/>
+        </pc:sldMkLst>
+        <pc:spChg chg="mod">
+          <ac:chgData name="Long B Nguyen" userId="f59fb8f3-a021-417a-8bc1-65c8d471c621" providerId="ADAL" clId="{3F616429-CA07-8145-BE07-B7552942C56D}" dt="2019-09-11T13:38:34.296" v="4030" actId="20577"/>
+          <ac:spMkLst>
+            <pc:docMk/>
+            <pc:sldMk cId="3843837990" sldId="309"/>
+            <ac:spMk id="2" creationId="{AA3A228F-61D0-D949-A5E7-F83756230BF8}"/>
+          </ac:spMkLst>
+        </pc:spChg>
+      </pc:sldChg>
     </pc:docChg>
   </pc:docChgLst>
   <pc:docChgLst>
@@ -909,7 +972,7 @@
           <a:p>
             <a:fld id="{4AAD347D-5ACD-4C99-B74B-A9C85AD731AF}" type="datetimeFigureOut">
               <a:rPr lang="en-US" smtClean="0"/>
-              <a:t>9/9/19</a:t>
+              <a:t>9/11/19</a:t>
             </a:fld>
             <a:endParaRPr lang="en-US" dirty="0"/>
           </a:p>
@@ -1079,7 +1142,7 @@
           <a:p>
             <a:fld id="{4509A250-FF31-4206-8172-F9D3106AACB1}" type="datetimeFigureOut">
               <a:rPr lang="en-US" smtClean="0"/>
-              <a:t>9/9/19</a:t>
+              <a:t>9/11/19</a:t>
             </a:fld>
             <a:endParaRPr lang="en-US" dirty="0"/>
           </a:p>
@@ -1259,7 +1322,7 @@
           <a:p>
             <a:fld id="{4509A250-FF31-4206-8172-F9D3106AACB1}" type="datetimeFigureOut">
               <a:rPr lang="en-US" smtClean="0"/>
-              <a:t>9/9/19</a:t>
+              <a:t>9/11/19</a:t>
             </a:fld>
             <a:endParaRPr lang="en-US" dirty="0"/>
           </a:p>
@@ -1429,7 +1492,7 @@
           <a:p>
             <a:fld id="{4509A250-FF31-4206-8172-F9D3106AACB1}" type="datetimeFigureOut">
               <a:rPr lang="en-US" smtClean="0"/>
-              <a:t>9/9/19</a:t>
+              <a:t>9/11/19</a:t>
             </a:fld>
             <a:endParaRPr lang="en-US" dirty="0"/>
           </a:p>
@@ -1675,7 +1738,7 @@
           <a:p>
             <a:fld id="{9796027F-7875-4030-9381-8BD8C4F21935}" type="datetimeFigureOut">
               <a:rPr lang="en-US" smtClean="0"/>
-              <a:t>9/9/19</a:t>
+              <a:t>9/11/19</a:t>
             </a:fld>
             <a:endParaRPr lang="en-US" dirty="0"/>
           </a:p>
@@ -1907,7 +1970,7 @@
           <a:p>
             <a:fld id="{9796027F-7875-4030-9381-8BD8C4F21935}" type="datetimeFigureOut">
               <a:rPr lang="en-US" smtClean="0"/>
-              <a:t>9/9/19</a:t>
+              <a:t>9/11/19</a:t>
             </a:fld>
             <a:endParaRPr lang="en-US" dirty="0"/>
           </a:p>
@@ -2274,7 +2337,7 @@
           <a:p>
             <a:fld id="{9796027F-7875-4030-9381-8BD8C4F21935}" type="datetimeFigureOut">
               <a:rPr lang="en-US" smtClean="0"/>
-              <a:t>9/9/19</a:t>
+              <a:t>9/11/19</a:t>
             </a:fld>
             <a:endParaRPr lang="en-US" dirty="0"/>
           </a:p>
@@ -2392,7 +2455,7 @@
           <a:p>
             <a:fld id="{4509A250-FF31-4206-8172-F9D3106AACB1}" type="datetimeFigureOut">
               <a:rPr lang="en-US" smtClean="0"/>
-              <a:t>9/9/19</a:t>
+              <a:t>9/11/19</a:t>
             </a:fld>
             <a:endParaRPr lang="en-US" dirty="0"/>
           </a:p>
@@ -2487,7 +2550,7 @@
           <a:p>
             <a:fld id="{4509A250-FF31-4206-8172-F9D3106AACB1}" type="datetimeFigureOut">
               <a:rPr lang="en-US" smtClean="0"/>
-              <a:t>9/9/19</a:t>
+              <a:t>9/11/19</a:t>
             </a:fld>
             <a:endParaRPr lang="en-US" dirty="0"/>
           </a:p>
@@ -2764,7 +2827,7 @@
           <a:p>
             <a:fld id="{4509A250-FF31-4206-8172-F9D3106AACB1}" type="datetimeFigureOut">
               <a:rPr lang="en-US" smtClean="0"/>
-              <a:t>9/9/19</a:t>
+              <a:t>9/11/19</a:t>
             </a:fld>
             <a:endParaRPr lang="en-US" dirty="0"/>
           </a:p>
@@ -3021,7 +3084,7 @@
           <a:p>
             <a:fld id="{4509A250-FF31-4206-8172-F9D3106AACB1}" type="datetimeFigureOut">
               <a:rPr lang="en-US" smtClean="0"/>
-              <a:t>9/9/19</a:t>
+              <a:t>9/11/19</a:t>
             </a:fld>
             <a:endParaRPr lang="en-US" dirty="0"/>
           </a:p>
@@ -3234,7 +3297,7 @@
           <a:p>
             <a:fld id="{4AAD347D-5ACD-4C99-B74B-A9C85AD731AF}" type="datetimeFigureOut">
               <a:rPr lang="en-US" smtClean="0"/>
-              <a:t>9/9/19</a:t>
+              <a:t>9/11/19</a:t>
             </a:fld>
             <a:endParaRPr lang="en-US" dirty="0"/>
           </a:p>
@@ -3944,6 +4007,723 @@
           <a:chExt cx="0" cy="0"/>
         </a:xfrm>
       </p:grpSpPr>
+      <p:graphicFrame>
+        <p:nvGraphicFramePr>
+          <p:cNvPr id="3" name="Content Placeholder 2">
+            <a:extLst>
+              <a:ext uri="{FF2B5EF4-FFF2-40B4-BE49-F238E27FC236}">
+                <a16:creationId xmlns:a16="http://schemas.microsoft.com/office/drawing/2014/main" id="{391B73BC-5A44-AA4B-8594-7E55B590EF7F}"/>
+              </a:ext>
+            </a:extLst>
+          </p:cNvPr>
+          <p:cNvGraphicFramePr>
+            <a:graphicFrameLocks noGrp="1"/>
+          </p:cNvGraphicFramePr>
+          <p:nvPr>
+            <p:ph idx="1"/>
+            <p:extLst>
+              <p:ext uri="{D42A27DB-BD31-4B8C-83A1-F6EECF244321}">
+                <p14:modId xmlns:p14="http://schemas.microsoft.com/office/powerpoint/2010/main" val="1408855709"/>
+              </p:ext>
+            </p:extLst>
+          </p:nvPr>
+        </p:nvGraphicFramePr>
+        <p:xfrm>
+          <a:off x="1290415" y="1430574"/>
+          <a:ext cx="5862414" cy="1988820"/>
+        </p:xfrm>
+        <a:graphic>
+          <a:graphicData uri="http://schemas.openxmlformats.org/drawingml/2006/table">
+            <a:tbl>
+              <a:tblPr firstRow="1" bandRow="1">
+                <a:tableStyleId>{5940675A-B579-460E-94D1-54222C63F5DA}</a:tableStyleId>
+              </a:tblPr>
+              <a:tblGrid>
+                <a:gridCol w="1148059">
+                  <a:extLst>
+                    <a:ext uri="{9D8B030D-6E8A-4147-A177-3AD203B41FA5}">
+                      <a16:colId xmlns:a16="http://schemas.microsoft.com/office/drawing/2014/main" val="2797331459"/>
+                    </a:ext>
+                  </a:extLst>
+                </a:gridCol>
+                <a:gridCol w="1247686">
+                  <a:extLst>
+                    <a:ext uri="{9D8B030D-6E8A-4147-A177-3AD203B41FA5}">
+                      <a16:colId xmlns:a16="http://schemas.microsoft.com/office/drawing/2014/main" val="643804973"/>
+                    </a:ext>
+                  </a:extLst>
+                </a:gridCol>
+                <a:gridCol w="3466669">
+                  <a:extLst>
+                    <a:ext uri="{9D8B030D-6E8A-4147-A177-3AD203B41FA5}">
+                      <a16:colId xmlns:a16="http://schemas.microsoft.com/office/drawing/2014/main" val="2390598104"/>
+                    </a:ext>
+                  </a:extLst>
+                </a:gridCol>
+              </a:tblGrid>
+              <a:tr h="0">
+                <a:tc>
+                  <a:txBody>
+                    <a:bodyPr/>
+                    <a:lstStyle/>
+                    <a:p>
+                      <a:r>
+                        <a:rPr lang="en-US" b="1" dirty="0"/>
+                        <a:t>Precedence</a:t>
+                      </a:r>
+                    </a:p>
+                  </a:txBody>
+                  <a:tcPr/>
+                </a:tc>
+                <a:tc>
+                  <a:txBody>
+                    <a:bodyPr/>
+                    <a:lstStyle/>
+                    <a:p>
+                      <a:r>
+                        <a:rPr lang="en-US" b="1" dirty="0"/>
+                        <a:t>Operator</a:t>
+                      </a:r>
+                    </a:p>
+                  </a:txBody>
+                  <a:tcPr/>
+                </a:tc>
+                <a:tc>
+                  <a:txBody>
+                    <a:bodyPr/>
+                    <a:lstStyle/>
+                    <a:p>
+                      <a:r>
+                        <a:rPr lang="en-US" b="1" dirty="0"/>
+                        <a:t>Operation</a:t>
+                      </a:r>
+                    </a:p>
+                  </a:txBody>
+                  <a:tcPr/>
+                </a:tc>
+                <a:extLst>
+                  <a:ext uri="{0D108BD9-81ED-4DB2-BD59-A6C34878D82A}">
+                    <a16:rowId xmlns:a16="http://schemas.microsoft.com/office/drawing/2014/main" val="1310382839"/>
+                  </a:ext>
+                </a:extLst>
+              </a:tr>
+              <a:tr h="370840">
+                <a:tc>
+                  <a:txBody>
+                    <a:bodyPr/>
+                    <a:lstStyle/>
+                    <a:p>
+                      <a:r>
+                        <a:rPr lang="en-US" sz="1600" dirty="0"/>
+                        <a:t>highest</a:t>
+                      </a:r>
+                    </a:p>
+                  </a:txBody>
+                  <a:tcPr/>
+                </a:tc>
+                <a:tc>
+                  <a:txBody>
+                    <a:bodyPr/>
+                    <a:lstStyle/>
+                    <a:p>
+                      <a:r>
+                        <a:rPr lang="en-US" sz="1600" dirty="0"/>
+                        <a:t>**</a:t>
+                      </a:r>
+                    </a:p>
+                  </a:txBody>
+                  <a:tcPr/>
+                </a:tc>
+                <a:tc>
+                  <a:txBody>
+                    <a:bodyPr/>
+                    <a:lstStyle/>
+                    <a:p>
+                      <a:r>
+                        <a:rPr lang="en-US" sz="1600" dirty="0"/>
+                        <a:t>exponentiation</a:t>
+                      </a:r>
+                    </a:p>
+                  </a:txBody>
+                  <a:tcPr/>
+                </a:tc>
+                <a:extLst>
+                  <a:ext uri="{0D108BD9-81ED-4DB2-BD59-A6C34878D82A}">
+                    <a16:rowId xmlns:a16="http://schemas.microsoft.com/office/drawing/2014/main" val="1996550485"/>
+                  </a:ext>
+                </a:extLst>
+              </a:tr>
+              <a:tr h="370840">
+                <a:tc>
+                  <a:txBody>
+                    <a:bodyPr/>
+                    <a:lstStyle/>
+                    <a:p>
+                      <a:endParaRPr lang="en-US" sz="1600" dirty="0"/>
+                    </a:p>
+                  </a:txBody>
+                  <a:tcPr/>
+                </a:tc>
+                <a:tc>
+                  <a:txBody>
+                    <a:bodyPr/>
+                    <a:lstStyle/>
+                    <a:p>
+                      <a:r>
+                        <a:rPr lang="en-US" sz="1600" dirty="0"/>
+                        <a:t>-</a:t>
+                      </a:r>
+                    </a:p>
+                  </a:txBody>
+                  <a:tcPr/>
+                </a:tc>
+                <a:tc>
+                  <a:txBody>
+                    <a:bodyPr/>
+                    <a:lstStyle/>
+                    <a:p>
+                      <a:r>
+                        <a:rPr lang="en-US" sz="1600" dirty="0"/>
+                        <a:t>negation</a:t>
+                      </a:r>
+                    </a:p>
+                  </a:txBody>
+                  <a:tcPr/>
+                </a:tc>
+                <a:extLst>
+                  <a:ext uri="{0D108BD9-81ED-4DB2-BD59-A6C34878D82A}">
+                    <a16:rowId xmlns:a16="http://schemas.microsoft.com/office/drawing/2014/main" val="3709973102"/>
+                  </a:ext>
+                </a:extLst>
+              </a:tr>
+              <a:tr h="370840">
+                <a:tc>
+                  <a:txBody>
+                    <a:bodyPr/>
+                    <a:lstStyle/>
+                    <a:p>
+                      <a:endParaRPr lang="en-US" sz="1600" dirty="0"/>
+                    </a:p>
+                  </a:txBody>
+                  <a:tcPr/>
+                </a:tc>
+                <a:tc>
+                  <a:txBody>
+                    <a:bodyPr/>
+                    <a:lstStyle/>
+                    <a:p>
+                      <a:r>
+                        <a:rPr lang="en-US" sz="1600" dirty="0"/>
+                        <a:t>*, /, //, %</a:t>
+                      </a:r>
+                    </a:p>
+                  </a:txBody>
+                  <a:tcPr/>
+                </a:tc>
+                <a:tc>
+                  <a:txBody>
+                    <a:bodyPr/>
+                    <a:lstStyle/>
+                    <a:p>
+                      <a:r>
+                        <a:rPr lang="en-US" sz="1600" dirty="0"/>
+                        <a:t>multiplication, division, floor division, modulus</a:t>
+                      </a:r>
+                    </a:p>
+                  </a:txBody>
+                  <a:tcPr/>
+                </a:tc>
+                <a:extLst>
+                  <a:ext uri="{0D108BD9-81ED-4DB2-BD59-A6C34878D82A}">
+                    <a16:rowId xmlns:a16="http://schemas.microsoft.com/office/drawing/2014/main" val="1095184765"/>
+                  </a:ext>
+                </a:extLst>
+              </a:tr>
+              <a:tr h="370840">
+                <a:tc>
+                  <a:txBody>
+                    <a:bodyPr/>
+                    <a:lstStyle/>
+                    <a:p>
+                      <a:r>
+                        <a:rPr lang="en-US" sz="1600" dirty="0"/>
+                        <a:t>lowest</a:t>
+                      </a:r>
+                    </a:p>
+                  </a:txBody>
+                  <a:tcPr/>
+                </a:tc>
+                <a:tc>
+                  <a:txBody>
+                    <a:bodyPr/>
+                    <a:lstStyle/>
+                    <a:p>
+                      <a:r>
+                        <a:rPr lang="en-US" sz="1600" dirty="0"/>
+                        <a:t>+, -</a:t>
+                      </a:r>
+                    </a:p>
+                  </a:txBody>
+                  <a:tcPr/>
+                </a:tc>
+                <a:tc>
+                  <a:txBody>
+                    <a:bodyPr/>
+                    <a:lstStyle/>
+                    <a:p>
+                      <a:r>
+                        <a:rPr lang="en-US" sz="1600" dirty="0"/>
+                        <a:t>adding, subtraction</a:t>
+                      </a:r>
+                    </a:p>
+                  </a:txBody>
+                  <a:tcPr/>
+                </a:tc>
+                <a:extLst>
+                  <a:ext uri="{0D108BD9-81ED-4DB2-BD59-A6C34878D82A}">
+                    <a16:rowId xmlns:a16="http://schemas.microsoft.com/office/drawing/2014/main" val="1499592130"/>
+                  </a:ext>
+                </a:extLst>
+              </a:tr>
+            </a:tbl>
+          </a:graphicData>
+        </a:graphic>
+      </p:graphicFrame>
+      <p:sp>
+        <p:nvSpPr>
+          <p:cNvPr id="2" name="Title 1">
+            <a:extLst>
+              <a:ext uri="{FF2B5EF4-FFF2-40B4-BE49-F238E27FC236}">
+                <a16:creationId xmlns:a16="http://schemas.microsoft.com/office/drawing/2014/main" id="{AA3A228F-61D0-D949-A5E7-F83756230BF8}"/>
+              </a:ext>
+            </a:extLst>
+          </p:cNvPr>
+          <p:cNvSpPr>
+            <a:spLocks noGrp="1"/>
+          </p:cNvSpPr>
+          <p:nvPr>
+            <p:ph type="title"/>
+          </p:nvPr>
+        </p:nvSpPr>
+        <p:spPr>
+          <a:xfrm>
+            <a:off x="483848" y="467027"/>
+            <a:ext cx="7053542" cy="683886"/>
+          </a:xfrm>
+        </p:spPr>
+        <p:txBody>
+          <a:bodyPr/>
+          <a:lstStyle/>
+          <a:p>
+            <a:r>
+              <a:rPr lang="en-US" dirty="0"/>
+              <a:t>Operator Precedence</a:t>
+            </a:r>
+          </a:p>
+        </p:txBody>
+      </p:sp>
+      <p:sp>
+        <p:nvSpPr>
+          <p:cNvPr id="5" name="TextBox 4">
+            <a:extLst>
+              <a:ext uri="{FF2B5EF4-FFF2-40B4-BE49-F238E27FC236}">
+                <a16:creationId xmlns:a16="http://schemas.microsoft.com/office/drawing/2014/main" id="{F46FDA34-E2B9-0847-B9D0-D4D6C167AC45}"/>
+              </a:ext>
+            </a:extLst>
+          </p:cNvPr>
+          <p:cNvSpPr txBox="1"/>
+          <p:nvPr/>
+        </p:nvSpPr>
+        <p:spPr>
+          <a:xfrm>
+            <a:off x="569306" y="3816284"/>
+            <a:ext cx="7707238" cy="646331"/>
+          </a:xfrm>
+          <a:prstGeom prst="rect">
+            <a:avLst/>
+          </a:prstGeom>
+          <a:noFill/>
+        </p:spPr>
+        <p:txBody>
+          <a:bodyPr wrap="none" rtlCol="0">
+            <a:spAutoFit/>
+          </a:bodyPr>
+          <a:lstStyle/>
+          <a:p>
+            <a:r>
+              <a:rPr lang="en-US" sz="1800" dirty="0"/>
+              <a:t>Operators on the same row are applied left to right. Exponentiation, however, is </a:t>
+            </a:r>
+          </a:p>
+          <a:p>
+            <a:r>
+              <a:rPr lang="en-US" sz="1800" dirty="0"/>
+              <a:t>applied right to left. Expressions in parenthesis are evaluated first. </a:t>
+            </a:r>
+          </a:p>
+        </p:txBody>
+      </p:sp>
+    </p:spTree>
+    <p:extLst>
+      <p:ext uri="{BB962C8B-B14F-4D97-AF65-F5344CB8AC3E}">
+        <p14:creationId xmlns:p14="http://schemas.microsoft.com/office/powerpoint/2010/main" val="4260969557"/>
+      </p:ext>
+    </p:extLst>
+  </p:cSld>
+  <p:clrMapOvr>
+    <a:masterClrMapping/>
+  </p:clrMapOvr>
+</p:sld>
+</file>
+
+<file path=ppt/slides/slide11.xml><?xml version="1.0" encoding="utf-8"?>
+<p:sld xmlns:a="http://schemas.openxmlformats.org/drawingml/2006/main" xmlns:r="http://schemas.openxmlformats.org/officeDocument/2006/relationships" xmlns:p="http://schemas.openxmlformats.org/presentationml/2006/main">
+  <p:cSld>
+    <p:spTree>
+      <p:nvGrpSpPr>
+        <p:cNvPr id="1" name=""/>
+        <p:cNvGrpSpPr/>
+        <p:nvPr/>
+      </p:nvGrpSpPr>
+      <p:grpSpPr>
+        <a:xfrm>
+          <a:off x="0" y="0"/>
+          <a:ext cx="0" cy="0"/>
+          <a:chOff x="0" y="0"/>
+          <a:chExt cx="0" cy="0"/>
+        </a:xfrm>
+      </p:grpSpPr>
+      <p:sp>
+        <p:nvSpPr>
+          <p:cNvPr id="2" name="Title 1">
+            <a:extLst>
+              <a:ext uri="{FF2B5EF4-FFF2-40B4-BE49-F238E27FC236}">
+                <a16:creationId xmlns:a16="http://schemas.microsoft.com/office/drawing/2014/main" id="{AA3A228F-61D0-D949-A5E7-F83756230BF8}"/>
+              </a:ext>
+            </a:extLst>
+          </p:cNvPr>
+          <p:cNvSpPr>
+            <a:spLocks noGrp="1"/>
+          </p:cNvSpPr>
+          <p:nvPr>
+            <p:ph type="title"/>
+          </p:nvPr>
+        </p:nvSpPr>
+        <p:spPr>
+          <a:xfrm>
+            <a:off x="483848" y="467027"/>
+            <a:ext cx="7053542" cy="683886"/>
+          </a:xfrm>
+        </p:spPr>
+        <p:txBody>
+          <a:bodyPr/>
+          <a:lstStyle/>
+          <a:p>
+            <a:r>
+              <a:rPr lang="en-US" dirty="0"/>
+              <a:t>Operator Precedence</a:t>
+            </a:r>
+          </a:p>
+        </p:txBody>
+      </p:sp>
+      <p:sp>
+        <p:nvSpPr>
+          <p:cNvPr id="9" name="Content Placeholder 8">
+            <a:extLst>
+              <a:ext uri="{FF2B5EF4-FFF2-40B4-BE49-F238E27FC236}">
+                <a16:creationId xmlns:a16="http://schemas.microsoft.com/office/drawing/2014/main" id="{E3B2E017-30B2-884B-A113-B419A2ED51AD}"/>
+              </a:ext>
+            </a:extLst>
+          </p:cNvPr>
+          <p:cNvSpPr>
+            <a:spLocks noGrp="1"/>
+          </p:cNvSpPr>
+          <p:nvPr>
+            <p:ph idx="1"/>
+          </p:nvPr>
+        </p:nvSpPr>
+        <p:spPr>
+          <a:xfrm>
+            <a:off x="483848" y="1150912"/>
+            <a:ext cx="8051725" cy="4564087"/>
+          </a:xfrm>
+        </p:spPr>
+        <p:txBody>
+          <a:bodyPr>
+            <a:noAutofit/>
+          </a:bodyPr>
+          <a:lstStyle/>
+          <a:p>
+            <a:pPr marL="0" indent="0">
+              <a:buNone/>
+            </a:pPr>
+            <a:endParaRPr lang="en-US" sz="2000" b="1" dirty="0">
+              <a:solidFill>
+                <a:srgbClr val="000087"/>
+              </a:solidFill>
+              <a:latin typeface="Inconsolata Medium" panose="020B0609030003000000" pitchFamily="49" charset="77"/>
+            </a:endParaRPr>
+          </a:p>
+          <a:p>
+            <a:pPr marL="0" indent="0">
+              <a:buNone/>
+            </a:pPr>
+            <a:r>
+              <a:rPr lang="en-US" sz="2000" b="1" dirty="0">
+                <a:solidFill>
+                  <a:srgbClr val="000087"/>
+                </a:solidFill>
+                <a:latin typeface="Inconsolata Medium" panose="020B0609030003000000" pitchFamily="49" charset="77"/>
+              </a:rPr>
+              <a:t>In</a:t>
+            </a:r>
+            <a:r>
+              <a:rPr lang="en-US" sz="2000" b="1" dirty="0">
+                <a:latin typeface="Inconsolata Medium" panose="020B0609030003000000" pitchFamily="49" charset="77"/>
+              </a:rPr>
+              <a:t>[</a:t>
+            </a:r>
+            <a:r>
+              <a:rPr lang="en-US" sz="2000" b="1" dirty="0">
+                <a:solidFill>
+                  <a:srgbClr val="FF6600"/>
+                </a:solidFill>
+                <a:latin typeface="Inconsolata Medium" panose="020B0609030003000000" pitchFamily="49" charset="77"/>
+              </a:rPr>
+              <a:t>1</a:t>
+            </a:r>
+            <a:r>
+              <a:rPr lang="en-US" sz="2000" b="1" dirty="0">
+                <a:latin typeface="Inconsolata Medium" panose="020B0609030003000000" pitchFamily="49" charset="77"/>
+              </a:rPr>
+              <a:t>]: -2 ** 4</a:t>
+            </a:r>
+            <a:r>
+              <a:rPr lang="en-US" sz="2000" b="1" dirty="0">
+                <a:solidFill>
+                  <a:srgbClr val="FF6600"/>
+                </a:solidFill>
+                <a:latin typeface="Inconsolata Medium" panose="020B0609030003000000" pitchFamily="49" charset="77"/>
+              </a:rPr>
+              <a:t> </a:t>
+            </a:r>
+          </a:p>
+          <a:p>
+            <a:pPr marL="0" indent="0">
+              <a:buNone/>
+            </a:pPr>
+            <a:r>
+              <a:rPr lang="en-US" sz="2000" b="1" dirty="0">
+                <a:latin typeface="Inconsolata Medium" panose="020B0609030003000000" pitchFamily="49" charset="77"/>
+              </a:rPr>
+              <a:t>Out[3]: -16</a:t>
+            </a:r>
+          </a:p>
+          <a:p>
+            <a:pPr marL="0" indent="0">
+              <a:buNone/>
+            </a:pPr>
+            <a:endParaRPr lang="en-US" sz="1900" dirty="0">
+              <a:latin typeface="Gill Sans MT" panose="020B0502020104020203" pitchFamily="34" charset="77"/>
+            </a:endParaRPr>
+          </a:p>
+          <a:p>
+            <a:pPr marL="0" indent="0">
+              <a:buNone/>
+            </a:pPr>
+            <a:r>
+              <a:rPr lang="en-US" sz="1800" b="1" dirty="0">
+                <a:solidFill>
+                  <a:srgbClr val="000087"/>
+                </a:solidFill>
+                <a:latin typeface="Inconsolata Medium" panose="020B0609030003000000" pitchFamily="49" charset="77"/>
+              </a:rPr>
+              <a:t>In</a:t>
+            </a:r>
+            <a:r>
+              <a:rPr lang="en-US" sz="1800" b="1" dirty="0">
+                <a:latin typeface="Inconsolata Medium" panose="020B0609030003000000" pitchFamily="49" charset="77"/>
+              </a:rPr>
+              <a:t>[</a:t>
+            </a:r>
+            <a:r>
+              <a:rPr lang="en-US" sz="1800" b="1" dirty="0">
+                <a:solidFill>
+                  <a:srgbClr val="FF6600"/>
+                </a:solidFill>
+                <a:latin typeface="Inconsolata Medium" panose="020B0609030003000000" pitchFamily="49" charset="77"/>
+              </a:rPr>
+              <a:t>2</a:t>
+            </a:r>
+            <a:r>
+              <a:rPr lang="en-US" sz="1800" b="1" dirty="0">
+                <a:latin typeface="Inconsolata Medium" panose="020B0609030003000000" pitchFamily="49" charset="77"/>
+              </a:rPr>
+              <a:t>]: 7 – 4 * 5 % (1 + 2)</a:t>
+            </a:r>
+            <a:endParaRPr lang="en-US" sz="1800" b="1" dirty="0">
+              <a:solidFill>
+                <a:srgbClr val="FF6600"/>
+              </a:solidFill>
+              <a:latin typeface="Inconsolata Medium" panose="020B0609030003000000" pitchFamily="49" charset="77"/>
+            </a:endParaRPr>
+          </a:p>
+          <a:p>
+            <a:pPr marL="0" indent="0">
+              <a:buNone/>
+            </a:pPr>
+            <a:r>
+              <a:rPr lang="en-US" sz="1800" b="1" dirty="0">
+                <a:latin typeface="Inconsolata Medium" panose="020B0609030003000000" pitchFamily="49" charset="77"/>
+              </a:rPr>
+              <a:t>Out [3]: 5 </a:t>
+            </a:r>
+          </a:p>
+          <a:p>
+            <a:pPr marL="0" indent="0" algn="ctr">
+              <a:buNone/>
+            </a:pPr>
+            <a:endParaRPr lang="en-US" sz="1900" dirty="0">
+              <a:latin typeface="Gill Sans MT" panose="020B0502020104020203" pitchFamily="34" charset="77"/>
+            </a:endParaRPr>
+          </a:p>
+          <a:p>
+            <a:pPr marL="0" indent="0" algn="ctr">
+              <a:buNone/>
+            </a:pPr>
+            <a:r>
+              <a:rPr lang="en-US" sz="2000" b="1" dirty="0">
+                <a:latin typeface="Inconsolata Medium" panose="020B0609030003000000" pitchFamily="49" charset="77"/>
+              </a:rPr>
+              <a:t>7 - 4 * 5 % </a:t>
+            </a:r>
+            <a:r>
+              <a:rPr lang="en-US" sz="2000" b="1" dirty="0">
+                <a:solidFill>
+                  <a:srgbClr val="FF0000"/>
+                </a:solidFill>
+                <a:latin typeface="Inconsolata Medium" panose="020B0609030003000000" pitchFamily="49" charset="77"/>
+              </a:rPr>
+              <a:t>(1 + 2)</a:t>
+            </a:r>
+            <a:endParaRPr lang="en-US" sz="1900" dirty="0">
+              <a:solidFill>
+                <a:srgbClr val="FF0000"/>
+              </a:solidFill>
+              <a:latin typeface="Gill Sans MT" panose="020B0502020104020203" pitchFamily="34" charset="77"/>
+            </a:endParaRPr>
+          </a:p>
+          <a:p>
+            <a:pPr marL="0" indent="0" algn="ctr">
+              <a:buNone/>
+            </a:pPr>
+            <a:r>
+              <a:rPr lang="en-US" sz="1900" b="1" dirty="0">
+                <a:latin typeface="Inconsolata Medium" panose="020B0609030003000000" pitchFamily="49" charset="77"/>
+              </a:rPr>
+              <a:t>7 – </a:t>
+            </a:r>
+            <a:r>
+              <a:rPr lang="en-US" sz="1900" b="1" dirty="0">
+                <a:solidFill>
+                  <a:srgbClr val="00B050"/>
+                </a:solidFill>
+                <a:latin typeface="Inconsolata Medium" panose="020B0609030003000000" pitchFamily="49" charset="77"/>
+              </a:rPr>
+              <a:t>4 * 5 </a:t>
+            </a:r>
+            <a:r>
+              <a:rPr lang="en-US" sz="1900" b="1" dirty="0">
+                <a:latin typeface="Inconsolata Medium" panose="020B0609030003000000" pitchFamily="49" charset="77"/>
+              </a:rPr>
+              <a:t>% 3</a:t>
+            </a:r>
+          </a:p>
+          <a:p>
+            <a:pPr marL="0" indent="0" algn="ctr">
+              <a:buNone/>
+            </a:pPr>
+            <a:r>
+              <a:rPr lang="en-US" sz="1900" b="1" dirty="0">
+                <a:latin typeface="Inconsolata Medium" panose="020B0609030003000000" pitchFamily="49" charset="77"/>
+              </a:rPr>
+              <a:t>7 – </a:t>
+            </a:r>
+            <a:r>
+              <a:rPr lang="en-US" sz="1900" b="1" dirty="0">
+                <a:solidFill>
+                  <a:srgbClr val="FF0000"/>
+                </a:solidFill>
+                <a:latin typeface="Inconsolata Medium" panose="020B0609030003000000" pitchFamily="49" charset="77"/>
+              </a:rPr>
+              <a:t>20 % 3</a:t>
+            </a:r>
+          </a:p>
+          <a:p>
+            <a:pPr marL="0" indent="0" algn="ctr">
+              <a:buNone/>
+            </a:pPr>
+            <a:r>
+              <a:rPr lang="en-US" sz="1900" b="1" dirty="0">
+                <a:solidFill>
+                  <a:srgbClr val="00B050"/>
+                </a:solidFill>
+                <a:latin typeface="Inconsolata Medium" panose="020B0609030003000000" pitchFamily="49" charset="77"/>
+              </a:rPr>
+              <a:t>7 – 2</a:t>
+            </a:r>
+          </a:p>
+          <a:p>
+            <a:pPr marL="0" indent="0" algn="ctr">
+              <a:buNone/>
+            </a:pPr>
+            <a:r>
+              <a:rPr lang="en-US" sz="1900" b="1" dirty="0">
+                <a:latin typeface="Inconsolata Medium" panose="020B0609030003000000" pitchFamily="49" charset="77"/>
+              </a:rPr>
+              <a:t>5</a:t>
+            </a:r>
+          </a:p>
+          <a:p>
+            <a:pPr marL="0" indent="0">
+              <a:buNone/>
+            </a:pPr>
+            <a:endParaRPr lang="en-US" sz="1900" dirty="0">
+              <a:latin typeface="Gill Sans MT" panose="020B0502020104020203" pitchFamily="34" charset="77"/>
+            </a:endParaRPr>
+          </a:p>
+        </p:txBody>
+      </p:sp>
+    </p:spTree>
+    <p:extLst>
+      <p:ext uri="{BB962C8B-B14F-4D97-AF65-F5344CB8AC3E}">
+        <p14:creationId xmlns:p14="http://schemas.microsoft.com/office/powerpoint/2010/main" val="1049843196"/>
+      </p:ext>
+    </p:extLst>
+  </p:cSld>
+  <p:clrMapOvr>
+    <a:masterClrMapping/>
+  </p:clrMapOvr>
+</p:sld>
+</file>
+
+<file path=ppt/slides/slide12.xml><?xml version="1.0" encoding="utf-8"?>
+<p:sld xmlns:a="http://schemas.openxmlformats.org/drawingml/2006/main" xmlns:r="http://schemas.openxmlformats.org/officeDocument/2006/relationships" xmlns:p="http://schemas.openxmlformats.org/presentationml/2006/main">
+  <p:cSld>
+    <p:spTree>
+      <p:nvGrpSpPr>
+        <p:cNvPr id="1" name=""/>
+        <p:cNvGrpSpPr/>
+        <p:nvPr/>
+      </p:nvGrpSpPr>
+      <p:grpSpPr>
+        <a:xfrm>
+          <a:off x="0" y="0"/>
+          <a:ext cx="0" cy="0"/>
+          <a:chOff x="0" y="0"/>
+          <a:chExt cx="0" cy="0"/>
+        </a:xfrm>
+      </p:grpSpPr>
       <p:sp>
         <p:nvSpPr>
           <p:cNvPr id="2" name="Title 1">
@@ -4140,7 +4920,7 @@
 </p:sld>
 </file>
 
-<file path=ppt/slides/slide11.xml><?xml version="1.0" encoding="utf-8"?>
+<file path=ppt/slides/slide13.xml><?xml version="1.0" encoding="utf-8"?>
 <p:sld xmlns:a="http://schemas.openxmlformats.org/drawingml/2006/main" xmlns:r="http://schemas.openxmlformats.org/officeDocument/2006/relationships" xmlns:p="http://schemas.openxmlformats.org/presentationml/2006/main">
   <p:cSld>
     <p:spTree>
@@ -4462,7 +5242,7 @@
 </p:sld>
 </file>
 
-<file path=ppt/slides/slide12.xml><?xml version="1.0" encoding="utf-8"?>
+<file path=ppt/slides/slide14.xml><?xml version="1.0" encoding="utf-8"?>
 <p:sld xmlns:a="http://schemas.openxmlformats.org/drawingml/2006/main" xmlns:r="http://schemas.openxmlformats.org/officeDocument/2006/relationships" xmlns:p="http://schemas.openxmlformats.org/presentationml/2006/main">
   <p:cSld>
     <p:spTree>
@@ -5411,7 +6191,7 @@
 </p:sld>
 </file>
 
-<file path=ppt/slides/slide13.xml><?xml version="1.0" encoding="utf-8"?>
+<file path=ppt/slides/slide15.xml><?xml version="1.0" encoding="utf-8"?>
 <p:sld xmlns:a="http://schemas.openxmlformats.org/drawingml/2006/main" xmlns:r="http://schemas.openxmlformats.org/officeDocument/2006/relationships" xmlns:p="http://schemas.openxmlformats.org/presentationml/2006/main">
   <p:cSld>
     <p:spTree>
@@ -5928,7 +6708,7 @@
 </p:sld>
 </file>
 
-<file path=ppt/slides/slide14.xml><?xml version="1.0" encoding="utf-8"?>
+<file path=ppt/slides/slide16.xml><?xml version="1.0" encoding="utf-8"?>
 <p:sld xmlns:a="http://schemas.openxmlformats.org/drawingml/2006/main" xmlns:r="http://schemas.openxmlformats.org/officeDocument/2006/relationships" xmlns:p="http://schemas.openxmlformats.org/presentationml/2006/main">
   <p:cSld>
     <p:spTree>
@@ -6511,534 +7291,6 @@
 </p:sld>
 </file>
 
-<file path=ppt/slides/slide15.xml><?xml version="1.0" encoding="utf-8"?>
-<p:sld xmlns:a="http://schemas.openxmlformats.org/drawingml/2006/main" xmlns:r="http://schemas.openxmlformats.org/officeDocument/2006/relationships" xmlns:p="http://schemas.openxmlformats.org/presentationml/2006/main">
-  <p:cSld>
-    <p:spTree>
-      <p:nvGrpSpPr>
-        <p:cNvPr id="1" name=""/>
-        <p:cNvGrpSpPr/>
-        <p:nvPr/>
-      </p:nvGrpSpPr>
-      <p:grpSpPr>
-        <a:xfrm>
-          <a:off x="0" y="0"/>
-          <a:ext cx="0" cy="0"/>
-          <a:chOff x="0" y="0"/>
-          <a:chExt cx="0" cy="0"/>
-        </a:xfrm>
-      </p:grpSpPr>
-      <p:sp>
-        <p:nvSpPr>
-          <p:cNvPr id="2" name="Title 1">
-            <a:extLst>
-              <a:ext uri="{FF2B5EF4-FFF2-40B4-BE49-F238E27FC236}">
-                <a16:creationId xmlns:a16="http://schemas.microsoft.com/office/drawing/2014/main" id="{AA3A228F-61D0-D949-A5E7-F83756230BF8}"/>
-              </a:ext>
-            </a:extLst>
-          </p:cNvPr>
-          <p:cNvSpPr>
-            <a:spLocks noGrp="1"/>
-          </p:cNvSpPr>
-          <p:nvPr>
-            <p:ph type="title"/>
-          </p:nvPr>
-        </p:nvSpPr>
-        <p:spPr>
-          <a:xfrm>
-            <a:off x="483848" y="467027"/>
-            <a:ext cx="7053542" cy="683886"/>
-          </a:xfrm>
-        </p:spPr>
-        <p:txBody>
-          <a:bodyPr/>
-          <a:lstStyle/>
-          <a:p>
-            <a:r>
-              <a:rPr lang="en-US" dirty="0"/>
-              <a:t>Boolean Operations</a:t>
-            </a:r>
-          </a:p>
-        </p:txBody>
-      </p:sp>
-      <p:sp>
-        <p:nvSpPr>
-          <p:cNvPr id="9" name="Content Placeholder 8">
-            <a:extLst>
-              <a:ext uri="{FF2B5EF4-FFF2-40B4-BE49-F238E27FC236}">
-                <a16:creationId xmlns:a16="http://schemas.microsoft.com/office/drawing/2014/main" id="{E3B2E017-30B2-884B-A113-B419A2ED51AD}"/>
-              </a:ext>
-            </a:extLst>
-          </p:cNvPr>
-          <p:cNvSpPr>
-            <a:spLocks noGrp="1"/>
-          </p:cNvSpPr>
-          <p:nvPr>
-            <p:ph idx="1"/>
-          </p:nvPr>
-        </p:nvSpPr>
-        <p:spPr>
-          <a:xfrm>
-            <a:off x="483848" y="1003610"/>
-            <a:ext cx="8051725" cy="4711390"/>
-          </a:xfrm>
-        </p:spPr>
-        <p:txBody>
-          <a:bodyPr>
-            <a:noAutofit/>
-          </a:bodyPr>
-          <a:lstStyle/>
-          <a:p>
-            <a:pPr marL="0" indent="0">
-              <a:buNone/>
-            </a:pPr>
-            <a:endParaRPr lang="en-US" dirty="0"/>
-          </a:p>
-          <a:p>
-            <a:pPr marL="0" indent="0">
-              <a:buNone/>
-            </a:pPr>
-            <a:r>
-              <a:rPr lang="en-US" dirty="0"/>
-              <a:t>Math operators have the highest precedence. Then comparison operators are followed by logical operators. The assignment operator is evaluated last. </a:t>
-            </a:r>
-          </a:p>
-          <a:p>
-            <a:pPr marL="0" indent="0">
-              <a:buNone/>
-            </a:pPr>
-            <a:endParaRPr lang="en-US" b="1" dirty="0">
-              <a:solidFill>
-                <a:srgbClr val="000087"/>
-              </a:solidFill>
-              <a:latin typeface="Inconsolata Medium" panose="020B0609030003000000" pitchFamily="49" charset="77"/>
-            </a:endParaRPr>
-          </a:p>
-          <a:p>
-            <a:pPr marL="0" indent="0">
-              <a:buNone/>
-            </a:pPr>
-            <a:r>
-              <a:rPr lang="en-US" b="1" dirty="0">
-                <a:solidFill>
-                  <a:srgbClr val="000087"/>
-                </a:solidFill>
-                <a:latin typeface="Inconsolata Medium" panose="020B0609030003000000" pitchFamily="49" charset="77"/>
-              </a:rPr>
-              <a:t>In</a:t>
-            </a:r>
-            <a:r>
-              <a:rPr lang="en-US" b="1" dirty="0">
-                <a:latin typeface="Inconsolata Medium" panose="020B0609030003000000" pitchFamily="49" charset="77"/>
-              </a:rPr>
-              <a:t>[</a:t>
-            </a:r>
-            <a:r>
-              <a:rPr lang="en-US" b="1" dirty="0">
-                <a:solidFill>
-                  <a:srgbClr val="FF6600"/>
-                </a:solidFill>
-                <a:latin typeface="Inconsolata Medium" panose="020B0609030003000000" pitchFamily="49" charset="77"/>
-              </a:rPr>
-              <a:t>1</a:t>
-            </a:r>
-            <a:r>
-              <a:rPr lang="en-US" b="1" dirty="0">
-                <a:latin typeface="Inconsolata Medium" panose="020B0609030003000000" pitchFamily="49" charset="77"/>
-              </a:rPr>
-              <a:t>]: </a:t>
-            </a:r>
-            <a:r>
-              <a:rPr lang="en-US" b="1" dirty="0">
-                <a:solidFill>
-                  <a:srgbClr val="000087"/>
-                </a:solidFill>
-                <a:latin typeface="Inconsolata Medium" panose="020B0609030003000000" pitchFamily="49" charset="77"/>
-              </a:rPr>
-              <a:t>result </a:t>
-            </a:r>
-            <a:r>
-              <a:rPr lang="en-US" b="1" dirty="0">
-                <a:solidFill>
-                  <a:srgbClr val="545454"/>
-                </a:solidFill>
-                <a:latin typeface="Inconsolata Medium" panose="020B0609030003000000" pitchFamily="49" charset="77"/>
-              </a:rPr>
-              <a:t>= </a:t>
-            </a:r>
-            <a:r>
-              <a:rPr lang="en-US" b="1" dirty="0">
-                <a:solidFill>
-                  <a:srgbClr val="FF6600"/>
-                </a:solidFill>
-                <a:latin typeface="Inconsolata Medium" panose="020B0609030003000000" pitchFamily="49" charset="77"/>
-              </a:rPr>
-              <a:t>3 + 2 * 4 &lt; 14 or 3 == 5</a:t>
-            </a:r>
-          </a:p>
-          <a:p>
-            <a:pPr marL="0" indent="0">
-              <a:buNone/>
-            </a:pPr>
-            <a:r>
-              <a:rPr lang="en-US" b="1" dirty="0">
-                <a:solidFill>
-                  <a:srgbClr val="FF6600"/>
-                </a:solidFill>
-                <a:latin typeface="Inconsolata Medium" panose="020B0609030003000000" pitchFamily="49" charset="77"/>
-              </a:rPr>
-              <a:t>	  </a:t>
-            </a:r>
-            <a:r>
-              <a:rPr lang="en-US" b="1" dirty="0">
-                <a:solidFill>
-                  <a:srgbClr val="000087"/>
-                </a:solidFill>
-                <a:latin typeface="Inconsolata Medium" panose="020B0609030003000000" pitchFamily="49" charset="77"/>
-              </a:rPr>
-              <a:t>result</a:t>
-            </a:r>
-            <a:r>
-              <a:rPr lang="en-US" b="1" dirty="0">
-                <a:latin typeface="Inconsolata Medium" panose="020B0609030003000000" pitchFamily="49" charset="77"/>
-              </a:rPr>
-              <a:t> </a:t>
-            </a:r>
-          </a:p>
-          <a:p>
-            <a:pPr marL="0" indent="0">
-              <a:buNone/>
-            </a:pPr>
-            <a:r>
-              <a:rPr lang="en-US" b="1" dirty="0">
-                <a:latin typeface="Inconsolata Medium" panose="020B0609030003000000" pitchFamily="49" charset="77"/>
-              </a:rPr>
-              <a:t>Out[1]: True </a:t>
-            </a:r>
-          </a:p>
-          <a:p>
-            <a:pPr marL="0" indent="0">
-              <a:buNone/>
-            </a:pPr>
-            <a:endParaRPr lang="en-US" dirty="0"/>
-          </a:p>
-          <a:p>
-            <a:pPr marL="0" indent="0">
-              <a:buNone/>
-            </a:pPr>
-            <a:endParaRPr lang="en-US" dirty="0"/>
-          </a:p>
-          <a:p>
-            <a:pPr marL="0" indent="0">
-              <a:buNone/>
-            </a:pPr>
-            <a:endParaRPr lang="en-US" dirty="0"/>
-          </a:p>
-          <a:p>
-            <a:pPr marL="0" indent="0">
-              <a:buNone/>
-            </a:pPr>
-            <a:endParaRPr lang="en-US" sz="1900" b="1" dirty="0">
-              <a:latin typeface="Inconsolata Medium" panose="020B0609030003000000" pitchFamily="49" charset="77"/>
-            </a:endParaRPr>
-          </a:p>
-        </p:txBody>
-      </p:sp>
-    </p:spTree>
-    <p:extLst>
-      <p:ext uri="{BB962C8B-B14F-4D97-AF65-F5344CB8AC3E}">
-        <p14:creationId xmlns:p14="http://schemas.microsoft.com/office/powerpoint/2010/main" val="2364609597"/>
-      </p:ext>
-    </p:extLst>
-  </p:cSld>
-  <p:clrMapOvr>
-    <a:masterClrMapping/>
-  </p:clrMapOvr>
-</p:sld>
-</file>
-
-<file path=ppt/slides/slide16.xml><?xml version="1.0" encoding="utf-8"?>
-<p:sld xmlns:a="http://schemas.openxmlformats.org/drawingml/2006/main" xmlns:r="http://schemas.openxmlformats.org/officeDocument/2006/relationships" xmlns:p="http://schemas.openxmlformats.org/presentationml/2006/main">
-  <p:cSld>
-    <p:spTree>
-      <p:nvGrpSpPr>
-        <p:cNvPr id="1" name=""/>
-        <p:cNvGrpSpPr/>
-        <p:nvPr/>
-      </p:nvGrpSpPr>
-      <p:grpSpPr>
-        <a:xfrm>
-          <a:off x="0" y="0"/>
-          <a:ext cx="0" cy="0"/>
-          <a:chOff x="0" y="0"/>
-          <a:chExt cx="0" cy="0"/>
-        </a:xfrm>
-      </p:grpSpPr>
-      <p:sp>
-        <p:nvSpPr>
-          <p:cNvPr id="2" name="Title 1">
-            <a:extLst>
-              <a:ext uri="{FF2B5EF4-FFF2-40B4-BE49-F238E27FC236}">
-                <a16:creationId xmlns:a16="http://schemas.microsoft.com/office/drawing/2014/main" id="{AA3A228F-61D0-D949-A5E7-F83756230BF8}"/>
-              </a:ext>
-            </a:extLst>
-          </p:cNvPr>
-          <p:cNvSpPr>
-            <a:spLocks noGrp="1"/>
-          </p:cNvSpPr>
-          <p:nvPr>
-            <p:ph type="title"/>
-          </p:nvPr>
-        </p:nvSpPr>
-        <p:spPr>
-          <a:xfrm>
-            <a:off x="483848" y="467027"/>
-            <a:ext cx="7053542" cy="683886"/>
-          </a:xfrm>
-        </p:spPr>
-        <p:txBody>
-          <a:bodyPr/>
-          <a:lstStyle/>
-          <a:p>
-            <a:r>
-              <a:rPr lang="en-US" dirty="0"/>
-              <a:t>Variables</a:t>
-            </a:r>
-          </a:p>
-        </p:txBody>
-      </p:sp>
-      <p:sp>
-        <p:nvSpPr>
-          <p:cNvPr id="9" name="Content Placeholder 8">
-            <a:extLst>
-              <a:ext uri="{FF2B5EF4-FFF2-40B4-BE49-F238E27FC236}">
-                <a16:creationId xmlns:a16="http://schemas.microsoft.com/office/drawing/2014/main" id="{E3B2E017-30B2-884B-A113-B419A2ED51AD}"/>
-              </a:ext>
-            </a:extLst>
-          </p:cNvPr>
-          <p:cNvSpPr>
-            <a:spLocks noGrp="1"/>
-          </p:cNvSpPr>
-          <p:nvPr>
-            <p:ph idx="1"/>
-          </p:nvPr>
-        </p:nvSpPr>
-        <p:spPr>
-          <a:xfrm>
-            <a:off x="483848" y="1003610"/>
-            <a:ext cx="8051725" cy="4711390"/>
-          </a:xfrm>
-        </p:spPr>
-        <p:txBody>
-          <a:bodyPr>
-            <a:noAutofit/>
-          </a:bodyPr>
-          <a:lstStyle/>
-          <a:p>
-            <a:pPr marL="0" indent="0">
-              <a:buNone/>
-            </a:pPr>
-            <a:r>
-              <a:rPr lang="en-US" sz="1900" dirty="0">
-                <a:latin typeface="Gill Sans MT" panose="020B0502020104020203" pitchFamily="34" charset="77"/>
-              </a:rPr>
-              <a:t>We can use variables to refer to values that can be used later. </a:t>
-            </a:r>
-          </a:p>
-          <a:p>
-            <a:pPr marL="0" indent="0">
-              <a:buNone/>
-            </a:pPr>
-            <a:endParaRPr lang="en-US" sz="1900" dirty="0">
-              <a:latin typeface="Gill Sans MT" panose="020B0502020104020203" pitchFamily="34" charset="77"/>
-            </a:endParaRPr>
-          </a:p>
-          <a:p>
-            <a:pPr marL="0" indent="0">
-              <a:buNone/>
-            </a:pPr>
-            <a:r>
-              <a:rPr lang="en-US" sz="1900" dirty="0">
-                <a:latin typeface="Gill Sans MT" panose="020B0502020104020203" pitchFamily="34" charset="77"/>
-              </a:rPr>
-              <a:t>You can create a new variable by given it a value. </a:t>
-            </a:r>
-          </a:p>
-          <a:p>
-            <a:pPr marL="0" indent="0">
-              <a:buNone/>
-            </a:pPr>
-            <a:endParaRPr lang="en-US" sz="1900" b="1" dirty="0">
-              <a:latin typeface="Inconsolata Medium" panose="020B0609030003000000" pitchFamily="49" charset="77"/>
-            </a:endParaRPr>
-          </a:p>
-          <a:p>
-            <a:pPr marL="0" indent="0">
-              <a:buNone/>
-            </a:pPr>
-            <a:r>
-              <a:rPr lang="en-US" sz="2000" b="1" dirty="0">
-                <a:solidFill>
-                  <a:srgbClr val="000087"/>
-                </a:solidFill>
-                <a:latin typeface="Inconsolata Medium" panose="020B0609030003000000" pitchFamily="49" charset="77"/>
-              </a:rPr>
-              <a:t>In</a:t>
-            </a:r>
-            <a:r>
-              <a:rPr lang="en-US" sz="2000" b="1" dirty="0">
-                <a:latin typeface="Inconsolata Medium" panose="020B0609030003000000" pitchFamily="49" charset="77"/>
-              </a:rPr>
-              <a:t>[</a:t>
-            </a:r>
-            <a:r>
-              <a:rPr lang="en-US" sz="2000" b="1" dirty="0">
-                <a:solidFill>
-                  <a:srgbClr val="FF6600"/>
-                </a:solidFill>
-                <a:latin typeface="Inconsolata Medium" panose="020B0609030003000000" pitchFamily="49" charset="77"/>
-              </a:rPr>
-              <a:t>1</a:t>
-            </a:r>
-            <a:r>
-              <a:rPr lang="en-US" sz="2000" b="1" dirty="0">
-                <a:latin typeface="Inconsolata Medium" panose="020B0609030003000000" pitchFamily="49" charset="77"/>
-              </a:rPr>
-              <a:t>]: </a:t>
-            </a:r>
-            <a:r>
-              <a:rPr lang="en-US" sz="2000" b="1" dirty="0">
-                <a:solidFill>
-                  <a:srgbClr val="000087"/>
-                </a:solidFill>
-                <a:latin typeface="Inconsolata Medium" panose="020B0609030003000000" pitchFamily="49" charset="77"/>
-              </a:rPr>
-              <a:t>x </a:t>
-            </a:r>
-            <a:r>
-              <a:rPr lang="en-US" sz="2000" b="1" dirty="0">
-                <a:solidFill>
-                  <a:srgbClr val="545454"/>
-                </a:solidFill>
-                <a:latin typeface="Inconsolata Medium" panose="020B0609030003000000" pitchFamily="49" charset="77"/>
-              </a:rPr>
-              <a:t>= </a:t>
-            </a:r>
-            <a:r>
-              <a:rPr lang="en-US" sz="2000" b="1" dirty="0">
-                <a:solidFill>
-                  <a:srgbClr val="FF6600"/>
-                </a:solidFill>
-                <a:latin typeface="Inconsolata Medium" panose="020B0609030003000000" pitchFamily="49" charset="77"/>
-              </a:rPr>
-              <a:t>4 </a:t>
-            </a:r>
-          </a:p>
-          <a:p>
-            <a:pPr marL="0" indent="0">
-              <a:buNone/>
-            </a:pPr>
-            <a:r>
-              <a:rPr lang="en-US" sz="2000" b="1" dirty="0">
-                <a:solidFill>
-                  <a:srgbClr val="FF6600"/>
-                </a:solidFill>
-                <a:latin typeface="Inconsolata Medium" panose="020B0609030003000000" pitchFamily="49" charset="77"/>
-              </a:rPr>
-              <a:t>       </a:t>
-            </a:r>
-            <a:r>
-              <a:rPr lang="en-US" sz="2000" b="1" dirty="0">
-                <a:solidFill>
-                  <a:srgbClr val="000087"/>
-                </a:solidFill>
-                <a:latin typeface="Inconsolata Medium" panose="020B0609030003000000" pitchFamily="49" charset="77"/>
-              </a:rPr>
-              <a:t>x</a:t>
-            </a:r>
-            <a:r>
-              <a:rPr lang="en-US" sz="2000" b="1" dirty="0">
-                <a:solidFill>
-                  <a:srgbClr val="FF6600"/>
-                </a:solidFill>
-                <a:latin typeface="Inconsolata Medium" panose="020B0609030003000000" pitchFamily="49" charset="77"/>
-              </a:rPr>
-              <a:t>   </a:t>
-            </a:r>
-            <a:endParaRPr lang="en-US" sz="2000" b="1" dirty="0">
-              <a:latin typeface="Inconsolata Medium" panose="020B0609030003000000" pitchFamily="49" charset="77"/>
-            </a:endParaRPr>
-          </a:p>
-          <a:p>
-            <a:pPr marL="0" indent="0">
-              <a:buNone/>
-            </a:pPr>
-            <a:r>
-              <a:rPr lang="en-US" sz="2000" b="1" dirty="0">
-                <a:latin typeface="Inconsolata Medium" panose="020B0609030003000000" pitchFamily="49" charset="77"/>
-              </a:rPr>
-              <a:t>Out[1]: 4</a:t>
-            </a:r>
-          </a:p>
-          <a:p>
-            <a:pPr marL="0" indent="0">
-              <a:buNone/>
-            </a:pPr>
-            <a:endParaRPr lang="en-US" sz="2000" b="1" dirty="0">
-              <a:latin typeface="Inconsolata Medium" panose="020B0609030003000000" pitchFamily="49" charset="77"/>
-            </a:endParaRPr>
-          </a:p>
-          <a:p>
-            <a:pPr marL="0" indent="0">
-              <a:buNone/>
-            </a:pPr>
-            <a:r>
-              <a:rPr lang="en-US" sz="2000" dirty="0"/>
-              <a:t>Variable names can use letters, digits, and the underscore symbol (but they can’t start with a digit).</a:t>
-            </a:r>
-            <a:endParaRPr lang="en-US" sz="2000" b="1" dirty="0">
-              <a:latin typeface="Inconsolata Medium" panose="020B0609030003000000" pitchFamily="49" charset="77"/>
-            </a:endParaRPr>
-          </a:p>
-          <a:p>
-            <a:pPr marL="0" indent="0">
-              <a:buNone/>
-            </a:pPr>
-            <a:endParaRPr lang="en-US" sz="1900" b="1" dirty="0">
-              <a:latin typeface="Inconsolata Medium" panose="020B0609030003000000" pitchFamily="49" charset="77"/>
-            </a:endParaRPr>
-          </a:p>
-          <a:p>
-            <a:pPr marL="0" indent="0">
-              <a:buNone/>
-            </a:pPr>
-            <a:endParaRPr lang="en-US" sz="1900" b="1" dirty="0">
-              <a:latin typeface="Inconsolata Medium" panose="020B0609030003000000" pitchFamily="49" charset="77"/>
-            </a:endParaRPr>
-          </a:p>
-          <a:p>
-            <a:pPr marL="0" indent="0">
-              <a:buNone/>
-            </a:pPr>
-            <a:endParaRPr lang="en-US" sz="1900" b="1" dirty="0">
-              <a:latin typeface="Inconsolata Medium" panose="020B0609030003000000" pitchFamily="49" charset="77"/>
-            </a:endParaRPr>
-          </a:p>
-        </p:txBody>
-      </p:sp>
-    </p:spTree>
-    <p:extLst>
-      <p:ext uri="{BB962C8B-B14F-4D97-AF65-F5344CB8AC3E}">
-        <p14:creationId xmlns:p14="http://schemas.microsoft.com/office/powerpoint/2010/main" val="4186435068"/>
-      </p:ext>
-    </p:extLst>
-  </p:cSld>
-  <p:clrMapOvr>
-    <a:masterClrMapping/>
-  </p:clrMapOvr>
-</p:sld>
-</file>
-
 <file path=ppt/slides/slide17.xml><?xml version="1.0" encoding="utf-8"?>
 <p:sld xmlns:a="http://schemas.openxmlformats.org/drawingml/2006/main" xmlns:r="http://schemas.openxmlformats.org/officeDocument/2006/relationships" xmlns:p="http://schemas.openxmlformats.org/presentationml/2006/main">
   <p:cSld>
@@ -7084,7 +7336,7 @@
           <a:p>
             <a:r>
               <a:rPr lang="en-US" dirty="0"/>
-              <a:t>= is not equality</a:t>
+              <a:t>Boolean Operations</a:t>
             </a:r>
           </a:p>
         </p:txBody>
@@ -7120,12 +7372,147 @@
             <a:pPr marL="0" indent="0">
               <a:buNone/>
             </a:pPr>
-            <a:r>
-              <a:rPr lang="en-US" sz="1900" dirty="0">
-                <a:latin typeface="Gill Sans MT" panose="020B0502020104020203" pitchFamily="34" charset="77"/>
-              </a:rPr>
-              <a:t>Unlike in math, = is not equality in Python. It is an assignment: assign the expression on the right side of = to the variable on the left. </a:t>
-            </a:r>
+            <a:endParaRPr lang="en-US" dirty="0"/>
+          </a:p>
+          <a:p>
+            <a:pPr marL="0" indent="0">
+              <a:buNone/>
+            </a:pPr>
+            <a:r>
+              <a:rPr lang="en-US" dirty="0"/>
+              <a:t>Math operators have the highest precedence. Then comparison operators are followed by logical operators. The assignment operator is evaluated last. </a:t>
+            </a:r>
+          </a:p>
+          <a:p>
+            <a:pPr marL="0" indent="0">
+              <a:buNone/>
+            </a:pPr>
+            <a:endParaRPr lang="en-US" b="1" dirty="0">
+              <a:solidFill>
+                <a:srgbClr val="000087"/>
+              </a:solidFill>
+              <a:latin typeface="Inconsolata Medium" panose="020B0609030003000000" pitchFamily="49" charset="77"/>
+            </a:endParaRPr>
+          </a:p>
+          <a:p>
+            <a:pPr marL="0" indent="0">
+              <a:buNone/>
+            </a:pPr>
+            <a:r>
+              <a:rPr lang="en-US" b="1" dirty="0">
+                <a:solidFill>
+                  <a:srgbClr val="000087"/>
+                </a:solidFill>
+                <a:latin typeface="Inconsolata Medium" panose="020B0609030003000000" pitchFamily="49" charset="77"/>
+              </a:rPr>
+              <a:t>In</a:t>
+            </a:r>
+            <a:r>
+              <a:rPr lang="en-US" b="1" dirty="0">
+                <a:latin typeface="Inconsolata Medium" panose="020B0609030003000000" pitchFamily="49" charset="77"/>
+              </a:rPr>
+              <a:t>[</a:t>
+            </a:r>
+            <a:r>
+              <a:rPr lang="en-US" b="1" dirty="0">
+                <a:solidFill>
+                  <a:srgbClr val="FF6600"/>
+                </a:solidFill>
+                <a:latin typeface="Inconsolata Medium" panose="020B0609030003000000" pitchFamily="49" charset="77"/>
+              </a:rPr>
+              <a:t>1</a:t>
+            </a:r>
+            <a:r>
+              <a:rPr lang="en-US" b="1" dirty="0">
+                <a:latin typeface="Inconsolata Medium" panose="020B0609030003000000" pitchFamily="49" charset="77"/>
+              </a:rPr>
+              <a:t>]: </a:t>
+            </a:r>
+            <a:r>
+              <a:rPr lang="en-US" b="1" dirty="0">
+                <a:solidFill>
+                  <a:srgbClr val="000087"/>
+                </a:solidFill>
+                <a:latin typeface="Inconsolata Medium" panose="020B0609030003000000" pitchFamily="49" charset="77"/>
+              </a:rPr>
+              <a:t>result </a:t>
+            </a:r>
+            <a:r>
+              <a:rPr lang="en-US" b="1" dirty="0">
+                <a:solidFill>
+                  <a:srgbClr val="545454"/>
+                </a:solidFill>
+                <a:latin typeface="Inconsolata Medium" panose="020B0609030003000000" pitchFamily="49" charset="77"/>
+              </a:rPr>
+              <a:t>= </a:t>
+            </a:r>
+            <a:r>
+              <a:rPr lang="en-US" b="1" dirty="0">
+                <a:solidFill>
+                  <a:srgbClr val="FF6600"/>
+                </a:solidFill>
+                <a:latin typeface="Inconsolata Medium" panose="020B0609030003000000" pitchFamily="49" charset="77"/>
+              </a:rPr>
+              <a:t>3 + 2 * 4 &lt; 14 or 3 == 5</a:t>
+            </a:r>
+          </a:p>
+          <a:p>
+            <a:pPr marL="0" indent="0">
+              <a:buNone/>
+            </a:pPr>
+            <a:r>
+              <a:rPr lang="en-US" b="1" dirty="0">
+                <a:solidFill>
+                  <a:srgbClr val="FF6600"/>
+                </a:solidFill>
+                <a:latin typeface="Inconsolata Medium" panose="020B0609030003000000" pitchFamily="49" charset="77"/>
+              </a:rPr>
+              <a:t>	  </a:t>
+            </a:r>
+            <a:r>
+              <a:rPr lang="en-US" b="1" dirty="0">
+                <a:solidFill>
+                  <a:srgbClr val="000087"/>
+                </a:solidFill>
+                <a:latin typeface="Inconsolata Medium" panose="020B0609030003000000" pitchFamily="49" charset="77"/>
+              </a:rPr>
+              <a:t>result</a:t>
+            </a:r>
+            <a:r>
+              <a:rPr lang="en-US" b="1" dirty="0">
+                <a:latin typeface="Inconsolata Medium" panose="020B0609030003000000" pitchFamily="49" charset="77"/>
+              </a:rPr>
+              <a:t> </a:t>
+            </a:r>
+          </a:p>
+          <a:p>
+            <a:pPr marL="0" indent="0">
+              <a:buNone/>
+            </a:pPr>
+            <a:r>
+              <a:rPr lang="en-US" b="1" dirty="0">
+                <a:latin typeface="Inconsolata Medium" panose="020B0609030003000000" pitchFamily="49" charset="77"/>
+              </a:rPr>
+              <a:t>Out[1]: True </a:t>
+            </a:r>
+          </a:p>
+          <a:p>
+            <a:pPr marL="0" indent="0">
+              <a:buNone/>
+            </a:pPr>
+            <a:endParaRPr lang="en-US" dirty="0"/>
+          </a:p>
+          <a:p>
+            <a:pPr marL="0" indent="0">
+              <a:buNone/>
+            </a:pPr>
+            <a:endParaRPr lang="en-US" dirty="0"/>
+          </a:p>
+          <a:p>
+            <a:pPr marL="0" indent="0">
+              <a:buNone/>
+            </a:pPr>
+            <a:endParaRPr lang="en-US" dirty="0"/>
           </a:p>
           <a:p>
             <a:pPr marL="0" indent="0">
@@ -7134,373 +7521,13 @@
             <a:endParaRPr lang="en-US" sz="1900" b="1" dirty="0">
               <a:latin typeface="Inconsolata Medium" panose="020B0609030003000000" pitchFamily="49" charset="77"/>
             </a:endParaRPr>
-          </a:p>
-          <a:p>
-            <a:pPr marL="0" indent="0">
-              <a:buNone/>
-            </a:pPr>
-            <a:r>
-              <a:rPr lang="en-US" sz="2000" b="1" dirty="0">
-                <a:solidFill>
-                  <a:srgbClr val="000087"/>
-                </a:solidFill>
-                <a:latin typeface="Inconsolata Medium" panose="020B0609030003000000" pitchFamily="49" charset="77"/>
-              </a:rPr>
-              <a:t>In</a:t>
-            </a:r>
-            <a:r>
-              <a:rPr lang="en-US" sz="2000" b="1" dirty="0">
-                <a:latin typeface="Inconsolata Medium" panose="020B0609030003000000" pitchFamily="49" charset="77"/>
-              </a:rPr>
-              <a:t>[</a:t>
-            </a:r>
-            <a:r>
-              <a:rPr lang="en-US" sz="2000" b="1" dirty="0">
-                <a:solidFill>
-                  <a:srgbClr val="FF6600"/>
-                </a:solidFill>
-                <a:latin typeface="Inconsolata Medium" panose="020B0609030003000000" pitchFamily="49" charset="77"/>
-              </a:rPr>
-              <a:t>1</a:t>
-            </a:r>
-            <a:r>
-              <a:rPr lang="en-US" sz="2000" b="1" dirty="0">
-                <a:latin typeface="Inconsolata Medium" panose="020B0609030003000000" pitchFamily="49" charset="77"/>
-              </a:rPr>
-              <a:t>]: </a:t>
-            </a:r>
-            <a:r>
-              <a:rPr lang="en-US" sz="2000" b="1" dirty="0">
-                <a:solidFill>
-                  <a:srgbClr val="000087"/>
-                </a:solidFill>
-                <a:latin typeface="Inconsolata Medium" panose="020B0609030003000000" pitchFamily="49" charset="77"/>
-              </a:rPr>
-              <a:t>x </a:t>
-            </a:r>
-            <a:r>
-              <a:rPr lang="en-US" sz="2000" b="1" dirty="0">
-                <a:solidFill>
-                  <a:srgbClr val="545454"/>
-                </a:solidFill>
-                <a:latin typeface="Inconsolata Medium" panose="020B0609030003000000" pitchFamily="49" charset="77"/>
-              </a:rPr>
-              <a:t>= </a:t>
-            </a:r>
-            <a:r>
-              <a:rPr lang="en-US" sz="2000" b="1" dirty="0">
-                <a:solidFill>
-                  <a:srgbClr val="FF6600"/>
-                </a:solidFill>
-                <a:latin typeface="Inconsolata Medium" panose="020B0609030003000000" pitchFamily="49" charset="77"/>
-              </a:rPr>
-              <a:t>4 </a:t>
-            </a:r>
-          </a:p>
-          <a:p>
-            <a:pPr marL="0" indent="0">
-              <a:buNone/>
-            </a:pPr>
-            <a:r>
-              <a:rPr lang="en-US" sz="2000" b="1" dirty="0">
-                <a:solidFill>
-                  <a:srgbClr val="FF6600"/>
-                </a:solidFill>
-                <a:latin typeface="Inconsolata Medium" panose="020B0609030003000000" pitchFamily="49" charset="77"/>
-              </a:rPr>
-              <a:t>       </a:t>
-            </a:r>
-            <a:r>
-              <a:rPr lang="en-US" sz="2000" b="1" dirty="0">
-                <a:solidFill>
-                  <a:srgbClr val="000087"/>
-                </a:solidFill>
-                <a:latin typeface="Inconsolata Medium" panose="020B0609030003000000" pitchFamily="49" charset="77"/>
-              </a:rPr>
-              <a:t>x = x + 1 </a:t>
-            </a:r>
-            <a:r>
-              <a:rPr lang="en-US" sz="2000" b="1" dirty="0">
-                <a:solidFill>
-                  <a:srgbClr val="FF6600"/>
-                </a:solidFill>
-                <a:latin typeface="Inconsolata Medium" panose="020B0609030003000000" pitchFamily="49" charset="77"/>
-              </a:rPr>
-              <a:t>  </a:t>
-            </a:r>
-            <a:r>
-              <a:rPr lang="en-US" sz="2000" b="1" dirty="0">
-                <a:solidFill>
-                  <a:srgbClr val="00B050"/>
-                </a:solidFill>
-                <a:latin typeface="Inconsolata Medium" panose="020B0609030003000000" pitchFamily="49" charset="77"/>
-              </a:rPr>
-              <a:t># in math, this has no solutions! </a:t>
-            </a:r>
-          </a:p>
-          <a:p>
-            <a:pPr marL="0" indent="0">
-              <a:buNone/>
-            </a:pPr>
-            <a:r>
-              <a:rPr lang="en-US" sz="2000" b="1" dirty="0">
-                <a:solidFill>
-                  <a:srgbClr val="00B050"/>
-                </a:solidFill>
-                <a:latin typeface="Inconsolata Medium" panose="020B0609030003000000" pitchFamily="49" charset="77"/>
-              </a:rPr>
-              <a:t>       </a:t>
-            </a:r>
-            <a:r>
-              <a:rPr lang="en-US" sz="2000" b="1" dirty="0">
-                <a:solidFill>
-                  <a:srgbClr val="000087"/>
-                </a:solidFill>
-                <a:latin typeface="Inconsolata Medium" panose="020B0609030003000000" pitchFamily="49" charset="77"/>
-              </a:rPr>
-              <a:t>x</a:t>
-            </a:r>
-            <a:endParaRPr lang="en-US" sz="2000" b="1" dirty="0">
-              <a:solidFill>
-                <a:srgbClr val="00B050"/>
-              </a:solidFill>
-              <a:latin typeface="Inconsolata Medium" panose="020B0609030003000000" pitchFamily="49" charset="77"/>
-            </a:endParaRPr>
-          </a:p>
-          <a:p>
-            <a:pPr marL="0" indent="0">
-              <a:buNone/>
-            </a:pPr>
-            <a:r>
-              <a:rPr lang="en-US" sz="2000" b="1" dirty="0">
-                <a:latin typeface="Inconsolata Medium" panose="020B0609030003000000" pitchFamily="49" charset="77"/>
-              </a:rPr>
-              <a:t>Out[1]: 5</a:t>
-            </a:r>
-          </a:p>
-          <a:p>
-            <a:pPr marL="0" indent="0">
-              <a:buNone/>
-            </a:pPr>
-            <a:endParaRPr lang="en-US" sz="2000" b="1" dirty="0">
-              <a:latin typeface="Inconsolata Medium" panose="020B0609030003000000" pitchFamily="49" charset="77"/>
-            </a:endParaRPr>
-          </a:p>
-          <a:p>
-            <a:pPr marL="0" indent="0">
-              <a:buNone/>
-            </a:pPr>
-            <a:r>
-              <a:rPr lang="en-US" sz="2000" b="1" dirty="0">
-                <a:latin typeface="Inconsolata Medium" panose="020B0609030003000000" pitchFamily="49" charset="77"/>
-              </a:rPr>
-              <a:t>Assignment is not symmetric. </a:t>
-            </a:r>
-          </a:p>
-          <a:p>
-            <a:pPr marL="0" indent="0">
-              <a:buNone/>
-            </a:pPr>
-            <a:r>
-              <a:rPr lang="en-US" sz="2000" b="1" dirty="0">
-                <a:solidFill>
-                  <a:srgbClr val="000087"/>
-                </a:solidFill>
-                <a:latin typeface="Inconsolata Medium" panose="020B0609030003000000" pitchFamily="49" charset="77"/>
-              </a:rPr>
-              <a:t>In</a:t>
-            </a:r>
-            <a:r>
-              <a:rPr lang="en-US" sz="2000" b="1" dirty="0">
-                <a:latin typeface="Inconsolata Medium" panose="020B0609030003000000" pitchFamily="49" charset="77"/>
-              </a:rPr>
-              <a:t>[</a:t>
-            </a:r>
-            <a:r>
-              <a:rPr lang="en-US" sz="2000" b="1" dirty="0">
-                <a:solidFill>
-                  <a:srgbClr val="FF6600"/>
-                </a:solidFill>
-                <a:latin typeface="Inconsolata Medium" panose="020B0609030003000000" pitchFamily="49" charset="77"/>
-              </a:rPr>
-              <a:t>1</a:t>
-            </a:r>
-            <a:r>
-              <a:rPr lang="en-US" sz="2000" b="1" dirty="0">
-                <a:latin typeface="Inconsolata Medium" panose="020B0609030003000000" pitchFamily="49" charset="77"/>
-              </a:rPr>
-              <a:t>]: </a:t>
-            </a:r>
-            <a:r>
-              <a:rPr lang="en-US" sz="2000" b="1" dirty="0">
-                <a:solidFill>
-                  <a:srgbClr val="000087"/>
-                </a:solidFill>
-                <a:latin typeface="Inconsolata Medium" panose="020B0609030003000000" pitchFamily="49" charset="77"/>
-              </a:rPr>
-              <a:t>x </a:t>
-            </a:r>
-            <a:r>
-              <a:rPr lang="en-US" sz="2000" b="1" dirty="0">
-                <a:solidFill>
-                  <a:srgbClr val="545454"/>
-                </a:solidFill>
-                <a:latin typeface="Inconsolata Medium" panose="020B0609030003000000" pitchFamily="49" charset="77"/>
-              </a:rPr>
-              <a:t>= </a:t>
-            </a:r>
-            <a:r>
-              <a:rPr lang="en-US" sz="2000" b="1" dirty="0">
-                <a:solidFill>
-                  <a:srgbClr val="FF6600"/>
-                </a:solidFill>
-                <a:latin typeface="Inconsolata Medium" panose="020B0609030003000000" pitchFamily="49" charset="77"/>
-              </a:rPr>
-              <a:t>4    </a:t>
-            </a:r>
-            <a:r>
-              <a:rPr lang="en-US" sz="2000" b="1" dirty="0">
-                <a:solidFill>
-                  <a:srgbClr val="00B050"/>
-                </a:solidFill>
-                <a:latin typeface="Inconsolata Medium" panose="020B0609030003000000" pitchFamily="49" charset="77"/>
-              </a:rPr>
-              <a:t># correct!</a:t>
-            </a:r>
-            <a:endParaRPr lang="en-US" sz="2000" b="1" dirty="0">
-              <a:solidFill>
-                <a:srgbClr val="FF6600"/>
-              </a:solidFill>
-              <a:latin typeface="Inconsolata Medium" panose="020B0609030003000000" pitchFamily="49" charset="77"/>
-            </a:endParaRPr>
-          </a:p>
-          <a:p>
-            <a:pPr marL="0" indent="0">
-              <a:buNone/>
-            </a:pPr>
-            <a:r>
-              <a:rPr lang="en-US" sz="2000" b="1" dirty="0">
-                <a:solidFill>
-                  <a:srgbClr val="FF6600"/>
-                </a:solidFill>
-                <a:latin typeface="Inconsolata Medium" panose="020B0609030003000000" pitchFamily="49" charset="77"/>
-              </a:rPr>
-              <a:t>       </a:t>
-            </a:r>
-            <a:r>
-              <a:rPr lang="en-US" sz="2000" b="1" dirty="0">
-                <a:solidFill>
-                  <a:srgbClr val="000087"/>
-                </a:solidFill>
-                <a:latin typeface="Inconsolata Medium" panose="020B0609030003000000" pitchFamily="49" charset="77"/>
-              </a:rPr>
-              <a:t>10 = y </a:t>
-            </a:r>
-            <a:r>
-              <a:rPr lang="en-US" sz="2000" b="1" dirty="0">
-                <a:solidFill>
-                  <a:srgbClr val="FF6600"/>
-                </a:solidFill>
-                <a:latin typeface="Inconsolata Medium" panose="020B0609030003000000" pitchFamily="49" charset="77"/>
-              </a:rPr>
-              <a:t>  </a:t>
-            </a:r>
-            <a:r>
-              <a:rPr lang="en-US" sz="2000" b="1" dirty="0">
-                <a:solidFill>
-                  <a:srgbClr val="00B050"/>
-                </a:solidFill>
-                <a:latin typeface="Inconsolata Medium" panose="020B0609030003000000" pitchFamily="49" charset="77"/>
-              </a:rPr>
-              <a:t># error!</a:t>
-            </a:r>
-          </a:p>
-          <a:p>
-            <a:pPr marL="0" indent="0">
-              <a:buNone/>
-            </a:pPr>
-            <a:endParaRPr lang="en-US" sz="2000" b="1" dirty="0">
-              <a:latin typeface="Inconsolata Medium" panose="020B0609030003000000" pitchFamily="49" charset="77"/>
-            </a:endParaRPr>
-          </a:p>
-          <a:p>
-            <a:pPr marL="0" indent="0">
-              <a:buNone/>
-            </a:pPr>
-            <a:endParaRPr lang="en-US" sz="2000" b="1" dirty="0">
-              <a:latin typeface="Inconsolata Medium" panose="020B0609030003000000" pitchFamily="49" charset="77"/>
-            </a:endParaRPr>
-          </a:p>
-          <a:p>
-            <a:pPr marL="0" indent="0">
-              <a:buNone/>
-            </a:pPr>
-            <a:endParaRPr lang="en-US" sz="1900" b="1" dirty="0">
-              <a:latin typeface="Inconsolata Medium" panose="020B0609030003000000" pitchFamily="49" charset="77"/>
-            </a:endParaRPr>
-          </a:p>
-          <a:p>
-            <a:pPr marL="0" indent="0">
-              <a:buNone/>
-            </a:pPr>
-            <a:endParaRPr lang="en-US" sz="1900" b="1" dirty="0">
-              <a:latin typeface="Inconsolata Medium" panose="020B0609030003000000" pitchFamily="49" charset="77"/>
-            </a:endParaRPr>
-          </a:p>
-          <a:p>
-            <a:pPr marL="0" indent="0">
-              <a:buNone/>
-            </a:pPr>
-            <a:endParaRPr lang="en-US" sz="1900" b="1" dirty="0">
-              <a:latin typeface="Inconsolata Medium" panose="020B0609030003000000" pitchFamily="49" charset="77"/>
-            </a:endParaRPr>
-          </a:p>
-        </p:txBody>
-      </p:sp>
-      <p:sp>
-        <p:nvSpPr>
-          <p:cNvPr id="3" name="Rectangle 2">
-            <a:extLst>
-              <a:ext uri="{FF2B5EF4-FFF2-40B4-BE49-F238E27FC236}">
-                <a16:creationId xmlns:a16="http://schemas.microsoft.com/office/drawing/2014/main" id="{89FC81C6-5951-4C46-A412-23C1C61FDBAF}"/>
-              </a:ext>
-            </a:extLst>
-          </p:cNvPr>
-          <p:cNvSpPr/>
-          <p:nvPr/>
-        </p:nvSpPr>
-        <p:spPr>
-          <a:xfrm>
-            <a:off x="4425966" y="2688223"/>
-            <a:ext cx="292068" cy="338554"/>
-          </a:xfrm>
-          <a:prstGeom prst="rect">
-            <a:avLst/>
-          </a:prstGeom>
-        </p:spPr>
-        <p:txBody>
-          <a:bodyPr wrap="none">
-            <a:spAutoFit/>
-          </a:bodyPr>
-          <a:lstStyle/>
-          <a:p>
-            <a:r>
-              <a:rPr lang="en-US" sz="1600" b="1" dirty="0">
-                <a:solidFill>
-                  <a:srgbClr val="00B050"/>
-                </a:solidFill>
-                <a:latin typeface="Inconsolata Medium" panose="020B0609030003000000" pitchFamily="49" charset="77"/>
-              </a:rPr>
-              <a:t>#</a:t>
-            </a:r>
-            <a:endParaRPr lang="en-US" dirty="0"/>
           </a:p>
         </p:txBody>
       </p:sp>
     </p:spTree>
     <p:extLst>
       <p:ext uri="{BB962C8B-B14F-4D97-AF65-F5344CB8AC3E}">
-        <p14:creationId xmlns:p14="http://schemas.microsoft.com/office/powerpoint/2010/main" val="862557025"/>
+        <p14:creationId xmlns:p14="http://schemas.microsoft.com/office/powerpoint/2010/main" val="2364609597"/>
       </p:ext>
     </p:extLst>
   </p:cSld>
@@ -7555,7 +7582,7 @@
           <a:p>
             <a:r>
               <a:rPr lang="en-US" dirty="0"/>
-              <a:t>Augmented Assignment</a:t>
+              <a:t>Variables</a:t>
             </a:r>
           </a:p>
         </p:txBody>
@@ -7578,8 +7605,8 @@
         </p:nvSpPr>
         <p:spPr>
           <a:xfrm>
-            <a:off x="483848" y="1264778"/>
-            <a:ext cx="8051725" cy="4450222"/>
+            <a:off x="483848" y="1003610"/>
+            <a:ext cx="8051725" cy="4711390"/>
           </a:xfrm>
         </p:spPr>
         <p:txBody>
@@ -7592,341 +7619,18 @@
               <a:buNone/>
             </a:pPr>
             <a:r>
-              <a:rPr lang="en-US" sz="2000" dirty="0"/>
-              <a:t>An </a:t>
-            </a:r>
-            <a:r>
-              <a:rPr lang="en-US" sz="2000" b="1" dirty="0"/>
-              <a:t>augmented assignment </a:t>
-            </a:r>
-            <a:r>
-              <a:rPr lang="en-US" sz="2000" dirty="0"/>
-              <a:t>combines an assignment statement with an operator to make the statement more concise. </a:t>
-            </a:r>
-          </a:p>
-          <a:p>
-            <a:pPr marL="0" indent="0">
-              <a:buNone/>
-            </a:pPr>
-            <a:r>
-              <a:rPr lang="en-US" sz="1900" b="1" dirty="0">
-                <a:solidFill>
-                  <a:srgbClr val="FF0000"/>
-                </a:solidFill>
-                <a:latin typeface="Inconsolata Medium" panose="020B0609030003000000" pitchFamily="49" charset="77"/>
-              </a:rPr>
-              <a:t>    Shorthand				Equivalent version</a:t>
-            </a:r>
-            <a:endParaRPr lang="en-US" b="1" dirty="0"/>
-          </a:p>
-          <a:p>
-            <a:pPr marL="742950" lvl="1" indent="-285750">
-              <a:buNone/>
-              <a:tabLst>
-                <a:tab pos="4113213" algn="l"/>
-              </a:tabLst>
-              <a:defRPr/>
-            </a:pPr>
-            <a:r>
-              <a:rPr lang="en-US" b="1" dirty="0"/>
-              <a:t>variable</a:t>
-            </a:r>
-            <a:r>
-              <a:rPr lang="en-US" dirty="0">
-                <a:latin typeface="Courier New" charset="0"/>
-              </a:rPr>
-              <a:t> += </a:t>
-            </a:r>
-            <a:r>
-              <a:rPr lang="en-US" b="1" dirty="0"/>
-              <a:t>value</a:t>
-            </a:r>
-            <a:r>
-              <a:rPr lang="en-US" dirty="0">
-                <a:latin typeface="Courier New" charset="0"/>
-              </a:rPr>
-              <a:t>;	</a:t>
-            </a:r>
-            <a:r>
-              <a:rPr lang="en-US" b="1" dirty="0"/>
-              <a:t>variable</a:t>
-            </a:r>
-            <a:r>
-              <a:rPr lang="en-US" dirty="0">
-                <a:latin typeface="Courier New" charset="0"/>
-              </a:rPr>
-              <a:t> = </a:t>
-            </a:r>
-            <a:r>
-              <a:rPr lang="en-US" b="1" dirty="0"/>
-              <a:t>variable</a:t>
-            </a:r>
-            <a:r>
-              <a:rPr lang="en-US" dirty="0">
-                <a:latin typeface="Courier New" charset="0"/>
-              </a:rPr>
-              <a:t> + </a:t>
-            </a:r>
-            <a:r>
-              <a:rPr lang="en-US" b="1" dirty="0"/>
-              <a:t>value</a:t>
-            </a:r>
-            <a:r>
-              <a:rPr lang="en-US" dirty="0">
-                <a:latin typeface="Courier New" charset="0"/>
-              </a:rPr>
-              <a:t>;</a:t>
-            </a:r>
-          </a:p>
-          <a:p>
-            <a:pPr marL="742950" lvl="1" indent="-285750">
-              <a:buNone/>
-              <a:tabLst>
-                <a:tab pos="4113213" algn="l"/>
-              </a:tabLst>
-              <a:defRPr/>
-            </a:pPr>
-            <a:r>
-              <a:rPr lang="en-US" b="1" dirty="0"/>
-              <a:t>variable</a:t>
-            </a:r>
-            <a:r>
-              <a:rPr lang="en-US" dirty="0">
-                <a:latin typeface="Courier New" charset="0"/>
-              </a:rPr>
-              <a:t> -= </a:t>
-            </a:r>
-            <a:r>
-              <a:rPr lang="en-US" b="1" dirty="0"/>
-              <a:t>value</a:t>
-            </a:r>
-            <a:r>
-              <a:rPr lang="en-US" dirty="0">
-                <a:latin typeface="Courier New" charset="0"/>
-              </a:rPr>
-              <a:t>;	</a:t>
-            </a:r>
-            <a:r>
-              <a:rPr lang="en-US" b="1" dirty="0"/>
-              <a:t>variable</a:t>
-            </a:r>
-            <a:r>
-              <a:rPr lang="en-US" dirty="0">
-                <a:latin typeface="Courier New" charset="0"/>
-              </a:rPr>
-              <a:t> = </a:t>
-            </a:r>
-            <a:r>
-              <a:rPr lang="en-US" b="1" dirty="0"/>
-              <a:t>variable</a:t>
-            </a:r>
-            <a:r>
-              <a:rPr lang="en-US" dirty="0">
-                <a:latin typeface="Courier New" charset="0"/>
-              </a:rPr>
-              <a:t> - </a:t>
-            </a:r>
-            <a:r>
-              <a:rPr lang="en-US" b="1" dirty="0"/>
-              <a:t>value</a:t>
-            </a:r>
-            <a:r>
-              <a:rPr lang="en-US" dirty="0">
-                <a:latin typeface="Courier New" charset="0"/>
-              </a:rPr>
-              <a:t>;</a:t>
-            </a:r>
-          </a:p>
-          <a:p>
-            <a:pPr marL="742950" lvl="1" indent="-285750">
-              <a:buNone/>
-              <a:tabLst>
-                <a:tab pos="4113213" algn="l"/>
-              </a:tabLst>
-              <a:defRPr/>
-            </a:pPr>
-            <a:r>
-              <a:rPr lang="en-US" b="1" dirty="0"/>
-              <a:t>variable</a:t>
-            </a:r>
-            <a:r>
-              <a:rPr lang="en-US" dirty="0">
-                <a:latin typeface="Courier New" charset="0"/>
-              </a:rPr>
-              <a:t> *= </a:t>
-            </a:r>
-            <a:r>
-              <a:rPr lang="en-US" b="1" dirty="0"/>
-              <a:t>value</a:t>
-            </a:r>
-            <a:r>
-              <a:rPr lang="en-US" dirty="0">
-                <a:latin typeface="Courier New" charset="0"/>
-              </a:rPr>
-              <a:t>;	</a:t>
-            </a:r>
-            <a:r>
-              <a:rPr lang="en-US" b="1" dirty="0"/>
-              <a:t>variable</a:t>
-            </a:r>
-            <a:r>
-              <a:rPr lang="en-US" dirty="0">
-                <a:latin typeface="Courier New" charset="0"/>
-              </a:rPr>
-              <a:t> = </a:t>
-            </a:r>
-            <a:r>
-              <a:rPr lang="en-US" b="1" dirty="0"/>
-              <a:t>variable</a:t>
-            </a:r>
-            <a:r>
-              <a:rPr lang="en-US" dirty="0">
-                <a:latin typeface="Courier New" charset="0"/>
-              </a:rPr>
-              <a:t> * </a:t>
-            </a:r>
-            <a:r>
-              <a:rPr lang="en-US" b="1" dirty="0"/>
-              <a:t>value</a:t>
-            </a:r>
-            <a:r>
-              <a:rPr lang="en-US" dirty="0">
-                <a:latin typeface="Courier New" charset="0"/>
-              </a:rPr>
-              <a:t>;</a:t>
-            </a:r>
-          </a:p>
-          <a:p>
-            <a:pPr marL="742950" lvl="1" indent="-285750">
-              <a:buNone/>
-              <a:tabLst>
-                <a:tab pos="4113213" algn="l"/>
-              </a:tabLst>
-              <a:defRPr/>
-            </a:pPr>
-            <a:r>
-              <a:rPr lang="en-US" b="1" dirty="0"/>
-              <a:t>variable</a:t>
-            </a:r>
-            <a:r>
-              <a:rPr lang="en-US" dirty="0">
-                <a:latin typeface="Courier New" charset="0"/>
-              </a:rPr>
-              <a:t> /= </a:t>
-            </a:r>
-            <a:r>
-              <a:rPr lang="en-US" b="1" dirty="0"/>
-              <a:t>value</a:t>
-            </a:r>
-            <a:r>
-              <a:rPr lang="en-US" dirty="0">
-                <a:latin typeface="Courier New" charset="0"/>
-              </a:rPr>
-              <a:t>;	</a:t>
-            </a:r>
-            <a:r>
-              <a:rPr lang="en-US" b="1" dirty="0"/>
-              <a:t>variable</a:t>
-            </a:r>
-            <a:r>
-              <a:rPr lang="en-US" dirty="0">
-                <a:latin typeface="Courier New" charset="0"/>
-              </a:rPr>
-              <a:t> = </a:t>
-            </a:r>
-            <a:r>
-              <a:rPr lang="en-US" b="1" dirty="0"/>
-              <a:t>variable</a:t>
-            </a:r>
-            <a:r>
-              <a:rPr lang="en-US" dirty="0">
-                <a:latin typeface="Courier New" charset="0"/>
-              </a:rPr>
-              <a:t> / </a:t>
-            </a:r>
-            <a:r>
-              <a:rPr lang="en-US" b="1" dirty="0"/>
-              <a:t>value</a:t>
-            </a:r>
-            <a:r>
-              <a:rPr lang="en-US" dirty="0">
-                <a:latin typeface="Courier New" charset="0"/>
-              </a:rPr>
-              <a:t>;</a:t>
-            </a:r>
-          </a:p>
-          <a:p>
-            <a:pPr marL="742950" lvl="1" indent="-285750">
-              <a:buNone/>
-              <a:tabLst>
-                <a:tab pos="4113213" algn="l"/>
-              </a:tabLst>
-              <a:defRPr/>
-            </a:pPr>
-            <a:r>
-              <a:rPr lang="en-US" b="1" dirty="0"/>
-              <a:t>variable</a:t>
-            </a:r>
-            <a:r>
-              <a:rPr lang="en-US" dirty="0">
-                <a:latin typeface="Courier New" charset="0"/>
-              </a:rPr>
-              <a:t> %= </a:t>
-            </a:r>
-            <a:r>
-              <a:rPr lang="en-US" b="1" dirty="0"/>
-              <a:t>value</a:t>
-            </a:r>
-            <a:r>
-              <a:rPr lang="en-US" dirty="0">
-                <a:latin typeface="Courier New" charset="0"/>
-              </a:rPr>
-              <a:t>;	</a:t>
-            </a:r>
-            <a:r>
-              <a:rPr lang="en-US" b="1" dirty="0"/>
-              <a:t>variable</a:t>
-            </a:r>
-            <a:r>
-              <a:rPr lang="en-US" dirty="0">
-                <a:latin typeface="Courier New" charset="0"/>
-              </a:rPr>
-              <a:t> = </a:t>
-            </a:r>
-            <a:r>
-              <a:rPr lang="en-US" b="1" dirty="0"/>
-              <a:t>variable</a:t>
-            </a:r>
-            <a:r>
-              <a:rPr lang="en-US" dirty="0">
-                <a:latin typeface="Courier New" charset="0"/>
-              </a:rPr>
-              <a:t> % </a:t>
-            </a:r>
-            <a:r>
-              <a:rPr lang="en-US" b="1" dirty="0"/>
-              <a:t>value</a:t>
-            </a:r>
-            <a:r>
-              <a:rPr lang="en-US" dirty="0">
-                <a:latin typeface="Courier New" charset="0"/>
-              </a:rPr>
-              <a:t>;</a:t>
-            </a:r>
-          </a:p>
-          <a:p>
-            <a:pPr marL="742950" lvl="1" indent="-285750">
-              <a:lnSpc>
-                <a:spcPct val="60000"/>
-              </a:lnSpc>
-              <a:buNone/>
-              <a:tabLst>
-                <a:tab pos="4113213" algn="l"/>
-              </a:tabLst>
-              <a:defRPr/>
-            </a:pPr>
-            <a:endParaRPr lang="en-US" dirty="0">
-              <a:latin typeface="Courier New" charset="0"/>
+              <a:rPr lang="en-US" sz="1900" dirty="0">
+                <a:latin typeface="Gill Sans MT" panose="020B0502020104020203" pitchFamily="34" charset="77"/>
+              </a:rPr>
+              <a:t>We can use variables to refer to values that can be used later. </a:t>
+            </a:r>
+          </a:p>
+          <a:p>
+            <a:pPr marL="0" indent="0">
+              <a:buNone/>
+            </a:pPr>
+            <a:endParaRPr lang="en-US" sz="1900" dirty="0">
+              <a:latin typeface="Gill Sans MT" panose="020B0502020104020203" pitchFamily="34" charset="77"/>
             </a:endParaRPr>
           </a:p>
           <a:p>
@@ -7934,130 +7638,17 @@
               <a:buNone/>
             </a:pPr>
             <a:r>
-              <a:rPr lang="en-US" sz="1800" b="1" dirty="0">
-                <a:solidFill>
-                  <a:srgbClr val="000087"/>
-                </a:solidFill>
-                <a:latin typeface="Inconsolata Medium" panose="020B0609030003000000" pitchFamily="49" charset="77"/>
-              </a:rPr>
-              <a:t>In</a:t>
-            </a:r>
-            <a:r>
-              <a:rPr lang="en-US" sz="1800" b="1" dirty="0">
-                <a:latin typeface="Inconsolata Medium" panose="020B0609030003000000" pitchFamily="49" charset="77"/>
-              </a:rPr>
-              <a:t>[</a:t>
-            </a:r>
-            <a:r>
-              <a:rPr lang="en-US" sz="1800" b="1" dirty="0">
-                <a:solidFill>
-                  <a:srgbClr val="FF6600"/>
-                </a:solidFill>
-                <a:latin typeface="Inconsolata Medium" panose="020B0609030003000000" pitchFamily="49" charset="77"/>
-              </a:rPr>
-              <a:t>1</a:t>
-            </a:r>
-            <a:r>
-              <a:rPr lang="en-US" sz="1800" b="1" dirty="0">
-                <a:latin typeface="Inconsolata Medium" panose="020B0609030003000000" pitchFamily="49" charset="77"/>
-              </a:rPr>
-              <a:t>]: </a:t>
-            </a:r>
-            <a:r>
-              <a:rPr lang="en-US" sz="1800" b="1" dirty="0">
-                <a:solidFill>
-                  <a:srgbClr val="000087"/>
-                </a:solidFill>
-                <a:latin typeface="Inconsolata Medium" panose="020B0609030003000000" pitchFamily="49" charset="77"/>
-              </a:rPr>
-              <a:t>x </a:t>
-            </a:r>
-            <a:r>
-              <a:rPr lang="en-US" sz="1800" b="1" dirty="0">
-                <a:solidFill>
-                  <a:srgbClr val="545454"/>
-                </a:solidFill>
-                <a:latin typeface="Inconsolata Medium" panose="020B0609030003000000" pitchFamily="49" charset="77"/>
-              </a:rPr>
-              <a:t>= </a:t>
-            </a:r>
-            <a:r>
-              <a:rPr lang="en-US" sz="1800" b="1" dirty="0">
-                <a:solidFill>
-                  <a:srgbClr val="FF6600"/>
-                </a:solidFill>
-                <a:latin typeface="Inconsolata Medium" panose="020B0609030003000000" pitchFamily="49" charset="77"/>
-              </a:rPr>
-              <a:t>4 </a:t>
-            </a:r>
-          </a:p>
-          <a:p>
-            <a:pPr marL="0" indent="0">
-              <a:buNone/>
-            </a:pPr>
-            <a:r>
-              <a:rPr lang="en-US" sz="1800" b="1" dirty="0">
-                <a:solidFill>
-                  <a:srgbClr val="FF6600"/>
-                </a:solidFill>
-                <a:latin typeface="Inconsolata Medium" panose="020B0609030003000000" pitchFamily="49" charset="77"/>
-              </a:rPr>
-              <a:t>       </a:t>
-            </a:r>
-            <a:r>
-              <a:rPr lang="en-US" sz="1800" b="1" dirty="0">
-                <a:solidFill>
-                  <a:srgbClr val="000087"/>
-                </a:solidFill>
-                <a:latin typeface="Inconsolata Medium" panose="020B0609030003000000" pitchFamily="49" charset="77"/>
-              </a:rPr>
-              <a:t>x += 1 </a:t>
-            </a:r>
-            <a:r>
-              <a:rPr lang="en-US" sz="1800" b="1" dirty="0">
-                <a:solidFill>
-                  <a:srgbClr val="FF6600"/>
-                </a:solidFill>
-                <a:latin typeface="Inconsolata Medium" panose="020B0609030003000000" pitchFamily="49" charset="77"/>
-              </a:rPr>
-              <a:t>  </a:t>
-            </a:r>
-            <a:r>
-              <a:rPr lang="en-US" sz="1800" b="1" dirty="0">
-                <a:solidFill>
-                  <a:srgbClr val="00B050"/>
-                </a:solidFill>
-                <a:latin typeface="Inconsolata Medium" panose="020B0609030003000000" pitchFamily="49" charset="77"/>
-              </a:rPr>
-              <a:t># equivalent to x = x + 1</a:t>
-            </a:r>
-          </a:p>
-          <a:p>
-            <a:pPr marL="0" indent="0">
-              <a:buNone/>
-            </a:pPr>
-            <a:r>
-              <a:rPr lang="en-US" sz="1800" b="1" dirty="0">
-                <a:solidFill>
-                  <a:srgbClr val="00B050"/>
-                </a:solidFill>
-                <a:latin typeface="Inconsolata Medium" panose="020B0609030003000000" pitchFamily="49" charset="77"/>
-              </a:rPr>
-              <a:t>       </a:t>
-            </a:r>
-            <a:r>
-              <a:rPr lang="en-US" sz="1800" b="1" dirty="0">
-                <a:solidFill>
-                  <a:srgbClr val="000087"/>
-                </a:solidFill>
-                <a:latin typeface="Inconsolata Medium" panose="020B0609030003000000" pitchFamily="49" charset="77"/>
-              </a:rPr>
-              <a:t>x</a:t>
-            </a:r>
-            <a:endParaRPr lang="en-US" sz="1800" b="1" dirty="0">
-              <a:solidFill>
-                <a:srgbClr val="00B050"/>
-              </a:solidFill>
+              <a:rPr lang="en-US" sz="1900" dirty="0">
+                <a:latin typeface="Gill Sans MT" panose="020B0502020104020203" pitchFamily="34" charset="77"/>
+              </a:rPr>
+              <a:t>You can create a new variable by given it a value. </a:t>
+            </a:r>
+          </a:p>
+          <a:p>
+            <a:pPr marL="0" indent="0">
+              <a:buNone/>
+            </a:pPr>
+            <a:endParaRPr lang="en-US" sz="1900" b="1" dirty="0">
               <a:latin typeface="Inconsolata Medium" panose="020B0609030003000000" pitchFamily="49" charset="77"/>
             </a:endParaRPr>
           </a:p>
@@ -8066,11 +7657,136 @@
               <a:buNone/>
             </a:pPr>
             <a:r>
-              <a:rPr lang="en-US" sz="1800" b="1" dirty="0">
-                <a:latin typeface="Inconsolata Medium" panose="020B0609030003000000" pitchFamily="49" charset="77"/>
-              </a:rPr>
-              <a:t>Out[1]: 5</a:t>
-            </a:r>
+              <a:rPr lang="en-US" sz="2000" b="1" dirty="0">
+                <a:solidFill>
+                  <a:srgbClr val="000087"/>
+                </a:solidFill>
+                <a:latin typeface="Inconsolata Medium" panose="020B0609030003000000" pitchFamily="49" charset="77"/>
+              </a:rPr>
+              <a:t>In</a:t>
+            </a:r>
+            <a:r>
+              <a:rPr lang="en-US" sz="2000" b="1" dirty="0">
+                <a:latin typeface="Inconsolata Medium" panose="020B0609030003000000" pitchFamily="49" charset="77"/>
+              </a:rPr>
+              <a:t>[</a:t>
+            </a:r>
+            <a:r>
+              <a:rPr lang="en-US" sz="2000" b="1" dirty="0">
+                <a:solidFill>
+                  <a:srgbClr val="FF6600"/>
+                </a:solidFill>
+                <a:latin typeface="Inconsolata Medium" panose="020B0609030003000000" pitchFamily="49" charset="77"/>
+              </a:rPr>
+              <a:t>1</a:t>
+            </a:r>
+            <a:r>
+              <a:rPr lang="en-US" sz="2000" b="1" dirty="0">
+                <a:latin typeface="Inconsolata Medium" panose="020B0609030003000000" pitchFamily="49" charset="77"/>
+              </a:rPr>
+              <a:t>]: </a:t>
+            </a:r>
+            <a:r>
+              <a:rPr lang="en-US" sz="2000" b="1" dirty="0">
+                <a:solidFill>
+                  <a:srgbClr val="000087"/>
+                </a:solidFill>
+                <a:latin typeface="Inconsolata Medium" panose="020B0609030003000000" pitchFamily="49" charset="77"/>
+              </a:rPr>
+              <a:t>x </a:t>
+            </a:r>
+            <a:r>
+              <a:rPr lang="en-US" sz="2000" b="1" dirty="0">
+                <a:solidFill>
+                  <a:srgbClr val="545454"/>
+                </a:solidFill>
+                <a:latin typeface="Inconsolata Medium" panose="020B0609030003000000" pitchFamily="49" charset="77"/>
+              </a:rPr>
+              <a:t>= </a:t>
+            </a:r>
+            <a:r>
+              <a:rPr lang="en-US" sz="2000" b="1" dirty="0">
+                <a:solidFill>
+                  <a:srgbClr val="FF6600"/>
+                </a:solidFill>
+                <a:latin typeface="Inconsolata Medium" panose="020B0609030003000000" pitchFamily="49" charset="77"/>
+              </a:rPr>
+              <a:t>4 </a:t>
+            </a:r>
+          </a:p>
+          <a:p>
+            <a:pPr marL="0" indent="0">
+              <a:buNone/>
+            </a:pPr>
+            <a:r>
+              <a:rPr lang="en-US" sz="2000" b="1" dirty="0">
+                <a:solidFill>
+                  <a:srgbClr val="FF6600"/>
+                </a:solidFill>
+                <a:latin typeface="Inconsolata Medium" panose="020B0609030003000000" pitchFamily="49" charset="77"/>
+              </a:rPr>
+              <a:t>       </a:t>
+            </a:r>
+            <a:r>
+              <a:rPr lang="en-US" sz="2000" b="1" dirty="0">
+                <a:solidFill>
+                  <a:srgbClr val="000087"/>
+                </a:solidFill>
+                <a:latin typeface="Inconsolata Medium" panose="020B0609030003000000" pitchFamily="49" charset="77"/>
+              </a:rPr>
+              <a:t>x</a:t>
+            </a:r>
+            <a:r>
+              <a:rPr lang="en-US" sz="2000" b="1" dirty="0">
+                <a:solidFill>
+                  <a:srgbClr val="FF6600"/>
+                </a:solidFill>
+                <a:latin typeface="Inconsolata Medium" panose="020B0609030003000000" pitchFamily="49" charset="77"/>
+              </a:rPr>
+              <a:t>   </a:t>
+            </a:r>
+            <a:endParaRPr lang="en-US" sz="2000" b="1" dirty="0">
+              <a:latin typeface="Inconsolata Medium" panose="020B0609030003000000" pitchFamily="49" charset="77"/>
+            </a:endParaRPr>
+          </a:p>
+          <a:p>
+            <a:pPr marL="0" indent="0">
+              <a:buNone/>
+            </a:pPr>
+            <a:r>
+              <a:rPr lang="en-US" sz="2000" b="1" dirty="0">
+                <a:latin typeface="Inconsolata Medium" panose="020B0609030003000000" pitchFamily="49" charset="77"/>
+              </a:rPr>
+              <a:t>Out[1]: 4</a:t>
+            </a:r>
+          </a:p>
+          <a:p>
+            <a:pPr marL="0" indent="0">
+              <a:buNone/>
+            </a:pPr>
+            <a:endParaRPr lang="en-US" sz="2000" b="1" dirty="0">
+              <a:latin typeface="Inconsolata Medium" panose="020B0609030003000000" pitchFamily="49" charset="77"/>
+            </a:endParaRPr>
+          </a:p>
+          <a:p>
+            <a:pPr marL="0" indent="0">
+              <a:buNone/>
+            </a:pPr>
+            <a:r>
+              <a:rPr lang="en-US" sz="2000" dirty="0"/>
+              <a:t>Variable names can use letters, digits, and the underscore symbol (but they can’t start with a digit).</a:t>
+            </a:r>
+            <a:endParaRPr lang="en-US" sz="2000" b="1" dirty="0">
+              <a:latin typeface="Inconsolata Medium" panose="020B0609030003000000" pitchFamily="49" charset="77"/>
+            </a:endParaRPr>
+          </a:p>
+          <a:p>
+            <a:pPr marL="0" indent="0">
+              <a:buNone/>
+            </a:pPr>
+            <a:endParaRPr lang="en-US" sz="1900" b="1" dirty="0">
+              <a:latin typeface="Inconsolata Medium" panose="020B0609030003000000" pitchFamily="49" charset="77"/>
+            </a:endParaRPr>
           </a:p>
           <a:p>
             <a:pPr marL="0" indent="0">
@@ -8093,7 +7809,7 @@
     </p:spTree>
     <p:extLst>
       <p:ext uri="{BB962C8B-B14F-4D97-AF65-F5344CB8AC3E}">
-        <p14:creationId xmlns:p14="http://schemas.microsoft.com/office/powerpoint/2010/main" val="170290661"/>
+        <p14:creationId xmlns:p14="http://schemas.microsoft.com/office/powerpoint/2010/main" val="4186435068"/>
       </p:ext>
     </p:extLst>
   </p:cSld>
@@ -8148,7 +7864,7 @@
           <a:p>
             <a:r>
               <a:rPr lang="en-US" dirty="0"/>
-              <a:t>Augmented Assignment</a:t>
+              <a:t>= is not equality</a:t>
             </a:r>
           </a:p>
         </p:txBody>
@@ -8184,6 +7900,17 @@
             <a:pPr marL="0" indent="0">
               <a:buNone/>
             </a:pPr>
+            <a:r>
+              <a:rPr lang="en-US" sz="1900" dirty="0">
+                <a:latin typeface="Gill Sans MT" panose="020B0502020104020203" pitchFamily="34" charset="77"/>
+              </a:rPr>
+              <a:t>Unlike in math, = is not equality in Python. It is an assignment: assign the expression on the right side of = to the variable on the left. </a:t>
+            </a:r>
+          </a:p>
+          <a:p>
+            <a:pPr marL="0" indent="0">
+              <a:buNone/>
+            </a:pPr>
             <a:endParaRPr lang="en-US" sz="1900" b="1" dirty="0">
               <a:latin typeface="Inconsolata Medium" panose="020B0609030003000000" pitchFamily="49" charset="77"/>
             </a:endParaRPr>
@@ -8247,7 +7974,7 @@
                 </a:solidFill>
                 <a:latin typeface="Inconsolata Medium" panose="020B0609030003000000" pitchFamily="49" charset="77"/>
               </a:rPr>
-              <a:t>3 </a:t>
+              <a:t>4 </a:t>
             </a:r>
           </a:p>
           <a:p>
@@ -8270,7 +7997,7 @@
                 </a:solidFill>
                 <a:latin typeface="Inconsolata Medium" panose="020B0609030003000000" pitchFamily="49" charset="77"/>
               </a:rPr>
-              <a:t>x *= 2 + 5 </a:t>
+              <a:t>x = x + 1 </a:t>
             </a:r>
             <a:r>
               <a:rPr lang="en-US" sz="2000" b="1" dirty="0">
@@ -8280,6 +8007,38 @@
                 <a:latin typeface="Inconsolata Medium" panose="020B0609030003000000" pitchFamily="49" charset="77"/>
               </a:rPr>
               <a:t>  </a:t>
+            </a:r>
+            <a:r>
+              <a:rPr lang="en-US" sz="2000" b="1" dirty="0">
+                <a:solidFill>
+                  <a:srgbClr val="00B050"/>
+                </a:solidFill>
+                <a:latin typeface="Inconsolata Medium" panose="020B0609030003000000" pitchFamily="49" charset="77"/>
+              </a:rPr>
+              <a:t># in math, this has no solutions! </a:t>
+            </a:r>
+          </a:p>
+          <a:p>
+            <a:pPr marL="0" indent="0">
+              <a:buNone/>
+            </a:pPr>
+            <a:r>
+              <a:rPr lang="en-US" sz="2000" b="1" dirty="0">
+                <a:solidFill>
+                  <a:srgbClr val="00B050"/>
+                </a:solidFill>
+                <a:latin typeface="Inconsolata Medium" panose="020B0609030003000000" pitchFamily="49" charset="77"/>
+              </a:rPr>
+              <a:t>       </a:t>
+            </a:r>
+            <a:r>
+              <a:rPr lang="en-US" sz="2000" b="1" dirty="0">
+                <a:solidFill>
+                  <a:srgbClr val="000087"/>
+                </a:solidFill>
+                <a:latin typeface="Inconsolata Medium" panose="020B0609030003000000" pitchFamily="49" charset="77"/>
+              </a:rPr>
+              <a:t>x</a:t>
             </a:r>
             <a:endParaRPr lang="en-US" sz="2000" b="1" dirty="0">
               <a:solidFill>
@@ -8294,25 +8053,103 @@
             </a:pPr>
             <a:r>
               <a:rPr lang="en-US" sz="2000" b="1" dirty="0">
+                <a:latin typeface="Inconsolata Medium" panose="020B0609030003000000" pitchFamily="49" charset="77"/>
+              </a:rPr>
+              <a:t>Out[1]: 5</a:t>
+            </a:r>
+          </a:p>
+          <a:p>
+            <a:pPr marL="0" indent="0">
+              <a:buNone/>
+            </a:pPr>
+            <a:endParaRPr lang="en-US" sz="2000" b="1" dirty="0">
+              <a:latin typeface="Inconsolata Medium" panose="020B0609030003000000" pitchFamily="49" charset="77"/>
+            </a:endParaRPr>
+          </a:p>
+          <a:p>
+            <a:pPr marL="0" indent="0">
+              <a:buNone/>
+            </a:pPr>
+            <a:r>
+              <a:rPr lang="en-US" sz="2000" b="1" dirty="0">
+                <a:latin typeface="Inconsolata Medium" panose="020B0609030003000000" pitchFamily="49" charset="77"/>
+              </a:rPr>
+              <a:t>Assignment is not symmetric. </a:t>
+            </a:r>
+          </a:p>
+          <a:p>
+            <a:pPr marL="0" indent="0">
+              <a:buNone/>
+            </a:pPr>
+            <a:r>
+              <a:rPr lang="en-US" sz="2000" b="1" dirty="0">
+                <a:solidFill>
+                  <a:srgbClr val="000087"/>
+                </a:solidFill>
+                <a:latin typeface="Inconsolata Medium" panose="020B0609030003000000" pitchFamily="49" charset="77"/>
+              </a:rPr>
+              <a:t>In</a:t>
+            </a:r>
+            <a:r>
+              <a:rPr lang="en-US" sz="2000" b="1" dirty="0">
+                <a:latin typeface="Inconsolata Medium" panose="020B0609030003000000" pitchFamily="49" charset="77"/>
+              </a:rPr>
+              <a:t>[</a:t>
+            </a:r>
+            <a:r>
+              <a:rPr lang="en-US" sz="2000" b="1" dirty="0">
+                <a:solidFill>
+                  <a:srgbClr val="FF6600"/>
+                </a:solidFill>
+                <a:latin typeface="Inconsolata Medium" panose="020B0609030003000000" pitchFamily="49" charset="77"/>
+              </a:rPr>
+              <a:t>1</a:t>
+            </a:r>
+            <a:r>
+              <a:rPr lang="en-US" sz="2000" b="1" dirty="0">
+                <a:latin typeface="Inconsolata Medium" panose="020B0609030003000000" pitchFamily="49" charset="77"/>
+              </a:rPr>
+              <a:t>]: </a:t>
+            </a:r>
+            <a:r>
+              <a:rPr lang="en-US" sz="2000" b="1" dirty="0">
+                <a:solidFill>
+                  <a:srgbClr val="000087"/>
+                </a:solidFill>
+                <a:latin typeface="Inconsolata Medium" panose="020B0609030003000000" pitchFamily="49" charset="77"/>
+              </a:rPr>
+              <a:t>x </a:t>
+            </a:r>
+            <a:r>
+              <a:rPr lang="en-US" sz="2000" b="1" dirty="0">
+                <a:solidFill>
+                  <a:srgbClr val="545454"/>
+                </a:solidFill>
+                <a:latin typeface="Inconsolata Medium" panose="020B0609030003000000" pitchFamily="49" charset="77"/>
+              </a:rPr>
+              <a:t>= </a:t>
+            </a:r>
+            <a:r>
+              <a:rPr lang="en-US" sz="2000" b="1" dirty="0">
+                <a:solidFill>
+                  <a:srgbClr val="FF6600"/>
+                </a:solidFill>
+                <a:latin typeface="Inconsolata Medium" panose="020B0609030003000000" pitchFamily="49" charset="77"/>
+              </a:rPr>
+              <a:t>4    </a:t>
+            </a:r>
+            <a:r>
+              <a:rPr lang="en-US" sz="2000" b="1" dirty="0">
                 <a:solidFill>
                   <a:srgbClr val="00B050"/>
                 </a:solidFill>
                 <a:latin typeface="Inconsolata Medium" panose="020B0609030003000000" pitchFamily="49" charset="77"/>
               </a:rPr>
-              <a:t>       </a:t>
-            </a:r>
-            <a:r>
-              <a:rPr lang="en-US" sz="2000" b="1" dirty="0">
-                <a:solidFill>
-                  <a:srgbClr val="000087"/>
-                </a:solidFill>
-                <a:latin typeface="Inconsolata Medium" panose="020B0609030003000000" pitchFamily="49" charset="77"/>
-              </a:rPr>
-              <a:t>x</a:t>
+              <a:t># correct!</a:t>
             </a:r>
             <a:endParaRPr lang="en-US" sz="2000" b="1" dirty="0">
               <a:solidFill>
-                <a:srgbClr val="00B050"/>
+                <a:srgbClr val="FF6600"/>
               </a:solidFill>
               <a:latin typeface="Inconsolata Medium" panose="020B0609030003000000" pitchFamily="49" charset="77"/>
             </a:endParaRPr>
@@ -8323,9 +8160,39 @@
             </a:pPr>
             <a:r>
               <a:rPr lang="en-US" sz="2000" b="1" dirty="0">
-                <a:latin typeface="Inconsolata Medium" panose="020B0609030003000000" pitchFamily="49" charset="77"/>
-              </a:rPr>
-              <a:t>Out[1]: 21</a:t>
+                <a:solidFill>
+                  <a:srgbClr val="FF6600"/>
+                </a:solidFill>
+                <a:latin typeface="Inconsolata Medium" panose="020B0609030003000000" pitchFamily="49" charset="77"/>
+              </a:rPr>
+              <a:t>       </a:t>
+            </a:r>
+            <a:r>
+              <a:rPr lang="en-US" sz="2000" b="1" dirty="0">
+                <a:solidFill>
+                  <a:srgbClr val="000087"/>
+                </a:solidFill>
+                <a:latin typeface="Inconsolata Medium" panose="020B0609030003000000" pitchFamily="49" charset="77"/>
+              </a:rPr>
+              <a:t>10 = y </a:t>
+            </a:r>
+            <a:r>
+              <a:rPr lang="en-US" sz="2000" b="1" dirty="0">
+                <a:solidFill>
+                  <a:srgbClr val="FF6600"/>
+                </a:solidFill>
+                <a:latin typeface="Inconsolata Medium" panose="020B0609030003000000" pitchFamily="49" charset="77"/>
+              </a:rPr>
+              <a:t>  </a:t>
+            </a:r>
+            <a:r>
+              <a:rPr lang="en-US" sz="2000" b="1" dirty="0">
+                <a:solidFill>
+                  <a:srgbClr val="00B050"/>
+                </a:solidFill>
+                <a:latin typeface="Inconsolata Medium" panose="020B0609030003000000" pitchFamily="49" charset="77"/>
+              </a:rPr>
+              <a:t># error!</a:t>
             </a:r>
           </a:p>
           <a:p>
@@ -8340,146 +8207,6 @@
             <a:pPr marL="0" indent="0">
               <a:buNone/>
             </a:pPr>
-            <a:r>
-              <a:rPr lang="en-US" sz="2000" b="1" dirty="0">
-                <a:solidFill>
-                  <a:srgbClr val="000087"/>
-                </a:solidFill>
-                <a:latin typeface="Inconsolata Medium" panose="020B0609030003000000" pitchFamily="49" charset="77"/>
-              </a:rPr>
-              <a:t>In</a:t>
-            </a:r>
-            <a:r>
-              <a:rPr lang="en-US" sz="2000" b="1" dirty="0">
-                <a:latin typeface="Inconsolata Medium" panose="020B0609030003000000" pitchFamily="49" charset="77"/>
-              </a:rPr>
-              <a:t>[</a:t>
-            </a:r>
-            <a:r>
-              <a:rPr lang="en-US" sz="2000" b="1" dirty="0">
-                <a:solidFill>
-                  <a:srgbClr val="FF6600"/>
-                </a:solidFill>
-                <a:latin typeface="Inconsolata Medium" panose="020B0609030003000000" pitchFamily="49" charset="77"/>
-              </a:rPr>
-              <a:t>1</a:t>
-            </a:r>
-            <a:r>
-              <a:rPr lang="en-US" sz="2000" b="1" dirty="0">
-                <a:latin typeface="Inconsolata Medium" panose="020B0609030003000000" pitchFamily="49" charset="77"/>
-              </a:rPr>
-              <a:t>]: </a:t>
-            </a:r>
-            <a:r>
-              <a:rPr lang="en-US" sz="2000" b="1" dirty="0">
-                <a:solidFill>
-                  <a:srgbClr val="000087"/>
-                </a:solidFill>
-                <a:latin typeface="Inconsolata Medium" panose="020B0609030003000000" pitchFamily="49" charset="77"/>
-              </a:rPr>
-              <a:t>number </a:t>
-            </a:r>
-            <a:r>
-              <a:rPr lang="en-US" sz="2000" b="1" dirty="0">
-                <a:solidFill>
-                  <a:srgbClr val="545454"/>
-                </a:solidFill>
-                <a:latin typeface="Inconsolata Medium" panose="020B0609030003000000" pitchFamily="49" charset="77"/>
-              </a:rPr>
-              <a:t>= </a:t>
-            </a:r>
-            <a:r>
-              <a:rPr lang="en-US" sz="2000" b="1" dirty="0">
-                <a:solidFill>
-                  <a:srgbClr val="FF6600"/>
-                </a:solidFill>
-                <a:latin typeface="Inconsolata Medium" panose="020B0609030003000000" pitchFamily="49" charset="77"/>
-              </a:rPr>
-              <a:t>5 </a:t>
-            </a:r>
-          </a:p>
-          <a:p>
-            <a:pPr marL="0" indent="0">
-              <a:buNone/>
-            </a:pPr>
-            <a:r>
-              <a:rPr lang="en-US" sz="2000" b="1" dirty="0">
-                <a:solidFill>
-                  <a:srgbClr val="FF6600"/>
-                </a:solidFill>
-                <a:latin typeface="Inconsolata Medium" panose="020B0609030003000000" pitchFamily="49" charset="77"/>
-              </a:rPr>
-              <a:t>       </a:t>
-            </a:r>
-            <a:r>
-              <a:rPr lang="en-US" sz="2000" b="1" dirty="0">
-                <a:solidFill>
-                  <a:srgbClr val="000087"/>
-                </a:solidFill>
-                <a:latin typeface="Inconsolata Medium" panose="020B0609030003000000" pitchFamily="49" charset="77"/>
-              </a:rPr>
-              <a:t>number *= number </a:t>
-            </a:r>
-            <a:r>
-              <a:rPr lang="en-US" sz="2000" b="1" dirty="0">
-                <a:solidFill>
-                  <a:srgbClr val="FF6600"/>
-                </a:solidFill>
-                <a:latin typeface="Inconsolata Medium" panose="020B0609030003000000" pitchFamily="49" charset="77"/>
-              </a:rPr>
-              <a:t>  </a:t>
-            </a:r>
-            <a:endParaRPr lang="en-US" sz="2000" b="1" dirty="0">
-              <a:solidFill>
-                <a:srgbClr val="00B050"/>
-              </a:solidFill>
-              <a:latin typeface="Inconsolata Medium" panose="020B0609030003000000" pitchFamily="49" charset="77"/>
-            </a:endParaRPr>
-          </a:p>
-          <a:p>
-            <a:pPr marL="0" indent="0">
-              <a:buNone/>
-            </a:pPr>
-            <a:r>
-              <a:rPr lang="en-US" sz="2000" b="1" dirty="0">
-                <a:solidFill>
-                  <a:srgbClr val="00B050"/>
-                </a:solidFill>
-                <a:latin typeface="Inconsolata Medium" panose="020B0609030003000000" pitchFamily="49" charset="77"/>
-              </a:rPr>
-              <a:t>       </a:t>
-            </a:r>
-            <a:r>
-              <a:rPr lang="en-US" sz="2000" b="1" dirty="0">
-                <a:solidFill>
-                  <a:srgbClr val="000087"/>
-                </a:solidFill>
-                <a:latin typeface="Inconsolata Medium" panose="020B0609030003000000" pitchFamily="49" charset="77"/>
-              </a:rPr>
-              <a:t>number</a:t>
-            </a:r>
-            <a:endParaRPr lang="en-US" sz="2000" b="1" dirty="0">
-              <a:solidFill>
-                <a:srgbClr val="00B050"/>
-              </a:solidFill>
-              <a:latin typeface="Inconsolata Medium" panose="020B0609030003000000" pitchFamily="49" charset="77"/>
-            </a:endParaRPr>
-          </a:p>
-          <a:p>
-            <a:pPr marL="0" indent="0">
-              <a:buNone/>
-            </a:pPr>
-            <a:r>
-              <a:rPr lang="en-US" sz="2000" b="1" dirty="0">
-                <a:latin typeface="Inconsolata Medium" panose="020B0609030003000000" pitchFamily="49" charset="77"/>
-              </a:rPr>
-              <a:t>Out[1]: 25</a:t>
-            </a:r>
-          </a:p>
-          <a:p>
-            <a:pPr marL="0" indent="0">
-              <a:buNone/>
-            </a:pPr>
             <a:endParaRPr lang="en-US" sz="2000" b="1" dirty="0">
               <a:latin typeface="Inconsolata Medium" panose="020B0609030003000000" pitchFamily="49" charset="77"/>
             </a:endParaRPr>
@@ -8488,14 +8215,6 @@
             <a:pPr marL="0" indent="0">
               <a:buNone/>
             </a:pPr>
-            <a:endParaRPr lang="en-US" sz="2000" b="1" dirty="0">
-              <a:latin typeface="Inconsolata Medium" panose="020B0609030003000000" pitchFamily="49" charset="77"/>
-            </a:endParaRPr>
-          </a:p>
-          <a:p>
-            <a:pPr marL="0" indent="0">
-              <a:buNone/>
-            </a:pPr>
             <a:endParaRPr lang="en-US" sz="1900" b="1" dirty="0">
               <a:latin typeface="Inconsolata Medium" panose="020B0609030003000000" pitchFamily="49" charset="77"/>
             </a:endParaRPr>
@@ -8515,13 +8234,53 @@
             <a:endParaRPr lang="en-US" sz="1900" b="1" dirty="0">
               <a:latin typeface="Inconsolata Medium" panose="020B0609030003000000" pitchFamily="49" charset="77"/>
             </a:endParaRPr>
+          </a:p>
+        </p:txBody>
+      </p:sp>
+      <p:sp>
+        <p:nvSpPr>
+          <p:cNvPr id="3" name="Rectangle 2">
+            <a:extLst>
+              <a:ext uri="{FF2B5EF4-FFF2-40B4-BE49-F238E27FC236}">
+                <a16:creationId xmlns:a16="http://schemas.microsoft.com/office/drawing/2014/main" id="{89FC81C6-5951-4C46-A412-23C1C61FDBAF}"/>
+              </a:ext>
+            </a:extLst>
+          </p:cNvPr>
+          <p:cNvSpPr/>
+          <p:nvPr/>
+        </p:nvSpPr>
+        <p:spPr>
+          <a:xfrm>
+            <a:off x="4425966" y="2688223"/>
+            <a:ext cx="292068" cy="338554"/>
+          </a:xfrm>
+          <a:prstGeom prst="rect">
+            <a:avLst/>
+          </a:prstGeom>
+        </p:spPr>
+        <p:txBody>
+          <a:bodyPr wrap="none">
+            <a:spAutoFit/>
+          </a:bodyPr>
+          <a:lstStyle/>
+          <a:p>
+            <a:r>
+              <a:rPr lang="en-US" sz="1600" b="1" dirty="0">
+                <a:solidFill>
+                  <a:srgbClr val="00B050"/>
+                </a:solidFill>
+                <a:latin typeface="Inconsolata Medium" panose="020B0609030003000000" pitchFamily="49" charset="77"/>
+              </a:rPr>
+              <a:t>#</a:t>
+            </a:r>
+            <a:endParaRPr lang="en-US" dirty="0"/>
           </a:p>
         </p:txBody>
       </p:sp>
     </p:spTree>
     <p:extLst>
       <p:ext uri="{BB962C8B-B14F-4D97-AF65-F5344CB8AC3E}">
-        <p14:creationId xmlns:p14="http://schemas.microsoft.com/office/powerpoint/2010/main" val="2207534797"/>
+        <p14:creationId xmlns:p14="http://schemas.microsoft.com/office/powerpoint/2010/main" val="862557025"/>
       </p:ext>
     </p:extLst>
   </p:cSld>
@@ -8774,6 +8533,1027 @@
 </file>
 
 <file path=ppt/slides/slide20.xml><?xml version="1.0" encoding="utf-8"?>
+<p:sld xmlns:a="http://schemas.openxmlformats.org/drawingml/2006/main" xmlns:r="http://schemas.openxmlformats.org/officeDocument/2006/relationships" xmlns:p="http://schemas.openxmlformats.org/presentationml/2006/main">
+  <p:cSld>
+    <p:spTree>
+      <p:nvGrpSpPr>
+        <p:cNvPr id="1" name=""/>
+        <p:cNvGrpSpPr/>
+        <p:nvPr/>
+      </p:nvGrpSpPr>
+      <p:grpSpPr>
+        <a:xfrm>
+          <a:off x="0" y="0"/>
+          <a:ext cx="0" cy="0"/>
+          <a:chOff x="0" y="0"/>
+          <a:chExt cx="0" cy="0"/>
+        </a:xfrm>
+      </p:grpSpPr>
+      <p:sp>
+        <p:nvSpPr>
+          <p:cNvPr id="2" name="Title 1">
+            <a:extLst>
+              <a:ext uri="{FF2B5EF4-FFF2-40B4-BE49-F238E27FC236}">
+                <a16:creationId xmlns:a16="http://schemas.microsoft.com/office/drawing/2014/main" id="{AA3A228F-61D0-D949-A5E7-F83756230BF8}"/>
+              </a:ext>
+            </a:extLst>
+          </p:cNvPr>
+          <p:cNvSpPr>
+            <a:spLocks noGrp="1"/>
+          </p:cNvSpPr>
+          <p:nvPr>
+            <p:ph type="title"/>
+          </p:nvPr>
+        </p:nvSpPr>
+        <p:spPr>
+          <a:xfrm>
+            <a:off x="483848" y="467027"/>
+            <a:ext cx="7053542" cy="683886"/>
+          </a:xfrm>
+        </p:spPr>
+        <p:txBody>
+          <a:bodyPr/>
+          <a:lstStyle/>
+          <a:p>
+            <a:r>
+              <a:rPr lang="en-US" dirty="0"/>
+              <a:t>Augmented Assignment</a:t>
+            </a:r>
+          </a:p>
+        </p:txBody>
+      </p:sp>
+      <p:sp>
+        <p:nvSpPr>
+          <p:cNvPr id="9" name="Content Placeholder 8">
+            <a:extLst>
+              <a:ext uri="{FF2B5EF4-FFF2-40B4-BE49-F238E27FC236}">
+                <a16:creationId xmlns:a16="http://schemas.microsoft.com/office/drawing/2014/main" id="{E3B2E017-30B2-884B-A113-B419A2ED51AD}"/>
+              </a:ext>
+            </a:extLst>
+          </p:cNvPr>
+          <p:cNvSpPr>
+            <a:spLocks noGrp="1"/>
+          </p:cNvSpPr>
+          <p:nvPr>
+            <p:ph idx="1"/>
+          </p:nvPr>
+        </p:nvSpPr>
+        <p:spPr>
+          <a:xfrm>
+            <a:off x="483848" y="1264778"/>
+            <a:ext cx="8051725" cy="4450222"/>
+          </a:xfrm>
+        </p:spPr>
+        <p:txBody>
+          <a:bodyPr>
+            <a:noAutofit/>
+          </a:bodyPr>
+          <a:lstStyle/>
+          <a:p>
+            <a:pPr marL="0" indent="0">
+              <a:buNone/>
+            </a:pPr>
+            <a:r>
+              <a:rPr lang="en-US" sz="2000" dirty="0"/>
+              <a:t>An </a:t>
+            </a:r>
+            <a:r>
+              <a:rPr lang="en-US" sz="2000" b="1" dirty="0"/>
+              <a:t>augmented assignment </a:t>
+            </a:r>
+            <a:r>
+              <a:rPr lang="en-US" sz="2000" dirty="0"/>
+              <a:t>combines an assignment statement with an operator to make the statement more concise. </a:t>
+            </a:r>
+          </a:p>
+          <a:p>
+            <a:pPr marL="0" indent="0">
+              <a:buNone/>
+            </a:pPr>
+            <a:r>
+              <a:rPr lang="en-US" sz="1900" b="1" dirty="0">
+                <a:solidFill>
+                  <a:srgbClr val="FF0000"/>
+                </a:solidFill>
+                <a:latin typeface="Inconsolata Medium" panose="020B0609030003000000" pitchFamily="49" charset="77"/>
+              </a:rPr>
+              <a:t>    Shorthand				Equivalent version</a:t>
+            </a:r>
+            <a:endParaRPr lang="en-US" b="1" dirty="0"/>
+          </a:p>
+          <a:p>
+            <a:pPr marL="742950" lvl="1" indent="-285750">
+              <a:buNone/>
+              <a:tabLst>
+                <a:tab pos="4113213" algn="l"/>
+              </a:tabLst>
+              <a:defRPr/>
+            </a:pPr>
+            <a:r>
+              <a:rPr lang="en-US" b="1" dirty="0"/>
+              <a:t>variable</a:t>
+            </a:r>
+            <a:r>
+              <a:rPr lang="en-US" dirty="0">
+                <a:latin typeface="Courier New" charset="0"/>
+              </a:rPr>
+              <a:t> += </a:t>
+            </a:r>
+            <a:r>
+              <a:rPr lang="en-US" b="1" dirty="0"/>
+              <a:t>value</a:t>
+            </a:r>
+            <a:r>
+              <a:rPr lang="en-US" dirty="0">
+                <a:latin typeface="Courier New" charset="0"/>
+              </a:rPr>
+              <a:t>;	</a:t>
+            </a:r>
+            <a:r>
+              <a:rPr lang="en-US" b="1" dirty="0"/>
+              <a:t>variable</a:t>
+            </a:r>
+            <a:r>
+              <a:rPr lang="en-US" dirty="0">
+                <a:latin typeface="Courier New" charset="0"/>
+              </a:rPr>
+              <a:t> = </a:t>
+            </a:r>
+            <a:r>
+              <a:rPr lang="en-US" b="1" dirty="0"/>
+              <a:t>variable</a:t>
+            </a:r>
+            <a:r>
+              <a:rPr lang="en-US" dirty="0">
+                <a:latin typeface="Courier New" charset="0"/>
+              </a:rPr>
+              <a:t> + </a:t>
+            </a:r>
+            <a:r>
+              <a:rPr lang="en-US" b="1" dirty="0"/>
+              <a:t>value</a:t>
+            </a:r>
+            <a:r>
+              <a:rPr lang="en-US" dirty="0">
+                <a:latin typeface="Courier New" charset="0"/>
+              </a:rPr>
+              <a:t>;</a:t>
+            </a:r>
+          </a:p>
+          <a:p>
+            <a:pPr marL="742950" lvl="1" indent="-285750">
+              <a:buNone/>
+              <a:tabLst>
+                <a:tab pos="4113213" algn="l"/>
+              </a:tabLst>
+              <a:defRPr/>
+            </a:pPr>
+            <a:r>
+              <a:rPr lang="en-US" b="1" dirty="0"/>
+              <a:t>variable</a:t>
+            </a:r>
+            <a:r>
+              <a:rPr lang="en-US" dirty="0">
+                <a:latin typeface="Courier New" charset="0"/>
+              </a:rPr>
+              <a:t> -= </a:t>
+            </a:r>
+            <a:r>
+              <a:rPr lang="en-US" b="1" dirty="0"/>
+              <a:t>value</a:t>
+            </a:r>
+            <a:r>
+              <a:rPr lang="en-US" dirty="0">
+                <a:latin typeface="Courier New" charset="0"/>
+              </a:rPr>
+              <a:t>;	</a:t>
+            </a:r>
+            <a:r>
+              <a:rPr lang="en-US" b="1" dirty="0"/>
+              <a:t>variable</a:t>
+            </a:r>
+            <a:r>
+              <a:rPr lang="en-US" dirty="0">
+                <a:latin typeface="Courier New" charset="0"/>
+              </a:rPr>
+              <a:t> = </a:t>
+            </a:r>
+            <a:r>
+              <a:rPr lang="en-US" b="1" dirty="0"/>
+              <a:t>variable</a:t>
+            </a:r>
+            <a:r>
+              <a:rPr lang="en-US" dirty="0">
+                <a:latin typeface="Courier New" charset="0"/>
+              </a:rPr>
+              <a:t> - </a:t>
+            </a:r>
+            <a:r>
+              <a:rPr lang="en-US" b="1" dirty="0"/>
+              <a:t>value</a:t>
+            </a:r>
+            <a:r>
+              <a:rPr lang="en-US" dirty="0">
+                <a:latin typeface="Courier New" charset="0"/>
+              </a:rPr>
+              <a:t>;</a:t>
+            </a:r>
+          </a:p>
+          <a:p>
+            <a:pPr marL="742950" lvl="1" indent="-285750">
+              <a:buNone/>
+              <a:tabLst>
+                <a:tab pos="4113213" algn="l"/>
+              </a:tabLst>
+              <a:defRPr/>
+            </a:pPr>
+            <a:r>
+              <a:rPr lang="en-US" b="1" dirty="0"/>
+              <a:t>variable</a:t>
+            </a:r>
+            <a:r>
+              <a:rPr lang="en-US" dirty="0">
+                <a:latin typeface="Courier New" charset="0"/>
+              </a:rPr>
+              <a:t> *= </a:t>
+            </a:r>
+            <a:r>
+              <a:rPr lang="en-US" b="1" dirty="0"/>
+              <a:t>value</a:t>
+            </a:r>
+            <a:r>
+              <a:rPr lang="en-US" dirty="0">
+                <a:latin typeface="Courier New" charset="0"/>
+              </a:rPr>
+              <a:t>;	</a:t>
+            </a:r>
+            <a:r>
+              <a:rPr lang="en-US" b="1" dirty="0"/>
+              <a:t>variable</a:t>
+            </a:r>
+            <a:r>
+              <a:rPr lang="en-US" dirty="0">
+                <a:latin typeface="Courier New" charset="0"/>
+              </a:rPr>
+              <a:t> = </a:t>
+            </a:r>
+            <a:r>
+              <a:rPr lang="en-US" b="1" dirty="0"/>
+              <a:t>variable</a:t>
+            </a:r>
+            <a:r>
+              <a:rPr lang="en-US" dirty="0">
+                <a:latin typeface="Courier New" charset="0"/>
+              </a:rPr>
+              <a:t> * </a:t>
+            </a:r>
+            <a:r>
+              <a:rPr lang="en-US" b="1" dirty="0"/>
+              <a:t>value</a:t>
+            </a:r>
+            <a:r>
+              <a:rPr lang="en-US" dirty="0">
+                <a:latin typeface="Courier New" charset="0"/>
+              </a:rPr>
+              <a:t>;</a:t>
+            </a:r>
+          </a:p>
+          <a:p>
+            <a:pPr marL="742950" lvl="1" indent="-285750">
+              <a:buNone/>
+              <a:tabLst>
+                <a:tab pos="4113213" algn="l"/>
+              </a:tabLst>
+              <a:defRPr/>
+            </a:pPr>
+            <a:r>
+              <a:rPr lang="en-US" b="1" dirty="0"/>
+              <a:t>variable</a:t>
+            </a:r>
+            <a:r>
+              <a:rPr lang="en-US" dirty="0">
+                <a:latin typeface="Courier New" charset="0"/>
+              </a:rPr>
+              <a:t> /= </a:t>
+            </a:r>
+            <a:r>
+              <a:rPr lang="en-US" b="1" dirty="0"/>
+              <a:t>value</a:t>
+            </a:r>
+            <a:r>
+              <a:rPr lang="en-US" dirty="0">
+                <a:latin typeface="Courier New" charset="0"/>
+              </a:rPr>
+              <a:t>;	</a:t>
+            </a:r>
+            <a:r>
+              <a:rPr lang="en-US" b="1" dirty="0"/>
+              <a:t>variable</a:t>
+            </a:r>
+            <a:r>
+              <a:rPr lang="en-US" dirty="0">
+                <a:latin typeface="Courier New" charset="0"/>
+              </a:rPr>
+              <a:t> = </a:t>
+            </a:r>
+            <a:r>
+              <a:rPr lang="en-US" b="1" dirty="0"/>
+              <a:t>variable</a:t>
+            </a:r>
+            <a:r>
+              <a:rPr lang="en-US" dirty="0">
+                <a:latin typeface="Courier New" charset="0"/>
+              </a:rPr>
+              <a:t> / </a:t>
+            </a:r>
+            <a:r>
+              <a:rPr lang="en-US" b="1" dirty="0"/>
+              <a:t>value</a:t>
+            </a:r>
+            <a:r>
+              <a:rPr lang="en-US" dirty="0">
+                <a:latin typeface="Courier New" charset="0"/>
+              </a:rPr>
+              <a:t>;</a:t>
+            </a:r>
+          </a:p>
+          <a:p>
+            <a:pPr marL="742950" lvl="1" indent="-285750">
+              <a:buNone/>
+              <a:tabLst>
+                <a:tab pos="4113213" algn="l"/>
+              </a:tabLst>
+              <a:defRPr/>
+            </a:pPr>
+            <a:r>
+              <a:rPr lang="en-US" b="1" dirty="0"/>
+              <a:t>variable</a:t>
+            </a:r>
+            <a:r>
+              <a:rPr lang="en-US" dirty="0">
+                <a:latin typeface="Courier New" charset="0"/>
+              </a:rPr>
+              <a:t> %= </a:t>
+            </a:r>
+            <a:r>
+              <a:rPr lang="en-US" b="1" dirty="0"/>
+              <a:t>value</a:t>
+            </a:r>
+            <a:r>
+              <a:rPr lang="en-US" dirty="0">
+                <a:latin typeface="Courier New" charset="0"/>
+              </a:rPr>
+              <a:t>;	</a:t>
+            </a:r>
+            <a:r>
+              <a:rPr lang="en-US" b="1" dirty="0"/>
+              <a:t>variable</a:t>
+            </a:r>
+            <a:r>
+              <a:rPr lang="en-US" dirty="0">
+                <a:latin typeface="Courier New" charset="0"/>
+              </a:rPr>
+              <a:t> = </a:t>
+            </a:r>
+            <a:r>
+              <a:rPr lang="en-US" b="1" dirty="0"/>
+              <a:t>variable</a:t>
+            </a:r>
+            <a:r>
+              <a:rPr lang="en-US" dirty="0">
+                <a:latin typeface="Courier New" charset="0"/>
+              </a:rPr>
+              <a:t> % </a:t>
+            </a:r>
+            <a:r>
+              <a:rPr lang="en-US" b="1" dirty="0"/>
+              <a:t>value</a:t>
+            </a:r>
+            <a:r>
+              <a:rPr lang="en-US" dirty="0">
+                <a:latin typeface="Courier New" charset="0"/>
+              </a:rPr>
+              <a:t>;</a:t>
+            </a:r>
+          </a:p>
+          <a:p>
+            <a:pPr marL="742950" lvl="1" indent="-285750">
+              <a:lnSpc>
+                <a:spcPct val="60000"/>
+              </a:lnSpc>
+              <a:buNone/>
+              <a:tabLst>
+                <a:tab pos="4113213" algn="l"/>
+              </a:tabLst>
+              <a:defRPr/>
+            </a:pPr>
+            <a:endParaRPr lang="en-US" dirty="0">
+              <a:latin typeface="Courier New" charset="0"/>
+            </a:endParaRPr>
+          </a:p>
+          <a:p>
+            <a:pPr marL="0" indent="0">
+              <a:buNone/>
+            </a:pPr>
+            <a:r>
+              <a:rPr lang="en-US" sz="1800" b="1" dirty="0">
+                <a:solidFill>
+                  <a:srgbClr val="000087"/>
+                </a:solidFill>
+                <a:latin typeface="Inconsolata Medium" panose="020B0609030003000000" pitchFamily="49" charset="77"/>
+              </a:rPr>
+              <a:t>In</a:t>
+            </a:r>
+            <a:r>
+              <a:rPr lang="en-US" sz="1800" b="1" dirty="0">
+                <a:latin typeface="Inconsolata Medium" panose="020B0609030003000000" pitchFamily="49" charset="77"/>
+              </a:rPr>
+              <a:t>[</a:t>
+            </a:r>
+            <a:r>
+              <a:rPr lang="en-US" sz="1800" b="1" dirty="0">
+                <a:solidFill>
+                  <a:srgbClr val="FF6600"/>
+                </a:solidFill>
+                <a:latin typeface="Inconsolata Medium" panose="020B0609030003000000" pitchFamily="49" charset="77"/>
+              </a:rPr>
+              <a:t>1</a:t>
+            </a:r>
+            <a:r>
+              <a:rPr lang="en-US" sz="1800" b="1" dirty="0">
+                <a:latin typeface="Inconsolata Medium" panose="020B0609030003000000" pitchFamily="49" charset="77"/>
+              </a:rPr>
+              <a:t>]: </a:t>
+            </a:r>
+            <a:r>
+              <a:rPr lang="en-US" sz="1800" b="1" dirty="0">
+                <a:solidFill>
+                  <a:srgbClr val="000087"/>
+                </a:solidFill>
+                <a:latin typeface="Inconsolata Medium" panose="020B0609030003000000" pitchFamily="49" charset="77"/>
+              </a:rPr>
+              <a:t>x </a:t>
+            </a:r>
+            <a:r>
+              <a:rPr lang="en-US" sz="1800" b="1" dirty="0">
+                <a:solidFill>
+                  <a:srgbClr val="545454"/>
+                </a:solidFill>
+                <a:latin typeface="Inconsolata Medium" panose="020B0609030003000000" pitchFamily="49" charset="77"/>
+              </a:rPr>
+              <a:t>= </a:t>
+            </a:r>
+            <a:r>
+              <a:rPr lang="en-US" sz="1800" b="1" dirty="0">
+                <a:solidFill>
+                  <a:srgbClr val="FF6600"/>
+                </a:solidFill>
+                <a:latin typeface="Inconsolata Medium" panose="020B0609030003000000" pitchFamily="49" charset="77"/>
+              </a:rPr>
+              <a:t>4 </a:t>
+            </a:r>
+          </a:p>
+          <a:p>
+            <a:pPr marL="0" indent="0">
+              <a:buNone/>
+            </a:pPr>
+            <a:r>
+              <a:rPr lang="en-US" sz="1800" b="1" dirty="0">
+                <a:solidFill>
+                  <a:srgbClr val="FF6600"/>
+                </a:solidFill>
+                <a:latin typeface="Inconsolata Medium" panose="020B0609030003000000" pitchFamily="49" charset="77"/>
+              </a:rPr>
+              <a:t>       </a:t>
+            </a:r>
+            <a:r>
+              <a:rPr lang="en-US" sz="1800" b="1" dirty="0">
+                <a:solidFill>
+                  <a:srgbClr val="000087"/>
+                </a:solidFill>
+                <a:latin typeface="Inconsolata Medium" panose="020B0609030003000000" pitchFamily="49" charset="77"/>
+              </a:rPr>
+              <a:t>x += 1 </a:t>
+            </a:r>
+            <a:r>
+              <a:rPr lang="en-US" sz="1800" b="1" dirty="0">
+                <a:solidFill>
+                  <a:srgbClr val="FF6600"/>
+                </a:solidFill>
+                <a:latin typeface="Inconsolata Medium" panose="020B0609030003000000" pitchFamily="49" charset="77"/>
+              </a:rPr>
+              <a:t>  </a:t>
+            </a:r>
+            <a:r>
+              <a:rPr lang="en-US" sz="1800" b="1" dirty="0">
+                <a:solidFill>
+                  <a:srgbClr val="00B050"/>
+                </a:solidFill>
+                <a:latin typeface="Inconsolata Medium" panose="020B0609030003000000" pitchFamily="49" charset="77"/>
+              </a:rPr>
+              <a:t># equivalent to x = x + 1</a:t>
+            </a:r>
+          </a:p>
+          <a:p>
+            <a:pPr marL="0" indent="0">
+              <a:buNone/>
+            </a:pPr>
+            <a:r>
+              <a:rPr lang="en-US" sz="1800" b="1" dirty="0">
+                <a:solidFill>
+                  <a:srgbClr val="00B050"/>
+                </a:solidFill>
+                <a:latin typeface="Inconsolata Medium" panose="020B0609030003000000" pitchFamily="49" charset="77"/>
+              </a:rPr>
+              <a:t>       </a:t>
+            </a:r>
+            <a:r>
+              <a:rPr lang="en-US" sz="1800" b="1" dirty="0">
+                <a:solidFill>
+                  <a:srgbClr val="000087"/>
+                </a:solidFill>
+                <a:latin typeface="Inconsolata Medium" panose="020B0609030003000000" pitchFamily="49" charset="77"/>
+              </a:rPr>
+              <a:t>x</a:t>
+            </a:r>
+            <a:endParaRPr lang="en-US" sz="1800" b="1" dirty="0">
+              <a:solidFill>
+                <a:srgbClr val="00B050"/>
+              </a:solidFill>
+              <a:latin typeface="Inconsolata Medium" panose="020B0609030003000000" pitchFamily="49" charset="77"/>
+            </a:endParaRPr>
+          </a:p>
+          <a:p>
+            <a:pPr marL="0" indent="0">
+              <a:buNone/>
+            </a:pPr>
+            <a:r>
+              <a:rPr lang="en-US" sz="1800" b="1" dirty="0">
+                <a:latin typeface="Inconsolata Medium" panose="020B0609030003000000" pitchFamily="49" charset="77"/>
+              </a:rPr>
+              <a:t>Out[1]: 5</a:t>
+            </a:r>
+          </a:p>
+          <a:p>
+            <a:pPr marL="0" indent="0">
+              <a:buNone/>
+            </a:pPr>
+            <a:endParaRPr lang="en-US" sz="1900" b="1" dirty="0">
+              <a:latin typeface="Inconsolata Medium" panose="020B0609030003000000" pitchFamily="49" charset="77"/>
+            </a:endParaRPr>
+          </a:p>
+          <a:p>
+            <a:pPr marL="0" indent="0">
+              <a:buNone/>
+            </a:pPr>
+            <a:endParaRPr lang="en-US" sz="1900" b="1" dirty="0">
+              <a:latin typeface="Inconsolata Medium" panose="020B0609030003000000" pitchFamily="49" charset="77"/>
+            </a:endParaRPr>
+          </a:p>
+        </p:txBody>
+      </p:sp>
+    </p:spTree>
+    <p:extLst>
+      <p:ext uri="{BB962C8B-B14F-4D97-AF65-F5344CB8AC3E}">
+        <p14:creationId xmlns:p14="http://schemas.microsoft.com/office/powerpoint/2010/main" val="170290661"/>
+      </p:ext>
+    </p:extLst>
+  </p:cSld>
+  <p:clrMapOvr>
+    <a:masterClrMapping/>
+  </p:clrMapOvr>
+</p:sld>
+</file>
+
+<file path=ppt/slides/slide21.xml><?xml version="1.0" encoding="utf-8"?>
+<p:sld xmlns:a="http://schemas.openxmlformats.org/drawingml/2006/main" xmlns:r="http://schemas.openxmlformats.org/officeDocument/2006/relationships" xmlns:p="http://schemas.openxmlformats.org/presentationml/2006/main">
+  <p:cSld>
+    <p:spTree>
+      <p:nvGrpSpPr>
+        <p:cNvPr id="1" name=""/>
+        <p:cNvGrpSpPr/>
+        <p:nvPr/>
+      </p:nvGrpSpPr>
+      <p:grpSpPr>
+        <a:xfrm>
+          <a:off x="0" y="0"/>
+          <a:ext cx="0" cy="0"/>
+          <a:chOff x="0" y="0"/>
+          <a:chExt cx="0" cy="0"/>
+        </a:xfrm>
+      </p:grpSpPr>
+      <p:sp>
+        <p:nvSpPr>
+          <p:cNvPr id="2" name="Title 1">
+            <a:extLst>
+              <a:ext uri="{FF2B5EF4-FFF2-40B4-BE49-F238E27FC236}">
+                <a16:creationId xmlns:a16="http://schemas.microsoft.com/office/drawing/2014/main" id="{AA3A228F-61D0-D949-A5E7-F83756230BF8}"/>
+              </a:ext>
+            </a:extLst>
+          </p:cNvPr>
+          <p:cNvSpPr>
+            <a:spLocks noGrp="1"/>
+          </p:cNvSpPr>
+          <p:nvPr>
+            <p:ph type="title"/>
+          </p:nvPr>
+        </p:nvSpPr>
+        <p:spPr>
+          <a:xfrm>
+            <a:off x="483848" y="467027"/>
+            <a:ext cx="7053542" cy="683886"/>
+          </a:xfrm>
+        </p:spPr>
+        <p:txBody>
+          <a:bodyPr/>
+          <a:lstStyle/>
+          <a:p>
+            <a:r>
+              <a:rPr lang="en-US" dirty="0"/>
+              <a:t>Augmented Assignment</a:t>
+            </a:r>
+          </a:p>
+        </p:txBody>
+      </p:sp>
+      <p:sp>
+        <p:nvSpPr>
+          <p:cNvPr id="9" name="Content Placeholder 8">
+            <a:extLst>
+              <a:ext uri="{FF2B5EF4-FFF2-40B4-BE49-F238E27FC236}">
+                <a16:creationId xmlns:a16="http://schemas.microsoft.com/office/drawing/2014/main" id="{E3B2E017-30B2-884B-A113-B419A2ED51AD}"/>
+              </a:ext>
+            </a:extLst>
+          </p:cNvPr>
+          <p:cNvSpPr>
+            <a:spLocks noGrp="1"/>
+          </p:cNvSpPr>
+          <p:nvPr>
+            <p:ph idx="1"/>
+          </p:nvPr>
+        </p:nvSpPr>
+        <p:spPr>
+          <a:xfrm>
+            <a:off x="483848" y="1003610"/>
+            <a:ext cx="8051725" cy="4711390"/>
+          </a:xfrm>
+        </p:spPr>
+        <p:txBody>
+          <a:bodyPr>
+            <a:noAutofit/>
+          </a:bodyPr>
+          <a:lstStyle/>
+          <a:p>
+            <a:pPr marL="0" indent="0">
+              <a:buNone/>
+            </a:pPr>
+            <a:endParaRPr lang="en-US" sz="1900" b="1" dirty="0">
+              <a:latin typeface="Inconsolata Medium" panose="020B0609030003000000" pitchFamily="49" charset="77"/>
+            </a:endParaRPr>
+          </a:p>
+          <a:p>
+            <a:pPr marL="0" indent="0">
+              <a:buNone/>
+            </a:pPr>
+            <a:r>
+              <a:rPr lang="en-US" sz="2000" b="1" dirty="0">
+                <a:solidFill>
+                  <a:srgbClr val="000087"/>
+                </a:solidFill>
+                <a:latin typeface="Inconsolata Medium" panose="020B0609030003000000" pitchFamily="49" charset="77"/>
+              </a:rPr>
+              <a:t>In</a:t>
+            </a:r>
+            <a:r>
+              <a:rPr lang="en-US" sz="2000" b="1" dirty="0">
+                <a:latin typeface="Inconsolata Medium" panose="020B0609030003000000" pitchFamily="49" charset="77"/>
+              </a:rPr>
+              <a:t>[</a:t>
+            </a:r>
+            <a:r>
+              <a:rPr lang="en-US" sz="2000" b="1" dirty="0">
+                <a:solidFill>
+                  <a:srgbClr val="FF6600"/>
+                </a:solidFill>
+                <a:latin typeface="Inconsolata Medium" panose="020B0609030003000000" pitchFamily="49" charset="77"/>
+              </a:rPr>
+              <a:t>1</a:t>
+            </a:r>
+            <a:r>
+              <a:rPr lang="en-US" sz="2000" b="1" dirty="0">
+                <a:latin typeface="Inconsolata Medium" panose="020B0609030003000000" pitchFamily="49" charset="77"/>
+              </a:rPr>
+              <a:t>]: </a:t>
+            </a:r>
+            <a:r>
+              <a:rPr lang="en-US" sz="2000" b="1" dirty="0">
+                <a:solidFill>
+                  <a:srgbClr val="000087"/>
+                </a:solidFill>
+                <a:latin typeface="Inconsolata Medium" panose="020B0609030003000000" pitchFamily="49" charset="77"/>
+              </a:rPr>
+              <a:t>x </a:t>
+            </a:r>
+            <a:r>
+              <a:rPr lang="en-US" sz="2000" b="1" dirty="0">
+                <a:solidFill>
+                  <a:srgbClr val="545454"/>
+                </a:solidFill>
+                <a:latin typeface="Inconsolata Medium" panose="020B0609030003000000" pitchFamily="49" charset="77"/>
+              </a:rPr>
+              <a:t>= </a:t>
+            </a:r>
+            <a:r>
+              <a:rPr lang="en-US" sz="2000" b="1" dirty="0">
+                <a:solidFill>
+                  <a:srgbClr val="FF6600"/>
+                </a:solidFill>
+                <a:latin typeface="Inconsolata Medium" panose="020B0609030003000000" pitchFamily="49" charset="77"/>
+              </a:rPr>
+              <a:t>3 </a:t>
+            </a:r>
+          </a:p>
+          <a:p>
+            <a:pPr marL="0" indent="0">
+              <a:buNone/>
+            </a:pPr>
+            <a:r>
+              <a:rPr lang="en-US" sz="2000" b="1" dirty="0">
+                <a:solidFill>
+                  <a:srgbClr val="FF6600"/>
+                </a:solidFill>
+                <a:latin typeface="Inconsolata Medium" panose="020B0609030003000000" pitchFamily="49" charset="77"/>
+              </a:rPr>
+              <a:t>       </a:t>
+            </a:r>
+            <a:r>
+              <a:rPr lang="en-US" sz="2000" b="1" dirty="0">
+                <a:solidFill>
+                  <a:srgbClr val="000087"/>
+                </a:solidFill>
+                <a:latin typeface="Inconsolata Medium" panose="020B0609030003000000" pitchFamily="49" charset="77"/>
+              </a:rPr>
+              <a:t>x *= 2 + 5 </a:t>
+            </a:r>
+            <a:r>
+              <a:rPr lang="en-US" sz="2000" b="1" dirty="0">
+                <a:solidFill>
+                  <a:srgbClr val="FF6600"/>
+                </a:solidFill>
+                <a:latin typeface="Inconsolata Medium" panose="020B0609030003000000" pitchFamily="49" charset="77"/>
+              </a:rPr>
+              <a:t>  </a:t>
+            </a:r>
+            <a:endParaRPr lang="en-US" sz="2000" b="1" dirty="0">
+              <a:solidFill>
+                <a:srgbClr val="00B050"/>
+              </a:solidFill>
+              <a:latin typeface="Inconsolata Medium" panose="020B0609030003000000" pitchFamily="49" charset="77"/>
+            </a:endParaRPr>
+          </a:p>
+          <a:p>
+            <a:pPr marL="0" indent="0">
+              <a:buNone/>
+            </a:pPr>
+            <a:r>
+              <a:rPr lang="en-US" sz="2000" b="1" dirty="0">
+                <a:solidFill>
+                  <a:srgbClr val="00B050"/>
+                </a:solidFill>
+                <a:latin typeface="Inconsolata Medium" panose="020B0609030003000000" pitchFamily="49" charset="77"/>
+              </a:rPr>
+              <a:t>       </a:t>
+            </a:r>
+            <a:r>
+              <a:rPr lang="en-US" sz="2000" b="1" dirty="0">
+                <a:solidFill>
+                  <a:srgbClr val="000087"/>
+                </a:solidFill>
+                <a:latin typeface="Inconsolata Medium" panose="020B0609030003000000" pitchFamily="49" charset="77"/>
+              </a:rPr>
+              <a:t>x</a:t>
+            </a:r>
+            <a:endParaRPr lang="en-US" sz="2000" b="1" dirty="0">
+              <a:solidFill>
+                <a:srgbClr val="00B050"/>
+              </a:solidFill>
+              <a:latin typeface="Inconsolata Medium" panose="020B0609030003000000" pitchFamily="49" charset="77"/>
+            </a:endParaRPr>
+          </a:p>
+          <a:p>
+            <a:pPr marL="0" indent="0">
+              <a:buNone/>
+            </a:pPr>
+            <a:r>
+              <a:rPr lang="en-US" sz="2000" b="1" dirty="0">
+                <a:latin typeface="Inconsolata Medium" panose="020B0609030003000000" pitchFamily="49" charset="77"/>
+              </a:rPr>
+              <a:t>Out[1]: 21</a:t>
+            </a:r>
+          </a:p>
+          <a:p>
+            <a:pPr marL="0" indent="0">
+              <a:buNone/>
+            </a:pPr>
+            <a:endParaRPr lang="en-US" sz="2000" b="1" dirty="0">
+              <a:latin typeface="Inconsolata Medium" panose="020B0609030003000000" pitchFamily="49" charset="77"/>
+            </a:endParaRPr>
+          </a:p>
+          <a:p>
+            <a:pPr marL="0" indent="0">
+              <a:buNone/>
+            </a:pPr>
+            <a:r>
+              <a:rPr lang="en-US" sz="2000" b="1" dirty="0">
+                <a:solidFill>
+                  <a:srgbClr val="000087"/>
+                </a:solidFill>
+                <a:latin typeface="Inconsolata Medium" panose="020B0609030003000000" pitchFamily="49" charset="77"/>
+              </a:rPr>
+              <a:t>In</a:t>
+            </a:r>
+            <a:r>
+              <a:rPr lang="en-US" sz="2000" b="1" dirty="0">
+                <a:latin typeface="Inconsolata Medium" panose="020B0609030003000000" pitchFamily="49" charset="77"/>
+              </a:rPr>
+              <a:t>[</a:t>
+            </a:r>
+            <a:r>
+              <a:rPr lang="en-US" sz="2000" b="1" dirty="0">
+                <a:solidFill>
+                  <a:srgbClr val="FF6600"/>
+                </a:solidFill>
+                <a:latin typeface="Inconsolata Medium" panose="020B0609030003000000" pitchFamily="49" charset="77"/>
+              </a:rPr>
+              <a:t>1</a:t>
+            </a:r>
+            <a:r>
+              <a:rPr lang="en-US" sz="2000" b="1" dirty="0">
+                <a:latin typeface="Inconsolata Medium" panose="020B0609030003000000" pitchFamily="49" charset="77"/>
+              </a:rPr>
+              <a:t>]: </a:t>
+            </a:r>
+            <a:r>
+              <a:rPr lang="en-US" sz="2000" b="1" dirty="0">
+                <a:solidFill>
+                  <a:srgbClr val="000087"/>
+                </a:solidFill>
+                <a:latin typeface="Inconsolata Medium" panose="020B0609030003000000" pitchFamily="49" charset="77"/>
+              </a:rPr>
+              <a:t>number </a:t>
+            </a:r>
+            <a:r>
+              <a:rPr lang="en-US" sz="2000" b="1" dirty="0">
+                <a:solidFill>
+                  <a:srgbClr val="545454"/>
+                </a:solidFill>
+                <a:latin typeface="Inconsolata Medium" panose="020B0609030003000000" pitchFamily="49" charset="77"/>
+              </a:rPr>
+              <a:t>= </a:t>
+            </a:r>
+            <a:r>
+              <a:rPr lang="en-US" sz="2000" b="1" dirty="0">
+                <a:solidFill>
+                  <a:srgbClr val="FF6600"/>
+                </a:solidFill>
+                <a:latin typeface="Inconsolata Medium" panose="020B0609030003000000" pitchFamily="49" charset="77"/>
+              </a:rPr>
+              <a:t>5 </a:t>
+            </a:r>
+          </a:p>
+          <a:p>
+            <a:pPr marL="0" indent="0">
+              <a:buNone/>
+            </a:pPr>
+            <a:r>
+              <a:rPr lang="en-US" sz="2000" b="1" dirty="0">
+                <a:solidFill>
+                  <a:srgbClr val="FF6600"/>
+                </a:solidFill>
+                <a:latin typeface="Inconsolata Medium" panose="020B0609030003000000" pitchFamily="49" charset="77"/>
+              </a:rPr>
+              <a:t>       </a:t>
+            </a:r>
+            <a:r>
+              <a:rPr lang="en-US" sz="2000" b="1" dirty="0">
+                <a:solidFill>
+                  <a:srgbClr val="000087"/>
+                </a:solidFill>
+                <a:latin typeface="Inconsolata Medium" panose="020B0609030003000000" pitchFamily="49" charset="77"/>
+              </a:rPr>
+              <a:t>number *= number </a:t>
+            </a:r>
+            <a:r>
+              <a:rPr lang="en-US" sz="2000" b="1" dirty="0">
+                <a:solidFill>
+                  <a:srgbClr val="FF6600"/>
+                </a:solidFill>
+                <a:latin typeface="Inconsolata Medium" panose="020B0609030003000000" pitchFamily="49" charset="77"/>
+              </a:rPr>
+              <a:t>  </a:t>
+            </a:r>
+            <a:endParaRPr lang="en-US" sz="2000" b="1" dirty="0">
+              <a:solidFill>
+                <a:srgbClr val="00B050"/>
+              </a:solidFill>
+              <a:latin typeface="Inconsolata Medium" panose="020B0609030003000000" pitchFamily="49" charset="77"/>
+            </a:endParaRPr>
+          </a:p>
+          <a:p>
+            <a:pPr marL="0" indent="0">
+              <a:buNone/>
+            </a:pPr>
+            <a:r>
+              <a:rPr lang="en-US" sz="2000" b="1" dirty="0">
+                <a:solidFill>
+                  <a:srgbClr val="00B050"/>
+                </a:solidFill>
+                <a:latin typeface="Inconsolata Medium" panose="020B0609030003000000" pitchFamily="49" charset="77"/>
+              </a:rPr>
+              <a:t>       </a:t>
+            </a:r>
+            <a:r>
+              <a:rPr lang="en-US" sz="2000" b="1" dirty="0">
+                <a:solidFill>
+                  <a:srgbClr val="000087"/>
+                </a:solidFill>
+                <a:latin typeface="Inconsolata Medium" panose="020B0609030003000000" pitchFamily="49" charset="77"/>
+              </a:rPr>
+              <a:t>number</a:t>
+            </a:r>
+            <a:endParaRPr lang="en-US" sz="2000" b="1" dirty="0">
+              <a:solidFill>
+                <a:srgbClr val="00B050"/>
+              </a:solidFill>
+              <a:latin typeface="Inconsolata Medium" panose="020B0609030003000000" pitchFamily="49" charset="77"/>
+            </a:endParaRPr>
+          </a:p>
+          <a:p>
+            <a:pPr marL="0" indent="0">
+              <a:buNone/>
+            </a:pPr>
+            <a:r>
+              <a:rPr lang="en-US" sz="2000" b="1" dirty="0">
+                <a:latin typeface="Inconsolata Medium" panose="020B0609030003000000" pitchFamily="49" charset="77"/>
+              </a:rPr>
+              <a:t>Out[1]: 25</a:t>
+            </a:r>
+          </a:p>
+          <a:p>
+            <a:pPr marL="0" indent="0">
+              <a:buNone/>
+            </a:pPr>
+            <a:endParaRPr lang="en-US" sz="2000" b="1" dirty="0">
+              <a:latin typeface="Inconsolata Medium" panose="020B0609030003000000" pitchFamily="49" charset="77"/>
+            </a:endParaRPr>
+          </a:p>
+          <a:p>
+            <a:pPr marL="0" indent="0">
+              <a:buNone/>
+            </a:pPr>
+            <a:endParaRPr lang="en-US" sz="2000" b="1" dirty="0">
+              <a:latin typeface="Inconsolata Medium" panose="020B0609030003000000" pitchFamily="49" charset="77"/>
+            </a:endParaRPr>
+          </a:p>
+          <a:p>
+            <a:pPr marL="0" indent="0">
+              <a:buNone/>
+            </a:pPr>
+            <a:endParaRPr lang="en-US" sz="1900" b="1" dirty="0">
+              <a:latin typeface="Inconsolata Medium" panose="020B0609030003000000" pitchFamily="49" charset="77"/>
+            </a:endParaRPr>
+          </a:p>
+          <a:p>
+            <a:pPr marL="0" indent="0">
+              <a:buNone/>
+            </a:pPr>
+            <a:endParaRPr lang="en-US" sz="1900" b="1" dirty="0">
+              <a:latin typeface="Inconsolata Medium" panose="020B0609030003000000" pitchFamily="49" charset="77"/>
+            </a:endParaRPr>
+          </a:p>
+          <a:p>
+            <a:pPr marL="0" indent="0">
+              <a:buNone/>
+            </a:pPr>
+            <a:endParaRPr lang="en-US" sz="1900" b="1" dirty="0">
+              <a:latin typeface="Inconsolata Medium" panose="020B0609030003000000" pitchFamily="49" charset="77"/>
+            </a:endParaRPr>
+          </a:p>
+        </p:txBody>
+      </p:sp>
+    </p:spTree>
+    <p:extLst>
+      <p:ext uri="{BB962C8B-B14F-4D97-AF65-F5344CB8AC3E}">
+        <p14:creationId xmlns:p14="http://schemas.microsoft.com/office/powerpoint/2010/main" val="2207534797"/>
+      </p:ext>
+    </p:extLst>
+  </p:cSld>
+  <p:clrMapOvr>
+    <a:masterClrMapping/>
+  </p:clrMapOvr>
+</p:sld>
+</file>
+
+<file path=ppt/slides/slide22.xml><?xml version="1.0" encoding="utf-8"?>
 <p:sld xmlns:a="http://schemas.openxmlformats.org/drawingml/2006/main" xmlns:r="http://schemas.openxmlformats.org/officeDocument/2006/relationships" xmlns:p="http://schemas.openxmlformats.org/presentationml/2006/main">
   <p:cSld>
     <p:spTree>
@@ -9328,7 +10108,7 @@
 </p:sld>
 </file>
 
-<file path=ppt/slides/slide21.xml><?xml version="1.0" encoding="utf-8"?>
+<file path=ppt/slides/slide23.xml><?xml version="1.0" encoding="utf-8"?>
 <p:sld xmlns:a="http://schemas.openxmlformats.org/drawingml/2006/main" xmlns:r="http://schemas.openxmlformats.org/officeDocument/2006/relationships" xmlns:p="http://schemas.openxmlformats.org/presentationml/2006/main">
   <p:cSld>
     <p:spTree>
@@ -9809,7 +10589,7 @@
 </p:sld>
 </file>
 
-<file path=ppt/slides/slide22.xml><?xml version="1.0" encoding="utf-8"?>
+<file path=ppt/slides/slide24.xml><?xml version="1.0" encoding="utf-8"?>
 <p:sld xmlns:a="http://schemas.openxmlformats.org/drawingml/2006/main" xmlns:r="http://schemas.openxmlformats.org/officeDocument/2006/relationships" xmlns:p="http://schemas.openxmlformats.org/presentationml/2006/main">
   <p:cSld>
     <p:spTree>
@@ -10219,7 +10999,7 @@
 </p:sld>
 </file>
 
-<file path=ppt/slides/slide23.xml><?xml version="1.0" encoding="utf-8"?>
+<file path=ppt/slides/slide25.xml><?xml version="1.0" encoding="utf-8"?>
 <p:sld xmlns:a="http://schemas.openxmlformats.org/drawingml/2006/main" xmlns:r="http://schemas.openxmlformats.org/officeDocument/2006/relationships" xmlns:p="http://schemas.openxmlformats.org/presentationml/2006/main">
   <p:cSld>
     <p:spTree>
@@ -10894,7 +11674,15 @@
           <a:p>
             <a:r>
               <a:rPr lang="en-US" dirty="0"/>
-              <a:t>Why floor(integer) division is useful</a:t>
+              <a:t>True </a:t>
+            </a:r>
+            <a:r>
+              <a:rPr lang="en-US" dirty="0" err="1"/>
+              <a:t>Divsion</a:t>
+            </a:r>
+            <a:r>
+              <a:rPr lang="en-US" dirty="0"/>
+              <a:t> vs Floor Division</a:t>
             </a:r>
           </a:p>
         </p:txBody>
@@ -10931,17 +11719,10 @@
               <a:buNone/>
             </a:pPr>
             <a:r>
-              <a:rPr lang="en-US" sz="2000" dirty="0"/>
-              <a:t>Sometimes we only want the integer part of division. Consider the question:</a:t>
-            </a:r>
-          </a:p>
-          <a:p>
-            <a:pPr marL="0" indent="0">
-              <a:buNone/>
-            </a:pPr>
-            <a:r>
-              <a:rPr lang="en-US" sz="2000" dirty="0"/>
-              <a:t>How many weeks are there in 25 days? </a:t>
+              <a:rPr lang="en-US" sz="2000" dirty="0">
+                <a:latin typeface="Gill Sans MT" panose="020B0502020104020203" pitchFamily="34" charset="77"/>
+              </a:rPr>
+              <a:t>The operator / is true division and the operator // returns floor division(round down after true divide).</a:t>
             </a:r>
             <a:endParaRPr lang="en-US" sz="2000" b="1" dirty="0">
               <a:latin typeface="Inconsolata Medium" panose="020B0609030003000000" pitchFamily="49" charset="77"/>
@@ -10951,13 +11732,10 @@
             <a:pPr marL="0" indent="0">
               <a:buNone/>
             </a:pPr>
-            <a:r>
-              <a:rPr lang="en-US" sz="2000" dirty="0">
-                <a:latin typeface="Gill Sans MT" panose="020B0502020104020203" pitchFamily="34" charset="77"/>
-              </a:rPr>
-              <a:t>Answer: 3 weeks plus 4 days. </a:t>
-            </a:r>
-            <a:endParaRPr lang="en-US" sz="1900" b="1" dirty="0">
+            <a:endParaRPr lang="en-US" sz="2000" b="1" dirty="0">
+              <a:solidFill>
+                <a:srgbClr val="000087"/>
+              </a:solidFill>
               <a:latin typeface="Inconsolata Medium" panose="020B0609030003000000" pitchFamily="49" charset="77"/>
             </a:endParaRPr>
           </a:p>
@@ -10993,7 +11771,7 @@
               <a:rPr lang="en-US" sz="2000" b="1" dirty="0">
                 <a:latin typeface="Inconsolata Medium" panose="020B0609030003000000" pitchFamily="49" charset="77"/>
               </a:rPr>
-              <a:t>]: 25 // 7</a:t>
+              <a:t>]: 23 // 7</a:t>
             </a:r>
             <a:r>
               <a:rPr lang="en-US" sz="2000" b="1" dirty="0">
@@ -11015,6 +11793,187 @@
               </a:rPr>
               <a:t>Out [1]: 3</a:t>
             </a:r>
+          </a:p>
+          <a:p>
+            <a:pPr marL="0" indent="0">
+              <a:buNone/>
+            </a:pPr>
+            <a:r>
+              <a:rPr lang="en-US" sz="1800" b="1" dirty="0">
+                <a:solidFill>
+                  <a:srgbClr val="000087"/>
+                </a:solidFill>
+                <a:latin typeface="Inconsolata Medium" panose="020B0609030003000000" pitchFamily="49" charset="77"/>
+              </a:rPr>
+              <a:t>In</a:t>
+            </a:r>
+            <a:r>
+              <a:rPr lang="en-US" sz="1800" b="1" dirty="0">
+                <a:latin typeface="Inconsolata Medium" panose="020B0609030003000000" pitchFamily="49" charset="77"/>
+              </a:rPr>
+              <a:t>[</a:t>
+            </a:r>
+            <a:r>
+              <a:rPr lang="en-US" sz="1800" b="1" dirty="0">
+                <a:solidFill>
+                  <a:srgbClr val="FF6600"/>
+                </a:solidFill>
+                <a:latin typeface="Inconsolata Medium" panose="020B0609030003000000" pitchFamily="49" charset="77"/>
+              </a:rPr>
+              <a:t>2</a:t>
+            </a:r>
+            <a:r>
+              <a:rPr lang="en-US" sz="1800" b="1" dirty="0">
+                <a:latin typeface="Inconsolata Medium" panose="020B0609030003000000" pitchFamily="49" charset="77"/>
+              </a:rPr>
+              <a:t>]: 3 // 9</a:t>
+            </a:r>
+            <a:r>
+              <a:rPr lang="en-US" sz="1800" b="1" dirty="0">
+                <a:solidFill>
+                  <a:srgbClr val="FF6600"/>
+                </a:solidFill>
+                <a:latin typeface="Inconsolata Medium" panose="020B0609030003000000" pitchFamily="49" charset="77"/>
+              </a:rPr>
+              <a:t> </a:t>
+            </a:r>
+          </a:p>
+          <a:p>
+            <a:pPr marL="0" indent="0">
+              <a:buNone/>
+            </a:pPr>
+            <a:r>
+              <a:rPr lang="en-US" sz="1800" b="1" dirty="0">
+                <a:latin typeface="Inconsolata Medium" panose="020B0609030003000000" pitchFamily="49" charset="77"/>
+              </a:rPr>
+              <a:t>Out [2]: 0</a:t>
+            </a:r>
+          </a:p>
+          <a:p>
+            <a:pPr marL="0" indent="0">
+              <a:buNone/>
+            </a:pPr>
+            <a:r>
+              <a:rPr lang="en-US" sz="1800" b="1" dirty="0">
+                <a:solidFill>
+                  <a:srgbClr val="000087"/>
+                </a:solidFill>
+                <a:latin typeface="Inconsolata Medium" panose="020B0609030003000000" pitchFamily="49" charset="77"/>
+              </a:rPr>
+              <a:t>In</a:t>
+            </a:r>
+            <a:r>
+              <a:rPr lang="en-US" sz="1800" b="1" dirty="0">
+                <a:latin typeface="Inconsolata Medium" panose="020B0609030003000000" pitchFamily="49" charset="77"/>
+              </a:rPr>
+              <a:t>[</a:t>
+            </a:r>
+            <a:r>
+              <a:rPr lang="en-US" sz="1800" b="1" dirty="0">
+                <a:solidFill>
+                  <a:srgbClr val="FF6600"/>
+                </a:solidFill>
+                <a:latin typeface="Inconsolata Medium" panose="020B0609030003000000" pitchFamily="49" charset="77"/>
+              </a:rPr>
+              <a:t>2</a:t>
+            </a:r>
+            <a:r>
+              <a:rPr lang="en-US" sz="1800" b="1" dirty="0">
+                <a:latin typeface="Inconsolata Medium" panose="020B0609030003000000" pitchFamily="49" charset="77"/>
+              </a:rPr>
+              <a:t>]: -4 // 3</a:t>
+            </a:r>
+            <a:r>
+              <a:rPr lang="en-US" sz="1800" b="1" dirty="0">
+                <a:solidFill>
+                  <a:srgbClr val="FF6600"/>
+                </a:solidFill>
+                <a:latin typeface="Inconsolata Medium" panose="020B0609030003000000" pitchFamily="49" charset="77"/>
+              </a:rPr>
+              <a:t> </a:t>
+            </a:r>
+          </a:p>
+          <a:p>
+            <a:pPr marL="0" indent="0">
+              <a:buNone/>
+            </a:pPr>
+            <a:r>
+              <a:rPr lang="en-US" sz="1800" b="1" dirty="0">
+                <a:latin typeface="Inconsolata Medium" panose="020B0609030003000000" pitchFamily="49" charset="77"/>
+              </a:rPr>
+              <a:t>Out [2]: -2</a:t>
+            </a:r>
+          </a:p>
+          <a:p>
+            <a:pPr marL="0" indent="0">
+              <a:buNone/>
+            </a:pPr>
+            <a:r>
+              <a:rPr lang="en-US" sz="1800" b="1" dirty="0">
+                <a:solidFill>
+                  <a:srgbClr val="000087"/>
+                </a:solidFill>
+                <a:latin typeface="Inconsolata Medium" panose="020B0609030003000000" pitchFamily="49" charset="77"/>
+              </a:rPr>
+              <a:t>In</a:t>
+            </a:r>
+            <a:r>
+              <a:rPr lang="en-US" sz="1800" b="1" dirty="0">
+                <a:latin typeface="Inconsolata Medium" panose="020B0609030003000000" pitchFamily="49" charset="77"/>
+              </a:rPr>
+              <a:t>[</a:t>
+            </a:r>
+            <a:r>
+              <a:rPr lang="en-US" sz="1800" b="1" dirty="0">
+                <a:solidFill>
+                  <a:srgbClr val="FF6600"/>
+                </a:solidFill>
+                <a:latin typeface="Inconsolata Medium" panose="020B0609030003000000" pitchFamily="49" charset="77"/>
+              </a:rPr>
+              <a:t>3</a:t>
+            </a:r>
+            <a:r>
+              <a:rPr lang="en-US" sz="1800" b="1" dirty="0">
+                <a:latin typeface="Inconsolata Medium" panose="020B0609030003000000" pitchFamily="49" charset="77"/>
+              </a:rPr>
+              <a:t>]: 6 / 5</a:t>
+            </a:r>
+            <a:r>
+              <a:rPr lang="en-US" sz="1800" b="1" dirty="0">
+                <a:solidFill>
+                  <a:srgbClr val="FF6600"/>
+                </a:solidFill>
+                <a:latin typeface="Inconsolata Medium" panose="020B0609030003000000" pitchFamily="49" charset="77"/>
+              </a:rPr>
+              <a:t> </a:t>
+            </a:r>
+          </a:p>
+          <a:p>
+            <a:pPr marL="0" indent="0">
+              <a:buNone/>
+            </a:pPr>
+            <a:r>
+              <a:rPr lang="en-US" sz="1800" b="1" dirty="0">
+                <a:latin typeface="Inconsolata Medium" panose="020B0609030003000000" pitchFamily="49" charset="77"/>
+              </a:rPr>
+              <a:t>Out [3]: 1.2</a:t>
+            </a:r>
+          </a:p>
+          <a:p>
+            <a:pPr marL="0" indent="0">
+              <a:buNone/>
+            </a:pPr>
+            <a:endParaRPr lang="en-US" sz="1800" b="1" dirty="0">
+              <a:latin typeface="Inconsolata Medium" panose="020B0609030003000000" pitchFamily="49" charset="77"/>
+            </a:endParaRPr>
+          </a:p>
+          <a:p>
+            <a:pPr marL="0" indent="0">
+              <a:buNone/>
+            </a:pPr>
+            <a:endParaRPr lang="en-US" sz="1800" b="1" dirty="0">
+              <a:latin typeface="Inconsolata Medium" panose="020B0609030003000000" pitchFamily="49" charset="77"/>
+            </a:endParaRPr>
           </a:p>
           <a:p>
             <a:pPr marL="0" indent="0">
@@ -11028,87 +11987,9 @@
             <a:pPr marL="0" indent="0">
               <a:buNone/>
             </a:pPr>
-            <a:r>
-              <a:rPr lang="en-US" sz="1900" dirty="0">
-                <a:latin typeface="Gill Sans MT" panose="020B0502020104020203" pitchFamily="34" charset="77"/>
-              </a:rPr>
-              <a:t>Note that we take the floor of the division which is rounding </a:t>
-            </a:r>
-            <a:r>
-              <a:rPr lang="en-US" sz="1900" b="1" dirty="0">
-                <a:latin typeface="Gill Sans MT" panose="020B0502020104020203" pitchFamily="34" charset="77"/>
-              </a:rPr>
-              <a:t>down</a:t>
-            </a:r>
-            <a:r>
-              <a:rPr lang="en-US" sz="1900" dirty="0">
-                <a:latin typeface="Gill Sans MT" panose="020B0502020104020203" pitchFamily="34" charset="77"/>
-              </a:rPr>
-              <a:t> to the nearest integer.  Be careful when the operands are negative:</a:t>
-            </a:r>
-          </a:p>
-          <a:p>
-            <a:pPr marL="0" indent="0">
-              <a:buNone/>
-            </a:pPr>
             <a:endParaRPr lang="en-US" sz="1900" dirty="0">
               <a:latin typeface="Gill Sans MT" panose="020B0502020104020203" pitchFamily="34" charset="77"/>
             </a:endParaRPr>
-          </a:p>
-          <a:p>
-            <a:pPr marL="0" indent="0">
-              <a:buNone/>
-            </a:pPr>
-            <a:r>
-              <a:rPr lang="en-US" sz="1800" b="1" dirty="0">
-                <a:solidFill>
-                  <a:srgbClr val="000087"/>
-                </a:solidFill>
-                <a:latin typeface="Inconsolata Medium" panose="020B0609030003000000" pitchFamily="49" charset="77"/>
-              </a:rPr>
-              <a:t>In</a:t>
-            </a:r>
-            <a:r>
-              <a:rPr lang="en-US" sz="1800" b="1" dirty="0">
-                <a:latin typeface="Inconsolata Medium" panose="020B0609030003000000" pitchFamily="49" charset="77"/>
-              </a:rPr>
-              <a:t>[</a:t>
-            </a:r>
-            <a:r>
-              <a:rPr lang="en-US" sz="1800" b="1" dirty="0">
-                <a:solidFill>
-                  <a:srgbClr val="FF6600"/>
-                </a:solidFill>
-                <a:latin typeface="Inconsolata Medium" panose="020B0609030003000000" pitchFamily="49" charset="77"/>
-              </a:rPr>
-              <a:t>2</a:t>
-            </a:r>
-            <a:r>
-              <a:rPr lang="en-US" sz="1800" b="1" dirty="0">
-                <a:latin typeface="Inconsolata Medium" panose="020B0609030003000000" pitchFamily="49" charset="77"/>
-              </a:rPr>
-              <a:t>]: -25 // 7</a:t>
-            </a:r>
-            <a:r>
-              <a:rPr lang="en-US" sz="1800" b="1" dirty="0">
-                <a:solidFill>
-                  <a:srgbClr val="FF6600"/>
-                </a:solidFill>
-                <a:latin typeface="Inconsolata Medium" panose="020B0609030003000000" pitchFamily="49" charset="77"/>
-              </a:rPr>
-              <a:t> </a:t>
-            </a:r>
-          </a:p>
-          <a:p>
-            <a:pPr marL="0" indent="0">
-              <a:buNone/>
-            </a:pPr>
-            <a:r>
-              <a:rPr lang="en-US" sz="1800" b="1" dirty="0">
-                <a:latin typeface="Inconsolata Medium" panose="020B0609030003000000" pitchFamily="49" charset="77"/>
-              </a:rPr>
-              <a:t>Out [1]: -4</a:t>
-            </a:r>
           </a:p>
           <a:p>
             <a:pPr marL="0" indent="0">
@@ -11123,7 +12004,7 @@
     </p:spTree>
     <p:extLst>
       <p:ext uri="{BB962C8B-B14F-4D97-AF65-F5344CB8AC3E}">
-        <p14:creationId xmlns:p14="http://schemas.microsoft.com/office/powerpoint/2010/main" val="4114225628"/>
+        <p14:creationId xmlns:p14="http://schemas.microsoft.com/office/powerpoint/2010/main" val="1962761824"/>
       </p:ext>
     </p:extLst>
   </p:cSld>
@@ -11178,7 +12059,7 @@
           <a:p>
             <a:r>
               <a:rPr lang="en-US" dirty="0"/>
-              <a:t>Why the modulus operator is useful</a:t>
+              <a:t>Modulo Operator</a:t>
             </a:r>
           </a:p>
         </p:txBody>
@@ -11215,46 +12096,11 @@
               <a:buNone/>
             </a:pPr>
             <a:r>
-              <a:rPr lang="en-US" sz="2000" dirty="0"/>
-              <a:t>Sometimes we only want the remainder part of the division. Consider the question:</a:t>
-            </a:r>
-          </a:p>
-          <a:p>
-            <a:pPr marL="0" indent="0">
-              <a:buNone/>
-            </a:pPr>
-            <a:endParaRPr lang="en-US" sz="2000" dirty="0"/>
-          </a:p>
-          <a:p>
-            <a:pPr marL="0" indent="0">
-              <a:buNone/>
-            </a:pPr>
-            <a:r>
-              <a:rPr lang="en-US" sz="2000" dirty="0"/>
-              <a:t>If today is a Tuesday, which day is 59 days from today? </a:t>
-            </a:r>
-            <a:endParaRPr lang="en-US" sz="2000" b="1" dirty="0">
-              <a:latin typeface="Inconsolata Medium" panose="020B0609030003000000" pitchFamily="49" charset="77"/>
-            </a:endParaRPr>
-          </a:p>
-          <a:p>
-            <a:pPr marL="0" indent="0">
-              <a:buNone/>
-            </a:pPr>
-            <a:r>
               <a:rPr lang="en-US" sz="2000" dirty="0">
                 <a:latin typeface="Gill Sans MT" panose="020B0502020104020203" pitchFamily="34" charset="77"/>
               </a:rPr>
-              <a:t>Answer: 59 divided by 7 is 8 with a remainder of 3. Thus it will be Friday. </a:t>
-            </a:r>
-            <a:endParaRPr lang="en-US" sz="1900" b="1" dirty="0">
-              <a:latin typeface="Inconsolata Medium" panose="020B0609030003000000" pitchFamily="49" charset="77"/>
-            </a:endParaRPr>
-          </a:p>
-          <a:p>
-            <a:pPr marL="0" indent="0">
-              <a:buNone/>
-            </a:pPr>
+              <a:t>The operator % returns the modulus which is the remainder after floor division.  (Note: This is different than Java, which gives the remainder after integer division. But the two are the same for positive operands.)</a:t>
+            </a:r>
             <a:endParaRPr lang="en-US" sz="2000" b="1" dirty="0">
               <a:solidFill>
                 <a:srgbClr val="000087"/>
@@ -11294,7 +12140,7 @@
               <a:rPr lang="en-US" sz="2000" b="1" dirty="0">
                 <a:latin typeface="Inconsolata Medium" panose="020B0609030003000000" pitchFamily="49" charset="77"/>
               </a:rPr>
-              <a:t>]: 59 % 7</a:t>
+              <a:t>]: 18 % 5</a:t>
             </a:r>
             <a:r>
               <a:rPr lang="en-US" sz="2000" b="1" dirty="0">
@@ -11316,6 +12162,250 @@
               </a:rPr>
               <a:t>Out [1]: 3</a:t>
             </a:r>
+          </a:p>
+          <a:p>
+            <a:pPr marL="0" indent="0">
+              <a:buNone/>
+            </a:pPr>
+            <a:r>
+              <a:rPr lang="en-US" sz="1800" b="1" dirty="0">
+                <a:solidFill>
+                  <a:srgbClr val="000087"/>
+                </a:solidFill>
+                <a:latin typeface="Inconsolata Medium" panose="020B0609030003000000" pitchFamily="49" charset="77"/>
+              </a:rPr>
+              <a:t>In</a:t>
+            </a:r>
+            <a:r>
+              <a:rPr lang="en-US" sz="1800" b="1" dirty="0">
+                <a:latin typeface="Inconsolata Medium" panose="020B0609030003000000" pitchFamily="49" charset="77"/>
+              </a:rPr>
+              <a:t>[</a:t>
+            </a:r>
+            <a:r>
+              <a:rPr lang="en-US" sz="1800" b="1" dirty="0">
+                <a:solidFill>
+                  <a:srgbClr val="FF6600"/>
+                </a:solidFill>
+                <a:latin typeface="Inconsolata Medium" panose="020B0609030003000000" pitchFamily="49" charset="77"/>
+              </a:rPr>
+              <a:t>2</a:t>
+            </a:r>
+            <a:r>
+              <a:rPr lang="en-US" sz="1800" b="1" dirty="0">
+                <a:latin typeface="Inconsolata Medium" panose="020B0609030003000000" pitchFamily="49" charset="77"/>
+              </a:rPr>
+              <a:t>]: 3 % 9</a:t>
+            </a:r>
+            <a:r>
+              <a:rPr lang="en-US" sz="1800" b="1" dirty="0">
+                <a:solidFill>
+                  <a:srgbClr val="FF6600"/>
+                </a:solidFill>
+                <a:latin typeface="Inconsolata Medium" panose="020B0609030003000000" pitchFamily="49" charset="77"/>
+              </a:rPr>
+              <a:t> </a:t>
+            </a:r>
+          </a:p>
+          <a:p>
+            <a:pPr marL="0" indent="0">
+              <a:buNone/>
+            </a:pPr>
+            <a:r>
+              <a:rPr lang="en-US" sz="1800" b="1" dirty="0">
+                <a:latin typeface="Inconsolata Medium" panose="020B0609030003000000" pitchFamily="49" charset="77"/>
+              </a:rPr>
+              <a:t>Out [2]: 3</a:t>
+            </a:r>
+          </a:p>
+          <a:p>
+            <a:pPr marL="0" indent="0">
+              <a:buNone/>
+            </a:pPr>
+            <a:r>
+              <a:rPr lang="en-US" sz="1800" b="1" dirty="0">
+                <a:solidFill>
+                  <a:srgbClr val="000087"/>
+                </a:solidFill>
+                <a:latin typeface="Inconsolata Medium" panose="020B0609030003000000" pitchFamily="49" charset="77"/>
+              </a:rPr>
+              <a:t>In</a:t>
+            </a:r>
+            <a:r>
+              <a:rPr lang="en-US" sz="1800" b="1" dirty="0">
+                <a:latin typeface="Inconsolata Medium" panose="020B0609030003000000" pitchFamily="49" charset="77"/>
+              </a:rPr>
+              <a:t>[</a:t>
+            </a:r>
+            <a:r>
+              <a:rPr lang="en-US" sz="1800" b="1" dirty="0">
+                <a:solidFill>
+                  <a:srgbClr val="FF6600"/>
+                </a:solidFill>
+                <a:latin typeface="Inconsolata Medium" panose="020B0609030003000000" pitchFamily="49" charset="77"/>
+              </a:rPr>
+              <a:t>2</a:t>
+            </a:r>
+            <a:r>
+              <a:rPr lang="en-US" sz="1800" b="1" dirty="0">
+                <a:latin typeface="Inconsolata Medium" panose="020B0609030003000000" pitchFamily="49" charset="77"/>
+              </a:rPr>
+              <a:t>]: 125 % 10</a:t>
+            </a:r>
+            <a:r>
+              <a:rPr lang="en-US" sz="1800" b="1" dirty="0">
+                <a:solidFill>
+                  <a:srgbClr val="FF6600"/>
+                </a:solidFill>
+                <a:latin typeface="Inconsolata Medium" panose="020B0609030003000000" pitchFamily="49" charset="77"/>
+              </a:rPr>
+              <a:t> </a:t>
+            </a:r>
+          </a:p>
+          <a:p>
+            <a:pPr marL="0" indent="0">
+              <a:buNone/>
+            </a:pPr>
+            <a:r>
+              <a:rPr lang="en-US" sz="1800" b="1" dirty="0">
+                <a:latin typeface="Inconsolata Medium" panose="020B0609030003000000" pitchFamily="49" charset="77"/>
+              </a:rPr>
+              <a:t>Out [2]: 5</a:t>
+            </a:r>
+          </a:p>
+          <a:p>
+            <a:pPr marL="0" indent="0">
+              <a:buNone/>
+            </a:pPr>
+            <a:r>
+              <a:rPr lang="en-US" sz="1800" b="1" dirty="0">
+                <a:solidFill>
+                  <a:srgbClr val="000087"/>
+                </a:solidFill>
+                <a:latin typeface="Inconsolata Medium" panose="020B0609030003000000" pitchFamily="49" charset="77"/>
+              </a:rPr>
+              <a:t>In</a:t>
+            </a:r>
+            <a:r>
+              <a:rPr lang="en-US" sz="1800" b="1" dirty="0">
+                <a:latin typeface="Inconsolata Medium" panose="020B0609030003000000" pitchFamily="49" charset="77"/>
+              </a:rPr>
+              <a:t>[</a:t>
+            </a:r>
+            <a:r>
+              <a:rPr lang="en-US" sz="1800" b="1" dirty="0">
+                <a:solidFill>
+                  <a:srgbClr val="FF6600"/>
+                </a:solidFill>
+                <a:latin typeface="Inconsolata Medium" panose="020B0609030003000000" pitchFamily="49" charset="77"/>
+              </a:rPr>
+              <a:t>3</a:t>
+            </a:r>
+            <a:r>
+              <a:rPr lang="en-US" sz="1800" b="1" dirty="0">
+                <a:latin typeface="Inconsolata Medium" panose="020B0609030003000000" pitchFamily="49" charset="77"/>
+              </a:rPr>
+              <a:t>]: -17 % 10 </a:t>
+            </a:r>
+            <a:r>
+              <a:rPr lang="en-US" sz="1800" b="1" dirty="0">
+                <a:solidFill>
+                  <a:srgbClr val="FF6600"/>
+                </a:solidFill>
+                <a:latin typeface="Inconsolata Medium" panose="020B0609030003000000" pitchFamily="49" charset="77"/>
+              </a:rPr>
+              <a:t> </a:t>
+            </a:r>
+          </a:p>
+          <a:p>
+            <a:pPr marL="0" indent="0">
+              <a:buNone/>
+            </a:pPr>
+            <a:r>
+              <a:rPr lang="en-US" sz="1800" b="1" dirty="0">
+                <a:latin typeface="Inconsolata Medium" panose="020B0609030003000000" pitchFamily="49" charset="77"/>
+              </a:rPr>
+              <a:t>Out [3]: 3</a:t>
+            </a:r>
+          </a:p>
+          <a:p>
+            <a:pPr marL="0" indent="0">
+              <a:buNone/>
+            </a:pPr>
+            <a:r>
+              <a:rPr lang="en-US" sz="1800" b="1" dirty="0">
+                <a:solidFill>
+                  <a:srgbClr val="000087"/>
+                </a:solidFill>
+                <a:latin typeface="Inconsolata Medium" panose="020B0609030003000000" pitchFamily="49" charset="77"/>
+              </a:rPr>
+              <a:t>In</a:t>
+            </a:r>
+            <a:r>
+              <a:rPr lang="en-US" sz="1800" b="1" dirty="0">
+                <a:latin typeface="Inconsolata Medium" panose="020B0609030003000000" pitchFamily="49" charset="77"/>
+              </a:rPr>
+              <a:t>[</a:t>
+            </a:r>
+            <a:r>
+              <a:rPr lang="en-US" sz="1800" b="1" dirty="0">
+                <a:solidFill>
+                  <a:srgbClr val="FF6600"/>
+                </a:solidFill>
+                <a:latin typeface="Inconsolata Medium" panose="020B0609030003000000" pitchFamily="49" charset="77"/>
+              </a:rPr>
+              <a:t>3</a:t>
+            </a:r>
+            <a:r>
+              <a:rPr lang="en-US" sz="1800" b="1" dirty="0">
+                <a:latin typeface="Inconsolata Medium" panose="020B0609030003000000" pitchFamily="49" charset="77"/>
+              </a:rPr>
+              <a:t>]: 17 % -10 </a:t>
+            </a:r>
+            <a:r>
+              <a:rPr lang="en-US" sz="1800" b="1" dirty="0">
+                <a:solidFill>
+                  <a:srgbClr val="FF6600"/>
+                </a:solidFill>
+                <a:latin typeface="Inconsolata Medium" panose="020B0609030003000000" pitchFamily="49" charset="77"/>
+              </a:rPr>
+              <a:t> </a:t>
+            </a:r>
+          </a:p>
+          <a:p>
+            <a:pPr marL="0" indent="0">
+              <a:buNone/>
+            </a:pPr>
+            <a:r>
+              <a:rPr lang="en-US" sz="1800" b="1" dirty="0">
+                <a:latin typeface="Inconsolata Medium" panose="020B0609030003000000" pitchFamily="49" charset="77"/>
+              </a:rPr>
+              <a:t>Out [3]: -3</a:t>
+            </a:r>
+          </a:p>
+          <a:p>
+            <a:pPr marL="0" indent="0">
+              <a:buNone/>
+            </a:pPr>
+            <a:endParaRPr lang="en-US" sz="1800" b="1" dirty="0">
+              <a:latin typeface="Inconsolata Medium" panose="020B0609030003000000" pitchFamily="49" charset="77"/>
+            </a:endParaRPr>
+          </a:p>
+          <a:p>
+            <a:pPr marL="0" indent="0">
+              <a:buNone/>
+            </a:pPr>
+            <a:endParaRPr lang="en-US" sz="1800" b="1" dirty="0">
+              <a:latin typeface="Inconsolata Medium" panose="020B0609030003000000" pitchFamily="49" charset="77"/>
+            </a:endParaRPr>
+          </a:p>
+          <a:p>
+            <a:pPr marL="0" indent="0">
+              <a:buNone/>
+            </a:pPr>
+            <a:endParaRPr lang="en-US" sz="1900" dirty="0">
+              <a:latin typeface="Gill Sans MT" panose="020B0502020104020203" pitchFamily="34" charset="77"/>
+            </a:endParaRPr>
           </a:p>
           <a:p>
             <a:pPr marL="0" indent="0">
@@ -11338,7 +12428,7 @@
     </p:spTree>
     <p:extLst>
       <p:ext uri="{BB962C8B-B14F-4D97-AF65-F5344CB8AC3E}">
-        <p14:creationId xmlns:p14="http://schemas.microsoft.com/office/powerpoint/2010/main" val="3662168313"/>
+        <p14:creationId xmlns:p14="http://schemas.microsoft.com/office/powerpoint/2010/main" val="1755375274"/>
       </p:ext>
     </p:extLst>
   </p:cSld>
@@ -11393,7 +12483,7 @@
           <a:p>
             <a:r>
               <a:rPr lang="en-US" dirty="0"/>
-              <a:t>Exponentiation and Negation</a:t>
+              <a:t>Why floor division is useful</a:t>
             </a:r>
           </a:p>
         </p:txBody>
@@ -11429,7 +12519,56 @@
             <a:pPr marL="0" indent="0">
               <a:buNone/>
             </a:pPr>
+            <a:r>
+              <a:rPr lang="en-US" sz="2000" dirty="0"/>
+              <a:t>Sometimes we only want the integer part of division. Consider the question:</a:t>
+            </a:r>
+          </a:p>
+          <a:p>
+            <a:pPr marL="0" indent="0">
+              <a:buNone/>
+            </a:pPr>
+            <a:endParaRPr lang="en-US" sz="2000" dirty="0"/>
+          </a:p>
+          <a:p>
+            <a:pPr marL="0" indent="0">
+              <a:buNone/>
+            </a:pPr>
+            <a:r>
+              <a:rPr lang="en-US" sz="2000" dirty="0"/>
+              <a:t>How many weeks are there in 25 days? </a:t>
+            </a:r>
             <a:endParaRPr lang="en-US" sz="2000" b="1" dirty="0">
+              <a:latin typeface="Inconsolata Medium" panose="020B0609030003000000" pitchFamily="49" charset="77"/>
+            </a:endParaRPr>
+          </a:p>
+          <a:p>
+            <a:pPr marL="0" indent="0">
+              <a:buNone/>
+            </a:pPr>
+            <a:endParaRPr lang="en-US" sz="2000" dirty="0">
+              <a:latin typeface="Gill Sans MT" panose="020B0502020104020203" pitchFamily="34" charset="77"/>
+            </a:endParaRPr>
+          </a:p>
+          <a:p>
+            <a:pPr marL="0" indent="0">
+              <a:buNone/>
+            </a:pPr>
+            <a:r>
+              <a:rPr lang="en-US" sz="2000" dirty="0">
+                <a:latin typeface="Gill Sans MT" panose="020B0502020104020203" pitchFamily="34" charset="77"/>
+              </a:rPr>
+              <a:t>Answer: 3 weeks plus 4 days. </a:t>
+            </a:r>
+            <a:endParaRPr lang="en-US" sz="1900" b="1" dirty="0">
+              <a:latin typeface="Inconsolata Medium" panose="020B0609030003000000" pitchFamily="49" charset="77"/>
+            </a:endParaRPr>
+          </a:p>
+          <a:p>
+            <a:pPr marL="0" indent="0">
+              <a:buNone/>
+            </a:pPr>
+            <a:endParaRPr lang="en-US" sz="2000" b="1">
               <a:solidFill>
                 <a:srgbClr val="000087"/>
               </a:solidFill>
@@ -11441,7 +12580,7 @@
               <a:buNone/>
             </a:pPr>
             <a:r>
-              <a:rPr lang="en-US" sz="2000" b="1" dirty="0">
+              <a:rPr lang="en-US" sz="2000" b="1">
                 <a:solidFill>
                   <a:srgbClr val="000087"/>
                 </a:solidFill>
@@ -11468,7 +12607,7 @@
               <a:rPr lang="en-US" sz="2000" b="1" dirty="0">
                 <a:latin typeface="Inconsolata Medium" panose="020B0609030003000000" pitchFamily="49" charset="77"/>
               </a:rPr>
-              <a:t>]: 2 ** 3</a:t>
+              <a:t>]: 25 // 7</a:t>
             </a:r>
             <a:r>
               <a:rPr lang="en-US" sz="2000" b="1" dirty="0">
@@ -11488,185 +12627,8 @@
               <a:rPr lang="en-US" sz="2000" b="1" dirty="0">
                 <a:latin typeface="Inconsolata Medium" panose="020B0609030003000000" pitchFamily="49" charset="77"/>
               </a:rPr>
-              <a:t>Out[3]: 8</a:t>
-            </a:r>
-          </a:p>
-          <a:p>
-            <a:pPr marL="0" indent="0">
-              <a:buNone/>
-            </a:pPr>
-            <a:endParaRPr lang="en-US" sz="1900" dirty="0">
-              <a:latin typeface="Gill Sans MT" panose="020B0502020104020203" pitchFamily="34" charset="77"/>
-            </a:endParaRPr>
-          </a:p>
-          <a:p>
-            <a:pPr marL="0" indent="0">
-              <a:buNone/>
-            </a:pPr>
-            <a:r>
-              <a:rPr lang="en-US" sz="1900" dirty="0">
-                <a:latin typeface="Gill Sans MT" panose="020B0502020104020203" pitchFamily="34" charset="77"/>
-              </a:rPr>
-              <a:t>Negation is a </a:t>
-            </a:r>
-            <a:r>
-              <a:rPr lang="en-US" sz="1900" b="1" dirty="0">
-                <a:latin typeface="Gill Sans MT" panose="020B0502020104020203" pitchFamily="34" charset="77"/>
-              </a:rPr>
-              <a:t>unary operator</a:t>
-            </a:r>
-            <a:r>
-              <a:rPr lang="en-US" sz="1900" dirty="0">
-                <a:latin typeface="Gill Sans MT" panose="020B0502020104020203" pitchFamily="34" charset="77"/>
-              </a:rPr>
-              <a:t>. It applies to only one operand. Other operations such as +, -, *, /, //, % are </a:t>
-            </a:r>
-            <a:r>
-              <a:rPr lang="en-US" sz="1900" b="1" dirty="0">
-                <a:latin typeface="Gill Sans MT" panose="020B0502020104020203" pitchFamily="34" charset="77"/>
-              </a:rPr>
-              <a:t>binary operators</a:t>
-            </a:r>
-            <a:r>
-              <a:rPr lang="en-US" sz="1900" dirty="0">
-                <a:latin typeface="Gill Sans MT" panose="020B0502020104020203" pitchFamily="34" charset="77"/>
-              </a:rPr>
-              <a:t>, they apply to two operands. </a:t>
-            </a:r>
-          </a:p>
-          <a:p>
-            <a:pPr marL="0" indent="0">
-              <a:buNone/>
-            </a:pPr>
-            <a:endParaRPr lang="en-US" sz="1900" dirty="0">
-              <a:latin typeface="Gill Sans MT" panose="020B0502020104020203" pitchFamily="34" charset="77"/>
-            </a:endParaRPr>
-          </a:p>
-          <a:p>
-            <a:pPr marL="0" indent="0">
-              <a:buNone/>
-            </a:pPr>
-            <a:r>
-              <a:rPr lang="en-US" sz="1800" b="1" dirty="0">
-                <a:solidFill>
-                  <a:srgbClr val="000087"/>
-                </a:solidFill>
-                <a:latin typeface="Inconsolata Medium" panose="020B0609030003000000" pitchFamily="49" charset="77"/>
-              </a:rPr>
-              <a:t>In</a:t>
-            </a:r>
-            <a:r>
-              <a:rPr lang="en-US" sz="1800" b="1" dirty="0">
-                <a:latin typeface="Inconsolata Medium" panose="020B0609030003000000" pitchFamily="49" charset="77"/>
-              </a:rPr>
-              <a:t>[</a:t>
-            </a:r>
-            <a:r>
-              <a:rPr lang="en-US" sz="1800" b="1" dirty="0">
-                <a:solidFill>
-                  <a:srgbClr val="FF6600"/>
-                </a:solidFill>
-                <a:latin typeface="Inconsolata Medium" panose="020B0609030003000000" pitchFamily="49" charset="77"/>
-              </a:rPr>
-              <a:t>2</a:t>
-            </a:r>
-            <a:r>
-              <a:rPr lang="en-US" sz="1800" b="1" dirty="0">
-                <a:latin typeface="Inconsolata Medium" panose="020B0609030003000000" pitchFamily="49" charset="77"/>
-              </a:rPr>
-              <a:t>]: -5</a:t>
-            </a:r>
-            <a:r>
-              <a:rPr lang="en-US" sz="1800" b="1" dirty="0">
-                <a:solidFill>
-                  <a:srgbClr val="FF6600"/>
-                </a:solidFill>
-                <a:latin typeface="Inconsolata Medium" panose="020B0609030003000000" pitchFamily="49" charset="77"/>
-              </a:rPr>
-              <a:t> </a:t>
-            </a:r>
-          </a:p>
-          <a:p>
-            <a:pPr marL="0" indent="0">
-              <a:buNone/>
-            </a:pPr>
-            <a:r>
-              <a:rPr lang="en-US" sz="1800" b="1" dirty="0">
-                <a:latin typeface="Inconsolata Medium" panose="020B0609030003000000" pitchFamily="49" charset="77"/>
-              </a:rPr>
-              <a:t>Out [3]: -5</a:t>
-            </a:r>
-          </a:p>
-          <a:p>
-            <a:pPr marL="0" indent="0">
-              <a:buNone/>
-            </a:pPr>
-            <a:endParaRPr lang="en-US" sz="1900" dirty="0">
-              <a:latin typeface="Gill Sans MT" panose="020B0502020104020203" pitchFamily="34" charset="77"/>
-            </a:endParaRPr>
-          </a:p>
-          <a:p>
-            <a:pPr marL="0" indent="0">
-              <a:buNone/>
-            </a:pPr>
-            <a:r>
-              <a:rPr lang="en-US" sz="1800" b="1" dirty="0">
-                <a:solidFill>
-                  <a:srgbClr val="000087"/>
-                </a:solidFill>
-                <a:latin typeface="Inconsolata Medium" panose="020B0609030003000000" pitchFamily="49" charset="77"/>
-              </a:rPr>
-              <a:t>In</a:t>
-            </a:r>
-            <a:r>
-              <a:rPr lang="en-US" sz="1800" b="1" dirty="0">
-                <a:latin typeface="Inconsolata Medium" panose="020B0609030003000000" pitchFamily="49" charset="77"/>
-              </a:rPr>
-              <a:t>[</a:t>
-            </a:r>
-            <a:r>
-              <a:rPr lang="en-US" sz="1800" b="1" dirty="0">
-                <a:solidFill>
-                  <a:srgbClr val="FF6600"/>
-                </a:solidFill>
-                <a:latin typeface="Inconsolata Medium" panose="020B0609030003000000" pitchFamily="49" charset="77"/>
-              </a:rPr>
-              <a:t>3</a:t>
-            </a:r>
-            <a:r>
-              <a:rPr lang="en-US" sz="1800" b="1" dirty="0">
-                <a:latin typeface="Inconsolata Medium" panose="020B0609030003000000" pitchFamily="49" charset="77"/>
-              </a:rPr>
-              <a:t>]: --5</a:t>
-            </a:r>
-            <a:r>
-              <a:rPr lang="en-US" sz="1800" b="1" dirty="0">
-                <a:solidFill>
-                  <a:srgbClr val="FF6600"/>
-                </a:solidFill>
-                <a:latin typeface="Inconsolata Medium" panose="020B0609030003000000" pitchFamily="49" charset="77"/>
-              </a:rPr>
-              <a:t> </a:t>
-            </a:r>
-          </a:p>
-          <a:p>
-            <a:pPr marL="0" indent="0">
-              <a:buNone/>
-            </a:pPr>
-            <a:r>
-              <a:rPr lang="en-US" sz="1800" b="1" dirty="0">
-                <a:latin typeface="Inconsolata Medium" panose="020B0609030003000000" pitchFamily="49" charset="77"/>
-              </a:rPr>
-              <a:t>Out[3]: 5</a:t>
-            </a:r>
-          </a:p>
-          <a:p>
-            <a:pPr marL="0" indent="0">
-              <a:buNone/>
-            </a:pPr>
-            <a:endParaRPr lang="en-US" sz="1900" dirty="0">
-              <a:latin typeface="Gill Sans MT" panose="020B0502020104020203" pitchFamily="34" charset="77"/>
-            </a:endParaRPr>
+              <a:t>Out [1]: 3</a:t>
+            </a:r>
           </a:p>
           <a:p>
             <a:pPr marL="0" indent="0">
@@ -11689,7 +12651,7 @@
     </p:spTree>
     <p:extLst>
       <p:ext uri="{BB962C8B-B14F-4D97-AF65-F5344CB8AC3E}">
-        <p14:creationId xmlns:p14="http://schemas.microsoft.com/office/powerpoint/2010/main" val="1486217497"/>
+        <p14:creationId xmlns:p14="http://schemas.microsoft.com/office/powerpoint/2010/main" val="4114225628"/>
       </p:ext>
     </p:extLst>
   </p:cSld>
@@ -11716,288 +12678,6 @@
           <a:chExt cx="0" cy="0"/>
         </a:xfrm>
       </p:grpSpPr>
-      <p:graphicFrame>
-        <p:nvGraphicFramePr>
-          <p:cNvPr id="3" name="Content Placeholder 2">
-            <a:extLst>
-              <a:ext uri="{FF2B5EF4-FFF2-40B4-BE49-F238E27FC236}">
-                <a16:creationId xmlns:a16="http://schemas.microsoft.com/office/drawing/2014/main" id="{391B73BC-5A44-AA4B-8594-7E55B590EF7F}"/>
-              </a:ext>
-            </a:extLst>
-          </p:cNvPr>
-          <p:cNvGraphicFramePr>
-            <a:graphicFrameLocks noGrp="1"/>
-          </p:cNvGraphicFramePr>
-          <p:nvPr>
-            <p:ph idx="1"/>
-            <p:extLst>
-              <p:ext uri="{D42A27DB-BD31-4B8C-83A1-F6EECF244321}">
-                <p14:modId xmlns:p14="http://schemas.microsoft.com/office/powerpoint/2010/main" val="1408855709"/>
-              </p:ext>
-            </p:extLst>
-          </p:nvPr>
-        </p:nvGraphicFramePr>
-        <p:xfrm>
-          <a:off x="1290415" y="1430574"/>
-          <a:ext cx="5862414" cy="1988820"/>
-        </p:xfrm>
-        <a:graphic>
-          <a:graphicData uri="http://schemas.openxmlformats.org/drawingml/2006/table">
-            <a:tbl>
-              <a:tblPr firstRow="1" bandRow="1">
-                <a:tableStyleId>{5940675A-B579-460E-94D1-54222C63F5DA}</a:tableStyleId>
-              </a:tblPr>
-              <a:tblGrid>
-                <a:gridCol w="1148059">
-                  <a:extLst>
-                    <a:ext uri="{9D8B030D-6E8A-4147-A177-3AD203B41FA5}">
-                      <a16:colId xmlns:a16="http://schemas.microsoft.com/office/drawing/2014/main" val="2797331459"/>
-                    </a:ext>
-                  </a:extLst>
-                </a:gridCol>
-                <a:gridCol w="1247686">
-                  <a:extLst>
-                    <a:ext uri="{9D8B030D-6E8A-4147-A177-3AD203B41FA5}">
-                      <a16:colId xmlns:a16="http://schemas.microsoft.com/office/drawing/2014/main" val="643804973"/>
-                    </a:ext>
-                  </a:extLst>
-                </a:gridCol>
-                <a:gridCol w="3466669">
-                  <a:extLst>
-                    <a:ext uri="{9D8B030D-6E8A-4147-A177-3AD203B41FA5}">
-                      <a16:colId xmlns:a16="http://schemas.microsoft.com/office/drawing/2014/main" val="2390598104"/>
-                    </a:ext>
-                  </a:extLst>
-                </a:gridCol>
-              </a:tblGrid>
-              <a:tr h="0">
-                <a:tc>
-                  <a:txBody>
-                    <a:bodyPr/>
-                    <a:lstStyle/>
-                    <a:p>
-                      <a:r>
-                        <a:rPr lang="en-US" b="1" dirty="0"/>
-                        <a:t>Precedence</a:t>
-                      </a:r>
-                    </a:p>
-                  </a:txBody>
-                  <a:tcPr/>
-                </a:tc>
-                <a:tc>
-                  <a:txBody>
-                    <a:bodyPr/>
-                    <a:lstStyle/>
-                    <a:p>
-                      <a:r>
-                        <a:rPr lang="en-US" b="1" dirty="0"/>
-                        <a:t>Operator</a:t>
-                      </a:r>
-                    </a:p>
-                  </a:txBody>
-                  <a:tcPr/>
-                </a:tc>
-                <a:tc>
-                  <a:txBody>
-                    <a:bodyPr/>
-                    <a:lstStyle/>
-                    <a:p>
-                      <a:r>
-                        <a:rPr lang="en-US" b="1" dirty="0"/>
-                        <a:t>Operation</a:t>
-                      </a:r>
-                    </a:p>
-                  </a:txBody>
-                  <a:tcPr/>
-                </a:tc>
-                <a:extLst>
-                  <a:ext uri="{0D108BD9-81ED-4DB2-BD59-A6C34878D82A}">
-                    <a16:rowId xmlns:a16="http://schemas.microsoft.com/office/drawing/2014/main" val="1310382839"/>
-                  </a:ext>
-                </a:extLst>
-              </a:tr>
-              <a:tr h="370840">
-                <a:tc>
-                  <a:txBody>
-                    <a:bodyPr/>
-                    <a:lstStyle/>
-                    <a:p>
-                      <a:r>
-                        <a:rPr lang="en-US" sz="1600" dirty="0"/>
-                        <a:t>highest</a:t>
-                      </a:r>
-                    </a:p>
-                  </a:txBody>
-                  <a:tcPr/>
-                </a:tc>
-                <a:tc>
-                  <a:txBody>
-                    <a:bodyPr/>
-                    <a:lstStyle/>
-                    <a:p>
-                      <a:r>
-                        <a:rPr lang="en-US" sz="1600" dirty="0"/>
-                        <a:t>**</a:t>
-                      </a:r>
-                    </a:p>
-                  </a:txBody>
-                  <a:tcPr/>
-                </a:tc>
-                <a:tc>
-                  <a:txBody>
-                    <a:bodyPr/>
-                    <a:lstStyle/>
-                    <a:p>
-                      <a:r>
-                        <a:rPr lang="en-US" sz="1600" dirty="0"/>
-                        <a:t>exponentiation</a:t>
-                      </a:r>
-                    </a:p>
-                  </a:txBody>
-                  <a:tcPr/>
-                </a:tc>
-                <a:extLst>
-                  <a:ext uri="{0D108BD9-81ED-4DB2-BD59-A6C34878D82A}">
-                    <a16:rowId xmlns:a16="http://schemas.microsoft.com/office/drawing/2014/main" val="1996550485"/>
-                  </a:ext>
-                </a:extLst>
-              </a:tr>
-              <a:tr h="370840">
-                <a:tc>
-                  <a:txBody>
-                    <a:bodyPr/>
-                    <a:lstStyle/>
-                    <a:p>
-                      <a:endParaRPr lang="en-US" sz="1600" dirty="0"/>
-                    </a:p>
-                  </a:txBody>
-                  <a:tcPr/>
-                </a:tc>
-                <a:tc>
-                  <a:txBody>
-                    <a:bodyPr/>
-                    <a:lstStyle/>
-                    <a:p>
-                      <a:r>
-                        <a:rPr lang="en-US" sz="1600" dirty="0"/>
-                        <a:t>-</a:t>
-                      </a:r>
-                    </a:p>
-                  </a:txBody>
-                  <a:tcPr/>
-                </a:tc>
-                <a:tc>
-                  <a:txBody>
-                    <a:bodyPr/>
-                    <a:lstStyle/>
-                    <a:p>
-                      <a:r>
-                        <a:rPr lang="en-US" sz="1600" dirty="0"/>
-                        <a:t>negation</a:t>
-                      </a:r>
-                    </a:p>
-                  </a:txBody>
-                  <a:tcPr/>
-                </a:tc>
-                <a:extLst>
-                  <a:ext uri="{0D108BD9-81ED-4DB2-BD59-A6C34878D82A}">
-                    <a16:rowId xmlns:a16="http://schemas.microsoft.com/office/drawing/2014/main" val="3709973102"/>
-                  </a:ext>
-                </a:extLst>
-              </a:tr>
-              <a:tr h="370840">
-                <a:tc>
-                  <a:txBody>
-                    <a:bodyPr/>
-                    <a:lstStyle/>
-                    <a:p>
-                      <a:endParaRPr lang="en-US" sz="1600" dirty="0"/>
-                    </a:p>
-                  </a:txBody>
-                  <a:tcPr/>
-                </a:tc>
-                <a:tc>
-                  <a:txBody>
-                    <a:bodyPr/>
-                    <a:lstStyle/>
-                    <a:p>
-                      <a:r>
-                        <a:rPr lang="en-US" sz="1600" dirty="0"/>
-                        <a:t>*, /, //, %</a:t>
-                      </a:r>
-                    </a:p>
-                  </a:txBody>
-                  <a:tcPr/>
-                </a:tc>
-                <a:tc>
-                  <a:txBody>
-                    <a:bodyPr/>
-                    <a:lstStyle/>
-                    <a:p>
-                      <a:r>
-                        <a:rPr lang="en-US" sz="1600" dirty="0"/>
-                        <a:t>multiplication, division, floor division, modulus</a:t>
-                      </a:r>
-                    </a:p>
-                  </a:txBody>
-                  <a:tcPr/>
-                </a:tc>
-                <a:extLst>
-                  <a:ext uri="{0D108BD9-81ED-4DB2-BD59-A6C34878D82A}">
-                    <a16:rowId xmlns:a16="http://schemas.microsoft.com/office/drawing/2014/main" val="1095184765"/>
-                  </a:ext>
-                </a:extLst>
-              </a:tr>
-              <a:tr h="370840">
-                <a:tc>
-                  <a:txBody>
-                    <a:bodyPr/>
-                    <a:lstStyle/>
-                    <a:p>
-                      <a:r>
-                        <a:rPr lang="en-US" sz="1600" dirty="0"/>
-                        <a:t>lowest</a:t>
-                      </a:r>
-                    </a:p>
-                  </a:txBody>
-                  <a:tcPr/>
-                </a:tc>
-                <a:tc>
-                  <a:txBody>
-                    <a:bodyPr/>
-                    <a:lstStyle/>
-                    <a:p>
-                      <a:r>
-                        <a:rPr lang="en-US" sz="1600" dirty="0"/>
-                        <a:t>+, -</a:t>
-                      </a:r>
-                    </a:p>
-                  </a:txBody>
-                  <a:tcPr/>
-                </a:tc>
-                <a:tc>
-                  <a:txBody>
-                    <a:bodyPr/>
-                    <a:lstStyle/>
-                    <a:p>
-                      <a:r>
-                        <a:rPr lang="en-US" sz="1600" dirty="0"/>
-                        <a:t>adding, subtraction</a:t>
-                      </a:r>
-                    </a:p>
-                  </a:txBody>
-                  <a:tcPr/>
-                </a:tc>
-                <a:extLst>
-                  <a:ext uri="{0D108BD9-81ED-4DB2-BD59-A6C34878D82A}">
-                    <a16:rowId xmlns:a16="http://schemas.microsoft.com/office/drawing/2014/main" val="1499592130"/>
-                  </a:ext>
-                </a:extLst>
-              </a:tr>
-            </a:tbl>
-          </a:graphicData>
-        </a:graphic>
-      </p:graphicFrame>
       <p:sp>
         <p:nvSpPr>
           <p:cNvPr id="2" name="Title 1">
@@ -12026,56 +12706,167 @@
           <a:p>
             <a:r>
               <a:rPr lang="en-US" dirty="0"/>
-              <a:t>Operator Precedence</a:t>
+              <a:t>Why the modulo operator is useful</a:t>
             </a:r>
           </a:p>
         </p:txBody>
       </p:sp>
       <p:sp>
         <p:nvSpPr>
-          <p:cNvPr id="5" name="TextBox 4">
+          <p:cNvPr id="9" name="Content Placeholder 8">
             <a:extLst>
               <a:ext uri="{FF2B5EF4-FFF2-40B4-BE49-F238E27FC236}">
-                <a16:creationId xmlns:a16="http://schemas.microsoft.com/office/drawing/2014/main" id="{F46FDA34-E2B9-0847-B9D0-D4D6C167AC45}"/>
+                <a16:creationId xmlns:a16="http://schemas.microsoft.com/office/drawing/2014/main" id="{E3B2E017-30B2-884B-A113-B419A2ED51AD}"/>
               </a:ext>
             </a:extLst>
           </p:cNvPr>
-          <p:cNvSpPr txBox="1"/>
-          <p:nvPr/>
+          <p:cNvSpPr>
+            <a:spLocks noGrp="1"/>
+          </p:cNvSpPr>
+          <p:nvPr>
+            <p:ph idx="1"/>
+          </p:nvPr>
         </p:nvSpPr>
         <p:spPr>
           <a:xfrm>
-            <a:off x="569306" y="3816284"/>
-            <a:ext cx="7707238" cy="646331"/>
+            <a:off x="483848" y="1150912"/>
+            <a:ext cx="8051725" cy="4564087"/>
           </a:xfrm>
-          <a:prstGeom prst="rect">
-            <a:avLst/>
-          </a:prstGeom>
-          <a:noFill/>
         </p:spPr>
         <p:txBody>
-          <a:bodyPr wrap="none" rtlCol="0">
-            <a:spAutoFit/>
+          <a:bodyPr>
+            <a:noAutofit/>
           </a:bodyPr>
           <a:lstStyle/>
           <a:p>
-            <a:r>
-              <a:rPr lang="en-US" sz="1800" dirty="0"/>
-              <a:t>Operators on the same row are applied left to right. Exponentiation, however, is </a:t>
-            </a:r>
-          </a:p>
-          <a:p>
-            <a:r>
-              <a:rPr lang="en-US" sz="1800" dirty="0"/>
-              <a:t>applied right to left. Expressions in parenthesis are evaluated first. </a:t>
-            </a:r>
+            <a:pPr marL="0" indent="0">
+              <a:buNone/>
+            </a:pPr>
+            <a:r>
+              <a:rPr lang="en-US" sz="2000" dirty="0"/>
+              <a:t>Sometimes we only want the remainder part of the division. Consider the question:</a:t>
+            </a:r>
+          </a:p>
+          <a:p>
+            <a:pPr marL="0" indent="0">
+              <a:buNone/>
+            </a:pPr>
+            <a:endParaRPr lang="en-US" sz="2000" dirty="0"/>
+          </a:p>
+          <a:p>
+            <a:pPr marL="0" indent="0">
+              <a:buNone/>
+            </a:pPr>
+            <a:r>
+              <a:rPr lang="en-US" sz="2000" dirty="0"/>
+              <a:t>If today is a Tuesday, which day is 59 days from today? </a:t>
+            </a:r>
+            <a:endParaRPr lang="en-US" sz="2000" b="1" dirty="0">
+              <a:latin typeface="Inconsolata Medium" panose="020B0609030003000000" pitchFamily="49" charset="77"/>
+            </a:endParaRPr>
+          </a:p>
+          <a:p>
+            <a:pPr marL="0" indent="0">
+              <a:buNone/>
+            </a:pPr>
+            <a:r>
+              <a:rPr lang="en-US" sz="2000" dirty="0">
+                <a:latin typeface="Gill Sans MT" panose="020B0502020104020203" pitchFamily="34" charset="77"/>
+              </a:rPr>
+              <a:t>Answer: 59 divided by 7 is 8 with a remainder of 3. Thus it will be Friday. </a:t>
+            </a:r>
+            <a:endParaRPr lang="en-US" sz="1900" b="1" dirty="0">
+              <a:latin typeface="Inconsolata Medium" panose="020B0609030003000000" pitchFamily="49" charset="77"/>
+            </a:endParaRPr>
+          </a:p>
+          <a:p>
+            <a:pPr marL="0" indent="0">
+              <a:buNone/>
+            </a:pPr>
+            <a:endParaRPr lang="en-US" sz="2000" b="1" dirty="0">
+              <a:solidFill>
+                <a:srgbClr val="000087"/>
+              </a:solidFill>
+              <a:latin typeface="Inconsolata Medium" panose="020B0609030003000000" pitchFamily="49" charset="77"/>
+            </a:endParaRPr>
+          </a:p>
+          <a:p>
+            <a:pPr marL="0" indent="0">
+              <a:buNone/>
+            </a:pPr>
+            <a:r>
+              <a:rPr lang="en-US" sz="2000" b="1" dirty="0">
+                <a:solidFill>
+                  <a:srgbClr val="000087"/>
+                </a:solidFill>
+                <a:latin typeface="Inconsolata Medium" panose="020B0609030003000000" pitchFamily="49" charset="77"/>
+              </a:rPr>
+              <a:t>In</a:t>
+            </a:r>
+            <a:r>
+              <a:rPr lang="en-US" sz="2000" b="1" dirty="0">
+                <a:latin typeface="Inconsolata Medium" panose="020B0609030003000000" pitchFamily="49" charset="77"/>
+              </a:rPr>
+              <a:t>[</a:t>
+            </a:r>
+            <a:r>
+              <a:rPr lang="en-US" sz="2000" b="1" dirty="0">
+                <a:solidFill>
+                  <a:srgbClr val="FF6600"/>
+                </a:solidFill>
+                <a:latin typeface="Inconsolata Medium" panose="020B0609030003000000" pitchFamily="49" charset="77"/>
+              </a:rPr>
+              <a:t>1</a:t>
+            </a:r>
+            <a:r>
+              <a:rPr lang="en-US" sz="2000" b="1" dirty="0">
+                <a:latin typeface="Inconsolata Medium" panose="020B0609030003000000" pitchFamily="49" charset="77"/>
+              </a:rPr>
+              <a:t>]: 59 % 7</a:t>
+            </a:r>
+            <a:r>
+              <a:rPr lang="en-US" sz="2000" b="1" dirty="0">
+                <a:solidFill>
+                  <a:srgbClr val="FF6600"/>
+                </a:solidFill>
+                <a:latin typeface="Inconsolata Medium" panose="020B0609030003000000" pitchFamily="49" charset="77"/>
+              </a:rPr>
+              <a:t> </a:t>
+            </a:r>
+          </a:p>
+          <a:p>
+            <a:pPr marL="0" indent="0">
+              <a:buNone/>
+            </a:pPr>
+            <a:r>
+              <a:rPr lang="en-US" sz="2000" b="1" dirty="0">
+                <a:latin typeface="Inconsolata Medium" panose="020B0609030003000000" pitchFamily="49" charset="77"/>
+              </a:rPr>
+              <a:t>Out [1]: 3</a:t>
+            </a:r>
+          </a:p>
+          <a:p>
+            <a:pPr marL="0" indent="0">
+              <a:buNone/>
+            </a:pPr>
+            <a:endParaRPr lang="en-US" sz="1900" dirty="0">
+              <a:latin typeface="Gill Sans MT" panose="020B0502020104020203" pitchFamily="34" charset="77"/>
+            </a:endParaRPr>
+          </a:p>
+          <a:p>
+            <a:pPr marL="0" indent="0">
+              <a:buNone/>
+            </a:pPr>
+            <a:endParaRPr lang="en-US" sz="1900" dirty="0">
+              <a:latin typeface="Gill Sans MT" panose="020B0502020104020203" pitchFamily="34" charset="77"/>
+            </a:endParaRPr>
           </a:p>
         </p:txBody>
       </p:sp>
     </p:spTree>
     <p:extLst>
       <p:ext uri="{BB962C8B-B14F-4D97-AF65-F5344CB8AC3E}">
-        <p14:creationId xmlns:p14="http://schemas.microsoft.com/office/powerpoint/2010/main" val="4260969557"/>
+        <p14:creationId xmlns:p14="http://schemas.microsoft.com/office/powerpoint/2010/main" val="3662168313"/>
       </p:ext>
     </p:extLst>
   </p:cSld>
@@ -12130,7 +12921,7 @@
           <a:p>
             <a:r>
               <a:rPr lang="en-US" dirty="0"/>
-              <a:t>Operator Precedence</a:t>
+              <a:t>Exponentiation and Negation</a:t>
             </a:r>
           </a:p>
         </p:txBody>
@@ -12205,7 +12996,7 @@
               <a:rPr lang="en-US" sz="2000" b="1" dirty="0">
                 <a:latin typeface="Inconsolata Medium" panose="020B0609030003000000" pitchFamily="49" charset="77"/>
               </a:rPr>
-              <a:t>]: -2 ** 4</a:t>
+              <a:t>]: 2 ** 3</a:t>
             </a:r>
             <a:r>
               <a:rPr lang="en-US" sz="2000" b="1" dirty="0">
@@ -12225,7 +13016,7 @@
               <a:rPr lang="en-US" sz="2000" b="1" dirty="0">
                 <a:latin typeface="Inconsolata Medium" panose="020B0609030003000000" pitchFamily="49" charset="77"/>
               </a:rPr>
-              <a:t>Out[3]: -16</a:t>
+              <a:t>Out[3]: 8</a:t>
             </a:r>
           </a:p>
           <a:p>
@@ -12241,55 +13032,38 @@
               <a:buNone/>
             </a:pPr>
             <a:r>
-              <a:rPr lang="en-US" sz="1800" b="1" dirty="0">
-                <a:solidFill>
-                  <a:srgbClr val="000087"/>
-                </a:solidFill>
-                <a:latin typeface="Inconsolata Medium" panose="020B0609030003000000" pitchFamily="49" charset="77"/>
-              </a:rPr>
-              <a:t>In</a:t>
-            </a:r>
-            <a:r>
-              <a:rPr lang="en-US" sz="1800" b="1" dirty="0">
-                <a:latin typeface="Inconsolata Medium" panose="020B0609030003000000" pitchFamily="49" charset="77"/>
-              </a:rPr>
-              <a:t>[</a:t>
-            </a:r>
-            <a:r>
-              <a:rPr lang="en-US" sz="1800" b="1" dirty="0">
-                <a:solidFill>
-                  <a:srgbClr val="FF6600"/>
-                </a:solidFill>
-                <a:latin typeface="Inconsolata Medium" panose="020B0609030003000000" pitchFamily="49" charset="77"/>
-              </a:rPr>
-              <a:t>2</a:t>
-            </a:r>
-            <a:r>
-              <a:rPr lang="en-US" sz="1800" b="1" dirty="0">
-                <a:latin typeface="Inconsolata Medium" panose="020B0609030003000000" pitchFamily="49" charset="77"/>
-              </a:rPr>
-              <a:t>]: 7 – 4 * 5 % (1 + 2)</a:t>
-            </a:r>
-            <a:endParaRPr lang="en-US" sz="1800" b="1" dirty="0">
-              <a:solidFill>
-                <a:srgbClr val="FF6600"/>
-              </a:solidFill>
-              <a:latin typeface="Inconsolata Medium" panose="020B0609030003000000" pitchFamily="49" charset="77"/>
-            </a:endParaRPr>
-          </a:p>
-          <a:p>
-            <a:pPr marL="0" indent="0">
-              <a:buNone/>
-            </a:pPr>
-            <a:r>
-              <a:rPr lang="en-US" sz="1800" b="1" dirty="0">
-                <a:latin typeface="Inconsolata Medium" panose="020B0609030003000000" pitchFamily="49" charset="77"/>
-              </a:rPr>
-              <a:t>Out [3]: 5 </a:t>
-            </a:r>
-          </a:p>
-          <a:p>
-            <a:pPr marL="0" indent="0" algn="ctr">
+              <a:rPr lang="en-US" sz="1900" dirty="0">
+                <a:latin typeface="Gill Sans MT" panose="020B0502020104020203" pitchFamily="34" charset="77"/>
+              </a:rPr>
+              <a:t>Negation is a </a:t>
+            </a:r>
+            <a:r>
+              <a:rPr lang="en-US" sz="1900" b="1" dirty="0">
+                <a:latin typeface="Gill Sans MT" panose="020B0502020104020203" pitchFamily="34" charset="77"/>
+              </a:rPr>
+              <a:t>unary operator</a:t>
+            </a:r>
+            <a:r>
+              <a:rPr lang="en-US" sz="1900" dirty="0">
+                <a:latin typeface="Gill Sans MT" panose="020B0502020104020203" pitchFamily="34" charset="77"/>
+              </a:rPr>
+              <a:t>. It applies to only one operand. Other operations such as +, -, *, /, //, % are </a:t>
+            </a:r>
+            <a:r>
+              <a:rPr lang="en-US" sz="1900" b="1" dirty="0">
+                <a:latin typeface="Gill Sans MT" panose="020B0502020104020203" pitchFamily="34" charset="77"/>
+              </a:rPr>
+              <a:t>binary operators</a:t>
+            </a:r>
+            <a:r>
+              <a:rPr lang="en-US" sz="1900" dirty="0">
+                <a:latin typeface="Gill Sans MT" panose="020B0502020104020203" pitchFamily="34" charset="77"/>
+              </a:rPr>
+              <a:t>, they apply to two operands. </a:t>
+            </a:r>
+          </a:p>
+          <a:p>
+            <a:pPr marL="0" indent="0">
               <a:buNone/>
             </a:pPr>
             <a:endParaRPr lang="en-US" sz="1900" dirty="0">
@@ -12297,101 +13071,138 @@
             </a:endParaRPr>
           </a:p>
           <a:p>
-            <a:pPr marL="0" indent="0" algn="ctr">
-              <a:buNone/>
-            </a:pPr>
-            <a:r>
-              <a:rPr lang="en-US" sz="2000" b="1" dirty="0">
-                <a:latin typeface="Inconsolata Medium" panose="020B0609030003000000" pitchFamily="49" charset="77"/>
-              </a:rPr>
-              <a:t>7 - 4 * 5 % </a:t>
-            </a:r>
-            <a:r>
-              <a:rPr lang="en-US" sz="2000" b="1" dirty="0">
-                <a:solidFill>
-                  <a:srgbClr val="FF0000"/>
-                </a:solidFill>
-                <a:latin typeface="Inconsolata Medium" panose="020B0609030003000000" pitchFamily="49" charset="77"/>
-              </a:rPr>
-              <a:t>(1 + 2)</a:t>
-            </a:r>
+            <a:pPr marL="0" indent="0">
+              <a:buNone/>
+            </a:pPr>
+            <a:r>
+              <a:rPr lang="en-US" sz="1800" b="1" dirty="0">
+                <a:solidFill>
+                  <a:srgbClr val="000087"/>
+                </a:solidFill>
+                <a:latin typeface="Inconsolata Medium" panose="020B0609030003000000" pitchFamily="49" charset="77"/>
+              </a:rPr>
+              <a:t>In</a:t>
+            </a:r>
+            <a:r>
+              <a:rPr lang="en-US" sz="1800" b="1" dirty="0">
+                <a:latin typeface="Inconsolata Medium" panose="020B0609030003000000" pitchFamily="49" charset="77"/>
+              </a:rPr>
+              <a:t>[</a:t>
+            </a:r>
+            <a:r>
+              <a:rPr lang="en-US" sz="1800" b="1" dirty="0">
+                <a:solidFill>
+                  <a:srgbClr val="FF6600"/>
+                </a:solidFill>
+                <a:latin typeface="Inconsolata Medium" panose="020B0609030003000000" pitchFamily="49" charset="77"/>
+              </a:rPr>
+              <a:t>2</a:t>
+            </a:r>
+            <a:r>
+              <a:rPr lang="en-US" sz="1800" b="1" dirty="0">
+                <a:latin typeface="Inconsolata Medium" panose="020B0609030003000000" pitchFamily="49" charset="77"/>
+              </a:rPr>
+              <a:t>]: -5</a:t>
+            </a:r>
+            <a:r>
+              <a:rPr lang="en-US" sz="1800" b="1" dirty="0">
+                <a:solidFill>
+                  <a:srgbClr val="FF6600"/>
+                </a:solidFill>
+                <a:latin typeface="Inconsolata Medium" panose="020B0609030003000000" pitchFamily="49" charset="77"/>
+              </a:rPr>
+              <a:t> </a:t>
+            </a:r>
+          </a:p>
+          <a:p>
+            <a:pPr marL="0" indent="0">
+              <a:buNone/>
+            </a:pPr>
+            <a:r>
+              <a:rPr lang="en-US" sz="1800" b="1" dirty="0">
+                <a:latin typeface="Inconsolata Medium" panose="020B0609030003000000" pitchFamily="49" charset="77"/>
+              </a:rPr>
+              <a:t>Out [3]: -5</a:t>
+            </a:r>
+          </a:p>
+          <a:p>
+            <a:pPr marL="0" indent="0">
+              <a:buNone/>
+            </a:pPr>
             <a:endParaRPr lang="en-US" sz="1900" dirty="0">
-              <a:solidFill>
-                <a:srgbClr val="FF0000"/>
-              </a:solidFill>
               <a:latin typeface="Gill Sans MT" panose="020B0502020104020203" pitchFamily="34" charset="77"/>
             </a:endParaRPr>
           </a:p>
           <a:p>
-            <a:pPr marL="0" indent="0" algn="ctr">
-              <a:buNone/>
-            </a:pPr>
-            <a:r>
-              <a:rPr lang="en-US" sz="1900" b="1" dirty="0">
-                <a:latin typeface="Inconsolata Medium" panose="020B0609030003000000" pitchFamily="49" charset="77"/>
-              </a:rPr>
-              <a:t>7 – </a:t>
-            </a:r>
-            <a:r>
-              <a:rPr lang="en-US" sz="1900" b="1" dirty="0">
-                <a:solidFill>
-                  <a:srgbClr val="00B050"/>
-                </a:solidFill>
-                <a:latin typeface="Inconsolata Medium" panose="020B0609030003000000" pitchFamily="49" charset="77"/>
-              </a:rPr>
-              <a:t>4 * 5 </a:t>
-            </a:r>
-            <a:r>
-              <a:rPr lang="en-US" sz="1900" b="1" dirty="0">
-                <a:latin typeface="Inconsolata Medium" panose="020B0609030003000000" pitchFamily="49" charset="77"/>
-              </a:rPr>
-              <a:t>% 3</a:t>
-            </a:r>
-          </a:p>
-          <a:p>
-            <a:pPr marL="0" indent="0" algn="ctr">
-              <a:buNone/>
-            </a:pPr>
-            <a:r>
-              <a:rPr lang="en-US" sz="1900" b="1" dirty="0">
-                <a:latin typeface="Inconsolata Medium" panose="020B0609030003000000" pitchFamily="49" charset="77"/>
-              </a:rPr>
-              <a:t>7 – </a:t>
-            </a:r>
-            <a:r>
-              <a:rPr lang="en-US" sz="1900" b="1" dirty="0">
-                <a:solidFill>
-                  <a:srgbClr val="FF0000"/>
-                </a:solidFill>
-                <a:latin typeface="Inconsolata Medium" panose="020B0609030003000000" pitchFamily="49" charset="77"/>
-              </a:rPr>
-              <a:t>20 % 3</a:t>
-            </a:r>
-          </a:p>
-          <a:p>
-            <a:pPr marL="0" indent="0" algn="ctr">
-              <a:buNone/>
-            </a:pPr>
-            <a:r>
-              <a:rPr lang="en-US" sz="1900" b="1" dirty="0">
-                <a:solidFill>
-                  <a:srgbClr val="00B050"/>
-                </a:solidFill>
-                <a:latin typeface="Inconsolata Medium" panose="020B0609030003000000" pitchFamily="49" charset="77"/>
-              </a:rPr>
-              <a:t>7 – 2</a:t>
-            </a:r>
-          </a:p>
-          <a:p>
-            <a:pPr marL="0" indent="0" algn="ctr">
-              <a:buNone/>
-            </a:pPr>
-            <a:r>
-              <a:rPr lang="en-US" sz="1900" b="1" dirty="0">
-                <a:latin typeface="Inconsolata Medium" panose="020B0609030003000000" pitchFamily="49" charset="77"/>
-              </a:rPr>
-              <a:t>5</a:t>
-            </a:r>
+            <a:pPr marL="0" indent="0">
+              <a:buNone/>
+            </a:pPr>
+            <a:r>
+              <a:rPr lang="en-US" sz="1800" b="1" dirty="0">
+                <a:solidFill>
+                  <a:srgbClr val="000087"/>
+                </a:solidFill>
+                <a:latin typeface="Inconsolata Medium" panose="020B0609030003000000" pitchFamily="49" charset="77"/>
+              </a:rPr>
+              <a:t>In</a:t>
+            </a:r>
+            <a:r>
+              <a:rPr lang="en-US" sz="1800" b="1" dirty="0">
+                <a:latin typeface="Inconsolata Medium" panose="020B0609030003000000" pitchFamily="49" charset="77"/>
+              </a:rPr>
+              <a:t>[</a:t>
+            </a:r>
+            <a:r>
+              <a:rPr lang="en-US" sz="1800" b="1" dirty="0">
+                <a:solidFill>
+                  <a:srgbClr val="FF6600"/>
+                </a:solidFill>
+                <a:latin typeface="Inconsolata Medium" panose="020B0609030003000000" pitchFamily="49" charset="77"/>
+              </a:rPr>
+              <a:t>3</a:t>
+            </a:r>
+            <a:r>
+              <a:rPr lang="en-US" sz="1800" b="1" dirty="0">
+                <a:latin typeface="Inconsolata Medium" panose="020B0609030003000000" pitchFamily="49" charset="77"/>
+              </a:rPr>
+              <a:t>]: --5</a:t>
+            </a:r>
+            <a:r>
+              <a:rPr lang="en-US" sz="1800" b="1" dirty="0">
+                <a:solidFill>
+                  <a:srgbClr val="FF6600"/>
+                </a:solidFill>
+                <a:latin typeface="Inconsolata Medium" panose="020B0609030003000000" pitchFamily="49" charset="77"/>
+              </a:rPr>
+              <a:t> </a:t>
+            </a:r>
+          </a:p>
+          <a:p>
+            <a:pPr marL="0" indent="0">
+              <a:buNone/>
+            </a:pPr>
+            <a:r>
+              <a:rPr lang="en-US" sz="1800" b="1" dirty="0">
+                <a:latin typeface="Inconsolata Medium" panose="020B0609030003000000" pitchFamily="49" charset="77"/>
+              </a:rPr>
+              <a:t>Out[3]: 5</a:t>
+            </a:r>
+          </a:p>
+          <a:p>
+            <a:pPr marL="0" indent="0">
+              <a:buNone/>
+            </a:pPr>
+            <a:endParaRPr lang="en-US" sz="1900" dirty="0">
+              <a:latin typeface="Gill Sans MT" panose="020B0502020104020203" pitchFamily="34" charset="77"/>
+            </a:endParaRPr>
+          </a:p>
+          <a:p>
+            <a:pPr marL="0" indent="0">
+              <a:buNone/>
+            </a:pPr>
+            <a:endParaRPr lang="en-US" sz="1900" dirty="0">
+              <a:latin typeface="Gill Sans MT" panose="020B0502020104020203" pitchFamily="34" charset="77"/>
+            </a:endParaRPr>
           </a:p>
           <a:p>
             <a:pPr marL="0" indent="0">
@@ -12406,7 +13217,7 @@
     </p:spTree>
     <p:extLst>
       <p:ext uri="{BB962C8B-B14F-4D97-AF65-F5344CB8AC3E}">
-        <p14:creationId xmlns:p14="http://schemas.microsoft.com/office/powerpoint/2010/main" val="1049843196"/>
+        <p14:creationId xmlns:p14="http://schemas.microsoft.com/office/powerpoint/2010/main" val="1486217497"/>
       </p:ext>
     </p:extLst>
   </p:cSld>

--- a/courses/apcsp/lect2.pptx
+++ b/courses/apcsp/lect2.pptx
@@ -139,7 +139,7 @@
 <file path=ppt/revisionInfo.xml><?xml version="1.0" encoding="utf-8"?>
 <p1510:revInfo xmlns:a="http://schemas.openxmlformats.org/drawingml/2006/main" xmlns:r="http://schemas.openxmlformats.org/officeDocument/2006/relationships" xmlns:p1510="http://schemas.microsoft.com/office/powerpoint/2015/10/main">
   <p1510:revLst>
-    <p1510:client id="{3F616429-CA07-8145-BE07-B7552942C56D}" v="85" dt="2019-09-11T13:43:44.012"/>
+    <p1510:client id="{3F616429-CA07-8145-BE07-B7552942C56D}" v="242" dt="2019-09-12T12:14:15.124"/>
   </p1510:revLst>
 </p1510:revInfo>
 </file>
@@ -149,12 +149,12 @@
   <pc:docChgLst>
     <pc:chgData name="Long B Nguyen" userId="f59fb8f3-a021-417a-8bc1-65c8d471c621" providerId="ADAL" clId="{3F616429-CA07-8145-BE07-B7552942C56D}"/>
     <pc:docChg chg="undo custSel addSld delSld modSld">
-      <pc:chgData name="Long B Nguyen" userId="f59fb8f3-a021-417a-8bc1-65c8d471c621" providerId="ADAL" clId="{3F616429-CA07-8145-BE07-B7552942C56D}" dt="2019-09-11T13:45:08.633" v="4616" actId="20577"/>
+      <pc:chgData name="Long B Nguyen" userId="f59fb8f3-a021-417a-8bc1-65c8d471c621" providerId="ADAL" clId="{3F616429-CA07-8145-BE07-B7552942C56D}" dt="2019-09-12T12:14:15.124" v="5043" actId="20577"/>
       <pc:docMkLst>
         <pc:docMk/>
       </pc:docMkLst>
-      <pc:sldChg chg="modSp">
-        <pc:chgData name="Long B Nguyen" userId="f59fb8f3-a021-417a-8bc1-65c8d471c621" providerId="ADAL" clId="{3F616429-CA07-8145-BE07-B7552942C56D}" dt="2019-09-08T04:07:09.105" v="3100" actId="20577"/>
+      <pc:sldChg chg="modSp modAnim">
+        <pc:chgData name="Long B Nguyen" userId="f59fb8f3-a021-417a-8bc1-65c8d471c621" providerId="ADAL" clId="{3F616429-CA07-8145-BE07-B7552942C56D}" dt="2019-09-12T11:48:43.166" v="4636"/>
         <pc:sldMkLst>
           <pc:docMk/>
           <pc:sldMk cId="2207246265" sldId="257"/>
@@ -168,8 +168,8 @@
           </ac:spMkLst>
         </pc:spChg>
       </pc:sldChg>
-      <pc:sldChg chg="addSp modSp">
-        <pc:chgData name="Long B Nguyen" userId="f59fb8f3-a021-417a-8bc1-65c8d471c621" providerId="ADAL" clId="{3F616429-CA07-8145-BE07-B7552942C56D}" dt="2019-09-10T02:29:35.930" v="3800" actId="20577"/>
+      <pc:sldChg chg="addSp modSp modAnim">
+        <pc:chgData name="Long B Nguyen" userId="f59fb8f3-a021-417a-8bc1-65c8d471c621" providerId="ADAL" clId="{3F616429-CA07-8145-BE07-B7552942C56D}" dt="2019-09-12T11:56:08.229" v="4918"/>
         <pc:sldMkLst>
           <pc:docMk/>
           <pc:sldMk cId="3692685984" sldId="282"/>
@@ -183,8 +183,8 @@
           </ac:spMkLst>
         </pc:spChg>
       </pc:sldChg>
-      <pc:sldChg chg="addSp delSp modSp">
-        <pc:chgData name="Long B Nguyen" userId="f59fb8f3-a021-417a-8bc1-65c8d471c621" providerId="ADAL" clId="{3F616429-CA07-8145-BE07-B7552942C56D}" dt="2019-09-09T14:09:53.501" v="3127" actId="113"/>
+      <pc:sldChg chg="addSp delSp modSp modAnim">
+        <pc:chgData name="Long B Nguyen" userId="f59fb8f3-a021-417a-8bc1-65c8d471c621" providerId="ADAL" clId="{3F616429-CA07-8145-BE07-B7552942C56D}" dt="2019-09-12T11:56:30.955" v="4923"/>
         <pc:sldMkLst>
           <pc:docMk/>
           <pc:sldMk cId="1520265794" sldId="283"/>
@@ -260,8 +260,8 @@
           <pc:sldMk cId="1728628262" sldId="290"/>
         </pc:sldMkLst>
       </pc:sldChg>
-      <pc:sldChg chg="modSp add">
-        <pc:chgData name="Long B Nguyen" userId="f59fb8f3-a021-417a-8bc1-65c8d471c621" providerId="ADAL" clId="{3F616429-CA07-8145-BE07-B7552942C56D}" dt="2019-09-07T13:11:52.536" v="201" actId="20577"/>
+      <pc:sldChg chg="modSp add modAnim">
+        <pc:chgData name="Long B Nguyen" userId="f59fb8f3-a021-417a-8bc1-65c8d471c621" providerId="ADAL" clId="{3F616429-CA07-8145-BE07-B7552942C56D}" dt="2019-09-12T11:48:55.107" v="4639"/>
         <pc:sldMkLst>
           <pc:docMk/>
           <pc:sldMk cId="2050346815" sldId="291"/>
@@ -283,8 +283,8 @@
           </ac:spMkLst>
         </pc:spChg>
       </pc:sldChg>
-      <pc:sldChg chg="modSp add">
-        <pc:chgData name="Long B Nguyen" userId="f59fb8f3-a021-417a-8bc1-65c8d471c621" providerId="ADAL" clId="{3F616429-CA07-8145-BE07-B7552942C56D}" dt="2019-09-11T13:45:08.633" v="4616" actId="20577"/>
+      <pc:sldChg chg="modSp add modAnim">
+        <pc:chgData name="Long B Nguyen" userId="f59fb8f3-a021-417a-8bc1-65c8d471c621" providerId="ADAL" clId="{3F616429-CA07-8145-BE07-B7552942C56D}" dt="2019-09-12T11:53:42.524" v="4801"/>
         <pc:sldMkLst>
           <pc:docMk/>
           <pc:sldMk cId="4114225628" sldId="292"/>
@@ -298,7 +298,7 @@
           </ac:spMkLst>
         </pc:spChg>
         <pc:spChg chg="mod">
-          <ac:chgData name="Long B Nguyen" userId="f59fb8f3-a021-417a-8bc1-65c8d471c621" providerId="ADAL" clId="{3F616429-CA07-8145-BE07-B7552942C56D}" dt="2019-09-11T13:45:08.633" v="4616" actId="20577"/>
+          <ac:chgData name="Long B Nguyen" userId="f59fb8f3-a021-417a-8bc1-65c8d471c621" providerId="ADAL" clId="{3F616429-CA07-8145-BE07-B7552942C56D}" dt="2019-09-12T11:52:36.834" v="4797" actId="20577"/>
           <ac:spMkLst>
             <pc:docMk/>
             <pc:sldMk cId="4114225628" sldId="292"/>
@@ -306,8 +306,8 @@
           </ac:spMkLst>
         </pc:spChg>
       </pc:sldChg>
-      <pc:sldChg chg="modSp add">
-        <pc:chgData name="Long B Nguyen" userId="f59fb8f3-a021-417a-8bc1-65c8d471c621" providerId="ADAL" clId="{3F616429-CA07-8145-BE07-B7552942C56D}" dt="2019-09-11T13:31:57.237" v="3924" actId="20577"/>
+      <pc:sldChg chg="modSp add modAnim">
+        <pc:chgData name="Long B Nguyen" userId="f59fb8f3-a021-417a-8bc1-65c8d471c621" providerId="ADAL" clId="{3F616429-CA07-8145-BE07-B7552942C56D}" dt="2019-09-12T11:54:59.520" v="4899"/>
         <pc:sldMkLst>
           <pc:docMk/>
           <pc:sldMk cId="3662168313" sldId="293"/>
@@ -321,7 +321,7 @@
           </ac:spMkLst>
         </pc:spChg>
         <pc:spChg chg="mod">
-          <ac:chgData name="Long B Nguyen" userId="f59fb8f3-a021-417a-8bc1-65c8d471c621" providerId="ADAL" clId="{3F616429-CA07-8145-BE07-B7552942C56D}" dt="2019-09-07T13:26:41.723" v="866" actId="20577"/>
+          <ac:chgData name="Long B Nguyen" userId="f59fb8f3-a021-417a-8bc1-65c8d471c621" providerId="ADAL" clId="{3F616429-CA07-8145-BE07-B7552942C56D}" dt="2019-09-12T11:54:45.994" v="4898" actId="113"/>
           <ac:spMkLst>
             <pc:docMk/>
             <pc:sldMk cId="3662168313" sldId="293"/>
@@ -329,8 +329,8 @@
           </ac:spMkLst>
         </pc:spChg>
       </pc:sldChg>
-      <pc:sldChg chg="modSp add">
-        <pc:chgData name="Long B Nguyen" userId="f59fb8f3-a021-417a-8bc1-65c8d471c621" providerId="ADAL" clId="{3F616429-CA07-8145-BE07-B7552942C56D}" dt="2019-09-07T17:17:08.091" v="1789" actId="113"/>
+      <pc:sldChg chg="modSp add modAnim">
+        <pc:chgData name="Long B Nguyen" userId="f59fb8f3-a021-417a-8bc1-65c8d471c621" providerId="ADAL" clId="{3F616429-CA07-8145-BE07-B7552942C56D}" dt="2019-09-12T11:55:14.908" v="4902"/>
         <pc:sldMkLst>
           <pc:docMk/>
           <pc:sldMk cId="1486217497" sldId="294"/>
@@ -352,8 +352,8 @@
           </ac:spMkLst>
         </pc:spChg>
       </pc:sldChg>
-      <pc:sldChg chg="addSp delSp modSp add">
-        <pc:chgData name="Long B Nguyen" userId="f59fb8f3-a021-417a-8bc1-65c8d471c621" providerId="ADAL" clId="{3F616429-CA07-8145-BE07-B7552942C56D}" dt="2019-09-07T17:18:14.924" v="1802" actId="1076"/>
+      <pc:sldChg chg="addSp delSp modSp add modAnim">
+        <pc:chgData name="Long B Nguyen" userId="f59fb8f3-a021-417a-8bc1-65c8d471c621" providerId="ADAL" clId="{3F616429-CA07-8145-BE07-B7552942C56D}" dt="2019-09-12T11:55:38.067" v="4911" actId="20577"/>
         <pc:sldMkLst>
           <pc:docMk/>
           <pc:sldMk cId="4260969557" sldId="295"/>
@@ -375,7 +375,7 @@
           </ac:spMkLst>
         </pc:spChg>
         <pc:spChg chg="add mod">
-          <ac:chgData name="Long B Nguyen" userId="f59fb8f3-a021-417a-8bc1-65c8d471c621" providerId="ADAL" clId="{3F616429-CA07-8145-BE07-B7552942C56D}" dt="2019-09-07T17:18:14.924" v="1802" actId="1076"/>
+          <ac:chgData name="Long B Nguyen" userId="f59fb8f3-a021-417a-8bc1-65c8d471c621" providerId="ADAL" clId="{3F616429-CA07-8145-BE07-B7552942C56D}" dt="2019-09-12T11:55:38.067" v="4911" actId="20577"/>
           <ac:spMkLst>
             <pc:docMk/>
             <pc:sldMk cId="4260969557" sldId="295"/>
@@ -399,8 +399,8 @@
           </ac:graphicFrameMkLst>
         </pc:graphicFrameChg>
       </pc:sldChg>
-      <pc:sldChg chg="modSp add">
-        <pc:chgData name="Long B Nguyen" userId="f59fb8f3-a021-417a-8bc1-65c8d471c621" providerId="ADAL" clId="{3F616429-CA07-8145-BE07-B7552942C56D}" dt="2019-09-07T17:13:20.111" v="1607" actId="207"/>
+      <pc:sldChg chg="modSp add modAnim">
+        <pc:chgData name="Long B Nguyen" userId="f59fb8f3-a021-417a-8bc1-65c8d471c621" providerId="ADAL" clId="{3F616429-CA07-8145-BE07-B7552942C56D}" dt="2019-09-12T11:56:02.481" v="4917"/>
         <pc:sldMkLst>
           <pc:docMk/>
           <pc:sldMk cId="1049843196" sldId="296"/>
@@ -422,8 +422,8 @@
           </ac:spMkLst>
         </pc:spChg>
       </pc:sldChg>
-      <pc:sldChg chg="modSp add">
-        <pc:chgData name="Long B Nguyen" userId="f59fb8f3-a021-417a-8bc1-65c8d471c621" providerId="ADAL" clId="{3F616429-CA07-8145-BE07-B7552942C56D}" dt="2019-09-07T14:30:49.968" v="1595" actId="20577"/>
+      <pc:sldChg chg="modSp add modAnim">
+        <pc:chgData name="Long B Nguyen" userId="f59fb8f3-a021-417a-8bc1-65c8d471c621" providerId="ADAL" clId="{3F616429-CA07-8145-BE07-B7552942C56D}" dt="2019-09-12T11:56:17.291" v="4920"/>
         <pc:sldMkLst>
           <pc:docMk/>
           <pc:sldMk cId="226264442" sldId="297"/>
@@ -445,8 +445,8 @@
           </ac:spMkLst>
         </pc:spChg>
       </pc:sldChg>
-      <pc:sldChg chg="modSp add">
-        <pc:chgData name="Long B Nguyen" userId="f59fb8f3-a021-417a-8bc1-65c8d471c621" providerId="ADAL" clId="{3F616429-CA07-8145-BE07-B7552942C56D}" dt="2019-09-10T02:06:05.363" v="3311" actId="20577"/>
+      <pc:sldChg chg="modSp add modAnim">
+        <pc:chgData name="Long B Nguyen" userId="f59fb8f3-a021-417a-8bc1-65c8d471c621" providerId="ADAL" clId="{3F616429-CA07-8145-BE07-B7552942C56D}" dt="2019-09-12T11:56:43.013" v="4925"/>
         <pc:sldMkLst>
           <pc:docMk/>
           <pc:sldMk cId="1851907297" sldId="298"/>
@@ -460,8 +460,8 @@
           </ac:spMkLst>
         </pc:spChg>
       </pc:sldChg>
-      <pc:sldChg chg="modSp add">
-        <pc:chgData name="Long B Nguyen" userId="f59fb8f3-a021-417a-8bc1-65c8d471c621" providerId="ADAL" clId="{3F616429-CA07-8145-BE07-B7552942C56D}" dt="2019-09-10T02:17:31.651" v="3784" actId="113"/>
+      <pc:sldChg chg="modSp add modAnim">
+        <pc:chgData name="Long B Nguyen" userId="f59fb8f3-a021-417a-8bc1-65c8d471c621" providerId="ADAL" clId="{3F616429-CA07-8145-BE07-B7552942C56D}" dt="2019-09-12T11:57:02.063" v="4928"/>
         <pc:sldMkLst>
           <pc:docMk/>
           <pc:sldMk cId="4186435068" sldId="299"/>
@@ -483,8 +483,8 @@
           </ac:spMkLst>
         </pc:spChg>
       </pc:sldChg>
-      <pc:sldChg chg="addSp modSp add">
-        <pc:chgData name="Long B Nguyen" userId="f59fb8f3-a021-417a-8bc1-65c8d471c621" providerId="ADAL" clId="{3F616429-CA07-8145-BE07-B7552942C56D}" dt="2019-09-07T19:13:56.458" v="2807"/>
+      <pc:sldChg chg="addSp delSp modSp add modAnim">
+        <pc:chgData name="Long B Nguyen" userId="f59fb8f3-a021-417a-8bc1-65c8d471c621" providerId="ADAL" clId="{3F616429-CA07-8145-BE07-B7552942C56D}" dt="2019-09-12T11:57:37.285" v="4933"/>
         <pc:sldMkLst>
           <pc:docMk/>
           <pc:sldMk cId="862557025" sldId="300"/>
@@ -497,8 +497,8 @@
             <ac:spMk id="2" creationId="{AA3A228F-61D0-D949-A5E7-F83756230BF8}"/>
           </ac:spMkLst>
         </pc:spChg>
-        <pc:spChg chg="add">
-          <ac:chgData name="Long B Nguyen" userId="f59fb8f3-a021-417a-8bc1-65c8d471c621" providerId="ADAL" clId="{3F616429-CA07-8145-BE07-B7552942C56D}" dt="2019-09-07T19:13:56.458" v="2807"/>
+        <pc:spChg chg="add del mod">
+          <ac:chgData name="Long B Nguyen" userId="f59fb8f3-a021-417a-8bc1-65c8d471c621" providerId="ADAL" clId="{3F616429-CA07-8145-BE07-B7552942C56D}" dt="2019-09-12T11:57:37.285" v="4933"/>
           <ac:spMkLst>
             <pc:docMk/>
             <pc:sldMk cId="862557025" sldId="300"/>
@@ -514,8 +514,8 @@
           </ac:spMkLst>
         </pc:spChg>
       </pc:sldChg>
-      <pc:sldChg chg="delSp modSp add">
-        <pc:chgData name="Long B Nguyen" userId="f59fb8f3-a021-417a-8bc1-65c8d471c621" providerId="ADAL" clId="{3F616429-CA07-8145-BE07-B7552942C56D}" dt="2019-09-07T19:17:25.031" v="2923" actId="20577"/>
+      <pc:sldChg chg="delSp modSp add modAnim">
+        <pc:chgData name="Long B Nguyen" userId="f59fb8f3-a021-417a-8bc1-65c8d471c621" providerId="ADAL" clId="{3F616429-CA07-8145-BE07-B7552942C56D}" dt="2019-09-12T11:57:41.385" v="4934"/>
         <pc:sldMkLst>
           <pc:docMk/>
           <pc:sldMk cId="170290661" sldId="301"/>
@@ -545,8 +545,8 @@
           </ac:spMkLst>
         </pc:spChg>
       </pc:sldChg>
-      <pc:sldChg chg="delSp modSp add">
-        <pc:chgData name="Long B Nguyen" userId="f59fb8f3-a021-417a-8bc1-65c8d471c621" providerId="ADAL" clId="{3F616429-CA07-8145-BE07-B7552942C56D}" dt="2019-09-07T19:20:42.687" v="3045" actId="20577"/>
+      <pc:sldChg chg="delSp modSp add modAnim">
+        <pc:chgData name="Long B Nguyen" userId="f59fb8f3-a021-417a-8bc1-65c8d471c621" providerId="ADAL" clId="{3F616429-CA07-8145-BE07-B7552942C56D}" dt="2019-09-12T11:57:52.963" v="4937"/>
         <pc:sldMkLst>
           <pc:docMk/>
           <pc:sldMk cId="2207534797" sldId="302"/>
@@ -576,81 +576,66 @@
           </ac:spMkLst>
         </pc:spChg>
       </pc:sldChg>
-      <pc:sldChg chg="modSp add">
-        <pc:chgData name="Long B Nguyen" userId="f59fb8f3-a021-417a-8bc1-65c8d471c621" providerId="ADAL" clId="{3F616429-CA07-8145-BE07-B7552942C56D}" dt="2019-09-09T14:10:54.655" v="3137" actId="20577"/>
+      <pc:sldChg chg="delSp modSp add">
+        <pc:chgData name="Long B Nguyen" userId="f59fb8f3-a021-417a-8bc1-65c8d471c621" providerId="ADAL" clId="{3F616429-CA07-8145-BE07-B7552942C56D}" dt="2019-09-12T12:00:14.638" v="4990" actId="478"/>
         <pc:sldMkLst>
           <pc:docMk/>
           <pc:sldMk cId="2682965912" sldId="303"/>
         </pc:sldMkLst>
-        <pc:spChg chg="mod">
-          <ac:chgData name="Long B Nguyen" userId="f59fb8f3-a021-417a-8bc1-65c8d471c621" providerId="ADAL" clId="{3F616429-CA07-8145-BE07-B7552942C56D}" dt="2019-09-09T14:10:54.655" v="3137" actId="20577"/>
+        <pc:spChg chg="del mod">
+          <ac:chgData name="Long B Nguyen" userId="f59fb8f3-a021-417a-8bc1-65c8d471c621" providerId="ADAL" clId="{3F616429-CA07-8145-BE07-B7552942C56D}" dt="2019-09-12T12:00:12.950" v="4989" actId="478"/>
           <ac:spMkLst>
             <pc:docMk/>
             <pc:sldMk cId="2682965912" sldId="303"/>
             <ac:spMk id="3" creationId="{5FEBABCA-F4C8-1048-81D6-6BFA51446B1C}"/>
           </ac:spMkLst>
         </pc:spChg>
+        <pc:spChg chg="mod">
+          <ac:chgData name="Long B Nguyen" userId="f59fb8f3-a021-417a-8bc1-65c8d471c621" providerId="ADAL" clId="{3F616429-CA07-8145-BE07-B7552942C56D}" dt="2019-09-12T12:00:09.476" v="4988" actId="20577"/>
+          <ac:spMkLst>
+            <pc:docMk/>
+            <pc:sldMk cId="2682965912" sldId="303"/>
+            <ac:spMk id="9" creationId="{E3B2E017-30B2-884B-A113-B419A2ED51AD}"/>
+          </ac:spMkLst>
+        </pc:spChg>
+        <pc:cxnChg chg="del">
+          <ac:chgData name="Long B Nguyen" userId="f59fb8f3-a021-417a-8bc1-65c8d471c621" providerId="ADAL" clId="{3F616429-CA07-8145-BE07-B7552942C56D}" dt="2019-09-12T12:00:14.638" v="4990" actId="478"/>
+          <ac:cxnSpMkLst>
+            <pc:docMk/>
+            <pc:sldMk cId="2682965912" sldId="303"/>
+            <ac:cxnSpMk id="5" creationId="{FA2DFF0D-650A-334C-9422-0411CF348AB3}"/>
+          </ac:cxnSpMkLst>
+        </pc:cxnChg>
       </pc:sldChg>
-      <pc:sldChg chg="add">
-        <pc:chgData name="Long B Nguyen" userId="f59fb8f3-a021-417a-8bc1-65c8d471c621" providerId="ADAL" clId="{3F616429-CA07-8145-BE07-B7552942C56D}" dt="2019-09-08T04:06:59.259" v="3085"/>
+      <pc:sldChg chg="modSp add">
+        <pc:chgData name="Long B Nguyen" userId="f59fb8f3-a021-417a-8bc1-65c8d471c621" providerId="ADAL" clId="{3F616429-CA07-8145-BE07-B7552942C56D}" dt="2019-09-12T12:00:39.434" v="5025" actId="20577"/>
         <pc:sldMkLst>
           <pc:docMk/>
           <pc:sldMk cId="1668049367" sldId="304"/>
         </pc:sldMkLst>
+        <pc:spChg chg="mod">
+          <ac:chgData name="Long B Nguyen" userId="f59fb8f3-a021-417a-8bc1-65c8d471c621" providerId="ADAL" clId="{3F616429-CA07-8145-BE07-B7552942C56D}" dt="2019-09-12T12:00:39.434" v="5025" actId="20577"/>
+          <ac:spMkLst>
+            <pc:docMk/>
+            <pc:sldMk cId="1668049367" sldId="304"/>
+            <ac:spMk id="9" creationId="{E3B2E017-30B2-884B-A113-B419A2ED51AD}"/>
+          </ac:spMkLst>
+        </pc:spChg>
       </pc:sldChg>
-      <pc:sldChg chg="add">
-        <pc:chgData name="Long B Nguyen" userId="f59fb8f3-a021-417a-8bc1-65c8d471c621" providerId="ADAL" clId="{3F616429-CA07-8145-BE07-B7552942C56D}" dt="2019-09-08T04:06:59.259" v="3085"/>
+      <pc:sldChg chg="modSp add">
+        <pc:chgData name="Long B Nguyen" userId="f59fb8f3-a021-417a-8bc1-65c8d471c621" providerId="ADAL" clId="{3F616429-CA07-8145-BE07-B7552942C56D}" dt="2019-09-12T12:00:50.832" v="5042" actId="20577"/>
         <pc:sldMkLst>
           <pc:docMk/>
           <pc:sldMk cId="3231133164" sldId="305"/>
         </pc:sldMkLst>
-      </pc:sldChg>
-      <pc:sldChg chg="addSp delSp modSp add del">
-        <pc:chgData name="Long B Nguyen" userId="f59fb8f3-a021-417a-8bc1-65c8d471c621" providerId="ADAL" clId="{3F616429-CA07-8145-BE07-B7552942C56D}" dt="2019-09-10T02:37:26.647" v="3920" actId="2696"/>
-        <pc:sldMkLst>
-          <pc:docMk/>
-          <pc:sldMk cId="545427862" sldId="306"/>
-        </pc:sldMkLst>
         <pc:spChg chg="mod">
-          <ac:chgData name="Long B Nguyen" userId="f59fb8f3-a021-417a-8bc1-65c8d471c621" providerId="ADAL" clId="{3F616429-CA07-8145-BE07-B7552942C56D}" dt="2019-09-10T02:37:02.843" v="3919" actId="20577"/>
+          <ac:chgData name="Long B Nguyen" userId="f59fb8f3-a021-417a-8bc1-65c8d471c621" providerId="ADAL" clId="{3F616429-CA07-8145-BE07-B7552942C56D}" dt="2019-09-12T12:00:50.832" v="5042" actId="20577"/>
           <ac:spMkLst>
             <pc:docMk/>
-            <pc:sldMk cId="545427862" sldId="306"/>
-            <ac:spMk id="2" creationId="{AA3A228F-61D0-D949-A5E7-F83756230BF8}"/>
+            <pc:sldMk cId="3231133164" sldId="305"/>
+            <ac:spMk id="9" creationId="{E3B2E017-30B2-884B-A113-B419A2ED51AD}"/>
           </ac:spMkLst>
         </pc:spChg>
-        <pc:spChg chg="del mod">
-          <ac:chgData name="Long B Nguyen" userId="f59fb8f3-a021-417a-8bc1-65c8d471c621" providerId="ADAL" clId="{3F616429-CA07-8145-BE07-B7552942C56D}" dt="2019-09-10T02:36:13.516" v="3861" actId="478"/>
-          <ac:spMkLst>
-            <pc:docMk/>
-            <pc:sldMk cId="545427862" sldId="306"/>
-            <ac:spMk id="5" creationId="{F46FDA34-E2B9-0847-B9D0-D4D6C167AC45}"/>
-          </ac:spMkLst>
-        </pc:spChg>
-        <pc:spChg chg="add mod">
-          <ac:chgData name="Long B Nguyen" userId="f59fb8f3-a021-417a-8bc1-65c8d471c621" providerId="ADAL" clId="{3F616429-CA07-8145-BE07-B7552942C56D}" dt="2019-09-10T02:34:35.256" v="3831"/>
-          <ac:spMkLst>
-            <pc:docMk/>
-            <pc:sldMk cId="545427862" sldId="306"/>
-            <ac:spMk id="7" creationId="{54065222-B30B-7641-B102-F7E79C5B1711}"/>
-          </ac:spMkLst>
-        </pc:spChg>
-        <pc:graphicFrameChg chg="del mod modGraphic">
-          <ac:chgData name="Long B Nguyen" userId="f59fb8f3-a021-417a-8bc1-65c8d471c621" providerId="ADAL" clId="{3F616429-CA07-8145-BE07-B7552942C56D}" dt="2019-09-10T02:34:12.160" v="3828" actId="478"/>
-          <ac:graphicFrameMkLst>
-            <pc:docMk/>
-            <pc:sldMk cId="545427862" sldId="306"/>
-            <ac:graphicFrameMk id="3" creationId="{391B73BC-5A44-AA4B-8594-7E55B590EF7F}"/>
-          </ac:graphicFrameMkLst>
-        </pc:graphicFrameChg>
-        <pc:graphicFrameChg chg="add mod modGraphic">
-          <ac:chgData name="Long B Nguyen" userId="f59fb8f3-a021-417a-8bc1-65c8d471c621" providerId="ADAL" clId="{3F616429-CA07-8145-BE07-B7552942C56D}" dt="2019-09-10T02:36:58.504" v="3911" actId="20577"/>
-          <ac:graphicFrameMkLst>
-            <pc:docMk/>
-            <pc:sldMk cId="545427862" sldId="306"/>
-            <ac:graphicFrameMk id="6" creationId="{8100E267-8A7A-3A4C-B842-FAFBF7A81F27}"/>
-          </ac:graphicFrameMkLst>
-        </pc:graphicFrameChg>
       </pc:sldChg>
       <pc:sldChg chg="add">
         <pc:chgData name="Long B Nguyen" userId="f59fb8f3-a021-417a-8bc1-65c8d471c621" providerId="ADAL" clId="{3F616429-CA07-8145-BE07-B7552942C56D}" dt="2019-09-10T02:37:28.517" v="3921"/>
@@ -659,8 +644,8 @@
           <pc:sldMk cId="1160708038" sldId="306"/>
         </pc:sldMkLst>
       </pc:sldChg>
-      <pc:sldChg chg="modSp add">
-        <pc:chgData name="Long B Nguyen" userId="f59fb8f3-a021-417a-8bc1-65c8d471c621" providerId="ADAL" clId="{3F616429-CA07-8145-BE07-B7552942C56D}" dt="2019-09-10T02:17:16.041" v="3782" actId="20577"/>
+      <pc:sldChg chg="modSp add modAnim">
+        <pc:chgData name="Long B Nguyen" userId="f59fb8f3-a021-417a-8bc1-65c8d471c621" providerId="ADAL" clId="{3F616429-CA07-8145-BE07-B7552942C56D}" dt="2019-09-12T11:56:53.307" v="4926"/>
         <pc:sldMkLst>
           <pc:docMk/>
           <pc:sldMk cId="2364609597" sldId="307"/>
@@ -674,8 +659,8 @@
           </ac:spMkLst>
         </pc:spChg>
       </pc:sldChg>
-      <pc:sldChg chg="modSp add">
-        <pc:chgData name="Long B Nguyen" userId="f59fb8f3-a021-417a-8bc1-65c8d471c621" providerId="ADAL" clId="{3F616429-CA07-8145-BE07-B7552942C56D}" dt="2019-09-11T13:42:50.109" v="4435" actId="20577"/>
+      <pc:sldChg chg="addSp delSp modSp add modAnim">
+        <pc:chgData name="Long B Nguyen" userId="f59fb8f3-a021-417a-8bc1-65c8d471c621" providerId="ADAL" clId="{3F616429-CA07-8145-BE07-B7552942C56D}" dt="2019-09-12T11:50:05.741" v="4646"/>
         <pc:sldMkLst>
           <pc:docMk/>
           <pc:sldMk cId="1755375274" sldId="308"/>
@@ -688,8 +673,24 @@
             <ac:spMk id="2" creationId="{AA3A228F-61D0-D949-A5E7-F83756230BF8}"/>
           </ac:spMkLst>
         </pc:spChg>
+        <pc:spChg chg="add del mod">
+          <ac:chgData name="Long B Nguyen" userId="f59fb8f3-a021-417a-8bc1-65c8d471c621" providerId="ADAL" clId="{3F616429-CA07-8145-BE07-B7552942C56D}" dt="2019-09-12T11:44:05.446" v="4633"/>
+          <ac:spMkLst>
+            <pc:docMk/>
+            <pc:sldMk cId="1755375274" sldId="308"/>
+            <ac:spMk id="3" creationId="{C3E9A08D-FBB0-9444-8172-6A8AE76355D2}"/>
+          </ac:spMkLst>
+        </pc:spChg>
+        <pc:spChg chg="add del mod">
+          <ac:chgData name="Long B Nguyen" userId="f59fb8f3-a021-417a-8bc1-65c8d471c621" providerId="ADAL" clId="{3F616429-CA07-8145-BE07-B7552942C56D}" dt="2019-09-12T11:44:00.306" v="4631" actId="20577"/>
+          <ac:spMkLst>
+            <pc:docMk/>
+            <pc:sldMk cId="1755375274" sldId="308"/>
+            <ac:spMk id="4" creationId="{0D5EE39F-C599-F141-9492-48A030403CD7}"/>
+          </ac:spMkLst>
+        </pc:spChg>
         <pc:spChg chg="mod">
-          <ac:chgData name="Long B Nguyen" userId="f59fb8f3-a021-417a-8bc1-65c8d471c621" providerId="ADAL" clId="{3F616429-CA07-8145-BE07-B7552942C56D}" dt="2019-09-11T13:42:50.109" v="4435" actId="20577"/>
+          <ac:chgData name="Long B Nguyen" userId="f59fb8f3-a021-417a-8bc1-65c8d471c621" providerId="ADAL" clId="{3F616429-CA07-8145-BE07-B7552942C56D}" dt="2019-09-12T11:43:26.452" v="4620" actId="20577"/>
           <ac:spMkLst>
             <pc:docMk/>
             <pc:sldMk cId="1755375274" sldId="308"/>
@@ -697,14 +698,14 @@
           </ac:spMkLst>
         </pc:spChg>
       </pc:sldChg>
-      <pc:sldChg chg="modSp add">
-        <pc:chgData name="Long B Nguyen" userId="f59fb8f3-a021-417a-8bc1-65c8d471c621" providerId="ADAL" clId="{3F616429-CA07-8145-BE07-B7552942C56D}" dt="2019-09-11T13:44:20.200" v="4603" actId="20577"/>
+      <pc:sldChg chg="modSp add modAnim">
+        <pc:chgData name="Long B Nguyen" userId="f59fb8f3-a021-417a-8bc1-65c8d471c621" providerId="ADAL" clId="{3F616429-CA07-8145-BE07-B7552942C56D}" dt="2019-09-12T12:14:15.124" v="5043" actId="20577"/>
         <pc:sldMkLst>
           <pc:docMk/>
           <pc:sldMk cId="1962761824" sldId="309"/>
         </pc:sldMkLst>
         <pc:spChg chg="mod">
-          <ac:chgData name="Long B Nguyen" userId="f59fb8f3-a021-417a-8bc1-65c8d471c621" providerId="ADAL" clId="{3F616429-CA07-8145-BE07-B7552942C56D}" dt="2019-09-11T13:43:21.936" v="4473" actId="20577"/>
+          <ac:chgData name="Long B Nguyen" userId="f59fb8f3-a021-417a-8bc1-65c8d471c621" providerId="ADAL" clId="{3F616429-CA07-8145-BE07-B7552942C56D}" dt="2019-09-12T12:14:15.124" v="5043" actId="20577"/>
           <ac:spMkLst>
             <pc:docMk/>
             <pc:sldMk cId="1962761824" sldId="309"/>
@@ -972,7 +973,7 @@
           <a:p>
             <a:fld id="{4AAD347D-5ACD-4C99-B74B-A9C85AD731AF}" type="datetimeFigureOut">
               <a:rPr lang="en-US" smtClean="0"/>
-              <a:t>9/11/19</a:t>
+              <a:t>9/12/19</a:t>
             </a:fld>
             <a:endParaRPr lang="en-US" dirty="0"/>
           </a:p>
@@ -1142,7 +1143,7 @@
           <a:p>
             <a:fld id="{4509A250-FF31-4206-8172-F9D3106AACB1}" type="datetimeFigureOut">
               <a:rPr lang="en-US" smtClean="0"/>
-              <a:t>9/11/19</a:t>
+              <a:t>9/12/19</a:t>
             </a:fld>
             <a:endParaRPr lang="en-US" dirty="0"/>
           </a:p>
@@ -1322,7 +1323,7 @@
           <a:p>
             <a:fld id="{4509A250-FF31-4206-8172-F9D3106AACB1}" type="datetimeFigureOut">
               <a:rPr lang="en-US" smtClean="0"/>
-              <a:t>9/11/19</a:t>
+              <a:t>9/12/19</a:t>
             </a:fld>
             <a:endParaRPr lang="en-US" dirty="0"/>
           </a:p>
@@ -1492,7 +1493,7 @@
           <a:p>
             <a:fld id="{4509A250-FF31-4206-8172-F9D3106AACB1}" type="datetimeFigureOut">
               <a:rPr lang="en-US" smtClean="0"/>
-              <a:t>9/11/19</a:t>
+              <a:t>9/12/19</a:t>
             </a:fld>
             <a:endParaRPr lang="en-US" dirty="0"/>
           </a:p>
@@ -1738,7 +1739,7 @@
           <a:p>
             <a:fld id="{9796027F-7875-4030-9381-8BD8C4F21935}" type="datetimeFigureOut">
               <a:rPr lang="en-US" smtClean="0"/>
-              <a:t>9/11/19</a:t>
+              <a:t>9/12/19</a:t>
             </a:fld>
             <a:endParaRPr lang="en-US" dirty="0"/>
           </a:p>
@@ -1970,7 +1971,7 @@
           <a:p>
             <a:fld id="{9796027F-7875-4030-9381-8BD8C4F21935}" type="datetimeFigureOut">
               <a:rPr lang="en-US" smtClean="0"/>
-              <a:t>9/11/19</a:t>
+              <a:t>9/12/19</a:t>
             </a:fld>
             <a:endParaRPr lang="en-US" dirty="0"/>
           </a:p>
@@ -2337,7 +2338,7 @@
           <a:p>
             <a:fld id="{9796027F-7875-4030-9381-8BD8C4F21935}" type="datetimeFigureOut">
               <a:rPr lang="en-US" smtClean="0"/>
-              <a:t>9/11/19</a:t>
+              <a:t>9/12/19</a:t>
             </a:fld>
             <a:endParaRPr lang="en-US" dirty="0"/>
           </a:p>
@@ -2455,7 +2456,7 @@
           <a:p>
             <a:fld id="{4509A250-FF31-4206-8172-F9D3106AACB1}" type="datetimeFigureOut">
               <a:rPr lang="en-US" smtClean="0"/>
-              <a:t>9/11/19</a:t>
+              <a:t>9/12/19</a:t>
             </a:fld>
             <a:endParaRPr lang="en-US" dirty="0"/>
           </a:p>
@@ -2550,7 +2551,7 @@
           <a:p>
             <a:fld id="{4509A250-FF31-4206-8172-F9D3106AACB1}" type="datetimeFigureOut">
               <a:rPr lang="en-US" smtClean="0"/>
-              <a:t>9/11/19</a:t>
+              <a:t>9/12/19</a:t>
             </a:fld>
             <a:endParaRPr lang="en-US" dirty="0"/>
           </a:p>
@@ -2827,7 +2828,7 @@
           <a:p>
             <a:fld id="{4509A250-FF31-4206-8172-F9D3106AACB1}" type="datetimeFigureOut">
               <a:rPr lang="en-US" smtClean="0"/>
-              <a:t>9/11/19</a:t>
+              <a:t>9/12/19</a:t>
             </a:fld>
             <a:endParaRPr lang="en-US" dirty="0"/>
           </a:p>
@@ -3084,7 +3085,7 @@
           <a:p>
             <a:fld id="{4509A250-FF31-4206-8172-F9D3106AACB1}" type="datetimeFigureOut">
               <a:rPr lang="en-US" smtClean="0"/>
-              <a:t>9/11/19</a:t>
+              <a:t>9/12/19</a:t>
             </a:fld>
             <a:endParaRPr lang="en-US" dirty="0"/>
           </a:p>
@@ -3297,7 +3298,7 @@
           <a:p>
             <a:fld id="{4AAD347D-5ACD-4C99-B74B-A9C85AD731AF}" type="datetimeFigureOut">
               <a:rPr lang="en-US" smtClean="0"/>
-              <a:t>9/11/19</a:t>
+              <a:t>9/12/19</a:t>
             </a:fld>
             <a:endParaRPr lang="en-US" dirty="0"/>
           </a:p>
@@ -4358,7 +4359,7 @@
           <a:p>
             <a:r>
               <a:rPr lang="en-US" sz="1800" dirty="0"/>
-              <a:t>applied right to left. Expressions in parenthesis are evaluated first. </a:t>
+              <a:t>applied right to left. Expressions in parenthesis are evaluated first(PEMDAS). </a:t>
             </a:r>
           </a:p>
         </p:txBody>
@@ -4373,6 +4374,116 @@
   <p:clrMapOvr>
     <a:masterClrMapping/>
   </p:clrMapOvr>
+  <p:timing>
+    <p:tnLst>
+      <p:par>
+        <p:cTn id="1" dur="indefinite" restart="never" nodeType="tmRoot">
+          <p:childTnLst>
+            <p:seq concurrent="1" nextAc="seek">
+              <p:cTn id="2" dur="indefinite" nodeType="mainSeq">
+                <p:childTnLst>
+                  <p:par>
+                    <p:cTn id="3" fill="hold">
+                      <p:stCondLst>
+                        <p:cond delay="indefinite"/>
+                      </p:stCondLst>
+                      <p:childTnLst>
+                        <p:par>
+                          <p:cTn id="4" fill="hold">
+                            <p:stCondLst>
+                              <p:cond delay="0"/>
+                            </p:stCondLst>
+                            <p:childTnLst>
+                              <p:par>
+                                <p:cTn id="5" presetID="1" presetClass="entr" presetSubtype="0" fill="hold" nodeType="clickEffect">
+                                  <p:stCondLst>
+                                    <p:cond delay="0"/>
+                                  </p:stCondLst>
+                                  <p:childTnLst>
+                                    <p:set>
+                                      <p:cBhvr>
+                                        <p:cTn id="6" dur="1" fill="hold">
+                                          <p:stCondLst>
+                                            <p:cond delay="0"/>
+                                          </p:stCondLst>
+                                        </p:cTn>
+                                        <p:tgtEl>
+                                          <p:spTgt spid="5">
+                                            <p:txEl>
+                                              <p:pRg st="0" end="0"/>
+                                            </p:txEl>
+                                          </p:spTgt>
+                                        </p:tgtEl>
+                                        <p:attrNameLst>
+                                          <p:attrName>style.visibility</p:attrName>
+                                        </p:attrNameLst>
+                                      </p:cBhvr>
+                                      <p:to>
+                                        <p:strVal val="visible"/>
+                                      </p:to>
+                                    </p:set>
+                                  </p:childTnLst>
+                                </p:cTn>
+                              </p:par>
+                              <p:par>
+                                <p:cTn id="7" presetID="1" presetClass="entr" presetSubtype="0" fill="hold" nodeType="withEffect">
+                                  <p:stCondLst>
+                                    <p:cond delay="0"/>
+                                  </p:stCondLst>
+                                  <p:childTnLst>
+                                    <p:set>
+                                      <p:cBhvr>
+                                        <p:cTn id="8" dur="1" fill="hold">
+                                          <p:stCondLst>
+                                            <p:cond delay="0"/>
+                                          </p:stCondLst>
+                                        </p:cTn>
+                                        <p:tgtEl>
+                                          <p:spTgt spid="5">
+                                            <p:txEl>
+                                              <p:pRg st="1" end="1"/>
+                                            </p:txEl>
+                                          </p:spTgt>
+                                        </p:tgtEl>
+                                        <p:attrNameLst>
+                                          <p:attrName>style.visibility</p:attrName>
+                                        </p:attrNameLst>
+                                      </p:cBhvr>
+                                      <p:to>
+                                        <p:strVal val="visible"/>
+                                      </p:to>
+                                    </p:set>
+                                  </p:childTnLst>
+                                </p:cTn>
+                              </p:par>
+                            </p:childTnLst>
+                          </p:cTn>
+                        </p:par>
+                      </p:childTnLst>
+                    </p:cTn>
+                  </p:par>
+                </p:childTnLst>
+              </p:cTn>
+              <p:prevCondLst>
+                <p:cond evt="onPrev" delay="0">
+                  <p:tgtEl>
+                    <p:sldTgt/>
+                  </p:tgtEl>
+                </p:cond>
+              </p:prevCondLst>
+              <p:nextCondLst>
+                <p:cond evt="onNext" delay="0">
+                  <p:tgtEl>
+                    <p:sldTgt/>
+                  </p:tgtEl>
+                </p:cond>
+              </p:nextCondLst>
+            </p:seq>
+          </p:childTnLst>
+        </p:cTn>
+      </p:par>
+    </p:tnLst>
+  </p:timing>
 </p:sld>
 </file>
 
@@ -4704,6 +4815,361 @@
   <p:clrMapOvr>
     <a:masterClrMapping/>
   </p:clrMapOvr>
+  <p:timing>
+    <p:tnLst>
+      <p:par>
+        <p:cTn id="1" dur="indefinite" restart="never" nodeType="tmRoot">
+          <p:childTnLst>
+            <p:seq concurrent="1" nextAc="seek">
+              <p:cTn id="2" dur="indefinite" nodeType="mainSeq">
+                <p:childTnLst>
+                  <p:par>
+                    <p:cTn id="3" fill="hold">
+                      <p:stCondLst>
+                        <p:cond delay="indefinite"/>
+                      </p:stCondLst>
+                      <p:childTnLst>
+                        <p:par>
+                          <p:cTn id="4" fill="hold">
+                            <p:stCondLst>
+                              <p:cond delay="0"/>
+                            </p:stCondLst>
+                            <p:childTnLst>
+                              <p:par>
+                                <p:cTn id="5" presetID="1" presetClass="entr" presetSubtype="0" fill="hold" nodeType="clickEffect">
+                                  <p:stCondLst>
+                                    <p:cond delay="0"/>
+                                  </p:stCondLst>
+                                  <p:childTnLst>
+                                    <p:set>
+                                      <p:cBhvr>
+                                        <p:cTn id="6" dur="1" fill="hold">
+                                          <p:stCondLst>
+                                            <p:cond delay="0"/>
+                                          </p:stCondLst>
+                                        </p:cTn>
+                                        <p:tgtEl>
+                                          <p:spTgt spid="9">
+                                            <p:txEl>
+                                              <p:pRg st="4" end="4"/>
+                                            </p:txEl>
+                                          </p:spTgt>
+                                        </p:tgtEl>
+                                        <p:attrNameLst>
+                                          <p:attrName>style.visibility</p:attrName>
+                                        </p:attrNameLst>
+                                      </p:cBhvr>
+                                      <p:to>
+                                        <p:strVal val="visible"/>
+                                      </p:to>
+                                    </p:set>
+                                  </p:childTnLst>
+                                </p:cTn>
+                              </p:par>
+                              <p:par>
+                                <p:cTn id="7" presetID="1" presetClass="entr" presetSubtype="0" fill="hold" nodeType="withEffect">
+                                  <p:stCondLst>
+                                    <p:cond delay="0"/>
+                                  </p:stCondLst>
+                                  <p:childTnLst>
+                                    <p:set>
+                                      <p:cBhvr>
+                                        <p:cTn id="8" dur="1" fill="hold">
+                                          <p:stCondLst>
+                                            <p:cond delay="0"/>
+                                          </p:stCondLst>
+                                        </p:cTn>
+                                        <p:tgtEl>
+                                          <p:spTgt spid="9">
+                                            <p:txEl>
+                                              <p:pRg st="5" end="5"/>
+                                            </p:txEl>
+                                          </p:spTgt>
+                                        </p:tgtEl>
+                                        <p:attrNameLst>
+                                          <p:attrName>style.visibility</p:attrName>
+                                        </p:attrNameLst>
+                                      </p:cBhvr>
+                                      <p:to>
+                                        <p:strVal val="visible"/>
+                                      </p:to>
+                                    </p:set>
+                                  </p:childTnLst>
+                                </p:cTn>
+                              </p:par>
+                            </p:childTnLst>
+                          </p:cTn>
+                        </p:par>
+                      </p:childTnLst>
+                    </p:cTn>
+                  </p:par>
+                  <p:par>
+                    <p:cTn id="9" fill="hold">
+                      <p:stCondLst>
+                        <p:cond delay="indefinite"/>
+                      </p:stCondLst>
+                      <p:childTnLst>
+                        <p:par>
+                          <p:cTn id="10" fill="hold">
+                            <p:stCondLst>
+                              <p:cond delay="0"/>
+                            </p:stCondLst>
+                            <p:childTnLst>
+                              <p:par>
+                                <p:cTn id="11" presetID="1" presetClass="entr" presetSubtype="0" fill="hold" nodeType="clickEffect">
+                                  <p:stCondLst>
+                                    <p:cond delay="0"/>
+                                  </p:stCondLst>
+                                  <p:childTnLst>
+                                    <p:set>
+                                      <p:cBhvr>
+                                        <p:cTn id="12" dur="1" fill="hold">
+                                          <p:stCondLst>
+                                            <p:cond delay="0"/>
+                                          </p:stCondLst>
+                                        </p:cTn>
+                                        <p:tgtEl>
+                                          <p:spTgt spid="9">
+                                            <p:txEl>
+                                              <p:pRg st="7" end="7"/>
+                                            </p:txEl>
+                                          </p:spTgt>
+                                        </p:tgtEl>
+                                        <p:attrNameLst>
+                                          <p:attrName>style.visibility</p:attrName>
+                                        </p:attrNameLst>
+                                      </p:cBhvr>
+                                      <p:to>
+                                        <p:strVal val="visible"/>
+                                      </p:to>
+                                    </p:set>
+                                  </p:childTnLst>
+                                </p:cTn>
+                              </p:par>
+                            </p:childTnLst>
+                          </p:cTn>
+                        </p:par>
+                      </p:childTnLst>
+                    </p:cTn>
+                  </p:par>
+                  <p:par>
+                    <p:cTn id="13" fill="hold">
+                      <p:stCondLst>
+                        <p:cond delay="indefinite"/>
+                      </p:stCondLst>
+                      <p:childTnLst>
+                        <p:par>
+                          <p:cTn id="14" fill="hold">
+                            <p:stCondLst>
+                              <p:cond delay="0"/>
+                            </p:stCondLst>
+                            <p:childTnLst>
+                              <p:par>
+                                <p:cTn id="15" presetID="1" presetClass="entr" presetSubtype="0" fill="hold" nodeType="clickEffect">
+                                  <p:stCondLst>
+                                    <p:cond delay="0"/>
+                                  </p:stCondLst>
+                                  <p:childTnLst>
+                                    <p:set>
+                                      <p:cBhvr>
+                                        <p:cTn id="16" dur="1" fill="hold">
+                                          <p:stCondLst>
+                                            <p:cond delay="0"/>
+                                          </p:stCondLst>
+                                        </p:cTn>
+                                        <p:tgtEl>
+                                          <p:spTgt spid="9">
+                                            <p:txEl>
+                                              <p:pRg st="8" end="8"/>
+                                            </p:txEl>
+                                          </p:spTgt>
+                                        </p:tgtEl>
+                                        <p:attrNameLst>
+                                          <p:attrName>style.visibility</p:attrName>
+                                        </p:attrNameLst>
+                                      </p:cBhvr>
+                                      <p:to>
+                                        <p:strVal val="visible"/>
+                                      </p:to>
+                                    </p:set>
+                                  </p:childTnLst>
+                                </p:cTn>
+                              </p:par>
+                            </p:childTnLst>
+                          </p:cTn>
+                        </p:par>
+                      </p:childTnLst>
+                    </p:cTn>
+                  </p:par>
+                  <p:par>
+                    <p:cTn id="17" fill="hold">
+                      <p:stCondLst>
+                        <p:cond delay="indefinite"/>
+                      </p:stCondLst>
+                      <p:childTnLst>
+                        <p:par>
+                          <p:cTn id="18" fill="hold">
+                            <p:stCondLst>
+                              <p:cond delay="0"/>
+                            </p:stCondLst>
+                            <p:childTnLst>
+                              <p:par>
+                                <p:cTn id="19" presetID="1" presetClass="entr" presetSubtype="0" fill="hold" nodeType="clickEffect">
+                                  <p:stCondLst>
+                                    <p:cond delay="0"/>
+                                  </p:stCondLst>
+                                  <p:childTnLst>
+                                    <p:set>
+                                      <p:cBhvr>
+                                        <p:cTn id="20" dur="1" fill="hold">
+                                          <p:stCondLst>
+                                            <p:cond delay="0"/>
+                                          </p:stCondLst>
+                                        </p:cTn>
+                                        <p:tgtEl>
+                                          <p:spTgt spid="9">
+                                            <p:txEl>
+                                              <p:pRg st="9" end="9"/>
+                                            </p:txEl>
+                                          </p:spTgt>
+                                        </p:tgtEl>
+                                        <p:attrNameLst>
+                                          <p:attrName>style.visibility</p:attrName>
+                                        </p:attrNameLst>
+                                      </p:cBhvr>
+                                      <p:to>
+                                        <p:strVal val="visible"/>
+                                      </p:to>
+                                    </p:set>
+                                  </p:childTnLst>
+                                </p:cTn>
+                              </p:par>
+                            </p:childTnLst>
+                          </p:cTn>
+                        </p:par>
+                      </p:childTnLst>
+                    </p:cTn>
+                  </p:par>
+                  <p:par>
+                    <p:cTn id="21" fill="hold">
+                      <p:stCondLst>
+                        <p:cond delay="indefinite"/>
+                      </p:stCondLst>
+                      <p:childTnLst>
+                        <p:par>
+                          <p:cTn id="22" fill="hold">
+                            <p:stCondLst>
+                              <p:cond delay="0"/>
+                            </p:stCondLst>
+                            <p:childTnLst>
+                              <p:par>
+                                <p:cTn id="23" presetID="1" presetClass="entr" presetSubtype="0" fill="hold" nodeType="clickEffect">
+                                  <p:stCondLst>
+                                    <p:cond delay="0"/>
+                                  </p:stCondLst>
+                                  <p:childTnLst>
+                                    <p:set>
+                                      <p:cBhvr>
+                                        <p:cTn id="24" dur="1" fill="hold">
+                                          <p:stCondLst>
+                                            <p:cond delay="0"/>
+                                          </p:stCondLst>
+                                        </p:cTn>
+                                        <p:tgtEl>
+                                          <p:spTgt spid="9">
+                                            <p:txEl>
+                                              <p:pRg st="10" end="10"/>
+                                            </p:txEl>
+                                          </p:spTgt>
+                                        </p:tgtEl>
+                                        <p:attrNameLst>
+                                          <p:attrName>style.visibility</p:attrName>
+                                        </p:attrNameLst>
+                                      </p:cBhvr>
+                                      <p:to>
+                                        <p:strVal val="visible"/>
+                                      </p:to>
+                                    </p:set>
+                                  </p:childTnLst>
+                                </p:cTn>
+                              </p:par>
+                            </p:childTnLst>
+                          </p:cTn>
+                        </p:par>
+                      </p:childTnLst>
+                    </p:cTn>
+                  </p:par>
+                  <p:par>
+                    <p:cTn id="25" fill="hold">
+                      <p:stCondLst>
+                        <p:cond delay="indefinite"/>
+                      </p:stCondLst>
+                      <p:childTnLst>
+                        <p:par>
+                          <p:cTn id="26" fill="hold">
+                            <p:stCondLst>
+                              <p:cond delay="0"/>
+                            </p:stCondLst>
+                            <p:childTnLst>
+                              <p:par>
+                                <p:cTn id="27" presetID="1" presetClass="entr" presetSubtype="0" fill="hold" nodeType="clickEffect">
+                                  <p:stCondLst>
+                                    <p:cond delay="0"/>
+                                  </p:stCondLst>
+                                  <p:childTnLst>
+                                    <p:set>
+                                      <p:cBhvr>
+                                        <p:cTn id="28" dur="1" fill="hold">
+                                          <p:stCondLst>
+                                            <p:cond delay="0"/>
+                                          </p:stCondLst>
+                                        </p:cTn>
+                                        <p:tgtEl>
+                                          <p:spTgt spid="9">
+                                            <p:txEl>
+                                              <p:pRg st="11" end="11"/>
+                                            </p:txEl>
+                                          </p:spTgt>
+                                        </p:tgtEl>
+                                        <p:attrNameLst>
+                                          <p:attrName>style.visibility</p:attrName>
+                                        </p:attrNameLst>
+                                      </p:cBhvr>
+                                      <p:to>
+                                        <p:strVal val="visible"/>
+                                      </p:to>
+                                    </p:set>
+                                  </p:childTnLst>
+                                </p:cTn>
+                              </p:par>
+                            </p:childTnLst>
+                          </p:cTn>
+                        </p:par>
+                      </p:childTnLst>
+                    </p:cTn>
+                  </p:par>
+                </p:childTnLst>
+              </p:cTn>
+              <p:prevCondLst>
+                <p:cond evt="onPrev" delay="0">
+                  <p:tgtEl>
+                    <p:sldTgt/>
+                  </p:tgtEl>
+                </p:cond>
+              </p:prevCondLst>
+              <p:nextCondLst>
+                <p:cond evt="onNext" delay="0">
+                  <p:tgtEl>
+                    <p:sldTgt/>
+                  </p:tgtEl>
+                </p:cond>
+              </p:nextCondLst>
+            </p:seq>
+          </p:childTnLst>
+        </p:cTn>
+      </p:par>
+    </p:tnLst>
+  </p:timing>
 </p:sld>
 </file>
 
@@ -4917,6 +5383,84 @@
   <p:clrMapOvr>
     <a:masterClrMapping/>
   </p:clrMapOvr>
+  <p:timing>
+    <p:tnLst>
+      <p:par>
+        <p:cTn id="1" dur="indefinite" restart="never" nodeType="tmRoot">
+          <p:childTnLst>
+            <p:seq concurrent="1" nextAc="seek">
+              <p:cTn id="2" dur="indefinite" nodeType="mainSeq">
+                <p:childTnLst>
+                  <p:par>
+                    <p:cTn id="3" fill="hold">
+                      <p:stCondLst>
+                        <p:cond delay="indefinite"/>
+                      </p:stCondLst>
+                      <p:childTnLst>
+                        <p:par>
+                          <p:cTn id="4" fill="hold">
+                            <p:stCondLst>
+                              <p:cond delay="0"/>
+                            </p:stCondLst>
+                            <p:childTnLst>
+                              <p:par>
+                                <p:cTn id="5" presetID="1" presetClass="entr" presetSubtype="0" fill="hold" grpId="0" nodeType="clickEffect">
+                                  <p:stCondLst>
+                                    <p:cond delay="0"/>
+                                  </p:stCondLst>
+                                  <p:childTnLst>
+                                    <p:set>
+                                      <p:cBhvr>
+                                        <p:cTn id="6" dur="1" fill="hold">
+                                          <p:stCondLst>
+                                            <p:cond delay="0"/>
+                                          </p:stCondLst>
+                                        </p:cTn>
+                                        <p:tgtEl>
+                                          <p:spTgt spid="3"/>
+                                        </p:tgtEl>
+                                        <p:attrNameLst>
+                                          <p:attrName>style.visibility</p:attrName>
+                                        </p:attrNameLst>
+                                      </p:cBhvr>
+                                      <p:to>
+                                        <p:strVal val="visible"/>
+                                      </p:to>
+                                    </p:set>
+                                  </p:childTnLst>
+                                </p:cTn>
+                              </p:par>
+                            </p:childTnLst>
+                          </p:cTn>
+                        </p:par>
+                      </p:childTnLst>
+                    </p:cTn>
+                  </p:par>
+                </p:childTnLst>
+              </p:cTn>
+              <p:prevCondLst>
+                <p:cond evt="onPrev" delay="0">
+                  <p:tgtEl>
+                    <p:sldTgt/>
+                  </p:tgtEl>
+                </p:cond>
+              </p:prevCondLst>
+              <p:nextCondLst>
+                <p:cond evt="onNext" delay="0">
+                  <p:tgtEl>
+                    <p:sldTgt/>
+                  </p:tgtEl>
+                </p:cond>
+              </p:nextCondLst>
+            </p:seq>
+          </p:childTnLst>
+        </p:cTn>
+      </p:par>
+    </p:tnLst>
+    <p:bldLst>
+      <p:bldP spid="3" grpId="0"/>
+    </p:bldLst>
+  </p:timing>
 </p:sld>
 </file>
 
@@ -5239,6 +5783,196 @@
   <p:clrMapOvr>
     <a:masterClrMapping/>
   </p:clrMapOvr>
+  <p:timing>
+    <p:tnLst>
+      <p:par>
+        <p:cTn id="1" dur="indefinite" restart="never" nodeType="tmRoot">
+          <p:childTnLst>
+            <p:seq concurrent="1" nextAc="seek">
+              <p:cTn id="2" dur="indefinite" nodeType="mainSeq">
+                <p:childTnLst>
+                  <p:par>
+                    <p:cTn id="3" fill="hold">
+                      <p:stCondLst>
+                        <p:cond delay="indefinite"/>
+                      </p:stCondLst>
+                      <p:childTnLst>
+                        <p:par>
+                          <p:cTn id="4" fill="hold">
+                            <p:stCondLst>
+                              <p:cond delay="0"/>
+                            </p:stCondLst>
+                            <p:childTnLst>
+                              <p:par>
+                                <p:cTn id="5" presetID="1" presetClass="entr" presetSubtype="0" fill="hold" nodeType="clickEffect">
+                                  <p:stCondLst>
+                                    <p:cond delay="0"/>
+                                  </p:stCondLst>
+                                  <p:childTnLst>
+                                    <p:set>
+                                      <p:cBhvr>
+                                        <p:cTn id="6" dur="1" fill="hold">
+                                          <p:stCondLst>
+                                            <p:cond delay="0"/>
+                                          </p:stCondLst>
+                                        </p:cTn>
+                                        <p:tgtEl>
+                                          <p:spTgt spid="9">
+                                            <p:txEl>
+                                              <p:pRg st="4" end="4"/>
+                                            </p:txEl>
+                                          </p:spTgt>
+                                        </p:tgtEl>
+                                        <p:attrNameLst>
+                                          <p:attrName>style.visibility</p:attrName>
+                                        </p:attrNameLst>
+                                      </p:cBhvr>
+                                      <p:to>
+                                        <p:strVal val="visible"/>
+                                      </p:to>
+                                    </p:set>
+                                  </p:childTnLst>
+                                </p:cTn>
+                              </p:par>
+                              <p:par>
+                                <p:cTn id="7" presetID="1" presetClass="entr" presetSubtype="0" fill="hold" nodeType="withEffect">
+                                  <p:stCondLst>
+                                    <p:cond delay="0"/>
+                                  </p:stCondLst>
+                                  <p:childTnLst>
+                                    <p:set>
+                                      <p:cBhvr>
+                                        <p:cTn id="8" dur="1" fill="hold">
+                                          <p:stCondLst>
+                                            <p:cond delay="0"/>
+                                          </p:stCondLst>
+                                        </p:cTn>
+                                        <p:tgtEl>
+                                          <p:spTgt spid="9">
+                                            <p:txEl>
+                                              <p:pRg st="5" end="5"/>
+                                            </p:txEl>
+                                          </p:spTgt>
+                                        </p:tgtEl>
+                                        <p:attrNameLst>
+                                          <p:attrName>style.visibility</p:attrName>
+                                        </p:attrNameLst>
+                                      </p:cBhvr>
+                                      <p:to>
+                                        <p:strVal val="visible"/>
+                                      </p:to>
+                                    </p:set>
+                                  </p:childTnLst>
+                                </p:cTn>
+                              </p:par>
+                            </p:childTnLst>
+                          </p:cTn>
+                        </p:par>
+                      </p:childTnLst>
+                    </p:cTn>
+                  </p:par>
+                  <p:par>
+                    <p:cTn id="9" fill="hold">
+                      <p:stCondLst>
+                        <p:cond delay="indefinite"/>
+                      </p:stCondLst>
+                      <p:childTnLst>
+                        <p:par>
+                          <p:cTn id="10" fill="hold">
+                            <p:stCondLst>
+                              <p:cond delay="0"/>
+                            </p:stCondLst>
+                            <p:childTnLst>
+                              <p:par>
+                                <p:cTn id="11" presetID="1" presetClass="entr" presetSubtype="0" fill="hold" nodeType="clickEffect">
+                                  <p:stCondLst>
+                                    <p:cond delay="0"/>
+                                  </p:stCondLst>
+                                  <p:childTnLst>
+                                    <p:set>
+                                      <p:cBhvr>
+                                        <p:cTn id="12" dur="1" fill="hold">
+                                          <p:stCondLst>
+                                            <p:cond delay="0"/>
+                                          </p:stCondLst>
+                                        </p:cTn>
+                                        <p:tgtEl>
+                                          <p:spTgt spid="9">
+                                            <p:txEl>
+                                              <p:pRg st="7" end="7"/>
+                                            </p:txEl>
+                                          </p:spTgt>
+                                        </p:tgtEl>
+                                        <p:attrNameLst>
+                                          <p:attrName>style.visibility</p:attrName>
+                                        </p:attrNameLst>
+                                      </p:cBhvr>
+                                      <p:to>
+                                        <p:strVal val="visible"/>
+                                      </p:to>
+                                    </p:set>
+                                  </p:childTnLst>
+                                </p:cTn>
+                              </p:par>
+                              <p:par>
+                                <p:cTn id="13" presetID="1" presetClass="entr" presetSubtype="0" fill="hold" nodeType="withEffect">
+                                  <p:stCondLst>
+                                    <p:cond delay="0"/>
+                                  </p:stCondLst>
+                                  <p:childTnLst>
+                                    <p:set>
+                                      <p:cBhvr>
+                                        <p:cTn id="14" dur="1" fill="hold">
+                                          <p:stCondLst>
+                                            <p:cond delay="0"/>
+                                          </p:stCondLst>
+                                        </p:cTn>
+                                        <p:tgtEl>
+                                          <p:spTgt spid="9">
+                                            <p:txEl>
+                                              <p:pRg st="8" end="8"/>
+                                            </p:txEl>
+                                          </p:spTgt>
+                                        </p:tgtEl>
+                                        <p:attrNameLst>
+                                          <p:attrName>style.visibility</p:attrName>
+                                        </p:attrNameLst>
+                                      </p:cBhvr>
+                                      <p:to>
+                                        <p:strVal val="visible"/>
+                                      </p:to>
+                                    </p:set>
+                                  </p:childTnLst>
+                                </p:cTn>
+                              </p:par>
+                            </p:childTnLst>
+                          </p:cTn>
+                        </p:par>
+                      </p:childTnLst>
+                    </p:cTn>
+                  </p:par>
+                </p:childTnLst>
+              </p:cTn>
+              <p:prevCondLst>
+                <p:cond evt="onPrev" delay="0">
+                  <p:tgtEl>
+                    <p:sldTgt/>
+                  </p:tgtEl>
+                </p:cond>
+              </p:prevCondLst>
+              <p:nextCondLst>
+                <p:cond evt="onNext" delay="0">
+                  <p:tgtEl>
+                    <p:sldTgt/>
+                  </p:tgtEl>
+                </p:cond>
+              </p:nextCondLst>
+            </p:seq>
+          </p:childTnLst>
+        </p:cTn>
+      </p:par>
+    </p:tnLst>
+  </p:timing>
 </p:sld>
 </file>
 
@@ -6188,6 +6922,171 @@
   <p:clrMapOvr>
     <a:masterClrMapping/>
   </p:clrMapOvr>
+  <p:timing>
+    <p:tnLst>
+      <p:par>
+        <p:cTn id="1" dur="indefinite" restart="never" nodeType="tmRoot">
+          <p:childTnLst>
+            <p:seq concurrent="1" nextAc="seek">
+              <p:cTn id="2" dur="indefinite" nodeType="mainSeq">
+                <p:childTnLst>
+                  <p:par>
+                    <p:cTn id="3" fill="hold">
+                      <p:stCondLst>
+                        <p:cond delay="indefinite"/>
+                      </p:stCondLst>
+                      <p:childTnLst>
+                        <p:par>
+                          <p:cTn id="4" fill="hold">
+                            <p:stCondLst>
+                              <p:cond delay="0"/>
+                            </p:stCondLst>
+                            <p:childTnLst>
+                              <p:par>
+                                <p:cTn id="5" presetID="1" presetClass="entr" presetSubtype="0" fill="hold" nodeType="clickEffect">
+                                  <p:stCondLst>
+                                    <p:cond delay="0"/>
+                                  </p:stCondLst>
+                                  <p:childTnLst>
+                                    <p:set>
+                                      <p:cBhvr>
+                                        <p:cTn id="6" dur="1" fill="hold">
+                                          <p:stCondLst>
+                                            <p:cond delay="0"/>
+                                          </p:stCondLst>
+                                        </p:cTn>
+                                        <p:tgtEl>
+                                          <p:spTgt spid="3"/>
+                                        </p:tgtEl>
+                                        <p:attrNameLst>
+                                          <p:attrName>style.visibility</p:attrName>
+                                        </p:attrNameLst>
+                                      </p:cBhvr>
+                                      <p:to>
+                                        <p:strVal val="visible"/>
+                                      </p:to>
+                                    </p:set>
+                                  </p:childTnLst>
+                                </p:cTn>
+                              </p:par>
+                            </p:childTnLst>
+                          </p:cTn>
+                        </p:par>
+                      </p:childTnLst>
+                    </p:cTn>
+                  </p:par>
+                  <p:par>
+                    <p:cTn id="7" fill="hold">
+                      <p:stCondLst>
+                        <p:cond delay="indefinite"/>
+                      </p:stCondLst>
+                      <p:childTnLst>
+                        <p:par>
+                          <p:cTn id="8" fill="hold">
+                            <p:stCondLst>
+                              <p:cond delay="0"/>
+                            </p:stCondLst>
+                            <p:childTnLst>
+                              <p:par>
+                                <p:cTn id="9" presetID="1" presetClass="entr" presetSubtype="0" fill="hold" nodeType="clickEffect">
+                                  <p:stCondLst>
+                                    <p:cond delay="0"/>
+                                  </p:stCondLst>
+                                  <p:childTnLst>
+                                    <p:set>
+                                      <p:cBhvr>
+                                        <p:cTn id="10" dur="1" fill="hold">
+                                          <p:stCondLst>
+                                            <p:cond delay="0"/>
+                                          </p:stCondLst>
+                                        </p:cTn>
+                                        <p:tgtEl>
+                                          <p:spTgt spid="5"/>
+                                        </p:tgtEl>
+                                        <p:attrNameLst>
+                                          <p:attrName>style.visibility</p:attrName>
+                                        </p:attrNameLst>
+                                      </p:cBhvr>
+                                      <p:to>
+                                        <p:strVal val="visible"/>
+                                      </p:to>
+                                    </p:set>
+                                  </p:childTnLst>
+                                </p:cTn>
+                              </p:par>
+                            </p:childTnLst>
+                          </p:cTn>
+                        </p:par>
+                      </p:childTnLst>
+                    </p:cTn>
+                  </p:par>
+                  <p:par>
+                    <p:cTn id="11" fill="hold">
+                      <p:stCondLst>
+                        <p:cond delay="indefinite"/>
+                      </p:stCondLst>
+                      <p:childTnLst>
+                        <p:par>
+                          <p:cTn id="12" fill="hold">
+                            <p:stCondLst>
+                              <p:cond delay="0"/>
+                            </p:stCondLst>
+                            <p:childTnLst>
+                              <p:par>
+                                <p:cTn id="13" presetID="1" presetClass="entr" presetSubtype="0" fill="hold" nodeType="clickEffect">
+                                  <p:stCondLst>
+                                    <p:cond delay="0"/>
+                                  </p:stCondLst>
+                                  <p:childTnLst>
+                                    <p:set>
+                                      <p:cBhvr>
+                                        <p:cTn id="14" dur="1" fill="hold">
+                                          <p:stCondLst>
+                                            <p:cond delay="0"/>
+                                          </p:stCondLst>
+                                        </p:cTn>
+                                        <p:tgtEl>
+                                          <p:spTgt spid="8"/>
+                                        </p:tgtEl>
+                                        <p:attrNameLst>
+                                          <p:attrName>style.visibility</p:attrName>
+                                        </p:attrNameLst>
+                                      </p:cBhvr>
+                                      <p:to>
+                                        <p:strVal val="visible"/>
+                                      </p:to>
+                                    </p:set>
+                                  </p:childTnLst>
+                                </p:cTn>
+                              </p:par>
+                            </p:childTnLst>
+                          </p:cTn>
+                        </p:par>
+                      </p:childTnLst>
+                    </p:cTn>
+                  </p:par>
+                </p:childTnLst>
+              </p:cTn>
+              <p:prevCondLst>
+                <p:cond evt="onPrev" delay="0">
+                  <p:tgtEl>
+                    <p:sldTgt/>
+                  </p:tgtEl>
+                </p:cond>
+              </p:prevCondLst>
+              <p:nextCondLst>
+                <p:cond evt="onNext" delay="0">
+                  <p:tgtEl>
+                    <p:sldTgt/>
+                  </p:tgtEl>
+                </p:cond>
+              </p:nextCondLst>
+            </p:seq>
+          </p:childTnLst>
+        </p:cTn>
+      </p:par>
+    </p:tnLst>
+  </p:timing>
 </p:sld>
 </file>
 
@@ -6705,6 +7604,165 @@
   <p:clrMapOvr>
     <a:masterClrMapping/>
   </p:clrMapOvr>
+  <p:timing>
+    <p:tnLst>
+      <p:par>
+        <p:cTn id="1" dur="indefinite" restart="never" nodeType="tmRoot">
+          <p:childTnLst>
+            <p:seq concurrent="1" nextAc="seek">
+              <p:cTn id="2" dur="indefinite" nodeType="mainSeq">
+                <p:childTnLst>
+                  <p:par>
+                    <p:cTn id="3" fill="hold">
+                      <p:stCondLst>
+                        <p:cond delay="indefinite"/>
+                      </p:stCondLst>
+                      <p:childTnLst>
+                        <p:par>
+                          <p:cTn id="4" fill="hold">
+                            <p:stCondLst>
+                              <p:cond delay="0"/>
+                            </p:stCondLst>
+                            <p:childTnLst>
+                              <p:par>
+                                <p:cTn id="5" presetID="1" presetClass="entr" presetSubtype="0" fill="hold" nodeType="clickEffect">
+                                  <p:stCondLst>
+                                    <p:cond delay="0"/>
+                                  </p:stCondLst>
+                                  <p:childTnLst>
+                                    <p:set>
+                                      <p:cBhvr>
+                                        <p:cTn id="6" dur="1" fill="hold">
+                                          <p:stCondLst>
+                                            <p:cond delay="0"/>
+                                          </p:stCondLst>
+                                        </p:cTn>
+                                        <p:tgtEl>
+                                          <p:spTgt spid="9">
+                                            <p:txEl>
+                                              <p:pRg st="5" end="5"/>
+                                            </p:txEl>
+                                          </p:spTgt>
+                                        </p:tgtEl>
+                                        <p:attrNameLst>
+                                          <p:attrName>style.visibility</p:attrName>
+                                        </p:attrNameLst>
+                                      </p:cBhvr>
+                                      <p:to>
+                                        <p:strVal val="visible"/>
+                                      </p:to>
+                                    </p:set>
+                                  </p:childTnLst>
+                                </p:cTn>
+                              </p:par>
+                              <p:par>
+                                <p:cTn id="7" presetID="1" presetClass="entr" presetSubtype="0" fill="hold" nodeType="withEffect">
+                                  <p:stCondLst>
+                                    <p:cond delay="0"/>
+                                  </p:stCondLst>
+                                  <p:childTnLst>
+                                    <p:set>
+                                      <p:cBhvr>
+                                        <p:cTn id="8" dur="1" fill="hold">
+                                          <p:stCondLst>
+                                            <p:cond delay="0"/>
+                                          </p:stCondLst>
+                                        </p:cTn>
+                                        <p:tgtEl>
+                                          <p:spTgt spid="9">
+                                            <p:txEl>
+                                              <p:pRg st="6" end="6"/>
+                                            </p:txEl>
+                                          </p:spTgt>
+                                        </p:tgtEl>
+                                        <p:attrNameLst>
+                                          <p:attrName>style.visibility</p:attrName>
+                                        </p:attrNameLst>
+                                      </p:cBhvr>
+                                      <p:to>
+                                        <p:strVal val="visible"/>
+                                      </p:to>
+                                    </p:set>
+                                  </p:childTnLst>
+                                </p:cTn>
+                              </p:par>
+                            </p:childTnLst>
+                          </p:cTn>
+                        </p:par>
+                      </p:childTnLst>
+                    </p:cTn>
+                  </p:par>
+                  <p:par>
+                    <p:cTn id="9" fill="hold">
+                      <p:stCondLst>
+                        <p:cond delay="indefinite"/>
+                      </p:stCondLst>
+                      <p:childTnLst>
+                        <p:par>
+                          <p:cTn id="10" fill="hold">
+                            <p:stCondLst>
+                              <p:cond delay="0"/>
+                            </p:stCondLst>
+                            <p:childTnLst>
+                              <p:par>
+                                <p:cTn id="11" presetID="1" presetClass="entr" presetSubtype="0" fill="hold" nodeType="clickEffect">
+                                  <p:stCondLst>
+                                    <p:cond delay="0"/>
+                                  </p:stCondLst>
+                                  <p:childTnLst>
+                                    <p:set>
+                                      <p:cBhvr>
+                                        <p:cTn id="12" dur="1" fill="hold">
+                                          <p:stCondLst>
+                                            <p:cond delay="0"/>
+                                          </p:stCondLst>
+                                        </p:cTn>
+                                        <p:tgtEl>
+                                          <p:spTgt spid="9">
+                                            <p:txEl>
+                                              <p:pRg st="7" end="7"/>
+                                            </p:txEl>
+                                          </p:spTgt>
+                                        </p:tgtEl>
+                                        <p:attrNameLst>
+                                          <p:attrName>style.visibility</p:attrName>
+                                        </p:attrNameLst>
+                                      </p:cBhvr>
+                                      <p:to>
+                                        <p:strVal val="visible"/>
+                                      </p:to>
+                                    </p:set>
+                                  </p:childTnLst>
+                                </p:cTn>
+                              </p:par>
+                            </p:childTnLst>
+                          </p:cTn>
+                        </p:par>
+                      </p:childTnLst>
+                    </p:cTn>
+                  </p:par>
+                </p:childTnLst>
+              </p:cTn>
+              <p:prevCondLst>
+                <p:cond evt="onPrev" delay="0">
+                  <p:tgtEl>
+                    <p:sldTgt/>
+                  </p:tgtEl>
+                </p:cond>
+              </p:prevCondLst>
+              <p:nextCondLst>
+                <p:cond evt="onNext" delay="0">
+                  <p:tgtEl>
+                    <p:sldTgt/>
+                  </p:tgtEl>
+                </p:cond>
+              </p:nextCondLst>
+            </p:seq>
+          </p:childTnLst>
+        </p:cTn>
+      </p:par>
+    </p:tnLst>
+  </p:timing>
 </p:sld>
 </file>
 
@@ -7534,6 +8592,147 @@
   <p:clrMapOvr>
     <a:masterClrMapping/>
   </p:clrMapOvr>
+  <p:timing>
+    <p:tnLst>
+      <p:par>
+        <p:cTn id="1" dur="indefinite" restart="never" nodeType="tmRoot">
+          <p:childTnLst>
+            <p:seq concurrent="1" nextAc="seek">
+              <p:cTn id="2" dur="indefinite" nodeType="mainSeq">
+                <p:childTnLst>
+                  <p:par>
+                    <p:cTn id="3" fill="hold">
+                      <p:stCondLst>
+                        <p:cond delay="indefinite"/>
+                      </p:stCondLst>
+                      <p:childTnLst>
+                        <p:par>
+                          <p:cTn id="4" fill="hold">
+                            <p:stCondLst>
+                              <p:cond delay="0"/>
+                            </p:stCondLst>
+                            <p:childTnLst>
+                              <p:par>
+                                <p:cTn id="5" presetID="1" presetClass="entr" presetSubtype="0" fill="hold" nodeType="clickEffect">
+                                  <p:stCondLst>
+                                    <p:cond delay="0"/>
+                                  </p:stCondLst>
+                                  <p:childTnLst>
+                                    <p:set>
+                                      <p:cBhvr>
+                                        <p:cTn id="6" dur="1" fill="hold">
+                                          <p:stCondLst>
+                                            <p:cond delay="0"/>
+                                          </p:stCondLst>
+                                        </p:cTn>
+                                        <p:tgtEl>
+                                          <p:spTgt spid="9">
+                                            <p:txEl>
+                                              <p:pRg st="3" end="3"/>
+                                            </p:txEl>
+                                          </p:spTgt>
+                                        </p:tgtEl>
+                                        <p:attrNameLst>
+                                          <p:attrName>style.visibility</p:attrName>
+                                        </p:attrNameLst>
+                                      </p:cBhvr>
+                                      <p:to>
+                                        <p:strVal val="visible"/>
+                                      </p:to>
+                                    </p:set>
+                                  </p:childTnLst>
+                                </p:cTn>
+                              </p:par>
+                              <p:par>
+                                <p:cTn id="7" presetID="1" presetClass="entr" presetSubtype="0" fill="hold" nodeType="withEffect">
+                                  <p:stCondLst>
+                                    <p:cond delay="0"/>
+                                  </p:stCondLst>
+                                  <p:childTnLst>
+                                    <p:set>
+                                      <p:cBhvr>
+                                        <p:cTn id="8" dur="1" fill="hold">
+                                          <p:stCondLst>
+                                            <p:cond delay="0"/>
+                                          </p:stCondLst>
+                                        </p:cTn>
+                                        <p:tgtEl>
+                                          <p:spTgt spid="9">
+                                            <p:txEl>
+                                              <p:pRg st="4" end="4"/>
+                                            </p:txEl>
+                                          </p:spTgt>
+                                        </p:tgtEl>
+                                        <p:attrNameLst>
+                                          <p:attrName>style.visibility</p:attrName>
+                                        </p:attrNameLst>
+                                      </p:cBhvr>
+                                      <p:to>
+                                        <p:strVal val="visible"/>
+                                      </p:to>
+                                    </p:set>
+                                  </p:childTnLst>
+                                </p:cTn>
+                              </p:par>
+                              <p:par>
+                                <p:cTn id="9" presetID="1" presetClass="entr" presetSubtype="0" fill="hold" nodeType="withEffect">
+                                  <p:stCondLst>
+                                    <p:cond delay="0"/>
+                                  </p:stCondLst>
+                                  <p:childTnLst>
+                                    <p:set>
+                                      <p:cBhvr>
+                                        <p:cTn id="10" dur="1" fill="hold">
+                                          <p:stCondLst>
+                                            <p:cond delay="0"/>
+                                          </p:stCondLst>
+                                        </p:cTn>
+                                        <p:tgtEl>
+                                          <p:spTgt spid="9">
+                                            <p:txEl>
+                                              <p:pRg st="5" end="5"/>
+                                            </p:txEl>
+                                          </p:spTgt>
+                                        </p:tgtEl>
+                                        <p:attrNameLst>
+                                          <p:attrName>style.visibility</p:attrName>
+                                        </p:attrNameLst>
+                                      </p:cBhvr>
+                                      <p:to>
+                                        <p:strVal val="visible"/>
+                                      </p:to>
+                                    </p:set>
+                                  </p:childTnLst>
+                                </p:cTn>
+                              </p:par>
+                            </p:childTnLst>
+                          </p:cTn>
+                        </p:par>
+                      </p:childTnLst>
+                    </p:cTn>
+                  </p:par>
+                </p:childTnLst>
+              </p:cTn>
+              <p:prevCondLst>
+                <p:cond evt="onPrev" delay="0">
+                  <p:tgtEl>
+                    <p:sldTgt/>
+                  </p:tgtEl>
+                </p:cond>
+              </p:prevCondLst>
+              <p:nextCondLst>
+                <p:cond evt="onNext" delay="0">
+                  <p:tgtEl>
+                    <p:sldTgt/>
+                  </p:tgtEl>
+                </p:cond>
+              </p:nextCondLst>
+            </p:seq>
+          </p:childTnLst>
+        </p:cTn>
+      </p:par>
+    </p:tnLst>
+  </p:timing>
 </p:sld>
 </file>
 
@@ -7816,6 +9015,196 @@
   <p:clrMapOvr>
     <a:masterClrMapping/>
   </p:clrMapOvr>
+  <p:timing>
+    <p:tnLst>
+      <p:par>
+        <p:cTn id="1" dur="indefinite" restart="never" nodeType="tmRoot">
+          <p:childTnLst>
+            <p:seq concurrent="1" nextAc="seek">
+              <p:cTn id="2" dur="indefinite" nodeType="mainSeq">
+                <p:childTnLst>
+                  <p:par>
+                    <p:cTn id="3" fill="hold">
+                      <p:stCondLst>
+                        <p:cond delay="indefinite"/>
+                      </p:stCondLst>
+                      <p:childTnLst>
+                        <p:par>
+                          <p:cTn id="4" fill="hold">
+                            <p:stCondLst>
+                              <p:cond delay="0"/>
+                            </p:stCondLst>
+                            <p:childTnLst>
+                              <p:par>
+                                <p:cTn id="5" presetID="1" presetClass="entr" presetSubtype="0" fill="hold" nodeType="clickEffect">
+                                  <p:stCondLst>
+                                    <p:cond delay="0"/>
+                                  </p:stCondLst>
+                                  <p:childTnLst>
+                                    <p:set>
+                                      <p:cBhvr>
+                                        <p:cTn id="6" dur="1" fill="hold">
+                                          <p:stCondLst>
+                                            <p:cond delay="0"/>
+                                          </p:stCondLst>
+                                        </p:cTn>
+                                        <p:tgtEl>
+                                          <p:spTgt spid="9">
+                                            <p:txEl>
+                                              <p:pRg st="4" end="4"/>
+                                            </p:txEl>
+                                          </p:spTgt>
+                                        </p:tgtEl>
+                                        <p:attrNameLst>
+                                          <p:attrName>style.visibility</p:attrName>
+                                        </p:attrNameLst>
+                                      </p:cBhvr>
+                                      <p:to>
+                                        <p:strVal val="visible"/>
+                                      </p:to>
+                                    </p:set>
+                                  </p:childTnLst>
+                                </p:cTn>
+                              </p:par>
+                              <p:par>
+                                <p:cTn id="7" presetID="1" presetClass="entr" presetSubtype="0" fill="hold" nodeType="withEffect">
+                                  <p:stCondLst>
+                                    <p:cond delay="0"/>
+                                  </p:stCondLst>
+                                  <p:childTnLst>
+                                    <p:set>
+                                      <p:cBhvr>
+                                        <p:cTn id="8" dur="1" fill="hold">
+                                          <p:stCondLst>
+                                            <p:cond delay="0"/>
+                                          </p:stCondLst>
+                                        </p:cTn>
+                                        <p:tgtEl>
+                                          <p:spTgt spid="9">
+                                            <p:txEl>
+                                              <p:pRg st="5" end="5"/>
+                                            </p:txEl>
+                                          </p:spTgt>
+                                        </p:tgtEl>
+                                        <p:attrNameLst>
+                                          <p:attrName>style.visibility</p:attrName>
+                                        </p:attrNameLst>
+                                      </p:cBhvr>
+                                      <p:to>
+                                        <p:strVal val="visible"/>
+                                      </p:to>
+                                    </p:set>
+                                  </p:childTnLst>
+                                </p:cTn>
+                              </p:par>
+                              <p:par>
+                                <p:cTn id="9" presetID="1" presetClass="entr" presetSubtype="0" fill="hold" nodeType="withEffect">
+                                  <p:stCondLst>
+                                    <p:cond delay="0"/>
+                                  </p:stCondLst>
+                                  <p:childTnLst>
+                                    <p:set>
+                                      <p:cBhvr>
+                                        <p:cTn id="10" dur="1" fill="hold">
+                                          <p:stCondLst>
+                                            <p:cond delay="0"/>
+                                          </p:stCondLst>
+                                        </p:cTn>
+                                        <p:tgtEl>
+                                          <p:spTgt spid="9">
+                                            <p:txEl>
+                                              <p:pRg st="6" end="6"/>
+                                            </p:txEl>
+                                          </p:spTgt>
+                                        </p:tgtEl>
+                                        <p:attrNameLst>
+                                          <p:attrName>style.visibility</p:attrName>
+                                        </p:attrNameLst>
+                                      </p:cBhvr>
+                                      <p:to>
+                                        <p:strVal val="visible"/>
+                                      </p:to>
+                                    </p:set>
+                                  </p:childTnLst>
+                                </p:cTn>
+                              </p:par>
+                            </p:childTnLst>
+                          </p:cTn>
+                        </p:par>
+                      </p:childTnLst>
+                    </p:cTn>
+                  </p:par>
+                  <p:par>
+                    <p:cTn id="11" fill="hold">
+                      <p:stCondLst>
+                        <p:cond delay="indefinite"/>
+                      </p:stCondLst>
+                      <p:childTnLst>
+                        <p:par>
+                          <p:cTn id="12" fill="hold">
+                            <p:stCondLst>
+                              <p:cond delay="0"/>
+                            </p:stCondLst>
+                            <p:childTnLst>
+                              <p:par>
+                                <p:cTn id="13" presetID="1" presetClass="entr" presetSubtype="0" fill="hold" nodeType="clickEffect">
+                                  <p:stCondLst>
+                                    <p:cond delay="0"/>
+                                  </p:stCondLst>
+                                  <p:childTnLst>
+                                    <p:set>
+                                      <p:cBhvr>
+                                        <p:cTn id="14" dur="1" fill="hold">
+                                          <p:stCondLst>
+                                            <p:cond delay="0"/>
+                                          </p:stCondLst>
+                                        </p:cTn>
+                                        <p:tgtEl>
+                                          <p:spTgt spid="9">
+                                            <p:txEl>
+                                              <p:pRg st="8" end="8"/>
+                                            </p:txEl>
+                                          </p:spTgt>
+                                        </p:tgtEl>
+                                        <p:attrNameLst>
+                                          <p:attrName>style.visibility</p:attrName>
+                                        </p:attrNameLst>
+                                      </p:cBhvr>
+                                      <p:to>
+                                        <p:strVal val="visible"/>
+                                      </p:to>
+                                    </p:set>
+                                  </p:childTnLst>
+                                </p:cTn>
+                              </p:par>
+                            </p:childTnLst>
+                          </p:cTn>
+                        </p:par>
+                      </p:childTnLst>
+                    </p:cTn>
+                  </p:par>
+                </p:childTnLst>
+              </p:cTn>
+              <p:prevCondLst>
+                <p:cond evt="onPrev" delay="0">
+                  <p:tgtEl>
+                    <p:sldTgt/>
+                  </p:tgtEl>
+                </p:cond>
+              </p:prevCondLst>
+              <p:nextCondLst>
+                <p:cond evt="onNext" delay="0">
+                  <p:tgtEl>
+                    <p:sldTgt/>
+                  </p:tgtEl>
+                </p:cond>
+              </p:nextCondLst>
+            </p:seq>
+          </p:childTnLst>
+        </p:cTn>
+      </p:par>
+    </p:tnLst>
+  </p:timing>
 </p:sld>
 </file>
 
@@ -8237,46 +9626,6 @@
           </a:p>
         </p:txBody>
       </p:sp>
-      <p:sp>
-        <p:nvSpPr>
-          <p:cNvPr id="3" name="Rectangle 2">
-            <a:extLst>
-              <a:ext uri="{FF2B5EF4-FFF2-40B4-BE49-F238E27FC236}">
-                <a16:creationId xmlns:a16="http://schemas.microsoft.com/office/drawing/2014/main" id="{89FC81C6-5951-4C46-A412-23C1C61FDBAF}"/>
-              </a:ext>
-            </a:extLst>
-          </p:cNvPr>
-          <p:cNvSpPr/>
-          <p:nvPr/>
-        </p:nvSpPr>
-        <p:spPr>
-          <a:xfrm>
-            <a:off x="4425966" y="2688223"/>
-            <a:ext cx="292068" cy="338554"/>
-          </a:xfrm>
-          <a:prstGeom prst="rect">
-            <a:avLst/>
-          </a:prstGeom>
-        </p:spPr>
-        <p:txBody>
-          <a:bodyPr wrap="none">
-            <a:spAutoFit/>
-          </a:bodyPr>
-          <a:lstStyle/>
-          <a:p>
-            <a:r>
-              <a:rPr lang="en-US" sz="1600" b="1" dirty="0">
-                <a:solidFill>
-                  <a:srgbClr val="00B050"/>
-                </a:solidFill>
-                <a:latin typeface="Inconsolata Medium" panose="020B0609030003000000" pitchFamily="49" charset="77"/>
-              </a:rPr>
-              <a:t>#</a:t>
-            </a:r>
-            <a:endParaRPr lang="en-US" dirty="0"/>
-          </a:p>
-        </p:txBody>
-      </p:sp>
     </p:spTree>
     <p:extLst>
       <p:ext uri="{BB962C8B-B14F-4D97-AF65-F5344CB8AC3E}">
@@ -8287,6 +9636,289 @@
   <p:clrMapOvr>
     <a:masterClrMapping/>
   </p:clrMapOvr>
+  <p:timing>
+    <p:tnLst>
+      <p:par>
+        <p:cTn id="1" dur="indefinite" restart="never" nodeType="tmRoot">
+          <p:childTnLst>
+            <p:seq concurrent="1" nextAc="seek">
+              <p:cTn id="2" dur="indefinite" nodeType="mainSeq">
+                <p:childTnLst>
+                  <p:par>
+                    <p:cTn id="3" fill="hold">
+                      <p:stCondLst>
+                        <p:cond delay="indefinite"/>
+                      </p:stCondLst>
+                      <p:childTnLst>
+                        <p:par>
+                          <p:cTn id="4" fill="hold">
+                            <p:stCondLst>
+                              <p:cond delay="0"/>
+                            </p:stCondLst>
+                            <p:childTnLst>
+                              <p:par>
+                                <p:cTn id="5" presetID="1" presetClass="entr" presetSubtype="0" fill="hold" nodeType="clickEffect">
+                                  <p:stCondLst>
+                                    <p:cond delay="0"/>
+                                  </p:stCondLst>
+                                  <p:childTnLst>
+                                    <p:set>
+                                      <p:cBhvr>
+                                        <p:cTn id="6" dur="1" fill="hold">
+                                          <p:stCondLst>
+                                            <p:cond delay="0"/>
+                                          </p:stCondLst>
+                                        </p:cTn>
+                                        <p:tgtEl>
+                                          <p:spTgt spid="9">
+                                            <p:txEl>
+                                              <p:pRg st="2" end="2"/>
+                                            </p:txEl>
+                                          </p:spTgt>
+                                        </p:tgtEl>
+                                        <p:attrNameLst>
+                                          <p:attrName>style.visibility</p:attrName>
+                                        </p:attrNameLst>
+                                      </p:cBhvr>
+                                      <p:to>
+                                        <p:strVal val="visible"/>
+                                      </p:to>
+                                    </p:set>
+                                  </p:childTnLst>
+                                </p:cTn>
+                              </p:par>
+                              <p:par>
+                                <p:cTn id="7" presetID="1" presetClass="entr" presetSubtype="0" fill="hold" nodeType="withEffect">
+                                  <p:stCondLst>
+                                    <p:cond delay="0"/>
+                                  </p:stCondLst>
+                                  <p:childTnLst>
+                                    <p:set>
+                                      <p:cBhvr>
+                                        <p:cTn id="8" dur="1" fill="hold">
+                                          <p:stCondLst>
+                                            <p:cond delay="0"/>
+                                          </p:stCondLst>
+                                        </p:cTn>
+                                        <p:tgtEl>
+                                          <p:spTgt spid="9">
+                                            <p:txEl>
+                                              <p:pRg st="3" end="3"/>
+                                            </p:txEl>
+                                          </p:spTgt>
+                                        </p:tgtEl>
+                                        <p:attrNameLst>
+                                          <p:attrName>style.visibility</p:attrName>
+                                        </p:attrNameLst>
+                                      </p:cBhvr>
+                                      <p:to>
+                                        <p:strVal val="visible"/>
+                                      </p:to>
+                                    </p:set>
+                                  </p:childTnLst>
+                                </p:cTn>
+                              </p:par>
+                              <p:par>
+                                <p:cTn id="9" presetID="1" presetClass="entr" presetSubtype="0" fill="hold" nodeType="withEffect">
+                                  <p:stCondLst>
+                                    <p:cond delay="0"/>
+                                  </p:stCondLst>
+                                  <p:childTnLst>
+                                    <p:set>
+                                      <p:cBhvr>
+                                        <p:cTn id="10" dur="1" fill="hold">
+                                          <p:stCondLst>
+                                            <p:cond delay="0"/>
+                                          </p:stCondLst>
+                                        </p:cTn>
+                                        <p:tgtEl>
+                                          <p:spTgt spid="9">
+                                            <p:txEl>
+                                              <p:pRg st="4" end="4"/>
+                                            </p:txEl>
+                                          </p:spTgt>
+                                        </p:tgtEl>
+                                        <p:attrNameLst>
+                                          <p:attrName>style.visibility</p:attrName>
+                                        </p:attrNameLst>
+                                      </p:cBhvr>
+                                      <p:to>
+                                        <p:strVal val="visible"/>
+                                      </p:to>
+                                    </p:set>
+                                  </p:childTnLst>
+                                </p:cTn>
+                              </p:par>
+                              <p:par>
+                                <p:cTn id="11" presetID="1" presetClass="entr" presetSubtype="0" fill="hold" nodeType="withEffect">
+                                  <p:stCondLst>
+                                    <p:cond delay="0"/>
+                                  </p:stCondLst>
+                                  <p:childTnLst>
+                                    <p:set>
+                                      <p:cBhvr>
+                                        <p:cTn id="12" dur="1" fill="hold">
+                                          <p:stCondLst>
+                                            <p:cond delay="0"/>
+                                          </p:stCondLst>
+                                        </p:cTn>
+                                        <p:tgtEl>
+                                          <p:spTgt spid="9">
+                                            <p:txEl>
+                                              <p:pRg st="5" end="5"/>
+                                            </p:txEl>
+                                          </p:spTgt>
+                                        </p:tgtEl>
+                                        <p:attrNameLst>
+                                          <p:attrName>style.visibility</p:attrName>
+                                        </p:attrNameLst>
+                                      </p:cBhvr>
+                                      <p:to>
+                                        <p:strVal val="visible"/>
+                                      </p:to>
+                                    </p:set>
+                                  </p:childTnLst>
+                                </p:cTn>
+                              </p:par>
+                            </p:childTnLst>
+                          </p:cTn>
+                        </p:par>
+                      </p:childTnLst>
+                    </p:cTn>
+                  </p:par>
+                  <p:par>
+                    <p:cTn id="13" fill="hold">
+                      <p:stCondLst>
+                        <p:cond delay="indefinite"/>
+                      </p:stCondLst>
+                      <p:childTnLst>
+                        <p:par>
+                          <p:cTn id="14" fill="hold">
+                            <p:stCondLst>
+                              <p:cond delay="0"/>
+                            </p:stCondLst>
+                            <p:childTnLst>
+                              <p:par>
+                                <p:cTn id="15" presetID="1" presetClass="entr" presetSubtype="0" fill="hold" nodeType="clickEffect">
+                                  <p:stCondLst>
+                                    <p:cond delay="0"/>
+                                  </p:stCondLst>
+                                  <p:childTnLst>
+                                    <p:set>
+                                      <p:cBhvr>
+                                        <p:cTn id="16" dur="1" fill="hold">
+                                          <p:stCondLst>
+                                            <p:cond delay="0"/>
+                                          </p:stCondLst>
+                                        </p:cTn>
+                                        <p:tgtEl>
+                                          <p:spTgt spid="9">
+                                            <p:txEl>
+                                              <p:pRg st="7" end="7"/>
+                                            </p:txEl>
+                                          </p:spTgt>
+                                        </p:tgtEl>
+                                        <p:attrNameLst>
+                                          <p:attrName>style.visibility</p:attrName>
+                                        </p:attrNameLst>
+                                      </p:cBhvr>
+                                      <p:to>
+                                        <p:strVal val="visible"/>
+                                      </p:to>
+                                    </p:set>
+                                  </p:childTnLst>
+                                </p:cTn>
+                              </p:par>
+                              <p:par>
+                                <p:cTn id="17" presetID="1" presetClass="entr" presetSubtype="0" fill="hold" nodeType="withEffect">
+                                  <p:stCondLst>
+                                    <p:cond delay="0"/>
+                                  </p:stCondLst>
+                                  <p:childTnLst>
+                                    <p:set>
+                                      <p:cBhvr>
+                                        <p:cTn id="18" dur="1" fill="hold">
+                                          <p:stCondLst>
+                                            <p:cond delay="0"/>
+                                          </p:stCondLst>
+                                        </p:cTn>
+                                        <p:tgtEl>
+                                          <p:spTgt spid="9">
+                                            <p:txEl>
+                                              <p:pRg st="8" end="8"/>
+                                            </p:txEl>
+                                          </p:spTgt>
+                                        </p:tgtEl>
+                                        <p:attrNameLst>
+                                          <p:attrName>style.visibility</p:attrName>
+                                        </p:attrNameLst>
+                                      </p:cBhvr>
+                                      <p:to>
+                                        <p:strVal val="visible"/>
+                                      </p:to>
+                                    </p:set>
+                                  </p:childTnLst>
+                                </p:cTn>
+                              </p:par>
+                              <p:par>
+                                <p:cTn id="19" presetID="1" presetClass="entr" presetSubtype="0" fill="hold" nodeType="withEffect">
+                                  <p:stCondLst>
+                                    <p:cond delay="0"/>
+                                  </p:stCondLst>
+                                  <p:childTnLst>
+                                    <p:set>
+                                      <p:cBhvr>
+                                        <p:cTn id="20" dur="1" fill="hold">
+                                          <p:stCondLst>
+                                            <p:cond delay="0"/>
+                                          </p:stCondLst>
+                                        </p:cTn>
+                                        <p:tgtEl>
+                                          <p:spTgt spid="9">
+                                            <p:txEl>
+                                              <p:pRg st="9" end="9"/>
+                                            </p:txEl>
+                                          </p:spTgt>
+                                        </p:tgtEl>
+                                        <p:attrNameLst>
+                                          <p:attrName>style.visibility</p:attrName>
+                                        </p:attrNameLst>
+                                      </p:cBhvr>
+                                      <p:to>
+                                        <p:strVal val="visible"/>
+                                      </p:to>
+                                    </p:set>
+                                  </p:childTnLst>
+                                </p:cTn>
+                              </p:par>
+                            </p:childTnLst>
+                          </p:cTn>
+                        </p:par>
+                      </p:childTnLst>
+                    </p:cTn>
+                  </p:par>
+                </p:childTnLst>
+              </p:cTn>
+              <p:prevCondLst>
+                <p:cond evt="onPrev" delay="0">
+                  <p:tgtEl>
+                    <p:sldTgt/>
+                  </p:tgtEl>
+                </p:cond>
+              </p:prevCondLst>
+              <p:nextCondLst>
+                <p:cond evt="onNext" delay="0">
+                  <p:tgtEl>
+                    <p:sldTgt/>
+                  </p:tgtEl>
+                </p:cond>
+              </p:nextCondLst>
+            </p:seq>
+          </p:childTnLst>
+        </p:cTn>
+      </p:par>
+    </p:tnLst>
+  </p:timing>
 </p:sld>
 </file>
 
@@ -8451,14 +10083,11 @@
               <a:buAutoNum type="arabicParenR"/>
             </a:pPr>
             <a:r>
-              <a:rPr lang="en-US">
+              <a:rPr lang="en-US" dirty="0">
                 <a:latin typeface="Gill Sans MT" panose="020B0502020104020203" pitchFamily="34" charset="77"/>
               </a:rPr>
               <a:t>User input</a:t>
             </a:r>
-            <a:endParaRPr lang="en-US" dirty="0">
-              <a:latin typeface="Gill Sans MT" panose="020B0502020104020203" pitchFamily="34" charset="77"/>
-            </a:endParaRPr>
           </a:p>
           <a:p>
             <a:pPr marL="0" indent="0">
@@ -8529,6 +10158,183 @@
   <p:clrMapOvr>
     <a:masterClrMapping/>
   </p:clrMapOvr>
+  <p:timing>
+    <p:tnLst>
+      <p:par>
+        <p:cTn id="1" dur="indefinite" restart="never" nodeType="tmRoot">
+          <p:childTnLst>
+            <p:seq concurrent="1" nextAc="seek">
+              <p:cTn id="2" dur="indefinite" nodeType="mainSeq">
+                <p:childTnLst>
+                  <p:par>
+                    <p:cTn id="3" fill="hold">
+                      <p:stCondLst>
+                        <p:cond delay="indefinite"/>
+                      </p:stCondLst>
+                      <p:childTnLst>
+                        <p:par>
+                          <p:cTn id="4" fill="hold">
+                            <p:stCondLst>
+                              <p:cond delay="0"/>
+                            </p:stCondLst>
+                            <p:childTnLst>
+                              <p:par>
+                                <p:cTn id="5" presetID="1" presetClass="entr" presetSubtype="0" fill="hold" nodeType="clickEffect">
+                                  <p:stCondLst>
+                                    <p:cond delay="0"/>
+                                  </p:stCondLst>
+                                  <p:childTnLst>
+                                    <p:set>
+                                      <p:cBhvr>
+                                        <p:cTn id="6" dur="1" fill="hold">
+                                          <p:stCondLst>
+                                            <p:cond delay="0"/>
+                                          </p:stCondLst>
+                                        </p:cTn>
+                                        <p:tgtEl>
+                                          <p:spTgt spid="9">
+                                            <p:txEl>
+                                              <p:pRg st="5" end="5"/>
+                                            </p:txEl>
+                                          </p:spTgt>
+                                        </p:tgtEl>
+                                        <p:attrNameLst>
+                                          <p:attrName>style.visibility</p:attrName>
+                                        </p:attrNameLst>
+                                      </p:cBhvr>
+                                      <p:to>
+                                        <p:strVal val="visible"/>
+                                      </p:to>
+                                    </p:set>
+                                  </p:childTnLst>
+                                </p:cTn>
+                              </p:par>
+                            </p:childTnLst>
+                          </p:cTn>
+                        </p:par>
+                      </p:childTnLst>
+                    </p:cTn>
+                  </p:par>
+                  <p:par>
+                    <p:cTn id="7" fill="hold">
+                      <p:stCondLst>
+                        <p:cond delay="indefinite"/>
+                      </p:stCondLst>
+                      <p:childTnLst>
+                        <p:par>
+                          <p:cTn id="8" fill="hold">
+                            <p:stCondLst>
+                              <p:cond delay="0"/>
+                            </p:stCondLst>
+                            <p:childTnLst>
+                              <p:par>
+                                <p:cTn id="9" presetID="1" presetClass="entr" presetSubtype="0" fill="hold" nodeType="clickEffect">
+                                  <p:stCondLst>
+                                    <p:cond delay="0"/>
+                                  </p:stCondLst>
+                                  <p:childTnLst>
+                                    <p:set>
+                                      <p:cBhvr>
+                                        <p:cTn id="10" dur="1" fill="hold">
+                                          <p:stCondLst>
+                                            <p:cond delay="0"/>
+                                          </p:stCondLst>
+                                        </p:cTn>
+                                        <p:tgtEl>
+                                          <p:spTgt spid="9">
+                                            <p:txEl>
+                                              <p:pRg st="6" end="6"/>
+                                            </p:txEl>
+                                          </p:spTgt>
+                                        </p:tgtEl>
+                                        <p:attrNameLst>
+                                          <p:attrName>style.visibility</p:attrName>
+                                        </p:attrNameLst>
+                                      </p:cBhvr>
+                                      <p:to>
+                                        <p:strVal val="visible"/>
+                                      </p:to>
+                                    </p:set>
+                                  </p:childTnLst>
+                                </p:cTn>
+                              </p:par>
+                            </p:childTnLst>
+                          </p:cTn>
+                        </p:par>
+                      </p:childTnLst>
+                    </p:cTn>
+                  </p:par>
+                  <p:par>
+                    <p:cTn id="11" fill="hold">
+                      <p:stCondLst>
+                        <p:cond delay="indefinite"/>
+                      </p:stCondLst>
+                      <p:childTnLst>
+                        <p:par>
+                          <p:cTn id="12" fill="hold">
+                            <p:stCondLst>
+                              <p:cond delay="0"/>
+                            </p:stCondLst>
+                            <p:childTnLst>
+                              <p:par>
+                                <p:cTn id="13" presetID="1" presetClass="entr" presetSubtype="0" fill="hold" nodeType="clickEffect">
+                                  <p:stCondLst>
+                                    <p:cond delay="0"/>
+                                  </p:stCondLst>
+                                  <p:childTnLst>
+                                    <p:set>
+                                      <p:cBhvr>
+                                        <p:cTn id="14" dur="1" fill="hold">
+                                          <p:stCondLst>
+                                            <p:cond delay="0"/>
+                                          </p:stCondLst>
+                                        </p:cTn>
+                                        <p:tgtEl>
+                                          <p:spTgt spid="9">
+                                            <p:txEl>
+                                              <p:pRg st="7" end="7"/>
+                                            </p:txEl>
+                                          </p:spTgt>
+                                        </p:tgtEl>
+                                        <p:attrNameLst>
+                                          <p:attrName>style.visibility</p:attrName>
+                                        </p:attrNameLst>
+                                      </p:cBhvr>
+                                      <p:to>
+                                        <p:strVal val="visible"/>
+                                      </p:to>
+                                    </p:set>
+                                  </p:childTnLst>
+                                </p:cTn>
+                              </p:par>
+                            </p:childTnLst>
+                          </p:cTn>
+                        </p:par>
+                      </p:childTnLst>
+                    </p:cTn>
+                  </p:par>
+                </p:childTnLst>
+              </p:cTn>
+              <p:prevCondLst>
+                <p:cond evt="onPrev" delay="0">
+                  <p:tgtEl>
+                    <p:sldTgt/>
+                  </p:tgtEl>
+                </p:cond>
+              </p:prevCondLst>
+              <p:nextCondLst>
+                <p:cond evt="onNext" delay="0">
+                  <p:tgtEl>
+                    <p:sldTgt/>
+                  </p:tgtEl>
+                </p:cond>
+              </p:nextCondLst>
+            </p:seq>
+          </p:childTnLst>
+        </p:cTn>
+      </p:par>
+    </p:tnLst>
+  </p:timing>
 </p:sld>
 </file>
 
@@ -9122,6 +10928,178 @@
   <p:clrMapOvr>
     <a:masterClrMapping/>
   </p:clrMapOvr>
+  <p:timing>
+    <p:tnLst>
+      <p:par>
+        <p:cTn id="1" dur="indefinite" restart="never" nodeType="tmRoot">
+          <p:childTnLst>
+            <p:seq concurrent="1" nextAc="seek">
+              <p:cTn id="2" dur="indefinite" nodeType="mainSeq">
+                <p:childTnLst>
+                  <p:par>
+                    <p:cTn id="3" fill="hold">
+                      <p:stCondLst>
+                        <p:cond delay="indefinite"/>
+                      </p:stCondLst>
+                      <p:childTnLst>
+                        <p:par>
+                          <p:cTn id="4" fill="hold">
+                            <p:stCondLst>
+                              <p:cond delay="0"/>
+                            </p:stCondLst>
+                            <p:childTnLst>
+                              <p:par>
+                                <p:cTn id="5" presetID="1" presetClass="entr" presetSubtype="0" fill="hold" nodeType="clickEffect">
+                                  <p:stCondLst>
+                                    <p:cond delay="0"/>
+                                  </p:stCondLst>
+                                  <p:childTnLst>
+                                    <p:set>
+                                      <p:cBhvr>
+                                        <p:cTn id="6" dur="1" fill="hold">
+                                          <p:stCondLst>
+                                            <p:cond delay="0"/>
+                                          </p:stCondLst>
+                                        </p:cTn>
+                                        <p:tgtEl>
+                                          <p:spTgt spid="9">
+                                            <p:txEl>
+                                              <p:pRg st="8" end="8"/>
+                                            </p:txEl>
+                                          </p:spTgt>
+                                        </p:tgtEl>
+                                        <p:attrNameLst>
+                                          <p:attrName>style.visibility</p:attrName>
+                                        </p:attrNameLst>
+                                      </p:cBhvr>
+                                      <p:to>
+                                        <p:strVal val="visible"/>
+                                      </p:to>
+                                    </p:set>
+                                  </p:childTnLst>
+                                </p:cTn>
+                              </p:par>
+                              <p:par>
+                                <p:cTn id="7" presetID="1" presetClass="entr" presetSubtype="0" fill="hold" nodeType="withEffect">
+                                  <p:stCondLst>
+                                    <p:cond delay="0"/>
+                                  </p:stCondLst>
+                                  <p:childTnLst>
+                                    <p:set>
+                                      <p:cBhvr>
+                                        <p:cTn id="8" dur="1" fill="hold">
+                                          <p:stCondLst>
+                                            <p:cond delay="0"/>
+                                          </p:stCondLst>
+                                        </p:cTn>
+                                        <p:tgtEl>
+                                          <p:spTgt spid="9">
+                                            <p:txEl>
+                                              <p:pRg st="9" end="9"/>
+                                            </p:txEl>
+                                          </p:spTgt>
+                                        </p:tgtEl>
+                                        <p:attrNameLst>
+                                          <p:attrName>style.visibility</p:attrName>
+                                        </p:attrNameLst>
+                                      </p:cBhvr>
+                                      <p:to>
+                                        <p:strVal val="visible"/>
+                                      </p:to>
+                                    </p:set>
+                                  </p:childTnLst>
+                                </p:cTn>
+                              </p:par>
+                              <p:par>
+                                <p:cTn id="9" presetID="1" presetClass="entr" presetSubtype="0" fill="hold" nodeType="withEffect">
+                                  <p:stCondLst>
+                                    <p:cond delay="0"/>
+                                  </p:stCondLst>
+                                  <p:childTnLst>
+                                    <p:set>
+                                      <p:cBhvr>
+                                        <p:cTn id="10" dur="1" fill="hold">
+                                          <p:stCondLst>
+                                            <p:cond delay="0"/>
+                                          </p:stCondLst>
+                                        </p:cTn>
+                                        <p:tgtEl>
+                                          <p:spTgt spid="9">
+                                            <p:txEl>
+                                              <p:pRg st="10" end="10"/>
+                                            </p:txEl>
+                                          </p:spTgt>
+                                        </p:tgtEl>
+                                        <p:attrNameLst>
+                                          <p:attrName>style.visibility</p:attrName>
+                                        </p:attrNameLst>
+                                      </p:cBhvr>
+                                      <p:to>
+                                        <p:strVal val="visible"/>
+                                      </p:to>
+                                    </p:set>
+                                  </p:childTnLst>
+                                </p:cTn>
+                              </p:par>
+                              <p:par>
+                                <p:cTn id="11" presetID="1" presetClass="entr" presetSubtype="0" fill="hold" nodeType="withEffect">
+                                  <p:stCondLst>
+                                    <p:cond delay="0"/>
+                                  </p:stCondLst>
+                                  <p:childTnLst>
+                                    <p:set>
+                                      <p:cBhvr>
+                                        <p:cTn id="12" dur="1" fill="hold">
+                                          <p:stCondLst>
+                                            <p:cond delay="0"/>
+                                          </p:stCondLst>
+                                        </p:cTn>
+                                        <p:tgtEl>
+                                          <p:spTgt spid="9">
+                                            <p:txEl>
+                                              <p:pRg st="11" end="11"/>
+                                            </p:txEl>
+                                          </p:spTgt>
+                                        </p:tgtEl>
+                                        <p:attrNameLst>
+                                          <p:attrName>style.visibility</p:attrName>
+                                        </p:attrNameLst>
+                                      </p:cBhvr>
+                                      <p:to>
+                                        <p:strVal val="visible"/>
+                                      </p:to>
+                                    </p:set>
+                                  </p:childTnLst>
+                                </p:cTn>
+                              </p:par>
+                            </p:childTnLst>
+                          </p:cTn>
+                        </p:par>
+                      </p:childTnLst>
+                    </p:cTn>
+                  </p:par>
+                </p:childTnLst>
+              </p:cTn>
+              <p:prevCondLst>
+                <p:cond evt="onPrev" delay="0">
+                  <p:tgtEl>
+                    <p:sldTgt/>
+                  </p:tgtEl>
+                </p:cond>
+              </p:prevCondLst>
+              <p:nextCondLst>
+                <p:cond evt="onNext" delay="0">
+                  <p:tgtEl>
+                    <p:sldTgt/>
+                  </p:tgtEl>
+                </p:cond>
+              </p:nextCondLst>
+            </p:seq>
+          </p:childTnLst>
+        </p:cTn>
+      </p:par>
+    </p:tnLst>
+  </p:timing>
 </p:sld>
 </file>
 
@@ -9550,6 +11528,245 @@
   <p:clrMapOvr>
     <a:masterClrMapping/>
   </p:clrMapOvr>
+  <p:timing>
+    <p:tnLst>
+      <p:par>
+        <p:cTn id="1" dur="indefinite" restart="never" nodeType="tmRoot">
+          <p:childTnLst>
+            <p:seq concurrent="1" nextAc="seek">
+              <p:cTn id="2" dur="indefinite" nodeType="mainSeq">
+                <p:childTnLst>
+                  <p:par>
+                    <p:cTn id="3" fill="hold">
+                      <p:stCondLst>
+                        <p:cond delay="indefinite"/>
+                      </p:stCondLst>
+                      <p:childTnLst>
+                        <p:par>
+                          <p:cTn id="4" fill="hold">
+                            <p:stCondLst>
+                              <p:cond delay="0"/>
+                            </p:stCondLst>
+                            <p:childTnLst>
+                              <p:par>
+                                <p:cTn id="5" presetID="1" presetClass="entr" presetSubtype="0" fill="hold" nodeType="clickEffect">
+                                  <p:stCondLst>
+                                    <p:cond delay="0"/>
+                                  </p:stCondLst>
+                                  <p:childTnLst>
+                                    <p:set>
+                                      <p:cBhvr>
+                                        <p:cTn id="6" dur="1" fill="hold">
+                                          <p:stCondLst>
+                                            <p:cond delay="0"/>
+                                          </p:stCondLst>
+                                        </p:cTn>
+                                        <p:tgtEl>
+                                          <p:spTgt spid="9">
+                                            <p:txEl>
+                                              <p:pRg st="4" end="4"/>
+                                            </p:txEl>
+                                          </p:spTgt>
+                                        </p:tgtEl>
+                                        <p:attrNameLst>
+                                          <p:attrName>style.visibility</p:attrName>
+                                        </p:attrNameLst>
+                                      </p:cBhvr>
+                                      <p:to>
+                                        <p:strVal val="visible"/>
+                                      </p:to>
+                                    </p:set>
+                                  </p:childTnLst>
+                                </p:cTn>
+                              </p:par>
+                            </p:childTnLst>
+                          </p:cTn>
+                        </p:par>
+                      </p:childTnLst>
+                    </p:cTn>
+                  </p:par>
+                  <p:par>
+                    <p:cTn id="7" fill="hold">
+                      <p:stCondLst>
+                        <p:cond delay="indefinite"/>
+                      </p:stCondLst>
+                      <p:childTnLst>
+                        <p:par>
+                          <p:cTn id="8" fill="hold">
+                            <p:stCondLst>
+                              <p:cond delay="0"/>
+                            </p:stCondLst>
+                            <p:childTnLst>
+                              <p:par>
+                                <p:cTn id="9" presetID="1" presetClass="entr" presetSubtype="0" fill="hold" nodeType="clickEffect">
+                                  <p:stCondLst>
+                                    <p:cond delay="0"/>
+                                  </p:stCondLst>
+                                  <p:childTnLst>
+                                    <p:set>
+                                      <p:cBhvr>
+                                        <p:cTn id="10" dur="1" fill="hold">
+                                          <p:stCondLst>
+                                            <p:cond delay="0"/>
+                                          </p:stCondLst>
+                                        </p:cTn>
+                                        <p:tgtEl>
+                                          <p:spTgt spid="9">
+                                            <p:txEl>
+                                              <p:pRg st="6" end="6"/>
+                                            </p:txEl>
+                                          </p:spTgt>
+                                        </p:tgtEl>
+                                        <p:attrNameLst>
+                                          <p:attrName>style.visibility</p:attrName>
+                                        </p:attrNameLst>
+                                      </p:cBhvr>
+                                      <p:to>
+                                        <p:strVal val="visible"/>
+                                      </p:to>
+                                    </p:set>
+                                  </p:childTnLst>
+                                </p:cTn>
+                              </p:par>
+                              <p:par>
+                                <p:cTn id="11" presetID="1" presetClass="entr" presetSubtype="0" fill="hold" nodeType="withEffect">
+                                  <p:stCondLst>
+                                    <p:cond delay="0"/>
+                                  </p:stCondLst>
+                                  <p:childTnLst>
+                                    <p:set>
+                                      <p:cBhvr>
+                                        <p:cTn id="12" dur="1" fill="hold">
+                                          <p:stCondLst>
+                                            <p:cond delay="0"/>
+                                          </p:stCondLst>
+                                        </p:cTn>
+                                        <p:tgtEl>
+                                          <p:spTgt spid="9">
+                                            <p:txEl>
+                                              <p:pRg st="7" end="7"/>
+                                            </p:txEl>
+                                          </p:spTgt>
+                                        </p:tgtEl>
+                                        <p:attrNameLst>
+                                          <p:attrName>style.visibility</p:attrName>
+                                        </p:attrNameLst>
+                                      </p:cBhvr>
+                                      <p:to>
+                                        <p:strVal val="visible"/>
+                                      </p:to>
+                                    </p:set>
+                                  </p:childTnLst>
+                                </p:cTn>
+                              </p:par>
+                              <p:par>
+                                <p:cTn id="13" presetID="1" presetClass="entr" presetSubtype="0" fill="hold" nodeType="withEffect">
+                                  <p:stCondLst>
+                                    <p:cond delay="0"/>
+                                  </p:stCondLst>
+                                  <p:childTnLst>
+                                    <p:set>
+                                      <p:cBhvr>
+                                        <p:cTn id="14" dur="1" fill="hold">
+                                          <p:stCondLst>
+                                            <p:cond delay="0"/>
+                                          </p:stCondLst>
+                                        </p:cTn>
+                                        <p:tgtEl>
+                                          <p:spTgt spid="9">
+                                            <p:txEl>
+                                              <p:pRg st="8" end="8"/>
+                                            </p:txEl>
+                                          </p:spTgt>
+                                        </p:tgtEl>
+                                        <p:attrNameLst>
+                                          <p:attrName>style.visibility</p:attrName>
+                                        </p:attrNameLst>
+                                      </p:cBhvr>
+                                      <p:to>
+                                        <p:strVal val="visible"/>
+                                      </p:to>
+                                    </p:set>
+                                  </p:childTnLst>
+                                </p:cTn>
+                              </p:par>
+                            </p:childTnLst>
+                          </p:cTn>
+                        </p:par>
+                      </p:childTnLst>
+                    </p:cTn>
+                  </p:par>
+                  <p:par>
+                    <p:cTn id="15" fill="hold">
+                      <p:stCondLst>
+                        <p:cond delay="indefinite"/>
+                      </p:stCondLst>
+                      <p:childTnLst>
+                        <p:par>
+                          <p:cTn id="16" fill="hold">
+                            <p:stCondLst>
+                              <p:cond delay="0"/>
+                            </p:stCondLst>
+                            <p:childTnLst>
+                              <p:par>
+                                <p:cTn id="17" presetID="1" presetClass="entr" presetSubtype="0" fill="hold" nodeType="clickEffect">
+                                  <p:stCondLst>
+                                    <p:cond delay="0"/>
+                                  </p:stCondLst>
+                                  <p:childTnLst>
+                                    <p:set>
+                                      <p:cBhvr>
+                                        <p:cTn id="18" dur="1" fill="hold">
+                                          <p:stCondLst>
+                                            <p:cond delay="0"/>
+                                          </p:stCondLst>
+                                        </p:cTn>
+                                        <p:tgtEl>
+                                          <p:spTgt spid="9">
+                                            <p:txEl>
+                                              <p:pRg st="9" end="9"/>
+                                            </p:txEl>
+                                          </p:spTgt>
+                                        </p:tgtEl>
+                                        <p:attrNameLst>
+                                          <p:attrName>style.visibility</p:attrName>
+                                        </p:attrNameLst>
+                                      </p:cBhvr>
+                                      <p:to>
+                                        <p:strVal val="visible"/>
+                                      </p:to>
+                                    </p:set>
+                                  </p:childTnLst>
+                                </p:cTn>
+                              </p:par>
+                            </p:childTnLst>
+                          </p:cTn>
+                        </p:par>
+                      </p:childTnLst>
+                    </p:cTn>
+                  </p:par>
+                </p:childTnLst>
+              </p:cTn>
+              <p:prevCondLst>
+                <p:cond evt="onPrev" delay="0">
+                  <p:tgtEl>
+                    <p:sldTgt/>
+                  </p:tgtEl>
+                </p:cond>
+              </p:prevCondLst>
+              <p:nextCondLst>
+                <p:cond evt="onNext" delay="0">
+                  <p:tgtEl>
+                    <p:sldTgt/>
+                  </p:tgtEl>
+                </p:cond>
+              </p:nextCondLst>
+            </p:seq>
+          </p:childTnLst>
+        </p:cTn>
+      </p:par>
+    </p:tnLst>
+  </p:timing>
 </p:sld>
 </file>
 
@@ -9638,11 +11855,6 @@
               <a:rPr lang="en-US" sz="2000" dirty="0"/>
               <a:t>Programs may use the input function to obtain information from the user. </a:t>
             </a:r>
-          </a:p>
-          <a:p>
-            <a:pPr marL="0" indent="0">
-              <a:buNone/>
-            </a:pPr>
             <a:endParaRPr lang="en-US" sz="2000" b="1" dirty="0">
               <a:solidFill>
                 <a:srgbClr val="34A327"/>
@@ -9661,25 +11873,7 @@
                 </a:solidFill>
                 <a:latin typeface="Inconsolata Medium" panose="020B0609030003000000" pitchFamily="49" charset="77"/>
               </a:rPr>
-              <a:t>In [</a:t>
-            </a:r>
-            <a:r>
-              <a:rPr lang="en-US" sz="2000" b="1" dirty="0">
-                <a:solidFill>
-                  <a:srgbClr val="2EE721"/>
-                </a:solidFill>
-                <a:latin typeface="Inconsolata Medium" panose="020B0609030003000000" pitchFamily="49" charset="77"/>
-              </a:rPr>
-              <a:t>1</a:t>
-            </a:r>
-            <a:r>
-              <a:rPr lang="en-US" sz="2000" b="1" dirty="0">
-                <a:solidFill>
-                  <a:srgbClr val="34A327"/>
-                </a:solidFill>
-                <a:latin typeface="Inconsolata Medium" panose="020B0609030003000000" pitchFamily="49" charset="77"/>
-              </a:rPr>
-              <a:t>]: print</a:t>
+              <a:t>print</a:t>
             </a:r>
             <a:r>
               <a:rPr lang="en-US" sz="2000" b="1" dirty="0">
@@ -9722,15 +11916,6 @@
             <a:r>
               <a:rPr lang="en-US" sz="2000" b="1" dirty="0">
                 <a:solidFill>
-                  <a:srgbClr val="34A327"/>
-                </a:solidFill>
-                <a:latin typeface="Inconsolata Medium" panose="020B0609030003000000" pitchFamily="49" charset="77"/>
-              </a:rPr>
-              <a:t>        </a:t>
-            </a:r>
-            <a:r>
-              <a:rPr lang="en-US" sz="2000" b="1" dirty="0">
-                <a:solidFill>
                   <a:srgbClr val="000000"/>
                 </a:solidFill>
                 <a:latin typeface="Inconsolata Medium" panose="020B0609030003000000" pitchFamily="49" charset="77"/>
@@ -9773,7 +11958,7 @@
                 </a:solidFill>
                 <a:latin typeface="Inconsolata Medium" panose="020B0609030003000000" pitchFamily="49" charset="77"/>
               </a:rPr>
-              <a:t>        print</a:t>
+              <a:t>print</a:t>
             </a:r>
             <a:r>
               <a:rPr lang="en-US" sz="2000" b="1" dirty="0">
@@ -9820,7 +12005,7 @@
                 </a:solidFill>
                 <a:latin typeface="Inconsolata Medium" panose="020B0609030003000000" pitchFamily="49" charset="77"/>
               </a:rPr>
-              <a:t>        print</a:t>
+              <a:t>print</a:t>
             </a:r>
             <a:r>
               <a:rPr lang="en-US" sz="2000" b="1" dirty="0">
@@ -9976,125 +12161,6 @@
           </a:p>
         </p:txBody>
       </p:sp>
-      <p:sp>
-        <p:nvSpPr>
-          <p:cNvPr id="3" name="TextBox 2">
-            <a:extLst>
-              <a:ext uri="{FF2B5EF4-FFF2-40B4-BE49-F238E27FC236}">
-                <a16:creationId xmlns:a16="http://schemas.microsoft.com/office/drawing/2014/main" id="{5FEBABCA-F4C8-1048-81D6-6BFA51446B1C}"/>
-              </a:ext>
-            </a:extLst>
-          </p:cNvPr>
-          <p:cNvSpPr txBox="1"/>
-          <p:nvPr/>
-        </p:nvSpPr>
-        <p:spPr>
-          <a:xfrm>
-            <a:off x="3472234" y="4128052"/>
-            <a:ext cx="4923527" cy="1015663"/>
-          </a:xfrm>
-          <a:prstGeom prst="rect">
-            <a:avLst/>
-          </a:prstGeom>
-          <a:noFill/>
-        </p:spPr>
-        <p:txBody>
-          <a:bodyPr wrap="none" rtlCol="0">
-            <a:spAutoFit/>
-          </a:bodyPr>
-          <a:lstStyle/>
-          <a:p>
-            <a:r>
-              <a:rPr lang="en-US" sz="2000" dirty="0">
-                <a:solidFill>
-                  <a:srgbClr val="FF0000"/>
-                </a:solidFill>
-              </a:rPr>
-              <a:t>The second line shown in the output is </a:t>
-            </a:r>
-          </a:p>
-          <a:p>
-            <a:r>
-              <a:rPr lang="en-US" sz="2000" dirty="0">
-                <a:solidFill>
-                  <a:srgbClr val="FF0000"/>
-                </a:solidFill>
-              </a:rPr>
-              <a:t>entered by the user, and the program </a:t>
-            </a:r>
-            <a:r>
-              <a:rPr lang="en-US" sz="2000" b="1" dirty="0">
-                <a:solidFill>
-                  <a:srgbClr val="FF0000"/>
-                </a:solidFill>
-              </a:rPr>
-              <a:t>ONLY</a:t>
-            </a:r>
-            <a:r>
-              <a:rPr lang="en-US" sz="2000" dirty="0">
-                <a:solidFill>
-                  <a:srgbClr val="FF0000"/>
-                </a:solidFill>
-              </a:rPr>
-              <a:t> </a:t>
-            </a:r>
-          </a:p>
-          <a:p>
-            <a:r>
-              <a:rPr lang="en-US" sz="2000" dirty="0">
-                <a:solidFill>
-                  <a:srgbClr val="FF0000"/>
-                </a:solidFill>
-              </a:rPr>
-              <a:t>prints the first, third, and fourth lines. </a:t>
-            </a:r>
-          </a:p>
-        </p:txBody>
-      </p:sp>
-      <p:cxnSp>
-        <p:nvCxnSpPr>
-          <p:cNvPr id="5" name="Straight Arrow Connector 4">
-            <a:extLst>
-              <a:ext uri="{FF2B5EF4-FFF2-40B4-BE49-F238E27FC236}">
-                <a16:creationId xmlns:a16="http://schemas.microsoft.com/office/drawing/2014/main" id="{FA2DFF0D-650A-334C-9422-0411CF348AB3}"/>
-              </a:ext>
-            </a:extLst>
-          </p:cNvPr>
-          <p:cNvCxnSpPr>
-            <a:cxnSpLocks/>
-          </p:cNvCxnSpPr>
-          <p:nvPr/>
-        </p:nvCxnSpPr>
-        <p:spPr>
-          <a:xfrm flipH="1">
-            <a:off x="1520841" y="4426927"/>
-            <a:ext cx="1854748" cy="0"/>
-          </a:xfrm>
-          <a:prstGeom prst="straightConnector1">
-            <a:avLst/>
-          </a:prstGeom>
-          <a:ln w="25400">
-            <a:solidFill>
-              <a:schemeClr val="tx1"/>
-            </a:solidFill>
-            <a:tailEnd type="triangle"/>
-          </a:ln>
-        </p:spPr>
-        <p:style>
-          <a:lnRef idx="1">
-            <a:schemeClr val="accent1"/>
-          </a:lnRef>
-          <a:fillRef idx="0">
-            <a:schemeClr val="accent1"/>
-          </a:fillRef>
-          <a:effectRef idx="0">
-            <a:schemeClr val="accent1"/>
-          </a:effectRef>
-          <a:fontRef idx="minor">
-            <a:schemeClr val="tx1"/>
-          </a:fontRef>
-        </p:style>
-      </p:cxnSp>
     </p:spTree>
     <p:extLst>
       <p:ext uri="{BB962C8B-B14F-4D97-AF65-F5344CB8AC3E}">
@@ -10201,33 +12267,6 @@
             <a:r>
               <a:rPr lang="en-US" sz="2000" b="1" dirty="0">
                 <a:solidFill>
-                  <a:srgbClr val="34A327"/>
-                </a:solidFill>
-                <a:latin typeface="Inconsolata Medium" panose="020B0609030003000000" pitchFamily="49" charset="77"/>
-              </a:rPr>
-              <a:t>In [</a:t>
-            </a:r>
-            <a:r>
-              <a:rPr lang="en-US" sz="2000" b="1" dirty="0">
-                <a:solidFill>
-                  <a:srgbClr val="2EE721"/>
-                </a:solidFill>
-                <a:latin typeface="Inconsolata Medium" panose="020B0609030003000000" pitchFamily="49" charset="77"/>
-              </a:rPr>
-              <a:t>1</a:t>
-            </a:r>
-            <a:r>
-              <a:rPr lang="en-US" sz="2000" b="1" dirty="0">
-                <a:solidFill>
-                  <a:srgbClr val="34A327"/>
-                </a:solidFill>
-                <a:latin typeface="Inconsolata Medium" panose="020B0609030003000000" pitchFamily="49" charset="77"/>
-              </a:rPr>
-              <a:t>]: </a:t>
-            </a:r>
-            <a:r>
-              <a:rPr lang="en-US" sz="2000" b="1" dirty="0">
-                <a:solidFill>
                   <a:srgbClr val="000000"/>
                 </a:solidFill>
                 <a:latin typeface="Inconsolata Medium" panose="020B0609030003000000" pitchFamily="49" charset="77"/>
@@ -10284,15 +12323,6 @@
             <a:r>
               <a:rPr lang="en-US" sz="2000" b="1" dirty="0">
                 <a:solidFill>
-                  <a:srgbClr val="34A327"/>
-                </a:solidFill>
-                <a:latin typeface="Inconsolata Medium" panose="020B0609030003000000" pitchFamily="49" charset="77"/>
-              </a:rPr>
-              <a:t>        </a:t>
-            </a:r>
-            <a:r>
-              <a:rPr lang="en-US" sz="2000" b="1" dirty="0">
-                <a:solidFill>
                   <a:srgbClr val="000000"/>
                 </a:solidFill>
                 <a:latin typeface="Inconsolata Medium" panose="020B0609030003000000" pitchFamily="49" charset="77"/>
@@ -10349,11 +12379,20 @@
             <a:r>
               <a:rPr lang="en-US" sz="2000" b="1" dirty="0">
                 <a:solidFill>
+                  <a:srgbClr val="000000"/>
+                </a:solidFill>
+                <a:latin typeface="Inconsolata Medium" panose="020B0609030003000000" pitchFamily="49" charset="77"/>
+              </a:rPr>
+              <a:t>num1 = </a:t>
+            </a:r>
+            <a:r>
+              <a:rPr lang="en-US" sz="2000" b="1" dirty="0">
+                <a:solidFill>
                   <a:srgbClr val="34A327"/>
                 </a:solidFill>
                 <a:latin typeface="Inconsolata Medium" panose="020B0609030003000000" pitchFamily="49" charset="77"/>
               </a:rPr>
-              <a:t>        </a:t>
+              <a:t>int</a:t>
             </a:r>
             <a:r>
               <a:rPr lang="en-US" sz="2000" b="1" dirty="0">
@@ -10362,11 +12401,25 @@
                 </a:solidFill>
                 <a:latin typeface="Inconsolata Medium" panose="020B0609030003000000" pitchFamily="49" charset="77"/>
               </a:rPr>
-              <a:t>num1 = </a:t>
-            </a:r>
+              <a:t>(x) </a:t>
+            </a:r>
+          </a:p>
+          <a:p>
+            <a:pPr marL="0" indent="0">
+              <a:buNone/>
+            </a:pPr>
             <a:r>
               <a:rPr lang="en-US" sz="2000" b="1" dirty="0">
                 <a:solidFill>
+                  <a:srgbClr val="000000"/>
+                </a:solidFill>
+                <a:latin typeface="Inconsolata Medium" panose="020B0609030003000000" pitchFamily="49" charset="77"/>
+              </a:rPr>
+              <a:t>num2 = </a:t>
+            </a:r>
+            <a:r>
+              <a:rPr lang="en-US" sz="2000" b="1" dirty="0">
+                <a:solidFill>
                   <a:srgbClr val="34A327"/>
                 </a:solidFill>
                 <a:latin typeface="Inconsolata Medium" panose="020B0609030003000000" pitchFamily="49" charset="77"/>
@@ -10380,7 +12433,7 @@
                 </a:solidFill>
                 <a:latin typeface="Inconsolata Medium" panose="020B0609030003000000" pitchFamily="49" charset="77"/>
               </a:rPr>
-              <a:t>(x) </a:t>
+              <a:t>(y) </a:t>
             </a:r>
           </a:p>
           <a:p>
@@ -10394,48 +12447,7 @@
                 </a:solidFill>
                 <a:latin typeface="Inconsolata Medium" panose="020B0609030003000000" pitchFamily="49" charset="77"/>
               </a:rPr>
-              <a:t>        </a:t>
-            </a:r>
-            <a:r>
-              <a:rPr lang="en-US" sz="2000" b="1" dirty="0">
-                <a:solidFill>
-                  <a:srgbClr val="000000"/>
-                </a:solidFill>
-                <a:latin typeface="Inconsolata Medium" panose="020B0609030003000000" pitchFamily="49" charset="77"/>
-              </a:rPr>
-              <a:t>num2 = </a:t>
-            </a:r>
-            <a:r>
-              <a:rPr lang="en-US" sz="2000" b="1" dirty="0">
-                <a:solidFill>
-                  <a:srgbClr val="34A327"/>
-                </a:solidFill>
-                <a:latin typeface="Inconsolata Medium" panose="020B0609030003000000" pitchFamily="49" charset="77"/>
-              </a:rPr>
-              <a:t>int</a:t>
-            </a:r>
-            <a:r>
-              <a:rPr lang="en-US" sz="2000" b="1" dirty="0">
-                <a:solidFill>
-                  <a:srgbClr val="000000"/>
-                </a:solidFill>
-                <a:latin typeface="Inconsolata Medium" panose="020B0609030003000000" pitchFamily="49" charset="77"/>
-              </a:rPr>
-              <a:t>(y) </a:t>
-            </a:r>
-          </a:p>
-          <a:p>
-            <a:pPr marL="0" indent="0">
-              <a:buNone/>
-            </a:pPr>
-            <a:r>
-              <a:rPr lang="en-US" sz="2000" b="1" dirty="0">
-                <a:solidFill>
-                  <a:srgbClr val="34A327"/>
-                </a:solidFill>
-                <a:latin typeface="Inconsolata Medium" panose="020B0609030003000000" pitchFamily="49" charset="77"/>
-              </a:rPr>
-              <a:t>        print</a:t>
+              <a:t>print</a:t>
             </a:r>
             <a:r>
               <a:rPr lang="en-US" sz="2000" b="1" dirty="0">
@@ -10693,33 +12705,6 @@
             <a:r>
               <a:rPr lang="en-US" sz="1800" b="1" dirty="0">
                 <a:solidFill>
-                  <a:srgbClr val="34A327"/>
-                </a:solidFill>
-                <a:latin typeface="Inconsolata Medium" panose="020B0609030003000000" pitchFamily="49" charset="77"/>
-              </a:rPr>
-              <a:t>In [</a:t>
-            </a:r>
-            <a:r>
-              <a:rPr lang="en-US" sz="1800" b="1" dirty="0">
-                <a:solidFill>
-                  <a:srgbClr val="2EE721"/>
-                </a:solidFill>
-                <a:latin typeface="Inconsolata Medium" panose="020B0609030003000000" pitchFamily="49" charset="77"/>
-              </a:rPr>
-              <a:t>1</a:t>
-            </a:r>
-            <a:r>
-              <a:rPr lang="en-US" sz="1800" b="1" dirty="0">
-                <a:solidFill>
-                  <a:srgbClr val="34A327"/>
-                </a:solidFill>
-                <a:latin typeface="Inconsolata Medium" panose="020B0609030003000000" pitchFamily="49" charset="77"/>
-              </a:rPr>
-              <a:t>]: </a:t>
-            </a:r>
-            <a:r>
-              <a:rPr lang="en-US" sz="1800" b="1" dirty="0">
-                <a:solidFill>
                   <a:srgbClr val="000000"/>
                 </a:solidFill>
                 <a:latin typeface="Inconsolata Medium" panose="020B0609030003000000" pitchFamily="49" charset="77"/>
@@ -10776,15 +12761,6 @@
             <a:r>
               <a:rPr lang="en-US" sz="1800" b="1" dirty="0">
                 <a:solidFill>
-                  <a:srgbClr val="34A327"/>
-                </a:solidFill>
-                <a:latin typeface="Inconsolata Medium" panose="020B0609030003000000" pitchFamily="49" charset="77"/>
-              </a:rPr>
-              <a:t>        </a:t>
-            </a:r>
-            <a:r>
-              <a:rPr lang="en-US" sz="1800" b="1" dirty="0">
-                <a:solidFill>
                   <a:srgbClr val="000000"/>
                 </a:solidFill>
                 <a:latin typeface="Inconsolata Medium" panose="020B0609030003000000" pitchFamily="49" charset="77"/>
@@ -10845,7 +12821,7 @@
                 </a:solidFill>
                 <a:latin typeface="Inconsolata Medium" panose="020B0609030003000000" pitchFamily="49" charset="77"/>
               </a:rPr>
-              <a:t>        print</a:t>
+              <a:t>print</a:t>
             </a:r>
             <a:r>
               <a:rPr lang="en-US" sz="1800" b="1" dirty="0">
@@ -11626,6 +13602,245 @@
   <p:clrMapOvr>
     <a:masterClrMapping/>
   </p:clrMapOvr>
+  <p:timing>
+    <p:tnLst>
+      <p:par>
+        <p:cTn id="1" dur="indefinite" restart="never" nodeType="tmRoot">
+          <p:childTnLst>
+            <p:seq concurrent="1" nextAc="seek">
+              <p:cTn id="2" dur="indefinite" nodeType="mainSeq">
+                <p:childTnLst>
+                  <p:par>
+                    <p:cTn id="3" fill="hold">
+                      <p:stCondLst>
+                        <p:cond delay="indefinite"/>
+                      </p:stCondLst>
+                      <p:childTnLst>
+                        <p:par>
+                          <p:cTn id="4" fill="hold">
+                            <p:stCondLst>
+                              <p:cond delay="0"/>
+                            </p:stCondLst>
+                            <p:childTnLst>
+                              <p:par>
+                                <p:cTn id="5" presetID="1" presetClass="entr" presetSubtype="0" fill="hold" nodeType="clickEffect">
+                                  <p:stCondLst>
+                                    <p:cond delay="0"/>
+                                  </p:stCondLst>
+                                  <p:childTnLst>
+                                    <p:set>
+                                      <p:cBhvr>
+                                        <p:cTn id="6" dur="1" fill="hold">
+                                          <p:stCondLst>
+                                            <p:cond delay="0"/>
+                                          </p:stCondLst>
+                                        </p:cTn>
+                                        <p:tgtEl>
+                                          <p:spTgt spid="9">
+                                            <p:txEl>
+                                              <p:pRg st="4" end="4"/>
+                                            </p:txEl>
+                                          </p:spTgt>
+                                        </p:tgtEl>
+                                        <p:attrNameLst>
+                                          <p:attrName>style.visibility</p:attrName>
+                                        </p:attrNameLst>
+                                      </p:cBhvr>
+                                      <p:to>
+                                        <p:strVal val="visible"/>
+                                      </p:to>
+                                    </p:set>
+                                  </p:childTnLst>
+                                </p:cTn>
+                              </p:par>
+                            </p:childTnLst>
+                          </p:cTn>
+                        </p:par>
+                      </p:childTnLst>
+                    </p:cTn>
+                  </p:par>
+                  <p:par>
+                    <p:cTn id="7" fill="hold">
+                      <p:stCondLst>
+                        <p:cond delay="indefinite"/>
+                      </p:stCondLst>
+                      <p:childTnLst>
+                        <p:par>
+                          <p:cTn id="8" fill="hold">
+                            <p:stCondLst>
+                              <p:cond delay="0"/>
+                            </p:stCondLst>
+                            <p:childTnLst>
+                              <p:par>
+                                <p:cTn id="9" presetID="1" presetClass="entr" presetSubtype="0" fill="hold" nodeType="clickEffect">
+                                  <p:stCondLst>
+                                    <p:cond delay="0"/>
+                                  </p:stCondLst>
+                                  <p:childTnLst>
+                                    <p:set>
+                                      <p:cBhvr>
+                                        <p:cTn id="10" dur="1" fill="hold">
+                                          <p:stCondLst>
+                                            <p:cond delay="0"/>
+                                          </p:stCondLst>
+                                        </p:cTn>
+                                        <p:tgtEl>
+                                          <p:spTgt spid="9">
+                                            <p:txEl>
+                                              <p:pRg st="5" end="5"/>
+                                            </p:txEl>
+                                          </p:spTgt>
+                                        </p:tgtEl>
+                                        <p:attrNameLst>
+                                          <p:attrName>style.visibility</p:attrName>
+                                        </p:attrNameLst>
+                                      </p:cBhvr>
+                                      <p:to>
+                                        <p:strVal val="visible"/>
+                                      </p:to>
+                                    </p:set>
+                                  </p:childTnLst>
+                                </p:cTn>
+                              </p:par>
+                              <p:par>
+                                <p:cTn id="11" presetID="1" presetClass="entr" presetSubtype="0" fill="hold" nodeType="withEffect">
+                                  <p:stCondLst>
+                                    <p:cond delay="0"/>
+                                  </p:stCondLst>
+                                  <p:childTnLst>
+                                    <p:set>
+                                      <p:cBhvr>
+                                        <p:cTn id="12" dur="1" fill="hold">
+                                          <p:stCondLst>
+                                            <p:cond delay="0"/>
+                                          </p:stCondLst>
+                                        </p:cTn>
+                                        <p:tgtEl>
+                                          <p:spTgt spid="9">
+                                            <p:txEl>
+                                              <p:pRg st="6" end="6"/>
+                                            </p:txEl>
+                                          </p:spTgt>
+                                        </p:tgtEl>
+                                        <p:attrNameLst>
+                                          <p:attrName>style.visibility</p:attrName>
+                                        </p:attrNameLst>
+                                      </p:cBhvr>
+                                      <p:to>
+                                        <p:strVal val="visible"/>
+                                      </p:to>
+                                    </p:set>
+                                  </p:childTnLst>
+                                </p:cTn>
+                              </p:par>
+                            </p:childTnLst>
+                          </p:cTn>
+                        </p:par>
+                      </p:childTnLst>
+                    </p:cTn>
+                  </p:par>
+                  <p:par>
+                    <p:cTn id="13" fill="hold">
+                      <p:stCondLst>
+                        <p:cond delay="indefinite"/>
+                      </p:stCondLst>
+                      <p:childTnLst>
+                        <p:par>
+                          <p:cTn id="14" fill="hold">
+                            <p:stCondLst>
+                              <p:cond delay="0"/>
+                            </p:stCondLst>
+                            <p:childTnLst>
+                              <p:par>
+                                <p:cTn id="15" presetID="1" presetClass="entr" presetSubtype="0" fill="hold" nodeType="clickEffect">
+                                  <p:stCondLst>
+                                    <p:cond delay="0"/>
+                                  </p:stCondLst>
+                                  <p:childTnLst>
+                                    <p:set>
+                                      <p:cBhvr>
+                                        <p:cTn id="16" dur="1" fill="hold">
+                                          <p:stCondLst>
+                                            <p:cond delay="0"/>
+                                          </p:stCondLst>
+                                        </p:cTn>
+                                        <p:tgtEl>
+                                          <p:spTgt spid="9">
+                                            <p:txEl>
+                                              <p:pRg st="8" end="8"/>
+                                            </p:txEl>
+                                          </p:spTgt>
+                                        </p:tgtEl>
+                                        <p:attrNameLst>
+                                          <p:attrName>style.visibility</p:attrName>
+                                        </p:attrNameLst>
+                                      </p:cBhvr>
+                                      <p:to>
+                                        <p:strVal val="visible"/>
+                                      </p:to>
+                                    </p:set>
+                                  </p:childTnLst>
+                                </p:cTn>
+                              </p:par>
+                              <p:par>
+                                <p:cTn id="17" presetID="1" presetClass="entr" presetSubtype="0" fill="hold" nodeType="withEffect">
+                                  <p:stCondLst>
+                                    <p:cond delay="0"/>
+                                  </p:stCondLst>
+                                  <p:childTnLst>
+                                    <p:set>
+                                      <p:cBhvr>
+                                        <p:cTn id="18" dur="1" fill="hold">
+                                          <p:stCondLst>
+                                            <p:cond delay="0"/>
+                                          </p:stCondLst>
+                                        </p:cTn>
+                                        <p:tgtEl>
+                                          <p:spTgt spid="9">
+                                            <p:txEl>
+                                              <p:pRg st="9" end="9"/>
+                                            </p:txEl>
+                                          </p:spTgt>
+                                        </p:tgtEl>
+                                        <p:attrNameLst>
+                                          <p:attrName>style.visibility</p:attrName>
+                                        </p:attrNameLst>
+                                      </p:cBhvr>
+                                      <p:to>
+                                        <p:strVal val="visible"/>
+                                      </p:to>
+                                    </p:set>
+                                  </p:childTnLst>
+                                </p:cTn>
+                              </p:par>
+                            </p:childTnLst>
+                          </p:cTn>
+                        </p:par>
+                      </p:childTnLst>
+                    </p:cTn>
+                  </p:par>
+                </p:childTnLst>
+              </p:cTn>
+              <p:prevCondLst>
+                <p:cond evt="onPrev" delay="0">
+                  <p:tgtEl>
+                    <p:sldTgt/>
+                  </p:tgtEl>
+                </p:cond>
+              </p:prevCondLst>
+              <p:nextCondLst>
+                <p:cond evt="onNext" delay="0">
+                  <p:tgtEl>
+                    <p:sldTgt/>
+                  </p:tgtEl>
+                </p:cond>
+              </p:nextCondLst>
+            </p:seq>
+          </p:childTnLst>
+        </p:cTn>
+      </p:par>
+    </p:tnLst>
+  </p:timing>
 </p:sld>
 </file>
 
@@ -11673,16 +13888,12 @@
           <a:lstStyle/>
           <a:p>
             <a:r>
+              <a:rPr lang="en-US"/>
+              <a:t>True Division </a:t>
+            </a:r>
+            <a:r>
               <a:rPr lang="en-US" dirty="0"/>
-              <a:t>True </a:t>
-            </a:r>
-            <a:r>
-              <a:rPr lang="en-US" dirty="0" err="1"/>
-              <a:t>Divsion</a:t>
-            </a:r>
-            <a:r>
-              <a:rPr lang="en-US" dirty="0"/>
-              <a:t> vs Floor Division</a:t>
+              <a:t>vs Floor Division</a:t>
             </a:r>
           </a:p>
         </p:txBody>
@@ -12011,6 +14222,428 @@
   <p:clrMapOvr>
     <a:masterClrMapping/>
   </p:clrMapOvr>
+  <p:timing>
+    <p:tnLst>
+      <p:par>
+        <p:cTn id="1" dur="indefinite" restart="never" nodeType="tmRoot">
+          <p:childTnLst>
+            <p:seq concurrent="1" nextAc="seek">
+              <p:cTn id="2" dur="indefinite" nodeType="mainSeq">
+                <p:childTnLst>
+                  <p:par>
+                    <p:cTn id="3" fill="hold">
+                      <p:stCondLst>
+                        <p:cond delay="indefinite"/>
+                      </p:stCondLst>
+                      <p:childTnLst>
+                        <p:par>
+                          <p:cTn id="4" fill="hold">
+                            <p:stCondLst>
+                              <p:cond delay="0"/>
+                            </p:stCondLst>
+                            <p:childTnLst>
+                              <p:par>
+                                <p:cTn id="5" presetID="1" presetClass="entr" presetSubtype="0" fill="hold" nodeType="clickEffect">
+                                  <p:stCondLst>
+                                    <p:cond delay="0"/>
+                                  </p:stCondLst>
+                                  <p:childTnLst>
+                                    <p:set>
+                                      <p:cBhvr>
+                                        <p:cTn id="6" dur="1" fill="hold">
+                                          <p:stCondLst>
+                                            <p:cond delay="0"/>
+                                          </p:stCondLst>
+                                        </p:cTn>
+                                        <p:tgtEl>
+                                          <p:spTgt spid="9">
+                                            <p:txEl>
+                                              <p:pRg st="2" end="2"/>
+                                            </p:txEl>
+                                          </p:spTgt>
+                                        </p:tgtEl>
+                                        <p:attrNameLst>
+                                          <p:attrName>style.visibility</p:attrName>
+                                        </p:attrNameLst>
+                                      </p:cBhvr>
+                                      <p:to>
+                                        <p:strVal val="visible"/>
+                                      </p:to>
+                                    </p:set>
+                                  </p:childTnLst>
+                                </p:cTn>
+                              </p:par>
+                            </p:childTnLst>
+                          </p:cTn>
+                        </p:par>
+                      </p:childTnLst>
+                    </p:cTn>
+                  </p:par>
+                  <p:par>
+                    <p:cTn id="7" fill="hold">
+                      <p:stCondLst>
+                        <p:cond delay="indefinite"/>
+                      </p:stCondLst>
+                      <p:childTnLst>
+                        <p:par>
+                          <p:cTn id="8" fill="hold">
+                            <p:stCondLst>
+                              <p:cond delay="0"/>
+                            </p:stCondLst>
+                            <p:childTnLst>
+                              <p:par>
+                                <p:cTn id="9" presetID="1" presetClass="entr" presetSubtype="0" fill="hold" nodeType="clickEffect">
+                                  <p:stCondLst>
+                                    <p:cond delay="0"/>
+                                  </p:stCondLst>
+                                  <p:childTnLst>
+                                    <p:set>
+                                      <p:cBhvr>
+                                        <p:cTn id="10" dur="1" fill="hold">
+                                          <p:stCondLst>
+                                            <p:cond delay="0"/>
+                                          </p:stCondLst>
+                                        </p:cTn>
+                                        <p:tgtEl>
+                                          <p:spTgt spid="9">
+                                            <p:txEl>
+                                              <p:pRg st="3" end="3"/>
+                                            </p:txEl>
+                                          </p:spTgt>
+                                        </p:tgtEl>
+                                        <p:attrNameLst>
+                                          <p:attrName>style.visibility</p:attrName>
+                                        </p:attrNameLst>
+                                      </p:cBhvr>
+                                      <p:to>
+                                        <p:strVal val="visible"/>
+                                      </p:to>
+                                    </p:set>
+                                  </p:childTnLst>
+                                </p:cTn>
+                              </p:par>
+                            </p:childTnLst>
+                          </p:cTn>
+                        </p:par>
+                      </p:childTnLst>
+                    </p:cTn>
+                  </p:par>
+                  <p:par>
+                    <p:cTn id="11" fill="hold">
+                      <p:stCondLst>
+                        <p:cond delay="indefinite"/>
+                      </p:stCondLst>
+                      <p:childTnLst>
+                        <p:par>
+                          <p:cTn id="12" fill="hold">
+                            <p:stCondLst>
+                              <p:cond delay="0"/>
+                            </p:stCondLst>
+                            <p:childTnLst>
+                              <p:par>
+                                <p:cTn id="13" presetID="1" presetClass="entr" presetSubtype="0" fill="hold" nodeType="clickEffect">
+                                  <p:stCondLst>
+                                    <p:cond delay="0"/>
+                                  </p:stCondLst>
+                                  <p:childTnLst>
+                                    <p:set>
+                                      <p:cBhvr>
+                                        <p:cTn id="14" dur="1" fill="hold">
+                                          <p:stCondLst>
+                                            <p:cond delay="0"/>
+                                          </p:stCondLst>
+                                        </p:cTn>
+                                        <p:tgtEl>
+                                          <p:spTgt spid="9">
+                                            <p:txEl>
+                                              <p:pRg st="4" end="4"/>
+                                            </p:txEl>
+                                          </p:spTgt>
+                                        </p:tgtEl>
+                                        <p:attrNameLst>
+                                          <p:attrName>style.visibility</p:attrName>
+                                        </p:attrNameLst>
+                                      </p:cBhvr>
+                                      <p:to>
+                                        <p:strVal val="visible"/>
+                                      </p:to>
+                                    </p:set>
+                                  </p:childTnLst>
+                                </p:cTn>
+                              </p:par>
+                            </p:childTnLst>
+                          </p:cTn>
+                        </p:par>
+                      </p:childTnLst>
+                    </p:cTn>
+                  </p:par>
+                  <p:par>
+                    <p:cTn id="15" fill="hold">
+                      <p:stCondLst>
+                        <p:cond delay="indefinite"/>
+                      </p:stCondLst>
+                      <p:childTnLst>
+                        <p:par>
+                          <p:cTn id="16" fill="hold">
+                            <p:stCondLst>
+                              <p:cond delay="0"/>
+                            </p:stCondLst>
+                            <p:childTnLst>
+                              <p:par>
+                                <p:cTn id="17" presetID="1" presetClass="entr" presetSubtype="0" fill="hold" nodeType="clickEffect">
+                                  <p:stCondLst>
+                                    <p:cond delay="0"/>
+                                  </p:stCondLst>
+                                  <p:childTnLst>
+                                    <p:set>
+                                      <p:cBhvr>
+                                        <p:cTn id="18" dur="1" fill="hold">
+                                          <p:stCondLst>
+                                            <p:cond delay="0"/>
+                                          </p:stCondLst>
+                                        </p:cTn>
+                                        <p:tgtEl>
+                                          <p:spTgt spid="9">
+                                            <p:txEl>
+                                              <p:pRg st="5" end="5"/>
+                                            </p:txEl>
+                                          </p:spTgt>
+                                        </p:tgtEl>
+                                        <p:attrNameLst>
+                                          <p:attrName>style.visibility</p:attrName>
+                                        </p:attrNameLst>
+                                      </p:cBhvr>
+                                      <p:to>
+                                        <p:strVal val="visible"/>
+                                      </p:to>
+                                    </p:set>
+                                  </p:childTnLst>
+                                </p:cTn>
+                              </p:par>
+                            </p:childTnLst>
+                          </p:cTn>
+                        </p:par>
+                      </p:childTnLst>
+                    </p:cTn>
+                  </p:par>
+                  <p:par>
+                    <p:cTn id="19" fill="hold">
+                      <p:stCondLst>
+                        <p:cond delay="indefinite"/>
+                      </p:stCondLst>
+                      <p:childTnLst>
+                        <p:par>
+                          <p:cTn id="20" fill="hold">
+                            <p:stCondLst>
+                              <p:cond delay="0"/>
+                            </p:stCondLst>
+                            <p:childTnLst>
+                              <p:par>
+                                <p:cTn id="21" presetID="1" presetClass="entr" presetSubtype="0" fill="hold" nodeType="clickEffect">
+                                  <p:stCondLst>
+                                    <p:cond delay="0"/>
+                                  </p:stCondLst>
+                                  <p:childTnLst>
+                                    <p:set>
+                                      <p:cBhvr>
+                                        <p:cTn id="22" dur="1" fill="hold">
+                                          <p:stCondLst>
+                                            <p:cond delay="0"/>
+                                          </p:stCondLst>
+                                        </p:cTn>
+                                        <p:tgtEl>
+                                          <p:spTgt spid="9">
+                                            <p:txEl>
+                                              <p:pRg st="6" end="6"/>
+                                            </p:txEl>
+                                          </p:spTgt>
+                                        </p:tgtEl>
+                                        <p:attrNameLst>
+                                          <p:attrName>style.visibility</p:attrName>
+                                        </p:attrNameLst>
+                                      </p:cBhvr>
+                                      <p:to>
+                                        <p:strVal val="visible"/>
+                                      </p:to>
+                                    </p:set>
+                                  </p:childTnLst>
+                                </p:cTn>
+                              </p:par>
+                            </p:childTnLst>
+                          </p:cTn>
+                        </p:par>
+                      </p:childTnLst>
+                    </p:cTn>
+                  </p:par>
+                  <p:par>
+                    <p:cTn id="23" fill="hold">
+                      <p:stCondLst>
+                        <p:cond delay="indefinite"/>
+                      </p:stCondLst>
+                      <p:childTnLst>
+                        <p:par>
+                          <p:cTn id="24" fill="hold">
+                            <p:stCondLst>
+                              <p:cond delay="0"/>
+                            </p:stCondLst>
+                            <p:childTnLst>
+                              <p:par>
+                                <p:cTn id="25" presetID="1" presetClass="entr" presetSubtype="0" fill="hold" nodeType="clickEffect">
+                                  <p:stCondLst>
+                                    <p:cond delay="0"/>
+                                  </p:stCondLst>
+                                  <p:childTnLst>
+                                    <p:set>
+                                      <p:cBhvr>
+                                        <p:cTn id="26" dur="1" fill="hold">
+                                          <p:stCondLst>
+                                            <p:cond delay="0"/>
+                                          </p:stCondLst>
+                                        </p:cTn>
+                                        <p:tgtEl>
+                                          <p:spTgt spid="9">
+                                            <p:txEl>
+                                              <p:pRg st="7" end="7"/>
+                                            </p:txEl>
+                                          </p:spTgt>
+                                        </p:tgtEl>
+                                        <p:attrNameLst>
+                                          <p:attrName>style.visibility</p:attrName>
+                                        </p:attrNameLst>
+                                      </p:cBhvr>
+                                      <p:to>
+                                        <p:strVal val="visible"/>
+                                      </p:to>
+                                    </p:set>
+                                  </p:childTnLst>
+                                </p:cTn>
+                              </p:par>
+                            </p:childTnLst>
+                          </p:cTn>
+                        </p:par>
+                      </p:childTnLst>
+                    </p:cTn>
+                  </p:par>
+                  <p:par>
+                    <p:cTn id="27" fill="hold">
+                      <p:stCondLst>
+                        <p:cond delay="indefinite"/>
+                      </p:stCondLst>
+                      <p:childTnLst>
+                        <p:par>
+                          <p:cTn id="28" fill="hold">
+                            <p:stCondLst>
+                              <p:cond delay="0"/>
+                            </p:stCondLst>
+                            <p:childTnLst>
+                              <p:par>
+                                <p:cTn id="29" presetID="1" presetClass="entr" presetSubtype="0" fill="hold" nodeType="clickEffect">
+                                  <p:stCondLst>
+                                    <p:cond delay="0"/>
+                                  </p:stCondLst>
+                                  <p:childTnLst>
+                                    <p:set>
+                                      <p:cBhvr>
+                                        <p:cTn id="30" dur="1" fill="hold">
+                                          <p:stCondLst>
+                                            <p:cond delay="0"/>
+                                          </p:stCondLst>
+                                        </p:cTn>
+                                        <p:tgtEl>
+                                          <p:spTgt spid="9">
+                                            <p:txEl>
+                                              <p:pRg st="8" end="8"/>
+                                            </p:txEl>
+                                          </p:spTgt>
+                                        </p:tgtEl>
+                                        <p:attrNameLst>
+                                          <p:attrName>style.visibility</p:attrName>
+                                        </p:attrNameLst>
+                                      </p:cBhvr>
+                                      <p:to>
+                                        <p:strVal val="visible"/>
+                                      </p:to>
+                                    </p:set>
+                                  </p:childTnLst>
+                                </p:cTn>
+                              </p:par>
+                            </p:childTnLst>
+                          </p:cTn>
+                        </p:par>
+                      </p:childTnLst>
+                    </p:cTn>
+                  </p:par>
+                  <p:par>
+                    <p:cTn id="31" fill="hold">
+                      <p:stCondLst>
+                        <p:cond delay="indefinite"/>
+                      </p:stCondLst>
+                      <p:childTnLst>
+                        <p:par>
+                          <p:cTn id="32" fill="hold">
+                            <p:stCondLst>
+                              <p:cond delay="0"/>
+                            </p:stCondLst>
+                            <p:childTnLst>
+                              <p:par>
+                                <p:cTn id="33" presetID="1" presetClass="entr" presetSubtype="0" fill="hold" nodeType="clickEffect">
+                                  <p:stCondLst>
+                                    <p:cond delay="0"/>
+                                  </p:stCondLst>
+                                  <p:childTnLst>
+                                    <p:set>
+                                      <p:cBhvr>
+                                        <p:cTn id="34" dur="1" fill="hold">
+                                          <p:stCondLst>
+                                            <p:cond delay="0"/>
+                                          </p:stCondLst>
+                                        </p:cTn>
+                                        <p:tgtEl>
+                                          <p:spTgt spid="9">
+                                            <p:txEl>
+                                              <p:pRg st="9" end="9"/>
+                                            </p:txEl>
+                                          </p:spTgt>
+                                        </p:tgtEl>
+                                        <p:attrNameLst>
+                                          <p:attrName>style.visibility</p:attrName>
+                                        </p:attrNameLst>
+                                      </p:cBhvr>
+                                      <p:to>
+                                        <p:strVal val="visible"/>
+                                      </p:to>
+                                    </p:set>
+                                  </p:childTnLst>
+                                </p:cTn>
+                              </p:par>
+                            </p:childTnLst>
+                          </p:cTn>
+                        </p:par>
+                      </p:childTnLst>
+                    </p:cTn>
+                  </p:par>
+                </p:childTnLst>
+              </p:cTn>
+              <p:prevCondLst>
+                <p:cond evt="onPrev" delay="0">
+                  <p:tgtEl>
+                    <p:sldTgt/>
+                  </p:tgtEl>
+                </p:cond>
+              </p:prevCondLst>
+              <p:nextCondLst>
+                <p:cond evt="onNext" delay="0">
+                  <p:tgtEl>
+                    <p:sldTgt/>
+                  </p:tgtEl>
+                </p:cond>
+              </p:nextCondLst>
+            </p:seq>
+          </p:childTnLst>
+        </p:cTn>
+      </p:par>
+    </p:tnLst>
+  </p:timing>
 </p:sld>
 </file>
 
@@ -12099,7 +14732,7 @@
               <a:rPr lang="en-US" sz="2000" dirty="0">
                 <a:latin typeface="Gill Sans MT" panose="020B0502020104020203" pitchFamily="34" charset="77"/>
               </a:rPr>
-              <a:t>The operator % returns the modulus which is the remainder after floor division.  (Note: This is different than Java, which gives the remainder after integer division. But the two are the same for positive operands.)</a:t>
+              <a:t>The operator % returns the modulus which is the remainder after floor division.  </a:t>
             </a:r>
             <a:endParaRPr lang="en-US" sz="2000" b="1" dirty="0">
               <a:solidFill>
@@ -12422,6 +15055,44 @@
             <a:endParaRPr lang="en-US" sz="1900" dirty="0">
               <a:latin typeface="Gill Sans MT" panose="020B0502020104020203" pitchFamily="34" charset="77"/>
             </a:endParaRPr>
+          </a:p>
+        </p:txBody>
+      </p:sp>
+      <p:sp>
+        <p:nvSpPr>
+          <p:cNvPr id="4" name="TextBox 3">
+            <a:extLst>
+              <a:ext uri="{FF2B5EF4-FFF2-40B4-BE49-F238E27FC236}">
+                <a16:creationId xmlns:a16="http://schemas.microsoft.com/office/drawing/2014/main" id="{0D5EE39F-C599-F141-9492-48A030403CD7}"/>
+              </a:ext>
+            </a:extLst>
+          </p:cNvPr>
+          <p:cNvSpPr txBox="1"/>
+          <p:nvPr/>
+        </p:nvSpPr>
+        <p:spPr>
+          <a:xfrm>
+            <a:off x="4010619" y="2393592"/>
+            <a:ext cx="3794332" cy="1323439"/>
+          </a:xfrm>
+          <a:prstGeom prst="rect">
+            <a:avLst/>
+          </a:prstGeom>
+          <a:noFill/>
+        </p:spPr>
+        <p:txBody>
+          <a:bodyPr wrap="square" rtlCol="0">
+            <a:spAutoFit/>
+          </a:bodyPr>
+          <a:lstStyle/>
+          <a:p>
+            <a:r>
+              <a:rPr lang="en-US" sz="2000" dirty="0">
+                <a:latin typeface="Gill Sans MT" panose="020B0502020104020203" pitchFamily="34" charset="77"/>
+              </a:rPr>
+              <a:t>Note: This is different than Java, which gives the remainder after integer division. But the two are the same for positive operands.</a:t>
+            </a:r>
+            <a:endParaRPr lang="en-US" sz="2000" dirty="0"/>
           </a:p>
         </p:txBody>
       </p:sp>
@@ -12435,6 +15106,574 @@
   <p:clrMapOvr>
     <a:masterClrMapping/>
   </p:clrMapOvr>
+  <p:timing>
+    <p:tnLst>
+      <p:par>
+        <p:cTn id="1" dur="indefinite" restart="never" nodeType="tmRoot">
+          <p:childTnLst>
+            <p:seq concurrent="1" nextAc="seek">
+              <p:cTn id="2" dur="indefinite" nodeType="mainSeq">
+                <p:childTnLst>
+                  <p:par>
+                    <p:cTn id="3" fill="hold">
+                      <p:stCondLst>
+                        <p:cond delay="indefinite"/>
+                      </p:stCondLst>
+                      <p:childTnLst>
+                        <p:par>
+                          <p:cTn id="4" fill="hold">
+                            <p:stCondLst>
+                              <p:cond delay="0"/>
+                            </p:stCondLst>
+                            <p:childTnLst>
+                              <p:par>
+                                <p:cTn id="5" presetID="1" presetClass="entr" presetSubtype="0" fill="hold" grpId="0" nodeType="clickEffect">
+                                  <p:stCondLst>
+                                    <p:cond delay="0"/>
+                                  </p:stCondLst>
+                                  <p:childTnLst>
+                                    <p:set>
+                                      <p:cBhvr>
+                                        <p:cTn id="6" dur="1" fill="hold">
+                                          <p:stCondLst>
+                                            <p:cond delay="0"/>
+                                          </p:stCondLst>
+                                        </p:cTn>
+                                        <p:tgtEl>
+                                          <p:spTgt spid="4"/>
+                                        </p:tgtEl>
+                                        <p:attrNameLst>
+                                          <p:attrName>style.visibility</p:attrName>
+                                        </p:attrNameLst>
+                                      </p:cBhvr>
+                                      <p:to>
+                                        <p:strVal val="visible"/>
+                                      </p:to>
+                                    </p:set>
+                                  </p:childTnLst>
+                                </p:cTn>
+                              </p:par>
+                            </p:childTnLst>
+                          </p:cTn>
+                        </p:par>
+                      </p:childTnLst>
+                    </p:cTn>
+                  </p:par>
+                  <p:par>
+                    <p:cTn id="7" fill="hold">
+                      <p:stCondLst>
+                        <p:cond delay="indefinite"/>
+                      </p:stCondLst>
+                      <p:childTnLst>
+                        <p:par>
+                          <p:cTn id="8" fill="hold">
+                            <p:stCondLst>
+                              <p:cond delay="0"/>
+                            </p:stCondLst>
+                            <p:childTnLst>
+                              <p:par>
+                                <p:cTn id="9" presetID="1" presetClass="entr" presetSubtype="0" fill="hold" nodeType="clickEffect">
+                                  <p:stCondLst>
+                                    <p:cond delay="0"/>
+                                  </p:stCondLst>
+                                  <p:childTnLst>
+                                    <p:set>
+                                      <p:cBhvr>
+                                        <p:cTn id="10" dur="1" fill="hold">
+                                          <p:stCondLst>
+                                            <p:cond delay="0"/>
+                                          </p:stCondLst>
+                                        </p:cTn>
+                                        <p:tgtEl>
+                                          <p:spTgt spid="9">
+                                            <p:txEl>
+                                              <p:pRg st="1" end="1"/>
+                                            </p:txEl>
+                                          </p:spTgt>
+                                        </p:tgtEl>
+                                        <p:attrNameLst>
+                                          <p:attrName>style.visibility</p:attrName>
+                                        </p:attrNameLst>
+                                      </p:cBhvr>
+                                      <p:to>
+                                        <p:strVal val="visible"/>
+                                      </p:to>
+                                    </p:set>
+                                  </p:childTnLst>
+                                </p:cTn>
+                              </p:par>
+                            </p:childTnLst>
+                          </p:cTn>
+                        </p:par>
+                      </p:childTnLst>
+                    </p:cTn>
+                  </p:par>
+                  <p:par>
+                    <p:cTn id="11" fill="hold">
+                      <p:stCondLst>
+                        <p:cond delay="indefinite"/>
+                      </p:stCondLst>
+                      <p:childTnLst>
+                        <p:par>
+                          <p:cTn id="12" fill="hold">
+                            <p:stCondLst>
+                              <p:cond delay="0"/>
+                            </p:stCondLst>
+                            <p:childTnLst>
+                              <p:par>
+                                <p:cTn id="13" presetID="1" presetClass="entr" presetSubtype="0" fill="hold" nodeType="clickEffect">
+                                  <p:stCondLst>
+                                    <p:cond delay="0"/>
+                                  </p:stCondLst>
+                                  <p:childTnLst>
+                                    <p:set>
+                                      <p:cBhvr>
+                                        <p:cTn id="14" dur="1" fill="hold">
+                                          <p:stCondLst>
+                                            <p:cond delay="0"/>
+                                          </p:stCondLst>
+                                        </p:cTn>
+                                        <p:tgtEl>
+                                          <p:spTgt spid="9">
+                                            <p:txEl>
+                                              <p:pRg st="2" end="2"/>
+                                            </p:txEl>
+                                          </p:spTgt>
+                                        </p:tgtEl>
+                                        <p:attrNameLst>
+                                          <p:attrName>style.visibility</p:attrName>
+                                        </p:attrNameLst>
+                                      </p:cBhvr>
+                                      <p:to>
+                                        <p:strVal val="visible"/>
+                                      </p:to>
+                                    </p:set>
+                                  </p:childTnLst>
+                                </p:cTn>
+                              </p:par>
+                            </p:childTnLst>
+                          </p:cTn>
+                        </p:par>
+                      </p:childTnLst>
+                    </p:cTn>
+                  </p:par>
+                  <p:par>
+                    <p:cTn id="15" fill="hold">
+                      <p:stCondLst>
+                        <p:cond delay="indefinite"/>
+                      </p:stCondLst>
+                      <p:childTnLst>
+                        <p:par>
+                          <p:cTn id="16" fill="hold">
+                            <p:stCondLst>
+                              <p:cond delay="0"/>
+                            </p:stCondLst>
+                            <p:childTnLst>
+                              <p:par>
+                                <p:cTn id="17" presetID="1" presetClass="entr" presetSubtype="0" fill="hold" nodeType="clickEffect">
+                                  <p:stCondLst>
+                                    <p:cond delay="0"/>
+                                  </p:stCondLst>
+                                  <p:childTnLst>
+                                    <p:set>
+                                      <p:cBhvr>
+                                        <p:cTn id="18" dur="1" fill="hold">
+                                          <p:stCondLst>
+                                            <p:cond delay="0"/>
+                                          </p:stCondLst>
+                                        </p:cTn>
+                                        <p:tgtEl>
+                                          <p:spTgt spid="9">
+                                            <p:txEl>
+                                              <p:pRg st="3" end="3"/>
+                                            </p:txEl>
+                                          </p:spTgt>
+                                        </p:tgtEl>
+                                        <p:attrNameLst>
+                                          <p:attrName>style.visibility</p:attrName>
+                                        </p:attrNameLst>
+                                      </p:cBhvr>
+                                      <p:to>
+                                        <p:strVal val="visible"/>
+                                      </p:to>
+                                    </p:set>
+                                  </p:childTnLst>
+                                </p:cTn>
+                              </p:par>
+                            </p:childTnLst>
+                          </p:cTn>
+                        </p:par>
+                      </p:childTnLst>
+                    </p:cTn>
+                  </p:par>
+                  <p:par>
+                    <p:cTn id="19" fill="hold">
+                      <p:stCondLst>
+                        <p:cond delay="indefinite"/>
+                      </p:stCondLst>
+                      <p:childTnLst>
+                        <p:par>
+                          <p:cTn id="20" fill="hold">
+                            <p:stCondLst>
+                              <p:cond delay="0"/>
+                            </p:stCondLst>
+                            <p:childTnLst>
+                              <p:par>
+                                <p:cTn id="21" presetID="1" presetClass="entr" presetSubtype="0" fill="hold" nodeType="clickEffect">
+                                  <p:stCondLst>
+                                    <p:cond delay="0"/>
+                                  </p:stCondLst>
+                                  <p:childTnLst>
+                                    <p:set>
+                                      <p:cBhvr>
+                                        <p:cTn id="22" dur="1" fill="hold">
+                                          <p:stCondLst>
+                                            <p:cond delay="0"/>
+                                          </p:stCondLst>
+                                        </p:cTn>
+                                        <p:tgtEl>
+                                          <p:spTgt spid="9">
+                                            <p:txEl>
+                                              <p:pRg st="4" end="4"/>
+                                            </p:txEl>
+                                          </p:spTgt>
+                                        </p:tgtEl>
+                                        <p:attrNameLst>
+                                          <p:attrName>style.visibility</p:attrName>
+                                        </p:attrNameLst>
+                                      </p:cBhvr>
+                                      <p:to>
+                                        <p:strVal val="visible"/>
+                                      </p:to>
+                                    </p:set>
+                                  </p:childTnLst>
+                                </p:cTn>
+                              </p:par>
+                            </p:childTnLst>
+                          </p:cTn>
+                        </p:par>
+                      </p:childTnLst>
+                    </p:cTn>
+                  </p:par>
+                  <p:par>
+                    <p:cTn id="23" fill="hold">
+                      <p:stCondLst>
+                        <p:cond delay="indefinite"/>
+                      </p:stCondLst>
+                      <p:childTnLst>
+                        <p:par>
+                          <p:cTn id="24" fill="hold">
+                            <p:stCondLst>
+                              <p:cond delay="0"/>
+                            </p:stCondLst>
+                            <p:childTnLst>
+                              <p:par>
+                                <p:cTn id="25" presetID="1" presetClass="entr" presetSubtype="0" fill="hold" nodeType="clickEffect">
+                                  <p:stCondLst>
+                                    <p:cond delay="0"/>
+                                  </p:stCondLst>
+                                  <p:childTnLst>
+                                    <p:set>
+                                      <p:cBhvr>
+                                        <p:cTn id="26" dur="1" fill="hold">
+                                          <p:stCondLst>
+                                            <p:cond delay="0"/>
+                                          </p:stCondLst>
+                                        </p:cTn>
+                                        <p:tgtEl>
+                                          <p:spTgt spid="9">
+                                            <p:txEl>
+                                              <p:pRg st="5" end="5"/>
+                                            </p:txEl>
+                                          </p:spTgt>
+                                        </p:tgtEl>
+                                        <p:attrNameLst>
+                                          <p:attrName>style.visibility</p:attrName>
+                                        </p:attrNameLst>
+                                      </p:cBhvr>
+                                      <p:to>
+                                        <p:strVal val="visible"/>
+                                      </p:to>
+                                    </p:set>
+                                  </p:childTnLst>
+                                </p:cTn>
+                              </p:par>
+                            </p:childTnLst>
+                          </p:cTn>
+                        </p:par>
+                      </p:childTnLst>
+                    </p:cTn>
+                  </p:par>
+                  <p:par>
+                    <p:cTn id="27" fill="hold">
+                      <p:stCondLst>
+                        <p:cond delay="indefinite"/>
+                      </p:stCondLst>
+                      <p:childTnLst>
+                        <p:par>
+                          <p:cTn id="28" fill="hold">
+                            <p:stCondLst>
+                              <p:cond delay="0"/>
+                            </p:stCondLst>
+                            <p:childTnLst>
+                              <p:par>
+                                <p:cTn id="29" presetID="1" presetClass="entr" presetSubtype="0" fill="hold" nodeType="clickEffect">
+                                  <p:stCondLst>
+                                    <p:cond delay="0"/>
+                                  </p:stCondLst>
+                                  <p:childTnLst>
+                                    <p:set>
+                                      <p:cBhvr>
+                                        <p:cTn id="30" dur="1" fill="hold">
+                                          <p:stCondLst>
+                                            <p:cond delay="0"/>
+                                          </p:stCondLst>
+                                        </p:cTn>
+                                        <p:tgtEl>
+                                          <p:spTgt spid="9">
+                                            <p:txEl>
+                                              <p:pRg st="6" end="6"/>
+                                            </p:txEl>
+                                          </p:spTgt>
+                                        </p:tgtEl>
+                                        <p:attrNameLst>
+                                          <p:attrName>style.visibility</p:attrName>
+                                        </p:attrNameLst>
+                                      </p:cBhvr>
+                                      <p:to>
+                                        <p:strVal val="visible"/>
+                                      </p:to>
+                                    </p:set>
+                                  </p:childTnLst>
+                                </p:cTn>
+                              </p:par>
+                            </p:childTnLst>
+                          </p:cTn>
+                        </p:par>
+                      </p:childTnLst>
+                    </p:cTn>
+                  </p:par>
+                  <p:par>
+                    <p:cTn id="31" fill="hold">
+                      <p:stCondLst>
+                        <p:cond delay="indefinite"/>
+                      </p:stCondLst>
+                      <p:childTnLst>
+                        <p:par>
+                          <p:cTn id="32" fill="hold">
+                            <p:stCondLst>
+                              <p:cond delay="0"/>
+                            </p:stCondLst>
+                            <p:childTnLst>
+                              <p:par>
+                                <p:cTn id="33" presetID="1" presetClass="entr" presetSubtype="0" fill="hold" nodeType="clickEffect">
+                                  <p:stCondLst>
+                                    <p:cond delay="0"/>
+                                  </p:stCondLst>
+                                  <p:childTnLst>
+                                    <p:set>
+                                      <p:cBhvr>
+                                        <p:cTn id="34" dur="1" fill="hold">
+                                          <p:stCondLst>
+                                            <p:cond delay="0"/>
+                                          </p:stCondLst>
+                                        </p:cTn>
+                                        <p:tgtEl>
+                                          <p:spTgt spid="9">
+                                            <p:txEl>
+                                              <p:pRg st="7" end="7"/>
+                                            </p:txEl>
+                                          </p:spTgt>
+                                        </p:tgtEl>
+                                        <p:attrNameLst>
+                                          <p:attrName>style.visibility</p:attrName>
+                                        </p:attrNameLst>
+                                      </p:cBhvr>
+                                      <p:to>
+                                        <p:strVal val="visible"/>
+                                      </p:to>
+                                    </p:set>
+                                  </p:childTnLst>
+                                </p:cTn>
+                              </p:par>
+                            </p:childTnLst>
+                          </p:cTn>
+                        </p:par>
+                      </p:childTnLst>
+                    </p:cTn>
+                  </p:par>
+                  <p:par>
+                    <p:cTn id="35" fill="hold">
+                      <p:stCondLst>
+                        <p:cond delay="indefinite"/>
+                      </p:stCondLst>
+                      <p:childTnLst>
+                        <p:par>
+                          <p:cTn id="36" fill="hold">
+                            <p:stCondLst>
+                              <p:cond delay="0"/>
+                            </p:stCondLst>
+                            <p:childTnLst>
+                              <p:par>
+                                <p:cTn id="37" presetID="1" presetClass="entr" presetSubtype="0" fill="hold" nodeType="clickEffect">
+                                  <p:stCondLst>
+                                    <p:cond delay="0"/>
+                                  </p:stCondLst>
+                                  <p:childTnLst>
+                                    <p:set>
+                                      <p:cBhvr>
+                                        <p:cTn id="38" dur="1" fill="hold">
+                                          <p:stCondLst>
+                                            <p:cond delay="0"/>
+                                          </p:stCondLst>
+                                        </p:cTn>
+                                        <p:tgtEl>
+                                          <p:spTgt spid="9">
+                                            <p:txEl>
+                                              <p:pRg st="8" end="8"/>
+                                            </p:txEl>
+                                          </p:spTgt>
+                                        </p:tgtEl>
+                                        <p:attrNameLst>
+                                          <p:attrName>style.visibility</p:attrName>
+                                        </p:attrNameLst>
+                                      </p:cBhvr>
+                                      <p:to>
+                                        <p:strVal val="visible"/>
+                                      </p:to>
+                                    </p:set>
+                                  </p:childTnLst>
+                                </p:cTn>
+                              </p:par>
+                            </p:childTnLst>
+                          </p:cTn>
+                        </p:par>
+                      </p:childTnLst>
+                    </p:cTn>
+                  </p:par>
+                  <p:par>
+                    <p:cTn id="39" fill="hold">
+                      <p:stCondLst>
+                        <p:cond delay="indefinite"/>
+                      </p:stCondLst>
+                      <p:childTnLst>
+                        <p:par>
+                          <p:cTn id="40" fill="hold">
+                            <p:stCondLst>
+                              <p:cond delay="0"/>
+                            </p:stCondLst>
+                            <p:childTnLst>
+                              <p:par>
+                                <p:cTn id="41" presetID="1" presetClass="entr" presetSubtype="0" fill="hold" nodeType="clickEffect">
+                                  <p:stCondLst>
+                                    <p:cond delay="0"/>
+                                  </p:stCondLst>
+                                  <p:childTnLst>
+                                    <p:set>
+                                      <p:cBhvr>
+                                        <p:cTn id="42" dur="1" fill="hold">
+                                          <p:stCondLst>
+                                            <p:cond delay="0"/>
+                                          </p:stCondLst>
+                                        </p:cTn>
+                                        <p:tgtEl>
+                                          <p:spTgt spid="9">
+                                            <p:txEl>
+                                              <p:pRg st="9" end="9"/>
+                                            </p:txEl>
+                                          </p:spTgt>
+                                        </p:tgtEl>
+                                        <p:attrNameLst>
+                                          <p:attrName>style.visibility</p:attrName>
+                                        </p:attrNameLst>
+                                      </p:cBhvr>
+                                      <p:to>
+                                        <p:strVal val="visible"/>
+                                      </p:to>
+                                    </p:set>
+                                  </p:childTnLst>
+                                </p:cTn>
+                              </p:par>
+                            </p:childTnLst>
+                          </p:cTn>
+                        </p:par>
+                      </p:childTnLst>
+                    </p:cTn>
+                  </p:par>
+                  <p:par>
+                    <p:cTn id="43" fill="hold">
+                      <p:stCondLst>
+                        <p:cond delay="indefinite"/>
+                      </p:stCondLst>
+                      <p:childTnLst>
+                        <p:par>
+                          <p:cTn id="44" fill="hold">
+                            <p:stCondLst>
+                              <p:cond delay="0"/>
+                            </p:stCondLst>
+                            <p:childTnLst>
+                              <p:par>
+                                <p:cTn id="45" presetID="1" presetClass="entr" presetSubtype="0" fill="hold" nodeType="clickEffect">
+                                  <p:stCondLst>
+                                    <p:cond delay="0"/>
+                                  </p:stCondLst>
+                                  <p:childTnLst>
+                                    <p:set>
+                                      <p:cBhvr>
+                                        <p:cTn id="46" dur="1" fill="hold">
+                                          <p:stCondLst>
+                                            <p:cond delay="0"/>
+                                          </p:stCondLst>
+                                        </p:cTn>
+                                        <p:tgtEl>
+                                          <p:spTgt spid="9">
+                                            <p:txEl>
+                                              <p:pRg st="10" end="10"/>
+                                            </p:txEl>
+                                          </p:spTgt>
+                                        </p:tgtEl>
+                                        <p:attrNameLst>
+                                          <p:attrName>style.visibility</p:attrName>
+                                        </p:attrNameLst>
+                                      </p:cBhvr>
+                                      <p:to>
+                                        <p:strVal val="visible"/>
+                                      </p:to>
+                                    </p:set>
+                                  </p:childTnLst>
+                                </p:cTn>
+                              </p:par>
+                            </p:childTnLst>
+                          </p:cTn>
+                        </p:par>
+                      </p:childTnLst>
+                    </p:cTn>
+                  </p:par>
+                </p:childTnLst>
+              </p:cTn>
+              <p:prevCondLst>
+                <p:cond evt="onPrev" delay="0">
+                  <p:tgtEl>
+                    <p:sldTgt/>
+                  </p:tgtEl>
+                </p:cond>
+              </p:prevCondLst>
+              <p:nextCondLst>
+                <p:cond evt="onNext" delay="0">
+                  <p:tgtEl>
+                    <p:sldTgt/>
+                  </p:tgtEl>
+                </p:cond>
+              </p:nextCondLst>
+            </p:seq>
+          </p:childTnLst>
+        </p:cTn>
+      </p:par>
+    </p:tnLst>
+    <p:bldLst>
+      <p:bldP spid="4" grpId="0"/>
+    </p:bldLst>
+  </p:timing>
 </p:sld>
 </file>
 
@@ -12519,6 +15758,12 @@
             <a:pPr marL="0" indent="0">
               <a:buNone/>
             </a:pPr>
+            <a:endParaRPr lang="en-US" sz="2000" dirty="0"/>
+          </a:p>
+          <a:p>
+            <a:pPr marL="0" indent="0">
+              <a:buNone/>
+            </a:pPr>
             <a:r>
               <a:rPr lang="en-US" sz="2000" dirty="0"/>
               <a:t>Sometimes we only want the integer part of division. Consider the question:</a:t>
@@ -12538,14 +15783,6 @@
               <a:rPr lang="en-US" sz="2000" dirty="0"/>
               <a:t>How many weeks are there in 25 days? </a:t>
             </a:r>
-            <a:endParaRPr lang="en-US" sz="2000" b="1" dirty="0">
-              <a:latin typeface="Inconsolata Medium" panose="020B0609030003000000" pitchFamily="49" charset="77"/>
-            </a:endParaRPr>
-          </a:p>
-          <a:p>
-            <a:pPr marL="0" indent="0">
-              <a:buNone/>
-            </a:pPr>
             <a:endParaRPr lang="en-US" sz="2000" dirty="0">
               <a:latin typeface="Gill Sans MT" panose="020B0502020104020203" pitchFamily="34" charset="77"/>
             </a:endParaRPr>
@@ -12560,15 +15797,7 @@
               </a:rPr>
               <a:t>Answer: 3 weeks plus 4 days. </a:t>
             </a:r>
-            <a:endParaRPr lang="en-US" sz="1900" b="1" dirty="0">
-              <a:latin typeface="Inconsolata Medium" panose="020B0609030003000000" pitchFamily="49" charset="77"/>
-            </a:endParaRPr>
-          </a:p>
-          <a:p>
-            <a:pPr marL="0" indent="0">
-              <a:buNone/>
-            </a:pPr>
-            <a:endParaRPr lang="en-US" sz="2000" b="1">
+            <a:endParaRPr lang="en-US" sz="2000" b="1" dirty="0">
               <a:solidFill>
                 <a:srgbClr val="000087"/>
               </a:solidFill>
@@ -12580,7 +15809,7 @@
               <a:buNone/>
             </a:pPr>
             <a:r>
-              <a:rPr lang="en-US" sz="2000" b="1">
+              <a:rPr lang="en-US" sz="2000" b="1" dirty="0">
                 <a:solidFill>
                   <a:srgbClr val="000087"/>
                 </a:solidFill>
@@ -12629,6 +15858,22 @@
               </a:rPr>
               <a:t>Out [1]: 3</a:t>
             </a:r>
+          </a:p>
+          <a:p>
+            <a:pPr marL="0" indent="0">
+              <a:buNone/>
+            </a:pPr>
+            <a:endParaRPr lang="en-US" sz="2000" b="1" dirty="0">
+              <a:latin typeface="Inconsolata Medium" panose="020B0609030003000000" pitchFamily="49" charset="77"/>
+            </a:endParaRPr>
+          </a:p>
+          <a:p>
+            <a:pPr marL="0" indent="0">
+              <a:buNone/>
+            </a:pPr>
+            <a:endParaRPr lang="en-US" sz="2000" b="1" dirty="0">
+              <a:latin typeface="Inconsolata Medium" panose="020B0609030003000000" pitchFamily="49" charset="77"/>
+            </a:endParaRPr>
           </a:p>
           <a:p>
             <a:pPr marL="0" indent="0">
@@ -12658,6 +15903,214 @@
   <p:clrMapOvr>
     <a:masterClrMapping/>
   </p:clrMapOvr>
+  <p:timing>
+    <p:tnLst>
+      <p:par>
+        <p:cTn id="1" dur="indefinite" restart="never" nodeType="tmRoot">
+          <p:childTnLst>
+            <p:seq concurrent="1" nextAc="seek">
+              <p:cTn id="2" dur="indefinite" nodeType="mainSeq">
+                <p:childTnLst>
+                  <p:par>
+                    <p:cTn id="3" fill="hold">
+                      <p:stCondLst>
+                        <p:cond delay="indefinite"/>
+                      </p:stCondLst>
+                      <p:childTnLst>
+                        <p:par>
+                          <p:cTn id="4" fill="hold">
+                            <p:stCondLst>
+                              <p:cond delay="0"/>
+                            </p:stCondLst>
+                            <p:childTnLst>
+                              <p:par>
+                                <p:cTn id="5" presetID="1" presetClass="entr" presetSubtype="0" fill="hold" nodeType="clickEffect">
+                                  <p:stCondLst>
+                                    <p:cond delay="0"/>
+                                  </p:stCondLst>
+                                  <p:childTnLst>
+                                    <p:set>
+                                      <p:cBhvr>
+                                        <p:cTn id="6" dur="1" fill="hold">
+                                          <p:stCondLst>
+                                            <p:cond delay="0"/>
+                                          </p:stCondLst>
+                                        </p:cTn>
+                                        <p:tgtEl>
+                                          <p:spTgt spid="9">
+                                            <p:txEl>
+                                              <p:pRg st="3" end="3"/>
+                                            </p:txEl>
+                                          </p:spTgt>
+                                        </p:tgtEl>
+                                        <p:attrNameLst>
+                                          <p:attrName>style.visibility</p:attrName>
+                                        </p:attrNameLst>
+                                      </p:cBhvr>
+                                      <p:to>
+                                        <p:strVal val="visible"/>
+                                      </p:to>
+                                    </p:set>
+                                  </p:childTnLst>
+                                </p:cTn>
+                              </p:par>
+                            </p:childTnLst>
+                          </p:cTn>
+                        </p:par>
+                      </p:childTnLst>
+                    </p:cTn>
+                  </p:par>
+                  <p:par>
+                    <p:cTn id="7" fill="hold">
+                      <p:stCondLst>
+                        <p:cond delay="indefinite"/>
+                      </p:stCondLst>
+                      <p:childTnLst>
+                        <p:par>
+                          <p:cTn id="8" fill="hold">
+                            <p:stCondLst>
+                              <p:cond delay="0"/>
+                            </p:stCondLst>
+                            <p:childTnLst>
+                              <p:par>
+                                <p:cTn id="9" presetID="1" presetClass="entr" presetSubtype="0" fill="hold" nodeType="clickEffect">
+                                  <p:stCondLst>
+                                    <p:cond delay="0"/>
+                                  </p:stCondLst>
+                                  <p:childTnLst>
+                                    <p:set>
+                                      <p:cBhvr>
+                                        <p:cTn id="10" dur="1" fill="hold">
+                                          <p:stCondLst>
+                                            <p:cond delay="0"/>
+                                          </p:stCondLst>
+                                        </p:cTn>
+                                        <p:tgtEl>
+                                          <p:spTgt spid="9">
+                                            <p:txEl>
+                                              <p:pRg st="4" end="4"/>
+                                            </p:txEl>
+                                          </p:spTgt>
+                                        </p:tgtEl>
+                                        <p:attrNameLst>
+                                          <p:attrName>style.visibility</p:attrName>
+                                        </p:attrNameLst>
+                                      </p:cBhvr>
+                                      <p:to>
+                                        <p:strVal val="visible"/>
+                                      </p:to>
+                                    </p:set>
+                                  </p:childTnLst>
+                                </p:cTn>
+                              </p:par>
+                            </p:childTnLst>
+                          </p:cTn>
+                        </p:par>
+                      </p:childTnLst>
+                    </p:cTn>
+                  </p:par>
+                  <p:par>
+                    <p:cTn id="11" fill="hold">
+                      <p:stCondLst>
+                        <p:cond delay="indefinite"/>
+                      </p:stCondLst>
+                      <p:childTnLst>
+                        <p:par>
+                          <p:cTn id="12" fill="hold">
+                            <p:stCondLst>
+                              <p:cond delay="0"/>
+                            </p:stCondLst>
+                            <p:childTnLst>
+                              <p:par>
+                                <p:cTn id="13" presetID="1" presetClass="entr" presetSubtype="0" fill="hold" nodeType="clickEffect">
+                                  <p:stCondLst>
+                                    <p:cond delay="0"/>
+                                  </p:stCondLst>
+                                  <p:childTnLst>
+                                    <p:set>
+                                      <p:cBhvr>
+                                        <p:cTn id="14" dur="1" fill="hold">
+                                          <p:stCondLst>
+                                            <p:cond delay="0"/>
+                                          </p:stCondLst>
+                                        </p:cTn>
+                                        <p:tgtEl>
+                                          <p:spTgt spid="9">
+                                            <p:txEl>
+                                              <p:pRg st="5" end="5"/>
+                                            </p:txEl>
+                                          </p:spTgt>
+                                        </p:tgtEl>
+                                        <p:attrNameLst>
+                                          <p:attrName>style.visibility</p:attrName>
+                                        </p:attrNameLst>
+                                      </p:cBhvr>
+                                      <p:to>
+                                        <p:strVal val="visible"/>
+                                      </p:to>
+                                    </p:set>
+                                  </p:childTnLst>
+                                </p:cTn>
+                              </p:par>
+                              <p:par>
+                                <p:cTn id="15" presetID="1" presetClass="entr" presetSubtype="0" fill="hold" nodeType="withEffect">
+                                  <p:stCondLst>
+                                    <p:cond delay="0"/>
+                                  </p:stCondLst>
+                                  <p:childTnLst>
+                                    <p:set>
+                                      <p:cBhvr>
+                                        <p:cTn id="16" dur="1" fill="hold">
+                                          <p:stCondLst>
+                                            <p:cond delay="0"/>
+                                          </p:stCondLst>
+                                        </p:cTn>
+                                        <p:tgtEl>
+                                          <p:spTgt spid="9">
+                                            <p:txEl>
+                                              <p:pRg st="6" end="6"/>
+                                            </p:txEl>
+                                          </p:spTgt>
+                                        </p:tgtEl>
+                                        <p:attrNameLst>
+                                          <p:attrName>style.visibility</p:attrName>
+                                        </p:attrNameLst>
+                                      </p:cBhvr>
+                                      <p:to>
+                                        <p:strVal val="visible"/>
+                                      </p:to>
+                                    </p:set>
+                                  </p:childTnLst>
+                                </p:cTn>
+                              </p:par>
+                            </p:childTnLst>
+                          </p:cTn>
+                        </p:par>
+                      </p:childTnLst>
+                    </p:cTn>
+                  </p:par>
+                </p:childTnLst>
+              </p:cTn>
+              <p:prevCondLst>
+                <p:cond evt="onPrev" delay="0">
+                  <p:tgtEl>
+                    <p:sldTgt/>
+                  </p:tgtEl>
+                </p:cond>
+              </p:prevCondLst>
+              <p:nextCondLst>
+                <p:cond evt="onNext" delay="0">
+                  <p:tgtEl>
+                    <p:sldTgt/>
+                  </p:tgtEl>
+                </p:cond>
+              </p:nextCondLst>
+            </p:seq>
+          </p:childTnLst>
+        </p:cTn>
+      </p:par>
+    </p:tnLst>
+  </p:timing>
 </p:sld>
 </file>
 
@@ -12759,7 +16212,7 @@
             </a:pPr>
             <a:r>
               <a:rPr lang="en-US" sz="2000" dirty="0"/>
-              <a:t>If today is a Tuesday, which day is 59 days from today? </a:t>
+              <a:t>If today is a Tuesday, which day is 43 days from today? </a:t>
             </a:r>
             <a:endParaRPr lang="en-US" sz="2000" b="1" dirty="0">
               <a:latin typeface="Inconsolata Medium" panose="020B0609030003000000" pitchFamily="49" charset="77"/>
@@ -12773,16 +16226,8 @@
               <a:rPr lang="en-US" sz="2000" dirty="0">
                 <a:latin typeface="Gill Sans MT" panose="020B0502020104020203" pitchFamily="34" charset="77"/>
               </a:rPr>
-              <a:t>Answer: 59 divided by 7 is 8 with a remainder of 3. Thus it will be Friday. </a:t>
-            </a:r>
-            <a:endParaRPr lang="en-US" sz="1900" b="1" dirty="0">
-              <a:latin typeface="Inconsolata Medium" panose="020B0609030003000000" pitchFamily="49" charset="77"/>
-            </a:endParaRPr>
-          </a:p>
-          <a:p>
-            <a:pPr marL="0" indent="0">
-              <a:buNone/>
-            </a:pPr>
+              <a:t>Answer: 43 divided by 7 is 6 with a remainder of 1. Thus it will be Wednesday. </a:t>
+            </a:r>
             <a:endParaRPr lang="en-US" sz="2000" b="1" dirty="0">
               <a:solidFill>
                 <a:srgbClr val="000087"/>
@@ -12822,7 +16267,7 @@
               <a:rPr lang="en-US" sz="2000" b="1" dirty="0">
                 <a:latin typeface="Inconsolata Medium" panose="020B0609030003000000" pitchFamily="49" charset="77"/>
               </a:rPr>
-              <a:t>]: 59 % 7</a:t>
+              <a:t>]: 43 % 7</a:t>
             </a:r>
             <a:r>
               <a:rPr lang="en-US" sz="2000" b="1" dirty="0">
@@ -12842,7 +16287,37 @@
               <a:rPr lang="en-US" sz="2000" b="1" dirty="0">
                 <a:latin typeface="Inconsolata Medium" panose="020B0609030003000000" pitchFamily="49" charset="77"/>
               </a:rPr>
-              <a:t>Out [1]: 3</a:t>
+              <a:t>Out [1]: 1</a:t>
+            </a:r>
+          </a:p>
+          <a:p>
+            <a:pPr marL="0" indent="0">
+              <a:buNone/>
+            </a:pPr>
+            <a:endParaRPr lang="en-US" sz="2000" b="1" dirty="0">
+              <a:latin typeface="Inconsolata Medium" panose="020B0609030003000000" pitchFamily="49" charset="77"/>
+            </a:endParaRPr>
+          </a:p>
+          <a:p>
+            <a:pPr marL="0" indent="0">
+              <a:buNone/>
+            </a:pPr>
+            <a:r>
+              <a:rPr lang="en-US" sz="2000" dirty="0">
+                <a:latin typeface="Gill Sans MT" panose="020B0502020104020203" pitchFamily="34" charset="77"/>
+              </a:rPr>
+              <a:t>Even/odd: A number x is even if x % 2 == 0 and odd if </a:t>
+            </a:r>
+          </a:p>
+          <a:p>
+            <a:pPr marL="0" indent="0">
+              <a:buNone/>
+            </a:pPr>
+            <a:r>
+              <a:rPr lang="en-US" sz="2000" dirty="0">
+                <a:latin typeface="Gill Sans MT" panose="020B0502020104020203" pitchFamily="34" charset="77"/>
+              </a:rPr>
+              <a:t>x % 2 !=0</a:t>
             </a:r>
           </a:p>
           <a:p>
@@ -12873,6 +16348,294 @@
   <p:clrMapOvr>
     <a:masterClrMapping/>
   </p:clrMapOvr>
+  <p:timing>
+    <p:tnLst>
+      <p:par>
+        <p:cTn id="1" dur="indefinite" restart="never" nodeType="tmRoot">
+          <p:childTnLst>
+            <p:seq concurrent="1" nextAc="seek">
+              <p:cTn id="2" dur="indefinite" nodeType="mainSeq">
+                <p:childTnLst>
+                  <p:par>
+                    <p:cTn id="3" fill="hold">
+                      <p:stCondLst>
+                        <p:cond delay="indefinite"/>
+                      </p:stCondLst>
+                      <p:childTnLst>
+                        <p:par>
+                          <p:cTn id="4" fill="hold">
+                            <p:stCondLst>
+                              <p:cond delay="0"/>
+                            </p:stCondLst>
+                            <p:childTnLst>
+                              <p:par>
+                                <p:cTn id="5" presetID="1" presetClass="entr" presetSubtype="0" fill="hold" nodeType="clickEffect">
+                                  <p:stCondLst>
+                                    <p:cond delay="0"/>
+                                  </p:stCondLst>
+                                  <p:childTnLst>
+                                    <p:set>
+                                      <p:cBhvr>
+                                        <p:cTn id="6" dur="1" fill="hold">
+                                          <p:stCondLst>
+                                            <p:cond delay="0"/>
+                                          </p:stCondLst>
+                                        </p:cTn>
+                                        <p:tgtEl>
+                                          <p:spTgt spid="9">
+                                            <p:txEl>
+                                              <p:pRg st="2" end="2"/>
+                                            </p:txEl>
+                                          </p:spTgt>
+                                        </p:tgtEl>
+                                        <p:attrNameLst>
+                                          <p:attrName>style.visibility</p:attrName>
+                                        </p:attrNameLst>
+                                      </p:cBhvr>
+                                      <p:to>
+                                        <p:strVal val="visible"/>
+                                      </p:to>
+                                    </p:set>
+                                  </p:childTnLst>
+                                </p:cTn>
+                              </p:par>
+                            </p:childTnLst>
+                          </p:cTn>
+                        </p:par>
+                      </p:childTnLst>
+                    </p:cTn>
+                  </p:par>
+                  <p:par>
+                    <p:cTn id="7" fill="hold">
+                      <p:stCondLst>
+                        <p:cond delay="indefinite"/>
+                      </p:stCondLst>
+                      <p:childTnLst>
+                        <p:par>
+                          <p:cTn id="8" fill="hold">
+                            <p:stCondLst>
+                              <p:cond delay="0"/>
+                            </p:stCondLst>
+                            <p:childTnLst>
+                              <p:par>
+                                <p:cTn id="9" presetID="1" presetClass="entr" presetSubtype="0" fill="hold" nodeType="clickEffect">
+                                  <p:stCondLst>
+                                    <p:cond delay="0"/>
+                                  </p:stCondLst>
+                                  <p:childTnLst>
+                                    <p:set>
+                                      <p:cBhvr>
+                                        <p:cTn id="10" dur="1" fill="hold">
+                                          <p:stCondLst>
+                                            <p:cond delay="0"/>
+                                          </p:stCondLst>
+                                        </p:cTn>
+                                        <p:tgtEl>
+                                          <p:spTgt spid="9">
+                                            <p:txEl>
+                                              <p:pRg st="3" end="3"/>
+                                            </p:txEl>
+                                          </p:spTgt>
+                                        </p:tgtEl>
+                                        <p:attrNameLst>
+                                          <p:attrName>style.visibility</p:attrName>
+                                        </p:attrNameLst>
+                                      </p:cBhvr>
+                                      <p:to>
+                                        <p:strVal val="visible"/>
+                                      </p:to>
+                                    </p:set>
+                                  </p:childTnLst>
+                                </p:cTn>
+                              </p:par>
+                            </p:childTnLst>
+                          </p:cTn>
+                        </p:par>
+                      </p:childTnLst>
+                    </p:cTn>
+                  </p:par>
+                  <p:par>
+                    <p:cTn id="11" fill="hold">
+                      <p:stCondLst>
+                        <p:cond delay="indefinite"/>
+                      </p:stCondLst>
+                      <p:childTnLst>
+                        <p:par>
+                          <p:cTn id="12" fill="hold">
+                            <p:stCondLst>
+                              <p:cond delay="0"/>
+                            </p:stCondLst>
+                            <p:childTnLst>
+                              <p:par>
+                                <p:cTn id="13" presetID="1" presetClass="entr" presetSubtype="0" fill="hold" nodeType="clickEffect">
+                                  <p:stCondLst>
+                                    <p:cond delay="0"/>
+                                  </p:stCondLst>
+                                  <p:childTnLst>
+                                    <p:set>
+                                      <p:cBhvr>
+                                        <p:cTn id="14" dur="1" fill="hold">
+                                          <p:stCondLst>
+                                            <p:cond delay="0"/>
+                                          </p:stCondLst>
+                                        </p:cTn>
+                                        <p:tgtEl>
+                                          <p:spTgt spid="9">
+                                            <p:txEl>
+                                              <p:pRg st="4" end="4"/>
+                                            </p:txEl>
+                                          </p:spTgt>
+                                        </p:tgtEl>
+                                        <p:attrNameLst>
+                                          <p:attrName>style.visibility</p:attrName>
+                                        </p:attrNameLst>
+                                      </p:cBhvr>
+                                      <p:to>
+                                        <p:strVal val="visible"/>
+                                      </p:to>
+                                    </p:set>
+                                  </p:childTnLst>
+                                </p:cTn>
+                              </p:par>
+                              <p:par>
+                                <p:cTn id="15" presetID="1" presetClass="entr" presetSubtype="0" fill="hold" nodeType="withEffect">
+                                  <p:stCondLst>
+                                    <p:cond delay="0"/>
+                                  </p:stCondLst>
+                                  <p:childTnLst>
+                                    <p:set>
+                                      <p:cBhvr>
+                                        <p:cTn id="16" dur="1" fill="hold">
+                                          <p:stCondLst>
+                                            <p:cond delay="0"/>
+                                          </p:stCondLst>
+                                        </p:cTn>
+                                        <p:tgtEl>
+                                          <p:spTgt spid="9">
+                                            <p:txEl>
+                                              <p:pRg st="5" end="5"/>
+                                            </p:txEl>
+                                          </p:spTgt>
+                                        </p:tgtEl>
+                                        <p:attrNameLst>
+                                          <p:attrName>style.visibility</p:attrName>
+                                        </p:attrNameLst>
+                                      </p:cBhvr>
+                                      <p:to>
+                                        <p:strVal val="visible"/>
+                                      </p:to>
+                                    </p:set>
+                                  </p:childTnLst>
+                                </p:cTn>
+                              </p:par>
+                            </p:childTnLst>
+                          </p:cTn>
+                        </p:par>
+                      </p:childTnLst>
+                    </p:cTn>
+                  </p:par>
+                  <p:par>
+                    <p:cTn id="17" fill="hold">
+                      <p:stCondLst>
+                        <p:cond delay="indefinite"/>
+                      </p:stCondLst>
+                      <p:childTnLst>
+                        <p:par>
+                          <p:cTn id="18" fill="hold">
+                            <p:stCondLst>
+                              <p:cond delay="0"/>
+                            </p:stCondLst>
+                            <p:childTnLst>
+                              <p:par>
+                                <p:cTn id="19" presetID="1" presetClass="entr" presetSubtype="0" fill="hold" nodeType="clickEffect">
+                                  <p:stCondLst>
+                                    <p:cond delay="0"/>
+                                  </p:stCondLst>
+                                  <p:childTnLst>
+                                    <p:set>
+                                      <p:cBhvr>
+                                        <p:cTn id="20" dur="1" fill="hold">
+                                          <p:stCondLst>
+                                            <p:cond delay="0"/>
+                                          </p:stCondLst>
+                                        </p:cTn>
+                                        <p:tgtEl>
+                                          <p:spTgt spid="9">
+                                            <p:txEl>
+                                              <p:pRg st="7" end="7"/>
+                                            </p:txEl>
+                                          </p:spTgt>
+                                        </p:tgtEl>
+                                        <p:attrNameLst>
+                                          <p:attrName>style.visibility</p:attrName>
+                                        </p:attrNameLst>
+                                      </p:cBhvr>
+                                      <p:to>
+                                        <p:strVal val="visible"/>
+                                      </p:to>
+                                    </p:set>
+                                  </p:childTnLst>
+                                </p:cTn>
+                              </p:par>
+                              <p:par>
+                                <p:cTn id="21" presetID="1" presetClass="entr" presetSubtype="0" fill="hold" nodeType="withEffect">
+                                  <p:stCondLst>
+                                    <p:cond delay="0"/>
+                                  </p:stCondLst>
+                                  <p:childTnLst>
+                                    <p:set>
+                                      <p:cBhvr>
+                                        <p:cTn id="22" dur="1" fill="hold">
+                                          <p:stCondLst>
+                                            <p:cond delay="0"/>
+                                          </p:stCondLst>
+                                        </p:cTn>
+                                        <p:tgtEl>
+                                          <p:spTgt spid="9">
+                                            <p:txEl>
+                                              <p:pRg st="8" end="8"/>
+                                            </p:txEl>
+                                          </p:spTgt>
+                                        </p:tgtEl>
+                                        <p:attrNameLst>
+                                          <p:attrName>style.visibility</p:attrName>
+                                        </p:attrNameLst>
+                                      </p:cBhvr>
+                                      <p:to>
+                                        <p:strVal val="visible"/>
+                                      </p:to>
+                                    </p:set>
+                                  </p:childTnLst>
+                                </p:cTn>
+                              </p:par>
+                            </p:childTnLst>
+                          </p:cTn>
+                        </p:par>
+                      </p:childTnLst>
+                    </p:cTn>
+                  </p:par>
+                </p:childTnLst>
+              </p:cTn>
+              <p:prevCondLst>
+                <p:cond evt="onPrev" delay="0">
+                  <p:tgtEl>
+                    <p:sldTgt/>
+                  </p:tgtEl>
+                </p:cond>
+              </p:prevCondLst>
+              <p:nextCondLst>
+                <p:cond evt="onNext" delay="0">
+                  <p:tgtEl>
+                    <p:sldTgt/>
+                  </p:tgtEl>
+                </p:cond>
+              </p:nextCondLst>
+            </p:seq>
+          </p:childTnLst>
+        </p:cTn>
+      </p:par>
+    </p:tnLst>
+  </p:timing>
 </p:sld>
 </file>
 
@@ -13224,6 +16987,245 @@
   <p:clrMapOvr>
     <a:masterClrMapping/>
   </p:clrMapOvr>
+  <p:timing>
+    <p:tnLst>
+      <p:par>
+        <p:cTn id="1" dur="indefinite" restart="never" nodeType="tmRoot">
+          <p:childTnLst>
+            <p:seq concurrent="1" nextAc="seek">
+              <p:cTn id="2" dur="indefinite" nodeType="mainSeq">
+                <p:childTnLst>
+                  <p:par>
+                    <p:cTn id="3" fill="hold">
+                      <p:stCondLst>
+                        <p:cond delay="indefinite"/>
+                      </p:stCondLst>
+                      <p:childTnLst>
+                        <p:par>
+                          <p:cTn id="4" fill="hold">
+                            <p:stCondLst>
+                              <p:cond delay="0"/>
+                            </p:stCondLst>
+                            <p:childTnLst>
+                              <p:par>
+                                <p:cTn id="5" presetID="1" presetClass="entr" presetSubtype="0" fill="hold" nodeType="clickEffect">
+                                  <p:stCondLst>
+                                    <p:cond delay="0"/>
+                                  </p:stCondLst>
+                                  <p:childTnLst>
+                                    <p:set>
+                                      <p:cBhvr>
+                                        <p:cTn id="6" dur="1" fill="hold">
+                                          <p:stCondLst>
+                                            <p:cond delay="0"/>
+                                          </p:stCondLst>
+                                        </p:cTn>
+                                        <p:tgtEl>
+                                          <p:spTgt spid="9">
+                                            <p:txEl>
+                                              <p:pRg st="4" end="4"/>
+                                            </p:txEl>
+                                          </p:spTgt>
+                                        </p:tgtEl>
+                                        <p:attrNameLst>
+                                          <p:attrName>style.visibility</p:attrName>
+                                        </p:attrNameLst>
+                                      </p:cBhvr>
+                                      <p:to>
+                                        <p:strVal val="visible"/>
+                                      </p:to>
+                                    </p:set>
+                                  </p:childTnLst>
+                                </p:cTn>
+                              </p:par>
+                            </p:childTnLst>
+                          </p:cTn>
+                        </p:par>
+                      </p:childTnLst>
+                    </p:cTn>
+                  </p:par>
+                  <p:par>
+                    <p:cTn id="7" fill="hold">
+                      <p:stCondLst>
+                        <p:cond delay="indefinite"/>
+                      </p:stCondLst>
+                      <p:childTnLst>
+                        <p:par>
+                          <p:cTn id="8" fill="hold">
+                            <p:stCondLst>
+                              <p:cond delay="0"/>
+                            </p:stCondLst>
+                            <p:childTnLst>
+                              <p:par>
+                                <p:cTn id="9" presetID="1" presetClass="entr" presetSubtype="0" fill="hold" nodeType="clickEffect">
+                                  <p:stCondLst>
+                                    <p:cond delay="0"/>
+                                  </p:stCondLst>
+                                  <p:childTnLst>
+                                    <p:set>
+                                      <p:cBhvr>
+                                        <p:cTn id="10" dur="1" fill="hold">
+                                          <p:stCondLst>
+                                            <p:cond delay="0"/>
+                                          </p:stCondLst>
+                                        </p:cTn>
+                                        <p:tgtEl>
+                                          <p:spTgt spid="9">
+                                            <p:txEl>
+                                              <p:pRg st="6" end="6"/>
+                                            </p:txEl>
+                                          </p:spTgt>
+                                        </p:tgtEl>
+                                        <p:attrNameLst>
+                                          <p:attrName>style.visibility</p:attrName>
+                                        </p:attrNameLst>
+                                      </p:cBhvr>
+                                      <p:to>
+                                        <p:strVal val="visible"/>
+                                      </p:to>
+                                    </p:set>
+                                  </p:childTnLst>
+                                </p:cTn>
+                              </p:par>
+                              <p:par>
+                                <p:cTn id="11" presetID="1" presetClass="entr" presetSubtype="0" fill="hold" nodeType="withEffect">
+                                  <p:stCondLst>
+                                    <p:cond delay="0"/>
+                                  </p:stCondLst>
+                                  <p:childTnLst>
+                                    <p:set>
+                                      <p:cBhvr>
+                                        <p:cTn id="12" dur="1" fill="hold">
+                                          <p:stCondLst>
+                                            <p:cond delay="0"/>
+                                          </p:stCondLst>
+                                        </p:cTn>
+                                        <p:tgtEl>
+                                          <p:spTgt spid="9">
+                                            <p:txEl>
+                                              <p:pRg st="7" end="7"/>
+                                            </p:txEl>
+                                          </p:spTgt>
+                                        </p:tgtEl>
+                                        <p:attrNameLst>
+                                          <p:attrName>style.visibility</p:attrName>
+                                        </p:attrNameLst>
+                                      </p:cBhvr>
+                                      <p:to>
+                                        <p:strVal val="visible"/>
+                                      </p:to>
+                                    </p:set>
+                                  </p:childTnLst>
+                                </p:cTn>
+                              </p:par>
+                            </p:childTnLst>
+                          </p:cTn>
+                        </p:par>
+                      </p:childTnLst>
+                    </p:cTn>
+                  </p:par>
+                  <p:par>
+                    <p:cTn id="13" fill="hold">
+                      <p:stCondLst>
+                        <p:cond delay="indefinite"/>
+                      </p:stCondLst>
+                      <p:childTnLst>
+                        <p:par>
+                          <p:cTn id="14" fill="hold">
+                            <p:stCondLst>
+                              <p:cond delay="0"/>
+                            </p:stCondLst>
+                            <p:childTnLst>
+                              <p:par>
+                                <p:cTn id="15" presetID="1" presetClass="entr" presetSubtype="0" fill="hold" nodeType="clickEffect">
+                                  <p:stCondLst>
+                                    <p:cond delay="0"/>
+                                  </p:stCondLst>
+                                  <p:childTnLst>
+                                    <p:set>
+                                      <p:cBhvr>
+                                        <p:cTn id="16" dur="1" fill="hold">
+                                          <p:stCondLst>
+                                            <p:cond delay="0"/>
+                                          </p:stCondLst>
+                                        </p:cTn>
+                                        <p:tgtEl>
+                                          <p:spTgt spid="9">
+                                            <p:txEl>
+                                              <p:pRg st="9" end="9"/>
+                                            </p:txEl>
+                                          </p:spTgt>
+                                        </p:tgtEl>
+                                        <p:attrNameLst>
+                                          <p:attrName>style.visibility</p:attrName>
+                                        </p:attrNameLst>
+                                      </p:cBhvr>
+                                      <p:to>
+                                        <p:strVal val="visible"/>
+                                      </p:to>
+                                    </p:set>
+                                  </p:childTnLst>
+                                </p:cTn>
+                              </p:par>
+                              <p:par>
+                                <p:cTn id="17" presetID="1" presetClass="entr" presetSubtype="0" fill="hold" nodeType="withEffect">
+                                  <p:stCondLst>
+                                    <p:cond delay="0"/>
+                                  </p:stCondLst>
+                                  <p:childTnLst>
+                                    <p:set>
+                                      <p:cBhvr>
+                                        <p:cTn id="18" dur="1" fill="hold">
+                                          <p:stCondLst>
+                                            <p:cond delay="0"/>
+                                          </p:stCondLst>
+                                        </p:cTn>
+                                        <p:tgtEl>
+                                          <p:spTgt spid="9">
+                                            <p:txEl>
+                                              <p:pRg st="10" end="10"/>
+                                            </p:txEl>
+                                          </p:spTgt>
+                                        </p:tgtEl>
+                                        <p:attrNameLst>
+                                          <p:attrName>style.visibility</p:attrName>
+                                        </p:attrNameLst>
+                                      </p:cBhvr>
+                                      <p:to>
+                                        <p:strVal val="visible"/>
+                                      </p:to>
+                                    </p:set>
+                                  </p:childTnLst>
+                                </p:cTn>
+                              </p:par>
+                            </p:childTnLst>
+                          </p:cTn>
+                        </p:par>
+                      </p:childTnLst>
+                    </p:cTn>
+                  </p:par>
+                </p:childTnLst>
+              </p:cTn>
+              <p:prevCondLst>
+                <p:cond evt="onPrev" delay="0">
+                  <p:tgtEl>
+                    <p:sldTgt/>
+                  </p:tgtEl>
+                </p:cond>
+              </p:prevCondLst>
+              <p:nextCondLst>
+                <p:cond evt="onNext" delay="0">
+                  <p:tgtEl>
+                    <p:sldTgt/>
+                  </p:tgtEl>
+                </p:cond>
+              </p:nextCondLst>
+            </p:seq>
+          </p:childTnLst>
+        </p:cTn>
+      </p:par>
+    </p:tnLst>
+  </p:timing>
 </p:sld>
 </file>
 

--- a/courses/apcsp/lect2.pptx
+++ b/courses/apcsp/lect2.pptx
@@ -29,7 +29,8 @@
     <p:sldId id="303" r:id="rId23"/>
     <p:sldId id="304" r:id="rId24"/>
     <p:sldId id="305" r:id="rId25"/>
-    <p:sldId id="290" r:id="rId26"/>
+    <p:sldId id="310" r:id="rId26"/>
+    <p:sldId id="290" r:id="rId27"/>
   </p:sldIdLst>
   <p:sldSz cx="9144000" cy="5715000" type="screen16x10"/>
   <p:notesSz cx="6858000" cy="9144000"/>
@@ -139,7 +140,7 @@
 <file path=ppt/revisionInfo.xml><?xml version="1.0" encoding="utf-8"?>
 <p1510:revInfo xmlns:a="http://schemas.openxmlformats.org/drawingml/2006/main" xmlns:r="http://schemas.openxmlformats.org/officeDocument/2006/relationships" xmlns:p1510="http://schemas.microsoft.com/office/powerpoint/2015/10/main">
   <p1510:revLst>
-    <p1510:client id="{3F616429-CA07-8145-BE07-B7552942C56D}" v="242" dt="2019-09-12T12:14:15.124"/>
+    <p1510:client id="{3F616429-CA07-8145-BE07-B7552942C56D}" v="908" dt="2019-09-13T11:55:31.876"/>
   </p1510:revLst>
 </p1510:revInfo>
 </file>
@@ -149,7 +150,7 @@
   <pc:docChgLst>
     <pc:chgData name="Long B Nguyen" userId="f59fb8f3-a021-417a-8bc1-65c8d471c621" providerId="ADAL" clId="{3F616429-CA07-8145-BE07-B7552942C56D}"/>
     <pc:docChg chg="undo custSel addSld delSld modSld">
-      <pc:chgData name="Long B Nguyen" userId="f59fb8f3-a021-417a-8bc1-65c8d471c621" providerId="ADAL" clId="{3F616429-CA07-8145-BE07-B7552942C56D}" dt="2019-09-12T12:14:15.124" v="5043" actId="20577"/>
+      <pc:chgData name="Long B Nguyen" userId="f59fb8f3-a021-417a-8bc1-65c8d471c621" providerId="ADAL" clId="{3F616429-CA07-8145-BE07-B7552942C56D}" dt="2019-09-13T11:55:31.876" v="5712" actId="113"/>
       <pc:docMkLst>
         <pc:docMk/>
       </pc:docMkLst>
@@ -721,18 +722,26 @@
           </ac:spMkLst>
         </pc:spChg>
       </pc:sldChg>
-      <pc:sldChg chg="modSp add del">
-        <pc:chgData name="Long B Nguyen" userId="f59fb8f3-a021-417a-8bc1-65c8d471c621" providerId="ADAL" clId="{3F616429-CA07-8145-BE07-B7552942C56D}" dt="2019-09-11T13:43:10.665" v="4436" actId="2696"/>
+      <pc:sldChg chg="modSp add modAnim">
+        <pc:chgData name="Long B Nguyen" userId="f59fb8f3-a021-417a-8bc1-65c8d471c621" providerId="ADAL" clId="{3F616429-CA07-8145-BE07-B7552942C56D}" dt="2019-09-13T11:55:31.876" v="5712" actId="113"/>
         <pc:sldMkLst>
           <pc:docMk/>
-          <pc:sldMk cId="3843837990" sldId="309"/>
+          <pc:sldMk cId="1741514159" sldId="310"/>
         </pc:sldMkLst>
         <pc:spChg chg="mod">
-          <ac:chgData name="Long B Nguyen" userId="f59fb8f3-a021-417a-8bc1-65c8d471c621" providerId="ADAL" clId="{3F616429-CA07-8145-BE07-B7552942C56D}" dt="2019-09-11T13:38:34.296" v="4030" actId="20577"/>
+          <ac:chgData name="Long B Nguyen" userId="f59fb8f3-a021-417a-8bc1-65c8d471c621" providerId="ADAL" clId="{3F616429-CA07-8145-BE07-B7552942C56D}" dt="2019-09-13T11:49:22.648" v="5047" actId="20577"/>
           <ac:spMkLst>
             <pc:docMk/>
-            <pc:sldMk cId="3843837990" sldId="309"/>
+            <pc:sldMk cId="1741514159" sldId="310"/>
             <ac:spMk id="2" creationId="{AA3A228F-61D0-D949-A5E7-F83756230BF8}"/>
+          </ac:spMkLst>
+        </pc:spChg>
+        <pc:spChg chg="mod">
+          <ac:chgData name="Long B Nguyen" userId="f59fb8f3-a021-417a-8bc1-65c8d471c621" providerId="ADAL" clId="{3F616429-CA07-8145-BE07-B7552942C56D}" dt="2019-09-13T11:55:31.876" v="5712" actId="113"/>
+          <ac:spMkLst>
+            <pc:docMk/>
+            <pc:sldMk cId="1741514159" sldId="310"/>
+            <ac:spMk id="9" creationId="{E3B2E017-30B2-884B-A113-B419A2ED51AD}"/>
           </ac:spMkLst>
         </pc:spChg>
       </pc:sldChg>
@@ -740,65 +749,6 @@
   </pc:docChgLst>
   <pc:docChgLst>
     <pc:chgData name="Long B Nguyen" userId="f59fb8f3-a021-417a-8bc1-65c8d471c621" providerId="ADAL" clId="{05A1C5B8-6AA9-824C-B77D-182A36FCC0A3}"/>
-    <pc:docChg chg="custSel addSld delSld modSld">
-      <pc:chgData name="Long B Nguyen" userId="f59fb8f3-a021-417a-8bc1-65c8d471c621" providerId="ADAL" clId="{05A1C5B8-6AA9-824C-B77D-182A36FCC0A3}" dt="2019-06-14T11:56:44.727" v="163" actId="1036"/>
-      <pc:docMkLst>
-        <pc:docMk/>
-      </pc:docMkLst>
-      <pc:sldChg chg="modSp">
-        <pc:chgData name="Long B Nguyen" userId="f59fb8f3-a021-417a-8bc1-65c8d471c621" providerId="ADAL" clId="{05A1C5B8-6AA9-824C-B77D-182A36FCC0A3}" dt="2019-06-14T11:56:24.872" v="157" actId="1036"/>
-        <pc:sldMkLst>
-          <pc:docMk/>
-          <pc:sldMk cId="3692685984" sldId="282"/>
-        </pc:sldMkLst>
-        <pc:picChg chg="mod">
-          <ac:chgData name="Long B Nguyen" userId="f59fb8f3-a021-417a-8bc1-65c8d471c621" providerId="ADAL" clId="{05A1C5B8-6AA9-824C-B77D-182A36FCC0A3}" dt="2019-06-14T11:56:24.872" v="157" actId="1036"/>
-          <ac:picMkLst>
-            <pc:docMk/>
-            <pc:sldMk cId="3692685984" sldId="282"/>
-            <ac:picMk id="5" creationId="{A9EDB93F-76CE-6747-9589-BC88C1222D45}"/>
-          </ac:picMkLst>
-        </pc:picChg>
-      </pc:sldChg>
-      <pc:sldChg chg="modSp">
-        <pc:chgData name="Long B Nguyen" userId="f59fb8f3-a021-417a-8bc1-65c8d471c621" providerId="ADAL" clId="{05A1C5B8-6AA9-824C-B77D-182A36FCC0A3}" dt="2019-06-14T11:56:31.155" v="159" actId="20577"/>
-        <pc:sldMkLst>
-          <pc:docMk/>
-          <pc:sldMk cId="1520265794" sldId="283"/>
-        </pc:sldMkLst>
-        <pc:spChg chg="mod">
-          <ac:chgData name="Long B Nguyen" userId="f59fb8f3-a021-417a-8bc1-65c8d471c621" providerId="ADAL" clId="{05A1C5B8-6AA9-824C-B77D-182A36FCC0A3}" dt="2019-06-14T11:56:31.155" v="159" actId="20577"/>
-          <ac:spMkLst>
-            <pc:docMk/>
-            <pc:sldMk cId="1520265794" sldId="283"/>
-            <ac:spMk id="9" creationId="{E3B2E017-30B2-884B-A113-B419A2ED51AD}"/>
-          </ac:spMkLst>
-        </pc:spChg>
-      </pc:sldChg>
-      <pc:sldChg chg="modSp">
-        <pc:chgData name="Long B Nguyen" userId="f59fb8f3-a021-417a-8bc1-65c8d471c621" providerId="ADAL" clId="{05A1C5B8-6AA9-824C-B77D-182A36FCC0A3}" dt="2019-06-14T02:15:45.959" v="28" actId="20577"/>
-        <pc:sldMkLst>
-          <pc:docMk/>
-          <pc:sldMk cId="3974060782" sldId="289"/>
-        </pc:sldMkLst>
-        <pc:spChg chg="mod">
-          <ac:chgData name="Long B Nguyen" userId="f59fb8f3-a021-417a-8bc1-65c8d471c621" providerId="ADAL" clId="{05A1C5B8-6AA9-824C-B77D-182A36FCC0A3}" dt="2019-06-14T02:15:31.900" v="24" actId="20577"/>
-          <ac:spMkLst>
-            <pc:docMk/>
-            <pc:sldMk cId="3974060782" sldId="289"/>
-            <ac:spMk id="2" creationId="{6117A749-B1BA-E24B-8FB0-0604EF651FB3}"/>
-          </ac:spMkLst>
-        </pc:spChg>
-        <pc:spChg chg="mod">
-          <ac:chgData name="Long B Nguyen" userId="f59fb8f3-a021-417a-8bc1-65c8d471c621" providerId="ADAL" clId="{05A1C5B8-6AA9-824C-B77D-182A36FCC0A3}" dt="2019-06-14T02:15:45.959" v="28" actId="20577"/>
-          <ac:spMkLst>
-            <pc:docMk/>
-            <pc:sldMk cId="3974060782" sldId="289"/>
-            <ac:spMk id="3" creationId="{1BDC47C8-6776-7B44-9CD4-95FC91452D62}"/>
-          </ac:spMkLst>
-        </pc:spChg>
-      </pc:sldChg>
-    </pc:docChg>
   </pc:docChgLst>
   <pc:docChgLst>
     <pc:chgData name="Long B Nguyen" userId="f59fb8f3-a021-417a-8bc1-65c8d471c621" providerId="ADAL" clId="{EFBCD846-B2A3-1B4C-B729-1BDD8BB3398F}"/>
@@ -807,21 +757,6 @@
       <pc:docMkLst>
         <pc:docMk/>
       </pc:docMkLst>
-      <pc:sldChg chg="modSp">
-        <pc:chgData name="Long B Nguyen" userId="f59fb8f3-a021-417a-8bc1-65c8d471c621" providerId="ADAL" clId="{EFBCD846-B2A3-1B4C-B729-1BDD8BB3398F}" dt="2019-06-14T16:46:09.860" v="5" actId="5793"/>
-        <pc:sldMkLst>
-          <pc:docMk/>
-          <pc:sldMk cId="2207246265" sldId="257"/>
-        </pc:sldMkLst>
-        <pc:spChg chg="mod">
-          <ac:chgData name="Long B Nguyen" userId="f59fb8f3-a021-417a-8bc1-65c8d471c621" providerId="ADAL" clId="{EFBCD846-B2A3-1B4C-B729-1BDD8BB3398F}" dt="2019-06-14T16:46:09.860" v="5" actId="5793"/>
-          <ac:spMkLst>
-            <pc:docMk/>
-            <pc:sldMk cId="2207246265" sldId="257"/>
-            <ac:spMk id="9" creationId="{E3B2E017-30B2-884B-A113-B419A2ED51AD}"/>
-          </ac:spMkLst>
-        </pc:spChg>
-      </pc:sldChg>
     </pc:docChg>
   </pc:docChgLst>
   <pc:docChgLst>
@@ -973,7 +908,7 @@
           <a:p>
             <a:fld id="{4AAD347D-5ACD-4C99-B74B-A9C85AD731AF}" type="datetimeFigureOut">
               <a:rPr lang="en-US" smtClean="0"/>
-              <a:t>9/12/19</a:t>
+              <a:t>9/13/19</a:t>
             </a:fld>
             <a:endParaRPr lang="en-US" dirty="0"/>
           </a:p>
@@ -1143,7 +1078,7 @@
           <a:p>
             <a:fld id="{4509A250-FF31-4206-8172-F9D3106AACB1}" type="datetimeFigureOut">
               <a:rPr lang="en-US" smtClean="0"/>
-              <a:t>9/12/19</a:t>
+              <a:t>9/13/19</a:t>
             </a:fld>
             <a:endParaRPr lang="en-US" dirty="0"/>
           </a:p>
@@ -1323,7 +1258,7 @@
           <a:p>
             <a:fld id="{4509A250-FF31-4206-8172-F9D3106AACB1}" type="datetimeFigureOut">
               <a:rPr lang="en-US" smtClean="0"/>
-              <a:t>9/12/19</a:t>
+              <a:t>9/13/19</a:t>
             </a:fld>
             <a:endParaRPr lang="en-US" dirty="0"/>
           </a:p>
@@ -1493,7 +1428,7 @@
           <a:p>
             <a:fld id="{4509A250-FF31-4206-8172-F9D3106AACB1}" type="datetimeFigureOut">
               <a:rPr lang="en-US" smtClean="0"/>
-              <a:t>9/12/19</a:t>
+              <a:t>9/13/19</a:t>
             </a:fld>
             <a:endParaRPr lang="en-US" dirty="0"/>
           </a:p>
@@ -1739,7 +1674,7 @@
           <a:p>
             <a:fld id="{9796027F-7875-4030-9381-8BD8C4F21935}" type="datetimeFigureOut">
               <a:rPr lang="en-US" smtClean="0"/>
-              <a:t>9/12/19</a:t>
+              <a:t>9/13/19</a:t>
             </a:fld>
             <a:endParaRPr lang="en-US" dirty="0"/>
           </a:p>
@@ -1971,7 +1906,7 @@
           <a:p>
             <a:fld id="{9796027F-7875-4030-9381-8BD8C4F21935}" type="datetimeFigureOut">
               <a:rPr lang="en-US" smtClean="0"/>
-              <a:t>9/12/19</a:t>
+              <a:t>9/13/19</a:t>
             </a:fld>
             <a:endParaRPr lang="en-US" dirty="0"/>
           </a:p>
@@ -2338,7 +2273,7 @@
           <a:p>
             <a:fld id="{9796027F-7875-4030-9381-8BD8C4F21935}" type="datetimeFigureOut">
               <a:rPr lang="en-US" smtClean="0"/>
-              <a:t>9/12/19</a:t>
+              <a:t>9/13/19</a:t>
             </a:fld>
             <a:endParaRPr lang="en-US" dirty="0"/>
           </a:p>
@@ -2456,7 +2391,7 @@
           <a:p>
             <a:fld id="{4509A250-FF31-4206-8172-F9D3106AACB1}" type="datetimeFigureOut">
               <a:rPr lang="en-US" smtClean="0"/>
-              <a:t>9/12/19</a:t>
+              <a:t>9/13/19</a:t>
             </a:fld>
             <a:endParaRPr lang="en-US" dirty="0"/>
           </a:p>
@@ -2551,7 +2486,7 @@
           <a:p>
             <a:fld id="{4509A250-FF31-4206-8172-F9D3106AACB1}" type="datetimeFigureOut">
               <a:rPr lang="en-US" smtClean="0"/>
-              <a:t>9/12/19</a:t>
+              <a:t>9/13/19</a:t>
             </a:fld>
             <a:endParaRPr lang="en-US" dirty="0"/>
           </a:p>
@@ -2828,7 +2763,7 @@
           <a:p>
             <a:fld id="{4509A250-FF31-4206-8172-F9D3106AACB1}" type="datetimeFigureOut">
               <a:rPr lang="en-US" smtClean="0"/>
-              <a:t>9/12/19</a:t>
+              <a:t>9/13/19</a:t>
             </a:fld>
             <a:endParaRPr lang="en-US" dirty="0"/>
           </a:p>
@@ -3085,7 +3020,7 @@
           <a:p>
             <a:fld id="{4509A250-FF31-4206-8172-F9D3106AACB1}" type="datetimeFigureOut">
               <a:rPr lang="en-US" smtClean="0"/>
-              <a:t>9/12/19</a:t>
+              <a:t>9/13/19</a:t>
             </a:fld>
             <a:endParaRPr lang="en-US" dirty="0"/>
           </a:p>
@@ -3298,7 +3233,7 @@
           <a:p>
             <a:fld id="{4AAD347D-5ACD-4C99-B74B-A9C85AD731AF}" type="datetimeFigureOut">
               <a:rPr lang="en-US" smtClean="0"/>
-              <a:t>9/12/19</a:t>
+              <a:t>9/13/19</a:t>
             </a:fld>
             <a:endParaRPr lang="en-US" dirty="0"/>
           </a:p>
@@ -13020,6 +12955,637 @@
           <a:p>
             <a:r>
               <a:rPr lang="en-US" dirty="0"/>
+              <a:t>Lab</a:t>
+            </a:r>
+          </a:p>
+        </p:txBody>
+      </p:sp>
+      <mc:AlternateContent xmlns:mc="http://schemas.openxmlformats.org/markup-compatibility/2006">
+        <mc:Choice xmlns:a14="http://schemas.microsoft.com/office/drawing/2010/main" Requires="a14">
+          <p:sp>
+            <p:nvSpPr>
+              <p:cNvPr id="9" name="Content Placeholder 8">
+                <a:extLst>
+                  <a:ext uri="{FF2B5EF4-FFF2-40B4-BE49-F238E27FC236}">
+                    <a16:creationId xmlns:a16="http://schemas.microsoft.com/office/drawing/2014/main" id="{E3B2E017-30B2-884B-A113-B419A2ED51AD}"/>
+                  </a:ext>
+                </a:extLst>
+              </p:cNvPr>
+              <p:cNvSpPr>
+                <a:spLocks noGrp="1"/>
+              </p:cNvSpPr>
+              <p:nvPr>
+                <p:ph idx="1"/>
+              </p:nvPr>
+            </p:nvSpPr>
+            <p:spPr>
+              <a:xfrm>
+                <a:off x="483848" y="1003610"/>
+                <a:ext cx="8051725" cy="4711390"/>
+              </a:xfrm>
+            </p:spPr>
+            <p:txBody>
+              <a:bodyPr>
+                <a:noAutofit/>
+              </a:bodyPr>
+              <a:lstStyle/>
+              <a:p>
+                <a:pPr marL="0" indent="0">
+                  <a:buNone/>
+                </a:pPr>
+                <a:r>
+                  <a:rPr lang="en-US" sz="1900" dirty="0">
+                    <a:latin typeface="Gill Sans MT" panose="020B0502020104020203" pitchFamily="34" charset="77"/>
+                  </a:rPr>
+                  <a:t>Write a program that asks the user to enter three test scores: name these variables test1, test2 and test3. Create three variables: average, variance and </a:t>
+                </a:r>
+                <a:r>
+                  <a:rPr lang="en-US" sz="1900" dirty="0" err="1">
+                    <a:latin typeface="Gill Sans MT" panose="020B0502020104020203" pitchFamily="34" charset="77"/>
+                  </a:rPr>
+                  <a:t>standard_deviation</a:t>
+                </a:r>
+                <a:r>
+                  <a:rPr lang="en-US" sz="1900" dirty="0">
+                    <a:latin typeface="Gill Sans MT" panose="020B0502020104020203" pitchFamily="34" charset="77"/>
+                  </a:rPr>
+                  <a:t> and compute their values.</a:t>
+                </a:r>
+              </a:p>
+              <a:p>
+                <a:pPr marL="0" indent="0">
+                  <a:buNone/>
+                </a:pPr>
+                <a:r>
+                  <a:rPr lang="en-US" sz="1900" dirty="0">
+                    <a:latin typeface="Gill Sans MT" panose="020B0502020104020203" pitchFamily="34" charset="77"/>
+                  </a:rPr>
+                  <a:t>The program then prints out the average, variance and standard deviation. Your program should have a output EXACTLY as below:</a:t>
+                </a:r>
+                <a:endParaRPr lang="en-US" sz="1900" b="1" dirty="0">
+                  <a:latin typeface="Inconsolata Medium" panose="020B0609030003000000" pitchFamily="49" charset="77"/>
+                </a:endParaRPr>
+              </a:p>
+              <a:p>
+                <a:pPr marL="0" indent="0">
+                  <a:buNone/>
+                </a:pPr>
+                <a:r>
+                  <a:rPr lang="en-US" sz="1900" b="1" dirty="0">
+                    <a:latin typeface="Inconsolata Medium" panose="020B0609030003000000" pitchFamily="49" charset="77"/>
+                  </a:rPr>
+                  <a:t>Enter Test 1 score:78</a:t>
+                </a:r>
+              </a:p>
+              <a:p>
+                <a:pPr marL="0" indent="0">
+                  <a:buNone/>
+                </a:pPr>
+                <a:r>
+                  <a:rPr lang="en-US" sz="1900" b="1" dirty="0">
+                    <a:latin typeface="Inconsolata Medium" panose="020B0609030003000000" pitchFamily="49" charset="77"/>
+                  </a:rPr>
+                  <a:t>Enter Test 2 score:80</a:t>
+                </a:r>
+              </a:p>
+              <a:p>
+                <a:pPr marL="0" indent="0">
+                  <a:buNone/>
+                </a:pPr>
+                <a:r>
+                  <a:rPr lang="en-US" sz="1900" b="1" dirty="0">
+                    <a:latin typeface="Inconsolata Medium" panose="020B0609030003000000" pitchFamily="49" charset="77"/>
+                  </a:rPr>
+                  <a:t>Enter Test 3 score:77</a:t>
+                </a:r>
+              </a:p>
+              <a:p>
+                <a:pPr marL="0" indent="0">
+                  <a:buNone/>
+                </a:pPr>
+                <a:r>
+                  <a:rPr lang="en-US" sz="1900" b="1" dirty="0">
+                    <a:latin typeface="Inconsolata Medium" panose="020B0609030003000000" pitchFamily="49" charset="77"/>
+                  </a:rPr>
+                  <a:t>Average: 78.33333333333333</a:t>
+                </a:r>
+              </a:p>
+              <a:p>
+                <a:pPr marL="0" indent="0">
+                  <a:buNone/>
+                </a:pPr>
+                <a:r>
+                  <a:rPr lang="en-US" sz="1900" b="1" dirty="0">
+                    <a:latin typeface="Inconsolata Medium" panose="020B0609030003000000" pitchFamily="49" charset="77"/>
+                  </a:rPr>
+                  <a:t>Variance: 1.5555555555555556</a:t>
+                </a:r>
+              </a:p>
+              <a:p>
+                <a:pPr marL="0" indent="0">
+                  <a:buNone/>
+                </a:pPr>
+                <a:r>
+                  <a:rPr lang="en-US" sz="1900" b="1" dirty="0">
+                    <a:latin typeface="Inconsolata Medium" panose="020B0609030003000000" pitchFamily="49" charset="77"/>
+                  </a:rPr>
+                  <a:t>Standard Deviation: 1.247219128924647</a:t>
+                </a:r>
+              </a:p>
+              <a:p>
+                <a:pPr marL="0" indent="0">
+                  <a:buNone/>
+                </a:pPr>
+                <a:endParaRPr lang="en-US" sz="1900" b="1" dirty="0">
+                  <a:latin typeface="Inconsolata Medium" panose="020B0609030003000000" pitchFamily="49" charset="77"/>
+                </a:endParaRPr>
+              </a:p>
+              <a:p>
+                <a:pPr marL="0" indent="0">
+                  <a:buNone/>
+                </a:pPr>
+                <a:r>
+                  <a:rPr lang="en-US" altLang="en-US" sz="2000" dirty="0">
+                    <a:solidFill>
+                      <a:srgbClr val="FF0000"/>
+                    </a:solidFill>
+                    <a:ea typeface="ＭＳ Ｐゴシック" panose="020B0600070205080204" pitchFamily="34" charset="-128"/>
+                  </a:rPr>
+                  <a:t>The variance = </a:t>
+                </a:r>
+                <a14:m>
+                  <m:oMath xmlns:m="http://schemas.openxmlformats.org/officeDocument/2006/math">
+                    <m:sSup>
+                      <m:sSupPr>
+                        <m:ctrlPr>
+                          <a:rPr lang="en-US" altLang="en-US" sz="2000" i="1">
+                            <a:solidFill>
+                              <a:srgbClr val="FF0000"/>
+                            </a:solidFill>
+                            <a:latin typeface="Cambria Math" panose="02040503050406030204" pitchFamily="18" charset="0"/>
+                            <a:ea typeface="ＭＳ Ｐゴシック" panose="020B0600070205080204" pitchFamily="34" charset="-128"/>
+                          </a:rPr>
+                        </m:ctrlPr>
+                      </m:sSupPr>
+                      <m:e>
+                        <m:r>
+                          <m:rPr>
+                            <m:nor/>
+                          </m:rPr>
+                          <a:rPr lang="en-US" altLang="en-US" sz="2000" i="0" smtClean="0">
+                            <a:solidFill>
+                              <a:srgbClr val="FF0000"/>
+                            </a:solidFill>
+                            <a:latin typeface="Cambria Math" panose="02040503050406030204" pitchFamily="18" charset="0"/>
+                            <a:ea typeface="ＭＳ Ｐゴシック" panose="020B0600070205080204" pitchFamily="34" charset="-128"/>
+                          </a:rPr>
+                          <m:t>(</m:t>
+                        </m:r>
+                        <m:r>
+                          <m:rPr>
+                            <m:nor/>
+                          </m:rPr>
+                          <a:rPr lang="en-US" altLang="en-US" sz="2000" dirty="0">
+                            <a:solidFill>
+                              <a:srgbClr val="FF0000"/>
+                            </a:solidFill>
+                            <a:ea typeface="ＭＳ Ｐゴシック" panose="020B0600070205080204" pitchFamily="34" charset="-128"/>
+                          </a:rPr>
+                          <m:t>(</m:t>
+                        </m:r>
+                        <m:r>
+                          <m:rPr>
+                            <m:nor/>
+                          </m:rPr>
+                          <a:rPr lang="en-US" altLang="en-US" sz="2000" i="0" dirty="0" smtClean="0">
+                            <a:solidFill>
+                              <a:srgbClr val="FF0000"/>
+                            </a:solidFill>
+                            <a:ea typeface="ＭＳ Ｐゴシック" panose="020B0600070205080204" pitchFamily="34" charset="-128"/>
+                          </a:rPr>
+                          <m:t>test</m:t>
+                        </m:r>
+                        <m:r>
+                          <m:rPr>
+                            <m:nor/>
+                          </m:rPr>
+                          <a:rPr lang="en-US" altLang="en-US" sz="2000" i="0" dirty="0" smtClean="0">
+                            <a:solidFill>
+                              <a:srgbClr val="FF0000"/>
+                            </a:solidFill>
+                            <a:ea typeface="ＭＳ Ｐゴシック" panose="020B0600070205080204" pitchFamily="34" charset="-128"/>
+                          </a:rPr>
+                          <m:t>1 − </m:t>
+                        </m:r>
+                        <m:r>
+                          <m:rPr>
+                            <m:nor/>
+                          </m:rPr>
+                          <a:rPr lang="en-US" altLang="en-US" sz="2000" dirty="0">
+                            <a:solidFill>
+                              <a:srgbClr val="FF0000"/>
+                            </a:solidFill>
+                            <a:ea typeface="ＭＳ Ｐゴシック" panose="020B0600070205080204" pitchFamily="34" charset="-128"/>
+                          </a:rPr>
+                          <m:t>ave</m:t>
+                        </m:r>
+                        <m:r>
+                          <m:rPr>
+                            <m:nor/>
+                          </m:rPr>
+                          <a:rPr lang="en-US" altLang="en-US" sz="2000" dirty="0">
+                            <a:solidFill>
+                              <a:srgbClr val="FF0000"/>
+                            </a:solidFill>
+                            <a:ea typeface="ＭＳ Ｐゴシック" panose="020B0600070205080204" pitchFamily="34" charset="-128"/>
+                          </a:rPr>
+                          <m:t>)</m:t>
+                        </m:r>
+                      </m:e>
+                      <m:sup>
+                        <m:r>
+                          <a:rPr lang="en-US" altLang="en-US" sz="2000" b="0" i="1">
+                            <a:solidFill>
+                              <a:srgbClr val="FF0000"/>
+                            </a:solidFill>
+                            <a:latin typeface="Cambria Math" panose="02040503050406030204" pitchFamily="18" charset="0"/>
+                            <a:ea typeface="ＭＳ Ｐゴシック" panose="020B0600070205080204" pitchFamily="34" charset="-128"/>
+                          </a:rPr>
+                          <m:t>2</m:t>
+                        </m:r>
+                      </m:sup>
+                    </m:sSup>
+                  </m:oMath>
+                </a14:m>
+                <a:r>
+                  <a:rPr lang="en-US" altLang="en-US" sz="2000" dirty="0">
+                    <a:solidFill>
+                      <a:srgbClr val="FF0000"/>
+                    </a:solidFill>
+                    <a:ea typeface="ＭＳ Ｐゴシック" panose="020B0600070205080204" pitchFamily="34" charset="-128"/>
+                  </a:rPr>
+                  <a:t> +</a:t>
+                </a:r>
+                <a14:m>
+                  <m:oMath xmlns:m="http://schemas.openxmlformats.org/officeDocument/2006/math">
+                    <m:r>
+                      <a:rPr lang="en-US" altLang="en-US" sz="2000" b="0" i="0" smtClean="0">
+                        <a:solidFill>
+                          <a:srgbClr val="FF0000"/>
+                        </a:solidFill>
+                        <a:latin typeface="Cambria Math" panose="02040503050406030204" pitchFamily="18" charset="0"/>
+                        <a:ea typeface="ＭＳ Ｐゴシック" panose="020B0600070205080204" pitchFamily="34" charset="-128"/>
+                      </a:rPr>
+                      <m:t> </m:t>
+                    </m:r>
+                    <m:sSup>
+                      <m:sSupPr>
+                        <m:ctrlPr>
+                          <a:rPr lang="en-US" altLang="en-US" sz="2000" i="1">
+                            <a:solidFill>
+                              <a:srgbClr val="FF0000"/>
+                            </a:solidFill>
+                            <a:latin typeface="Cambria Math" panose="02040503050406030204" pitchFamily="18" charset="0"/>
+                            <a:ea typeface="ＭＳ Ｐゴシック" panose="020B0600070205080204" pitchFamily="34" charset="-128"/>
+                          </a:rPr>
+                        </m:ctrlPr>
+                      </m:sSupPr>
+                      <m:e>
+                        <m:r>
+                          <m:rPr>
+                            <m:nor/>
+                          </m:rPr>
+                          <a:rPr lang="en-US" altLang="en-US" sz="2000" dirty="0">
+                            <a:solidFill>
+                              <a:srgbClr val="FF0000"/>
+                            </a:solidFill>
+                            <a:ea typeface="ＭＳ Ｐゴシック" panose="020B0600070205080204" pitchFamily="34" charset="-128"/>
+                          </a:rPr>
+                          <m:t>(</m:t>
+                        </m:r>
+                        <m:r>
+                          <m:rPr>
+                            <m:nor/>
+                          </m:rPr>
+                          <a:rPr lang="en-US" altLang="en-US" sz="2000" i="0" dirty="0" smtClean="0">
+                            <a:solidFill>
+                              <a:srgbClr val="FF0000"/>
+                            </a:solidFill>
+                            <a:ea typeface="ＭＳ Ｐゴシック" panose="020B0600070205080204" pitchFamily="34" charset="-128"/>
+                          </a:rPr>
+                          <m:t>test</m:t>
+                        </m:r>
+                        <m:r>
+                          <m:rPr>
+                            <m:nor/>
+                          </m:rPr>
+                          <a:rPr lang="en-US" altLang="en-US" sz="2000" i="0" dirty="0" smtClean="0">
+                            <a:solidFill>
+                              <a:srgbClr val="FF0000"/>
+                            </a:solidFill>
+                            <a:ea typeface="ＭＳ Ｐゴシック" panose="020B0600070205080204" pitchFamily="34" charset="-128"/>
+                          </a:rPr>
+                          <m:t>2 − </m:t>
+                        </m:r>
+                        <m:r>
+                          <m:rPr>
+                            <m:nor/>
+                          </m:rPr>
+                          <a:rPr lang="en-US" altLang="en-US" sz="2000" dirty="0">
+                            <a:solidFill>
+                              <a:srgbClr val="FF0000"/>
+                            </a:solidFill>
+                            <a:ea typeface="ＭＳ Ｐゴシック" panose="020B0600070205080204" pitchFamily="34" charset="-128"/>
+                          </a:rPr>
+                          <m:t>ave</m:t>
+                        </m:r>
+                        <m:r>
+                          <m:rPr>
+                            <m:nor/>
+                          </m:rPr>
+                          <a:rPr lang="en-US" altLang="en-US" sz="2000" dirty="0">
+                            <a:solidFill>
+                              <a:srgbClr val="FF0000"/>
+                            </a:solidFill>
+                            <a:ea typeface="ＭＳ Ｐゴシック" panose="020B0600070205080204" pitchFamily="34" charset="-128"/>
+                          </a:rPr>
+                          <m:t>)</m:t>
+                        </m:r>
+                      </m:e>
+                      <m:sup>
+                        <m:r>
+                          <a:rPr lang="en-US" altLang="en-US" sz="2000" b="0" i="1">
+                            <a:solidFill>
+                              <a:srgbClr val="FF0000"/>
+                            </a:solidFill>
+                            <a:latin typeface="Cambria Math" panose="02040503050406030204" pitchFamily="18" charset="0"/>
+                            <a:ea typeface="ＭＳ Ｐゴシック" panose="020B0600070205080204" pitchFamily="34" charset="-128"/>
+                          </a:rPr>
+                          <m:t>2</m:t>
+                        </m:r>
+                      </m:sup>
+                    </m:sSup>
+                    <m:r>
+                      <m:rPr>
+                        <m:nor/>
+                      </m:rPr>
+                      <a:rPr lang="en-US" altLang="en-US" sz="2000" dirty="0">
+                        <a:solidFill>
+                          <a:srgbClr val="FF0000"/>
+                        </a:solidFill>
+                        <a:ea typeface="ＭＳ Ｐゴシック" panose="020B0600070205080204" pitchFamily="34" charset="-128"/>
+                      </a:rPr>
+                      <m:t> +</m:t>
+                    </m:r>
+                    <m:r>
+                      <m:rPr>
+                        <m:nor/>
+                      </m:rPr>
+                      <a:rPr lang="en-US" altLang="en-US" sz="2000" i="0" dirty="0" smtClean="0">
+                        <a:solidFill>
+                          <a:srgbClr val="FF0000"/>
+                        </a:solidFill>
+                        <a:ea typeface="ＭＳ Ｐゴシック" panose="020B0600070205080204" pitchFamily="34" charset="-128"/>
+                      </a:rPr>
+                      <m:t> </m:t>
+                    </m:r>
+                    <m:sSup>
+                      <m:sSupPr>
+                        <m:ctrlPr>
+                          <a:rPr lang="en-US" altLang="en-US" sz="2000" i="1">
+                            <a:solidFill>
+                              <a:srgbClr val="FF0000"/>
+                            </a:solidFill>
+                            <a:latin typeface="Cambria Math" panose="02040503050406030204" pitchFamily="18" charset="0"/>
+                            <a:ea typeface="ＭＳ Ｐゴシック" panose="020B0600070205080204" pitchFamily="34" charset="-128"/>
+                          </a:rPr>
+                        </m:ctrlPr>
+                      </m:sSupPr>
+                      <m:e>
+                        <m:r>
+                          <m:rPr>
+                            <m:nor/>
+                          </m:rPr>
+                          <a:rPr lang="en-US" altLang="en-US" sz="2000" dirty="0">
+                            <a:solidFill>
+                              <a:srgbClr val="FF0000"/>
+                            </a:solidFill>
+                            <a:ea typeface="ＭＳ Ｐゴシック" panose="020B0600070205080204" pitchFamily="34" charset="-128"/>
+                          </a:rPr>
+                          <m:t>(</m:t>
+                        </m:r>
+                        <m:r>
+                          <m:rPr>
+                            <m:nor/>
+                          </m:rPr>
+                          <a:rPr lang="en-US" altLang="en-US" sz="2000" dirty="0">
+                            <a:solidFill>
+                              <a:srgbClr val="FF0000"/>
+                            </a:solidFill>
+                            <a:ea typeface="ＭＳ Ｐゴシック" panose="020B0600070205080204" pitchFamily="34" charset="-128"/>
+                          </a:rPr>
+                          <m:t>test</m:t>
+                        </m:r>
+                        <m:r>
+                          <m:rPr>
+                            <m:nor/>
+                          </m:rPr>
+                          <a:rPr lang="en-US" altLang="en-US" sz="2000" i="0" dirty="0" smtClean="0">
+                            <a:solidFill>
+                              <a:srgbClr val="FF0000"/>
+                            </a:solidFill>
+                            <a:ea typeface="ＭＳ Ｐゴシック" panose="020B0600070205080204" pitchFamily="34" charset="-128"/>
+                          </a:rPr>
+                          <m:t>3</m:t>
+                        </m:r>
+                        <m:r>
+                          <m:rPr>
+                            <m:nor/>
+                          </m:rPr>
+                          <a:rPr lang="en-US" altLang="en-US" sz="2000" dirty="0">
+                            <a:solidFill>
+                              <a:srgbClr val="FF0000"/>
+                            </a:solidFill>
+                            <a:ea typeface="ＭＳ Ｐゴシック" panose="020B0600070205080204" pitchFamily="34" charset="-128"/>
+                          </a:rPr>
+                          <m:t> − </m:t>
+                        </m:r>
+                        <m:r>
+                          <m:rPr>
+                            <m:nor/>
+                          </m:rPr>
+                          <a:rPr lang="en-US" altLang="en-US" sz="2000" dirty="0">
+                            <a:solidFill>
+                              <a:srgbClr val="FF0000"/>
+                            </a:solidFill>
+                            <a:ea typeface="ＭＳ Ｐゴシック" panose="020B0600070205080204" pitchFamily="34" charset="-128"/>
+                          </a:rPr>
+                          <m:t>ave</m:t>
+                        </m:r>
+                        <m:r>
+                          <m:rPr>
+                            <m:nor/>
+                          </m:rPr>
+                          <a:rPr lang="en-US" altLang="en-US" sz="2000" dirty="0">
+                            <a:solidFill>
+                              <a:srgbClr val="FF0000"/>
+                            </a:solidFill>
+                            <a:ea typeface="ＭＳ Ｐゴシック" panose="020B0600070205080204" pitchFamily="34" charset="-128"/>
+                          </a:rPr>
+                          <m:t>)</m:t>
+                        </m:r>
+                      </m:e>
+                      <m:sup>
+                        <m:r>
+                          <a:rPr lang="en-US" altLang="en-US" sz="2000" b="0" i="1">
+                            <a:solidFill>
+                              <a:srgbClr val="FF0000"/>
+                            </a:solidFill>
+                            <a:latin typeface="Cambria Math" panose="02040503050406030204" pitchFamily="18" charset="0"/>
+                            <a:ea typeface="ＭＳ Ｐゴシック" panose="020B0600070205080204" pitchFamily="34" charset="-128"/>
+                          </a:rPr>
+                          <m:t>2</m:t>
+                        </m:r>
+                      </m:sup>
+                    </m:sSup>
+                    <m:r>
+                      <a:rPr lang="en-US" altLang="en-US" sz="2000" b="0" i="1" smtClean="0">
+                        <a:solidFill>
+                          <a:srgbClr val="FF0000"/>
+                        </a:solidFill>
+                        <a:latin typeface="Cambria Math" panose="02040503050406030204" pitchFamily="18" charset="0"/>
+                        <a:ea typeface="ＭＳ Ｐゴシック" panose="020B0600070205080204" pitchFamily="34" charset="-128"/>
+                      </a:rPr>
+                      <m:t>)/3</m:t>
+                    </m:r>
+                  </m:oMath>
+                </a14:m>
+                <a:endParaRPr lang="en-US" sz="2000" dirty="0">
+                  <a:solidFill>
+                    <a:srgbClr val="FF0000"/>
+                  </a:solidFill>
+                  <a:latin typeface="Inconsolata Medium" panose="020B0609030003000000" pitchFamily="49" charset="77"/>
+                </a:endParaRPr>
+              </a:p>
+              <a:p>
+                <a:pPr marL="0" indent="0">
+                  <a:buNone/>
+                </a:pPr>
+                <a:r>
+                  <a:rPr lang="en-US" sz="2000" dirty="0">
+                    <a:solidFill>
+                      <a:srgbClr val="FF0000"/>
+                    </a:solidFill>
+                    <a:latin typeface="Inconsolata Medium" panose="020B0609030003000000" pitchFamily="49" charset="77"/>
+                  </a:rPr>
+                  <a:t>The standard deviation: square root of variance</a:t>
+                </a:r>
+              </a:p>
+            </p:txBody>
+          </p:sp>
+        </mc:Choice>
+        <mc:Fallback>
+          <p:sp>
+            <p:nvSpPr>
+              <p:cNvPr id="9" name="Content Placeholder 8">
+                <a:extLst>
+                  <a:ext uri="{FF2B5EF4-FFF2-40B4-BE49-F238E27FC236}">
+                    <a16:creationId xmlns:a16="http://schemas.microsoft.com/office/drawing/2014/main" id="{E3B2E017-30B2-884B-A113-B419A2ED51AD}"/>
+                  </a:ext>
+                </a:extLst>
+              </p:cNvPr>
+              <p:cNvSpPr>
+                <a:spLocks noGrp="1" noRot="1" noChangeAspect="1" noMove="1" noResize="1" noEditPoints="1" noAdjustHandles="1" noChangeArrowheads="1" noChangeShapeType="1" noTextEdit="1"/>
+              </p:cNvSpPr>
+              <p:nvPr>
+                <p:ph idx="1"/>
+              </p:nvPr>
+            </p:nvSpPr>
+            <p:spPr>
+              <a:xfrm>
+                <a:off x="483848" y="1003610"/>
+                <a:ext cx="8051725" cy="4711390"/>
+              </a:xfrm>
+              <a:blipFill>
+                <a:blip r:embed="rId2"/>
+                <a:stretch>
+                  <a:fillRect l="-630" t="-1075" b="-3495"/>
+                </a:stretch>
+              </a:blipFill>
+            </p:spPr>
+            <p:txBody>
+              <a:bodyPr/>
+              <a:lstStyle/>
+              <a:p>
+                <a:r>
+                  <a:rPr lang="en-US">
+                    <a:noFill/>
+                  </a:rPr>
+                  <a:t> </a:t>
+                </a:r>
+              </a:p>
+            </p:txBody>
+          </p:sp>
+        </mc:Fallback>
+      </mc:AlternateContent>
+    </p:spTree>
+    <p:extLst>
+      <p:ext uri="{BB962C8B-B14F-4D97-AF65-F5344CB8AC3E}">
+        <p14:creationId xmlns:p14="http://schemas.microsoft.com/office/powerpoint/2010/main" val="1741514159"/>
+      </p:ext>
+    </p:extLst>
+  </p:cSld>
+  <p:clrMapOvr>
+    <a:masterClrMapping/>
+  </p:clrMapOvr>
+</p:sld>
+</file>
+
+<file path=ppt/slides/slide26.xml><?xml version="1.0" encoding="utf-8"?>
+<p:sld xmlns:a="http://schemas.openxmlformats.org/drawingml/2006/main" xmlns:r="http://schemas.openxmlformats.org/officeDocument/2006/relationships" xmlns:p="http://schemas.openxmlformats.org/presentationml/2006/main">
+  <p:cSld>
+    <p:spTree>
+      <p:nvGrpSpPr>
+        <p:cNvPr id="1" name=""/>
+        <p:cNvGrpSpPr/>
+        <p:nvPr/>
+      </p:nvGrpSpPr>
+      <p:grpSpPr>
+        <a:xfrm>
+          <a:off x="0" y="0"/>
+          <a:ext cx="0" cy="0"/>
+          <a:chOff x="0" y="0"/>
+          <a:chExt cx="0" cy="0"/>
+        </a:xfrm>
+      </p:grpSpPr>
+      <p:sp>
+        <p:nvSpPr>
+          <p:cNvPr id="2" name="Title 1">
+            <a:extLst>
+              <a:ext uri="{FF2B5EF4-FFF2-40B4-BE49-F238E27FC236}">
+                <a16:creationId xmlns:a16="http://schemas.microsoft.com/office/drawing/2014/main" id="{AA3A228F-61D0-D949-A5E7-F83756230BF8}"/>
+              </a:ext>
+            </a:extLst>
+          </p:cNvPr>
+          <p:cNvSpPr>
+            <a:spLocks noGrp="1"/>
+          </p:cNvSpPr>
+          <p:nvPr>
+            <p:ph type="title"/>
+          </p:nvPr>
+        </p:nvSpPr>
+        <p:spPr>
+          <a:xfrm>
+            <a:off x="483848" y="467027"/>
+            <a:ext cx="7053542" cy="683886"/>
+          </a:xfrm>
+        </p:spPr>
+        <p:txBody>
+          <a:bodyPr/>
+          <a:lstStyle/>
+          <a:p>
+            <a:r>
+              <a:rPr lang="en-US" dirty="0"/>
               <a:t>References</a:t>
             </a:r>
           </a:p>

--- a/courses/apcsp/lect2.pptx
+++ b/courses/apcsp/lect2.pptx
@@ -140,7 +140,7 @@
 <file path=ppt/revisionInfo.xml><?xml version="1.0" encoding="utf-8"?>
 <p1510:revInfo xmlns:a="http://schemas.openxmlformats.org/drawingml/2006/main" xmlns:r="http://schemas.openxmlformats.org/officeDocument/2006/relationships" xmlns:p1510="http://schemas.microsoft.com/office/powerpoint/2015/10/main">
   <p1510:revLst>
-    <p1510:client id="{3F616429-CA07-8145-BE07-B7552942C56D}" v="908" dt="2019-09-13T11:55:31.876"/>
+    <p1510:client id="{3F616429-CA07-8145-BE07-B7552942C56D}" v="912" dt="2019-09-16T17:24:37.384"/>
   </p1510:revLst>
 </p1510:revInfo>
 </file>
@@ -150,7 +150,7 @@
   <pc:docChgLst>
     <pc:chgData name="Long B Nguyen" userId="f59fb8f3-a021-417a-8bc1-65c8d471c621" providerId="ADAL" clId="{3F616429-CA07-8145-BE07-B7552942C56D}"/>
     <pc:docChg chg="undo custSel addSld delSld modSld">
-      <pc:chgData name="Long B Nguyen" userId="f59fb8f3-a021-417a-8bc1-65c8d471c621" providerId="ADAL" clId="{3F616429-CA07-8145-BE07-B7552942C56D}" dt="2019-09-13T11:55:31.876" v="5712" actId="113"/>
+      <pc:chgData name="Long B Nguyen" userId="f59fb8f3-a021-417a-8bc1-65c8d471c621" providerId="ADAL" clId="{3F616429-CA07-8145-BE07-B7552942C56D}" dt="2019-09-16T17:24:37.384" v="5716" actId="20577"/>
       <pc:docMkLst>
         <pc:docMk/>
       </pc:docMkLst>
@@ -723,7 +723,7 @@
         </pc:spChg>
       </pc:sldChg>
       <pc:sldChg chg="modSp add modAnim">
-        <pc:chgData name="Long B Nguyen" userId="f59fb8f3-a021-417a-8bc1-65c8d471c621" providerId="ADAL" clId="{3F616429-CA07-8145-BE07-B7552942C56D}" dt="2019-09-13T11:55:31.876" v="5712" actId="113"/>
+        <pc:chgData name="Long B Nguyen" userId="f59fb8f3-a021-417a-8bc1-65c8d471c621" providerId="ADAL" clId="{3F616429-CA07-8145-BE07-B7552942C56D}" dt="2019-09-16T17:24:37.384" v="5716" actId="20577"/>
         <pc:sldMkLst>
           <pc:docMk/>
           <pc:sldMk cId="1741514159" sldId="310"/>
@@ -737,7 +737,7 @@
           </ac:spMkLst>
         </pc:spChg>
         <pc:spChg chg="mod">
-          <ac:chgData name="Long B Nguyen" userId="f59fb8f3-a021-417a-8bc1-65c8d471c621" providerId="ADAL" clId="{3F616429-CA07-8145-BE07-B7552942C56D}" dt="2019-09-13T11:55:31.876" v="5712" actId="113"/>
+          <ac:chgData name="Long B Nguyen" userId="f59fb8f3-a021-417a-8bc1-65c8d471c621" providerId="ADAL" clId="{3F616429-CA07-8145-BE07-B7552942C56D}" dt="2019-09-16T17:24:37.384" v="5716" actId="20577"/>
           <ac:spMkLst>
             <pc:docMk/>
             <pc:sldMk cId="1741514159" sldId="310"/>
@@ -752,12 +752,6 @@
   </pc:docChgLst>
   <pc:docChgLst>
     <pc:chgData name="Long B Nguyen" userId="f59fb8f3-a021-417a-8bc1-65c8d471c621" providerId="ADAL" clId="{EFBCD846-B2A3-1B4C-B729-1BDD8BB3398F}"/>
-    <pc:docChg chg="custSel addSld delSld modSld">
-      <pc:chgData name="Long B Nguyen" userId="f59fb8f3-a021-417a-8bc1-65c8d471c621" providerId="ADAL" clId="{EFBCD846-B2A3-1B4C-B729-1BDD8BB3398F}" dt="2019-06-15T12:53:05.508" v="927" actId="1076"/>
-      <pc:docMkLst>
-        <pc:docMk/>
-      </pc:docMkLst>
-    </pc:docChg>
   </pc:docChgLst>
   <pc:docChgLst>
     <pc:chgData name="Long B Nguyen" userId="f59fb8f3-a021-417a-8bc1-65c8d471c621" providerId="ADAL" clId="{5BA4ED75-8AB8-EF4B-B40C-CAAFEBD8F6A0}"/>
@@ -13056,8 +13050,17 @@
                   <a:rPr lang="en-US" sz="1900" b="1" dirty="0">
                     <a:latin typeface="Inconsolata Medium" panose="020B0609030003000000" pitchFamily="49" charset="77"/>
                   </a:rPr>
-                  <a:t>Enter Test 3 score:77</a:t>
+                  <a:t>Enter Test 3 score</a:t>
                 </a:r>
+                <a:r>
+                  <a:rPr lang="en-US" sz="1900" b="1">
+                    <a:latin typeface="Inconsolata Medium" panose="020B0609030003000000" pitchFamily="49" charset="77"/>
+                  </a:rPr>
+                  <a:t>:77</a:t>
+                </a:r>
+                <a:endParaRPr lang="en-US" sz="1900" b="1" dirty="0">
+                  <a:latin typeface="Inconsolata Medium" panose="020B0609030003000000" pitchFamily="49" charset="77"/>
+                </a:endParaRPr>
               </a:p>
               <a:p>
                 <a:pPr marL="0" indent="0">

--- a/courses/apcsp/lect2.pptx
+++ b/courses/apcsp/lect2.pptx
@@ -140,7 +140,7 @@
 <file path=ppt/revisionInfo.xml><?xml version="1.0" encoding="utf-8"?>
 <p1510:revInfo xmlns:a="http://schemas.openxmlformats.org/drawingml/2006/main" xmlns:r="http://schemas.openxmlformats.org/officeDocument/2006/relationships" xmlns:p1510="http://schemas.microsoft.com/office/powerpoint/2015/10/main">
   <p1510:revLst>
-    <p1510:client id="{3F616429-CA07-8145-BE07-B7552942C56D}" v="912" dt="2019-09-16T17:24:37.384"/>
+    <p1510:client id="{3F616429-CA07-8145-BE07-B7552942C56D}" v="1192" dt="2020-09-30T02:00:34.859"/>
   </p1510:revLst>
 </p1510:revInfo>
 </file>
@@ -150,7 +150,7 @@
   <pc:docChgLst>
     <pc:chgData name="Long B Nguyen" userId="f59fb8f3-a021-417a-8bc1-65c8d471c621" providerId="ADAL" clId="{3F616429-CA07-8145-BE07-B7552942C56D}"/>
     <pc:docChg chg="undo custSel addSld delSld modSld">
-      <pc:chgData name="Long B Nguyen" userId="f59fb8f3-a021-417a-8bc1-65c8d471c621" providerId="ADAL" clId="{3F616429-CA07-8145-BE07-B7552942C56D}" dt="2019-09-16T17:24:37.384" v="5716" actId="20577"/>
+      <pc:chgData name="Long B Nguyen" userId="f59fb8f3-a021-417a-8bc1-65c8d471c621" providerId="ADAL" clId="{3F616429-CA07-8145-BE07-B7552942C56D}" dt="2020-09-30T02:00:34.858" v="6038" actId="20577"/>
       <pc:docMkLst>
         <pc:docMk/>
       </pc:docMkLst>
@@ -184,14 +184,14 @@
           </ac:spMkLst>
         </pc:spChg>
       </pc:sldChg>
-      <pc:sldChg chg="addSp delSp modSp modAnim">
-        <pc:chgData name="Long B Nguyen" userId="f59fb8f3-a021-417a-8bc1-65c8d471c621" providerId="ADAL" clId="{3F616429-CA07-8145-BE07-B7552942C56D}" dt="2019-09-12T11:56:30.955" v="4923"/>
+      <pc:sldChg chg="addSp delSp modSp mod modAnim">
+        <pc:chgData name="Long B Nguyen" userId="f59fb8f3-a021-417a-8bc1-65c8d471c621" providerId="ADAL" clId="{3F616429-CA07-8145-BE07-B7552942C56D}" dt="2020-09-29T14:10:27.646" v="5781" actId="20577"/>
         <pc:sldMkLst>
           <pc:docMk/>
           <pc:sldMk cId="1520265794" sldId="283"/>
         </pc:sldMkLst>
         <pc:spChg chg="mod">
-          <ac:chgData name="Long B Nguyen" userId="f59fb8f3-a021-417a-8bc1-65c8d471c621" providerId="ADAL" clId="{3F616429-CA07-8145-BE07-B7552942C56D}" dt="2019-09-09T14:09:53.501" v="3127" actId="113"/>
+          <ac:chgData name="Long B Nguyen" userId="f59fb8f3-a021-417a-8bc1-65c8d471c621" providerId="ADAL" clId="{3F616429-CA07-8145-BE07-B7552942C56D}" dt="2020-09-29T14:10:27.646" v="5781" actId="20577"/>
           <ac:spMkLst>
             <pc:docMk/>
             <pc:sldMk cId="1520265794" sldId="283"/>
@@ -284,14 +284,14 @@
           </ac:spMkLst>
         </pc:spChg>
       </pc:sldChg>
-      <pc:sldChg chg="modSp add modAnim">
-        <pc:chgData name="Long B Nguyen" userId="f59fb8f3-a021-417a-8bc1-65c8d471c621" providerId="ADAL" clId="{3F616429-CA07-8145-BE07-B7552942C56D}" dt="2019-09-12T11:53:42.524" v="4801"/>
+      <pc:sldChg chg="modSp add mod modAnim">
+        <pc:chgData name="Long B Nguyen" userId="f59fb8f3-a021-417a-8bc1-65c8d471c621" providerId="ADAL" clId="{3F616429-CA07-8145-BE07-B7552942C56D}" dt="2020-09-30T02:00:13.503" v="6037" actId="20577"/>
         <pc:sldMkLst>
           <pc:docMk/>
           <pc:sldMk cId="4114225628" sldId="292"/>
         </pc:sldMkLst>
         <pc:spChg chg="mod">
-          <ac:chgData name="Long B Nguyen" userId="f59fb8f3-a021-417a-8bc1-65c8d471c621" providerId="ADAL" clId="{3F616429-CA07-8145-BE07-B7552942C56D}" dt="2019-09-11T13:44:35.504" v="4612" actId="20577"/>
+          <ac:chgData name="Long B Nguyen" userId="f59fb8f3-a021-417a-8bc1-65c8d471c621" providerId="ADAL" clId="{3F616429-CA07-8145-BE07-B7552942C56D}" dt="2020-09-29T13:59:17.399" v="5746" actId="20577"/>
           <ac:spMkLst>
             <pc:docMk/>
             <pc:sldMk cId="4114225628" sldId="292"/>
@@ -299,7 +299,7 @@
           </ac:spMkLst>
         </pc:spChg>
         <pc:spChg chg="mod">
-          <ac:chgData name="Long B Nguyen" userId="f59fb8f3-a021-417a-8bc1-65c8d471c621" providerId="ADAL" clId="{3F616429-CA07-8145-BE07-B7552942C56D}" dt="2019-09-12T11:52:36.834" v="4797" actId="20577"/>
+          <ac:chgData name="Long B Nguyen" userId="f59fb8f3-a021-417a-8bc1-65c8d471c621" providerId="ADAL" clId="{3F616429-CA07-8145-BE07-B7552942C56D}" dt="2020-09-30T02:00:13.503" v="6037" actId="20577"/>
           <ac:spMkLst>
             <pc:docMk/>
             <pc:sldMk cId="4114225628" sldId="292"/>
@@ -308,7 +308,7 @@
         </pc:spChg>
       </pc:sldChg>
       <pc:sldChg chg="modSp add modAnim">
-        <pc:chgData name="Long B Nguyen" userId="f59fb8f3-a021-417a-8bc1-65c8d471c621" providerId="ADAL" clId="{3F616429-CA07-8145-BE07-B7552942C56D}" dt="2019-09-12T11:54:59.520" v="4899"/>
+        <pc:chgData name="Long B Nguyen" userId="f59fb8f3-a021-417a-8bc1-65c8d471c621" providerId="ADAL" clId="{3F616429-CA07-8145-BE07-B7552942C56D}" dt="2020-09-30T02:00:34.858" v="6038" actId="20577"/>
         <pc:sldMkLst>
           <pc:docMk/>
           <pc:sldMk cId="3662168313" sldId="293"/>
@@ -322,7 +322,7 @@
           </ac:spMkLst>
         </pc:spChg>
         <pc:spChg chg="mod">
-          <ac:chgData name="Long B Nguyen" userId="f59fb8f3-a021-417a-8bc1-65c8d471c621" providerId="ADAL" clId="{3F616429-CA07-8145-BE07-B7552942C56D}" dt="2019-09-12T11:54:45.994" v="4898" actId="113"/>
+          <ac:chgData name="Long B Nguyen" userId="f59fb8f3-a021-417a-8bc1-65c8d471c621" providerId="ADAL" clId="{3F616429-CA07-8145-BE07-B7552942C56D}" dt="2020-09-30T02:00:34.858" v="6038" actId="20577"/>
           <ac:spMkLst>
             <pc:docMk/>
             <pc:sldMk cId="3662168313" sldId="293"/>
@@ -748,12 +748,6 @@
     </pc:docChg>
   </pc:docChgLst>
   <pc:docChgLst>
-    <pc:chgData name="Long B Nguyen" userId="f59fb8f3-a021-417a-8bc1-65c8d471c621" providerId="ADAL" clId="{05A1C5B8-6AA9-824C-B77D-182A36FCC0A3}"/>
-  </pc:docChgLst>
-  <pc:docChgLst>
-    <pc:chgData name="Long B Nguyen" userId="f59fb8f3-a021-417a-8bc1-65c8d471c621" providerId="ADAL" clId="{EFBCD846-B2A3-1B4C-B729-1BDD8BB3398F}"/>
-  </pc:docChgLst>
-  <pc:docChgLst>
     <pc:chgData name="Long B Nguyen" userId="f59fb8f3-a021-417a-8bc1-65c8d471c621" providerId="ADAL" clId="{5BA4ED75-8AB8-EF4B-B40C-CAAFEBD8F6A0}"/>
     <pc:docChg chg="delSld">
       <pc:chgData name="Long B Nguyen" userId="f59fb8f3-a021-417a-8bc1-65c8d471c621" providerId="ADAL" clId="{5BA4ED75-8AB8-EF4B-B40C-CAAFEBD8F6A0}" dt="2019-08-17T12:25:36.924" v="13" actId="2696"/>
@@ -761,12 +755,6 @@
         <pc:docMk/>
       </pc:docMkLst>
     </pc:docChg>
-  </pc:docChgLst>
-  <pc:docChgLst>
-    <pc:chgData name="Long B Nguyen" userId="f59fb8f3-a021-417a-8bc1-65c8d471c621" providerId="ADAL" clId="{6CD83B71-C243-244B-B302-DE2E82069201}"/>
-  </pc:docChgLst>
-  <pc:docChgLst>
-    <pc:chgData name="Long B Nguyen" userId="f59fb8f3-a021-417a-8bc1-65c8d471c621" providerId="ADAL" clId="{A2B9980D-0FF0-CA43-9CAC-D70036623538}"/>
   </pc:docChgLst>
 </pc:chgInfo>
 </file>
@@ -902,7 +890,7 @@
           <a:p>
             <a:fld id="{4AAD347D-5ACD-4C99-B74B-A9C85AD731AF}" type="datetimeFigureOut">
               <a:rPr lang="en-US" smtClean="0"/>
-              <a:t>9/13/19</a:t>
+              <a:t>9/29/20</a:t>
             </a:fld>
             <a:endParaRPr lang="en-US" dirty="0"/>
           </a:p>
@@ -1072,7 +1060,7 @@
           <a:p>
             <a:fld id="{4509A250-FF31-4206-8172-F9D3106AACB1}" type="datetimeFigureOut">
               <a:rPr lang="en-US" smtClean="0"/>
-              <a:t>9/13/19</a:t>
+              <a:t>9/29/20</a:t>
             </a:fld>
             <a:endParaRPr lang="en-US" dirty="0"/>
           </a:p>
@@ -1252,7 +1240,7 @@
           <a:p>
             <a:fld id="{4509A250-FF31-4206-8172-F9D3106AACB1}" type="datetimeFigureOut">
               <a:rPr lang="en-US" smtClean="0"/>
-              <a:t>9/13/19</a:t>
+              <a:t>9/29/20</a:t>
             </a:fld>
             <a:endParaRPr lang="en-US" dirty="0"/>
           </a:p>
@@ -1422,7 +1410,7 @@
           <a:p>
             <a:fld id="{4509A250-FF31-4206-8172-F9D3106AACB1}" type="datetimeFigureOut">
               <a:rPr lang="en-US" smtClean="0"/>
-              <a:t>9/13/19</a:t>
+              <a:t>9/29/20</a:t>
             </a:fld>
             <a:endParaRPr lang="en-US" dirty="0"/>
           </a:p>
@@ -1668,7 +1656,7 @@
           <a:p>
             <a:fld id="{9796027F-7875-4030-9381-8BD8C4F21935}" type="datetimeFigureOut">
               <a:rPr lang="en-US" smtClean="0"/>
-              <a:t>9/13/19</a:t>
+              <a:t>9/29/20</a:t>
             </a:fld>
             <a:endParaRPr lang="en-US" dirty="0"/>
           </a:p>
@@ -1900,7 +1888,7 @@
           <a:p>
             <a:fld id="{9796027F-7875-4030-9381-8BD8C4F21935}" type="datetimeFigureOut">
               <a:rPr lang="en-US" smtClean="0"/>
-              <a:t>9/13/19</a:t>
+              <a:t>9/29/20</a:t>
             </a:fld>
             <a:endParaRPr lang="en-US" dirty="0"/>
           </a:p>
@@ -2267,7 +2255,7 @@
           <a:p>
             <a:fld id="{9796027F-7875-4030-9381-8BD8C4F21935}" type="datetimeFigureOut">
               <a:rPr lang="en-US" smtClean="0"/>
-              <a:t>9/13/19</a:t>
+              <a:t>9/29/20</a:t>
             </a:fld>
             <a:endParaRPr lang="en-US" dirty="0"/>
           </a:p>
@@ -2385,7 +2373,7 @@
           <a:p>
             <a:fld id="{4509A250-FF31-4206-8172-F9D3106AACB1}" type="datetimeFigureOut">
               <a:rPr lang="en-US" smtClean="0"/>
-              <a:t>9/13/19</a:t>
+              <a:t>9/29/20</a:t>
             </a:fld>
             <a:endParaRPr lang="en-US" dirty="0"/>
           </a:p>
@@ -2480,7 +2468,7 @@
           <a:p>
             <a:fld id="{4509A250-FF31-4206-8172-F9D3106AACB1}" type="datetimeFigureOut">
               <a:rPr lang="en-US" smtClean="0"/>
-              <a:t>9/13/19</a:t>
+              <a:t>9/29/20</a:t>
             </a:fld>
             <a:endParaRPr lang="en-US" dirty="0"/>
           </a:p>
@@ -2757,7 +2745,7 @@
           <a:p>
             <a:fld id="{4509A250-FF31-4206-8172-F9D3106AACB1}" type="datetimeFigureOut">
               <a:rPr lang="en-US" smtClean="0"/>
-              <a:t>9/13/19</a:t>
+              <a:t>9/29/20</a:t>
             </a:fld>
             <a:endParaRPr lang="en-US" dirty="0"/>
           </a:p>
@@ -3014,7 +3002,7 @@
           <a:p>
             <a:fld id="{4509A250-FF31-4206-8172-F9D3106AACB1}" type="datetimeFigureOut">
               <a:rPr lang="en-US" smtClean="0"/>
-              <a:t>9/13/19</a:t>
+              <a:t>9/29/20</a:t>
             </a:fld>
             <a:endParaRPr lang="en-US" dirty="0"/>
           </a:p>
@@ -3227,7 +3215,7 @@
           <a:p>
             <a:fld id="{4AAD347D-5ACD-4C99-B74B-A9C85AD731AF}" type="datetimeFigureOut">
               <a:rPr lang="en-US" smtClean="0"/>
-              <a:t>9/13/19</a:t>
+              <a:t>9/29/20</a:t>
             </a:fld>
             <a:endParaRPr lang="en-US" dirty="0"/>
           </a:p>
@@ -6070,7 +6058,10 @@
             <a:pPr marL="0" indent="0">
               <a:buNone/>
             </a:pPr>
-            <a:endParaRPr lang="en-US" dirty="0"/>
+            <a:r>
+              <a:rPr lang="en-US" dirty="0"/>
+              <a:t>Or above is "inclusive or".</a:t>
+            </a:r>
           </a:p>
           <a:p>
             <a:pPr marL="0" indent="0">
@@ -12954,8 +12945,8 @@
           </a:p>
         </p:txBody>
       </p:sp>
-      <mc:AlternateContent xmlns:mc="http://schemas.openxmlformats.org/markup-compatibility/2006">
-        <mc:Choice xmlns:a14="http://schemas.microsoft.com/office/drawing/2010/main" Requires="a14">
+      <mc:AlternateContent xmlns:mc="http://schemas.openxmlformats.org/markup-compatibility/2006" xmlns:a14="http://schemas.microsoft.com/office/drawing/2010/main">
+        <mc:Choice Requires="a14">
           <p:sp>
             <p:nvSpPr>
               <p:cNvPr id="9" name="Content Placeholder 8">
@@ -13487,7 +13478,7 @@
             </p:txBody>
           </p:sp>
         </mc:Choice>
-        <mc:Fallback>
+        <mc:Fallback xmlns="">
           <p:sp>
             <p:nvSpPr>
               <p:cNvPr id="9" name="Content Placeholder 8">
@@ -16291,7 +16282,7 @@
           <a:p>
             <a:r>
               <a:rPr lang="en-US" dirty="0"/>
-              <a:t>Why floor division is useful</a:t>
+              <a:t>Why floor/modulo division is useful</a:t>
             </a:r>
           </a:p>
         </p:txBody>
@@ -16335,7 +16326,7 @@
             </a:pPr>
             <a:r>
               <a:rPr lang="en-US" sz="2000" dirty="0"/>
-              <a:t>Sometimes we only want the integer part of division. Consider the question:</a:t>
+              <a:t>Floor division allows us to extract the integer part of the division while the modulo operator extracts the remainder part of the division. Consider the question:</a:t>
             </a:r>
           </a:p>
           <a:p>
@@ -16350,7 +16341,7 @@
             </a:pPr>
             <a:r>
               <a:rPr lang="en-US" sz="2000" dirty="0"/>
-              <a:t>How many weeks are there in 25 days? </a:t>
+              <a:t>How many weeks and days are there in 25 days? </a:t>
             </a:r>
             <a:endParaRPr lang="en-US" sz="2000" dirty="0">
               <a:latin typeface="Gill Sans MT" panose="020B0502020104020203" pitchFamily="34" charset="77"/>
@@ -16414,7 +16405,7 @@
                 </a:solidFill>
                 <a:latin typeface="Inconsolata Medium" panose="020B0609030003000000" pitchFamily="49" charset="77"/>
               </a:rPr>
-              <a:t> </a:t>
+              <a:t> # extracting number of weeks</a:t>
             </a:r>
           </a:p>
           <a:p>
@@ -16427,6 +16418,77 @@
               </a:rPr>
               <a:t>Out [1]: 3</a:t>
             </a:r>
+          </a:p>
+          <a:p>
+            <a:pPr marL="0" indent="0">
+              <a:buNone/>
+            </a:pPr>
+            <a:endParaRPr lang="en-US" sz="2000" b="1" dirty="0">
+              <a:latin typeface="Inconsolata Medium" panose="020B0609030003000000" pitchFamily="49" charset="77"/>
+            </a:endParaRPr>
+          </a:p>
+          <a:p>
+            <a:pPr marL="0" indent="0">
+              <a:buNone/>
+            </a:pPr>
+            <a:r>
+              <a:rPr lang="en-US" sz="2000" b="1" dirty="0">
+                <a:solidFill>
+                  <a:srgbClr val="000087"/>
+                </a:solidFill>
+                <a:latin typeface="Inconsolata Medium" panose="020B0609030003000000" pitchFamily="49" charset="77"/>
+              </a:rPr>
+              <a:t>In</a:t>
+            </a:r>
+            <a:r>
+              <a:rPr lang="en-US" sz="2000" b="1" dirty="0">
+                <a:latin typeface="Inconsolata Medium" panose="020B0609030003000000" pitchFamily="49" charset="77"/>
+              </a:rPr>
+              <a:t>[</a:t>
+            </a:r>
+            <a:r>
+              <a:rPr lang="en-US" sz="2000" b="1" dirty="0">
+                <a:solidFill>
+                  <a:srgbClr val="FF6600"/>
+                </a:solidFill>
+                <a:latin typeface="Inconsolata Medium" panose="020B0609030003000000" pitchFamily="49" charset="77"/>
+              </a:rPr>
+              <a:t>1</a:t>
+            </a:r>
+            <a:r>
+              <a:rPr lang="en-US" sz="2000" b="1" dirty="0">
+                <a:latin typeface="Inconsolata Medium" panose="020B0609030003000000" pitchFamily="49" charset="77"/>
+              </a:rPr>
+              <a:t>]: 25 % 7</a:t>
+            </a:r>
+            <a:r>
+              <a:rPr lang="en-US" sz="2000" b="1" dirty="0">
+                <a:solidFill>
+                  <a:srgbClr val="FF6600"/>
+                </a:solidFill>
+                <a:latin typeface="Inconsolata Medium" panose="020B0609030003000000" pitchFamily="49" charset="77"/>
+              </a:rPr>
+              <a:t> # extracting number of days</a:t>
+            </a:r>
+          </a:p>
+          <a:p>
+            <a:pPr marL="0" indent="0">
+              <a:buNone/>
+            </a:pPr>
+            <a:r>
+              <a:rPr lang="en-US" sz="2000" b="1" dirty="0">
+                <a:latin typeface="Inconsolata Medium" panose="020B0609030003000000" pitchFamily="49" charset="77"/>
+              </a:rPr>
+              <a:t>Out [1]: 4</a:t>
+            </a:r>
+          </a:p>
+          <a:p>
+            <a:pPr marL="0" indent="0">
+              <a:buNone/>
+            </a:pPr>
+            <a:endParaRPr lang="en-US" sz="2000" b="1" dirty="0">
+              <a:latin typeface="Inconsolata Medium" panose="020B0609030003000000" pitchFamily="49" charset="77"/>
+            </a:endParaRPr>
           </a:p>
           <a:p>
             <a:pPr marL="0" indent="0">
@@ -16652,6 +16714,68 @@
                                   </p:childTnLst>
                                 </p:cTn>
                               </p:par>
+                              <p:par>
+                                <p:cTn id="17" presetID="1" presetClass="entr" presetSubtype="0" fill="hold" nodeType="withEffect">
+                                  <p:stCondLst>
+                                    <p:cond delay="0"/>
+                                  </p:stCondLst>
+                                  <p:childTnLst>
+                                    <p:set>
+                                      <p:cBhvr>
+                                        <p:cTn id="18" dur="1" fill="hold">
+                                          <p:stCondLst>
+                                            <p:cond delay="0"/>
+                                          </p:stCondLst>
+                                        </p:cTn>
+                                        <p:tgtEl>
+                                          <p:spTgt spid="9">
+                                            <p:txEl>
+                                              <p:pRg st="8" end="8"/>
+                                            </p:txEl>
+                                          </p:spTgt>
+                                        </p:tgtEl>
+                                        <p:attrNameLst>
+                                          <p:attrName>style.visibility</p:attrName>
+                                        </p:attrNameLst>
+                                      </p:cBhvr>
+                                      <p:to>
+                                        <p:strVal val="visible"/>
+                                      </p:to>
+                                    </p:set>
+                                  </p:childTnLst>
+                                </p:cTn>
+                              </p:par>
+                              <p:par>
+                                <p:cTn id="19" presetID="1" presetClass="entr" presetSubtype="0" fill="hold" nodeType="withEffect">
+                                  <p:stCondLst>
+                                    <p:cond delay="0"/>
+                                  </p:stCondLst>
+                                  <p:childTnLst>
+                                    <p:set>
+                                      <p:cBhvr>
+                                        <p:cTn id="20" dur="1" fill="hold">
+                                          <p:stCondLst>
+                                            <p:cond delay="0"/>
+                                          </p:stCondLst>
+                                        </p:cTn>
+                                        <p:tgtEl>
+                                          <p:spTgt spid="9">
+                                            <p:txEl>
+                                              <p:pRg st="9" end="9"/>
+                                            </p:txEl>
+                                          </p:spTgt>
+                                        </p:tgtEl>
+                                        <p:attrNameLst>
+                                          <p:attrName>style.visibility</p:attrName>
+                                        </p:attrNameLst>
+                                      </p:cBhvr>
+                                      <p:to>
+                                        <p:strVal val="visible"/>
+                                      </p:to>
+                                    </p:set>
+                                  </p:childTnLst>
+                                </p:cTn>
+                              </p:par>
                             </p:childTnLst>
                           </p:cTn>
                         </p:par>
@@ -16764,15 +16888,6 @@
             <a:pPr marL="0" indent="0">
               <a:buNone/>
             </a:pPr>
-            <a:r>
-              <a:rPr lang="en-US" sz="2000" dirty="0"/>
-              <a:t>Sometimes we only want the remainder part of the division. Consider the question:</a:t>
-            </a:r>
-          </a:p>
-          <a:p>
-            <a:pPr marL="0" indent="0">
-              <a:buNone/>
-            </a:pPr>
             <a:endParaRPr lang="en-US" sz="2000" dirty="0"/>
           </a:p>
           <a:p>
@@ -16953,7 +17068,7 @@
                                         <p:tgtEl>
                                           <p:spTgt spid="9">
                                             <p:txEl>
-                                              <p:pRg st="2" end="2"/>
+                                              <p:pRg st="1" end="1"/>
                                             </p:txEl>
                                           </p:spTgt>
                                         </p:tgtEl>
@@ -17002,7 +17117,7 @@
                                         <p:tgtEl>
                                           <p:spTgt spid="9">
                                             <p:txEl>
-                                              <p:pRg st="3" end="3"/>
+                                              <p:pRg st="2" end="2"/>
                                             </p:txEl>
                                           </p:spTgt>
                                         </p:tgtEl>
@@ -17051,7 +17166,7 @@
                                         <p:tgtEl>
                                           <p:spTgt spid="9">
                                             <p:txEl>
-                                              <p:pRg st="4" end="4"/>
+                                              <p:pRg st="3" end="3"/>
                                             </p:txEl>
                                           </p:spTgt>
                                         </p:tgtEl>
@@ -17082,7 +17197,7 @@
                                         <p:tgtEl>
                                           <p:spTgt spid="9">
                                             <p:txEl>
-                                              <p:pRg st="5" end="5"/>
+                                              <p:pRg st="4" end="4"/>
                                             </p:txEl>
                                           </p:spTgt>
                                         </p:tgtEl>
@@ -17131,7 +17246,7 @@
                                         <p:tgtEl>
                                           <p:spTgt spid="9">
                                             <p:txEl>
-                                              <p:pRg st="7" end="7"/>
+                                              <p:pRg st="6" end="6"/>
                                             </p:txEl>
                                           </p:spTgt>
                                         </p:tgtEl>
@@ -17162,7 +17277,7 @@
                                         <p:tgtEl>
                                           <p:spTgt spid="9">
                                             <p:txEl>
-                                              <p:pRg st="8" end="8"/>
+                                              <p:pRg st="7" end="7"/>
                                             </p:txEl>
                                           </p:spTgt>
                                         </p:tgtEl>

--- a/courses/apcsp/lect2.pptx
+++ b/courses/apcsp/lect2.pptx
@@ -4,33 +4,40 @@
   <p:sldMasterIdLst>
     <p:sldMasterId id="2147483791" r:id="rId1"/>
   </p:sldMasterIdLst>
+  <p:notesMasterIdLst>
+    <p:notesMasterId r:id="rId32"/>
+  </p:notesMasterIdLst>
   <p:sldIdLst>
     <p:sldId id="289" r:id="rId2"/>
     <p:sldId id="257" r:id="rId3"/>
     <p:sldId id="277" r:id="rId4"/>
     <p:sldId id="291" r:id="rId5"/>
     <p:sldId id="309" r:id="rId6"/>
-    <p:sldId id="308" r:id="rId7"/>
-    <p:sldId id="292" r:id="rId8"/>
-    <p:sldId id="293" r:id="rId9"/>
-    <p:sldId id="294" r:id="rId10"/>
-    <p:sldId id="295" r:id="rId11"/>
-    <p:sldId id="296" r:id="rId12"/>
-    <p:sldId id="282" r:id="rId13"/>
-    <p:sldId id="297" r:id="rId14"/>
-    <p:sldId id="283" r:id="rId15"/>
-    <p:sldId id="298" r:id="rId16"/>
-    <p:sldId id="306" r:id="rId17"/>
-    <p:sldId id="307" r:id="rId18"/>
-    <p:sldId id="299" r:id="rId19"/>
-    <p:sldId id="300" r:id="rId20"/>
-    <p:sldId id="301" r:id="rId21"/>
-    <p:sldId id="302" r:id="rId22"/>
-    <p:sldId id="303" r:id="rId23"/>
-    <p:sldId id="304" r:id="rId24"/>
-    <p:sldId id="305" r:id="rId25"/>
-    <p:sldId id="310" r:id="rId26"/>
-    <p:sldId id="290" r:id="rId27"/>
+    <p:sldId id="263" r:id="rId7"/>
+    <p:sldId id="308" r:id="rId8"/>
+    <p:sldId id="292" r:id="rId9"/>
+    <p:sldId id="293" r:id="rId10"/>
+    <p:sldId id="433" r:id="rId11"/>
+    <p:sldId id="434" r:id="rId12"/>
+    <p:sldId id="435" r:id="rId13"/>
+    <p:sldId id="294" r:id="rId14"/>
+    <p:sldId id="295" r:id="rId15"/>
+    <p:sldId id="296" r:id="rId16"/>
+    <p:sldId id="282" r:id="rId17"/>
+    <p:sldId id="297" r:id="rId18"/>
+    <p:sldId id="283" r:id="rId19"/>
+    <p:sldId id="298" r:id="rId20"/>
+    <p:sldId id="306" r:id="rId21"/>
+    <p:sldId id="307" r:id="rId22"/>
+    <p:sldId id="299" r:id="rId23"/>
+    <p:sldId id="300" r:id="rId24"/>
+    <p:sldId id="301" r:id="rId25"/>
+    <p:sldId id="302" r:id="rId26"/>
+    <p:sldId id="303" r:id="rId27"/>
+    <p:sldId id="304" r:id="rId28"/>
+    <p:sldId id="305" r:id="rId29"/>
+    <p:sldId id="310" r:id="rId30"/>
+    <p:sldId id="290" r:id="rId31"/>
   </p:sldIdLst>
   <p:sldSz cx="9144000" cy="5715000" type="screen16x10"/>
   <p:notesSz cx="6858000" cy="9144000"/>
@@ -140,7 +147,7 @@
 <file path=ppt/revisionInfo.xml><?xml version="1.0" encoding="utf-8"?>
 <p1510:revInfo xmlns:a="http://schemas.openxmlformats.org/drawingml/2006/main" xmlns:r="http://schemas.openxmlformats.org/officeDocument/2006/relationships" xmlns:p1510="http://schemas.microsoft.com/office/powerpoint/2015/10/main">
   <p1510:revLst>
-    <p1510:client id="{3F616429-CA07-8145-BE07-B7552942C56D}" v="1192" dt="2020-09-30T02:00:34.859"/>
+    <p1510:client id="{3F616429-CA07-8145-BE07-B7552942C56D}" v="2363" dt="2020-10-06T13:14:31.234"/>
   </p1510:revLst>
 </p1510:revInfo>
 </file>
@@ -150,7 +157,7 @@
   <pc:docChgLst>
     <pc:chgData name="Long B Nguyen" userId="f59fb8f3-a021-417a-8bc1-65c8d471c621" providerId="ADAL" clId="{3F616429-CA07-8145-BE07-B7552942C56D}"/>
     <pc:docChg chg="undo custSel addSld delSld modSld">
-      <pc:chgData name="Long B Nguyen" userId="f59fb8f3-a021-417a-8bc1-65c8d471c621" providerId="ADAL" clId="{3F616429-CA07-8145-BE07-B7552942C56D}" dt="2020-09-30T02:00:34.858" v="6038" actId="20577"/>
+      <pc:chgData name="Long B Nguyen" userId="f59fb8f3-a021-417a-8bc1-65c8d471c621" providerId="ADAL" clId="{3F616429-CA07-8145-BE07-B7552942C56D}" dt="2020-10-06T13:14:31.234" v="7468" actId="207"/>
       <pc:docMkLst>
         <pc:docMk/>
       </pc:docMkLst>
@@ -166,6 +173,44 @@
             <pc:docMk/>
             <pc:sldMk cId="2207246265" sldId="257"/>
             <ac:spMk id="9" creationId="{E3B2E017-30B2-884B-A113-B419A2ED51AD}"/>
+          </ac:spMkLst>
+        </pc:spChg>
+      </pc:sldChg>
+      <pc:sldChg chg="modSp add">
+        <pc:chgData name="Long B Nguyen" userId="f59fb8f3-a021-417a-8bc1-65c8d471c621" providerId="ADAL" clId="{3F616429-CA07-8145-BE07-B7552942C56D}" dt="2020-10-06T10:47:59.287" v="6068" actId="20577"/>
+        <pc:sldMkLst>
+          <pc:docMk/>
+          <pc:sldMk cId="2037727464" sldId="263"/>
+        </pc:sldMkLst>
+        <pc:spChg chg="mod">
+          <ac:chgData name="Long B Nguyen" userId="f59fb8f3-a021-417a-8bc1-65c8d471c621" providerId="ADAL" clId="{3F616429-CA07-8145-BE07-B7552942C56D}" dt="2020-10-06T10:47:59.287" v="6068" actId="20577"/>
+          <ac:spMkLst>
+            <pc:docMk/>
+            <pc:sldMk cId="2037727464" sldId="263"/>
+            <ac:spMk id="379907" creationId="{DFD80859-C625-5B49-9869-2DFC8F837F0E}"/>
+          </ac:spMkLst>
+        </pc:spChg>
+      </pc:sldChg>
+      <pc:sldChg chg="modSp add del mod">
+        <pc:chgData name="Long B Nguyen" userId="f59fb8f3-a021-417a-8bc1-65c8d471c621" providerId="ADAL" clId="{3F616429-CA07-8145-BE07-B7552942C56D}" dt="2020-10-06T10:47:36.517" v="6054" actId="2696"/>
+        <pc:sldMkLst>
+          <pc:docMk/>
+          <pc:sldMk cId="3744208716" sldId="263"/>
+        </pc:sldMkLst>
+        <pc:spChg chg="mod">
+          <ac:chgData name="Long B Nguyen" userId="f59fb8f3-a021-417a-8bc1-65c8d471c621" providerId="ADAL" clId="{3F616429-CA07-8145-BE07-B7552942C56D}" dt="2020-10-06T10:47:09.528" v="6051" actId="1076"/>
+          <ac:spMkLst>
+            <pc:docMk/>
+            <pc:sldMk cId="3744208716" sldId="263"/>
+            <ac:spMk id="9218" creationId="{B2A9DB22-9F1D-6246-8ADC-4607FADFA321}"/>
+          </ac:spMkLst>
+        </pc:spChg>
+        <pc:spChg chg="mod">
+          <ac:chgData name="Long B Nguyen" userId="f59fb8f3-a021-417a-8bc1-65c8d471c621" providerId="ADAL" clId="{3F616429-CA07-8145-BE07-B7552942C56D}" dt="2020-10-06T10:47:19.533" v="6053" actId="14100"/>
+          <ac:spMkLst>
+            <pc:docMk/>
+            <pc:sldMk cId="3744208716" sldId="263"/>
+            <ac:spMk id="379907" creationId="{DFD80859-C625-5B49-9869-2DFC8F837F0E}"/>
           </ac:spMkLst>
         </pc:spChg>
       </pc:sldChg>
@@ -745,6 +790,171 @@
           </ac:spMkLst>
         </pc:spChg>
       </pc:sldChg>
+      <pc:sldChg chg="modSp add mod modAnim">
+        <pc:chgData name="Long B Nguyen" userId="f59fb8f3-a021-417a-8bc1-65c8d471c621" providerId="ADAL" clId="{3F616429-CA07-8145-BE07-B7552942C56D}" dt="2020-10-06T10:51:18.519" v="6219" actId="20577"/>
+        <pc:sldMkLst>
+          <pc:docMk/>
+          <pc:sldMk cId="3505180768" sldId="433"/>
+        </pc:sldMkLst>
+        <pc:spChg chg="mod">
+          <ac:chgData name="Long B Nguyen" userId="f59fb8f3-a021-417a-8bc1-65c8d471c621" providerId="ADAL" clId="{3F616429-CA07-8145-BE07-B7552942C56D}" dt="2020-10-06T10:49:55.570" v="6093" actId="1076"/>
+          <ac:spMkLst>
+            <pc:docMk/>
+            <pc:sldMk cId="3505180768" sldId="433"/>
+            <ac:spMk id="6146" creationId="{5853A8E3-2F89-8B46-BE50-89DDA81236A6}"/>
+          </ac:spMkLst>
+        </pc:spChg>
+        <pc:spChg chg="mod">
+          <ac:chgData name="Long B Nguyen" userId="f59fb8f3-a021-417a-8bc1-65c8d471c621" providerId="ADAL" clId="{3F616429-CA07-8145-BE07-B7552942C56D}" dt="2020-10-06T10:51:18.519" v="6219" actId="20577"/>
+          <ac:spMkLst>
+            <pc:docMk/>
+            <pc:sldMk cId="3505180768" sldId="433"/>
+            <ac:spMk id="6147" creationId="{B9719AA9-1210-AD44-92F4-7B8E508762A1}"/>
+          </ac:spMkLst>
+        </pc:spChg>
+      </pc:sldChg>
+      <pc:sldChg chg="addSp modSp add mod modAnim">
+        <pc:chgData name="Long B Nguyen" userId="f59fb8f3-a021-417a-8bc1-65c8d471c621" providerId="ADAL" clId="{3F616429-CA07-8145-BE07-B7552942C56D}" dt="2020-10-06T13:07:51.178" v="7145" actId="1076"/>
+        <pc:sldMkLst>
+          <pc:docMk/>
+          <pc:sldMk cId="3419791525" sldId="434"/>
+        </pc:sldMkLst>
+        <pc:spChg chg="add mod">
+          <ac:chgData name="Long B Nguyen" userId="f59fb8f3-a021-417a-8bc1-65c8d471c621" providerId="ADAL" clId="{3F616429-CA07-8145-BE07-B7552942C56D}" dt="2020-10-06T13:07:09.503" v="7140" actId="1036"/>
+          <ac:spMkLst>
+            <pc:docMk/>
+            <pc:sldMk cId="3419791525" sldId="434"/>
+            <ac:spMk id="2" creationId="{600D5CB3-625D-E342-9D51-0EE03B50A663}"/>
+          </ac:spMkLst>
+        </pc:spChg>
+        <pc:spChg chg="add mod">
+          <ac:chgData name="Long B Nguyen" userId="f59fb8f3-a021-417a-8bc1-65c8d471c621" providerId="ADAL" clId="{3F616429-CA07-8145-BE07-B7552942C56D}" dt="2020-10-06T13:07:09.503" v="7140" actId="1036"/>
+          <ac:spMkLst>
+            <pc:docMk/>
+            <pc:sldMk cId="3419791525" sldId="434"/>
+            <ac:spMk id="5" creationId="{0E173567-B84C-454D-BAF9-EF1407796310}"/>
+          </ac:spMkLst>
+        </pc:spChg>
+        <pc:spChg chg="add mod">
+          <ac:chgData name="Long B Nguyen" userId="f59fb8f3-a021-417a-8bc1-65c8d471c621" providerId="ADAL" clId="{3F616429-CA07-8145-BE07-B7552942C56D}" dt="2020-10-06T13:07:09.503" v="7140" actId="1036"/>
+          <ac:spMkLst>
+            <pc:docMk/>
+            <pc:sldMk cId="3419791525" sldId="434"/>
+            <ac:spMk id="6" creationId="{BE5E8063-F781-3D42-B800-13B2E2534261}"/>
+          </ac:spMkLst>
+        </pc:spChg>
+        <pc:spChg chg="add mod">
+          <ac:chgData name="Long B Nguyen" userId="f59fb8f3-a021-417a-8bc1-65c8d471c621" providerId="ADAL" clId="{3F616429-CA07-8145-BE07-B7552942C56D}" dt="2020-10-06T13:07:41.460" v="7143" actId="1076"/>
+          <ac:spMkLst>
+            <pc:docMk/>
+            <pc:sldMk cId="3419791525" sldId="434"/>
+            <ac:spMk id="7" creationId="{C3540662-C43E-CF41-97AB-6AE0B3E757AD}"/>
+          </ac:spMkLst>
+        </pc:spChg>
+        <pc:spChg chg="add mod">
+          <ac:chgData name="Long B Nguyen" userId="f59fb8f3-a021-417a-8bc1-65c8d471c621" providerId="ADAL" clId="{3F616429-CA07-8145-BE07-B7552942C56D}" dt="2020-10-06T13:07:47.901" v="7144" actId="1076"/>
+          <ac:spMkLst>
+            <pc:docMk/>
+            <pc:sldMk cId="3419791525" sldId="434"/>
+            <ac:spMk id="8" creationId="{013C43CA-42BE-F548-8077-CF3234BD4B20}"/>
+          </ac:spMkLst>
+        </pc:spChg>
+        <pc:spChg chg="add mod">
+          <ac:chgData name="Long B Nguyen" userId="f59fb8f3-a021-417a-8bc1-65c8d471c621" providerId="ADAL" clId="{3F616429-CA07-8145-BE07-B7552942C56D}" dt="2020-10-06T13:07:51.178" v="7145" actId="1076"/>
+          <ac:spMkLst>
+            <pc:docMk/>
+            <pc:sldMk cId="3419791525" sldId="434"/>
+            <ac:spMk id="9" creationId="{95934F45-DC5A-0544-9C2F-A9E2BDC9C68F}"/>
+          </ac:spMkLst>
+        </pc:spChg>
+        <pc:spChg chg="mod">
+          <ac:chgData name="Long B Nguyen" userId="f59fb8f3-a021-417a-8bc1-65c8d471c621" providerId="ADAL" clId="{3F616429-CA07-8145-BE07-B7552942C56D}" dt="2020-10-06T13:05:49.668" v="7115" actId="1076"/>
+          <ac:spMkLst>
+            <pc:docMk/>
+            <pc:sldMk cId="3419791525" sldId="434"/>
+            <ac:spMk id="6146" creationId="{5853A8E3-2F89-8B46-BE50-89DDA81236A6}"/>
+          </ac:spMkLst>
+        </pc:spChg>
+        <pc:spChg chg="mod">
+          <ac:chgData name="Long B Nguyen" userId="f59fb8f3-a021-417a-8bc1-65c8d471c621" providerId="ADAL" clId="{3F616429-CA07-8145-BE07-B7552942C56D}" dt="2020-10-06T13:05:52.713" v="7116" actId="14100"/>
+          <ac:spMkLst>
+            <pc:docMk/>
+            <pc:sldMk cId="3419791525" sldId="434"/>
+            <ac:spMk id="6147" creationId="{B9719AA9-1210-AD44-92F4-7B8E508762A1}"/>
+          </ac:spMkLst>
+        </pc:spChg>
+      </pc:sldChg>
+      <pc:sldChg chg="addSp delSp modSp add mod delAnim modAnim">
+        <pc:chgData name="Long B Nguyen" userId="f59fb8f3-a021-417a-8bc1-65c8d471c621" providerId="ADAL" clId="{3F616429-CA07-8145-BE07-B7552942C56D}" dt="2020-10-06T13:14:31.234" v="7468" actId="207"/>
+        <pc:sldMkLst>
+          <pc:docMk/>
+          <pc:sldMk cId="1727134459" sldId="435"/>
+        </pc:sldMkLst>
+        <pc:spChg chg="del">
+          <ac:chgData name="Long B Nguyen" userId="f59fb8f3-a021-417a-8bc1-65c8d471c621" providerId="ADAL" clId="{3F616429-CA07-8145-BE07-B7552942C56D}" dt="2020-10-06T13:09:14.622" v="7147" actId="478"/>
+          <ac:spMkLst>
+            <pc:docMk/>
+            <pc:sldMk cId="1727134459" sldId="435"/>
+            <ac:spMk id="2" creationId="{600D5CB3-625D-E342-9D51-0EE03B50A663}"/>
+          </ac:spMkLst>
+        </pc:spChg>
+        <pc:spChg chg="add del mod">
+          <ac:chgData name="Long B Nguyen" userId="f59fb8f3-a021-417a-8bc1-65c8d471c621" providerId="ADAL" clId="{3F616429-CA07-8145-BE07-B7552942C56D}" dt="2020-10-06T13:13:20.449" v="7366"/>
+          <ac:spMkLst>
+            <pc:docMk/>
+            <pc:sldMk cId="1727134459" sldId="435"/>
+            <ac:spMk id="3" creationId="{57E0AED9-633B-4A44-8EF1-832C152CB5C5}"/>
+          </ac:spMkLst>
+        </pc:spChg>
+        <pc:spChg chg="del">
+          <ac:chgData name="Long B Nguyen" userId="f59fb8f3-a021-417a-8bc1-65c8d471c621" providerId="ADAL" clId="{3F616429-CA07-8145-BE07-B7552942C56D}" dt="2020-10-06T13:09:16.814" v="7148" actId="478"/>
+          <ac:spMkLst>
+            <pc:docMk/>
+            <pc:sldMk cId="1727134459" sldId="435"/>
+            <ac:spMk id="5" creationId="{0E173567-B84C-454D-BAF9-EF1407796310}"/>
+          </ac:spMkLst>
+        </pc:spChg>
+        <pc:spChg chg="del">
+          <ac:chgData name="Long B Nguyen" userId="f59fb8f3-a021-417a-8bc1-65c8d471c621" providerId="ADAL" clId="{3F616429-CA07-8145-BE07-B7552942C56D}" dt="2020-10-06T13:09:14.622" v="7147" actId="478"/>
+          <ac:spMkLst>
+            <pc:docMk/>
+            <pc:sldMk cId="1727134459" sldId="435"/>
+            <ac:spMk id="6" creationId="{BE5E8063-F781-3D42-B800-13B2E2534261}"/>
+          </ac:spMkLst>
+        </pc:spChg>
+        <pc:spChg chg="del">
+          <ac:chgData name="Long B Nguyen" userId="f59fb8f3-a021-417a-8bc1-65c8d471c621" providerId="ADAL" clId="{3F616429-CA07-8145-BE07-B7552942C56D}" dt="2020-10-06T13:09:14.622" v="7147" actId="478"/>
+          <ac:spMkLst>
+            <pc:docMk/>
+            <pc:sldMk cId="1727134459" sldId="435"/>
+            <ac:spMk id="7" creationId="{C3540662-C43E-CF41-97AB-6AE0B3E757AD}"/>
+          </ac:spMkLst>
+        </pc:spChg>
+        <pc:spChg chg="del">
+          <ac:chgData name="Long B Nguyen" userId="f59fb8f3-a021-417a-8bc1-65c8d471c621" providerId="ADAL" clId="{3F616429-CA07-8145-BE07-B7552942C56D}" dt="2020-10-06T13:09:14.622" v="7147" actId="478"/>
+          <ac:spMkLst>
+            <pc:docMk/>
+            <pc:sldMk cId="1727134459" sldId="435"/>
+            <ac:spMk id="8" creationId="{013C43CA-42BE-F548-8077-CF3234BD4B20}"/>
+          </ac:spMkLst>
+        </pc:spChg>
+        <pc:spChg chg="del">
+          <ac:chgData name="Long B Nguyen" userId="f59fb8f3-a021-417a-8bc1-65c8d471c621" providerId="ADAL" clId="{3F616429-CA07-8145-BE07-B7552942C56D}" dt="2020-10-06T13:09:14.622" v="7147" actId="478"/>
+          <ac:spMkLst>
+            <pc:docMk/>
+            <pc:sldMk cId="1727134459" sldId="435"/>
+            <ac:spMk id="9" creationId="{95934F45-DC5A-0544-9C2F-A9E2BDC9C68F}"/>
+          </ac:spMkLst>
+        </pc:spChg>
+        <pc:spChg chg="mod">
+          <ac:chgData name="Long B Nguyen" userId="f59fb8f3-a021-417a-8bc1-65c8d471c621" providerId="ADAL" clId="{3F616429-CA07-8145-BE07-B7552942C56D}" dt="2020-10-06T13:14:31.234" v="7468" actId="207"/>
+          <ac:spMkLst>
+            <pc:docMk/>
+            <pc:sldMk cId="1727134459" sldId="435"/>
+            <ac:spMk id="6147" creationId="{B9719AA9-1210-AD44-92F4-7B8E508762A1}"/>
+          </ac:spMkLst>
+        </pc:spChg>
+      </pc:sldChg>
     </pc:docChg>
   </pc:docChgLst>
   <pc:docChgLst>
@@ -757,6 +967,834 @@
     </pc:docChg>
   </pc:docChgLst>
 </pc:chgInfo>
+</file>
+
+<file path=ppt/notesMasters/notesMaster1.xml><?xml version="1.0" encoding="utf-8"?>
+<p:notesMaster xmlns:a="http://schemas.openxmlformats.org/drawingml/2006/main" xmlns:r="http://schemas.openxmlformats.org/officeDocument/2006/relationships" xmlns:p="http://schemas.openxmlformats.org/presentationml/2006/main">
+  <p:cSld>
+    <p:bg>
+      <p:bgRef idx="1001">
+        <a:schemeClr val="bg1"/>
+      </p:bgRef>
+    </p:bg>
+    <p:spTree>
+      <p:nvGrpSpPr>
+        <p:cNvPr id="1" name=""/>
+        <p:cNvGrpSpPr/>
+        <p:nvPr/>
+      </p:nvGrpSpPr>
+      <p:grpSpPr>
+        <a:xfrm>
+          <a:off x="0" y="0"/>
+          <a:ext cx="0" cy="0"/>
+          <a:chOff x="0" y="0"/>
+          <a:chExt cx="0" cy="0"/>
+        </a:xfrm>
+      </p:grpSpPr>
+      <p:sp>
+        <p:nvSpPr>
+          <p:cNvPr id="2" name="Header Placeholder 1"/>
+          <p:cNvSpPr>
+            <a:spLocks noGrp="1"/>
+          </p:cNvSpPr>
+          <p:nvPr>
+            <p:ph type="hdr" sz="quarter"/>
+          </p:nvPr>
+        </p:nvSpPr>
+        <p:spPr>
+          <a:xfrm>
+            <a:off x="0" y="0"/>
+            <a:ext cx="2971800" cy="458788"/>
+          </a:xfrm>
+          <a:prstGeom prst="rect">
+            <a:avLst/>
+          </a:prstGeom>
+        </p:spPr>
+        <p:txBody>
+          <a:bodyPr vert="horz" lIns="91440" tIns="45720" rIns="91440" bIns="45720" rtlCol="0"/>
+          <a:lstStyle>
+            <a:lvl1pPr algn="l">
+              <a:defRPr sz="1200"/>
+            </a:lvl1pPr>
+          </a:lstStyle>
+          <a:p>
+            <a:endParaRPr lang="en-US"/>
+          </a:p>
+        </p:txBody>
+      </p:sp>
+      <p:sp>
+        <p:nvSpPr>
+          <p:cNvPr id="3" name="Date Placeholder 2"/>
+          <p:cNvSpPr>
+            <a:spLocks noGrp="1"/>
+          </p:cNvSpPr>
+          <p:nvPr>
+            <p:ph type="dt" idx="1"/>
+          </p:nvPr>
+        </p:nvSpPr>
+        <p:spPr>
+          <a:xfrm>
+            <a:off x="3884613" y="0"/>
+            <a:ext cx="2971800" cy="458788"/>
+          </a:xfrm>
+          <a:prstGeom prst="rect">
+            <a:avLst/>
+          </a:prstGeom>
+        </p:spPr>
+        <p:txBody>
+          <a:bodyPr vert="horz" lIns="91440" tIns="45720" rIns="91440" bIns="45720" rtlCol="0"/>
+          <a:lstStyle>
+            <a:lvl1pPr algn="r">
+              <a:defRPr sz="1200"/>
+            </a:lvl1pPr>
+          </a:lstStyle>
+          <a:p>
+            <a:fld id="{07D9DDF2-3FF5-4A4E-A90B-AD845FA4238B}" type="datetimeFigureOut">
+              <a:rPr lang="en-US" smtClean="0"/>
+              <a:t>10/6/20</a:t>
+            </a:fld>
+            <a:endParaRPr lang="en-US"/>
+          </a:p>
+        </p:txBody>
+      </p:sp>
+      <p:sp>
+        <p:nvSpPr>
+          <p:cNvPr id="4" name="Slide Image Placeholder 3"/>
+          <p:cNvSpPr>
+            <a:spLocks noGrp="1" noRot="1" noChangeAspect="1"/>
+          </p:cNvSpPr>
+          <p:nvPr>
+            <p:ph type="sldImg" idx="2"/>
+          </p:nvPr>
+        </p:nvSpPr>
+        <p:spPr>
+          <a:xfrm>
+            <a:off x="960438" y="1143000"/>
+            <a:ext cx="4937125" cy="3086100"/>
+          </a:xfrm>
+          <a:prstGeom prst="rect">
+            <a:avLst/>
+          </a:prstGeom>
+          <a:noFill/>
+          <a:ln w="12700">
+            <a:solidFill>
+              <a:prstClr val="black"/>
+            </a:solidFill>
+          </a:ln>
+        </p:spPr>
+        <p:txBody>
+          <a:bodyPr vert="horz" lIns="91440" tIns="45720" rIns="91440" bIns="45720" rtlCol="0" anchor="ctr"/>
+          <a:lstStyle/>
+          <a:p>
+            <a:endParaRPr lang="en-US"/>
+          </a:p>
+        </p:txBody>
+      </p:sp>
+      <p:sp>
+        <p:nvSpPr>
+          <p:cNvPr id="5" name="Notes Placeholder 4"/>
+          <p:cNvSpPr>
+            <a:spLocks noGrp="1"/>
+          </p:cNvSpPr>
+          <p:nvPr>
+            <p:ph type="body" sz="quarter" idx="3"/>
+          </p:nvPr>
+        </p:nvSpPr>
+        <p:spPr>
+          <a:xfrm>
+            <a:off x="685800" y="4400550"/>
+            <a:ext cx="5486400" cy="3600450"/>
+          </a:xfrm>
+          <a:prstGeom prst="rect">
+            <a:avLst/>
+          </a:prstGeom>
+        </p:spPr>
+        <p:txBody>
+          <a:bodyPr vert="horz" lIns="91440" tIns="45720" rIns="91440" bIns="45720" rtlCol="0"/>
+          <a:lstStyle/>
+          <a:p>
+            <a:pPr lvl="0"/>
+            <a:r>
+              <a:rPr lang="en-US"/>
+              <a:t>Click to edit Master text styles</a:t>
+            </a:r>
+          </a:p>
+          <a:p>
+            <a:pPr lvl="1"/>
+            <a:r>
+              <a:rPr lang="en-US"/>
+              <a:t>Second level</a:t>
+            </a:r>
+          </a:p>
+          <a:p>
+            <a:pPr lvl="2"/>
+            <a:r>
+              <a:rPr lang="en-US"/>
+              <a:t>Third level</a:t>
+            </a:r>
+          </a:p>
+          <a:p>
+            <a:pPr lvl="3"/>
+            <a:r>
+              <a:rPr lang="en-US"/>
+              <a:t>Fourth level</a:t>
+            </a:r>
+          </a:p>
+          <a:p>
+            <a:pPr lvl="4"/>
+            <a:r>
+              <a:rPr lang="en-US"/>
+              <a:t>Fifth level</a:t>
+            </a:r>
+          </a:p>
+        </p:txBody>
+      </p:sp>
+      <p:sp>
+        <p:nvSpPr>
+          <p:cNvPr id="6" name="Footer Placeholder 5"/>
+          <p:cNvSpPr>
+            <a:spLocks noGrp="1"/>
+          </p:cNvSpPr>
+          <p:nvPr>
+            <p:ph type="ftr" sz="quarter" idx="4"/>
+          </p:nvPr>
+        </p:nvSpPr>
+        <p:spPr>
+          <a:xfrm>
+            <a:off x="0" y="8685213"/>
+            <a:ext cx="2971800" cy="458787"/>
+          </a:xfrm>
+          <a:prstGeom prst="rect">
+            <a:avLst/>
+          </a:prstGeom>
+        </p:spPr>
+        <p:txBody>
+          <a:bodyPr vert="horz" lIns="91440" tIns="45720" rIns="91440" bIns="45720" rtlCol="0" anchor="b"/>
+          <a:lstStyle>
+            <a:lvl1pPr algn="l">
+              <a:defRPr sz="1200"/>
+            </a:lvl1pPr>
+          </a:lstStyle>
+          <a:p>
+            <a:endParaRPr lang="en-US"/>
+          </a:p>
+        </p:txBody>
+      </p:sp>
+      <p:sp>
+        <p:nvSpPr>
+          <p:cNvPr id="7" name="Slide Number Placeholder 6"/>
+          <p:cNvSpPr>
+            <a:spLocks noGrp="1"/>
+          </p:cNvSpPr>
+          <p:nvPr>
+            <p:ph type="sldNum" sz="quarter" idx="5"/>
+          </p:nvPr>
+        </p:nvSpPr>
+        <p:spPr>
+          <a:xfrm>
+            <a:off x="3884613" y="8685213"/>
+            <a:ext cx="2971800" cy="458787"/>
+          </a:xfrm>
+          <a:prstGeom prst="rect">
+            <a:avLst/>
+          </a:prstGeom>
+        </p:spPr>
+        <p:txBody>
+          <a:bodyPr vert="horz" lIns="91440" tIns="45720" rIns="91440" bIns="45720" rtlCol="0" anchor="b"/>
+          <a:lstStyle>
+            <a:lvl1pPr algn="r">
+              <a:defRPr sz="1200"/>
+            </a:lvl1pPr>
+          </a:lstStyle>
+          <a:p>
+            <a:fld id="{0C691254-0247-F94B-8771-49F40F5861EE}" type="slidenum">
+              <a:rPr lang="en-US" smtClean="0"/>
+              <a:t>‹#›</a:t>
+            </a:fld>
+            <a:endParaRPr lang="en-US"/>
+          </a:p>
+        </p:txBody>
+      </p:sp>
+    </p:spTree>
+    <p:extLst>
+      <p:ext uri="{BB962C8B-B14F-4D97-AF65-F5344CB8AC3E}">
+        <p14:creationId xmlns:p14="http://schemas.microsoft.com/office/powerpoint/2010/main" val="3068923885"/>
+      </p:ext>
+    </p:extLst>
+  </p:cSld>
+  <p:clrMap bg1="lt1" tx1="dk1" bg2="lt2" tx2="dk2" accent1="accent1" accent2="accent2" accent3="accent3" accent4="accent4" accent5="accent5" accent6="accent6" hlink="hlink" folHlink="folHlink"/>
+  <p:notesStyle>
+    <a:lvl1pPr marL="0" algn="l" defTabSz="914400" rtl="0" eaLnBrk="1" latinLnBrk="0" hangingPunct="1">
+      <a:defRPr sz="1200" kern="1200">
+        <a:solidFill>
+          <a:schemeClr val="tx1"/>
+        </a:solidFill>
+        <a:latin typeface="+mn-lt"/>
+        <a:ea typeface="+mn-ea"/>
+        <a:cs typeface="+mn-cs"/>
+      </a:defRPr>
+    </a:lvl1pPr>
+    <a:lvl2pPr marL="457200" algn="l" defTabSz="914400" rtl="0" eaLnBrk="1" latinLnBrk="0" hangingPunct="1">
+      <a:defRPr sz="1200" kern="1200">
+        <a:solidFill>
+          <a:schemeClr val="tx1"/>
+        </a:solidFill>
+        <a:latin typeface="+mn-lt"/>
+        <a:ea typeface="+mn-ea"/>
+        <a:cs typeface="+mn-cs"/>
+      </a:defRPr>
+    </a:lvl2pPr>
+    <a:lvl3pPr marL="914400" algn="l" defTabSz="914400" rtl="0" eaLnBrk="1" latinLnBrk="0" hangingPunct="1">
+      <a:defRPr sz="1200" kern="1200">
+        <a:solidFill>
+          <a:schemeClr val="tx1"/>
+        </a:solidFill>
+        <a:latin typeface="+mn-lt"/>
+        <a:ea typeface="+mn-ea"/>
+        <a:cs typeface="+mn-cs"/>
+      </a:defRPr>
+    </a:lvl3pPr>
+    <a:lvl4pPr marL="1371600" algn="l" defTabSz="914400" rtl="0" eaLnBrk="1" latinLnBrk="0" hangingPunct="1">
+      <a:defRPr sz="1200" kern="1200">
+        <a:solidFill>
+          <a:schemeClr val="tx1"/>
+        </a:solidFill>
+        <a:latin typeface="+mn-lt"/>
+        <a:ea typeface="+mn-ea"/>
+        <a:cs typeface="+mn-cs"/>
+      </a:defRPr>
+    </a:lvl4pPr>
+    <a:lvl5pPr marL="1828800" algn="l" defTabSz="914400" rtl="0" eaLnBrk="1" latinLnBrk="0" hangingPunct="1">
+      <a:defRPr sz="1200" kern="1200">
+        <a:solidFill>
+          <a:schemeClr val="tx1"/>
+        </a:solidFill>
+        <a:latin typeface="+mn-lt"/>
+        <a:ea typeface="+mn-ea"/>
+        <a:cs typeface="+mn-cs"/>
+      </a:defRPr>
+    </a:lvl5pPr>
+    <a:lvl6pPr marL="2286000" algn="l" defTabSz="914400" rtl="0" eaLnBrk="1" latinLnBrk="0" hangingPunct="1">
+      <a:defRPr sz="1200" kern="1200">
+        <a:solidFill>
+          <a:schemeClr val="tx1"/>
+        </a:solidFill>
+        <a:latin typeface="+mn-lt"/>
+        <a:ea typeface="+mn-ea"/>
+        <a:cs typeface="+mn-cs"/>
+      </a:defRPr>
+    </a:lvl6pPr>
+    <a:lvl7pPr marL="2743200" algn="l" defTabSz="914400" rtl="0" eaLnBrk="1" latinLnBrk="0" hangingPunct="1">
+      <a:defRPr sz="1200" kern="1200">
+        <a:solidFill>
+          <a:schemeClr val="tx1"/>
+        </a:solidFill>
+        <a:latin typeface="+mn-lt"/>
+        <a:ea typeface="+mn-ea"/>
+        <a:cs typeface="+mn-cs"/>
+      </a:defRPr>
+    </a:lvl7pPr>
+    <a:lvl8pPr marL="3200400" algn="l" defTabSz="914400" rtl="0" eaLnBrk="1" latinLnBrk="0" hangingPunct="1">
+      <a:defRPr sz="1200" kern="1200">
+        <a:solidFill>
+          <a:schemeClr val="tx1"/>
+        </a:solidFill>
+        <a:latin typeface="+mn-lt"/>
+        <a:ea typeface="+mn-ea"/>
+        <a:cs typeface="+mn-cs"/>
+      </a:defRPr>
+    </a:lvl8pPr>
+    <a:lvl9pPr marL="3657600" algn="l" defTabSz="914400" rtl="0" eaLnBrk="1" latinLnBrk="0" hangingPunct="1">
+      <a:defRPr sz="1200" kern="1200">
+        <a:solidFill>
+          <a:schemeClr val="tx1"/>
+        </a:solidFill>
+        <a:latin typeface="+mn-lt"/>
+        <a:ea typeface="+mn-ea"/>
+        <a:cs typeface="+mn-cs"/>
+      </a:defRPr>
+    </a:lvl9pPr>
+  </p:notesStyle>
+</p:notesMaster>
+</file>
+
+<file path=ppt/notesSlides/notesSlide1.xml><?xml version="1.0" encoding="utf-8"?>
+<p:notes xmlns:a="http://schemas.openxmlformats.org/drawingml/2006/main" xmlns:r="http://schemas.openxmlformats.org/officeDocument/2006/relationships" xmlns:p="http://schemas.openxmlformats.org/presentationml/2006/main">
+  <p:cSld>
+    <p:spTree>
+      <p:nvGrpSpPr>
+        <p:cNvPr id="1" name=""/>
+        <p:cNvGrpSpPr/>
+        <p:nvPr/>
+      </p:nvGrpSpPr>
+      <p:grpSpPr>
+        <a:xfrm>
+          <a:off x="0" y="0"/>
+          <a:ext cx="0" cy="0"/>
+          <a:chOff x="0" y="0"/>
+          <a:chExt cx="0" cy="0"/>
+        </a:xfrm>
+      </p:grpSpPr>
+      <p:sp>
+        <p:nvSpPr>
+          <p:cNvPr id="9217" name="Rectangle 7">
+            <a:extLst>
+              <a:ext uri="{FF2B5EF4-FFF2-40B4-BE49-F238E27FC236}">
+                <a16:creationId xmlns:a16="http://schemas.microsoft.com/office/drawing/2014/main" id="{4D8C45DE-0EF1-314D-AF20-26F28FF35E25}"/>
+              </a:ext>
+            </a:extLst>
+          </p:cNvPr>
+          <p:cNvSpPr>
+            <a:spLocks noGrp="1" noChangeArrowheads="1"/>
+          </p:cNvSpPr>
+          <p:nvPr>
+            <p:ph type="sldNum" sz="quarter" idx="5"/>
+          </p:nvPr>
+        </p:nvSpPr>
+        <p:spPr>
+          <a:noFill/>
+          <a:extLst>
+            <a:ext uri="{909E8E84-426E-40DD-AFC4-6F175D3DCCD1}">
+              <a14:hiddenFill xmlns:a14="http://schemas.microsoft.com/office/drawing/2010/main">
+                <a:solidFill>
+                  <a:schemeClr val="accent1"/>
+                </a:solidFill>
+              </a14:hiddenFill>
+            </a:ext>
+            <a:ext uri="{91240B29-F687-4F45-9708-019B960494DF}">
+              <a14:hiddenLine xmlns:a14="http://schemas.microsoft.com/office/drawing/2010/main" w="9525">
+                <a:solidFill>
+                  <a:schemeClr val="tx1"/>
+                </a:solidFill>
+                <a:miter lim="800000"/>
+                <a:headEnd/>
+                <a:tailEnd/>
+              </a14:hiddenLine>
+            </a:ext>
+            <a:ext uri="{AF507438-7753-43E0-B8FC-AC1667EBCBE1}">
+              <a14:hiddenEffects xmlns:a14="http://schemas.microsoft.com/office/drawing/2010/main">
+                <a:effectLst>
+                  <a:outerShdw dist="35921" dir="2700000" algn="ctr" rotWithShape="0">
+                    <a:schemeClr val="bg2"/>
+                  </a:outerShdw>
+                </a:effectLst>
+              </a14:hiddenEffects>
+            </a:ext>
+          </a:extLst>
+        </p:spPr>
+        <p:txBody>
+          <a:bodyPr/>
+          <a:lstStyle>
+            <a:lvl1pPr>
+              <a:spcBef>
+                <a:spcPct val="30000"/>
+              </a:spcBef>
+              <a:defRPr sz="1200">
+                <a:solidFill>
+                  <a:schemeClr val="tx1"/>
+                </a:solidFill>
+                <a:latin typeface="Arial" panose="020B0604020202020204" pitchFamily="34" charset="0"/>
+                <a:ea typeface="ＭＳ Ｐゴシック" panose="020B0600070205080204" pitchFamily="34" charset="-128"/>
+              </a:defRPr>
+            </a:lvl1pPr>
+            <a:lvl2pPr marL="742950" indent="-285750">
+              <a:spcBef>
+                <a:spcPct val="30000"/>
+              </a:spcBef>
+              <a:defRPr sz="1200">
+                <a:solidFill>
+                  <a:schemeClr val="tx1"/>
+                </a:solidFill>
+                <a:latin typeface="Arial" panose="020B0604020202020204" pitchFamily="34" charset="0"/>
+                <a:ea typeface="ＭＳ Ｐゴシック" panose="020B0600070205080204" pitchFamily="34" charset="-128"/>
+              </a:defRPr>
+            </a:lvl2pPr>
+            <a:lvl3pPr marL="1143000" indent="-228600">
+              <a:spcBef>
+                <a:spcPct val="30000"/>
+              </a:spcBef>
+              <a:defRPr sz="1200">
+                <a:solidFill>
+                  <a:schemeClr val="tx1"/>
+                </a:solidFill>
+                <a:latin typeface="Arial" panose="020B0604020202020204" pitchFamily="34" charset="0"/>
+                <a:ea typeface="ＭＳ Ｐゴシック" panose="020B0600070205080204" pitchFamily="34" charset="-128"/>
+              </a:defRPr>
+            </a:lvl3pPr>
+            <a:lvl4pPr marL="1600200" indent="-228600">
+              <a:spcBef>
+                <a:spcPct val="30000"/>
+              </a:spcBef>
+              <a:defRPr sz="1200">
+                <a:solidFill>
+                  <a:schemeClr val="tx1"/>
+                </a:solidFill>
+                <a:latin typeface="Arial" panose="020B0604020202020204" pitchFamily="34" charset="0"/>
+                <a:ea typeface="ＭＳ Ｐゴシック" panose="020B0600070205080204" pitchFamily="34" charset="-128"/>
+              </a:defRPr>
+            </a:lvl4pPr>
+            <a:lvl5pPr marL="2057400" indent="-228600">
+              <a:spcBef>
+                <a:spcPct val="30000"/>
+              </a:spcBef>
+              <a:defRPr sz="1200">
+                <a:solidFill>
+                  <a:schemeClr val="tx1"/>
+                </a:solidFill>
+                <a:latin typeface="Arial" panose="020B0604020202020204" pitchFamily="34" charset="0"/>
+                <a:ea typeface="ＭＳ Ｐゴシック" panose="020B0600070205080204" pitchFamily="34" charset="-128"/>
+              </a:defRPr>
+            </a:lvl5pPr>
+            <a:lvl6pPr marL="2514600" indent="-228600" eaLnBrk="0" fontAlgn="base" hangingPunct="0">
+              <a:spcBef>
+                <a:spcPct val="30000"/>
+              </a:spcBef>
+              <a:spcAft>
+                <a:spcPct val="0"/>
+              </a:spcAft>
+              <a:defRPr sz="1200">
+                <a:solidFill>
+                  <a:schemeClr val="tx1"/>
+                </a:solidFill>
+                <a:latin typeface="Arial" panose="020B0604020202020204" pitchFamily="34" charset="0"/>
+                <a:ea typeface="ＭＳ Ｐゴシック" panose="020B0600070205080204" pitchFamily="34" charset="-128"/>
+              </a:defRPr>
+            </a:lvl6pPr>
+            <a:lvl7pPr marL="2971800" indent="-228600" eaLnBrk="0" fontAlgn="base" hangingPunct="0">
+              <a:spcBef>
+                <a:spcPct val="30000"/>
+              </a:spcBef>
+              <a:spcAft>
+                <a:spcPct val="0"/>
+              </a:spcAft>
+              <a:defRPr sz="1200">
+                <a:solidFill>
+                  <a:schemeClr val="tx1"/>
+                </a:solidFill>
+                <a:latin typeface="Arial" panose="020B0604020202020204" pitchFamily="34" charset="0"/>
+                <a:ea typeface="ＭＳ Ｐゴシック" panose="020B0600070205080204" pitchFamily="34" charset="-128"/>
+              </a:defRPr>
+            </a:lvl7pPr>
+            <a:lvl8pPr marL="3429000" indent="-228600" eaLnBrk="0" fontAlgn="base" hangingPunct="0">
+              <a:spcBef>
+                <a:spcPct val="30000"/>
+              </a:spcBef>
+              <a:spcAft>
+                <a:spcPct val="0"/>
+              </a:spcAft>
+              <a:defRPr sz="1200">
+                <a:solidFill>
+                  <a:schemeClr val="tx1"/>
+                </a:solidFill>
+                <a:latin typeface="Arial" panose="020B0604020202020204" pitchFamily="34" charset="0"/>
+                <a:ea typeface="ＭＳ Ｐゴシック" panose="020B0600070205080204" pitchFamily="34" charset="-128"/>
+              </a:defRPr>
+            </a:lvl8pPr>
+            <a:lvl9pPr marL="3886200" indent="-228600" eaLnBrk="0" fontAlgn="base" hangingPunct="0">
+              <a:spcBef>
+                <a:spcPct val="30000"/>
+              </a:spcBef>
+              <a:spcAft>
+                <a:spcPct val="0"/>
+              </a:spcAft>
+              <a:defRPr sz="1200">
+                <a:solidFill>
+                  <a:schemeClr val="tx1"/>
+                </a:solidFill>
+                <a:latin typeface="Arial" panose="020B0604020202020204" pitchFamily="34" charset="0"/>
+                <a:ea typeface="ＭＳ Ｐゴシック" panose="020B0600070205080204" pitchFamily="34" charset="-128"/>
+              </a:defRPr>
+            </a:lvl9pPr>
+          </a:lstStyle>
+          <a:p>
+            <a:pPr>
+              <a:spcBef>
+                <a:spcPct val="0"/>
+              </a:spcBef>
+            </a:pPr>
+            <a:fld id="{01565FC9-5BCD-8B48-8234-8185107F0E17}" type="slidenum">
+              <a:rPr lang="en-US" altLang="en-US"/>
+              <a:pPr>
+                <a:spcBef>
+                  <a:spcPct val="0"/>
+                </a:spcBef>
+              </a:pPr>
+              <a:t>6</a:t>
+            </a:fld>
+            <a:endParaRPr lang="en-US" altLang="en-US"/>
+          </a:p>
+        </p:txBody>
+      </p:sp>
+      <p:sp>
+        <p:nvSpPr>
+          <p:cNvPr id="9218" name="Rectangle 7">
+            <a:extLst>
+              <a:ext uri="{FF2B5EF4-FFF2-40B4-BE49-F238E27FC236}">
+                <a16:creationId xmlns:a16="http://schemas.microsoft.com/office/drawing/2014/main" id="{85F5F447-F4A1-E449-900B-43AB2BF48FCA}"/>
+              </a:ext>
+            </a:extLst>
+          </p:cNvPr>
+          <p:cNvSpPr txBox="1">
+            <a:spLocks noGrp="1" noChangeArrowheads="1"/>
+          </p:cNvSpPr>
+          <p:nvPr/>
+        </p:nvSpPr>
+        <p:spPr bwMode="auto">
+          <a:xfrm>
+            <a:off x="3886200" y="8686800"/>
+            <a:ext cx="2971800" cy="457200"/>
+          </a:xfrm>
+          <a:prstGeom prst="rect">
+            <a:avLst/>
+          </a:prstGeom>
+          <a:noFill/>
+          <a:ln>
+            <a:noFill/>
+          </a:ln>
+          <a:extLst>
+            <a:ext uri="{909E8E84-426E-40DD-AFC4-6F175D3DCCD1}">
+              <a14:hiddenFill xmlns:a14="http://schemas.microsoft.com/office/drawing/2010/main">
+                <a:solidFill>
+                  <a:srgbClr val="FFFFFF"/>
+                </a:solidFill>
+              </a14:hiddenFill>
+            </a:ext>
+            <a:ext uri="{91240B29-F687-4F45-9708-019B960494DF}">
+              <a14:hiddenLine xmlns:a14="http://schemas.microsoft.com/office/drawing/2010/main" w="9525">
+                <a:solidFill>
+                  <a:srgbClr val="000000"/>
+                </a:solidFill>
+                <a:miter lim="800000"/>
+                <a:headEnd/>
+                <a:tailEnd/>
+              </a14:hiddenLine>
+            </a:ext>
+          </a:extLst>
+        </p:spPr>
+        <p:txBody>
+          <a:bodyPr anchor="b"/>
+          <a:lstStyle>
+            <a:lvl1pPr>
+              <a:spcBef>
+                <a:spcPct val="30000"/>
+              </a:spcBef>
+              <a:defRPr sz="1200">
+                <a:solidFill>
+                  <a:schemeClr val="tx1"/>
+                </a:solidFill>
+                <a:latin typeface="Arial" panose="020B0604020202020204" pitchFamily="34" charset="0"/>
+                <a:ea typeface="ＭＳ Ｐゴシック" panose="020B0600070205080204" pitchFamily="34" charset="-128"/>
+              </a:defRPr>
+            </a:lvl1pPr>
+            <a:lvl2pPr marL="742950" indent="-285750">
+              <a:spcBef>
+                <a:spcPct val="30000"/>
+              </a:spcBef>
+              <a:defRPr sz="1200">
+                <a:solidFill>
+                  <a:schemeClr val="tx1"/>
+                </a:solidFill>
+                <a:latin typeface="Arial" panose="020B0604020202020204" pitchFamily="34" charset="0"/>
+                <a:ea typeface="ＭＳ Ｐゴシック" panose="020B0600070205080204" pitchFamily="34" charset="-128"/>
+              </a:defRPr>
+            </a:lvl2pPr>
+            <a:lvl3pPr marL="1143000" indent="-228600">
+              <a:spcBef>
+                <a:spcPct val="30000"/>
+              </a:spcBef>
+              <a:defRPr sz="1200">
+                <a:solidFill>
+                  <a:schemeClr val="tx1"/>
+                </a:solidFill>
+                <a:latin typeface="Arial" panose="020B0604020202020204" pitchFamily="34" charset="0"/>
+                <a:ea typeface="ＭＳ Ｐゴシック" panose="020B0600070205080204" pitchFamily="34" charset="-128"/>
+              </a:defRPr>
+            </a:lvl3pPr>
+            <a:lvl4pPr marL="1600200" indent="-228600">
+              <a:spcBef>
+                <a:spcPct val="30000"/>
+              </a:spcBef>
+              <a:defRPr sz="1200">
+                <a:solidFill>
+                  <a:schemeClr val="tx1"/>
+                </a:solidFill>
+                <a:latin typeface="Arial" panose="020B0604020202020204" pitchFamily="34" charset="0"/>
+                <a:ea typeface="ＭＳ Ｐゴシック" panose="020B0600070205080204" pitchFamily="34" charset="-128"/>
+              </a:defRPr>
+            </a:lvl4pPr>
+            <a:lvl5pPr marL="2057400" indent="-228600">
+              <a:spcBef>
+                <a:spcPct val="30000"/>
+              </a:spcBef>
+              <a:defRPr sz="1200">
+                <a:solidFill>
+                  <a:schemeClr val="tx1"/>
+                </a:solidFill>
+                <a:latin typeface="Arial" panose="020B0604020202020204" pitchFamily="34" charset="0"/>
+                <a:ea typeface="ＭＳ Ｐゴシック" panose="020B0600070205080204" pitchFamily="34" charset="-128"/>
+              </a:defRPr>
+            </a:lvl5pPr>
+            <a:lvl6pPr marL="2514600" indent="-228600" eaLnBrk="0" fontAlgn="base" hangingPunct="0">
+              <a:spcBef>
+                <a:spcPct val="30000"/>
+              </a:spcBef>
+              <a:spcAft>
+                <a:spcPct val="0"/>
+              </a:spcAft>
+              <a:defRPr sz="1200">
+                <a:solidFill>
+                  <a:schemeClr val="tx1"/>
+                </a:solidFill>
+                <a:latin typeface="Arial" panose="020B0604020202020204" pitchFamily="34" charset="0"/>
+                <a:ea typeface="ＭＳ Ｐゴシック" panose="020B0600070205080204" pitchFamily="34" charset="-128"/>
+              </a:defRPr>
+            </a:lvl6pPr>
+            <a:lvl7pPr marL="2971800" indent="-228600" eaLnBrk="0" fontAlgn="base" hangingPunct="0">
+              <a:spcBef>
+                <a:spcPct val="30000"/>
+              </a:spcBef>
+              <a:spcAft>
+                <a:spcPct val="0"/>
+              </a:spcAft>
+              <a:defRPr sz="1200">
+                <a:solidFill>
+                  <a:schemeClr val="tx1"/>
+                </a:solidFill>
+                <a:latin typeface="Arial" panose="020B0604020202020204" pitchFamily="34" charset="0"/>
+                <a:ea typeface="ＭＳ Ｐゴシック" panose="020B0600070205080204" pitchFamily="34" charset="-128"/>
+              </a:defRPr>
+            </a:lvl7pPr>
+            <a:lvl8pPr marL="3429000" indent="-228600" eaLnBrk="0" fontAlgn="base" hangingPunct="0">
+              <a:spcBef>
+                <a:spcPct val="30000"/>
+              </a:spcBef>
+              <a:spcAft>
+                <a:spcPct val="0"/>
+              </a:spcAft>
+              <a:defRPr sz="1200">
+                <a:solidFill>
+                  <a:schemeClr val="tx1"/>
+                </a:solidFill>
+                <a:latin typeface="Arial" panose="020B0604020202020204" pitchFamily="34" charset="0"/>
+                <a:ea typeface="ＭＳ Ｐゴシック" panose="020B0600070205080204" pitchFamily="34" charset="-128"/>
+              </a:defRPr>
+            </a:lvl8pPr>
+            <a:lvl9pPr marL="3886200" indent="-228600" eaLnBrk="0" fontAlgn="base" hangingPunct="0">
+              <a:spcBef>
+                <a:spcPct val="30000"/>
+              </a:spcBef>
+              <a:spcAft>
+                <a:spcPct val="0"/>
+              </a:spcAft>
+              <a:defRPr sz="1200">
+                <a:solidFill>
+                  <a:schemeClr val="tx1"/>
+                </a:solidFill>
+                <a:latin typeface="Arial" panose="020B0604020202020204" pitchFamily="34" charset="0"/>
+                <a:ea typeface="ＭＳ Ｐゴシック" panose="020B0600070205080204" pitchFamily="34" charset="-128"/>
+              </a:defRPr>
+            </a:lvl9pPr>
+          </a:lstStyle>
+          <a:p>
+            <a:pPr algn="r">
+              <a:spcBef>
+                <a:spcPct val="0"/>
+              </a:spcBef>
+            </a:pPr>
+            <a:fld id="{384C80F2-5817-7641-8DED-0142FB7A837C}" type="slidenum">
+              <a:rPr lang="en-US" altLang="en-US">
+                <a:latin typeface="Times New Roman" panose="02020603050405020304" pitchFamily="18" charset="0"/>
+              </a:rPr>
+              <a:pPr algn="r">
+                <a:spcBef>
+                  <a:spcPct val="0"/>
+                </a:spcBef>
+              </a:pPr>
+              <a:t>6</a:t>
+            </a:fld>
+            <a:endParaRPr lang="en-US" altLang="en-US">
+              <a:latin typeface="Times New Roman" panose="02020603050405020304" pitchFamily="18" charset="0"/>
+            </a:endParaRPr>
+          </a:p>
+        </p:txBody>
+      </p:sp>
+      <p:sp>
+        <p:nvSpPr>
+          <p:cNvPr id="9219" name="Rectangle 2">
+            <a:extLst>
+              <a:ext uri="{FF2B5EF4-FFF2-40B4-BE49-F238E27FC236}">
+                <a16:creationId xmlns:a16="http://schemas.microsoft.com/office/drawing/2014/main" id="{FA42DEA6-6C99-FE44-AC79-60CC485F6D1B}"/>
+              </a:ext>
+            </a:extLst>
+          </p:cNvPr>
+          <p:cNvSpPr>
+            <a:spLocks noGrp="1" noRot="1" noChangeAspect="1" noChangeArrowheads="1" noTextEdit="1"/>
+          </p:cNvSpPr>
+          <p:nvPr>
+            <p:ph type="sldImg"/>
+          </p:nvPr>
+        </p:nvSpPr>
+        <p:spPr>
+          <a:ln/>
+        </p:spPr>
+      </p:sp>
+      <p:sp>
+        <p:nvSpPr>
+          <p:cNvPr id="86021" name="Rectangle 3">
+            <a:extLst>
+              <a:ext uri="{FF2B5EF4-FFF2-40B4-BE49-F238E27FC236}">
+                <a16:creationId xmlns:a16="http://schemas.microsoft.com/office/drawing/2014/main" id="{0C4962E3-59EE-4641-A7AA-4387F3436B20}"/>
+              </a:ext>
+            </a:extLst>
+          </p:cNvPr>
+          <p:cNvSpPr>
+            <a:spLocks noGrp="1" noChangeArrowheads="1"/>
+          </p:cNvSpPr>
+          <p:nvPr>
+            <p:ph type="body" idx="1"/>
+          </p:nvPr>
+        </p:nvSpPr>
+        <p:spPr>
+          <a:xfrm>
+            <a:off x="914400" y="4343400"/>
+            <a:ext cx="5029200" cy="4114800"/>
+          </a:xfrm>
+        </p:spPr>
+        <p:txBody>
+          <a:bodyPr/>
+          <a:lstStyle/>
+          <a:p>
+            <a:pPr eaLnBrk="1" hangingPunct="1">
+              <a:defRPr/>
+            </a:pPr>
+            <a:r>
+              <a:rPr lang="en-US">
+                <a:cs typeface="+mn-cs"/>
+              </a:rPr>
+              <a:t>What is 8 % 20?  It's 8, but students often say 0.</a:t>
+            </a:r>
+          </a:p>
+          <a:p>
+            <a:pPr eaLnBrk="1" hangingPunct="1">
+              <a:defRPr/>
+            </a:pPr>
+            <a:endParaRPr lang="en-US">
+              <a:cs typeface="+mn-cs"/>
+            </a:endParaRPr>
+          </a:p>
+        </p:txBody>
+      </p:sp>
+    </p:spTree>
+    <p:extLst>
+      <p:ext uri="{BB962C8B-B14F-4D97-AF65-F5344CB8AC3E}">
+        <p14:creationId xmlns:p14="http://schemas.microsoft.com/office/powerpoint/2010/main" val="3324172211"/>
+      </p:ext>
+    </p:extLst>
+  </p:cSld>
+  <p:clrMapOvr>
+    <a:masterClrMapping/>
+  </p:clrMapOvr>
+</p:notes>
 </file>
 
 <file path=ppt/slideLayouts/slideLayout1.xml><?xml version="1.0" encoding="utf-8"?>
@@ -890,7 +1928,7 @@
           <a:p>
             <a:fld id="{4AAD347D-5ACD-4C99-B74B-A9C85AD731AF}" type="datetimeFigureOut">
               <a:rPr lang="en-US" smtClean="0"/>
-              <a:t>9/29/20</a:t>
+              <a:t>10/6/20</a:t>
             </a:fld>
             <a:endParaRPr lang="en-US" dirty="0"/>
           </a:p>
@@ -1060,7 +2098,7 @@
           <a:p>
             <a:fld id="{4509A250-FF31-4206-8172-F9D3106AACB1}" type="datetimeFigureOut">
               <a:rPr lang="en-US" smtClean="0"/>
-              <a:t>9/29/20</a:t>
+              <a:t>10/6/20</a:t>
             </a:fld>
             <a:endParaRPr lang="en-US" dirty="0"/>
           </a:p>
@@ -1240,7 +2278,7 @@
           <a:p>
             <a:fld id="{4509A250-FF31-4206-8172-F9D3106AACB1}" type="datetimeFigureOut">
               <a:rPr lang="en-US" smtClean="0"/>
-              <a:t>9/29/20</a:t>
+              <a:t>10/6/20</a:t>
             </a:fld>
             <a:endParaRPr lang="en-US" dirty="0"/>
           </a:p>
@@ -1410,7 +2448,7 @@
           <a:p>
             <a:fld id="{4509A250-FF31-4206-8172-F9D3106AACB1}" type="datetimeFigureOut">
               <a:rPr lang="en-US" smtClean="0"/>
-              <a:t>9/29/20</a:t>
+              <a:t>10/6/20</a:t>
             </a:fld>
             <a:endParaRPr lang="en-US" dirty="0"/>
           </a:p>
@@ -1656,7 +2694,7 @@
           <a:p>
             <a:fld id="{9796027F-7875-4030-9381-8BD8C4F21935}" type="datetimeFigureOut">
               <a:rPr lang="en-US" smtClean="0"/>
-              <a:t>9/29/20</a:t>
+              <a:t>10/6/20</a:t>
             </a:fld>
             <a:endParaRPr lang="en-US" dirty="0"/>
           </a:p>
@@ -1888,7 +2926,7 @@
           <a:p>
             <a:fld id="{9796027F-7875-4030-9381-8BD8C4F21935}" type="datetimeFigureOut">
               <a:rPr lang="en-US" smtClean="0"/>
-              <a:t>9/29/20</a:t>
+              <a:t>10/6/20</a:t>
             </a:fld>
             <a:endParaRPr lang="en-US" dirty="0"/>
           </a:p>
@@ -2255,7 +3293,7 @@
           <a:p>
             <a:fld id="{9796027F-7875-4030-9381-8BD8C4F21935}" type="datetimeFigureOut">
               <a:rPr lang="en-US" smtClean="0"/>
-              <a:t>9/29/20</a:t>
+              <a:t>10/6/20</a:t>
             </a:fld>
             <a:endParaRPr lang="en-US" dirty="0"/>
           </a:p>
@@ -2373,7 +3411,7 @@
           <a:p>
             <a:fld id="{4509A250-FF31-4206-8172-F9D3106AACB1}" type="datetimeFigureOut">
               <a:rPr lang="en-US" smtClean="0"/>
-              <a:t>9/29/20</a:t>
+              <a:t>10/6/20</a:t>
             </a:fld>
             <a:endParaRPr lang="en-US" dirty="0"/>
           </a:p>
@@ -2468,7 +3506,7 @@
           <a:p>
             <a:fld id="{4509A250-FF31-4206-8172-F9D3106AACB1}" type="datetimeFigureOut">
               <a:rPr lang="en-US" smtClean="0"/>
-              <a:t>9/29/20</a:t>
+              <a:t>10/6/20</a:t>
             </a:fld>
             <a:endParaRPr lang="en-US" dirty="0"/>
           </a:p>
@@ -2745,7 +3783,7 @@
           <a:p>
             <a:fld id="{4509A250-FF31-4206-8172-F9D3106AACB1}" type="datetimeFigureOut">
               <a:rPr lang="en-US" smtClean="0"/>
-              <a:t>9/29/20</a:t>
+              <a:t>10/6/20</a:t>
             </a:fld>
             <a:endParaRPr lang="en-US" dirty="0"/>
           </a:p>
@@ -3002,7 +4040,7 @@
           <a:p>
             <a:fld id="{4509A250-FF31-4206-8172-F9D3106AACB1}" type="datetimeFigureOut">
               <a:rPr lang="en-US" smtClean="0"/>
-              <a:t>9/29/20</a:t>
+              <a:t>10/6/20</a:t>
             </a:fld>
             <a:endParaRPr lang="en-US" dirty="0"/>
           </a:p>
@@ -3215,7 +4253,7 @@
           <a:p>
             <a:fld id="{4AAD347D-5ACD-4C99-B74B-A9C85AD731AF}" type="datetimeFigureOut">
               <a:rPr lang="en-US" smtClean="0"/>
-              <a:t>9/29/20</a:t>
+              <a:t>10/6/20</a:t>
             </a:fld>
             <a:endParaRPr lang="en-US" dirty="0"/>
           </a:p>
@@ -3925,6 +4963,3841 @@
           <a:chExt cx="0" cy="0"/>
         </a:xfrm>
       </p:grpSpPr>
+      <p:sp>
+        <p:nvSpPr>
+          <p:cNvPr id="6146" name="Rectangle 2">
+            <a:extLst>
+              <a:ext uri="{FF2B5EF4-FFF2-40B4-BE49-F238E27FC236}">
+                <a16:creationId xmlns:a16="http://schemas.microsoft.com/office/drawing/2014/main" id="{5853A8E3-2F89-8B46-BE50-89DDA81236A6}"/>
+              </a:ext>
+            </a:extLst>
+          </p:cNvPr>
+          <p:cNvSpPr>
+            <a:spLocks noGrp="1" noChangeArrowheads="1"/>
+          </p:cNvSpPr>
+          <p:nvPr>
+            <p:ph type="title" idx="4294967295"/>
+          </p:nvPr>
+        </p:nvSpPr>
+        <p:spPr>
+          <a:xfrm>
+            <a:off x="628650" y="207858"/>
+            <a:ext cx="7886700" cy="693290"/>
+          </a:xfrm>
+        </p:spPr>
+        <p:txBody>
+          <a:bodyPr vert="horz" lIns="0" tIns="45720" rIns="0" bIns="0" rtlCol="0" anchor="b">
+            <a:normAutofit/>
+          </a:bodyPr>
+          <a:lstStyle/>
+          <a:p>
+            <a:pPr eaLnBrk="1" hangingPunct="1">
+              <a:defRPr/>
+            </a:pPr>
+            <a:r>
+              <a:rPr lang="en-US" dirty="0">
+                <a:cs typeface="+mj-cs"/>
+              </a:rPr>
+              <a:t>Expressions</a:t>
+            </a:r>
+          </a:p>
+        </p:txBody>
+      </p:sp>
+      <p:sp>
+        <p:nvSpPr>
+          <p:cNvPr id="6147" name="Rectangle 4">
+            <a:extLst>
+              <a:ext uri="{FF2B5EF4-FFF2-40B4-BE49-F238E27FC236}">
+                <a16:creationId xmlns:a16="http://schemas.microsoft.com/office/drawing/2014/main" id="{B9719AA9-1210-AD44-92F4-7B8E508762A1}"/>
+              </a:ext>
+            </a:extLst>
+          </p:cNvPr>
+          <p:cNvSpPr>
+            <a:spLocks noGrp="1" noChangeArrowheads="1"/>
+          </p:cNvSpPr>
+          <p:nvPr>
+            <p:ph idx="4294967295"/>
+          </p:nvPr>
+        </p:nvSpPr>
+        <p:spPr>
+          <a:xfrm>
+            <a:off x="238539" y="1064351"/>
+            <a:ext cx="8905461" cy="4442791"/>
+          </a:xfrm>
+        </p:spPr>
+        <p:txBody>
+          <a:bodyPr/>
+          <a:lstStyle/>
+          <a:p>
+            <a:pPr lvl="1">
+              <a:lnSpc>
+                <a:spcPct val="90000"/>
+              </a:lnSpc>
+              <a:spcBef>
+                <a:spcPct val="0"/>
+              </a:spcBef>
+              <a:buClr>
+                <a:schemeClr val="bg1"/>
+              </a:buClr>
+              <a:buFontTx/>
+              <a:buNone/>
+            </a:pPr>
+            <a:r>
+              <a:rPr lang="en-US" altLang="en-US" dirty="0">
+                <a:ea typeface="ＭＳ Ｐゴシック" panose="020B0600070205080204" pitchFamily="34" charset="-128"/>
+              </a:rPr>
+              <a:t>Find the exact change for 137 cents using quarters, dimes, nickels and cents. Use the least number of coins. </a:t>
+            </a:r>
+          </a:p>
+          <a:p>
+            <a:pPr lvl="1">
+              <a:lnSpc>
+                <a:spcPct val="90000"/>
+              </a:lnSpc>
+              <a:spcBef>
+                <a:spcPct val="0"/>
+              </a:spcBef>
+              <a:buClr>
+                <a:schemeClr val="bg1"/>
+              </a:buClr>
+              <a:buFontTx/>
+              <a:buNone/>
+            </a:pPr>
+            <a:endParaRPr lang="en-US" altLang="en-US" dirty="0">
+              <a:ea typeface="ＭＳ Ｐゴシック" panose="020B0600070205080204" pitchFamily="34" charset="-128"/>
+            </a:endParaRPr>
+          </a:p>
+          <a:p>
+            <a:pPr lvl="1">
+              <a:lnSpc>
+                <a:spcPct val="90000"/>
+              </a:lnSpc>
+              <a:spcBef>
+                <a:spcPct val="0"/>
+              </a:spcBef>
+              <a:buClr>
+                <a:schemeClr val="bg1"/>
+              </a:buClr>
+              <a:buFontTx/>
+              <a:buNone/>
+            </a:pPr>
+            <a:r>
+              <a:rPr lang="en-US" altLang="en-US" dirty="0">
+                <a:ea typeface="ＭＳ Ｐゴシック" panose="020B0600070205080204" pitchFamily="34" charset="-128"/>
+              </a:rPr>
+              <a:t>How many quarters? 137 / 25 = 5 quarters (Floor Division!)</a:t>
+            </a:r>
+          </a:p>
+          <a:p>
+            <a:pPr lvl="1">
+              <a:lnSpc>
+                <a:spcPct val="90000"/>
+              </a:lnSpc>
+              <a:spcBef>
+                <a:spcPct val="0"/>
+              </a:spcBef>
+              <a:buClr>
+                <a:schemeClr val="bg1"/>
+              </a:buClr>
+              <a:buFontTx/>
+              <a:buNone/>
+            </a:pPr>
+            <a:endParaRPr lang="en-US" altLang="en-US" dirty="0">
+              <a:ea typeface="ＭＳ Ｐゴシック" panose="020B0600070205080204" pitchFamily="34" charset="-128"/>
+            </a:endParaRPr>
+          </a:p>
+          <a:p>
+            <a:pPr lvl="1">
+              <a:lnSpc>
+                <a:spcPct val="90000"/>
+              </a:lnSpc>
+              <a:spcBef>
+                <a:spcPct val="0"/>
+              </a:spcBef>
+              <a:buClr>
+                <a:schemeClr val="bg1"/>
+              </a:buClr>
+              <a:buFontTx/>
+              <a:buNone/>
+            </a:pPr>
+            <a:r>
+              <a:rPr lang="en-US" altLang="en-US" dirty="0">
+                <a:ea typeface="ＭＳ Ｐゴシック" panose="020B0600070205080204" pitchFamily="34" charset="-128"/>
+              </a:rPr>
+              <a:t>What’s leftover? 137 % 25 = 12 cents</a:t>
+            </a:r>
+          </a:p>
+          <a:p>
+            <a:pPr lvl="1">
+              <a:lnSpc>
+                <a:spcPct val="90000"/>
+              </a:lnSpc>
+              <a:spcBef>
+                <a:spcPct val="0"/>
+              </a:spcBef>
+              <a:buClr>
+                <a:schemeClr val="bg1"/>
+              </a:buClr>
+              <a:buFontTx/>
+              <a:buNone/>
+            </a:pPr>
+            <a:endParaRPr lang="en-US" altLang="en-US" dirty="0">
+              <a:ea typeface="ＭＳ Ｐゴシック" panose="020B0600070205080204" pitchFamily="34" charset="-128"/>
+            </a:endParaRPr>
+          </a:p>
+          <a:p>
+            <a:pPr lvl="1">
+              <a:lnSpc>
+                <a:spcPct val="90000"/>
+              </a:lnSpc>
+              <a:spcBef>
+                <a:spcPct val="0"/>
+              </a:spcBef>
+              <a:buClr>
+                <a:schemeClr val="bg1"/>
+              </a:buClr>
+              <a:buFontTx/>
+              <a:buNone/>
+            </a:pPr>
+            <a:r>
+              <a:rPr lang="en-US" altLang="en-US" dirty="0">
+                <a:ea typeface="ＭＳ Ｐゴシック" panose="020B0600070205080204" pitchFamily="34" charset="-128"/>
+              </a:rPr>
+              <a:t>How many dimes? 12 / 10 = 1 dime</a:t>
+            </a:r>
+          </a:p>
+          <a:p>
+            <a:pPr lvl="1">
+              <a:lnSpc>
+                <a:spcPct val="90000"/>
+              </a:lnSpc>
+              <a:spcBef>
+                <a:spcPct val="0"/>
+              </a:spcBef>
+              <a:buClr>
+                <a:schemeClr val="bg1"/>
+              </a:buClr>
+              <a:buFontTx/>
+              <a:buNone/>
+            </a:pPr>
+            <a:endParaRPr lang="en-US" altLang="en-US" dirty="0">
+              <a:ea typeface="ＭＳ Ｐゴシック" panose="020B0600070205080204" pitchFamily="34" charset="-128"/>
+            </a:endParaRPr>
+          </a:p>
+          <a:p>
+            <a:pPr lvl="1">
+              <a:lnSpc>
+                <a:spcPct val="90000"/>
+              </a:lnSpc>
+              <a:spcBef>
+                <a:spcPct val="0"/>
+              </a:spcBef>
+              <a:buClr>
+                <a:schemeClr val="bg1"/>
+              </a:buClr>
+              <a:buFontTx/>
+              <a:buNone/>
+            </a:pPr>
+            <a:r>
+              <a:rPr lang="en-US" altLang="en-US" dirty="0">
+                <a:ea typeface="ＭＳ Ｐゴシック" panose="020B0600070205080204" pitchFamily="34" charset="-128"/>
+              </a:rPr>
+              <a:t>What’s leftover? 12 % 10 = 2 cents</a:t>
+            </a:r>
+          </a:p>
+          <a:p>
+            <a:pPr lvl="1">
+              <a:lnSpc>
+                <a:spcPct val="90000"/>
+              </a:lnSpc>
+              <a:spcBef>
+                <a:spcPct val="0"/>
+              </a:spcBef>
+              <a:buClr>
+                <a:schemeClr val="bg1"/>
+              </a:buClr>
+              <a:buFontTx/>
+              <a:buNone/>
+            </a:pPr>
+            <a:endParaRPr lang="en-US" altLang="en-US" dirty="0">
+              <a:ea typeface="ＭＳ Ｐゴシック" panose="020B0600070205080204" pitchFamily="34" charset="-128"/>
+            </a:endParaRPr>
+          </a:p>
+          <a:p>
+            <a:pPr lvl="1">
+              <a:lnSpc>
+                <a:spcPct val="90000"/>
+              </a:lnSpc>
+              <a:spcBef>
+                <a:spcPct val="0"/>
+              </a:spcBef>
+              <a:buClr>
+                <a:schemeClr val="bg1"/>
+              </a:buClr>
+              <a:buFontTx/>
+              <a:buNone/>
+            </a:pPr>
+            <a:r>
+              <a:rPr lang="en-US" altLang="en-US" dirty="0">
+                <a:ea typeface="ＭＳ Ｐゴシック" panose="020B0600070205080204" pitchFamily="34" charset="-128"/>
+              </a:rPr>
+              <a:t>How many nickels? 2 / 5 = 0 nickels. </a:t>
+            </a:r>
+          </a:p>
+          <a:p>
+            <a:pPr lvl="1">
+              <a:lnSpc>
+                <a:spcPct val="90000"/>
+              </a:lnSpc>
+              <a:spcBef>
+                <a:spcPct val="0"/>
+              </a:spcBef>
+              <a:buClr>
+                <a:schemeClr val="bg1"/>
+              </a:buClr>
+              <a:buFontTx/>
+              <a:buNone/>
+            </a:pPr>
+            <a:endParaRPr lang="en-US" altLang="en-US" dirty="0">
+              <a:ea typeface="ＭＳ Ｐゴシック" panose="020B0600070205080204" pitchFamily="34" charset="-128"/>
+            </a:endParaRPr>
+          </a:p>
+          <a:p>
+            <a:pPr lvl="1">
+              <a:lnSpc>
+                <a:spcPct val="90000"/>
+              </a:lnSpc>
+              <a:spcBef>
+                <a:spcPct val="0"/>
+              </a:spcBef>
+              <a:buClr>
+                <a:schemeClr val="bg1"/>
+              </a:buClr>
+              <a:buFontTx/>
+              <a:buNone/>
+            </a:pPr>
+            <a:r>
+              <a:rPr lang="en-US" altLang="en-US" dirty="0">
+                <a:ea typeface="ＭＳ Ｐゴシック" panose="020B0600070205080204" pitchFamily="34" charset="-128"/>
+              </a:rPr>
+              <a:t>What’s leftover? 2 % 5 = 2 cents.   </a:t>
+            </a:r>
+          </a:p>
+          <a:p>
+            <a:pPr lvl="1">
+              <a:lnSpc>
+                <a:spcPct val="90000"/>
+              </a:lnSpc>
+              <a:spcBef>
+                <a:spcPct val="0"/>
+              </a:spcBef>
+              <a:buClr>
+                <a:schemeClr val="bg1"/>
+              </a:buClr>
+              <a:buFontTx/>
+              <a:buNone/>
+            </a:pPr>
+            <a:endParaRPr lang="en-US" altLang="en-US" dirty="0">
+              <a:ea typeface="ＭＳ Ｐゴシック" panose="020B0600070205080204" pitchFamily="34" charset="-128"/>
+            </a:endParaRPr>
+          </a:p>
+          <a:p>
+            <a:pPr lvl="1">
+              <a:lnSpc>
+                <a:spcPct val="90000"/>
+              </a:lnSpc>
+              <a:spcBef>
+                <a:spcPct val="0"/>
+              </a:spcBef>
+              <a:buClr>
+                <a:schemeClr val="bg1"/>
+              </a:buClr>
+              <a:buFontTx/>
+              <a:buNone/>
+            </a:pPr>
+            <a:r>
+              <a:rPr lang="en-US" altLang="en-US" dirty="0">
+                <a:ea typeface="ＭＳ Ｐゴシック" panose="020B0600070205080204" pitchFamily="34" charset="-128"/>
+              </a:rPr>
+              <a:t>How many pennies? 2 / 1 = 2 pennies</a:t>
+            </a:r>
+          </a:p>
+          <a:p>
+            <a:pPr lvl="1">
+              <a:lnSpc>
+                <a:spcPct val="90000"/>
+              </a:lnSpc>
+              <a:spcBef>
+                <a:spcPct val="0"/>
+              </a:spcBef>
+              <a:buClr>
+                <a:schemeClr val="bg1"/>
+              </a:buClr>
+              <a:buFontTx/>
+              <a:buNone/>
+            </a:pPr>
+            <a:endParaRPr lang="en-US" altLang="en-US" dirty="0">
+              <a:ea typeface="ＭＳ Ｐゴシック" panose="020B0600070205080204" pitchFamily="34" charset="-128"/>
+            </a:endParaRPr>
+          </a:p>
+          <a:p>
+            <a:pPr lvl="1">
+              <a:spcBef>
+                <a:spcPct val="0"/>
+              </a:spcBef>
+              <a:buClr>
+                <a:schemeClr val="bg1"/>
+              </a:buClr>
+              <a:buNone/>
+            </a:pPr>
+            <a:r>
+              <a:rPr lang="en-US" altLang="en-US" dirty="0">
+                <a:ea typeface="ＭＳ Ｐゴシック" panose="020B0600070205080204" pitchFamily="34" charset="-128"/>
+              </a:rPr>
+              <a:t>What’s leftover? 2 % 1= 0 cents.   Done!</a:t>
+            </a:r>
+          </a:p>
+          <a:p>
+            <a:pPr lvl="1">
+              <a:lnSpc>
+                <a:spcPct val="90000"/>
+              </a:lnSpc>
+              <a:spcBef>
+                <a:spcPct val="0"/>
+              </a:spcBef>
+              <a:buClr>
+                <a:schemeClr val="bg1"/>
+              </a:buClr>
+              <a:buFontTx/>
+              <a:buNone/>
+            </a:pPr>
+            <a:endParaRPr lang="en-US" altLang="en-US" dirty="0">
+              <a:ea typeface="ＭＳ Ｐゴシック" panose="020B0600070205080204" pitchFamily="34" charset="-128"/>
+            </a:endParaRPr>
+          </a:p>
+          <a:p>
+            <a:pPr lvl="1">
+              <a:lnSpc>
+                <a:spcPct val="90000"/>
+              </a:lnSpc>
+              <a:spcBef>
+                <a:spcPct val="0"/>
+              </a:spcBef>
+              <a:buClr>
+                <a:schemeClr val="bg1"/>
+              </a:buClr>
+              <a:buFontTx/>
+              <a:buNone/>
+            </a:pPr>
+            <a:endParaRPr lang="en-US" altLang="en-US" dirty="0">
+              <a:ea typeface="ＭＳ Ｐゴシック" panose="020B0600070205080204" pitchFamily="34" charset="-128"/>
+            </a:endParaRPr>
+          </a:p>
+          <a:p>
+            <a:pPr lvl="1">
+              <a:lnSpc>
+                <a:spcPct val="90000"/>
+              </a:lnSpc>
+              <a:spcBef>
+                <a:spcPct val="0"/>
+              </a:spcBef>
+              <a:buClr>
+                <a:schemeClr val="bg1"/>
+              </a:buClr>
+              <a:buFontTx/>
+              <a:buNone/>
+            </a:pPr>
+            <a:endParaRPr lang="en-US" altLang="en-US" dirty="0">
+              <a:ea typeface="ＭＳ Ｐゴシック" panose="020B0600070205080204" pitchFamily="34" charset="-128"/>
+            </a:endParaRPr>
+          </a:p>
+          <a:p>
+            <a:pPr lvl="1">
+              <a:lnSpc>
+                <a:spcPct val="90000"/>
+              </a:lnSpc>
+              <a:spcBef>
+                <a:spcPct val="0"/>
+              </a:spcBef>
+              <a:buClr>
+                <a:schemeClr val="bg1"/>
+              </a:buClr>
+              <a:buFontTx/>
+              <a:buNone/>
+            </a:pPr>
+            <a:endParaRPr lang="en-US" altLang="en-US" dirty="0">
+              <a:ea typeface="ＭＳ Ｐゴシック" panose="020B0600070205080204" pitchFamily="34" charset="-128"/>
+            </a:endParaRPr>
+          </a:p>
+        </p:txBody>
+      </p:sp>
+    </p:spTree>
+    <p:extLst>
+      <p:ext uri="{BB962C8B-B14F-4D97-AF65-F5344CB8AC3E}">
+        <p14:creationId xmlns:p14="http://schemas.microsoft.com/office/powerpoint/2010/main" val="3505180768"/>
+      </p:ext>
+    </p:extLst>
+  </p:cSld>
+  <p:clrMapOvr>
+    <a:masterClrMapping/>
+  </p:clrMapOvr>
+  <p:transition/>
+  <p:timing>
+    <p:tnLst>
+      <p:par>
+        <p:cTn id="1" dur="indefinite" restart="never" nodeType="tmRoot">
+          <p:childTnLst>
+            <p:seq concurrent="1" nextAc="seek">
+              <p:cTn id="2" dur="indefinite" nodeType="mainSeq">
+                <p:childTnLst>
+                  <p:par>
+                    <p:cTn id="3" fill="hold" nodeType="clickPar">
+                      <p:stCondLst>
+                        <p:cond delay="indefinite"/>
+                      </p:stCondLst>
+                      <p:childTnLst>
+                        <p:par>
+                          <p:cTn id="4" fill="hold" nodeType="withGroup">
+                            <p:stCondLst>
+                              <p:cond delay="0"/>
+                            </p:stCondLst>
+                            <p:childTnLst>
+                              <p:par>
+                                <p:cTn id="5" presetID="1" presetClass="entr" presetSubtype="0" fill="hold" nodeType="clickEffect">
+                                  <p:stCondLst>
+                                    <p:cond delay="0"/>
+                                  </p:stCondLst>
+                                  <p:childTnLst>
+                                    <p:set>
+                                      <p:cBhvr>
+                                        <p:cTn id="6" dur="1" fill="hold">
+                                          <p:stCondLst>
+                                            <p:cond delay="0"/>
+                                          </p:stCondLst>
+                                        </p:cTn>
+                                        <p:tgtEl>
+                                          <p:spTgt spid="6147">
+                                            <p:txEl>
+                                              <p:pRg st="2" end="2"/>
+                                            </p:txEl>
+                                          </p:spTgt>
+                                        </p:tgtEl>
+                                        <p:attrNameLst>
+                                          <p:attrName>style.visibility</p:attrName>
+                                        </p:attrNameLst>
+                                      </p:cBhvr>
+                                      <p:to>
+                                        <p:strVal val="visible"/>
+                                      </p:to>
+                                    </p:set>
+                                  </p:childTnLst>
+                                </p:cTn>
+                              </p:par>
+                            </p:childTnLst>
+                          </p:cTn>
+                        </p:par>
+                      </p:childTnLst>
+                    </p:cTn>
+                  </p:par>
+                  <p:par>
+                    <p:cTn id="7" fill="hold" nodeType="clickPar">
+                      <p:stCondLst>
+                        <p:cond delay="indefinite"/>
+                      </p:stCondLst>
+                      <p:childTnLst>
+                        <p:par>
+                          <p:cTn id="8" fill="hold" nodeType="withGroup">
+                            <p:stCondLst>
+                              <p:cond delay="0"/>
+                            </p:stCondLst>
+                            <p:childTnLst>
+                              <p:par>
+                                <p:cTn id="9" presetID="1" presetClass="entr" presetSubtype="0" fill="hold" nodeType="clickEffect">
+                                  <p:stCondLst>
+                                    <p:cond delay="0"/>
+                                  </p:stCondLst>
+                                  <p:childTnLst>
+                                    <p:set>
+                                      <p:cBhvr>
+                                        <p:cTn id="10" dur="1" fill="hold">
+                                          <p:stCondLst>
+                                            <p:cond delay="0"/>
+                                          </p:stCondLst>
+                                        </p:cTn>
+                                        <p:tgtEl>
+                                          <p:spTgt spid="6147">
+                                            <p:txEl>
+                                              <p:pRg st="4" end="4"/>
+                                            </p:txEl>
+                                          </p:spTgt>
+                                        </p:tgtEl>
+                                        <p:attrNameLst>
+                                          <p:attrName>style.visibility</p:attrName>
+                                        </p:attrNameLst>
+                                      </p:cBhvr>
+                                      <p:to>
+                                        <p:strVal val="visible"/>
+                                      </p:to>
+                                    </p:set>
+                                  </p:childTnLst>
+                                </p:cTn>
+                              </p:par>
+                            </p:childTnLst>
+                          </p:cTn>
+                        </p:par>
+                      </p:childTnLst>
+                    </p:cTn>
+                  </p:par>
+                  <p:par>
+                    <p:cTn id="11" fill="hold" nodeType="clickPar">
+                      <p:stCondLst>
+                        <p:cond delay="indefinite"/>
+                      </p:stCondLst>
+                      <p:childTnLst>
+                        <p:par>
+                          <p:cTn id="12" fill="hold" nodeType="withGroup">
+                            <p:stCondLst>
+                              <p:cond delay="0"/>
+                            </p:stCondLst>
+                            <p:childTnLst>
+                              <p:par>
+                                <p:cTn id="13" presetID="1" presetClass="entr" presetSubtype="0" fill="hold" nodeType="clickEffect">
+                                  <p:stCondLst>
+                                    <p:cond delay="0"/>
+                                  </p:stCondLst>
+                                  <p:childTnLst>
+                                    <p:set>
+                                      <p:cBhvr>
+                                        <p:cTn id="14" dur="1" fill="hold">
+                                          <p:stCondLst>
+                                            <p:cond delay="0"/>
+                                          </p:stCondLst>
+                                        </p:cTn>
+                                        <p:tgtEl>
+                                          <p:spTgt spid="6147">
+                                            <p:txEl>
+                                              <p:pRg st="6" end="6"/>
+                                            </p:txEl>
+                                          </p:spTgt>
+                                        </p:tgtEl>
+                                        <p:attrNameLst>
+                                          <p:attrName>style.visibility</p:attrName>
+                                        </p:attrNameLst>
+                                      </p:cBhvr>
+                                      <p:to>
+                                        <p:strVal val="visible"/>
+                                      </p:to>
+                                    </p:set>
+                                  </p:childTnLst>
+                                </p:cTn>
+                              </p:par>
+                            </p:childTnLst>
+                          </p:cTn>
+                        </p:par>
+                      </p:childTnLst>
+                    </p:cTn>
+                  </p:par>
+                  <p:par>
+                    <p:cTn id="15" fill="hold" nodeType="clickPar">
+                      <p:stCondLst>
+                        <p:cond delay="indefinite"/>
+                      </p:stCondLst>
+                      <p:childTnLst>
+                        <p:par>
+                          <p:cTn id="16" fill="hold" nodeType="withGroup">
+                            <p:stCondLst>
+                              <p:cond delay="0"/>
+                            </p:stCondLst>
+                            <p:childTnLst>
+                              <p:par>
+                                <p:cTn id="17" presetID="1" presetClass="entr" presetSubtype="0" fill="hold" nodeType="clickEffect">
+                                  <p:stCondLst>
+                                    <p:cond delay="0"/>
+                                  </p:stCondLst>
+                                  <p:childTnLst>
+                                    <p:set>
+                                      <p:cBhvr>
+                                        <p:cTn id="18" dur="1" fill="hold">
+                                          <p:stCondLst>
+                                            <p:cond delay="0"/>
+                                          </p:stCondLst>
+                                        </p:cTn>
+                                        <p:tgtEl>
+                                          <p:spTgt spid="6147">
+                                            <p:txEl>
+                                              <p:pRg st="8" end="8"/>
+                                            </p:txEl>
+                                          </p:spTgt>
+                                        </p:tgtEl>
+                                        <p:attrNameLst>
+                                          <p:attrName>style.visibility</p:attrName>
+                                        </p:attrNameLst>
+                                      </p:cBhvr>
+                                      <p:to>
+                                        <p:strVal val="visible"/>
+                                      </p:to>
+                                    </p:set>
+                                  </p:childTnLst>
+                                </p:cTn>
+                              </p:par>
+                            </p:childTnLst>
+                          </p:cTn>
+                        </p:par>
+                      </p:childTnLst>
+                    </p:cTn>
+                  </p:par>
+                  <p:par>
+                    <p:cTn id="19" fill="hold" nodeType="clickPar">
+                      <p:stCondLst>
+                        <p:cond delay="indefinite"/>
+                      </p:stCondLst>
+                      <p:childTnLst>
+                        <p:par>
+                          <p:cTn id="20" fill="hold" nodeType="withGroup">
+                            <p:stCondLst>
+                              <p:cond delay="0"/>
+                            </p:stCondLst>
+                            <p:childTnLst>
+                              <p:par>
+                                <p:cTn id="21" presetID="1" presetClass="entr" presetSubtype="0" fill="hold" nodeType="clickEffect">
+                                  <p:stCondLst>
+                                    <p:cond delay="0"/>
+                                  </p:stCondLst>
+                                  <p:childTnLst>
+                                    <p:set>
+                                      <p:cBhvr>
+                                        <p:cTn id="22" dur="1" fill="hold">
+                                          <p:stCondLst>
+                                            <p:cond delay="0"/>
+                                          </p:stCondLst>
+                                        </p:cTn>
+                                        <p:tgtEl>
+                                          <p:spTgt spid="6147">
+                                            <p:txEl>
+                                              <p:pRg st="10" end="10"/>
+                                            </p:txEl>
+                                          </p:spTgt>
+                                        </p:tgtEl>
+                                        <p:attrNameLst>
+                                          <p:attrName>style.visibility</p:attrName>
+                                        </p:attrNameLst>
+                                      </p:cBhvr>
+                                      <p:to>
+                                        <p:strVal val="visible"/>
+                                      </p:to>
+                                    </p:set>
+                                  </p:childTnLst>
+                                </p:cTn>
+                              </p:par>
+                            </p:childTnLst>
+                          </p:cTn>
+                        </p:par>
+                      </p:childTnLst>
+                    </p:cTn>
+                  </p:par>
+                  <p:par>
+                    <p:cTn id="23" fill="hold" nodeType="clickPar">
+                      <p:stCondLst>
+                        <p:cond delay="indefinite"/>
+                      </p:stCondLst>
+                      <p:childTnLst>
+                        <p:par>
+                          <p:cTn id="24" fill="hold" nodeType="withGroup">
+                            <p:stCondLst>
+                              <p:cond delay="0"/>
+                            </p:stCondLst>
+                            <p:childTnLst>
+                              <p:par>
+                                <p:cTn id="25" presetID="1" presetClass="entr" presetSubtype="0" fill="hold" nodeType="clickEffect">
+                                  <p:stCondLst>
+                                    <p:cond delay="0"/>
+                                  </p:stCondLst>
+                                  <p:childTnLst>
+                                    <p:set>
+                                      <p:cBhvr>
+                                        <p:cTn id="26" dur="1" fill="hold">
+                                          <p:stCondLst>
+                                            <p:cond delay="0"/>
+                                          </p:stCondLst>
+                                        </p:cTn>
+                                        <p:tgtEl>
+                                          <p:spTgt spid="6147">
+                                            <p:txEl>
+                                              <p:pRg st="12" end="12"/>
+                                            </p:txEl>
+                                          </p:spTgt>
+                                        </p:tgtEl>
+                                        <p:attrNameLst>
+                                          <p:attrName>style.visibility</p:attrName>
+                                        </p:attrNameLst>
+                                      </p:cBhvr>
+                                      <p:to>
+                                        <p:strVal val="visible"/>
+                                      </p:to>
+                                    </p:set>
+                                  </p:childTnLst>
+                                </p:cTn>
+                              </p:par>
+                            </p:childTnLst>
+                          </p:cTn>
+                        </p:par>
+                      </p:childTnLst>
+                    </p:cTn>
+                  </p:par>
+                  <p:par>
+                    <p:cTn id="27" fill="hold" nodeType="clickPar">
+                      <p:stCondLst>
+                        <p:cond delay="indefinite"/>
+                      </p:stCondLst>
+                      <p:childTnLst>
+                        <p:par>
+                          <p:cTn id="28" fill="hold" nodeType="withGroup">
+                            <p:stCondLst>
+                              <p:cond delay="0"/>
+                            </p:stCondLst>
+                            <p:childTnLst>
+                              <p:par>
+                                <p:cTn id="29" presetID="1" presetClass="entr" presetSubtype="0" fill="hold" nodeType="clickEffect">
+                                  <p:stCondLst>
+                                    <p:cond delay="0"/>
+                                  </p:stCondLst>
+                                  <p:childTnLst>
+                                    <p:set>
+                                      <p:cBhvr>
+                                        <p:cTn id="30" dur="1" fill="hold">
+                                          <p:stCondLst>
+                                            <p:cond delay="0"/>
+                                          </p:stCondLst>
+                                        </p:cTn>
+                                        <p:tgtEl>
+                                          <p:spTgt spid="6147">
+                                            <p:txEl>
+                                              <p:pRg st="14" end="14"/>
+                                            </p:txEl>
+                                          </p:spTgt>
+                                        </p:tgtEl>
+                                        <p:attrNameLst>
+                                          <p:attrName>style.visibility</p:attrName>
+                                        </p:attrNameLst>
+                                      </p:cBhvr>
+                                      <p:to>
+                                        <p:strVal val="visible"/>
+                                      </p:to>
+                                    </p:set>
+                                  </p:childTnLst>
+                                </p:cTn>
+                              </p:par>
+                            </p:childTnLst>
+                          </p:cTn>
+                        </p:par>
+                      </p:childTnLst>
+                    </p:cTn>
+                  </p:par>
+                  <p:par>
+                    <p:cTn id="31" fill="hold">
+                      <p:stCondLst>
+                        <p:cond delay="indefinite"/>
+                      </p:stCondLst>
+                      <p:childTnLst>
+                        <p:par>
+                          <p:cTn id="32" fill="hold">
+                            <p:stCondLst>
+                              <p:cond delay="0"/>
+                            </p:stCondLst>
+                            <p:childTnLst>
+                              <p:par>
+                                <p:cTn id="33" presetID="1" presetClass="entr" presetSubtype="0" fill="hold" nodeType="clickEffect">
+                                  <p:stCondLst>
+                                    <p:cond delay="0"/>
+                                  </p:stCondLst>
+                                  <p:childTnLst>
+                                    <p:set>
+                                      <p:cBhvr>
+                                        <p:cTn id="34" dur="1" fill="hold">
+                                          <p:stCondLst>
+                                            <p:cond delay="0"/>
+                                          </p:stCondLst>
+                                        </p:cTn>
+                                        <p:tgtEl>
+                                          <p:spTgt spid="6147">
+                                            <p:txEl>
+                                              <p:pRg st="16" end="16"/>
+                                            </p:txEl>
+                                          </p:spTgt>
+                                        </p:tgtEl>
+                                        <p:attrNameLst>
+                                          <p:attrName>style.visibility</p:attrName>
+                                        </p:attrNameLst>
+                                      </p:cBhvr>
+                                      <p:to>
+                                        <p:strVal val="visible"/>
+                                      </p:to>
+                                    </p:set>
+                                  </p:childTnLst>
+                                </p:cTn>
+                              </p:par>
+                            </p:childTnLst>
+                          </p:cTn>
+                        </p:par>
+                      </p:childTnLst>
+                    </p:cTn>
+                  </p:par>
+                </p:childTnLst>
+              </p:cTn>
+              <p:prevCondLst>
+                <p:cond evt="onPrev" delay="0">
+                  <p:tgtEl>
+                    <p:sldTgt/>
+                  </p:tgtEl>
+                </p:cond>
+              </p:prevCondLst>
+              <p:nextCondLst>
+                <p:cond evt="onNext" delay="0">
+                  <p:tgtEl>
+                    <p:sldTgt/>
+                  </p:tgtEl>
+                </p:cond>
+              </p:nextCondLst>
+            </p:seq>
+          </p:childTnLst>
+        </p:cTn>
+      </p:par>
+    </p:tnLst>
+  </p:timing>
+</p:sld>
+</file>
+
+<file path=ppt/slides/slide11.xml><?xml version="1.0" encoding="utf-8"?>
+<p:sld xmlns:a="http://schemas.openxmlformats.org/drawingml/2006/main" xmlns:r="http://schemas.openxmlformats.org/officeDocument/2006/relationships" xmlns:p="http://schemas.openxmlformats.org/presentationml/2006/main">
+  <p:cSld>
+    <p:spTree>
+      <p:nvGrpSpPr>
+        <p:cNvPr id="1" name=""/>
+        <p:cNvGrpSpPr/>
+        <p:nvPr/>
+      </p:nvGrpSpPr>
+      <p:grpSpPr>
+        <a:xfrm>
+          <a:off x="0" y="0"/>
+          <a:ext cx="0" cy="0"/>
+          <a:chOff x="0" y="0"/>
+          <a:chExt cx="0" cy="0"/>
+        </a:xfrm>
+      </p:grpSpPr>
+      <p:sp>
+        <p:nvSpPr>
+          <p:cNvPr id="6146" name="Rectangle 2">
+            <a:extLst>
+              <a:ext uri="{FF2B5EF4-FFF2-40B4-BE49-F238E27FC236}">
+                <a16:creationId xmlns:a16="http://schemas.microsoft.com/office/drawing/2014/main" id="{5853A8E3-2F89-8B46-BE50-89DDA81236A6}"/>
+              </a:ext>
+            </a:extLst>
+          </p:cNvPr>
+          <p:cNvSpPr>
+            <a:spLocks noGrp="1" noChangeArrowheads="1"/>
+          </p:cNvSpPr>
+          <p:nvPr>
+            <p:ph type="title" idx="4294967295"/>
+          </p:nvPr>
+        </p:nvSpPr>
+        <p:spPr>
+          <a:xfrm>
+            <a:off x="422413" y="107254"/>
+            <a:ext cx="7886700" cy="693290"/>
+          </a:xfrm>
+        </p:spPr>
+        <p:txBody>
+          <a:bodyPr vert="horz" lIns="0" tIns="45720" rIns="0" bIns="0" rtlCol="0" anchor="b">
+            <a:normAutofit/>
+          </a:bodyPr>
+          <a:lstStyle/>
+          <a:p>
+            <a:pPr eaLnBrk="1" hangingPunct="1">
+              <a:defRPr/>
+            </a:pPr>
+            <a:r>
+              <a:rPr lang="en-US" dirty="0">
+                <a:cs typeface="+mj-cs"/>
+              </a:rPr>
+              <a:t>Extracting Digits</a:t>
+            </a:r>
+          </a:p>
+        </p:txBody>
+      </p:sp>
+      <p:sp>
+        <p:nvSpPr>
+          <p:cNvPr id="6147" name="Rectangle 4">
+            <a:extLst>
+              <a:ext uri="{FF2B5EF4-FFF2-40B4-BE49-F238E27FC236}">
+                <a16:creationId xmlns:a16="http://schemas.microsoft.com/office/drawing/2014/main" id="{B9719AA9-1210-AD44-92F4-7B8E508762A1}"/>
+              </a:ext>
+            </a:extLst>
+          </p:cNvPr>
+          <p:cNvSpPr>
+            <a:spLocks noGrp="1" noChangeArrowheads="1"/>
+          </p:cNvSpPr>
+          <p:nvPr>
+            <p:ph idx="4294967295"/>
+          </p:nvPr>
+        </p:nvSpPr>
+        <p:spPr>
+          <a:xfrm>
+            <a:off x="238539" y="800545"/>
+            <a:ext cx="8905461" cy="4706598"/>
+          </a:xfrm>
+        </p:spPr>
+        <p:txBody>
+          <a:bodyPr/>
+          <a:lstStyle/>
+          <a:p>
+            <a:pPr lvl="1">
+              <a:lnSpc>
+                <a:spcPct val="90000"/>
+              </a:lnSpc>
+              <a:spcBef>
+                <a:spcPct val="0"/>
+              </a:spcBef>
+              <a:buClr>
+                <a:schemeClr val="bg1"/>
+              </a:buClr>
+              <a:buFontTx/>
+              <a:buNone/>
+            </a:pPr>
+            <a:r>
+              <a:rPr lang="en-US" altLang="en-US" sz="2000" dirty="0">
+                <a:ea typeface="ＭＳ Ｐゴシック" panose="020B0600070205080204" pitchFamily="34" charset="-128"/>
+              </a:rPr>
+              <a:t>Given a three-digit integer. Extract its the ones, tens and hundreds digits. </a:t>
+            </a:r>
+          </a:p>
+          <a:p>
+            <a:pPr lvl="1">
+              <a:lnSpc>
+                <a:spcPct val="90000"/>
+              </a:lnSpc>
+              <a:spcBef>
+                <a:spcPct val="0"/>
+              </a:spcBef>
+              <a:buClr>
+                <a:schemeClr val="bg1"/>
+              </a:buClr>
+              <a:buFontTx/>
+              <a:buNone/>
+            </a:pPr>
+            <a:endParaRPr lang="en-US" altLang="en-US" dirty="0">
+              <a:ea typeface="ＭＳ Ｐゴシック" panose="020B0600070205080204" pitchFamily="34" charset="-128"/>
+            </a:endParaRPr>
+          </a:p>
+          <a:p>
+            <a:pPr lvl="1">
+              <a:lnSpc>
+                <a:spcPct val="90000"/>
+              </a:lnSpc>
+              <a:spcBef>
+                <a:spcPct val="0"/>
+              </a:spcBef>
+              <a:buClr>
+                <a:schemeClr val="bg1"/>
+              </a:buClr>
+              <a:buFontTx/>
+              <a:buNone/>
+            </a:pPr>
+            <a:r>
+              <a:rPr lang="en-US" altLang="en-US" sz="2000" dirty="0">
+                <a:ea typeface="ＭＳ Ｐゴシック" panose="020B0600070205080204" pitchFamily="34" charset="-128"/>
+              </a:rPr>
+              <a:t>For example, if the integer is 352. Its ones digit is the 2, its tens digit is the 5 and </a:t>
+            </a:r>
+          </a:p>
+          <a:p>
+            <a:pPr lvl="1">
+              <a:lnSpc>
+                <a:spcPct val="90000"/>
+              </a:lnSpc>
+              <a:spcBef>
+                <a:spcPct val="0"/>
+              </a:spcBef>
+              <a:buClr>
+                <a:schemeClr val="bg1"/>
+              </a:buClr>
+              <a:buFontTx/>
+              <a:buNone/>
+            </a:pPr>
+            <a:r>
+              <a:rPr lang="en-US" altLang="en-US" sz="2000" dirty="0">
+                <a:ea typeface="ＭＳ Ｐゴシック" panose="020B0600070205080204" pitchFamily="34" charset="-128"/>
+              </a:rPr>
+              <a:t>its hundreds digit is the 3. </a:t>
+            </a:r>
+          </a:p>
+          <a:p>
+            <a:pPr lvl="1">
+              <a:lnSpc>
+                <a:spcPct val="90000"/>
+              </a:lnSpc>
+              <a:spcBef>
+                <a:spcPct val="0"/>
+              </a:spcBef>
+              <a:buClr>
+                <a:schemeClr val="bg1"/>
+              </a:buClr>
+              <a:buFontTx/>
+              <a:buNone/>
+            </a:pPr>
+            <a:endParaRPr lang="en-US" altLang="en-US" sz="2000" b="1" dirty="0">
+              <a:latin typeface="Inconsolata Medium" panose="020B0609030003000000" pitchFamily="49" charset="77"/>
+              <a:ea typeface="ＭＳ Ｐゴシック" panose="020B0600070205080204" pitchFamily="34" charset="-128"/>
+            </a:endParaRPr>
+          </a:p>
+          <a:p>
+            <a:pPr lvl="1">
+              <a:lnSpc>
+                <a:spcPct val="90000"/>
+              </a:lnSpc>
+              <a:spcBef>
+                <a:spcPct val="0"/>
+              </a:spcBef>
+              <a:buClr>
+                <a:schemeClr val="bg1"/>
+              </a:buClr>
+              <a:buFontTx/>
+              <a:buNone/>
+            </a:pPr>
+            <a:r>
+              <a:rPr lang="en-US" altLang="en-US" sz="2000" b="1" dirty="0">
+                <a:latin typeface="Inconsolata Medium" panose="020B0609030003000000" pitchFamily="49" charset="77"/>
+                <a:ea typeface="ＭＳ Ｐゴシック" panose="020B0600070205080204" pitchFamily="34" charset="-128"/>
+              </a:rPr>
+              <a:t>number = 352</a:t>
+            </a:r>
+          </a:p>
+          <a:p>
+            <a:pPr lvl="1">
+              <a:lnSpc>
+                <a:spcPct val="90000"/>
+              </a:lnSpc>
+              <a:spcBef>
+                <a:spcPct val="0"/>
+              </a:spcBef>
+              <a:buClr>
+                <a:schemeClr val="bg1"/>
+              </a:buClr>
+              <a:buFontTx/>
+              <a:buNone/>
+            </a:pPr>
+            <a:r>
+              <a:rPr lang="en-US" altLang="en-US" sz="2000" b="1" dirty="0">
+                <a:latin typeface="Inconsolata Medium" panose="020B0609030003000000" pitchFamily="49" charset="77"/>
+                <a:ea typeface="ＭＳ Ｐゴシック" panose="020B0600070205080204" pitchFamily="34" charset="-128"/>
+              </a:rPr>
+              <a:t>print("ones:", number % 10) </a:t>
+            </a:r>
+          </a:p>
+          <a:p>
+            <a:pPr lvl="1">
+              <a:lnSpc>
+                <a:spcPct val="90000"/>
+              </a:lnSpc>
+              <a:spcBef>
+                <a:spcPct val="0"/>
+              </a:spcBef>
+              <a:buClr>
+                <a:schemeClr val="bg1"/>
+              </a:buClr>
+              <a:buFontTx/>
+              <a:buNone/>
+            </a:pPr>
+            <a:r>
+              <a:rPr lang="en-US" altLang="en-US" sz="2000" b="1" dirty="0">
+                <a:latin typeface="Inconsolata Medium" panose="020B0609030003000000" pitchFamily="49" charset="77"/>
+                <a:ea typeface="ＭＳ Ｐゴシック" panose="020B0600070205080204" pitchFamily="34" charset="-128"/>
+              </a:rPr>
+              <a:t>number = number // 10</a:t>
+            </a:r>
+          </a:p>
+          <a:p>
+            <a:pPr lvl="1">
+              <a:lnSpc>
+                <a:spcPct val="90000"/>
+              </a:lnSpc>
+              <a:spcBef>
+                <a:spcPct val="0"/>
+              </a:spcBef>
+              <a:buClr>
+                <a:schemeClr val="bg1"/>
+              </a:buClr>
+              <a:buFontTx/>
+              <a:buNone/>
+            </a:pPr>
+            <a:r>
+              <a:rPr lang="en-US" altLang="en-US" sz="2000" b="1" dirty="0">
+                <a:latin typeface="Inconsolata Medium" panose="020B0609030003000000" pitchFamily="49" charset="77"/>
+                <a:ea typeface="ＭＳ Ｐゴシック" panose="020B0600070205080204" pitchFamily="34" charset="-128"/>
+              </a:rPr>
+              <a:t>print(number)</a:t>
+            </a:r>
+          </a:p>
+          <a:p>
+            <a:pPr lvl="1">
+              <a:lnSpc>
+                <a:spcPct val="90000"/>
+              </a:lnSpc>
+              <a:spcBef>
+                <a:spcPct val="0"/>
+              </a:spcBef>
+              <a:buClr>
+                <a:schemeClr val="bg1"/>
+              </a:buClr>
+              <a:buFontTx/>
+              <a:buNone/>
+            </a:pPr>
+            <a:r>
+              <a:rPr lang="en-US" altLang="en-US" sz="2000" b="1" dirty="0">
+                <a:latin typeface="Inconsolata Medium" panose="020B0609030003000000" pitchFamily="49" charset="77"/>
+                <a:ea typeface="ＭＳ Ｐゴシック" panose="020B0600070205080204" pitchFamily="34" charset="-128"/>
+              </a:rPr>
+              <a:t>print("tens:", number % 10)</a:t>
+            </a:r>
+          </a:p>
+          <a:p>
+            <a:pPr lvl="1">
+              <a:lnSpc>
+                <a:spcPct val="90000"/>
+              </a:lnSpc>
+              <a:spcBef>
+                <a:spcPct val="0"/>
+              </a:spcBef>
+              <a:buClr>
+                <a:schemeClr val="bg1"/>
+              </a:buClr>
+              <a:buFontTx/>
+              <a:buNone/>
+            </a:pPr>
+            <a:r>
+              <a:rPr lang="en-US" altLang="en-US" sz="2000" b="1" dirty="0">
+                <a:latin typeface="Inconsolata Medium" panose="020B0609030003000000" pitchFamily="49" charset="77"/>
+                <a:ea typeface="ＭＳ Ｐゴシック" panose="020B0600070205080204" pitchFamily="34" charset="-128"/>
+              </a:rPr>
+              <a:t>number = number // 10</a:t>
+            </a:r>
+          </a:p>
+          <a:p>
+            <a:pPr lvl="1">
+              <a:spcBef>
+                <a:spcPct val="0"/>
+              </a:spcBef>
+              <a:buClr>
+                <a:schemeClr val="bg1"/>
+              </a:buClr>
+              <a:buNone/>
+            </a:pPr>
+            <a:r>
+              <a:rPr lang="en-US" altLang="en-US" sz="2000" b="1" dirty="0">
+                <a:latin typeface="Inconsolata Medium" panose="020B0609030003000000" pitchFamily="49" charset="77"/>
+                <a:ea typeface="ＭＳ Ｐゴシック" panose="020B0600070205080204" pitchFamily="34" charset="-128"/>
+              </a:rPr>
+              <a:t>print(number)</a:t>
+            </a:r>
+          </a:p>
+          <a:p>
+            <a:pPr lvl="1">
+              <a:lnSpc>
+                <a:spcPct val="90000"/>
+              </a:lnSpc>
+              <a:spcBef>
+                <a:spcPct val="0"/>
+              </a:spcBef>
+              <a:buClr>
+                <a:schemeClr val="bg1"/>
+              </a:buClr>
+              <a:buFontTx/>
+              <a:buNone/>
+            </a:pPr>
+            <a:endParaRPr lang="en-US" altLang="en-US" sz="2000" dirty="0">
+              <a:ea typeface="ＭＳ Ｐゴシック" panose="020B0600070205080204" pitchFamily="34" charset="-128"/>
+            </a:endParaRPr>
+          </a:p>
+          <a:p>
+            <a:pPr lvl="1">
+              <a:lnSpc>
+                <a:spcPct val="90000"/>
+              </a:lnSpc>
+              <a:spcBef>
+                <a:spcPct val="0"/>
+              </a:spcBef>
+              <a:buClr>
+                <a:schemeClr val="bg1"/>
+              </a:buClr>
+              <a:buFontTx/>
+              <a:buNone/>
+            </a:pPr>
+            <a:endParaRPr lang="en-US" altLang="en-US" sz="2000" dirty="0">
+              <a:ea typeface="ＭＳ Ｐゴシック" panose="020B0600070205080204" pitchFamily="34" charset="-128"/>
+            </a:endParaRPr>
+          </a:p>
+          <a:p>
+            <a:pPr lvl="1">
+              <a:spcBef>
+                <a:spcPct val="0"/>
+              </a:spcBef>
+              <a:buClr>
+                <a:schemeClr val="bg1"/>
+              </a:buClr>
+              <a:buNone/>
+            </a:pPr>
+            <a:r>
+              <a:rPr lang="en-US" altLang="en-US" sz="2000" dirty="0">
+                <a:ea typeface="ＭＳ Ｐゴシック" panose="020B0600070205080204" pitchFamily="34" charset="-128"/>
+              </a:rPr>
+              <a:t>Note:  Modulo 10 (% 10) extracts the last digit. Floor division (// 10) discards the </a:t>
+            </a:r>
+          </a:p>
+          <a:p>
+            <a:pPr lvl="1">
+              <a:spcBef>
+                <a:spcPct val="0"/>
+              </a:spcBef>
+              <a:buClr>
+                <a:schemeClr val="bg1"/>
+              </a:buClr>
+              <a:buNone/>
+            </a:pPr>
+            <a:r>
+              <a:rPr lang="en-US" altLang="en-US" sz="2000" dirty="0">
+                <a:ea typeface="ＭＳ Ｐゴシック" panose="020B0600070205080204" pitchFamily="34" charset="-128"/>
+              </a:rPr>
+              <a:t>last digit. Later in another lecture, we will see how to generalize this to</a:t>
+            </a:r>
+          </a:p>
+          <a:p>
+            <a:pPr lvl="1">
+              <a:spcBef>
+                <a:spcPct val="0"/>
+              </a:spcBef>
+              <a:buClr>
+                <a:schemeClr val="bg1"/>
+              </a:buClr>
+              <a:buNone/>
+            </a:pPr>
+            <a:r>
+              <a:rPr lang="en-US" altLang="en-US" sz="2000" dirty="0">
+                <a:ea typeface="ＭＳ Ｐゴシック" panose="020B0600070205080204" pitchFamily="34" charset="-128"/>
+              </a:rPr>
+              <a:t>any number of digits.</a:t>
+            </a:r>
+          </a:p>
+          <a:p>
+            <a:pPr lvl="1">
+              <a:lnSpc>
+                <a:spcPct val="90000"/>
+              </a:lnSpc>
+              <a:spcBef>
+                <a:spcPct val="0"/>
+              </a:spcBef>
+              <a:buClr>
+                <a:schemeClr val="bg1"/>
+              </a:buClr>
+              <a:buFontTx/>
+              <a:buNone/>
+            </a:pPr>
+            <a:endParaRPr lang="en-US" altLang="en-US" dirty="0">
+              <a:ea typeface="ＭＳ Ｐゴシック" panose="020B0600070205080204" pitchFamily="34" charset="-128"/>
+            </a:endParaRPr>
+          </a:p>
+          <a:p>
+            <a:pPr lvl="1">
+              <a:lnSpc>
+                <a:spcPct val="90000"/>
+              </a:lnSpc>
+              <a:spcBef>
+                <a:spcPct val="0"/>
+              </a:spcBef>
+              <a:buClr>
+                <a:schemeClr val="bg1"/>
+              </a:buClr>
+              <a:buFontTx/>
+              <a:buNone/>
+            </a:pPr>
+            <a:endParaRPr lang="en-US" altLang="en-US" dirty="0">
+              <a:ea typeface="ＭＳ Ｐゴシック" panose="020B0600070205080204" pitchFamily="34" charset="-128"/>
+            </a:endParaRPr>
+          </a:p>
+          <a:p>
+            <a:pPr lvl="1">
+              <a:lnSpc>
+                <a:spcPct val="90000"/>
+              </a:lnSpc>
+              <a:spcBef>
+                <a:spcPct val="0"/>
+              </a:spcBef>
+              <a:buClr>
+                <a:schemeClr val="bg1"/>
+              </a:buClr>
+              <a:buFontTx/>
+              <a:buNone/>
+            </a:pPr>
+            <a:endParaRPr lang="en-US" altLang="en-US" dirty="0">
+              <a:ea typeface="ＭＳ Ｐゴシック" panose="020B0600070205080204" pitchFamily="34" charset="-128"/>
+            </a:endParaRPr>
+          </a:p>
+        </p:txBody>
+      </p:sp>
+      <p:sp>
+        <p:nvSpPr>
+          <p:cNvPr id="2" name="TextBox 1">
+            <a:extLst>
+              <a:ext uri="{FF2B5EF4-FFF2-40B4-BE49-F238E27FC236}">
+                <a16:creationId xmlns:a16="http://schemas.microsoft.com/office/drawing/2014/main" id="{600D5CB3-625D-E342-9D51-0EE03B50A663}"/>
+              </a:ext>
+            </a:extLst>
+          </p:cNvPr>
+          <p:cNvSpPr txBox="1"/>
+          <p:nvPr/>
+        </p:nvSpPr>
+        <p:spPr>
+          <a:xfrm>
+            <a:off x="4571999" y="2378003"/>
+            <a:ext cx="3101009" cy="616194"/>
+          </a:xfrm>
+          <a:prstGeom prst="rect">
+            <a:avLst/>
+          </a:prstGeom>
+          <a:noFill/>
+        </p:spPr>
+        <p:txBody>
+          <a:bodyPr wrap="square" rtlCol="0">
+            <a:spAutoFit/>
+          </a:bodyPr>
+          <a:lstStyle/>
+          <a:p>
+            <a:r>
+              <a:rPr lang="en-US" sz="2000" dirty="0">
+                <a:solidFill>
+                  <a:srgbClr val="00B050"/>
+                </a:solidFill>
+                <a:latin typeface="Gill Sans MT" panose="020B0502020104020203" pitchFamily="34" charset="77"/>
+              </a:rPr>
+              <a:t># ones: 2 </a:t>
+            </a:r>
+          </a:p>
+          <a:p>
+            <a:endParaRPr lang="en-US" dirty="0"/>
+          </a:p>
+        </p:txBody>
+      </p:sp>
+      <p:sp>
+        <p:nvSpPr>
+          <p:cNvPr id="5" name="TextBox 4">
+            <a:extLst>
+              <a:ext uri="{FF2B5EF4-FFF2-40B4-BE49-F238E27FC236}">
+                <a16:creationId xmlns:a16="http://schemas.microsoft.com/office/drawing/2014/main" id="{0E173567-B84C-454D-BAF9-EF1407796310}"/>
+              </a:ext>
+            </a:extLst>
+          </p:cNvPr>
+          <p:cNvSpPr txBox="1"/>
+          <p:nvPr/>
+        </p:nvSpPr>
+        <p:spPr>
+          <a:xfrm>
+            <a:off x="4571999" y="2619840"/>
+            <a:ext cx="3723862" cy="616194"/>
+          </a:xfrm>
+          <a:prstGeom prst="rect">
+            <a:avLst/>
+          </a:prstGeom>
+          <a:noFill/>
+        </p:spPr>
+        <p:txBody>
+          <a:bodyPr wrap="square" rtlCol="0">
+            <a:spAutoFit/>
+          </a:bodyPr>
+          <a:lstStyle/>
+          <a:p>
+            <a:r>
+              <a:rPr lang="en-US" sz="2000" dirty="0">
+                <a:solidFill>
+                  <a:srgbClr val="00B050"/>
+                </a:solidFill>
+                <a:latin typeface="Gill Sans MT" panose="020B0502020104020203" pitchFamily="34" charset="77"/>
+              </a:rPr>
+              <a:t># number = 35 (discards last digit) </a:t>
+            </a:r>
+          </a:p>
+          <a:p>
+            <a:endParaRPr lang="en-US" dirty="0"/>
+          </a:p>
+        </p:txBody>
+      </p:sp>
+      <p:sp>
+        <p:nvSpPr>
+          <p:cNvPr id="6" name="TextBox 5">
+            <a:extLst>
+              <a:ext uri="{FF2B5EF4-FFF2-40B4-BE49-F238E27FC236}">
+                <a16:creationId xmlns:a16="http://schemas.microsoft.com/office/drawing/2014/main" id="{BE5E8063-F781-3D42-B800-13B2E2534261}"/>
+              </a:ext>
+            </a:extLst>
+          </p:cNvPr>
+          <p:cNvSpPr txBox="1"/>
+          <p:nvPr/>
+        </p:nvSpPr>
+        <p:spPr>
+          <a:xfrm>
+            <a:off x="4565374" y="2905618"/>
+            <a:ext cx="3723862" cy="616194"/>
+          </a:xfrm>
+          <a:prstGeom prst="rect">
+            <a:avLst/>
+          </a:prstGeom>
+          <a:noFill/>
+        </p:spPr>
+        <p:txBody>
+          <a:bodyPr wrap="square" rtlCol="0">
+            <a:spAutoFit/>
+          </a:bodyPr>
+          <a:lstStyle/>
+          <a:p>
+            <a:r>
+              <a:rPr lang="en-US" sz="2000" dirty="0">
+                <a:solidFill>
+                  <a:srgbClr val="00B050"/>
+                </a:solidFill>
+                <a:latin typeface="Gill Sans MT" panose="020B0502020104020203" pitchFamily="34" charset="77"/>
+              </a:rPr>
+              <a:t># 35 </a:t>
+            </a:r>
+          </a:p>
+          <a:p>
+            <a:endParaRPr lang="en-US" dirty="0"/>
+          </a:p>
+        </p:txBody>
+      </p:sp>
+      <p:sp>
+        <p:nvSpPr>
+          <p:cNvPr id="7" name="TextBox 6">
+            <a:extLst>
+              <a:ext uri="{FF2B5EF4-FFF2-40B4-BE49-F238E27FC236}">
+                <a16:creationId xmlns:a16="http://schemas.microsoft.com/office/drawing/2014/main" id="{C3540662-C43E-CF41-97AB-6AE0B3E757AD}"/>
+              </a:ext>
+            </a:extLst>
+          </p:cNvPr>
+          <p:cNvSpPr txBox="1"/>
+          <p:nvPr/>
+        </p:nvSpPr>
+        <p:spPr>
+          <a:xfrm>
+            <a:off x="4558749" y="3213715"/>
+            <a:ext cx="3723862" cy="616194"/>
+          </a:xfrm>
+          <a:prstGeom prst="rect">
+            <a:avLst/>
+          </a:prstGeom>
+          <a:noFill/>
+        </p:spPr>
+        <p:txBody>
+          <a:bodyPr wrap="square" rtlCol="0">
+            <a:spAutoFit/>
+          </a:bodyPr>
+          <a:lstStyle/>
+          <a:p>
+            <a:r>
+              <a:rPr lang="en-US" sz="2000" dirty="0">
+                <a:solidFill>
+                  <a:srgbClr val="00B050"/>
+                </a:solidFill>
+                <a:latin typeface="Gill Sans MT" panose="020B0502020104020203" pitchFamily="34" charset="77"/>
+              </a:rPr>
+              <a:t># tens: 5 </a:t>
+            </a:r>
+          </a:p>
+          <a:p>
+            <a:endParaRPr lang="en-US" dirty="0"/>
+          </a:p>
+        </p:txBody>
+      </p:sp>
+      <p:sp>
+        <p:nvSpPr>
+          <p:cNvPr id="8" name="TextBox 7">
+            <a:extLst>
+              <a:ext uri="{FF2B5EF4-FFF2-40B4-BE49-F238E27FC236}">
+                <a16:creationId xmlns:a16="http://schemas.microsoft.com/office/drawing/2014/main" id="{013C43CA-42BE-F548-8077-CF3234BD4B20}"/>
+              </a:ext>
+            </a:extLst>
+          </p:cNvPr>
+          <p:cNvSpPr txBox="1"/>
+          <p:nvPr/>
+        </p:nvSpPr>
+        <p:spPr>
+          <a:xfrm>
+            <a:off x="4538873" y="3521844"/>
+            <a:ext cx="3723862" cy="616194"/>
+          </a:xfrm>
+          <a:prstGeom prst="rect">
+            <a:avLst/>
+          </a:prstGeom>
+          <a:noFill/>
+        </p:spPr>
+        <p:txBody>
+          <a:bodyPr wrap="square" rtlCol="0">
+            <a:spAutoFit/>
+          </a:bodyPr>
+          <a:lstStyle/>
+          <a:p>
+            <a:r>
+              <a:rPr lang="en-US" sz="2000" dirty="0">
+                <a:solidFill>
+                  <a:srgbClr val="00B050"/>
+                </a:solidFill>
+                <a:latin typeface="Gill Sans MT" panose="020B0502020104020203" pitchFamily="34" charset="77"/>
+              </a:rPr>
+              <a:t># number = 3 (discards last digit) </a:t>
+            </a:r>
+          </a:p>
+          <a:p>
+            <a:endParaRPr lang="en-US" dirty="0"/>
+          </a:p>
+        </p:txBody>
+      </p:sp>
+      <p:sp>
+        <p:nvSpPr>
+          <p:cNvPr id="9" name="TextBox 8">
+            <a:extLst>
+              <a:ext uri="{FF2B5EF4-FFF2-40B4-BE49-F238E27FC236}">
+                <a16:creationId xmlns:a16="http://schemas.microsoft.com/office/drawing/2014/main" id="{95934F45-DC5A-0544-9C2F-A9E2BDC9C68F}"/>
+              </a:ext>
+            </a:extLst>
+          </p:cNvPr>
+          <p:cNvSpPr txBox="1"/>
+          <p:nvPr/>
+        </p:nvSpPr>
+        <p:spPr>
+          <a:xfrm>
+            <a:off x="4565374" y="3807590"/>
+            <a:ext cx="3723862" cy="616194"/>
+          </a:xfrm>
+          <a:prstGeom prst="rect">
+            <a:avLst/>
+          </a:prstGeom>
+          <a:noFill/>
+        </p:spPr>
+        <p:txBody>
+          <a:bodyPr wrap="square" rtlCol="0">
+            <a:spAutoFit/>
+          </a:bodyPr>
+          <a:lstStyle/>
+          <a:p>
+            <a:r>
+              <a:rPr lang="en-US" sz="2000" dirty="0">
+                <a:solidFill>
+                  <a:srgbClr val="00B050"/>
+                </a:solidFill>
+                <a:latin typeface="Gill Sans MT" panose="020B0502020104020203" pitchFamily="34" charset="77"/>
+              </a:rPr>
+              <a:t># 3 </a:t>
+            </a:r>
+          </a:p>
+          <a:p>
+            <a:endParaRPr lang="en-US" dirty="0"/>
+          </a:p>
+        </p:txBody>
+      </p:sp>
+    </p:spTree>
+    <p:extLst>
+      <p:ext uri="{BB962C8B-B14F-4D97-AF65-F5344CB8AC3E}">
+        <p14:creationId xmlns:p14="http://schemas.microsoft.com/office/powerpoint/2010/main" val="3419791525"/>
+      </p:ext>
+    </p:extLst>
+  </p:cSld>
+  <p:clrMapOvr>
+    <a:masterClrMapping/>
+  </p:clrMapOvr>
+  <p:transition/>
+  <p:timing>
+    <p:tnLst>
+      <p:par>
+        <p:cTn id="1" dur="indefinite" restart="never" nodeType="tmRoot">
+          <p:childTnLst>
+            <p:seq concurrent="1" nextAc="seek">
+              <p:cTn id="2" dur="indefinite" nodeType="mainSeq">
+                <p:childTnLst>
+                  <p:par>
+                    <p:cTn id="3" fill="hold">
+                      <p:stCondLst>
+                        <p:cond delay="indefinite"/>
+                      </p:stCondLst>
+                      <p:childTnLst>
+                        <p:par>
+                          <p:cTn id="4" fill="hold">
+                            <p:stCondLst>
+                              <p:cond delay="0"/>
+                            </p:stCondLst>
+                            <p:childTnLst>
+                              <p:par>
+                                <p:cTn id="5" presetID="1" presetClass="entr" presetSubtype="0" fill="hold" nodeType="clickEffect">
+                                  <p:stCondLst>
+                                    <p:cond delay="0"/>
+                                  </p:stCondLst>
+                                  <p:childTnLst>
+                                    <p:set>
+                                      <p:cBhvr>
+                                        <p:cTn id="6" dur="1" fill="hold">
+                                          <p:stCondLst>
+                                            <p:cond delay="0"/>
+                                          </p:stCondLst>
+                                        </p:cTn>
+                                        <p:tgtEl>
+                                          <p:spTgt spid="6147">
+                                            <p:txEl>
+                                              <p:pRg st="5" end="5"/>
+                                            </p:txEl>
+                                          </p:spTgt>
+                                        </p:tgtEl>
+                                        <p:attrNameLst>
+                                          <p:attrName>style.visibility</p:attrName>
+                                        </p:attrNameLst>
+                                      </p:cBhvr>
+                                      <p:to>
+                                        <p:strVal val="visible"/>
+                                      </p:to>
+                                    </p:set>
+                                  </p:childTnLst>
+                                </p:cTn>
+                              </p:par>
+                            </p:childTnLst>
+                          </p:cTn>
+                        </p:par>
+                      </p:childTnLst>
+                    </p:cTn>
+                  </p:par>
+                  <p:par>
+                    <p:cTn id="7" fill="hold">
+                      <p:stCondLst>
+                        <p:cond delay="indefinite"/>
+                      </p:stCondLst>
+                      <p:childTnLst>
+                        <p:par>
+                          <p:cTn id="8" fill="hold">
+                            <p:stCondLst>
+                              <p:cond delay="0"/>
+                            </p:stCondLst>
+                            <p:childTnLst>
+                              <p:par>
+                                <p:cTn id="9" presetID="1" presetClass="entr" presetSubtype="0" fill="hold" nodeType="clickEffect">
+                                  <p:stCondLst>
+                                    <p:cond delay="0"/>
+                                  </p:stCondLst>
+                                  <p:childTnLst>
+                                    <p:set>
+                                      <p:cBhvr>
+                                        <p:cTn id="10" dur="1" fill="hold">
+                                          <p:stCondLst>
+                                            <p:cond delay="0"/>
+                                          </p:stCondLst>
+                                        </p:cTn>
+                                        <p:tgtEl>
+                                          <p:spTgt spid="6147">
+                                            <p:txEl>
+                                              <p:pRg st="6" end="6"/>
+                                            </p:txEl>
+                                          </p:spTgt>
+                                        </p:tgtEl>
+                                        <p:attrNameLst>
+                                          <p:attrName>style.visibility</p:attrName>
+                                        </p:attrNameLst>
+                                      </p:cBhvr>
+                                      <p:to>
+                                        <p:strVal val="visible"/>
+                                      </p:to>
+                                    </p:set>
+                                  </p:childTnLst>
+                                </p:cTn>
+                              </p:par>
+                            </p:childTnLst>
+                          </p:cTn>
+                        </p:par>
+                      </p:childTnLst>
+                    </p:cTn>
+                  </p:par>
+                  <p:par>
+                    <p:cTn id="11" fill="hold">
+                      <p:stCondLst>
+                        <p:cond delay="indefinite"/>
+                      </p:stCondLst>
+                      <p:childTnLst>
+                        <p:par>
+                          <p:cTn id="12" fill="hold">
+                            <p:stCondLst>
+                              <p:cond delay="0"/>
+                            </p:stCondLst>
+                            <p:childTnLst>
+                              <p:par>
+                                <p:cTn id="13" presetID="1" presetClass="entr" presetSubtype="0" fill="hold" grpId="0" nodeType="clickEffect">
+                                  <p:stCondLst>
+                                    <p:cond delay="0"/>
+                                  </p:stCondLst>
+                                  <p:childTnLst>
+                                    <p:set>
+                                      <p:cBhvr>
+                                        <p:cTn id="14" dur="1" fill="hold">
+                                          <p:stCondLst>
+                                            <p:cond delay="0"/>
+                                          </p:stCondLst>
+                                        </p:cTn>
+                                        <p:tgtEl>
+                                          <p:spTgt spid="2"/>
+                                        </p:tgtEl>
+                                        <p:attrNameLst>
+                                          <p:attrName>style.visibility</p:attrName>
+                                        </p:attrNameLst>
+                                      </p:cBhvr>
+                                      <p:to>
+                                        <p:strVal val="visible"/>
+                                      </p:to>
+                                    </p:set>
+                                  </p:childTnLst>
+                                </p:cTn>
+                              </p:par>
+                            </p:childTnLst>
+                          </p:cTn>
+                        </p:par>
+                      </p:childTnLst>
+                    </p:cTn>
+                  </p:par>
+                  <p:par>
+                    <p:cTn id="15" fill="hold">
+                      <p:stCondLst>
+                        <p:cond delay="indefinite"/>
+                      </p:stCondLst>
+                      <p:childTnLst>
+                        <p:par>
+                          <p:cTn id="16" fill="hold">
+                            <p:stCondLst>
+                              <p:cond delay="0"/>
+                            </p:stCondLst>
+                            <p:childTnLst>
+                              <p:par>
+                                <p:cTn id="17" presetID="1" presetClass="entr" presetSubtype="0" fill="hold" nodeType="clickEffect">
+                                  <p:stCondLst>
+                                    <p:cond delay="0"/>
+                                  </p:stCondLst>
+                                  <p:childTnLst>
+                                    <p:set>
+                                      <p:cBhvr>
+                                        <p:cTn id="18" dur="1" fill="hold">
+                                          <p:stCondLst>
+                                            <p:cond delay="0"/>
+                                          </p:stCondLst>
+                                        </p:cTn>
+                                        <p:tgtEl>
+                                          <p:spTgt spid="6147">
+                                            <p:txEl>
+                                              <p:pRg st="7" end="7"/>
+                                            </p:txEl>
+                                          </p:spTgt>
+                                        </p:tgtEl>
+                                        <p:attrNameLst>
+                                          <p:attrName>style.visibility</p:attrName>
+                                        </p:attrNameLst>
+                                      </p:cBhvr>
+                                      <p:to>
+                                        <p:strVal val="visible"/>
+                                      </p:to>
+                                    </p:set>
+                                  </p:childTnLst>
+                                </p:cTn>
+                              </p:par>
+                            </p:childTnLst>
+                          </p:cTn>
+                        </p:par>
+                      </p:childTnLst>
+                    </p:cTn>
+                  </p:par>
+                  <p:par>
+                    <p:cTn id="19" fill="hold">
+                      <p:stCondLst>
+                        <p:cond delay="indefinite"/>
+                      </p:stCondLst>
+                      <p:childTnLst>
+                        <p:par>
+                          <p:cTn id="20" fill="hold">
+                            <p:stCondLst>
+                              <p:cond delay="0"/>
+                            </p:stCondLst>
+                            <p:childTnLst>
+                              <p:par>
+                                <p:cTn id="21" presetID="1" presetClass="entr" presetSubtype="0" fill="hold" nodeType="clickEffect">
+                                  <p:stCondLst>
+                                    <p:cond delay="0"/>
+                                  </p:stCondLst>
+                                  <p:childTnLst>
+                                    <p:set>
+                                      <p:cBhvr>
+                                        <p:cTn id="22" dur="1" fill="hold">
+                                          <p:stCondLst>
+                                            <p:cond delay="0"/>
+                                          </p:stCondLst>
+                                        </p:cTn>
+                                        <p:tgtEl>
+                                          <p:spTgt spid="5">
+                                            <p:txEl>
+                                              <p:pRg st="0" end="0"/>
+                                            </p:txEl>
+                                          </p:spTgt>
+                                        </p:tgtEl>
+                                        <p:attrNameLst>
+                                          <p:attrName>style.visibility</p:attrName>
+                                        </p:attrNameLst>
+                                      </p:cBhvr>
+                                      <p:to>
+                                        <p:strVal val="visible"/>
+                                      </p:to>
+                                    </p:set>
+                                  </p:childTnLst>
+                                </p:cTn>
+                              </p:par>
+                            </p:childTnLst>
+                          </p:cTn>
+                        </p:par>
+                      </p:childTnLst>
+                    </p:cTn>
+                  </p:par>
+                  <p:par>
+                    <p:cTn id="23" fill="hold">
+                      <p:stCondLst>
+                        <p:cond delay="indefinite"/>
+                      </p:stCondLst>
+                      <p:childTnLst>
+                        <p:par>
+                          <p:cTn id="24" fill="hold">
+                            <p:stCondLst>
+                              <p:cond delay="0"/>
+                            </p:stCondLst>
+                            <p:childTnLst>
+                              <p:par>
+                                <p:cTn id="25" presetID="1" presetClass="entr" presetSubtype="0" fill="hold" nodeType="clickEffect">
+                                  <p:stCondLst>
+                                    <p:cond delay="0"/>
+                                  </p:stCondLst>
+                                  <p:childTnLst>
+                                    <p:set>
+                                      <p:cBhvr>
+                                        <p:cTn id="26" dur="1" fill="hold">
+                                          <p:stCondLst>
+                                            <p:cond delay="0"/>
+                                          </p:stCondLst>
+                                        </p:cTn>
+                                        <p:tgtEl>
+                                          <p:spTgt spid="6147">
+                                            <p:txEl>
+                                              <p:pRg st="8" end="8"/>
+                                            </p:txEl>
+                                          </p:spTgt>
+                                        </p:tgtEl>
+                                        <p:attrNameLst>
+                                          <p:attrName>style.visibility</p:attrName>
+                                        </p:attrNameLst>
+                                      </p:cBhvr>
+                                      <p:to>
+                                        <p:strVal val="visible"/>
+                                      </p:to>
+                                    </p:set>
+                                  </p:childTnLst>
+                                </p:cTn>
+                              </p:par>
+                            </p:childTnLst>
+                          </p:cTn>
+                        </p:par>
+                      </p:childTnLst>
+                    </p:cTn>
+                  </p:par>
+                  <p:par>
+                    <p:cTn id="27" fill="hold">
+                      <p:stCondLst>
+                        <p:cond delay="indefinite"/>
+                      </p:stCondLst>
+                      <p:childTnLst>
+                        <p:par>
+                          <p:cTn id="28" fill="hold">
+                            <p:stCondLst>
+                              <p:cond delay="0"/>
+                            </p:stCondLst>
+                            <p:childTnLst>
+                              <p:par>
+                                <p:cTn id="29" presetID="1" presetClass="entr" presetSubtype="0" fill="hold" grpId="0" nodeType="clickEffect">
+                                  <p:stCondLst>
+                                    <p:cond delay="0"/>
+                                  </p:stCondLst>
+                                  <p:childTnLst>
+                                    <p:set>
+                                      <p:cBhvr>
+                                        <p:cTn id="30" dur="1" fill="hold">
+                                          <p:stCondLst>
+                                            <p:cond delay="0"/>
+                                          </p:stCondLst>
+                                        </p:cTn>
+                                        <p:tgtEl>
+                                          <p:spTgt spid="6"/>
+                                        </p:tgtEl>
+                                        <p:attrNameLst>
+                                          <p:attrName>style.visibility</p:attrName>
+                                        </p:attrNameLst>
+                                      </p:cBhvr>
+                                      <p:to>
+                                        <p:strVal val="visible"/>
+                                      </p:to>
+                                    </p:set>
+                                  </p:childTnLst>
+                                </p:cTn>
+                              </p:par>
+                            </p:childTnLst>
+                          </p:cTn>
+                        </p:par>
+                      </p:childTnLst>
+                    </p:cTn>
+                  </p:par>
+                  <p:par>
+                    <p:cTn id="31" fill="hold">
+                      <p:stCondLst>
+                        <p:cond delay="indefinite"/>
+                      </p:stCondLst>
+                      <p:childTnLst>
+                        <p:par>
+                          <p:cTn id="32" fill="hold">
+                            <p:stCondLst>
+                              <p:cond delay="0"/>
+                            </p:stCondLst>
+                            <p:childTnLst>
+                              <p:par>
+                                <p:cTn id="33" presetID="1" presetClass="entr" presetSubtype="0" fill="hold" nodeType="clickEffect">
+                                  <p:stCondLst>
+                                    <p:cond delay="0"/>
+                                  </p:stCondLst>
+                                  <p:childTnLst>
+                                    <p:set>
+                                      <p:cBhvr>
+                                        <p:cTn id="34" dur="1" fill="hold">
+                                          <p:stCondLst>
+                                            <p:cond delay="0"/>
+                                          </p:stCondLst>
+                                        </p:cTn>
+                                        <p:tgtEl>
+                                          <p:spTgt spid="6147">
+                                            <p:txEl>
+                                              <p:pRg st="9" end="9"/>
+                                            </p:txEl>
+                                          </p:spTgt>
+                                        </p:tgtEl>
+                                        <p:attrNameLst>
+                                          <p:attrName>style.visibility</p:attrName>
+                                        </p:attrNameLst>
+                                      </p:cBhvr>
+                                      <p:to>
+                                        <p:strVal val="visible"/>
+                                      </p:to>
+                                    </p:set>
+                                  </p:childTnLst>
+                                </p:cTn>
+                              </p:par>
+                            </p:childTnLst>
+                          </p:cTn>
+                        </p:par>
+                      </p:childTnLst>
+                    </p:cTn>
+                  </p:par>
+                  <p:par>
+                    <p:cTn id="35" fill="hold">
+                      <p:stCondLst>
+                        <p:cond delay="indefinite"/>
+                      </p:stCondLst>
+                      <p:childTnLst>
+                        <p:par>
+                          <p:cTn id="36" fill="hold">
+                            <p:stCondLst>
+                              <p:cond delay="0"/>
+                            </p:stCondLst>
+                            <p:childTnLst>
+                              <p:par>
+                                <p:cTn id="37" presetID="1" presetClass="entr" presetSubtype="0" fill="hold" nodeType="clickEffect">
+                                  <p:stCondLst>
+                                    <p:cond delay="0"/>
+                                  </p:stCondLst>
+                                  <p:childTnLst>
+                                    <p:set>
+                                      <p:cBhvr>
+                                        <p:cTn id="38" dur="1" fill="hold">
+                                          <p:stCondLst>
+                                            <p:cond delay="0"/>
+                                          </p:stCondLst>
+                                        </p:cTn>
+                                        <p:tgtEl>
+                                          <p:spTgt spid="7">
+                                            <p:txEl>
+                                              <p:pRg st="0" end="0"/>
+                                            </p:txEl>
+                                          </p:spTgt>
+                                        </p:tgtEl>
+                                        <p:attrNameLst>
+                                          <p:attrName>style.visibility</p:attrName>
+                                        </p:attrNameLst>
+                                      </p:cBhvr>
+                                      <p:to>
+                                        <p:strVal val="visible"/>
+                                      </p:to>
+                                    </p:set>
+                                  </p:childTnLst>
+                                </p:cTn>
+                              </p:par>
+                            </p:childTnLst>
+                          </p:cTn>
+                        </p:par>
+                      </p:childTnLst>
+                    </p:cTn>
+                  </p:par>
+                  <p:par>
+                    <p:cTn id="39" fill="hold">
+                      <p:stCondLst>
+                        <p:cond delay="indefinite"/>
+                      </p:stCondLst>
+                      <p:childTnLst>
+                        <p:par>
+                          <p:cTn id="40" fill="hold">
+                            <p:stCondLst>
+                              <p:cond delay="0"/>
+                            </p:stCondLst>
+                            <p:childTnLst>
+                              <p:par>
+                                <p:cTn id="41" presetID="1" presetClass="entr" presetSubtype="0" fill="hold" nodeType="clickEffect">
+                                  <p:stCondLst>
+                                    <p:cond delay="0"/>
+                                  </p:stCondLst>
+                                  <p:childTnLst>
+                                    <p:set>
+                                      <p:cBhvr>
+                                        <p:cTn id="42" dur="1" fill="hold">
+                                          <p:stCondLst>
+                                            <p:cond delay="0"/>
+                                          </p:stCondLst>
+                                        </p:cTn>
+                                        <p:tgtEl>
+                                          <p:spTgt spid="6147">
+                                            <p:txEl>
+                                              <p:pRg st="10" end="10"/>
+                                            </p:txEl>
+                                          </p:spTgt>
+                                        </p:tgtEl>
+                                        <p:attrNameLst>
+                                          <p:attrName>style.visibility</p:attrName>
+                                        </p:attrNameLst>
+                                      </p:cBhvr>
+                                      <p:to>
+                                        <p:strVal val="visible"/>
+                                      </p:to>
+                                    </p:set>
+                                  </p:childTnLst>
+                                </p:cTn>
+                              </p:par>
+                            </p:childTnLst>
+                          </p:cTn>
+                        </p:par>
+                      </p:childTnLst>
+                    </p:cTn>
+                  </p:par>
+                  <p:par>
+                    <p:cTn id="43" fill="hold">
+                      <p:stCondLst>
+                        <p:cond delay="indefinite"/>
+                      </p:stCondLst>
+                      <p:childTnLst>
+                        <p:par>
+                          <p:cTn id="44" fill="hold">
+                            <p:stCondLst>
+                              <p:cond delay="0"/>
+                            </p:stCondLst>
+                            <p:childTnLst>
+                              <p:par>
+                                <p:cTn id="45" presetID="1" presetClass="entr" presetSubtype="0" fill="hold" nodeType="clickEffect">
+                                  <p:stCondLst>
+                                    <p:cond delay="0"/>
+                                  </p:stCondLst>
+                                  <p:childTnLst>
+                                    <p:set>
+                                      <p:cBhvr>
+                                        <p:cTn id="46" dur="1" fill="hold">
+                                          <p:stCondLst>
+                                            <p:cond delay="0"/>
+                                          </p:stCondLst>
+                                        </p:cTn>
+                                        <p:tgtEl>
+                                          <p:spTgt spid="8">
+                                            <p:txEl>
+                                              <p:pRg st="0" end="0"/>
+                                            </p:txEl>
+                                          </p:spTgt>
+                                        </p:tgtEl>
+                                        <p:attrNameLst>
+                                          <p:attrName>style.visibility</p:attrName>
+                                        </p:attrNameLst>
+                                      </p:cBhvr>
+                                      <p:to>
+                                        <p:strVal val="visible"/>
+                                      </p:to>
+                                    </p:set>
+                                  </p:childTnLst>
+                                </p:cTn>
+                              </p:par>
+                            </p:childTnLst>
+                          </p:cTn>
+                        </p:par>
+                      </p:childTnLst>
+                    </p:cTn>
+                  </p:par>
+                  <p:par>
+                    <p:cTn id="47" fill="hold">
+                      <p:stCondLst>
+                        <p:cond delay="indefinite"/>
+                      </p:stCondLst>
+                      <p:childTnLst>
+                        <p:par>
+                          <p:cTn id="48" fill="hold">
+                            <p:stCondLst>
+                              <p:cond delay="0"/>
+                            </p:stCondLst>
+                            <p:childTnLst>
+                              <p:par>
+                                <p:cTn id="49" presetID="1" presetClass="entr" presetSubtype="0" fill="hold" nodeType="clickEffect">
+                                  <p:stCondLst>
+                                    <p:cond delay="0"/>
+                                  </p:stCondLst>
+                                  <p:childTnLst>
+                                    <p:set>
+                                      <p:cBhvr>
+                                        <p:cTn id="50" dur="1" fill="hold">
+                                          <p:stCondLst>
+                                            <p:cond delay="0"/>
+                                          </p:stCondLst>
+                                        </p:cTn>
+                                        <p:tgtEl>
+                                          <p:spTgt spid="6147">
+                                            <p:txEl>
+                                              <p:pRg st="11" end="11"/>
+                                            </p:txEl>
+                                          </p:spTgt>
+                                        </p:tgtEl>
+                                        <p:attrNameLst>
+                                          <p:attrName>style.visibility</p:attrName>
+                                        </p:attrNameLst>
+                                      </p:cBhvr>
+                                      <p:to>
+                                        <p:strVal val="visible"/>
+                                      </p:to>
+                                    </p:set>
+                                  </p:childTnLst>
+                                </p:cTn>
+                              </p:par>
+                            </p:childTnLst>
+                          </p:cTn>
+                        </p:par>
+                      </p:childTnLst>
+                    </p:cTn>
+                  </p:par>
+                  <p:par>
+                    <p:cTn id="51" fill="hold">
+                      <p:stCondLst>
+                        <p:cond delay="indefinite"/>
+                      </p:stCondLst>
+                      <p:childTnLst>
+                        <p:par>
+                          <p:cTn id="52" fill="hold">
+                            <p:stCondLst>
+                              <p:cond delay="0"/>
+                            </p:stCondLst>
+                            <p:childTnLst>
+                              <p:par>
+                                <p:cTn id="53" presetID="1" presetClass="entr" presetSubtype="0" fill="hold" nodeType="clickEffect">
+                                  <p:stCondLst>
+                                    <p:cond delay="0"/>
+                                  </p:stCondLst>
+                                  <p:childTnLst>
+                                    <p:set>
+                                      <p:cBhvr>
+                                        <p:cTn id="54" dur="1" fill="hold">
+                                          <p:stCondLst>
+                                            <p:cond delay="0"/>
+                                          </p:stCondLst>
+                                        </p:cTn>
+                                        <p:tgtEl>
+                                          <p:spTgt spid="9">
+                                            <p:txEl>
+                                              <p:pRg st="0" end="0"/>
+                                            </p:txEl>
+                                          </p:spTgt>
+                                        </p:tgtEl>
+                                        <p:attrNameLst>
+                                          <p:attrName>style.visibility</p:attrName>
+                                        </p:attrNameLst>
+                                      </p:cBhvr>
+                                      <p:to>
+                                        <p:strVal val="visible"/>
+                                      </p:to>
+                                    </p:set>
+                                  </p:childTnLst>
+                                </p:cTn>
+                              </p:par>
+                            </p:childTnLst>
+                          </p:cTn>
+                        </p:par>
+                      </p:childTnLst>
+                    </p:cTn>
+                  </p:par>
+                  <p:par>
+                    <p:cTn id="55" fill="hold">
+                      <p:stCondLst>
+                        <p:cond delay="indefinite"/>
+                      </p:stCondLst>
+                      <p:childTnLst>
+                        <p:par>
+                          <p:cTn id="56" fill="hold">
+                            <p:stCondLst>
+                              <p:cond delay="0"/>
+                            </p:stCondLst>
+                            <p:childTnLst>
+                              <p:par>
+                                <p:cTn id="57" presetID="1" presetClass="entr" presetSubtype="0" fill="hold" nodeType="clickEffect">
+                                  <p:stCondLst>
+                                    <p:cond delay="0"/>
+                                  </p:stCondLst>
+                                  <p:childTnLst>
+                                    <p:set>
+                                      <p:cBhvr>
+                                        <p:cTn id="58" dur="1" fill="hold">
+                                          <p:stCondLst>
+                                            <p:cond delay="0"/>
+                                          </p:stCondLst>
+                                        </p:cTn>
+                                        <p:tgtEl>
+                                          <p:spTgt spid="6147">
+                                            <p:txEl>
+                                              <p:pRg st="14" end="14"/>
+                                            </p:txEl>
+                                          </p:spTgt>
+                                        </p:tgtEl>
+                                        <p:attrNameLst>
+                                          <p:attrName>style.visibility</p:attrName>
+                                        </p:attrNameLst>
+                                      </p:cBhvr>
+                                      <p:to>
+                                        <p:strVal val="visible"/>
+                                      </p:to>
+                                    </p:set>
+                                  </p:childTnLst>
+                                </p:cTn>
+                              </p:par>
+                              <p:par>
+                                <p:cTn id="59" presetID="1" presetClass="entr" presetSubtype="0" fill="hold" nodeType="withEffect">
+                                  <p:stCondLst>
+                                    <p:cond delay="0"/>
+                                  </p:stCondLst>
+                                  <p:childTnLst>
+                                    <p:set>
+                                      <p:cBhvr>
+                                        <p:cTn id="60" dur="1" fill="hold">
+                                          <p:stCondLst>
+                                            <p:cond delay="0"/>
+                                          </p:stCondLst>
+                                        </p:cTn>
+                                        <p:tgtEl>
+                                          <p:spTgt spid="6147">
+                                            <p:txEl>
+                                              <p:pRg st="15" end="15"/>
+                                            </p:txEl>
+                                          </p:spTgt>
+                                        </p:tgtEl>
+                                        <p:attrNameLst>
+                                          <p:attrName>style.visibility</p:attrName>
+                                        </p:attrNameLst>
+                                      </p:cBhvr>
+                                      <p:to>
+                                        <p:strVal val="visible"/>
+                                      </p:to>
+                                    </p:set>
+                                  </p:childTnLst>
+                                </p:cTn>
+                              </p:par>
+                              <p:par>
+                                <p:cTn id="61" presetID="1" presetClass="entr" presetSubtype="0" fill="hold" nodeType="withEffect">
+                                  <p:stCondLst>
+                                    <p:cond delay="0"/>
+                                  </p:stCondLst>
+                                  <p:childTnLst>
+                                    <p:set>
+                                      <p:cBhvr>
+                                        <p:cTn id="62" dur="1" fill="hold">
+                                          <p:stCondLst>
+                                            <p:cond delay="0"/>
+                                          </p:stCondLst>
+                                        </p:cTn>
+                                        <p:tgtEl>
+                                          <p:spTgt spid="6147">
+                                            <p:txEl>
+                                              <p:pRg st="16" end="16"/>
+                                            </p:txEl>
+                                          </p:spTgt>
+                                        </p:tgtEl>
+                                        <p:attrNameLst>
+                                          <p:attrName>style.visibility</p:attrName>
+                                        </p:attrNameLst>
+                                      </p:cBhvr>
+                                      <p:to>
+                                        <p:strVal val="visible"/>
+                                      </p:to>
+                                    </p:set>
+                                  </p:childTnLst>
+                                </p:cTn>
+                              </p:par>
+                            </p:childTnLst>
+                          </p:cTn>
+                        </p:par>
+                      </p:childTnLst>
+                    </p:cTn>
+                  </p:par>
+                </p:childTnLst>
+              </p:cTn>
+              <p:prevCondLst>
+                <p:cond evt="onPrev" delay="0">
+                  <p:tgtEl>
+                    <p:sldTgt/>
+                  </p:tgtEl>
+                </p:cond>
+              </p:prevCondLst>
+              <p:nextCondLst>
+                <p:cond evt="onNext" delay="0">
+                  <p:tgtEl>
+                    <p:sldTgt/>
+                  </p:tgtEl>
+                </p:cond>
+              </p:nextCondLst>
+            </p:seq>
+          </p:childTnLst>
+        </p:cTn>
+      </p:par>
+    </p:tnLst>
+    <p:bldLst>
+      <p:bldP spid="2" grpId="0"/>
+      <p:bldP spid="6" grpId="0"/>
+    </p:bldLst>
+  </p:timing>
+</p:sld>
+</file>
+
+<file path=ppt/slides/slide12.xml><?xml version="1.0" encoding="utf-8"?>
+<p:sld xmlns:a="http://schemas.openxmlformats.org/drawingml/2006/main" xmlns:r="http://schemas.openxmlformats.org/officeDocument/2006/relationships" xmlns:p="http://schemas.openxmlformats.org/presentationml/2006/main">
+  <p:cSld>
+    <p:spTree>
+      <p:nvGrpSpPr>
+        <p:cNvPr id="1" name=""/>
+        <p:cNvGrpSpPr/>
+        <p:nvPr/>
+      </p:nvGrpSpPr>
+      <p:grpSpPr>
+        <a:xfrm>
+          <a:off x="0" y="0"/>
+          <a:ext cx="0" cy="0"/>
+          <a:chOff x="0" y="0"/>
+          <a:chExt cx="0" cy="0"/>
+        </a:xfrm>
+      </p:grpSpPr>
+      <p:sp>
+        <p:nvSpPr>
+          <p:cNvPr id="6146" name="Rectangle 2">
+            <a:extLst>
+              <a:ext uri="{FF2B5EF4-FFF2-40B4-BE49-F238E27FC236}">
+                <a16:creationId xmlns:a16="http://schemas.microsoft.com/office/drawing/2014/main" id="{5853A8E3-2F89-8B46-BE50-89DDA81236A6}"/>
+              </a:ext>
+            </a:extLst>
+          </p:cNvPr>
+          <p:cNvSpPr>
+            <a:spLocks noGrp="1" noChangeArrowheads="1"/>
+          </p:cNvSpPr>
+          <p:nvPr>
+            <p:ph type="title" idx="4294967295"/>
+          </p:nvPr>
+        </p:nvSpPr>
+        <p:spPr>
+          <a:xfrm>
+            <a:off x="422413" y="107254"/>
+            <a:ext cx="7886700" cy="693290"/>
+          </a:xfrm>
+        </p:spPr>
+        <p:txBody>
+          <a:bodyPr vert="horz" lIns="0" tIns="45720" rIns="0" bIns="0" rtlCol="0" anchor="b">
+            <a:normAutofit/>
+          </a:bodyPr>
+          <a:lstStyle/>
+          <a:p>
+            <a:pPr eaLnBrk="1" hangingPunct="1">
+              <a:defRPr/>
+            </a:pPr>
+            <a:r>
+              <a:rPr lang="en-US" dirty="0">
+                <a:cs typeface="+mj-cs"/>
+              </a:rPr>
+              <a:t>Extracting Digits</a:t>
+            </a:r>
+          </a:p>
+        </p:txBody>
+      </p:sp>
+      <p:sp>
+        <p:nvSpPr>
+          <p:cNvPr id="6147" name="Rectangle 4">
+            <a:extLst>
+              <a:ext uri="{FF2B5EF4-FFF2-40B4-BE49-F238E27FC236}">
+                <a16:creationId xmlns:a16="http://schemas.microsoft.com/office/drawing/2014/main" id="{B9719AA9-1210-AD44-92F4-7B8E508762A1}"/>
+              </a:ext>
+            </a:extLst>
+          </p:cNvPr>
+          <p:cNvSpPr>
+            <a:spLocks noGrp="1" noChangeArrowheads="1"/>
+          </p:cNvSpPr>
+          <p:nvPr>
+            <p:ph idx="4294967295"/>
+          </p:nvPr>
+        </p:nvSpPr>
+        <p:spPr>
+          <a:xfrm>
+            <a:off x="238539" y="800545"/>
+            <a:ext cx="8905461" cy="4706598"/>
+          </a:xfrm>
+        </p:spPr>
+        <p:txBody>
+          <a:bodyPr/>
+          <a:lstStyle/>
+          <a:p>
+            <a:pPr lvl="1">
+              <a:lnSpc>
+                <a:spcPct val="90000"/>
+              </a:lnSpc>
+              <a:spcBef>
+                <a:spcPct val="0"/>
+              </a:spcBef>
+              <a:buClr>
+                <a:schemeClr val="bg1"/>
+              </a:buClr>
+              <a:buFontTx/>
+              <a:buNone/>
+            </a:pPr>
+            <a:endParaRPr lang="en-US" altLang="en-US" sz="2000" b="1" dirty="0">
+              <a:latin typeface="Inconsolata Medium" panose="020B0609030003000000" pitchFamily="49" charset="77"/>
+              <a:ea typeface="ＭＳ Ｐゴシック" panose="020B0600070205080204" pitchFamily="34" charset="-128"/>
+            </a:endParaRPr>
+          </a:p>
+          <a:p>
+            <a:pPr lvl="1">
+              <a:lnSpc>
+                <a:spcPct val="90000"/>
+              </a:lnSpc>
+              <a:spcBef>
+                <a:spcPct val="0"/>
+              </a:spcBef>
+              <a:buClr>
+                <a:schemeClr val="bg1"/>
+              </a:buClr>
+              <a:buFontTx/>
+              <a:buNone/>
+            </a:pPr>
+            <a:r>
+              <a:rPr lang="en-US" altLang="en-US" sz="2000" dirty="0">
+                <a:latin typeface="Gill Sans MT" panose="020B0502020104020203" pitchFamily="34" charset="77"/>
+                <a:ea typeface="ＭＳ Ｐゴシック" panose="020B0600070205080204" pitchFamily="34" charset="-128"/>
+              </a:rPr>
+              <a:t>Alternatively:</a:t>
+            </a:r>
+          </a:p>
+          <a:p>
+            <a:pPr lvl="1">
+              <a:lnSpc>
+                <a:spcPct val="90000"/>
+              </a:lnSpc>
+              <a:spcBef>
+                <a:spcPct val="0"/>
+              </a:spcBef>
+              <a:buClr>
+                <a:schemeClr val="bg1"/>
+              </a:buClr>
+              <a:buFontTx/>
+              <a:buNone/>
+            </a:pPr>
+            <a:endParaRPr lang="en-US" altLang="en-US" sz="2000" b="1" dirty="0">
+              <a:latin typeface="Inconsolata Medium" panose="020B0609030003000000" pitchFamily="49" charset="77"/>
+              <a:ea typeface="ＭＳ Ｐゴシック" panose="020B0600070205080204" pitchFamily="34" charset="-128"/>
+            </a:endParaRPr>
+          </a:p>
+          <a:p>
+            <a:pPr lvl="1">
+              <a:lnSpc>
+                <a:spcPct val="90000"/>
+              </a:lnSpc>
+              <a:spcBef>
+                <a:spcPct val="0"/>
+              </a:spcBef>
+              <a:buClr>
+                <a:schemeClr val="bg1"/>
+              </a:buClr>
+              <a:buFontTx/>
+              <a:buNone/>
+            </a:pPr>
+            <a:r>
+              <a:rPr lang="en-US" altLang="en-US" sz="2000" b="1" dirty="0">
+                <a:latin typeface="Inconsolata Medium" panose="020B0609030003000000" pitchFamily="49" charset="77"/>
+                <a:ea typeface="ＭＳ Ｐゴシック" panose="020B0600070205080204" pitchFamily="34" charset="-128"/>
+              </a:rPr>
+              <a:t>number = 352</a:t>
+            </a:r>
+          </a:p>
+          <a:p>
+            <a:pPr lvl="1">
+              <a:lnSpc>
+                <a:spcPct val="90000"/>
+              </a:lnSpc>
+              <a:spcBef>
+                <a:spcPct val="0"/>
+              </a:spcBef>
+              <a:buClr>
+                <a:schemeClr val="bg1"/>
+              </a:buClr>
+              <a:buFontTx/>
+              <a:buNone/>
+            </a:pPr>
+            <a:r>
+              <a:rPr lang="en-US" altLang="en-US" sz="2000" b="1" dirty="0">
+                <a:latin typeface="Inconsolata Medium" panose="020B0609030003000000" pitchFamily="49" charset="77"/>
+                <a:ea typeface="ＭＳ Ｐゴシック" panose="020B0600070205080204" pitchFamily="34" charset="-128"/>
+              </a:rPr>
+              <a:t>ones = number % 10</a:t>
+            </a:r>
+          </a:p>
+          <a:p>
+            <a:pPr lvl="1">
+              <a:lnSpc>
+                <a:spcPct val="90000"/>
+              </a:lnSpc>
+              <a:spcBef>
+                <a:spcPct val="0"/>
+              </a:spcBef>
+              <a:buClr>
+                <a:schemeClr val="bg1"/>
+              </a:buClr>
+              <a:buFontTx/>
+              <a:buNone/>
+            </a:pPr>
+            <a:r>
+              <a:rPr lang="en-US" altLang="en-US" sz="2000" b="1" dirty="0">
+                <a:latin typeface="Inconsolata Medium" panose="020B0609030003000000" pitchFamily="49" charset="77"/>
+                <a:ea typeface="ＭＳ Ｐゴシック" panose="020B0600070205080204" pitchFamily="34" charset="-128"/>
+              </a:rPr>
+              <a:t>tens = (number // 10) % 10</a:t>
+            </a:r>
+          </a:p>
+          <a:p>
+            <a:pPr lvl="1">
+              <a:lnSpc>
+                <a:spcPct val="90000"/>
+              </a:lnSpc>
+              <a:spcBef>
+                <a:spcPct val="0"/>
+              </a:spcBef>
+              <a:buClr>
+                <a:schemeClr val="bg1"/>
+              </a:buClr>
+              <a:buFontTx/>
+              <a:buNone/>
+            </a:pPr>
+            <a:r>
+              <a:rPr lang="en-US" altLang="en-US" sz="2000" b="1" dirty="0">
+                <a:latin typeface="Inconsolata Medium" panose="020B0609030003000000" pitchFamily="49" charset="77"/>
+                <a:ea typeface="ＭＳ Ｐゴシック" panose="020B0600070205080204" pitchFamily="34" charset="-128"/>
+              </a:rPr>
+              <a:t>hundreds = number // 100</a:t>
+            </a:r>
+          </a:p>
+          <a:p>
+            <a:pPr lvl="1">
+              <a:lnSpc>
+                <a:spcPct val="90000"/>
+              </a:lnSpc>
+              <a:spcBef>
+                <a:spcPct val="0"/>
+              </a:spcBef>
+              <a:buClr>
+                <a:schemeClr val="bg1"/>
+              </a:buClr>
+              <a:buFontTx/>
+              <a:buNone/>
+            </a:pPr>
+            <a:r>
+              <a:rPr lang="en-US" altLang="en-US" sz="2000" b="1" dirty="0">
+                <a:latin typeface="Inconsolata Medium" panose="020B0609030003000000" pitchFamily="49" charset="77"/>
+                <a:ea typeface="ＭＳ Ｐゴシック" panose="020B0600070205080204" pitchFamily="34" charset="-128"/>
+              </a:rPr>
+              <a:t>print("ones:", ones, "tens", tens, "hundreds:", hundreds)</a:t>
+            </a:r>
+          </a:p>
+          <a:p>
+            <a:pPr lvl="1">
+              <a:lnSpc>
+                <a:spcPct val="90000"/>
+              </a:lnSpc>
+              <a:spcBef>
+                <a:spcPct val="0"/>
+              </a:spcBef>
+              <a:buClr>
+                <a:schemeClr val="bg1"/>
+              </a:buClr>
+              <a:buFontTx/>
+              <a:buNone/>
+            </a:pPr>
+            <a:endParaRPr lang="en-US" altLang="en-US" sz="2000" dirty="0">
+              <a:ea typeface="ＭＳ Ｐゴシック" panose="020B0600070205080204" pitchFamily="34" charset="-128"/>
+            </a:endParaRPr>
+          </a:p>
+          <a:p>
+            <a:pPr lvl="1">
+              <a:lnSpc>
+                <a:spcPct val="90000"/>
+              </a:lnSpc>
+              <a:spcBef>
+                <a:spcPct val="0"/>
+              </a:spcBef>
+              <a:buClr>
+                <a:schemeClr val="bg1"/>
+              </a:buClr>
+              <a:buFontTx/>
+              <a:buNone/>
+            </a:pPr>
+            <a:endParaRPr lang="en-US" altLang="en-US" sz="2000" dirty="0">
+              <a:ea typeface="ＭＳ Ｐゴシック" panose="020B0600070205080204" pitchFamily="34" charset="-128"/>
+            </a:endParaRPr>
+          </a:p>
+          <a:p>
+            <a:pPr lvl="1">
+              <a:lnSpc>
+                <a:spcPct val="90000"/>
+              </a:lnSpc>
+              <a:spcBef>
+                <a:spcPct val="0"/>
+              </a:spcBef>
+              <a:buClr>
+                <a:schemeClr val="bg1"/>
+              </a:buClr>
+              <a:buFontTx/>
+              <a:buNone/>
+            </a:pPr>
+            <a:r>
+              <a:rPr lang="en-US" altLang="en-US" sz="2000" dirty="0">
+                <a:ea typeface="ＭＳ Ｐゴシック" panose="020B0600070205080204" pitchFamily="34" charset="-128"/>
+              </a:rPr>
+              <a:t>Output:</a:t>
+            </a:r>
+          </a:p>
+          <a:p>
+            <a:pPr lvl="1">
+              <a:lnSpc>
+                <a:spcPct val="90000"/>
+              </a:lnSpc>
+              <a:spcBef>
+                <a:spcPct val="0"/>
+              </a:spcBef>
+              <a:buClr>
+                <a:schemeClr val="bg1"/>
+              </a:buClr>
+              <a:buFontTx/>
+              <a:buNone/>
+            </a:pPr>
+            <a:endParaRPr lang="en-US" altLang="en-US" sz="2000" dirty="0">
+              <a:ea typeface="ＭＳ Ｐゴシック" panose="020B0600070205080204" pitchFamily="34" charset="-128"/>
+            </a:endParaRPr>
+          </a:p>
+          <a:p>
+            <a:pPr lvl="1">
+              <a:lnSpc>
+                <a:spcPct val="90000"/>
+              </a:lnSpc>
+              <a:spcBef>
+                <a:spcPct val="0"/>
+              </a:spcBef>
+              <a:buClr>
+                <a:schemeClr val="bg1"/>
+              </a:buClr>
+              <a:buFontTx/>
+              <a:buNone/>
+            </a:pPr>
+            <a:r>
+              <a:rPr lang="en-US" altLang="en-US" sz="2000" dirty="0">
+                <a:ea typeface="ＭＳ Ｐゴシック" panose="020B0600070205080204" pitchFamily="34" charset="-128"/>
+              </a:rPr>
+              <a:t>ones: 2 tens: 5, hundreds: 3</a:t>
+            </a:r>
+          </a:p>
+          <a:p>
+            <a:pPr lvl="1">
+              <a:lnSpc>
+                <a:spcPct val="90000"/>
+              </a:lnSpc>
+              <a:spcBef>
+                <a:spcPct val="0"/>
+              </a:spcBef>
+              <a:buClr>
+                <a:schemeClr val="bg1"/>
+              </a:buClr>
+              <a:buFontTx/>
+              <a:buNone/>
+            </a:pPr>
+            <a:endParaRPr lang="en-US" altLang="en-US" sz="2000" dirty="0">
+              <a:ea typeface="ＭＳ Ｐゴシック" panose="020B0600070205080204" pitchFamily="34" charset="-128"/>
+            </a:endParaRPr>
+          </a:p>
+          <a:p>
+            <a:pPr lvl="1">
+              <a:lnSpc>
+                <a:spcPct val="90000"/>
+              </a:lnSpc>
+              <a:spcBef>
+                <a:spcPct val="0"/>
+              </a:spcBef>
+              <a:buClr>
+                <a:schemeClr val="bg1"/>
+              </a:buClr>
+              <a:buFontTx/>
+              <a:buNone/>
+            </a:pPr>
+            <a:r>
+              <a:rPr lang="en-US" altLang="en-US" sz="2000" dirty="0">
+                <a:solidFill>
+                  <a:srgbClr val="FF0000"/>
+                </a:solidFill>
+                <a:ea typeface="ＭＳ Ｐゴシック" panose="020B0600070205080204" pitchFamily="34" charset="-128"/>
+              </a:rPr>
+              <a:t>Note: You will need the last couple of slides for </a:t>
+            </a:r>
+            <a:r>
+              <a:rPr lang="en-US" altLang="en-US" sz="2000" dirty="0" err="1">
+                <a:solidFill>
+                  <a:srgbClr val="FF0000"/>
+                </a:solidFill>
+                <a:ea typeface="ＭＳ Ｐゴシック" panose="020B0600070205080204" pitchFamily="34" charset="-128"/>
+              </a:rPr>
+              <a:t>Replit</a:t>
+            </a:r>
+            <a:r>
+              <a:rPr lang="en-US" altLang="en-US" sz="2000" dirty="0">
+                <a:solidFill>
+                  <a:srgbClr val="FF0000"/>
+                </a:solidFill>
+                <a:ea typeface="ＭＳ Ｐゴシック" panose="020B0600070205080204" pitchFamily="34" charset="-128"/>
+              </a:rPr>
+              <a:t> Classroom labs 2.x.</a:t>
+            </a:r>
+            <a:endParaRPr lang="en-US" altLang="en-US" dirty="0">
+              <a:solidFill>
+                <a:srgbClr val="FF0000"/>
+              </a:solidFill>
+              <a:ea typeface="ＭＳ Ｐゴシック" panose="020B0600070205080204" pitchFamily="34" charset="-128"/>
+            </a:endParaRPr>
+          </a:p>
+          <a:p>
+            <a:pPr lvl="1">
+              <a:lnSpc>
+                <a:spcPct val="90000"/>
+              </a:lnSpc>
+              <a:spcBef>
+                <a:spcPct val="0"/>
+              </a:spcBef>
+              <a:buClr>
+                <a:schemeClr val="bg1"/>
+              </a:buClr>
+              <a:buFontTx/>
+              <a:buNone/>
+            </a:pPr>
+            <a:endParaRPr lang="en-US" altLang="en-US" dirty="0">
+              <a:ea typeface="ＭＳ Ｐゴシック" panose="020B0600070205080204" pitchFamily="34" charset="-128"/>
+            </a:endParaRPr>
+          </a:p>
+          <a:p>
+            <a:pPr lvl="1">
+              <a:lnSpc>
+                <a:spcPct val="90000"/>
+              </a:lnSpc>
+              <a:spcBef>
+                <a:spcPct val="0"/>
+              </a:spcBef>
+              <a:buClr>
+                <a:schemeClr val="bg1"/>
+              </a:buClr>
+              <a:buFontTx/>
+              <a:buNone/>
+            </a:pPr>
+            <a:endParaRPr lang="en-US" altLang="en-US" dirty="0">
+              <a:ea typeface="ＭＳ Ｐゴシック" panose="020B0600070205080204" pitchFamily="34" charset="-128"/>
+            </a:endParaRPr>
+          </a:p>
+        </p:txBody>
+      </p:sp>
+    </p:spTree>
+    <p:extLst>
+      <p:ext uri="{BB962C8B-B14F-4D97-AF65-F5344CB8AC3E}">
+        <p14:creationId xmlns:p14="http://schemas.microsoft.com/office/powerpoint/2010/main" val="1727134459"/>
+      </p:ext>
+    </p:extLst>
+  </p:cSld>
+  <p:clrMapOvr>
+    <a:masterClrMapping/>
+  </p:clrMapOvr>
+  <p:transition/>
+  <p:timing>
+    <p:tnLst>
+      <p:par>
+        <p:cTn id="1" dur="indefinite" restart="never" nodeType="tmRoot">
+          <p:childTnLst>
+            <p:seq concurrent="1" nextAc="seek">
+              <p:cTn id="2" dur="indefinite" nodeType="mainSeq">
+                <p:childTnLst>
+                  <p:par>
+                    <p:cTn id="3" fill="hold">
+                      <p:stCondLst>
+                        <p:cond delay="indefinite"/>
+                      </p:stCondLst>
+                      <p:childTnLst>
+                        <p:par>
+                          <p:cTn id="4" fill="hold">
+                            <p:stCondLst>
+                              <p:cond delay="0"/>
+                            </p:stCondLst>
+                            <p:childTnLst>
+                              <p:par>
+                                <p:cTn id="5" presetID="1" presetClass="entr" presetSubtype="0" fill="hold" nodeType="clickEffect">
+                                  <p:stCondLst>
+                                    <p:cond delay="0"/>
+                                  </p:stCondLst>
+                                  <p:childTnLst>
+                                    <p:set>
+                                      <p:cBhvr>
+                                        <p:cTn id="6" dur="1" fill="hold">
+                                          <p:stCondLst>
+                                            <p:cond delay="0"/>
+                                          </p:stCondLst>
+                                        </p:cTn>
+                                        <p:tgtEl>
+                                          <p:spTgt spid="6147">
+                                            <p:txEl>
+                                              <p:pRg st="4" end="4"/>
+                                            </p:txEl>
+                                          </p:spTgt>
+                                        </p:tgtEl>
+                                        <p:attrNameLst>
+                                          <p:attrName>style.visibility</p:attrName>
+                                        </p:attrNameLst>
+                                      </p:cBhvr>
+                                      <p:to>
+                                        <p:strVal val="visible"/>
+                                      </p:to>
+                                    </p:set>
+                                  </p:childTnLst>
+                                </p:cTn>
+                              </p:par>
+                            </p:childTnLst>
+                          </p:cTn>
+                        </p:par>
+                      </p:childTnLst>
+                    </p:cTn>
+                  </p:par>
+                  <p:par>
+                    <p:cTn id="7" fill="hold">
+                      <p:stCondLst>
+                        <p:cond delay="indefinite"/>
+                      </p:stCondLst>
+                      <p:childTnLst>
+                        <p:par>
+                          <p:cTn id="8" fill="hold">
+                            <p:stCondLst>
+                              <p:cond delay="0"/>
+                            </p:stCondLst>
+                            <p:childTnLst>
+                              <p:par>
+                                <p:cTn id="9" presetID="1" presetClass="entr" presetSubtype="0" fill="hold" nodeType="clickEffect">
+                                  <p:stCondLst>
+                                    <p:cond delay="0"/>
+                                  </p:stCondLst>
+                                  <p:childTnLst>
+                                    <p:set>
+                                      <p:cBhvr>
+                                        <p:cTn id="10" dur="1" fill="hold">
+                                          <p:stCondLst>
+                                            <p:cond delay="0"/>
+                                          </p:stCondLst>
+                                        </p:cTn>
+                                        <p:tgtEl>
+                                          <p:spTgt spid="6147">
+                                            <p:txEl>
+                                              <p:pRg st="5" end="5"/>
+                                            </p:txEl>
+                                          </p:spTgt>
+                                        </p:tgtEl>
+                                        <p:attrNameLst>
+                                          <p:attrName>style.visibility</p:attrName>
+                                        </p:attrNameLst>
+                                      </p:cBhvr>
+                                      <p:to>
+                                        <p:strVal val="visible"/>
+                                      </p:to>
+                                    </p:set>
+                                  </p:childTnLst>
+                                </p:cTn>
+                              </p:par>
+                            </p:childTnLst>
+                          </p:cTn>
+                        </p:par>
+                      </p:childTnLst>
+                    </p:cTn>
+                  </p:par>
+                  <p:par>
+                    <p:cTn id="11" fill="hold">
+                      <p:stCondLst>
+                        <p:cond delay="indefinite"/>
+                      </p:stCondLst>
+                      <p:childTnLst>
+                        <p:par>
+                          <p:cTn id="12" fill="hold">
+                            <p:stCondLst>
+                              <p:cond delay="0"/>
+                            </p:stCondLst>
+                            <p:childTnLst>
+                              <p:par>
+                                <p:cTn id="13" presetID="1" presetClass="entr" presetSubtype="0" fill="hold" nodeType="clickEffect">
+                                  <p:stCondLst>
+                                    <p:cond delay="0"/>
+                                  </p:stCondLst>
+                                  <p:childTnLst>
+                                    <p:set>
+                                      <p:cBhvr>
+                                        <p:cTn id="14" dur="1" fill="hold">
+                                          <p:stCondLst>
+                                            <p:cond delay="0"/>
+                                          </p:stCondLst>
+                                        </p:cTn>
+                                        <p:tgtEl>
+                                          <p:spTgt spid="6147">
+                                            <p:txEl>
+                                              <p:pRg st="6" end="6"/>
+                                            </p:txEl>
+                                          </p:spTgt>
+                                        </p:tgtEl>
+                                        <p:attrNameLst>
+                                          <p:attrName>style.visibility</p:attrName>
+                                        </p:attrNameLst>
+                                      </p:cBhvr>
+                                      <p:to>
+                                        <p:strVal val="visible"/>
+                                      </p:to>
+                                    </p:set>
+                                  </p:childTnLst>
+                                </p:cTn>
+                              </p:par>
+                            </p:childTnLst>
+                          </p:cTn>
+                        </p:par>
+                      </p:childTnLst>
+                    </p:cTn>
+                  </p:par>
+                  <p:par>
+                    <p:cTn id="15" fill="hold">
+                      <p:stCondLst>
+                        <p:cond delay="indefinite"/>
+                      </p:stCondLst>
+                      <p:childTnLst>
+                        <p:par>
+                          <p:cTn id="16" fill="hold">
+                            <p:stCondLst>
+                              <p:cond delay="0"/>
+                            </p:stCondLst>
+                            <p:childTnLst>
+                              <p:par>
+                                <p:cTn id="17" presetID="1" presetClass="entr" presetSubtype="0" fill="hold" nodeType="clickEffect">
+                                  <p:stCondLst>
+                                    <p:cond delay="0"/>
+                                  </p:stCondLst>
+                                  <p:childTnLst>
+                                    <p:set>
+                                      <p:cBhvr>
+                                        <p:cTn id="18" dur="1" fill="hold">
+                                          <p:stCondLst>
+                                            <p:cond delay="0"/>
+                                          </p:stCondLst>
+                                        </p:cTn>
+                                        <p:tgtEl>
+                                          <p:spTgt spid="6147">
+                                            <p:txEl>
+                                              <p:pRg st="7" end="7"/>
+                                            </p:txEl>
+                                          </p:spTgt>
+                                        </p:tgtEl>
+                                        <p:attrNameLst>
+                                          <p:attrName>style.visibility</p:attrName>
+                                        </p:attrNameLst>
+                                      </p:cBhvr>
+                                      <p:to>
+                                        <p:strVal val="visible"/>
+                                      </p:to>
+                                    </p:set>
+                                  </p:childTnLst>
+                                </p:cTn>
+                              </p:par>
+                            </p:childTnLst>
+                          </p:cTn>
+                        </p:par>
+                      </p:childTnLst>
+                    </p:cTn>
+                  </p:par>
+                  <p:par>
+                    <p:cTn id="19" fill="hold">
+                      <p:stCondLst>
+                        <p:cond delay="indefinite"/>
+                      </p:stCondLst>
+                      <p:childTnLst>
+                        <p:par>
+                          <p:cTn id="20" fill="hold">
+                            <p:stCondLst>
+                              <p:cond delay="0"/>
+                            </p:stCondLst>
+                            <p:childTnLst>
+                              <p:par>
+                                <p:cTn id="21" presetID="1" presetClass="entr" presetSubtype="0" fill="hold" nodeType="clickEffect">
+                                  <p:stCondLst>
+                                    <p:cond delay="0"/>
+                                  </p:stCondLst>
+                                  <p:childTnLst>
+                                    <p:set>
+                                      <p:cBhvr>
+                                        <p:cTn id="22" dur="1" fill="hold">
+                                          <p:stCondLst>
+                                            <p:cond delay="0"/>
+                                          </p:stCondLst>
+                                        </p:cTn>
+                                        <p:tgtEl>
+                                          <p:spTgt spid="6147">
+                                            <p:txEl>
+                                              <p:pRg st="10" end="10"/>
+                                            </p:txEl>
+                                          </p:spTgt>
+                                        </p:tgtEl>
+                                        <p:attrNameLst>
+                                          <p:attrName>style.visibility</p:attrName>
+                                        </p:attrNameLst>
+                                      </p:cBhvr>
+                                      <p:to>
+                                        <p:strVal val="visible"/>
+                                      </p:to>
+                                    </p:set>
+                                  </p:childTnLst>
+                                </p:cTn>
+                              </p:par>
+                              <p:par>
+                                <p:cTn id="23" presetID="1" presetClass="entr" presetSubtype="0" fill="hold" nodeType="withEffect">
+                                  <p:stCondLst>
+                                    <p:cond delay="0"/>
+                                  </p:stCondLst>
+                                  <p:childTnLst>
+                                    <p:set>
+                                      <p:cBhvr>
+                                        <p:cTn id="24" dur="1" fill="hold">
+                                          <p:stCondLst>
+                                            <p:cond delay="0"/>
+                                          </p:stCondLst>
+                                        </p:cTn>
+                                        <p:tgtEl>
+                                          <p:spTgt spid="6147">
+                                            <p:txEl>
+                                              <p:pRg st="12" end="12"/>
+                                            </p:txEl>
+                                          </p:spTgt>
+                                        </p:tgtEl>
+                                        <p:attrNameLst>
+                                          <p:attrName>style.visibility</p:attrName>
+                                        </p:attrNameLst>
+                                      </p:cBhvr>
+                                      <p:to>
+                                        <p:strVal val="visible"/>
+                                      </p:to>
+                                    </p:set>
+                                  </p:childTnLst>
+                                </p:cTn>
+                              </p:par>
+                              <p:par>
+                                <p:cTn id="25" presetID="1" presetClass="entr" presetSubtype="0" fill="hold" nodeType="withEffect">
+                                  <p:stCondLst>
+                                    <p:cond delay="0"/>
+                                  </p:stCondLst>
+                                  <p:childTnLst>
+                                    <p:set>
+                                      <p:cBhvr>
+                                        <p:cTn id="26" dur="1" fill="hold">
+                                          <p:stCondLst>
+                                            <p:cond delay="0"/>
+                                          </p:stCondLst>
+                                        </p:cTn>
+                                        <p:tgtEl>
+                                          <p:spTgt spid="6147">
+                                            <p:txEl>
+                                              <p:pRg st="14" end="14"/>
+                                            </p:txEl>
+                                          </p:spTgt>
+                                        </p:tgtEl>
+                                        <p:attrNameLst>
+                                          <p:attrName>style.visibility</p:attrName>
+                                        </p:attrNameLst>
+                                      </p:cBhvr>
+                                      <p:to>
+                                        <p:strVal val="visible"/>
+                                      </p:to>
+                                    </p:set>
+                                  </p:childTnLst>
+                                </p:cTn>
+                              </p:par>
+                            </p:childTnLst>
+                          </p:cTn>
+                        </p:par>
+                      </p:childTnLst>
+                    </p:cTn>
+                  </p:par>
+                </p:childTnLst>
+              </p:cTn>
+              <p:prevCondLst>
+                <p:cond evt="onPrev" delay="0">
+                  <p:tgtEl>
+                    <p:sldTgt/>
+                  </p:tgtEl>
+                </p:cond>
+              </p:prevCondLst>
+              <p:nextCondLst>
+                <p:cond evt="onNext" delay="0">
+                  <p:tgtEl>
+                    <p:sldTgt/>
+                  </p:tgtEl>
+                </p:cond>
+              </p:nextCondLst>
+            </p:seq>
+          </p:childTnLst>
+        </p:cTn>
+      </p:par>
+    </p:tnLst>
+  </p:timing>
+</p:sld>
+</file>
+
+<file path=ppt/slides/slide13.xml><?xml version="1.0" encoding="utf-8"?>
+<p:sld xmlns:a="http://schemas.openxmlformats.org/drawingml/2006/main" xmlns:r="http://schemas.openxmlformats.org/officeDocument/2006/relationships" xmlns:p="http://schemas.openxmlformats.org/presentationml/2006/main">
+  <p:cSld>
+    <p:spTree>
+      <p:nvGrpSpPr>
+        <p:cNvPr id="1" name=""/>
+        <p:cNvGrpSpPr/>
+        <p:nvPr/>
+      </p:nvGrpSpPr>
+      <p:grpSpPr>
+        <a:xfrm>
+          <a:off x="0" y="0"/>
+          <a:ext cx="0" cy="0"/>
+          <a:chOff x="0" y="0"/>
+          <a:chExt cx="0" cy="0"/>
+        </a:xfrm>
+      </p:grpSpPr>
+      <p:sp>
+        <p:nvSpPr>
+          <p:cNvPr id="2" name="Title 1">
+            <a:extLst>
+              <a:ext uri="{FF2B5EF4-FFF2-40B4-BE49-F238E27FC236}">
+                <a16:creationId xmlns:a16="http://schemas.microsoft.com/office/drawing/2014/main" id="{AA3A228F-61D0-D949-A5E7-F83756230BF8}"/>
+              </a:ext>
+            </a:extLst>
+          </p:cNvPr>
+          <p:cNvSpPr>
+            <a:spLocks noGrp="1"/>
+          </p:cNvSpPr>
+          <p:nvPr>
+            <p:ph type="title"/>
+          </p:nvPr>
+        </p:nvSpPr>
+        <p:spPr>
+          <a:xfrm>
+            <a:off x="483848" y="467027"/>
+            <a:ext cx="7053542" cy="683886"/>
+          </a:xfrm>
+        </p:spPr>
+        <p:txBody>
+          <a:bodyPr/>
+          <a:lstStyle/>
+          <a:p>
+            <a:r>
+              <a:rPr lang="en-US" dirty="0"/>
+              <a:t>Exponentiation and Negation</a:t>
+            </a:r>
+          </a:p>
+        </p:txBody>
+      </p:sp>
+      <p:sp>
+        <p:nvSpPr>
+          <p:cNvPr id="9" name="Content Placeholder 8">
+            <a:extLst>
+              <a:ext uri="{FF2B5EF4-FFF2-40B4-BE49-F238E27FC236}">
+                <a16:creationId xmlns:a16="http://schemas.microsoft.com/office/drawing/2014/main" id="{E3B2E017-30B2-884B-A113-B419A2ED51AD}"/>
+              </a:ext>
+            </a:extLst>
+          </p:cNvPr>
+          <p:cNvSpPr>
+            <a:spLocks noGrp="1"/>
+          </p:cNvSpPr>
+          <p:nvPr>
+            <p:ph idx="1"/>
+          </p:nvPr>
+        </p:nvSpPr>
+        <p:spPr>
+          <a:xfrm>
+            <a:off x="483848" y="1150912"/>
+            <a:ext cx="8051725" cy="4564087"/>
+          </a:xfrm>
+        </p:spPr>
+        <p:txBody>
+          <a:bodyPr>
+            <a:noAutofit/>
+          </a:bodyPr>
+          <a:lstStyle/>
+          <a:p>
+            <a:pPr marL="0" indent="0">
+              <a:buNone/>
+            </a:pPr>
+            <a:endParaRPr lang="en-US" sz="2000" b="1" dirty="0">
+              <a:solidFill>
+                <a:srgbClr val="000087"/>
+              </a:solidFill>
+              <a:latin typeface="Inconsolata Medium" panose="020B0609030003000000" pitchFamily="49" charset="77"/>
+            </a:endParaRPr>
+          </a:p>
+          <a:p>
+            <a:pPr marL="0" indent="0">
+              <a:buNone/>
+            </a:pPr>
+            <a:r>
+              <a:rPr lang="en-US" sz="2000" b="1" dirty="0">
+                <a:solidFill>
+                  <a:srgbClr val="000087"/>
+                </a:solidFill>
+                <a:latin typeface="Inconsolata Medium" panose="020B0609030003000000" pitchFamily="49" charset="77"/>
+              </a:rPr>
+              <a:t>In</a:t>
+            </a:r>
+            <a:r>
+              <a:rPr lang="en-US" sz="2000" b="1" dirty="0">
+                <a:latin typeface="Inconsolata Medium" panose="020B0609030003000000" pitchFamily="49" charset="77"/>
+              </a:rPr>
+              <a:t>[</a:t>
+            </a:r>
+            <a:r>
+              <a:rPr lang="en-US" sz="2000" b="1" dirty="0">
+                <a:solidFill>
+                  <a:srgbClr val="FF6600"/>
+                </a:solidFill>
+                <a:latin typeface="Inconsolata Medium" panose="020B0609030003000000" pitchFamily="49" charset="77"/>
+              </a:rPr>
+              <a:t>1</a:t>
+            </a:r>
+            <a:r>
+              <a:rPr lang="en-US" sz="2000" b="1" dirty="0">
+                <a:latin typeface="Inconsolata Medium" panose="020B0609030003000000" pitchFamily="49" charset="77"/>
+              </a:rPr>
+              <a:t>]: 2 ** 3</a:t>
+            </a:r>
+            <a:r>
+              <a:rPr lang="en-US" sz="2000" b="1" dirty="0">
+                <a:solidFill>
+                  <a:srgbClr val="FF6600"/>
+                </a:solidFill>
+                <a:latin typeface="Inconsolata Medium" panose="020B0609030003000000" pitchFamily="49" charset="77"/>
+              </a:rPr>
+              <a:t> </a:t>
+            </a:r>
+          </a:p>
+          <a:p>
+            <a:pPr marL="0" indent="0">
+              <a:buNone/>
+            </a:pPr>
+            <a:r>
+              <a:rPr lang="en-US" sz="2000" b="1" dirty="0">
+                <a:latin typeface="Inconsolata Medium" panose="020B0609030003000000" pitchFamily="49" charset="77"/>
+              </a:rPr>
+              <a:t>Out[3]: 8</a:t>
+            </a:r>
+          </a:p>
+          <a:p>
+            <a:pPr marL="0" indent="0">
+              <a:buNone/>
+            </a:pPr>
+            <a:endParaRPr lang="en-US" sz="1900" dirty="0">
+              <a:latin typeface="Gill Sans MT" panose="020B0502020104020203" pitchFamily="34" charset="77"/>
+            </a:endParaRPr>
+          </a:p>
+          <a:p>
+            <a:pPr marL="0" indent="0">
+              <a:buNone/>
+            </a:pPr>
+            <a:r>
+              <a:rPr lang="en-US" sz="1900" dirty="0">
+                <a:latin typeface="Gill Sans MT" panose="020B0502020104020203" pitchFamily="34" charset="77"/>
+              </a:rPr>
+              <a:t>Negation is a </a:t>
+            </a:r>
+            <a:r>
+              <a:rPr lang="en-US" sz="1900" b="1" dirty="0">
+                <a:latin typeface="Gill Sans MT" panose="020B0502020104020203" pitchFamily="34" charset="77"/>
+              </a:rPr>
+              <a:t>unary operator</a:t>
+            </a:r>
+            <a:r>
+              <a:rPr lang="en-US" sz="1900" dirty="0">
+                <a:latin typeface="Gill Sans MT" panose="020B0502020104020203" pitchFamily="34" charset="77"/>
+              </a:rPr>
+              <a:t>. It applies to only one operand. Other operations such as +, -, *, /, //, % are </a:t>
+            </a:r>
+            <a:r>
+              <a:rPr lang="en-US" sz="1900" b="1" dirty="0">
+                <a:latin typeface="Gill Sans MT" panose="020B0502020104020203" pitchFamily="34" charset="77"/>
+              </a:rPr>
+              <a:t>binary operators</a:t>
+            </a:r>
+            <a:r>
+              <a:rPr lang="en-US" sz="1900" dirty="0">
+                <a:latin typeface="Gill Sans MT" panose="020B0502020104020203" pitchFamily="34" charset="77"/>
+              </a:rPr>
+              <a:t>, they apply to two operands. </a:t>
+            </a:r>
+          </a:p>
+          <a:p>
+            <a:pPr marL="0" indent="0">
+              <a:buNone/>
+            </a:pPr>
+            <a:endParaRPr lang="en-US" sz="1900" dirty="0">
+              <a:latin typeface="Gill Sans MT" panose="020B0502020104020203" pitchFamily="34" charset="77"/>
+            </a:endParaRPr>
+          </a:p>
+          <a:p>
+            <a:pPr marL="0" indent="0">
+              <a:buNone/>
+            </a:pPr>
+            <a:r>
+              <a:rPr lang="en-US" sz="1800" b="1" dirty="0">
+                <a:solidFill>
+                  <a:srgbClr val="000087"/>
+                </a:solidFill>
+                <a:latin typeface="Inconsolata Medium" panose="020B0609030003000000" pitchFamily="49" charset="77"/>
+              </a:rPr>
+              <a:t>In</a:t>
+            </a:r>
+            <a:r>
+              <a:rPr lang="en-US" sz="1800" b="1" dirty="0">
+                <a:latin typeface="Inconsolata Medium" panose="020B0609030003000000" pitchFamily="49" charset="77"/>
+              </a:rPr>
+              <a:t>[</a:t>
+            </a:r>
+            <a:r>
+              <a:rPr lang="en-US" sz="1800" b="1" dirty="0">
+                <a:solidFill>
+                  <a:srgbClr val="FF6600"/>
+                </a:solidFill>
+                <a:latin typeface="Inconsolata Medium" panose="020B0609030003000000" pitchFamily="49" charset="77"/>
+              </a:rPr>
+              <a:t>2</a:t>
+            </a:r>
+            <a:r>
+              <a:rPr lang="en-US" sz="1800" b="1" dirty="0">
+                <a:latin typeface="Inconsolata Medium" panose="020B0609030003000000" pitchFamily="49" charset="77"/>
+              </a:rPr>
+              <a:t>]: -5</a:t>
+            </a:r>
+            <a:r>
+              <a:rPr lang="en-US" sz="1800" b="1" dirty="0">
+                <a:solidFill>
+                  <a:srgbClr val="FF6600"/>
+                </a:solidFill>
+                <a:latin typeface="Inconsolata Medium" panose="020B0609030003000000" pitchFamily="49" charset="77"/>
+              </a:rPr>
+              <a:t> </a:t>
+            </a:r>
+          </a:p>
+          <a:p>
+            <a:pPr marL="0" indent="0">
+              <a:buNone/>
+            </a:pPr>
+            <a:r>
+              <a:rPr lang="en-US" sz="1800" b="1" dirty="0">
+                <a:latin typeface="Inconsolata Medium" panose="020B0609030003000000" pitchFamily="49" charset="77"/>
+              </a:rPr>
+              <a:t>Out [3]: -5</a:t>
+            </a:r>
+          </a:p>
+          <a:p>
+            <a:pPr marL="0" indent="0">
+              <a:buNone/>
+            </a:pPr>
+            <a:endParaRPr lang="en-US" sz="1900" dirty="0">
+              <a:latin typeface="Gill Sans MT" panose="020B0502020104020203" pitchFamily="34" charset="77"/>
+            </a:endParaRPr>
+          </a:p>
+          <a:p>
+            <a:pPr marL="0" indent="0">
+              <a:buNone/>
+            </a:pPr>
+            <a:r>
+              <a:rPr lang="en-US" sz="1800" b="1" dirty="0">
+                <a:solidFill>
+                  <a:srgbClr val="000087"/>
+                </a:solidFill>
+                <a:latin typeface="Inconsolata Medium" panose="020B0609030003000000" pitchFamily="49" charset="77"/>
+              </a:rPr>
+              <a:t>In</a:t>
+            </a:r>
+            <a:r>
+              <a:rPr lang="en-US" sz="1800" b="1" dirty="0">
+                <a:latin typeface="Inconsolata Medium" panose="020B0609030003000000" pitchFamily="49" charset="77"/>
+              </a:rPr>
+              <a:t>[</a:t>
+            </a:r>
+            <a:r>
+              <a:rPr lang="en-US" sz="1800" b="1" dirty="0">
+                <a:solidFill>
+                  <a:srgbClr val="FF6600"/>
+                </a:solidFill>
+                <a:latin typeface="Inconsolata Medium" panose="020B0609030003000000" pitchFamily="49" charset="77"/>
+              </a:rPr>
+              <a:t>3</a:t>
+            </a:r>
+            <a:r>
+              <a:rPr lang="en-US" sz="1800" b="1" dirty="0">
+                <a:latin typeface="Inconsolata Medium" panose="020B0609030003000000" pitchFamily="49" charset="77"/>
+              </a:rPr>
+              <a:t>]: --5</a:t>
+            </a:r>
+            <a:r>
+              <a:rPr lang="en-US" sz="1800" b="1" dirty="0">
+                <a:solidFill>
+                  <a:srgbClr val="FF6600"/>
+                </a:solidFill>
+                <a:latin typeface="Inconsolata Medium" panose="020B0609030003000000" pitchFamily="49" charset="77"/>
+              </a:rPr>
+              <a:t> </a:t>
+            </a:r>
+          </a:p>
+          <a:p>
+            <a:pPr marL="0" indent="0">
+              <a:buNone/>
+            </a:pPr>
+            <a:r>
+              <a:rPr lang="en-US" sz="1800" b="1" dirty="0">
+                <a:latin typeface="Inconsolata Medium" panose="020B0609030003000000" pitchFamily="49" charset="77"/>
+              </a:rPr>
+              <a:t>Out[3]: 5</a:t>
+            </a:r>
+          </a:p>
+          <a:p>
+            <a:pPr marL="0" indent="0">
+              <a:buNone/>
+            </a:pPr>
+            <a:endParaRPr lang="en-US" sz="1900" dirty="0">
+              <a:latin typeface="Gill Sans MT" panose="020B0502020104020203" pitchFamily="34" charset="77"/>
+            </a:endParaRPr>
+          </a:p>
+          <a:p>
+            <a:pPr marL="0" indent="0">
+              <a:buNone/>
+            </a:pPr>
+            <a:endParaRPr lang="en-US" sz="1900" dirty="0">
+              <a:latin typeface="Gill Sans MT" panose="020B0502020104020203" pitchFamily="34" charset="77"/>
+            </a:endParaRPr>
+          </a:p>
+          <a:p>
+            <a:pPr marL="0" indent="0">
+              <a:buNone/>
+            </a:pPr>
+            <a:endParaRPr lang="en-US" sz="1900" dirty="0">
+              <a:latin typeface="Gill Sans MT" panose="020B0502020104020203" pitchFamily="34" charset="77"/>
+            </a:endParaRPr>
+          </a:p>
+        </p:txBody>
+      </p:sp>
+    </p:spTree>
+    <p:extLst>
+      <p:ext uri="{BB962C8B-B14F-4D97-AF65-F5344CB8AC3E}">
+        <p14:creationId xmlns:p14="http://schemas.microsoft.com/office/powerpoint/2010/main" val="1486217497"/>
+      </p:ext>
+    </p:extLst>
+  </p:cSld>
+  <p:clrMapOvr>
+    <a:masterClrMapping/>
+  </p:clrMapOvr>
+  <p:timing>
+    <p:tnLst>
+      <p:par>
+        <p:cTn id="1" dur="indefinite" restart="never" nodeType="tmRoot">
+          <p:childTnLst>
+            <p:seq concurrent="1" nextAc="seek">
+              <p:cTn id="2" dur="indefinite" nodeType="mainSeq">
+                <p:childTnLst>
+                  <p:par>
+                    <p:cTn id="3" fill="hold">
+                      <p:stCondLst>
+                        <p:cond delay="indefinite"/>
+                      </p:stCondLst>
+                      <p:childTnLst>
+                        <p:par>
+                          <p:cTn id="4" fill="hold">
+                            <p:stCondLst>
+                              <p:cond delay="0"/>
+                            </p:stCondLst>
+                            <p:childTnLst>
+                              <p:par>
+                                <p:cTn id="5" presetID="1" presetClass="entr" presetSubtype="0" fill="hold" nodeType="clickEffect">
+                                  <p:stCondLst>
+                                    <p:cond delay="0"/>
+                                  </p:stCondLst>
+                                  <p:childTnLst>
+                                    <p:set>
+                                      <p:cBhvr>
+                                        <p:cTn id="6" dur="1" fill="hold">
+                                          <p:stCondLst>
+                                            <p:cond delay="0"/>
+                                          </p:stCondLst>
+                                        </p:cTn>
+                                        <p:tgtEl>
+                                          <p:spTgt spid="9">
+                                            <p:txEl>
+                                              <p:pRg st="4" end="4"/>
+                                            </p:txEl>
+                                          </p:spTgt>
+                                        </p:tgtEl>
+                                        <p:attrNameLst>
+                                          <p:attrName>style.visibility</p:attrName>
+                                        </p:attrNameLst>
+                                      </p:cBhvr>
+                                      <p:to>
+                                        <p:strVal val="visible"/>
+                                      </p:to>
+                                    </p:set>
+                                  </p:childTnLst>
+                                </p:cTn>
+                              </p:par>
+                            </p:childTnLst>
+                          </p:cTn>
+                        </p:par>
+                      </p:childTnLst>
+                    </p:cTn>
+                  </p:par>
+                  <p:par>
+                    <p:cTn id="7" fill="hold">
+                      <p:stCondLst>
+                        <p:cond delay="indefinite"/>
+                      </p:stCondLst>
+                      <p:childTnLst>
+                        <p:par>
+                          <p:cTn id="8" fill="hold">
+                            <p:stCondLst>
+                              <p:cond delay="0"/>
+                            </p:stCondLst>
+                            <p:childTnLst>
+                              <p:par>
+                                <p:cTn id="9" presetID="1" presetClass="entr" presetSubtype="0" fill="hold" nodeType="clickEffect">
+                                  <p:stCondLst>
+                                    <p:cond delay="0"/>
+                                  </p:stCondLst>
+                                  <p:childTnLst>
+                                    <p:set>
+                                      <p:cBhvr>
+                                        <p:cTn id="10" dur="1" fill="hold">
+                                          <p:stCondLst>
+                                            <p:cond delay="0"/>
+                                          </p:stCondLst>
+                                        </p:cTn>
+                                        <p:tgtEl>
+                                          <p:spTgt spid="9">
+                                            <p:txEl>
+                                              <p:pRg st="6" end="6"/>
+                                            </p:txEl>
+                                          </p:spTgt>
+                                        </p:tgtEl>
+                                        <p:attrNameLst>
+                                          <p:attrName>style.visibility</p:attrName>
+                                        </p:attrNameLst>
+                                      </p:cBhvr>
+                                      <p:to>
+                                        <p:strVal val="visible"/>
+                                      </p:to>
+                                    </p:set>
+                                  </p:childTnLst>
+                                </p:cTn>
+                              </p:par>
+                              <p:par>
+                                <p:cTn id="11" presetID="1" presetClass="entr" presetSubtype="0" fill="hold" nodeType="withEffect">
+                                  <p:stCondLst>
+                                    <p:cond delay="0"/>
+                                  </p:stCondLst>
+                                  <p:childTnLst>
+                                    <p:set>
+                                      <p:cBhvr>
+                                        <p:cTn id="12" dur="1" fill="hold">
+                                          <p:stCondLst>
+                                            <p:cond delay="0"/>
+                                          </p:stCondLst>
+                                        </p:cTn>
+                                        <p:tgtEl>
+                                          <p:spTgt spid="9">
+                                            <p:txEl>
+                                              <p:pRg st="7" end="7"/>
+                                            </p:txEl>
+                                          </p:spTgt>
+                                        </p:tgtEl>
+                                        <p:attrNameLst>
+                                          <p:attrName>style.visibility</p:attrName>
+                                        </p:attrNameLst>
+                                      </p:cBhvr>
+                                      <p:to>
+                                        <p:strVal val="visible"/>
+                                      </p:to>
+                                    </p:set>
+                                  </p:childTnLst>
+                                </p:cTn>
+                              </p:par>
+                            </p:childTnLst>
+                          </p:cTn>
+                        </p:par>
+                      </p:childTnLst>
+                    </p:cTn>
+                  </p:par>
+                  <p:par>
+                    <p:cTn id="13" fill="hold">
+                      <p:stCondLst>
+                        <p:cond delay="indefinite"/>
+                      </p:stCondLst>
+                      <p:childTnLst>
+                        <p:par>
+                          <p:cTn id="14" fill="hold">
+                            <p:stCondLst>
+                              <p:cond delay="0"/>
+                            </p:stCondLst>
+                            <p:childTnLst>
+                              <p:par>
+                                <p:cTn id="15" presetID="1" presetClass="entr" presetSubtype="0" fill="hold" nodeType="clickEffect">
+                                  <p:stCondLst>
+                                    <p:cond delay="0"/>
+                                  </p:stCondLst>
+                                  <p:childTnLst>
+                                    <p:set>
+                                      <p:cBhvr>
+                                        <p:cTn id="16" dur="1" fill="hold">
+                                          <p:stCondLst>
+                                            <p:cond delay="0"/>
+                                          </p:stCondLst>
+                                        </p:cTn>
+                                        <p:tgtEl>
+                                          <p:spTgt spid="9">
+                                            <p:txEl>
+                                              <p:pRg st="9" end="9"/>
+                                            </p:txEl>
+                                          </p:spTgt>
+                                        </p:tgtEl>
+                                        <p:attrNameLst>
+                                          <p:attrName>style.visibility</p:attrName>
+                                        </p:attrNameLst>
+                                      </p:cBhvr>
+                                      <p:to>
+                                        <p:strVal val="visible"/>
+                                      </p:to>
+                                    </p:set>
+                                  </p:childTnLst>
+                                </p:cTn>
+                              </p:par>
+                              <p:par>
+                                <p:cTn id="17" presetID="1" presetClass="entr" presetSubtype="0" fill="hold" nodeType="withEffect">
+                                  <p:stCondLst>
+                                    <p:cond delay="0"/>
+                                  </p:stCondLst>
+                                  <p:childTnLst>
+                                    <p:set>
+                                      <p:cBhvr>
+                                        <p:cTn id="18" dur="1" fill="hold">
+                                          <p:stCondLst>
+                                            <p:cond delay="0"/>
+                                          </p:stCondLst>
+                                        </p:cTn>
+                                        <p:tgtEl>
+                                          <p:spTgt spid="9">
+                                            <p:txEl>
+                                              <p:pRg st="10" end="10"/>
+                                            </p:txEl>
+                                          </p:spTgt>
+                                        </p:tgtEl>
+                                        <p:attrNameLst>
+                                          <p:attrName>style.visibility</p:attrName>
+                                        </p:attrNameLst>
+                                      </p:cBhvr>
+                                      <p:to>
+                                        <p:strVal val="visible"/>
+                                      </p:to>
+                                    </p:set>
+                                  </p:childTnLst>
+                                </p:cTn>
+                              </p:par>
+                            </p:childTnLst>
+                          </p:cTn>
+                        </p:par>
+                      </p:childTnLst>
+                    </p:cTn>
+                  </p:par>
+                </p:childTnLst>
+              </p:cTn>
+              <p:prevCondLst>
+                <p:cond evt="onPrev" delay="0">
+                  <p:tgtEl>
+                    <p:sldTgt/>
+                  </p:tgtEl>
+                </p:cond>
+              </p:prevCondLst>
+              <p:nextCondLst>
+                <p:cond evt="onNext" delay="0">
+                  <p:tgtEl>
+                    <p:sldTgt/>
+                  </p:tgtEl>
+                </p:cond>
+              </p:nextCondLst>
+            </p:seq>
+          </p:childTnLst>
+        </p:cTn>
+      </p:par>
+    </p:tnLst>
+  </p:timing>
+</p:sld>
+</file>
+
+<file path=ppt/slides/slide14.xml><?xml version="1.0" encoding="utf-8"?>
+<p:sld xmlns:a="http://schemas.openxmlformats.org/drawingml/2006/main" xmlns:r="http://schemas.openxmlformats.org/officeDocument/2006/relationships" xmlns:p="http://schemas.openxmlformats.org/presentationml/2006/main">
+  <p:cSld>
+    <p:spTree>
+      <p:nvGrpSpPr>
+        <p:cNvPr id="1" name=""/>
+        <p:cNvGrpSpPr/>
+        <p:nvPr/>
+      </p:nvGrpSpPr>
+      <p:grpSpPr>
+        <a:xfrm>
+          <a:off x="0" y="0"/>
+          <a:ext cx="0" cy="0"/>
+          <a:chOff x="0" y="0"/>
+          <a:chExt cx="0" cy="0"/>
+        </a:xfrm>
+      </p:grpSpPr>
       <p:graphicFrame>
         <p:nvGraphicFramePr>
           <p:cNvPr id="3" name="Content Placeholder 2">
@@ -4404,7 +9277,7 @@
 </p:sld>
 </file>
 
-<file path=ppt/slides/slide11.xml><?xml version="1.0" encoding="utf-8"?>
+<file path=ppt/slides/slide15.xml><?xml version="1.0" encoding="utf-8"?>
 <p:sld xmlns:a="http://schemas.openxmlformats.org/drawingml/2006/main" xmlns:r="http://schemas.openxmlformats.org/officeDocument/2006/relationships" xmlns:p="http://schemas.openxmlformats.org/presentationml/2006/main">
   <p:cSld>
     <p:spTree>
@@ -5090,7 +9963,7 @@
 </p:sld>
 </file>
 
-<file path=ppt/slides/slide12.xml><?xml version="1.0" encoding="utf-8"?>
+<file path=ppt/slides/slide16.xml><?xml version="1.0" encoding="utf-8"?>
 <p:sld xmlns:a="http://schemas.openxmlformats.org/drawingml/2006/main" xmlns:r="http://schemas.openxmlformats.org/officeDocument/2006/relationships" xmlns:p="http://schemas.openxmlformats.org/presentationml/2006/main">
   <p:cSld>
     <p:spTree>
@@ -5381,7 +10254,7 @@
 </p:sld>
 </file>
 
-<file path=ppt/slides/slide13.xml><?xml version="1.0" encoding="utf-8"?>
+<file path=ppt/slides/slide17.xml><?xml version="1.0" encoding="utf-8"?>
 <p:sld xmlns:a="http://schemas.openxmlformats.org/drawingml/2006/main" xmlns:r="http://schemas.openxmlformats.org/officeDocument/2006/relationships" xmlns:p="http://schemas.openxmlformats.org/presentationml/2006/main">
   <p:cSld>
     <p:spTree>
@@ -5893,7 +10766,7 @@
 </p:sld>
 </file>
 
-<file path=ppt/slides/slide14.xml><?xml version="1.0" encoding="utf-8"?>
+<file path=ppt/slides/slide18.xml><?xml version="1.0" encoding="utf-8"?>
 <p:sld xmlns:a="http://schemas.openxmlformats.org/drawingml/2006/main" xmlns:r="http://schemas.openxmlformats.org/officeDocument/2006/relationships" xmlns:p="http://schemas.openxmlformats.org/presentationml/2006/main">
   <p:cSld>
     <p:spTree>
@@ -7010,7 +11883,7 @@
 </p:sld>
 </file>
 
-<file path=ppt/slides/slide15.xml><?xml version="1.0" encoding="utf-8"?>
+<file path=ppt/slides/slide19.xml><?xml version="1.0" encoding="utf-8"?>
 <p:sld xmlns:a="http://schemas.openxmlformats.org/drawingml/2006/main" xmlns:r="http://schemas.openxmlformats.org/officeDocument/2006/relationships" xmlns:p="http://schemas.openxmlformats.org/presentationml/2006/main">
   <p:cSld>
     <p:spTree>
@@ -7686,7 +12559,423 @@
 </p:sld>
 </file>
 
-<file path=ppt/slides/slide16.xml><?xml version="1.0" encoding="utf-8"?>
+<file path=ppt/slides/slide2.xml><?xml version="1.0" encoding="utf-8"?>
+<p:sld xmlns:a="http://schemas.openxmlformats.org/drawingml/2006/main" xmlns:r="http://schemas.openxmlformats.org/officeDocument/2006/relationships" xmlns:p="http://schemas.openxmlformats.org/presentationml/2006/main">
+  <p:cSld>
+    <p:spTree>
+      <p:nvGrpSpPr>
+        <p:cNvPr id="1" name=""/>
+        <p:cNvGrpSpPr/>
+        <p:nvPr/>
+      </p:nvGrpSpPr>
+      <p:grpSpPr>
+        <a:xfrm>
+          <a:off x="0" y="0"/>
+          <a:ext cx="0" cy="0"/>
+          <a:chOff x="0" y="0"/>
+          <a:chExt cx="0" cy="0"/>
+        </a:xfrm>
+      </p:grpSpPr>
+      <p:sp>
+        <p:nvSpPr>
+          <p:cNvPr id="2" name="Title 1">
+            <a:extLst>
+              <a:ext uri="{FF2B5EF4-FFF2-40B4-BE49-F238E27FC236}">
+                <a16:creationId xmlns:a16="http://schemas.microsoft.com/office/drawing/2014/main" id="{AA3A228F-61D0-D949-A5E7-F83756230BF8}"/>
+              </a:ext>
+            </a:extLst>
+          </p:cNvPr>
+          <p:cNvSpPr>
+            <a:spLocks noGrp="1"/>
+          </p:cNvSpPr>
+          <p:nvPr>
+            <p:ph type="title"/>
+          </p:nvPr>
+        </p:nvSpPr>
+        <p:spPr>
+          <a:xfrm>
+            <a:off x="483848" y="467027"/>
+            <a:ext cx="7053542" cy="683886"/>
+          </a:xfrm>
+        </p:spPr>
+        <p:txBody>
+          <a:bodyPr/>
+          <a:lstStyle/>
+          <a:p>
+            <a:r>
+              <a:rPr lang="en-US" dirty="0"/>
+              <a:t>Topics</a:t>
+            </a:r>
+          </a:p>
+        </p:txBody>
+      </p:sp>
+      <p:sp>
+        <p:nvSpPr>
+          <p:cNvPr id="9" name="Content Placeholder 8">
+            <a:extLst>
+              <a:ext uri="{FF2B5EF4-FFF2-40B4-BE49-F238E27FC236}">
+                <a16:creationId xmlns:a16="http://schemas.microsoft.com/office/drawing/2014/main" id="{E3B2E017-30B2-884B-A113-B419A2ED51AD}"/>
+              </a:ext>
+            </a:extLst>
+          </p:cNvPr>
+          <p:cNvSpPr>
+            <a:spLocks noGrp="1"/>
+          </p:cNvSpPr>
+          <p:nvPr>
+            <p:ph idx="1"/>
+          </p:nvPr>
+        </p:nvSpPr>
+        <p:spPr>
+          <a:xfrm>
+            <a:off x="483848" y="1019503"/>
+            <a:ext cx="8051725" cy="4571999"/>
+          </a:xfrm>
+        </p:spPr>
+        <p:txBody>
+          <a:bodyPr/>
+          <a:lstStyle/>
+          <a:p>
+            <a:pPr marL="0" indent="0">
+              <a:buNone/>
+            </a:pPr>
+            <a:endParaRPr lang="en-US" dirty="0">
+              <a:latin typeface="Gill Sans MT" panose="020B0502020104020203" pitchFamily="34" charset="77"/>
+            </a:endParaRPr>
+          </a:p>
+          <a:p>
+            <a:pPr marL="457200" indent="-457200">
+              <a:buFont typeface="+mj-lt"/>
+              <a:buAutoNum type="arabicParenR"/>
+            </a:pPr>
+            <a:r>
+              <a:rPr lang="en-US" dirty="0">
+                <a:latin typeface="Gill Sans MT" panose="020B0502020104020203" pitchFamily="34" charset="77"/>
+              </a:rPr>
+              <a:t>Operations</a:t>
+            </a:r>
+          </a:p>
+          <a:p>
+            <a:pPr marL="800100" lvl="1" indent="-457200">
+              <a:buFont typeface="+mj-lt"/>
+              <a:buAutoNum type="alphaLcParenR"/>
+            </a:pPr>
+            <a:r>
+              <a:rPr lang="en-US" dirty="0">
+                <a:latin typeface="Gill Sans MT" panose="020B0502020104020203" pitchFamily="34" charset="77"/>
+              </a:rPr>
+              <a:t>Arithmetic</a:t>
+            </a:r>
+          </a:p>
+          <a:p>
+            <a:pPr marL="800100" lvl="1" indent="-457200">
+              <a:buFont typeface="+mj-lt"/>
+              <a:buAutoNum type="alphaLcParenR"/>
+            </a:pPr>
+            <a:r>
+              <a:rPr lang="en-US" dirty="0">
+                <a:latin typeface="Gill Sans MT" panose="020B0502020104020203" pitchFamily="34" charset="77"/>
+              </a:rPr>
+              <a:t>Comparison</a:t>
+            </a:r>
+          </a:p>
+          <a:p>
+            <a:pPr marL="800100" lvl="1" indent="-457200">
+              <a:buFont typeface="+mj-lt"/>
+              <a:buAutoNum type="alphaLcParenR"/>
+            </a:pPr>
+            <a:r>
+              <a:rPr lang="en-US" dirty="0">
+                <a:latin typeface="Gill Sans MT" panose="020B0502020104020203" pitchFamily="34" charset="77"/>
+              </a:rPr>
+              <a:t>Boolean</a:t>
+            </a:r>
+          </a:p>
+          <a:p>
+            <a:pPr marL="457200" indent="-457200">
+              <a:buFont typeface="+mj-lt"/>
+              <a:buAutoNum type="arabicParenR"/>
+            </a:pPr>
+            <a:r>
+              <a:rPr lang="en-US" dirty="0">
+                <a:latin typeface="Gill Sans MT" panose="020B0502020104020203" pitchFamily="34" charset="77"/>
+              </a:rPr>
+              <a:t>Variables</a:t>
+            </a:r>
+          </a:p>
+          <a:p>
+            <a:pPr marL="457200" indent="-457200">
+              <a:buFont typeface="+mj-lt"/>
+              <a:buAutoNum type="arabicParenR"/>
+            </a:pPr>
+            <a:r>
+              <a:rPr lang="en-US" dirty="0">
+                <a:latin typeface="Gill Sans MT" panose="020B0502020104020203" pitchFamily="34" charset="77"/>
+              </a:rPr>
+              <a:t>Assignments and Augmented Assignments</a:t>
+            </a:r>
+          </a:p>
+          <a:p>
+            <a:pPr marL="457200" indent="-457200">
+              <a:buFont typeface="+mj-lt"/>
+              <a:buAutoNum type="arabicParenR"/>
+            </a:pPr>
+            <a:r>
+              <a:rPr lang="en-US" dirty="0">
+                <a:latin typeface="Gill Sans MT" panose="020B0502020104020203" pitchFamily="34" charset="77"/>
+              </a:rPr>
+              <a:t>User input</a:t>
+            </a:r>
+          </a:p>
+          <a:p>
+            <a:pPr marL="0" indent="0">
+              <a:buNone/>
+            </a:pPr>
+            <a:endParaRPr lang="en-US" dirty="0">
+              <a:latin typeface="Gill Sans MT" panose="020B0502020104020203" pitchFamily="34" charset="77"/>
+            </a:endParaRPr>
+          </a:p>
+          <a:p>
+            <a:pPr marL="342900" lvl="1" indent="0">
+              <a:buNone/>
+            </a:pPr>
+            <a:endParaRPr lang="en-US" dirty="0">
+              <a:latin typeface="Gill Sans MT" panose="020B0502020104020203" pitchFamily="34" charset="77"/>
+            </a:endParaRPr>
+          </a:p>
+          <a:p>
+            <a:pPr marL="457200" indent="-457200">
+              <a:buFont typeface="+mj-lt"/>
+              <a:buAutoNum type="arabicParenR"/>
+            </a:pPr>
+            <a:endParaRPr lang="en-US" dirty="0">
+              <a:latin typeface="Gill Sans MT" panose="020B0502020104020203" pitchFamily="34" charset="77"/>
+            </a:endParaRPr>
+          </a:p>
+          <a:p>
+            <a:pPr marL="457200" indent="-457200">
+              <a:buAutoNum type="arabicParenR"/>
+            </a:pPr>
+            <a:endParaRPr lang="en-US" dirty="0">
+              <a:latin typeface="Gill Sans MT" panose="020B0502020104020203" pitchFamily="34" charset="77"/>
+            </a:endParaRPr>
+          </a:p>
+          <a:p>
+            <a:pPr marL="457200" indent="-457200">
+              <a:buAutoNum type="arabicParenR"/>
+            </a:pPr>
+            <a:endParaRPr lang="en-US" dirty="0">
+              <a:latin typeface="Gill Sans MT" panose="020B0502020104020203" pitchFamily="34" charset="77"/>
+            </a:endParaRPr>
+          </a:p>
+          <a:p>
+            <a:pPr marL="0" indent="0">
+              <a:buNone/>
+            </a:pPr>
+            <a:endParaRPr lang="en-US" dirty="0">
+              <a:latin typeface="Gill Sans MT" panose="020B0502020104020203" pitchFamily="34" charset="77"/>
+            </a:endParaRPr>
+          </a:p>
+          <a:p>
+            <a:pPr marL="0" indent="0">
+              <a:buNone/>
+            </a:pPr>
+            <a:endParaRPr lang="en-US" b="1" dirty="0">
+              <a:latin typeface="Gill Sans MT" panose="020B0502020104020203" pitchFamily="34" charset="77"/>
+            </a:endParaRPr>
+          </a:p>
+        </p:txBody>
+      </p:sp>
+    </p:spTree>
+    <p:extLst>
+      <p:ext uri="{BB962C8B-B14F-4D97-AF65-F5344CB8AC3E}">
+        <p14:creationId xmlns:p14="http://schemas.microsoft.com/office/powerpoint/2010/main" val="2207246265"/>
+      </p:ext>
+    </p:extLst>
+  </p:cSld>
+  <p:clrMapOvr>
+    <a:masterClrMapping/>
+  </p:clrMapOvr>
+  <p:timing>
+    <p:tnLst>
+      <p:par>
+        <p:cTn id="1" dur="indefinite" restart="never" nodeType="tmRoot">
+          <p:childTnLst>
+            <p:seq concurrent="1" nextAc="seek">
+              <p:cTn id="2" dur="indefinite" nodeType="mainSeq">
+                <p:childTnLst>
+                  <p:par>
+                    <p:cTn id="3" fill="hold">
+                      <p:stCondLst>
+                        <p:cond delay="indefinite"/>
+                      </p:stCondLst>
+                      <p:childTnLst>
+                        <p:par>
+                          <p:cTn id="4" fill="hold">
+                            <p:stCondLst>
+                              <p:cond delay="0"/>
+                            </p:stCondLst>
+                            <p:childTnLst>
+                              <p:par>
+                                <p:cTn id="5" presetID="1" presetClass="entr" presetSubtype="0" fill="hold" nodeType="clickEffect">
+                                  <p:stCondLst>
+                                    <p:cond delay="0"/>
+                                  </p:stCondLst>
+                                  <p:childTnLst>
+                                    <p:set>
+                                      <p:cBhvr>
+                                        <p:cTn id="6" dur="1" fill="hold">
+                                          <p:stCondLst>
+                                            <p:cond delay="0"/>
+                                          </p:stCondLst>
+                                        </p:cTn>
+                                        <p:tgtEl>
+                                          <p:spTgt spid="9">
+                                            <p:txEl>
+                                              <p:pRg st="5" end="5"/>
+                                            </p:txEl>
+                                          </p:spTgt>
+                                        </p:tgtEl>
+                                        <p:attrNameLst>
+                                          <p:attrName>style.visibility</p:attrName>
+                                        </p:attrNameLst>
+                                      </p:cBhvr>
+                                      <p:to>
+                                        <p:strVal val="visible"/>
+                                      </p:to>
+                                    </p:set>
+                                  </p:childTnLst>
+                                </p:cTn>
+                              </p:par>
+                            </p:childTnLst>
+                          </p:cTn>
+                        </p:par>
+                      </p:childTnLst>
+                    </p:cTn>
+                  </p:par>
+                  <p:par>
+                    <p:cTn id="7" fill="hold">
+                      <p:stCondLst>
+                        <p:cond delay="indefinite"/>
+                      </p:stCondLst>
+                      <p:childTnLst>
+                        <p:par>
+                          <p:cTn id="8" fill="hold">
+                            <p:stCondLst>
+                              <p:cond delay="0"/>
+                            </p:stCondLst>
+                            <p:childTnLst>
+                              <p:par>
+                                <p:cTn id="9" presetID="1" presetClass="entr" presetSubtype="0" fill="hold" nodeType="clickEffect">
+                                  <p:stCondLst>
+                                    <p:cond delay="0"/>
+                                  </p:stCondLst>
+                                  <p:childTnLst>
+                                    <p:set>
+                                      <p:cBhvr>
+                                        <p:cTn id="10" dur="1" fill="hold">
+                                          <p:stCondLst>
+                                            <p:cond delay="0"/>
+                                          </p:stCondLst>
+                                        </p:cTn>
+                                        <p:tgtEl>
+                                          <p:spTgt spid="9">
+                                            <p:txEl>
+                                              <p:pRg st="6" end="6"/>
+                                            </p:txEl>
+                                          </p:spTgt>
+                                        </p:tgtEl>
+                                        <p:attrNameLst>
+                                          <p:attrName>style.visibility</p:attrName>
+                                        </p:attrNameLst>
+                                      </p:cBhvr>
+                                      <p:to>
+                                        <p:strVal val="visible"/>
+                                      </p:to>
+                                    </p:set>
+                                  </p:childTnLst>
+                                </p:cTn>
+                              </p:par>
+                            </p:childTnLst>
+                          </p:cTn>
+                        </p:par>
+                      </p:childTnLst>
+                    </p:cTn>
+                  </p:par>
+                  <p:par>
+                    <p:cTn id="11" fill="hold">
+                      <p:stCondLst>
+                        <p:cond delay="indefinite"/>
+                      </p:stCondLst>
+                      <p:childTnLst>
+                        <p:par>
+                          <p:cTn id="12" fill="hold">
+                            <p:stCondLst>
+                              <p:cond delay="0"/>
+                            </p:stCondLst>
+                            <p:childTnLst>
+                              <p:par>
+                                <p:cTn id="13" presetID="1" presetClass="entr" presetSubtype="0" fill="hold" nodeType="clickEffect">
+                                  <p:stCondLst>
+                                    <p:cond delay="0"/>
+                                  </p:stCondLst>
+                                  <p:childTnLst>
+                                    <p:set>
+                                      <p:cBhvr>
+                                        <p:cTn id="14" dur="1" fill="hold">
+                                          <p:stCondLst>
+                                            <p:cond delay="0"/>
+                                          </p:stCondLst>
+                                        </p:cTn>
+                                        <p:tgtEl>
+                                          <p:spTgt spid="9">
+                                            <p:txEl>
+                                              <p:pRg st="7" end="7"/>
+                                            </p:txEl>
+                                          </p:spTgt>
+                                        </p:tgtEl>
+                                        <p:attrNameLst>
+                                          <p:attrName>style.visibility</p:attrName>
+                                        </p:attrNameLst>
+                                      </p:cBhvr>
+                                      <p:to>
+                                        <p:strVal val="visible"/>
+                                      </p:to>
+                                    </p:set>
+                                  </p:childTnLst>
+                                </p:cTn>
+                              </p:par>
+                            </p:childTnLst>
+                          </p:cTn>
+                        </p:par>
+                      </p:childTnLst>
+                    </p:cTn>
+                  </p:par>
+                </p:childTnLst>
+              </p:cTn>
+              <p:prevCondLst>
+                <p:cond evt="onPrev" delay="0">
+                  <p:tgtEl>
+                    <p:sldTgt/>
+                  </p:tgtEl>
+                </p:cond>
+              </p:prevCondLst>
+              <p:nextCondLst>
+                <p:cond evt="onNext" delay="0">
+                  <p:tgtEl>
+                    <p:sldTgt/>
+                  </p:tgtEl>
+                </p:cond>
+              </p:nextCondLst>
+            </p:seq>
+          </p:childTnLst>
+        </p:cTn>
+      </p:par>
+    </p:tnLst>
+  </p:timing>
+</p:sld>
+</file>
+
+<file path=ppt/slides/slide20.xml><?xml version="1.0" encoding="utf-8"?>
 <p:sld xmlns:a="http://schemas.openxmlformats.org/drawingml/2006/main" xmlns:r="http://schemas.openxmlformats.org/officeDocument/2006/relationships" xmlns:p="http://schemas.openxmlformats.org/presentationml/2006/main">
   <p:cSld>
     <p:spTree>
@@ -8269,7 +13558,7 @@
 </p:sld>
 </file>
 
-<file path=ppt/slides/slide17.xml><?xml version="1.0" encoding="utf-8"?>
+<file path=ppt/slides/slide21.xml><?xml version="1.0" encoding="utf-8"?>
 <p:sld xmlns:a="http://schemas.openxmlformats.org/drawingml/2006/main" xmlns:r="http://schemas.openxmlformats.org/officeDocument/2006/relationships" xmlns:p="http://schemas.openxmlformats.org/presentationml/2006/main">
   <p:cSld>
     <p:spTree>
@@ -8656,7 +13945,7 @@
 </p:sld>
 </file>
 
-<file path=ppt/slides/slide18.xml><?xml version="1.0" encoding="utf-8"?>
+<file path=ppt/slides/slide22.xml><?xml version="1.0" encoding="utf-8"?>
 <p:sld xmlns:a="http://schemas.openxmlformats.org/drawingml/2006/main" xmlns:r="http://schemas.openxmlformats.org/officeDocument/2006/relationships" xmlns:p="http://schemas.openxmlformats.org/presentationml/2006/main">
   <p:cSld>
     <p:spTree>
@@ -9128,7 +14417,7 @@
 </p:sld>
 </file>
 
-<file path=ppt/slides/slide19.xml><?xml version="1.0" encoding="utf-8"?>
+<file path=ppt/slides/slide23.xml><?xml version="1.0" encoding="utf-8"?>
 <p:sld xmlns:a="http://schemas.openxmlformats.org/drawingml/2006/main" xmlns:r="http://schemas.openxmlformats.org/officeDocument/2006/relationships" xmlns:p="http://schemas.openxmlformats.org/presentationml/2006/main">
   <p:cSld>
     <p:spTree>
@@ -9842,423 +15131,7 @@
 </p:sld>
 </file>
 
-<file path=ppt/slides/slide2.xml><?xml version="1.0" encoding="utf-8"?>
-<p:sld xmlns:a="http://schemas.openxmlformats.org/drawingml/2006/main" xmlns:r="http://schemas.openxmlformats.org/officeDocument/2006/relationships" xmlns:p="http://schemas.openxmlformats.org/presentationml/2006/main">
-  <p:cSld>
-    <p:spTree>
-      <p:nvGrpSpPr>
-        <p:cNvPr id="1" name=""/>
-        <p:cNvGrpSpPr/>
-        <p:nvPr/>
-      </p:nvGrpSpPr>
-      <p:grpSpPr>
-        <a:xfrm>
-          <a:off x="0" y="0"/>
-          <a:ext cx="0" cy="0"/>
-          <a:chOff x="0" y="0"/>
-          <a:chExt cx="0" cy="0"/>
-        </a:xfrm>
-      </p:grpSpPr>
-      <p:sp>
-        <p:nvSpPr>
-          <p:cNvPr id="2" name="Title 1">
-            <a:extLst>
-              <a:ext uri="{FF2B5EF4-FFF2-40B4-BE49-F238E27FC236}">
-                <a16:creationId xmlns:a16="http://schemas.microsoft.com/office/drawing/2014/main" id="{AA3A228F-61D0-D949-A5E7-F83756230BF8}"/>
-              </a:ext>
-            </a:extLst>
-          </p:cNvPr>
-          <p:cNvSpPr>
-            <a:spLocks noGrp="1"/>
-          </p:cNvSpPr>
-          <p:nvPr>
-            <p:ph type="title"/>
-          </p:nvPr>
-        </p:nvSpPr>
-        <p:spPr>
-          <a:xfrm>
-            <a:off x="483848" y="467027"/>
-            <a:ext cx="7053542" cy="683886"/>
-          </a:xfrm>
-        </p:spPr>
-        <p:txBody>
-          <a:bodyPr/>
-          <a:lstStyle/>
-          <a:p>
-            <a:r>
-              <a:rPr lang="en-US" dirty="0"/>
-              <a:t>Topics</a:t>
-            </a:r>
-          </a:p>
-        </p:txBody>
-      </p:sp>
-      <p:sp>
-        <p:nvSpPr>
-          <p:cNvPr id="9" name="Content Placeholder 8">
-            <a:extLst>
-              <a:ext uri="{FF2B5EF4-FFF2-40B4-BE49-F238E27FC236}">
-                <a16:creationId xmlns:a16="http://schemas.microsoft.com/office/drawing/2014/main" id="{E3B2E017-30B2-884B-A113-B419A2ED51AD}"/>
-              </a:ext>
-            </a:extLst>
-          </p:cNvPr>
-          <p:cNvSpPr>
-            <a:spLocks noGrp="1"/>
-          </p:cNvSpPr>
-          <p:nvPr>
-            <p:ph idx="1"/>
-          </p:nvPr>
-        </p:nvSpPr>
-        <p:spPr>
-          <a:xfrm>
-            <a:off x="483848" y="1019503"/>
-            <a:ext cx="8051725" cy="4571999"/>
-          </a:xfrm>
-        </p:spPr>
-        <p:txBody>
-          <a:bodyPr/>
-          <a:lstStyle/>
-          <a:p>
-            <a:pPr marL="0" indent="0">
-              <a:buNone/>
-            </a:pPr>
-            <a:endParaRPr lang="en-US" dirty="0">
-              <a:latin typeface="Gill Sans MT" panose="020B0502020104020203" pitchFamily="34" charset="77"/>
-            </a:endParaRPr>
-          </a:p>
-          <a:p>
-            <a:pPr marL="457200" indent="-457200">
-              <a:buFont typeface="+mj-lt"/>
-              <a:buAutoNum type="arabicParenR"/>
-            </a:pPr>
-            <a:r>
-              <a:rPr lang="en-US" dirty="0">
-                <a:latin typeface="Gill Sans MT" panose="020B0502020104020203" pitchFamily="34" charset="77"/>
-              </a:rPr>
-              <a:t>Operations</a:t>
-            </a:r>
-          </a:p>
-          <a:p>
-            <a:pPr marL="800100" lvl="1" indent="-457200">
-              <a:buFont typeface="+mj-lt"/>
-              <a:buAutoNum type="alphaLcParenR"/>
-            </a:pPr>
-            <a:r>
-              <a:rPr lang="en-US" dirty="0">
-                <a:latin typeface="Gill Sans MT" panose="020B0502020104020203" pitchFamily="34" charset="77"/>
-              </a:rPr>
-              <a:t>Arithmetic</a:t>
-            </a:r>
-          </a:p>
-          <a:p>
-            <a:pPr marL="800100" lvl="1" indent="-457200">
-              <a:buFont typeface="+mj-lt"/>
-              <a:buAutoNum type="alphaLcParenR"/>
-            </a:pPr>
-            <a:r>
-              <a:rPr lang="en-US" dirty="0">
-                <a:latin typeface="Gill Sans MT" panose="020B0502020104020203" pitchFamily="34" charset="77"/>
-              </a:rPr>
-              <a:t>Comparison</a:t>
-            </a:r>
-          </a:p>
-          <a:p>
-            <a:pPr marL="800100" lvl="1" indent="-457200">
-              <a:buFont typeface="+mj-lt"/>
-              <a:buAutoNum type="alphaLcParenR"/>
-            </a:pPr>
-            <a:r>
-              <a:rPr lang="en-US" dirty="0">
-                <a:latin typeface="Gill Sans MT" panose="020B0502020104020203" pitchFamily="34" charset="77"/>
-              </a:rPr>
-              <a:t>Boolean</a:t>
-            </a:r>
-          </a:p>
-          <a:p>
-            <a:pPr marL="457200" indent="-457200">
-              <a:buFont typeface="+mj-lt"/>
-              <a:buAutoNum type="arabicParenR"/>
-            </a:pPr>
-            <a:r>
-              <a:rPr lang="en-US" dirty="0">
-                <a:latin typeface="Gill Sans MT" panose="020B0502020104020203" pitchFamily="34" charset="77"/>
-              </a:rPr>
-              <a:t>Variables</a:t>
-            </a:r>
-          </a:p>
-          <a:p>
-            <a:pPr marL="457200" indent="-457200">
-              <a:buFont typeface="+mj-lt"/>
-              <a:buAutoNum type="arabicParenR"/>
-            </a:pPr>
-            <a:r>
-              <a:rPr lang="en-US" dirty="0">
-                <a:latin typeface="Gill Sans MT" panose="020B0502020104020203" pitchFamily="34" charset="77"/>
-              </a:rPr>
-              <a:t>Assignments and Augmented Assignments</a:t>
-            </a:r>
-          </a:p>
-          <a:p>
-            <a:pPr marL="457200" indent="-457200">
-              <a:buFont typeface="+mj-lt"/>
-              <a:buAutoNum type="arabicParenR"/>
-            </a:pPr>
-            <a:r>
-              <a:rPr lang="en-US" dirty="0">
-                <a:latin typeface="Gill Sans MT" panose="020B0502020104020203" pitchFamily="34" charset="77"/>
-              </a:rPr>
-              <a:t>User input</a:t>
-            </a:r>
-          </a:p>
-          <a:p>
-            <a:pPr marL="0" indent="0">
-              <a:buNone/>
-            </a:pPr>
-            <a:endParaRPr lang="en-US" dirty="0">
-              <a:latin typeface="Gill Sans MT" panose="020B0502020104020203" pitchFamily="34" charset="77"/>
-            </a:endParaRPr>
-          </a:p>
-          <a:p>
-            <a:pPr marL="342900" lvl="1" indent="0">
-              <a:buNone/>
-            </a:pPr>
-            <a:endParaRPr lang="en-US" dirty="0">
-              <a:latin typeface="Gill Sans MT" panose="020B0502020104020203" pitchFamily="34" charset="77"/>
-            </a:endParaRPr>
-          </a:p>
-          <a:p>
-            <a:pPr marL="457200" indent="-457200">
-              <a:buFont typeface="+mj-lt"/>
-              <a:buAutoNum type="arabicParenR"/>
-            </a:pPr>
-            <a:endParaRPr lang="en-US" dirty="0">
-              <a:latin typeface="Gill Sans MT" panose="020B0502020104020203" pitchFamily="34" charset="77"/>
-            </a:endParaRPr>
-          </a:p>
-          <a:p>
-            <a:pPr marL="457200" indent="-457200">
-              <a:buAutoNum type="arabicParenR"/>
-            </a:pPr>
-            <a:endParaRPr lang="en-US" dirty="0">
-              <a:latin typeface="Gill Sans MT" panose="020B0502020104020203" pitchFamily="34" charset="77"/>
-            </a:endParaRPr>
-          </a:p>
-          <a:p>
-            <a:pPr marL="457200" indent="-457200">
-              <a:buAutoNum type="arabicParenR"/>
-            </a:pPr>
-            <a:endParaRPr lang="en-US" dirty="0">
-              <a:latin typeface="Gill Sans MT" panose="020B0502020104020203" pitchFamily="34" charset="77"/>
-            </a:endParaRPr>
-          </a:p>
-          <a:p>
-            <a:pPr marL="0" indent="0">
-              <a:buNone/>
-            </a:pPr>
-            <a:endParaRPr lang="en-US" dirty="0">
-              <a:latin typeface="Gill Sans MT" panose="020B0502020104020203" pitchFamily="34" charset="77"/>
-            </a:endParaRPr>
-          </a:p>
-          <a:p>
-            <a:pPr marL="0" indent="0">
-              <a:buNone/>
-            </a:pPr>
-            <a:endParaRPr lang="en-US" b="1" dirty="0">
-              <a:latin typeface="Gill Sans MT" panose="020B0502020104020203" pitchFamily="34" charset="77"/>
-            </a:endParaRPr>
-          </a:p>
-        </p:txBody>
-      </p:sp>
-    </p:spTree>
-    <p:extLst>
-      <p:ext uri="{BB962C8B-B14F-4D97-AF65-F5344CB8AC3E}">
-        <p14:creationId xmlns:p14="http://schemas.microsoft.com/office/powerpoint/2010/main" val="2207246265"/>
-      </p:ext>
-    </p:extLst>
-  </p:cSld>
-  <p:clrMapOvr>
-    <a:masterClrMapping/>
-  </p:clrMapOvr>
-  <p:timing>
-    <p:tnLst>
-      <p:par>
-        <p:cTn id="1" dur="indefinite" restart="never" nodeType="tmRoot">
-          <p:childTnLst>
-            <p:seq concurrent="1" nextAc="seek">
-              <p:cTn id="2" dur="indefinite" nodeType="mainSeq">
-                <p:childTnLst>
-                  <p:par>
-                    <p:cTn id="3" fill="hold">
-                      <p:stCondLst>
-                        <p:cond delay="indefinite"/>
-                      </p:stCondLst>
-                      <p:childTnLst>
-                        <p:par>
-                          <p:cTn id="4" fill="hold">
-                            <p:stCondLst>
-                              <p:cond delay="0"/>
-                            </p:stCondLst>
-                            <p:childTnLst>
-                              <p:par>
-                                <p:cTn id="5" presetID="1" presetClass="entr" presetSubtype="0" fill="hold" nodeType="clickEffect">
-                                  <p:stCondLst>
-                                    <p:cond delay="0"/>
-                                  </p:stCondLst>
-                                  <p:childTnLst>
-                                    <p:set>
-                                      <p:cBhvr>
-                                        <p:cTn id="6" dur="1" fill="hold">
-                                          <p:stCondLst>
-                                            <p:cond delay="0"/>
-                                          </p:stCondLst>
-                                        </p:cTn>
-                                        <p:tgtEl>
-                                          <p:spTgt spid="9">
-                                            <p:txEl>
-                                              <p:pRg st="5" end="5"/>
-                                            </p:txEl>
-                                          </p:spTgt>
-                                        </p:tgtEl>
-                                        <p:attrNameLst>
-                                          <p:attrName>style.visibility</p:attrName>
-                                        </p:attrNameLst>
-                                      </p:cBhvr>
-                                      <p:to>
-                                        <p:strVal val="visible"/>
-                                      </p:to>
-                                    </p:set>
-                                  </p:childTnLst>
-                                </p:cTn>
-                              </p:par>
-                            </p:childTnLst>
-                          </p:cTn>
-                        </p:par>
-                      </p:childTnLst>
-                    </p:cTn>
-                  </p:par>
-                  <p:par>
-                    <p:cTn id="7" fill="hold">
-                      <p:stCondLst>
-                        <p:cond delay="indefinite"/>
-                      </p:stCondLst>
-                      <p:childTnLst>
-                        <p:par>
-                          <p:cTn id="8" fill="hold">
-                            <p:stCondLst>
-                              <p:cond delay="0"/>
-                            </p:stCondLst>
-                            <p:childTnLst>
-                              <p:par>
-                                <p:cTn id="9" presetID="1" presetClass="entr" presetSubtype="0" fill="hold" nodeType="clickEffect">
-                                  <p:stCondLst>
-                                    <p:cond delay="0"/>
-                                  </p:stCondLst>
-                                  <p:childTnLst>
-                                    <p:set>
-                                      <p:cBhvr>
-                                        <p:cTn id="10" dur="1" fill="hold">
-                                          <p:stCondLst>
-                                            <p:cond delay="0"/>
-                                          </p:stCondLst>
-                                        </p:cTn>
-                                        <p:tgtEl>
-                                          <p:spTgt spid="9">
-                                            <p:txEl>
-                                              <p:pRg st="6" end="6"/>
-                                            </p:txEl>
-                                          </p:spTgt>
-                                        </p:tgtEl>
-                                        <p:attrNameLst>
-                                          <p:attrName>style.visibility</p:attrName>
-                                        </p:attrNameLst>
-                                      </p:cBhvr>
-                                      <p:to>
-                                        <p:strVal val="visible"/>
-                                      </p:to>
-                                    </p:set>
-                                  </p:childTnLst>
-                                </p:cTn>
-                              </p:par>
-                            </p:childTnLst>
-                          </p:cTn>
-                        </p:par>
-                      </p:childTnLst>
-                    </p:cTn>
-                  </p:par>
-                  <p:par>
-                    <p:cTn id="11" fill="hold">
-                      <p:stCondLst>
-                        <p:cond delay="indefinite"/>
-                      </p:stCondLst>
-                      <p:childTnLst>
-                        <p:par>
-                          <p:cTn id="12" fill="hold">
-                            <p:stCondLst>
-                              <p:cond delay="0"/>
-                            </p:stCondLst>
-                            <p:childTnLst>
-                              <p:par>
-                                <p:cTn id="13" presetID="1" presetClass="entr" presetSubtype="0" fill="hold" nodeType="clickEffect">
-                                  <p:stCondLst>
-                                    <p:cond delay="0"/>
-                                  </p:stCondLst>
-                                  <p:childTnLst>
-                                    <p:set>
-                                      <p:cBhvr>
-                                        <p:cTn id="14" dur="1" fill="hold">
-                                          <p:stCondLst>
-                                            <p:cond delay="0"/>
-                                          </p:stCondLst>
-                                        </p:cTn>
-                                        <p:tgtEl>
-                                          <p:spTgt spid="9">
-                                            <p:txEl>
-                                              <p:pRg st="7" end="7"/>
-                                            </p:txEl>
-                                          </p:spTgt>
-                                        </p:tgtEl>
-                                        <p:attrNameLst>
-                                          <p:attrName>style.visibility</p:attrName>
-                                        </p:attrNameLst>
-                                      </p:cBhvr>
-                                      <p:to>
-                                        <p:strVal val="visible"/>
-                                      </p:to>
-                                    </p:set>
-                                  </p:childTnLst>
-                                </p:cTn>
-                              </p:par>
-                            </p:childTnLst>
-                          </p:cTn>
-                        </p:par>
-                      </p:childTnLst>
-                    </p:cTn>
-                  </p:par>
-                </p:childTnLst>
-              </p:cTn>
-              <p:prevCondLst>
-                <p:cond evt="onPrev" delay="0">
-                  <p:tgtEl>
-                    <p:sldTgt/>
-                  </p:tgtEl>
-                </p:cond>
-              </p:prevCondLst>
-              <p:nextCondLst>
-                <p:cond evt="onNext" delay="0">
-                  <p:tgtEl>
-                    <p:sldTgt/>
-                  </p:tgtEl>
-                </p:cond>
-              </p:nextCondLst>
-            </p:seq>
-          </p:childTnLst>
-        </p:cTn>
-      </p:par>
-    </p:tnLst>
-  </p:timing>
-</p:sld>
-</file>
-
-<file path=ppt/slides/slide20.xml><?xml version="1.0" encoding="utf-8"?>
+<file path=ppt/slides/slide24.xml><?xml version="1.0" encoding="utf-8"?>
 <p:sld xmlns:a="http://schemas.openxmlformats.org/drawingml/2006/main" xmlns:r="http://schemas.openxmlformats.org/officeDocument/2006/relationships" xmlns:p="http://schemas.openxmlformats.org/presentationml/2006/main">
   <p:cSld>
     <p:spTree>
@@ -11023,7 +15896,7 @@
 </p:sld>
 </file>
 
-<file path=ppt/slides/slide21.xml><?xml version="1.0" encoding="utf-8"?>
+<file path=ppt/slides/slide25.xml><?xml version="1.0" encoding="utf-8"?>
 <p:sld xmlns:a="http://schemas.openxmlformats.org/drawingml/2006/main" xmlns:r="http://schemas.openxmlformats.org/officeDocument/2006/relationships" xmlns:p="http://schemas.openxmlformats.org/presentationml/2006/main">
   <p:cSld>
     <p:spTree>
@@ -11690,7 +16563,7 @@
 </p:sld>
 </file>
 
-<file path=ppt/slides/slide22.xml><?xml version="1.0" encoding="utf-8"?>
+<file path=ppt/slides/slide26.xml><?xml version="1.0" encoding="utf-8"?>
 <p:sld xmlns:a="http://schemas.openxmlformats.org/drawingml/2006/main" xmlns:r="http://schemas.openxmlformats.org/officeDocument/2006/relationships" xmlns:p="http://schemas.openxmlformats.org/presentationml/2006/main">
   <p:cSld>
     <p:spTree>
@@ -12094,7 +16967,7 @@
 </p:sld>
 </file>
 
-<file path=ppt/slides/slide23.xml><?xml version="1.0" encoding="utf-8"?>
+<file path=ppt/slides/slide27.xml><?xml version="1.0" encoding="utf-8"?>
 <p:sld xmlns:a="http://schemas.openxmlformats.org/drawingml/2006/main" xmlns:r="http://schemas.openxmlformats.org/officeDocument/2006/relationships" xmlns:p="http://schemas.openxmlformats.org/presentationml/2006/main">
   <p:cSld>
     <p:spTree>
@@ -12521,7 +17394,7 @@
 </p:sld>
 </file>
 
-<file path=ppt/slides/slide24.xml><?xml version="1.0" encoding="utf-8"?>
+<file path=ppt/slides/slide28.xml><?xml version="1.0" encoding="utf-8"?>
 <p:sld xmlns:a="http://schemas.openxmlformats.org/drawingml/2006/main" xmlns:r="http://schemas.openxmlformats.org/officeDocument/2006/relationships" xmlns:p="http://schemas.openxmlformats.org/presentationml/2006/main">
   <p:cSld>
     <p:spTree>
@@ -12895,7 +17768,7 @@
 </p:sld>
 </file>
 
-<file path=ppt/slides/slide25.xml><?xml version="1.0" encoding="utf-8"?>
+<file path=ppt/slides/slide29.xml><?xml version="1.0" encoding="utf-8"?>
 <p:sld xmlns:a="http://schemas.openxmlformats.org/drawingml/2006/main" xmlns:r="http://schemas.openxmlformats.org/officeDocument/2006/relationships" xmlns:p="http://schemas.openxmlformats.org/presentationml/2006/main">
   <p:cSld>
     <p:spTree>
@@ -13535,160 +18408,6 @@
 </p:sld>
 </file>
 
-<file path=ppt/slides/slide26.xml><?xml version="1.0" encoding="utf-8"?>
-<p:sld xmlns:a="http://schemas.openxmlformats.org/drawingml/2006/main" xmlns:r="http://schemas.openxmlformats.org/officeDocument/2006/relationships" xmlns:p="http://schemas.openxmlformats.org/presentationml/2006/main">
-  <p:cSld>
-    <p:spTree>
-      <p:nvGrpSpPr>
-        <p:cNvPr id="1" name=""/>
-        <p:cNvGrpSpPr/>
-        <p:nvPr/>
-      </p:nvGrpSpPr>
-      <p:grpSpPr>
-        <a:xfrm>
-          <a:off x="0" y="0"/>
-          <a:ext cx="0" cy="0"/>
-          <a:chOff x="0" y="0"/>
-          <a:chExt cx="0" cy="0"/>
-        </a:xfrm>
-      </p:grpSpPr>
-      <p:sp>
-        <p:nvSpPr>
-          <p:cNvPr id="2" name="Title 1">
-            <a:extLst>
-              <a:ext uri="{FF2B5EF4-FFF2-40B4-BE49-F238E27FC236}">
-                <a16:creationId xmlns:a16="http://schemas.microsoft.com/office/drawing/2014/main" id="{AA3A228F-61D0-D949-A5E7-F83756230BF8}"/>
-              </a:ext>
-            </a:extLst>
-          </p:cNvPr>
-          <p:cNvSpPr>
-            <a:spLocks noGrp="1"/>
-          </p:cNvSpPr>
-          <p:nvPr>
-            <p:ph type="title"/>
-          </p:nvPr>
-        </p:nvSpPr>
-        <p:spPr>
-          <a:xfrm>
-            <a:off x="483848" y="467027"/>
-            <a:ext cx="7053542" cy="683886"/>
-          </a:xfrm>
-        </p:spPr>
-        <p:txBody>
-          <a:bodyPr/>
-          <a:lstStyle/>
-          <a:p>
-            <a:r>
-              <a:rPr lang="en-US" dirty="0"/>
-              <a:t>References</a:t>
-            </a:r>
-          </a:p>
-        </p:txBody>
-      </p:sp>
-      <p:sp>
-        <p:nvSpPr>
-          <p:cNvPr id="9" name="Content Placeholder 8">
-            <a:extLst>
-              <a:ext uri="{FF2B5EF4-FFF2-40B4-BE49-F238E27FC236}">
-                <a16:creationId xmlns:a16="http://schemas.microsoft.com/office/drawing/2014/main" id="{E3B2E017-30B2-884B-A113-B419A2ED51AD}"/>
-              </a:ext>
-            </a:extLst>
-          </p:cNvPr>
-          <p:cNvSpPr>
-            <a:spLocks noGrp="1"/>
-          </p:cNvSpPr>
-          <p:nvPr>
-            <p:ph idx="1"/>
-          </p:nvPr>
-        </p:nvSpPr>
-        <p:spPr>
-          <a:xfrm>
-            <a:off x="483848" y="1150913"/>
-            <a:ext cx="8051725" cy="4440590"/>
-          </a:xfrm>
-        </p:spPr>
-        <p:txBody>
-          <a:bodyPr>
-            <a:noAutofit/>
-          </a:bodyPr>
-          <a:lstStyle/>
-          <a:p>
-            <a:pPr marL="0" indent="0">
-              <a:buNone/>
-            </a:pPr>
-            <a:endParaRPr lang="en-US" dirty="0"/>
-          </a:p>
-          <a:p>
-            <a:pPr marL="0" indent="0">
-              <a:buNone/>
-            </a:pPr>
-            <a:endParaRPr lang="en-US"/>
-          </a:p>
-          <a:p>
-            <a:pPr marL="0" indent="0">
-              <a:buNone/>
-            </a:pPr>
-            <a:endParaRPr lang="en-US" dirty="0"/>
-          </a:p>
-          <a:p>
-            <a:pPr marL="457200" indent="-457200">
-              <a:buAutoNum type="arabicParenR"/>
-            </a:pPr>
-            <a:r>
-              <a:rPr lang="en-US" dirty="0" err="1"/>
-              <a:t>Vanderplas</a:t>
-            </a:r>
-            <a:r>
-              <a:rPr lang="en-US" dirty="0"/>
-              <a:t>, Jake, A Whirlwind Tour of Python, </a:t>
-            </a:r>
-            <a:r>
-              <a:rPr lang="en-US" dirty="0" err="1"/>
-              <a:t>O’reilly</a:t>
-            </a:r>
-            <a:r>
-              <a:rPr lang="en-US" dirty="0"/>
-              <a:t> Media. </a:t>
-            </a:r>
-          </a:p>
-          <a:p>
-            <a:pPr marL="0" indent="0">
-              <a:buNone/>
-            </a:pPr>
-            <a:endParaRPr lang="en-US" dirty="0"/>
-          </a:p>
-          <a:p>
-            <a:pPr marL="0" indent="0">
-              <a:buNone/>
-            </a:pPr>
-            <a:r>
-              <a:rPr lang="en-US" dirty="0"/>
-              <a:t>This book is completely free and can be downloaded online at </a:t>
-            </a:r>
-            <a:r>
-              <a:rPr lang="en-US" dirty="0" err="1"/>
-              <a:t>O’reilly’s</a:t>
-            </a:r>
-            <a:r>
-              <a:rPr lang="en-US" dirty="0"/>
-              <a:t> site. </a:t>
-            </a:r>
-          </a:p>
-        </p:txBody>
-      </p:sp>
-    </p:spTree>
-    <p:extLst>
-      <p:ext uri="{BB962C8B-B14F-4D97-AF65-F5344CB8AC3E}">
-        <p14:creationId xmlns:p14="http://schemas.microsoft.com/office/powerpoint/2010/main" val="1728628262"/>
-      </p:ext>
-    </p:extLst>
-  </p:cSld>
-  <p:clrMapOvr>
-    <a:masterClrMapping/>
-  </p:clrMapOvr>
-</p:sld>
-</file>
-
 <file path=ppt/slides/slide3.xml><?xml version="1.0" encoding="utf-8"?>
 <p:sld xmlns:a="http://schemas.openxmlformats.org/drawingml/2006/main" xmlns:r="http://schemas.openxmlformats.org/officeDocument/2006/relationships" xmlns:p="http://schemas.openxmlformats.org/presentationml/2006/main">
   <p:cSld>
@@ -13816,6 +18535,160 @@
     <p:extLst>
       <p:ext uri="{BB962C8B-B14F-4D97-AF65-F5344CB8AC3E}">
         <p14:creationId xmlns:p14="http://schemas.microsoft.com/office/powerpoint/2010/main" val="3043984240"/>
+      </p:ext>
+    </p:extLst>
+  </p:cSld>
+  <p:clrMapOvr>
+    <a:masterClrMapping/>
+  </p:clrMapOvr>
+</p:sld>
+</file>
+
+<file path=ppt/slides/slide30.xml><?xml version="1.0" encoding="utf-8"?>
+<p:sld xmlns:a="http://schemas.openxmlformats.org/drawingml/2006/main" xmlns:r="http://schemas.openxmlformats.org/officeDocument/2006/relationships" xmlns:p="http://schemas.openxmlformats.org/presentationml/2006/main">
+  <p:cSld>
+    <p:spTree>
+      <p:nvGrpSpPr>
+        <p:cNvPr id="1" name=""/>
+        <p:cNvGrpSpPr/>
+        <p:nvPr/>
+      </p:nvGrpSpPr>
+      <p:grpSpPr>
+        <a:xfrm>
+          <a:off x="0" y="0"/>
+          <a:ext cx="0" cy="0"/>
+          <a:chOff x="0" y="0"/>
+          <a:chExt cx="0" cy="0"/>
+        </a:xfrm>
+      </p:grpSpPr>
+      <p:sp>
+        <p:nvSpPr>
+          <p:cNvPr id="2" name="Title 1">
+            <a:extLst>
+              <a:ext uri="{FF2B5EF4-FFF2-40B4-BE49-F238E27FC236}">
+                <a16:creationId xmlns:a16="http://schemas.microsoft.com/office/drawing/2014/main" id="{AA3A228F-61D0-D949-A5E7-F83756230BF8}"/>
+              </a:ext>
+            </a:extLst>
+          </p:cNvPr>
+          <p:cNvSpPr>
+            <a:spLocks noGrp="1"/>
+          </p:cNvSpPr>
+          <p:nvPr>
+            <p:ph type="title"/>
+          </p:nvPr>
+        </p:nvSpPr>
+        <p:spPr>
+          <a:xfrm>
+            <a:off x="483848" y="467027"/>
+            <a:ext cx="7053542" cy="683886"/>
+          </a:xfrm>
+        </p:spPr>
+        <p:txBody>
+          <a:bodyPr/>
+          <a:lstStyle/>
+          <a:p>
+            <a:r>
+              <a:rPr lang="en-US" dirty="0"/>
+              <a:t>References</a:t>
+            </a:r>
+          </a:p>
+        </p:txBody>
+      </p:sp>
+      <p:sp>
+        <p:nvSpPr>
+          <p:cNvPr id="9" name="Content Placeholder 8">
+            <a:extLst>
+              <a:ext uri="{FF2B5EF4-FFF2-40B4-BE49-F238E27FC236}">
+                <a16:creationId xmlns:a16="http://schemas.microsoft.com/office/drawing/2014/main" id="{E3B2E017-30B2-884B-A113-B419A2ED51AD}"/>
+              </a:ext>
+            </a:extLst>
+          </p:cNvPr>
+          <p:cNvSpPr>
+            <a:spLocks noGrp="1"/>
+          </p:cNvSpPr>
+          <p:nvPr>
+            <p:ph idx="1"/>
+          </p:nvPr>
+        </p:nvSpPr>
+        <p:spPr>
+          <a:xfrm>
+            <a:off x="483848" y="1150913"/>
+            <a:ext cx="8051725" cy="4440590"/>
+          </a:xfrm>
+        </p:spPr>
+        <p:txBody>
+          <a:bodyPr>
+            <a:noAutofit/>
+          </a:bodyPr>
+          <a:lstStyle/>
+          <a:p>
+            <a:pPr marL="0" indent="0">
+              <a:buNone/>
+            </a:pPr>
+            <a:endParaRPr lang="en-US" dirty="0"/>
+          </a:p>
+          <a:p>
+            <a:pPr marL="0" indent="0">
+              <a:buNone/>
+            </a:pPr>
+            <a:endParaRPr lang="en-US"/>
+          </a:p>
+          <a:p>
+            <a:pPr marL="0" indent="0">
+              <a:buNone/>
+            </a:pPr>
+            <a:endParaRPr lang="en-US" dirty="0"/>
+          </a:p>
+          <a:p>
+            <a:pPr marL="457200" indent="-457200">
+              <a:buAutoNum type="arabicParenR"/>
+            </a:pPr>
+            <a:r>
+              <a:rPr lang="en-US" dirty="0" err="1"/>
+              <a:t>Vanderplas</a:t>
+            </a:r>
+            <a:r>
+              <a:rPr lang="en-US" dirty="0"/>
+              <a:t>, Jake, A Whirlwind Tour of Python, </a:t>
+            </a:r>
+            <a:r>
+              <a:rPr lang="en-US" dirty="0" err="1"/>
+              <a:t>O’reilly</a:t>
+            </a:r>
+            <a:r>
+              <a:rPr lang="en-US" dirty="0"/>
+              <a:t> Media. </a:t>
+            </a:r>
+          </a:p>
+          <a:p>
+            <a:pPr marL="0" indent="0">
+              <a:buNone/>
+            </a:pPr>
+            <a:endParaRPr lang="en-US" dirty="0"/>
+          </a:p>
+          <a:p>
+            <a:pPr marL="0" indent="0">
+              <a:buNone/>
+            </a:pPr>
+            <a:r>
+              <a:rPr lang="en-US" dirty="0"/>
+              <a:t>This book is completely free and can be downloaded online at </a:t>
+            </a:r>
+            <a:r>
+              <a:rPr lang="en-US" dirty="0" err="1"/>
+              <a:t>O’reilly’s</a:t>
+            </a:r>
+            <a:r>
+              <a:rPr lang="en-US" dirty="0"/>
+              <a:t> site. </a:t>
+            </a:r>
+          </a:p>
+        </p:txBody>
+      </p:sp>
+    </p:spTree>
+    <p:extLst>
+      <p:ext uri="{BB962C8B-B14F-4D97-AF65-F5344CB8AC3E}">
+        <p14:creationId xmlns:p14="http://schemas.microsoft.com/office/powerpoint/2010/main" val="1728628262"/>
       </p:ext>
     </p:extLst>
   </p:cSld>
@@ -15208,6 +20081,777 @@
 </file>
 
 <file path=ppt/slides/slide6.xml><?xml version="1.0" encoding="utf-8"?>
+<p:sld xmlns:a="http://schemas.openxmlformats.org/drawingml/2006/main" xmlns:r="http://schemas.openxmlformats.org/officeDocument/2006/relationships" xmlns:p="http://schemas.openxmlformats.org/presentationml/2006/main" showMasterPhAnim="0">
+  <p:cSld>
+    <p:spTree>
+      <p:nvGrpSpPr>
+        <p:cNvPr id="1" name=""/>
+        <p:cNvGrpSpPr/>
+        <p:nvPr/>
+      </p:nvGrpSpPr>
+      <p:grpSpPr>
+        <a:xfrm>
+          <a:off x="0" y="0"/>
+          <a:ext cx="0" cy="0"/>
+          <a:chOff x="0" y="0"/>
+          <a:chExt cx="0" cy="0"/>
+        </a:xfrm>
+      </p:grpSpPr>
+      <p:sp>
+        <p:nvSpPr>
+          <p:cNvPr id="9218" name="Rectangle 2">
+            <a:extLst>
+              <a:ext uri="{FF2B5EF4-FFF2-40B4-BE49-F238E27FC236}">
+                <a16:creationId xmlns:a16="http://schemas.microsoft.com/office/drawing/2014/main" id="{B2A9DB22-9F1D-6246-8ADC-4607FADFA321}"/>
+              </a:ext>
+            </a:extLst>
+          </p:cNvPr>
+          <p:cNvSpPr>
+            <a:spLocks noGrp="1" noChangeArrowheads="1"/>
+          </p:cNvSpPr>
+          <p:nvPr>
+            <p:ph type="title" idx="4294967295"/>
+          </p:nvPr>
+        </p:nvSpPr>
+        <p:spPr>
+          <a:xfrm>
+            <a:off x="376858" y="222710"/>
+            <a:ext cx="7886700" cy="689642"/>
+          </a:xfrm>
+        </p:spPr>
+        <p:txBody>
+          <a:bodyPr vert="horz" lIns="0" tIns="45720" rIns="0" bIns="0" rtlCol="0" anchor="b">
+            <a:normAutofit/>
+          </a:bodyPr>
+          <a:lstStyle/>
+          <a:p>
+            <a:pPr eaLnBrk="1" hangingPunct="1">
+              <a:defRPr/>
+            </a:pPr>
+            <a:r>
+              <a:rPr lang="en-US" dirty="0"/>
+              <a:t>R</a:t>
+            </a:r>
+            <a:r>
+              <a:rPr lang="en-US" dirty="0">
+                <a:cs typeface="+mj-cs"/>
+              </a:rPr>
+              <a:t>emainder with </a:t>
+            </a:r>
+            <a:r>
+              <a:rPr lang="en-US" dirty="0">
+                <a:latin typeface="Courier New" charset="0"/>
+                <a:cs typeface="+mj-cs"/>
+              </a:rPr>
+              <a:t>%</a:t>
+            </a:r>
+          </a:p>
+        </p:txBody>
+      </p:sp>
+      <p:sp>
+        <p:nvSpPr>
+          <p:cNvPr id="379907" name="Rectangle 3">
+            <a:extLst>
+              <a:ext uri="{FF2B5EF4-FFF2-40B4-BE49-F238E27FC236}">
+                <a16:creationId xmlns:a16="http://schemas.microsoft.com/office/drawing/2014/main" id="{DFD80859-C625-5B49-9869-2DFC8F837F0E}"/>
+              </a:ext>
+            </a:extLst>
+          </p:cNvPr>
+          <p:cNvSpPr>
+            <a:spLocks noGrp="1" noChangeArrowheads="1"/>
+          </p:cNvSpPr>
+          <p:nvPr>
+            <p:ph idx="4294967295"/>
+          </p:nvPr>
+        </p:nvSpPr>
+        <p:spPr>
+          <a:xfrm>
+            <a:off x="376857" y="1020418"/>
+            <a:ext cx="8502099" cy="4694582"/>
+          </a:xfrm>
+        </p:spPr>
+        <p:txBody>
+          <a:bodyPr/>
+          <a:lstStyle/>
+          <a:p>
+            <a:pPr marL="0" indent="0">
+              <a:buNone/>
+              <a:tabLst>
+                <a:tab pos="1908893" algn="l"/>
+                <a:tab pos="3999018" algn="l"/>
+              </a:tabLst>
+            </a:pPr>
+            <a:r>
+              <a:rPr lang="en-US" altLang="en-US" sz="1833" dirty="0">
+                <a:ea typeface="ＭＳ Ｐゴシック" panose="020B0600070205080204" pitchFamily="34" charset="-128"/>
+              </a:rPr>
+              <a:t>The </a:t>
+            </a:r>
+            <a:r>
+              <a:rPr lang="en-US" altLang="en-US" sz="1833" dirty="0">
+                <a:latin typeface="Courier New" panose="02070309020205020404" pitchFamily="49" charset="0"/>
+                <a:ea typeface="ＭＳ Ｐゴシック" panose="020B0600070205080204" pitchFamily="34" charset="-128"/>
+              </a:rPr>
+              <a:t>%</a:t>
+            </a:r>
+            <a:r>
+              <a:rPr lang="en-US" altLang="en-US" sz="1833" dirty="0">
+                <a:ea typeface="ＭＳ Ｐゴシック" panose="020B0600070205080204" pitchFamily="34" charset="-128"/>
+              </a:rPr>
+              <a:t> operator computes the remainder from floor division.</a:t>
+            </a:r>
+          </a:p>
+          <a:p>
+            <a:pPr marL="533115" lvl="1" indent="-205044">
+              <a:tabLst>
+                <a:tab pos="1908893" algn="l"/>
+                <a:tab pos="3999018" algn="l"/>
+              </a:tabLst>
+            </a:pPr>
+            <a:r>
+              <a:rPr lang="en-US" altLang="en-US" dirty="0">
+                <a:latin typeface="Courier New" panose="02070309020205020404" pitchFamily="49" charset="0"/>
+                <a:ea typeface="ＭＳ Ｐゴシック" panose="020B0600070205080204" pitchFamily="34" charset="-128"/>
+              </a:rPr>
+              <a:t>14 % 4</a:t>
+            </a:r>
+            <a:r>
+              <a:rPr lang="en-US" altLang="en-US" dirty="0">
+                <a:ea typeface="ＭＳ Ｐゴシック" panose="020B0600070205080204" pitchFamily="34" charset="-128"/>
+              </a:rPr>
+              <a:t>	is  </a:t>
+            </a:r>
+            <a:r>
+              <a:rPr lang="en-US" altLang="en-US" dirty="0">
+                <a:latin typeface="Courier New" panose="02070309020205020404" pitchFamily="49" charset="0"/>
+                <a:ea typeface="ＭＳ Ｐゴシック" panose="020B0600070205080204" pitchFamily="34" charset="-128"/>
+              </a:rPr>
+              <a:t>2</a:t>
+            </a:r>
+          </a:p>
+          <a:p>
+            <a:pPr marL="533115" lvl="1" indent="-205044">
+              <a:tabLst>
+                <a:tab pos="1908893" algn="l"/>
+                <a:tab pos="3999018" algn="l"/>
+              </a:tabLst>
+            </a:pPr>
+            <a:r>
+              <a:rPr lang="en-US" altLang="en-US" dirty="0">
+                <a:latin typeface="Courier New" panose="02070309020205020404" pitchFamily="49" charset="0"/>
+                <a:ea typeface="ＭＳ Ｐゴシック" panose="020B0600070205080204" pitchFamily="34" charset="-128"/>
+              </a:rPr>
+              <a:t>218 % 5</a:t>
+            </a:r>
+            <a:r>
+              <a:rPr lang="en-US" altLang="en-US" dirty="0">
+                <a:ea typeface="ＭＳ Ｐゴシック" panose="020B0600070205080204" pitchFamily="34" charset="-128"/>
+              </a:rPr>
+              <a:t>	is  </a:t>
+            </a:r>
+            <a:r>
+              <a:rPr lang="en-US" altLang="en-US" dirty="0">
+                <a:latin typeface="Courier New" panose="02070309020205020404" pitchFamily="49" charset="0"/>
+                <a:ea typeface="ＭＳ Ｐゴシック" panose="020B0600070205080204" pitchFamily="34" charset="-128"/>
+              </a:rPr>
+              <a:t>3</a:t>
+            </a:r>
+            <a:br>
+              <a:rPr lang="en-US" altLang="en-US" sz="667" dirty="0">
+                <a:latin typeface="Courier New" panose="02070309020205020404" pitchFamily="49" charset="0"/>
+                <a:ea typeface="ＭＳ Ｐゴシック" panose="020B0600070205080204" pitchFamily="34" charset="-128"/>
+              </a:rPr>
+            </a:br>
+            <a:r>
+              <a:rPr lang="en-US" altLang="en-US" sz="667" dirty="0">
+                <a:latin typeface="Courier New" panose="02070309020205020404" pitchFamily="49" charset="0"/>
+                <a:ea typeface="ＭＳ Ｐゴシック" panose="020B0600070205080204" pitchFamily="34" charset="-128"/>
+              </a:rPr>
+              <a:t> </a:t>
+            </a:r>
+            <a:br>
+              <a:rPr lang="en-US" altLang="en-US" sz="667" dirty="0">
+                <a:latin typeface="Courier New" panose="02070309020205020404" pitchFamily="49" charset="0"/>
+                <a:ea typeface="ＭＳ Ｐゴシック" panose="020B0600070205080204" pitchFamily="34" charset="-128"/>
+              </a:rPr>
+            </a:br>
+            <a:r>
+              <a:rPr lang="en-US" altLang="en-US" sz="1667" dirty="0">
+                <a:latin typeface="Courier New" panose="02070309020205020404" pitchFamily="49" charset="0"/>
+                <a:ea typeface="ＭＳ Ｐゴシック" panose="020B0600070205080204" pitchFamily="34" charset="-128"/>
+              </a:rPr>
+              <a:t>     </a:t>
+            </a:r>
+            <a:r>
+              <a:rPr lang="en-US" altLang="en-US" sz="1667" u="sng" dirty="0">
+                <a:latin typeface="Courier New" panose="02070309020205020404" pitchFamily="49" charset="0"/>
+                <a:ea typeface="ＭＳ Ｐゴシック" panose="020B0600070205080204" pitchFamily="34" charset="-128"/>
+              </a:rPr>
+              <a:t>   3</a:t>
+            </a:r>
+            <a:r>
+              <a:rPr lang="en-US" altLang="en-US" sz="1667" dirty="0">
+                <a:latin typeface="Courier New" panose="02070309020205020404" pitchFamily="49" charset="0"/>
+                <a:ea typeface="ＭＳ Ｐゴシック" panose="020B0600070205080204" pitchFamily="34" charset="-128"/>
+              </a:rPr>
+              <a:t>                </a:t>
+            </a:r>
+            <a:r>
+              <a:rPr lang="en-US" altLang="en-US" sz="1667" u="sng" dirty="0">
+                <a:latin typeface="Courier New" panose="02070309020205020404" pitchFamily="49" charset="0"/>
+                <a:ea typeface="ＭＳ Ｐゴシック" panose="020B0600070205080204" pitchFamily="34" charset="-128"/>
+              </a:rPr>
+              <a:t>   43</a:t>
+            </a:r>
+            <a:br>
+              <a:rPr lang="en-US" altLang="en-US" sz="1667" u="sng" dirty="0">
+                <a:latin typeface="Courier New" panose="02070309020205020404" pitchFamily="49" charset="0"/>
+                <a:ea typeface="ＭＳ Ｐゴシック" panose="020B0600070205080204" pitchFamily="34" charset="-128"/>
+              </a:rPr>
+            </a:br>
+            <a:r>
+              <a:rPr lang="en-US" altLang="en-US" sz="1667" dirty="0">
+                <a:latin typeface="Courier New" panose="02070309020205020404" pitchFamily="49" charset="0"/>
+                <a:ea typeface="ＭＳ Ｐゴシック" panose="020B0600070205080204" pitchFamily="34" charset="-128"/>
+              </a:rPr>
+              <a:t>   4 ) 14              5 ) 218</a:t>
+            </a:r>
+            <a:br>
+              <a:rPr lang="en-US" altLang="en-US" sz="1667" dirty="0">
+                <a:latin typeface="Courier New" panose="02070309020205020404" pitchFamily="49" charset="0"/>
+                <a:ea typeface="ＭＳ Ｐゴシック" panose="020B0600070205080204" pitchFamily="34" charset="-128"/>
+              </a:rPr>
+            </a:br>
+            <a:r>
+              <a:rPr lang="en-US" altLang="en-US" sz="1667" dirty="0">
+                <a:latin typeface="Courier New" panose="02070309020205020404" pitchFamily="49" charset="0"/>
+                <a:ea typeface="ＭＳ Ｐゴシック" panose="020B0600070205080204" pitchFamily="34" charset="-128"/>
+              </a:rPr>
+              <a:t>       </a:t>
+            </a:r>
+            <a:r>
+              <a:rPr lang="en-US" altLang="en-US" sz="1667" u="sng" dirty="0">
+                <a:latin typeface="Courier New" panose="02070309020205020404" pitchFamily="49" charset="0"/>
+                <a:ea typeface="ＭＳ Ｐゴシック" panose="020B0600070205080204" pitchFamily="34" charset="-128"/>
+              </a:rPr>
+              <a:t>12</a:t>
+            </a:r>
+            <a:r>
+              <a:rPr lang="en-US" altLang="en-US" sz="1667" dirty="0">
+                <a:latin typeface="Courier New" panose="02070309020205020404" pitchFamily="49" charset="0"/>
+                <a:ea typeface="ＭＳ Ｐゴシック" panose="020B0600070205080204" pitchFamily="34" charset="-128"/>
+              </a:rPr>
+              <a:t>                  </a:t>
+            </a:r>
+            <a:r>
+              <a:rPr lang="en-US" altLang="en-US" sz="1667" u="sng" dirty="0">
+                <a:latin typeface="Courier New" panose="02070309020205020404" pitchFamily="49" charset="0"/>
+                <a:ea typeface="ＭＳ Ｐゴシック" panose="020B0600070205080204" pitchFamily="34" charset="-128"/>
+              </a:rPr>
+              <a:t>20</a:t>
+            </a:r>
+            <a:br>
+              <a:rPr lang="en-US" altLang="en-US" sz="1667" dirty="0">
+                <a:latin typeface="Courier New" panose="02070309020205020404" pitchFamily="49" charset="0"/>
+                <a:ea typeface="ＭＳ Ｐゴシック" panose="020B0600070205080204" pitchFamily="34" charset="-128"/>
+              </a:rPr>
+            </a:br>
+            <a:r>
+              <a:rPr lang="en-US" altLang="en-US" sz="1667" dirty="0">
+                <a:latin typeface="Courier New" panose="02070309020205020404" pitchFamily="49" charset="0"/>
+                <a:ea typeface="ＭＳ Ｐゴシック" panose="020B0600070205080204" pitchFamily="34" charset="-128"/>
+              </a:rPr>
+              <a:t>        </a:t>
+            </a:r>
+            <a:r>
+              <a:rPr lang="en-US" altLang="en-US" sz="1667" b="1" dirty="0">
+                <a:latin typeface="Courier New" panose="02070309020205020404" pitchFamily="49" charset="0"/>
+                <a:ea typeface="ＭＳ Ｐゴシック" panose="020B0600070205080204" pitchFamily="34" charset="-128"/>
+              </a:rPr>
+              <a:t>2</a:t>
+            </a:r>
+            <a:r>
+              <a:rPr lang="en-US" altLang="en-US" sz="1667" dirty="0">
+                <a:latin typeface="Courier New" panose="02070309020205020404" pitchFamily="49" charset="0"/>
+                <a:ea typeface="ＭＳ Ｐゴシック" panose="020B0600070205080204" pitchFamily="34" charset="-128"/>
+              </a:rPr>
+              <a:t>                   18</a:t>
+            </a:r>
+            <a:br>
+              <a:rPr lang="en-US" altLang="en-US" sz="1667" dirty="0">
+                <a:latin typeface="Courier New" panose="02070309020205020404" pitchFamily="49" charset="0"/>
+                <a:ea typeface="ＭＳ Ｐゴシック" panose="020B0600070205080204" pitchFamily="34" charset="-128"/>
+              </a:rPr>
+            </a:br>
+            <a:r>
+              <a:rPr lang="en-US" altLang="en-US" sz="1667" dirty="0">
+                <a:latin typeface="Courier New" panose="02070309020205020404" pitchFamily="49" charset="0"/>
+                <a:ea typeface="ＭＳ Ｐゴシック" panose="020B0600070205080204" pitchFamily="34" charset="-128"/>
+              </a:rPr>
+              <a:t>                            </a:t>
+            </a:r>
+            <a:r>
+              <a:rPr lang="en-US" altLang="en-US" sz="1667" u="sng" dirty="0">
+                <a:latin typeface="Courier New" panose="02070309020205020404" pitchFamily="49" charset="0"/>
+                <a:ea typeface="ＭＳ Ｐゴシック" panose="020B0600070205080204" pitchFamily="34" charset="-128"/>
+              </a:rPr>
+              <a:t>15</a:t>
+            </a:r>
+            <a:br>
+              <a:rPr lang="en-US" altLang="en-US" sz="1667" u="sng" dirty="0">
+                <a:latin typeface="Courier New" panose="02070309020205020404" pitchFamily="49" charset="0"/>
+                <a:ea typeface="ＭＳ Ｐゴシック" panose="020B0600070205080204" pitchFamily="34" charset="-128"/>
+              </a:rPr>
+            </a:br>
+            <a:r>
+              <a:rPr lang="en-US" altLang="en-US" sz="1667" dirty="0">
+                <a:latin typeface="Courier New" panose="02070309020205020404" pitchFamily="49" charset="0"/>
+                <a:ea typeface="ＭＳ Ｐゴシック" panose="020B0600070205080204" pitchFamily="34" charset="-128"/>
+              </a:rPr>
+              <a:t>                             </a:t>
+            </a:r>
+            <a:r>
+              <a:rPr lang="en-US" altLang="en-US" sz="1667" b="1" dirty="0">
+                <a:latin typeface="Courier New" panose="02070309020205020404" pitchFamily="49" charset="0"/>
+                <a:ea typeface="ＭＳ Ｐゴシック" panose="020B0600070205080204" pitchFamily="34" charset="-128"/>
+              </a:rPr>
+              <a:t>3</a:t>
+            </a:r>
+          </a:p>
+          <a:p>
+            <a:pPr marL="227533" indent="-227533">
+              <a:buNone/>
+              <a:tabLst>
+                <a:tab pos="1908893" algn="l"/>
+                <a:tab pos="3999018" algn="l"/>
+              </a:tabLst>
+            </a:pPr>
+            <a:endParaRPr lang="en-US" altLang="en-US" sz="667" dirty="0">
+              <a:ea typeface="ＭＳ Ｐゴシック" panose="020B0600070205080204" pitchFamily="34" charset="-128"/>
+            </a:endParaRPr>
+          </a:p>
+          <a:p>
+            <a:pPr marL="227533" indent="-227533">
+              <a:buNone/>
+              <a:tabLst>
+                <a:tab pos="1908893" algn="l"/>
+                <a:tab pos="3999018" algn="l"/>
+              </a:tabLst>
+            </a:pPr>
+            <a:endParaRPr lang="en-US" altLang="en-US" sz="667" dirty="0">
+              <a:ea typeface="ＭＳ Ｐゴシック" panose="020B0600070205080204" pitchFamily="34" charset="-128"/>
+            </a:endParaRPr>
+          </a:p>
+          <a:p>
+            <a:pPr marL="227533" indent="-227533">
+              <a:lnSpc>
+                <a:spcPct val="110000"/>
+              </a:lnSpc>
+              <a:tabLst>
+                <a:tab pos="1908893" algn="l"/>
+                <a:tab pos="3999018" algn="l"/>
+              </a:tabLst>
+            </a:pPr>
+            <a:r>
+              <a:rPr lang="en-US" altLang="en-US" dirty="0">
+                <a:ea typeface="ＭＳ Ｐゴシック" panose="020B0600070205080204" pitchFamily="34" charset="-128"/>
+              </a:rPr>
+              <a:t>Applications of </a:t>
+            </a:r>
+            <a:r>
+              <a:rPr lang="en-US" altLang="en-US" dirty="0">
+                <a:latin typeface="Courier New" panose="02070309020205020404" pitchFamily="49" charset="0"/>
+                <a:ea typeface="ＭＳ Ｐゴシック" panose="020B0600070205080204" pitchFamily="34" charset="-128"/>
+              </a:rPr>
+              <a:t>%</a:t>
+            </a:r>
+            <a:r>
+              <a:rPr lang="en-US" altLang="en-US" dirty="0">
+                <a:ea typeface="ＭＳ Ｐゴシック" panose="020B0600070205080204" pitchFamily="34" charset="-128"/>
+              </a:rPr>
+              <a:t> operator:</a:t>
+            </a:r>
+          </a:p>
+          <a:p>
+            <a:pPr marL="533115" lvl="1" indent="-205044">
+              <a:lnSpc>
+                <a:spcPct val="110000"/>
+              </a:lnSpc>
+              <a:tabLst>
+                <a:tab pos="1908893" algn="l"/>
+                <a:tab pos="3999018" algn="l"/>
+              </a:tabLst>
+            </a:pPr>
+            <a:r>
+              <a:rPr lang="en-US" altLang="en-US" dirty="0">
+                <a:ea typeface="ＭＳ Ｐゴシック" panose="020B0600070205080204" pitchFamily="34" charset="-128"/>
+              </a:rPr>
+              <a:t>Obtain last digit of a number:</a:t>
+            </a:r>
+            <a:r>
+              <a:rPr lang="en-US" altLang="en-US" i="1" dirty="0">
+                <a:ea typeface="ＭＳ Ｐゴシック" panose="020B0600070205080204" pitchFamily="34" charset="-128"/>
+              </a:rPr>
+              <a:t>	</a:t>
+            </a:r>
+            <a:r>
+              <a:rPr lang="en-US" altLang="en-US" dirty="0">
+                <a:latin typeface="Courier New" panose="02070309020205020404" pitchFamily="49" charset="0"/>
+                <a:ea typeface="ＭＳ Ｐゴシック" panose="020B0600070205080204" pitchFamily="34" charset="-128"/>
+              </a:rPr>
+              <a:t>230857 % 10</a:t>
+            </a:r>
+            <a:r>
+              <a:rPr lang="en-US" altLang="en-US" dirty="0">
+                <a:ea typeface="ＭＳ Ｐゴシック" panose="020B0600070205080204" pitchFamily="34" charset="-128"/>
+              </a:rPr>
+              <a:t> is </a:t>
+            </a:r>
+            <a:r>
+              <a:rPr lang="en-US" altLang="en-US" dirty="0">
+                <a:latin typeface="Courier New" panose="02070309020205020404" pitchFamily="49" charset="0"/>
+                <a:ea typeface="ＭＳ Ｐゴシック" panose="020B0600070205080204" pitchFamily="34" charset="-128"/>
+              </a:rPr>
+              <a:t>7</a:t>
+            </a:r>
+          </a:p>
+          <a:p>
+            <a:pPr marL="533115" lvl="1" indent="-205044">
+              <a:lnSpc>
+                <a:spcPct val="110000"/>
+              </a:lnSpc>
+              <a:tabLst>
+                <a:tab pos="1908893" algn="l"/>
+                <a:tab pos="3999018" algn="l"/>
+              </a:tabLst>
+            </a:pPr>
+            <a:r>
+              <a:rPr lang="en-US" altLang="en-US" dirty="0">
+                <a:ea typeface="ＭＳ Ｐゴシック" panose="020B0600070205080204" pitchFamily="34" charset="-128"/>
+              </a:rPr>
+              <a:t>Obtain last 4 digits:	</a:t>
+            </a:r>
+            <a:r>
+              <a:rPr lang="en-US" altLang="en-US" dirty="0">
+                <a:latin typeface="Courier New" panose="02070309020205020404" pitchFamily="49" charset="0"/>
+                <a:ea typeface="ＭＳ Ｐゴシック" panose="020B0600070205080204" pitchFamily="34" charset="-128"/>
+              </a:rPr>
+              <a:t>658236489 % 10000</a:t>
+            </a:r>
+            <a:r>
+              <a:rPr lang="en-US" altLang="en-US" dirty="0">
+                <a:ea typeface="ＭＳ Ｐゴシック" panose="020B0600070205080204" pitchFamily="34" charset="-128"/>
+              </a:rPr>
+              <a:t> is </a:t>
+            </a:r>
+            <a:r>
+              <a:rPr lang="en-US" altLang="en-US" dirty="0">
+                <a:latin typeface="Courier New" panose="02070309020205020404" pitchFamily="49" charset="0"/>
+                <a:ea typeface="ＭＳ Ｐゴシック" panose="020B0600070205080204" pitchFamily="34" charset="-128"/>
+              </a:rPr>
+              <a:t>6489</a:t>
+            </a:r>
+          </a:p>
+          <a:p>
+            <a:pPr marL="533115" lvl="1" indent="-205044">
+              <a:lnSpc>
+                <a:spcPct val="110000"/>
+              </a:lnSpc>
+              <a:tabLst>
+                <a:tab pos="1908893" algn="l"/>
+                <a:tab pos="3999018" algn="l"/>
+              </a:tabLst>
+            </a:pPr>
+            <a:r>
+              <a:rPr lang="en-US" altLang="en-US" dirty="0">
+                <a:ea typeface="ＭＳ Ｐゴシック" panose="020B0600070205080204" pitchFamily="34" charset="-128"/>
+              </a:rPr>
+              <a:t>See whether a number is odd:	</a:t>
+            </a:r>
+            <a:r>
+              <a:rPr lang="en-US" altLang="en-US" dirty="0">
+                <a:latin typeface="Courier New" panose="02070309020205020404" pitchFamily="49" charset="0"/>
+                <a:ea typeface="ＭＳ Ｐゴシック" panose="020B0600070205080204" pitchFamily="34" charset="-128"/>
+              </a:rPr>
+              <a:t>7 % 2</a:t>
+            </a:r>
+            <a:r>
+              <a:rPr lang="en-US" altLang="en-US" dirty="0">
+                <a:ea typeface="ＭＳ Ｐゴシック" panose="020B0600070205080204" pitchFamily="34" charset="-128"/>
+              </a:rPr>
+              <a:t> is </a:t>
+            </a:r>
+            <a:r>
+              <a:rPr lang="en-US" altLang="en-US" dirty="0">
+                <a:latin typeface="Courier New" panose="02070309020205020404" pitchFamily="49" charset="0"/>
+                <a:ea typeface="ＭＳ Ｐゴシック" panose="020B0600070205080204" pitchFamily="34" charset="-128"/>
+              </a:rPr>
+              <a:t>1</a:t>
+            </a:r>
+            <a:r>
+              <a:rPr lang="en-US" altLang="en-US" dirty="0">
+                <a:ea typeface="ＭＳ Ｐゴシック" panose="020B0600070205080204" pitchFamily="34" charset="-128"/>
+              </a:rPr>
+              <a:t>,  </a:t>
+            </a:r>
+            <a:r>
+              <a:rPr lang="en-US" altLang="en-US" dirty="0">
+                <a:latin typeface="Courier New" panose="02070309020205020404" pitchFamily="49" charset="0"/>
+                <a:ea typeface="ＭＳ Ｐゴシック" panose="020B0600070205080204" pitchFamily="34" charset="-128"/>
+              </a:rPr>
+              <a:t>42 % 2</a:t>
+            </a:r>
+            <a:r>
+              <a:rPr lang="en-US" altLang="en-US" dirty="0">
+                <a:ea typeface="ＭＳ Ｐゴシック" panose="020B0600070205080204" pitchFamily="34" charset="-128"/>
+              </a:rPr>
+              <a:t> is </a:t>
+            </a:r>
+            <a:r>
+              <a:rPr lang="en-US" altLang="en-US" dirty="0">
+                <a:latin typeface="Courier New" panose="02070309020205020404" pitchFamily="49" charset="0"/>
+                <a:ea typeface="ＭＳ Ｐゴシック" panose="020B0600070205080204" pitchFamily="34" charset="-128"/>
+              </a:rPr>
+              <a:t>0</a:t>
+            </a:r>
+          </a:p>
+        </p:txBody>
+      </p:sp>
+    </p:spTree>
+    <p:extLst>
+      <p:ext uri="{BB962C8B-B14F-4D97-AF65-F5344CB8AC3E}">
+        <p14:creationId xmlns:p14="http://schemas.microsoft.com/office/powerpoint/2010/main" val="2037727464"/>
+      </p:ext>
+    </p:extLst>
+  </p:cSld>
+  <p:clrMapOvr>
+    <a:masterClrMapping/>
+  </p:clrMapOvr>
+  <p:transition/>
+  <p:timing>
+    <p:tnLst>
+      <p:par>
+        <p:cTn id="1" dur="indefinite" restart="never" nodeType="tmRoot">
+          <p:childTnLst>
+            <p:seq concurrent="1" nextAc="seek">
+              <p:cTn id="2" dur="indefinite" nodeType="mainSeq">
+                <p:childTnLst>
+                  <p:par>
+                    <p:cTn id="3" fill="hold" nodeType="clickPar">
+                      <p:stCondLst>
+                        <p:cond delay="indefinite"/>
+                      </p:stCondLst>
+                      <p:childTnLst>
+                        <p:par>
+                          <p:cTn id="4" fill="hold" nodeType="withGroup">
+                            <p:stCondLst>
+                              <p:cond delay="0"/>
+                            </p:stCondLst>
+                            <p:childTnLst>
+                              <p:par>
+                                <p:cTn id="5" presetID="10" presetClass="entr" presetSubtype="0" fill="hold" nodeType="clickEffect">
+                                  <p:stCondLst>
+                                    <p:cond delay="0"/>
+                                  </p:stCondLst>
+                                  <p:childTnLst>
+                                    <p:set>
+                                      <p:cBhvr>
+                                        <p:cTn id="6" dur="1" fill="hold">
+                                          <p:stCondLst>
+                                            <p:cond delay="0"/>
+                                          </p:stCondLst>
+                                        </p:cTn>
+                                        <p:tgtEl>
+                                          <p:spTgt spid="379907">
+                                            <p:txEl>
+                                              <p:pRg st="5" end="5"/>
+                                            </p:txEl>
+                                          </p:spTgt>
+                                        </p:tgtEl>
+                                        <p:attrNameLst>
+                                          <p:attrName>style.visibility</p:attrName>
+                                        </p:attrNameLst>
+                                      </p:cBhvr>
+                                      <p:to>
+                                        <p:strVal val="visible"/>
+                                      </p:to>
+                                    </p:set>
+                                    <p:animEffect transition="in" filter="fade">
+                                      <p:cBhvr>
+                                        <p:cTn id="7" dur="1000"/>
+                                        <p:tgtEl>
+                                          <p:spTgt spid="379907">
+                                            <p:txEl>
+                                              <p:pRg st="5" end="5"/>
+                                            </p:txEl>
+                                          </p:spTgt>
+                                        </p:tgtEl>
+                                      </p:cBhvr>
+                                    </p:animEffect>
+                                  </p:childTnLst>
+                                </p:cTn>
+                              </p:par>
+                              <p:par>
+                                <p:cTn id="8" presetID="10" presetClass="entr" presetSubtype="0" fill="hold" nodeType="withEffect">
+                                  <p:stCondLst>
+                                    <p:cond delay="0"/>
+                                  </p:stCondLst>
+                                  <p:childTnLst>
+                                    <p:set>
+                                      <p:cBhvr>
+                                        <p:cTn id="9" dur="1" fill="hold">
+                                          <p:stCondLst>
+                                            <p:cond delay="0"/>
+                                          </p:stCondLst>
+                                        </p:cTn>
+                                        <p:tgtEl>
+                                          <p:spTgt spid="379907">
+                                            <p:txEl>
+                                              <p:pRg st="6" end="6"/>
+                                            </p:txEl>
+                                          </p:spTgt>
+                                        </p:tgtEl>
+                                        <p:attrNameLst>
+                                          <p:attrName>style.visibility</p:attrName>
+                                        </p:attrNameLst>
+                                      </p:cBhvr>
+                                      <p:to>
+                                        <p:strVal val="visible"/>
+                                      </p:to>
+                                    </p:set>
+                                    <p:animEffect transition="in" filter="fade">
+                                      <p:cBhvr>
+                                        <p:cTn id="10" dur="1000"/>
+                                        <p:tgtEl>
+                                          <p:spTgt spid="379907">
+                                            <p:txEl>
+                                              <p:pRg st="6" end="6"/>
+                                            </p:txEl>
+                                          </p:spTgt>
+                                        </p:tgtEl>
+                                      </p:cBhvr>
+                                    </p:animEffect>
+                                  </p:childTnLst>
+                                </p:cTn>
+                              </p:par>
+                              <p:par>
+                                <p:cTn id="11" presetID="10" presetClass="entr" presetSubtype="0" fill="hold" nodeType="withEffect">
+                                  <p:stCondLst>
+                                    <p:cond delay="0"/>
+                                  </p:stCondLst>
+                                  <p:childTnLst>
+                                    <p:set>
+                                      <p:cBhvr>
+                                        <p:cTn id="12" dur="1" fill="hold">
+                                          <p:stCondLst>
+                                            <p:cond delay="0"/>
+                                          </p:stCondLst>
+                                        </p:cTn>
+                                        <p:tgtEl>
+                                          <p:spTgt spid="379907">
+                                            <p:txEl>
+                                              <p:pRg st="7" end="7"/>
+                                            </p:txEl>
+                                          </p:spTgt>
+                                        </p:tgtEl>
+                                        <p:attrNameLst>
+                                          <p:attrName>style.visibility</p:attrName>
+                                        </p:attrNameLst>
+                                      </p:cBhvr>
+                                      <p:to>
+                                        <p:strVal val="visible"/>
+                                      </p:to>
+                                    </p:set>
+                                    <p:animEffect transition="in" filter="fade">
+                                      <p:cBhvr>
+                                        <p:cTn id="13" dur="1000"/>
+                                        <p:tgtEl>
+                                          <p:spTgt spid="379907">
+                                            <p:txEl>
+                                              <p:pRg st="7" end="7"/>
+                                            </p:txEl>
+                                          </p:spTgt>
+                                        </p:tgtEl>
+                                      </p:cBhvr>
+                                    </p:animEffect>
+                                  </p:childTnLst>
+                                </p:cTn>
+                              </p:par>
+                              <p:par>
+                                <p:cTn id="14" presetID="10" presetClass="entr" presetSubtype="0" fill="hold" nodeType="withEffect">
+                                  <p:stCondLst>
+                                    <p:cond delay="0"/>
+                                  </p:stCondLst>
+                                  <p:childTnLst>
+                                    <p:set>
+                                      <p:cBhvr>
+                                        <p:cTn id="15" dur="1" fill="hold">
+                                          <p:stCondLst>
+                                            <p:cond delay="0"/>
+                                          </p:stCondLst>
+                                        </p:cTn>
+                                        <p:tgtEl>
+                                          <p:spTgt spid="379907">
+                                            <p:txEl>
+                                              <p:pRg st="8" end="8"/>
+                                            </p:txEl>
+                                          </p:spTgt>
+                                        </p:tgtEl>
+                                        <p:attrNameLst>
+                                          <p:attrName>style.visibility</p:attrName>
+                                        </p:attrNameLst>
+                                      </p:cBhvr>
+                                      <p:to>
+                                        <p:strVal val="visible"/>
+                                      </p:to>
+                                    </p:set>
+                                    <p:animEffect transition="in" filter="fade">
+                                      <p:cBhvr>
+                                        <p:cTn id="16" dur="1000"/>
+                                        <p:tgtEl>
+                                          <p:spTgt spid="379907">
+                                            <p:txEl>
+                                              <p:pRg st="8" end="8"/>
+                                            </p:txEl>
+                                          </p:spTgt>
+                                        </p:tgtEl>
+                                      </p:cBhvr>
+                                    </p:animEffect>
+                                  </p:childTnLst>
+                                </p:cTn>
+                              </p:par>
+                            </p:childTnLst>
+                          </p:cTn>
+                        </p:par>
+                      </p:childTnLst>
+                    </p:cTn>
+                  </p:par>
+                </p:childTnLst>
+              </p:cTn>
+              <p:prevCondLst>
+                <p:cond evt="onPrev" delay="0">
+                  <p:tgtEl>
+                    <p:sldTgt/>
+                  </p:tgtEl>
+                </p:cond>
+              </p:prevCondLst>
+              <p:nextCondLst>
+                <p:cond evt="onNext" delay="0">
+                  <p:tgtEl>
+                    <p:sldTgt/>
+                  </p:tgtEl>
+                </p:cond>
+              </p:nextCondLst>
+            </p:seq>
+          </p:childTnLst>
+        </p:cTn>
+      </p:par>
+    </p:tnLst>
+  </p:timing>
+</p:sld>
+</file>
+
+<file path=ppt/slides/slide7.xml><?xml version="1.0" encoding="utf-8"?>
 <p:sld xmlns:a="http://schemas.openxmlformats.org/drawingml/2006/main" xmlns:r="http://schemas.openxmlformats.org/officeDocument/2006/relationships" xmlns:p="http://schemas.openxmlformats.org/presentationml/2006/main">
   <p:cSld>
     <p:spTree>
@@ -16237,7 +21881,7 @@
 </p:sld>
 </file>
 
-<file path=ppt/slides/slide7.xml><?xml version="1.0" encoding="utf-8"?>
+<file path=ppt/slides/slide8.xml><?xml version="1.0" encoding="utf-8"?>
 <p:sld xmlns:a="http://schemas.openxmlformats.org/drawingml/2006/main" xmlns:r="http://schemas.openxmlformats.org/officeDocument/2006/relationships" xmlns:p="http://schemas.openxmlformats.org/presentationml/2006/main">
   <p:cSld>
     <p:spTree>
@@ -16807,7 +22451,7 @@
 </p:sld>
 </file>
 
-<file path=ppt/slides/slide8.xml><?xml version="1.0" encoding="utf-8"?>
+<file path=ppt/slides/slide9.xml><?xml version="1.0" encoding="utf-8"?>
 <p:sld xmlns:a="http://schemas.openxmlformats.org/drawingml/2006/main" xmlns:r="http://schemas.openxmlformats.org/officeDocument/2006/relationships" xmlns:p="http://schemas.openxmlformats.org/presentationml/2006/main">
   <p:cSld>
     <p:spTree>
@@ -17278,596 +22922,6 @@
                                           <p:spTgt spid="9">
                                             <p:txEl>
                                               <p:pRg st="7" end="7"/>
-                                            </p:txEl>
-                                          </p:spTgt>
-                                        </p:tgtEl>
-                                        <p:attrNameLst>
-                                          <p:attrName>style.visibility</p:attrName>
-                                        </p:attrNameLst>
-                                      </p:cBhvr>
-                                      <p:to>
-                                        <p:strVal val="visible"/>
-                                      </p:to>
-                                    </p:set>
-                                  </p:childTnLst>
-                                </p:cTn>
-                              </p:par>
-                            </p:childTnLst>
-                          </p:cTn>
-                        </p:par>
-                      </p:childTnLst>
-                    </p:cTn>
-                  </p:par>
-                </p:childTnLst>
-              </p:cTn>
-              <p:prevCondLst>
-                <p:cond evt="onPrev" delay="0">
-                  <p:tgtEl>
-                    <p:sldTgt/>
-                  </p:tgtEl>
-                </p:cond>
-              </p:prevCondLst>
-              <p:nextCondLst>
-                <p:cond evt="onNext" delay="0">
-                  <p:tgtEl>
-                    <p:sldTgt/>
-                  </p:tgtEl>
-                </p:cond>
-              </p:nextCondLst>
-            </p:seq>
-          </p:childTnLst>
-        </p:cTn>
-      </p:par>
-    </p:tnLst>
-  </p:timing>
-</p:sld>
-</file>
-
-<file path=ppt/slides/slide9.xml><?xml version="1.0" encoding="utf-8"?>
-<p:sld xmlns:a="http://schemas.openxmlformats.org/drawingml/2006/main" xmlns:r="http://schemas.openxmlformats.org/officeDocument/2006/relationships" xmlns:p="http://schemas.openxmlformats.org/presentationml/2006/main">
-  <p:cSld>
-    <p:spTree>
-      <p:nvGrpSpPr>
-        <p:cNvPr id="1" name=""/>
-        <p:cNvGrpSpPr/>
-        <p:nvPr/>
-      </p:nvGrpSpPr>
-      <p:grpSpPr>
-        <a:xfrm>
-          <a:off x="0" y="0"/>
-          <a:ext cx="0" cy="0"/>
-          <a:chOff x="0" y="0"/>
-          <a:chExt cx="0" cy="0"/>
-        </a:xfrm>
-      </p:grpSpPr>
-      <p:sp>
-        <p:nvSpPr>
-          <p:cNvPr id="2" name="Title 1">
-            <a:extLst>
-              <a:ext uri="{FF2B5EF4-FFF2-40B4-BE49-F238E27FC236}">
-                <a16:creationId xmlns:a16="http://schemas.microsoft.com/office/drawing/2014/main" id="{AA3A228F-61D0-D949-A5E7-F83756230BF8}"/>
-              </a:ext>
-            </a:extLst>
-          </p:cNvPr>
-          <p:cNvSpPr>
-            <a:spLocks noGrp="1"/>
-          </p:cNvSpPr>
-          <p:nvPr>
-            <p:ph type="title"/>
-          </p:nvPr>
-        </p:nvSpPr>
-        <p:spPr>
-          <a:xfrm>
-            <a:off x="483848" y="467027"/>
-            <a:ext cx="7053542" cy="683886"/>
-          </a:xfrm>
-        </p:spPr>
-        <p:txBody>
-          <a:bodyPr/>
-          <a:lstStyle/>
-          <a:p>
-            <a:r>
-              <a:rPr lang="en-US" dirty="0"/>
-              <a:t>Exponentiation and Negation</a:t>
-            </a:r>
-          </a:p>
-        </p:txBody>
-      </p:sp>
-      <p:sp>
-        <p:nvSpPr>
-          <p:cNvPr id="9" name="Content Placeholder 8">
-            <a:extLst>
-              <a:ext uri="{FF2B5EF4-FFF2-40B4-BE49-F238E27FC236}">
-                <a16:creationId xmlns:a16="http://schemas.microsoft.com/office/drawing/2014/main" id="{E3B2E017-30B2-884B-A113-B419A2ED51AD}"/>
-              </a:ext>
-            </a:extLst>
-          </p:cNvPr>
-          <p:cNvSpPr>
-            <a:spLocks noGrp="1"/>
-          </p:cNvSpPr>
-          <p:nvPr>
-            <p:ph idx="1"/>
-          </p:nvPr>
-        </p:nvSpPr>
-        <p:spPr>
-          <a:xfrm>
-            <a:off x="483848" y="1150912"/>
-            <a:ext cx="8051725" cy="4564087"/>
-          </a:xfrm>
-        </p:spPr>
-        <p:txBody>
-          <a:bodyPr>
-            <a:noAutofit/>
-          </a:bodyPr>
-          <a:lstStyle/>
-          <a:p>
-            <a:pPr marL="0" indent="0">
-              <a:buNone/>
-            </a:pPr>
-            <a:endParaRPr lang="en-US" sz="2000" b="1" dirty="0">
-              <a:solidFill>
-                <a:srgbClr val="000087"/>
-              </a:solidFill>
-              <a:latin typeface="Inconsolata Medium" panose="020B0609030003000000" pitchFamily="49" charset="77"/>
-            </a:endParaRPr>
-          </a:p>
-          <a:p>
-            <a:pPr marL="0" indent="0">
-              <a:buNone/>
-            </a:pPr>
-            <a:r>
-              <a:rPr lang="en-US" sz="2000" b="1" dirty="0">
-                <a:solidFill>
-                  <a:srgbClr val="000087"/>
-                </a:solidFill>
-                <a:latin typeface="Inconsolata Medium" panose="020B0609030003000000" pitchFamily="49" charset="77"/>
-              </a:rPr>
-              <a:t>In</a:t>
-            </a:r>
-            <a:r>
-              <a:rPr lang="en-US" sz="2000" b="1" dirty="0">
-                <a:latin typeface="Inconsolata Medium" panose="020B0609030003000000" pitchFamily="49" charset="77"/>
-              </a:rPr>
-              <a:t>[</a:t>
-            </a:r>
-            <a:r>
-              <a:rPr lang="en-US" sz="2000" b="1" dirty="0">
-                <a:solidFill>
-                  <a:srgbClr val="FF6600"/>
-                </a:solidFill>
-                <a:latin typeface="Inconsolata Medium" panose="020B0609030003000000" pitchFamily="49" charset="77"/>
-              </a:rPr>
-              <a:t>1</a:t>
-            </a:r>
-            <a:r>
-              <a:rPr lang="en-US" sz="2000" b="1" dirty="0">
-                <a:latin typeface="Inconsolata Medium" panose="020B0609030003000000" pitchFamily="49" charset="77"/>
-              </a:rPr>
-              <a:t>]: 2 ** 3</a:t>
-            </a:r>
-            <a:r>
-              <a:rPr lang="en-US" sz="2000" b="1" dirty="0">
-                <a:solidFill>
-                  <a:srgbClr val="FF6600"/>
-                </a:solidFill>
-                <a:latin typeface="Inconsolata Medium" panose="020B0609030003000000" pitchFamily="49" charset="77"/>
-              </a:rPr>
-              <a:t> </a:t>
-            </a:r>
-          </a:p>
-          <a:p>
-            <a:pPr marL="0" indent="0">
-              <a:buNone/>
-            </a:pPr>
-            <a:r>
-              <a:rPr lang="en-US" sz="2000" b="1" dirty="0">
-                <a:latin typeface="Inconsolata Medium" panose="020B0609030003000000" pitchFamily="49" charset="77"/>
-              </a:rPr>
-              <a:t>Out[3]: 8</a:t>
-            </a:r>
-          </a:p>
-          <a:p>
-            <a:pPr marL="0" indent="0">
-              <a:buNone/>
-            </a:pPr>
-            <a:endParaRPr lang="en-US" sz="1900" dirty="0">
-              <a:latin typeface="Gill Sans MT" panose="020B0502020104020203" pitchFamily="34" charset="77"/>
-            </a:endParaRPr>
-          </a:p>
-          <a:p>
-            <a:pPr marL="0" indent="0">
-              <a:buNone/>
-            </a:pPr>
-            <a:r>
-              <a:rPr lang="en-US" sz="1900" dirty="0">
-                <a:latin typeface="Gill Sans MT" panose="020B0502020104020203" pitchFamily="34" charset="77"/>
-              </a:rPr>
-              <a:t>Negation is a </a:t>
-            </a:r>
-            <a:r>
-              <a:rPr lang="en-US" sz="1900" b="1" dirty="0">
-                <a:latin typeface="Gill Sans MT" panose="020B0502020104020203" pitchFamily="34" charset="77"/>
-              </a:rPr>
-              <a:t>unary operator</a:t>
-            </a:r>
-            <a:r>
-              <a:rPr lang="en-US" sz="1900" dirty="0">
-                <a:latin typeface="Gill Sans MT" panose="020B0502020104020203" pitchFamily="34" charset="77"/>
-              </a:rPr>
-              <a:t>. It applies to only one operand. Other operations such as +, -, *, /, //, % are </a:t>
-            </a:r>
-            <a:r>
-              <a:rPr lang="en-US" sz="1900" b="1" dirty="0">
-                <a:latin typeface="Gill Sans MT" panose="020B0502020104020203" pitchFamily="34" charset="77"/>
-              </a:rPr>
-              <a:t>binary operators</a:t>
-            </a:r>
-            <a:r>
-              <a:rPr lang="en-US" sz="1900" dirty="0">
-                <a:latin typeface="Gill Sans MT" panose="020B0502020104020203" pitchFamily="34" charset="77"/>
-              </a:rPr>
-              <a:t>, they apply to two operands. </a:t>
-            </a:r>
-          </a:p>
-          <a:p>
-            <a:pPr marL="0" indent="0">
-              <a:buNone/>
-            </a:pPr>
-            <a:endParaRPr lang="en-US" sz="1900" dirty="0">
-              <a:latin typeface="Gill Sans MT" panose="020B0502020104020203" pitchFamily="34" charset="77"/>
-            </a:endParaRPr>
-          </a:p>
-          <a:p>
-            <a:pPr marL="0" indent="0">
-              <a:buNone/>
-            </a:pPr>
-            <a:r>
-              <a:rPr lang="en-US" sz="1800" b="1" dirty="0">
-                <a:solidFill>
-                  <a:srgbClr val="000087"/>
-                </a:solidFill>
-                <a:latin typeface="Inconsolata Medium" panose="020B0609030003000000" pitchFamily="49" charset="77"/>
-              </a:rPr>
-              <a:t>In</a:t>
-            </a:r>
-            <a:r>
-              <a:rPr lang="en-US" sz="1800" b="1" dirty="0">
-                <a:latin typeface="Inconsolata Medium" panose="020B0609030003000000" pitchFamily="49" charset="77"/>
-              </a:rPr>
-              <a:t>[</a:t>
-            </a:r>
-            <a:r>
-              <a:rPr lang="en-US" sz="1800" b="1" dirty="0">
-                <a:solidFill>
-                  <a:srgbClr val="FF6600"/>
-                </a:solidFill>
-                <a:latin typeface="Inconsolata Medium" panose="020B0609030003000000" pitchFamily="49" charset="77"/>
-              </a:rPr>
-              <a:t>2</a:t>
-            </a:r>
-            <a:r>
-              <a:rPr lang="en-US" sz="1800" b="1" dirty="0">
-                <a:latin typeface="Inconsolata Medium" panose="020B0609030003000000" pitchFamily="49" charset="77"/>
-              </a:rPr>
-              <a:t>]: -5</a:t>
-            </a:r>
-            <a:r>
-              <a:rPr lang="en-US" sz="1800" b="1" dirty="0">
-                <a:solidFill>
-                  <a:srgbClr val="FF6600"/>
-                </a:solidFill>
-                <a:latin typeface="Inconsolata Medium" panose="020B0609030003000000" pitchFamily="49" charset="77"/>
-              </a:rPr>
-              <a:t> </a:t>
-            </a:r>
-          </a:p>
-          <a:p>
-            <a:pPr marL="0" indent="0">
-              <a:buNone/>
-            </a:pPr>
-            <a:r>
-              <a:rPr lang="en-US" sz="1800" b="1" dirty="0">
-                <a:latin typeface="Inconsolata Medium" panose="020B0609030003000000" pitchFamily="49" charset="77"/>
-              </a:rPr>
-              <a:t>Out [3]: -5</a:t>
-            </a:r>
-          </a:p>
-          <a:p>
-            <a:pPr marL="0" indent="0">
-              <a:buNone/>
-            </a:pPr>
-            <a:endParaRPr lang="en-US" sz="1900" dirty="0">
-              <a:latin typeface="Gill Sans MT" panose="020B0502020104020203" pitchFamily="34" charset="77"/>
-            </a:endParaRPr>
-          </a:p>
-          <a:p>
-            <a:pPr marL="0" indent="0">
-              <a:buNone/>
-            </a:pPr>
-            <a:r>
-              <a:rPr lang="en-US" sz="1800" b="1" dirty="0">
-                <a:solidFill>
-                  <a:srgbClr val="000087"/>
-                </a:solidFill>
-                <a:latin typeface="Inconsolata Medium" panose="020B0609030003000000" pitchFamily="49" charset="77"/>
-              </a:rPr>
-              <a:t>In</a:t>
-            </a:r>
-            <a:r>
-              <a:rPr lang="en-US" sz="1800" b="1" dirty="0">
-                <a:latin typeface="Inconsolata Medium" panose="020B0609030003000000" pitchFamily="49" charset="77"/>
-              </a:rPr>
-              <a:t>[</a:t>
-            </a:r>
-            <a:r>
-              <a:rPr lang="en-US" sz="1800" b="1" dirty="0">
-                <a:solidFill>
-                  <a:srgbClr val="FF6600"/>
-                </a:solidFill>
-                <a:latin typeface="Inconsolata Medium" panose="020B0609030003000000" pitchFamily="49" charset="77"/>
-              </a:rPr>
-              <a:t>3</a:t>
-            </a:r>
-            <a:r>
-              <a:rPr lang="en-US" sz="1800" b="1" dirty="0">
-                <a:latin typeface="Inconsolata Medium" panose="020B0609030003000000" pitchFamily="49" charset="77"/>
-              </a:rPr>
-              <a:t>]: --5</a:t>
-            </a:r>
-            <a:r>
-              <a:rPr lang="en-US" sz="1800" b="1" dirty="0">
-                <a:solidFill>
-                  <a:srgbClr val="FF6600"/>
-                </a:solidFill>
-                <a:latin typeface="Inconsolata Medium" panose="020B0609030003000000" pitchFamily="49" charset="77"/>
-              </a:rPr>
-              <a:t> </a:t>
-            </a:r>
-          </a:p>
-          <a:p>
-            <a:pPr marL="0" indent="0">
-              <a:buNone/>
-            </a:pPr>
-            <a:r>
-              <a:rPr lang="en-US" sz="1800" b="1" dirty="0">
-                <a:latin typeface="Inconsolata Medium" panose="020B0609030003000000" pitchFamily="49" charset="77"/>
-              </a:rPr>
-              <a:t>Out[3]: 5</a:t>
-            </a:r>
-          </a:p>
-          <a:p>
-            <a:pPr marL="0" indent="0">
-              <a:buNone/>
-            </a:pPr>
-            <a:endParaRPr lang="en-US" sz="1900" dirty="0">
-              <a:latin typeface="Gill Sans MT" panose="020B0502020104020203" pitchFamily="34" charset="77"/>
-            </a:endParaRPr>
-          </a:p>
-          <a:p>
-            <a:pPr marL="0" indent="0">
-              <a:buNone/>
-            </a:pPr>
-            <a:endParaRPr lang="en-US" sz="1900" dirty="0">
-              <a:latin typeface="Gill Sans MT" panose="020B0502020104020203" pitchFamily="34" charset="77"/>
-            </a:endParaRPr>
-          </a:p>
-          <a:p>
-            <a:pPr marL="0" indent="0">
-              <a:buNone/>
-            </a:pPr>
-            <a:endParaRPr lang="en-US" sz="1900" dirty="0">
-              <a:latin typeface="Gill Sans MT" panose="020B0502020104020203" pitchFamily="34" charset="77"/>
-            </a:endParaRPr>
-          </a:p>
-        </p:txBody>
-      </p:sp>
-    </p:spTree>
-    <p:extLst>
-      <p:ext uri="{BB962C8B-B14F-4D97-AF65-F5344CB8AC3E}">
-        <p14:creationId xmlns:p14="http://schemas.microsoft.com/office/powerpoint/2010/main" val="1486217497"/>
-      </p:ext>
-    </p:extLst>
-  </p:cSld>
-  <p:clrMapOvr>
-    <a:masterClrMapping/>
-  </p:clrMapOvr>
-  <p:timing>
-    <p:tnLst>
-      <p:par>
-        <p:cTn id="1" dur="indefinite" restart="never" nodeType="tmRoot">
-          <p:childTnLst>
-            <p:seq concurrent="1" nextAc="seek">
-              <p:cTn id="2" dur="indefinite" nodeType="mainSeq">
-                <p:childTnLst>
-                  <p:par>
-                    <p:cTn id="3" fill="hold">
-                      <p:stCondLst>
-                        <p:cond delay="indefinite"/>
-                      </p:stCondLst>
-                      <p:childTnLst>
-                        <p:par>
-                          <p:cTn id="4" fill="hold">
-                            <p:stCondLst>
-                              <p:cond delay="0"/>
-                            </p:stCondLst>
-                            <p:childTnLst>
-                              <p:par>
-                                <p:cTn id="5" presetID="1" presetClass="entr" presetSubtype="0" fill="hold" nodeType="clickEffect">
-                                  <p:stCondLst>
-                                    <p:cond delay="0"/>
-                                  </p:stCondLst>
-                                  <p:childTnLst>
-                                    <p:set>
-                                      <p:cBhvr>
-                                        <p:cTn id="6" dur="1" fill="hold">
-                                          <p:stCondLst>
-                                            <p:cond delay="0"/>
-                                          </p:stCondLst>
-                                        </p:cTn>
-                                        <p:tgtEl>
-                                          <p:spTgt spid="9">
-                                            <p:txEl>
-                                              <p:pRg st="4" end="4"/>
-                                            </p:txEl>
-                                          </p:spTgt>
-                                        </p:tgtEl>
-                                        <p:attrNameLst>
-                                          <p:attrName>style.visibility</p:attrName>
-                                        </p:attrNameLst>
-                                      </p:cBhvr>
-                                      <p:to>
-                                        <p:strVal val="visible"/>
-                                      </p:to>
-                                    </p:set>
-                                  </p:childTnLst>
-                                </p:cTn>
-                              </p:par>
-                            </p:childTnLst>
-                          </p:cTn>
-                        </p:par>
-                      </p:childTnLst>
-                    </p:cTn>
-                  </p:par>
-                  <p:par>
-                    <p:cTn id="7" fill="hold">
-                      <p:stCondLst>
-                        <p:cond delay="indefinite"/>
-                      </p:stCondLst>
-                      <p:childTnLst>
-                        <p:par>
-                          <p:cTn id="8" fill="hold">
-                            <p:stCondLst>
-                              <p:cond delay="0"/>
-                            </p:stCondLst>
-                            <p:childTnLst>
-                              <p:par>
-                                <p:cTn id="9" presetID="1" presetClass="entr" presetSubtype="0" fill="hold" nodeType="clickEffect">
-                                  <p:stCondLst>
-                                    <p:cond delay="0"/>
-                                  </p:stCondLst>
-                                  <p:childTnLst>
-                                    <p:set>
-                                      <p:cBhvr>
-                                        <p:cTn id="10" dur="1" fill="hold">
-                                          <p:stCondLst>
-                                            <p:cond delay="0"/>
-                                          </p:stCondLst>
-                                        </p:cTn>
-                                        <p:tgtEl>
-                                          <p:spTgt spid="9">
-                                            <p:txEl>
-                                              <p:pRg st="6" end="6"/>
-                                            </p:txEl>
-                                          </p:spTgt>
-                                        </p:tgtEl>
-                                        <p:attrNameLst>
-                                          <p:attrName>style.visibility</p:attrName>
-                                        </p:attrNameLst>
-                                      </p:cBhvr>
-                                      <p:to>
-                                        <p:strVal val="visible"/>
-                                      </p:to>
-                                    </p:set>
-                                  </p:childTnLst>
-                                </p:cTn>
-                              </p:par>
-                              <p:par>
-                                <p:cTn id="11" presetID="1" presetClass="entr" presetSubtype="0" fill="hold" nodeType="withEffect">
-                                  <p:stCondLst>
-                                    <p:cond delay="0"/>
-                                  </p:stCondLst>
-                                  <p:childTnLst>
-                                    <p:set>
-                                      <p:cBhvr>
-                                        <p:cTn id="12" dur="1" fill="hold">
-                                          <p:stCondLst>
-                                            <p:cond delay="0"/>
-                                          </p:stCondLst>
-                                        </p:cTn>
-                                        <p:tgtEl>
-                                          <p:spTgt spid="9">
-                                            <p:txEl>
-                                              <p:pRg st="7" end="7"/>
-                                            </p:txEl>
-                                          </p:spTgt>
-                                        </p:tgtEl>
-                                        <p:attrNameLst>
-                                          <p:attrName>style.visibility</p:attrName>
-                                        </p:attrNameLst>
-                                      </p:cBhvr>
-                                      <p:to>
-                                        <p:strVal val="visible"/>
-                                      </p:to>
-                                    </p:set>
-                                  </p:childTnLst>
-                                </p:cTn>
-                              </p:par>
-                            </p:childTnLst>
-                          </p:cTn>
-                        </p:par>
-                      </p:childTnLst>
-                    </p:cTn>
-                  </p:par>
-                  <p:par>
-                    <p:cTn id="13" fill="hold">
-                      <p:stCondLst>
-                        <p:cond delay="indefinite"/>
-                      </p:stCondLst>
-                      <p:childTnLst>
-                        <p:par>
-                          <p:cTn id="14" fill="hold">
-                            <p:stCondLst>
-                              <p:cond delay="0"/>
-                            </p:stCondLst>
-                            <p:childTnLst>
-                              <p:par>
-                                <p:cTn id="15" presetID="1" presetClass="entr" presetSubtype="0" fill="hold" nodeType="clickEffect">
-                                  <p:stCondLst>
-                                    <p:cond delay="0"/>
-                                  </p:stCondLst>
-                                  <p:childTnLst>
-                                    <p:set>
-                                      <p:cBhvr>
-                                        <p:cTn id="16" dur="1" fill="hold">
-                                          <p:stCondLst>
-                                            <p:cond delay="0"/>
-                                          </p:stCondLst>
-                                        </p:cTn>
-                                        <p:tgtEl>
-                                          <p:spTgt spid="9">
-                                            <p:txEl>
-                                              <p:pRg st="9" end="9"/>
-                                            </p:txEl>
-                                          </p:spTgt>
-                                        </p:tgtEl>
-                                        <p:attrNameLst>
-                                          <p:attrName>style.visibility</p:attrName>
-                                        </p:attrNameLst>
-                                      </p:cBhvr>
-                                      <p:to>
-                                        <p:strVal val="visible"/>
-                                      </p:to>
-                                    </p:set>
-                                  </p:childTnLst>
-                                </p:cTn>
-                              </p:par>
-                              <p:par>
-                                <p:cTn id="17" presetID="1" presetClass="entr" presetSubtype="0" fill="hold" nodeType="withEffect">
-                                  <p:stCondLst>
-                                    <p:cond delay="0"/>
-                                  </p:stCondLst>
-                                  <p:childTnLst>
-                                    <p:set>
-                                      <p:cBhvr>
-                                        <p:cTn id="18" dur="1" fill="hold">
-                                          <p:stCondLst>
-                                            <p:cond delay="0"/>
-                                          </p:stCondLst>
-                                        </p:cTn>
-                                        <p:tgtEl>
-                                          <p:spTgt spid="9">
-                                            <p:txEl>
-                                              <p:pRg st="10" end="10"/>
                                             </p:txEl>
                                           </p:spTgt>
                                         </p:tgtEl>
@@ -18176,4 +23230,299 @@
     </a:ext>
   </a:extLst>
 </a:theme>
+</file>
+
+<file path=ppt/theme/theme2.xml><?xml version="1.0" encoding="utf-8"?>
+<a:theme xmlns:a="http://schemas.openxmlformats.org/drawingml/2006/main" name="Office Theme">
+  <a:themeElements>
+    <a:clrScheme name="Office">
+      <a:dk1>
+        <a:sysClr val="windowText" lastClr="000000"/>
+      </a:dk1>
+      <a:lt1>
+        <a:sysClr val="window" lastClr="FFFFFF"/>
+      </a:lt1>
+      <a:dk2>
+        <a:srgbClr val="44546A"/>
+      </a:dk2>
+      <a:lt2>
+        <a:srgbClr val="E7E6E6"/>
+      </a:lt2>
+      <a:accent1>
+        <a:srgbClr val="4472C4"/>
+      </a:accent1>
+      <a:accent2>
+        <a:srgbClr val="ED7D31"/>
+      </a:accent2>
+      <a:accent3>
+        <a:srgbClr val="A5A5A5"/>
+      </a:accent3>
+      <a:accent4>
+        <a:srgbClr val="FFC000"/>
+      </a:accent4>
+      <a:accent5>
+        <a:srgbClr val="5B9BD5"/>
+      </a:accent5>
+      <a:accent6>
+        <a:srgbClr val="70AD47"/>
+      </a:accent6>
+      <a:hlink>
+        <a:srgbClr val="0563C1"/>
+      </a:hlink>
+      <a:folHlink>
+        <a:srgbClr val="954F72"/>
+      </a:folHlink>
+    </a:clrScheme>
+    <a:fontScheme name="Office">
+      <a:majorFont>
+        <a:latin typeface="Calibri Light" panose="020F0302020204030204"/>
+        <a:ea typeface=""/>
+        <a:cs typeface=""/>
+        <a:font script="Jpan" typeface="游ゴシック Light"/>
+        <a:font script="Hang" typeface="맑은 고딕"/>
+        <a:font script="Hans" typeface="等线 Light"/>
+        <a:font script="Hant" typeface="新細明體"/>
+        <a:font script="Arab" typeface="Times New Roman"/>
+        <a:font script="Hebr" typeface="Times New Roman"/>
+        <a:font script="Thai" typeface="Angsana New"/>
+        <a:font script="Ethi" typeface="Nyala"/>
+        <a:font script="Beng" typeface="Vrinda"/>
+        <a:font script="Gujr" typeface="Shruti"/>
+        <a:font script="Khmr" typeface="MoolBoran"/>
+        <a:font script="Knda" typeface="Tunga"/>
+        <a:font script="Guru" typeface="Raavi"/>
+        <a:font script="Cans" typeface="Euphemia"/>
+        <a:font script="Cher" typeface="Plantagenet Cherokee"/>
+        <a:font script="Yiii" typeface="Microsoft Yi Baiti"/>
+        <a:font script="Tibt" typeface="Microsoft Himalaya"/>
+        <a:font script="Thaa" typeface="MV Boli"/>
+        <a:font script="Deva" typeface="Mangal"/>
+        <a:font script="Telu" typeface="Gautami"/>
+        <a:font script="Taml" typeface="Latha"/>
+        <a:font script="Syrc" typeface="Estrangelo Edessa"/>
+        <a:font script="Orya" typeface="Kalinga"/>
+        <a:font script="Mlym" typeface="Kartika"/>
+        <a:font script="Laoo" typeface="DokChampa"/>
+        <a:font script="Sinh" typeface="Iskoola Pota"/>
+        <a:font script="Mong" typeface="Mongolian Baiti"/>
+        <a:font script="Viet" typeface="Times New Roman"/>
+        <a:font script="Uigh" typeface="Microsoft Uighur"/>
+        <a:font script="Geor" typeface="Sylfaen"/>
+        <a:font script="Armn" typeface="Arial"/>
+        <a:font script="Bugi" typeface="Leelawadee UI"/>
+        <a:font script="Bopo" typeface="Microsoft JhengHei"/>
+        <a:font script="Java" typeface="Javanese Text"/>
+        <a:font script="Lisu" typeface="Segoe UI"/>
+        <a:font script="Mymr" typeface="Myanmar Text"/>
+        <a:font script="Nkoo" typeface="Ebrima"/>
+        <a:font script="Olck" typeface="Nirmala UI"/>
+        <a:font script="Osma" typeface="Ebrima"/>
+        <a:font script="Phag" typeface="Phagspa"/>
+        <a:font script="Syrn" typeface="Estrangelo Edessa"/>
+        <a:font script="Syrj" typeface="Estrangelo Edessa"/>
+        <a:font script="Syre" typeface="Estrangelo Edessa"/>
+        <a:font script="Sora" typeface="Nirmala UI"/>
+        <a:font script="Tale" typeface="Microsoft Tai Le"/>
+        <a:font script="Talu" typeface="Microsoft New Tai Lue"/>
+        <a:font script="Tfng" typeface="Ebrima"/>
+      </a:majorFont>
+      <a:minorFont>
+        <a:latin typeface="Calibri" panose="020F0502020204030204"/>
+        <a:ea typeface=""/>
+        <a:cs typeface=""/>
+        <a:font script="Jpan" typeface="游ゴシック"/>
+        <a:font script="Hang" typeface="맑은 고딕"/>
+        <a:font script="Hans" typeface="等线"/>
+        <a:font script="Hant" typeface="新細明體"/>
+        <a:font script="Arab" typeface="Arial"/>
+        <a:font script="Hebr" typeface="Arial"/>
+        <a:font script="Thai" typeface="Cordia New"/>
+        <a:font script="Ethi" typeface="Nyala"/>
+        <a:font script="Beng" typeface="Vrinda"/>
+        <a:font script="Gujr" typeface="Shruti"/>
+        <a:font script="Khmr" typeface="DaunPenh"/>
+        <a:font script="Knda" typeface="Tunga"/>
+        <a:font script="Guru" typeface="Raavi"/>
+        <a:font script="Cans" typeface="Euphemia"/>
+        <a:font script="Cher" typeface="Plantagenet Cherokee"/>
+        <a:font script="Yiii" typeface="Microsoft Yi Baiti"/>
+        <a:font script="Tibt" typeface="Microsoft Himalaya"/>
+        <a:font script="Thaa" typeface="MV Boli"/>
+        <a:font script="Deva" typeface="Mangal"/>
+        <a:font script="Telu" typeface="Gautami"/>
+        <a:font script="Taml" typeface="Latha"/>
+        <a:font script="Syrc" typeface="Estrangelo Edessa"/>
+        <a:font script="Orya" typeface="Kalinga"/>
+        <a:font script="Mlym" typeface="Kartika"/>
+        <a:font script="Laoo" typeface="DokChampa"/>
+        <a:font script="Sinh" typeface="Iskoola Pota"/>
+        <a:font script="Mong" typeface="Mongolian Baiti"/>
+        <a:font script="Viet" typeface="Arial"/>
+        <a:font script="Uigh" typeface="Microsoft Uighur"/>
+        <a:font script="Geor" typeface="Sylfaen"/>
+        <a:font script="Armn" typeface="Arial"/>
+        <a:font script="Bugi" typeface="Leelawadee UI"/>
+        <a:font script="Bopo" typeface="Microsoft JhengHei"/>
+        <a:font script="Java" typeface="Javanese Text"/>
+        <a:font script="Lisu" typeface="Segoe UI"/>
+        <a:font script="Mymr" typeface="Myanmar Text"/>
+        <a:font script="Nkoo" typeface="Ebrima"/>
+        <a:font script="Olck" typeface="Nirmala UI"/>
+        <a:font script="Osma" typeface="Ebrima"/>
+        <a:font script="Phag" typeface="Phagspa"/>
+        <a:font script="Syrn" typeface="Estrangelo Edessa"/>
+        <a:font script="Syrj" typeface="Estrangelo Edessa"/>
+        <a:font script="Syre" typeface="Estrangelo Edessa"/>
+        <a:font script="Sora" typeface="Nirmala UI"/>
+        <a:font script="Tale" typeface="Microsoft Tai Le"/>
+        <a:font script="Talu" typeface="Microsoft New Tai Lue"/>
+        <a:font script="Tfng" typeface="Ebrima"/>
+      </a:minorFont>
+    </a:fontScheme>
+    <a:fmtScheme name="Office">
+      <a:fillStyleLst>
+        <a:solidFill>
+          <a:schemeClr val="phClr"/>
+        </a:solidFill>
+        <a:gradFill rotWithShape="1">
+          <a:gsLst>
+            <a:gs pos="0">
+              <a:schemeClr val="phClr">
+                <a:lumMod val="110000"/>
+                <a:satMod val="105000"/>
+                <a:tint val="67000"/>
+              </a:schemeClr>
+            </a:gs>
+            <a:gs pos="50000">
+              <a:schemeClr val="phClr">
+                <a:lumMod val="105000"/>
+                <a:satMod val="103000"/>
+                <a:tint val="73000"/>
+              </a:schemeClr>
+            </a:gs>
+            <a:gs pos="100000">
+              <a:schemeClr val="phClr">
+                <a:lumMod val="105000"/>
+                <a:satMod val="109000"/>
+                <a:tint val="81000"/>
+              </a:schemeClr>
+            </a:gs>
+          </a:gsLst>
+          <a:lin ang="5400000" scaled="0"/>
+        </a:gradFill>
+        <a:gradFill rotWithShape="1">
+          <a:gsLst>
+            <a:gs pos="0">
+              <a:schemeClr val="phClr">
+                <a:satMod val="103000"/>
+                <a:lumMod val="102000"/>
+                <a:tint val="94000"/>
+              </a:schemeClr>
+            </a:gs>
+            <a:gs pos="50000">
+              <a:schemeClr val="phClr">
+                <a:satMod val="110000"/>
+                <a:lumMod val="100000"/>
+                <a:shade val="100000"/>
+              </a:schemeClr>
+            </a:gs>
+            <a:gs pos="100000">
+              <a:schemeClr val="phClr">
+                <a:lumMod val="99000"/>
+                <a:satMod val="120000"/>
+                <a:shade val="78000"/>
+              </a:schemeClr>
+            </a:gs>
+          </a:gsLst>
+          <a:lin ang="5400000" scaled="0"/>
+        </a:gradFill>
+      </a:fillStyleLst>
+      <a:lnStyleLst>
+        <a:ln w="6350" cap="flat" cmpd="sng" algn="ctr">
+          <a:solidFill>
+            <a:schemeClr val="phClr"/>
+          </a:solidFill>
+          <a:prstDash val="solid"/>
+          <a:miter lim="800000"/>
+        </a:ln>
+        <a:ln w="12700" cap="flat" cmpd="sng" algn="ctr">
+          <a:solidFill>
+            <a:schemeClr val="phClr"/>
+          </a:solidFill>
+          <a:prstDash val="solid"/>
+          <a:miter lim="800000"/>
+        </a:ln>
+        <a:ln w="19050" cap="flat" cmpd="sng" algn="ctr">
+          <a:solidFill>
+            <a:schemeClr val="phClr"/>
+          </a:solidFill>
+          <a:prstDash val="solid"/>
+          <a:miter lim="800000"/>
+        </a:ln>
+      </a:lnStyleLst>
+      <a:effectStyleLst>
+        <a:effectStyle>
+          <a:effectLst/>
+        </a:effectStyle>
+        <a:effectStyle>
+          <a:effectLst/>
+        </a:effectStyle>
+        <a:effectStyle>
+          <a:effectLst>
+            <a:outerShdw blurRad="57150" dist="19050" dir="5400000" algn="ctr" rotWithShape="0">
+              <a:srgbClr val="000000">
+                <a:alpha val="63000"/>
+              </a:srgbClr>
+            </a:outerShdw>
+          </a:effectLst>
+        </a:effectStyle>
+      </a:effectStyleLst>
+      <a:bgFillStyleLst>
+        <a:solidFill>
+          <a:schemeClr val="phClr"/>
+        </a:solidFill>
+        <a:solidFill>
+          <a:schemeClr val="phClr">
+            <a:tint val="95000"/>
+            <a:satMod val="170000"/>
+          </a:schemeClr>
+        </a:solidFill>
+        <a:gradFill rotWithShape="1">
+          <a:gsLst>
+            <a:gs pos="0">
+              <a:schemeClr val="phClr">
+                <a:tint val="93000"/>
+                <a:satMod val="150000"/>
+                <a:shade val="98000"/>
+                <a:lumMod val="102000"/>
+              </a:schemeClr>
+            </a:gs>
+            <a:gs pos="50000">
+              <a:schemeClr val="phClr">
+                <a:tint val="98000"/>
+                <a:satMod val="130000"/>
+                <a:shade val="90000"/>
+                <a:lumMod val="103000"/>
+              </a:schemeClr>
+            </a:gs>
+            <a:gs pos="100000">
+              <a:schemeClr val="phClr">
+                <a:shade val="63000"/>
+                <a:satMod val="120000"/>
+              </a:schemeClr>
+            </a:gs>
+          </a:gsLst>
+          <a:lin ang="5400000" scaled="0"/>
+        </a:gradFill>
+      </a:bgFillStyleLst>
+    </a:fmtScheme>
+  </a:themeElements>
+  <a:objectDefaults/>
+  <a:extraClrSchemeLst/>
+  <a:extLst>
+    <a:ext uri="{05A4C25C-085E-4340-85A3-A5531E510DB2}">
+      <thm15:themeFamily xmlns:thm15="http://schemas.microsoft.com/office/thememl/2012/main" name="Office Theme" id="{62F939B6-93AF-4DB8-9C6B-D6C7DFDC589F}" vid="{4A3C46E8-61CC-4603-A589-7422A47A8E4A}"/>
+    </a:ext>
+  </a:extLst>
+</a:theme>
 </file>
--- a/courses/apcsp/lect2.pptx
+++ b/courses/apcsp/lect2.pptx
@@ -147,7 +147,7 @@
 <file path=ppt/revisionInfo.xml><?xml version="1.0" encoding="utf-8"?>
 <p1510:revInfo xmlns:a="http://schemas.openxmlformats.org/drawingml/2006/main" xmlns:r="http://schemas.openxmlformats.org/officeDocument/2006/relationships" xmlns:p1510="http://schemas.microsoft.com/office/powerpoint/2015/10/main">
   <p1510:revLst>
-    <p1510:client id="{3F616429-CA07-8145-BE07-B7552942C56D}" v="2363" dt="2020-10-06T13:14:31.234"/>
+    <p1510:client id="{3F616429-CA07-8145-BE07-B7552942C56D}" v="2379" dt="2020-10-06T13:58:20.046"/>
   </p1510:revLst>
 </p1510:revInfo>
 </file>
@@ -157,7 +157,7 @@
   <pc:docChgLst>
     <pc:chgData name="Long B Nguyen" userId="f59fb8f3-a021-417a-8bc1-65c8d471c621" providerId="ADAL" clId="{3F616429-CA07-8145-BE07-B7552942C56D}"/>
     <pc:docChg chg="undo custSel addSld delSld modSld">
-      <pc:chgData name="Long B Nguyen" userId="f59fb8f3-a021-417a-8bc1-65c8d471c621" providerId="ADAL" clId="{3F616429-CA07-8145-BE07-B7552942C56D}" dt="2020-10-06T13:14:31.234" v="7468" actId="207"/>
+      <pc:chgData name="Long B Nguyen" userId="f59fb8f3-a021-417a-8bc1-65c8d471c621" providerId="ADAL" clId="{3F616429-CA07-8145-BE07-B7552942C56D}" dt="2020-10-06T13:58:20.046" v="7484" actId="20577"/>
       <pc:docMkLst>
         <pc:docMk/>
       </pc:docMkLst>
@@ -177,13 +177,13 @@
         </pc:spChg>
       </pc:sldChg>
       <pc:sldChg chg="modSp add">
-        <pc:chgData name="Long B Nguyen" userId="f59fb8f3-a021-417a-8bc1-65c8d471c621" providerId="ADAL" clId="{3F616429-CA07-8145-BE07-B7552942C56D}" dt="2020-10-06T10:47:59.287" v="6068" actId="20577"/>
+        <pc:chgData name="Long B Nguyen" userId="f59fb8f3-a021-417a-8bc1-65c8d471c621" providerId="ADAL" clId="{3F616429-CA07-8145-BE07-B7552942C56D}" dt="2020-10-06T13:21:50.581" v="7477" actId="20577"/>
         <pc:sldMkLst>
           <pc:docMk/>
           <pc:sldMk cId="2037727464" sldId="263"/>
         </pc:sldMkLst>
         <pc:spChg chg="mod">
-          <ac:chgData name="Long B Nguyen" userId="f59fb8f3-a021-417a-8bc1-65c8d471c621" providerId="ADAL" clId="{3F616429-CA07-8145-BE07-B7552942C56D}" dt="2020-10-06T10:47:59.287" v="6068" actId="20577"/>
+          <ac:chgData name="Long B Nguyen" userId="f59fb8f3-a021-417a-8bc1-65c8d471c621" providerId="ADAL" clId="{3F616429-CA07-8145-BE07-B7552942C56D}" dt="2020-10-06T13:21:50.581" v="7477" actId="20577"/>
           <ac:spMkLst>
             <pc:docMk/>
             <pc:sldMk cId="2037727464" sldId="263"/>
@@ -791,7 +791,7 @@
         </pc:spChg>
       </pc:sldChg>
       <pc:sldChg chg="modSp add mod modAnim">
-        <pc:chgData name="Long B Nguyen" userId="f59fb8f3-a021-417a-8bc1-65c8d471c621" providerId="ADAL" clId="{3F616429-CA07-8145-BE07-B7552942C56D}" dt="2020-10-06T10:51:18.519" v="6219" actId="20577"/>
+        <pc:chgData name="Long B Nguyen" userId="f59fb8f3-a021-417a-8bc1-65c8d471c621" providerId="ADAL" clId="{3F616429-CA07-8145-BE07-B7552942C56D}" dt="2020-10-06T13:44:54.099" v="7481" actId="20577"/>
         <pc:sldMkLst>
           <pc:docMk/>
           <pc:sldMk cId="3505180768" sldId="433"/>
@@ -805,7 +805,7 @@
           </ac:spMkLst>
         </pc:spChg>
         <pc:spChg chg="mod">
-          <ac:chgData name="Long B Nguyen" userId="f59fb8f3-a021-417a-8bc1-65c8d471c621" providerId="ADAL" clId="{3F616429-CA07-8145-BE07-B7552942C56D}" dt="2020-10-06T10:51:18.519" v="6219" actId="20577"/>
+          <ac:chgData name="Long B Nguyen" userId="f59fb8f3-a021-417a-8bc1-65c8d471c621" providerId="ADAL" clId="{3F616429-CA07-8145-BE07-B7552942C56D}" dt="2020-10-06T13:44:54.099" v="7481" actId="20577"/>
           <ac:spMkLst>
             <pc:docMk/>
             <pc:sldMk cId="3505180768" sldId="433"/>
@@ -885,7 +885,7 @@
         </pc:spChg>
       </pc:sldChg>
       <pc:sldChg chg="addSp delSp modSp add mod delAnim modAnim">
-        <pc:chgData name="Long B Nguyen" userId="f59fb8f3-a021-417a-8bc1-65c8d471c621" providerId="ADAL" clId="{3F616429-CA07-8145-BE07-B7552942C56D}" dt="2020-10-06T13:14:31.234" v="7468" actId="207"/>
+        <pc:chgData name="Long B Nguyen" userId="f59fb8f3-a021-417a-8bc1-65c8d471c621" providerId="ADAL" clId="{3F616429-CA07-8145-BE07-B7552942C56D}" dt="2020-10-06T13:58:20.046" v="7484" actId="20577"/>
         <pc:sldMkLst>
           <pc:docMk/>
           <pc:sldMk cId="1727134459" sldId="435"/>
@@ -947,7 +947,7 @@
           </ac:spMkLst>
         </pc:spChg>
         <pc:spChg chg="mod">
-          <ac:chgData name="Long B Nguyen" userId="f59fb8f3-a021-417a-8bc1-65c8d471c621" providerId="ADAL" clId="{3F616429-CA07-8145-BE07-B7552942C56D}" dt="2020-10-06T13:14:31.234" v="7468" actId="207"/>
+          <ac:chgData name="Long B Nguyen" userId="f59fb8f3-a021-417a-8bc1-65c8d471c621" providerId="ADAL" clId="{3F616429-CA07-8145-BE07-B7552942C56D}" dt="2020-10-06T13:58:20.046" v="7484" actId="20577"/>
           <ac:spMkLst>
             <pc:docMk/>
             <pc:sldMk cId="1727134459" sldId="435"/>
@@ -5085,7 +5085,7 @@
               <a:rPr lang="en-US" altLang="en-US" dirty="0">
                 <a:ea typeface="ＭＳ Ｐゴシック" panose="020B0600070205080204" pitchFamily="34" charset="-128"/>
               </a:rPr>
-              <a:t>How many quarters? 137 / 25 = 5 quarters (Floor Division!)</a:t>
+              <a:t>How many quarters? 137 // 25 = 5 quarters (Floor Division!)</a:t>
             </a:r>
           </a:p>
           <a:p>
@@ -5163,7 +5163,7 @@
               <a:rPr lang="en-US" altLang="en-US" dirty="0">
                 <a:ea typeface="ＭＳ Ｐゴシック" panose="020B0600070205080204" pitchFamily="34" charset="-128"/>
               </a:rPr>
-              <a:t>How many dimes? 12 / 10 = 1 dime</a:t>
+              <a:t>How many dimes? 12 // 10 = 1 dime</a:t>
             </a:r>
           </a:p>
           <a:p>
@@ -5241,7 +5241,7 @@
               <a:rPr lang="en-US" altLang="en-US" dirty="0">
                 <a:ea typeface="ＭＳ Ｐゴシック" panose="020B0600070205080204" pitchFamily="34" charset="-128"/>
               </a:rPr>
-              <a:t>How many nickels? 2 / 5 = 0 nickels. </a:t>
+              <a:t>How many nickels? 2 // 5 = 0 nickels. </a:t>
             </a:r>
           </a:p>
           <a:p>
@@ -5319,7 +5319,7 @@
               <a:rPr lang="en-US" altLang="en-US" dirty="0">
                 <a:ea typeface="ＭＳ Ｐゴシック" panose="020B0600070205080204" pitchFamily="34" charset="-128"/>
               </a:rPr>
-              <a:t>How many pennies? 2 / 1 = 2 pennies</a:t>
+              <a:t>How many pennies? 2 // 1 = 2 pennies</a:t>
             </a:r>
           </a:p>
           <a:p>
@@ -7733,7 +7733,19 @@
               <a:rPr lang="en-US" altLang="en-US" sz="2000" dirty="0">
                 <a:ea typeface="ＭＳ Ｐゴシック" panose="020B0600070205080204" pitchFamily="34" charset="-128"/>
               </a:rPr>
-              <a:t>ones: 2 tens: 5, hundreds: 3</a:t>
+              <a:t>ones: 2 tens</a:t>
+            </a:r>
+            <a:r>
+              <a:rPr lang="en-US" altLang="en-US" sz="2000">
+                <a:ea typeface="ＭＳ Ｐゴシック" panose="020B0600070205080204" pitchFamily="34" charset="-128"/>
+              </a:rPr>
+              <a:t>: 5 hundreds</a:t>
+            </a:r>
+            <a:r>
+              <a:rPr lang="en-US" altLang="en-US" sz="2000" dirty="0">
+                <a:ea typeface="ＭＳ Ｐゴシック" panose="020B0600070205080204" pitchFamily="34" charset="-128"/>
+              </a:rPr>
+              <a:t>: 3</a:t>
             </a:r>
           </a:p>
           <a:p>
@@ -20198,7 +20210,7 @@
               <a:rPr lang="en-US" altLang="en-US" sz="1833" dirty="0">
                 <a:ea typeface="ＭＳ Ｐゴシック" panose="020B0600070205080204" pitchFamily="34" charset="-128"/>
               </a:rPr>
-              <a:t> operator computes the remainder from floor division.</a:t>
+              <a:t> operator computes the remainder after floor division.</a:t>
             </a:r>
           </a:p>
           <a:p>

--- a/courses/apcsp/lect2.pptx
+++ b/courses/apcsp/lect2.pptx
@@ -137,7 +137,7 @@
 <file path=ppt/revisionInfo.xml><?xml version="1.0" encoding="utf-8"?>
 <p1510:revInfo xmlns:a="http://schemas.openxmlformats.org/drawingml/2006/main" xmlns:r="http://schemas.openxmlformats.org/officeDocument/2006/relationships" xmlns:p1510="http://schemas.microsoft.com/office/powerpoint/2015/10/main">
   <p1510:revLst>
-    <p1510:client id="{A752C5CC-819B-C44B-97C4-90D32712BE07}" v="459" dt="2021-06-03T12:49:12.178"/>
+    <p1510:client id="{79AC3FB5-31D9-1547-8E88-88FEE7233AFE}" v="1" dt="2021-09-13T17:22:55.207"/>
   </p1510:revLst>
 </p1510:revInfo>
 </file>
@@ -242,6 +242,315 @@
           <pc:docMk/>
           <pc:sldMk cId="1581961275" sldId="293"/>
         </pc:sldMkLst>
+      </pc:sldChg>
+    </pc:docChg>
+  </pc:docChgLst>
+  <pc:docChgLst>
+    <pc:chgData name="Long B Nguyen" userId="f59fb8f3-a021-417a-8bc1-65c8d471c621" providerId="ADAL" clId="{79AC3FB5-31D9-1547-8E88-88FEE7233AFE}"/>
+    <pc:docChg chg="modSld">
+      <pc:chgData name="Long B Nguyen" userId="f59fb8f3-a021-417a-8bc1-65c8d471c621" providerId="ADAL" clId="{79AC3FB5-31D9-1547-8E88-88FEE7233AFE}" dt="2021-09-13T17:22:55.206" v="0"/>
+      <pc:docMkLst>
+        <pc:docMk/>
+      </pc:docMkLst>
+      <pc:sldChg chg="addSp modSp">
+        <pc:chgData name="Long B Nguyen" userId="f59fb8f3-a021-417a-8bc1-65c8d471c621" providerId="ADAL" clId="{79AC3FB5-31D9-1547-8E88-88FEE7233AFE}" dt="2021-09-13T17:22:55.206" v="0"/>
+        <pc:sldMkLst>
+          <pc:docMk/>
+          <pc:sldMk cId="2207246265" sldId="257"/>
+        </pc:sldMkLst>
+        <pc:spChg chg="add mod">
+          <ac:chgData name="Long B Nguyen" userId="f59fb8f3-a021-417a-8bc1-65c8d471c621" providerId="ADAL" clId="{79AC3FB5-31D9-1547-8E88-88FEE7233AFE}" dt="2021-09-13T17:22:55.206" v="0"/>
+          <ac:spMkLst>
+            <pc:docMk/>
+            <pc:sldMk cId="2207246265" sldId="257"/>
+            <ac:spMk id="3" creationId="{27EF5B8A-56BB-E54B-9FD8-FB2CA69D506D}"/>
+          </ac:spMkLst>
+        </pc:spChg>
+      </pc:sldChg>
+      <pc:sldChg chg="addSp modSp">
+        <pc:chgData name="Long B Nguyen" userId="f59fb8f3-a021-417a-8bc1-65c8d471c621" providerId="ADAL" clId="{79AC3FB5-31D9-1547-8E88-88FEE7233AFE}" dt="2021-09-13T17:22:55.206" v="0"/>
+        <pc:sldMkLst>
+          <pc:docMk/>
+          <pc:sldMk cId="1920510873" sldId="263"/>
+        </pc:sldMkLst>
+        <pc:spChg chg="add mod">
+          <ac:chgData name="Long B Nguyen" userId="f59fb8f3-a021-417a-8bc1-65c8d471c621" providerId="ADAL" clId="{79AC3FB5-31D9-1547-8E88-88FEE7233AFE}" dt="2021-09-13T17:22:55.206" v="0"/>
+          <ac:spMkLst>
+            <pc:docMk/>
+            <pc:sldMk cId="1920510873" sldId="263"/>
+            <ac:spMk id="2" creationId="{F070F285-F7BE-0248-A6EB-B686876A113F}"/>
+          </ac:spMkLst>
+        </pc:spChg>
+      </pc:sldChg>
+      <pc:sldChg chg="addSp modSp">
+        <pc:chgData name="Long B Nguyen" userId="f59fb8f3-a021-417a-8bc1-65c8d471c621" providerId="ADAL" clId="{79AC3FB5-31D9-1547-8E88-88FEE7233AFE}" dt="2021-09-13T17:22:55.206" v="0"/>
+        <pc:sldMkLst>
+          <pc:docMk/>
+          <pc:sldMk cId="2858731145" sldId="277"/>
+        </pc:sldMkLst>
+        <pc:spChg chg="add mod">
+          <ac:chgData name="Long B Nguyen" userId="f59fb8f3-a021-417a-8bc1-65c8d471c621" providerId="ADAL" clId="{79AC3FB5-31D9-1547-8E88-88FEE7233AFE}" dt="2021-09-13T17:22:55.206" v="0"/>
+          <ac:spMkLst>
+            <pc:docMk/>
+            <pc:sldMk cId="2858731145" sldId="277"/>
+            <ac:spMk id="3" creationId="{11277427-416E-234C-9BB0-C708A18935A9}"/>
+          </ac:spMkLst>
+        </pc:spChg>
+      </pc:sldChg>
+      <pc:sldChg chg="addSp modSp">
+        <pc:chgData name="Long B Nguyen" userId="f59fb8f3-a021-417a-8bc1-65c8d471c621" providerId="ADAL" clId="{79AC3FB5-31D9-1547-8E88-88FEE7233AFE}" dt="2021-09-13T17:22:55.206" v="0"/>
+        <pc:sldMkLst>
+          <pc:docMk/>
+          <pc:sldMk cId="1438711869" sldId="284"/>
+        </pc:sldMkLst>
+        <pc:spChg chg="add mod">
+          <ac:chgData name="Long B Nguyen" userId="f59fb8f3-a021-417a-8bc1-65c8d471c621" providerId="ADAL" clId="{79AC3FB5-31D9-1547-8E88-88FEE7233AFE}" dt="2021-09-13T17:22:55.206" v="0"/>
+          <ac:spMkLst>
+            <pc:docMk/>
+            <pc:sldMk cId="1438711869" sldId="284"/>
+            <ac:spMk id="3" creationId="{2DE8E440-62D0-9D48-9B65-FA37395D0761}"/>
+          </ac:spMkLst>
+        </pc:spChg>
+      </pc:sldChg>
+      <pc:sldChg chg="addSp modSp">
+        <pc:chgData name="Long B Nguyen" userId="f59fb8f3-a021-417a-8bc1-65c8d471c621" providerId="ADAL" clId="{79AC3FB5-31D9-1547-8E88-88FEE7233AFE}" dt="2021-09-13T17:22:55.206" v="0"/>
+        <pc:sldMkLst>
+          <pc:docMk/>
+          <pc:sldMk cId="3974060782" sldId="289"/>
+        </pc:sldMkLst>
+        <pc:spChg chg="add mod">
+          <ac:chgData name="Long B Nguyen" userId="f59fb8f3-a021-417a-8bc1-65c8d471c621" providerId="ADAL" clId="{79AC3FB5-31D9-1547-8E88-88FEE7233AFE}" dt="2021-09-13T17:22:55.206" v="0"/>
+          <ac:spMkLst>
+            <pc:docMk/>
+            <pc:sldMk cId="3974060782" sldId="289"/>
+            <ac:spMk id="5" creationId="{796CED46-0F0E-6841-ABD0-EB998A88CCC5}"/>
+          </ac:spMkLst>
+        </pc:spChg>
+      </pc:sldChg>
+      <pc:sldChg chg="addSp modSp">
+        <pc:chgData name="Long B Nguyen" userId="f59fb8f3-a021-417a-8bc1-65c8d471c621" providerId="ADAL" clId="{79AC3FB5-31D9-1547-8E88-88FEE7233AFE}" dt="2021-09-13T17:22:55.206" v="0"/>
+        <pc:sldMkLst>
+          <pc:docMk/>
+          <pc:sldMk cId="2187468341" sldId="291"/>
+        </pc:sldMkLst>
+        <pc:spChg chg="add mod">
+          <ac:chgData name="Long B Nguyen" userId="f59fb8f3-a021-417a-8bc1-65c8d471c621" providerId="ADAL" clId="{79AC3FB5-31D9-1547-8E88-88FEE7233AFE}" dt="2021-09-13T17:22:55.206" v="0"/>
+          <ac:spMkLst>
+            <pc:docMk/>
+            <pc:sldMk cId="2187468341" sldId="291"/>
+            <ac:spMk id="3" creationId="{BE69D01B-A263-524A-B53D-C74EED1B75D5}"/>
+          </ac:spMkLst>
+        </pc:spChg>
+      </pc:sldChg>
+      <pc:sldChg chg="addSp modSp">
+        <pc:chgData name="Long B Nguyen" userId="f59fb8f3-a021-417a-8bc1-65c8d471c621" providerId="ADAL" clId="{79AC3FB5-31D9-1547-8E88-88FEE7233AFE}" dt="2021-09-13T17:22:55.206" v="0"/>
+        <pc:sldMkLst>
+          <pc:docMk/>
+          <pc:sldMk cId="1620633654" sldId="292"/>
+        </pc:sldMkLst>
+        <pc:spChg chg="add mod">
+          <ac:chgData name="Long B Nguyen" userId="f59fb8f3-a021-417a-8bc1-65c8d471c621" providerId="ADAL" clId="{79AC3FB5-31D9-1547-8E88-88FEE7233AFE}" dt="2021-09-13T17:22:55.206" v="0"/>
+          <ac:spMkLst>
+            <pc:docMk/>
+            <pc:sldMk cId="1620633654" sldId="292"/>
+            <ac:spMk id="3" creationId="{A2CEF152-4123-274B-8778-13899F1E40B7}"/>
+          </ac:spMkLst>
+        </pc:spChg>
+      </pc:sldChg>
+      <pc:sldChg chg="addSp modSp">
+        <pc:chgData name="Long B Nguyen" userId="f59fb8f3-a021-417a-8bc1-65c8d471c621" providerId="ADAL" clId="{79AC3FB5-31D9-1547-8E88-88FEE7233AFE}" dt="2021-09-13T17:22:55.206" v="0"/>
+        <pc:sldMkLst>
+          <pc:docMk/>
+          <pc:sldMk cId="1605645271" sldId="293"/>
+        </pc:sldMkLst>
+        <pc:spChg chg="add mod">
+          <ac:chgData name="Long B Nguyen" userId="f59fb8f3-a021-417a-8bc1-65c8d471c621" providerId="ADAL" clId="{79AC3FB5-31D9-1547-8E88-88FEE7233AFE}" dt="2021-09-13T17:22:55.206" v="0"/>
+          <ac:spMkLst>
+            <pc:docMk/>
+            <pc:sldMk cId="1605645271" sldId="293"/>
+            <ac:spMk id="3" creationId="{C31714EB-8122-D349-B38F-B3EEEE3BE521}"/>
+          </ac:spMkLst>
+        </pc:spChg>
+      </pc:sldChg>
+      <pc:sldChg chg="addSp modSp">
+        <pc:chgData name="Long B Nguyen" userId="f59fb8f3-a021-417a-8bc1-65c8d471c621" providerId="ADAL" clId="{79AC3FB5-31D9-1547-8E88-88FEE7233AFE}" dt="2021-09-13T17:22:55.206" v="0"/>
+        <pc:sldMkLst>
+          <pc:docMk/>
+          <pc:sldMk cId="3319554452" sldId="294"/>
+        </pc:sldMkLst>
+        <pc:spChg chg="add mod">
+          <ac:chgData name="Long B Nguyen" userId="f59fb8f3-a021-417a-8bc1-65c8d471c621" providerId="ADAL" clId="{79AC3FB5-31D9-1547-8E88-88FEE7233AFE}" dt="2021-09-13T17:22:55.206" v="0"/>
+          <ac:spMkLst>
+            <pc:docMk/>
+            <pc:sldMk cId="3319554452" sldId="294"/>
+            <ac:spMk id="3" creationId="{93CFFFA1-E611-A94B-9D55-367CD1B4541A}"/>
+          </ac:spMkLst>
+        </pc:spChg>
+      </pc:sldChg>
+      <pc:sldChg chg="addSp modSp">
+        <pc:chgData name="Long B Nguyen" userId="f59fb8f3-a021-417a-8bc1-65c8d471c621" providerId="ADAL" clId="{79AC3FB5-31D9-1547-8E88-88FEE7233AFE}" dt="2021-09-13T17:22:55.206" v="0"/>
+        <pc:sldMkLst>
+          <pc:docMk/>
+          <pc:sldMk cId="3124364874" sldId="295"/>
+        </pc:sldMkLst>
+        <pc:spChg chg="add mod">
+          <ac:chgData name="Long B Nguyen" userId="f59fb8f3-a021-417a-8bc1-65c8d471c621" providerId="ADAL" clId="{79AC3FB5-31D9-1547-8E88-88FEE7233AFE}" dt="2021-09-13T17:22:55.206" v="0"/>
+          <ac:spMkLst>
+            <pc:docMk/>
+            <pc:sldMk cId="3124364874" sldId="295"/>
+            <ac:spMk id="4" creationId="{A89AF26A-AEB3-E642-91C5-17A799FD4011}"/>
+          </ac:spMkLst>
+        </pc:spChg>
+      </pc:sldChg>
+      <pc:sldChg chg="addSp modSp">
+        <pc:chgData name="Long B Nguyen" userId="f59fb8f3-a021-417a-8bc1-65c8d471c621" providerId="ADAL" clId="{79AC3FB5-31D9-1547-8E88-88FEE7233AFE}" dt="2021-09-13T17:22:55.206" v="0"/>
+        <pc:sldMkLst>
+          <pc:docMk/>
+          <pc:sldMk cId="3993483693" sldId="303"/>
+        </pc:sldMkLst>
+        <pc:spChg chg="add mod">
+          <ac:chgData name="Long B Nguyen" userId="f59fb8f3-a021-417a-8bc1-65c8d471c621" providerId="ADAL" clId="{79AC3FB5-31D9-1547-8E88-88FEE7233AFE}" dt="2021-09-13T17:22:55.206" v="0"/>
+          <ac:spMkLst>
+            <pc:docMk/>
+            <pc:sldMk cId="3993483693" sldId="303"/>
+            <ac:spMk id="3" creationId="{4C9FD257-5B98-D746-8399-DFB1F5688E35}"/>
+          </ac:spMkLst>
+        </pc:spChg>
+      </pc:sldChg>
+      <pc:sldChg chg="addSp modSp">
+        <pc:chgData name="Long B Nguyen" userId="f59fb8f3-a021-417a-8bc1-65c8d471c621" providerId="ADAL" clId="{79AC3FB5-31D9-1547-8E88-88FEE7233AFE}" dt="2021-09-13T17:22:55.206" v="0"/>
+        <pc:sldMkLst>
+          <pc:docMk/>
+          <pc:sldMk cId="1445414918" sldId="312"/>
+        </pc:sldMkLst>
+        <pc:spChg chg="add mod">
+          <ac:chgData name="Long B Nguyen" userId="f59fb8f3-a021-417a-8bc1-65c8d471c621" providerId="ADAL" clId="{79AC3FB5-31D9-1547-8E88-88FEE7233AFE}" dt="2021-09-13T17:22:55.206" v="0"/>
+          <ac:spMkLst>
+            <pc:docMk/>
+            <pc:sldMk cId="1445414918" sldId="312"/>
+            <ac:spMk id="3" creationId="{74DC6BE1-2904-D044-80C3-3D68C1656906}"/>
+          </ac:spMkLst>
+        </pc:spChg>
+      </pc:sldChg>
+      <pc:sldChg chg="addSp modSp">
+        <pc:chgData name="Long B Nguyen" userId="f59fb8f3-a021-417a-8bc1-65c8d471c621" providerId="ADAL" clId="{79AC3FB5-31D9-1547-8E88-88FEE7233AFE}" dt="2021-09-13T17:22:55.206" v="0"/>
+        <pc:sldMkLst>
+          <pc:docMk/>
+          <pc:sldMk cId="396545928" sldId="313"/>
+        </pc:sldMkLst>
+        <pc:spChg chg="add mod">
+          <ac:chgData name="Long B Nguyen" userId="f59fb8f3-a021-417a-8bc1-65c8d471c621" providerId="ADAL" clId="{79AC3FB5-31D9-1547-8E88-88FEE7233AFE}" dt="2021-09-13T17:22:55.206" v="0"/>
+          <ac:spMkLst>
+            <pc:docMk/>
+            <pc:sldMk cId="396545928" sldId="313"/>
+            <ac:spMk id="3" creationId="{BAFC34F3-9669-0D4E-8633-E8846D99ABAE}"/>
+          </ac:spMkLst>
+        </pc:spChg>
+      </pc:sldChg>
+      <pc:sldChg chg="addSp modSp">
+        <pc:chgData name="Long B Nguyen" userId="f59fb8f3-a021-417a-8bc1-65c8d471c621" providerId="ADAL" clId="{79AC3FB5-31D9-1547-8E88-88FEE7233AFE}" dt="2021-09-13T17:22:55.206" v="0"/>
+        <pc:sldMkLst>
+          <pc:docMk/>
+          <pc:sldMk cId="1936805098" sldId="433"/>
+        </pc:sldMkLst>
+        <pc:spChg chg="add mod">
+          <ac:chgData name="Long B Nguyen" userId="f59fb8f3-a021-417a-8bc1-65c8d471c621" providerId="ADAL" clId="{79AC3FB5-31D9-1547-8E88-88FEE7233AFE}" dt="2021-09-13T17:22:55.206" v="0"/>
+          <ac:spMkLst>
+            <pc:docMk/>
+            <pc:sldMk cId="1936805098" sldId="433"/>
+            <ac:spMk id="2" creationId="{9AD8905F-0EA8-D041-B580-8F32959301A7}"/>
+          </ac:spMkLst>
+        </pc:spChg>
+      </pc:sldChg>
+      <pc:sldChg chg="addSp modSp">
+        <pc:chgData name="Long B Nguyen" userId="f59fb8f3-a021-417a-8bc1-65c8d471c621" providerId="ADAL" clId="{79AC3FB5-31D9-1547-8E88-88FEE7233AFE}" dt="2021-09-13T17:22:55.206" v="0"/>
+        <pc:sldMkLst>
+          <pc:docMk/>
+          <pc:sldMk cId="711467850" sldId="434"/>
+        </pc:sldMkLst>
+        <pc:spChg chg="add mod">
+          <ac:chgData name="Long B Nguyen" userId="f59fb8f3-a021-417a-8bc1-65c8d471c621" providerId="ADAL" clId="{79AC3FB5-31D9-1547-8E88-88FEE7233AFE}" dt="2021-09-13T17:22:55.206" v="0"/>
+          <ac:spMkLst>
+            <pc:docMk/>
+            <pc:sldMk cId="711467850" sldId="434"/>
+            <ac:spMk id="3" creationId="{D066EDD7-2470-6E42-857F-D7BD0FA2B658}"/>
+          </ac:spMkLst>
+        </pc:spChg>
+      </pc:sldChg>
+      <pc:sldChg chg="addSp modSp">
+        <pc:chgData name="Long B Nguyen" userId="f59fb8f3-a021-417a-8bc1-65c8d471c621" providerId="ADAL" clId="{79AC3FB5-31D9-1547-8E88-88FEE7233AFE}" dt="2021-09-13T17:22:55.206" v="0"/>
+        <pc:sldMkLst>
+          <pc:docMk/>
+          <pc:sldMk cId="1500526858" sldId="435"/>
+        </pc:sldMkLst>
+        <pc:spChg chg="add mod">
+          <ac:chgData name="Long B Nguyen" userId="f59fb8f3-a021-417a-8bc1-65c8d471c621" providerId="ADAL" clId="{79AC3FB5-31D9-1547-8E88-88FEE7233AFE}" dt="2021-09-13T17:22:55.206" v="0"/>
+          <ac:spMkLst>
+            <pc:docMk/>
+            <pc:sldMk cId="1500526858" sldId="435"/>
+            <ac:spMk id="2" creationId="{DF9CF5D0-36E8-B244-BC95-E21A3515C335}"/>
+          </ac:spMkLst>
+        </pc:spChg>
+      </pc:sldChg>
+      <pc:sldChg chg="addSp modSp">
+        <pc:chgData name="Long B Nguyen" userId="f59fb8f3-a021-417a-8bc1-65c8d471c621" providerId="ADAL" clId="{79AC3FB5-31D9-1547-8E88-88FEE7233AFE}" dt="2021-09-13T17:22:55.206" v="0"/>
+        <pc:sldMkLst>
+          <pc:docMk/>
+          <pc:sldMk cId="3566903560" sldId="436"/>
+        </pc:sldMkLst>
+        <pc:spChg chg="add mod">
+          <ac:chgData name="Long B Nguyen" userId="f59fb8f3-a021-417a-8bc1-65c8d471c621" providerId="ADAL" clId="{79AC3FB5-31D9-1547-8E88-88FEE7233AFE}" dt="2021-09-13T17:22:55.206" v="0"/>
+          <ac:spMkLst>
+            <pc:docMk/>
+            <pc:sldMk cId="3566903560" sldId="436"/>
+            <ac:spMk id="3" creationId="{C1D74296-407A-6241-931A-BDF13B9B791F}"/>
+          </ac:spMkLst>
+        </pc:spChg>
+      </pc:sldChg>
+      <pc:sldChg chg="addSp modSp">
+        <pc:chgData name="Long B Nguyen" userId="f59fb8f3-a021-417a-8bc1-65c8d471c621" providerId="ADAL" clId="{79AC3FB5-31D9-1547-8E88-88FEE7233AFE}" dt="2021-09-13T17:22:55.206" v="0"/>
+        <pc:sldMkLst>
+          <pc:docMk/>
+          <pc:sldMk cId="715834956" sldId="437"/>
+        </pc:sldMkLst>
+        <pc:spChg chg="add mod">
+          <ac:chgData name="Long B Nguyen" userId="f59fb8f3-a021-417a-8bc1-65c8d471c621" providerId="ADAL" clId="{79AC3FB5-31D9-1547-8E88-88FEE7233AFE}" dt="2021-09-13T17:22:55.206" v="0"/>
+          <ac:spMkLst>
+            <pc:docMk/>
+            <pc:sldMk cId="715834956" sldId="437"/>
+            <ac:spMk id="3" creationId="{C1BC3374-85B5-0241-B843-ACDC34DD684C}"/>
+          </ac:spMkLst>
+        </pc:spChg>
+      </pc:sldChg>
+      <pc:sldChg chg="addSp modSp">
+        <pc:chgData name="Long B Nguyen" userId="f59fb8f3-a021-417a-8bc1-65c8d471c621" providerId="ADAL" clId="{79AC3FB5-31D9-1547-8E88-88FEE7233AFE}" dt="2021-09-13T17:22:55.206" v="0"/>
+        <pc:sldMkLst>
+          <pc:docMk/>
+          <pc:sldMk cId="3884617150" sldId="438"/>
+        </pc:sldMkLst>
+        <pc:spChg chg="add mod">
+          <ac:chgData name="Long B Nguyen" userId="f59fb8f3-a021-417a-8bc1-65c8d471c621" providerId="ADAL" clId="{79AC3FB5-31D9-1547-8E88-88FEE7233AFE}" dt="2021-09-13T17:22:55.206" v="0"/>
+          <ac:spMkLst>
+            <pc:docMk/>
+            <pc:sldMk cId="3884617150" sldId="438"/>
+            <ac:spMk id="3" creationId="{D83CB181-6AE6-A743-B2F5-C2EFF9C7B693}"/>
+          </ac:spMkLst>
+        </pc:spChg>
+      </pc:sldChg>
+      <pc:sldChg chg="addSp modSp">
+        <pc:chgData name="Long B Nguyen" userId="f59fb8f3-a021-417a-8bc1-65c8d471c621" providerId="ADAL" clId="{79AC3FB5-31D9-1547-8E88-88FEE7233AFE}" dt="2021-09-13T17:22:55.206" v="0"/>
+        <pc:sldMkLst>
+          <pc:docMk/>
+          <pc:sldMk cId="2532139586" sldId="439"/>
+        </pc:sldMkLst>
+        <pc:spChg chg="add mod">
+          <ac:chgData name="Long B Nguyen" userId="f59fb8f3-a021-417a-8bc1-65c8d471c621" providerId="ADAL" clId="{79AC3FB5-31D9-1547-8E88-88FEE7233AFE}" dt="2021-09-13T17:22:55.206" v="0"/>
+          <ac:spMkLst>
+            <pc:docMk/>
+            <pc:sldMk cId="2532139586" sldId="439"/>
+            <ac:spMk id="3" creationId="{37DBF879-9531-534B-A2DE-06AABDA1BC13}"/>
+          </ac:spMkLst>
+        </pc:spChg>
       </pc:sldChg>
     </pc:docChg>
   </pc:docChgLst>
@@ -3028,7 +3337,7 @@
           <a:p>
             <a:fld id="{52977C8B-3199-9A4B-9182-F1B54ABD2553}" type="datetimeFigureOut">
               <a:rPr lang="en-US" smtClean="0"/>
-              <a:t>6/3/21</a:t>
+              <a:t>9/13/21</a:t>
             </a:fld>
             <a:endParaRPr lang="en-US"/>
           </a:p>
@@ -3903,9 +4212,9 @@
           <a:bodyPr/>
           <a:lstStyle/>
           <a:p>
-            <a:fld id="{4AAD347D-5ACD-4C99-B74B-A9C85AD731AF}" type="datetimeFigureOut">
+            <a:fld id="{C1915A50-C99B-9349-BF36-01C7D4D28808}" type="datetime1">
               <a:rPr lang="en-US" smtClean="0"/>
-              <a:t>6/3/21</a:t>
+              <a:t>9/13/21</a:t>
             </a:fld>
             <a:endParaRPr lang="en-US" dirty="0"/>
           </a:p>
@@ -4073,9 +4382,9 @@
           <a:bodyPr/>
           <a:lstStyle/>
           <a:p>
-            <a:fld id="{4509A250-FF31-4206-8172-F9D3106AACB1}" type="datetimeFigureOut">
+            <a:fld id="{66415AFE-E6C7-104E-9CC9-7BA63354EA62}" type="datetime1">
               <a:rPr lang="en-US" smtClean="0"/>
-              <a:t>6/3/21</a:t>
+              <a:t>9/13/21</a:t>
             </a:fld>
             <a:endParaRPr lang="en-US" dirty="0"/>
           </a:p>
@@ -4253,9 +4562,9 @@
           <a:bodyPr/>
           <a:lstStyle/>
           <a:p>
-            <a:fld id="{4509A250-FF31-4206-8172-F9D3106AACB1}" type="datetimeFigureOut">
+            <a:fld id="{FA75CCEF-0AB0-FC4E-9406-B9F6F883CE10}" type="datetime1">
               <a:rPr lang="en-US" smtClean="0"/>
-              <a:t>6/3/21</a:t>
+              <a:t>9/13/21</a:t>
             </a:fld>
             <a:endParaRPr lang="en-US" dirty="0"/>
           </a:p>
@@ -4423,9 +4732,9 @@
           <a:bodyPr/>
           <a:lstStyle/>
           <a:p>
-            <a:fld id="{4509A250-FF31-4206-8172-F9D3106AACB1}" type="datetimeFigureOut">
+            <a:fld id="{2C3BCB0F-CCCC-7E4F-A2D6-8E67CEBBA4E2}" type="datetime1">
               <a:rPr lang="en-US" smtClean="0"/>
-              <a:t>6/3/21</a:t>
+              <a:t>9/13/21</a:t>
             </a:fld>
             <a:endParaRPr lang="en-US" dirty="0"/>
           </a:p>
@@ -4669,9 +4978,9 @@
           <a:bodyPr/>
           <a:lstStyle/>
           <a:p>
-            <a:fld id="{9796027F-7875-4030-9381-8BD8C4F21935}" type="datetimeFigureOut">
+            <a:fld id="{F7ECE312-DD02-9A48-BDD5-6A8C409F005C}" type="datetime1">
               <a:rPr lang="en-US" smtClean="0"/>
-              <a:t>6/3/21</a:t>
+              <a:t>9/13/21</a:t>
             </a:fld>
             <a:endParaRPr lang="en-US" dirty="0"/>
           </a:p>
@@ -4901,9 +5210,9 @@
           <a:bodyPr/>
           <a:lstStyle/>
           <a:p>
-            <a:fld id="{9796027F-7875-4030-9381-8BD8C4F21935}" type="datetimeFigureOut">
+            <a:fld id="{B22C6363-94EF-2348-B681-CE82D72C7A6B}" type="datetime1">
               <a:rPr lang="en-US" smtClean="0"/>
-              <a:t>6/3/21</a:t>
+              <a:t>9/13/21</a:t>
             </a:fld>
             <a:endParaRPr lang="en-US" dirty="0"/>
           </a:p>
@@ -5268,9 +5577,9 @@
           <a:bodyPr/>
           <a:lstStyle/>
           <a:p>
-            <a:fld id="{9796027F-7875-4030-9381-8BD8C4F21935}" type="datetimeFigureOut">
+            <a:fld id="{4192ECC8-1BC3-7E41-9906-63079AEDF41E}" type="datetime1">
               <a:rPr lang="en-US" smtClean="0"/>
-              <a:t>6/3/21</a:t>
+              <a:t>9/13/21</a:t>
             </a:fld>
             <a:endParaRPr lang="en-US" dirty="0"/>
           </a:p>
@@ -5386,9 +5695,9 @@
           <a:bodyPr/>
           <a:lstStyle/>
           <a:p>
-            <a:fld id="{4509A250-FF31-4206-8172-F9D3106AACB1}" type="datetimeFigureOut">
+            <a:fld id="{5EBBBCC6-5C10-CE4F-809F-94992F219B3E}" type="datetime1">
               <a:rPr lang="en-US" smtClean="0"/>
-              <a:t>6/3/21</a:t>
+              <a:t>9/13/21</a:t>
             </a:fld>
             <a:endParaRPr lang="en-US" dirty="0"/>
           </a:p>
@@ -5481,9 +5790,9 @@
           <a:bodyPr/>
           <a:lstStyle/>
           <a:p>
-            <a:fld id="{4509A250-FF31-4206-8172-F9D3106AACB1}" type="datetimeFigureOut">
+            <a:fld id="{6B3DA62C-1185-2147-AE11-021E73567A8F}" type="datetime1">
               <a:rPr lang="en-US" smtClean="0"/>
-              <a:t>6/3/21</a:t>
+              <a:t>9/13/21</a:t>
             </a:fld>
             <a:endParaRPr lang="en-US" dirty="0"/>
           </a:p>
@@ -5758,9 +6067,9 @@
           <a:bodyPr/>
           <a:lstStyle/>
           <a:p>
-            <a:fld id="{4509A250-FF31-4206-8172-F9D3106AACB1}" type="datetimeFigureOut">
+            <a:fld id="{374C39C3-8B44-5541-834F-5442754734F3}" type="datetime1">
               <a:rPr lang="en-US" smtClean="0"/>
-              <a:t>6/3/21</a:t>
+              <a:t>9/13/21</a:t>
             </a:fld>
             <a:endParaRPr lang="en-US" dirty="0"/>
           </a:p>
@@ -6015,9 +6324,9 @@
           <a:bodyPr/>
           <a:lstStyle/>
           <a:p>
-            <a:fld id="{4509A250-FF31-4206-8172-F9D3106AACB1}" type="datetimeFigureOut">
+            <a:fld id="{F08ADA8F-2476-324A-AF58-50EE727C366D}" type="datetime1">
               <a:rPr lang="en-US" smtClean="0"/>
-              <a:t>6/3/21</a:t>
+              <a:t>9/13/21</a:t>
             </a:fld>
             <a:endParaRPr lang="en-US" dirty="0"/>
           </a:p>
@@ -6228,9 +6537,9 @@
             </a:lvl1pPr>
           </a:lstStyle>
           <a:p>
-            <a:fld id="{4AAD347D-5ACD-4C99-B74B-A9C85AD731AF}" type="datetimeFigureOut">
+            <a:fld id="{0F2C17CF-655F-5845-943D-AA02C3B1B07B}" type="datetime1">
               <a:rPr lang="en-US" smtClean="0"/>
-              <a:t>6/3/21</a:t>
+              <a:t>9/13/21</a:t>
             </a:fld>
             <a:endParaRPr lang="en-US" dirty="0"/>
           </a:p>
@@ -6335,7 +6644,7 @@
     <p:sldLayoutId id="2147483801" r:id="rId10"/>
     <p:sldLayoutId id="2147483802" r:id="rId11"/>
   </p:sldLayoutIdLst>
-  <p:hf sldNum="0" hdr="0" ftr="0" dt="0"/>
+  <p:hf hdr="0" ftr="0" dt="0"/>
   <p:txStyles>
     <p:titleStyle>
       <a:lvl1pPr algn="l" defTabSz="685800" rtl="0" eaLnBrk="1" latinLnBrk="0" hangingPunct="1">
@@ -6903,6 +7212,35 @@
           </a:p>
         </p:txBody>
       </p:sp>
+      <p:sp>
+        <p:nvSpPr>
+          <p:cNvPr id="5" name="Slide Number Placeholder 4">
+            <a:extLst>
+              <a:ext uri="{FF2B5EF4-FFF2-40B4-BE49-F238E27FC236}">
+                <a16:creationId xmlns:a16="http://schemas.microsoft.com/office/drawing/2014/main" id="{796CED46-0F0E-6841-ABD0-EB998A88CCC5}"/>
+              </a:ext>
+            </a:extLst>
+          </p:cNvPr>
+          <p:cNvSpPr>
+            <a:spLocks noGrp="1"/>
+          </p:cNvSpPr>
+          <p:nvPr>
+            <p:ph type="sldNum" sz="quarter" idx="12"/>
+          </p:nvPr>
+        </p:nvSpPr>
+        <p:spPr/>
+        <p:txBody>
+          <a:bodyPr/>
+          <a:lstStyle/>
+          <a:p>
+            <a:fld id="{D57F1E4F-1CFF-5643-939E-02111984F565}" type="slidenum">
+              <a:rPr lang="en-US" smtClean="0"/>
+              <a:t>1</a:t>
+            </a:fld>
+            <a:endParaRPr lang="en-US" dirty="0"/>
+          </a:p>
+        </p:txBody>
+      </p:sp>
     </p:spTree>
     <p:extLst>
       <p:ext uri="{BB962C8B-B14F-4D97-AF65-F5344CB8AC3E}">
@@ -7419,6 +7757,35 @@
             <a:endParaRPr lang="en-US" altLang="en-US" dirty="0">
               <a:ea typeface="ＭＳ Ｐゴシック" panose="020B0600070205080204" pitchFamily="34" charset="-128"/>
             </a:endParaRPr>
+          </a:p>
+        </p:txBody>
+      </p:sp>
+      <p:sp>
+        <p:nvSpPr>
+          <p:cNvPr id="2" name="Slide Number Placeholder 1">
+            <a:extLst>
+              <a:ext uri="{FF2B5EF4-FFF2-40B4-BE49-F238E27FC236}">
+                <a16:creationId xmlns:a16="http://schemas.microsoft.com/office/drawing/2014/main" id="{9AD8905F-0EA8-D041-B580-8F32959301A7}"/>
+              </a:ext>
+            </a:extLst>
+          </p:cNvPr>
+          <p:cNvSpPr>
+            <a:spLocks noGrp="1"/>
+          </p:cNvSpPr>
+          <p:nvPr>
+            <p:ph type="sldNum" sz="quarter" idx="12"/>
+          </p:nvPr>
+        </p:nvSpPr>
+        <p:spPr/>
+        <p:txBody>
+          <a:bodyPr/>
+          <a:lstStyle/>
+          <a:p>
+            <a:fld id="{D57F1E4F-1CFF-5643-939E-02111984F565}" type="slidenum">
+              <a:rPr lang="en-US" smtClean="0"/>
+              <a:t>10</a:t>
+            </a:fld>
+            <a:endParaRPr lang="en-US" dirty="0"/>
           </a:p>
         </p:txBody>
       </p:sp>
@@ -8587,6 +8954,35 @@
             </a:r>
           </a:p>
           <a:p>
+            <a:endParaRPr lang="en-US" dirty="0"/>
+          </a:p>
+        </p:txBody>
+      </p:sp>
+      <p:sp>
+        <p:nvSpPr>
+          <p:cNvPr id="3" name="Slide Number Placeholder 2">
+            <a:extLst>
+              <a:ext uri="{FF2B5EF4-FFF2-40B4-BE49-F238E27FC236}">
+                <a16:creationId xmlns:a16="http://schemas.microsoft.com/office/drawing/2014/main" id="{D066EDD7-2470-6E42-857F-D7BD0FA2B658}"/>
+              </a:ext>
+            </a:extLst>
+          </p:cNvPr>
+          <p:cNvSpPr>
+            <a:spLocks noGrp="1"/>
+          </p:cNvSpPr>
+          <p:nvPr>
+            <p:ph type="sldNum" sz="quarter" idx="12"/>
+          </p:nvPr>
+        </p:nvSpPr>
+        <p:spPr/>
+        <p:txBody>
+          <a:bodyPr/>
+          <a:lstStyle/>
+          <a:p>
+            <a:fld id="{D57F1E4F-1CFF-5643-939E-02111984F565}" type="slidenum">
+              <a:rPr lang="en-US" smtClean="0"/>
+              <a:t>11</a:t>
+            </a:fld>
             <a:endParaRPr lang="en-US" dirty="0"/>
           </a:p>
         </p:txBody>
@@ -9783,6 +10179,35 @@
           </a:p>
         </p:txBody>
       </p:sp>
+      <p:sp>
+        <p:nvSpPr>
+          <p:cNvPr id="2" name="Slide Number Placeholder 1">
+            <a:extLst>
+              <a:ext uri="{FF2B5EF4-FFF2-40B4-BE49-F238E27FC236}">
+                <a16:creationId xmlns:a16="http://schemas.microsoft.com/office/drawing/2014/main" id="{DF9CF5D0-36E8-B244-BC95-E21A3515C335}"/>
+              </a:ext>
+            </a:extLst>
+          </p:cNvPr>
+          <p:cNvSpPr>
+            <a:spLocks noGrp="1"/>
+          </p:cNvSpPr>
+          <p:nvPr>
+            <p:ph type="sldNum" sz="quarter" idx="12"/>
+          </p:nvPr>
+        </p:nvSpPr>
+        <p:spPr/>
+        <p:txBody>
+          <a:bodyPr/>
+          <a:lstStyle/>
+          <a:p>
+            <a:fld id="{D57F1E4F-1CFF-5643-939E-02111984F565}" type="slidenum">
+              <a:rPr lang="en-US" smtClean="0"/>
+              <a:t>12</a:t>
+            </a:fld>
+            <a:endParaRPr lang="en-US" dirty="0"/>
+          </a:p>
+        </p:txBody>
+      </p:sp>
     </p:spTree>
     <p:extLst>
       <p:ext uri="{BB962C8B-B14F-4D97-AF65-F5344CB8AC3E}">
@@ -10412,6 +10837,35 @@
             <a:endParaRPr lang="en-US" sz="1900" dirty="0">
               <a:latin typeface="Gill Sans MT" panose="020B0502020104020203" pitchFamily="34" charset="77"/>
             </a:endParaRPr>
+          </a:p>
+        </p:txBody>
+      </p:sp>
+      <p:sp>
+        <p:nvSpPr>
+          <p:cNvPr id="3" name="Slide Number Placeholder 2">
+            <a:extLst>
+              <a:ext uri="{FF2B5EF4-FFF2-40B4-BE49-F238E27FC236}">
+                <a16:creationId xmlns:a16="http://schemas.microsoft.com/office/drawing/2014/main" id="{93CFFFA1-E611-A94B-9D55-367CD1B4541A}"/>
+              </a:ext>
+            </a:extLst>
+          </p:cNvPr>
+          <p:cNvSpPr>
+            <a:spLocks noGrp="1"/>
+          </p:cNvSpPr>
+          <p:nvPr>
+            <p:ph type="sldNum" sz="quarter" idx="12"/>
+          </p:nvPr>
+        </p:nvSpPr>
+        <p:spPr/>
+        <p:txBody>
+          <a:bodyPr/>
+          <a:lstStyle/>
+          <a:p>
+            <a:fld id="{D57F1E4F-1CFF-5643-939E-02111984F565}" type="slidenum">
+              <a:rPr lang="en-US" smtClean="0"/>
+              <a:t>13</a:t>
+            </a:fld>
+            <a:endParaRPr lang="en-US" dirty="0"/>
           </a:p>
         </p:txBody>
       </p:sp>
@@ -11048,6 +11502,35 @@
           </a:p>
         </p:txBody>
       </p:sp>
+      <p:sp>
+        <p:nvSpPr>
+          <p:cNvPr id="4" name="Slide Number Placeholder 3">
+            <a:extLst>
+              <a:ext uri="{FF2B5EF4-FFF2-40B4-BE49-F238E27FC236}">
+                <a16:creationId xmlns:a16="http://schemas.microsoft.com/office/drawing/2014/main" id="{A89AF26A-AEB3-E642-91C5-17A799FD4011}"/>
+              </a:ext>
+            </a:extLst>
+          </p:cNvPr>
+          <p:cNvSpPr>
+            <a:spLocks noGrp="1"/>
+          </p:cNvSpPr>
+          <p:nvPr>
+            <p:ph type="sldNum" sz="quarter" idx="12"/>
+          </p:nvPr>
+        </p:nvSpPr>
+        <p:spPr/>
+        <p:txBody>
+          <a:bodyPr/>
+          <a:lstStyle/>
+          <a:p>
+            <a:fld id="{D57F1E4F-1CFF-5643-939E-02111984F565}" type="slidenum">
+              <a:rPr lang="en-US" smtClean="0"/>
+              <a:t>14</a:t>
+            </a:fld>
+            <a:endParaRPr lang="en-US" dirty="0"/>
+          </a:p>
+        </p:txBody>
+      </p:sp>
     </p:spTree>
     <p:extLst>
       <p:ext uri="{BB962C8B-B14F-4D97-AF65-F5344CB8AC3E}">
@@ -11480,6 +11963,35 @@
             <a:endParaRPr lang="en-US" sz="1900" dirty="0">
               <a:latin typeface="Gill Sans MT" panose="020B0502020104020203" pitchFamily="34" charset="77"/>
             </a:endParaRPr>
+          </a:p>
+        </p:txBody>
+      </p:sp>
+      <p:sp>
+        <p:nvSpPr>
+          <p:cNvPr id="3" name="Slide Number Placeholder 2">
+            <a:extLst>
+              <a:ext uri="{FF2B5EF4-FFF2-40B4-BE49-F238E27FC236}">
+                <a16:creationId xmlns:a16="http://schemas.microsoft.com/office/drawing/2014/main" id="{C1D74296-407A-6241-931A-BDF13B9B791F}"/>
+              </a:ext>
+            </a:extLst>
+          </p:cNvPr>
+          <p:cNvSpPr>
+            <a:spLocks noGrp="1"/>
+          </p:cNvSpPr>
+          <p:nvPr>
+            <p:ph type="sldNum" sz="quarter" idx="12"/>
+          </p:nvPr>
+        </p:nvSpPr>
+        <p:spPr/>
+        <p:txBody>
+          <a:bodyPr/>
+          <a:lstStyle/>
+          <a:p>
+            <a:fld id="{D57F1E4F-1CFF-5643-939E-02111984F565}" type="slidenum">
+              <a:rPr lang="en-US" smtClean="0"/>
+              <a:t>15</a:t>
+            </a:fld>
+            <a:endParaRPr lang="en-US" dirty="0"/>
           </a:p>
         </p:txBody>
       </p:sp>
@@ -12393,6 +12905,35 @@
           </a:p>
         </p:txBody>
       </p:sp>
+      <p:sp>
+        <p:nvSpPr>
+          <p:cNvPr id="3" name="Slide Number Placeholder 2">
+            <a:extLst>
+              <a:ext uri="{FF2B5EF4-FFF2-40B4-BE49-F238E27FC236}">
+                <a16:creationId xmlns:a16="http://schemas.microsoft.com/office/drawing/2014/main" id="{C1BC3374-85B5-0241-B843-ACDC34DD684C}"/>
+              </a:ext>
+            </a:extLst>
+          </p:cNvPr>
+          <p:cNvSpPr>
+            <a:spLocks noGrp="1"/>
+          </p:cNvSpPr>
+          <p:nvPr>
+            <p:ph type="sldNum" sz="quarter" idx="12"/>
+          </p:nvPr>
+        </p:nvSpPr>
+        <p:spPr/>
+        <p:txBody>
+          <a:bodyPr/>
+          <a:lstStyle/>
+          <a:p>
+            <a:fld id="{D57F1E4F-1CFF-5643-939E-02111984F565}" type="slidenum">
+              <a:rPr lang="en-US" smtClean="0"/>
+              <a:t>16</a:t>
+            </a:fld>
+            <a:endParaRPr lang="en-US" dirty="0"/>
+          </a:p>
+        </p:txBody>
+      </p:sp>
     </p:spTree>
     <p:extLst>
       <p:ext uri="{BB962C8B-B14F-4D97-AF65-F5344CB8AC3E}">
@@ -12883,6 +13424,35 @@
             <a:endParaRPr lang="en-US" sz="1900" b="1" dirty="0">
               <a:latin typeface="Inconsolata" panose="020B0609030003000000" pitchFamily="49" charset="77"/>
             </a:endParaRPr>
+          </a:p>
+        </p:txBody>
+      </p:sp>
+      <p:sp>
+        <p:nvSpPr>
+          <p:cNvPr id="3" name="Slide Number Placeholder 2">
+            <a:extLst>
+              <a:ext uri="{FF2B5EF4-FFF2-40B4-BE49-F238E27FC236}">
+                <a16:creationId xmlns:a16="http://schemas.microsoft.com/office/drawing/2014/main" id="{D83CB181-6AE6-A743-B2F5-C2EFF9C7B693}"/>
+              </a:ext>
+            </a:extLst>
+          </p:cNvPr>
+          <p:cNvSpPr>
+            <a:spLocks noGrp="1"/>
+          </p:cNvSpPr>
+          <p:nvPr>
+            <p:ph type="sldNum" sz="quarter" idx="12"/>
+          </p:nvPr>
+        </p:nvSpPr>
+        <p:spPr/>
+        <p:txBody>
+          <a:bodyPr/>
+          <a:lstStyle/>
+          <a:p>
+            <a:fld id="{D57F1E4F-1CFF-5643-939E-02111984F565}" type="slidenum">
+              <a:rPr lang="en-US" smtClean="0"/>
+              <a:t>17</a:t>
+            </a:fld>
+            <a:endParaRPr lang="en-US" dirty="0"/>
           </a:p>
         </p:txBody>
       </p:sp>
@@ -13568,6 +14138,35 @@
           </a:p>
         </p:txBody>
       </p:sp>
+      <p:sp>
+        <p:nvSpPr>
+          <p:cNvPr id="3" name="Slide Number Placeholder 2">
+            <a:extLst>
+              <a:ext uri="{FF2B5EF4-FFF2-40B4-BE49-F238E27FC236}">
+                <a16:creationId xmlns:a16="http://schemas.microsoft.com/office/drawing/2014/main" id="{37DBF879-9531-534B-A2DE-06AABDA1BC13}"/>
+              </a:ext>
+            </a:extLst>
+          </p:cNvPr>
+          <p:cNvSpPr>
+            <a:spLocks noGrp="1"/>
+          </p:cNvSpPr>
+          <p:nvPr>
+            <p:ph type="sldNum" sz="quarter" idx="12"/>
+          </p:nvPr>
+        </p:nvSpPr>
+        <p:spPr/>
+        <p:txBody>
+          <a:bodyPr/>
+          <a:lstStyle/>
+          <a:p>
+            <a:fld id="{D57F1E4F-1CFF-5643-939E-02111984F565}" type="slidenum">
+              <a:rPr lang="en-US" smtClean="0"/>
+              <a:t>18</a:t>
+            </a:fld>
+            <a:endParaRPr lang="en-US" dirty="0"/>
+          </a:p>
+        </p:txBody>
+      </p:sp>
     </p:spTree>
     <p:extLst>
       <p:ext uri="{BB962C8B-B14F-4D97-AF65-F5344CB8AC3E}">
@@ -13768,6 +14367,35 @@
             <a:pPr marL="0" indent="0">
               <a:buNone/>
             </a:pPr>
+            <a:endParaRPr lang="en-US" dirty="0"/>
+          </a:p>
+        </p:txBody>
+      </p:sp>
+      <p:sp>
+        <p:nvSpPr>
+          <p:cNvPr id="3" name="Slide Number Placeholder 2">
+            <a:extLst>
+              <a:ext uri="{FF2B5EF4-FFF2-40B4-BE49-F238E27FC236}">
+                <a16:creationId xmlns:a16="http://schemas.microsoft.com/office/drawing/2014/main" id="{4C9FD257-5B98-D746-8399-DFB1F5688E35}"/>
+              </a:ext>
+            </a:extLst>
+          </p:cNvPr>
+          <p:cNvSpPr>
+            <a:spLocks noGrp="1"/>
+          </p:cNvSpPr>
+          <p:nvPr>
+            <p:ph type="sldNum" sz="quarter" idx="12"/>
+          </p:nvPr>
+        </p:nvSpPr>
+        <p:spPr/>
+        <p:txBody>
+          <a:bodyPr/>
+          <a:lstStyle/>
+          <a:p>
+            <a:fld id="{D57F1E4F-1CFF-5643-939E-02111984F565}" type="slidenum">
+              <a:rPr lang="en-US" smtClean="0"/>
+              <a:t>19</a:t>
+            </a:fld>
             <a:endParaRPr lang="en-US" dirty="0"/>
           </a:p>
         </p:txBody>
@@ -14003,6 +14631,35 @@
             <a:endParaRPr lang="en-US" b="1" dirty="0">
               <a:latin typeface="Gill Sans MT" panose="020B0502020104020203" pitchFamily="34" charset="77"/>
             </a:endParaRPr>
+          </a:p>
+        </p:txBody>
+      </p:sp>
+      <p:sp>
+        <p:nvSpPr>
+          <p:cNvPr id="3" name="Slide Number Placeholder 2">
+            <a:extLst>
+              <a:ext uri="{FF2B5EF4-FFF2-40B4-BE49-F238E27FC236}">
+                <a16:creationId xmlns:a16="http://schemas.microsoft.com/office/drawing/2014/main" id="{27EF5B8A-56BB-E54B-9FD8-FB2CA69D506D}"/>
+              </a:ext>
+            </a:extLst>
+          </p:cNvPr>
+          <p:cNvSpPr>
+            <a:spLocks noGrp="1"/>
+          </p:cNvSpPr>
+          <p:nvPr>
+            <p:ph type="sldNum" sz="quarter" idx="12"/>
+          </p:nvPr>
+        </p:nvSpPr>
+        <p:spPr/>
+        <p:txBody>
+          <a:bodyPr/>
+          <a:lstStyle/>
+          <a:p>
+            <a:fld id="{D57F1E4F-1CFF-5643-939E-02111984F565}" type="slidenum">
+              <a:rPr lang="en-US" smtClean="0"/>
+              <a:t>2</a:t>
+            </a:fld>
+            <a:endParaRPr lang="en-US" dirty="0"/>
           </a:p>
         </p:txBody>
       </p:sp>
@@ -14484,6 +15141,35 @@
           </a:p>
         </p:txBody>
       </p:sp>
+      <p:sp>
+        <p:nvSpPr>
+          <p:cNvPr id="3" name="Slide Number Placeholder 2">
+            <a:extLst>
+              <a:ext uri="{FF2B5EF4-FFF2-40B4-BE49-F238E27FC236}">
+                <a16:creationId xmlns:a16="http://schemas.microsoft.com/office/drawing/2014/main" id="{2DE8E440-62D0-9D48-9B65-FA37395D0761}"/>
+              </a:ext>
+            </a:extLst>
+          </p:cNvPr>
+          <p:cNvSpPr>
+            <a:spLocks noGrp="1"/>
+          </p:cNvSpPr>
+          <p:nvPr>
+            <p:ph type="sldNum" sz="quarter" idx="12"/>
+          </p:nvPr>
+        </p:nvSpPr>
+        <p:spPr/>
+        <p:txBody>
+          <a:bodyPr/>
+          <a:lstStyle/>
+          <a:p>
+            <a:fld id="{D57F1E4F-1CFF-5643-939E-02111984F565}" type="slidenum">
+              <a:rPr lang="en-US" smtClean="0"/>
+              <a:t>20</a:t>
+            </a:fld>
+            <a:endParaRPr lang="en-US" dirty="0"/>
+          </a:p>
+        </p:txBody>
+      </p:sp>
     </p:spTree>
     <p:extLst>
       <p:ext uri="{BB962C8B-B14F-4D97-AF65-F5344CB8AC3E}">
@@ -14620,6 +15306,35 @@
           </a:prstGeom>
         </p:spPr>
       </p:pic>
+      <p:sp>
+        <p:nvSpPr>
+          <p:cNvPr id="3" name="Slide Number Placeholder 2">
+            <a:extLst>
+              <a:ext uri="{FF2B5EF4-FFF2-40B4-BE49-F238E27FC236}">
+                <a16:creationId xmlns:a16="http://schemas.microsoft.com/office/drawing/2014/main" id="{11277427-416E-234C-9BB0-C708A18935A9}"/>
+              </a:ext>
+            </a:extLst>
+          </p:cNvPr>
+          <p:cNvSpPr>
+            <a:spLocks noGrp="1"/>
+          </p:cNvSpPr>
+          <p:nvPr>
+            <p:ph type="sldNum" sz="quarter" idx="12"/>
+          </p:nvPr>
+        </p:nvSpPr>
+        <p:spPr/>
+        <p:txBody>
+          <a:bodyPr/>
+          <a:lstStyle/>
+          <a:p>
+            <a:fld id="{D57F1E4F-1CFF-5643-939E-02111984F565}" type="slidenum">
+              <a:rPr lang="en-US" smtClean="0"/>
+              <a:t>3</a:t>
+            </a:fld>
+            <a:endParaRPr lang="en-US" dirty="0"/>
+          </a:p>
+        </p:txBody>
+      </p:sp>
     </p:spTree>
     <p:extLst>
       <p:ext uri="{BB962C8B-B14F-4D97-AF65-F5344CB8AC3E}">
@@ -14926,6 +15641,35 @@
             <a:endParaRPr lang="en-US" sz="1900" b="1" dirty="0">
               <a:latin typeface="Inconsolata" panose="020B0609030003000000" pitchFamily="49" charset="77"/>
             </a:endParaRPr>
+          </a:p>
+        </p:txBody>
+      </p:sp>
+      <p:sp>
+        <p:nvSpPr>
+          <p:cNvPr id="3" name="Slide Number Placeholder 2">
+            <a:extLst>
+              <a:ext uri="{FF2B5EF4-FFF2-40B4-BE49-F238E27FC236}">
+                <a16:creationId xmlns:a16="http://schemas.microsoft.com/office/drawing/2014/main" id="{BE69D01B-A263-524A-B53D-C74EED1B75D5}"/>
+              </a:ext>
+            </a:extLst>
+          </p:cNvPr>
+          <p:cNvSpPr>
+            <a:spLocks noGrp="1"/>
+          </p:cNvSpPr>
+          <p:nvPr>
+            <p:ph type="sldNum" sz="quarter" idx="12"/>
+          </p:nvPr>
+        </p:nvSpPr>
+        <p:spPr/>
+        <p:txBody>
+          <a:bodyPr/>
+          <a:lstStyle/>
+          <a:p>
+            <a:fld id="{D57F1E4F-1CFF-5643-939E-02111984F565}" type="slidenum">
+              <a:rPr lang="en-US" smtClean="0"/>
+              <a:t>4</a:t>
+            </a:fld>
+            <a:endParaRPr lang="en-US" dirty="0"/>
           </a:p>
         </p:txBody>
       </p:sp>
@@ -15366,6 +16110,35 @@
             <a:endParaRPr lang="en-US" sz="1900" dirty="0">
               <a:latin typeface="Gill Sans MT" panose="020B0502020104020203" pitchFamily="34" charset="77"/>
             </a:endParaRPr>
+          </a:p>
+        </p:txBody>
+      </p:sp>
+      <p:sp>
+        <p:nvSpPr>
+          <p:cNvPr id="3" name="Slide Number Placeholder 2">
+            <a:extLst>
+              <a:ext uri="{FF2B5EF4-FFF2-40B4-BE49-F238E27FC236}">
+                <a16:creationId xmlns:a16="http://schemas.microsoft.com/office/drawing/2014/main" id="{74DC6BE1-2904-D044-80C3-3D68C1656906}"/>
+              </a:ext>
+            </a:extLst>
+          </p:cNvPr>
+          <p:cNvSpPr>
+            <a:spLocks noGrp="1"/>
+          </p:cNvSpPr>
+          <p:nvPr>
+            <p:ph type="sldNum" sz="quarter" idx="12"/>
+          </p:nvPr>
+        </p:nvSpPr>
+        <p:spPr/>
+        <p:txBody>
+          <a:bodyPr/>
+          <a:lstStyle/>
+          <a:p>
+            <a:fld id="{D57F1E4F-1CFF-5643-939E-02111984F565}" type="slidenum">
+              <a:rPr lang="en-US" smtClean="0"/>
+              <a:t>5</a:t>
+            </a:fld>
+            <a:endParaRPr lang="en-US" dirty="0"/>
           </a:p>
         </p:txBody>
       </p:sp>
@@ -16195,6 +16968,35 @@
           </a:p>
         </p:txBody>
       </p:sp>
+      <p:sp>
+        <p:nvSpPr>
+          <p:cNvPr id="2" name="Slide Number Placeholder 1">
+            <a:extLst>
+              <a:ext uri="{FF2B5EF4-FFF2-40B4-BE49-F238E27FC236}">
+                <a16:creationId xmlns:a16="http://schemas.microsoft.com/office/drawing/2014/main" id="{F070F285-F7BE-0248-A6EB-B686876A113F}"/>
+              </a:ext>
+            </a:extLst>
+          </p:cNvPr>
+          <p:cNvSpPr>
+            <a:spLocks noGrp="1"/>
+          </p:cNvSpPr>
+          <p:nvPr>
+            <p:ph type="sldNum" sz="quarter" idx="12"/>
+          </p:nvPr>
+        </p:nvSpPr>
+        <p:spPr/>
+        <p:txBody>
+          <a:bodyPr/>
+          <a:lstStyle/>
+          <a:p>
+            <a:fld id="{D57F1E4F-1CFF-5643-939E-02111984F565}" type="slidenum">
+              <a:rPr lang="en-US" smtClean="0"/>
+              <a:t>6</a:t>
+            </a:fld>
+            <a:endParaRPr lang="en-US" dirty="0"/>
+          </a:p>
+        </p:txBody>
+      </p:sp>
     </p:spTree>
     <p:extLst>
       <p:ext uri="{BB962C8B-B14F-4D97-AF65-F5344CB8AC3E}">
@@ -16772,6 +17574,35 @@
             <a:endParaRPr lang="en-US" sz="1900" dirty="0">
               <a:latin typeface="Gill Sans MT" panose="020B0502020104020203" pitchFamily="34" charset="77"/>
             </a:endParaRPr>
+          </a:p>
+        </p:txBody>
+      </p:sp>
+      <p:sp>
+        <p:nvSpPr>
+          <p:cNvPr id="3" name="Slide Number Placeholder 2">
+            <a:extLst>
+              <a:ext uri="{FF2B5EF4-FFF2-40B4-BE49-F238E27FC236}">
+                <a16:creationId xmlns:a16="http://schemas.microsoft.com/office/drawing/2014/main" id="{BAFC34F3-9669-0D4E-8633-E8846D99ABAE}"/>
+              </a:ext>
+            </a:extLst>
+          </p:cNvPr>
+          <p:cNvSpPr>
+            <a:spLocks noGrp="1"/>
+          </p:cNvSpPr>
+          <p:nvPr>
+            <p:ph type="sldNum" sz="quarter" idx="12"/>
+          </p:nvPr>
+        </p:nvSpPr>
+        <p:spPr/>
+        <p:txBody>
+          <a:bodyPr/>
+          <a:lstStyle/>
+          <a:p>
+            <a:fld id="{D57F1E4F-1CFF-5643-939E-02111984F565}" type="slidenum">
+              <a:rPr lang="en-US" smtClean="0"/>
+              <a:t>7</a:t>
+            </a:fld>
+            <a:endParaRPr lang="en-US" dirty="0"/>
           </a:p>
         </p:txBody>
       </p:sp>
@@ -17403,6 +18234,35 @@
           </a:p>
         </p:txBody>
       </p:sp>
+      <p:sp>
+        <p:nvSpPr>
+          <p:cNvPr id="3" name="Slide Number Placeholder 2">
+            <a:extLst>
+              <a:ext uri="{FF2B5EF4-FFF2-40B4-BE49-F238E27FC236}">
+                <a16:creationId xmlns:a16="http://schemas.microsoft.com/office/drawing/2014/main" id="{A2CEF152-4123-274B-8778-13899F1E40B7}"/>
+              </a:ext>
+            </a:extLst>
+          </p:cNvPr>
+          <p:cNvSpPr>
+            <a:spLocks noGrp="1"/>
+          </p:cNvSpPr>
+          <p:nvPr>
+            <p:ph type="sldNum" sz="quarter" idx="12"/>
+          </p:nvPr>
+        </p:nvSpPr>
+        <p:spPr/>
+        <p:txBody>
+          <a:bodyPr/>
+          <a:lstStyle/>
+          <a:p>
+            <a:fld id="{D57F1E4F-1CFF-5643-939E-02111984F565}" type="slidenum">
+              <a:rPr lang="en-US" smtClean="0"/>
+              <a:t>8</a:t>
+            </a:fld>
+            <a:endParaRPr lang="en-US" dirty="0"/>
+          </a:p>
+        </p:txBody>
+      </p:sp>
     </p:spTree>
     <p:extLst>
       <p:ext uri="{BB962C8B-B14F-4D97-AF65-F5344CB8AC3E}">
@@ -18168,6 +19028,35 @@
             </a:r>
           </a:p>
           <a:p>
+            <a:endParaRPr lang="en-US" dirty="0"/>
+          </a:p>
+        </p:txBody>
+      </p:sp>
+      <p:sp>
+        <p:nvSpPr>
+          <p:cNvPr id="3" name="Slide Number Placeholder 2">
+            <a:extLst>
+              <a:ext uri="{FF2B5EF4-FFF2-40B4-BE49-F238E27FC236}">
+                <a16:creationId xmlns:a16="http://schemas.microsoft.com/office/drawing/2014/main" id="{C31714EB-8122-D349-B38F-B3EEEE3BE521}"/>
+              </a:ext>
+            </a:extLst>
+          </p:cNvPr>
+          <p:cNvSpPr>
+            <a:spLocks noGrp="1"/>
+          </p:cNvSpPr>
+          <p:nvPr>
+            <p:ph type="sldNum" sz="quarter" idx="12"/>
+          </p:nvPr>
+        </p:nvSpPr>
+        <p:spPr/>
+        <p:txBody>
+          <a:bodyPr/>
+          <a:lstStyle/>
+          <a:p>
+            <a:fld id="{D57F1E4F-1CFF-5643-939E-02111984F565}" type="slidenum">
+              <a:rPr lang="en-US" smtClean="0"/>
+              <a:t>9</a:t>
+            </a:fld>
             <a:endParaRPr lang="en-US" dirty="0"/>
           </a:p>
         </p:txBody>

--- a/courses/apcsp/lect2.pptx
+++ b/courses/apcsp/lect2.pptx
@@ -248,7 +248,7 @@
   <pc:docChgLst>
     <pc:chgData name="Long B Nguyen" userId="f59fb8f3-a021-417a-8bc1-65c8d471c621" providerId="ADAL" clId="{79AC3FB5-31D9-1547-8E88-88FEE7233AFE}"/>
     <pc:docChg chg="modSld">
-      <pc:chgData name="Long B Nguyen" userId="f59fb8f3-a021-417a-8bc1-65c8d471c621" providerId="ADAL" clId="{79AC3FB5-31D9-1547-8E88-88FEE7233AFE}" dt="2021-09-13T17:22:55.206" v="0"/>
+      <pc:chgData name="Long B Nguyen" userId="f59fb8f3-a021-417a-8bc1-65c8d471c621" providerId="ADAL" clId="{79AC3FB5-31D9-1547-8E88-88FEE7233AFE}" dt="2021-09-16T13:18:14.151" v="1" actId="20577"/>
       <pc:docMkLst>
         <pc:docMk/>
       </pc:docMkLst>
@@ -537,8 +537,8 @@
           </ac:spMkLst>
         </pc:spChg>
       </pc:sldChg>
-      <pc:sldChg chg="addSp modSp">
-        <pc:chgData name="Long B Nguyen" userId="f59fb8f3-a021-417a-8bc1-65c8d471c621" providerId="ADAL" clId="{79AC3FB5-31D9-1547-8E88-88FEE7233AFE}" dt="2021-09-13T17:22:55.206" v="0"/>
+      <pc:sldChg chg="addSp modSp mod">
+        <pc:chgData name="Long B Nguyen" userId="f59fb8f3-a021-417a-8bc1-65c8d471c621" providerId="ADAL" clId="{79AC3FB5-31D9-1547-8E88-88FEE7233AFE}" dt="2021-09-16T13:18:14.151" v="1" actId="20577"/>
         <pc:sldMkLst>
           <pc:docMk/>
           <pc:sldMk cId="2532139586" sldId="439"/>
@@ -549,6 +549,14 @@
             <pc:docMk/>
             <pc:sldMk cId="2532139586" sldId="439"/>
             <ac:spMk id="3" creationId="{37DBF879-9531-534B-A2DE-06AABDA1BC13}"/>
+          </ac:spMkLst>
+        </pc:spChg>
+        <pc:spChg chg="mod">
+          <ac:chgData name="Long B Nguyen" userId="f59fb8f3-a021-417a-8bc1-65c8d471c621" providerId="ADAL" clId="{79AC3FB5-31D9-1547-8E88-88FEE7233AFE}" dt="2021-09-16T13:18:14.151" v="1" actId="20577"/>
+          <ac:spMkLst>
+            <pc:docMk/>
+            <pc:sldMk cId="2532139586" sldId="439"/>
+            <ac:spMk id="9" creationId="{E3B2E017-30B2-884B-A113-B419A2ED51AD}"/>
           </ac:spMkLst>
         </pc:spChg>
       </pc:sldChg>
@@ -3337,7 +3345,7 @@
           <a:p>
             <a:fld id="{52977C8B-3199-9A4B-9182-F1B54ABD2553}" type="datetimeFigureOut">
               <a:rPr lang="en-US" smtClean="0"/>
-              <a:t>9/13/21</a:t>
+              <a:t>9/16/21</a:t>
             </a:fld>
             <a:endParaRPr lang="en-US"/>
           </a:p>
@@ -4214,7 +4222,7 @@
           <a:p>
             <a:fld id="{C1915A50-C99B-9349-BF36-01C7D4D28808}" type="datetime1">
               <a:rPr lang="en-US" smtClean="0"/>
-              <a:t>9/13/21</a:t>
+              <a:t>9/16/21</a:t>
             </a:fld>
             <a:endParaRPr lang="en-US" dirty="0"/>
           </a:p>
@@ -4384,7 +4392,7 @@
           <a:p>
             <a:fld id="{66415AFE-E6C7-104E-9CC9-7BA63354EA62}" type="datetime1">
               <a:rPr lang="en-US" smtClean="0"/>
-              <a:t>9/13/21</a:t>
+              <a:t>9/16/21</a:t>
             </a:fld>
             <a:endParaRPr lang="en-US" dirty="0"/>
           </a:p>
@@ -4564,7 +4572,7 @@
           <a:p>
             <a:fld id="{FA75CCEF-0AB0-FC4E-9406-B9F6F883CE10}" type="datetime1">
               <a:rPr lang="en-US" smtClean="0"/>
-              <a:t>9/13/21</a:t>
+              <a:t>9/16/21</a:t>
             </a:fld>
             <a:endParaRPr lang="en-US" dirty="0"/>
           </a:p>
@@ -4734,7 +4742,7 @@
           <a:p>
             <a:fld id="{2C3BCB0F-CCCC-7E4F-A2D6-8E67CEBBA4E2}" type="datetime1">
               <a:rPr lang="en-US" smtClean="0"/>
-              <a:t>9/13/21</a:t>
+              <a:t>9/16/21</a:t>
             </a:fld>
             <a:endParaRPr lang="en-US" dirty="0"/>
           </a:p>
@@ -4980,7 +4988,7 @@
           <a:p>
             <a:fld id="{F7ECE312-DD02-9A48-BDD5-6A8C409F005C}" type="datetime1">
               <a:rPr lang="en-US" smtClean="0"/>
-              <a:t>9/13/21</a:t>
+              <a:t>9/16/21</a:t>
             </a:fld>
             <a:endParaRPr lang="en-US" dirty="0"/>
           </a:p>
@@ -5212,7 +5220,7 @@
           <a:p>
             <a:fld id="{B22C6363-94EF-2348-B681-CE82D72C7A6B}" type="datetime1">
               <a:rPr lang="en-US" smtClean="0"/>
-              <a:t>9/13/21</a:t>
+              <a:t>9/16/21</a:t>
             </a:fld>
             <a:endParaRPr lang="en-US" dirty="0"/>
           </a:p>
@@ -5579,7 +5587,7 @@
           <a:p>
             <a:fld id="{4192ECC8-1BC3-7E41-9906-63079AEDF41E}" type="datetime1">
               <a:rPr lang="en-US" smtClean="0"/>
-              <a:t>9/13/21</a:t>
+              <a:t>9/16/21</a:t>
             </a:fld>
             <a:endParaRPr lang="en-US" dirty="0"/>
           </a:p>
@@ -5697,7 +5705,7 @@
           <a:p>
             <a:fld id="{5EBBBCC6-5C10-CE4F-809F-94992F219B3E}" type="datetime1">
               <a:rPr lang="en-US" smtClean="0"/>
-              <a:t>9/13/21</a:t>
+              <a:t>9/16/21</a:t>
             </a:fld>
             <a:endParaRPr lang="en-US" dirty="0"/>
           </a:p>
@@ -5792,7 +5800,7 @@
           <a:p>
             <a:fld id="{6B3DA62C-1185-2147-AE11-021E73567A8F}" type="datetime1">
               <a:rPr lang="en-US" smtClean="0"/>
-              <a:t>9/13/21</a:t>
+              <a:t>9/16/21</a:t>
             </a:fld>
             <a:endParaRPr lang="en-US" dirty="0"/>
           </a:p>
@@ -6069,7 +6077,7 @@
           <a:p>
             <a:fld id="{374C39C3-8B44-5541-834F-5442754734F3}" type="datetime1">
               <a:rPr lang="en-US" smtClean="0"/>
-              <a:t>9/13/21</a:t>
+              <a:t>9/16/21</a:t>
             </a:fld>
             <a:endParaRPr lang="en-US" dirty="0"/>
           </a:p>
@@ -6326,7 +6334,7 @@
           <a:p>
             <a:fld id="{F08ADA8F-2476-324A-AF58-50EE727C366D}" type="datetime1">
               <a:rPr lang="en-US" smtClean="0"/>
-              <a:t>9/13/21</a:t>
+              <a:t>9/16/21</a:t>
             </a:fld>
             <a:endParaRPr lang="en-US" dirty="0"/>
           </a:p>
@@ -6539,7 +6547,7 @@
           <a:p>
             <a:fld id="{0F2C17CF-655F-5845-943D-AA02C3B1B07B}" type="datetime1">
               <a:rPr lang="en-US" smtClean="0"/>
-              <a:t>9/13/21</a:t>
+              <a:t>9/16/21</a:t>
             </a:fld>
             <a:endParaRPr lang="en-US" dirty="0"/>
           </a:p>
@@ -14001,7 +14009,7 @@
             </a:r>
             <a:r>
               <a:rPr lang="en-US" sz="2000" dirty="0"/>
-              <a:t>. Must first cast the number into a string using str(). </a:t>
+              <a:t>.  Must first cast the number into a string using str(). </a:t>
             </a:r>
             <a:endParaRPr lang="en-US" sz="2000" b="1" dirty="0">
               <a:solidFill>

--- a/courses/apcsp/lect2.pptx
+++ b/courses/apcsp/lect2.pptx
@@ -137,7 +137,7 @@
 <file path=ppt/revisionInfo.xml><?xml version="1.0" encoding="utf-8"?>
 <p1510:revInfo xmlns:a="http://schemas.openxmlformats.org/drawingml/2006/main" xmlns:r="http://schemas.openxmlformats.org/officeDocument/2006/relationships" xmlns:p1510="http://schemas.microsoft.com/office/powerpoint/2015/10/main">
   <p1510:revLst>
-    <p1510:client id="{79AC3FB5-31D9-1547-8E88-88FEE7233AFE}" v="1" dt="2021-09-13T17:22:55.207"/>
+    <p1510:client id="{79AC3FB5-31D9-1547-8E88-88FEE7233AFE}" v="48" dt="2021-09-17T11:33:21.883"/>
   </p1510:revLst>
 </p1510:revInfo>
 </file>
@@ -248,7 +248,7 @@
   <pc:docChgLst>
     <pc:chgData name="Long B Nguyen" userId="f59fb8f3-a021-417a-8bc1-65c8d471c621" providerId="ADAL" clId="{79AC3FB5-31D9-1547-8E88-88FEE7233AFE}"/>
     <pc:docChg chg="modSld">
-      <pc:chgData name="Long B Nguyen" userId="f59fb8f3-a021-417a-8bc1-65c8d471c621" providerId="ADAL" clId="{79AC3FB5-31D9-1547-8E88-88FEE7233AFE}" dt="2021-09-16T13:18:14.151" v="1" actId="20577"/>
+      <pc:chgData name="Long B Nguyen" userId="f59fb8f3-a021-417a-8bc1-65c8d471c621" providerId="ADAL" clId="{79AC3FB5-31D9-1547-8E88-88FEE7233AFE}" dt="2021-09-17T11:36:40.446" v="169" actId="20577"/>
       <pc:docMkLst>
         <pc:docMk/>
       </pc:docMkLst>
@@ -358,7 +358,7 @@
         </pc:spChg>
       </pc:sldChg>
       <pc:sldChg chg="addSp modSp">
-        <pc:chgData name="Long B Nguyen" userId="f59fb8f3-a021-417a-8bc1-65c8d471c621" providerId="ADAL" clId="{79AC3FB5-31D9-1547-8E88-88FEE7233AFE}" dt="2021-09-13T17:22:55.206" v="0"/>
+        <pc:chgData name="Long B Nguyen" userId="f59fb8f3-a021-417a-8bc1-65c8d471c621" providerId="ADAL" clId="{79AC3FB5-31D9-1547-8E88-88FEE7233AFE}" dt="2021-09-17T11:33:21.882" v="48" actId="20577"/>
         <pc:sldMkLst>
           <pc:docMk/>
           <pc:sldMk cId="1605645271" sldId="293"/>
@@ -369,6 +369,14 @@
             <pc:docMk/>
             <pc:sldMk cId="1605645271" sldId="293"/>
             <ac:spMk id="3" creationId="{C31714EB-8122-D349-B38F-B3EEEE3BE521}"/>
+          </ac:spMkLst>
+        </pc:spChg>
+        <pc:spChg chg="mod">
+          <ac:chgData name="Long B Nguyen" userId="f59fb8f3-a021-417a-8bc1-65c8d471c621" providerId="ADAL" clId="{79AC3FB5-31D9-1547-8E88-88FEE7233AFE}" dt="2021-09-17T11:33:21.882" v="48" actId="20577"/>
+          <ac:spMkLst>
+            <pc:docMk/>
+            <pc:sldMk cId="1605645271" sldId="293"/>
+            <ac:spMk id="9" creationId="{E3B2E017-30B2-884B-A113-B419A2ED51AD}"/>
           </ac:spMkLst>
         </pc:spChg>
       </pc:sldChg>
@@ -402,18 +410,34 @@
           </ac:spMkLst>
         </pc:spChg>
       </pc:sldChg>
-      <pc:sldChg chg="addSp modSp">
-        <pc:chgData name="Long B Nguyen" userId="f59fb8f3-a021-417a-8bc1-65c8d471c621" providerId="ADAL" clId="{79AC3FB5-31D9-1547-8E88-88FEE7233AFE}" dt="2021-09-13T17:22:55.206" v="0"/>
+      <pc:sldChg chg="addSp modSp mod">
+        <pc:chgData name="Long B Nguyen" userId="f59fb8f3-a021-417a-8bc1-65c8d471c621" providerId="ADAL" clId="{79AC3FB5-31D9-1547-8E88-88FEE7233AFE}" dt="2021-09-17T11:36:40.446" v="169" actId="20577"/>
         <pc:sldMkLst>
           <pc:docMk/>
           <pc:sldMk cId="3993483693" sldId="303"/>
         </pc:sldMkLst>
+        <pc:spChg chg="mod">
+          <ac:chgData name="Long B Nguyen" userId="f59fb8f3-a021-417a-8bc1-65c8d471c621" providerId="ADAL" clId="{79AC3FB5-31D9-1547-8E88-88FEE7233AFE}" dt="2021-09-17T11:36:40.446" v="169" actId="20577"/>
+          <ac:spMkLst>
+            <pc:docMk/>
+            <pc:sldMk cId="3993483693" sldId="303"/>
+            <ac:spMk id="2" creationId="{AA3A228F-61D0-D949-A5E7-F83756230BF8}"/>
+          </ac:spMkLst>
+        </pc:spChg>
         <pc:spChg chg="add mod">
           <ac:chgData name="Long B Nguyen" userId="f59fb8f3-a021-417a-8bc1-65c8d471c621" providerId="ADAL" clId="{79AC3FB5-31D9-1547-8E88-88FEE7233AFE}" dt="2021-09-13T17:22:55.206" v="0"/>
           <ac:spMkLst>
             <pc:docMk/>
             <pc:sldMk cId="3993483693" sldId="303"/>
             <ac:spMk id="3" creationId="{4C9FD257-5B98-D746-8399-DFB1F5688E35}"/>
+          </ac:spMkLst>
+        </pc:spChg>
+        <pc:spChg chg="mod">
+          <ac:chgData name="Long B Nguyen" userId="f59fb8f3-a021-417a-8bc1-65c8d471c621" providerId="ADAL" clId="{79AC3FB5-31D9-1547-8E88-88FEE7233AFE}" dt="2021-09-17T11:35:24.617" v="134" actId="20577"/>
+          <ac:spMkLst>
+            <pc:docMk/>
+            <pc:sldMk cId="3993483693" sldId="303"/>
+            <ac:spMk id="9" creationId="{E3B2E017-30B2-884B-A113-B419A2ED51AD}"/>
           </ac:spMkLst>
         </pc:spChg>
       </pc:sldChg>
@@ -432,8 +456,8 @@
           </ac:spMkLst>
         </pc:spChg>
       </pc:sldChg>
-      <pc:sldChg chg="addSp modSp">
-        <pc:chgData name="Long B Nguyen" userId="f59fb8f3-a021-417a-8bc1-65c8d471c621" providerId="ADAL" clId="{79AC3FB5-31D9-1547-8E88-88FEE7233AFE}" dt="2021-09-13T17:22:55.206" v="0"/>
+      <pc:sldChg chg="addSp modSp modAnim">
+        <pc:chgData name="Long B Nguyen" userId="f59fb8f3-a021-417a-8bc1-65c8d471c621" providerId="ADAL" clId="{79AC3FB5-31D9-1547-8E88-88FEE7233AFE}" dt="2021-09-17T11:33:07.355" v="44" actId="20577"/>
         <pc:sldMkLst>
           <pc:docMk/>
           <pc:sldMk cId="396545928" sldId="313"/>
@@ -444,6 +468,14 @@
             <pc:docMk/>
             <pc:sldMk cId="396545928" sldId="313"/>
             <ac:spMk id="3" creationId="{BAFC34F3-9669-0D4E-8633-E8846D99ABAE}"/>
+          </ac:spMkLst>
+        </pc:spChg>
+        <pc:spChg chg="mod">
+          <ac:chgData name="Long B Nguyen" userId="f59fb8f3-a021-417a-8bc1-65c8d471c621" providerId="ADAL" clId="{79AC3FB5-31D9-1547-8E88-88FEE7233AFE}" dt="2021-09-17T11:33:07.355" v="44" actId="20577"/>
+          <ac:spMkLst>
+            <pc:docMk/>
+            <pc:sldMk cId="396545928" sldId="313"/>
+            <ac:spMk id="9" creationId="{E3B2E017-30B2-884B-A113-B419A2ED51AD}"/>
           </ac:spMkLst>
         </pc:spChg>
       </pc:sldChg>
@@ -3345,7 +3377,7 @@
           <a:p>
             <a:fld id="{52977C8B-3199-9A4B-9182-F1B54ABD2553}" type="datetimeFigureOut">
               <a:rPr lang="en-US" smtClean="0"/>
-              <a:t>9/16/21</a:t>
+              <a:t>9/17/21</a:t>
             </a:fld>
             <a:endParaRPr lang="en-US"/>
           </a:p>
@@ -4222,7 +4254,7 @@
           <a:p>
             <a:fld id="{C1915A50-C99B-9349-BF36-01C7D4D28808}" type="datetime1">
               <a:rPr lang="en-US" smtClean="0"/>
-              <a:t>9/16/21</a:t>
+              <a:t>9/17/21</a:t>
             </a:fld>
             <a:endParaRPr lang="en-US" dirty="0"/>
           </a:p>
@@ -4392,7 +4424,7 @@
           <a:p>
             <a:fld id="{66415AFE-E6C7-104E-9CC9-7BA63354EA62}" type="datetime1">
               <a:rPr lang="en-US" smtClean="0"/>
-              <a:t>9/16/21</a:t>
+              <a:t>9/17/21</a:t>
             </a:fld>
             <a:endParaRPr lang="en-US" dirty="0"/>
           </a:p>
@@ -4572,7 +4604,7 @@
           <a:p>
             <a:fld id="{FA75CCEF-0AB0-FC4E-9406-B9F6F883CE10}" type="datetime1">
               <a:rPr lang="en-US" smtClean="0"/>
-              <a:t>9/16/21</a:t>
+              <a:t>9/17/21</a:t>
             </a:fld>
             <a:endParaRPr lang="en-US" dirty="0"/>
           </a:p>
@@ -4742,7 +4774,7 @@
           <a:p>
             <a:fld id="{2C3BCB0F-CCCC-7E4F-A2D6-8E67CEBBA4E2}" type="datetime1">
               <a:rPr lang="en-US" smtClean="0"/>
-              <a:t>9/16/21</a:t>
+              <a:t>9/17/21</a:t>
             </a:fld>
             <a:endParaRPr lang="en-US" dirty="0"/>
           </a:p>
@@ -4988,7 +5020,7 @@
           <a:p>
             <a:fld id="{F7ECE312-DD02-9A48-BDD5-6A8C409F005C}" type="datetime1">
               <a:rPr lang="en-US" smtClean="0"/>
-              <a:t>9/16/21</a:t>
+              <a:t>9/17/21</a:t>
             </a:fld>
             <a:endParaRPr lang="en-US" dirty="0"/>
           </a:p>
@@ -5220,7 +5252,7 @@
           <a:p>
             <a:fld id="{B22C6363-94EF-2348-B681-CE82D72C7A6B}" type="datetime1">
               <a:rPr lang="en-US" smtClean="0"/>
-              <a:t>9/16/21</a:t>
+              <a:t>9/17/21</a:t>
             </a:fld>
             <a:endParaRPr lang="en-US" dirty="0"/>
           </a:p>
@@ -5587,7 +5619,7 @@
           <a:p>
             <a:fld id="{4192ECC8-1BC3-7E41-9906-63079AEDF41E}" type="datetime1">
               <a:rPr lang="en-US" smtClean="0"/>
-              <a:t>9/16/21</a:t>
+              <a:t>9/17/21</a:t>
             </a:fld>
             <a:endParaRPr lang="en-US" dirty="0"/>
           </a:p>
@@ -5705,7 +5737,7 @@
           <a:p>
             <a:fld id="{5EBBBCC6-5C10-CE4F-809F-94992F219B3E}" type="datetime1">
               <a:rPr lang="en-US" smtClean="0"/>
-              <a:t>9/16/21</a:t>
+              <a:t>9/17/21</a:t>
             </a:fld>
             <a:endParaRPr lang="en-US" dirty="0"/>
           </a:p>
@@ -5800,7 +5832,7 @@
           <a:p>
             <a:fld id="{6B3DA62C-1185-2147-AE11-021E73567A8F}" type="datetime1">
               <a:rPr lang="en-US" smtClean="0"/>
-              <a:t>9/16/21</a:t>
+              <a:t>9/17/21</a:t>
             </a:fld>
             <a:endParaRPr lang="en-US" dirty="0"/>
           </a:p>
@@ -6077,7 +6109,7 @@
           <a:p>
             <a:fld id="{374C39C3-8B44-5541-834F-5442754734F3}" type="datetime1">
               <a:rPr lang="en-US" smtClean="0"/>
-              <a:t>9/16/21</a:t>
+              <a:t>9/17/21</a:t>
             </a:fld>
             <a:endParaRPr lang="en-US" dirty="0"/>
           </a:p>
@@ -6334,7 +6366,7 @@
           <a:p>
             <a:fld id="{F08ADA8F-2476-324A-AF58-50EE727C366D}" type="datetime1">
               <a:rPr lang="en-US" smtClean="0"/>
-              <a:t>9/16/21</a:t>
+              <a:t>9/17/21</a:t>
             </a:fld>
             <a:endParaRPr lang="en-US" dirty="0"/>
           </a:p>
@@ -6547,7 +6579,7 @@
           <a:p>
             <a:fld id="{0F2C17CF-655F-5845-943D-AA02C3B1B07B}" type="datetime1">
               <a:rPr lang="en-US" smtClean="0"/>
-              <a:t>9/16/21</a:t>
+              <a:t>9/17/21</a:t>
             </a:fld>
             <a:endParaRPr lang="en-US" dirty="0"/>
           </a:p>
@@ -14233,7 +14265,7 @@
           <a:p>
             <a:r>
               <a:rPr lang="en-US" dirty="0"/>
-              <a:t>Lab 1</a:t>
+              <a:t>Lab 1: Modulo Operator</a:t>
             </a:r>
           </a:p>
         </p:txBody>
@@ -14269,12 +14301,6 @@
             <a:pPr marL="0" indent="0">
               <a:buNone/>
             </a:pPr>
-            <a:endParaRPr lang="en-US" dirty="0"/>
-          </a:p>
-          <a:p>
-            <a:pPr marL="0" indent="0">
-              <a:buNone/>
-            </a:pPr>
             <a:r>
               <a:rPr lang="en-US" dirty="0"/>
               <a:t>Create a new </a:t>
@@ -14293,7 +14319,7 @@
             </a:r>
             <a:r>
               <a:rPr lang="en-US" dirty="0"/>
-              <a:t>. Write code to match the following console output:</a:t>
+              <a:t>. Write code to match the following console output. Underline numbers are user inputs; you must use the input() function. </a:t>
             </a:r>
           </a:p>
           <a:p>
@@ -14308,7 +14334,11 @@
             </a:pPr>
             <a:r>
               <a:rPr lang="en-US" dirty="0"/>
-              <a:t>Enter a three-digit number: 245</a:t>
+              <a:t>Enter a three-digit number: </a:t>
+            </a:r>
+            <a:r>
+              <a:rPr lang="en-US" u="sng" dirty="0"/>
+              <a:t>245</a:t>
             </a:r>
           </a:p>
           <a:p>
@@ -14332,7 +14362,11 @@
             </a:pPr>
             <a:r>
               <a:rPr lang="en-US" dirty="0"/>
-              <a:t>Enter amount in cents: 137</a:t>
+              <a:t>Enter amount in cents: </a:t>
+            </a:r>
+            <a:r>
+              <a:rPr lang="en-US" u="sng" dirty="0"/>
+              <a:t>137</a:t>
             </a:r>
           </a:p>
           <a:p>
@@ -17411,22 +17445,13 @@
               <a:t> 		</a:t>
             </a:r>
             <a:r>
-              <a:rPr lang="en-US" sz="1900" b="1">
-                <a:solidFill>
-                  <a:schemeClr val="accent1"/>
-                </a:solidFill>
-                <a:latin typeface="Inconsolata" panose="020B0609030003000000" pitchFamily="49" charset="77"/>
-              </a:rPr>
-              <a:t># 2, if </a:t>
-            </a:r>
-            <a:r>
               <a:rPr lang="en-US" sz="1900" b="1" dirty="0">
                 <a:solidFill>
                   <a:schemeClr val="accent1"/>
                 </a:solidFill>
                 <a:latin typeface="Inconsolata" panose="020B0609030003000000" pitchFamily="49" charset="77"/>
               </a:rPr>
-              <a:t>first number is smaller, it's the answer</a:t>
+              <a:t># 2, if first number is smaller, it's the answer</a:t>
             </a:r>
           </a:p>
           <a:p>
@@ -17472,7 +17497,7 @@
               <a:buNone/>
             </a:pPr>
             <a:r>
-              <a:rPr lang="en-US" sz="2000" b="1" dirty="0">
+              <a:rPr lang="en-US" sz="1800" b="1" dirty="0">
                 <a:solidFill>
                   <a:srgbClr val="000087"/>
                 </a:solidFill>
@@ -17481,28 +17506,28 @@
               <a:t>print(</a:t>
             </a:r>
             <a:r>
-              <a:rPr lang="en-US" sz="2000" b="1" dirty="0">
+              <a:rPr lang="en-US" sz="1800" b="1" dirty="0">
                 <a:latin typeface="Inconsolata" panose="020B0609030003000000" pitchFamily="49" charset="77"/>
               </a:rPr>
-              <a:t>-17 % 10) </a:t>
-            </a:r>
-            <a:r>
-              <a:rPr lang="en-US" sz="2000" b="1" dirty="0">
+              <a:t>0 % 10)</a:t>
+            </a:r>
+            <a:r>
+              <a:rPr lang="en-US" sz="1800" b="1" dirty="0">
                 <a:solidFill>
                   <a:srgbClr val="FF6600"/>
                 </a:solidFill>
                 <a:latin typeface="Inconsolata" panose="020B0609030003000000" pitchFamily="49" charset="77"/>
               </a:rPr>
-              <a:t> 	</a:t>
-            </a:r>
-            <a:r>
-              <a:rPr lang="en-US" sz="2000" b="1" dirty="0">
+              <a:t> 		</a:t>
+            </a:r>
+            <a:r>
+              <a:rPr lang="en-US" sz="1800" b="1" dirty="0">
                 <a:solidFill>
                   <a:schemeClr val="accent1"/>
                 </a:solidFill>
                 <a:latin typeface="Inconsolata" panose="020B0609030003000000" pitchFamily="49" charset="77"/>
               </a:rPr>
-              <a:t># 3</a:t>
+              <a:t># 0 </a:t>
             </a:r>
           </a:p>
           <a:p>
@@ -17510,7 +17535,7 @@
               <a:buNone/>
             </a:pPr>
             <a:r>
-              <a:rPr lang="en-US" sz="2000" b="1" dirty="0">
+              <a:rPr lang="en-US" sz="1800" b="1" dirty="0">
                 <a:solidFill>
                   <a:srgbClr val="000087"/>
                 </a:solidFill>
@@ -17519,29 +17544,44 @@
               <a:t>print(</a:t>
             </a:r>
             <a:r>
-              <a:rPr lang="en-US" sz="2000" b="1" dirty="0">
+              <a:rPr lang="en-US" sz="1800" b="1" dirty="0">
                 <a:latin typeface="Inconsolata" panose="020B0609030003000000" pitchFamily="49" charset="77"/>
               </a:rPr>
-              <a:t>17 % -10) </a:t>
-            </a:r>
-            <a:r>
-              <a:rPr lang="en-US" sz="2000" b="1" dirty="0">
+              <a:t>10 % 0)</a:t>
+            </a:r>
+            <a:r>
+              <a:rPr lang="en-US" sz="1800" b="1" dirty="0">
                 <a:solidFill>
                   <a:srgbClr val="FF6600"/>
                 </a:solidFill>
                 <a:latin typeface="Inconsolata" panose="020B0609030003000000" pitchFamily="49" charset="77"/>
               </a:rPr>
-              <a:t> 	</a:t>
-            </a:r>
-            <a:r>
-              <a:rPr lang="en-US" sz="2000" b="1" dirty="0">
+              <a:t> 		</a:t>
+            </a:r>
+            <a:r>
+              <a:rPr lang="en-US" sz="1800" b="1" dirty="0">
                 <a:solidFill>
                   <a:schemeClr val="accent1"/>
                 </a:solidFill>
                 <a:latin typeface="Inconsolata" panose="020B0609030003000000" pitchFamily="49" charset="77"/>
               </a:rPr>
-              <a:t># -3</a:t>
-            </a:r>
+              <a:t># </a:t>
+            </a:r>
+            <a:r>
+              <a:rPr lang="en-US" sz="1800" b="1" dirty="0" err="1">
+                <a:solidFill>
+                  <a:schemeClr val="accent1"/>
+                </a:solidFill>
+                <a:latin typeface="Inconsolata" panose="020B0609030003000000" pitchFamily="49" charset="77"/>
+              </a:rPr>
+              <a:t>ZeroDivisionError</a:t>
+            </a:r>
+            <a:endParaRPr lang="en-US" sz="1800" b="1" dirty="0">
+              <a:solidFill>
+                <a:schemeClr val="accent1"/>
+              </a:solidFill>
+              <a:latin typeface="Inconsolata" panose="020B0609030003000000" pitchFamily="49" charset="77"/>
+            </a:endParaRPr>
           </a:p>
           <a:p>
             <a:pPr marL="0" indent="0">
@@ -18833,7 +18873,7 @@
                 </a:solidFill>
                 <a:latin typeface="Inconsolata" panose="020B0609030003000000" pitchFamily="49" charset="77"/>
               </a:rPr>
-              <a:t>, num%2==0)  </a:t>
+              <a:t>, num % 2 == 0)  </a:t>
             </a:r>
           </a:p>
           <a:p>

--- a/courses/apcsp/lect2.pptx
+++ b/courses/apcsp/lect2.pptx
@@ -137,7 +137,7 @@
 <file path=ppt/revisionInfo.xml><?xml version="1.0" encoding="utf-8"?>
 <p1510:revInfo xmlns:a="http://schemas.openxmlformats.org/drawingml/2006/main" xmlns:r="http://schemas.openxmlformats.org/officeDocument/2006/relationships" xmlns:p1510="http://schemas.microsoft.com/office/powerpoint/2015/10/main">
   <p1510:revLst>
-    <p1510:client id="{79AC3FB5-31D9-1547-8E88-88FEE7233AFE}" v="48" dt="2021-09-17T11:33:21.883"/>
+    <p1510:client id="{79AC3FB5-31D9-1547-8E88-88FEE7233AFE}" v="62" dt="2021-09-20T13:30:11.871"/>
   </p1510:revLst>
 </p1510:revInfo>
 </file>
@@ -248,7 +248,7 @@
   <pc:docChgLst>
     <pc:chgData name="Long B Nguyen" userId="f59fb8f3-a021-417a-8bc1-65c8d471c621" providerId="ADAL" clId="{79AC3FB5-31D9-1547-8E88-88FEE7233AFE}"/>
     <pc:docChg chg="modSld">
-      <pc:chgData name="Long B Nguyen" userId="f59fb8f3-a021-417a-8bc1-65c8d471c621" providerId="ADAL" clId="{79AC3FB5-31D9-1547-8E88-88FEE7233AFE}" dt="2021-09-17T11:36:40.446" v="169" actId="20577"/>
+      <pc:chgData name="Long B Nguyen" userId="f59fb8f3-a021-417a-8bc1-65c8d471c621" providerId="ADAL" clId="{79AC3FB5-31D9-1547-8E88-88FEE7233AFE}" dt="2021-09-20T13:30:11.870" v="183" actId="20577"/>
       <pc:docMkLst>
         <pc:docMk/>
       </pc:docMkLst>
@@ -327,8 +327,8 @@
           </ac:spMkLst>
         </pc:spChg>
       </pc:sldChg>
-      <pc:sldChg chg="addSp modSp">
-        <pc:chgData name="Long B Nguyen" userId="f59fb8f3-a021-417a-8bc1-65c8d471c621" providerId="ADAL" clId="{79AC3FB5-31D9-1547-8E88-88FEE7233AFE}" dt="2021-09-13T17:22:55.206" v="0"/>
+      <pc:sldChg chg="addSp modSp modAnim">
+        <pc:chgData name="Long B Nguyen" userId="f59fb8f3-a021-417a-8bc1-65c8d471c621" providerId="ADAL" clId="{79AC3FB5-31D9-1547-8E88-88FEE7233AFE}" dt="2021-09-20T12:53:57.772" v="173"/>
         <pc:sldMkLst>
           <pc:docMk/>
           <pc:sldMk cId="2187468341" sldId="291"/>
@@ -540,7 +540,7 @@
         </pc:spChg>
       </pc:sldChg>
       <pc:sldChg chg="addSp modSp">
-        <pc:chgData name="Long B Nguyen" userId="f59fb8f3-a021-417a-8bc1-65c8d471c621" providerId="ADAL" clId="{79AC3FB5-31D9-1547-8E88-88FEE7233AFE}" dt="2021-09-13T17:22:55.206" v="0"/>
+        <pc:chgData name="Long B Nguyen" userId="f59fb8f3-a021-417a-8bc1-65c8d471c621" providerId="ADAL" clId="{79AC3FB5-31D9-1547-8E88-88FEE7233AFE}" dt="2021-09-20T13:30:11.870" v="183" actId="20577"/>
         <pc:sldMkLst>
           <pc:docMk/>
           <pc:sldMk cId="715834956" sldId="437"/>
@@ -551,6 +551,14 @@
             <pc:docMk/>
             <pc:sldMk cId="715834956" sldId="437"/>
             <ac:spMk id="3" creationId="{C1BC3374-85B5-0241-B843-ACDC34DD684C}"/>
+          </ac:spMkLst>
+        </pc:spChg>
+        <pc:spChg chg="mod">
+          <ac:chgData name="Long B Nguyen" userId="f59fb8f3-a021-417a-8bc1-65c8d471c621" providerId="ADAL" clId="{79AC3FB5-31D9-1547-8E88-88FEE7233AFE}" dt="2021-09-20T13:30:11.870" v="183" actId="20577"/>
+          <ac:spMkLst>
+            <pc:docMk/>
+            <pc:sldMk cId="715834956" sldId="437"/>
+            <ac:spMk id="9" creationId="{E3B2E017-30B2-884B-A113-B419A2ED51AD}"/>
           </ac:spMkLst>
         </pc:spChg>
       </pc:sldChg>
@@ -3377,7 +3385,7 @@
           <a:p>
             <a:fld id="{52977C8B-3199-9A4B-9182-F1B54ABD2553}" type="datetimeFigureOut">
               <a:rPr lang="en-US" smtClean="0"/>
-              <a:t>9/17/21</a:t>
+              <a:t>9/20/21</a:t>
             </a:fld>
             <a:endParaRPr lang="en-US"/>
           </a:p>
@@ -4254,7 +4262,7 @@
           <a:p>
             <a:fld id="{C1915A50-C99B-9349-BF36-01C7D4D28808}" type="datetime1">
               <a:rPr lang="en-US" smtClean="0"/>
-              <a:t>9/17/21</a:t>
+              <a:t>9/20/21</a:t>
             </a:fld>
             <a:endParaRPr lang="en-US" dirty="0"/>
           </a:p>
@@ -4424,7 +4432,7 @@
           <a:p>
             <a:fld id="{66415AFE-E6C7-104E-9CC9-7BA63354EA62}" type="datetime1">
               <a:rPr lang="en-US" smtClean="0"/>
-              <a:t>9/17/21</a:t>
+              <a:t>9/20/21</a:t>
             </a:fld>
             <a:endParaRPr lang="en-US" dirty="0"/>
           </a:p>
@@ -4604,7 +4612,7 @@
           <a:p>
             <a:fld id="{FA75CCEF-0AB0-FC4E-9406-B9F6F883CE10}" type="datetime1">
               <a:rPr lang="en-US" smtClean="0"/>
-              <a:t>9/17/21</a:t>
+              <a:t>9/20/21</a:t>
             </a:fld>
             <a:endParaRPr lang="en-US" dirty="0"/>
           </a:p>
@@ -4774,7 +4782,7 @@
           <a:p>
             <a:fld id="{2C3BCB0F-CCCC-7E4F-A2D6-8E67CEBBA4E2}" type="datetime1">
               <a:rPr lang="en-US" smtClean="0"/>
-              <a:t>9/17/21</a:t>
+              <a:t>9/20/21</a:t>
             </a:fld>
             <a:endParaRPr lang="en-US" dirty="0"/>
           </a:p>
@@ -5020,7 +5028,7 @@
           <a:p>
             <a:fld id="{F7ECE312-DD02-9A48-BDD5-6A8C409F005C}" type="datetime1">
               <a:rPr lang="en-US" smtClean="0"/>
-              <a:t>9/17/21</a:t>
+              <a:t>9/20/21</a:t>
             </a:fld>
             <a:endParaRPr lang="en-US" dirty="0"/>
           </a:p>
@@ -5252,7 +5260,7 @@
           <a:p>
             <a:fld id="{B22C6363-94EF-2348-B681-CE82D72C7A6B}" type="datetime1">
               <a:rPr lang="en-US" smtClean="0"/>
-              <a:t>9/17/21</a:t>
+              <a:t>9/20/21</a:t>
             </a:fld>
             <a:endParaRPr lang="en-US" dirty="0"/>
           </a:p>
@@ -5619,7 +5627,7 @@
           <a:p>
             <a:fld id="{4192ECC8-1BC3-7E41-9906-63079AEDF41E}" type="datetime1">
               <a:rPr lang="en-US" smtClean="0"/>
-              <a:t>9/17/21</a:t>
+              <a:t>9/20/21</a:t>
             </a:fld>
             <a:endParaRPr lang="en-US" dirty="0"/>
           </a:p>
@@ -5737,7 +5745,7 @@
           <a:p>
             <a:fld id="{5EBBBCC6-5C10-CE4F-809F-94992F219B3E}" type="datetime1">
               <a:rPr lang="en-US" smtClean="0"/>
-              <a:t>9/17/21</a:t>
+              <a:t>9/20/21</a:t>
             </a:fld>
             <a:endParaRPr lang="en-US" dirty="0"/>
           </a:p>
@@ -5832,7 +5840,7 @@
           <a:p>
             <a:fld id="{6B3DA62C-1185-2147-AE11-021E73567A8F}" type="datetime1">
               <a:rPr lang="en-US" smtClean="0"/>
-              <a:t>9/17/21</a:t>
+              <a:t>9/20/21</a:t>
             </a:fld>
             <a:endParaRPr lang="en-US" dirty="0"/>
           </a:p>
@@ -6109,7 +6117,7 @@
           <a:p>
             <a:fld id="{374C39C3-8B44-5541-834F-5442754734F3}" type="datetime1">
               <a:rPr lang="en-US" smtClean="0"/>
-              <a:t>9/17/21</a:t>
+              <a:t>9/20/21</a:t>
             </a:fld>
             <a:endParaRPr lang="en-US" dirty="0"/>
           </a:p>
@@ -6366,7 +6374,7 @@
           <a:p>
             <a:fld id="{F08ADA8F-2476-324A-AF58-50EE727C366D}" type="datetime1">
               <a:rPr lang="en-US" smtClean="0"/>
-              <a:t>9/17/21</a:t>
+              <a:t>9/20/21</a:t>
             </a:fld>
             <a:endParaRPr lang="en-US" dirty="0"/>
           </a:p>
@@ -6579,7 +6587,7 @@
           <a:p>
             <a:fld id="{0F2C17CF-655F-5845-943D-AA02C3B1B07B}" type="datetime1">
               <a:rPr lang="en-US" smtClean="0"/>
-              <a:t>9/17/21</a:t>
+              <a:t>9/20/21</a:t>
             </a:fld>
             <a:endParaRPr lang="en-US" dirty="0"/>
           </a:p>
@@ -12538,7 +12546,7 @@
               <a:rPr lang="en-US" dirty="0">
                 <a:latin typeface="Courier New" charset="0"/>
               </a:rPr>
-              <a:t>;	</a:t>
+              <a:t>	</a:t>
             </a:r>
             <a:r>
               <a:rPr lang="en-US" b="1" dirty="0"/>
@@ -12564,12 +12572,9 @@
               <a:rPr lang="en-US" b="1" dirty="0"/>
               <a:t>value</a:t>
             </a:r>
-            <a:r>
-              <a:rPr lang="en-US" dirty="0">
-                <a:latin typeface="Courier New" charset="0"/>
-              </a:rPr>
-              <a:t>;</a:t>
-            </a:r>
+            <a:endParaRPr lang="en-US" dirty="0">
+              <a:latin typeface="Courier New" charset="0"/>
+            </a:endParaRPr>
           </a:p>
           <a:p>
             <a:pPr marL="742950" lvl="1" indent="-285750">
@@ -12597,7 +12602,7 @@
               <a:rPr lang="en-US" dirty="0">
                 <a:latin typeface="Courier New" charset="0"/>
               </a:rPr>
-              <a:t>;	</a:t>
+              <a:t>	</a:t>
             </a:r>
             <a:r>
               <a:rPr lang="en-US" b="1" dirty="0"/>
@@ -12623,12 +12628,9 @@
               <a:rPr lang="en-US" b="1" dirty="0"/>
               <a:t>value</a:t>
             </a:r>
-            <a:r>
-              <a:rPr lang="en-US" dirty="0">
-                <a:latin typeface="Courier New" charset="0"/>
-              </a:rPr>
-              <a:t>;</a:t>
-            </a:r>
+            <a:endParaRPr lang="en-US" dirty="0">
+              <a:latin typeface="Courier New" charset="0"/>
+            </a:endParaRPr>
           </a:p>
           <a:p>
             <a:pPr marL="742950" lvl="1" indent="-285750">
@@ -12656,7 +12658,7 @@
               <a:rPr lang="en-US" dirty="0">
                 <a:latin typeface="Courier New" charset="0"/>
               </a:rPr>
-              <a:t>;	</a:t>
+              <a:t>	</a:t>
             </a:r>
             <a:r>
               <a:rPr lang="en-US" b="1" dirty="0"/>
@@ -12682,12 +12684,9 @@
               <a:rPr lang="en-US" b="1" dirty="0"/>
               <a:t>value</a:t>
             </a:r>
-            <a:r>
-              <a:rPr lang="en-US" dirty="0">
-                <a:latin typeface="Courier New" charset="0"/>
-              </a:rPr>
-              <a:t>;</a:t>
-            </a:r>
+            <a:endParaRPr lang="en-US" dirty="0">
+              <a:latin typeface="Courier New" charset="0"/>
+            </a:endParaRPr>
           </a:p>
           <a:p>
             <a:pPr marL="742950" lvl="1" indent="-285750">
@@ -12715,7 +12714,7 @@
               <a:rPr lang="en-US" dirty="0">
                 <a:latin typeface="Courier New" charset="0"/>
               </a:rPr>
-              <a:t>;	</a:t>
+              <a:t>	</a:t>
             </a:r>
             <a:r>
               <a:rPr lang="en-US" b="1" dirty="0"/>
@@ -12741,12 +12740,9 @@
               <a:rPr lang="en-US" b="1" dirty="0"/>
               <a:t>value</a:t>
             </a:r>
-            <a:r>
-              <a:rPr lang="en-US" dirty="0">
-                <a:latin typeface="Courier New" charset="0"/>
-              </a:rPr>
-              <a:t>;</a:t>
-            </a:r>
+            <a:endParaRPr lang="en-US" dirty="0">
+              <a:latin typeface="Courier New" charset="0"/>
+            </a:endParaRPr>
           </a:p>
           <a:p>
             <a:pPr marL="742950" lvl="1" indent="-285750">
@@ -12774,7 +12770,7 @@
               <a:rPr lang="en-US" dirty="0">
                 <a:latin typeface="Courier New" charset="0"/>
               </a:rPr>
-              <a:t>;	</a:t>
+              <a:t>	</a:t>
             </a:r>
             <a:r>
               <a:rPr lang="en-US" b="1" dirty="0"/>
@@ -12794,18 +12790,21 @@
               <a:rPr lang="en-US" dirty="0">
                 <a:latin typeface="Courier New" charset="0"/>
               </a:rPr>
-              <a:t> % </a:t>
-            </a:r>
-            <a:r>
-              <a:rPr lang="en-US" b="1" dirty="0"/>
+              <a:t> </a:t>
+            </a:r>
+            <a:r>
+              <a:rPr lang="en-US">
+                <a:latin typeface="Courier New" charset="0"/>
+              </a:rPr>
+              <a:t>% </a:t>
+            </a:r>
+            <a:r>
+              <a:rPr lang="en-US" b="1"/>
               <a:t>value</a:t>
             </a:r>
-            <a:r>
-              <a:rPr lang="en-US" dirty="0">
-                <a:latin typeface="Courier New" charset="0"/>
-              </a:rPr>
-              <a:t>;</a:t>
-            </a:r>
+            <a:endParaRPr lang="en-US" dirty="0">
+              <a:latin typeface="Courier New" charset="0"/>
+            </a:endParaRPr>
           </a:p>
           <a:p>
             <a:pPr marL="742950" lvl="1" indent="-285750">
@@ -15762,6 +15761,202 @@
                                           <p:spTgt spid="9">
                                             <p:txEl>
                                               <p:pRg st="5" end="5"/>
+                                            </p:txEl>
+                                          </p:spTgt>
+                                        </p:tgtEl>
+                                        <p:attrNameLst>
+                                          <p:attrName>style.visibility</p:attrName>
+                                        </p:attrNameLst>
+                                      </p:cBhvr>
+                                      <p:to>
+                                        <p:strVal val="visible"/>
+                                      </p:to>
+                                    </p:set>
+                                  </p:childTnLst>
+                                </p:cTn>
+                              </p:par>
+                            </p:childTnLst>
+                          </p:cTn>
+                        </p:par>
+                      </p:childTnLst>
+                    </p:cTn>
+                  </p:par>
+                  <p:par>
+                    <p:cTn id="7" fill="hold">
+                      <p:stCondLst>
+                        <p:cond delay="indefinite"/>
+                      </p:stCondLst>
+                      <p:childTnLst>
+                        <p:par>
+                          <p:cTn id="8" fill="hold">
+                            <p:stCondLst>
+                              <p:cond delay="0"/>
+                            </p:stCondLst>
+                            <p:childTnLst>
+                              <p:par>
+                                <p:cTn id="9" presetID="1" presetClass="entr" presetSubtype="0" fill="hold" nodeType="clickEffect">
+                                  <p:stCondLst>
+                                    <p:cond delay="0"/>
+                                  </p:stCondLst>
+                                  <p:childTnLst>
+                                    <p:set>
+                                      <p:cBhvr>
+                                        <p:cTn id="10" dur="1" fill="hold">
+                                          <p:stCondLst>
+                                            <p:cond delay="0"/>
+                                          </p:stCondLst>
+                                        </p:cTn>
+                                        <p:tgtEl>
+                                          <p:spTgt spid="9">
+                                            <p:txEl>
+                                              <p:pRg st="7" end="7"/>
+                                            </p:txEl>
+                                          </p:spTgt>
+                                        </p:tgtEl>
+                                        <p:attrNameLst>
+                                          <p:attrName>style.visibility</p:attrName>
+                                        </p:attrNameLst>
+                                      </p:cBhvr>
+                                      <p:to>
+                                        <p:strVal val="visible"/>
+                                      </p:to>
+                                    </p:set>
+                                  </p:childTnLst>
+                                </p:cTn>
+                              </p:par>
+                            </p:childTnLst>
+                          </p:cTn>
+                        </p:par>
+                      </p:childTnLst>
+                    </p:cTn>
+                  </p:par>
+                  <p:par>
+                    <p:cTn id="11" fill="hold">
+                      <p:stCondLst>
+                        <p:cond delay="indefinite"/>
+                      </p:stCondLst>
+                      <p:childTnLst>
+                        <p:par>
+                          <p:cTn id="12" fill="hold">
+                            <p:stCondLst>
+                              <p:cond delay="0"/>
+                            </p:stCondLst>
+                            <p:childTnLst>
+                              <p:par>
+                                <p:cTn id="13" presetID="1" presetClass="entr" presetSubtype="0" fill="hold" nodeType="clickEffect">
+                                  <p:stCondLst>
+                                    <p:cond delay="0"/>
+                                  </p:stCondLst>
+                                  <p:childTnLst>
+                                    <p:set>
+                                      <p:cBhvr>
+                                        <p:cTn id="14" dur="1" fill="hold">
+                                          <p:stCondLst>
+                                            <p:cond delay="0"/>
+                                          </p:stCondLst>
+                                        </p:cTn>
+                                        <p:tgtEl>
+                                          <p:spTgt spid="9">
+                                            <p:txEl>
+                                              <p:pRg st="8" end="8"/>
+                                            </p:txEl>
+                                          </p:spTgt>
+                                        </p:tgtEl>
+                                        <p:attrNameLst>
+                                          <p:attrName>style.visibility</p:attrName>
+                                        </p:attrNameLst>
+                                      </p:cBhvr>
+                                      <p:to>
+                                        <p:strVal val="visible"/>
+                                      </p:to>
+                                    </p:set>
+                                  </p:childTnLst>
+                                </p:cTn>
+                              </p:par>
+                            </p:childTnLst>
+                          </p:cTn>
+                        </p:par>
+                      </p:childTnLst>
+                    </p:cTn>
+                  </p:par>
+                  <p:par>
+                    <p:cTn id="15" fill="hold">
+                      <p:stCondLst>
+                        <p:cond delay="indefinite"/>
+                      </p:stCondLst>
+                      <p:childTnLst>
+                        <p:par>
+                          <p:cTn id="16" fill="hold">
+                            <p:stCondLst>
+                              <p:cond delay="0"/>
+                            </p:stCondLst>
+                            <p:childTnLst>
+                              <p:par>
+                                <p:cTn id="17" presetID="1" presetClass="entr" presetSubtype="0" fill="hold" nodeType="clickEffect">
+                                  <p:stCondLst>
+                                    <p:cond delay="0"/>
+                                  </p:stCondLst>
+                                  <p:childTnLst>
+                                    <p:set>
+                                      <p:cBhvr>
+                                        <p:cTn id="18" dur="1" fill="hold">
+                                          <p:stCondLst>
+                                            <p:cond delay="0"/>
+                                          </p:stCondLst>
+                                        </p:cTn>
+                                        <p:tgtEl>
+                                          <p:spTgt spid="9">
+                                            <p:txEl>
+                                              <p:pRg st="9" end="9"/>
+                                            </p:txEl>
+                                          </p:spTgt>
+                                        </p:tgtEl>
+                                        <p:attrNameLst>
+                                          <p:attrName>style.visibility</p:attrName>
+                                        </p:attrNameLst>
+                                      </p:cBhvr>
+                                      <p:to>
+                                        <p:strVal val="visible"/>
+                                      </p:to>
+                                    </p:set>
+                                  </p:childTnLst>
+                                </p:cTn>
+                              </p:par>
+                            </p:childTnLst>
+                          </p:cTn>
+                        </p:par>
+                      </p:childTnLst>
+                    </p:cTn>
+                  </p:par>
+                  <p:par>
+                    <p:cTn id="19" fill="hold">
+                      <p:stCondLst>
+                        <p:cond delay="indefinite"/>
+                      </p:stCondLst>
+                      <p:childTnLst>
+                        <p:par>
+                          <p:cTn id="20" fill="hold">
+                            <p:stCondLst>
+                              <p:cond delay="0"/>
+                            </p:stCondLst>
+                            <p:childTnLst>
+                              <p:par>
+                                <p:cTn id="21" presetID="1" presetClass="entr" presetSubtype="0" fill="hold" nodeType="clickEffect">
+                                  <p:stCondLst>
+                                    <p:cond delay="0"/>
+                                  </p:stCondLst>
+                                  <p:childTnLst>
+                                    <p:set>
+                                      <p:cBhvr>
+                                        <p:cTn id="22" dur="1" fill="hold">
+                                          <p:stCondLst>
+                                            <p:cond delay="0"/>
+                                          </p:stCondLst>
+                                        </p:cTn>
+                                        <p:tgtEl>
+                                          <p:spTgt spid="9">
+                                            <p:txEl>
+                                              <p:pRg st="10" end="10"/>
                                             </p:txEl>
                                           </p:spTgt>
                                         </p:tgtEl>

--- a/courses/apcsp/lect2.pptx
+++ b/courses/apcsp/lect2.pptx
@@ -248,7 +248,7 @@
   <pc:docChgLst>
     <pc:chgData name="Long B Nguyen" userId="f59fb8f3-a021-417a-8bc1-65c8d471c621" providerId="ADAL" clId="{79AC3FB5-31D9-1547-8E88-88FEE7233AFE}"/>
     <pc:docChg chg="modSld">
-      <pc:chgData name="Long B Nguyen" userId="f59fb8f3-a021-417a-8bc1-65c8d471c621" providerId="ADAL" clId="{79AC3FB5-31D9-1547-8E88-88FEE7233AFE}" dt="2021-09-20T13:30:11.870" v="183" actId="20577"/>
+      <pc:chgData name="Long B Nguyen" userId="f59fb8f3-a021-417a-8bc1-65c8d471c621" providerId="ADAL" clId="{79AC3FB5-31D9-1547-8E88-88FEE7233AFE}" dt="2021-09-21T13:00:33.947" v="340" actId="20577"/>
       <pc:docMkLst>
         <pc:docMk/>
       </pc:docMkLst>
@@ -411,7 +411,7 @@
         </pc:spChg>
       </pc:sldChg>
       <pc:sldChg chg="addSp modSp mod">
-        <pc:chgData name="Long B Nguyen" userId="f59fb8f3-a021-417a-8bc1-65c8d471c621" providerId="ADAL" clId="{79AC3FB5-31D9-1547-8E88-88FEE7233AFE}" dt="2021-09-17T11:36:40.446" v="169" actId="20577"/>
+        <pc:chgData name="Long B Nguyen" userId="f59fb8f3-a021-417a-8bc1-65c8d471c621" providerId="ADAL" clId="{79AC3FB5-31D9-1547-8E88-88FEE7233AFE}" dt="2021-09-21T13:00:33.947" v="340" actId="20577"/>
         <pc:sldMkLst>
           <pc:docMk/>
           <pc:sldMk cId="3993483693" sldId="303"/>
@@ -433,7 +433,7 @@
           </ac:spMkLst>
         </pc:spChg>
         <pc:spChg chg="mod">
-          <ac:chgData name="Long B Nguyen" userId="f59fb8f3-a021-417a-8bc1-65c8d471c621" providerId="ADAL" clId="{79AC3FB5-31D9-1547-8E88-88FEE7233AFE}" dt="2021-09-17T11:35:24.617" v="134" actId="20577"/>
+          <ac:chgData name="Long B Nguyen" userId="f59fb8f3-a021-417a-8bc1-65c8d471c621" providerId="ADAL" clId="{79AC3FB5-31D9-1547-8E88-88FEE7233AFE}" dt="2021-09-21T13:00:33.947" v="340" actId="20577"/>
           <ac:spMkLst>
             <pc:docMk/>
             <pc:sldMk cId="3993483693" sldId="303"/>
@@ -3385,7 +3385,7 @@
           <a:p>
             <a:fld id="{52977C8B-3199-9A4B-9182-F1B54ABD2553}" type="datetimeFigureOut">
               <a:rPr lang="en-US" smtClean="0"/>
-              <a:t>9/20/21</a:t>
+              <a:t>9/21/21</a:t>
             </a:fld>
             <a:endParaRPr lang="en-US"/>
           </a:p>
@@ -4262,7 +4262,7 @@
           <a:p>
             <a:fld id="{C1915A50-C99B-9349-BF36-01C7D4D28808}" type="datetime1">
               <a:rPr lang="en-US" smtClean="0"/>
-              <a:t>9/20/21</a:t>
+              <a:t>9/21/21</a:t>
             </a:fld>
             <a:endParaRPr lang="en-US" dirty="0"/>
           </a:p>
@@ -4432,7 +4432,7 @@
           <a:p>
             <a:fld id="{66415AFE-E6C7-104E-9CC9-7BA63354EA62}" type="datetime1">
               <a:rPr lang="en-US" smtClean="0"/>
-              <a:t>9/20/21</a:t>
+              <a:t>9/21/21</a:t>
             </a:fld>
             <a:endParaRPr lang="en-US" dirty="0"/>
           </a:p>
@@ -4612,7 +4612,7 @@
           <a:p>
             <a:fld id="{FA75CCEF-0AB0-FC4E-9406-B9F6F883CE10}" type="datetime1">
               <a:rPr lang="en-US" smtClean="0"/>
-              <a:t>9/20/21</a:t>
+              <a:t>9/21/21</a:t>
             </a:fld>
             <a:endParaRPr lang="en-US" dirty="0"/>
           </a:p>
@@ -4782,7 +4782,7 @@
           <a:p>
             <a:fld id="{2C3BCB0F-CCCC-7E4F-A2D6-8E67CEBBA4E2}" type="datetime1">
               <a:rPr lang="en-US" smtClean="0"/>
-              <a:t>9/20/21</a:t>
+              <a:t>9/21/21</a:t>
             </a:fld>
             <a:endParaRPr lang="en-US" dirty="0"/>
           </a:p>
@@ -5028,7 +5028,7 @@
           <a:p>
             <a:fld id="{F7ECE312-DD02-9A48-BDD5-6A8C409F005C}" type="datetime1">
               <a:rPr lang="en-US" smtClean="0"/>
-              <a:t>9/20/21</a:t>
+              <a:t>9/21/21</a:t>
             </a:fld>
             <a:endParaRPr lang="en-US" dirty="0"/>
           </a:p>
@@ -5260,7 +5260,7 @@
           <a:p>
             <a:fld id="{B22C6363-94EF-2348-B681-CE82D72C7A6B}" type="datetime1">
               <a:rPr lang="en-US" smtClean="0"/>
-              <a:t>9/20/21</a:t>
+              <a:t>9/21/21</a:t>
             </a:fld>
             <a:endParaRPr lang="en-US" dirty="0"/>
           </a:p>
@@ -5627,7 +5627,7 @@
           <a:p>
             <a:fld id="{4192ECC8-1BC3-7E41-9906-63079AEDF41E}" type="datetime1">
               <a:rPr lang="en-US" smtClean="0"/>
-              <a:t>9/20/21</a:t>
+              <a:t>9/21/21</a:t>
             </a:fld>
             <a:endParaRPr lang="en-US" dirty="0"/>
           </a:p>
@@ -5745,7 +5745,7 @@
           <a:p>
             <a:fld id="{5EBBBCC6-5C10-CE4F-809F-94992F219B3E}" type="datetime1">
               <a:rPr lang="en-US" smtClean="0"/>
-              <a:t>9/20/21</a:t>
+              <a:t>9/21/21</a:t>
             </a:fld>
             <a:endParaRPr lang="en-US" dirty="0"/>
           </a:p>
@@ -5840,7 +5840,7 @@
           <a:p>
             <a:fld id="{6B3DA62C-1185-2147-AE11-021E73567A8F}" type="datetime1">
               <a:rPr lang="en-US" smtClean="0"/>
-              <a:t>9/20/21</a:t>
+              <a:t>9/21/21</a:t>
             </a:fld>
             <a:endParaRPr lang="en-US" dirty="0"/>
           </a:p>
@@ -6117,7 +6117,7 @@
           <a:p>
             <a:fld id="{374C39C3-8B44-5541-834F-5442754734F3}" type="datetime1">
               <a:rPr lang="en-US" smtClean="0"/>
-              <a:t>9/20/21</a:t>
+              <a:t>9/21/21</a:t>
             </a:fld>
             <a:endParaRPr lang="en-US" dirty="0"/>
           </a:p>
@@ -6374,7 +6374,7 @@
           <a:p>
             <a:fld id="{F08ADA8F-2476-324A-AF58-50EE727C366D}" type="datetime1">
               <a:rPr lang="en-US" smtClean="0"/>
-              <a:t>9/20/21</a:t>
+              <a:t>9/21/21</a:t>
             </a:fld>
             <a:endParaRPr lang="en-US" dirty="0"/>
           </a:p>
@@ -6587,7 +6587,7 @@
           <a:p>
             <a:fld id="{0F2C17CF-655F-5845-943D-AA02C3B1B07B}" type="datetime1">
               <a:rPr lang="en-US" smtClean="0"/>
-              <a:t>9/20/21</a:t>
+              <a:t>9/21/21</a:t>
             </a:fld>
             <a:endParaRPr lang="en-US" dirty="0"/>
           </a:p>
@@ -14325,7 +14325,14 @@
             <a:pPr marL="0" indent="0">
               <a:buNone/>
             </a:pPr>
-            <a:endParaRPr lang="en-US" dirty="0"/>
+            <a:r>
+              <a:rPr lang="en-US" dirty="0">
+                <a:solidFill>
+                  <a:srgbClr val="FF0000"/>
+                </a:solidFill>
+              </a:rPr>
+              <a:t>Create the following variables: ones, tens and hundreds </a:t>
+            </a:r>
           </a:p>
           <a:p>
             <a:pPr marL="0" indent="0">
@@ -14354,6 +14361,19 @@
               <a:buNone/>
             </a:pPr>
             <a:endParaRPr lang="en-US" dirty="0"/>
+          </a:p>
+          <a:p>
+            <a:pPr marL="0" indent="0">
+              <a:buNone/>
+            </a:pPr>
+            <a:r>
+              <a:rPr lang="en-US" dirty="0">
+                <a:solidFill>
+                  <a:srgbClr val="FF0000"/>
+                </a:solidFill>
+              </a:rPr>
+              <a:t>Create the following variables: quarters, dimes, nickels and pennies. </a:t>
+            </a:r>
           </a:p>
           <a:p>
             <a:pPr marL="0" indent="0">

--- a/courses/apcsp/lect2.pptx
+++ b/courses/apcsp/lect2.pptx
@@ -5,7 +5,7 @@
     <p:sldMasterId id="2147483791" r:id="rId1"/>
   </p:sldMasterIdLst>
   <p:notesMasterIdLst>
-    <p:notesMasterId r:id="rId22"/>
+    <p:notesMasterId r:id="rId29"/>
   </p:notesMasterIdLst>
   <p:sldIdLst>
     <p:sldId id="289" r:id="rId2"/>
@@ -26,8 +26,15 @@
     <p:sldId id="437" r:id="rId17"/>
     <p:sldId id="438" r:id="rId18"/>
     <p:sldId id="439" r:id="rId19"/>
-    <p:sldId id="303" r:id="rId20"/>
-    <p:sldId id="284" r:id="rId21"/>
+    <p:sldId id="440" r:id="rId20"/>
+    <p:sldId id="441" r:id="rId21"/>
+    <p:sldId id="442" r:id="rId22"/>
+    <p:sldId id="443" r:id="rId23"/>
+    <p:sldId id="444" r:id="rId24"/>
+    <p:sldId id="446" r:id="rId25"/>
+    <p:sldId id="445" r:id="rId26"/>
+    <p:sldId id="303" r:id="rId27"/>
+    <p:sldId id="284" r:id="rId28"/>
   </p:sldIdLst>
   <p:sldSz cx="9144000" cy="5715000" type="screen16x10"/>
   <p:notesSz cx="6858000" cy="9144000"/>
@@ -137,7 +144,7 @@
 <file path=ppt/revisionInfo.xml><?xml version="1.0" encoding="utf-8"?>
 <p1510:revInfo xmlns:a="http://schemas.openxmlformats.org/drawingml/2006/main" xmlns:r="http://schemas.openxmlformats.org/officeDocument/2006/relationships" xmlns:p1510="http://schemas.microsoft.com/office/powerpoint/2015/10/main">
   <p1510:revLst>
-    <p1510:client id="{79AC3FB5-31D9-1547-8E88-88FEE7233AFE}" v="62" dt="2021-09-20T13:30:11.871"/>
+    <p1510:client id="{79AC3FB5-31D9-1547-8E88-88FEE7233AFE}" v="151" dt="2021-09-23T14:59:00.023"/>
   </p1510:revLst>
 </p1510:revInfo>
 </file>
@@ -247,8 +254,8 @@
   </pc:docChgLst>
   <pc:docChgLst>
     <pc:chgData name="Long B Nguyen" userId="f59fb8f3-a021-417a-8bc1-65c8d471c621" providerId="ADAL" clId="{79AC3FB5-31D9-1547-8E88-88FEE7233AFE}"/>
-    <pc:docChg chg="modSld">
-      <pc:chgData name="Long B Nguyen" userId="f59fb8f3-a021-417a-8bc1-65c8d471c621" providerId="ADAL" clId="{79AC3FB5-31D9-1547-8E88-88FEE7233AFE}" dt="2021-09-21T13:00:33.947" v="340" actId="20577"/>
+    <pc:docChg chg="undo custSel addSld delSld modSld">
+      <pc:chgData name="Long B Nguyen" userId="f59fb8f3-a021-417a-8bc1-65c8d471c621" providerId="ADAL" clId="{79AC3FB5-31D9-1547-8E88-88FEE7233AFE}" dt="2021-09-23T14:59:00.023" v="1010" actId="113"/>
       <pc:docMkLst>
         <pc:docMk/>
       </pc:docMkLst>
@@ -596,6 +603,158 @@
           <ac:spMkLst>
             <pc:docMk/>
             <pc:sldMk cId="2532139586" sldId="439"/>
+            <ac:spMk id="9" creationId="{E3B2E017-30B2-884B-A113-B419A2ED51AD}"/>
+          </ac:spMkLst>
+        </pc:spChg>
+      </pc:sldChg>
+      <pc:sldChg chg="modSp add mod modAnim">
+        <pc:chgData name="Long B Nguyen" userId="f59fb8f3-a021-417a-8bc1-65c8d471c621" providerId="ADAL" clId="{79AC3FB5-31D9-1547-8E88-88FEE7233AFE}" dt="2021-09-23T14:59:00.023" v="1010" actId="113"/>
+        <pc:sldMkLst>
+          <pc:docMk/>
+          <pc:sldMk cId="1326078068" sldId="440"/>
+        </pc:sldMkLst>
+        <pc:spChg chg="mod">
+          <ac:chgData name="Long B Nguyen" userId="f59fb8f3-a021-417a-8bc1-65c8d471c621" providerId="ADAL" clId="{79AC3FB5-31D9-1547-8E88-88FEE7233AFE}" dt="2021-09-23T12:47:31.045" v="351" actId="20577"/>
+          <ac:spMkLst>
+            <pc:docMk/>
+            <pc:sldMk cId="1326078068" sldId="440"/>
+            <ac:spMk id="2" creationId="{AA3A228F-61D0-D949-A5E7-F83756230BF8}"/>
+          </ac:spMkLst>
+        </pc:spChg>
+        <pc:spChg chg="mod">
+          <ac:chgData name="Long B Nguyen" userId="f59fb8f3-a021-417a-8bc1-65c8d471c621" providerId="ADAL" clId="{79AC3FB5-31D9-1547-8E88-88FEE7233AFE}" dt="2021-09-23T14:59:00.023" v="1010" actId="113"/>
+          <ac:spMkLst>
+            <pc:docMk/>
+            <pc:sldMk cId="1326078068" sldId="440"/>
+            <ac:spMk id="9" creationId="{E3B2E017-30B2-884B-A113-B419A2ED51AD}"/>
+          </ac:spMkLst>
+        </pc:spChg>
+      </pc:sldChg>
+      <pc:sldChg chg="modSp add mod modAnim">
+        <pc:chgData name="Long B Nguyen" userId="f59fb8f3-a021-417a-8bc1-65c8d471c621" providerId="ADAL" clId="{79AC3FB5-31D9-1547-8E88-88FEE7233AFE}" dt="2021-09-23T14:56:52.988" v="997"/>
+        <pc:sldMkLst>
+          <pc:docMk/>
+          <pc:sldMk cId="3764668936" sldId="441"/>
+        </pc:sldMkLst>
+        <pc:spChg chg="mod">
+          <ac:chgData name="Long B Nguyen" userId="f59fb8f3-a021-417a-8bc1-65c8d471c621" providerId="ADAL" clId="{79AC3FB5-31D9-1547-8E88-88FEE7233AFE}" dt="2021-09-23T12:50:53.638" v="435" actId="20577"/>
+          <ac:spMkLst>
+            <pc:docMk/>
+            <pc:sldMk cId="3764668936" sldId="441"/>
+            <ac:spMk id="2" creationId="{AA3A228F-61D0-D949-A5E7-F83756230BF8}"/>
+          </ac:spMkLst>
+        </pc:spChg>
+        <pc:spChg chg="mod">
+          <ac:chgData name="Long B Nguyen" userId="f59fb8f3-a021-417a-8bc1-65c8d471c621" providerId="ADAL" clId="{79AC3FB5-31D9-1547-8E88-88FEE7233AFE}" dt="2021-09-23T14:56:47.152" v="996" actId="20577"/>
+          <ac:spMkLst>
+            <pc:docMk/>
+            <pc:sldMk cId="3764668936" sldId="441"/>
+            <ac:spMk id="9" creationId="{E3B2E017-30B2-884B-A113-B419A2ED51AD}"/>
+          </ac:spMkLst>
+        </pc:spChg>
+      </pc:sldChg>
+      <pc:sldChg chg="modSp add mod modAnim">
+        <pc:chgData name="Long B Nguyen" userId="f59fb8f3-a021-417a-8bc1-65c8d471c621" providerId="ADAL" clId="{79AC3FB5-31D9-1547-8E88-88FEE7233AFE}" dt="2021-09-23T14:57:02.905" v="999"/>
+        <pc:sldMkLst>
+          <pc:docMk/>
+          <pc:sldMk cId="4041063263" sldId="442"/>
+        </pc:sldMkLst>
+        <pc:spChg chg="mod">
+          <ac:chgData name="Long B Nguyen" userId="f59fb8f3-a021-417a-8bc1-65c8d471c621" providerId="ADAL" clId="{79AC3FB5-31D9-1547-8E88-88FEE7233AFE}" dt="2021-09-23T12:54:42.700" v="499" actId="20577"/>
+          <ac:spMkLst>
+            <pc:docMk/>
+            <pc:sldMk cId="4041063263" sldId="442"/>
+            <ac:spMk id="2" creationId="{AA3A228F-61D0-D949-A5E7-F83756230BF8}"/>
+          </ac:spMkLst>
+        </pc:spChg>
+        <pc:spChg chg="mod">
+          <ac:chgData name="Long B Nguyen" userId="f59fb8f3-a021-417a-8bc1-65c8d471c621" providerId="ADAL" clId="{79AC3FB5-31D9-1547-8E88-88FEE7233AFE}" dt="2021-09-23T13:23:22.519" v="627" actId="20577"/>
+          <ac:spMkLst>
+            <pc:docMk/>
+            <pc:sldMk cId="4041063263" sldId="442"/>
+            <ac:spMk id="9" creationId="{E3B2E017-30B2-884B-A113-B419A2ED51AD}"/>
+          </ac:spMkLst>
+        </pc:spChg>
+      </pc:sldChg>
+      <pc:sldChg chg="modSp add mod modAnim">
+        <pc:chgData name="Long B Nguyen" userId="f59fb8f3-a021-417a-8bc1-65c8d471c621" providerId="ADAL" clId="{79AC3FB5-31D9-1547-8E88-88FEE7233AFE}" dt="2021-09-23T14:57:12.852" v="1001"/>
+        <pc:sldMkLst>
+          <pc:docMk/>
+          <pc:sldMk cId="2335195335" sldId="443"/>
+        </pc:sldMkLst>
+        <pc:spChg chg="mod">
+          <ac:chgData name="Long B Nguyen" userId="f59fb8f3-a021-417a-8bc1-65c8d471c621" providerId="ADAL" clId="{79AC3FB5-31D9-1547-8E88-88FEE7233AFE}" dt="2021-09-23T14:15:11.084" v="742" actId="14100"/>
+          <ac:spMkLst>
+            <pc:docMk/>
+            <pc:sldMk cId="2335195335" sldId="443"/>
+            <ac:spMk id="9" creationId="{E3B2E017-30B2-884B-A113-B419A2ED51AD}"/>
+          </ac:spMkLst>
+        </pc:spChg>
+      </pc:sldChg>
+      <pc:sldChg chg="modSp add mod modAnim">
+        <pc:chgData name="Long B Nguyen" userId="f59fb8f3-a021-417a-8bc1-65c8d471c621" providerId="ADAL" clId="{79AC3FB5-31D9-1547-8E88-88FEE7233AFE}" dt="2021-09-23T14:57:17.520" v="1002"/>
+        <pc:sldMkLst>
+          <pc:docMk/>
+          <pc:sldMk cId="2046322100" sldId="444"/>
+        </pc:sldMkLst>
+        <pc:spChg chg="mod">
+          <ac:chgData name="Long B Nguyen" userId="f59fb8f3-a021-417a-8bc1-65c8d471c621" providerId="ADAL" clId="{79AC3FB5-31D9-1547-8E88-88FEE7233AFE}" dt="2021-09-23T14:19:10.985" v="862" actId="20577"/>
+          <ac:spMkLst>
+            <pc:docMk/>
+            <pc:sldMk cId="2046322100" sldId="444"/>
+            <ac:spMk id="9" creationId="{E3B2E017-30B2-884B-A113-B419A2ED51AD}"/>
+          </ac:spMkLst>
+        </pc:spChg>
+      </pc:sldChg>
+      <pc:sldChg chg="modSp add del mod">
+        <pc:chgData name="Long B Nguyen" userId="f59fb8f3-a021-417a-8bc1-65c8d471c621" providerId="ADAL" clId="{79AC3FB5-31D9-1547-8E88-88FEE7233AFE}" dt="2021-09-23T14:27:42.521" v="968" actId="2696"/>
+        <pc:sldMkLst>
+          <pc:docMk/>
+          <pc:sldMk cId="187556392" sldId="445"/>
+        </pc:sldMkLst>
+        <pc:spChg chg="mod">
+          <ac:chgData name="Long B Nguyen" userId="f59fb8f3-a021-417a-8bc1-65c8d471c621" providerId="ADAL" clId="{79AC3FB5-31D9-1547-8E88-88FEE7233AFE}" dt="2021-09-23T14:19:19.204" v="881" actId="20577"/>
+          <ac:spMkLst>
+            <pc:docMk/>
+            <pc:sldMk cId="187556392" sldId="445"/>
+            <ac:spMk id="2" creationId="{AA3A228F-61D0-D949-A5E7-F83756230BF8}"/>
+          </ac:spMkLst>
+        </pc:spChg>
+        <pc:spChg chg="mod">
+          <ac:chgData name="Long B Nguyen" userId="f59fb8f3-a021-417a-8bc1-65c8d471c621" providerId="ADAL" clId="{79AC3FB5-31D9-1547-8E88-88FEE7233AFE}" dt="2021-09-23T14:26:15.703" v="965" actId="20577"/>
+          <ac:spMkLst>
+            <pc:docMk/>
+            <pc:sldMk cId="187556392" sldId="445"/>
+            <ac:spMk id="9" creationId="{E3B2E017-30B2-884B-A113-B419A2ED51AD}"/>
+          </ac:spMkLst>
+        </pc:spChg>
+      </pc:sldChg>
+      <pc:sldChg chg="modSp add mod modAnim">
+        <pc:chgData name="Long B Nguyen" userId="f59fb8f3-a021-417a-8bc1-65c8d471c621" providerId="ADAL" clId="{79AC3FB5-31D9-1547-8E88-88FEE7233AFE}" dt="2021-09-23T14:57:37.161" v="1007"/>
+        <pc:sldMkLst>
+          <pc:docMk/>
+          <pc:sldMk cId="2653600559" sldId="445"/>
+        </pc:sldMkLst>
+        <pc:spChg chg="mod">
+          <ac:chgData name="Long B Nguyen" userId="f59fb8f3-a021-417a-8bc1-65c8d471c621" providerId="ADAL" clId="{79AC3FB5-31D9-1547-8E88-88FEE7233AFE}" dt="2021-09-23T14:29:08.101" v="988" actId="113"/>
+          <ac:spMkLst>
+            <pc:docMk/>
+            <pc:sldMk cId="2653600559" sldId="445"/>
+            <ac:spMk id="9" creationId="{E3B2E017-30B2-884B-A113-B419A2ED51AD}"/>
+          </ac:spMkLst>
+        </pc:spChg>
+      </pc:sldChg>
+      <pc:sldChg chg="modSp add mod modAnim">
+        <pc:chgData name="Long B Nguyen" userId="f59fb8f3-a021-417a-8bc1-65c8d471c621" providerId="ADAL" clId="{79AC3FB5-31D9-1547-8E88-88FEE7233AFE}" dt="2021-09-23T14:57:24.621" v="1004"/>
+        <pc:sldMkLst>
+          <pc:docMk/>
+          <pc:sldMk cId="4008236168" sldId="446"/>
+        </pc:sldMkLst>
+        <pc:spChg chg="mod">
+          <ac:chgData name="Long B Nguyen" userId="f59fb8f3-a021-417a-8bc1-65c8d471c621" providerId="ADAL" clId="{79AC3FB5-31D9-1547-8E88-88FEE7233AFE}" dt="2021-09-23T14:28:24.774" v="978" actId="21"/>
+          <ac:spMkLst>
+            <pc:docMk/>
+            <pc:sldMk cId="4008236168" sldId="446"/>
             <ac:spMk id="9" creationId="{E3B2E017-30B2-884B-A113-B419A2ED51AD}"/>
           </ac:spMkLst>
         </pc:spChg>
@@ -3385,7 +3544,7 @@
           <a:p>
             <a:fld id="{52977C8B-3199-9A4B-9182-F1B54ABD2553}" type="datetimeFigureOut">
               <a:rPr lang="en-US" smtClean="0"/>
-              <a:t>9/21/21</a:t>
+              <a:t>9/23/21</a:t>
             </a:fld>
             <a:endParaRPr lang="en-US"/>
           </a:p>
@@ -4262,7 +4421,7 @@
           <a:p>
             <a:fld id="{C1915A50-C99B-9349-BF36-01C7D4D28808}" type="datetime1">
               <a:rPr lang="en-US" smtClean="0"/>
-              <a:t>9/21/21</a:t>
+              <a:t>9/23/21</a:t>
             </a:fld>
             <a:endParaRPr lang="en-US" dirty="0"/>
           </a:p>
@@ -4432,7 +4591,7 @@
           <a:p>
             <a:fld id="{66415AFE-E6C7-104E-9CC9-7BA63354EA62}" type="datetime1">
               <a:rPr lang="en-US" smtClean="0"/>
-              <a:t>9/21/21</a:t>
+              <a:t>9/23/21</a:t>
             </a:fld>
             <a:endParaRPr lang="en-US" dirty="0"/>
           </a:p>
@@ -4612,7 +4771,7 @@
           <a:p>
             <a:fld id="{FA75CCEF-0AB0-FC4E-9406-B9F6F883CE10}" type="datetime1">
               <a:rPr lang="en-US" smtClean="0"/>
-              <a:t>9/21/21</a:t>
+              <a:t>9/23/21</a:t>
             </a:fld>
             <a:endParaRPr lang="en-US" dirty="0"/>
           </a:p>
@@ -4782,7 +4941,7 @@
           <a:p>
             <a:fld id="{2C3BCB0F-CCCC-7E4F-A2D6-8E67CEBBA4E2}" type="datetime1">
               <a:rPr lang="en-US" smtClean="0"/>
-              <a:t>9/21/21</a:t>
+              <a:t>9/23/21</a:t>
             </a:fld>
             <a:endParaRPr lang="en-US" dirty="0"/>
           </a:p>
@@ -5028,7 +5187,7 @@
           <a:p>
             <a:fld id="{F7ECE312-DD02-9A48-BDD5-6A8C409F005C}" type="datetime1">
               <a:rPr lang="en-US" smtClean="0"/>
-              <a:t>9/21/21</a:t>
+              <a:t>9/23/21</a:t>
             </a:fld>
             <a:endParaRPr lang="en-US" dirty="0"/>
           </a:p>
@@ -5260,7 +5419,7 @@
           <a:p>
             <a:fld id="{B22C6363-94EF-2348-B681-CE82D72C7A6B}" type="datetime1">
               <a:rPr lang="en-US" smtClean="0"/>
-              <a:t>9/21/21</a:t>
+              <a:t>9/23/21</a:t>
             </a:fld>
             <a:endParaRPr lang="en-US" dirty="0"/>
           </a:p>
@@ -5627,7 +5786,7 @@
           <a:p>
             <a:fld id="{4192ECC8-1BC3-7E41-9906-63079AEDF41E}" type="datetime1">
               <a:rPr lang="en-US" smtClean="0"/>
-              <a:t>9/21/21</a:t>
+              <a:t>9/23/21</a:t>
             </a:fld>
             <a:endParaRPr lang="en-US" dirty="0"/>
           </a:p>
@@ -5745,7 +5904,7 @@
           <a:p>
             <a:fld id="{5EBBBCC6-5C10-CE4F-809F-94992F219B3E}" type="datetime1">
               <a:rPr lang="en-US" smtClean="0"/>
-              <a:t>9/21/21</a:t>
+              <a:t>9/23/21</a:t>
             </a:fld>
             <a:endParaRPr lang="en-US" dirty="0"/>
           </a:p>
@@ -5840,7 +5999,7 @@
           <a:p>
             <a:fld id="{6B3DA62C-1185-2147-AE11-021E73567A8F}" type="datetime1">
               <a:rPr lang="en-US" smtClean="0"/>
-              <a:t>9/21/21</a:t>
+              <a:t>9/23/21</a:t>
             </a:fld>
             <a:endParaRPr lang="en-US" dirty="0"/>
           </a:p>
@@ -6117,7 +6276,7 @@
           <a:p>
             <a:fld id="{374C39C3-8B44-5541-834F-5442754734F3}" type="datetime1">
               <a:rPr lang="en-US" smtClean="0"/>
-              <a:t>9/21/21</a:t>
+              <a:t>9/23/21</a:t>
             </a:fld>
             <a:endParaRPr lang="en-US" dirty="0"/>
           </a:p>
@@ -6374,7 +6533,7 @@
           <a:p>
             <a:fld id="{F08ADA8F-2476-324A-AF58-50EE727C366D}" type="datetime1">
               <a:rPr lang="en-US" smtClean="0"/>
-              <a:t>9/21/21</a:t>
+              <a:t>9/23/21</a:t>
             </a:fld>
             <a:endParaRPr lang="en-US" dirty="0"/>
           </a:p>
@@ -6587,7 +6746,7 @@
           <a:p>
             <a:fld id="{0F2C17CF-655F-5845-943D-AA02C3B1B07B}" type="datetime1">
               <a:rPr lang="en-US" smtClean="0"/>
-              <a:t>9/21/21</a:t>
+              <a:t>9/23/21</a:t>
             </a:fld>
             <a:endParaRPr lang="en-US" dirty="0"/>
           </a:p>
@@ -14254,7 +14413,7 @@
         </p:nvSpPr>
         <p:spPr>
           <a:xfrm>
-            <a:off x="124252" y="117706"/>
+            <a:off x="118088" y="90509"/>
             <a:ext cx="7053542" cy="683886"/>
           </a:xfrm>
         </p:spPr>
@@ -14264,7 +14423,7 @@
           <a:p>
             <a:r>
               <a:rPr lang="en-US" dirty="0"/>
-              <a:t>Lab 1: Modulo Operator</a:t>
+              <a:t>Errors</a:t>
             </a:r>
           </a:p>
         </p:txBody>
@@ -14287,8 +14446,8 @@
         </p:nvSpPr>
         <p:spPr>
           <a:xfrm>
-            <a:off x="124252" y="801592"/>
-            <a:ext cx="8411321" cy="4913407"/>
+            <a:off x="97066" y="683301"/>
+            <a:ext cx="8928846" cy="5031699"/>
           </a:xfrm>
         </p:spPr>
         <p:txBody>
@@ -14302,133 +14461,148 @@
             </a:pPr>
             <a:r>
               <a:rPr lang="en-US" dirty="0"/>
-              <a:t>Create a new </a:t>
-            </a:r>
-            <a:r>
-              <a:rPr lang="en-US" dirty="0" err="1"/>
-              <a:t>repl</a:t>
-            </a:r>
+              <a:t>Beginning programmers make mistakes writing programs because of inexperience in programming in general or due to unfamiliarity with a programming language. </a:t>
+            </a:r>
+          </a:p>
+          <a:p>
+            <a:pPr marL="0" indent="0">
+              <a:buNone/>
+            </a:pPr>
+            <a:endParaRPr lang="en-US" sz="2000" dirty="0"/>
+          </a:p>
+          <a:p>
+            <a:pPr marL="0" indent="0">
+              <a:buNone/>
+            </a:pPr>
             <a:r>
               <a:rPr lang="en-US" dirty="0"/>
-              <a:t> on </a:t>
-            </a:r>
-            <a:r>
-              <a:rPr lang="en-US" dirty="0" err="1"/>
-              <a:t>repl.it</a:t>
+              <a:t>There are four general kinds of errors:  </a:t>
+            </a:r>
+            <a:r>
+              <a:rPr lang="en-US" b="1" dirty="0"/>
+              <a:t>syntax errors, run-time errors, overflow errors </a:t>
             </a:r>
             <a:r>
               <a:rPr lang="en-US" dirty="0"/>
-              <a:t>. Write code to match the following console output. Underline numbers are user inputs; you must use the input() function. </a:t>
+              <a:t>and</a:t>
+            </a:r>
+            <a:r>
+              <a:rPr lang="en-US" b="1" dirty="0"/>
+              <a:t> logic errors. </a:t>
             </a:r>
           </a:p>
           <a:p>
             <a:pPr marL="0" indent="0">
               <a:buNone/>
             </a:pPr>
-            <a:r>
-              <a:rPr lang="en-US" dirty="0">
+            <a:endParaRPr lang="en-US" sz="2000" dirty="0"/>
+          </a:p>
+          <a:p>
+            <a:pPr marL="0" indent="0">
+              <a:buNone/>
+            </a:pPr>
+            <a:r>
+              <a:rPr lang="en-US" dirty="0"/>
+              <a:t>The interpreter reads the Python source file and translates it into a executable form. This is the </a:t>
+            </a:r>
+            <a:r>
+              <a:rPr lang="en-US" i="1" dirty="0"/>
+              <a:t>translation phase</a:t>
+            </a:r>
+            <a:r>
+              <a:rPr lang="en-US" dirty="0"/>
+              <a:t>. If the interpreter detects an invalid program statement during the translation phase, it will terminate the program’s execution and report an error. </a:t>
+            </a:r>
+          </a:p>
+          <a:p>
+            <a:pPr marL="0" indent="0">
+              <a:buNone/>
+            </a:pPr>
+            <a:endParaRPr lang="en-US" dirty="0"/>
+          </a:p>
+          <a:p>
+            <a:pPr marL="0" indent="0">
+              <a:buNone/>
+            </a:pPr>
+            <a:r>
+              <a:rPr lang="en-US" dirty="0"/>
+              <a:t>Such errors result from the programmer’s misuse of the language.  A </a:t>
+            </a:r>
+            <a:r>
+              <a:rPr lang="en-US" b="1" dirty="0"/>
+              <a:t>syntax error</a:t>
+            </a:r>
+            <a:r>
+              <a:rPr lang="en-US" i="1" dirty="0"/>
+              <a:t> </a:t>
+            </a:r>
+            <a:r>
+              <a:rPr lang="en-US" dirty="0"/>
+              <a:t>is a common error that the interpreter can detect when attempting to translate a Python statement into machine language. </a:t>
+            </a:r>
+            <a:endParaRPr lang="en-US" sz="2000" dirty="0"/>
+          </a:p>
+          <a:p>
+            <a:pPr marL="0" indent="0">
+              <a:buNone/>
+            </a:pPr>
+            <a:endParaRPr lang="en-US" sz="2000" dirty="0"/>
+          </a:p>
+          <a:p>
+            <a:pPr marL="0" indent="0">
+              <a:buNone/>
+            </a:pPr>
+            <a:endParaRPr lang="en-US" sz="2000" dirty="0"/>
+          </a:p>
+          <a:p>
+            <a:pPr marL="0" indent="0">
+              <a:buNone/>
+            </a:pPr>
+            <a:endParaRPr lang="en-US" sz="2000" dirty="0"/>
+          </a:p>
+          <a:p>
+            <a:pPr marL="0" lvl="0" indent="0">
+              <a:buNone/>
+            </a:pPr>
+            <a:r>
+              <a:rPr lang="en-US" sz="2000" b="1" dirty="0">
                 <a:solidFill>
-                  <a:srgbClr val="FF0000"/>
+                  <a:srgbClr val="4F9602"/>
                 </a:solidFill>
-              </a:rPr>
-              <a:t>Create the following variables: ones, tens and hundreds </a:t>
-            </a:r>
+                <a:latin typeface="INCONSOLATA" panose="020B0609030003000000" pitchFamily="49" charset="77"/>
+              </a:rPr>
+              <a:t> </a:t>
+            </a:r>
+            <a:br>
+              <a:rPr lang="en-US" sz="2000" b="1" dirty="0">
+                <a:solidFill>
+                  <a:srgbClr val="4F9602"/>
+                </a:solidFill>
+                <a:latin typeface="INCONSOLATA" panose="020B0609030003000000" pitchFamily="49" charset="77"/>
+              </a:rPr>
+            </a:br>
+            <a:endParaRPr lang="en-US" sz="1900" b="1" dirty="0">
+              <a:solidFill>
+                <a:prstClr val="black"/>
+              </a:solidFill>
+              <a:latin typeface="Inconsolata" panose="020B0609030003000000" pitchFamily="49" charset="77"/>
+            </a:endParaRPr>
           </a:p>
           <a:p>
             <a:pPr marL="0" indent="0">
               <a:buNone/>
             </a:pPr>
-            <a:r>
-              <a:rPr lang="en-US" dirty="0"/>
-              <a:t>Enter a three-digit number: </a:t>
-            </a:r>
-            <a:r>
-              <a:rPr lang="en-US" u="sng" dirty="0"/>
-              <a:t>245</a:t>
-            </a:r>
+            <a:endParaRPr lang="en-US" sz="1900" b="1" dirty="0">
+              <a:latin typeface="Inconsolata" panose="020B0609030003000000" pitchFamily="49" charset="77"/>
+            </a:endParaRPr>
           </a:p>
           <a:p>
             <a:pPr marL="0" indent="0">
               <a:buNone/>
             </a:pPr>
-            <a:r>
-              <a:rPr lang="en-US" dirty="0"/>
-              <a:t>The sum of the digits of 245 is 11.</a:t>
-            </a:r>
-          </a:p>
-          <a:p>
-            <a:pPr marL="0" indent="0">
-              <a:buNone/>
-            </a:pPr>
-            <a:endParaRPr lang="en-US" dirty="0"/>
-          </a:p>
-          <a:p>
-            <a:pPr marL="0" indent="0">
-              <a:buNone/>
-            </a:pPr>
-            <a:r>
-              <a:rPr lang="en-US" dirty="0">
-                <a:solidFill>
-                  <a:srgbClr val="FF0000"/>
-                </a:solidFill>
-              </a:rPr>
-              <a:t>Create the following variables: quarters, dimes, nickels and pennies. </a:t>
-            </a:r>
-          </a:p>
-          <a:p>
-            <a:pPr marL="0" indent="0">
-              <a:buNone/>
-            </a:pPr>
-            <a:r>
-              <a:rPr lang="en-US" dirty="0"/>
-              <a:t>Enter amount in cents: </a:t>
-            </a:r>
-            <a:r>
-              <a:rPr lang="en-US" u="sng" dirty="0"/>
-              <a:t>137</a:t>
-            </a:r>
-          </a:p>
-          <a:p>
-            <a:pPr marL="0" indent="0">
-              <a:buNone/>
-            </a:pPr>
-            <a:r>
-              <a:rPr lang="en-US" dirty="0"/>
-              <a:t>Number of quarters: 5 </a:t>
-            </a:r>
-          </a:p>
-          <a:p>
-            <a:pPr marL="0" indent="0">
-              <a:buNone/>
-            </a:pPr>
-            <a:r>
-              <a:rPr lang="en-US" dirty="0"/>
-              <a:t>Number of dimes: 1</a:t>
-            </a:r>
-          </a:p>
-          <a:p>
-            <a:pPr marL="0" indent="0">
-              <a:buNone/>
-            </a:pPr>
-            <a:r>
-              <a:rPr lang="en-US" dirty="0"/>
-              <a:t>Number of nickels: 0 </a:t>
-            </a:r>
-          </a:p>
-          <a:p>
-            <a:pPr marL="0" indent="0">
-              <a:buNone/>
-            </a:pPr>
-            <a:r>
-              <a:rPr lang="en-US" dirty="0"/>
-              <a:t>Number of pennies: 2</a:t>
-            </a:r>
-          </a:p>
-          <a:p>
-            <a:pPr marL="0" indent="0">
-              <a:buNone/>
-            </a:pPr>
-            <a:endParaRPr lang="en-US" dirty="0"/>
+            <a:endParaRPr lang="en-US" sz="1900" b="1" dirty="0">
+              <a:latin typeface="Inconsolata" panose="020B0609030003000000" pitchFamily="49" charset="77"/>
+            </a:endParaRPr>
           </a:p>
         </p:txBody>
       </p:sp>
@@ -14437,7 +14611,7 @@
           <p:cNvPr id="3" name="Slide Number Placeholder 2">
             <a:extLst>
               <a:ext uri="{FF2B5EF4-FFF2-40B4-BE49-F238E27FC236}">
-                <a16:creationId xmlns:a16="http://schemas.microsoft.com/office/drawing/2014/main" id="{4C9FD257-5B98-D746-8399-DFB1F5688E35}"/>
+                <a16:creationId xmlns:a16="http://schemas.microsoft.com/office/drawing/2014/main" id="{37DBF879-9531-534B-A2DE-06AABDA1BC13}"/>
               </a:ext>
             </a:extLst>
           </p:cNvPr>
@@ -14464,13 +14638,190 @@
     </p:spTree>
     <p:extLst>
       <p:ext uri="{BB962C8B-B14F-4D97-AF65-F5344CB8AC3E}">
-        <p14:creationId xmlns:p14="http://schemas.microsoft.com/office/powerpoint/2010/main" val="3993483693"/>
+        <p14:creationId xmlns:p14="http://schemas.microsoft.com/office/powerpoint/2010/main" val="1326078068"/>
       </p:ext>
     </p:extLst>
   </p:cSld>
   <p:clrMapOvr>
     <a:masterClrMapping/>
   </p:clrMapOvr>
+  <p:timing>
+    <p:tnLst>
+      <p:par>
+        <p:cTn id="1" dur="indefinite" restart="never" nodeType="tmRoot">
+          <p:childTnLst>
+            <p:seq concurrent="1" nextAc="seek">
+              <p:cTn id="2" dur="indefinite" nodeType="mainSeq">
+                <p:childTnLst>
+                  <p:par>
+                    <p:cTn id="3" fill="hold">
+                      <p:stCondLst>
+                        <p:cond delay="indefinite"/>
+                      </p:stCondLst>
+                      <p:childTnLst>
+                        <p:par>
+                          <p:cTn id="4" fill="hold">
+                            <p:stCondLst>
+                              <p:cond delay="0"/>
+                            </p:stCondLst>
+                            <p:childTnLst>
+                              <p:par>
+                                <p:cTn id="5" presetID="1" presetClass="entr" presetSubtype="0" fill="hold" nodeType="clickEffect">
+                                  <p:stCondLst>
+                                    <p:cond delay="0"/>
+                                  </p:stCondLst>
+                                  <p:childTnLst>
+                                    <p:set>
+                                      <p:cBhvr>
+                                        <p:cTn id="6" dur="1" fill="hold">
+                                          <p:stCondLst>
+                                            <p:cond delay="0"/>
+                                          </p:stCondLst>
+                                        </p:cTn>
+                                        <p:tgtEl>
+                                          <p:spTgt spid="9">
+                                            <p:txEl>
+                                              <p:pRg st="2" end="2"/>
+                                            </p:txEl>
+                                          </p:spTgt>
+                                        </p:tgtEl>
+                                        <p:attrNameLst>
+                                          <p:attrName>style.visibility</p:attrName>
+                                        </p:attrNameLst>
+                                      </p:cBhvr>
+                                      <p:to>
+                                        <p:strVal val="visible"/>
+                                      </p:to>
+                                    </p:set>
+                                  </p:childTnLst>
+                                </p:cTn>
+                              </p:par>
+                            </p:childTnLst>
+                          </p:cTn>
+                        </p:par>
+                      </p:childTnLst>
+                    </p:cTn>
+                  </p:par>
+                  <p:par>
+                    <p:cTn id="7" fill="hold">
+                      <p:stCondLst>
+                        <p:cond delay="indefinite"/>
+                      </p:stCondLst>
+                      <p:childTnLst>
+                        <p:par>
+                          <p:cTn id="8" fill="hold">
+                            <p:stCondLst>
+                              <p:cond delay="0"/>
+                            </p:stCondLst>
+                            <p:childTnLst>
+                              <p:par>
+                                <p:cTn id="9" presetID="1" presetClass="entr" presetSubtype="0" fill="hold" nodeType="clickEffect">
+                                  <p:stCondLst>
+                                    <p:cond delay="0"/>
+                                  </p:stCondLst>
+                                  <p:childTnLst>
+                                    <p:set>
+                                      <p:cBhvr>
+                                        <p:cTn id="10" dur="1" fill="hold">
+                                          <p:stCondLst>
+                                            <p:cond delay="0"/>
+                                          </p:stCondLst>
+                                        </p:cTn>
+                                        <p:tgtEl>
+                                          <p:spTgt spid="9">
+                                            <p:txEl>
+                                              <p:pRg st="4" end="4"/>
+                                            </p:txEl>
+                                          </p:spTgt>
+                                        </p:tgtEl>
+                                        <p:attrNameLst>
+                                          <p:attrName>style.visibility</p:attrName>
+                                        </p:attrNameLst>
+                                      </p:cBhvr>
+                                      <p:to>
+                                        <p:strVal val="visible"/>
+                                      </p:to>
+                                    </p:set>
+                                  </p:childTnLst>
+                                </p:cTn>
+                              </p:par>
+                            </p:childTnLst>
+                          </p:cTn>
+                        </p:par>
+                      </p:childTnLst>
+                    </p:cTn>
+                  </p:par>
+                  <p:par>
+                    <p:cTn id="11" fill="hold">
+                      <p:stCondLst>
+                        <p:cond delay="indefinite"/>
+                      </p:stCondLst>
+                      <p:childTnLst>
+                        <p:par>
+                          <p:cTn id="12" fill="hold">
+                            <p:stCondLst>
+                              <p:cond delay="0"/>
+                            </p:stCondLst>
+                            <p:childTnLst>
+                              <p:par>
+                                <p:cTn id="13" presetID="1" presetClass="entr" presetSubtype="0" fill="hold" nodeType="clickEffect">
+                                  <p:stCondLst>
+                                    <p:cond delay="0"/>
+                                  </p:stCondLst>
+                                  <p:childTnLst>
+                                    <p:set>
+                                      <p:cBhvr>
+                                        <p:cTn id="14" dur="1" fill="hold">
+                                          <p:stCondLst>
+                                            <p:cond delay="0"/>
+                                          </p:stCondLst>
+                                        </p:cTn>
+                                        <p:tgtEl>
+                                          <p:spTgt spid="9">
+                                            <p:txEl>
+                                              <p:pRg st="6" end="6"/>
+                                            </p:txEl>
+                                          </p:spTgt>
+                                        </p:tgtEl>
+                                        <p:attrNameLst>
+                                          <p:attrName>style.visibility</p:attrName>
+                                        </p:attrNameLst>
+                                      </p:cBhvr>
+                                      <p:to>
+                                        <p:strVal val="visible"/>
+                                      </p:to>
+                                    </p:set>
+                                  </p:childTnLst>
+                                </p:cTn>
+                              </p:par>
+                            </p:childTnLst>
+                          </p:cTn>
+                        </p:par>
+                      </p:childTnLst>
+                    </p:cTn>
+                  </p:par>
+                </p:childTnLst>
+              </p:cTn>
+              <p:prevCondLst>
+                <p:cond evt="onPrev" delay="0">
+                  <p:tgtEl>
+                    <p:sldTgt/>
+                  </p:tgtEl>
+                </p:cond>
+              </p:prevCondLst>
+              <p:nextCondLst>
+                <p:cond evt="onNext" delay="0">
+                  <p:tgtEl>
+                    <p:sldTgt/>
+                  </p:tgtEl>
+                </p:cond>
+              </p:nextCondLst>
+            </p:seq>
+          </p:childTnLst>
+        </p:cTn>
+      </p:par>
+    </p:tnLst>
+  </p:timing>
 </p:sld>
 </file>
 
@@ -15096,6 +15447,2785 @@
         </p:nvSpPr>
         <p:spPr>
           <a:xfrm>
+            <a:off x="118088" y="90509"/>
+            <a:ext cx="7053542" cy="683886"/>
+          </a:xfrm>
+        </p:spPr>
+        <p:txBody>
+          <a:bodyPr/>
+          <a:lstStyle/>
+          <a:p>
+            <a:r>
+              <a:rPr lang="en-US" dirty="0"/>
+              <a:t>Syntax Errors</a:t>
+            </a:r>
+          </a:p>
+        </p:txBody>
+      </p:sp>
+      <p:sp>
+        <p:nvSpPr>
+          <p:cNvPr id="9" name="Content Placeholder 8">
+            <a:extLst>
+              <a:ext uri="{FF2B5EF4-FFF2-40B4-BE49-F238E27FC236}">
+                <a16:creationId xmlns:a16="http://schemas.microsoft.com/office/drawing/2014/main" id="{E3B2E017-30B2-884B-A113-B419A2ED51AD}"/>
+              </a:ext>
+            </a:extLst>
+          </p:cNvPr>
+          <p:cNvSpPr>
+            <a:spLocks noGrp="1"/>
+          </p:cNvSpPr>
+          <p:nvPr>
+            <p:ph idx="1"/>
+          </p:nvPr>
+        </p:nvSpPr>
+        <p:spPr>
+          <a:xfrm>
+            <a:off x="215154" y="774395"/>
+            <a:ext cx="8638390" cy="4765793"/>
+          </a:xfrm>
+        </p:spPr>
+        <p:txBody>
+          <a:bodyPr>
+            <a:noAutofit/>
+          </a:bodyPr>
+          <a:lstStyle/>
+          <a:p>
+            <a:pPr marL="0" indent="0">
+              <a:buNone/>
+            </a:pPr>
+            <a:r>
+              <a:rPr lang="en-US" sz="2000" dirty="0"/>
+              <a:t>A </a:t>
+            </a:r>
+            <a:r>
+              <a:rPr lang="en-US" sz="2000" b="1" dirty="0"/>
+              <a:t>syntax error</a:t>
+            </a:r>
+            <a:r>
+              <a:rPr lang="en-US" sz="2000" i="1" dirty="0"/>
+              <a:t> </a:t>
+            </a:r>
+            <a:r>
+              <a:rPr lang="en-US" sz="2000" dirty="0"/>
+              <a:t>is a common error that the interpreter can detect when attempting to translate a Python statement into machine language. </a:t>
+            </a:r>
+            <a:endParaRPr lang="en-US" sz="1900" b="1" dirty="0">
+              <a:latin typeface="Inconsolata" panose="020B0609030003000000" pitchFamily="49" charset="77"/>
+            </a:endParaRPr>
+          </a:p>
+          <a:p>
+            <a:pPr marL="0" indent="0">
+              <a:buNone/>
+            </a:pPr>
+            <a:endParaRPr lang="en-US" sz="2000" b="1" dirty="0">
+              <a:solidFill>
+                <a:srgbClr val="000087"/>
+              </a:solidFill>
+              <a:latin typeface="Inconsolata" panose="020B0609030003000000" pitchFamily="49" charset="77"/>
+            </a:endParaRPr>
+          </a:p>
+          <a:p>
+            <a:pPr marL="0" indent="0">
+              <a:buNone/>
+            </a:pPr>
+            <a:r>
+              <a:rPr lang="en-US" sz="2000" b="1" dirty="0">
+                <a:solidFill>
+                  <a:srgbClr val="000087"/>
+                </a:solidFill>
+                <a:latin typeface="Inconsolata" panose="020B0609030003000000" pitchFamily="49" charset="77"/>
+              </a:rPr>
+              <a:t>x </a:t>
+            </a:r>
+            <a:r>
+              <a:rPr lang="en-US" sz="2000" b="1" dirty="0">
+                <a:solidFill>
+                  <a:srgbClr val="545454"/>
+                </a:solidFill>
+                <a:latin typeface="Inconsolata" panose="020B0609030003000000" pitchFamily="49" charset="77"/>
+              </a:rPr>
+              <a:t>= </a:t>
+            </a:r>
+            <a:r>
+              <a:rPr lang="en-US" sz="2000" b="1" dirty="0">
+                <a:solidFill>
+                  <a:srgbClr val="FF6600"/>
+                </a:solidFill>
+                <a:latin typeface="Inconsolata" panose="020B0609030003000000" pitchFamily="49" charset="77"/>
+              </a:rPr>
+              <a:t>3 </a:t>
+            </a:r>
+          </a:p>
+          <a:p>
+            <a:pPr marL="0" indent="0">
+              <a:buNone/>
+            </a:pPr>
+            <a:r>
+              <a:rPr lang="en-US" sz="2000" b="1" dirty="0">
+                <a:solidFill>
+                  <a:srgbClr val="000087"/>
+                </a:solidFill>
+                <a:latin typeface="Inconsolata" panose="020B0609030003000000" pitchFamily="49" charset="77"/>
+              </a:rPr>
+              <a:t>y = x + 5 </a:t>
+            </a:r>
+            <a:r>
+              <a:rPr lang="en-US" sz="2000" b="1" dirty="0">
+                <a:solidFill>
+                  <a:srgbClr val="FF6600"/>
+                </a:solidFill>
+                <a:latin typeface="Inconsolata" panose="020B0609030003000000" pitchFamily="49" charset="77"/>
+              </a:rPr>
+              <a:t>  </a:t>
+            </a:r>
+          </a:p>
+          <a:p>
+            <a:pPr marL="0" indent="0">
+              <a:buNone/>
+            </a:pPr>
+            <a:r>
+              <a:rPr lang="en-US" sz="2000" b="1" dirty="0">
+                <a:solidFill>
+                  <a:srgbClr val="000087"/>
+                </a:solidFill>
+                <a:latin typeface="Inconsolata" panose="020B0609030003000000" pitchFamily="49" charset="77"/>
+              </a:rPr>
+              <a:t>y + 2 = x		</a:t>
+            </a:r>
+            <a:r>
+              <a:rPr lang="en-US" sz="2000" b="1" dirty="0">
+                <a:solidFill>
+                  <a:schemeClr val="accent1"/>
+                </a:solidFill>
+                <a:latin typeface="Inconsolata" panose="020B0609030003000000" pitchFamily="49" charset="77"/>
+              </a:rPr>
+              <a:t># </a:t>
+            </a:r>
+            <a:r>
+              <a:rPr lang="en-US" sz="2000" b="1" dirty="0" err="1">
+                <a:solidFill>
+                  <a:schemeClr val="accent1"/>
+                </a:solidFill>
+                <a:latin typeface="Inconsolata" panose="020B0609030003000000" pitchFamily="49" charset="77"/>
+              </a:rPr>
+              <a:t>SyntaxError</a:t>
+            </a:r>
+            <a:endParaRPr lang="en-US" sz="2000" b="1" dirty="0">
+              <a:solidFill>
+                <a:srgbClr val="FF6600"/>
+              </a:solidFill>
+              <a:latin typeface="Inconsolata" panose="020B0609030003000000" pitchFamily="49" charset="77"/>
+            </a:endParaRPr>
+          </a:p>
+          <a:p>
+            <a:pPr marL="0" indent="0">
+              <a:buNone/>
+            </a:pPr>
+            <a:endParaRPr lang="en-US" sz="2000" b="1" dirty="0">
+              <a:solidFill>
+                <a:srgbClr val="00B050"/>
+              </a:solidFill>
+              <a:latin typeface="Inconsolata" panose="020B0609030003000000" pitchFamily="49" charset="77"/>
+            </a:endParaRPr>
+          </a:p>
+          <a:p>
+            <a:pPr marL="0" indent="0">
+              <a:buNone/>
+            </a:pPr>
+            <a:endParaRPr lang="en-US" sz="2000" b="1" dirty="0">
+              <a:latin typeface="Inconsolata" panose="020B0609030003000000" pitchFamily="49" charset="77"/>
+            </a:endParaRPr>
+          </a:p>
+          <a:p>
+            <a:pPr marL="0" indent="0">
+              <a:buNone/>
+            </a:pPr>
+            <a:endParaRPr lang="en-US" sz="2000" b="1" dirty="0">
+              <a:latin typeface="Inconsolata" panose="020B0609030003000000" pitchFamily="49" charset="77"/>
+            </a:endParaRPr>
+          </a:p>
+          <a:p>
+            <a:pPr marL="0" indent="0">
+              <a:buNone/>
+            </a:pPr>
+            <a:endParaRPr lang="en-US" sz="1900" b="1" dirty="0">
+              <a:latin typeface="Inconsolata" panose="020B0609030003000000" pitchFamily="49" charset="77"/>
+            </a:endParaRPr>
+          </a:p>
+          <a:p>
+            <a:pPr marL="0" indent="0">
+              <a:buNone/>
+            </a:pPr>
+            <a:endParaRPr lang="en-US" sz="1900" b="1" dirty="0">
+              <a:latin typeface="Inconsolata" panose="020B0609030003000000" pitchFamily="49" charset="77"/>
+            </a:endParaRPr>
+          </a:p>
+          <a:p>
+            <a:pPr marL="0" indent="0">
+              <a:buNone/>
+            </a:pPr>
+            <a:endParaRPr lang="en-US" sz="1900" b="1" dirty="0">
+              <a:latin typeface="Inconsolata" panose="020B0609030003000000" pitchFamily="49" charset="77"/>
+            </a:endParaRPr>
+          </a:p>
+        </p:txBody>
+      </p:sp>
+      <p:sp>
+        <p:nvSpPr>
+          <p:cNvPr id="3" name="Slide Number Placeholder 2">
+            <a:extLst>
+              <a:ext uri="{FF2B5EF4-FFF2-40B4-BE49-F238E27FC236}">
+                <a16:creationId xmlns:a16="http://schemas.microsoft.com/office/drawing/2014/main" id="{D83CB181-6AE6-A743-B2F5-C2EFF9C7B693}"/>
+              </a:ext>
+            </a:extLst>
+          </p:cNvPr>
+          <p:cNvSpPr>
+            <a:spLocks noGrp="1"/>
+          </p:cNvSpPr>
+          <p:nvPr>
+            <p:ph type="sldNum" sz="quarter" idx="12"/>
+          </p:nvPr>
+        </p:nvSpPr>
+        <p:spPr/>
+        <p:txBody>
+          <a:bodyPr/>
+          <a:lstStyle/>
+          <a:p>
+            <a:fld id="{D57F1E4F-1CFF-5643-939E-02111984F565}" type="slidenum">
+              <a:rPr lang="en-US" smtClean="0"/>
+              <a:t>20</a:t>
+            </a:fld>
+            <a:endParaRPr lang="en-US" dirty="0"/>
+          </a:p>
+        </p:txBody>
+      </p:sp>
+    </p:spTree>
+    <p:extLst>
+      <p:ext uri="{BB962C8B-B14F-4D97-AF65-F5344CB8AC3E}">
+        <p14:creationId xmlns:p14="http://schemas.microsoft.com/office/powerpoint/2010/main" val="3764668936"/>
+      </p:ext>
+    </p:extLst>
+  </p:cSld>
+  <p:clrMapOvr>
+    <a:masterClrMapping/>
+  </p:clrMapOvr>
+  <p:timing>
+    <p:tnLst>
+      <p:par>
+        <p:cTn id="1" dur="indefinite" restart="never" nodeType="tmRoot">
+          <p:childTnLst>
+            <p:seq concurrent="1" nextAc="seek">
+              <p:cTn id="2" dur="indefinite" nodeType="mainSeq">
+                <p:childTnLst>
+                  <p:par>
+                    <p:cTn id="3" fill="hold">
+                      <p:stCondLst>
+                        <p:cond delay="indefinite"/>
+                      </p:stCondLst>
+                      <p:childTnLst>
+                        <p:par>
+                          <p:cTn id="4" fill="hold">
+                            <p:stCondLst>
+                              <p:cond delay="0"/>
+                            </p:stCondLst>
+                            <p:childTnLst>
+                              <p:par>
+                                <p:cTn id="5" presetID="1" presetClass="entr" presetSubtype="0" fill="hold" nodeType="clickEffect">
+                                  <p:stCondLst>
+                                    <p:cond delay="0"/>
+                                  </p:stCondLst>
+                                  <p:childTnLst>
+                                    <p:set>
+                                      <p:cBhvr>
+                                        <p:cTn id="6" dur="1" fill="hold">
+                                          <p:stCondLst>
+                                            <p:cond delay="0"/>
+                                          </p:stCondLst>
+                                        </p:cTn>
+                                        <p:tgtEl>
+                                          <p:spTgt spid="9">
+                                            <p:txEl>
+                                              <p:pRg st="2" end="2"/>
+                                            </p:txEl>
+                                          </p:spTgt>
+                                        </p:tgtEl>
+                                        <p:attrNameLst>
+                                          <p:attrName>style.visibility</p:attrName>
+                                        </p:attrNameLst>
+                                      </p:cBhvr>
+                                      <p:to>
+                                        <p:strVal val="visible"/>
+                                      </p:to>
+                                    </p:set>
+                                  </p:childTnLst>
+                                </p:cTn>
+                              </p:par>
+                              <p:par>
+                                <p:cTn id="7" presetID="1" presetClass="entr" presetSubtype="0" fill="hold" nodeType="withEffect">
+                                  <p:stCondLst>
+                                    <p:cond delay="0"/>
+                                  </p:stCondLst>
+                                  <p:childTnLst>
+                                    <p:set>
+                                      <p:cBhvr>
+                                        <p:cTn id="8" dur="1" fill="hold">
+                                          <p:stCondLst>
+                                            <p:cond delay="0"/>
+                                          </p:stCondLst>
+                                        </p:cTn>
+                                        <p:tgtEl>
+                                          <p:spTgt spid="9">
+                                            <p:txEl>
+                                              <p:pRg st="3" end="3"/>
+                                            </p:txEl>
+                                          </p:spTgt>
+                                        </p:tgtEl>
+                                        <p:attrNameLst>
+                                          <p:attrName>style.visibility</p:attrName>
+                                        </p:attrNameLst>
+                                      </p:cBhvr>
+                                      <p:to>
+                                        <p:strVal val="visible"/>
+                                      </p:to>
+                                    </p:set>
+                                  </p:childTnLst>
+                                </p:cTn>
+                              </p:par>
+                              <p:par>
+                                <p:cTn id="9" presetID="1" presetClass="entr" presetSubtype="0" fill="hold" nodeType="withEffect">
+                                  <p:stCondLst>
+                                    <p:cond delay="0"/>
+                                  </p:stCondLst>
+                                  <p:childTnLst>
+                                    <p:set>
+                                      <p:cBhvr>
+                                        <p:cTn id="10" dur="1" fill="hold">
+                                          <p:stCondLst>
+                                            <p:cond delay="0"/>
+                                          </p:stCondLst>
+                                        </p:cTn>
+                                        <p:tgtEl>
+                                          <p:spTgt spid="9">
+                                            <p:txEl>
+                                              <p:pRg st="4" end="4"/>
+                                            </p:txEl>
+                                          </p:spTgt>
+                                        </p:tgtEl>
+                                        <p:attrNameLst>
+                                          <p:attrName>style.visibility</p:attrName>
+                                        </p:attrNameLst>
+                                      </p:cBhvr>
+                                      <p:to>
+                                        <p:strVal val="visible"/>
+                                      </p:to>
+                                    </p:set>
+                                  </p:childTnLst>
+                                </p:cTn>
+                              </p:par>
+                            </p:childTnLst>
+                          </p:cTn>
+                        </p:par>
+                      </p:childTnLst>
+                    </p:cTn>
+                  </p:par>
+                </p:childTnLst>
+              </p:cTn>
+              <p:prevCondLst>
+                <p:cond evt="onPrev" delay="0">
+                  <p:tgtEl>
+                    <p:sldTgt/>
+                  </p:tgtEl>
+                </p:cond>
+              </p:prevCondLst>
+              <p:nextCondLst>
+                <p:cond evt="onNext" delay="0">
+                  <p:tgtEl>
+                    <p:sldTgt/>
+                  </p:tgtEl>
+                </p:cond>
+              </p:nextCondLst>
+            </p:seq>
+          </p:childTnLst>
+        </p:cTn>
+      </p:par>
+    </p:tnLst>
+  </p:timing>
+</p:sld>
+</file>
+
+<file path=ppt/slides/slide21.xml><?xml version="1.0" encoding="utf-8"?>
+<p:sld xmlns:a="http://schemas.openxmlformats.org/drawingml/2006/main" xmlns:r="http://schemas.openxmlformats.org/officeDocument/2006/relationships" xmlns:p="http://schemas.openxmlformats.org/presentationml/2006/main">
+  <p:cSld>
+    <p:spTree>
+      <p:nvGrpSpPr>
+        <p:cNvPr id="1" name=""/>
+        <p:cNvGrpSpPr/>
+        <p:nvPr/>
+      </p:nvGrpSpPr>
+      <p:grpSpPr>
+        <a:xfrm>
+          <a:off x="0" y="0"/>
+          <a:ext cx="0" cy="0"/>
+          <a:chOff x="0" y="0"/>
+          <a:chExt cx="0" cy="0"/>
+        </a:xfrm>
+      </p:grpSpPr>
+      <p:sp>
+        <p:nvSpPr>
+          <p:cNvPr id="2" name="Title 1">
+            <a:extLst>
+              <a:ext uri="{FF2B5EF4-FFF2-40B4-BE49-F238E27FC236}">
+                <a16:creationId xmlns:a16="http://schemas.microsoft.com/office/drawing/2014/main" id="{AA3A228F-61D0-D949-A5E7-F83756230BF8}"/>
+              </a:ext>
+            </a:extLst>
+          </p:cNvPr>
+          <p:cNvSpPr>
+            <a:spLocks noGrp="1"/>
+          </p:cNvSpPr>
+          <p:nvPr>
+            <p:ph type="title"/>
+          </p:nvPr>
+        </p:nvSpPr>
+        <p:spPr>
+          <a:xfrm>
+            <a:off x="118088" y="90509"/>
+            <a:ext cx="7053542" cy="683886"/>
+          </a:xfrm>
+        </p:spPr>
+        <p:txBody>
+          <a:bodyPr/>
+          <a:lstStyle/>
+          <a:p>
+            <a:r>
+              <a:rPr lang="en-US" dirty="0"/>
+              <a:t>Run-time Errors</a:t>
+            </a:r>
+          </a:p>
+        </p:txBody>
+      </p:sp>
+      <p:sp>
+        <p:nvSpPr>
+          <p:cNvPr id="9" name="Content Placeholder 8">
+            <a:extLst>
+              <a:ext uri="{FF2B5EF4-FFF2-40B4-BE49-F238E27FC236}">
+                <a16:creationId xmlns:a16="http://schemas.microsoft.com/office/drawing/2014/main" id="{E3B2E017-30B2-884B-A113-B419A2ED51AD}"/>
+              </a:ext>
+            </a:extLst>
+          </p:cNvPr>
+          <p:cNvSpPr>
+            <a:spLocks noGrp="1"/>
+          </p:cNvSpPr>
+          <p:nvPr>
+            <p:ph idx="1"/>
+          </p:nvPr>
+        </p:nvSpPr>
+        <p:spPr>
+          <a:xfrm>
+            <a:off x="215154" y="774395"/>
+            <a:ext cx="8638390" cy="4765793"/>
+          </a:xfrm>
+        </p:spPr>
+        <p:txBody>
+          <a:bodyPr>
+            <a:noAutofit/>
+          </a:bodyPr>
+          <a:lstStyle/>
+          <a:p>
+            <a:pPr marL="0" indent="0">
+              <a:buNone/>
+            </a:pPr>
+            <a:r>
+              <a:rPr lang="en-US" dirty="0"/>
+              <a:t>A syntactically correct Python program still can have problems. Some language errors depend on the context of the program’s execution. Such errors are called </a:t>
+            </a:r>
+            <a:r>
+              <a:rPr lang="en-US" b="1" dirty="0"/>
+              <a:t>run-time exceptions</a:t>
+            </a:r>
+            <a:r>
+              <a:rPr lang="en-US" i="1" dirty="0"/>
+              <a:t> </a:t>
+            </a:r>
+            <a:r>
+              <a:rPr lang="en-US" dirty="0"/>
+              <a:t>or </a:t>
+            </a:r>
+            <a:r>
+              <a:rPr lang="en-US" b="1" dirty="0"/>
+              <a:t>run-time errors</a:t>
+            </a:r>
+            <a:r>
+              <a:rPr lang="en-US" dirty="0"/>
+              <a:t>. </a:t>
+            </a:r>
+          </a:p>
+          <a:p>
+            <a:pPr marL="0" indent="0">
+              <a:buNone/>
+            </a:pPr>
+            <a:endParaRPr lang="en-US" dirty="0"/>
+          </a:p>
+          <a:p>
+            <a:pPr marL="0" indent="0">
+              <a:buNone/>
+            </a:pPr>
+            <a:r>
+              <a:rPr lang="en-US" dirty="0"/>
+              <a:t>We say the interpreter </a:t>
+            </a:r>
+            <a:r>
+              <a:rPr lang="en-US" b="1" dirty="0"/>
+              <a:t>raises</a:t>
+            </a:r>
+            <a:r>
+              <a:rPr lang="en-US" i="1" dirty="0"/>
+              <a:t> </a:t>
+            </a:r>
+            <a:r>
+              <a:rPr lang="en-US" dirty="0"/>
+              <a:t>an exception. Run-time exceptions arise after the interpreter’s translation phase and during the program’s execution phase. </a:t>
+            </a:r>
+            <a:endParaRPr lang="en-US" sz="2000" dirty="0"/>
+          </a:p>
+          <a:p>
+            <a:pPr marL="0" indent="0">
+              <a:buNone/>
+            </a:pPr>
+            <a:endParaRPr lang="en-US" sz="2000" b="1" dirty="0">
+              <a:solidFill>
+                <a:srgbClr val="000087"/>
+              </a:solidFill>
+              <a:latin typeface="Inconsolata" panose="020B0609030003000000" pitchFamily="49" charset="77"/>
+            </a:endParaRPr>
+          </a:p>
+          <a:p>
+            <a:pPr marL="0" indent="0">
+              <a:buNone/>
+            </a:pPr>
+            <a:r>
+              <a:rPr lang="en-US" sz="2000" b="1" dirty="0">
+                <a:solidFill>
+                  <a:srgbClr val="000087"/>
+                </a:solidFill>
+                <a:latin typeface="Inconsolata" panose="020B0609030003000000" pitchFamily="49" charset="77"/>
+              </a:rPr>
+              <a:t>x </a:t>
+            </a:r>
+            <a:r>
+              <a:rPr lang="en-US" sz="2000" b="1" dirty="0">
+                <a:solidFill>
+                  <a:srgbClr val="545454"/>
+                </a:solidFill>
+                <a:latin typeface="Inconsolata" panose="020B0609030003000000" pitchFamily="49" charset="77"/>
+              </a:rPr>
+              <a:t>= </a:t>
+            </a:r>
+            <a:r>
+              <a:rPr lang="en-US" sz="2000" b="1" dirty="0">
+                <a:solidFill>
+                  <a:srgbClr val="FF6600"/>
+                </a:solidFill>
+                <a:latin typeface="Inconsolata" panose="020B0609030003000000" pitchFamily="49" charset="77"/>
+              </a:rPr>
+              <a:t>3 </a:t>
+            </a:r>
+          </a:p>
+          <a:p>
+            <a:pPr marL="0" indent="0">
+              <a:buNone/>
+            </a:pPr>
+            <a:r>
+              <a:rPr lang="en-US" sz="2000" b="1" dirty="0">
+                <a:solidFill>
+                  <a:srgbClr val="000087"/>
+                </a:solidFill>
+                <a:latin typeface="Inconsolata" panose="020B0609030003000000" pitchFamily="49" charset="77"/>
+              </a:rPr>
+              <a:t>y = x + 5 </a:t>
+            </a:r>
+            <a:r>
+              <a:rPr lang="en-US" sz="2000" b="1" dirty="0">
+                <a:solidFill>
+                  <a:srgbClr val="FF6600"/>
+                </a:solidFill>
+                <a:latin typeface="Inconsolata" panose="020B0609030003000000" pitchFamily="49" charset="77"/>
+              </a:rPr>
+              <a:t>  </a:t>
+            </a:r>
+          </a:p>
+          <a:p>
+            <a:pPr marL="0" indent="0">
+              <a:buNone/>
+            </a:pPr>
+            <a:r>
+              <a:rPr lang="en-US" sz="2000" b="1" dirty="0">
+                <a:solidFill>
+                  <a:srgbClr val="000087"/>
+                </a:solidFill>
+                <a:latin typeface="Inconsolata" panose="020B0609030003000000" pitchFamily="49" charset="77"/>
+              </a:rPr>
+              <a:t>y = w + 1		</a:t>
+            </a:r>
+            <a:r>
+              <a:rPr lang="en-US" sz="2000" b="1" dirty="0">
+                <a:solidFill>
+                  <a:schemeClr val="accent1"/>
+                </a:solidFill>
+                <a:latin typeface="Inconsolata" panose="020B0609030003000000" pitchFamily="49" charset="77"/>
+              </a:rPr>
+              <a:t># Syntactically correct but raises a run-time 				# error: "name w is not defined"</a:t>
+            </a:r>
+            <a:r>
+              <a:rPr lang="en-US" sz="2000" b="1" dirty="0">
+                <a:solidFill>
+                  <a:srgbClr val="FF6600"/>
+                </a:solidFill>
+                <a:latin typeface="Inconsolata" panose="020B0609030003000000" pitchFamily="49" charset="77"/>
+              </a:rPr>
+              <a:t>  </a:t>
+            </a:r>
+          </a:p>
+          <a:p>
+            <a:pPr marL="0" indent="0">
+              <a:buNone/>
+            </a:pPr>
+            <a:endParaRPr lang="en-US" sz="2000" b="1" dirty="0">
+              <a:solidFill>
+                <a:srgbClr val="00B050"/>
+              </a:solidFill>
+              <a:latin typeface="Inconsolata" panose="020B0609030003000000" pitchFamily="49" charset="77"/>
+            </a:endParaRPr>
+          </a:p>
+          <a:p>
+            <a:pPr marL="0" indent="0">
+              <a:buNone/>
+            </a:pPr>
+            <a:endParaRPr lang="en-US" sz="2000" b="1" dirty="0">
+              <a:latin typeface="Inconsolata" panose="020B0609030003000000" pitchFamily="49" charset="77"/>
+            </a:endParaRPr>
+          </a:p>
+          <a:p>
+            <a:pPr marL="0" indent="0">
+              <a:buNone/>
+            </a:pPr>
+            <a:endParaRPr lang="en-US" sz="2000" b="1" dirty="0">
+              <a:latin typeface="Inconsolata" panose="020B0609030003000000" pitchFamily="49" charset="77"/>
+            </a:endParaRPr>
+          </a:p>
+          <a:p>
+            <a:pPr marL="0" indent="0">
+              <a:buNone/>
+            </a:pPr>
+            <a:endParaRPr lang="en-US" sz="1900" b="1" dirty="0">
+              <a:latin typeface="Inconsolata" panose="020B0609030003000000" pitchFamily="49" charset="77"/>
+            </a:endParaRPr>
+          </a:p>
+          <a:p>
+            <a:pPr marL="0" indent="0">
+              <a:buNone/>
+            </a:pPr>
+            <a:endParaRPr lang="en-US" sz="1900" b="1" dirty="0">
+              <a:latin typeface="Inconsolata" panose="020B0609030003000000" pitchFamily="49" charset="77"/>
+            </a:endParaRPr>
+          </a:p>
+          <a:p>
+            <a:pPr marL="0" indent="0">
+              <a:buNone/>
+            </a:pPr>
+            <a:endParaRPr lang="en-US" sz="1900" b="1" dirty="0">
+              <a:latin typeface="Inconsolata" panose="020B0609030003000000" pitchFamily="49" charset="77"/>
+            </a:endParaRPr>
+          </a:p>
+        </p:txBody>
+      </p:sp>
+      <p:sp>
+        <p:nvSpPr>
+          <p:cNvPr id="3" name="Slide Number Placeholder 2">
+            <a:extLst>
+              <a:ext uri="{FF2B5EF4-FFF2-40B4-BE49-F238E27FC236}">
+                <a16:creationId xmlns:a16="http://schemas.microsoft.com/office/drawing/2014/main" id="{D83CB181-6AE6-A743-B2F5-C2EFF9C7B693}"/>
+              </a:ext>
+            </a:extLst>
+          </p:cNvPr>
+          <p:cNvSpPr>
+            <a:spLocks noGrp="1"/>
+          </p:cNvSpPr>
+          <p:nvPr>
+            <p:ph type="sldNum" sz="quarter" idx="12"/>
+          </p:nvPr>
+        </p:nvSpPr>
+        <p:spPr/>
+        <p:txBody>
+          <a:bodyPr/>
+          <a:lstStyle/>
+          <a:p>
+            <a:fld id="{D57F1E4F-1CFF-5643-939E-02111984F565}" type="slidenum">
+              <a:rPr lang="en-US" smtClean="0"/>
+              <a:t>21</a:t>
+            </a:fld>
+            <a:endParaRPr lang="en-US" dirty="0"/>
+          </a:p>
+        </p:txBody>
+      </p:sp>
+    </p:spTree>
+    <p:extLst>
+      <p:ext uri="{BB962C8B-B14F-4D97-AF65-F5344CB8AC3E}">
+        <p14:creationId xmlns:p14="http://schemas.microsoft.com/office/powerpoint/2010/main" val="4041063263"/>
+      </p:ext>
+    </p:extLst>
+  </p:cSld>
+  <p:clrMapOvr>
+    <a:masterClrMapping/>
+  </p:clrMapOvr>
+  <p:timing>
+    <p:tnLst>
+      <p:par>
+        <p:cTn id="1" dur="indefinite" restart="never" nodeType="tmRoot">
+          <p:childTnLst>
+            <p:seq concurrent="1" nextAc="seek">
+              <p:cTn id="2" dur="indefinite" nodeType="mainSeq">
+                <p:childTnLst>
+                  <p:par>
+                    <p:cTn id="3" fill="hold">
+                      <p:stCondLst>
+                        <p:cond delay="indefinite"/>
+                      </p:stCondLst>
+                      <p:childTnLst>
+                        <p:par>
+                          <p:cTn id="4" fill="hold">
+                            <p:stCondLst>
+                              <p:cond delay="0"/>
+                            </p:stCondLst>
+                            <p:childTnLst>
+                              <p:par>
+                                <p:cTn id="5" presetID="1" presetClass="entr" presetSubtype="0" fill="hold" nodeType="clickEffect">
+                                  <p:stCondLst>
+                                    <p:cond delay="0"/>
+                                  </p:stCondLst>
+                                  <p:childTnLst>
+                                    <p:set>
+                                      <p:cBhvr>
+                                        <p:cTn id="6" dur="1" fill="hold">
+                                          <p:stCondLst>
+                                            <p:cond delay="0"/>
+                                          </p:stCondLst>
+                                        </p:cTn>
+                                        <p:tgtEl>
+                                          <p:spTgt spid="9">
+                                            <p:txEl>
+                                              <p:pRg st="2" end="2"/>
+                                            </p:txEl>
+                                          </p:spTgt>
+                                        </p:tgtEl>
+                                        <p:attrNameLst>
+                                          <p:attrName>style.visibility</p:attrName>
+                                        </p:attrNameLst>
+                                      </p:cBhvr>
+                                      <p:to>
+                                        <p:strVal val="visible"/>
+                                      </p:to>
+                                    </p:set>
+                                  </p:childTnLst>
+                                </p:cTn>
+                              </p:par>
+                            </p:childTnLst>
+                          </p:cTn>
+                        </p:par>
+                      </p:childTnLst>
+                    </p:cTn>
+                  </p:par>
+                  <p:par>
+                    <p:cTn id="7" fill="hold">
+                      <p:stCondLst>
+                        <p:cond delay="indefinite"/>
+                      </p:stCondLst>
+                      <p:childTnLst>
+                        <p:par>
+                          <p:cTn id="8" fill="hold">
+                            <p:stCondLst>
+                              <p:cond delay="0"/>
+                            </p:stCondLst>
+                            <p:childTnLst>
+                              <p:par>
+                                <p:cTn id="9" presetID="1" presetClass="entr" presetSubtype="0" fill="hold" nodeType="clickEffect">
+                                  <p:stCondLst>
+                                    <p:cond delay="0"/>
+                                  </p:stCondLst>
+                                  <p:childTnLst>
+                                    <p:set>
+                                      <p:cBhvr>
+                                        <p:cTn id="10" dur="1" fill="hold">
+                                          <p:stCondLst>
+                                            <p:cond delay="0"/>
+                                          </p:stCondLst>
+                                        </p:cTn>
+                                        <p:tgtEl>
+                                          <p:spTgt spid="9">
+                                            <p:txEl>
+                                              <p:pRg st="4" end="4"/>
+                                            </p:txEl>
+                                          </p:spTgt>
+                                        </p:tgtEl>
+                                        <p:attrNameLst>
+                                          <p:attrName>style.visibility</p:attrName>
+                                        </p:attrNameLst>
+                                      </p:cBhvr>
+                                      <p:to>
+                                        <p:strVal val="visible"/>
+                                      </p:to>
+                                    </p:set>
+                                  </p:childTnLst>
+                                </p:cTn>
+                              </p:par>
+                              <p:par>
+                                <p:cTn id="11" presetID="1" presetClass="entr" presetSubtype="0" fill="hold" nodeType="withEffect">
+                                  <p:stCondLst>
+                                    <p:cond delay="0"/>
+                                  </p:stCondLst>
+                                  <p:childTnLst>
+                                    <p:set>
+                                      <p:cBhvr>
+                                        <p:cTn id="12" dur="1" fill="hold">
+                                          <p:stCondLst>
+                                            <p:cond delay="0"/>
+                                          </p:stCondLst>
+                                        </p:cTn>
+                                        <p:tgtEl>
+                                          <p:spTgt spid="9">
+                                            <p:txEl>
+                                              <p:pRg st="5" end="5"/>
+                                            </p:txEl>
+                                          </p:spTgt>
+                                        </p:tgtEl>
+                                        <p:attrNameLst>
+                                          <p:attrName>style.visibility</p:attrName>
+                                        </p:attrNameLst>
+                                      </p:cBhvr>
+                                      <p:to>
+                                        <p:strVal val="visible"/>
+                                      </p:to>
+                                    </p:set>
+                                  </p:childTnLst>
+                                </p:cTn>
+                              </p:par>
+                              <p:par>
+                                <p:cTn id="13" presetID="1" presetClass="entr" presetSubtype="0" fill="hold" nodeType="withEffect">
+                                  <p:stCondLst>
+                                    <p:cond delay="0"/>
+                                  </p:stCondLst>
+                                  <p:childTnLst>
+                                    <p:set>
+                                      <p:cBhvr>
+                                        <p:cTn id="14" dur="1" fill="hold">
+                                          <p:stCondLst>
+                                            <p:cond delay="0"/>
+                                          </p:stCondLst>
+                                        </p:cTn>
+                                        <p:tgtEl>
+                                          <p:spTgt spid="9">
+                                            <p:txEl>
+                                              <p:pRg st="6" end="6"/>
+                                            </p:txEl>
+                                          </p:spTgt>
+                                        </p:tgtEl>
+                                        <p:attrNameLst>
+                                          <p:attrName>style.visibility</p:attrName>
+                                        </p:attrNameLst>
+                                      </p:cBhvr>
+                                      <p:to>
+                                        <p:strVal val="visible"/>
+                                      </p:to>
+                                    </p:set>
+                                  </p:childTnLst>
+                                </p:cTn>
+                              </p:par>
+                            </p:childTnLst>
+                          </p:cTn>
+                        </p:par>
+                      </p:childTnLst>
+                    </p:cTn>
+                  </p:par>
+                </p:childTnLst>
+              </p:cTn>
+              <p:prevCondLst>
+                <p:cond evt="onPrev" delay="0">
+                  <p:tgtEl>
+                    <p:sldTgt/>
+                  </p:tgtEl>
+                </p:cond>
+              </p:prevCondLst>
+              <p:nextCondLst>
+                <p:cond evt="onNext" delay="0">
+                  <p:tgtEl>
+                    <p:sldTgt/>
+                  </p:tgtEl>
+                </p:cond>
+              </p:nextCondLst>
+            </p:seq>
+          </p:childTnLst>
+        </p:cTn>
+      </p:par>
+    </p:tnLst>
+  </p:timing>
+</p:sld>
+</file>
+
+<file path=ppt/slides/slide22.xml><?xml version="1.0" encoding="utf-8"?>
+<p:sld xmlns:a="http://schemas.openxmlformats.org/drawingml/2006/main" xmlns:r="http://schemas.openxmlformats.org/officeDocument/2006/relationships" xmlns:p="http://schemas.openxmlformats.org/presentationml/2006/main">
+  <p:cSld>
+    <p:spTree>
+      <p:nvGrpSpPr>
+        <p:cNvPr id="1" name=""/>
+        <p:cNvGrpSpPr/>
+        <p:nvPr/>
+      </p:nvGrpSpPr>
+      <p:grpSpPr>
+        <a:xfrm>
+          <a:off x="0" y="0"/>
+          <a:ext cx="0" cy="0"/>
+          <a:chOff x="0" y="0"/>
+          <a:chExt cx="0" cy="0"/>
+        </a:xfrm>
+      </p:grpSpPr>
+      <p:sp>
+        <p:nvSpPr>
+          <p:cNvPr id="2" name="Title 1">
+            <a:extLst>
+              <a:ext uri="{FF2B5EF4-FFF2-40B4-BE49-F238E27FC236}">
+                <a16:creationId xmlns:a16="http://schemas.microsoft.com/office/drawing/2014/main" id="{AA3A228F-61D0-D949-A5E7-F83756230BF8}"/>
+              </a:ext>
+            </a:extLst>
+          </p:cNvPr>
+          <p:cNvSpPr>
+            <a:spLocks noGrp="1"/>
+          </p:cNvSpPr>
+          <p:nvPr>
+            <p:ph type="title"/>
+          </p:nvPr>
+        </p:nvSpPr>
+        <p:spPr>
+          <a:xfrm>
+            <a:off x="118088" y="90509"/>
+            <a:ext cx="7053542" cy="683886"/>
+          </a:xfrm>
+        </p:spPr>
+        <p:txBody>
+          <a:bodyPr/>
+          <a:lstStyle/>
+          <a:p>
+            <a:r>
+              <a:rPr lang="en-US" dirty="0"/>
+              <a:t>Run-time Errors</a:t>
+            </a:r>
+          </a:p>
+        </p:txBody>
+      </p:sp>
+      <p:sp>
+        <p:nvSpPr>
+          <p:cNvPr id="9" name="Content Placeholder 8">
+            <a:extLst>
+              <a:ext uri="{FF2B5EF4-FFF2-40B4-BE49-F238E27FC236}">
+                <a16:creationId xmlns:a16="http://schemas.microsoft.com/office/drawing/2014/main" id="{E3B2E017-30B2-884B-A113-B419A2ED51AD}"/>
+              </a:ext>
+            </a:extLst>
+          </p:cNvPr>
+          <p:cNvSpPr>
+            <a:spLocks noGrp="1"/>
+          </p:cNvSpPr>
+          <p:nvPr>
+            <p:ph idx="1"/>
+          </p:nvPr>
+        </p:nvSpPr>
+        <p:spPr>
+          <a:xfrm>
+            <a:off x="215154" y="774395"/>
+            <a:ext cx="8810758" cy="4826835"/>
+          </a:xfrm>
+        </p:spPr>
+        <p:txBody>
+          <a:bodyPr>
+            <a:noAutofit/>
+          </a:bodyPr>
+          <a:lstStyle/>
+          <a:p>
+            <a:pPr marL="0" indent="0">
+              <a:buNone/>
+            </a:pPr>
+            <a:r>
+              <a:rPr lang="en-US" dirty="0"/>
+              <a:t>Here's another example of a run-time error. </a:t>
+            </a:r>
+            <a:endParaRPr lang="en-US" sz="2000" dirty="0"/>
+          </a:p>
+          <a:p>
+            <a:pPr marL="0" indent="0">
+              <a:buNone/>
+            </a:pPr>
+            <a:r>
+              <a:rPr lang="en-US" b="1" dirty="0">
+                <a:solidFill>
+                  <a:schemeClr val="accent1"/>
+                </a:solidFill>
+                <a:latin typeface="INCONSOLATA" panose="020B0609030003000000" pitchFamily="49" charset="77"/>
+              </a:rPr>
+              <a:t># Get two integers from the user </a:t>
+            </a:r>
+          </a:p>
+          <a:p>
+            <a:pPr marL="0" indent="0">
+              <a:buNone/>
+            </a:pPr>
+            <a:r>
+              <a:rPr lang="en-US" b="1" dirty="0">
+                <a:latin typeface="INCONSOLATA" panose="020B0609030003000000" pitchFamily="49" charset="77"/>
+              </a:rPr>
+              <a:t>print(</a:t>
+            </a:r>
+            <a:r>
+              <a:rPr lang="en-US" b="1" dirty="0">
+                <a:solidFill>
+                  <a:srgbClr val="FF0000"/>
+                </a:solidFill>
+                <a:latin typeface="INCONSOLATA" panose="020B0609030003000000" pitchFamily="49" charset="77"/>
+              </a:rPr>
+              <a:t>'Please enter two numbers to divide.'</a:t>
+            </a:r>
+            <a:r>
+              <a:rPr lang="en-US" b="1" dirty="0">
+                <a:latin typeface="INCONSOLATA" panose="020B0609030003000000" pitchFamily="49" charset="77"/>
+              </a:rPr>
+              <a:t>) </a:t>
+            </a:r>
+          </a:p>
+          <a:p>
+            <a:pPr marL="0" indent="0">
+              <a:buNone/>
+            </a:pPr>
+            <a:r>
+              <a:rPr lang="en-US" b="1" dirty="0">
+                <a:latin typeface="INCONSOLATA" panose="020B0609030003000000" pitchFamily="49" charset="77"/>
+              </a:rPr>
+              <a:t>dividend = int(input(</a:t>
+            </a:r>
+            <a:r>
+              <a:rPr lang="en-US" b="1" dirty="0">
+                <a:solidFill>
+                  <a:srgbClr val="FF0000"/>
+                </a:solidFill>
+                <a:latin typeface="INCONSOLATA" panose="020B0609030003000000" pitchFamily="49" charset="77"/>
+              </a:rPr>
+              <a:t>'Please enter the dividend: '</a:t>
+            </a:r>
+            <a:r>
+              <a:rPr lang="en-US" b="1" dirty="0">
+                <a:latin typeface="INCONSOLATA" panose="020B0609030003000000" pitchFamily="49" charset="77"/>
+              </a:rPr>
+              <a:t>)) </a:t>
+            </a:r>
+          </a:p>
+          <a:p>
+            <a:pPr marL="0" indent="0">
+              <a:buNone/>
+            </a:pPr>
+            <a:r>
+              <a:rPr lang="en-US" b="1" dirty="0">
+                <a:latin typeface="INCONSOLATA" panose="020B0609030003000000" pitchFamily="49" charset="77"/>
+              </a:rPr>
+              <a:t>divisor = int(input(</a:t>
+            </a:r>
+            <a:r>
+              <a:rPr lang="en-US" b="1" dirty="0">
+                <a:solidFill>
+                  <a:srgbClr val="FF0000"/>
+                </a:solidFill>
+                <a:latin typeface="INCONSOLATA" panose="020B0609030003000000" pitchFamily="49" charset="77"/>
+              </a:rPr>
+              <a:t>'Please enter the divisor: '</a:t>
+            </a:r>
+            <a:r>
+              <a:rPr lang="en-US" b="1" dirty="0">
+                <a:latin typeface="INCONSOLATA" panose="020B0609030003000000" pitchFamily="49" charset="77"/>
+              </a:rPr>
+              <a:t>)) </a:t>
+            </a:r>
+          </a:p>
+          <a:p>
+            <a:pPr marL="0" indent="0">
+              <a:buNone/>
+            </a:pPr>
+            <a:r>
+              <a:rPr lang="en-US" b="1" dirty="0">
+                <a:solidFill>
+                  <a:schemeClr val="accent1"/>
+                </a:solidFill>
+                <a:latin typeface="INCONSOLATA" panose="020B0609030003000000" pitchFamily="49" charset="77"/>
+              </a:rPr>
+              <a:t># Divide them and report the result </a:t>
+            </a:r>
+          </a:p>
+          <a:p>
+            <a:pPr marL="0" indent="0">
+              <a:buNone/>
+            </a:pPr>
+            <a:r>
+              <a:rPr lang="en-US" b="1" dirty="0">
+                <a:latin typeface="INCONSOLATA" panose="020B0609030003000000" pitchFamily="49" charset="77"/>
+              </a:rPr>
+              <a:t>print(dividend, </a:t>
+            </a:r>
+            <a:r>
+              <a:rPr lang="en-US" b="1" dirty="0">
+                <a:solidFill>
+                  <a:srgbClr val="FF0000"/>
+                </a:solidFill>
+                <a:latin typeface="INCONSOLATA" panose="020B0609030003000000" pitchFamily="49" charset="77"/>
+              </a:rPr>
+              <a:t>'/'</a:t>
+            </a:r>
+            <a:r>
+              <a:rPr lang="en-US" b="1" dirty="0">
+                <a:latin typeface="INCONSOLATA" panose="020B0609030003000000" pitchFamily="49" charset="77"/>
+              </a:rPr>
+              <a:t>, divisor, </a:t>
+            </a:r>
+            <a:r>
+              <a:rPr lang="en-US" b="1" dirty="0">
+                <a:solidFill>
+                  <a:srgbClr val="FF0000"/>
+                </a:solidFill>
+                <a:latin typeface="INCONSOLATA" panose="020B0609030003000000" pitchFamily="49" charset="77"/>
+              </a:rPr>
+              <a:t>"="</a:t>
+            </a:r>
+            <a:r>
+              <a:rPr lang="en-US" b="1" dirty="0">
+                <a:latin typeface="INCONSOLATA" panose="020B0609030003000000" pitchFamily="49" charset="77"/>
+              </a:rPr>
+              <a:t>, dividend/divisor)</a:t>
+            </a:r>
+          </a:p>
+          <a:p>
+            <a:pPr marL="0" indent="0">
+              <a:buNone/>
+            </a:pPr>
+            <a:endParaRPr lang="en-US" b="1" dirty="0">
+              <a:latin typeface="INCONSOLATA" panose="020B0609030003000000" pitchFamily="49" charset="77"/>
+            </a:endParaRPr>
+          </a:p>
+          <a:p>
+            <a:pPr marL="0" indent="0">
+              <a:buNone/>
+            </a:pPr>
+            <a:r>
+              <a:rPr lang="en-US" dirty="0"/>
+              <a:t>The expression dividend/divisor is potentially dangerous. If the user enters, for example, 32 and 4, the program works nicely. </a:t>
+            </a:r>
+          </a:p>
+          <a:p>
+            <a:pPr marL="0" indent="0">
+              <a:buNone/>
+            </a:pPr>
+            <a:r>
+              <a:rPr lang="en-US" dirty="0"/>
+              <a:t>If the user instead types the numbers 32 and 0, the program reports an error and terminates. Division by zero is undefined in mathematics, and division by zero in Python is illegal. </a:t>
+            </a:r>
+          </a:p>
+          <a:p>
+            <a:pPr marL="0" indent="0">
+              <a:buNone/>
+            </a:pPr>
+            <a:endParaRPr lang="en-US" dirty="0"/>
+          </a:p>
+          <a:p>
+            <a:pPr marL="0" indent="0">
+              <a:buNone/>
+            </a:pPr>
+            <a:endParaRPr lang="en-US" dirty="0"/>
+          </a:p>
+          <a:p>
+            <a:pPr marL="0" indent="0">
+              <a:buNone/>
+            </a:pPr>
+            <a:r>
+              <a:rPr lang="en-US" b="1" dirty="0">
+                <a:latin typeface="INCONSOLATA" panose="020B0609030003000000" pitchFamily="49" charset="77"/>
+              </a:rPr>
+              <a:t> </a:t>
+            </a:r>
+            <a:endParaRPr lang="en-US" sz="2000" b="1" dirty="0">
+              <a:latin typeface="INCONSOLATA" panose="020B0609030003000000" pitchFamily="49" charset="77"/>
+            </a:endParaRPr>
+          </a:p>
+          <a:p>
+            <a:pPr marL="0" indent="0">
+              <a:buNone/>
+            </a:pPr>
+            <a:endParaRPr lang="en-US" sz="2000" b="1" dirty="0">
+              <a:solidFill>
+                <a:srgbClr val="000087"/>
+              </a:solidFill>
+              <a:latin typeface="INCONSOLATA" panose="020B0609030003000000" pitchFamily="49" charset="77"/>
+            </a:endParaRPr>
+          </a:p>
+          <a:p>
+            <a:pPr marL="0" indent="0">
+              <a:buNone/>
+            </a:pPr>
+            <a:endParaRPr lang="en-US" sz="2000" b="1" dirty="0">
+              <a:solidFill>
+                <a:srgbClr val="00B050"/>
+              </a:solidFill>
+              <a:latin typeface="Inconsolata" panose="020B0609030003000000" pitchFamily="49" charset="77"/>
+            </a:endParaRPr>
+          </a:p>
+          <a:p>
+            <a:pPr marL="0" indent="0">
+              <a:buNone/>
+            </a:pPr>
+            <a:endParaRPr lang="en-US" sz="2000" b="1" dirty="0">
+              <a:latin typeface="Inconsolata" panose="020B0609030003000000" pitchFamily="49" charset="77"/>
+            </a:endParaRPr>
+          </a:p>
+          <a:p>
+            <a:pPr marL="0" indent="0">
+              <a:buNone/>
+            </a:pPr>
+            <a:endParaRPr lang="en-US" sz="2000" b="1" dirty="0">
+              <a:latin typeface="Inconsolata" panose="020B0609030003000000" pitchFamily="49" charset="77"/>
+            </a:endParaRPr>
+          </a:p>
+          <a:p>
+            <a:pPr marL="0" indent="0">
+              <a:buNone/>
+            </a:pPr>
+            <a:endParaRPr lang="en-US" sz="1900" b="1" dirty="0">
+              <a:latin typeface="Inconsolata" panose="020B0609030003000000" pitchFamily="49" charset="77"/>
+            </a:endParaRPr>
+          </a:p>
+          <a:p>
+            <a:pPr marL="0" indent="0">
+              <a:buNone/>
+            </a:pPr>
+            <a:endParaRPr lang="en-US" sz="1900" b="1" dirty="0">
+              <a:latin typeface="Inconsolata" panose="020B0609030003000000" pitchFamily="49" charset="77"/>
+            </a:endParaRPr>
+          </a:p>
+          <a:p>
+            <a:pPr marL="0" indent="0">
+              <a:buNone/>
+            </a:pPr>
+            <a:endParaRPr lang="en-US" sz="1900" b="1" dirty="0">
+              <a:latin typeface="Inconsolata" panose="020B0609030003000000" pitchFamily="49" charset="77"/>
+            </a:endParaRPr>
+          </a:p>
+        </p:txBody>
+      </p:sp>
+      <p:sp>
+        <p:nvSpPr>
+          <p:cNvPr id="3" name="Slide Number Placeholder 2">
+            <a:extLst>
+              <a:ext uri="{FF2B5EF4-FFF2-40B4-BE49-F238E27FC236}">
+                <a16:creationId xmlns:a16="http://schemas.microsoft.com/office/drawing/2014/main" id="{D83CB181-6AE6-A743-B2F5-C2EFF9C7B693}"/>
+              </a:ext>
+            </a:extLst>
+          </p:cNvPr>
+          <p:cNvSpPr>
+            <a:spLocks noGrp="1"/>
+          </p:cNvSpPr>
+          <p:nvPr>
+            <p:ph type="sldNum" sz="quarter" idx="12"/>
+          </p:nvPr>
+        </p:nvSpPr>
+        <p:spPr/>
+        <p:txBody>
+          <a:bodyPr/>
+          <a:lstStyle/>
+          <a:p>
+            <a:fld id="{D57F1E4F-1CFF-5643-939E-02111984F565}" type="slidenum">
+              <a:rPr lang="en-US" smtClean="0"/>
+              <a:t>22</a:t>
+            </a:fld>
+            <a:endParaRPr lang="en-US" dirty="0"/>
+          </a:p>
+        </p:txBody>
+      </p:sp>
+    </p:spTree>
+    <p:extLst>
+      <p:ext uri="{BB962C8B-B14F-4D97-AF65-F5344CB8AC3E}">
+        <p14:creationId xmlns:p14="http://schemas.microsoft.com/office/powerpoint/2010/main" val="2335195335"/>
+      </p:ext>
+    </p:extLst>
+  </p:cSld>
+  <p:clrMapOvr>
+    <a:masterClrMapping/>
+  </p:clrMapOvr>
+  <p:timing>
+    <p:tnLst>
+      <p:par>
+        <p:cTn id="1" dur="indefinite" restart="never" nodeType="tmRoot">
+          <p:childTnLst>
+            <p:seq concurrent="1" nextAc="seek">
+              <p:cTn id="2" dur="indefinite" nodeType="mainSeq">
+                <p:childTnLst>
+                  <p:par>
+                    <p:cTn id="3" fill="hold">
+                      <p:stCondLst>
+                        <p:cond delay="indefinite"/>
+                      </p:stCondLst>
+                      <p:childTnLst>
+                        <p:par>
+                          <p:cTn id="4" fill="hold">
+                            <p:stCondLst>
+                              <p:cond delay="0"/>
+                            </p:stCondLst>
+                            <p:childTnLst>
+                              <p:par>
+                                <p:cTn id="5" presetID="1" presetClass="entr" presetSubtype="0" fill="hold" nodeType="clickEffect">
+                                  <p:stCondLst>
+                                    <p:cond delay="0"/>
+                                  </p:stCondLst>
+                                  <p:childTnLst>
+                                    <p:set>
+                                      <p:cBhvr>
+                                        <p:cTn id="6" dur="1" fill="hold">
+                                          <p:stCondLst>
+                                            <p:cond delay="0"/>
+                                          </p:stCondLst>
+                                        </p:cTn>
+                                        <p:tgtEl>
+                                          <p:spTgt spid="9">
+                                            <p:txEl>
+                                              <p:pRg st="8" end="8"/>
+                                            </p:txEl>
+                                          </p:spTgt>
+                                        </p:tgtEl>
+                                        <p:attrNameLst>
+                                          <p:attrName>style.visibility</p:attrName>
+                                        </p:attrNameLst>
+                                      </p:cBhvr>
+                                      <p:to>
+                                        <p:strVal val="visible"/>
+                                      </p:to>
+                                    </p:set>
+                                  </p:childTnLst>
+                                </p:cTn>
+                              </p:par>
+                            </p:childTnLst>
+                          </p:cTn>
+                        </p:par>
+                      </p:childTnLst>
+                    </p:cTn>
+                  </p:par>
+                  <p:par>
+                    <p:cTn id="7" fill="hold">
+                      <p:stCondLst>
+                        <p:cond delay="indefinite"/>
+                      </p:stCondLst>
+                      <p:childTnLst>
+                        <p:par>
+                          <p:cTn id="8" fill="hold">
+                            <p:stCondLst>
+                              <p:cond delay="0"/>
+                            </p:stCondLst>
+                            <p:childTnLst>
+                              <p:par>
+                                <p:cTn id="9" presetID="1" presetClass="entr" presetSubtype="0" fill="hold" nodeType="clickEffect">
+                                  <p:stCondLst>
+                                    <p:cond delay="0"/>
+                                  </p:stCondLst>
+                                  <p:childTnLst>
+                                    <p:set>
+                                      <p:cBhvr>
+                                        <p:cTn id="10" dur="1" fill="hold">
+                                          <p:stCondLst>
+                                            <p:cond delay="0"/>
+                                          </p:stCondLst>
+                                        </p:cTn>
+                                        <p:tgtEl>
+                                          <p:spTgt spid="9">
+                                            <p:txEl>
+                                              <p:pRg st="9" end="9"/>
+                                            </p:txEl>
+                                          </p:spTgt>
+                                        </p:tgtEl>
+                                        <p:attrNameLst>
+                                          <p:attrName>style.visibility</p:attrName>
+                                        </p:attrNameLst>
+                                      </p:cBhvr>
+                                      <p:to>
+                                        <p:strVal val="visible"/>
+                                      </p:to>
+                                    </p:set>
+                                  </p:childTnLst>
+                                </p:cTn>
+                              </p:par>
+                            </p:childTnLst>
+                          </p:cTn>
+                        </p:par>
+                      </p:childTnLst>
+                    </p:cTn>
+                  </p:par>
+                </p:childTnLst>
+              </p:cTn>
+              <p:prevCondLst>
+                <p:cond evt="onPrev" delay="0">
+                  <p:tgtEl>
+                    <p:sldTgt/>
+                  </p:tgtEl>
+                </p:cond>
+              </p:prevCondLst>
+              <p:nextCondLst>
+                <p:cond evt="onNext" delay="0">
+                  <p:tgtEl>
+                    <p:sldTgt/>
+                  </p:tgtEl>
+                </p:cond>
+              </p:nextCondLst>
+            </p:seq>
+          </p:childTnLst>
+        </p:cTn>
+      </p:par>
+    </p:tnLst>
+  </p:timing>
+</p:sld>
+</file>
+
+<file path=ppt/slides/slide23.xml><?xml version="1.0" encoding="utf-8"?>
+<p:sld xmlns:a="http://schemas.openxmlformats.org/drawingml/2006/main" xmlns:r="http://schemas.openxmlformats.org/officeDocument/2006/relationships" xmlns:p="http://schemas.openxmlformats.org/presentationml/2006/main">
+  <p:cSld>
+    <p:spTree>
+      <p:nvGrpSpPr>
+        <p:cNvPr id="1" name=""/>
+        <p:cNvGrpSpPr/>
+        <p:nvPr/>
+      </p:nvGrpSpPr>
+      <p:grpSpPr>
+        <a:xfrm>
+          <a:off x="0" y="0"/>
+          <a:ext cx="0" cy="0"/>
+          <a:chOff x="0" y="0"/>
+          <a:chExt cx="0" cy="0"/>
+        </a:xfrm>
+      </p:grpSpPr>
+      <p:sp>
+        <p:nvSpPr>
+          <p:cNvPr id="2" name="Title 1">
+            <a:extLst>
+              <a:ext uri="{FF2B5EF4-FFF2-40B4-BE49-F238E27FC236}">
+                <a16:creationId xmlns:a16="http://schemas.microsoft.com/office/drawing/2014/main" id="{AA3A228F-61D0-D949-A5E7-F83756230BF8}"/>
+              </a:ext>
+            </a:extLst>
+          </p:cNvPr>
+          <p:cNvSpPr>
+            <a:spLocks noGrp="1"/>
+          </p:cNvSpPr>
+          <p:nvPr>
+            <p:ph type="title"/>
+          </p:nvPr>
+        </p:nvSpPr>
+        <p:spPr>
+          <a:xfrm>
+            <a:off x="118088" y="90509"/>
+            <a:ext cx="7053542" cy="683886"/>
+          </a:xfrm>
+        </p:spPr>
+        <p:txBody>
+          <a:bodyPr/>
+          <a:lstStyle/>
+          <a:p>
+            <a:r>
+              <a:rPr lang="en-US" dirty="0"/>
+              <a:t>Run-time Errors</a:t>
+            </a:r>
+          </a:p>
+        </p:txBody>
+      </p:sp>
+      <p:sp>
+        <p:nvSpPr>
+          <p:cNvPr id="9" name="Content Placeholder 8">
+            <a:extLst>
+              <a:ext uri="{FF2B5EF4-FFF2-40B4-BE49-F238E27FC236}">
+                <a16:creationId xmlns:a16="http://schemas.microsoft.com/office/drawing/2014/main" id="{E3B2E017-30B2-884B-A113-B419A2ED51AD}"/>
+              </a:ext>
+            </a:extLst>
+          </p:cNvPr>
+          <p:cNvSpPr>
+            <a:spLocks noGrp="1"/>
+          </p:cNvSpPr>
+          <p:nvPr>
+            <p:ph idx="1"/>
+          </p:nvPr>
+        </p:nvSpPr>
+        <p:spPr>
+          <a:xfrm>
+            <a:off x="215154" y="774395"/>
+            <a:ext cx="8638390" cy="4765793"/>
+          </a:xfrm>
+        </p:spPr>
+        <p:txBody>
+          <a:bodyPr>
+            <a:noAutofit/>
+          </a:bodyPr>
+          <a:lstStyle/>
+          <a:p>
+            <a:pPr marL="0" indent="0">
+              <a:buNone/>
+            </a:pPr>
+            <a:endParaRPr lang="en-US" dirty="0"/>
+          </a:p>
+          <a:p>
+            <a:pPr marL="0" indent="0">
+              <a:buNone/>
+            </a:pPr>
+            <a:r>
+              <a:rPr lang="en-US" dirty="0"/>
+              <a:t>Another example of a run-time error is an </a:t>
+            </a:r>
+            <a:r>
+              <a:rPr lang="en-US" b="1" dirty="0"/>
+              <a:t>overflow error.  </a:t>
+            </a:r>
+            <a:r>
+              <a:rPr lang="en-US" dirty="0"/>
+              <a:t>An </a:t>
+            </a:r>
+            <a:r>
+              <a:rPr lang="en-US" b="1" dirty="0"/>
+              <a:t>overflow error</a:t>
+            </a:r>
+            <a:r>
+              <a:rPr lang="en-US" i="1" dirty="0"/>
+              <a:t> </a:t>
+            </a:r>
+            <a:r>
+              <a:rPr lang="en-US" dirty="0"/>
+              <a:t>is an error that occurs when a computer attempts to handle a number that is outside of the defined range of values. </a:t>
+            </a:r>
+          </a:p>
+          <a:p>
+            <a:pPr marL="0" indent="0">
+              <a:buNone/>
+            </a:pPr>
+            <a:endParaRPr lang="en-US" sz="2000" b="1" dirty="0">
+              <a:solidFill>
+                <a:srgbClr val="000087"/>
+              </a:solidFill>
+              <a:latin typeface="Inconsolata" panose="020B0609030003000000" pitchFamily="49" charset="77"/>
+            </a:endParaRPr>
+          </a:p>
+          <a:p>
+            <a:pPr marL="0" indent="0">
+              <a:buNone/>
+            </a:pPr>
+            <a:endParaRPr lang="en-US" sz="2000" b="1" dirty="0">
+              <a:solidFill>
+                <a:srgbClr val="00B050"/>
+              </a:solidFill>
+              <a:latin typeface="Inconsolata" panose="020B0609030003000000" pitchFamily="49" charset="77"/>
+            </a:endParaRPr>
+          </a:p>
+          <a:p>
+            <a:pPr marL="0" indent="0">
+              <a:buNone/>
+            </a:pPr>
+            <a:r>
+              <a:rPr lang="en-US" sz="2000" b="1" dirty="0">
+                <a:latin typeface="Inconsolata" panose="020B0609030003000000" pitchFamily="49" charset="77"/>
+              </a:rPr>
+              <a:t>print(2.0 ** 10000) 	</a:t>
+            </a:r>
+            <a:r>
+              <a:rPr lang="en-US" sz="2000" b="1" dirty="0">
+                <a:solidFill>
+                  <a:schemeClr val="accent1"/>
+                </a:solidFill>
+                <a:latin typeface="INCONSOLATA" panose="020B0609030003000000" pitchFamily="49" charset="77"/>
+              </a:rPr>
+              <a:t># </a:t>
+            </a:r>
+            <a:r>
+              <a:rPr lang="en-US" b="1" dirty="0" err="1">
+                <a:solidFill>
+                  <a:schemeClr val="accent1"/>
+                </a:solidFill>
+                <a:latin typeface="INCONSOLATA" panose="020B0609030003000000" pitchFamily="49" charset="77"/>
+              </a:rPr>
+              <a:t>OverflowError</a:t>
+            </a:r>
+            <a:r>
+              <a:rPr lang="en-US" b="1" dirty="0">
+                <a:solidFill>
+                  <a:schemeClr val="accent1"/>
+                </a:solidFill>
+                <a:latin typeface="INCONSOLATA" panose="020B0609030003000000" pitchFamily="49" charset="77"/>
+              </a:rPr>
+              <a:t>: 'Result too large'</a:t>
+            </a:r>
+            <a:endParaRPr lang="en-US" sz="2000" b="1" dirty="0">
+              <a:solidFill>
+                <a:schemeClr val="accent1"/>
+              </a:solidFill>
+              <a:latin typeface="INCONSOLATA" panose="020B0609030003000000" pitchFamily="49" charset="77"/>
+            </a:endParaRPr>
+          </a:p>
+          <a:p>
+            <a:pPr marL="0" indent="0">
+              <a:buNone/>
+            </a:pPr>
+            <a:endParaRPr lang="en-US" sz="1900" b="1" dirty="0">
+              <a:latin typeface="Inconsolata" panose="020B0609030003000000" pitchFamily="49" charset="77"/>
+            </a:endParaRPr>
+          </a:p>
+          <a:p>
+            <a:pPr marL="0" indent="0">
+              <a:buNone/>
+            </a:pPr>
+            <a:endParaRPr lang="en-US" sz="1900" b="1" dirty="0">
+              <a:latin typeface="Inconsolata" panose="020B0609030003000000" pitchFamily="49" charset="77"/>
+            </a:endParaRPr>
+          </a:p>
+          <a:p>
+            <a:pPr marL="0" indent="0">
+              <a:buNone/>
+            </a:pPr>
+            <a:endParaRPr lang="en-US" sz="1900" b="1" dirty="0">
+              <a:latin typeface="Inconsolata" panose="020B0609030003000000" pitchFamily="49" charset="77"/>
+            </a:endParaRPr>
+          </a:p>
+        </p:txBody>
+      </p:sp>
+      <p:sp>
+        <p:nvSpPr>
+          <p:cNvPr id="3" name="Slide Number Placeholder 2">
+            <a:extLst>
+              <a:ext uri="{FF2B5EF4-FFF2-40B4-BE49-F238E27FC236}">
+                <a16:creationId xmlns:a16="http://schemas.microsoft.com/office/drawing/2014/main" id="{D83CB181-6AE6-A743-B2F5-C2EFF9C7B693}"/>
+              </a:ext>
+            </a:extLst>
+          </p:cNvPr>
+          <p:cNvSpPr>
+            <a:spLocks noGrp="1"/>
+          </p:cNvSpPr>
+          <p:nvPr>
+            <p:ph type="sldNum" sz="quarter" idx="12"/>
+          </p:nvPr>
+        </p:nvSpPr>
+        <p:spPr/>
+        <p:txBody>
+          <a:bodyPr/>
+          <a:lstStyle/>
+          <a:p>
+            <a:fld id="{D57F1E4F-1CFF-5643-939E-02111984F565}" type="slidenum">
+              <a:rPr lang="en-US" smtClean="0"/>
+              <a:t>23</a:t>
+            </a:fld>
+            <a:endParaRPr lang="en-US" dirty="0"/>
+          </a:p>
+        </p:txBody>
+      </p:sp>
+    </p:spTree>
+    <p:extLst>
+      <p:ext uri="{BB962C8B-B14F-4D97-AF65-F5344CB8AC3E}">
+        <p14:creationId xmlns:p14="http://schemas.microsoft.com/office/powerpoint/2010/main" val="2046322100"/>
+      </p:ext>
+    </p:extLst>
+  </p:cSld>
+  <p:clrMapOvr>
+    <a:masterClrMapping/>
+  </p:clrMapOvr>
+  <p:timing>
+    <p:tnLst>
+      <p:par>
+        <p:cTn id="1" dur="indefinite" restart="never" nodeType="tmRoot">
+          <p:childTnLst>
+            <p:seq concurrent="1" nextAc="seek">
+              <p:cTn id="2" dur="indefinite" nodeType="mainSeq">
+                <p:childTnLst>
+                  <p:par>
+                    <p:cTn id="3" fill="hold">
+                      <p:stCondLst>
+                        <p:cond delay="indefinite"/>
+                      </p:stCondLst>
+                      <p:childTnLst>
+                        <p:par>
+                          <p:cTn id="4" fill="hold">
+                            <p:stCondLst>
+                              <p:cond delay="0"/>
+                            </p:stCondLst>
+                            <p:childTnLst>
+                              <p:par>
+                                <p:cTn id="5" presetID="1" presetClass="entr" presetSubtype="0" fill="hold" nodeType="clickEffect">
+                                  <p:stCondLst>
+                                    <p:cond delay="0"/>
+                                  </p:stCondLst>
+                                  <p:childTnLst>
+                                    <p:set>
+                                      <p:cBhvr>
+                                        <p:cTn id="6" dur="1" fill="hold">
+                                          <p:stCondLst>
+                                            <p:cond delay="0"/>
+                                          </p:stCondLst>
+                                        </p:cTn>
+                                        <p:tgtEl>
+                                          <p:spTgt spid="9">
+                                            <p:txEl>
+                                              <p:pRg st="4" end="4"/>
+                                            </p:txEl>
+                                          </p:spTgt>
+                                        </p:tgtEl>
+                                        <p:attrNameLst>
+                                          <p:attrName>style.visibility</p:attrName>
+                                        </p:attrNameLst>
+                                      </p:cBhvr>
+                                      <p:to>
+                                        <p:strVal val="visible"/>
+                                      </p:to>
+                                    </p:set>
+                                  </p:childTnLst>
+                                </p:cTn>
+                              </p:par>
+                            </p:childTnLst>
+                          </p:cTn>
+                        </p:par>
+                      </p:childTnLst>
+                    </p:cTn>
+                  </p:par>
+                </p:childTnLst>
+              </p:cTn>
+              <p:prevCondLst>
+                <p:cond evt="onPrev" delay="0">
+                  <p:tgtEl>
+                    <p:sldTgt/>
+                  </p:tgtEl>
+                </p:cond>
+              </p:prevCondLst>
+              <p:nextCondLst>
+                <p:cond evt="onNext" delay="0">
+                  <p:tgtEl>
+                    <p:sldTgt/>
+                  </p:tgtEl>
+                </p:cond>
+              </p:nextCondLst>
+            </p:seq>
+          </p:childTnLst>
+        </p:cTn>
+      </p:par>
+    </p:tnLst>
+  </p:timing>
+</p:sld>
+</file>
+
+<file path=ppt/slides/slide24.xml><?xml version="1.0" encoding="utf-8"?>
+<p:sld xmlns:a="http://schemas.openxmlformats.org/drawingml/2006/main" xmlns:r="http://schemas.openxmlformats.org/officeDocument/2006/relationships" xmlns:p="http://schemas.openxmlformats.org/presentationml/2006/main">
+  <p:cSld>
+    <p:spTree>
+      <p:nvGrpSpPr>
+        <p:cNvPr id="1" name=""/>
+        <p:cNvGrpSpPr/>
+        <p:nvPr/>
+      </p:nvGrpSpPr>
+      <p:grpSpPr>
+        <a:xfrm>
+          <a:off x="0" y="0"/>
+          <a:ext cx="0" cy="0"/>
+          <a:chOff x="0" y="0"/>
+          <a:chExt cx="0" cy="0"/>
+        </a:xfrm>
+      </p:grpSpPr>
+      <p:sp>
+        <p:nvSpPr>
+          <p:cNvPr id="2" name="Title 1">
+            <a:extLst>
+              <a:ext uri="{FF2B5EF4-FFF2-40B4-BE49-F238E27FC236}">
+                <a16:creationId xmlns:a16="http://schemas.microsoft.com/office/drawing/2014/main" id="{AA3A228F-61D0-D949-A5E7-F83756230BF8}"/>
+              </a:ext>
+            </a:extLst>
+          </p:cNvPr>
+          <p:cNvSpPr>
+            <a:spLocks noGrp="1"/>
+          </p:cNvSpPr>
+          <p:nvPr>
+            <p:ph type="title"/>
+          </p:nvPr>
+        </p:nvSpPr>
+        <p:spPr>
+          <a:xfrm>
+            <a:off x="118088" y="90509"/>
+            <a:ext cx="7053542" cy="683886"/>
+          </a:xfrm>
+        </p:spPr>
+        <p:txBody>
+          <a:bodyPr/>
+          <a:lstStyle/>
+          <a:p>
+            <a:r>
+              <a:rPr lang="en-US" dirty="0"/>
+              <a:t>Logic Errors</a:t>
+            </a:r>
+          </a:p>
+        </p:txBody>
+      </p:sp>
+      <p:sp>
+        <p:nvSpPr>
+          <p:cNvPr id="9" name="Content Placeholder 8">
+            <a:extLst>
+              <a:ext uri="{FF2B5EF4-FFF2-40B4-BE49-F238E27FC236}">
+                <a16:creationId xmlns:a16="http://schemas.microsoft.com/office/drawing/2014/main" id="{E3B2E017-30B2-884B-A113-B419A2ED51AD}"/>
+              </a:ext>
+            </a:extLst>
+          </p:cNvPr>
+          <p:cNvSpPr>
+            <a:spLocks noGrp="1"/>
+          </p:cNvSpPr>
+          <p:nvPr>
+            <p:ph idx="1"/>
+          </p:nvPr>
+        </p:nvSpPr>
+        <p:spPr>
+          <a:xfrm>
+            <a:off x="215154" y="774395"/>
+            <a:ext cx="9103944" cy="4940605"/>
+          </a:xfrm>
+        </p:spPr>
+        <p:txBody>
+          <a:bodyPr>
+            <a:noAutofit/>
+          </a:bodyPr>
+          <a:lstStyle/>
+          <a:p>
+            <a:pPr marL="0" indent="0">
+              <a:buNone/>
+            </a:pPr>
+            <a:r>
+              <a:rPr lang="en-US" dirty="0"/>
+              <a:t>The interpreter can detect syntax errors during the translation phase and uncover run-time exceptions during the execution phase. Both kinds of problems represent violations of the Python language. </a:t>
+            </a:r>
+          </a:p>
+          <a:p>
+            <a:pPr marL="0" indent="0">
+              <a:buNone/>
+            </a:pPr>
+            <a:endParaRPr lang="en-US" dirty="0"/>
+          </a:p>
+          <a:p>
+            <a:pPr marL="0" indent="0">
+              <a:buNone/>
+            </a:pPr>
+            <a:r>
+              <a:rPr lang="en-US" dirty="0"/>
+              <a:t>Such errors are the easiest to repair because the interpreter indicates the exact location within the source code where it detected the problem. </a:t>
+            </a:r>
+          </a:p>
+          <a:p>
+            <a:pPr marL="0" indent="0">
+              <a:buNone/>
+            </a:pPr>
+            <a:endParaRPr lang="en-US" sz="2000" b="1" dirty="0">
+              <a:solidFill>
+                <a:srgbClr val="000087"/>
+              </a:solidFill>
+              <a:latin typeface="Inconsolata" panose="020B0609030003000000" pitchFamily="49" charset="77"/>
+            </a:endParaRPr>
+          </a:p>
+          <a:p>
+            <a:pPr marL="0" indent="0">
+              <a:buNone/>
+            </a:pPr>
+            <a:r>
+              <a:rPr lang="en-US" dirty="0"/>
+              <a:t>A </a:t>
+            </a:r>
+            <a:r>
+              <a:rPr lang="en-US" b="1" dirty="0"/>
+              <a:t>logic error </a:t>
+            </a:r>
+            <a:r>
+              <a:rPr lang="en-US" dirty="0"/>
+              <a:t>is a mistake in the algorithm or program that causes it to behave incorrectly or unexpectedly. </a:t>
+            </a:r>
+            <a:endParaRPr lang="en-US" sz="2000" dirty="0"/>
+          </a:p>
+          <a:p>
+            <a:pPr marL="0" indent="0">
+              <a:buNone/>
+            </a:pPr>
+            <a:endParaRPr lang="en-US" sz="2000" b="1" dirty="0">
+              <a:solidFill>
+                <a:srgbClr val="000087"/>
+              </a:solidFill>
+              <a:latin typeface="Inconsolata" panose="020B0609030003000000" pitchFamily="49" charset="77"/>
+            </a:endParaRPr>
+          </a:p>
+          <a:p>
+            <a:pPr marL="0" indent="0">
+              <a:buNone/>
+            </a:pPr>
+            <a:endParaRPr lang="en-US" sz="2000" dirty="0"/>
+          </a:p>
+          <a:p>
+            <a:pPr marL="0" indent="0">
+              <a:buNone/>
+            </a:pPr>
+            <a:endParaRPr lang="en-US" sz="1900" b="1" dirty="0">
+              <a:latin typeface="Inconsolata" panose="020B0609030003000000" pitchFamily="49" charset="77"/>
+            </a:endParaRPr>
+          </a:p>
+          <a:p>
+            <a:pPr marL="0" indent="0">
+              <a:buNone/>
+            </a:pPr>
+            <a:endParaRPr lang="en-US" sz="1900" b="1" dirty="0">
+              <a:latin typeface="Inconsolata" panose="020B0609030003000000" pitchFamily="49" charset="77"/>
+            </a:endParaRPr>
+          </a:p>
+        </p:txBody>
+      </p:sp>
+      <p:sp>
+        <p:nvSpPr>
+          <p:cNvPr id="3" name="Slide Number Placeholder 2">
+            <a:extLst>
+              <a:ext uri="{FF2B5EF4-FFF2-40B4-BE49-F238E27FC236}">
+                <a16:creationId xmlns:a16="http://schemas.microsoft.com/office/drawing/2014/main" id="{D83CB181-6AE6-A743-B2F5-C2EFF9C7B693}"/>
+              </a:ext>
+            </a:extLst>
+          </p:cNvPr>
+          <p:cNvSpPr>
+            <a:spLocks noGrp="1"/>
+          </p:cNvSpPr>
+          <p:nvPr>
+            <p:ph type="sldNum" sz="quarter" idx="12"/>
+          </p:nvPr>
+        </p:nvSpPr>
+        <p:spPr/>
+        <p:txBody>
+          <a:bodyPr/>
+          <a:lstStyle/>
+          <a:p>
+            <a:fld id="{D57F1E4F-1CFF-5643-939E-02111984F565}" type="slidenum">
+              <a:rPr lang="en-US" smtClean="0"/>
+              <a:t>24</a:t>
+            </a:fld>
+            <a:endParaRPr lang="en-US" dirty="0"/>
+          </a:p>
+        </p:txBody>
+      </p:sp>
+    </p:spTree>
+    <p:extLst>
+      <p:ext uri="{BB962C8B-B14F-4D97-AF65-F5344CB8AC3E}">
+        <p14:creationId xmlns:p14="http://schemas.microsoft.com/office/powerpoint/2010/main" val="4008236168"/>
+      </p:ext>
+    </p:extLst>
+  </p:cSld>
+  <p:clrMapOvr>
+    <a:masterClrMapping/>
+  </p:clrMapOvr>
+  <p:timing>
+    <p:tnLst>
+      <p:par>
+        <p:cTn id="1" dur="indefinite" restart="never" nodeType="tmRoot">
+          <p:childTnLst>
+            <p:seq concurrent="1" nextAc="seek">
+              <p:cTn id="2" dur="indefinite" nodeType="mainSeq">
+                <p:childTnLst>
+                  <p:par>
+                    <p:cTn id="3" fill="hold">
+                      <p:stCondLst>
+                        <p:cond delay="indefinite"/>
+                      </p:stCondLst>
+                      <p:childTnLst>
+                        <p:par>
+                          <p:cTn id="4" fill="hold">
+                            <p:stCondLst>
+                              <p:cond delay="0"/>
+                            </p:stCondLst>
+                            <p:childTnLst>
+                              <p:par>
+                                <p:cTn id="5" presetID="1" presetClass="entr" presetSubtype="0" fill="hold" nodeType="clickEffect">
+                                  <p:stCondLst>
+                                    <p:cond delay="0"/>
+                                  </p:stCondLst>
+                                  <p:childTnLst>
+                                    <p:set>
+                                      <p:cBhvr>
+                                        <p:cTn id="6" dur="1" fill="hold">
+                                          <p:stCondLst>
+                                            <p:cond delay="0"/>
+                                          </p:stCondLst>
+                                        </p:cTn>
+                                        <p:tgtEl>
+                                          <p:spTgt spid="9">
+                                            <p:txEl>
+                                              <p:pRg st="2" end="2"/>
+                                            </p:txEl>
+                                          </p:spTgt>
+                                        </p:tgtEl>
+                                        <p:attrNameLst>
+                                          <p:attrName>style.visibility</p:attrName>
+                                        </p:attrNameLst>
+                                      </p:cBhvr>
+                                      <p:to>
+                                        <p:strVal val="visible"/>
+                                      </p:to>
+                                    </p:set>
+                                  </p:childTnLst>
+                                </p:cTn>
+                              </p:par>
+                            </p:childTnLst>
+                          </p:cTn>
+                        </p:par>
+                      </p:childTnLst>
+                    </p:cTn>
+                  </p:par>
+                  <p:par>
+                    <p:cTn id="7" fill="hold">
+                      <p:stCondLst>
+                        <p:cond delay="indefinite"/>
+                      </p:stCondLst>
+                      <p:childTnLst>
+                        <p:par>
+                          <p:cTn id="8" fill="hold">
+                            <p:stCondLst>
+                              <p:cond delay="0"/>
+                            </p:stCondLst>
+                            <p:childTnLst>
+                              <p:par>
+                                <p:cTn id="9" presetID="1" presetClass="entr" presetSubtype="0" fill="hold" nodeType="clickEffect">
+                                  <p:stCondLst>
+                                    <p:cond delay="0"/>
+                                  </p:stCondLst>
+                                  <p:childTnLst>
+                                    <p:set>
+                                      <p:cBhvr>
+                                        <p:cTn id="10" dur="1" fill="hold">
+                                          <p:stCondLst>
+                                            <p:cond delay="0"/>
+                                          </p:stCondLst>
+                                        </p:cTn>
+                                        <p:tgtEl>
+                                          <p:spTgt spid="9">
+                                            <p:txEl>
+                                              <p:pRg st="4" end="4"/>
+                                            </p:txEl>
+                                          </p:spTgt>
+                                        </p:tgtEl>
+                                        <p:attrNameLst>
+                                          <p:attrName>style.visibility</p:attrName>
+                                        </p:attrNameLst>
+                                      </p:cBhvr>
+                                      <p:to>
+                                        <p:strVal val="visible"/>
+                                      </p:to>
+                                    </p:set>
+                                  </p:childTnLst>
+                                </p:cTn>
+                              </p:par>
+                            </p:childTnLst>
+                          </p:cTn>
+                        </p:par>
+                      </p:childTnLst>
+                    </p:cTn>
+                  </p:par>
+                </p:childTnLst>
+              </p:cTn>
+              <p:prevCondLst>
+                <p:cond evt="onPrev" delay="0">
+                  <p:tgtEl>
+                    <p:sldTgt/>
+                  </p:tgtEl>
+                </p:cond>
+              </p:prevCondLst>
+              <p:nextCondLst>
+                <p:cond evt="onNext" delay="0">
+                  <p:tgtEl>
+                    <p:sldTgt/>
+                  </p:tgtEl>
+                </p:cond>
+              </p:nextCondLst>
+            </p:seq>
+          </p:childTnLst>
+        </p:cTn>
+      </p:par>
+    </p:tnLst>
+  </p:timing>
+</p:sld>
+</file>
+
+<file path=ppt/slides/slide25.xml><?xml version="1.0" encoding="utf-8"?>
+<p:sld xmlns:a="http://schemas.openxmlformats.org/drawingml/2006/main" xmlns:r="http://schemas.openxmlformats.org/officeDocument/2006/relationships" xmlns:p="http://schemas.openxmlformats.org/presentationml/2006/main">
+  <p:cSld>
+    <p:spTree>
+      <p:nvGrpSpPr>
+        <p:cNvPr id="1" name=""/>
+        <p:cNvGrpSpPr/>
+        <p:nvPr/>
+      </p:nvGrpSpPr>
+      <p:grpSpPr>
+        <a:xfrm>
+          <a:off x="0" y="0"/>
+          <a:ext cx="0" cy="0"/>
+          <a:chOff x="0" y="0"/>
+          <a:chExt cx="0" cy="0"/>
+        </a:xfrm>
+      </p:grpSpPr>
+      <p:sp>
+        <p:nvSpPr>
+          <p:cNvPr id="2" name="Title 1">
+            <a:extLst>
+              <a:ext uri="{FF2B5EF4-FFF2-40B4-BE49-F238E27FC236}">
+                <a16:creationId xmlns:a16="http://schemas.microsoft.com/office/drawing/2014/main" id="{AA3A228F-61D0-D949-A5E7-F83756230BF8}"/>
+              </a:ext>
+            </a:extLst>
+          </p:cNvPr>
+          <p:cNvSpPr>
+            <a:spLocks noGrp="1"/>
+          </p:cNvSpPr>
+          <p:nvPr>
+            <p:ph type="title"/>
+          </p:nvPr>
+        </p:nvSpPr>
+        <p:spPr>
+          <a:xfrm>
+            <a:off x="118088" y="90509"/>
+            <a:ext cx="7053542" cy="683886"/>
+          </a:xfrm>
+        </p:spPr>
+        <p:txBody>
+          <a:bodyPr/>
+          <a:lstStyle/>
+          <a:p>
+            <a:r>
+              <a:rPr lang="en-US" dirty="0"/>
+              <a:t>Logic Errors</a:t>
+            </a:r>
+          </a:p>
+        </p:txBody>
+      </p:sp>
+      <p:sp>
+        <p:nvSpPr>
+          <p:cNvPr id="9" name="Content Placeholder 8">
+            <a:extLst>
+              <a:ext uri="{FF2B5EF4-FFF2-40B4-BE49-F238E27FC236}">
+                <a16:creationId xmlns:a16="http://schemas.microsoft.com/office/drawing/2014/main" id="{E3B2E017-30B2-884B-A113-B419A2ED51AD}"/>
+              </a:ext>
+            </a:extLst>
+          </p:cNvPr>
+          <p:cNvSpPr>
+            <a:spLocks noGrp="1"/>
+          </p:cNvSpPr>
+          <p:nvPr>
+            <p:ph idx="1"/>
+          </p:nvPr>
+        </p:nvSpPr>
+        <p:spPr>
+          <a:xfrm>
+            <a:off x="215154" y="774395"/>
+            <a:ext cx="9103944" cy="4940605"/>
+          </a:xfrm>
+        </p:spPr>
+        <p:txBody>
+          <a:bodyPr>
+            <a:noAutofit/>
+          </a:bodyPr>
+          <a:lstStyle/>
+          <a:p>
+            <a:pPr marL="0" indent="0">
+              <a:buNone/>
+            </a:pPr>
+            <a:r>
+              <a:rPr lang="en-US" dirty="0"/>
+              <a:t>Consider the effects of replacing the expression dividend/divisor with divisor/</a:t>
+            </a:r>
+            <a:r>
+              <a:rPr lang="en-US" dirty="0" err="1"/>
+              <a:t>divident</a:t>
+            </a:r>
+            <a:r>
+              <a:rPr lang="en-US" dirty="0"/>
+              <a:t>. </a:t>
+            </a:r>
+            <a:endParaRPr lang="en-US" sz="2000" dirty="0"/>
+          </a:p>
+          <a:p>
+            <a:pPr marL="0" indent="0">
+              <a:buNone/>
+            </a:pPr>
+            <a:endParaRPr lang="en-US" dirty="0"/>
+          </a:p>
+          <a:p>
+            <a:pPr marL="0" indent="0">
+              <a:buNone/>
+            </a:pPr>
+            <a:r>
+              <a:rPr lang="en-US" dirty="0"/>
+              <a:t>The program runs, and unless the user enters a value of zero for the dividend, the interpreter will report no errors. However, the answer it computes is not correct in general. </a:t>
+            </a:r>
+          </a:p>
+          <a:p>
+            <a:pPr marL="0" indent="0">
+              <a:buNone/>
+            </a:pPr>
+            <a:endParaRPr lang="en-US" dirty="0"/>
+          </a:p>
+          <a:p>
+            <a:pPr marL="0" indent="0">
+              <a:buNone/>
+            </a:pPr>
+            <a:r>
+              <a:rPr lang="en-US" dirty="0"/>
+              <a:t>The only time the program will print the correct answer is when dividend equals divisor. </a:t>
+            </a:r>
+          </a:p>
+          <a:p>
+            <a:pPr marL="0" indent="0">
+              <a:buNone/>
+            </a:pPr>
+            <a:endParaRPr lang="en-US" dirty="0"/>
+          </a:p>
+          <a:p>
+            <a:pPr marL="0" indent="0">
+              <a:buNone/>
+            </a:pPr>
+            <a:r>
+              <a:rPr lang="en-US" dirty="0"/>
+              <a:t>The program contains an error, but the interpreter is unable detect the problem. An error of this type is known as a </a:t>
+            </a:r>
+            <a:r>
+              <a:rPr lang="en-US" b="1" dirty="0"/>
+              <a:t>logic error</a:t>
+            </a:r>
+            <a:r>
+              <a:rPr lang="en-US" i="1" dirty="0"/>
+              <a:t>.</a:t>
+            </a:r>
+            <a:endParaRPr lang="en-US" sz="2000" dirty="0"/>
+          </a:p>
+          <a:p>
+            <a:pPr marL="0" indent="0">
+              <a:buNone/>
+            </a:pPr>
+            <a:endParaRPr lang="en-US" sz="1900" b="1" dirty="0">
+              <a:latin typeface="Inconsolata" panose="020B0609030003000000" pitchFamily="49" charset="77"/>
+            </a:endParaRPr>
+          </a:p>
+          <a:p>
+            <a:pPr marL="0" indent="0">
+              <a:buNone/>
+            </a:pPr>
+            <a:endParaRPr lang="en-US" sz="1900" b="1" dirty="0">
+              <a:latin typeface="Inconsolata" panose="020B0609030003000000" pitchFamily="49" charset="77"/>
+            </a:endParaRPr>
+          </a:p>
+        </p:txBody>
+      </p:sp>
+      <p:sp>
+        <p:nvSpPr>
+          <p:cNvPr id="3" name="Slide Number Placeholder 2">
+            <a:extLst>
+              <a:ext uri="{FF2B5EF4-FFF2-40B4-BE49-F238E27FC236}">
+                <a16:creationId xmlns:a16="http://schemas.microsoft.com/office/drawing/2014/main" id="{D83CB181-6AE6-A743-B2F5-C2EFF9C7B693}"/>
+              </a:ext>
+            </a:extLst>
+          </p:cNvPr>
+          <p:cNvSpPr>
+            <a:spLocks noGrp="1"/>
+          </p:cNvSpPr>
+          <p:nvPr>
+            <p:ph type="sldNum" sz="quarter" idx="12"/>
+          </p:nvPr>
+        </p:nvSpPr>
+        <p:spPr/>
+        <p:txBody>
+          <a:bodyPr/>
+          <a:lstStyle/>
+          <a:p>
+            <a:fld id="{D57F1E4F-1CFF-5643-939E-02111984F565}" type="slidenum">
+              <a:rPr lang="en-US" smtClean="0"/>
+              <a:t>25</a:t>
+            </a:fld>
+            <a:endParaRPr lang="en-US" dirty="0"/>
+          </a:p>
+        </p:txBody>
+      </p:sp>
+    </p:spTree>
+    <p:extLst>
+      <p:ext uri="{BB962C8B-B14F-4D97-AF65-F5344CB8AC3E}">
+        <p14:creationId xmlns:p14="http://schemas.microsoft.com/office/powerpoint/2010/main" val="2653600559"/>
+      </p:ext>
+    </p:extLst>
+  </p:cSld>
+  <p:clrMapOvr>
+    <a:masterClrMapping/>
+  </p:clrMapOvr>
+  <p:timing>
+    <p:tnLst>
+      <p:par>
+        <p:cTn id="1" dur="indefinite" restart="never" nodeType="tmRoot">
+          <p:childTnLst>
+            <p:seq concurrent="1" nextAc="seek">
+              <p:cTn id="2" dur="indefinite" nodeType="mainSeq">
+                <p:childTnLst>
+                  <p:par>
+                    <p:cTn id="3" fill="hold">
+                      <p:stCondLst>
+                        <p:cond delay="indefinite"/>
+                      </p:stCondLst>
+                      <p:childTnLst>
+                        <p:par>
+                          <p:cTn id="4" fill="hold">
+                            <p:stCondLst>
+                              <p:cond delay="0"/>
+                            </p:stCondLst>
+                            <p:childTnLst>
+                              <p:par>
+                                <p:cTn id="5" presetID="1" presetClass="entr" presetSubtype="0" fill="hold" nodeType="clickEffect">
+                                  <p:stCondLst>
+                                    <p:cond delay="0"/>
+                                  </p:stCondLst>
+                                  <p:childTnLst>
+                                    <p:set>
+                                      <p:cBhvr>
+                                        <p:cTn id="6" dur="1" fill="hold">
+                                          <p:stCondLst>
+                                            <p:cond delay="0"/>
+                                          </p:stCondLst>
+                                        </p:cTn>
+                                        <p:tgtEl>
+                                          <p:spTgt spid="9">
+                                            <p:txEl>
+                                              <p:pRg st="2" end="2"/>
+                                            </p:txEl>
+                                          </p:spTgt>
+                                        </p:tgtEl>
+                                        <p:attrNameLst>
+                                          <p:attrName>style.visibility</p:attrName>
+                                        </p:attrNameLst>
+                                      </p:cBhvr>
+                                      <p:to>
+                                        <p:strVal val="visible"/>
+                                      </p:to>
+                                    </p:set>
+                                  </p:childTnLst>
+                                </p:cTn>
+                              </p:par>
+                            </p:childTnLst>
+                          </p:cTn>
+                        </p:par>
+                      </p:childTnLst>
+                    </p:cTn>
+                  </p:par>
+                  <p:par>
+                    <p:cTn id="7" fill="hold">
+                      <p:stCondLst>
+                        <p:cond delay="indefinite"/>
+                      </p:stCondLst>
+                      <p:childTnLst>
+                        <p:par>
+                          <p:cTn id="8" fill="hold">
+                            <p:stCondLst>
+                              <p:cond delay="0"/>
+                            </p:stCondLst>
+                            <p:childTnLst>
+                              <p:par>
+                                <p:cTn id="9" presetID="1" presetClass="entr" presetSubtype="0" fill="hold" nodeType="clickEffect">
+                                  <p:stCondLst>
+                                    <p:cond delay="0"/>
+                                  </p:stCondLst>
+                                  <p:childTnLst>
+                                    <p:set>
+                                      <p:cBhvr>
+                                        <p:cTn id="10" dur="1" fill="hold">
+                                          <p:stCondLst>
+                                            <p:cond delay="0"/>
+                                          </p:stCondLst>
+                                        </p:cTn>
+                                        <p:tgtEl>
+                                          <p:spTgt spid="9">
+                                            <p:txEl>
+                                              <p:pRg st="4" end="4"/>
+                                            </p:txEl>
+                                          </p:spTgt>
+                                        </p:tgtEl>
+                                        <p:attrNameLst>
+                                          <p:attrName>style.visibility</p:attrName>
+                                        </p:attrNameLst>
+                                      </p:cBhvr>
+                                      <p:to>
+                                        <p:strVal val="visible"/>
+                                      </p:to>
+                                    </p:set>
+                                  </p:childTnLst>
+                                </p:cTn>
+                              </p:par>
+                            </p:childTnLst>
+                          </p:cTn>
+                        </p:par>
+                      </p:childTnLst>
+                    </p:cTn>
+                  </p:par>
+                  <p:par>
+                    <p:cTn id="11" fill="hold">
+                      <p:stCondLst>
+                        <p:cond delay="indefinite"/>
+                      </p:stCondLst>
+                      <p:childTnLst>
+                        <p:par>
+                          <p:cTn id="12" fill="hold">
+                            <p:stCondLst>
+                              <p:cond delay="0"/>
+                            </p:stCondLst>
+                            <p:childTnLst>
+                              <p:par>
+                                <p:cTn id="13" presetID="1" presetClass="entr" presetSubtype="0" fill="hold" nodeType="clickEffect">
+                                  <p:stCondLst>
+                                    <p:cond delay="0"/>
+                                  </p:stCondLst>
+                                  <p:childTnLst>
+                                    <p:set>
+                                      <p:cBhvr>
+                                        <p:cTn id="14" dur="1" fill="hold">
+                                          <p:stCondLst>
+                                            <p:cond delay="0"/>
+                                          </p:stCondLst>
+                                        </p:cTn>
+                                        <p:tgtEl>
+                                          <p:spTgt spid="9">
+                                            <p:txEl>
+                                              <p:pRg st="6" end="6"/>
+                                            </p:txEl>
+                                          </p:spTgt>
+                                        </p:tgtEl>
+                                        <p:attrNameLst>
+                                          <p:attrName>style.visibility</p:attrName>
+                                        </p:attrNameLst>
+                                      </p:cBhvr>
+                                      <p:to>
+                                        <p:strVal val="visible"/>
+                                      </p:to>
+                                    </p:set>
+                                  </p:childTnLst>
+                                </p:cTn>
+                              </p:par>
+                            </p:childTnLst>
+                          </p:cTn>
+                        </p:par>
+                      </p:childTnLst>
+                    </p:cTn>
+                  </p:par>
+                </p:childTnLst>
+              </p:cTn>
+              <p:prevCondLst>
+                <p:cond evt="onPrev" delay="0">
+                  <p:tgtEl>
+                    <p:sldTgt/>
+                  </p:tgtEl>
+                </p:cond>
+              </p:prevCondLst>
+              <p:nextCondLst>
+                <p:cond evt="onNext" delay="0">
+                  <p:tgtEl>
+                    <p:sldTgt/>
+                  </p:tgtEl>
+                </p:cond>
+              </p:nextCondLst>
+            </p:seq>
+          </p:childTnLst>
+        </p:cTn>
+      </p:par>
+    </p:tnLst>
+  </p:timing>
+</p:sld>
+</file>
+
+<file path=ppt/slides/slide26.xml><?xml version="1.0" encoding="utf-8"?>
+<p:sld xmlns:a="http://schemas.openxmlformats.org/drawingml/2006/main" xmlns:r="http://schemas.openxmlformats.org/officeDocument/2006/relationships" xmlns:p="http://schemas.openxmlformats.org/presentationml/2006/main">
+  <p:cSld>
+    <p:spTree>
+      <p:nvGrpSpPr>
+        <p:cNvPr id="1" name=""/>
+        <p:cNvGrpSpPr/>
+        <p:nvPr/>
+      </p:nvGrpSpPr>
+      <p:grpSpPr>
+        <a:xfrm>
+          <a:off x="0" y="0"/>
+          <a:ext cx="0" cy="0"/>
+          <a:chOff x="0" y="0"/>
+          <a:chExt cx="0" cy="0"/>
+        </a:xfrm>
+      </p:grpSpPr>
+      <p:sp>
+        <p:nvSpPr>
+          <p:cNvPr id="2" name="Title 1">
+            <a:extLst>
+              <a:ext uri="{FF2B5EF4-FFF2-40B4-BE49-F238E27FC236}">
+                <a16:creationId xmlns:a16="http://schemas.microsoft.com/office/drawing/2014/main" id="{AA3A228F-61D0-D949-A5E7-F83756230BF8}"/>
+              </a:ext>
+            </a:extLst>
+          </p:cNvPr>
+          <p:cNvSpPr>
+            <a:spLocks noGrp="1"/>
+          </p:cNvSpPr>
+          <p:nvPr>
+            <p:ph type="title"/>
+          </p:nvPr>
+        </p:nvSpPr>
+        <p:spPr>
+          <a:xfrm>
+            <a:off x="124252" y="117706"/>
+            <a:ext cx="7053542" cy="683886"/>
+          </a:xfrm>
+        </p:spPr>
+        <p:txBody>
+          <a:bodyPr/>
+          <a:lstStyle/>
+          <a:p>
+            <a:r>
+              <a:rPr lang="en-US" dirty="0"/>
+              <a:t>Lab 1: Modulo Operator</a:t>
+            </a:r>
+          </a:p>
+        </p:txBody>
+      </p:sp>
+      <p:sp>
+        <p:nvSpPr>
+          <p:cNvPr id="9" name="Content Placeholder 8">
+            <a:extLst>
+              <a:ext uri="{FF2B5EF4-FFF2-40B4-BE49-F238E27FC236}">
+                <a16:creationId xmlns:a16="http://schemas.microsoft.com/office/drawing/2014/main" id="{E3B2E017-30B2-884B-A113-B419A2ED51AD}"/>
+              </a:ext>
+            </a:extLst>
+          </p:cNvPr>
+          <p:cNvSpPr>
+            <a:spLocks noGrp="1"/>
+          </p:cNvSpPr>
+          <p:nvPr>
+            <p:ph idx="1"/>
+          </p:nvPr>
+        </p:nvSpPr>
+        <p:spPr>
+          <a:xfrm>
+            <a:off x="124252" y="801592"/>
+            <a:ext cx="8411321" cy="4913407"/>
+          </a:xfrm>
+        </p:spPr>
+        <p:txBody>
+          <a:bodyPr>
+            <a:noAutofit/>
+          </a:bodyPr>
+          <a:lstStyle/>
+          <a:p>
+            <a:pPr marL="0" indent="0">
+              <a:buNone/>
+            </a:pPr>
+            <a:r>
+              <a:rPr lang="en-US" dirty="0"/>
+              <a:t>Create a new </a:t>
+            </a:r>
+            <a:r>
+              <a:rPr lang="en-US" dirty="0" err="1"/>
+              <a:t>repl</a:t>
+            </a:r>
+            <a:r>
+              <a:rPr lang="en-US" dirty="0"/>
+              <a:t> on </a:t>
+            </a:r>
+            <a:r>
+              <a:rPr lang="en-US" dirty="0" err="1"/>
+              <a:t>repl.it</a:t>
+            </a:r>
+            <a:r>
+              <a:rPr lang="en-US" dirty="0"/>
+              <a:t>. Write code to match the following console output. Underline numbers are user inputs; you must use the input() function. </a:t>
+            </a:r>
+          </a:p>
+          <a:p>
+            <a:pPr marL="0" indent="0">
+              <a:buNone/>
+            </a:pPr>
+            <a:r>
+              <a:rPr lang="en-US" dirty="0">
+                <a:solidFill>
+                  <a:srgbClr val="FF0000"/>
+                </a:solidFill>
+              </a:rPr>
+              <a:t>Create the following variables: ones, tens and hundreds </a:t>
+            </a:r>
+          </a:p>
+          <a:p>
+            <a:pPr marL="0" indent="0">
+              <a:buNone/>
+            </a:pPr>
+     